--- a/04_Comax/04_Comax_Corrige.pptx
+++ b/04_Comax/04_Comax_Corrige.pptx
@@ -9,6 +9,8 @@
     <p:sldId id="265" r:id="rId3"/>
     <p:sldId id="266" r:id="rId4"/>
     <p:sldId id="267" r:id="rId5"/>
+    <p:sldId id="269" r:id="rId6"/>
+    <p:sldId id="268" r:id="rId7"/>
   </p:sldIdLst>
   <p:sldSz cx="12192000" cy="6858000"/>
   <p:notesSz cx="6858000" cy="9144000"/>
@@ -355,7 +357,7 @@
           <a:p>
             <a:fld id="{D7F135F6-2A09-4FDD-9ECA-096E230CA0FA}" type="datetimeFigureOut">
               <a:rPr lang="fr-FR" smtClean="0"/>
-              <a:t>13/04/2023</a:t>
+              <a:t>03/07/2023</a:t>
             </a:fld>
             <a:endParaRPr lang="fr-FR"/>
           </a:p>
@@ -560,7 +562,7 @@
           <a:p>
             <a:fld id="{D7F135F6-2A09-4FDD-9ECA-096E230CA0FA}" type="datetimeFigureOut">
               <a:rPr lang="fr-FR" smtClean="0"/>
-              <a:t>13/04/2023</a:t>
+              <a:t>03/07/2023</a:t>
             </a:fld>
             <a:endParaRPr lang="fr-FR"/>
           </a:p>
@@ -816,7 +818,7 @@
           <a:p>
             <a:fld id="{D7F135F6-2A09-4FDD-9ECA-096E230CA0FA}" type="datetimeFigureOut">
               <a:rPr lang="fr-FR" smtClean="0"/>
-              <a:t>13/04/2023</a:t>
+              <a:t>03/07/2023</a:t>
             </a:fld>
             <a:endParaRPr lang="fr-FR"/>
           </a:p>
@@ -1022,7 +1024,7 @@
           <a:p>
             <a:fld id="{D7F135F6-2A09-4FDD-9ECA-096E230CA0FA}" type="datetimeFigureOut">
               <a:rPr lang="fr-FR" smtClean="0"/>
-              <a:t>13/04/2023</a:t>
+              <a:t>03/07/2023</a:t>
             </a:fld>
             <a:endParaRPr lang="fr-FR"/>
           </a:p>
@@ -1384,7 +1386,7 @@
           <a:p>
             <a:fld id="{D7F135F6-2A09-4FDD-9ECA-096E230CA0FA}" type="datetimeFigureOut">
               <a:rPr lang="fr-FR" smtClean="0"/>
-              <a:t>13/04/2023</a:t>
+              <a:t>03/07/2023</a:t>
             </a:fld>
             <a:endParaRPr lang="fr-FR"/>
           </a:p>
@@ -1659,7 +1661,7 @@
           <a:p>
             <a:fld id="{D7F135F6-2A09-4FDD-9ECA-096E230CA0FA}" type="datetimeFigureOut">
               <a:rPr lang="fr-FR" smtClean="0"/>
-              <a:t>13/04/2023</a:t>
+              <a:t>03/07/2023</a:t>
             </a:fld>
             <a:endParaRPr lang="fr-FR"/>
           </a:p>
@@ -2038,7 +2040,7 @@
           <a:p>
             <a:fld id="{D7F135F6-2A09-4FDD-9ECA-096E230CA0FA}" type="datetimeFigureOut">
               <a:rPr lang="fr-FR" smtClean="0"/>
-              <a:t>13/04/2023</a:t>
+              <a:t>03/07/2023</a:t>
             </a:fld>
             <a:endParaRPr lang="fr-FR"/>
           </a:p>
@@ -2156,7 +2158,7 @@
           <a:p>
             <a:fld id="{D7F135F6-2A09-4FDD-9ECA-096E230CA0FA}" type="datetimeFigureOut">
               <a:rPr lang="fr-FR" smtClean="0"/>
-              <a:t>13/04/2023</a:t>
+              <a:t>03/07/2023</a:t>
             </a:fld>
             <a:endParaRPr lang="fr-FR"/>
           </a:p>
@@ -2330,7 +2332,7 @@
           <a:p>
             <a:fld id="{D7F135F6-2A09-4FDD-9ECA-096E230CA0FA}" type="datetimeFigureOut">
               <a:rPr lang="fr-FR" smtClean="0"/>
-              <a:t>13/04/2023</a:t>
+              <a:t>03/07/2023</a:t>
             </a:fld>
             <a:endParaRPr lang="fr-FR"/>
           </a:p>
@@ -2687,7 +2689,7 @@
           <a:p>
             <a:fld id="{D7F135F6-2A09-4FDD-9ECA-096E230CA0FA}" type="datetimeFigureOut">
               <a:rPr lang="fr-FR" smtClean="0"/>
-              <a:t>13/04/2023</a:t>
+              <a:t>03/07/2023</a:t>
             </a:fld>
             <a:endParaRPr lang="fr-FR"/>
           </a:p>
@@ -3072,7 +3074,7 @@
           <a:p>
             <a:fld id="{D7F135F6-2A09-4FDD-9ECA-096E230CA0FA}" type="datetimeFigureOut">
               <a:rPr lang="fr-FR" smtClean="0"/>
-              <a:t>13/04/2023</a:t>
+              <a:t>03/07/2023</a:t>
             </a:fld>
             <a:endParaRPr lang="fr-FR"/>
           </a:p>
@@ -3362,7 +3364,7 @@
           <a:p>
             <a:fld id="{D7F135F6-2A09-4FDD-9ECA-096E230CA0FA}" type="datetimeFigureOut">
               <a:rPr lang="fr-FR" smtClean="0"/>
-              <a:t>13/04/2023</a:t>
+              <a:t>03/07/2023</a:t>
             </a:fld>
             <a:endParaRPr lang="fr-FR" dirty="0"/>
           </a:p>
@@ -4189,13 +4191,8 @@
           <a:p>
             <a:r>
               <a:rPr lang="fr-FR" dirty="0"/>
-              <a:t>Chaine fonctionnelle du </a:t>
+              <a:t>Chaine fonctionnelle du Comax</a:t>
             </a:r>
-            <a:r>
-              <a:rPr lang="fr-FR" dirty="0" err="1"/>
-              <a:t>Control’X</a:t>
-            </a:r>
-            <a:endParaRPr lang="fr-FR" dirty="0"/>
           </a:p>
         </p:txBody>
       </p:sp>
@@ -6370,36 +6367,6 @@
           </p:txBody>
         </p:sp>
       </p:grpSp>
-      <p:pic>
-        <p:nvPicPr>
-          <p:cNvPr id="63" name="Image 62">
-            <a:extLst>
-              <a:ext uri="{FF2B5EF4-FFF2-40B4-BE49-F238E27FC236}">
-                <a16:creationId xmlns:a16="http://schemas.microsoft.com/office/drawing/2014/main" id="{8DAAFC9A-79A3-4B2C-A73E-32BE33F6248E}"/>
-              </a:ext>
-            </a:extLst>
-          </p:cNvPr>
-          <p:cNvPicPr>
-            <a:picLocks noChangeAspect="1"/>
-          </p:cNvPicPr>
-          <p:nvPr/>
-        </p:nvPicPr>
-        <p:blipFill>
-          <a:blip r:embed="rId2"/>
-          <a:stretch>
-            <a:fillRect/>
-          </a:stretch>
-        </p:blipFill>
-        <p:spPr>
-          <a:xfrm>
-            <a:off x="588545" y="1536359"/>
-            <a:ext cx="434918" cy="152010"/>
-          </a:xfrm>
-          <a:prstGeom prst="rect">
-            <a:avLst/>
-          </a:prstGeom>
-        </p:spPr>
-      </p:pic>
       <mc:AlternateContent xmlns:mc="http://schemas.openxmlformats.org/markup-compatibility/2006" xmlns:a14="http://schemas.microsoft.com/office/drawing/2010/main">
         <mc:Choice Requires="a14">
           <p:sp>
@@ -6527,7 +6494,7 @@
             <p:spPr>
               <a:xfrm>
                 <a:off x="2282648" y="3611652"/>
-                <a:ext cx="1161960" cy="276999"/>
+                <a:ext cx="1161960" cy="461665"/>
               </a:xfrm>
               <a:prstGeom prst="rect">
                 <a:avLst/>
@@ -6570,6 +6537,56 @@
                     <a:srgbClr val="FFB25A"/>
                   </a:solidFill>
                   <a:latin typeface="Arial Nova" panose="020B0504020202020204" pitchFamily="34" charset="0"/>
+                  <a:ea typeface="Cambria Math" panose="02040503050406030204" pitchFamily="18" charset="0"/>
+                  <a:cs typeface="Calibri" panose="020F0502020204030204" pitchFamily="34" charset="0"/>
+                </a:endParaRPr>
+              </a:p>
+              <a:p>
+                <a:pPr algn="ctr"/>
+                <a14:m>
+                  <m:oMathPara xmlns:m="http://schemas.openxmlformats.org/officeDocument/2006/math">
+                    <m:oMathParaPr>
+                      <m:jc m:val="centerGroup"/>
+                    </m:oMathParaPr>
+                    <m:oMath xmlns:m="http://schemas.openxmlformats.org/officeDocument/2006/math">
+                      <m:r>
+                        <a:rPr lang="fr-FR" sz="1200" b="1" i="1" smtClean="0">
+                          <a:solidFill>
+                            <a:srgbClr val="FFB25A"/>
+                          </a:solidFill>
+                          <a:latin typeface="Cambria Math" panose="02040503050406030204" pitchFamily="18" charset="0"/>
+                          <a:ea typeface="Cambria Math" panose="02040503050406030204" pitchFamily="18" charset="0"/>
+                        </a:rPr>
+                        <m:t>𝓟</m:t>
+                      </m:r>
+                      <m:r>
+                        <a:rPr lang="fr-FR" sz="1200" b="1" i="1" smtClean="0">
+                          <a:solidFill>
+                            <a:srgbClr val="FFB25A"/>
+                          </a:solidFill>
+                          <a:latin typeface="Cambria Math" panose="02040503050406030204" pitchFamily="18" charset="0"/>
+                          <a:ea typeface="Cambria Math" panose="02040503050406030204" pitchFamily="18" charset="0"/>
+                        </a:rPr>
+                        <m:t>=</m:t>
+                      </m:r>
+                      <m:r>
+                        <a:rPr lang="fr-FR" sz="1200" b="1" i="1" smtClean="0">
+                          <a:solidFill>
+                            <a:srgbClr val="FFB25A"/>
+                          </a:solidFill>
+                          <a:latin typeface="Cambria Math" panose="02040503050406030204" pitchFamily="18" charset="0"/>
+                          <a:ea typeface="Cambria Math" panose="02040503050406030204" pitchFamily="18" charset="0"/>
+                        </a:rPr>
+                        <m:t>𝑼𝑰</m:t>
+                      </m:r>
+                    </m:oMath>
+                  </m:oMathPara>
+                </a14:m>
+                <a:endParaRPr lang="fr-FR" sz="1200" b="1" dirty="0">
+                  <a:solidFill>
+                    <a:srgbClr val="FFB25A"/>
+                  </a:solidFill>
+                  <a:latin typeface="Arial Nova" panose="020B0504020202020204" pitchFamily="34" charset="0"/>
                 </a:endParaRPr>
               </a:p>
             </p:txBody>
@@ -6593,7 +6610,7 @@
             <p:spPr>
               <a:xfrm>
                 <a:off x="2282648" y="3611652"/>
-                <a:ext cx="1161960" cy="276999"/>
+                <a:ext cx="1161960" cy="461665"/>
               </a:xfrm>
               <a:prstGeom prst="rect">
                 <a:avLst/>
@@ -6601,7 +6618,7 @@
               <a:blipFill>
                 <a:blip r:embed="rId10"/>
                 <a:stretch>
-                  <a:fillRect b="-15217"/>
+                  <a:fillRect/>
                 </a:stretch>
               </a:blipFill>
             </p:spPr>
@@ -6634,7 +6651,7 @@
         </p:nvGrpSpPr>
         <p:grpSpPr>
           <a:xfrm>
-            <a:off x="1051377" y="1770505"/>
+            <a:off x="694382" y="1437254"/>
             <a:ext cx="360000" cy="360000"/>
             <a:chOff x="5404964" y="4396133"/>
             <a:chExt cx="1800000" cy="1800000"/>
@@ -6807,7 +6824,7 @@
                   <a:srgbClr val="00547F"/>
                 </a:solidFill>
               </a:rPr>
-              <a:t>Génératrice tachymétrique, ampèremètre et capteur d’effort sont nécessaires au bon fonctionnement du système.</a:t>
+              <a:t>Codeur, ampèremètre et capteur d’effort sont nécessaires au bon fonctionnement du système.</a:t>
             </a:r>
           </a:p>
         </p:txBody>
@@ -6932,7 +6949,7 @@
             <p:spPr>
               <a:xfrm>
                 <a:off x="4452429" y="3639956"/>
-                <a:ext cx="1161960" cy="276999"/>
+                <a:ext cx="1161960" cy="461665"/>
               </a:xfrm>
               <a:prstGeom prst="rect">
                 <a:avLst/>
@@ -6977,6 +6994,54 @@
                   <a:latin typeface="Arial Nova" panose="020B0504020202020204" pitchFamily="34" charset="0"/>
                 </a:endParaRPr>
               </a:p>
+              <a:p>
+                <a:pPr algn="ctr"/>
+                <a14:m>
+                  <m:oMathPara xmlns:m="http://schemas.openxmlformats.org/officeDocument/2006/math">
+                    <m:oMathParaPr>
+                      <m:jc m:val="centerGroup"/>
+                    </m:oMathParaPr>
+                    <m:oMath xmlns:m="http://schemas.openxmlformats.org/officeDocument/2006/math">
+                      <m:r>
+                        <a:rPr lang="fr-FR" sz="1200" b="1" i="1" smtClean="0">
+                          <a:solidFill>
+                            <a:srgbClr val="FFB25A"/>
+                          </a:solidFill>
+                          <a:latin typeface="Cambria Math" panose="02040503050406030204" pitchFamily="18" charset="0"/>
+                          <a:ea typeface="Cambria Math" panose="02040503050406030204" pitchFamily="18" charset="0"/>
+                        </a:rPr>
+                        <m:t>𝓟</m:t>
+                      </m:r>
+                      <m:r>
+                        <a:rPr lang="fr-FR" sz="1200" b="1" i="1" smtClean="0">
+                          <a:solidFill>
+                            <a:srgbClr val="FFB25A"/>
+                          </a:solidFill>
+                          <a:latin typeface="Cambria Math" panose="02040503050406030204" pitchFamily="18" charset="0"/>
+                          <a:ea typeface="Cambria Math" panose="02040503050406030204" pitchFamily="18" charset="0"/>
+                        </a:rPr>
+                        <m:t>=</m:t>
+                      </m:r>
+                      <m:r>
+                        <a:rPr lang="fr-FR" sz="1200" b="1" i="1" smtClean="0">
+                          <a:solidFill>
+                            <a:srgbClr val="FFB25A"/>
+                          </a:solidFill>
+                          <a:latin typeface="Cambria Math" panose="02040503050406030204" pitchFamily="18" charset="0"/>
+                          <a:ea typeface="Cambria Math" panose="02040503050406030204" pitchFamily="18" charset="0"/>
+                        </a:rPr>
+                        <m:t>𝑼𝑰</m:t>
+                      </m:r>
+                    </m:oMath>
+                  </m:oMathPara>
+                </a14:m>
+                <a:endParaRPr lang="fr-FR" sz="1200" b="1" dirty="0">
+                  <a:solidFill>
+                    <a:srgbClr val="FFB25A"/>
+                  </a:solidFill>
+                  <a:latin typeface="Arial Nova" panose="020B0504020202020204" pitchFamily="34" charset="0"/>
+                </a:endParaRPr>
+              </a:p>
             </p:txBody>
           </p:sp>
         </mc:Choice>
@@ -6998,15 +7063,15 @@
             <p:spPr>
               <a:xfrm>
                 <a:off x="4452429" y="3639956"/>
-                <a:ext cx="1161960" cy="276999"/>
+                <a:ext cx="1161960" cy="461665"/>
               </a:xfrm>
               <a:prstGeom prst="rect">
                 <a:avLst/>
               </a:prstGeom>
               <a:blipFill>
-                <a:blip r:embed="rId10"/>
+                <a:blip r:embed="rId14"/>
                 <a:stretch>
-                  <a:fillRect b="-15217"/>
+                  <a:fillRect/>
                 </a:stretch>
               </a:blipFill>
             </p:spPr>
@@ -7027,109 +7092,6 @@
       </mc:AlternateContent>
       <p:grpSp>
         <p:nvGrpSpPr>
-          <p:cNvPr id="3" name="Groupe 2">
-            <a:extLst>
-              <a:ext uri="{FF2B5EF4-FFF2-40B4-BE49-F238E27FC236}">
-                <a16:creationId xmlns:a16="http://schemas.microsoft.com/office/drawing/2014/main" id="{9A19CA4C-6716-A13D-581A-49247D9C8054}"/>
-              </a:ext>
-            </a:extLst>
-          </p:cNvPr>
-          <p:cNvGrpSpPr/>
-          <p:nvPr/>
-        </p:nvGrpSpPr>
-        <p:grpSpPr>
-          <a:xfrm>
-            <a:off x="1413220" y="1770505"/>
-            <a:ext cx="360000" cy="360000"/>
-            <a:chOff x="3056845" y="1528414"/>
-            <a:chExt cx="3454284" cy="3454284"/>
-          </a:xfrm>
-        </p:grpSpPr>
-        <p:sp>
-          <p:nvSpPr>
-            <p:cNvPr id="5" name="Ellipse 4">
-              <a:extLst>
-                <a:ext uri="{FF2B5EF4-FFF2-40B4-BE49-F238E27FC236}">
-                  <a16:creationId xmlns:a16="http://schemas.microsoft.com/office/drawing/2014/main" id="{E64C2532-4B47-B17E-3C77-C817CAE59FF5}"/>
-                </a:ext>
-              </a:extLst>
-            </p:cNvPr>
-            <p:cNvSpPr/>
-            <p:nvPr/>
-          </p:nvSpPr>
-          <p:spPr>
-            <a:xfrm>
-              <a:off x="3056845" y="1528414"/>
-              <a:ext cx="3454284" cy="3454284"/>
-            </a:xfrm>
-            <a:prstGeom prst="ellipse">
-              <a:avLst/>
-            </a:prstGeom>
-            <a:solidFill>
-              <a:srgbClr val="00547F"/>
-            </a:solidFill>
-            <a:ln>
-              <a:noFill/>
-            </a:ln>
-          </p:spPr>
-          <p:style>
-            <a:lnRef idx="2">
-              <a:schemeClr val="accent1">
-                <a:shade val="50000"/>
-              </a:schemeClr>
-            </a:lnRef>
-            <a:fillRef idx="1">
-              <a:schemeClr val="accent1"/>
-            </a:fillRef>
-            <a:effectRef idx="0">
-              <a:schemeClr val="accent1"/>
-            </a:effectRef>
-            <a:fontRef idx="minor">
-              <a:schemeClr val="lt1"/>
-            </a:fontRef>
-          </p:style>
-          <p:txBody>
-            <a:bodyPr rtlCol="0" anchor="ctr"/>
-            <a:lstStyle/>
-            <a:p>
-              <a:pPr algn="ctr"/>
-              <a:endParaRPr lang="fr-FR"/>
-            </a:p>
-          </p:txBody>
-        </p:sp>
-        <p:pic>
-          <p:nvPicPr>
-            <p:cNvPr id="30" name="Image 29">
-              <a:extLst>
-                <a:ext uri="{FF2B5EF4-FFF2-40B4-BE49-F238E27FC236}">
-                  <a16:creationId xmlns:a16="http://schemas.microsoft.com/office/drawing/2014/main" id="{23F22FB1-C429-397E-B898-D9AF1DF15BC8}"/>
-                </a:ext>
-              </a:extLst>
-            </p:cNvPr>
-            <p:cNvPicPr>
-              <a:picLocks noChangeAspect="1"/>
-            </p:cNvPicPr>
-            <p:nvPr/>
-          </p:nvPicPr>
-          <p:blipFill>
-            <a:blip r:embed="rId14"/>
-            <a:stretch>
-              <a:fillRect/>
-            </a:stretch>
-          </p:blipFill>
-          <p:spPr>
-            <a:xfrm>
-              <a:off x="3327958" y="2056096"/>
-              <a:ext cx="2912058" cy="2398920"/>
-            </a:xfrm>
-            <a:prstGeom prst="rect">
-              <a:avLst/>
-            </a:prstGeom>
-          </p:spPr>
-        </p:pic>
-      </p:grpSp>
-      <p:grpSp>
-        <p:nvGrpSpPr>
           <p:cNvPr id="31" name="Groupe 30">
             <a:extLst>
               <a:ext uri="{FF2B5EF4-FFF2-40B4-BE49-F238E27FC236}">
@@ -7142,7 +7104,7 @@
         </p:nvGrpSpPr>
         <p:grpSpPr>
           <a:xfrm>
-            <a:off x="1775063" y="1770505"/>
+            <a:off x="694382" y="1839882"/>
             <a:ext cx="360000" cy="360000"/>
             <a:chOff x="6054233" y="4960569"/>
             <a:chExt cx="1800000" cy="1800000"/>
@@ -7233,109 +7195,6 @@
       </p:grpSp>
       <p:grpSp>
         <p:nvGrpSpPr>
-          <p:cNvPr id="51" name="Groupe 50">
-            <a:extLst>
-              <a:ext uri="{FF2B5EF4-FFF2-40B4-BE49-F238E27FC236}">
-                <a16:creationId xmlns:a16="http://schemas.microsoft.com/office/drawing/2014/main" id="{90192F0C-E06B-A7A0-99A2-7C7C5CBAD7E6}"/>
-              </a:ext>
-            </a:extLst>
-          </p:cNvPr>
-          <p:cNvGrpSpPr/>
-          <p:nvPr/>
-        </p:nvGrpSpPr>
-        <p:grpSpPr>
-          <a:xfrm>
-            <a:off x="10675426" y="3370013"/>
-            <a:ext cx="288000" cy="288000"/>
-            <a:chOff x="8612196" y="3801520"/>
-            <a:chExt cx="1800000" cy="1800000"/>
-          </a:xfrm>
-        </p:grpSpPr>
-        <p:sp>
-          <p:nvSpPr>
-            <p:cNvPr id="66" name="Ellipse 65">
-              <a:extLst>
-                <a:ext uri="{FF2B5EF4-FFF2-40B4-BE49-F238E27FC236}">
-                  <a16:creationId xmlns:a16="http://schemas.microsoft.com/office/drawing/2014/main" id="{9126D4A5-ABA9-E350-05D0-9D7192081282}"/>
-                </a:ext>
-              </a:extLst>
-            </p:cNvPr>
-            <p:cNvSpPr/>
-            <p:nvPr/>
-          </p:nvSpPr>
-          <p:spPr>
-            <a:xfrm>
-              <a:off x="8612196" y="3801520"/>
-              <a:ext cx="1800000" cy="1800000"/>
-            </a:xfrm>
-            <a:prstGeom prst="ellipse">
-              <a:avLst/>
-            </a:prstGeom>
-            <a:solidFill>
-              <a:srgbClr val="00547F"/>
-            </a:solidFill>
-            <a:ln>
-              <a:noFill/>
-            </a:ln>
-          </p:spPr>
-          <p:style>
-            <a:lnRef idx="2">
-              <a:schemeClr val="accent1">
-                <a:shade val="50000"/>
-              </a:schemeClr>
-            </a:lnRef>
-            <a:fillRef idx="1">
-              <a:schemeClr val="accent1"/>
-            </a:fillRef>
-            <a:effectRef idx="0">
-              <a:schemeClr val="accent1"/>
-            </a:effectRef>
-            <a:fontRef idx="minor">
-              <a:schemeClr val="lt1"/>
-            </a:fontRef>
-          </p:style>
-          <p:txBody>
-            <a:bodyPr rtlCol="0" anchor="ctr"/>
-            <a:lstStyle/>
-            <a:p>
-              <a:pPr algn="ctr"/>
-              <a:endParaRPr lang="fr-FR" b="1"/>
-            </a:p>
-          </p:txBody>
-        </p:sp>
-        <p:pic>
-          <p:nvPicPr>
-            <p:cNvPr id="67" name="Image 66">
-              <a:extLst>
-                <a:ext uri="{FF2B5EF4-FFF2-40B4-BE49-F238E27FC236}">
-                  <a16:creationId xmlns:a16="http://schemas.microsoft.com/office/drawing/2014/main" id="{B2474781-7BE1-7E02-9B96-01C2DA2C0198}"/>
-                </a:ext>
-              </a:extLst>
-            </p:cNvPr>
-            <p:cNvPicPr>
-              <a:picLocks noChangeAspect="1"/>
-            </p:cNvPicPr>
-            <p:nvPr/>
-          </p:nvPicPr>
-          <p:blipFill>
-            <a:blip r:embed="rId16"/>
-            <a:stretch>
-              <a:fillRect/>
-            </a:stretch>
-          </p:blipFill>
-          <p:spPr>
-            <a:xfrm>
-              <a:off x="8696428" y="3885752"/>
-              <a:ext cx="1631536" cy="1631536"/>
-            </a:xfrm>
-            <a:prstGeom prst="rect">
-              <a:avLst/>
-            </a:prstGeom>
-          </p:spPr>
-        </p:pic>
-      </p:grpSp>
-      <p:grpSp>
-        <p:nvGrpSpPr>
           <p:cNvPr id="68" name="Groupe 67">
             <a:extLst>
               <a:ext uri="{FF2B5EF4-FFF2-40B4-BE49-F238E27FC236}">
@@ -7348,7 +7207,7 @@
         </p:nvGrpSpPr>
         <p:grpSpPr>
           <a:xfrm>
-            <a:off x="6799383" y="3934954"/>
+            <a:off x="5950287" y="4428385"/>
             <a:ext cx="288000" cy="288000"/>
             <a:chOff x="5404964" y="4396133"/>
             <a:chExt cx="1800000" cy="1800000"/>
@@ -7439,109 +7298,6 @@
       </p:grpSp>
       <p:grpSp>
         <p:nvGrpSpPr>
-          <p:cNvPr id="71" name="Groupe 70">
-            <a:extLst>
-              <a:ext uri="{FF2B5EF4-FFF2-40B4-BE49-F238E27FC236}">
-                <a16:creationId xmlns:a16="http://schemas.microsoft.com/office/drawing/2014/main" id="{6E2DB5A2-88D8-9BD6-E420-B883EEA8731A}"/>
-              </a:ext>
-            </a:extLst>
-          </p:cNvPr>
-          <p:cNvGrpSpPr/>
-          <p:nvPr/>
-        </p:nvGrpSpPr>
-        <p:grpSpPr>
-          <a:xfrm>
-            <a:off x="6807192" y="4243826"/>
-            <a:ext cx="288000" cy="288000"/>
-            <a:chOff x="3056845" y="1528414"/>
-            <a:chExt cx="3454284" cy="3454284"/>
-          </a:xfrm>
-        </p:grpSpPr>
-        <p:sp>
-          <p:nvSpPr>
-            <p:cNvPr id="73" name="Ellipse 72">
-              <a:extLst>
-                <a:ext uri="{FF2B5EF4-FFF2-40B4-BE49-F238E27FC236}">
-                  <a16:creationId xmlns:a16="http://schemas.microsoft.com/office/drawing/2014/main" id="{FBCE808C-DE72-BDAB-20B9-B3F4648DADD5}"/>
-                </a:ext>
-              </a:extLst>
-            </p:cNvPr>
-            <p:cNvSpPr/>
-            <p:nvPr/>
-          </p:nvSpPr>
-          <p:spPr>
-            <a:xfrm>
-              <a:off x="3056845" y="1528414"/>
-              <a:ext cx="3454284" cy="3454284"/>
-            </a:xfrm>
-            <a:prstGeom prst="ellipse">
-              <a:avLst/>
-            </a:prstGeom>
-            <a:solidFill>
-              <a:srgbClr val="00547F"/>
-            </a:solidFill>
-            <a:ln>
-              <a:noFill/>
-            </a:ln>
-          </p:spPr>
-          <p:style>
-            <a:lnRef idx="2">
-              <a:schemeClr val="accent1">
-                <a:shade val="50000"/>
-              </a:schemeClr>
-            </a:lnRef>
-            <a:fillRef idx="1">
-              <a:schemeClr val="accent1"/>
-            </a:fillRef>
-            <a:effectRef idx="0">
-              <a:schemeClr val="accent1"/>
-            </a:effectRef>
-            <a:fontRef idx="minor">
-              <a:schemeClr val="lt1"/>
-            </a:fontRef>
-          </p:style>
-          <p:txBody>
-            <a:bodyPr rtlCol="0" anchor="ctr"/>
-            <a:lstStyle/>
-            <a:p>
-              <a:pPr algn="ctr"/>
-              <a:endParaRPr lang="fr-FR"/>
-            </a:p>
-          </p:txBody>
-        </p:sp>
-        <p:pic>
-          <p:nvPicPr>
-            <p:cNvPr id="74" name="Image 73">
-              <a:extLst>
-                <a:ext uri="{FF2B5EF4-FFF2-40B4-BE49-F238E27FC236}">
-                  <a16:creationId xmlns:a16="http://schemas.microsoft.com/office/drawing/2014/main" id="{4DDD7701-B36E-5122-2296-250A5932BF5D}"/>
-                </a:ext>
-              </a:extLst>
-            </p:cNvPr>
-            <p:cNvPicPr>
-              <a:picLocks noChangeAspect="1"/>
-            </p:cNvPicPr>
-            <p:nvPr/>
-          </p:nvPicPr>
-          <p:blipFill>
-            <a:blip r:embed="rId14"/>
-            <a:stretch>
-              <a:fillRect/>
-            </a:stretch>
-          </p:blipFill>
-          <p:spPr>
-            <a:xfrm>
-              <a:off x="3327958" y="2056096"/>
-              <a:ext cx="2912058" cy="2398920"/>
-            </a:xfrm>
-            <a:prstGeom prst="rect">
-              <a:avLst/>
-            </a:prstGeom>
-          </p:spPr>
-        </p:pic>
-      </p:grpSp>
-      <p:grpSp>
-        <p:nvGrpSpPr>
           <p:cNvPr id="76" name="Groupe 75">
             <a:extLst>
               <a:ext uri="{FF2B5EF4-FFF2-40B4-BE49-F238E27FC236}">
@@ -7554,7 +7310,7 @@
         </p:nvGrpSpPr>
         <p:grpSpPr>
           <a:xfrm>
-            <a:off x="4569414" y="3996930"/>
+            <a:off x="3739256" y="4459407"/>
             <a:ext cx="288000" cy="288000"/>
             <a:chOff x="6054233" y="4960569"/>
             <a:chExt cx="1800000" cy="1800000"/>
@@ -7657,7 +7413,7 @@
         </p:nvGrpSpPr>
         <p:grpSpPr>
           <a:xfrm>
-            <a:off x="2136905" y="1770505"/>
+            <a:off x="694382" y="1034627"/>
             <a:ext cx="360000" cy="360000"/>
             <a:chOff x="-2063262" y="2086237"/>
             <a:chExt cx="1800000" cy="1800000"/>
@@ -7730,7 +7486,7 @@
             <p:nvPr/>
           </p:nvPicPr>
           <p:blipFill>
-            <a:blip r:embed="rId17"/>
+            <a:blip r:embed="rId16"/>
             <a:stretch>
               <a:fillRect/>
             </a:stretch>
@@ -7760,7 +7516,7 @@
         </p:nvGrpSpPr>
         <p:grpSpPr>
           <a:xfrm>
-            <a:off x="10679278" y="3696059"/>
+            <a:off x="10350209" y="3323652"/>
             <a:ext cx="288000" cy="288000"/>
             <a:chOff x="-2063262" y="2086237"/>
             <a:chExt cx="1800000" cy="1800000"/>
@@ -7833,7 +7589,7 @@
             <p:nvPr/>
           </p:nvPicPr>
           <p:blipFill>
-            <a:blip r:embed="rId17"/>
+            <a:blip r:embed="rId16"/>
             <a:stretch>
               <a:fillRect/>
             </a:stretch>
@@ -7936,7 +7692,7 @@
             <p:nvPr/>
           </p:nvPicPr>
           <p:blipFill>
-            <a:blip r:embed="rId18"/>
+            <a:blip r:embed="rId17"/>
             <a:stretch>
               <a:fillRect/>
             </a:stretch>
@@ -8039,7 +7795,7 @@
             <p:nvPr/>
           </p:nvPicPr>
           <p:blipFill>
-            <a:blip r:embed="rId19"/>
+            <a:blip r:embed="rId18"/>
             <a:stretch>
               <a:fillRect/>
             </a:stretch>
@@ -8142,7 +7898,7 @@
             <p:nvPr/>
           </p:nvPicPr>
           <p:blipFill>
-            <a:blip r:embed="rId20"/>
+            <a:blip r:embed="rId19"/>
             <a:stretch>
               <a:fillRect/>
             </a:stretch>
@@ -8245,7 +8001,7 @@
             <p:nvPr/>
           </p:nvPicPr>
           <p:blipFill>
-            <a:blip r:embed="rId21"/>
+            <a:blip r:embed="rId20"/>
             <a:stretch>
               <a:fillRect/>
             </a:stretch>
@@ -8261,10 +8017,2638 @@
           </p:spPr>
         </p:pic>
       </p:grpSp>
+      <p:cxnSp>
+        <p:nvCxnSpPr>
+          <p:cNvPr id="36" name="Connecteur : en angle 35">
+            <a:extLst>
+              <a:ext uri="{FF2B5EF4-FFF2-40B4-BE49-F238E27FC236}">
+                <a16:creationId xmlns:a16="http://schemas.microsoft.com/office/drawing/2014/main" id="{C2AEE372-FD76-ECD7-B5E0-FBDBBD520A65}"/>
+              </a:ext>
+            </a:extLst>
+          </p:cNvPr>
+          <p:cNvCxnSpPr>
+            <a:cxnSpLocks/>
+            <a:stCxn id="69" idx="4"/>
+            <a:endCxn id="95" idx="1"/>
+          </p:cNvCxnSpPr>
+          <p:nvPr/>
+        </p:nvCxnSpPr>
+        <p:spPr>
+          <a:xfrm rot="5400000" flipH="1">
+            <a:off x="1854634" y="476732"/>
+            <a:ext cx="3107098" cy="5372209"/>
+          </a:xfrm>
+          <a:prstGeom prst="bentConnector4">
+            <a:avLst>
+              <a:gd name="adj1" fmla="val -7357"/>
+              <a:gd name="adj2" fmla="val 106777"/>
+            </a:avLst>
+          </a:prstGeom>
+          <a:ln w="25400" cap="rnd">
+            <a:solidFill>
+              <a:srgbClr val="004F77"/>
+            </a:solidFill>
+            <a:tailEnd type="triangle" w="med" len="lg"/>
+          </a:ln>
+        </p:spPr>
+        <p:style>
+          <a:lnRef idx="1">
+            <a:schemeClr val="accent1"/>
+          </a:lnRef>
+          <a:fillRef idx="0">
+            <a:schemeClr val="accent1"/>
+          </a:fillRef>
+          <a:effectRef idx="0">
+            <a:schemeClr val="accent1"/>
+          </a:effectRef>
+          <a:fontRef idx="minor">
+            <a:schemeClr val="tx1"/>
+          </a:fontRef>
+        </p:style>
+      </p:cxnSp>
+      <p:cxnSp>
+        <p:nvCxnSpPr>
+          <p:cNvPr id="42" name="Connecteur : en angle 41">
+            <a:extLst>
+              <a:ext uri="{FF2B5EF4-FFF2-40B4-BE49-F238E27FC236}">
+                <a16:creationId xmlns:a16="http://schemas.microsoft.com/office/drawing/2014/main" id="{2AE03594-D3AE-333C-8170-CA27A08C2D8C}"/>
+              </a:ext>
+            </a:extLst>
+          </p:cNvPr>
+          <p:cNvCxnSpPr>
+            <a:cxnSpLocks/>
+            <a:stCxn id="83" idx="4"/>
+            <a:endCxn id="33" idx="1"/>
+          </p:cNvCxnSpPr>
+          <p:nvPr/>
+        </p:nvCxnSpPr>
+        <p:spPr>
+          <a:xfrm rot="5400000" flipH="1">
+            <a:off x="949503" y="1813655"/>
+            <a:ext cx="2727525" cy="3139981"/>
+          </a:xfrm>
+          <a:prstGeom prst="bentConnector4">
+            <a:avLst>
+              <a:gd name="adj1" fmla="val -3414"/>
+              <a:gd name="adj2" fmla="val 107280"/>
+            </a:avLst>
+          </a:prstGeom>
+          <a:ln w="25400" cap="rnd">
+            <a:solidFill>
+              <a:srgbClr val="004F77"/>
+            </a:solidFill>
+            <a:tailEnd type="triangle" w="med" len="lg"/>
+          </a:ln>
+        </p:spPr>
+        <p:style>
+          <a:lnRef idx="1">
+            <a:schemeClr val="accent1"/>
+          </a:lnRef>
+          <a:fillRef idx="0">
+            <a:schemeClr val="accent1"/>
+          </a:fillRef>
+          <a:effectRef idx="0">
+            <a:schemeClr val="accent1"/>
+          </a:effectRef>
+          <a:fontRef idx="minor">
+            <a:schemeClr val="tx1"/>
+          </a:fontRef>
+        </p:style>
+      </p:cxnSp>
+      <p:cxnSp>
+        <p:nvCxnSpPr>
+          <p:cNvPr id="89" name="Connecteur : en angle 88">
+            <a:extLst>
+              <a:ext uri="{FF2B5EF4-FFF2-40B4-BE49-F238E27FC236}">
+                <a16:creationId xmlns:a16="http://schemas.microsoft.com/office/drawing/2014/main" id="{B5CD6745-802D-4E58-D331-F439AC7E3358}"/>
+              </a:ext>
+            </a:extLst>
+          </p:cNvPr>
+          <p:cNvCxnSpPr>
+            <a:cxnSpLocks/>
+            <a:stCxn id="100" idx="0"/>
+            <a:endCxn id="97" idx="0"/>
+          </p:cNvCxnSpPr>
+          <p:nvPr/>
+        </p:nvCxnSpPr>
+        <p:spPr>
+          <a:xfrm rot="16200000" flipV="1">
+            <a:off x="4541050" y="-2619379"/>
+            <a:ext cx="2286493" cy="9619827"/>
+          </a:xfrm>
+          <a:prstGeom prst="bentConnector3">
+            <a:avLst>
+              <a:gd name="adj1" fmla="val 109998"/>
+            </a:avLst>
+          </a:prstGeom>
+          <a:ln w="25400" cap="rnd">
+            <a:solidFill>
+              <a:srgbClr val="004F77"/>
+            </a:solidFill>
+            <a:tailEnd type="triangle" w="med" len="lg"/>
+          </a:ln>
+        </p:spPr>
+        <p:style>
+          <a:lnRef idx="1">
+            <a:schemeClr val="accent1"/>
+          </a:lnRef>
+          <a:fillRef idx="0">
+            <a:schemeClr val="accent1"/>
+          </a:fillRef>
+          <a:effectRef idx="0">
+            <a:schemeClr val="accent1"/>
+          </a:effectRef>
+          <a:fontRef idx="minor">
+            <a:schemeClr val="tx1"/>
+          </a:fontRef>
+        </p:style>
+      </p:cxnSp>
+      <mc:AlternateContent xmlns:mc="http://schemas.openxmlformats.org/markup-compatibility/2006">
+        <mc:Choice xmlns:a14="http://schemas.microsoft.com/office/drawing/2010/main" Requires="a14">
+          <p:sp>
+            <p:nvSpPr>
+              <p:cNvPr id="111" name="ZoneTexte 110">
+                <a:extLst>
+                  <a:ext uri="{FF2B5EF4-FFF2-40B4-BE49-F238E27FC236}">
+                    <a16:creationId xmlns:a16="http://schemas.microsoft.com/office/drawing/2014/main" id="{4BE6685B-714A-2936-1BA2-2CA1122FD234}"/>
+                  </a:ext>
+                </a:extLst>
+              </p:cNvPr>
+              <p:cNvSpPr txBox="1"/>
+              <p:nvPr/>
+            </p:nvSpPr>
+            <p:spPr>
+              <a:xfrm>
+                <a:off x="6496530" y="3680217"/>
+                <a:ext cx="1431825" cy="261610"/>
+              </a:xfrm>
+              <a:prstGeom prst="rect">
+                <a:avLst/>
+              </a:prstGeom>
+              <a:noFill/>
+            </p:spPr>
+            <p:txBody>
+              <a:bodyPr wrap="square">
+                <a:spAutoFit/>
+              </a:bodyPr>
+              <a:lstStyle/>
+              <a:p>
+                <a:pPr algn="ctr"/>
+                <a14:m>
+                  <m:oMathPara xmlns:m="http://schemas.openxmlformats.org/officeDocument/2006/math">
+                    <m:oMathParaPr>
+                      <m:jc m:val="centerGroup"/>
+                    </m:oMathParaPr>
+                    <m:oMath xmlns:m="http://schemas.openxmlformats.org/officeDocument/2006/math">
+                      <m:r>
+                        <a:rPr lang="fr-FR" sz="1100" b="1" i="1" smtClean="0">
+                          <a:solidFill>
+                            <a:srgbClr val="7030A0"/>
+                          </a:solidFill>
+                          <a:latin typeface="Cambria Math" panose="02040503050406030204" pitchFamily="18" charset="0"/>
+                          <a:ea typeface="Cambria Math" panose="02040503050406030204" pitchFamily="18" charset="0"/>
+                        </a:rPr>
+                        <m:t>𝓟</m:t>
+                      </m:r>
+                      <m:r>
+                        <a:rPr lang="fr-FR" sz="1100" b="1" i="1" smtClean="0">
+                          <a:solidFill>
+                            <a:srgbClr val="7030A0"/>
+                          </a:solidFill>
+                          <a:latin typeface="Cambria Math" panose="02040503050406030204" pitchFamily="18" charset="0"/>
+                          <a:ea typeface="Cambria Math" panose="02040503050406030204" pitchFamily="18" charset="0"/>
+                        </a:rPr>
+                        <m:t>=</m:t>
+                      </m:r>
+                      <m:sSub>
+                        <m:sSubPr>
+                          <m:ctrlPr>
+                            <a:rPr lang="fr-FR" sz="1100" b="1" i="1" smtClean="0">
+                              <a:solidFill>
+                                <a:srgbClr val="7030A0"/>
+                              </a:solidFill>
+                              <a:latin typeface="Cambria Math" panose="02040503050406030204" pitchFamily="18" charset="0"/>
+                              <a:ea typeface="Cambria Math" panose="02040503050406030204" pitchFamily="18" charset="0"/>
+                            </a:rPr>
+                          </m:ctrlPr>
+                        </m:sSubPr>
+                        <m:e>
+                          <m:r>
+                            <a:rPr lang="fr-FR" sz="1100" b="1" i="1" smtClean="0">
+                              <a:solidFill>
+                                <a:srgbClr val="7030A0"/>
+                              </a:solidFill>
+                              <a:latin typeface="Cambria Math" panose="02040503050406030204" pitchFamily="18" charset="0"/>
+                              <a:ea typeface="Cambria Math" panose="02040503050406030204" pitchFamily="18" charset="0"/>
+                            </a:rPr>
+                            <m:t>𝑪</m:t>
+                          </m:r>
+                        </m:e>
+                        <m:sub>
+                          <m:r>
+                            <a:rPr lang="fr-FR" sz="1100" b="1" i="1" smtClean="0">
+                              <a:solidFill>
+                                <a:srgbClr val="7030A0"/>
+                              </a:solidFill>
+                              <a:latin typeface="Cambria Math" panose="02040503050406030204" pitchFamily="18" charset="0"/>
+                              <a:ea typeface="Cambria Math" panose="02040503050406030204" pitchFamily="18" charset="0"/>
+                            </a:rPr>
+                            <m:t>𝒎</m:t>
+                          </m:r>
+                        </m:sub>
+                      </m:sSub>
+                      <m:sSub>
+                        <m:sSubPr>
+                          <m:ctrlPr>
+                            <a:rPr lang="fr-FR" sz="1100" b="1" i="1" smtClean="0">
+                              <a:solidFill>
+                                <a:srgbClr val="7030A0"/>
+                              </a:solidFill>
+                              <a:latin typeface="Cambria Math" panose="02040503050406030204" pitchFamily="18" charset="0"/>
+                              <a:ea typeface="Cambria Math" panose="02040503050406030204" pitchFamily="18" charset="0"/>
+                            </a:rPr>
+                          </m:ctrlPr>
+                        </m:sSubPr>
+                        <m:e>
+                          <m:r>
+                            <a:rPr lang="fr-FR" sz="1100" b="1" i="1" smtClean="0">
+                              <a:solidFill>
+                                <a:srgbClr val="7030A0"/>
+                              </a:solidFill>
+                              <a:latin typeface="Cambria Math" panose="02040503050406030204" pitchFamily="18" charset="0"/>
+                              <a:ea typeface="Cambria Math" panose="02040503050406030204" pitchFamily="18" charset="0"/>
+                            </a:rPr>
+                            <m:t>𝝎</m:t>
+                          </m:r>
+                        </m:e>
+                        <m:sub>
+                          <m:r>
+                            <a:rPr lang="fr-FR" sz="1100" b="1" i="1" smtClean="0">
+                              <a:solidFill>
+                                <a:srgbClr val="7030A0"/>
+                              </a:solidFill>
+                              <a:latin typeface="Cambria Math" panose="02040503050406030204" pitchFamily="18" charset="0"/>
+                              <a:ea typeface="Cambria Math" panose="02040503050406030204" pitchFamily="18" charset="0"/>
+                            </a:rPr>
+                            <m:t>𝒎</m:t>
+                          </m:r>
+                        </m:sub>
+                      </m:sSub>
+                    </m:oMath>
+                  </m:oMathPara>
+                </a14:m>
+                <a:endParaRPr lang="fr-FR" sz="1100" b="1" dirty="0">
+                  <a:solidFill>
+                    <a:srgbClr val="7030A0"/>
+                  </a:solidFill>
+                  <a:latin typeface="Arial Nova" panose="020B0504020202020204" pitchFamily="34" charset="0"/>
+                </a:endParaRPr>
+              </a:p>
+            </p:txBody>
+          </p:sp>
+        </mc:Choice>
+        <mc:Fallback>
+          <p:sp>
+            <p:nvSpPr>
+              <p:cNvPr id="111" name="ZoneTexte 110">
+                <a:extLst>
+                  <a:ext uri="{FF2B5EF4-FFF2-40B4-BE49-F238E27FC236}">
+                    <a16:creationId xmlns:a16="http://schemas.microsoft.com/office/drawing/2014/main" id="{4BE6685B-714A-2936-1BA2-2CA1122FD234}"/>
+                  </a:ext>
+                </a:extLst>
+              </p:cNvPr>
+              <p:cNvSpPr txBox="1">
+                <a:spLocks noRot="1" noChangeAspect="1" noMove="1" noResize="1" noEditPoints="1" noAdjustHandles="1" noChangeArrowheads="1" noChangeShapeType="1" noTextEdit="1"/>
+              </p:cNvSpPr>
+              <p:nvPr/>
+            </p:nvSpPr>
+            <p:spPr>
+              <a:xfrm>
+                <a:off x="6496530" y="3680217"/>
+                <a:ext cx="1431825" cy="261610"/>
+              </a:xfrm>
+              <a:prstGeom prst="rect">
+                <a:avLst/>
+              </a:prstGeom>
+              <a:blipFill>
+                <a:blip r:embed="rId21"/>
+                <a:stretch>
+                  <a:fillRect/>
+                </a:stretch>
+              </a:blipFill>
+            </p:spPr>
+            <p:txBody>
+              <a:bodyPr/>
+              <a:lstStyle/>
+              <a:p>
+                <a:r>
+                  <a:rPr lang="fr-FR">
+                    <a:noFill/>
+                  </a:rPr>
+                  <a:t> </a:t>
+                </a:r>
+              </a:p>
+            </p:txBody>
+          </p:sp>
+        </mc:Fallback>
+      </mc:AlternateContent>
+      <mc:AlternateContent xmlns:mc="http://schemas.openxmlformats.org/markup-compatibility/2006">
+        <mc:Choice xmlns:a14="http://schemas.microsoft.com/office/drawing/2010/main" Requires="a14">
+          <p:sp>
+            <p:nvSpPr>
+              <p:cNvPr id="112" name="ZoneTexte 111">
+                <a:extLst>
+                  <a:ext uri="{FF2B5EF4-FFF2-40B4-BE49-F238E27FC236}">
+                    <a16:creationId xmlns:a16="http://schemas.microsoft.com/office/drawing/2014/main" id="{F72A4F02-81F2-12CD-42EB-688314B6AAB2}"/>
+                  </a:ext>
+                </a:extLst>
+              </p:cNvPr>
+              <p:cNvSpPr txBox="1"/>
+              <p:nvPr/>
+            </p:nvSpPr>
+            <p:spPr>
+              <a:xfrm>
+                <a:off x="8547345" y="3645905"/>
+                <a:ext cx="1431825" cy="261610"/>
+              </a:xfrm>
+              <a:prstGeom prst="rect">
+                <a:avLst/>
+              </a:prstGeom>
+              <a:noFill/>
+            </p:spPr>
+            <p:txBody>
+              <a:bodyPr wrap="square">
+                <a:spAutoFit/>
+              </a:bodyPr>
+              <a:lstStyle/>
+              <a:p>
+                <a:pPr algn="ctr"/>
+                <a14:m>
+                  <m:oMathPara xmlns:m="http://schemas.openxmlformats.org/officeDocument/2006/math">
+                    <m:oMathParaPr>
+                      <m:jc m:val="centerGroup"/>
+                    </m:oMathParaPr>
+                    <m:oMath xmlns:m="http://schemas.openxmlformats.org/officeDocument/2006/math">
+                      <m:r>
+                        <a:rPr lang="fr-FR" sz="1100" b="1" i="1" smtClean="0">
+                          <a:solidFill>
+                            <a:srgbClr val="7030A0"/>
+                          </a:solidFill>
+                          <a:latin typeface="Cambria Math" panose="02040503050406030204" pitchFamily="18" charset="0"/>
+                          <a:ea typeface="Cambria Math" panose="02040503050406030204" pitchFamily="18" charset="0"/>
+                        </a:rPr>
+                        <m:t>𝓟</m:t>
+                      </m:r>
+                      <m:r>
+                        <a:rPr lang="fr-FR" sz="1100" b="1" i="1" smtClean="0">
+                          <a:solidFill>
+                            <a:srgbClr val="7030A0"/>
+                          </a:solidFill>
+                          <a:latin typeface="Cambria Math" panose="02040503050406030204" pitchFamily="18" charset="0"/>
+                          <a:ea typeface="Cambria Math" panose="02040503050406030204" pitchFamily="18" charset="0"/>
+                        </a:rPr>
+                        <m:t>=</m:t>
+                      </m:r>
+                      <m:sSub>
+                        <m:sSubPr>
+                          <m:ctrlPr>
+                            <a:rPr lang="fr-FR" sz="1100" b="1" i="1" smtClean="0">
+                              <a:solidFill>
+                                <a:srgbClr val="7030A0"/>
+                              </a:solidFill>
+                              <a:latin typeface="Cambria Math" panose="02040503050406030204" pitchFamily="18" charset="0"/>
+                              <a:ea typeface="Cambria Math" panose="02040503050406030204" pitchFamily="18" charset="0"/>
+                            </a:rPr>
+                          </m:ctrlPr>
+                        </m:sSubPr>
+                        <m:e>
+                          <m:r>
+                            <a:rPr lang="fr-FR" sz="1100" b="1" i="1" smtClean="0">
+                              <a:solidFill>
+                                <a:srgbClr val="7030A0"/>
+                              </a:solidFill>
+                              <a:latin typeface="Cambria Math" panose="02040503050406030204" pitchFamily="18" charset="0"/>
+                              <a:ea typeface="Cambria Math" panose="02040503050406030204" pitchFamily="18" charset="0"/>
+                            </a:rPr>
+                            <m:t>𝑭</m:t>
+                          </m:r>
+                        </m:e>
+                        <m:sub>
+                          <m:r>
+                            <a:rPr lang="fr-FR" sz="1100" b="1" i="1" smtClean="0">
+                              <a:solidFill>
+                                <a:srgbClr val="7030A0"/>
+                              </a:solidFill>
+                              <a:latin typeface="Cambria Math" panose="02040503050406030204" pitchFamily="18" charset="0"/>
+                              <a:ea typeface="Cambria Math" panose="02040503050406030204" pitchFamily="18" charset="0"/>
+                            </a:rPr>
+                            <m:t>𝒎</m:t>
+                          </m:r>
+                        </m:sub>
+                      </m:sSub>
+                      <m:r>
+                        <a:rPr lang="fr-FR" sz="1100" b="1" i="1" smtClean="0">
+                          <a:solidFill>
+                            <a:srgbClr val="7030A0"/>
+                          </a:solidFill>
+                          <a:latin typeface="Cambria Math" panose="02040503050406030204" pitchFamily="18" charset="0"/>
+                          <a:ea typeface="Cambria Math" panose="02040503050406030204" pitchFamily="18" charset="0"/>
+                        </a:rPr>
+                        <m:t>𝑽</m:t>
+                      </m:r>
+                    </m:oMath>
+                  </m:oMathPara>
+                </a14:m>
+                <a:endParaRPr lang="fr-FR" sz="1100" b="1" dirty="0">
+                  <a:solidFill>
+                    <a:srgbClr val="7030A0"/>
+                  </a:solidFill>
+                  <a:latin typeface="Arial Nova" panose="020B0504020202020204" pitchFamily="34" charset="0"/>
+                </a:endParaRPr>
+              </a:p>
+            </p:txBody>
+          </p:sp>
+        </mc:Choice>
+        <mc:Fallback>
+          <p:sp>
+            <p:nvSpPr>
+              <p:cNvPr id="112" name="ZoneTexte 111">
+                <a:extLst>
+                  <a:ext uri="{FF2B5EF4-FFF2-40B4-BE49-F238E27FC236}">
+                    <a16:creationId xmlns:a16="http://schemas.microsoft.com/office/drawing/2014/main" id="{F72A4F02-81F2-12CD-42EB-688314B6AAB2}"/>
+                  </a:ext>
+                </a:extLst>
+              </p:cNvPr>
+              <p:cNvSpPr txBox="1">
+                <a:spLocks noRot="1" noChangeAspect="1" noMove="1" noResize="1" noEditPoints="1" noAdjustHandles="1" noChangeArrowheads="1" noChangeShapeType="1" noTextEdit="1"/>
+              </p:cNvSpPr>
+              <p:nvPr/>
+            </p:nvSpPr>
+            <p:spPr>
+              <a:xfrm>
+                <a:off x="8547345" y="3645905"/>
+                <a:ext cx="1431825" cy="261610"/>
+              </a:xfrm>
+              <a:prstGeom prst="rect">
+                <a:avLst/>
+              </a:prstGeom>
+              <a:blipFill>
+                <a:blip r:embed="rId22"/>
+                <a:stretch>
+                  <a:fillRect/>
+                </a:stretch>
+              </a:blipFill>
+            </p:spPr>
+            <p:txBody>
+              <a:bodyPr/>
+              <a:lstStyle/>
+              <a:p>
+                <a:r>
+                  <a:rPr lang="fr-FR">
+                    <a:noFill/>
+                  </a:rPr>
+                  <a:t> </a:t>
+                </a:r>
+              </a:p>
+            </p:txBody>
+          </p:sp>
+        </mc:Fallback>
+      </mc:AlternateContent>
     </p:spTree>
     <p:extLst>
       <p:ext uri="{BB962C8B-B14F-4D97-AF65-F5344CB8AC3E}">
         <p14:creationId xmlns:p14="http://schemas.microsoft.com/office/powerpoint/2010/main" val="284060875"/>
+      </p:ext>
+    </p:extLst>
+  </p:cSld>
+  <p:clrMapOvr>
+    <a:masterClrMapping/>
+  </p:clrMapOvr>
+</p:sld>
+</file>
+
+<file path=ppt/slides/slide5.xml><?xml version="1.0" encoding="utf-8"?>
+<p:sld xmlns:a="http://schemas.openxmlformats.org/drawingml/2006/main" xmlns:r="http://schemas.openxmlformats.org/officeDocument/2006/relationships" xmlns:p="http://schemas.openxmlformats.org/presentationml/2006/main">
+  <p:cSld>
+    <p:spTree>
+      <p:nvGrpSpPr>
+        <p:cNvPr id="1" name=""/>
+        <p:cNvGrpSpPr/>
+        <p:nvPr/>
+      </p:nvGrpSpPr>
+      <p:grpSpPr>
+        <a:xfrm>
+          <a:off x="0" y="0"/>
+          <a:ext cx="0" cy="0"/>
+          <a:chOff x="0" y="0"/>
+          <a:chExt cx="0" cy="0"/>
+        </a:xfrm>
+      </p:grpSpPr>
+      <p:sp>
+        <p:nvSpPr>
+          <p:cNvPr id="4" name="Titre 3">
+            <a:extLst>
+              <a:ext uri="{FF2B5EF4-FFF2-40B4-BE49-F238E27FC236}">
+                <a16:creationId xmlns:a16="http://schemas.microsoft.com/office/drawing/2014/main" id="{B794E1E6-E0CB-0314-482E-A48AE59E0887}"/>
+              </a:ext>
+            </a:extLst>
+          </p:cNvPr>
+          <p:cNvSpPr>
+            <a:spLocks noGrp="1"/>
+          </p:cNvSpPr>
+          <p:nvPr>
+            <p:ph type="title"/>
+          </p:nvPr>
+        </p:nvSpPr>
+        <p:spPr/>
+        <p:txBody>
+          <a:bodyPr>
+            <a:normAutofit fontScale="90000"/>
+          </a:bodyPr>
+          <a:lstStyle/>
+          <a:p>
+            <a:r>
+              <a:rPr lang="fr-FR" dirty="0"/>
+              <a:t>07</a:t>
+            </a:r>
+            <a:br>
+              <a:rPr lang="fr-FR" dirty="0"/>
+            </a:br>
+            <a:r>
+              <a:rPr lang="fr-FR" dirty="0"/>
+              <a:t>Modélisation composants ou phénomènes</a:t>
+            </a:r>
+          </a:p>
+        </p:txBody>
+      </p:sp>
+      <p:sp>
+        <p:nvSpPr>
+          <p:cNvPr id="5" name="Espace réservé du texte 4">
+            <a:extLst>
+              <a:ext uri="{FF2B5EF4-FFF2-40B4-BE49-F238E27FC236}">
+                <a16:creationId xmlns:a16="http://schemas.microsoft.com/office/drawing/2014/main" id="{31164354-1A91-E980-2D9B-9062246D64F4}"/>
+              </a:ext>
+            </a:extLst>
+          </p:cNvPr>
+          <p:cNvSpPr>
+            <a:spLocks noGrp="1"/>
+          </p:cNvSpPr>
+          <p:nvPr>
+            <p:ph type="body" idx="1"/>
+          </p:nvPr>
+        </p:nvSpPr>
+        <p:spPr/>
+        <p:txBody>
+          <a:bodyPr/>
+          <a:lstStyle/>
+          <a:p>
+            <a:endParaRPr lang="fr-FR"/>
+          </a:p>
+        </p:txBody>
+      </p:sp>
+    </p:spTree>
+    <p:extLst>
+      <p:ext uri="{BB962C8B-B14F-4D97-AF65-F5344CB8AC3E}">
+        <p14:creationId xmlns:p14="http://schemas.microsoft.com/office/powerpoint/2010/main" val="455227787"/>
+      </p:ext>
+    </p:extLst>
+  </p:cSld>
+  <p:clrMapOvr>
+    <a:masterClrMapping/>
+  </p:clrMapOvr>
+</p:sld>
+</file>
+
+<file path=ppt/slides/slide6.xml><?xml version="1.0" encoding="utf-8"?>
+<p:sld xmlns:a="http://schemas.openxmlformats.org/drawingml/2006/main" xmlns:r="http://schemas.openxmlformats.org/officeDocument/2006/relationships" xmlns:p="http://schemas.openxmlformats.org/presentationml/2006/main">
+  <p:cSld>
+    <p:spTree>
+      <p:nvGrpSpPr>
+        <p:cNvPr id="1" name=""/>
+        <p:cNvGrpSpPr/>
+        <p:nvPr/>
+      </p:nvGrpSpPr>
+      <p:grpSpPr>
+        <a:xfrm>
+          <a:off x="0" y="0"/>
+          <a:ext cx="0" cy="0"/>
+          <a:chOff x="0" y="0"/>
+          <a:chExt cx="0" cy="0"/>
+        </a:xfrm>
+      </p:grpSpPr>
+      <p:sp>
+        <p:nvSpPr>
+          <p:cNvPr id="2" name="Titre 1">
+            <a:extLst>
+              <a:ext uri="{FF2B5EF4-FFF2-40B4-BE49-F238E27FC236}">
+                <a16:creationId xmlns:a16="http://schemas.microsoft.com/office/drawing/2014/main" id="{0E2762F0-6713-D740-7B66-903DCE9D555C}"/>
+              </a:ext>
+            </a:extLst>
+          </p:cNvPr>
+          <p:cNvSpPr>
+            <a:spLocks noGrp="1"/>
+          </p:cNvSpPr>
+          <p:nvPr>
+            <p:ph type="title"/>
+          </p:nvPr>
+        </p:nvSpPr>
+        <p:spPr/>
+        <p:txBody>
+          <a:bodyPr/>
+          <a:lstStyle/>
+          <a:p>
+            <a:r>
+              <a:rPr lang="fr-FR" dirty="0"/>
+              <a:t>Identification de la masse de l’axe</a:t>
+            </a:r>
+          </a:p>
+        </p:txBody>
+      </p:sp>
+      <mc:AlternateContent xmlns:mc="http://schemas.openxmlformats.org/markup-compatibility/2006">
+        <mc:Choice xmlns:a14="http://schemas.microsoft.com/office/drawing/2010/main" Requires="a14">
+          <p:sp>
+            <p:nvSpPr>
+              <p:cNvPr id="3" name="Espace réservé du contenu 2">
+                <a:extLst>
+                  <a:ext uri="{FF2B5EF4-FFF2-40B4-BE49-F238E27FC236}">
+                    <a16:creationId xmlns:a16="http://schemas.microsoft.com/office/drawing/2014/main" id="{01216E43-4963-B0A0-8737-FF44BF7186A5}"/>
+                  </a:ext>
+                </a:extLst>
+              </p:cNvPr>
+              <p:cNvSpPr>
+                <a:spLocks noGrp="1"/>
+              </p:cNvSpPr>
+              <p:nvPr>
+                <p:ph idx="1"/>
+              </p:nvPr>
+            </p:nvSpPr>
+            <p:spPr>
+              <a:xfrm>
+                <a:off x="117795" y="981886"/>
+                <a:ext cx="5869119" cy="5264909"/>
+              </a:xfrm>
+            </p:spPr>
+            <p:txBody>
+              <a:bodyPr>
+                <a:normAutofit fontScale="70000" lnSpcReduction="20000"/>
+              </a:bodyPr>
+              <a:lstStyle/>
+              <a:p>
+                <a:r>
+                  <a:rPr lang="fr-FR" dirty="0"/>
+                  <a:t>On isole : </a:t>
+                </a:r>
+              </a:p>
+              <a:p>
+                <a:pPr lvl="1"/>
+                <a:r>
+                  <a:rPr lang="fr-FR" dirty="0"/>
+                  <a:t>Le rotor du moteur</a:t>
+                </a:r>
+              </a:p>
+              <a:p>
+                <a:pPr lvl="1"/>
+                <a:r>
+                  <a:rPr lang="fr-FR" dirty="0"/>
+                  <a:t>Les pignons du réducteur</a:t>
+                </a:r>
+              </a:p>
+              <a:p>
+                <a:pPr lvl="1"/>
+                <a:r>
+                  <a:rPr lang="fr-FR" dirty="0"/>
+                  <a:t>La poulie</a:t>
+                </a:r>
+              </a:p>
+              <a:p>
+                <a:pPr lvl="1"/>
+                <a:r>
+                  <a:rPr lang="fr-FR" dirty="0"/>
+                  <a:t>La courroie</a:t>
+                </a:r>
+              </a:p>
+              <a:p>
+                <a:pPr lvl="1"/>
+                <a:r>
+                  <a:rPr lang="fr-FR" dirty="0"/>
+                  <a:t>L’axe</a:t>
+                </a:r>
+              </a:p>
+              <a:p>
+                <a:r>
+                  <a:rPr lang="fr-FR" dirty="0"/>
+                  <a:t>Hypothèses : </a:t>
+                </a:r>
+              </a:p>
+              <a:p>
+                <a:pPr lvl="1"/>
+                <a:r>
+                  <a:rPr lang="fr-FR" dirty="0"/>
+                  <a:t>Courroie qui roule sans glisser sur la poulie</a:t>
+                </a:r>
+              </a:p>
+              <a:p>
+                <a:pPr lvl="1"/>
+                <a:r>
+                  <a:rPr lang="fr-FR" dirty="0"/>
+                  <a:t>Courroie inextensible</a:t>
+                </a:r>
+              </a:p>
+              <a:p>
+                <a:pPr lvl="1"/>
+                <a:endParaRPr lang="fr-FR" dirty="0"/>
+              </a:p>
+              <a:p>
+                <a:r>
+                  <a:rPr lang="fr-FR" dirty="0"/>
+                  <a:t>Bilan des puissances :</a:t>
+                </a:r>
+              </a:p>
+              <a:p>
+                <a:pPr lvl="1"/>
+                <a:r>
+                  <a:rPr lang="fr-FR" dirty="0"/>
+                  <a:t>Toutes les puissances dissipées dans les liaisons intérieures ou extérieures à l’isolement sont ramenées à l’arbre moteur (rotor, noté </a:t>
+                </a:r>
+                <a14:m>
+                  <m:oMath xmlns:m="http://schemas.openxmlformats.org/officeDocument/2006/math">
+                    <m:r>
+                      <a:rPr lang="fr-FR" b="0" i="1" smtClean="0">
+                        <a:latin typeface="Cambria Math" panose="02040503050406030204" pitchFamily="18" charset="0"/>
+                      </a:rPr>
+                      <m:t>𝑟</m:t>
+                    </m:r>
+                    <m:r>
+                      <a:rPr lang="fr-FR" b="0" i="1" smtClean="0">
+                        <a:latin typeface="Cambria Math" panose="02040503050406030204" pitchFamily="18" charset="0"/>
+                      </a:rPr>
+                      <m:t>)</m:t>
+                    </m:r>
+                  </m:oMath>
+                </a14:m>
+                <a:r>
+                  <a:rPr lang="fr-FR" dirty="0"/>
+                  <a:t> On les note : </a:t>
+                </a:r>
+                <a14:m>
+                  <m:oMath xmlns:m="http://schemas.openxmlformats.org/officeDocument/2006/math">
+                    <m:r>
+                      <a:rPr lang="fr-FR" i="1" smtClean="0">
+                        <a:latin typeface="Cambria Math" panose="02040503050406030204" pitchFamily="18" charset="0"/>
+                        <a:ea typeface="Cambria Math" panose="02040503050406030204" pitchFamily="18" charset="0"/>
+                      </a:rPr>
+                      <m:t>𝒫</m:t>
+                    </m:r>
+                    <m:d>
+                      <m:dPr>
+                        <m:ctrlPr>
+                          <a:rPr lang="fr-FR" b="0" i="1" smtClean="0">
+                            <a:latin typeface="Cambria Math" panose="02040503050406030204" pitchFamily="18" charset="0"/>
+                            <a:ea typeface="Cambria Math" panose="02040503050406030204" pitchFamily="18" charset="0"/>
+                          </a:rPr>
+                        </m:ctrlPr>
+                      </m:dPr>
+                      <m:e>
+                        <m:r>
+                          <a:rPr lang="fr-FR" b="0" i="1" smtClean="0">
+                            <a:latin typeface="Cambria Math" panose="02040503050406030204" pitchFamily="18" charset="0"/>
+                            <a:ea typeface="Cambria Math" panose="02040503050406030204" pitchFamily="18" charset="0"/>
+                          </a:rPr>
+                          <m:t>𝐹𝑟𝑜𝑡𝑡</m:t>
+                        </m:r>
+                        <m:r>
+                          <a:rPr lang="fr-FR" b="0" i="1" smtClean="0">
+                            <a:latin typeface="Cambria Math" panose="02040503050406030204" pitchFamily="18" charset="0"/>
+                            <a:ea typeface="Cambria Math" panose="02040503050406030204" pitchFamily="18" charset="0"/>
+                          </a:rPr>
+                          <m:t>→</m:t>
+                        </m:r>
+                        <m:r>
+                          <a:rPr lang="fr-FR" b="0" i="1" smtClean="0">
+                            <a:latin typeface="Cambria Math" panose="02040503050406030204" pitchFamily="18" charset="0"/>
+                            <a:ea typeface="Cambria Math" panose="02040503050406030204" pitchFamily="18" charset="0"/>
+                          </a:rPr>
+                          <m:t>𝑟</m:t>
+                        </m:r>
+                        <m:r>
+                          <m:rPr>
+                            <m:lit/>
+                          </m:rPr>
+                          <a:rPr lang="fr-FR" b="0" i="1" smtClean="0">
+                            <a:latin typeface="Cambria Math" panose="02040503050406030204" pitchFamily="18" charset="0"/>
+                            <a:ea typeface="Cambria Math" panose="02040503050406030204" pitchFamily="18" charset="0"/>
+                          </a:rPr>
+                          <m:t>/</m:t>
+                        </m:r>
+                        <m:r>
+                          <a:rPr lang="fr-FR" b="0" i="1" smtClean="0">
+                            <a:latin typeface="Cambria Math" panose="02040503050406030204" pitchFamily="18" charset="0"/>
+                            <a:ea typeface="Cambria Math" panose="02040503050406030204" pitchFamily="18" charset="0"/>
+                          </a:rPr>
+                          <m:t>0</m:t>
+                        </m:r>
+                      </m:e>
+                    </m:d>
+                    <m:r>
+                      <a:rPr lang="fr-FR" b="0" i="1" smtClean="0">
+                        <a:latin typeface="Cambria Math" panose="02040503050406030204" pitchFamily="18" charset="0"/>
+                        <a:ea typeface="Cambria Math" panose="02040503050406030204" pitchFamily="18" charset="0"/>
+                      </a:rPr>
+                      <m:t>=−</m:t>
+                    </m:r>
+                    <m:sSub>
+                      <m:sSubPr>
+                        <m:ctrlPr>
+                          <a:rPr lang="fr-FR" b="0" i="1" smtClean="0">
+                            <a:latin typeface="Cambria Math" panose="02040503050406030204" pitchFamily="18" charset="0"/>
+                            <a:ea typeface="Cambria Math" panose="02040503050406030204" pitchFamily="18" charset="0"/>
+                          </a:rPr>
+                        </m:ctrlPr>
+                      </m:sSubPr>
+                      <m:e>
+                        <m:r>
+                          <a:rPr lang="fr-FR" b="0" i="1" smtClean="0">
+                            <a:latin typeface="Cambria Math" panose="02040503050406030204" pitchFamily="18" charset="0"/>
+                            <a:ea typeface="Cambria Math" panose="02040503050406030204" pitchFamily="18" charset="0"/>
+                          </a:rPr>
+                          <m:t>𝐶</m:t>
+                        </m:r>
+                      </m:e>
+                      <m:sub>
+                        <m:r>
+                          <a:rPr lang="fr-FR" b="0" i="1" smtClean="0">
+                            <a:latin typeface="Cambria Math" panose="02040503050406030204" pitchFamily="18" charset="0"/>
+                            <a:ea typeface="Cambria Math" panose="02040503050406030204" pitchFamily="18" charset="0"/>
+                          </a:rPr>
+                          <m:t>𝑟</m:t>
+                        </m:r>
+                      </m:sub>
+                    </m:sSub>
+                    <m:sSub>
+                      <m:sSubPr>
+                        <m:ctrlPr>
+                          <a:rPr lang="fr-FR" b="0" i="1" smtClean="0">
+                            <a:latin typeface="Cambria Math" panose="02040503050406030204" pitchFamily="18" charset="0"/>
+                            <a:ea typeface="Cambria Math" panose="02040503050406030204" pitchFamily="18" charset="0"/>
+                          </a:rPr>
+                        </m:ctrlPr>
+                      </m:sSubPr>
+                      <m:e>
+                        <m:r>
+                          <a:rPr lang="fr-FR" b="0" i="1" smtClean="0">
+                            <a:latin typeface="Cambria Math" panose="02040503050406030204" pitchFamily="18" charset="0"/>
+                            <a:ea typeface="Cambria Math" panose="02040503050406030204" pitchFamily="18" charset="0"/>
+                          </a:rPr>
+                          <m:t>𝜔</m:t>
+                        </m:r>
+                      </m:e>
+                      <m:sub>
+                        <m:r>
+                          <a:rPr lang="fr-FR" b="0" i="1" smtClean="0">
+                            <a:latin typeface="Cambria Math" panose="02040503050406030204" pitchFamily="18" charset="0"/>
+                            <a:ea typeface="Cambria Math" panose="02040503050406030204" pitchFamily="18" charset="0"/>
+                          </a:rPr>
+                          <m:t>𝑚</m:t>
+                        </m:r>
+                      </m:sub>
+                    </m:sSub>
+                  </m:oMath>
+                </a14:m>
+                <a:endParaRPr lang="fr-FR" dirty="0"/>
+              </a:p>
+              <a:p>
+                <a:pPr lvl="1"/>
+                <a:r>
+                  <a:rPr lang="fr-FR" dirty="0"/>
+                  <a:t>Bilan des puissances intérieures :</a:t>
+                </a:r>
+              </a:p>
+              <a:p>
+                <a:pPr lvl="2"/>
+                <a14:m>
+                  <m:oMath xmlns:m="http://schemas.openxmlformats.org/officeDocument/2006/math">
+                    <m:r>
+                      <a:rPr lang="fr-FR" i="1" smtClean="0">
+                        <a:latin typeface="Cambria Math" panose="02040503050406030204" pitchFamily="18" charset="0"/>
+                        <a:ea typeface="Cambria Math" panose="02040503050406030204" pitchFamily="18" charset="0"/>
+                      </a:rPr>
+                      <m:t>𝒫</m:t>
+                    </m:r>
+                    <m:d>
+                      <m:dPr>
+                        <m:ctrlPr>
+                          <a:rPr lang="fr-FR" b="0" i="1" smtClean="0">
+                            <a:latin typeface="Cambria Math" panose="02040503050406030204" pitchFamily="18" charset="0"/>
+                            <a:ea typeface="Cambria Math" panose="02040503050406030204" pitchFamily="18" charset="0"/>
+                          </a:rPr>
+                        </m:ctrlPr>
+                      </m:dPr>
+                      <m:e>
+                        <m:r>
+                          <a:rPr lang="fr-FR" b="0" i="1" smtClean="0">
+                            <a:latin typeface="Cambria Math" panose="02040503050406030204" pitchFamily="18" charset="0"/>
+                            <a:ea typeface="Cambria Math" panose="02040503050406030204" pitchFamily="18" charset="0"/>
+                          </a:rPr>
+                          <m:t>𝑝𝑜𝑢𝑙𝑖𝑒</m:t>
+                        </m:r>
+                        <m:r>
+                          <a:rPr lang="fr-FR" b="0" i="1" smtClean="0">
+                            <a:latin typeface="Cambria Math" panose="02040503050406030204" pitchFamily="18" charset="0"/>
+                            <a:ea typeface="Cambria Math" panose="02040503050406030204" pitchFamily="18" charset="0"/>
+                          </a:rPr>
+                          <m:t>↔</m:t>
+                        </m:r>
+                        <m:r>
+                          <a:rPr lang="fr-FR" b="0" i="1" smtClean="0">
+                            <a:latin typeface="Cambria Math" panose="02040503050406030204" pitchFamily="18" charset="0"/>
+                            <a:ea typeface="Cambria Math" panose="02040503050406030204" pitchFamily="18" charset="0"/>
+                          </a:rPr>
+                          <m:t>𝑐𝑜𝑢𝑟𝑟𝑜𝑖𝑒</m:t>
+                        </m:r>
+                      </m:e>
+                    </m:d>
+                    <m:r>
+                      <a:rPr lang="fr-FR" b="0" i="1" smtClean="0">
+                        <a:latin typeface="Cambria Math" panose="02040503050406030204" pitchFamily="18" charset="0"/>
+                        <a:ea typeface="Cambria Math" panose="02040503050406030204" pitchFamily="18" charset="0"/>
+                      </a:rPr>
+                      <m:t>=0</m:t>
+                    </m:r>
+                  </m:oMath>
+                </a14:m>
+                <a:r>
+                  <a:rPr lang="fr-FR" dirty="0"/>
+                  <a:t> (Roulement sans glissement)</a:t>
+                </a:r>
+              </a:p>
+              <a:p>
+                <a:pPr lvl="1"/>
+                <a:r>
+                  <a:rPr lang="fr-FR" dirty="0"/>
+                  <a:t>Bilan des puissances extérieures :</a:t>
+                </a:r>
+              </a:p>
+              <a:p>
+                <a:pPr lvl="2"/>
+                <a:r>
+                  <a:rPr lang="fr-FR" dirty="0">
+                    <a:ea typeface="Cambria Math" panose="02040503050406030204" pitchFamily="18" charset="0"/>
+                  </a:rPr>
+                  <a:t>Puissance </a:t>
+                </a:r>
+                <a:r>
+                  <a:rPr lang="fr-FR" dirty="0" err="1">
+                    <a:ea typeface="Cambria Math" panose="02040503050406030204" pitchFamily="18" charset="0"/>
+                  </a:rPr>
+                  <a:t>motr</a:t>
+                </a:r>
+                <a:r>
+                  <a:rPr lang="fr-FR" dirty="0">
+                    <a:ea typeface="Cambria Math" panose="02040503050406030204" pitchFamily="18" charset="0"/>
+                  </a:rPr>
+                  <a:t>ice </a:t>
+                </a:r>
+                <a14:m>
+                  <m:oMath xmlns:m="http://schemas.openxmlformats.org/officeDocument/2006/math">
+                    <m:r>
+                      <a:rPr lang="fr-FR" i="1" smtClean="0">
+                        <a:latin typeface="Cambria Math" panose="02040503050406030204" pitchFamily="18" charset="0"/>
+                        <a:ea typeface="Cambria Math" panose="02040503050406030204" pitchFamily="18" charset="0"/>
+                      </a:rPr>
+                      <m:t>𝒫</m:t>
+                    </m:r>
+                    <m:d>
+                      <m:dPr>
+                        <m:ctrlPr>
+                          <a:rPr lang="fr-FR" b="0" i="1" smtClean="0">
+                            <a:latin typeface="Cambria Math" panose="02040503050406030204" pitchFamily="18" charset="0"/>
+                            <a:ea typeface="Cambria Math" panose="02040503050406030204" pitchFamily="18" charset="0"/>
+                          </a:rPr>
+                        </m:ctrlPr>
+                      </m:dPr>
+                      <m:e>
+                        <m:r>
+                          <a:rPr lang="fr-FR" b="0" i="1" smtClean="0">
+                            <a:latin typeface="Cambria Math" panose="02040503050406030204" pitchFamily="18" charset="0"/>
+                            <a:ea typeface="Cambria Math" panose="02040503050406030204" pitchFamily="18" charset="0"/>
+                          </a:rPr>
+                          <m:t>𝑟𝑜𝑡𝑜𝑟</m:t>
+                        </m:r>
+                        <m:r>
+                          <a:rPr lang="fr-FR" b="0" i="1" smtClean="0">
+                            <a:latin typeface="Cambria Math" panose="02040503050406030204" pitchFamily="18" charset="0"/>
+                            <a:ea typeface="Cambria Math" panose="02040503050406030204" pitchFamily="18" charset="0"/>
+                          </a:rPr>
+                          <m:t>→</m:t>
+                        </m:r>
+                        <m:r>
+                          <a:rPr lang="fr-FR" b="0" i="1" smtClean="0">
+                            <a:latin typeface="Cambria Math" panose="02040503050406030204" pitchFamily="18" charset="0"/>
+                            <a:ea typeface="Cambria Math" panose="02040503050406030204" pitchFamily="18" charset="0"/>
+                          </a:rPr>
+                          <m:t>𝑠𝑡𝑎𝑡𝑜𝑟</m:t>
+                        </m:r>
+                        <m:r>
+                          <m:rPr>
+                            <m:lit/>
+                          </m:rPr>
+                          <a:rPr lang="fr-FR" b="0" i="1" smtClean="0">
+                            <a:latin typeface="Cambria Math" panose="02040503050406030204" pitchFamily="18" charset="0"/>
+                            <a:ea typeface="Cambria Math" panose="02040503050406030204" pitchFamily="18" charset="0"/>
+                          </a:rPr>
+                          <m:t>/</m:t>
+                        </m:r>
+                        <m:r>
+                          <a:rPr lang="fr-FR" b="0" i="1" smtClean="0">
+                            <a:latin typeface="Cambria Math" panose="02040503050406030204" pitchFamily="18" charset="0"/>
+                            <a:ea typeface="Cambria Math" panose="02040503050406030204" pitchFamily="18" charset="0"/>
+                          </a:rPr>
+                          <m:t>0 </m:t>
+                        </m:r>
+                      </m:e>
+                    </m:d>
+                    <m:r>
+                      <a:rPr lang="fr-FR" b="0" i="1" smtClean="0">
+                        <a:latin typeface="Cambria Math" panose="02040503050406030204" pitchFamily="18" charset="0"/>
+                        <a:ea typeface="Cambria Math" panose="02040503050406030204" pitchFamily="18" charset="0"/>
+                      </a:rPr>
+                      <m:t>=</m:t>
+                    </m:r>
+                    <m:sSub>
+                      <m:sSubPr>
+                        <m:ctrlPr>
+                          <a:rPr lang="fr-FR" b="0" i="1" smtClean="0">
+                            <a:latin typeface="Cambria Math" panose="02040503050406030204" pitchFamily="18" charset="0"/>
+                            <a:ea typeface="Cambria Math" panose="02040503050406030204" pitchFamily="18" charset="0"/>
+                          </a:rPr>
+                        </m:ctrlPr>
+                      </m:sSubPr>
+                      <m:e>
+                        <m:r>
+                          <a:rPr lang="fr-FR" b="0" i="1" smtClean="0">
+                            <a:latin typeface="Cambria Math" panose="02040503050406030204" pitchFamily="18" charset="0"/>
+                            <a:ea typeface="Cambria Math" panose="02040503050406030204" pitchFamily="18" charset="0"/>
+                          </a:rPr>
+                          <m:t>𝐶</m:t>
+                        </m:r>
+                      </m:e>
+                      <m:sub>
+                        <m:r>
+                          <a:rPr lang="fr-FR" b="0" i="1" smtClean="0">
+                            <a:latin typeface="Cambria Math" panose="02040503050406030204" pitchFamily="18" charset="0"/>
+                            <a:ea typeface="Cambria Math" panose="02040503050406030204" pitchFamily="18" charset="0"/>
+                          </a:rPr>
+                          <m:t>𝑚</m:t>
+                        </m:r>
+                      </m:sub>
+                    </m:sSub>
+                    <m:sSub>
+                      <m:sSubPr>
+                        <m:ctrlPr>
+                          <a:rPr lang="fr-FR" b="0" i="1" smtClean="0">
+                            <a:latin typeface="Cambria Math" panose="02040503050406030204" pitchFamily="18" charset="0"/>
+                            <a:ea typeface="Cambria Math" panose="02040503050406030204" pitchFamily="18" charset="0"/>
+                          </a:rPr>
+                        </m:ctrlPr>
+                      </m:sSubPr>
+                      <m:e>
+                        <m:r>
+                          <a:rPr lang="fr-FR" b="0" i="1" smtClean="0">
+                            <a:latin typeface="Cambria Math" panose="02040503050406030204" pitchFamily="18" charset="0"/>
+                            <a:ea typeface="Cambria Math" panose="02040503050406030204" pitchFamily="18" charset="0"/>
+                          </a:rPr>
+                          <m:t>𝜔</m:t>
+                        </m:r>
+                      </m:e>
+                      <m:sub>
+                        <m:r>
+                          <a:rPr lang="fr-FR" b="0" i="1" smtClean="0">
+                            <a:latin typeface="Cambria Math" panose="02040503050406030204" pitchFamily="18" charset="0"/>
+                            <a:ea typeface="Cambria Math" panose="02040503050406030204" pitchFamily="18" charset="0"/>
+                          </a:rPr>
+                          <m:t>𝑚</m:t>
+                        </m:r>
+                        <m:r>
+                          <m:rPr>
+                            <m:lit/>
+                          </m:rPr>
+                          <a:rPr lang="fr-FR" b="0" i="1" smtClean="0">
+                            <a:latin typeface="Cambria Math" panose="02040503050406030204" pitchFamily="18" charset="0"/>
+                            <a:ea typeface="Cambria Math" panose="02040503050406030204" pitchFamily="18" charset="0"/>
+                          </a:rPr>
+                          <m:t>/</m:t>
+                        </m:r>
+                        <m:r>
+                          <a:rPr lang="fr-FR" b="0" i="1" smtClean="0">
+                            <a:latin typeface="Cambria Math" panose="02040503050406030204" pitchFamily="18" charset="0"/>
+                            <a:ea typeface="Cambria Math" panose="02040503050406030204" pitchFamily="18" charset="0"/>
+                          </a:rPr>
+                          <m:t>0</m:t>
+                        </m:r>
+                      </m:sub>
+                    </m:sSub>
+                  </m:oMath>
+                </a14:m>
+                <a:endParaRPr lang="fr-FR" b="0" dirty="0">
+                  <a:ea typeface="Cambria Math" panose="02040503050406030204" pitchFamily="18" charset="0"/>
+                </a:endParaRPr>
+              </a:p>
+              <a:p>
+                <a:pPr lvl="2"/>
+                <a:r>
+                  <a:rPr lang="fr-FR" dirty="0"/>
+                  <a:t>Puissance de la pesanteur : </a:t>
+                </a:r>
+                <a14:m>
+                  <m:oMath xmlns:m="http://schemas.openxmlformats.org/officeDocument/2006/math">
+                    <m:r>
+                      <a:rPr lang="fr-FR" i="1" smtClean="0">
+                        <a:latin typeface="Cambria Math" panose="02040503050406030204" pitchFamily="18" charset="0"/>
+                        <a:ea typeface="Cambria Math" panose="02040503050406030204" pitchFamily="18" charset="0"/>
+                      </a:rPr>
+                      <m:t>𝒫</m:t>
+                    </m:r>
+                    <m:d>
+                      <m:dPr>
+                        <m:ctrlPr>
+                          <a:rPr lang="fr-FR" b="0" i="1" smtClean="0">
+                            <a:latin typeface="Cambria Math" panose="02040503050406030204" pitchFamily="18" charset="0"/>
+                            <a:ea typeface="Cambria Math" panose="02040503050406030204" pitchFamily="18" charset="0"/>
+                          </a:rPr>
+                        </m:ctrlPr>
+                      </m:dPr>
+                      <m:e>
+                        <m:r>
+                          <a:rPr lang="fr-FR" b="0" i="1" smtClean="0">
+                            <a:latin typeface="Cambria Math" panose="02040503050406030204" pitchFamily="18" charset="0"/>
+                            <a:ea typeface="Cambria Math" panose="02040503050406030204" pitchFamily="18" charset="0"/>
+                          </a:rPr>
+                          <m:t>𝑝𝑒𝑠</m:t>
+                        </m:r>
+                        <m:r>
+                          <a:rPr lang="fr-FR" b="0" i="1" smtClean="0">
+                            <a:latin typeface="Cambria Math" panose="02040503050406030204" pitchFamily="18" charset="0"/>
+                            <a:ea typeface="Cambria Math" panose="02040503050406030204" pitchFamily="18" charset="0"/>
+                          </a:rPr>
+                          <m:t>→</m:t>
+                        </m:r>
+                        <m:r>
+                          <a:rPr lang="fr-FR" b="0" i="1" smtClean="0">
+                            <a:latin typeface="Cambria Math" panose="02040503050406030204" pitchFamily="18" charset="0"/>
+                            <a:ea typeface="Cambria Math" panose="02040503050406030204" pitchFamily="18" charset="0"/>
+                          </a:rPr>
+                          <m:t>𝑎𝑥𝑒</m:t>
+                        </m:r>
+                        <m:r>
+                          <m:rPr>
+                            <m:lit/>
+                          </m:rPr>
+                          <a:rPr lang="fr-FR" b="0" i="1" smtClean="0">
+                            <a:latin typeface="Cambria Math" panose="02040503050406030204" pitchFamily="18" charset="0"/>
+                            <a:ea typeface="Cambria Math" panose="02040503050406030204" pitchFamily="18" charset="0"/>
+                          </a:rPr>
+                          <m:t>/</m:t>
+                        </m:r>
+                        <m:r>
+                          <a:rPr lang="fr-FR" b="0" i="1" smtClean="0">
+                            <a:latin typeface="Cambria Math" panose="02040503050406030204" pitchFamily="18" charset="0"/>
+                            <a:ea typeface="Cambria Math" panose="02040503050406030204" pitchFamily="18" charset="0"/>
+                          </a:rPr>
+                          <m:t>0 </m:t>
+                        </m:r>
+                      </m:e>
+                    </m:d>
+                    <m:r>
+                      <a:rPr lang="fr-FR" i="1">
+                        <a:latin typeface="Cambria Math" panose="02040503050406030204" pitchFamily="18" charset="0"/>
+                        <a:ea typeface="Cambria Math" panose="02040503050406030204" pitchFamily="18" charset="0"/>
+                      </a:rPr>
+                      <m:t>=±</m:t>
+                    </m:r>
+                    <m:d>
+                      <m:dPr>
+                        <m:ctrlPr>
+                          <a:rPr lang="fr-FR" i="1">
+                            <a:latin typeface="Cambria Math" panose="02040503050406030204" pitchFamily="18" charset="0"/>
+                            <a:ea typeface="Cambria Math" panose="02040503050406030204" pitchFamily="18" charset="0"/>
+                          </a:rPr>
+                        </m:ctrlPr>
+                      </m:dPr>
+                      <m:e>
+                        <m:r>
+                          <a:rPr lang="fr-FR" i="1">
+                            <a:latin typeface="Cambria Math" panose="02040503050406030204" pitchFamily="18" charset="0"/>
+                            <a:ea typeface="Cambria Math" panose="02040503050406030204" pitchFamily="18" charset="0"/>
+                          </a:rPr>
+                          <m:t>𝑀</m:t>
+                        </m:r>
+                        <m:r>
+                          <a:rPr lang="fr-FR" i="1">
+                            <a:latin typeface="Cambria Math" panose="02040503050406030204" pitchFamily="18" charset="0"/>
+                            <a:ea typeface="Cambria Math" panose="02040503050406030204" pitchFamily="18" charset="0"/>
+                          </a:rPr>
+                          <m:t>+</m:t>
+                        </m:r>
+                        <m:r>
+                          <a:rPr lang="fr-FR" i="1">
+                            <a:latin typeface="Cambria Math" panose="02040503050406030204" pitchFamily="18" charset="0"/>
+                            <a:ea typeface="Cambria Math" panose="02040503050406030204" pitchFamily="18" charset="0"/>
+                          </a:rPr>
+                          <m:t>𝑛𝑚</m:t>
+                        </m:r>
+                      </m:e>
+                    </m:d>
+                    <m:r>
+                      <a:rPr lang="fr-FR" i="1">
+                        <a:latin typeface="Cambria Math" panose="02040503050406030204" pitchFamily="18" charset="0"/>
+                        <a:ea typeface="Cambria Math" panose="02040503050406030204" pitchFamily="18" charset="0"/>
+                      </a:rPr>
+                      <m:t>𝑔</m:t>
+                    </m:r>
+                    <m:sSub>
+                      <m:sSubPr>
+                        <m:ctrlPr>
+                          <a:rPr lang="fr-FR" i="1">
+                            <a:latin typeface="Cambria Math" panose="02040503050406030204" pitchFamily="18" charset="0"/>
+                            <a:ea typeface="Cambria Math" panose="02040503050406030204" pitchFamily="18" charset="0"/>
+                          </a:rPr>
+                        </m:ctrlPr>
+                      </m:sSubPr>
+                      <m:e>
+                        <m:r>
+                          <a:rPr lang="fr-FR" i="1">
+                            <a:latin typeface="Cambria Math" panose="02040503050406030204" pitchFamily="18" charset="0"/>
+                            <a:ea typeface="Cambria Math" panose="02040503050406030204" pitchFamily="18" charset="0"/>
+                          </a:rPr>
+                          <m:t>𝑉</m:t>
+                        </m:r>
+                      </m:e>
+                      <m:sub>
+                        <m:r>
+                          <a:rPr lang="fr-FR" i="1">
+                            <a:latin typeface="Cambria Math" panose="02040503050406030204" pitchFamily="18" charset="0"/>
+                            <a:ea typeface="Cambria Math" panose="02040503050406030204" pitchFamily="18" charset="0"/>
+                          </a:rPr>
+                          <m:t>𝑎𝑥𝑒</m:t>
+                        </m:r>
+                        <m:r>
+                          <m:rPr>
+                            <m:lit/>
+                          </m:rPr>
+                          <a:rPr lang="fr-FR" i="1">
+                            <a:latin typeface="Cambria Math" panose="02040503050406030204" pitchFamily="18" charset="0"/>
+                            <a:ea typeface="Cambria Math" panose="02040503050406030204" pitchFamily="18" charset="0"/>
+                          </a:rPr>
+                          <m:t>/</m:t>
+                        </m:r>
+                        <m:r>
+                          <a:rPr lang="fr-FR" i="1">
+                            <a:latin typeface="Cambria Math" panose="02040503050406030204" pitchFamily="18" charset="0"/>
+                            <a:ea typeface="Cambria Math" panose="02040503050406030204" pitchFamily="18" charset="0"/>
+                          </a:rPr>
+                          <m:t>0</m:t>
+                        </m:r>
+                      </m:sub>
+                    </m:sSub>
+                  </m:oMath>
+                </a14:m>
+                <a:r>
+                  <a:rPr lang="fr-FR" dirty="0">
+                    <a:ea typeface="Cambria Math" panose="02040503050406030204" pitchFamily="18" charset="0"/>
+                  </a:rPr>
+                  <a:t> </a:t>
+                </a:r>
+                <a14:m>
+                  <m:oMath xmlns:m="http://schemas.openxmlformats.org/officeDocument/2006/math">
+                    <m:r>
+                      <a:rPr lang="fr-FR" i="1">
+                        <a:latin typeface="Cambria Math" panose="02040503050406030204" pitchFamily="18" charset="0"/>
+                        <a:ea typeface="Cambria Math" panose="02040503050406030204" pitchFamily="18" charset="0"/>
+                      </a:rPr>
+                      <m:t>=±</m:t>
+                    </m:r>
+                    <m:d>
+                      <m:dPr>
+                        <m:ctrlPr>
+                          <a:rPr lang="fr-FR" i="1">
+                            <a:latin typeface="Cambria Math" panose="02040503050406030204" pitchFamily="18" charset="0"/>
+                            <a:ea typeface="Cambria Math" panose="02040503050406030204" pitchFamily="18" charset="0"/>
+                          </a:rPr>
+                        </m:ctrlPr>
+                      </m:dPr>
+                      <m:e>
+                        <m:r>
+                          <a:rPr lang="fr-FR" i="1">
+                            <a:latin typeface="Cambria Math" panose="02040503050406030204" pitchFamily="18" charset="0"/>
+                            <a:ea typeface="Cambria Math" panose="02040503050406030204" pitchFamily="18" charset="0"/>
+                          </a:rPr>
+                          <m:t>𝑀</m:t>
+                        </m:r>
+                        <m:r>
+                          <a:rPr lang="fr-FR" i="1">
+                            <a:latin typeface="Cambria Math" panose="02040503050406030204" pitchFamily="18" charset="0"/>
+                            <a:ea typeface="Cambria Math" panose="02040503050406030204" pitchFamily="18" charset="0"/>
+                          </a:rPr>
+                          <m:t>+</m:t>
+                        </m:r>
+                        <m:r>
+                          <a:rPr lang="fr-FR" i="1">
+                            <a:latin typeface="Cambria Math" panose="02040503050406030204" pitchFamily="18" charset="0"/>
+                            <a:ea typeface="Cambria Math" panose="02040503050406030204" pitchFamily="18" charset="0"/>
+                          </a:rPr>
+                          <m:t>𝑛𝑚</m:t>
+                        </m:r>
+                      </m:e>
+                    </m:d>
+                    <m:r>
+                      <a:rPr lang="fr-FR" i="1">
+                        <a:latin typeface="Cambria Math" panose="02040503050406030204" pitchFamily="18" charset="0"/>
+                        <a:ea typeface="Cambria Math" panose="02040503050406030204" pitchFamily="18" charset="0"/>
+                      </a:rPr>
+                      <m:t>𝑔</m:t>
+                    </m:r>
+                    <m:r>
+                      <a:rPr lang="fr-FR" i="1" smtClean="0">
+                        <a:latin typeface="Cambria Math" panose="02040503050406030204" pitchFamily="18" charset="0"/>
+                        <a:ea typeface="Cambria Math" panose="02040503050406030204" pitchFamily="18" charset="0"/>
+                      </a:rPr>
+                      <m:t>𝐾</m:t>
+                    </m:r>
+                    <m:sSub>
+                      <m:sSubPr>
+                        <m:ctrlPr>
+                          <a:rPr lang="fr-FR" i="1">
+                            <a:latin typeface="Cambria Math" panose="02040503050406030204" pitchFamily="18" charset="0"/>
+                            <a:ea typeface="Cambria Math" panose="02040503050406030204" pitchFamily="18" charset="0"/>
+                          </a:rPr>
+                        </m:ctrlPr>
+                      </m:sSubPr>
+                      <m:e>
+                        <m:r>
+                          <a:rPr lang="fr-FR" i="1">
+                            <a:latin typeface="Cambria Math" panose="02040503050406030204" pitchFamily="18" charset="0"/>
+                            <a:ea typeface="Cambria Math" panose="02040503050406030204" pitchFamily="18" charset="0"/>
+                          </a:rPr>
+                          <m:t>𝜔</m:t>
+                        </m:r>
+                      </m:e>
+                      <m:sub>
+                        <m:r>
+                          <a:rPr lang="fr-FR" i="1">
+                            <a:latin typeface="Cambria Math" panose="02040503050406030204" pitchFamily="18" charset="0"/>
+                            <a:ea typeface="Cambria Math" panose="02040503050406030204" pitchFamily="18" charset="0"/>
+                          </a:rPr>
+                          <m:t>𝑚</m:t>
+                        </m:r>
+                        <m:r>
+                          <m:rPr>
+                            <m:lit/>
+                          </m:rPr>
+                          <a:rPr lang="fr-FR" i="1">
+                            <a:latin typeface="Cambria Math" panose="02040503050406030204" pitchFamily="18" charset="0"/>
+                            <a:ea typeface="Cambria Math" panose="02040503050406030204" pitchFamily="18" charset="0"/>
+                          </a:rPr>
+                          <m:t>/</m:t>
+                        </m:r>
+                        <m:r>
+                          <a:rPr lang="fr-FR" i="1">
+                            <a:latin typeface="Cambria Math" panose="02040503050406030204" pitchFamily="18" charset="0"/>
+                            <a:ea typeface="Cambria Math" panose="02040503050406030204" pitchFamily="18" charset="0"/>
+                          </a:rPr>
+                          <m:t>0</m:t>
+                        </m:r>
+                      </m:sub>
+                    </m:sSub>
+                  </m:oMath>
+                </a14:m>
+                <a:endParaRPr lang="fr-FR" dirty="0"/>
+              </a:p>
+            </p:txBody>
+          </p:sp>
+        </mc:Choice>
+        <mc:Fallback>
+          <p:sp>
+            <p:nvSpPr>
+              <p:cNvPr id="3" name="Espace réservé du contenu 2">
+                <a:extLst>
+                  <a:ext uri="{FF2B5EF4-FFF2-40B4-BE49-F238E27FC236}">
+                    <a16:creationId xmlns:a16="http://schemas.microsoft.com/office/drawing/2014/main" id="{01216E43-4963-B0A0-8737-FF44BF7186A5}"/>
+                  </a:ext>
+                </a:extLst>
+              </p:cNvPr>
+              <p:cNvSpPr>
+                <a:spLocks noGrp="1" noRot="1" noChangeAspect="1" noMove="1" noResize="1" noEditPoints="1" noAdjustHandles="1" noChangeArrowheads="1" noChangeShapeType="1" noTextEdit="1"/>
+              </p:cNvSpPr>
+              <p:nvPr>
+                <p:ph idx="1"/>
+              </p:nvPr>
+            </p:nvSpPr>
+            <p:spPr>
+              <a:xfrm>
+                <a:off x="117795" y="981886"/>
+                <a:ext cx="5869119" cy="5264909"/>
+              </a:xfrm>
+              <a:blipFill>
+                <a:blip r:embed="rId2"/>
+                <a:stretch>
+                  <a:fillRect l="-1973" t="-2083" r="-208"/>
+                </a:stretch>
+              </a:blipFill>
+            </p:spPr>
+            <p:txBody>
+              <a:bodyPr/>
+              <a:lstStyle/>
+              <a:p>
+                <a:r>
+                  <a:rPr lang="fr-FR">
+                    <a:noFill/>
+                  </a:rPr>
+                  <a:t> </a:t>
+                </a:r>
+              </a:p>
+            </p:txBody>
+          </p:sp>
+        </mc:Fallback>
+      </mc:AlternateContent>
+      <mc:AlternateContent xmlns:mc="http://schemas.openxmlformats.org/markup-compatibility/2006">
+        <mc:Choice xmlns:a14="http://schemas.microsoft.com/office/drawing/2010/main" Requires="a14">
+          <p:sp>
+            <p:nvSpPr>
+              <p:cNvPr id="4" name="Espace réservé du contenu 2">
+                <a:extLst>
+                  <a:ext uri="{FF2B5EF4-FFF2-40B4-BE49-F238E27FC236}">
+                    <a16:creationId xmlns:a16="http://schemas.microsoft.com/office/drawing/2014/main" id="{E7F53A8B-C997-DCCC-B9F3-26A7F8E42C86}"/>
+                  </a:ext>
+                </a:extLst>
+              </p:cNvPr>
+              <p:cNvSpPr txBox="1">
+                <a:spLocks/>
+              </p:cNvSpPr>
+              <p:nvPr/>
+            </p:nvSpPr>
+            <p:spPr>
+              <a:xfrm>
+                <a:off x="6096000" y="981886"/>
+                <a:ext cx="5978205" cy="5264909"/>
+              </a:xfrm>
+              <a:prstGeom prst="rect">
+                <a:avLst/>
+              </a:prstGeom>
+            </p:spPr>
+            <p:txBody>
+              <a:bodyPr vert="horz" lIns="0" tIns="45720" rIns="0" bIns="45720" rtlCol="0">
+                <a:normAutofit/>
+              </a:bodyPr>
+              <a:lstStyle>
+                <a:lvl1pPr marL="271463" indent="-269875" algn="l" defTabSz="914400" rtl="0" eaLnBrk="1" latinLnBrk="0" hangingPunct="1">
+                  <a:lnSpc>
+                    <a:spcPct val="90000"/>
+                  </a:lnSpc>
+                  <a:spcBef>
+                    <a:spcPts val="1200"/>
+                  </a:spcBef>
+                  <a:spcAft>
+                    <a:spcPts val="200"/>
+                  </a:spcAft>
+                  <a:buClr>
+                    <a:schemeClr val="tx2"/>
+                  </a:buClr>
+                  <a:buSzPct val="80000"/>
+                  <a:buFont typeface="Wingdings" panose="05000000000000000000" pitchFamily="2" charset="2"/>
+                  <a:buChar char="q"/>
+                  <a:defRPr lang="fr-FR" sz="2800" kern="1200">
+                    <a:solidFill>
+                      <a:schemeClr val="tx1">
+                        <a:lumMod val="75000"/>
+                        <a:lumOff val="25000"/>
+                      </a:schemeClr>
+                    </a:solidFill>
+                    <a:latin typeface="+mn-lt"/>
+                    <a:ea typeface="+mn-ea"/>
+                    <a:cs typeface="+mn-cs"/>
+                  </a:defRPr>
+                </a:lvl1pPr>
+                <a:lvl2pPr marL="449263" indent="-249238" algn="l" defTabSz="914400" rtl="0" eaLnBrk="1" latinLnBrk="0" hangingPunct="1">
+                  <a:lnSpc>
+                    <a:spcPct val="90000"/>
+                  </a:lnSpc>
+                  <a:spcBef>
+                    <a:spcPts val="200"/>
+                  </a:spcBef>
+                  <a:spcAft>
+                    <a:spcPts val="400"/>
+                  </a:spcAft>
+                  <a:buClr>
+                    <a:schemeClr val="accent1"/>
+                  </a:buClr>
+                  <a:buSzPct val="80000"/>
+                  <a:buFont typeface="Wingdings" panose="05000000000000000000" pitchFamily="2" charset="2"/>
+                  <a:buChar char="q"/>
+                  <a:defRPr lang="fr-FR" sz="2400" kern="1200">
+                    <a:solidFill>
+                      <a:schemeClr val="tx1">
+                        <a:lumMod val="75000"/>
+                        <a:lumOff val="25000"/>
+                      </a:schemeClr>
+                    </a:solidFill>
+                    <a:latin typeface="+mn-lt"/>
+                    <a:ea typeface="+mn-ea"/>
+                    <a:cs typeface="+mn-cs"/>
+                  </a:defRPr>
+                </a:lvl2pPr>
+                <a:lvl3pPr marL="627063" indent="-242888" algn="l" defTabSz="914400" rtl="0" eaLnBrk="1" latinLnBrk="0" hangingPunct="1">
+                  <a:lnSpc>
+                    <a:spcPct val="90000"/>
+                  </a:lnSpc>
+                  <a:spcBef>
+                    <a:spcPts val="200"/>
+                  </a:spcBef>
+                  <a:spcAft>
+                    <a:spcPts val="400"/>
+                  </a:spcAft>
+                  <a:buClr>
+                    <a:schemeClr val="accent2"/>
+                  </a:buClr>
+                  <a:buSzPct val="80000"/>
+                  <a:buFont typeface="Wingdings" panose="05000000000000000000" pitchFamily="2" charset="2"/>
+                  <a:buChar char="q"/>
+                  <a:defRPr lang="fr-FR" sz="1800" kern="1200">
+                    <a:solidFill>
+                      <a:schemeClr val="tx1">
+                        <a:lumMod val="75000"/>
+                        <a:lumOff val="25000"/>
+                      </a:schemeClr>
+                    </a:solidFill>
+                    <a:latin typeface="+mn-lt"/>
+                    <a:ea typeface="+mn-ea"/>
+                    <a:cs typeface="+mn-cs"/>
+                  </a:defRPr>
+                </a:lvl3pPr>
+                <a:lvl4pPr marL="804863" indent="-238125" algn="l" defTabSz="914400" rtl="0" eaLnBrk="1" latinLnBrk="0" hangingPunct="1">
+                  <a:lnSpc>
+                    <a:spcPct val="90000"/>
+                  </a:lnSpc>
+                  <a:spcBef>
+                    <a:spcPts val="200"/>
+                  </a:spcBef>
+                  <a:spcAft>
+                    <a:spcPts val="400"/>
+                  </a:spcAft>
+                  <a:buClr>
+                    <a:schemeClr val="accent3"/>
+                  </a:buClr>
+                  <a:buSzPct val="80000"/>
+                  <a:buFont typeface="Wingdings" panose="05000000000000000000" pitchFamily="2" charset="2"/>
+                  <a:buChar char="q"/>
+                  <a:defRPr lang="fr-FR" sz="1800" kern="1200">
+                    <a:solidFill>
+                      <a:schemeClr val="tx1">
+                        <a:lumMod val="75000"/>
+                        <a:lumOff val="25000"/>
+                      </a:schemeClr>
+                    </a:solidFill>
+                    <a:latin typeface="+mn-lt"/>
+                    <a:ea typeface="+mn-ea"/>
+                    <a:cs typeface="+mn-cs"/>
+                  </a:defRPr>
+                </a:lvl4pPr>
+                <a:lvl5pPr marL="982663" indent="-233363" algn="l" defTabSz="914400" rtl="0" eaLnBrk="1" latinLnBrk="0" hangingPunct="1">
+                  <a:lnSpc>
+                    <a:spcPct val="90000"/>
+                  </a:lnSpc>
+                  <a:spcBef>
+                    <a:spcPts val="200"/>
+                  </a:spcBef>
+                  <a:spcAft>
+                    <a:spcPts val="400"/>
+                  </a:spcAft>
+                  <a:buClr>
+                    <a:schemeClr val="accent4"/>
+                  </a:buClr>
+                  <a:buSzPct val="80000"/>
+                  <a:buFont typeface="Wingdings" panose="05000000000000000000" pitchFamily="2" charset="2"/>
+                  <a:buChar char="q"/>
+                  <a:defRPr lang="en-US" sz="1800" kern="1200">
+                    <a:solidFill>
+                      <a:schemeClr val="tx1">
+                        <a:lumMod val="75000"/>
+                        <a:lumOff val="25000"/>
+                      </a:schemeClr>
+                    </a:solidFill>
+                    <a:latin typeface="+mn-lt"/>
+                    <a:ea typeface="+mn-ea"/>
+                    <a:cs typeface="+mn-cs"/>
+                  </a:defRPr>
+                </a:lvl5pPr>
+                <a:lvl6pPr marL="1100000" indent="-228600" algn="l" defTabSz="914400" rtl="0" eaLnBrk="1" latinLnBrk="0" hangingPunct="1">
+                  <a:lnSpc>
+                    <a:spcPct val="90000"/>
+                  </a:lnSpc>
+                  <a:spcBef>
+                    <a:spcPts val="200"/>
+                  </a:spcBef>
+                  <a:spcAft>
+                    <a:spcPts val="400"/>
+                  </a:spcAft>
+                  <a:buClr>
+                    <a:schemeClr val="accent1"/>
+                  </a:buClr>
+                  <a:buFont typeface="Calibri" pitchFamily="34" charset="0"/>
+                  <a:buChar char="◦"/>
+                  <a:defRPr sz="1400" kern="1200">
+                    <a:solidFill>
+                      <a:schemeClr val="tx1">
+                        <a:lumMod val="75000"/>
+                        <a:lumOff val="25000"/>
+                      </a:schemeClr>
+                    </a:solidFill>
+                    <a:latin typeface="+mn-lt"/>
+                    <a:ea typeface="+mn-ea"/>
+                    <a:cs typeface="+mn-cs"/>
+                  </a:defRPr>
+                </a:lvl6pPr>
+                <a:lvl7pPr marL="1300000" indent="-228600" algn="l" defTabSz="914400" rtl="0" eaLnBrk="1" latinLnBrk="0" hangingPunct="1">
+                  <a:lnSpc>
+                    <a:spcPct val="90000"/>
+                  </a:lnSpc>
+                  <a:spcBef>
+                    <a:spcPts val="200"/>
+                  </a:spcBef>
+                  <a:spcAft>
+                    <a:spcPts val="400"/>
+                  </a:spcAft>
+                  <a:buClr>
+                    <a:schemeClr val="accent1"/>
+                  </a:buClr>
+                  <a:buFont typeface="Calibri" pitchFamily="34" charset="0"/>
+                  <a:buChar char="◦"/>
+                  <a:defRPr sz="1400" kern="1200">
+                    <a:solidFill>
+                      <a:schemeClr val="tx1">
+                        <a:lumMod val="75000"/>
+                        <a:lumOff val="25000"/>
+                      </a:schemeClr>
+                    </a:solidFill>
+                    <a:latin typeface="+mn-lt"/>
+                    <a:ea typeface="+mn-ea"/>
+                    <a:cs typeface="+mn-cs"/>
+                  </a:defRPr>
+                </a:lvl7pPr>
+                <a:lvl8pPr marL="1500000" indent="-228600" algn="l" defTabSz="914400" rtl="0" eaLnBrk="1" latinLnBrk="0" hangingPunct="1">
+                  <a:lnSpc>
+                    <a:spcPct val="90000"/>
+                  </a:lnSpc>
+                  <a:spcBef>
+                    <a:spcPts val="200"/>
+                  </a:spcBef>
+                  <a:spcAft>
+                    <a:spcPts val="400"/>
+                  </a:spcAft>
+                  <a:buClr>
+                    <a:schemeClr val="accent1"/>
+                  </a:buClr>
+                  <a:buFont typeface="Calibri" pitchFamily="34" charset="0"/>
+                  <a:buChar char="◦"/>
+                  <a:defRPr sz="1400" kern="1200">
+                    <a:solidFill>
+                      <a:schemeClr val="tx1">
+                        <a:lumMod val="75000"/>
+                        <a:lumOff val="25000"/>
+                      </a:schemeClr>
+                    </a:solidFill>
+                    <a:latin typeface="+mn-lt"/>
+                    <a:ea typeface="+mn-ea"/>
+                    <a:cs typeface="+mn-cs"/>
+                  </a:defRPr>
+                </a:lvl8pPr>
+                <a:lvl9pPr marL="1700000" indent="-228600" algn="l" defTabSz="914400" rtl="0" eaLnBrk="1" latinLnBrk="0" hangingPunct="1">
+                  <a:lnSpc>
+                    <a:spcPct val="90000"/>
+                  </a:lnSpc>
+                  <a:spcBef>
+                    <a:spcPts val="200"/>
+                  </a:spcBef>
+                  <a:spcAft>
+                    <a:spcPts val="400"/>
+                  </a:spcAft>
+                  <a:buClr>
+                    <a:schemeClr val="accent1"/>
+                  </a:buClr>
+                  <a:buFont typeface="Calibri" pitchFamily="34" charset="0"/>
+                  <a:buChar char="◦"/>
+                  <a:defRPr sz="1400" kern="1200">
+                    <a:solidFill>
+                      <a:schemeClr val="tx1">
+                        <a:lumMod val="75000"/>
+                        <a:lumOff val="25000"/>
+                      </a:schemeClr>
+                    </a:solidFill>
+                    <a:latin typeface="+mn-lt"/>
+                    <a:ea typeface="+mn-ea"/>
+                    <a:cs typeface="+mn-cs"/>
+                  </a:defRPr>
+                </a:lvl9pPr>
+              </a:lstStyle>
+              <a:p>
+                <a:r>
+                  <a:rPr lang="fr-FR" dirty="0"/>
+                  <a:t>Calcul de l’énergie cinétique :</a:t>
+                </a:r>
+              </a:p>
+              <a:p>
+                <a14:m>
+                  <m:oMath xmlns:m="http://schemas.openxmlformats.org/officeDocument/2006/math">
+                    <m:sSub>
+                      <m:sSubPr>
+                        <m:ctrlPr>
+                          <a:rPr lang="fr-FR" b="0" i="1" smtClean="0">
+                            <a:latin typeface="Cambria Math" panose="02040503050406030204" pitchFamily="18" charset="0"/>
+                            <a:ea typeface="Cambria Math" panose="02040503050406030204" pitchFamily="18" charset="0"/>
+                          </a:rPr>
+                        </m:ctrlPr>
+                      </m:sSubPr>
+                      <m:e>
+                        <m:r>
+                          <a:rPr lang="fr-FR" i="1" smtClean="0">
+                            <a:latin typeface="Cambria Math" panose="02040503050406030204" pitchFamily="18" charset="0"/>
+                            <a:ea typeface="Cambria Math" panose="02040503050406030204" pitchFamily="18" charset="0"/>
+                          </a:rPr>
+                          <m:t>ℰ</m:t>
+                        </m:r>
+                      </m:e>
+                      <m:sub>
+                        <m:r>
+                          <a:rPr lang="fr-FR" b="0" i="1" smtClean="0">
+                            <a:latin typeface="Cambria Math" panose="02040503050406030204" pitchFamily="18" charset="0"/>
+                            <a:ea typeface="Cambria Math" panose="02040503050406030204" pitchFamily="18" charset="0"/>
+                          </a:rPr>
+                          <m:t>𝑐</m:t>
+                        </m:r>
+                      </m:sub>
+                    </m:sSub>
+                    <m:d>
+                      <m:dPr>
+                        <m:ctrlPr>
+                          <a:rPr lang="fr-FR" b="0" i="1" smtClean="0">
+                            <a:latin typeface="Cambria Math" panose="02040503050406030204" pitchFamily="18" charset="0"/>
+                            <a:ea typeface="Cambria Math" panose="02040503050406030204" pitchFamily="18" charset="0"/>
+                          </a:rPr>
+                        </m:ctrlPr>
+                      </m:dPr>
+                      <m:e>
+                        <m:r>
+                          <m:rPr>
+                            <m:sty m:val="p"/>
+                          </m:rPr>
+                          <a:rPr lang="fr-FR" b="0" i="0" smtClean="0">
+                            <a:latin typeface="Cambria Math" panose="02040503050406030204" pitchFamily="18" charset="0"/>
+                            <a:ea typeface="Cambria Math" panose="02040503050406030204" pitchFamily="18" charset="0"/>
+                          </a:rPr>
+                          <m:t>Σ</m:t>
+                        </m:r>
+                        <m:r>
+                          <m:rPr>
+                            <m:lit/>
+                          </m:rPr>
+                          <a:rPr lang="fr-FR" b="0" i="1" smtClean="0">
+                            <a:latin typeface="Cambria Math" panose="02040503050406030204" pitchFamily="18" charset="0"/>
+                            <a:ea typeface="Cambria Math" panose="02040503050406030204" pitchFamily="18" charset="0"/>
+                          </a:rPr>
+                          <m:t>/</m:t>
+                        </m:r>
+                        <m:r>
+                          <a:rPr lang="fr-FR" b="0" i="1" smtClean="0">
+                            <a:latin typeface="Cambria Math" panose="02040503050406030204" pitchFamily="18" charset="0"/>
+                            <a:ea typeface="Cambria Math" panose="02040503050406030204" pitchFamily="18" charset="0"/>
+                          </a:rPr>
+                          <m:t>0</m:t>
+                        </m:r>
+                      </m:e>
+                    </m:d>
+                    <m:r>
+                      <a:rPr lang="fr-FR" b="0" i="1" smtClean="0">
+                        <a:latin typeface="Cambria Math" panose="02040503050406030204" pitchFamily="18" charset="0"/>
+                        <a:ea typeface="Cambria Math" panose="02040503050406030204" pitchFamily="18" charset="0"/>
+                      </a:rPr>
+                      <m:t>=</m:t>
+                    </m:r>
+                    <m:f>
+                      <m:fPr>
+                        <m:ctrlPr>
+                          <a:rPr lang="fr-FR" i="1">
+                            <a:latin typeface="Cambria Math" panose="02040503050406030204" pitchFamily="18" charset="0"/>
+                            <a:ea typeface="Cambria Math" panose="02040503050406030204" pitchFamily="18" charset="0"/>
+                          </a:rPr>
+                        </m:ctrlPr>
+                      </m:fPr>
+                      <m:num>
+                        <m:r>
+                          <a:rPr lang="fr-FR" i="1">
+                            <a:latin typeface="Cambria Math" panose="02040503050406030204" pitchFamily="18" charset="0"/>
+                            <a:ea typeface="Cambria Math" panose="02040503050406030204" pitchFamily="18" charset="0"/>
+                          </a:rPr>
+                          <m:t>1</m:t>
+                        </m:r>
+                      </m:num>
+                      <m:den>
+                        <m:r>
+                          <a:rPr lang="fr-FR" i="1">
+                            <a:latin typeface="Cambria Math" panose="02040503050406030204" pitchFamily="18" charset="0"/>
+                            <a:ea typeface="Cambria Math" panose="02040503050406030204" pitchFamily="18" charset="0"/>
+                          </a:rPr>
+                          <m:t>2</m:t>
+                        </m:r>
+                      </m:den>
+                    </m:f>
+                    <m:sSub>
+                      <m:sSubPr>
+                        <m:ctrlPr>
+                          <a:rPr lang="fr-FR" i="1">
+                            <a:latin typeface="Cambria Math" panose="02040503050406030204" pitchFamily="18" charset="0"/>
+                            <a:ea typeface="Cambria Math" panose="02040503050406030204" pitchFamily="18" charset="0"/>
+                          </a:rPr>
+                        </m:ctrlPr>
+                      </m:sSubPr>
+                      <m:e>
+                        <m:r>
+                          <a:rPr lang="fr-FR" i="1">
+                            <a:latin typeface="Cambria Math" panose="02040503050406030204" pitchFamily="18" charset="0"/>
+                            <a:ea typeface="Cambria Math" panose="02040503050406030204" pitchFamily="18" charset="0"/>
+                          </a:rPr>
+                          <m:t>𝐽</m:t>
+                        </m:r>
+                      </m:e>
+                      <m:sub>
+                        <m:r>
+                          <a:rPr lang="fr-FR" i="1">
+                            <a:latin typeface="Cambria Math" panose="02040503050406030204" pitchFamily="18" charset="0"/>
+                            <a:ea typeface="Cambria Math" panose="02040503050406030204" pitchFamily="18" charset="0"/>
+                          </a:rPr>
+                          <m:t>𝑚</m:t>
+                        </m:r>
+                      </m:sub>
+                    </m:sSub>
+                    <m:sSubSup>
+                      <m:sSubSupPr>
+                        <m:ctrlPr>
+                          <a:rPr lang="fr-FR" i="1">
+                            <a:latin typeface="Cambria Math" panose="02040503050406030204" pitchFamily="18" charset="0"/>
+                            <a:ea typeface="Cambria Math" panose="02040503050406030204" pitchFamily="18" charset="0"/>
+                          </a:rPr>
+                        </m:ctrlPr>
+                      </m:sSubSupPr>
+                      <m:e>
+                        <m:r>
+                          <a:rPr lang="fr-FR" i="1">
+                            <a:latin typeface="Cambria Math" panose="02040503050406030204" pitchFamily="18" charset="0"/>
+                            <a:ea typeface="Cambria Math" panose="02040503050406030204" pitchFamily="18" charset="0"/>
+                          </a:rPr>
+                          <m:t>𝜔</m:t>
+                        </m:r>
+                      </m:e>
+                      <m:sub>
+                        <m:r>
+                          <a:rPr lang="fr-FR" i="1">
+                            <a:latin typeface="Cambria Math" panose="02040503050406030204" pitchFamily="18" charset="0"/>
+                            <a:ea typeface="Cambria Math" panose="02040503050406030204" pitchFamily="18" charset="0"/>
+                          </a:rPr>
+                          <m:t>𝑚</m:t>
+                        </m:r>
+                      </m:sub>
+                      <m:sup>
+                        <m:r>
+                          <a:rPr lang="fr-FR" i="1">
+                            <a:latin typeface="Cambria Math" panose="02040503050406030204" pitchFamily="18" charset="0"/>
+                            <a:ea typeface="Cambria Math" panose="02040503050406030204" pitchFamily="18" charset="0"/>
+                          </a:rPr>
+                          <m:t>2</m:t>
+                        </m:r>
+                      </m:sup>
+                    </m:sSubSup>
+                  </m:oMath>
+                </a14:m>
+                <a:r>
+                  <a:rPr lang="fr-FR" dirty="0"/>
+                  <a:t> +</a:t>
+                </a:r>
+                <a:r>
+                  <a:rPr lang="fr-FR" dirty="0">
+                    <a:ea typeface="Cambria Math" panose="02040503050406030204" pitchFamily="18" charset="0"/>
+                  </a:rPr>
+                  <a:t> </a:t>
+                </a:r>
+                <a14:m>
+                  <m:oMath xmlns:m="http://schemas.openxmlformats.org/officeDocument/2006/math">
+                    <m:f>
+                      <m:fPr>
+                        <m:ctrlPr>
+                          <a:rPr lang="fr-FR" i="1">
+                            <a:latin typeface="Cambria Math" panose="02040503050406030204" pitchFamily="18" charset="0"/>
+                            <a:ea typeface="Cambria Math" panose="02040503050406030204" pitchFamily="18" charset="0"/>
+                          </a:rPr>
+                        </m:ctrlPr>
+                      </m:fPr>
+                      <m:num>
+                        <m:r>
+                          <a:rPr lang="fr-FR" i="1">
+                            <a:latin typeface="Cambria Math" panose="02040503050406030204" pitchFamily="18" charset="0"/>
+                            <a:ea typeface="Cambria Math" panose="02040503050406030204" pitchFamily="18" charset="0"/>
+                          </a:rPr>
+                          <m:t>1</m:t>
+                        </m:r>
+                      </m:num>
+                      <m:den>
+                        <m:r>
+                          <a:rPr lang="fr-FR" i="1">
+                            <a:latin typeface="Cambria Math" panose="02040503050406030204" pitchFamily="18" charset="0"/>
+                            <a:ea typeface="Cambria Math" panose="02040503050406030204" pitchFamily="18" charset="0"/>
+                          </a:rPr>
+                          <m:t>2</m:t>
+                        </m:r>
+                      </m:den>
+                    </m:f>
+                    <m:sSub>
+                      <m:sSubPr>
+                        <m:ctrlPr>
+                          <a:rPr lang="fr-FR" i="1">
+                            <a:latin typeface="Cambria Math" panose="02040503050406030204" pitchFamily="18" charset="0"/>
+                            <a:ea typeface="Cambria Math" panose="02040503050406030204" pitchFamily="18" charset="0"/>
+                          </a:rPr>
+                        </m:ctrlPr>
+                      </m:sSubPr>
+                      <m:e>
+                        <m:r>
+                          <a:rPr lang="fr-FR" i="1">
+                            <a:latin typeface="Cambria Math" panose="02040503050406030204" pitchFamily="18" charset="0"/>
+                            <a:ea typeface="Cambria Math" panose="02040503050406030204" pitchFamily="18" charset="0"/>
+                          </a:rPr>
+                          <m:t>𝐽</m:t>
+                        </m:r>
+                      </m:e>
+                      <m:sub>
+                        <m:r>
+                          <a:rPr lang="fr-FR" b="0" i="1" smtClean="0">
+                            <a:latin typeface="Cambria Math" panose="02040503050406030204" pitchFamily="18" charset="0"/>
+                            <a:ea typeface="Cambria Math" panose="02040503050406030204" pitchFamily="18" charset="0"/>
+                          </a:rPr>
+                          <m:t>𝑟</m:t>
+                        </m:r>
+                      </m:sub>
+                    </m:sSub>
+                    <m:sSubSup>
+                      <m:sSubSupPr>
+                        <m:ctrlPr>
+                          <a:rPr lang="fr-FR" i="1">
+                            <a:latin typeface="Cambria Math" panose="02040503050406030204" pitchFamily="18" charset="0"/>
+                            <a:ea typeface="Cambria Math" panose="02040503050406030204" pitchFamily="18" charset="0"/>
+                          </a:rPr>
+                        </m:ctrlPr>
+                      </m:sSubSupPr>
+                      <m:e>
+                        <m:r>
+                          <a:rPr lang="fr-FR" i="1">
+                            <a:latin typeface="Cambria Math" panose="02040503050406030204" pitchFamily="18" charset="0"/>
+                            <a:ea typeface="Cambria Math" panose="02040503050406030204" pitchFamily="18" charset="0"/>
+                          </a:rPr>
+                          <m:t>𝜔</m:t>
+                        </m:r>
+                      </m:e>
+                      <m:sub>
+                        <m:r>
+                          <a:rPr lang="fr-FR" b="0" i="1" smtClean="0">
+                            <a:latin typeface="Cambria Math" panose="02040503050406030204" pitchFamily="18" charset="0"/>
+                            <a:ea typeface="Cambria Math" panose="02040503050406030204" pitchFamily="18" charset="0"/>
+                          </a:rPr>
+                          <m:t>𝑟</m:t>
+                        </m:r>
+                      </m:sub>
+                      <m:sup>
+                        <m:r>
+                          <a:rPr lang="fr-FR" i="1">
+                            <a:latin typeface="Cambria Math" panose="02040503050406030204" pitchFamily="18" charset="0"/>
+                            <a:ea typeface="Cambria Math" panose="02040503050406030204" pitchFamily="18" charset="0"/>
+                          </a:rPr>
+                          <m:t>2</m:t>
+                        </m:r>
+                      </m:sup>
+                    </m:sSubSup>
+                  </m:oMath>
+                </a14:m>
+                <a:r>
+                  <a:rPr lang="fr-FR" dirty="0"/>
+                  <a:t> +</a:t>
+                </a:r>
+                <a:r>
+                  <a:rPr lang="fr-FR" dirty="0">
+                    <a:ea typeface="Cambria Math" panose="02040503050406030204" pitchFamily="18" charset="0"/>
+                  </a:rPr>
+                  <a:t> </a:t>
+                </a:r>
+                <a14:m>
+                  <m:oMath xmlns:m="http://schemas.openxmlformats.org/officeDocument/2006/math">
+                    <m:f>
+                      <m:fPr>
+                        <m:ctrlPr>
+                          <a:rPr lang="fr-FR" i="1">
+                            <a:latin typeface="Cambria Math" panose="02040503050406030204" pitchFamily="18" charset="0"/>
+                            <a:ea typeface="Cambria Math" panose="02040503050406030204" pitchFamily="18" charset="0"/>
+                          </a:rPr>
+                        </m:ctrlPr>
+                      </m:fPr>
+                      <m:num>
+                        <m:r>
+                          <a:rPr lang="fr-FR" i="1">
+                            <a:latin typeface="Cambria Math" panose="02040503050406030204" pitchFamily="18" charset="0"/>
+                            <a:ea typeface="Cambria Math" panose="02040503050406030204" pitchFamily="18" charset="0"/>
+                          </a:rPr>
+                          <m:t>1</m:t>
+                        </m:r>
+                      </m:num>
+                      <m:den>
+                        <m:r>
+                          <a:rPr lang="fr-FR" i="1">
+                            <a:latin typeface="Cambria Math" panose="02040503050406030204" pitchFamily="18" charset="0"/>
+                            <a:ea typeface="Cambria Math" panose="02040503050406030204" pitchFamily="18" charset="0"/>
+                          </a:rPr>
+                          <m:t>2</m:t>
+                        </m:r>
+                      </m:den>
+                    </m:f>
+                    <m:sSub>
+                      <m:sSubPr>
+                        <m:ctrlPr>
+                          <a:rPr lang="fr-FR" i="1">
+                            <a:latin typeface="Cambria Math" panose="02040503050406030204" pitchFamily="18" charset="0"/>
+                            <a:ea typeface="Cambria Math" panose="02040503050406030204" pitchFamily="18" charset="0"/>
+                          </a:rPr>
+                        </m:ctrlPr>
+                      </m:sSubPr>
+                      <m:e>
+                        <m:r>
+                          <a:rPr lang="fr-FR" i="1">
+                            <a:latin typeface="Cambria Math" panose="02040503050406030204" pitchFamily="18" charset="0"/>
+                            <a:ea typeface="Cambria Math" panose="02040503050406030204" pitchFamily="18" charset="0"/>
+                          </a:rPr>
+                          <m:t>𝐽</m:t>
+                        </m:r>
+                      </m:e>
+                      <m:sub>
+                        <m:r>
+                          <a:rPr lang="fr-FR" b="0" i="1" smtClean="0">
+                            <a:latin typeface="Cambria Math" panose="02040503050406030204" pitchFamily="18" charset="0"/>
+                            <a:ea typeface="Cambria Math" panose="02040503050406030204" pitchFamily="18" charset="0"/>
+                          </a:rPr>
+                          <m:t>𝑝</m:t>
+                        </m:r>
+                      </m:sub>
+                    </m:sSub>
+                    <m:sSubSup>
+                      <m:sSubSupPr>
+                        <m:ctrlPr>
+                          <a:rPr lang="fr-FR" i="1">
+                            <a:latin typeface="Cambria Math" panose="02040503050406030204" pitchFamily="18" charset="0"/>
+                            <a:ea typeface="Cambria Math" panose="02040503050406030204" pitchFamily="18" charset="0"/>
+                          </a:rPr>
+                        </m:ctrlPr>
+                      </m:sSubSupPr>
+                      <m:e>
+                        <m:r>
+                          <a:rPr lang="fr-FR" i="1">
+                            <a:latin typeface="Cambria Math" panose="02040503050406030204" pitchFamily="18" charset="0"/>
+                            <a:ea typeface="Cambria Math" panose="02040503050406030204" pitchFamily="18" charset="0"/>
+                          </a:rPr>
+                          <m:t>𝜔</m:t>
+                        </m:r>
+                      </m:e>
+                      <m:sub>
+                        <m:r>
+                          <a:rPr lang="fr-FR" b="0" i="1" smtClean="0">
+                            <a:latin typeface="Cambria Math" panose="02040503050406030204" pitchFamily="18" charset="0"/>
+                            <a:ea typeface="Cambria Math" panose="02040503050406030204" pitchFamily="18" charset="0"/>
+                          </a:rPr>
+                          <m:t>𝑝</m:t>
+                        </m:r>
+                      </m:sub>
+                      <m:sup>
+                        <m:r>
+                          <a:rPr lang="fr-FR" i="1">
+                            <a:latin typeface="Cambria Math" panose="02040503050406030204" pitchFamily="18" charset="0"/>
+                            <a:ea typeface="Cambria Math" panose="02040503050406030204" pitchFamily="18" charset="0"/>
+                          </a:rPr>
+                          <m:t>2</m:t>
+                        </m:r>
+                      </m:sup>
+                    </m:sSubSup>
+                    <m:r>
+                      <a:rPr lang="fr-FR" b="0" i="1" smtClean="0">
+                        <a:latin typeface="Cambria Math" panose="02040503050406030204" pitchFamily="18" charset="0"/>
+                        <a:ea typeface="Cambria Math" panose="02040503050406030204" pitchFamily="18" charset="0"/>
+                      </a:rPr>
+                      <m:t>+</m:t>
+                    </m:r>
+                    <m:f>
+                      <m:fPr>
+                        <m:ctrlPr>
+                          <a:rPr lang="fr-FR" b="0" i="1" smtClean="0">
+                            <a:latin typeface="Cambria Math" panose="02040503050406030204" pitchFamily="18" charset="0"/>
+                            <a:ea typeface="Cambria Math" panose="02040503050406030204" pitchFamily="18" charset="0"/>
+                          </a:rPr>
+                        </m:ctrlPr>
+                      </m:fPr>
+                      <m:num>
+                        <m:r>
+                          <a:rPr lang="fr-FR" b="0" i="1" smtClean="0">
+                            <a:latin typeface="Cambria Math" panose="02040503050406030204" pitchFamily="18" charset="0"/>
+                            <a:ea typeface="Cambria Math" panose="02040503050406030204" pitchFamily="18" charset="0"/>
+                          </a:rPr>
+                          <m:t>1</m:t>
+                        </m:r>
+                      </m:num>
+                      <m:den>
+                        <m:r>
+                          <a:rPr lang="fr-FR" b="0" i="1" smtClean="0">
+                            <a:latin typeface="Cambria Math" panose="02040503050406030204" pitchFamily="18" charset="0"/>
+                            <a:ea typeface="Cambria Math" panose="02040503050406030204" pitchFamily="18" charset="0"/>
+                          </a:rPr>
+                          <m:t>2</m:t>
+                        </m:r>
+                      </m:den>
+                    </m:f>
+                    <m:d>
+                      <m:dPr>
+                        <m:ctrlPr>
+                          <a:rPr lang="fr-FR" b="0" i="1" smtClean="0">
+                            <a:latin typeface="Cambria Math" panose="02040503050406030204" pitchFamily="18" charset="0"/>
+                            <a:ea typeface="Cambria Math" panose="02040503050406030204" pitchFamily="18" charset="0"/>
+                          </a:rPr>
+                        </m:ctrlPr>
+                      </m:dPr>
+                      <m:e>
+                        <m:r>
+                          <a:rPr lang="fr-FR" b="0" i="1" smtClean="0">
+                            <a:latin typeface="Cambria Math" panose="02040503050406030204" pitchFamily="18" charset="0"/>
+                            <a:ea typeface="Cambria Math" panose="02040503050406030204" pitchFamily="18" charset="0"/>
+                          </a:rPr>
+                          <m:t>𝑀</m:t>
+                        </m:r>
+                        <m:r>
+                          <a:rPr lang="fr-FR" b="0" i="1" smtClean="0">
+                            <a:latin typeface="Cambria Math" panose="02040503050406030204" pitchFamily="18" charset="0"/>
+                            <a:ea typeface="Cambria Math" panose="02040503050406030204" pitchFamily="18" charset="0"/>
+                          </a:rPr>
+                          <m:t>+</m:t>
+                        </m:r>
+                        <m:r>
+                          <a:rPr lang="fr-FR" b="0" i="1" smtClean="0">
+                            <a:latin typeface="Cambria Math" panose="02040503050406030204" pitchFamily="18" charset="0"/>
+                            <a:ea typeface="Cambria Math" panose="02040503050406030204" pitchFamily="18" charset="0"/>
+                          </a:rPr>
+                          <m:t>𝑛</m:t>
+                        </m:r>
+                        <m:r>
+                          <a:rPr lang="fr-FR" b="0" i="1" smtClean="0">
+                            <a:latin typeface="Cambria Math" panose="02040503050406030204" pitchFamily="18" charset="0"/>
+                            <a:ea typeface="Cambria Math" panose="02040503050406030204" pitchFamily="18" charset="0"/>
+                          </a:rPr>
+                          <m:t>⋅</m:t>
+                        </m:r>
+                        <m:r>
+                          <a:rPr lang="fr-FR" b="0" i="1" smtClean="0">
+                            <a:latin typeface="Cambria Math" panose="02040503050406030204" pitchFamily="18" charset="0"/>
+                            <a:ea typeface="Cambria Math" panose="02040503050406030204" pitchFamily="18" charset="0"/>
+                          </a:rPr>
+                          <m:t>𝑚</m:t>
+                        </m:r>
+                      </m:e>
+                    </m:d>
+                    <m:sSup>
+                      <m:sSupPr>
+                        <m:ctrlPr>
+                          <a:rPr lang="fr-FR" b="0" i="1" smtClean="0">
+                            <a:latin typeface="Cambria Math" panose="02040503050406030204" pitchFamily="18" charset="0"/>
+                            <a:ea typeface="Cambria Math" panose="02040503050406030204" pitchFamily="18" charset="0"/>
+                          </a:rPr>
+                        </m:ctrlPr>
+                      </m:sSupPr>
+                      <m:e>
+                        <m:r>
+                          <a:rPr lang="fr-FR" b="0" i="1" smtClean="0">
+                            <a:latin typeface="Cambria Math" panose="02040503050406030204" pitchFamily="18" charset="0"/>
+                            <a:ea typeface="Cambria Math" panose="02040503050406030204" pitchFamily="18" charset="0"/>
+                          </a:rPr>
+                          <m:t>𝑉</m:t>
+                        </m:r>
+                      </m:e>
+                      <m:sup>
+                        <m:r>
+                          <a:rPr lang="fr-FR" b="0" i="1" smtClean="0">
+                            <a:latin typeface="Cambria Math" panose="02040503050406030204" pitchFamily="18" charset="0"/>
+                            <a:ea typeface="Cambria Math" panose="02040503050406030204" pitchFamily="18" charset="0"/>
+                          </a:rPr>
+                          <m:t>2</m:t>
+                        </m:r>
+                      </m:sup>
+                    </m:sSup>
+                    <m:r>
+                      <a:rPr lang="fr-FR" b="0" i="1" smtClean="0">
+                        <a:latin typeface="Cambria Math" panose="02040503050406030204" pitchFamily="18" charset="0"/>
+                        <a:ea typeface="Cambria Math" panose="02040503050406030204" pitchFamily="18" charset="0"/>
+                      </a:rPr>
+                      <m:t>=</m:t>
+                    </m:r>
+                    <m:f>
+                      <m:fPr>
+                        <m:ctrlPr>
+                          <a:rPr lang="fr-FR" b="0" i="1" smtClean="0">
+                            <a:latin typeface="Cambria Math" panose="02040503050406030204" pitchFamily="18" charset="0"/>
+                            <a:ea typeface="Cambria Math" panose="02040503050406030204" pitchFamily="18" charset="0"/>
+                          </a:rPr>
+                        </m:ctrlPr>
+                      </m:fPr>
+                      <m:num>
+                        <m:r>
+                          <a:rPr lang="fr-FR" b="0" i="1" smtClean="0">
+                            <a:latin typeface="Cambria Math" panose="02040503050406030204" pitchFamily="18" charset="0"/>
+                            <a:ea typeface="Cambria Math" panose="02040503050406030204" pitchFamily="18" charset="0"/>
+                          </a:rPr>
+                          <m:t>1</m:t>
+                        </m:r>
+                      </m:num>
+                      <m:den>
+                        <m:r>
+                          <a:rPr lang="fr-FR" b="0" i="1" smtClean="0">
+                            <a:latin typeface="Cambria Math" panose="02040503050406030204" pitchFamily="18" charset="0"/>
+                            <a:ea typeface="Cambria Math" panose="02040503050406030204" pitchFamily="18" charset="0"/>
+                          </a:rPr>
+                          <m:t>2</m:t>
+                        </m:r>
+                      </m:den>
+                    </m:f>
+                    <m:sSub>
+                      <m:sSubPr>
+                        <m:ctrlPr>
+                          <a:rPr lang="fr-FR" b="0" i="1" smtClean="0">
+                            <a:latin typeface="Cambria Math" panose="02040503050406030204" pitchFamily="18" charset="0"/>
+                            <a:ea typeface="Cambria Math" panose="02040503050406030204" pitchFamily="18" charset="0"/>
+                          </a:rPr>
+                        </m:ctrlPr>
+                      </m:sSubPr>
+                      <m:e>
+                        <m:r>
+                          <a:rPr lang="fr-FR" b="0" i="1" smtClean="0">
+                            <a:latin typeface="Cambria Math" panose="02040503050406030204" pitchFamily="18" charset="0"/>
+                            <a:ea typeface="Cambria Math" panose="02040503050406030204" pitchFamily="18" charset="0"/>
+                          </a:rPr>
+                          <m:t>𝐽</m:t>
+                        </m:r>
+                      </m:e>
+                      <m:sub>
+                        <m:r>
+                          <a:rPr lang="fr-FR" b="0" i="1" smtClean="0">
+                            <a:latin typeface="Cambria Math" panose="02040503050406030204" pitchFamily="18" charset="0"/>
+                            <a:ea typeface="Cambria Math" panose="02040503050406030204" pitchFamily="18" charset="0"/>
+                          </a:rPr>
+                          <m:t>𝑒𝑞</m:t>
+                        </m:r>
+                      </m:sub>
+                    </m:sSub>
+                    <m:sSubSup>
+                      <m:sSubSupPr>
+                        <m:ctrlPr>
+                          <a:rPr lang="fr-FR" b="0" i="1" smtClean="0">
+                            <a:latin typeface="Cambria Math" panose="02040503050406030204" pitchFamily="18" charset="0"/>
+                            <a:ea typeface="Cambria Math" panose="02040503050406030204" pitchFamily="18" charset="0"/>
+                          </a:rPr>
+                        </m:ctrlPr>
+                      </m:sSubSupPr>
+                      <m:e>
+                        <m:r>
+                          <a:rPr lang="fr-FR" b="0" i="1" smtClean="0">
+                            <a:latin typeface="Cambria Math" panose="02040503050406030204" pitchFamily="18" charset="0"/>
+                            <a:ea typeface="Cambria Math" panose="02040503050406030204" pitchFamily="18" charset="0"/>
+                          </a:rPr>
+                          <m:t>𝜔</m:t>
+                        </m:r>
+                      </m:e>
+                      <m:sub>
+                        <m:r>
+                          <a:rPr lang="fr-FR" b="0" i="1" smtClean="0">
+                            <a:latin typeface="Cambria Math" panose="02040503050406030204" pitchFamily="18" charset="0"/>
+                            <a:ea typeface="Cambria Math" panose="02040503050406030204" pitchFamily="18" charset="0"/>
+                          </a:rPr>
+                          <m:t>𝑚</m:t>
+                        </m:r>
+                      </m:sub>
+                      <m:sup>
+                        <m:r>
+                          <a:rPr lang="fr-FR" b="0" i="1" smtClean="0">
+                            <a:latin typeface="Cambria Math" panose="02040503050406030204" pitchFamily="18" charset="0"/>
+                            <a:ea typeface="Cambria Math" panose="02040503050406030204" pitchFamily="18" charset="0"/>
+                          </a:rPr>
+                          <m:t>2</m:t>
+                        </m:r>
+                      </m:sup>
+                    </m:sSubSup>
+                  </m:oMath>
+                </a14:m>
+                <a:endParaRPr lang="fr-FR" dirty="0"/>
+              </a:p>
+              <a:p>
+                <a:endParaRPr lang="fr-FR" dirty="0"/>
+              </a:p>
+              <a:p>
+                <a:r>
+                  <a:rPr lang="fr-FR" dirty="0"/>
+                  <a:t>Application du TEC en régime permanent, en montée </a:t>
+                </a:r>
+              </a:p>
+              <a:p>
+                <a:pPr marL="1588" indent="0">
+                  <a:buNone/>
+                </a:pPr>
+                <a14:m>
+                  <m:oMathPara xmlns:m="http://schemas.openxmlformats.org/officeDocument/2006/math">
+                    <m:oMathParaPr>
+                      <m:jc m:val="centerGroup"/>
+                    </m:oMathParaPr>
+                    <m:oMath xmlns:m="http://schemas.openxmlformats.org/officeDocument/2006/math">
+                      <m:sSub>
+                        <m:sSubPr>
+                          <m:ctrlPr>
+                            <a:rPr lang="fr-FR" b="0" i="1" smtClean="0">
+                              <a:latin typeface="Cambria Math" panose="02040503050406030204" pitchFamily="18" charset="0"/>
+                              <a:ea typeface="Cambria Math" panose="02040503050406030204" pitchFamily="18" charset="0"/>
+                            </a:rPr>
+                          </m:ctrlPr>
+                        </m:sSubPr>
+                        <m:e>
+                          <m:r>
+                            <a:rPr lang="fr-FR" b="0" i="1" smtClean="0">
+                              <a:latin typeface="Cambria Math" panose="02040503050406030204" pitchFamily="18" charset="0"/>
+                              <a:ea typeface="Cambria Math" panose="02040503050406030204" pitchFamily="18" charset="0"/>
+                            </a:rPr>
+                            <m:t>𝐶</m:t>
+                          </m:r>
+                        </m:e>
+                        <m:sub>
+                          <m:r>
+                            <a:rPr lang="fr-FR" b="0" i="1" smtClean="0">
+                              <a:latin typeface="Cambria Math" panose="02040503050406030204" pitchFamily="18" charset="0"/>
+                              <a:ea typeface="Cambria Math" panose="02040503050406030204" pitchFamily="18" charset="0"/>
+                            </a:rPr>
+                            <m:t>𝑚</m:t>
+                          </m:r>
+                        </m:sub>
+                      </m:sSub>
+                      <m:r>
+                        <a:rPr lang="fr-FR" i="1">
+                          <a:latin typeface="Cambria Math" panose="02040503050406030204" pitchFamily="18" charset="0"/>
+                          <a:ea typeface="Cambria Math" panose="02040503050406030204" pitchFamily="18" charset="0"/>
+                        </a:rPr>
+                        <m:t>−</m:t>
+                      </m:r>
+                      <m:sSub>
+                        <m:sSubPr>
+                          <m:ctrlPr>
+                            <a:rPr lang="fr-FR" i="1">
+                              <a:latin typeface="Cambria Math" panose="02040503050406030204" pitchFamily="18" charset="0"/>
+                              <a:ea typeface="Cambria Math" panose="02040503050406030204" pitchFamily="18" charset="0"/>
+                            </a:rPr>
+                          </m:ctrlPr>
+                        </m:sSubPr>
+                        <m:e>
+                          <m:r>
+                            <a:rPr lang="fr-FR" i="1">
+                              <a:latin typeface="Cambria Math" panose="02040503050406030204" pitchFamily="18" charset="0"/>
+                              <a:ea typeface="Cambria Math" panose="02040503050406030204" pitchFamily="18" charset="0"/>
+                            </a:rPr>
+                            <m:t>𝐶</m:t>
+                          </m:r>
+                        </m:e>
+                        <m:sub>
+                          <m:r>
+                            <a:rPr lang="fr-FR" i="1">
+                              <a:latin typeface="Cambria Math" panose="02040503050406030204" pitchFamily="18" charset="0"/>
+                              <a:ea typeface="Cambria Math" panose="02040503050406030204" pitchFamily="18" charset="0"/>
+                            </a:rPr>
+                            <m:t>𝑟</m:t>
+                          </m:r>
+                        </m:sub>
+                      </m:sSub>
+                      <m:r>
+                        <a:rPr lang="fr-FR" b="0" i="1" smtClean="0">
+                          <a:latin typeface="Cambria Math" panose="02040503050406030204" pitchFamily="18" charset="0"/>
+                          <a:ea typeface="Cambria Math" panose="02040503050406030204" pitchFamily="18" charset="0"/>
+                        </a:rPr>
+                        <m:t>−</m:t>
+                      </m:r>
+                      <m:d>
+                        <m:dPr>
+                          <m:ctrlPr>
+                            <a:rPr lang="fr-FR" i="1">
+                              <a:latin typeface="Cambria Math" panose="02040503050406030204" pitchFamily="18" charset="0"/>
+                              <a:ea typeface="Cambria Math" panose="02040503050406030204" pitchFamily="18" charset="0"/>
+                            </a:rPr>
+                          </m:ctrlPr>
+                        </m:dPr>
+                        <m:e>
+                          <m:r>
+                            <a:rPr lang="fr-FR" i="1">
+                              <a:latin typeface="Cambria Math" panose="02040503050406030204" pitchFamily="18" charset="0"/>
+                              <a:ea typeface="Cambria Math" panose="02040503050406030204" pitchFamily="18" charset="0"/>
+                            </a:rPr>
+                            <m:t>𝑀</m:t>
+                          </m:r>
+                          <m:r>
+                            <a:rPr lang="fr-FR" i="1">
+                              <a:latin typeface="Cambria Math" panose="02040503050406030204" pitchFamily="18" charset="0"/>
+                              <a:ea typeface="Cambria Math" panose="02040503050406030204" pitchFamily="18" charset="0"/>
+                            </a:rPr>
+                            <m:t>+</m:t>
+                          </m:r>
+                          <m:r>
+                            <a:rPr lang="fr-FR" i="1">
+                              <a:latin typeface="Cambria Math" panose="02040503050406030204" pitchFamily="18" charset="0"/>
+                              <a:ea typeface="Cambria Math" panose="02040503050406030204" pitchFamily="18" charset="0"/>
+                            </a:rPr>
+                            <m:t>𝑛𝑚</m:t>
+                          </m:r>
+                        </m:e>
+                      </m:d>
+                      <m:r>
+                        <a:rPr lang="fr-FR" i="1">
+                          <a:latin typeface="Cambria Math" panose="02040503050406030204" pitchFamily="18" charset="0"/>
+                          <a:ea typeface="Cambria Math" panose="02040503050406030204" pitchFamily="18" charset="0"/>
+                        </a:rPr>
+                        <m:t>𝑔</m:t>
+                      </m:r>
+                      <m:r>
+                        <a:rPr lang="fr-FR" i="1">
+                          <a:latin typeface="Cambria Math" panose="02040503050406030204" pitchFamily="18" charset="0"/>
+                          <a:ea typeface="Cambria Math" panose="02040503050406030204" pitchFamily="18" charset="0"/>
+                        </a:rPr>
+                        <m:t>𝐾</m:t>
+                      </m:r>
+                      <m:r>
+                        <a:rPr lang="fr-FR" b="0" i="1" smtClean="0">
+                          <a:latin typeface="Cambria Math" panose="02040503050406030204" pitchFamily="18" charset="0"/>
+                          <a:ea typeface="Cambria Math" panose="02040503050406030204" pitchFamily="18" charset="0"/>
+                        </a:rPr>
+                        <m:t>=0</m:t>
+                      </m:r>
+                    </m:oMath>
+                  </m:oMathPara>
+                </a14:m>
+                <a:endParaRPr lang="fr-FR" dirty="0"/>
+              </a:p>
+              <a:p>
+                <a:r>
+                  <a:rPr lang="fr-FR" dirty="0"/>
+                  <a:t>Hors frottement, couple nécessaire pour équilibrer une masse</a:t>
+                </a:r>
+              </a:p>
+              <a:p>
+                <a:pPr lvl="1"/>
+                <a14:m>
+                  <m:oMath xmlns:m="http://schemas.openxmlformats.org/officeDocument/2006/math">
+                    <m:sSub>
+                      <m:sSubPr>
+                        <m:ctrlPr>
+                          <a:rPr lang="fr-FR" b="0" i="1" smtClean="0">
+                            <a:latin typeface="Cambria Math" panose="02040503050406030204" pitchFamily="18" charset="0"/>
+                            <a:ea typeface="Cambria Math" panose="02040503050406030204" pitchFamily="18" charset="0"/>
+                          </a:rPr>
+                        </m:ctrlPr>
+                      </m:sSubPr>
+                      <m:e>
+                        <m:r>
+                          <a:rPr lang="fr-FR" b="0" i="1" smtClean="0">
+                            <a:latin typeface="Cambria Math" panose="02040503050406030204" pitchFamily="18" charset="0"/>
+                            <a:ea typeface="Cambria Math" panose="02040503050406030204" pitchFamily="18" charset="0"/>
+                          </a:rPr>
+                          <m:t>𝐶</m:t>
+                        </m:r>
+                      </m:e>
+                      <m:sub>
+                        <m:r>
+                          <a:rPr lang="fr-FR" b="0" i="1" smtClean="0">
+                            <a:latin typeface="Cambria Math" panose="02040503050406030204" pitchFamily="18" charset="0"/>
+                            <a:ea typeface="Cambria Math" panose="02040503050406030204" pitchFamily="18" charset="0"/>
+                          </a:rPr>
+                          <m:t>𝑚</m:t>
+                        </m:r>
+                        <m:r>
+                          <a:rPr lang="fr-FR" b="0" i="1" smtClean="0">
+                            <a:latin typeface="Cambria Math" panose="02040503050406030204" pitchFamily="18" charset="0"/>
+                            <a:ea typeface="Cambria Math" panose="02040503050406030204" pitchFamily="18" charset="0"/>
+                          </a:rPr>
+                          <m:t>,</m:t>
+                        </m:r>
+                        <m:r>
+                          <a:rPr lang="fr-FR" b="0" i="1" smtClean="0">
+                            <a:latin typeface="Cambria Math" panose="02040503050406030204" pitchFamily="18" charset="0"/>
+                            <a:ea typeface="Cambria Math" panose="02040503050406030204" pitchFamily="18" charset="0"/>
+                          </a:rPr>
+                          <m:t>𝑛𝑚</m:t>
+                        </m:r>
+                      </m:sub>
+                    </m:sSub>
+                    <m:r>
+                      <a:rPr lang="fr-FR" b="0" i="1" smtClean="0">
+                        <a:latin typeface="Cambria Math" panose="02040503050406030204" pitchFamily="18" charset="0"/>
+                        <a:ea typeface="Cambria Math" panose="02040503050406030204" pitchFamily="18" charset="0"/>
+                      </a:rPr>
+                      <m:t>=</m:t>
+                    </m:r>
+                    <m:r>
+                      <a:rPr lang="fr-FR" i="1">
+                        <a:latin typeface="Cambria Math" panose="02040503050406030204" pitchFamily="18" charset="0"/>
+                        <a:ea typeface="Cambria Math" panose="02040503050406030204" pitchFamily="18" charset="0"/>
+                      </a:rPr>
+                      <m:t>𝑛𝑚</m:t>
+                    </m:r>
+                    <m:r>
+                      <a:rPr lang="fr-FR" i="1">
+                        <a:latin typeface="Cambria Math" panose="02040503050406030204" pitchFamily="18" charset="0"/>
+                        <a:ea typeface="Cambria Math" panose="02040503050406030204" pitchFamily="18" charset="0"/>
+                      </a:rPr>
+                      <m:t>𝑔𝐾</m:t>
+                    </m:r>
+                  </m:oMath>
+                </a14:m>
+                <a:endParaRPr lang="fr-FR" dirty="0"/>
+              </a:p>
+              <a:p>
+                <a:pPr lvl="1"/>
+                <a:endParaRPr lang="fr-FR" dirty="0"/>
+              </a:p>
+              <a:p>
+                <a:pPr marL="1588" indent="0">
+                  <a:buNone/>
+                </a:pPr>
+                <a:endParaRPr lang="fr-FR" b="0" i="1" dirty="0">
+                  <a:latin typeface="Cambria Math" panose="02040503050406030204" pitchFamily="18" charset="0"/>
+                  <a:ea typeface="Cambria Math" panose="02040503050406030204" pitchFamily="18" charset="0"/>
+                </a:endParaRPr>
+              </a:p>
+              <a:p>
+                <a:pPr marL="1588" indent="0">
+                  <a:buNone/>
+                </a:pPr>
+                <a:endParaRPr lang="fr-FR" dirty="0"/>
+              </a:p>
+            </p:txBody>
+          </p:sp>
+        </mc:Choice>
+        <mc:Fallback>
+          <p:sp>
+            <p:nvSpPr>
+              <p:cNvPr id="4" name="Espace réservé du contenu 2">
+                <a:extLst>
+                  <a:ext uri="{FF2B5EF4-FFF2-40B4-BE49-F238E27FC236}">
+                    <a16:creationId xmlns:a16="http://schemas.microsoft.com/office/drawing/2014/main" id="{E7F53A8B-C997-DCCC-B9F3-26A7F8E42C86}"/>
+                  </a:ext>
+                </a:extLst>
+              </p:cNvPr>
+              <p:cNvSpPr txBox="1">
+                <a:spLocks noRot="1" noChangeAspect="1" noMove="1" noResize="1" noEditPoints="1" noAdjustHandles="1" noChangeArrowheads="1" noChangeShapeType="1" noTextEdit="1"/>
+              </p:cNvSpPr>
+              <p:nvPr/>
+            </p:nvSpPr>
+            <p:spPr>
+              <a:xfrm>
+                <a:off x="6096000" y="981886"/>
+                <a:ext cx="5978205" cy="5264909"/>
+              </a:xfrm>
+              <a:prstGeom prst="rect">
+                <a:avLst/>
+              </a:prstGeom>
+              <a:blipFill>
+                <a:blip r:embed="rId3"/>
+                <a:stretch>
+                  <a:fillRect l="-2650" t="-1852"/>
+                </a:stretch>
+              </a:blipFill>
+            </p:spPr>
+            <p:txBody>
+              <a:bodyPr/>
+              <a:lstStyle/>
+              <a:p>
+                <a:r>
+                  <a:rPr lang="fr-FR">
+                    <a:noFill/>
+                  </a:rPr>
+                  <a:t> </a:t>
+                </a:r>
+              </a:p>
+            </p:txBody>
+          </p:sp>
+        </mc:Fallback>
+      </mc:AlternateContent>
+    </p:spTree>
+    <p:extLst>
+      <p:ext uri="{BB962C8B-B14F-4D97-AF65-F5344CB8AC3E}">
+        <p14:creationId xmlns:p14="http://schemas.microsoft.com/office/powerpoint/2010/main" val="3484094850"/>
       </p:ext>
     </p:extLst>
   </p:cSld>

--- a/04_Comax/04_Comax_Corrige.pptx
+++ b/04_Comax/04_Comax_Corrige.pptx
@@ -11,6 +11,7 @@
     <p:sldId id="267" r:id="rId5"/>
     <p:sldId id="269" r:id="rId6"/>
     <p:sldId id="268" r:id="rId7"/>
+    <p:sldId id="270" r:id="rId8"/>
   </p:sldIdLst>
   <p:sldSz cx="12192000" cy="6858000"/>
   <p:notesSz cx="6858000" cy="9144000"/>
@@ -6477,8 +6478,8 @@
           </p:sp>
         </mc:Fallback>
       </mc:AlternateContent>
-      <mc:AlternateContent xmlns:mc="http://schemas.openxmlformats.org/markup-compatibility/2006">
-        <mc:Choice xmlns:a14="http://schemas.microsoft.com/office/drawing/2010/main" Requires="a14">
+      <mc:AlternateContent xmlns:mc="http://schemas.openxmlformats.org/markup-compatibility/2006" xmlns:a14="http://schemas.microsoft.com/office/drawing/2010/main">
+        <mc:Choice Requires="a14">
           <p:sp>
             <p:nvSpPr>
               <p:cNvPr id="65" name="ZoneTexte 64">
@@ -6592,7 +6593,7 @@
             </p:txBody>
           </p:sp>
         </mc:Choice>
-        <mc:Fallback>
+        <mc:Fallback xmlns="">
           <p:sp>
             <p:nvSpPr>
               <p:cNvPr id="65" name="ZoneTexte 64">
@@ -6932,8 +6933,8 @@
           </p:spPr>
         </p:pic>
       </p:grpSp>
-      <mc:AlternateContent xmlns:mc="http://schemas.openxmlformats.org/markup-compatibility/2006">
-        <mc:Choice xmlns:a14="http://schemas.microsoft.com/office/drawing/2010/main" Requires="a14">
+      <mc:AlternateContent xmlns:mc="http://schemas.openxmlformats.org/markup-compatibility/2006" xmlns:a14="http://schemas.microsoft.com/office/drawing/2010/main">
+        <mc:Choice Requires="a14">
           <p:sp>
             <p:nvSpPr>
               <p:cNvPr id="2" name="ZoneTexte 1">
@@ -7045,7 +7046,7 @@
             </p:txBody>
           </p:sp>
         </mc:Choice>
-        <mc:Fallback>
+        <mc:Fallback xmlns="">
           <p:sp>
             <p:nvSpPr>
               <p:cNvPr id="2" name="ZoneTexte 1">
@@ -8163,8 +8164,8 @@
           </a:fontRef>
         </p:style>
       </p:cxnSp>
-      <mc:AlternateContent xmlns:mc="http://schemas.openxmlformats.org/markup-compatibility/2006">
-        <mc:Choice xmlns:a14="http://schemas.microsoft.com/office/drawing/2010/main" Requires="a14">
+      <mc:AlternateContent xmlns:mc="http://schemas.openxmlformats.org/markup-compatibility/2006" xmlns:a14="http://schemas.microsoft.com/office/drawing/2010/main">
+        <mc:Choice Requires="a14">
           <p:sp>
             <p:nvSpPr>
               <p:cNvPr id="111" name="ZoneTexte 110">
@@ -8307,7 +8308,7 @@
             </p:txBody>
           </p:sp>
         </mc:Choice>
-        <mc:Fallback>
+        <mc:Fallback xmlns="">
           <p:sp>
             <p:nvSpPr>
               <p:cNvPr id="111" name="ZoneTexte 110">
@@ -8352,8 +8353,8 @@
           </p:sp>
         </mc:Fallback>
       </mc:AlternateContent>
-      <mc:AlternateContent xmlns:mc="http://schemas.openxmlformats.org/markup-compatibility/2006">
-        <mc:Choice xmlns:a14="http://schemas.microsoft.com/office/drawing/2010/main" Requires="a14">
+      <mc:AlternateContent xmlns:mc="http://schemas.openxmlformats.org/markup-compatibility/2006" xmlns:a14="http://schemas.microsoft.com/office/drawing/2010/main">
+        <mc:Choice Requires="a14">
           <p:sp>
             <p:nvSpPr>
               <p:cNvPr id="112" name="ZoneTexte 111">
@@ -8469,7 +8470,7 @@
             </p:txBody>
           </p:sp>
         </mc:Choice>
-        <mc:Fallback>
+        <mc:Fallback xmlns="">
           <p:sp>
             <p:nvSpPr>
               <p:cNvPr id="112" name="ZoneTexte 111">
@@ -8664,8 +8665,8 @@
           </a:p>
         </p:txBody>
       </p:sp>
-      <mc:AlternateContent xmlns:mc="http://schemas.openxmlformats.org/markup-compatibility/2006">
-        <mc:Choice xmlns:a14="http://schemas.microsoft.com/office/drawing/2010/main" Requires="a14">
+      <mc:AlternateContent xmlns:mc="http://schemas.openxmlformats.org/markup-compatibility/2006" xmlns:a14="http://schemas.microsoft.com/office/drawing/2010/main">
+        <mc:Choice Requires="a14">
           <p:sp>
             <p:nvSpPr>
               <p:cNvPr id="3" name="Espace réservé du contenu 2">
@@ -9426,7 +9427,7 @@
             </p:txBody>
           </p:sp>
         </mc:Choice>
-        <mc:Fallback>
+        <mc:Fallback xmlns="">
           <p:sp>
             <p:nvSpPr>
               <p:cNvPr id="3" name="Espace réservé du contenu 2">
@@ -9470,8 +9471,8 @@
           </p:sp>
         </mc:Fallback>
       </mc:AlternateContent>
-      <mc:AlternateContent xmlns:mc="http://schemas.openxmlformats.org/markup-compatibility/2006">
-        <mc:Choice xmlns:a14="http://schemas.microsoft.com/office/drawing/2010/main" Requires="a14">
+      <mc:AlternateContent xmlns:mc="http://schemas.openxmlformats.org/markup-compatibility/2006" xmlns:a14="http://schemas.microsoft.com/office/drawing/2010/main">
+        <mc:Choice Requires="a14">
           <p:sp>
             <p:nvSpPr>
               <p:cNvPr id="4" name="Espace réservé du contenu 2">
@@ -9497,7 +9498,7 @@
             </p:spPr>
             <p:txBody>
               <a:bodyPr vert="horz" lIns="0" tIns="45720" rIns="0" bIns="45720" rtlCol="0">
-                <a:normAutofit/>
+                <a:normAutofit fontScale="92500" lnSpcReduction="20000"/>
               </a:bodyPr>
               <a:lstStyle>
                 <a:lvl1pPr marL="271463" indent="-269875" algn="l" defTabSz="914400" rtl="0" eaLnBrk="1" latinLnBrk="0" hangingPunct="1">
@@ -10357,6 +10358,215 @@
                 <a:endParaRPr lang="fr-FR" dirty="0"/>
               </a:p>
               <a:p>
+                <a14:m>
+                  <m:oMath xmlns:m="http://schemas.openxmlformats.org/officeDocument/2006/math">
+                    <m:sSub>
+                      <m:sSubPr>
+                        <m:ctrlPr>
+                          <a:rPr lang="fr-FR" b="0" i="1" smtClean="0">
+                            <a:latin typeface="Cambria Math" panose="02040503050406030204" pitchFamily="18" charset="0"/>
+                            <a:ea typeface="Cambria Math" panose="02040503050406030204" pitchFamily="18" charset="0"/>
+                          </a:rPr>
+                        </m:ctrlPr>
+                      </m:sSubPr>
+                      <m:e>
+                        <m:r>
+                          <a:rPr lang="fr-FR" b="0" i="1" smtClean="0">
+                            <a:latin typeface="Cambria Math" panose="02040503050406030204" pitchFamily="18" charset="0"/>
+                            <a:ea typeface="Cambria Math" panose="02040503050406030204" pitchFamily="18" charset="0"/>
+                          </a:rPr>
+                          <m:t>𝐶</m:t>
+                        </m:r>
+                      </m:e>
+                      <m:sub>
+                        <m:r>
+                          <a:rPr lang="fr-FR" b="0" i="1" smtClean="0">
+                            <a:latin typeface="Cambria Math" panose="02040503050406030204" pitchFamily="18" charset="0"/>
+                            <a:ea typeface="Cambria Math" panose="02040503050406030204" pitchFamily="18" charset="0"/>
+                          </a:rPr>
+                          <m:t>𝑚</m:t>
+                        </m:r>
+                      </m:sub>
+                    </m:sSub>
+                    <m:r>
+                      <a:rPr lang="fr-FR" i="1">
+                        <a:latin typeface="Cambria Math" panose="02040503050406030204" pitchFamily="18" charset="0"/>
+                        <a:ea typeface="Cambria Math" panose="02040503050406030204" pitchFamily="18" charset="0"/>
+                      </a:rPr>
+                      <m:t>−</m:t>
+                    </m:r>
+                    <m:sSub>
+                      <m:sSubPr>
+                        <m:ctrlPr>
+                          <a:rPr lang="fr-FR" i="1">
+                            <a:latin typeface="Cambria Math" panose="02040503050406030204" pitchFamily="18" charset="0"/>
+                            <a:ea typeface="Cambria Math" panose="02040503050406030204" pitchFamily="18" charset="0"/>
+                          </a:rPr>
+                        </m:ctrlPr>
+                      </m:sSubPr>
+                      <m:e>
+                        <m:r>
+                          <a:rPr lang="fr-FR" i="1">
+                            <a:latin typeface="Cambria Math" panose="02040503050406030204" pitchFamily="18" charset="0"/>
+                            <a:ea typeface="Cambria Math" panose="02040503050406030204" pitchFamily="18" charset="0"/>
+                          </a:rPr>
+                          <m:t>𝐶</m:t>
+                        </m:r>
+                      </m:e>
+                      <m:sub>
+                        <m:r>
+                          <a:rPr lang="fr-FR" i="1">
+                            <a:latin typeface="Cambria Math" panose="02040503050406030204" pitchFamily="18" charset="0"/>
+                            <a:ea typeface="Cambria Math" panose="02040503050406030204" pitchFamily="18" charset="0"/>
+                          </a:rPr>
+                          <m:t>𝑟</m:t>
+                        </m:r>
+                      </m:sub>
+                    </m:sSub>
+                    <m:r>
+                      <a:rPr lang="fr-FR" b="0" i="1" smtClean="0">
+                        <a:latin typeface="Cambria Math" panose="02040503050406030204" pitchFamily="18" charset="0"/>
+                        <a:ea typeface="Cambria Math" panose="02040503050406030204" pitchFamily="18" charset="0"/>
+                      </a:rPr>
+                      <m:t>−</m:t>
+                    </m:r>
+                    <m:d>
+                      <m:dPr>
+                        <m:ctrlPr>
+                          <a:rPr lang="fr-FR" i="1">
+                            <a:latin typeface="Cambria Math" panose="02040503050406030204" pitchFamily="18" charset="0"/>
+                            <a:ea typeface="Cambria Math" panose="02040503050406030204" pitchFamily="18" charset="0"/>
+                          </a:rPr>
+                        </m:ctrlPr>
+                      </m:dPr>
+                      <m:e>
+                        <m:r>
+                          <a:rPr lang="fr-FR" i="1">
+                            <a:latin typeface="Cambria Math" panose="02040503050406030204" pitchFamily="18" charset="0"/>
+                            <a:ea typeface="Cambria Math" panose="02040503050406030204" pitchFamily="18" charset="0"/>
+                          </a:rPr>
+                          <m:t>𝑀</m:t>
+                        </m:r>
+                        <m:r>
+                          <a:rPr lang="fr-FR" i="1">
+                            <a:latin typeface="Cambria Math" panose="02040503050406030204" pitchFamily="18" charset="0"/>
+                            <a:ea typeface="Cambria Math" panose="02040503050406030204" pitchFamily="18" charset="0"/>
+                          </a:rPr>
+                          <m:t>+</m:t>
+                        </m:r>
+                        <m:r>
+                          <a:rPr lang="fr-FR" i="1">
+                            <a:latin typeface="Cambria Math" panose="02040503050406030204" pitchFamily="18" charset="0"/>
+                            <a:ea typeface="Cambria Math" panose="02040503050406030204" pitchFamily="18" charset="0"/>
+                          </a:rPr>
+                          <m:t>𝑛𝑚</m:t>
+                        </m:r>
+                      </m:e>
+                    </m:d>
+                    <m:r>
+                      <a:rPr lang="fr-FR" i="1">
+                        <a:latin typeface="Cambria Math" panose="02040503050406030204" pitchFamily="18" charset="0"/>
+                        <a:ea typeface="Cambria Math" panose="02040503050406030204" pitchFamily="18" charset="0"/>
+                      </a:rPr>
+                      <m:t>𝑔𝐾</m:t>
+                    </m:r>
+                    <m:r>
+                      <a:rPr lang="fr-FR" b="0" i="1" smtClean="0">
+                        <a:latin typeface="Cambria Math" panose="02040503050406030204" pitchFamily="18" charset="0"/>
+                        <a:ea typeface="Cambria Math" panose="02040503050406030204" pitchFamily="18" charset="0"/>
+                      </a:rPr>
+                      <m:t>=</m:t>
+                    </m:r>
+                    <m:sSub>
+                      <m:sSubPr>
+                        <m:ctrlPr>
+                          <a:rPr lang="fr-FR" b="0" i="1" smtClean="0">
+                            <a:latin typeface="Cambria Math" panose="02040503050406030204" pitchFamily="18" charset="0"/>
+                            <a:ea typeface="Cambria Math" panose="02040503050406030204" pitchFamily="18" charset="0"/>
+                          </a:rPr>
+                        </m:ctrlPr>
+                      </m:sSubPr>
+                      <m:e>
+                        <m:r>
+                          <m:rPr>
+                            <m:sty m:val="p"/>
+                          </m:rPr>
+                          <a:rPr lang="fr-FR" b="0" i="0" smtClean="0">
+                            <a:latin typeface="Cambria Math" panose="02040503050406030204" pitchFamily="18" charset="0"/>
+                            <a:ea typeface="Cambria Math" panose="02040503050406030204" pitchFamily="18" charset="0"/>
+                          </a:rPr>
+                          <m:t>J</m:t>
+                        </m:r>
+                      </m:e>
+                      <m:sub>
+                        <m:r>
+                          <m:rPr>
+                            <m:sty m:val="p"/>
+                          </m:rPr>
+                          <a:rPr lang="fr-FR" b="0" i="0" smtClean="0">
+                            <a:latin typeface="Cambria Math" panose="02040503050406030204" pitchFamily="18" charset="0"/>
+                            <a:ea typeface="Cambria Math" panose="02040503050406030204" pitchFamily="18" charset="0"/>
+                          </a:rPr>
+                          <m:t>eq</m:t>
+                        </m:r>
+                      </m:sub>
+                    </m:sSub>
+                    <m:r>
+                      <a:rPr lang="fr-FR" b="0" i="0" smtClean="0">
+                        <a:latin typeface="Cambria Math" panose="02040503050406030204" pitchFamily="18" charset="0"/>
+                        <a:ea typeface="Cambria Math" panose="02040503050406030204" pitchFamily="18" charset="0"/>
+                      </a:rPr>
+                      <m:t> </m:t>
+                    </m:r>
+                    <m:sSub>
+                      <m:sSubPr>
+                        <m:ctrlPr>
+                          <a:rPr lang="fr-FR" b="0" i="1" smtClean="0">
+                            <a:latin typeface="Cambria Math" panose="02040503050406030204" pitchFamily="18" charset="0"/>
+                            <a:ea typeface="Cambria Math" panose="02040503050406030204" pitchFamily="18" charset="0"/>
+                          </a:rPr>
+                        </m:ctrlPr>
+                      </m:sSubPr>
+                      <m:e>
+                        <m:acc>
+                          <m:accPr>
+                            <m:chr m:val="̇"/>
+                            <m:ctrlPr>
+                              <a:rPr lang="fr-FR" b="0" i="1" smtClean="0">
+                                <a:latin typeface="Cambria Math" panose="02040503050406030204" pitchFamily="18" charset="0"/>
+                                <a:ea typeface="Cambria Math" panose="02040503050406030204" pitchFamily="18" charset="0"/>
+                              </a:rPr>
+                            </m:ctrlPr>
+                          </m:accPr>
+                          <m:e>
+                            <m:r>
+                              <a:rPr lang="fr-FR" b="0" i="1" smtClean="0">
+                                <a:latin typeface="Cambria Math" panose="02040503050406030204" pitchFamily="18" charset="0"/>
+                                <a:ea typeface="Cambria Math" panose="02040503050406030204" pitchFamily="18" charset="0"/>
+                              </a:rPr>
+                              <m:t>𝜔</m:t>
+                            </m:r>
+                          </m:e>
+                        </m:acc>
+                      </m:e>
+                      <m:sub>
+                        <m:r>
+                          <a:rPr lang="fr-FR" b="0" i="1" smtClean="0">
+                            <a:latin typeface="Cambria Math" panose="02040503050406030204" pitchFamily="18" charset="0"/>
+                            <a:ea typeface="Cambria Math" panose="02040503050406030204" pitchFamily="18" charset="0"/>
+                          </a:rPr>
+                          <m:t>𝑚</m:t>
+                        </m:r>
+                      </m:sub>
+                    </m:sSub>
+                  </m:oMath>
+                </a14:m>
+                <a:endParaRPr lang="fr-FR" dirty="0"/>
+              </a:p>
+              <a:p>
+                <a:endParaRPr lang="fr-FR" dirty="0"/>
+              </a:p>
+              <a:p>
                 <a:r>
                   <a:rPr lang="fr-FR" dirty="0"/>
                   <a:t>Application du TEC en régime permanent, en montée </a:t>
@@ -10480,14 +10690,7 @@
                           <a:latin typeface="Cambria Math" panose="02040503050406030204" pitchFamily="18" charset="0"/>
                           <a:ea typeface="Cambria Math" panose="02040503050406030204" pitchFamily="18" charset="0"/>
                         </a:rPr>
-                        <m:t>𝑔</m:t>
-                      </m:r>
-                      <m:r>
-                        <a:rPr lang="fr-FR" i="1">
-                          <a:latin typeface="Cambria Math" panose="02040503050406030204" pitchFamily="18" charset="0"/>
-                          <a:ea typeface="Cambria Math" panose="02040503050406030204" pitchFamily="18" charset="0"/>
-                        </a:rPr>
-                        <m:t>𝐾</m:t>
+                        <m:t>𝑔𝐾</m:t>
                       </m:r>
                       <m:r>
                         <a:rPr lang="fr-FR" b="0" i="1" smtClean="0">
@@ -10565,14 +10768,7 @@
                         <a:latin typeface="Cambria Math" panose="02040503050406030204" pitchFamily="18" charset="0"/>
                         <a:ea typeface="Cambria Math" panose="02040503050406030204" pitchFamily="18" charset="0"/>
                       </a:rPr>
-                      <m:t>𝑛𝑚</m:t>
-                    </m:r>
-                    <m:r>
-                      <a:rPr lang="fr-FR" i="1">
-                        <a:latin typeface="Cambria Math" panose="02040503050406030204" pitchFamily="18" charset="0"/>
-                        <a:ea typeface="Cambria Math" panose="02040503050406030204" pitchFamily="18" charset="0"/>
-                      </a:rPr>
-                      <m:t>𝑔𝐾</m:t>
+                      <m:t>𝑛𝑚𝑔𝐾</m:t>
                     </m:r>
                   </m:oMath>
                 </a14:m>
@@ -10600,7 +10796,7 @@
             </p:txBody>
           </p:sp>
         </mc:Choice>
-        <mc:Fallback>
+        <mc:Fallback xmlns="">
           <p:sp>
             <p:nvSpPr>
               <p:cNvPr id="4" name="Espace réservé du contenu 2">
@@ -10626,7 +10822,7 @@
               <a:blipFill>
                 <a:blip r:embed="rId3"/>
                 <a:stretch>
-                  <a:fillRect l="-2650" t="-1852"/>
+                  <a:fillRect l="-2446" t="-2894" r="-2752"/>
                 </a:stretch>
               </a:blipFill>
             </p:spPr>
@@ -10649,6 +10845,694 @@
     <p:extLst>
       <p:ext uri="{BB962C8B-B14F-4D97-AF65-F5344CB8AC3E}">
         <p14:creationId xmlns:p14="http://schemas.microsoft.com/office/powerpoint/2010/main" val="3484094850"/>
+      </p:ext>
+    </p:extLst>
+  </p:cSld>
+  <p:clrMapOvr>
+    <a:masterClrMapping/>
+  </p:clrMapOvr>
+</p:sld>
+</file>
+
+<file path=ppt/slides/slide7.xml><?xml version="1.0" encoding="utf-8"?>
+<p:sld xmlns:a="http://schemas.openxmlformats.org/drawingml/2006/main" xmlns:r="http://schemas.openxmlformats.org/officeDocument/2006/relationships" xmlns:p="http://schemas.openxmlformats.org/presentationml/2006/main">
+  <p:cSld>
+    <p:spTree>
+      <p:nvGrpSpPr>
+        <p:cNvPr id="1" name=""/>
+        <p:cNvGrpSpPr/>
+        <p:nvPr/>
+      </p:nvGrpSpPr>
+      <p:grpSpPr>
+        <a:xfrm>
+          <a:off x="0" y="0"/>
+          <a:ext cx="0" cy="0"/>
+          <a:chOff x="0" y="0"/>
+          <a:chExt cx="0" cy="0"/>
+        </a:xfrm>
+      </p:grpSpPr>
+      <p:sp>
+        <p:nvSpPr>
+          <p:cNvPr id="2" name="Titre 1">
+            <a:extLst>
+              <a:ext uri="{FF2B5EF4-FFF2-40B4-BE49-F238E27FC236}">
+                <a16:creationId xmlns:a16="http://schemas.microsoft.com/office/drawing/2014/main" id="{C394E5B6-AD63-4F7B-E838-2B5F5160D0D9}"/>
+              </a:ext>
+            </a:extLst>
+          </p:cNvPr>
+          <p:cNvSpPr>
+            <a:spLocks noGrp="1"/>
+          </p:cNvSpPr>
+          <p:nvPr>
+            <p:ph type="title"/>
+          </p:nvPr>
+        </p:nvSpPr>
+        <p:spPr/>
+        <p:txBody>
+          <a:bodyPr/>
+          <a:lstStyle/>
+          <a:p>
+            <a:endParaRPr lang="fr-FR" dirty="0"/>
+          </a:p>
+        </p:txBody>
+      </p:sp>
+      <mc:AlternateContent xmlns:mc="http://schemas.openxmlformats.org/markup-compatibility/2006">
+        <mc:Choice xmlns:a14="http://schemas.microsoft.com/office/drawing/2010/main" Requires="a14">
+          <p:sp>
+            <p:nvSpPr>
+              <p:cNvPr id="3" name="Espace réservé du contenu 2">
+                <a:extLst>
+                  <a:ext uri="{FF2B5EF4-FFF2-40B4-BE49-F238E27FC236}">
+                    <a16:creationId xmlns:a16="http://schemas.microsoft.com/office/drawing/2014/main" id="{557CA942-D8AE-26E1-13CE-00242D950130}"/>
+                  </a:ext>
+                </a:extLst>
+              </p:cNvPr>
+              <p:cNvSpPr>
+                <a:spLocks noGrp="1"/>
+              </p:cNvSpPr>
+              <p:nvPr>
+                <p:ph idx="1"/>
+              </p:nvPr>
+            </p:nvSpPr>
+            <p:spPr/>
+            <p:txBody>
+              <a:bodyPr/>
+              <a:lstStyle/>
+              <a:p>
+                <a:r>
+                  <a:rPr lang="fr-FR" dirty="0"/>
+                  <a:t>On cherche le courant mini tel que le bras monte, puis le courant max tel que le bras descende</a:t>
+                </a:r>
+              </a:p>
+              <a:p>
+                <a:pPr lvl="1"/>
+                <a:r>
+                  <a:rPr lang="fr-FR" b="0" dirty="0"/>
+                  <a:t>Vers le </a:t>
+                </a:r>
+                <a:r>
+                  <a:rPr lang="fr-FR" dirty="0"/>
+                  <a:t>haut : </a:t>
+                </a:r>
+                <a14:m>
+                  <m:oMath xmlns:m="http://schemas.openxmlformats.org/officeDocument/2006/math">
+                    <m:sSub>
+                      <m:sSubPr>
+                        <m:ctrlPr>
+                          <a:rPr lang="fr-FR" b="0" i="1" smtClean="0">
+                            <a:latin typeface="Cambria Math" panose="02040503050406030204" pitchFamily="18" charset="0"/>
+                          </a:rPr>
+                        </m:ctrlPr>
+                      </m:sSubPr>
+                      <m:e>
+                        <m:r>
+                          <a:rPr lang="fr-FR" b="0" i="1" smtClean="0">
+                            <a:latin typeface="Cambria Math" panose="02040503050406030204" pitchFamily="18" charset="0"/>
+                          </a:rPr>
+                          <m:t>𝐹</m:t>
+                        </m:r>
+                      </m:e>
+                      <m:sub>
+                        <m:r>
+                          <a:rPr lang="fr-FR" b="0" i="1" smtClean="0">
+                            <a:latin typeface="Cambria Math" panose="02040503050406030204" pitchFamily="18" charset="0"/>
+                          </a:rPr>
+                          <m:t>𝑚h</m:t>
+                        </m:r>
+                      </m:sub>
+                    </m:sSub>
+                    <m:r>
+                      <a:rPr lang="fr-FR" b="0" i="1" smtClean="0">
+                        <a:latin typeface="Cambria Math" panose="02040503050406030204" pitchFamily="18" charset="0"/>
+                      </a:rPr>
+                      <m:t>−</m:t>
+                    </m:r>
+                    <m:sSub>
+                      <m:sSubPr>
+                        <m:ctrlPr>
+                          <a:rPr lang="fr-FR" b="0" i="1" smtClean="0">
+                            <a:latin typeface="Cambria Math" panose="02040503050406030204" pitchFamily="18" charset="0"/>
+                          </a:rPr>
+                        </m:ctrlPr>
+                      </m:sSubPr>
+                      <m:e>
+                        <m:r>
+                          <a:rPr lang="fr-FR" b="0" i="1" smtClean="0">
+                            <a:latin typeface="Cambria Math" panose="02040503050406030204" pitchFamily="18" charset="0"/>
+                          </a:rPr>
+                          <m:t>𝐹</m:t>
+                        </m:r>
+                      </m:e>
+                      <m:sub>
+                        <m:r>
+                          <a:rPr lang="fr-FR" b="0" i="1" smtClean="0">
+                            <a:latin typeface="Cambria Math" panose="02040503050406030204" pitchFamily="18" charset="0"/>
+                          </a:rPr>
+                          <m:t>𝑟</m:t>
+                        </m:r>
+                      </m:sub>
+                    </m:sSub>
+                    <m:r>
+                      <a:rPr lang="fr-FR" b="0" i="1" smtClean="0">
+                        <a:latin typeface="Cambria Math" panose="02040503050406030204" pitchFamily="18" charset="0"/>
+                      </a:rPr>
+                      <m:t>−</m:t>
+                    </m:r>
+                    <m:r>
+                      <a:rPr lang="fr-FR" b="0" i="1" smtClean="0">
+                        <a:latin typeface="Cambria Math" panose="02040503050406030204" pitchFamily="18" charset="0"/>
+                      </a:rPr>
+                      <m:t>𝑀𝑔</m:t>
+                    </m:r>
+                    <m:r>
+                      <a:rPr lang="fr-FR" b="0" i="1" smtClean="0">
+                        <a:latin typeface="Cambria Math" panose="02040503050406030204" pitchFamily="18" charset="0"/>
+                      </a:rPr>
+                      <m:t>=0</m:t>
+                    </m:r>
+                  </m:oMath>
+                </a14:m>
+                <a:endParaRPr lang="fr-FR" dirty="0"/>
+              </a:p>
+              <a:p>
+                <a:pPr lvl="1"/>
+                <a:r>
+                  <a:rPr lang="fr-FR" b="0" dirty="0"/>
+                  <a:t>Vers le </a:t>
+                </a:r>
+                <a:r>
+                  <a:rPr lang="fr-FR" dirty="0"/>
+                  <a:t>bas (couple positif mais pas suffisant pour vaincre le poids): </a:t>
+                </a:r>
+                <a14:m>
+                  <m:oMath xmlns:m="http://schemas.openxmlformats.org/officeDocument/2006/math">
+                    <m:sSub>
+                      <m:sSubPr>
+                        <m:ctrlPr>
+                          <a:rPr lang="fr-FR" b="0" i="1" smtClean="0">
+                            <a:latin typeface="Cambria Math" panose="02040503050406030204" pitchFamily="18" charset="0"/>
+                          </a:rPr>
+                        </m:ctrlPr>
+                      </m:sSubPr>
+                      <m:e>
+                        <m:r>
+                          <a:rPr lang="fr-FR" b="0" i="1" smtClean="0">
+                            <a:latin typeface="Cambria Math" panose="02040503050406030204" pitchFamily="18" charset="0"/>
+                          </a:rPr>
+                          <m:t>𝐹</m:t>
+                        </m:r>
+                      </m:e>
+                      <m:sub>
+                        <m:r>
+                          <a:rPr lang="fr-FR" b="0" i="1" smtClean="0">
+                            <a:latin typeface="Cambria Math" panose="02040503050406030204" pitchFamily="18" charset="0"/>
+                          </a:rPr>
+                          <m:t>𝑚𝑏</m:t>
+                        </m:r>
+                      </m:sub>
+                    </m:sSub>
+                    <m:r>
+                      <a:rPr lang="fr-FR" b="0" i="1" smtClean="0">
+                        <a:latin typeface="Cambria Math" panose="02040503050406030204" pitchFamily="18" charset="0"/>
+                      </a:rPr>
+                      <m:t>+</m:t>
+                    </m:r>
+                    <m:sSub>
+                      <m:sSubPr>
+                        <m:ctrlPr>
+                          <a:rPr lang="fr-FR" b="0" i="1" smtClean="0">
+                            <a:latin typeface="Cambria Math" panose="02040503050406030204" pitchFamily="18" charset="0"/>
+                          </a:rPr>
+                        </m:ctrlPr>
+                      </m:sSubPr>
+                      <m:e>
+                        <m:r>
+                          <a:rPr lang="fr-FR" b="0" i="1" smtClean="0">
+                            <a:latin typeface="Cambria Math" panose="02040503050406030204" pitchFamily="18" charset="0"/>
+                          </a:rPr>
+                          <m:t>𝐹</m:t>
+                        </m:r>
+                      </m:e>
+                      <m:sub>
+                        <m:r>
+                          <a:rPr lang="fr-FR" b="0" i="1" smtClean="0">
+                            <a:latin typeface="Cambria Math" panose="02040503050406030204" pitchFamily="18" charset="0"/>
+                          </a:rPr>
+                          <m:t>𝑟</m:t>
+                        </m:r>
+                      </m:sub>
+                    </m:sSub>
+                    <m:r>
+                      <a:rPr lang="fr-FR" b="0" i="1" smtClean="0">
+                        <a:latin typeface="Cambria Math" panose="02040503050406030204" pitchFamily="18" charset="0"/>
+                      </a:rPr>
+                      <m:t>−</m:t>
+                    </m:r>
+                    <m:r>
+                      <a:rPr lang="fr-FR" b="0" i="1" smtClean="0">
+                        <a:latin typeface="Cambria Math" panose="02040503050406030204" pitchFamily="18" charset="0"/>
+                      </a:rPr>
+                      <m:t>𝑀𝑔</m:t>
+                    </m:r>
+                    <m:r>
+                      <a:rPr lang="fr-FR" b="0" i="1" smtClean="0">
+                        <a:latin typeface="Cambria Math" panose="02040503050406030204" pitchFamily="18" charset="0"/>
+                      </a:rPr>
+                      <m:t>=0</m:t>
+                    </m:r>
+                  </m:oMath>
+                </a14:m>
+                <a:endParaRPr lang="fr-FR" dirty="0"/>
+              </a:p>
+              <a:p>
+                <a:pPr lvl="2"/>
+                <a14:m>
+                  <m:oMath xmlns:m="http://schemas.openxmlformats.org/officeDocument/2006/math">
+                    <m:sSub>
+                      <m:sSubPr>
+                        <m:ctrlPr>
+                          <a:rPr lang="fr-FR" b="0" i="1" smtClean="0">
+                            <a:latin typeface="Cambria Math" panose="02040503050406030204" pitchFamily="18" charset="0"/>
+                          </a:rPr>
+                        </m:ctrlPr>
+                      </m:sSubPr>
+                      <m:e>
+                        <m:r>
+                          <a:rPr lang="fr-FR" b="0" i="1" smtClean="0">
+                            <a:latin typeface="Cambria Math" panose="02040503050406030204" pitchFamily="18" charset="0"/>
+                          </a:rPr>
+                          <m:t>𝐹</m:t>
+                        </m:r>
+                      </m:e>
+                      <m:sub>
+                        <m:r>
+                          <a:rPr lang="fr-FR" b="0" i="1" smtClean="0">
+                            <a:latin typeface="Cambria Math" panose="02040503050406030204" pitchFamily="18" charset="0"/>
+                          </a:rPr>
+                          <m:t>𝑚h</m:t>
+                        </m:r>
+                      </m:sub>
+                    </m:sSub>
+                    <m:r>
+                      <a:rPr lang="fr-FR" b="0" i="1" smtClean="0">
+                        <a:latin typeface="Cambria Math" panose="02040503050406030204" pitchFamily="18" charset="0"/>
+                      </a:rPr>
+                      <m:t>+</m:t>
+                    </m:r>
+                    <m:sSub>
+                      <m:sSubPr>
+                        <m:ctrlPr>
+                          <a:rPr lang="fr-FR" b="0" i="1" smtClean="0">
+                            <a:latin typeface="Cambria Math" panose="02040503050406030204" pitchFamily="18" charset="0"/>
+                          </a:rPr>
+                        </m:ctrlPr>
+                      </m:sSubPr>
+                      <m:e>
+                        <m:r>
+                          <a:rPr lang="fr-FR" b="0" i="1" smtClean="0">
+                            <a:latin typeface="Cambria Math" panose="02040503050406030204" pitchFamily="18" charset="0"/>
+                          </a:rPr>
+                          <m:t>𝐹</m:t>
+                        </m:r>
+                      </m:e>
+                      <m:sub>
+                        <m:r>
+                          <a:rPr lang="fr-FR" b="0" i="1" smtClean="0">
+                            <a:latin typeface="Cambria Math" panose="02040503050406030204" pitchFamily="18" charset="0"/>
+                          </a:rPr>
+                          <m:t>𝑚𝑏</m:t>
+                        </m:r>
+                      </m:sub>
+                    </m:sSub>
+                    <m:r>
+                      <a:rPr lang="fr-FR" b="0" i="1" smtClean="0">
+                        <a:latin typeface="Cambria Math" panose="02040503050406030204" pitchFamily="18" charset="0"/>
+                      </a:rPr>
+                      <m:t>=2</m:t>
+                    </m:r>
+                    <m:r>
+                      <a:rPr lang="fr-FR" b="0" i="1" smtClean="0">
+                        <a:latin typeface="Cambria Math" panose="02040503050406030204" pitchFamily="18" charset="0"/>
+                      </a:rPr>
+                      <m:t>𝑀𝑔</m:t>
+                    </m:r>
+                    <m:r>
+                      <a:rPr lang="fr-FR" b="0" i="1" smtClean="0">
+                        <a:latin typeface="Cambria Math" panose="02040503050406030204" pitchFamily="18" charset="0"/>
+                      </a:rPr>
+                      <m:t>⇒</m:t>
+                    </m:r>
+                    <m:r>
+                      <a:rPr lang="fr-FR" b="0" i="1" smtClean="0">
+                        <a:latin typeface="Cambria Math" panose="02040503050406030204" pitchFamily="18" charset="0"/>
+                      </a:rPr>
+                      <m:t>𝑀</m:t>
+                    </m:r>
+                    <m:r>
+                      <a:rPr lang="fr-FR" b="0" i="1" smtClean="0">
+                        <a:latin typeface="Cambria Math" panose="02040503050406030204" pitchFamily="18" charset="0"/>
+                      </a:rPr>
+                      <m:t>=</m:t>
+                    </m:r>
+                    <m:f>
+                      <m:fPr>
+                        <m:ctrlPr>
+                          <a:rPr lang="fr-FR" b="0" i="1" smtClean="0">
+                            <a:latin typeface="Cambria Math" panose="02040503050406030204" pitchFamily="18" charset="0"/>
+                          </a:rPr>
+                        </m:ctrlPr>
+                      </m:fPr>
+                      <m:num>
+                        <m:sSub>
+                          <m:sSubPr>
+                            <m:ctrlPr>
+                              <a:rPr lang="fr-FR" i="1">
+                                <a:latin typeface="Cambria Math" panose="02040503050406030204" pitchFamily="18" charset="0"/>
+                              </a:rPr>
+                            </m:ctrlPr>
+                          </m:sSubPr>
+                          <m:e>
+                            <m:r>
+                              <a:rPr lang="fr-FR" i="1">
+                                <a:latin typeface="Cambria Math" panose="02040503050406030204" pitchFamily="18" charset="0"/>
+                              </a:rPr>
+                              <m:t>𝐹</m:t>
+                            </m:r>
+                          </m:e>
+                          <m:sub>
+                            <m:r>
+                              <a:rPr lang="fr-FR" i="1">
+                                <a:latin typeface="Cambria Math" panose="02040503050406030204" pitchFamily="18" charset="0"/>
+                              </a:rPr>
+                              <m:t>𝑚h</m:t>
+                            </m:r>
+                          </m:sub>
+                        </m:sSub>
+                        <m:r>
+                          <a:rPr lang="fr-FR" i="1">
+                            <a:latin typeface="Cambria Math" panose="02040503050406030204" pitchFamily="18" charset="0"/>
+                          </a:rPr>
+                          <m:t>+</m:t>
+                        </m:r>
+                        <m:sSub>
+                          <m:sSubPr>
+                            <m:ctrlPr>
+                              <a:rPr lang="fr-FR" i="1">
+                                <a:latin typeface="Cambria Math" panose="02040503050406030204" pitchFamily="18" charset="0"/>
+                              </a:rPr>
+                            </m:ctrlPr>
+                          </m:sSubPr>
+                          <m:e>
+                            <m:r>
+                              <a:rPr lang="fr-FR" i="1">
+                                <a:latin typeface="Cambria Math" panose="02040503050406030204" pitchFamily="18" charset="0"/>
+                              </a:rPr>
+                              <m:t>𝐹</m:t>
+                            </m:r>
+                          </m:e>
+                          <m:sub>
+                            <m:r>
+                              <a:rPr lang="fr-FR" i="1">
+                                <a:latin typeface="Cambria Math" panose="02040503050406030204" pitchFamily="18" charset="0"/>
+                              </a:rPr>
+                              <m:t>𝑚𝑏</m:t>
+                            </m:r>
+                          </m:sub>
+                        </m:sSub>
+                      </m:num>
+                      <m:den>
+                        <m:r>
+                          <a:rPr lang="fr-FR" b="0" i="1" smtClean="0">
+                            <a:latin typeface="Cambria Math" panose="02040503050406030204" pitchFamily="18" charset="0"/>
+                          </a:rPr>
+                          <m:t>2</m:t>
+                        </m:r>
+                        <m:r>
+                          <a:rPr lang="fr-FR" b="0" i="1" smtClean="0">
+                            <a:latin typeface="Cambria Math" panose="02040503050406030204" pitchFamily="18" charset="0"/>
+                          </a:rPr>
+                          <m:t>𝑔</m:t>
+                        </m:r>
+                      </m:den>
+                    </m:f>
+                  </m:oMath>
+                </a14:m>
+                <a:endParaRPr lang="fr-FR" b="0" dirty="0"/>
+              </a:p>
+              <a:p>
+                <a:pPr lvl="2"/>
+                <a14:m>
+                  <m:oMath xmlns:m="http://schemas.openxmlformats.org/officeDocument/2006/math">
+                    <m:sSub>
+                      <m:sSubPr>
+                        <m:ctrlPr>
+                          <a:rPr lang="fr-FR" b="0" i="1" smtClean="0">
+                            <a:latin typeface="Cambria Math" panose="02040503050406030204" pitchFamily="18" charset="0"/>
+                          </a:rPr>
+                        </m:ctrlPr>
+                      </m:sSubPr>
+                      <m:e>
+                        <m:r>
+                          <a:rPr lang="fr-FR" b="0" i="1" smtClean="0">
+                            <a:latin typeface="Cambria Math" panose="02040503050406030204" pitchFamily="18" charset="0"/>
+                          </a:rPr>
+                          <m:t>𝐹</m:t>
+                        </m:r>
+                      </m:e>
+                      <m:sub>
+                        <m:r>
+                          <a:rPr lang="fr-FR" b="0" i="1" smtClean="0">
+                            <a:latin typeface="Cambria Math" panose="02040503050406030204" pitchFamily="18" charset="0"/>
+                          </a:rPr>
+                          <m:t>𝑚h</m:t>
+                        </m:r>
+                      </m:sub>
+                    </m:sSub>
+                    <m:r>
+                      <a:rPr lang="fr-FR" b="0" i="1" smtClean="0">
+                        <a:latin typeface="Cambria Math" panose="02040503050406030204" pitchFamily="18" charset="0"/>
+                      </a:rPr>
+                      <m:t>−</m:t>
+                    </m:r>
+                    <m:sSub>
+                      <m:sSubPr>
+                        <m:ctrlPr>
+                          <a:rPr lang="fr-FR" b="0" i="1" smtClean="0">
+                            <a:latin typeface="Cambria Math" panose="02040503050406030204" pitchFamily="18" charset="0"/>
+                          </a:rPr>
+                        </m:ctrlPr>
+                      </m:sSubPr>
+                      <m:e>
+                        <m:r>
+                          <a:rPr lang="fr-FR" b="0" i="1" smtClean="0">
+                            <a:latin typeface="Cambria Math" panose="02040503050406030204" pitchFamily="18" charset="0"/>
+                          </a:rPr>
+                          <m:t>𝐹</m:t>
+                        </m:r>
+                      </m:e>
+                      <m:sub>
+                        <m:r>
+                          <a:rPr lang="fr-FR" b="0" i="1" smtClean="0">
+                            <a:latin typeface="Cambria Math" panose="02040503050406030204" pitchFamily="18" charset="0"/>
+                          </a:rPr>
+                          <m:t>𝑚𝑏</m:t>
+                        </m:r>
+                      </m:sub>
+                    </m:sSub>
+                    <m:r>
+                      <a:rPr lang="fr-FR" b="0" i="1" smtClean="0">
+                        <a:latin typeface="Cambria Math" panose="02040503050406030204" pitchFamily="18" charset="0"/>
+                      </a:rPr>
+                      <m:t>−2</m:t>
+                    </m:r>
+                    <m:sSub>
+                      <m:sSubPr>
+                        <m:ctrlPr>
+                          <a:rPr lang="fr-FR" b="0" i="1" smtClean="0">
+                            <a:latin typeface="Cambria Math" panose="02040503050406030204" pitchFamily="18" charset="0"/>
+                          </a:rPr>
+                        </m:ctrlPr>
+                      </m:sSubPr>
+                      <m:e>
+                        <m:r>
+                          <a:rPr lang="fr-FR" b="0" i="1" smtClean="0">
+                            <a:latin typeface="Cambria Math" panose="02040503050406030204" pitchFamily="18" charset="0"/>
+                          </a:rPr>
+                          <m:t>𝐹</m:t>
+                        </m:r>
+                      </m:e>
+                      <m:sub>
+                        <m:r>
+                          <a:rPr lang="fr-FR" b="0" i="1" smtClean="0">
+                            <a:latin typeface="Cambria Math" panose="02040503050406030204" pitchFamily="18" charset="0"/>
+                          </a:rPr>
+                          <m:t>𝑟</m:t>
+                        </m:r>
+                      </m:sub>
+                    </m:sSub>
+                    <m:r>
+                      <a:rPr lang="fr-FR" b="0" i="1" smtClean="0">
+                        <a:latin typeface="Cambria Math" panose="02040503050406030204" pitchFamily="18" charset="0"/>
+                      </a:rPr>
+                      <m:t>=0⇒</m:t>
+                    </m:r>
+                    <m:sSub>
+                      <m:sSubPr>
+                        <m:ctrlPr>
+                          <a:rPr lang="fr-FR" i="1">
+                            <a:latin typeface="Cambria Math" panose="02040503050406030204" pitchFamily="18" charset="0"/>
+                          </a:rPr>
+                        </m:ctrlPr>
+                      </m:sSubPr>
+                      <m:e>
+                        <m:r>
+                          <a:rPr lang="fr-FR" i="1">
+                            <a:latin typeface="Cambria Math" panose="02040503050406030204" pitchFamily="18" charset="0"/>
+                          </a:rPr>
+                          <m:t>𝐹</m:t>
+                        </m:r>
+                      </m:e>
+                      <m:sub>
+                        <m:r>
+                          <a:rPr lang="fr-FR" i="1">
+                            <a:latin typeface="Cambria Math" panose="02040503050406030204" pitchFamily="18" charset="0"/>
+                          </a:rPr>
+                          <m:t>𝑟</m:t>
+                        </m:r>
+                      </m:sub>
+                    </m:sSub>
+                    <m:r>
+                      <a:rPr lang="fr-FR" b="0" i="1" smtClean="0">
+                        <a:latin typeface="Cambria Math" panose="02040503050406030204" pitchFamily="18" charset="0"/>
+                      </a:rPr>
+                      <m:t>=</m:t>
+                    </m:r>
+                    <m:f>
+                      <m:fPr>
+                        <m:ctrlPr>
+                          <a:rPr lang="fr-FR" b="0" i="1" smtClean="0">
+                            <a:latin typeface="Cambria Math" panose="02040503050406030204" pitchFamily="18" charset="0"/>
+                          </a:rPr>
+                        </m:ctrlPr>
+                      </m:fPr>
+                      <m:num>
+                        <m:sSub>
+                          <m:sSubPr>
+                            <m:ctrlPr>
+                              <a:rPr lang="fr-FR" i="1">
+                                <a:latin typeface="Cambria Math" panose="02040503050406030204" pitchFamily="18" charset="0"/>
+                              </a:rPr>
+                            </m:ctrlPr>
+                          </m:sSubPr>
+                          <m:e>
+                            <m:r>
+                              <a:rPr lang="fr-FR" i="1">
+                                <a:latin typeface="Cambria Math" panose="02040503050406030204" pitchFamily="18" charset="0"/>
+                              </a:rPr>
+                              <m:t>𝐹</m:t>
+                            </m:r>
+                          </m:e>
+                          <m:sub>
+                            <m:r>
+                              <a:rPr lang="fr-FR" i="1">
+                                <a:latin typeface="Cambria Math" panose="02040503050406030204" pitchFamily="18" charset="0"/>
+                              </a:rPr>
+                              <m:t>𝑚h</m:t>
+                            </m:r>
+                          </m:sub>
+                        </m:sSub>
+                        <m:r>
+                          <a:rPr lang="fr-FR" i="1">
+                            <a:latin typeface="Cambria Math" panose="02040503050406030204" pitchFamily="18" charset="0"/>
+                          </a:rPr>
+                          <m:t>−</m:t>
+                        </m:r>
+                        <m:sSub>
+                          <m:sSubPr>
+                            <m:ctrlPr>
+                              <a:rPr lang="fr-FR" i="1">
+                                <a:latin typeface="Cambria Math" panose="02040503050406030204" pitchFamily="18" charset="0"/>
+                              </a:rPr>
+                            </m:ctrlPr>
+                          </m:sSubPr>
+                          <m:e>
+                            <m:r>
+                              <a:rPr lang="fr-FR" i="1">
+                                <a:latin typeface="Cambria Math" panose="02040503050406030204" pitchFamily="18" charset="0"/>
+                              </a:rPr>
+                              <m:t>𝐹</m:t>
+                            </m:r>
+                          </m:e>
+                          <m:sub>
+                            <m:r>
+                              <a:rPr lang="fr-FR" i="1">
+                                <a:latin typeface="Cambria Math" panose="02040503050406030204" pitchFamily="18" charset="0"/>
+                              </a:rPr>
+                              <m:t>𝑚𝑏</m:t>
+                            </m:r>
+                          </m:sub>
+                        </m:sSub>
+                      </m:num>
+                      <m:den>
+                        <m:r>
+                          <a:rPr lang="fr-FR" b="0" i="1" smtClean="0">
+                            <a:latin typeface="Cambria Math" panose="02040503050406030204" pitchFamily="18" charset="0"/>
+                          </a:rPr>
+                          <m:t>2</m:t>
+                        </m:r>
+                      </m:den>
+                    </m:f>
+                  </m:oMath>
+                </a14:m>
+                <a:endParaRPr lang="fr-FR" dirty="0"/>
+              </a:p>
+            </p:txBody>
+          </p:sp>
+        </mc:Choice>
+        <mc:Fallback>
+          <p:sp>
+            <p:nvSpPr>
+              <p:cNvPr id="3" name="Espace réservé du contenu 2">
+                <a:extLst>
+                  <a:ext uri="{FF2B5EF4-FFF2-40B4-BE49-F238E27FC236}">
+                    <a16:creationId xmlns:a16="http://schemas.microsoft.com/office/drawing/2014/main" id="{557CA942-D8AE-26E1-13CE-00242D950130}"/>
+                  </a:ext>
+                </a:extLst>
+              </p:cNvPr>
+              <p:cNvSpPr>
+                <a:spLocks noGrp="1" noRot="1" noChangeAspect="1" noMove="1" noResize="1" noEditPoints="1" noAdjustHandles="1" noChangeArrowheads="1" noChangeShapeType="1" noTextEdit="1"/>
+              </p:cNvSpPr>
+              <p:nvPr>
+                <p:ph idx="1"/>
+              </p:nvPr>
+            </p:nvSpPr>
+            <p:spPr>
+              <a:blipFill>
+                <a:blip r:embed="rId2"/>
+                <a:stretch>
+                  <a:fillRect l="-1325" t="-1856" r="-510"/>
+                </a:stretch>
+              </a:blipFill>
+            </p:spPr>
+            <p:txBody>
+              <a:bodyPr/>
+              <a:lstStyle/>
+              <a:p>
+                <a:r>
+                  <a:rPr lang="fr-FR">
+                    <a:noFill/>
+                  </a:rPr>
+                  <a:t> </a:t>
+                </a:r>
+              </a:p>
+            </p:txBody>
+          </p:sp>
+        </mc:Fallback>
+      </mc:AlternateContent>
+    </p:spTree>
+    <p:extLst>
+      <p:ext uri="{BB962C8B-B14F-4D97-AF65-F5344CB8AC3E}">
+        <p14:creationId xmlns:p14="http://schemas.microsoft.com/office/powerpoint/2010/main" val="2896348919"/>
       </p:ext>
     </p:extLst>
   </p:cSld>

--- a/04_Comax/04_Comax_Corrige.pptx
+++ b/04_Comax/04_Comax_Corrige.pptx
@@ -358,7 +358,7 @@
           <a:p>
             <a:fld id="{D7F135F6-2A09-4FDD-9ECA-096E230CA0FA}" type="datetimeFigureOut">
               <a:rPr lang="fr-FR" smtClean="0"/>
-              <a:t>03/07/2023</a:t>
+              <a:t>08/07/2023</a:t>
             </a:fld>
             <a:endParaRPr lang="fr-FR"/>
           </a:p>
@@ -563,7 +563,7 @@
           <a:p>
             <a:fld id="{D7F135F6-2A09-4FDD-9ECA-096E230CA0FA}" type="datetimeFigureOut">
               <a:rPr lang="fr-FR" smtClean="0"/>
-              <a:t>03/07/2023</a:t>
+              <a:t>08/07/2023</a:t>
             </a:fld>
             <a:endParaRPr lang="fr-FR"/>
           </a:p>
@@ -819,7 +819,7 @@
           <a:p>
             <a:fld id="{D7F135F6-2A09-4FDD-9ECA-096E230CA0FA}" type="datetimeFigureOut">
               <a:rPr lang="fr-FR" smtClean="0"/>
-              <a:t>03/07/2023</a:t>
+              <a:t>08/07/2023</a:t>
             </a:fld>
             <a:endParaRPr lang="fr-FR"/>
           </a:p>
@@ -1025,7 +1025,7 @@
           <a:p>
             <a:fld id="{D7F135F6-2A09-4FDD-9ECA-096E230CA0FA}" type="datetimeFigureOut">
               <a:rPr lang="fr-FR" smtClean="0"/>
-              <a:t>03/07/2023</a:t>
+              <a:t>08/07/2023</a:t>
             </a:fld>
             <a:endParaRPr lang="fr-FR"/>
           </a:p>
@@ -1387,7 +1387,7 @@
           <a:p>
             <a:fld id="{D7F135F6-2A09-4FDD-9ECA-096E230CA0FA}" type="datetimeFigureOut">
               <a:rPr lang="fr-FR" smtClean="0"/>
-              <a:t>03/07/2023</a:t>
+              <a:t>08/07/2023</a:t>
             </a:fld>
             <a:endParaRPr lang="fr-FR"/>
           </a:p>
@@ -1662,7 +1662,7 @@
           <a:p>
             <a:fld id="{D7F135F6-2A09-4FDD-9ECA-096E230CA0FA}" type="datetimeFigureOut">
               <a:rPr lang="fr-FR" smtClean="0"/>
-              <a:t>03/07/2023</a:t>
+              <a:t>08/07/2023</a:t>
             </a:fld>
             <a:endParaRPr lang="fr-FR"/>
           </a:p>
@@ -2041,7 +2041,7 @@
           <a:p>
             <a:fld id="{D7F135F6-2A09-4FDD-9ECA-096E230CA0FA}" type="datetimeFigureOut">
               <a:rPr lang="fr-FR" smtClean="0"/>
-              <a:t>03/07/2023</a:t>
+              <a:t>08/07/2023</a:t>
             </a:fld>
             <a:endParaRPr lang="fr-FR"/>
           </a:p>
@@ -2159,7 +2159,7 @@
           <a:p>
             <a:fld id="{D7F135F6-2A09-4FDD-9ECA-096E230CA0FA}" type="datetimeFigureOut">
               <a:rPr lang="fr-FR" smtClean="0"/>
-              <a:t>03/07/2023</a:t>
+              <a:t>08/07/2023</a:t>
             </a:fld>
             <a:endParaRPr lang="fr-FR"/>
           </a:p>
@@ -2333,7 +2333,7 @@
           <a:p>
             <a:fld id="{D7F135F6-2A09-4FDD-9ECA-096E230CA0FA}" type="datetimeFigureOut">
               <a:rPr lang="fr-FR" smtClean="0"/>
-              <a:t>03/07/2023</a:t>
+              <a:t>08/07/2023</a:t>
             </a:fld>
             <a:endParaRPr lang="fr-FR"/>
           </a:p>
@@ -2690,7 +2690,7 @@
           <a:p>
             <a:fld id="{D7F135F6-2A09-4FDD-9ECA-096E230CA0FA}" type="datetimeFigureOut">
               <a:rPr lang="fr-FR" smtClean="0"/>
-              <a:t>03/07/2023</a:t>
+              <a:t>08/07/2023</a:t>
             </a:fld>
             <a:endParaRPr lang="fr-FR"/>
           </a:p>
@@ -3075,7 +3075,7 @@
           <a:p>
             <a:fld id="{D7F135F6-2A09-4FDD-9ECA-096E230CA0FA}" type="datetimeFigureOut">
               <a:rPr lang="fr-FR" smtClean="0"/>
-              <a:t>03/07/2023</a:t>
+              <a:t>08/07/2023</a:t>
             </a:fld>
             <a:endParaRPr lang="fr-FR"/>
           </a:p>
@@ -3365,7 +3365,7 @@
           <a:p>
             <a:fld id="{D7F135F6-2A09-4FDD-9ECA-096E230CA0FA}" type="datetimeFigureOut">
               <a:rPr lang="fr-FR" smtClean="0"/>
-              <a:t>03/07/2023</a:t>
+              <a:t>08/07/2023</a:t>
             </a:fld>
             <a:endParaRPr lang="fr-FR" dirty="0"/>
           </a:p>
@@ -4171,6 +4171,70 @@
       </p:grpSpPr>
       <p:sp>
         <p:nvSpPr>
+          <p:cNvPr id="91" name="Rectangle : coins arrondis 90">
+            <a:extLst>
+              <a:ext uri="{FF2B5EF4-FFF2-40B4-BE49-F238E27FC236}">
+                <a16:creationId xmlns:a16="http://schemas.microsoft.com/office/drawing/2014/main" id="{6015CC9C-F06A-6145-07AB-90D570197E3C}"/>
+              </a:ext>
+            </a:extLst>
+          </p:cNvPr>
+          <p:cNvSpPr/>
+          <p:nvPr/>
+        </p:nvSpPr>
+        <p:spPr>
+          <a:xfrm>
+            <a:off x="9648386" y="4190096"/>
+            <a:ext cx="1365662" cy="652851"/>
+          </a:xfrm>
+          <a:prstGeom prst="roundRect">
+            <a:avLst>
+              <a:gd name="adj" fmla="val 11914"/>
+            </a:avLst>
+          </a:prstGeom>
+          <a:solidFill>
+            <a:srgbClr val="F7B8B3"/>
+          </a:solidFill>
+          <a:ln w="19050">
+            <a:solidFill>
+              <a:srgbClr val="F7B8B3"/>
+            </a:solidFill>
+          </a:ln>
+        </p:spPr>
+        <p:style>
+          <a:lnRef idx="2">
+            <a:schemeClr val="accent1">
+              <a:shade val="50000"/>
+            </a:schemeClr>
+          </a:lnRef>
+          <a:fillRef idx="1">
+            <a:schemeClr val="accent1"/>
+          </a:fillRef>
+          <a:effectRef idx="0">
+            <a:schemeClr val="accent1"/>
+          </a:effectRef>
+          <a:fontRef idx="minor">
+            <a:schemeClr val="lt1"/>
+          </a:fontRef>
+        </p:style>
+        <p:txBody>
+          <a:bodyPr rtlCol="0" anchor="ctr"/>
+          <a:lstStyle/>
+          <a:p>
+            <a:pPr algn="ctr"/>
+            <a:r>
+              <a:rPr lang="fr-FR" sz="900" dirty="0">
+                <a:solidFill>
+                  <a:srgbClr val="EE685D"/>
+                </a:solidFill>
+                <a:latin typeface="Arial Nova" panose="020B0504020202020204" pitchFamily="34" charset="0"/>
+              </a:rPr>
+              <a:t>Axe linéaire « Poulie courroie »</a:t>
+            </a:r>
+          </a:p>
+        </p:txBody>
+      </p:sp>
+      <p:sp>
+        <p:nvSpPr>
           <p:cNvPr id="4" name="Titre 3">
             <a:extLst>
               <a:ext uri="{FF2B5EF4-FFF2-40B4-BE49-F238E27FC236}">
@@ -4211,7 +4275,7 @@
         </p:nvSpPr>
         <p:spPr>
           <a:xfrm>
-            <a:off x="1056905" y="1330378"/>
+            <a:off x="1056905" y="1549834"/>
             <a:ext cx="1440000" cy="540000"/>
           </a:xfrm>
           <a:prstGeom prst="roundRect">
@@ -4273,7 +4337,7 @@
         </p:nvSpPr>
         <p:spPr>
           <a:xfrm>
-            <a:off x="1056905" y="2105523"/>
+            <a:off x="1056905" y="2324979"/>
             <a:ext cx="1440000" cy="946211"/>
           </a:xfrm>
           <a:prstGeom prst="roundRect">
@@ -4373,7 +4437,7 @@
         </p:nvSpPr>
         <p:spPr>
           <a:xfrm>
-            <a:off x="3229319" y="1328842"/>
+            <a:off x="3229319" y="1548298"/>
             <a:ext cx="1440000" cy="540000"/>
           </a:xfrm>
           <a:prstGeom prst="roundRect">
@@ -4435,7 +4499,7 @@
         </p:nvSpPr>
         <p:spPr>
           <a:xfrm>
-            <a:off x="3218894" y="2121703"/>
+            <a:off x="3218894" y="2341159"/>
             <a:ext cx="1440000" cy="540000"/>
           </a:xfrm>
           <a:prstGeom prst="roundRect">
@@ -4499,7 +4563,7 @@
         </p:nvSpPr>
         <p:spPr>
           <a:xfrm>
-            <a:off x="5389319" y="1306501"/>
+            <a:off x="5389319" y="1525957"/>
             <a:ext cx="1440000" cy="576000"/>
           </a:xfrm>
           <a:prstGeom prst="roundRect">
@@ -4561,7 +4625,7 @@
         </p:nvSpPr>
         <p:spPr>
           <a:xfrm>
-            <a:off x="5389319" y="2100470"/>
+            <a:off x="5389319" y="2319926"/>
             <a:ext cx="1406281" cy="534390"/>
           </a:xfrm>
           <a:prstGeom prst="roundRect">
@@ -4637,7 +4701,7 @@
         </p:nvSpPr>
         <p:spPr>
           <a:xfrm>
-            <a:off x="1056905" y="3323232"/>
+            <a:off x="1056905" y="3542688"/>
             <a:ext cx="1440000" cy="540000"/>
           </a:xfrm>
           <a:prstGeom prst="roundRect">
@@ -4699,7 +4763,7 @@
         </p:nvSpPr>
         <p:spPr>
           <a:xfrm>
-            <a:off x="1056905" y="4017987"/>
+            <a:off x="1056905" y="4237443"/>
             <a:ext cx="1440000" cy="540000"/>
           </a:xfrm>
           <a:prstGeom prst="roundRect">
@@ -4763,7 +4827,7 @@
         </p:nvSpPr>
         <p:spPr>
           <a:xfrm>
-            <a:off x="3218894" y="3318469"/>
+            <a:off x="3218894" y="3537925"/>
             <a:ext cx="1440000" cy="540000"/>
           </a:xfrm>
           <a:prstGeom prst="roundRect">
@@ -4825,7 +4889,7 @@
         </p:nvSpPr>
         <p:spPr>
           <a:xfrm>
-            <a:off x="3199256" y="4003024"/>
+            <a:off x="3199256" y="4222480"/>
             <a:ext cx="1440000" cy="572255"/>
           </a:xfrm>
           <a:prstGeom prst="roundRect">
@@ -4895,7 +4959,7 @@
         </p:nvSpPr>
         <p:spPr>
           <a:xfrm>
-            <a:off x="5380883" y="3323232"/>
+            <a:off x="5380883" y="3542688"/>
             <a:ext cx="1440000" cy="540000"/>
           </a:xfrm>
           <a:prstGeom prst="roundRect">
@@ -4957,7 +5021,7 @@
         </p:nvSpPr>
         <p:spPr>
           <a:xfrm>
-            <a:off x="5389319" y="4003690"/>
+            <a:off x="5389319" y="4223146"/>
             <a:ext cx="1440000" cy="540000"/>
           </a:xfrm>
           <a:prstGeom prst="roundRect">
@@ -5021,7 +5085,7 @@
         </p:nvSpPr>
         <p:spPr>
           <a:xfrm>
-            <a:off x="7542872" y="3326339"/>
+            <a:off x="7542872" y="3545795"/>
             <a:ext cx="1365662" cy="534390"/>
           </a:xfrm>
           <a:prstGeom prst="roundRect">
@@ -5083,7 +5147,7 @@
         </p:nvSpPr>
         <p:spPr>
           <a:xfrm>
-            <a:off x="7549319" y="3983186"/>
+            <a:off x="7549319" y="4202642"/>
             <a:ext cx="1365662" cy="652851"/>
           </a:xfrm>
           <a:prstGeom prst="roundRect">
@@ -5131,18 +5195,6 @@
               <a:t>Train épicycloïdal</a:t>
             </a:r>
           </a:p>
-          <a:p>
-            <a:pPr algn="ctr"/>
-            <a:r>
-              <a:rPr lang="fr-FR" sz="900" dirty="0">
-                <a:solidFill>
-                  <a:srgbClr val="EE685D"/>
-                </a:solidFill>
-                <a:latin typeface="Arial Nova" panose="020B0504020202020204" pitchFamily="34" charset="0"/>
-              </a:rPr>
-              <a:t>Axe linéaire « Poulie courroie »</a:t>
-            </a:r>
-          </a:p>
         </p:txBody>
       </p:sp>
       <p:pic>
@@ -5167,7 +5219,7 @@
         </p:blipFill>
         <p:spPr>
           <a:xfrm>
-            <a:off x="2624826" y="1384349"/>
+            <a:off x="2624826" y="1603805"/>
             <a:ext cx="434918" cy="152010"/>
           </a:xfrm>
           <a:prstGeom prst="rect">
@@ -5191,7 +5243,7 @@
         </p:nvCxnSpPr>
         <p:spPr>
           <a:xfrm flipV="1">
-            <a:off x="2496905" y="1608451"/>
+            <a:off x="2496905" y="1827907"/>
             <a:ext cx="720000" cy="1536"/>
           </a:xfrm>
           <a:prstGeom prst="straightConnector1">
@@ -5233,7 +5285,7 @@
         </p:nvCxnSpPr>
         <p:spPr>
           <a:xfrm flipV="1">
-            <a:off x="4669319" y="1594501"/>
+            <a:off x="4669319" y="1813957"/>
             <a:ext cx="720000" cy="1536"/>
           </a:xfrm>
           <a:prstGeom prst="straightConnector1">
@@ -5283,7 +5335,7 @@
         </p:blipFill>
         <p:spPr>
           <a:xfrm>
-            <a:off x="4838894" y="1199142"/>
+            <a:off x="4838894" y="1418598"/>
             <a:ext cx="360000" cy="360000"/>
           </a:xfrm>
           <a:prstGeom prst="rect">
@@ -5307,7 +5359,7 @@
         </p:nvCxnSpPr>
         <p:spPr>
           <a:xfrm flipV="1">
-            <a:off x="2509319" y="3591696"/>
+            <a:off x="2509319" y="3811152"/>
             <a:ext cx="720000" cy="1536"/>
           </a:xfrm>
           <a:prstGeom prst="straightConnector1">
@@ -5349,7 +5401,7 @@
         </p:nvGrpSpPr>
         <p:grpSpPr>
           <a:xfrm>
-            <a:off x="1596905" y="3760610"/>
+            <a:off x="1596905" y="3980066"/>
             <a:ext cx="360000" cy="360000"/>
             <a:chOff x="4197400" y="3547713"/>
             <a:chExt cx="1800000" cy="1800000"/>
@@ -5460,7 +5512,7 @@
         </p:blipFill>
         <p:spPr>
           <a:xfrm>
-            <a:off x="498044" y="3446765"/>
+            <a:off x="498044" y="3666221"/>
             <a:ext cx="360000" cy="360000"/>
           </a:xfrm>
           <a:prstGeom prst="rect">
@@ -5490,7 +5542,7 @@
         </p:blipFill>
         <p:spPr>
           <a:xfrm>
-            <a:off x="2676905" y="3173953"/>
+            <a:off x="2676905" y="3393409"/>
             <a:ext cx="360000" cy="360000"/>
           </a:xfrm>
           <a:prstGeom prst="rect">
@@ -5514,7 +5566,7 @@
         </p:nvCxnSpPr>
         <p:spPr>
           <a:xfrm flipV="1">
-            <a:off x="4669319" y="3578864"/>
+            <a:off x="4669319" y="3798320"/>
             <a:ext cx="720000" cy="1536"/>
           </a:xfrm>
           <a:prstGeom prst="straightConnector1">
@@ -5564,7 +5616,7 @@
         </p:blipFill>
         <p:spPr>
           <a:xfrm>
-            <a:off x="4838894" y="3173953"/>
+            <a:off x="4838894" y="3393409"/>
             <a:ext cx="360000" cy="360000"/>
           </a:xfrm>
           <a:prstGeom prst="rect">
@@ -5588,7 +5640,7 @@
         </p:nvCxnSpPr>
         <p:spPr>
           <a:xfrm flipV="1">
-            <a:off x="6829319" y="3588469"/>
+            <a:off x="6829319" y="3807925"/>
             <a:ext cx="720000" cy="1536"/>
           </a:xfrm>
           <a:prstGeom prst="straightConnector1">
@@ -5638,7 +5690,7 @@
         </p:blipFill>
         <p:spPr>
           <a:xfrm>
-            <a:off x="6993108" y="3199220"/>
+            <a:off x="6993108" y="3418676"/>
             <a:ext cx="360000" cy="360000"/>
           </a:xfrm>
           <a:prstGeom prst="rect">
@@ -5664,7 +5716,7 @@
         </p:nvCxnSpPr>
         <p:spPr>
           <a:xfrm flipH="1">
-            <a:off x="6795600" y="1594501"/>
+            <a:off x="6795600" y="1813957"/>
             <a:ext cx="33719" cy="1346496"/>
           </a:xfrm>
           <a:prstGeom prst="bentConnector3">
@@ -5709,7 +5761,7 @@
         </p:nvSpPr>
         <p:spPr>
           <a:xfrm>
-            <a:off x="5389319" y="2775318"/>
+            <a:off x="5389319" y="2994774"/>
             <a:ext cx="1406281" cy="331358"/>
           </a:xfrm>
           <a:prstGeom prst="roundRect">
@@ -5775,7 +5827,7 @@
         </p:nvCxnSpPr>
         <p:spPr>
           <a:xfrm rot="10800000" flipV="1">
-            <a:off x="3938895" y="2940997"/>
+            <a:off x="3938895" y="3160453"/>
             <a:ext cx="1450425" cy="377472"/>
           </a:xfrm>
           <a:prstGeom prst="bentConnector2">
@@ -5826,7 +5878,7 @@
         </p:blipFill>
         <p:spPr>
           <a:xfrm>
-            <a:off x="6903108" y="2723464"/>
+            <a:off x="6903108" y="2942920"/>
             <a:ext cx="180000" cy="180000"/>
           </a:xfrm>
           <a:prstGeom prst="rect">
@@ -5856,7 +5908,7 @@
         </p:blipFill>
         <p:spPr>
           <a:xfrm>
-            <a:off x="3705152" y="2999093"/>
+            <a:off x="3705152" y="3218549"/>
             <a:ext cx="180000" cy="180000"/>
           </a:xfrm>
           <a:prstGeom prst="rect">
@@ -5878,7 +5930,7 @@
         </p:nvSpPr>
         <p:spPr>
           <a:xfrm>
-            <a:off x="9634981" y="3314700"/>
+            <a:off x="11719813" y="3534156"/>
             <a:ext cx="1365662" cy="1194790"/>
           </a:xfrm>
           <a:prstGeom prst="roundRect">
@@ -5944,7 +5996,7 @@
         </p:nvCxnSpPr>
         <p:spPr>
           <a:xfrm flipV="1">
-            <a:off x="8911620" y="3588469"/>
+            <a:off x="10996452" y="3807925"/>
             <a:ext cx="720000" cy="1536"/>
           </a:xfrm>
           <a:prstGeom prst="straightConnector1">
@@ -5986,7 +6038,7 @@
         </p:nvGrpSpPr>
         <p:grpSpPr>
           <a:xfrm>
-            <a:off x="3770117" y="1810931"/>
+            <a:off x="3770117" y="2030387"/>
             <a:ext cx="360000" cy="360000"/>
             <a:chOff x="6138169" y="4069439"/>
             <a:chExt cx="1800000" cy="1800000"/>
@@ -6089,7 +6141,7 @@
         </p:nvCxnSpPr>
         <p:spPr>
           <a:xfrm flipV="1">
-            <a:off x="6829319" y="1516430"/>
+            <a:off x="6829319" y="1735886"/>
             <a:ext cx="720000" cy="1536"/>
           </a:xfrm>
           <a:prstGeom prst="straightConnector1">
@@ -6099,8 +6151,8 @@
             <a:solidFill>
               <a:srgbClr val="08A559"/>
             </a:solidFill>
-            <a:headEnd type="none"/>
-            <a:tailEnd type="triangle"/>
+            <a:headEnd type="stealth" w="med" len="lg"/>
+            <a:tailEnd type="stealth" w="med" len="lg"/>
           </a:ln>
         </p:spPr>
         <p:style>
@@ -6132,7 +6184,7 @@
         </p:nvGrpSpPr>
         <p:grpSpPr>
           <a:xfrm rot="5400000" flipV="1">
-            <a:off x="10181964" y="3934713"/>
+            <a:off x="12248508" y="4154169"/>
             <a:ext cx="835963" cy="1617775"/>
             <a:chOff x="9150640" y="2423323"/>
             <a:chExt cx="835963" cy="2135794"/>
@@ -6257,7 +6309,7 @@
         </p:nvGrpSpPr>
         <p:grpSpPr>
           <a:xfrm>
-            <a:off x="8594944" y="2722269"/>
+            <a:off x="10661488" y="2941725"/>
             <a:ext cx="1566153" cy="577809"/>
             <a:chOff x="9058474" y="2836569"/>
             <a:chExt cx="1566153" cy="577809"/>
@@ -6368,8 +6420,8 @@
           </p:txBody>
         </p:sp>
       </p:grpSp>
-      <mc:AlternateContent xmlns:mc="http://schemas.openxmlformats.org/markup-compatibility/2006" xmlns:a14="http://schemas.microsoft.com/office/drawing/2010/main">
-        <mc:Choice Requires="a14">
+      <mc:AlternateContent xmlns:mc="http://schemas.openxmlformats.org/markup-compatibility/2006">
+        <mc:Choice xmlns:a14="http://schemas.microsoft.com/office/drawing/2010/main" Requires="a14">
           <p:sp>
             <p:nvSpPr>
               <p:cNvPr id="64" name="ZoneTexte 63">
@@ -6384,7 +6436,7 @@
             </p:nvSpPr>
             <p:spPr>
               <a:xfrm>
-                <a:off x="170158" y="3784816"/>
+                <a:off x="170158" y="4004272"/>
                 <a:ext cx="1161960" cy="276999"/>
               </a:xfrm>
               <a:prstGeom prst="rect">
@@ -6433,7 +6485,7 @@
             </p:txBody>
           </p:sp>
         </mc:Choice>
-        <mc:Fallback xmlns="">
+        <mc:Fallback>
           <p:sp>
             <p:nvSpPr>
               <p:cNvPr id="64" name="ZoneTexte 63">
@@ -6450,14 +6502,14 @@
             </p:nvSpPr>
             <p:spPr>
               <a:xfrm>
-                <a:off x="170158" y="3784816"/>
+                <a:off x="170158" y="4004272"/>
                 <a:ext cx="1161960" cy="276999"/>
               </a:xfrm>
               <a:prstGeom prst="rect">
                 <a:avLst/>
               </a:prstGeom>
               <a:blipFill>
-                <a:blip r:embed="rId9"/>
+                <a:blip r:embed="rId8"/>
                 <a:stretch>
                   <a:fillRect t="-2222" b="-17778"/>
                 </a:stretch>
@@ -6478,8 +6530,8 @@
           </p:sp>
         </mc:Fallback>
       </mc:AlternateContent>
-      <mc:AlternateContent xmlns:mc="http://schemas.openxmlformats.org/markup-compatibility/2006" xmlns:a14="http://schemas.microsoft.com/office/drawing/2010/main">
-        <mc:Choice Requires="a14">
+      <mc:AlternateContent xmlns:mc="http://schemas.openxmlformats.org/markup-compatibility/2006">
+        <mc:Choice xmlns:a14="http://schemas.microsoft.com/office/drawing/2010/main" Requires="a14">
           <p:sp>
             <p:nvSpPr>
               <p:cNvPr id="65" name="ZoneTexte 64">
@@ -6494,7 +6546,7 @@
             </p:nvSpPr>
             <p:spPr>
               <a:xfrm>
-                <a:off x="2282648" y="3611652"/>
+                <a:off x="2282648" y="3831108"/>
                 <a:ext cx="1161960" cy="461665"/>
               </a:xfrm>
               <a:prstGeom prst="rect">
@@ -6593,7 +6645,7 @@
             </p:txBody>
           </p:sp>
         </mc:Choice>
-        <mc:Fallback xmlns="">
+        <mc:Fallback>
           <p:sp>
             <p:nvSpPr>
               <p:cNvPr id="65" name="ZoneTexte 64">
@@ -6610,14 +6662,14 @@
             </p:nvSpPr>
             <p:spPr>
               <a:xfrm>
-                <a:off x="2282648" y="3611652"/>
+                <a:off x="2282648" y="3831108"/>
                 <a:ext cx="1161960" cy="461665"/>
               </a:xfrm>
               <a:prstGeom prst="rect">
                 <a:avLst/>
               </a:prstGeom>
               <a:blipFill>
-                <a:blip r:embed="rId10"/>
+                <a:blip r:embed="rId9"/>
                 <a:stretch>
                   <a:fillRect/>
                 </a:stretch>
@@ -6652,7 +6704,7 @@
         </p:nvGrpSpPr>
         <p:grpSpPr>
           <a:xfrm>
-            <a:off x="694382" y="1437254"/>
+            <a:off x="694382" y="1656710"/>
             <a:ext cx="360000" cy="360000"/>
             <a:chOff x="5404964" y="4396133"/>
             <a:chExt cx="1800000" cy="1800000"/>
@@ -6725,7 +6777,7 @@
             <p:nvPr/>
           </p:nvPicPr>
           <p:blipFill>
-            <a:blip r:embed="rId11"/>
+            <a:blip r:embed="rId10"/>
             <a:stretch>
               <a:fillRect/>
             </a:stretch>
@@ -6756,14 +6808,14 @@
           <p:nvPr/>
         </p:nvPicPr>
         <p:blipFill>
-          <a:blip r:embed="rId12"/>
+          <a:blip r:embed="rId11"/>
           <a:stretch>
             <a:fillRect/>
           </a:stretch>
         </p:blipFill>
         <p:spPr>
           <a:xfrm>
-            <a:off x="9082791" y="3441988"/>
+            <a:off x="11149335" y="3661444"/>
             <a:ext cx="288000" cy="105516"/>
           </a:xfrm>
           <a:prstGeom prst="rect">
@@ -6785,7 +6837,7 @@
         </p:nvSpPr>
         <p:spPr>
           <a:xfrm>
-            <a:off x="461781" y="4858776"/>
+            <a:off x="498044" y="5363610"/>
             <a:ext cx="8528438" cy="652851"/>
           </a:xfrm>
           <a:prstGeom prst="rect">
@@ -6844,7 +6896,7 @@
         </p:nvGrpSpPr>
         <p:grpSpPr>
           <a:xfrm>
-            <a:off x="3747478" y="3711688"/>
+            <a:off x="3747478" y="3931144"/>
             <a:ext cx="360000" cy="360000"/>
             <a:chOff x="4235640" y="2696679"/>
             <a:chExt cx="1800000" cy="1800000"/>
@@ -6917,7 +6969,7 @@
             <p:nvPr/>
           </p:nvPicPr>
           <p:blipFill>
-            <a:blip r:embed="rId13"/>
+            <a:blip r:embed="rId12"/>
             <a:stretch>
               <a:fillRect/>
             </a:stretch>
@@ -6933,8 +6985,8 @@
           </p:spPr>
         </p:pic>
       </p:grpSp>
-      <mc:AlternateContent xmlns:mc="http://schemas.openxmlformats.org/markup-compatibility/2006" xmlns:a14="http://schemas.microsoft.com/office/drawing/2010/main">
-        <mc:Choice Requires="a14">
+      <mc:AlternateContent xmlns:mc="http://schemas.openxmlformats.org/markup-compatibility/2006">
+        <mc:Choice xmlns:a14="http://schemas.microsoft.com/office/drawing/2010/main" Requires="a14">
           <p:sp>
             <p:nvSpPr>
               <p:cNvPr id="2" name="ZoneTexte 1">
@@ -6949,7 +7001,7 @@
             </p:nvSpPr>
             <p:spPr>
               <a:xfrm>
-                <a:off x="4452429" y="3639956"/>
+                <a:off x="4452429" y="3859412"/>
                 <a:ext cx="1161960" cy="461665"/>
               </a:xfrm>
               <a:prstGeom prst="rect">
@@ -7046,7 +7098,7 @@
             </p:txBody>
           </p:sp>
         </mc:Choice>
-        <mc:Fallback xmlns="">
+        <mc:Fallback>
           <p:sp>
             <p:nvSpPr>
               <p:cNvPr id="2" name="ZoneTexte 1">
@@ -7063,14 +7115,14 @@
             </p:nvSpPr>
             <p:spPr>
               <a:xfrm>
-                <a:off x="4452429" y="3639956"/>
+                <a:off x="4452429" y="3859412"/>
                 <a:ext cx="1161960" cy="461665"/>
               </a:xfrm>
               <a:prstGeom prst="rect">
                 <a:avLst/>
               </a:prstGeom>
               <a:blipFill>
-                <a:blip r:embed="rId14"/>
+                <a:blip r:embed="rId9"/>
                 <a:stretch>
                   <a:fillRect/>
                 </a:stretch>
@@ -7105,7 +7157,7 @@
         </p:nvGrpSpPr>
         <p:grpSpPr>
           <a:xfrm>
-            <a:off x="694382" y="1839882"/>
+            <a:off x="694382" y="2059338"/>
             <a:ext cx="360000" cy="360000"/>
             <a:chOff x="6054233" y="4960569"/>
             <a:chExt cx="1800000" cy="1800000"/>
@@ -7178,7 +7230,7 @@
             <p:nvPr/>
           </p:nvPicPr>
           <p:blipFill>
-            <a:blip r:embed="rId15"/>
+            <a:blip r:embed="rId13"/>
             <a:stretch>
               <a:fillRect/>
             </a:stretch>
@@ -7208,7 +7260,7 @@
         </p:nvGrpSpPr>
         <p:grpSpPr>
           <a:xfrm>
-            <a:off x="5950287" y="4428385"/>
+            <a:off x="5950287" y="4647841"/>
             <a:ext cx="288000" cy="288000"/>
             <a:chOff x="5404964" y="4396133"/>
             <a:chExt cx="1800000" cy="1800000"/>
@@ -7281,7 +7333,7 @@
             <p:nvPr/>
           </p:nvPicPr>
           <p:blipFill>
-            <a:blip r:embed="rId11"/>
+            <a:blip r:embed="rId10"/>
             <a:stretch>
               <a:fillRect/>
             </a:stretch>
@@ -7311,7 +7363,7 @@
         </p:nvGrpSpPr>
         <p:grpSpPr>
           <a:xfrm>
-            <a:off x="3739256" y="4459407"/>
+            <a:off x="3739256" y="4678863"/>
             <a:ext cx="288000" cy="288000"/>
             <a:chOff x="6054233" y="4960569"/>
             <a:chExt cx="1800000" cy="1800000"/>
@@ -7384,7 +7436,7 @@
             <p:nvPr/>
           </p:nvPicPr>
           <p:blipFill>
-            <a:blip r:embed="rId15"/>
+            <a:blip r:embed="rId13"/>
             <a:stretch>
               <a:fillRect/>
             </a:stretch>
@@ -7414,7 +7466,7 @@
         </p:nvGrpSpPr>
         <p:grpSpPr>
           <a:xfrm>
-            <a:off x="694382" y="1034627"/>
+            <a:off x="694382" y="1254083"/>
             <a:ext cx="360000" cy="360000"/>
             <a:chOff x="-2063262" y="2086237"/>
             <a:chExt cx="1800000" cy="1800000"/>
@@ -7487,7 +7539,7 @@
             <p:nvPr/>
           </p:nvPicPr>
           <p:blipFill>
-            <a:blip r:embed="rId16"/>
+            <a:blip r:embed="rId14"/>
             <a:stretch>
               <a:fillRect/>
             </a:stretch>
@@ -7517,7 +7569,7 @@
         </p:nvGrpSpPr>
         <p:grpSpPr>
           <a:xfrm>
-            <a:off x="10350209" y="3323652"/>
+            <a:off x="12416753" y="3543108"/>
             <a:ext cx="288000" cy="288000"/>
             <a:chOff x="-2063262" y="2086237"/>
             <a:chExt cx="1800000" cy="1800000"/>
@@ -7590,7 +7642,7 @@
             <p:nvPr/>
           </p:nvPicPr>
           <p:blipFill>
-            <a:blip r:embed="rId16"/>
+            <a:blip r:embed="rId14"/>
             <a:stretch>
               <a:fillRect/>
             </a:stretch>
@@ -7620,7 +7672,7 @@
         </p:nvGrpSpPr>
         <p:grpSpPr>
           <a:xfrm>
-            <a:off x="7851114" y="3719119"/>
+            <a:off x="8079091" y="3940734"/>
             <a:ext cx="360000" cy="360000"/>
             <a:chOff x="5447928" y="2816932"/>
             <a:chExt cx="1800000" cy="1800000"/>
@@ -7693,7 +7745,7 @@
             <p:nvPr/>
           </p:nvPicPr>
           <p:blipFill>
-            <a:blip r:embed="rId17"/>
+            <a:blip r:embed="rId15"/>
             <a:stretch>
               <a:fillRect/>
             </a:stretch>
@@ -7723,7 +7775,7 @@
         </p:nvGrpSpPr>
         <p:grpSpPr>
           <a:xfrm rot="5400000">
-            <a:off x="7583512" y="1199142"/>
+            <a:off x="7583512" y="1418598"/>
             <a:ext cx="720000" cy="720000"/>
             <a:chOff x="8494276" y="748802"/>
             <a:chExt cx="1800000" cy="1800000"/>
@@ -7796,7 +7848,7 @@
             <p:nvPr/>
           </p:nvPicPr>
           <p:blipFill>
-            <a:blip r:embed="rId18"/>
+            <a:blip r:embed="rId16"/>
             <a:stretch>
               <a:fillRect/>
             </a:stretch>
@@ -7826,7 +7878,7 @@
         </p:nvGrpSpPr>
         <p:grpSpPr>
           <a:xfrm>
-            <a:off x="5929319" y="3743315"/>
+            <a:off x="5929319" y="3962771"/>
             <a:ext cx="360000" cy="360000"/>
             <a:chOff x="5775745" y="3144183"/>
             <a:chExt cx="1800000" cy="1800000"/>
@@ -7899,7 +7951,7 @@
             <p:nvPr/>
           </p:nvPicPr>
           <p:blipFill>
-            <a:blip r:embed="rId19"/>
+            <a:blip r:embed="rId17"/>
             <a:stretch>
               <a:fillRect/>
             </a:stretch>
@@ -7908,109 +7960,6 @@
             <a:xfrm>
               <a:off x="5903821" y="3513485"/>
               <a:ext cx="1543848" cy="1061396"/>
-            </a:xfrm>
-            <a:prstGeom prst="rect">
-              <a:avLst/>
-            </a:prstGeom>
-          </p:spPr>
-        </p:pic>
-      </p:grpSp>
-      <p:grpSp>
-        <p:nvGrpSpPr>
-          <p:cNvPr id="81" name="Groupe 80">
-            <a:extLst>
-              <a:ext uri="{FF2B5EF4-FFF2-40B4-BE49-F238E27FC236}">
-                <a16:creationId xmlns:a16="http://schemas.microsoft.com/office/drawing/2014/main" id="{68D2A034-DAC3-2662-4444-422A72077057}"/>
-              </a:ext>
-            </a:extLst>
-          </p:cNvPr>
-          <p:cNvGrpSpPr/>
-          <p:nvPr/>
-        </p:nvGrpSpPr>
-        <p:grpSpPr>
-          <a:xfrm>
-            <a:off x="8282724" y="3727515"/>
-            <a:ext cx="360000" cy="360000"/>
-            <a:chOff x="10405167" y="2322166"/>
-            <a:chExt cx="1800000" cy="1800000"/>
-          </a:xfrm>
-        </p:grpSpPr>
-        <p:sp>
-          <p:nvSpPr>
-            <p:cNvPr id="82" name="Ellipse 81">
-              <a:extLst>
-                <a:ext uri="{FF2B5EF4-FFF2-40B4-BE49-F238E27FC236}">
-                  <a16:creationId xmlns:a16="http://schemas.microsoft.com/office/drawing/2014/main" id="{ACE81BA2-E450-4109-8D2A-8F61FB610CF8}"/>
-                </a:ext>
-              </a:extLst>
-            </p:cNvPr>
-            <p:cNvSpPr/>
-            <p:nvPr/>
-          </p:nvSpPr>
-          <p:spPr>
-            <a:xfrm>
-              <a:off x="10405167" y="2322166"/>
-              <a:ext cx="1800000" cy="1800000"/>
-            </a:xfrm>
-            <a:prstGeom prst="ellipse">
-              <a:avLst/>
-            </a:prstGeom>
-            <a:solidFill>
-              <a:srgbClr val="EF7268"/>
-            </a:solidFill>
-            <a:ln>
-              <a:noFill/>
-            </a:ln>
-          </p:spPr>
-          <p:style>
-            <a:lnRef idx="2">
-              <a:schemeClr val="accent1">
-                <a:shade val="50000"/>
-              </a:schemeClr>
-            </a:lnRef>
-            <a:fillRef idx="1">
-              <a:schemeClr val="accent1"/>
-            </a:fillRef>
-            <a:effectRef idx="0">
-              <a:schemeClr val="accent1"/>
-            </a:effectRef>
-            <a:fontRef idx="minor">
-              <a:schemeClr val="lt1"/>
-            </a:fontRef>
-          </p:style>
-          <p:txBody>
-            <a:bodyPr rtlCol="0" anchor="ctr"/>
-            <a:lstStyle/>
-            <a:p>
-              <a:pPr algn="ctr"/>
-              <a:endParaRPr lang="fr-FR" dirty="0"/>
-            </a:p>
-          </p:txBody>
-        </p:sp>
-        <p:pic>
-          <p:nvPicPr>
-            <p:cNvPr id="90" name="Image 89">
-              <a:extLst>
-                <a:ext uri="{FF2B5EF4-FFF2-40B4-BE49-F238E27FC236}">
-                  <a16:creationId xmlns:a16="http://schemas.microsoft.com/office/drawing/2014/main" id="{13AB9EB5-466C-6129-FFA2-2E47334F5CBF}"/>
-                </a:ext>
-              </a:extLst>
-            </p:cNvPr>
-            <p:cNvPicPr>
-              <a:picLocks noChangeAspect="1"/>
-            </p:cNvPicPr>
-            <p:nvPr/>
-          </p:nvPicPr>
-          <p:blipFill>
-            <a:blip r:embed="rId20"/>
-            <a:stretch>
-              <a:fillRect/>
-            </a:stretch>
-          </p:blipFill>
-          <p:spPr>
-            <a:xfrm>
-              <a:off x="10546164" y="2642707"/>
-              <a:ext cx="1518007" cy="924719"/>
             </a:xfrm>
             <a:prstGeom prst="rect">
               <a:avLst/>
@@ -8036,13 +7985,13 @@
         </p:nvCxnSpPr>
         <p:spPr>
           <a:xfrm rot="5400000" flipH="1">
-            <a:off x="1854634" y="476732"/>
+            <a:off x="1854634" y="696188"/>
             <a:ext cx="3107098" cy="5372209"/>
           </a:xfrm>
           <a:prstGeom prst="bentConnector4">
             <a:avLst>
               <a:gd name="adj1" fmla="val -7357"/>
-              <a:gd name="adj2" fmla="val 106777"/>
+              <a:gd name="adj2" fmla="val 109671"/>
             </a:avLst>
           </a:prstGeom>
           <a:ln w="25400" cap="rnd">
@@ -8085,13 +8034,13 @@
         </p:nvCxnSpPr>
         <p:spPr>
           <a:xfrm rot="5400000" flipH="1">
-            <a:off x="949503" y="1813655"/>
+            <a:off x="949503" y="2033111"/>
             <a:ext cx="2727525" cy="3139981"/>
           </a:xfrm>
           <a:prstGeom prst="bentConnector4">
             <a:avLst>
               <a:gd name="adj1" fmla="val -3414"/>
-              <a:gd name="adj2" fmla="val 107280"/>
+              <a:gd name="adj2" fmla="val 112813"/>
             </a:avLst>
           </a:prstGeom>
           <a:ln w="25400" cap="rnd">
@@ -8134,8 +8083,8 @@
         </p:nvCxnSpPr>
         <p:spPr>
           <a:xfrm rot="16200000" flipV="1">
-            <a:off x="4541050" y="-2619379"/>
-            <a:ext cx="2286493" cy="9619827"/>
+            <a:off x="5574322" y="-3433195"/>
+            <a:ext cx="2286493" cy="11686371"/>
           </a:xfrm>
           <a:prstGeom prst="bentConnector3">
             <a:avLst>
@@ -8164,8 +8113,8 @@
           </a:fontRef>
         </p:style>
       </p:cxnSp>
-      <mc:AlternateContent xmlns:mc="http://schemas.openxmlformats.org/markup-compatibility/2006" xmlns:a14="http://schemas.microsoft.com/office/drawing/2010/main">
-        <mc:Choice Requires="a14">
+      <mc:AlternateContent xmlns:mc="http://schemas.openxmlformats.org/markup-compatibility/2006">
+        <mc:Choice xmlns:a14="http://schemas.microsoft.com/office/drawing/2010/main" Requires="a14">
           <p:sp>
             <p:nvSpPr>
               <p:cNvPr id="111" name="ZoneTexte 110">
@@ -8180,7 +8129,7 @@
             </p:nvSpPr>
             <p:spPr>
               <a:xfrm>
-                <a:off x="6496530" y="3680217"/>
+                <a:off x="6496530" y="3899673"/>
                 <a:ext cx="1431825" cy="261610"/>
               </a:xfrm>
               <a:prstGeom prst="rect">
@@ -8308,7 +8257,7 @@
             </p:txBody>
           </p:sp>
         </mc:Choice>
-        <mc:Fallback xmlns="">
+        <mc:Fallback>
           <p:sp>
             <p:nvSpPr>
               <p:cNvPr id="111" name="ZoneTexte 110">
@@ -8325,14 +8274,14 @@
             </p:nvSpPr>
             <p:spPr>
               <a:xfrm>
-                <a:off x="6496530" y="3680217"/>
+                <a:off x="6496530" y="3899673"/>
                 <a:ext cx="1431825" cy="261610"/>
               </a:xfrm>
               <a:prstGeom prst="rect">
                 <a:avLst/>
               </a:prstGeom>
               <a:blipFill>
-                <a:blip r:embed="rId21"/>
+                <a:blip r:embed="rId18"/>
                 <a:stretch>
                   <a:fillRect/>
                 </a:stretch>
@@ -8353,8 +8302,8 @@
           </p:sp>
         </mc:Fallback>
       </mc:AlternateContent>
-      <mc:AlternateContent xmlns:mc="http://schemas.openxmlformats.org/markup-compatibility/2006" xmlns:a14="http://schemas.microsoft.com/office/drawing/2010/main">
-        <mc:Choice Requires="a14">
+      <mc:AlternateContent xmlns:mc="http://schemas.openxmlformats.org/markup-compatibility/2006">
+        <mc:Choice xmlns:a14="http://schemas.microsoft.com/office/drawing/2010/main" Requires="a14">
           <p:sp>
             <p:nvSpPr>
               <p:cNvPr id="112" name="ZoneTexte 111">
@@ -8369,7 +8318,7 @@
             </p:nvSpPr>
             <p:spPr>
               <a:xfrm>
-                <a:off x="8547345" y="3645905"/>
+                <a:off x="10613889" y="3865361"/>
                 <a:ext cx="1431825" cy="261610"/>
               </a:xfrm>
               <a:prstGeom prst="rect">
@@ -8470,7 +8419,7 @@
             </p:txBody>
           </p:sp>
         </mc:Choice>
-        <mc:Fallback xmlns="">
+        <mc:Fallback>
           <p:sp>
             <p:nvSpPr>
               <p:cNvPr id="112" name="ZoneTexte 111">
@@ -8487,14 +8436,442 @@
             </p:nvSpPr>
             <p:spPr>
               <a:xfrm>
-                <a:off x="8547345" y="3645905"/>
+                <a:off x="10613889" y="3865361"/>
                 <a:ext cx="1431825" cy="261610"/>
               </a:xfrm>
               <a:prstGeom prst="rect">
                 <a:avLst/>
               </a:prstGeom>
               <a:blipFill>
-                <a:blip r:embed="rId22"/>
+                <a:blip r:embed="rId19"/>
+                <a:stretch>
+                  <a:fillRect/>
+                </a:stretch>
+              </a:blipFill>
+            </p:spPr>
+            <p:txBody>
+              <a:bodyPr/>
+              <a:lstStyle/>
+              <a:p>
+                <a:r>
+                  <a:rPr lang="fr-FR">
+                    <a:noFill/>
+                  </a:rPr>
+                  <a:t> </a:t>
+                </a:r>
+              </a:p>
+            </p:txBody>
+          </p:sp>
+        </mc:Fallback>
+      </mc:AlternateContent>
+      <p:sp>
+        <p:nvSpPr>
+          <p:cNvPr id="66" name="Rectangle : coins arrondis 65">
+            <a:extLst>
+              <a:ext uri="{FF2B5EF4-FFF2-40B4-BE49-F238E27FC236}">
+                <a16:creationId xmlns:a16="http://schemas.microsoft.com/office/drawing/2014/main" id="{DEFEC9DC-D44C-BD4C-C7C7-8E5A976EE82E}"/>
+              </a:ext>
+            </a:extLst>
+          </p:cNvPr>
+          <p:cNvSpPr/>
+          <p:nvPr/>
+        </p:nvSpPr>
+        <p:spPr>
+          <a:xfrm>
+            <a:off x="9625448" y="3534654"/>
+            <a:ext cx="1365662" cy="534390"/>
+          </a:xfrm>
+          <a:prstGeom prst="roundRect">
+            <a:avLst>
+              <a:gd name="adj" fmla="val 11914"/>
+            </a:avLst>
+          </a:prstGeom>
+          <a:noFill/>
+          <a:ln w="19050">
+            <a:solidFill>
+              <a:srgbClr val="EE685D"/>
+            </a:solidFill>
+          </a:ln>
+        </p:spPr>
+        <p:style>
+          <a:lnRef idx="2">
+            <a:schemeClr val="accent1">
+              <a:shade val="50000"/>
+            </a:schemeClr>
+          </a:lnRef>
+          <a:fillRef idx="1">
+            <a:schemeClr val="accent1"/>
+          </a:fillRef>
+          <a:effectRef idx="0">
+            <a:schemeClr val="accent1"/>
+          </a:effectRef>
+          <a:fontRef idx="minor">
+            <a:schemeClr val="lt1"/>
+          </a:fontRef>
+        </p:style>
+        <p:txBody>
+          <a:bodyPr rtlCol="0" anchor="ctr"/>
+          <a:lstStyle/>
+          <a:p>
+            <a:pPr algn="ctr"/>
+            <a:r>
+              <a:rPr lang="fr-FR" sz="1400" dirty="0">
+                <a:solidFill>
+                  <a:srgbClr val="EE685D"/>
+                </a:solidFill>
+                <a:latin typeface="Arial Nova" panose="020B0504020202020204" pitchFamily="34" charset="0"/>
+              </a:rPr>
+              <a:t>Transmettre</a:t>
+            </a:r>
+          </a:p>
+        </p:txBody>
+      </p:sp>
+      <p:cxnSp>
+        <p:nvCxnSpPr>
+          <p:cNvPr id="67" name="Connecteur droit avec flèche 66">
+            <a:extLst>
+              <a:ext uri="{FF2B5EF4-FFF2-40B4-BE49-F238E27FC236}">
+                <a16:creationId xmlns:a16="http://schemas.microsoft.com/office/drawing/2014/main" id="{FA030DA2-3C3A-C8FA-45E8-D976D05C940D}"/>
+              </a:ext>
+            </a:extLst>
+          </p:cNvPr>
+          <p:cNvCxnSpPr>
+            <a:cxnSpLocks/>
+          </p:cNvCxnSpPr>
+          <p:nvPr/>
+        </p:nvCxnSpPr>
+        <p:spPr>
+          <a:xfrm flipV="1">
+            <a:off x="8911895" y="3796784"/>
+            <a:ext cx="720000" cy="1536"/>
+          </a:xfrm>
+          <a:prstGeom prst="straightConnector1">
+            <a:avLst/>
+          </a:prstGeom>
+          <a:ln w="25400" cap="rnd">
+            <a:solidFill>
+              <a:srgbClr val="68348B"/>
+            </a:solidFill>
+            <a:tailEnd type="triangle" w="med" len="lg"/>
+          </a:ln>
+        </p:spPr>
+        <p:style>
+          <a:lnRef idx="1">
+            <a:schemeClr val="accent1"/>
+          </a:lnRef>
+          <a:fillRef idx="0">
+            <a:schemeClr val="accent1"/>
+          </a:fillRef>
+          <a:effectRef idx="0">
+            <a:schemeClr val="accent1"/>
+          </a:effectRef>
+          <a:fontRef idx="minor">
+            <a:schemeClr val="tx1"/>
+          </a:fontRef>
+        </p:style>
+      </p:cxnSp>
+      <p:pic>
+        <p:nvPicPr>
+          <p:cNvPr id="71" name="Image 70">
+            <a:extLst>
+              <a:ext uri="{FF2B5EF4-FFF2-40B4-BE49-F238E27FC236}">
+                <a16:creationId xmlns:a16="http://schemas.microsoft.com/office/drawing/2014/main" id="{7CFF18D7-B440-5F98-0242-64155E193C50}"/>
+              </a:ext>
+            </a:extLst>
+          </p:cNvPr>
+          <p:cNvPicPr>
+            <a:picLocks noChangeAspect="1"/>
+          </p:cNvPicPr>
+          <p:nvPr/>
+        </p:nvPicPr>
+        <p:blipFill>
+          <a:blip r:embed="rId6"/>
+          <a:stretch>
+            <a:fillRect/>
+          </a:stretch>
+        </p:blipFill>
+        <p:spPr>
+          <a:xfrm>
+            <a:off x="9075684" y="3407535"/>
+            <a:ext cx="360000" cy="360000"/>
+          </a:xfrm>
+          <a:prstGeom prst="rect">
+            <a:avLst/>
+          </a:prstGeom>
+        </p:spPr>
+      </p:pic>
+      <p:grpSp>
+        <p:nvGrpSpPr>
+          <p:cNvPr id="86" name="Groupe 85">
+            <a:extLst>
+              <a:ext uri="{FF2B5EF4-FFF2-40B4-BE49-F238E27FC236}">
+                <a16:creationId xmlns:a16="http://schemas.microsoft.com/office/drawing/2014/main" id="{F7FD68FD-39E8-E3FC-751F-6F8E7EFC5E05}"/>
+              </a:ext>
+            </a:extLst>
+          </p:cNvPr>
+          <p:cNvGrpSpPr/>
+          <p:nvPr/>
+        </p:nvGrpSpPr>
+        <p:grpSpPr>
+          <a:xfrm>
+            <a:off x="10151217" y="3954960"/>
+            <a:ext cx="360000" cy="360000"/>
+            <a:chOff x="10405167" y="2322166"/>
+            <a:chExt cx="1800000" cy="1800000"/>
+          </a:xfrm>
+        </p:grpSpPr>
+        <p:sp>
+          <p:nvSpPr>
+            <p:cNvPr id="87" name="Ellipse 86">
+              <a:extLst>
+                <a:ext uri="{FF2B5EF4-FFF2-40B4-BE49-F238E27FC236}">
+                  <a16:creationId xmlns:a16="http://schemas.microsoft.com/office/drawing/2014/main" id="{1E8A1773-049E-3FE0-3A55-46B324B5F72D}"/>
+                </a:ext>
+              </a:extLst>
+            </p:cNvPr>
+            <p:cNvSpPr/>
+            <p:nvPr/>
+          </p:nvSpPr>
+          <p:spPr>
+            <a:xfrm>
+              <a:off x="10405167" y="2322166"/>
+              <a:ext cx="1800000" cy="1800000"/>
+            </a:xfrm>
+            <a:prstGeom prst="ellipse">
+              <a:avLst/>
+            </a:prstGeom>
+            <a:solidFill>
+              <a:srgbClr val="EF7268"/>
+            </a:solidFill>
+            <a:ln>
+              <a:noFill/>
+            </a:ln>
+          </p:spPr>
+          <p:style>
+            <a:lnRef idx="2">
+              <a:schemeClr val="accent1">
+                <a:shade val="50000"/>
+              </a:schemeClr>
+            </a:lnRef>
+            <a:fillRef idx="1">
+              <a:schemeClr val="accent1"/>
+            </a:fillRef>
+            <a:effectRef idx="0">
+              <a:schemeClr val="accent1"/>
+            </a:effectRef>
+            <a:fontRef idx="minor">
+              <a:schemeClr val="lt1"/>
+            </a:fontRef>
+          </p:style>
+          <p:txBody>
+            <a:bodyPr rtlCol="0" anchor="ctr"/>
+            <a:lstStyle/>
+            <a:p>
+              <a:pPr algn="ctr"/>
+              <a:endParaRPr lang="fr-FR" dirty="0"/>
+            </a:p>
+          </p:txBody>
+        </p:sp>
+        <p:pic>
+          <p:nvPicPr>
+            <p:cNvPr id="88" name="Image 87">
+              <a:extLst>
+                <a:ext uri="{FF2B5EF4-FFF2-40B4-BE49-F238E27FC236}">
+                  <a16:creationId xmlns:a16="http://schemas.microsoft.com/office/drawing/2014/main" id="{CB10C83E-CD60-27F3-C1B3-1546FCE2839E}"/>
+                </a:ext>
+              </a:extLst>
+            </p:cNvPr>
+            <p:cNvPicPr>
+              <a:picLocks noChangeAspect="1"/>
+            </p:cNvPicPr>
+            <p:nvPr/>
+          </p:nvPicPr>
+          <p:blipFill>
+            <a:blip r:embed="rId20"/>
+            <a:stretch>
+              <a:fillRect/>
+            </a:stretch>
+          </p:blipFill>
+          <p:spPr>
+            <a:xfrm>
+              <a:off x="10546164" y="2642707"/>
+              <a:ext cx="1518007" cy="924719"/>
+            </a:xfrm>
+            <a:prstGeom prst="rect">
+              <a:avLst/>
+            </a:prstGeom>
+          </p:spPr>
+        </p:pic>
+      </p:grpSp>
+      <mc:AlternateContent xmlns:mc="http://schemas.openxmlformats.org/markup-compatibility/2006">
+        <mc:Choice xmlns:a14="http://schemas.microsoft.com/office/drawing/2010/main" Requires="a14">
+          <p:sp>
+            <p:nvSpPr>
+              <p:cNvPr id="107" name="ZoneTexte 106">
+                <a:extLst>
+                  <a:ext uri="{FF2B5EF4-FFF2-40B4-BE49-F238E27FC236}">
+                    <a16:creationId xmlns:a16="http://schemas.microsoft.com/office/drawing/2014/main" id="{D4448485-1542-9D3B-17C1-604149E67AE1}"/>
+                  </a:ext>
+                </a:extLst>
+              </p:cNvPr>
+              <p:cNvSpPr txBox="1"/>
+              <p:nvPr/>
+            </p:nvSpPr>
+            <p:spPr>
+              <a:xfrm>
+                <a:off x="8589080" y="3939627"/>
+                <a:ext cx="1431825" cy="261610"/>
+              </a:xfrm>
+              <a:prstGeom prst="rect">
+                <a:avLst/>
+              </a:prstGeom>
+              <a:noFill/>
+            </p:spPr>
+            <p:txBody>
+              <a:bodyPr wrap="square">
+                <a:spAutoFit/>
+              </a:bodyPr>
+              <a:lstStyle/>
+              <a:p>
+                <a:pPr algn="ctr"/>
+                <a14:m>
+                  <m:oMathPara xmlns:m="http://schemas.openxmlformats.org/officeDocument/2006/math">
+                    <m:oMathParaPr>
+                      <m:jc m:val="centerGroup"/>
+                    </m:oMathParaPr>
+                    <m:oMath xmlns:m="http://schemas.openxmlformats.org/officeDocument/2006/math">
+                      <m:r>
+                        <a:rPr lang="fr-FR" sz="1100" b="1" i="1" smtClean="0">
+                          <a:solidFill>
+                            <a:srgbClr val="7030A0"/>
+                          </a:solidFill>
+                          <a:latin typeface="Cambria Math" panose="02040503050406030204" pitchFamily="18" charset="0"/>
+                          <a:ea typeface="Cambria Math" panose="02040503050406030204" pitchFamily="18" charset="0"/>
+                        </a:rPr>
+                        <m:t>𝓟</m:t>
+                      </m:r>
+                      <m:r>
+                        <a:rPr lang="fr-FR" sz="1100" b="1" i="1" smtClean="0">
+                          <a:solidFill>
+                            <a:srgbClr val="7030A0"/>
+                          </a:solidFill>
+                          <a:latin typeface="Cambria Math" panose="02040503050406030204" pitchFamily="18" charset="0"/>
+                          <a:ea typeface="Cambria Math" panose="02040503050406030204" pitchFamily="18" charset="0"/>
+                        </a:rPr>
+                        <m:t>=</m:t>
+                      </m:r>
+                      <m:sSub>
+                        <m:sSubPr>
+                          <m:ctrlPr>
+                            <a:rPr lang="fr-FR" sz="1100" b="1" i="1" smtClean="0">
+                              <a:solidFill>
+                                <a:srgbClr val="7030A0"/>
+                              </a:solidFill>
+                              <a:latin typeface="Cambria Math" panose="02040503050406030204" pitchFamily="18" charset="0"/>
+                              <a:ea typeface="Cambria Math" panose="02040503050406030204" pitchFamily="18" charset="0"/>
+                            </a:rPr>
+                          </m:ctrlPr>
+                        </m:sSubPr>
+                        <m:e>
+                          <m:r>
+                            <a:rPr lang="fr-FR" sz="1100" b="1" i="1" smtClean="0">
+                              <a:solidFill>
+                                <a:srgbClr val="7030A0"/>
+                              </a:solidFill>
+                              <a:latin typeface="Cambria Math" panose="02040503050406030204" pitchFamily="18" charset="0"/>
+                              <a:ea typeface="Cambria Math" panose="02040503050406030204" pitchFamily="18" charset="0"/>
+                            </a:rPr>
+                            <m:t>𝑪</m:t>
+                          </m:r>
+                        </m:e>
+                        <m:sub>
+                          <m:r>
+                            <a:rPr lang="fr-FR" sz="1100" b="1" i="1" smtClean="0">
+                              <a:solidFill>
+                                <a:srgbClr val="7030A0"/>
+                              </a:solidFill>
+                              <a:latin typeface="Cambria Math" panose="02040503050406030204" pitchFamily="18" charset="0"/>
+                              <a:ea typeface="Cambria Math" panose="02040503050406030204" pitchFamily="18" charset="0"/>
+                            </a:rPr>
+                            <m:t>𝒎</m:t>
+                          </m:r>
+                        </m:sub>
+                      </m:sSub>
+                      <m:sSub>
+                        <m:sSubPr>
+                          <m:ctrlPr>
+                            <a:rPr lang="fr-FR" sz="1100" b="1" i="1" smtClean="0">
+                              <a:solidFill>
+                                <a:srgbClr val="7030A0"/>
+                              </a:solidFill>
+                              <a:latin typeface="Cambria Math" panose="02040503050406030204" pitchFamily="18" charset="0"/>
+                              <a:ea typeface="Cambria Math" panose="02040503050406030204" pitchFamily="18" charset="0"/>
+                            </a:rPr>
+                          </m:ctrlPr>
+                        </m:sSubPr>
+                        <m:e>
+                          <m:r>
+                            <a:rPr lang="fr-FR" sz="1100" b="1" i="1" smtClean="0">
+                              <a:solidFill>
+                                <a:srgbClr val="7030A0"/>
+                              </a:solidFill>
+                              <a:latin typeface="Cambria Math" panose="02040503050406030204" pitchFamily="18" charset="0"/>
+                              <a:ea typeface="Cambria Math" panose="02040503050406030204" pitchFamily="18" charset="0"/>
+                            </a:rPr>
+                            <m:t>𝝎</m:t>
+                          </m:r>
+                        </m:e>
+                        <m:sub>
+                          <m:r>
+                            <a:rPr lang="fr-FR" sz="1100" b="1" i="1" smtClean="0">
+                              <a:solidFill>
+                                <a:srgbClr val="7030A0"/>
+                              </a:solidFill>
+                              <a:latin typeface="Cambria Math" panose="02040503050406030204" pitchFamily="18" charset="0"/>
+                              <a:ea typeface="Cambria Math" panose="02040503050406030204" pitchFamily="18" charset="0"/>
+                            </a:rPr>
+                            <m:t>𝒎</m:t>
+                          </m:r>
+                        </m:sub>
+                      </m:sSub>
+                    </m:oMath>
+                  </m:oMathPara>
+                </a14:m>
+                <a:endParaRPr lang="fr-FR" sz="1100" b="1" dirty="0">
+                  <a:solidFill>
+                    <a:srgbClr val="7030A0"/>
+                  </a:solidFill>
+                  <a:latin typeface="Arial Nova" panose="020B0504020202020204" pitchFamily="34" charset="0"/>
+                </a:endParaRPr>
+              </a:p>
+            </p:txBody>
+          </p:sp>
+        </mc:Choice>
+        <mc:Fallback>
+          <p:sp>
+            <p:nvSpPr>
+              <p:cNvPr id="107" name="ZoneTexte 106">
+                <a:extLst>
+                  <a:ext uri="{FF2B5EF4-FFF2-40B4-BE49-F238E27FC236}">
+                    <a16:creationId xmlns:a16="http://schemas.microsoft.com/office/drawing/2014/main" id="{D4448485-1542-9D3B-17C1-604149E67AE1}"/>
+                  </a:ext>
+                </a:extLst>
+              </p:cNvPr>
+              <p:cNvSpPr txBox="1">
+                <a:spLocks noRot="1" noChangeAspect="1" noMove="1" noResize="1" noEditPoints="1" noAdjustHandles="1" noChangeArrowheads="1" noChangeShapeType="1" noTextEdit="1"/>
+              </p:cNvSpPr>
+              <p:nvPr/>
+            </p:nvSpPr>
+            <p:spPr>
+              <a:xfrm>
+                <a:off x="8589080" y="3939627"/>
+                <a:ext cx="1431825" cy="261610"/>
+              </a:xfrm>
+              <a:prstGeom prst="rect">
+                <a:avLst/>
+              </a:prstGeom>
+              <a:blipFill>
+                <a:blip r:embed="rId21"/>
                 <a:stretch>
                   <a:fillRect/>
                 </a:stretch>
@@ -10892,7 +11269,10 @@
           <a:bodyPr/>
           <a:lstStyle/>
           <a:p>
-            <a:endParaRPr lang="fr-FR" dirty="0"/>
+            <a:r>
+              <a:rPr lang="fr-FR" dirty="0"/>
+              <a:t>Identification de la masse et du Frottement sec</a:t>
+            </a:r>
           </a:p>
         </p:txBody>
       </p:sp>
@@ -10914,9 +11294,16 @@
                 <p:ph idx="1"/>
               </p:nvPr>
             </p:nvSpPr>
-            <p:spPr/>
+            <p:spPr>
+              <a:xfrm>
+                <a:off x="117795" y="981887"/>
+                <a:ext cx="5978205" cy="5253339"/>
+              </a:xfrm>
+            </p:spPr>
             <p:txBody>
-              <a:bodyPr/>
+              <a:bodyPr>
+                <a:normAutofit lnSpcReduction="10000"/>
+              </a:bodyPr>
               <a:lstStyle/>
               <a:p>
                 <a:r>
@@ -10927,6 +11314,83 @@
               <a:p>
                 <a:pPr lvl="1"/>
                 <a:r>
+                  <a:rPr lang="fr-FR" dirty="0"/>
+                  <a:t>On isole le Bras</a:t>
+                </a:r>
+              </a:p>
+              <a:p>
+                <a:pPr lvl="1"/>
+                <a:r>
+                  <a:rPr lang="fr-FR" b="0" dirty="0"/>
+                  <a:t>BAME : </a:t>
+                </a:r>
+              </a:p>
+              <a:p>
+                <a:pPr lvl="2"/>
+                <a:r>
+                  <a:rPr lang="fr-FR" dirty="0"/>
+                  <a:t>Pesanteur</a:t>
+                </a:r>
+              </a:p>
+              <a:p>
+                <a:pPr lvl="2"/>
+                <a:r>
+                  <a:rPr lang="fr-FR" b="0" dirty="0"/>
+                  <a:t>Force motr</a:t>
+                </a:r>
+                <a:r>
+                  <a:rPr lang="fr-FR" dirty="0"/>
+                  <a:t>ice</a:t>
+                </a:r>
+              </a:p>
+              <a:p>
+                <a:pPr lvl="2"/>
+                <a:r>
+                  <a:rPr lang="fr-FR" b="0" dirty="0"/>
+                  <a:t>Force de frott</a:t>
+                </a:r>
+                <a:r>
+                  <a:rPr lang="fr-FR" dirty="0"/>
+                  <a:t>ement</a:t>
+                </a:r>
+              </a:p>
+              <a:p>
+                <a:pPr lvl="1"/>
+                <a:r>
+                  <a:rPr lang="fr-FR" b="0" dirty="0"/>
+                  <a:t>A</a:t>
+                </a:r>
+                <a:r>
+                  <a:rPr lang="fr-FR" dirty="0"/>
+                  <a:t>pplication du TRS sur </a:t>
+                </a:r>
+                <a14:m>
+                  <m:oMath xmlns:m="http://schemas.openxmlformats.org/officeDocument/2006/math">
+                    <m:acc>
+                      <m:accPr>
+                        <m:chr m:val="⃗"/>
+                        <m:ctrlPr>
+                          <a:rPr lang="fr-FR" i="1" smtClean="0">
+                            <a:latin typeface="Cambria Math" panose="02040503050406030204" pitchFamily="18" charset="0"/>
+                          </a:rPr>
+                        </m:ctrlPr>
+                      </m:accPr>
+                      <m:e>
+                        <m:r>
+                          <a:rPr lang="fr-FR" b="0" i="1" smtClean="0">
+                            <a:latin typeface="Cambria Math" panose="02040503050406030204" pitchFamily="18" charset="0"/>
+                          </a:rPr>
+                          <m:t>𝑧</m:t>
+                        </m:r>
+                      </m:e>
+                    </m:acc>
+                  </m:oMath>
+                </a14:m>
+                <a:endParaRPr lang="fr-FR" b="0" dirty="0"/>
+              </a:p>
+              <a:p>
+                <a:pPr lvl="2"/>
+                <a:r>
                   <a:rPr lang="fr-FR" b="0" dirty="0"/>
                   <a:t>Vers le </a:t>
                 </a:r>
@@ -10934,6 +11398,9 @@
                   <a:rPr lang="fr-FR" dirty="0"/>
                   <a:t>haut : </a:t>
                 </a:r>
+              </a:p>
+              <a:p>
+                <a:pPr lvl="3"/>
                 <a14:m>
                   <m:oMath xmlns:m="http://schemas.openxmlformats.org/officeDocument/2006/math">
                     <m:sSub>
@@ -10966,96 +11433,6 @@
                         <a:latin typeface="Cambria Math" panose="02040503050406030204" pitchFamily="18" charset="0"/>
                       </a:rPr>
                       <m:t>−</m:t>
-                    </m:r>
-                    <m:sSub>
-                      <m:sSubPr>
-                        <m:ctrlPr>
-                          <a:rPr lang="fr-FR" b="0" i="1" smtClean="0">
-                            <a:latin typeface="Cambria Math" panose="02040503050406030204" pitchFamily="18" charset="0"/>
-                          </a:rPr>
-                        </m:ctrlPr>
-                      </m:sSubPr>
-                      <m:e>
-                        <m:r>
-                          <a:rPr lang="fr-FR" b="0" i="1" smtClean="0">
-                            <a:latin typeface="Cambria Math" panose="02040503050406030204" pitchFamily="18" charset="0"/>
-                          </a:rPr>
-                          <m:t>𝐹</m:t>
-                        </m:r>
-                      </m:e>
-                      <m:sub>
-                        <m:r>
-                          <a:rPr lang="fr-FR" b="0" i="1" smtClean="0">
-                            <a:latin typeface="Cambria Math" panose="02040503050406030204" pitchFamily="18" charset="0"/>
-                          </a:rPr>
-                          <m:t>𝑟</m:t>
-                        </m:r>
-                      </m:sub>
-                    </m:sSub>
-                    <m:r>
-                      <a:rPr lang="fr-FR" b="0" i="1" smtClean="0">
-                        <a:latin typeface="Cambria Math" panose="02040503050406030204" pitchFamily="18" charset="0"/>
-                      </a:rPr>
-                      <m:t>−</m:t>
-                    </m:r>
-                    <m:r>
-                      <a:rPr lang="fr-FR" b="0" i="1" smtClean="0">
-                        <a:latin typeface="Cambria Math" panose="02040503050406030204" pitchFamily="18" charset="0"/>
-                      </a:rPr>
-                      <m:t>𝑀𝑔</m:t>
-                    </m:r>
-                    <m:r>
-                      <a:rPr lang="fr-FR" b="0" i="1" smtClean="0">
-                        <a:latin typeface="Cambria Math" panose="02040503050406030204" pitchFamily="18" charset="0"/>
-                      </a:rPr>
-                      <m:t>=0</m:t>
-                    </m:r>
-                  </m:oMath>
-                </a14:m>
-                <a:endParaRPr lang="fr-FR" dirty="0"/>
-              </a:p>
-              <a:p>
-                <a:pPr lvl="1"/>
-                <a:r>
-                  <a:rPr lang="fr-FR" b="0" dirty="0"/>
-                  <a:t>Vers le </a:t>
-                </a:r>
-                <a:r>
-                  <a:rPr lang="fr-FR" dirty="0"/>
-                  <a:t>bas (couple positif mais pas suffisant pour vaincre le poids): </a:t>
-                </a:r>
-                <a14:m>
-                  <m:oMath xmlns:m="http://schemas.openxmlformats.org/officeDocument/2006/math">
-                    <m:sSub>
-                      <m:sSubPr>
-                        <m:ctrlPr>
-                          <a:rPr lang="fr-FR" b="0" i="1" smtClean="0">
-                            <a:latin typeface="Cambria Math" panose="02040503050406030204" pitchFamily="18" charset="0"/>
-                          </a:rPr>
-                        </m:ctrlPr>
-                      </m:sSubPr>
-                      <m:e>
-                        <m:r>
-                          <a:rPr lang="fr-FR" b="0" i="1" smtClean="0">
-                            <a:latin typeface="Cambria Math" panose="02040503050406030204" pitchFamily="18" charset="0"/>
-                          </a:rPr>
-                          <m:t>𝐹</m:t>
-                        </m:r>
-                      </m:e>
-                      <m:sub>
-                        <m:r>
-                          <a:rPr lang="fr-FR" b="0" i="1" smtClean="0">
-                            <a:latin typeface="Cambria Math" panose="02040503050406030204" pitchFamily="18" charset="0"/>
-                          </a:rPr>
-                          <m:t>𝑚𝑏</m:t>
-                        </m:r>
-                      </m:sub>
-                    </m:sSub>
-                    <m:r>
-                      <a:rPr lang="fr-FR" b="0" i="1" smtClean="0">
-                        <a:latin typeface="Cambria Math" panose="02040503050406030204" pitchFamily="18" charset="0"/>
-                      </a:rPr>
-                      <m:t>+</m:t>
                     </m:r>
                     <m:sSub>
                       <m:sSubPr>
@@ -11106,6 +11483,96 @@
               </a:p>
               <a:p>
                 <a:pPr lvl="2"/>
+                <a:r>
+                  <a:rPr lang="fr-FR" b="0" dirty="0"/>
+                  <a:t>Vers le </a:t>
+                </a:r>
+                <a:r>
+                  <a:rPr lang="fr-FR" dirty="0"/>
+                  <a:t>bas (couple positif mais pas suffisant pour vaincre le poids): </a:t>
+                </a:r>
+                <a14:m>
+                  <m:oMath xmlns:m="http://schemas.openxmlformats.org/officeDocument/2006/math">
+                    <m:sSub>
+                      <m:sSubPr>
+                        <m:ctrlPr>
+                          <a:rPr lang="fr-FR" b="0" i="1" smtClean="0">
+                            <a:latin typeface="Cambria Math" panose="02040503050406030204" pitchFamily="18" charset="0"/>
+                          </a:rPr>
+                        </m:ctrlPr>
+                      </m:sSubPr>
+                      <m:e>
+                        <m:r>
+                          <a:rPr lang="fr-FR" b="0" i="1" smtClean="0">
+                            <a:latin typeface="Cambria Math" panose="02040503050406030204" pitchFamily="18" charset="0"/>
+                          </a:rPr>
+                          <m:t>𝐹</m:t>
+                        </m:r>
+                      </m:e>
+                      <m:sub>
+                        <m:r>
+                          <a:rPr lang="fr-FR" b="0" i="1" smtClean="0">
+                            <a:latin typeface="Cambria Math" panose="02040503050406030204" pitchFamily="18" charset="0"/>
+                          </a:rPr>
+                          <m:t>𝑚𝑏</m:t>
+                        </m:r>
+                      </m:sub>
+                    </m:sSub>
+                    <m:r>
+                      <a:rPr lang="fr-FR" b="0" i="1" smtClean="0">
+                        <a:latin typeface="Cambria Math" panose="02040503050406030204" pitchFamily="18" charset="0"/>
+                      </a:rPr>
+                      <m:t>+</m:t>
+                    </m:r>
+                    <m:sSub>
+                      <m:sSubPr>
+                        <m:ctrlPr>
+                          <a:rPr lang="fr-FR" b="0" i="1" smtClean="0">
+                            <a:latin typeface="Cambria Math" panose="02040503050406030204" pitchFamily="18" charset="0"/>
+                          </a:rPr>
+                        </m:ctrlPr>
+                      </m:sSubPr>
+                      <m:e>
+                        <m:r>
+                          <a:rPr lang="fr-FR" b="0" i="1" smtClean="0">
+                            <a:latin typeface="Cambria Math" panose="02040503050406030204" pitchFamily="18" charset="0"/>
+                          </a:rPr>
+                          <m:t>𝐹</m:t>
+                        </m:r>
+                      </m:e>
+                      <m:sub>
+                        <m:r>
+                          <a:rPr lang="fr-FR" b="0" i="1" smtClean="0">
+                            <a:latin typeface="Cambria Math" panose="02040503050406030204" pitchFamily="18" charset="0"/>
+                          </a:rPr>
+                          <m:t>𝑟</m:t>
+                        </m:r>
+                      </m:sub>
+                    </m:sSub>
+                    <m:r>
+                      <a:rPr lang="fr-FR" b="0" i="1" smtClean="0">
+                        <a:latin typeface="Cambria Math" panose="02040503050406030204" pitchFamily="18" charset="0"/>
+                      </a:rPr>
+                      <m:t>−</m:t>
+                    </m:r>
+                    <m:r>
+                      <a:rPr lang="fr-FR" b="0" i="1" smtClean="0">
+                        <a:latin typeface="Cambria Math" panose="02040503050406030204" pitchFamily="18" charset="0"/>
+                      </a:rPr>
+                      <m:t>𝑀𝑔</m:t>
+                    </m:r>
+                    <m:r>
+                      <a:rPr lang="fr-FR" b="0" i="1" smtClean="0">
+                        <a:latin typeface="Cambria Math" panose="02040503050406030204" pitchFamily="18" charset="0"/>
+                      </a:rPr>
+                      <m:t>=0</m:t>
+                    </m:r>
+                  </m:oMath>
+                </a14:m>
+                <a:endParaRPr lang="fr-FR" dirty="0"/>
+              </a:p>
+              <a:p>
+                <a:pPr lvl="3"/>
                 <a14:m>
                   <m:oMath xmlns:m="http://schemas.openxmlformats.org/officeDocument/2006/math">
                     <m:sSub>
@@ -11280,7 +11747,7 @@
                 <a:endParaRPr lang="fr-FR" b="0" dirty="0"/>
               </a:p>
               <a:p>
-                <a:pPr lvl="2"/>
+                <a:pPr lvl="3"/>
                 <a14:m>
                   <m:oMath xmlns:m="http://schemas.openxmlformats.org/officeDocument/2006/math">
                     <m:sSub>
@@ -11507,10 +11974,823 @@
               </p:nvPr>
             </p:nvSpPr>
             <p:spPr>
+              <a:xfrm>
+                <a:off x="117795" y="981887"/>
+                <a:ext cx="5978205" cy="5253339"/>
+              </a:xfrm>
               <a:blipFill>
                 <a:blip r:embed="rId2"/>
                 <a:stretch>
-                  <a:fillRect l="-1325" t="-1856" r="-510"/>
+                  <a:fillRect l="-2650" t="-2552" r="-2243"/>
+                </a:stretch>
+              </a:blipFill>
+            </p:spPr>
+            <p:txBody>
+              <a:bodyPr/>
+              <a:lstStyle/>
+              <a:p>
+                <a:r>
+                  <a:rPr lang="fr-FR">
+                    <a:noFill/>
+                  </a:rPr>
+                  <a:t> </a:t>
+                </a:r>
+              </a:p>
+            </p:txBody>
+          </p:sp>
+        </mc:Fallback>
+      </mc:AlternateContent>
+      <mc:AlternateContent xmlns:mc="http://schemas.openxmlformats.org/markup-compatibility/2006">
+        <mc:Choice xmlns:a14="http://schemas.microsoft.com/office/drawing/2010/main" Requires="a14">
+          <p:sp>
+            <p:nvSpPr>
+              <p:cNvPr id="4" name="Espace réservé du contenu 2">
+                <a:extLst>
+                  <a:ext uri="{FF2B5EF4-FFF2-40B4-BE49-F238E27FC236}">
+                    <a16:creationId xmlns:a16="http://schemas.microsoft.com/office/drawing/2014/main" id="{B16EF985-D429-6792-BACB-7B40507E47C4}"/>
+                  </a:ext>
+                </a:extLst>
+              </p:cNvPr>
+              <p:cNvSpPr txBox="1">
+                <a:spLocks/>
+              </p:cNvSpPr>
+              <p:nvPr/>
+            </p:nvSpPr>
+            <p:spPr>
+              <a:xfrm>
+                <a:off x="6096000" y="981886"/>
+                <a:ext cx="5978205" cy="5253339"/>
+              </a:xfrm>
+              <a:prstGeom prst="rect">
+                <a:avLst/>
+              </a:prstGeom>
+            </p:spPr>
+            <p:txBody>
+              <a:bodyPr vert="horz" lIns="0" tIns="45720" rIns="0" bIns="45720" rtlCol="0">
+                <a:normAutofit/>
+              </a:bodyPr>
+              <a:lstStyle>
+                <a:lvl1pPr marL="271463" indent="-269875" algn="l" defTabSz="914400" rtl="0" eaLnBrk="1" latinLnBrk="0" hangingPunct="1">
+                  <a:lnSpc>
+                    <a:spcPct val="90000"/>
+                  </a:lnSpc>
+                  <a:spcBef>
+                    <a:spcPts val="1200"/>
+                  </a:spcBef>
+                  <a:spcAft>
+                    <a:spcPts val="200"/>
+                  </a:spcAft>
+                  <a:buClr>
+                    <a:schemeClr val="tx2"/>
+                  </a:buClr>
+                  <a:buSzPct val="80000"/>
+                  <a:buFont typeface="Wingdings" panose="05000000000000000000" pitchFamily="2" charset="2"/>
+                  <a:buChar char="q"/>
+                  <a:defRPr lang="fr-FR" sz="2800" kern="1200">
+                    <a:solidFill>
+                      <a:schemeClr val="tx1">
+                        <a:lumMod val="75000"/>
+                        <a:lumOff val="25000"/>
+                      </a:schemeClr>
+                    </a:solidFill>
+                    <a:latin typeface="+mn-lt"/>
+                    <a:ea typeface="+mn-ea"/>
+                    <a:cs typeface="+mn-cs"/>
+                  </a:defRPr>
+                </a:lvl1pPr>
+                <a:lvl2pPr marL="449263" indent="-249238" algn="l" defTabSz="914400" rtl="0" eaLnBrk="1" latinLnBrk="0" hangingPunct="1">
+                  <a:lnSpc>
+                    <a:spcPct val="90000"/>
+                  </a:lnSpc>
+                  <a:spcBef>
+                    <a:spcPts val="200"/>
+                  </a:spcBef>
+                  <a:spcAft>
+                    <a:spcPts val="400"/>
+                  </a:spcAft>
+                  <a:buClr>
+                    <a:schemeClr val="accent1"/>
+                  </a:buClr>
+                  <a:buSzPct val="80000"/>
+                  <a:buFont typeface="Wingdings" panose="05000000000000000000" pitchFamily="2" charset="2"/>
+                  <a:buChar char="q"/>
+                  <a:defRPr lang="fr-FR" sz="2400" kern="1200">
+                    <a:solidFill>
+                      <a:schemeClr val="tx1">
+                        <a:lumMod val="75000"/>
+                        <a:lumOff val="25000"/>
+                      </a:schemeClr>
+                    </a:solidFill>
+                    <a:latin typeface="+mn-lt"/>
+                    <a:ea typeface="+mn-ea"/>
+                    <a:cs typeface="+mn-cs"/>
+                  </a:defRPr>
+                </a:lvl2pPr>
+                <a:lvl3pPr marL="627063" indent="-242888" algn="l" defTabSz="914400" rtl="0" eaLnBrk="1" latinLnBrk="0" hangingPunct="1">
+                  <a:lnSpc>
+                    <a:spcPct val="90000"/>
+                  </a:lnSpc>
+                  <a:spcBef>
+                    <a:spcPts val="200"/>
+                  </a:spcBef>
+                  <a:spcAft>
+                    <a:spcPts val="400"/>
+                  </a:spcAft>
+                  <a:buClr>
+                    <a:schemeClr val="accent2"/>
+                  </a:buClr>
+                  <a:buSzPct val="80000"/>
+                  <a:buFont typeface="Wingdings" panose="05000000000000000000" pitchFamily="2" charset="2"/>
+                  <a:buChar char="q"/>
+                  <a:defRPr lang="fr-FR" sz="1800" kern="1200">
+                    <a:solidFill>
+                      <a:schemeClr val="tx1">
+                        <a:lumMod val="75000"/>
+                        <a:lumOff val="25000"/>
+                      </a:schemeClr>
+                    </a:solidFill>
+                    <a:latin typeface="+mn-lt"/>
+                    <a:ea typeface="+mn-ea"/>
+                    <a:cs typeface="+mn-cs"/>
+                  </a:defRPr>
+                </a:lvl3pPr>
+                <a:lvl4pPr marL="804863" indent="-238125" algn="l" defTabSz="914400" rtl="0" eaLnBrk="1" latinLnBrk="0" hangingPunct="1">
+                  <a:lnSpc>
+                    <a:spcPct val="90000"/>
+                  </a:lnSpc>
+                  <a:spcBef>
+                    <a:spcPts val="200"/>
+                  </a:spcBef>
+                  <a:spcAft>
+                    <a:spcPts val="400"/>
+                  </a:spcAft>
+                  <a:buClr>
+                    <a:schemeClr val="accent3"/>
+                  </a:buClr>
+                  <a:buSzPct val="80000"/>
+                  <a:buFont typeface="Wingdings" panose="05000000000000000000" pitchFamily="2" charset="2"/>
+                  <a:buChar char="q"/>
+                  <a:defRPr lang="fr-FR" sz="1800" kern="1200">
+                    <a:solidFill>
+                      <a:schemeClr val="tx1">
+                        <a:lumMod val="75000"/>
+                        <a:lumOff val="25000"/>
+                      </a:schemeClr>
+                    </a:solidFill>
+                    <a:latin typeface="+mn-lt"/>
+                    <a:ea typeface="+mn-ea"/>
+                    <a:cs typeface="+mn-cs"/>
+                  </a:defRPr>
+                </a:lvl4pPr>
+                <a:lvl5pPr marL="982663" indent="-233363" algn="l" defTabSz="914400" rtl="0" eaLnBrk="1" latinLnBrk="0" hangingPunct="1">
+                  <a:lnSpc>
+                    <a:spcPct val="90000"/>
+                  </a:lnSpc>
+                  <a:spcBef>
+                    <a:spcPts val="200"/>
+                  </a:spcBef>
+                  <a:spcAft>
+                    <a:spcPts val="400"/>
+                  </a:spcAft>
+                  <a:buClr>
+                    <a:schemeClr val="accent4"/>
+                  </a:buClr>
+                  <a:buSzPct val="80000"/>
+                  <a:buFont typeface="Wingdings" panose="05000000000000000000" pitchFamily="2" charset="2"/>
+                  <a:buChar char="q"/>
+                  <a:defRPr lang="en-US" sz="1800" kern="1200">
+                    <a:solidFill>
+                      <a:schemeClr val="tx1">
+                        <a:lumMod val="75000"/>
+                        <a:lumOff val="25000"/>
+                      </a:schemeClr>
+                    </a:solidFill>
+                    <a:latin typeface="+mn-lt"/>
+                    <a:ea typeface="+mn-ea"/>
+                    <a:cs typeface="+mn-cs"/>
+                  </a:defRPr>
+                </a:lvl5pPr>
+                <a:lvl6pPr marL="1100000" indent="-228600" algn="l" defTabSz="914400" rtl="0" eaLnBrk="1" latinLnBrk="0" hangingPunct="1">
+                  <a:lnSpc>
+                    <a:spcPct val="90000"/>
+                  </a:lnSpc>
+                  <a:spcBef>
+                    <a:spcPts val="200"/>
+                  </a:spcBef>
+                  <a:spcAft>
+                    <a:spcPts val="400"/>
+                  </a:spcAft>
+                  <a:buClr>
+                    <a:schemeClr val="accent1"/>
+                  </a:buClr>
+                  <a:buFont typeface="Calibri" pitchFamily="34" charset="0"/>
+                  <a:buChar char="◦"/>
+                  <a:defRPr sz="1400" kern="1200">
+                    <a:solidFill>
+                      <a:schemeClr val="tx1">
+                        <a:lumMod val="75000"/>
+                        <a:lumOff val="25000"/>
+                      </a:schemeClr>
+                    </a:solidFill>
+                    <a:latin typeface="+mn-lt"/>
+                    <a:ea typeface="+mn-ea"/>
+                    <a:cs typeface="+mn-cs"/>
+                  </a:defRPr>
+                </a:lvl6pPr>
+                <a:lvl7pPr marL="1300000" indent="-228600" algn="l" defTabSz="914400" rtl="0" eaLnBrk="1" latinLnBrk="0" hangingPunct="1">
+                  <a:lnSpc>
+                    <a:spcPct val="90000"/>
+                  </a:lnSpc>
+                  <a:spcBef>
+                    <a:spcPts val="200"/>
+                  </a:spcBef>
+                  <a:spcAft>
+                    <a:spcPts val="400"/>
+                  </a:spcAft>
+                  <a:buClr>
+                    <a:schemeClr val="accent1"/>
+                  </a:buClr>
+                  <a:buFont typeface="Calibri" pitchFamily="34" charset="0"/>
+                  <a:buChar char="◦"/>
+                  <a:defRPr sz="1400" kern="1200">
+                    <a:solidFill>
+                      <a:schemeClr val="tx1">
+                        <a:lumMod val="75000"/>
+                        <a:lumOff val="25000"/>
+                      </a:schemeClr>
+                    </a:solidFill>
+                    <a:latin typeface="+mn-lt"/>
+                    <a:ea typeface="+mn-ea"/>
+                    <a:cs typeface="+mn-cs"/>
+                  </a:defRPr>
+                </a:lvl7pPr>
+                <a:lvl8pPr marL="1500000" indent="-228600" algn="l" defTabSz="914400" rtl="0" eaLnBrk="1" latinLnBrk="0" hangingPunct="1">
+                  <a:lnSpc>
+                    <a:spcPct val="90000"/>
+                  </a:lnSpc>
+                  <a:spcBef>
+                    <a:spcPts val="200"/>
+                  </a:spcBef>
+                  <a:spcAft>
+                    <a:spcPts val="400"/>
+                  </a:spcAft>
+                  <a:buClr>
+                    <a:schemeClr val="accent1"/>
+                  </a:buClr>
+                  <a:buFont typeface="Calibri" pitchFamily="34" charset="0"/>
+                  <a:buChar char="◦"/>
+                  <a:defRPr sz="1400" kern="1200">
+                    <a:solidFill>
+                      <a:schemeClr val="tx1">
+                        <a:lumMod val="75000"/>
+                        <a:lumOff val="25000"/>
+                      </a:schemeClr>
+                    </a:solidFill>
+                    <a:latin typeface="+mn-lt"/>
+                    <a:ea typeface="+mn-ea"/>
+                    <a:cs typeface="+mn-cs"/>
+                  </a:defRPr>
+                </a:lvl8pPr>
+                <a:lvl9pPr marL="1700000" indent="-228600" algn="l" defTabSz="914400" rtl="0" eaLnBrk="1" latinLnBrk="0" hangingPunct="1">
+                  <a:lnSpc>
+                    <a:spcPct val="90000"/>
+                  </a:lnSpc>
+                  <a:spcBef>
+                    <a:spcPts val="200"/>
+                  </a:spcBef>
+                  <a:spcAft>
+                    <a:spcPts val="400"/>
+                  </a:spcAft>
+                  <a:buClr>
+                    <a:schemeClr val="accent1"/>
+                  </a:buClr>
+                  <a:buFont typeface="Calibri" pitchFamily="34" charset="0"/>
+                  <a:buChar char="◦"/>
+                  <a:defRPr sz="1400" kern="1200">
+                    <a:solidFill>
+                      <a:schemeClr val="tx1">
+                        <a:lumMod val="75000"/>
+                        <a:lumOff val="25000"/>
+                      </a:schemeClr>
+                    </a:solidFill>
+                    <a:latin typeface="+mn-lt"/>
+                    <a:ea typeface="+mn-ea"/>
+                    <a:cs typeface="+mn-cs"/>
+                  </a:defRPr>
+                </a:lvl9pPr>
+              </a:lstStyle>
+              <a:p>
+                <a:r>
+                  <a:rPr lang="fr-FR" dirty="0"/>
+                  <a:t>Mesure de courant</a:t>
+                </a:r>
+              </a:p>
+              <a:p>
+                <a:pPr lvl="1"/>
+                <a14:m>
+                  <m:oMath xmlns:m="http://schemas.openxmlformats.org/officeDocument/2006/math">
+                    <m:sSub>
+                      <m:sSubPr>
+                        <m:ctrlPr>
+                          <a:rPr lang="fr-FR" i="1">
+                            <a:latin typeface="Cambria Math" panose="02040503050406030204" pitchFamily="18" charset="0"/>
+                          </a:rPr>
+                        </m:ctrlPr>
+                      </m:sSubPr>
+                      <m:e>
+                        <m:r>
+                          <a:rPr lang="fr-FR" i="1">
+                            <a:latin typeface="Cambria Math" panose="02040503050406030204" pitchFamily="18" charset="0"/>
+                          </a:rPr>
+                          <m:t>𝑖</m:t>
+                        </m:r>
+                      </m:e>
+                      <m:sub>
+                        <m:r>
+                          <a:rPr lang="fr-FR" b="0" i="1" smtClean="0">
+                            <a:latin typeface="Cambria Math" panose="02040503050406030204" pitchFamily="18" charset="0"/>
+                          </a:rPr>
+                          <m:t>𝑏</m:t>
+                        </m:r>
+                      </m:sub>
+                    </m:sSub>
+                    <m:r>
+                      <a:rPr lang="fr-FR" i="1">
+                        <a:latin typeface="Cambria Math" panose="02040503050406030204" pitchFamily="18" charset="0"/>
+                      </a:rPr>
+                      <m:t>=1,1 </m:t>
+                    </m:r>
+                    <m:r>
+                      <m:rPr>
+                        <m:sty m:val="p"/>
+                      </m:rPr>
+                      <a:rPr lang="fr-FR">
+                        <a:latin typeface="Cambria Math" panose="02040503050406030204" pitchFamily="18" charset="0"/>
+                      </a:rPr>
+                      <m:t>A</m:t>
+                    </m:r>
+                  </m:oMath>
+                </a14:m>
+                <a:endParaRPr lang="fr-FR" dirty="0"/>
+              </a:p>
+              <a:p>
+                <a:pPr lvl="2"/>
+                <a14:m>
+                  <m:oMath xmlns:m="http://schemas.openxmlformats.org/officeDocument/2006/math">
+                    <m:sSub>
+                      <m:sSubPr>
+                        <m:ctrlPr>
+                          <a:rPr lang="fr-FR" b="0" i="1" smtClean="0">
+                            <a:latin typeface="Cambria Math" panose="02040503050406030204" pitchFamily="18" charset="0"/>
+                          </a:rPr>
+                        </m:ctrlPr>
+                      </m:sSubPr>
+                      <m:e>
+                        <m:r>
+                          <a:rPr lang="fr-FR" b="0" i="1" smtClean="0">
+                            <a:latin typeface="Cambria Math" panose="02040503050406030204" pitchFamily="18" charset="0"/>
+                          </a:rPr>
+                          <m:t>𝐶</m:t>
+                        </m:r>
+                      </m:e>
+                      <m:sub>
+                        <m:r>
+                          <a:rPr lang="fr-FR" b="0" i="1" smtClean="0">
+                            <a:latin typeface="Cambria Math" panose="02040503050406030204" pitchFamily="18" charset="0"/>
+                          </a:rPr>
+                          <m:t>𝑚𝑏</m:t>
+                        </m:r>
+                      </m:sub>
+                    </m:sSub>
+                    <m:r>
+                      <a:rPr lang="fr-FR" b="0" i="1" smtClean="0">
+                        <a:latin typeface="Cambria Math" panose="02040503050406030204" pitchFamily="18" charset="0"/>
+                      </a:rPr>
+                      <m:t>=0,0331 </m:t>
+                    </m:r>
+                    <m:r>
+                      <m:rPr>
+                        <m:sty m:val="p"/>
+                      </m:rPr>
+                      <a:rPr lang="fr-FR" b="0" i="0" smtClean="0">
+                        <a:latin typeface="Cambria Math" panose="02040503050406030204" pitchFamily="18" charset="0"/>
+                      </a:rPr>
+                      <m:t>Nm</m:t>
+                    </m:r>
+                  </m:oMath>
+                </a14:m>
+                <a:endParaRPr lang="fr-FR" b="0" dirty="0"/>
+              </a:p>
+              <a:p>
+                <a:pPr lvl="2"/>
+                <a14:m>
+                  <m:oMath xmlns:m="http://schemas.openxmlformats.org/officeDocument/2006/math">
+                    <m:sSub>
+                      <m:sSubPr>
+                        <m:ctrlPr>
+                          <a:rPr lang="fr-FR" b="0" i="1" smtClean="0">
+                            <a:latin typeface="Cambria Math" panose="02040503050406030204" pitchFamily="18" charset="0"/>
+                          </a:rPr>
+                        </m:ctrlPr>
+                      </m:sSubPr>
+                      <m:e>
+                        <m:r>
+                          <a:rPr lang="fr-FR" b="0" i="1" smtClean="0">
+                            <a:latin typeface="Cambria Math" panose="02040503050406030204" pitchFamily="18" charset="0"/>
+                          </a:rPr>
+                          <m:t>𝐹</m:t>
+                        </m:r>
+                      </m:e>
+                      <m:sub>
+                        <m:r>
+                          <a:rPr lang="fr-FR" b="0" i="1" smtClean="0">
+                            <a:latin typeface="Cambria Math" panose="02040503050406030204" pitchFamily="18" charset="0"/>
+                          </a:rPr>
+                          <m:t>𝑚𝑏</m:t>
+                        </m:r>
+                      </m:sub>
+                    </m:sSub>
+                    <m:r>
+                      <a:rPr lang="fr-FR" i="1">
+                        <a:latin typeface="Cambria Math" panose="02040503050406030204" pitchFamily="18" charset="0"/>
+                      </a:rPr>
+                      <m:t>=31,79 </m:t>
+                    </m:r>
+                    <m:r>
+                      <m:rPr>
+                        <m:sty m:val="p"/>
+                      </m:rPr>
+                      <a:rPr lang="fr-FR">
+                        <a:latin typeface="Cambria Math" panose="02040503050406030204" pitchFamily="18" charset="0"/>
+                      </a:rPr>
+                      <m:t>N</m:t>
+                    </m:r>
+                  </m:oMath>
+                </a14:m>
+                <a:endParaRPr lang="fr-FR" dirty="0"/>
+              </a:p>
+              <a:p>
+                <a:pPr lvl="1"/>
+                <a14:m>
+                  <m:oMath xmlns:m="http://schemas.openxmlformats.org/officeDocument/2006/math">
+                    <m:sSub>
+                      <m:sSubPr>
+                        <m:ctrlPr>
+                          <a:rPr lang="fr-FR" b="0" i="1" smtClean="0">
+                            <a:latin typeface="Cambria Math" panose="02040503050406030204" pitchFamily="18" charset="0"/>
+                          </a:rPr>
+                        </m:ctrlPr>
+                      </m:sSubPr>
+                      <m:e>
+                        <m:r>
+                          <a:rPr lang="fr-FR" b="0" i="1" smtClean="0">
+                            <a:latin typeface="Cambria Math" panose="02040503050406030204" pitchFamily="18" charset="0"/>
+                          </a:rPr>
+                          <m:t>𝑖</m:t>
+                        </m:r>
+                      </m:e>
+                      <m:sub>
+                        <m:r>
+                          <a:rPr lang="fr-FR" b="0" i="1" smtClean="0">
+                            <a:latin typeface="Cambria Math" panose="02040503050406030204" pitchFamily="18" charset="0"/>
+                          </a:rPr>
+                          <m:t>h</m:t>
+                        </m:r>
+                      </m:sub>
+                    </m:sSub>
+                    <m:r>
+                      <a:rPr lang="fr-FR" b="0" i="1" smtClean="0">
+                        <a:latin typeface="Cambria Math" panose="02040503050406030204" pitchFamily="18" charset="0"/>
+                      </a:rPr>
+                      <m:t>=</m:t>
+                    </m:r>
+                    <m:r>
+                      <a:rPr lang="fr-FR" b="0" i="1" smtClean="0">
+                        <a:latin typeface="Cambria Math" panose="02040503050406030204" pitchFamily="18" charset="0"/>
+                      </a:rPr>
+                      <m:t>2</m:t>
+                    </m:r>
+                    <m:r>
+                      <a:rPr lang="fr-FR" b="0" i="1" smtClean="0">
+                        <a:latin typeface="Cambria Math" panose="02040503050406030204" pitchFamily="18" charset="0"/>
+                      </a:rPr>
+                      <m:t>,</m:t>
+                    </m:r>
+                    <m:r>
+                      <a:rPr lang="fr-FR" b="0" i="1" smtClean="0">
+                        <a:latin typeface="Cambria Math" panose="02040503050406030204" pitchFamily="18" charset="0"/>
+                      </a:rPr>
+                      <m:t>7</m:t>
+                    </m:r>
+                    <m:r>
+                      <a:rPr lang="fr-FR" b="0" i="1" smtClean="0">
+                        <a:latin typeface="Cambria Math" panose="02040503050406030204" pitchFamily="18" charset="0"/>
+                      </a:rPr>
+                      <m:t> </m:t>
+                    </m:r>
+                    <m:r>
+                      <m:rPr>
+                        <m:sty m:val="p"/>
+                      </m:rPr>
+                      <a:rPr lang="fr-FR" b="0" i="0" smtClean="0">
+                        <a:latin typeface="Cambria Math" panose="02040503050406030204" pitchFamily="18" charset="0"/>
+                      </a:rPr>
+                      <m:t>A</m:t>
+                    </m:r>
+                  </m:oMath>
+                </a14:m>
+                <a:endParaRPr lang="fr-FR" b="0" dirty="0"/>
+              </a:p>
+              <a:p>
+                <a:pPr lvl="2"/>
+                <a14:m>
+                  <m:oMath xmlns:m="http://schemas.openxmlformats.org/officeDocument/2006/math">
+                    <m:sSub>
+                      <m:sSubPr>
+                        <m:ctrlPr>
+                          <a:rPr lang="fr-FR" b="0" i="1" smtClean="0">
+                            <a:latin typeface="Cambria Math" panose="02040503050406030204" pitchFamily="18" charset="0"/>
+                          </a:rPr>
+                        </m:ctrlPr>
+                      </m:sSubPr>
+                      <m:e>
+                        <m:r>
+                          <a:rPr lang="fr-FR" b="0" i="1" smtClean="0">
+                            <a:latin typeface="Cambria Math" panose="02040503050406030204" pitchFamily="18" charset="0"/>
+                          </a:rPr>
+                          <m:t>𝐶</m:t>
+                        </m:r>
+                      </m:e>
+                      <m:sub>
+                        <m:r>
+                          <a:rPr lang="fr-FR" b="0" i="1" smtClean="0">
+                            <a:latin typeface="Cambria Math" panose="02040503050406030204" pitchFamily="18" charset="0"/>
+                          </a:rPr>
+                          <m:t>𝑚</m:t>
+                        </m:r>
+                        <m:r>
+                          <a:rPr lang="fr-FR" b="0" i="1" smtClean="0">
+                            <a:latin typeface="Cambria Math" panose="02040503050406030204" pitchFamily="18" charset="0"/>
+                          </a:rPr>
+                          <m:t>h</m:t>
+                        </m:r>
+                      </m:sub>
+                    </m:sSub>
+                    <m:r>
+                      <a:rPr lang="fr-FR" b="0" i="1" smtClean="0">
+                        <a:latin typeface="Cambria Math" panose="02040503050406030204" pitchFamily="18" charset="0"/>
+                      </a:rPr>
+                      <m:t>=0,0</m:t>
+                    </m:r>
+                    <m:r>
+                      <a:rPr lang="fr-FR" b="0" i="1" smtClean="0">
+                        <a:latin typeface="Cambria Math" panose="02040503050406030204" pitchFamily="18" charset="0"/>
+                      </a:rPr>
+                      <m:t>813</m:t>
+                    </m:r>
+                    <m:r>
+                      <a:rPr lang="fr-FR" b="0" i="1" smtClean="0">
+                        <a:latin typeface="Cambria Math" panose="02040503050406030204" pitchFamily="18" charset="0"/>
+                      </a:rPr>
+                      <m:t> </m:t>
+                    </m:r>
+                    <m:r>
+                      <m:rPr>
+                        <m:sty m:val="p"/>
+                      </m:rPr>
+                      <a:rPr lang="fr-FR" b="0" i="0" smtClean="0">
+                        <a:latin typeface="Cambria Math" panose="02040503050406030204" pitchFamily="18" charset="0"/>
+                      </a:rPr>
+                      <m:t>Nm</m:t>
+                    </m:r>
+                  </m:oMath>
+                </a14:m>
+                <a:endParaRPr lang="fr-FR" dirty="0"/>
+              </a:p>
+              <a:p>
+                <a:pPr lvl="2"/>
+                <a14:m>
+                  <m:oMath xmlns:m="http://schemas.openxmlformats.org/officeDocument/2006/math">
+                    <m:sSub>
+                      <m:sSubPr>
+                        <m:ctrlPr>
+                          <a:rPr lang="fr-FR" b="0" i="1" smtClean="0">
+                            <a:latin typeface="Cambria Math" panose="02040503050406030204" pitchFamily="18" charset="0"/>
+                          </a:rPr>
+                        </m:ctrlPr>
+                      </m:sSubPr>
+                      <m:e>
+                        <m:r>
+                          <a:rPr lang="fr-FR" b="0" i="1" smtClean="0">
+                            <a:latin typeface="Cambria Math" panose="02040503050406030204" pitchFamily="18" charset="0"/>
+                          </a:rPr>
+                          <m:t>𝐹</m:t>
+                        </m:r>
+                      </m:e>
+                      <m:sub>
+                        <m:r>
+                          <a:rPr lang="fr-FR" b="0" i="1" smtClean="0">
+                            <a:latin typeface="Cambria Math" panose="02040503050406030204" pitchFamily="18" charset="0"/>
+                          </a:rPr>
+                          <m:t>𝑚h</m:t>
+                        </m:r>
+                      </m:sub>
+                    </m:sSub>
+                    <m:r>
+                      <a:rPr lang="fr-FR" i="1">
+                        <a:latin typeface="Cambria Math" panose="02040503050406030204" pitchFamily="18" charset="0"/>
+                      </a:rPr>
+                      <m:t>=78 </m:t>
+                    </m:r>
+                    <m:r>
+                      <m:rPr>
+                        <m:sty m:val="p"/>
+                      </m:rPr>
+                      <a:rPr lang="fr-FR">
+                        <a:latin typeface="Cambria Math" panose="02040503050406030204" pitchFamily="18" charset="0"/>
+                      </a:rPr>
+                      <m:t>N</m:t>
+                    </m:r>
+                  </m:oMath>
+                </a14:m>
+                <a:endParaRPr lang="fr-FR" dirty="0"/>
+              </a:p>
+              <a:p>
+                <a:pPr lvl="2"/>
+                <a:endParaRPr lang="fr-FR" dirty="0"/>
+              </a:p>
+              <a:p>
+                <a:pPr lvl="2"/>
+                <a:endParaRPr lang="fr-FR" dirty="0"/>
+              </a:p>
+              <a:p>
+                <a:pPr lvl="1"/>
+                <a:r>
+                  <a:rPr lang="fr-FR" dirty="0"/>
+                  <a:t>Analyse des mesures</a:t>
+                </a:r>
+              </a:p>
+              <a:p>
+                <a:pPr lvl="2"/>
+                <a14:m>
+                  <m:oMath xmlns:m="http://schemas.openxmlformats.org/officeDocument/2006/math">
+                    <m:r>
+                      <a:rPr lang="fr-FR" b="0" i="1" smtClean="0">
+                        <a:latin typeface="Cambria Math" panose="02040503050406030204" pitchFamily="18" charset="0"/>
+                      </a:rPr>
+                      <m:t>𝑀</m:t>
+                    </m:r>
+                    <m:r>
+                      <a:rPr lang="fr-FR" b="0" i="1" smtClean="0">
+                        <a:latin typeface="Cambria Math" panose="02040503050406030204" pitchFamily="18" charset="0"/>
+                      </a:rPr>
+                      <m:t>=5,59 </m:t>
+                    </m:r>
+                    <m:r>
+                      <m:rPr>
+                        <m:sty m:val="p"/>
+                      </m:rPr>
+                      <a:rPr lang="fr-FR" b="0" i="0" smtClean="0">
+                        <a:latin typeface="Cambria Math" panose="02040503050406030204" pitchFamily="18" charset="0"/>
+                      </a:rPr>
+                      <m:t>kg</m:t>
+                    </m:r>
+                  </m:oMath>
+                </a14:m>
+                <a:endParaRPr lang="fr-FR" b="0" dirty="0"/>
+              </a:p>
+              <a:p>
+                <a:pPr lvl="2"/>
+                <a14:m>
+                  <m:oMath xmlns:m="http://schemas.openxmlformats.org/officeDocument/2006/math">
+                    <m:sSub>
+                      <m:sSubPr>
+                        <m:ctrlPr>
+                          <a:rPr lang="fr-FR" b="0" i="1" smtClean="0">
+                            <a:latin typeface="Cambria Math" panose="02040503050406030204" pitchFamily="18" charset="0"/>
+                          </a:rPr>
+                        </m:ctrlPr>
+                      </m:sSubPr>
+                      <m:e>
+                        <m:r>
+                          <a:rPr lang="fr-FR" b="0" i="1" smtClean="0">
+                            <a:latin typeface="Cambria Math" panose="02040503050406030204" pitchFamily="18" charset="0"/>
+                          </a:rPr>
+                          <m:t>𝐹</m:t>
+                        </m:r>
+                      </m:e>
+                      <m:sub>
+                        <m:r>
+                          <a:rPr lang="fr-FR" b="0" i="1" smtClean="0">
+                            <a:latin typeface="Cambria Math" panose="02040503050406030204" pitchFamily="18" charset="0"/>
+                          </a:rPr>
+                          <m:t>𝑟</m:t>
+                        </m:r>
+                      </m:sub>
+                    </m:sSub>
+                    <m:r>
+                      <a:rPr lang="fr-FR" b="0" i="1" smtClean="0">
+                        <a:latin typeface="Cambria Math" panose="02040503050406030204" pitchFamily="18" charset="0"/>
+                      </a:rPr>
+                      <m:t>=20 à 23 </m:t>
+                    </m:r>
+                    <m:r>
+                      <m:rPr>
+                        <m:sty m:val="p"/>
+                      </m:rPr>
+                      <a:rPr lang="fr-FR" b="0" i="0" smtClean="0">
+                        <a:latin typeface="Cambria Math" panose="02040503050406030204" pitchFamily="18" charset="0"/>
+                      </a:rPr>
+                      <m:t>N</m:t>
+                    </m:r>
+                  </m:oMath>
+                </a14:m>
+                <a:r>
+                  <a:rPr lang="fr-FR" dirty="0"/>
+                  <a:t> et </a:t>
+                </a:r>
+                <a14:m>
+                  <m:oMath xmlns:m="http://schemas.openxmlformats.org/officeDocument/2006/math">
+                    <m:sSub>
+                      <m:sSubPr>
+                        <m:ctrlPr>
+                          <a:rPr lang="fr-FR" b="0" i="1" smtClean="0">
+                            <a:latin typeface="Cambria Math" panose="02040503050406030204" pitchFamily="18" charset="0"/>
+                          </a:rPr>
+                        </m:ctrlPr>
+                      </m:sSubPr>
+                      <m:e>
+                        <m:r>
+                          <a:rPr lang="fr-FR" b="0" i="1" smtClean="0">
+                            <a:latin typeface="Cambria Math" panose="02040503050406030204" pitchFamily="18" charset="0"/>
+                          </a:rPr>
+                          <m:t>𝐶</m:t>
+                        </m:r>
+                      </m:e>
+                      <m:sub>
+                        <m:r>
+                          <a:rPr lang="fr-FR" b="0" i="1" smtClean="0">
+                            <a:latin typeface="Cambria Math" panose="02040503050406030204" pitchFamily="18" charset="0"/>
+                          </a:rPr>
+                          <m:t>𝑟𝑚</m:t>
+                        </m:r>
+                      </m:sub>
+                    </m:sSub>
+                    <m:r>
+                      <a:rPr lang="fr-FR" b="0" i="1" smtClean="0">
+                        <a:latin typeface="Cambria Math" panose="02040503050406030204" pitchFamily="18" charset="0"/>
+                      </a:rPr>
+                      <m:t>=</m:t>
+                    </m:r>
+                    <m:r>
+                      <a:rPr lang="fr-FR" b="0" i="0" smtClean="0">
+                        <a:latin typeface="Cambria Math" panose="02040503050406030204" pitchFamily="18" charset="0"/>
+                      </a:rPr>
+                      <m:t>0,024 </m:t>
+                    </m:r>
+                    <m:r>
+                      <m:rPr>
+                        <m:sty m:val="p"/>
+                      </m:rPr>
+                      <a:rPr lang="fr-FR" b="0" i="0" smtClean="0">
+                        <a:latin typeface="Cambria Math" panose="02040503050406030204" pitchFamily="18" charset="0"/>
+                      </a:rPr>
+                      <m:t>Nm</m:t>
+                    </m:r>
+                  </m:oMath>
+                </a14:m>
+                <a:endParaRPr lang="ar-AE" dirty="0"/>
+              </a:p>
+            </p:txBody>
+          </p:sp>
+        </mc:Choice>
+        <mc:Fallback>
+          <p:sp>
+            <p:nvSpPr>
+              <p:cNvPr id="4" name="Espace réservé du contenu 2">
+                <a:extLst>
+                  <a:ext uri="{FF2B5EF4-FFF2-40B4-BE49-F238E27FC236}">
+                    <a16:creationId xmlns:a16="http://schemas.microsoft.com/office/drawing/2014/main" id="{B16EF985-D429-6792-BACB-7B40507E47C4}"/>
+                  </a:ext>
+                </a:extLst>
+              </p:cNvPr>
+              <p:cNvSpPr txBox="1">
+                <a:spLocks noRot="1" noChangeAspect="1" noMove="1" noResize="1" noEditPoints="1" noAdjustHandles="1" noChangeArrowheads="1" noChangeShapeType="1" noTextEdit="1"/>
+              </p:cNvSpPr>
+              <p:nvPr/>
+            </p:nvSpPr>
+            <p:spPr>
+              <a:xfrm>
+                <a:off x="6096000" y="981886"/>
+                <a:ext cx="5978205" cy="5253339"/>
+              </a:xfrm>
+              <a:prstGeom prst="rect">
+                <a:avLst/>
+              </a:prstGeom>
+              <a:blipFill>
+                <a:blip r:embed="rId3"/>
+                <a:stretch>
+                  <a:fillRect l="-2650" t="-1856"/>
                 </a:stretch>
               </a:blipFill>
             </p:spPr>

--- a/04_Comax/04_Comax_Corrige.pptx
+++ b/04_Comax/04_Comax_Corrige.pptx
@@ -12,6 +12,9 @@
     <p:sldId id="269" r:id="rId6"/>
     <p:sldId id="268" r:id="rId7"/>
     <p:sldId id="270" r:id="rId8"/>
+    <p:sldId id="272" r:id="rId9"/>
+    <p:sldId id="271" r:id="rId10"/>
+    <p:sldId id="274" r:id="rId11"/>
   </p:sldIdLst>
   <p:sldSz cx="12192000" cy="6858000"/>
   <p:notesSz cx="6858000" cy="9144000"/>
@@ -358,7 +361,7 @@
           <a:p>
             <a:fld id="{D7F135F6-2A09-4FDD-9ECA-096E230CA0FA}" type="datetimeFigureOut">
               <a:rPr lang="fr-FR" smtClean="0"/>
-              <a:t>08/07/2023</a:t>
+              <a:t>09/01/2024</a:t>
             </a:fld>
             <a:endParaRPr lang="fr-FR"/>
           </a:p>
@@ -563,7 +566,7 @@
           <a:p>
             <a:fld id="{D7F135F6-2A09-4FDD-9ECA-096E230CA0FA}" type="datetimeFigureOut">
               <a:rPr lang="fr-FR" smtClean="0"/>
-              <a:t>08/07/2023</a:t>
+              <a:t>09/01/2024</a:t>
             </a:fld>
             <a:endParaRPr lang="fr-FR"/>
           </a:p>
@@ -819,7 +822,7 @@
           <a:p>
             <a:fld id="{D7F135F6-2A09-4FDD-9ECA-096E230CA0FA}" type="datetimeFigureOut">
               <a:rPr lang="fr-FR" smtClean="0"/>
-              <a:t>08/07/2023</a:t>
+              <a:t>09/01/2024</a:t>
             </a:fld>
             <a:endParaRPr lang="fr-FR"/>
           </a:p>
@@ -1025,7 +1028,7 @@
           <a:p>
             <a:fld id="{D7F135F6-2A09-4FDD-9ECA-096E230CA0FA}" type="datetimeFigureOut">
               <a:rPr lang="fr-FR" smtClean="0"/>
-              <a:t>08/07/2023</a:t>
+              <a:t>09/01/2024</a:t>
             </a:fld>
             <a:endParaRPr lang="fr-FR"/>
           </a:p>
@@ -1387,7 +1390,7 @@
           <a:p>
             <a:fld id="{D7F135F6-2A09-4FDD-9ECA-096E230CA0FA}" type="datetimeFigureOut">
               <a:rPr lang="fr-FR" smtClean="0"/>
-              <a:t>08/07/2023</a:t>
+              <a:t>09/01/2024</a:t>
             </a:fld>
             <a:endParaRPr lang="fr-FR"/>
           </a:p>
@@ -1662,7 +1665,7 @@
           <a:p>
             <a:fld id="{D7F135F6-2A09-4FDD-9ECA-096E230CA0FA}" type="datetimeFigureOut">
               <a:rPr lang="fr-FR" smtClean="0"/>
-              <a:t>08/07/2023</a:t>
+              <a:t>09/01/2024</a:t>
             </a:fld>
             <a:endParaRPr lang="fr-FR"/>
           </a:p>
@@ -2041,7 +2044,7 @@
           <a:p>
             <a:fld id="{D7F135F6-2A09-4FDD-9ECA-096E230CA0FA}" type="datetimeFigureOut">
               <a:rPr lang="fr-FR" smtClean="0"/>
-              <a:t>08/07/2023</a:t>
+              <a:t>09/01/2024</a:t>
             </a:fld>
             <a:endParaRPr lang="fr-FR"/>
           </a:p>
@@ -2159,7 +2162,7 @@
           <a:p>
             <a:fld id="{D7F135F6-2A09-4FDD-9ECA-096E230CA0FA}" type="datetimeFigureOut">
               <a:rPr lang="fr-FR" smtClean="0"/>
-              <a:t>08/07/2023</a:t>
+              <a:t>09/01/2024</a:t>
             </a:fld>
             <a:endParaRPr lang="fr-FR"/>
           </a:p>
@@ -2333,7 +2336,7 @@
           <a:p>
             <a:fld id="{D7F135F6-2A09-4FDD-9ECA-096E230CA0FA}" type="datetimeFigureOut">
               <a:rPr lang="fr-FR" smtClean="0"/>
-              <a:t>08/07/2023</a:t>
+              <a:t>09/01/2024</a:t>
             </a:fld>
             <a:endParaRPr lang="fr-FR"/>
           </a:p>
@@ -2690,7 +2693,7 @@
           <a:p>
             <a:fld id="{D7F135F6-2A09-4FDD-9ECA-096E230CA0FA}" type="datetimeFigureOut">
               <a:rPr lang="fr-FR" smtClean="0"/>
-              <a:t>08/07/2023</a:t>
+              <a:t>09/01/2024</a:t>
             </a:fld>
             <a:endParaRPr lang="fr-FR"/>
           </a:p>
@@ -3075,7 +3078,7 @@
           <a:p>
             <a:fld id="{D7F135F6-2A09-4FDD-9ECA-096E230CA0FA}" type="datetimeFigureOut">
               <a:rPr lang="fr-FR" smtClean="0"/>
-              <a:t>08/07/2023</a:t>
+              <a:t>09/01/2024</a:t>
             </a:fld>
             <a:endParaRPr lang="fr-FR"/>
           </a:p>
@@ -3365,7 +3368,7 @@
           <a:p>
             <a:fld id="{D7F135F6-2A09-4FDD-9ECA-096E230CA0FA}" type="datetimeFigureOut">
               <a:rPr lang="fr-FR" smtClean="0"/>
-              <a:t>08/07/2023</a:t>
+              <a:t>09/01/2024</a:t>
             </a:fld>
             <a:endParaRPr lang="fr-FR" dirty="0"/>
           </a:p>
@@ -3973,6 +3976,175 @@
     <p:extLst>
       <p:ext uri="{BB962C8B-B14F-4D97-AF65-F5344CB8AC3E}">
         <p14:creationId xmlns:p14="http://schemas.microsoft.com/office/powerpoint/2010/main" val="3289843452"/>
+      </p:ext>
+    </p:extLst>
+  </p:cSld>
+  <p:clrMapOvr>
+    <a:masterClrMapping/>
+  </p:clrMapOvr>
+</p:sld>
+</file>
+
+<file path=ppt/slides/slide10.xml><?xml version="1.0" encoding="utf-8"?>
+<p:sld xmlns:a="http://schemas.openxmlformats.org/drawingml/2006/main" xmlns:r="http://schemas.openxmlformats.org/officeDocument/2006/relationships" xmlns:p="http://schemas.openxmlformats.org/presentationml/2006/main">
+  <p:cSld>
+    <p:spTree>
+      <p:nvGrpSpPr>
+        <p:cNvPr id="1" name=""/>
+        <p:cNvGrpSpPr/>
+        <p:nvPr/>
+      </p:nvGrpSpPr>
+      <p:grpSpPr>
+        <a:xfrm>
+          <a:off x="0" y="0"/>
+          <a:ext cx="0" cy="0"/>
+          <a:chOff x="0" y="0"/>
+          <a:chExt cx="0" cy="0"/>
+        </a:xfrm>
+      </p:grpSpPr>
+      <p:sp>
+        <p:nvSpPr>
+          <p:cNvPr id="2" name="Titre 1"/>
+          <p:cNvSpPr>
+            <a:spLocks noGrp="1"/>
+          </p:cNvSpPr>
+          <p:nvPr>
+            <p:ph type="title"/>
+          </p:nvPr>
+        </p:nvSpPr>
+        <p:spPr/>
+        <p:txBody>
+          <a:bodyPr/>
+          <a:lstStyle/>
+          <a:p>
+            <a:endParaRPr lang="fr-FR" dirty="0"/>
+          </a:p>
+        </p:txBody>
+      </p:sp>
+      <p:sp>
+        <p:nvSpPr>
+          <p:cNvPr id="3" name="Espace réservé du contenu 2"/>
+          <p:cNvSpPr>
+            <a:spLocks noGrp="1"/>
+          </p:cNvSpPr>
+          <p:nvPr>
+            <p:ph idx="1"/>
+          </p:nvPr>
+        </p:nvSpPr>
+        <p:spPr>
+          <a:xfrm>
+            <a:off x="117795" y="981887"/>
+            <a:ext cx="5978205" cy="5253339"/>
+          </a:xfrm>
+        </p:spPr>
+        <p:txBody>
+          <a:bodyPr/>
+          <a:lstStyle/>
+          <a:p>
+            <a:r>
+              <a:rPr lang="fr-FR" dirty="0" smtClean="0"/>
+              <a:t>Energie cinétique</a:t>
+            </a:r>
+          </a:p>
+          <a:p>
+            <a:pPr lvl="1"/>
+            <a:r>
+              <a:rPr lang="fr-FR" dirty="0" smtClean="0"/>
+              <a:t>Rotor moteur</a:t>
+            </a:r>
+          </a:p>
+          <a:p>
+            <a:pPr lvl="1"/>
+            <a:r>
+              <a:rPr lang="fr-FR" dirty="0" smtClean="0"/>
+              <a:t>Réducteur</a:t>
+            </a:r>
+          </a:p>
+          <a:p>
+            <a:pPr lvl="1"/>
+            <a:r>
+              <a:rPr lang="fr-FR" dirty="0" smtClean="0"/>
+              <a:t>Axe linéaire</a:t>
+            </a:r>
+          </a:p>
+          <a:p>
+            <a:r>
+              <a:rPr lang="fr-FR" dirty="0" smtClean="0"/>
+              <a:t>Puissance intérieure</a:t>
+            </a:r>
+          </a:p>
+          <a:p>
+            <a:pPr lvl="1"/>
+            <a:r>
+              <a:rPr lang="fr-FR" dirty="0" smtClean="0"/>
+              <a:t>Puissance dans les liaisons</a:t>
+            </a:r>
+          </a:p>
+          <a:p>
+            <a:pPr lvl="1"/>
+            <a:r>
+              <a:rPr lang="fr-FR" dirty="0" smtClean="0"/>
+              <a:t>Puissance dissipée par frottements</a:t>
+            </a:r>
+          </a:p>
+          <a:p>
+            <a:r>
+              <a:rPr lang="fr-FR" dirty="0" smtClean="0"/>
+              <a:t>Puissance extérieure</a:t>
+            </a:r>
+          </a:p>
+          <a:p>
+            <a:pPr lvl="1"/>
+            <a:r>
+              <a:rPr lang="fr-FR" dirty="0" smtClean="0"/>
+              <a:t>Puissance du moteur</a:t>
+            </a:r>
+          </a:p>
+          <a:p>
+            <a:pPr lvl="1"/>
+            <a:r>
+              <a:rPr lang="fr-FR" dirty="0" smtClean="0"/>
+              <a:t>Puissance dans les liaisons</a:t>
+            </a:r>
+          </a:p>
+          <a:p>
+            <a:pPr lvl="1"/>
+            <a:r>
+              <a:rPr lang="fr-FR" dirty="0" smtClean="0"/>
+              <a:t>Puissance de frottement</a:t>
+            </a:r>
+            <a:endParaRPr lang="fr-FR" dirty="0"/>
+          </a:p>
+        </p:txBody>
+      </p:sp>
+      <p:pic>
+        <p:nvPicPr>
+          <p:cNvPr id="5" name="Image 4"/>
+          <p:cNvPicPr>
+            <a:picLocks noChangeAspect="1"/>
+          </p:cNvPicPr>
+          <p:nvPr/>
+        </p:nvPicPr>
+        <p:blipFill>
+          <a:blip r:embed="rId2"/>
+          <a:stretch>
+            <a:fillRect/>
+          </a:stretch>
+        </p:blipFill>
+        <p:spPr>
+          <a:xfrm>
+            <a:off x="6574971" y="171599"/>
+            <a:ext cx="5499234" cy="1068070"/>
+          </a:xfrm>
+          <a:prstGeom prst="rect">
+            <a:avLst/>
+          </a:prstGeom>
+        </p:spPr>
+      </p:pic>
+    </p:spTree>
+    <p:extLst>
+      <p:ext uri="{BB962C8B-B14F-4D97-AF65-F5344CB8AC3E}">
+        <p14:creationId xmlns:p14="http://schemas.microsoft.com/office/powerpoint/2010/main" val="1974777859"/>
       </p:ext>
     </p:extLst>
   </p:cSld>
@@ -6420,8 +6592,8 @@
           </p:txBody>
         </p:sp>
       </p:grpSp>
-      <mc:AlternateContent xmlns:mc="http://schemas.openxmlformats.org/markup-compatibility/2006">
-        <mc:Choice xmlns:a14="http://schemas.microsoft.com/office/drawing/2010/main" Requires="a14">
+      <mc:AlternateContent xmlns:mc="http://schemas.openxmlformats.org/markup-compatibility/2006" xmlns:a14="http://schemas.microsoft.com/office/drawing/2010/main">
+        <mc:Choice Requires="a14">
           <p:sp>
             <p:nvSpPr>
               <p:cNvPr id="64" name="ZoneTexte 63">
@@ -6485,7 +6657,7 @@
             </p:txBody>
           </p:sp>
         </mc:Choice>
-        <mc:Fallback>
+        <mc:Fallback xmlns="">
           <p:sp>
             <p:nvSpPr>
               <p:cNvPr id="64" name="ZoneTexte 63">
@@ -6530,8 +6702,8 @@
           </p:sp>
         </mc:Fallback>
       </mc:AlternateContent>
-      <mc:AlternateContent xmlns:mc="http://schemas.openxmlformats.org/markup-compatibility/2006">
-        <mc:Choice xmlns:a14="http://schemas.microsoft.com/office/drawing/2010/main" Requires="a14">
+      <mc:AlternateContent xmlns:mc="http://schemas.openxmlformats.org/markup-compatibility/2006" xmlns:a14="http://schemas.microsoft.com/office/drawing/2010/main">
+        <mc:Choice Requires="a14">
           <p:sp>
             <p:nvSpPr>
               <p:cNvPr id="65" name="ZoneTexte 64">
@@ -6645,7 +6817,7 @@
             </p:txBody>
           </p:sp>
         </mc:Choice>
-        <mc:Fallback>
+        <mc:Fallback xmlns="">
           <p:sp>
             <p:nvSpPr>
               <p:cNvPr id="65" name="ZoneTexte 64">
@@ -6985,8 +7157,8 @@
           </p:spPr>
         </p:pic>
       </p:grpSp>
-      <mc:AlternateContent xmlns:mc="http://schemas.openxmlformats.org/markup-compatibility/2006">
-        <mc:Choice xmlns:a14="http://schemas.microsoft.com/office/drawing/2010/main" Requires="a14">
+      <mc:AlternateContent xmlns:mc="http://schemas.openxmlformats.org/markup-compatibility/2006" xmlns:a14="http://schemas.microsoft.com/office/drawing/2010/main">
+        <mc:Choice Requires="a14">
           <p:sp>
             <p:nvSpPr>
               <p:cNvPr id="2" name="ZoneTexte 1">
@@ -7098,7 +7270,7 @@
             </p:txBody>
           </p:sp>
         </mc:Choice>
-        <mc:Fallback>
+        <mc:Fallback xmlns="">
           <p:sp>
             <p:nvSpPr>
               <p:cNvPr id="2" name="ZoneTexte 1">
@@ -8113,8 +8285,8 @@
           </a:fontRef>
         </p:style>
       </p:cxnSp>
-      <mc:AlternateContent xmlns:mc="http://schemas.openxmlformats.org/markup-compatibility/2006">
-        <mc:Choice xmlns:a14="http://schemas.microsoft.com/office/drawing/2010/main" Requires="a14">
+      <mc:AlternateContent xmlns:mc="http://schemas.openxmlformats.org/markup-compatibility/2006" xmlns:a14="http://schemas.microsoft.com/office/drawing/2010/main">
+        <mc:Choice Requires="a14">
           <p:sp>
             <p:nvSpPr>
               <p:cNvPr id="111" name="ZoneTexte 110">
@@ -8257,7 +8429,7 @@
             </p:txBody>
           </p:sp>
         </mc:Choice>
-        <mc:Fallback>
+        <mc:Fallback xmlns="">
           <p:sp>
             <p:nvSpPr>
               <p:cNvPr id="111" name="ZoneTexte 110">
@@ -8302,8 +8474,8 @@
           </p:sp>
         </mc:Fallback>
       </mc:AlternateContent>
-      <mc:AlternateContent xmlns:mc="http://schemas.openxmlformats.org/markup-compatibility/2006">
-        <mc:Choice xmlns:a14="http://schemas.microsoft.com/office/drawing/2010/main" Requires="a14">
+      <mc:AlternateContent xmlns:mc="http://schemas.openxmlformats.org/markup-compatibility/2006" xmlns:a14="http://schemas.microsoft.com/office/drawing/2010/main">
+        <mc:Choice Requires="a14">
           <p:sp>
             <p:nvSpPr>
               <p:cNvPr id="112" name="ZoneTexte 111">
@@ -8419,7 +8591,7 @@
             </p:txBody>
           </p:sp>
         </mc:Choice>
-        <mc:Fallback>
+        <mc:Fallback xmlns="">
           <p:sp>
             <p:nvSpPr>
               <p:cNvPr id="112" name="ZoneTexte 111">
@@ -8703,8 +8875,8 @@
           </p:spPr>
         </p:pic>
       </p:grpSp>
-      <mc:AlternateContent xmlns:mc="http://schemas.openxmlformats.org/markup-compatibility/2006">
-        <mc:Choice xmlns:a14="http://schemas.microsoft.com/office/drawing/2010/main" Requires="a14">
+      <mc:AlternateContent xmlns:mc="http://schemas.openxmlformats.org/markup-compatibility/2006" xmlns:a14="http://schemas.microsoft.com/office/drawing/2010/main">
+        <mc:Choice Requires="a14">
           <p:sp>
             <p:nvSpPr>
               <p:cNvPr id="107" name="ZoneTexte 106">
@@ -8847,7 +9019,7 @@
             </p:txBody>
           </p:sp>
         </mc:Choice>
-        <mc:Fallback>
+        <mc:Fallback xmlns="">
           <p:sp>
             <p:nvSpPr>
               <p:cNvPr id="107" name="ZoneTexte 106">
@@ -11276,8 +11448,8 @@
           </a:p>
         </p:txBody>
       </p:sp>
-      <mc:AlternateContent xmlns:mc="http://schemas.openxmlformats.org/markup-compatibility/2006">
-        <mc:Choice xmlns:a14="http://schemas.microsoft.com/office/drawing/2010/main" Requires="a14">
+      <mc:AlternateContent xmlns:mc="http://schemas.openxmlformats.org/markup-compatibility/2006" xmlns:a14="http://schemas.microsoft.com/office/drawing/2010/main">
+        <mc:Choice Requires="a14">
           <p:sp>
             <p:nvSpPr>
               <p:cNvPr id="3" name="Espace réservé du contenu 2">
@@ -11956,7 +12128,7 @@
             </p:txBody>
           </p:sp>
         </mc:Choice>
-        <mc:Fallback>
+        <mc:Fallback xmlns="">
           <p:sp>
             <p:nvSpPr>
               <p:cNvPr id="3" name="Espace réservé du contenu 2">
@@ -12000,8 +12172,8 @@
           </p:sp>
         </mc:Fallback>
       </mc:AlternateContent>
-      <mc:AlternateContent xmlns:mc="http://schemas.openxmlformats.org/markup-compatibility/2006">
-        <mc:Choice xmlns:a14="http://schemas.microsoft.com/office/drawing/2010/main" Requires="a14">
+      <mc:AlternateContent xmlns:mc="http://schemas.openxmlformats.org/markup-compatibility/2006" xmlns:a14="http://schemas.microsoft.com/office/drawing/2010/main">
+        <mc:Choice Requires="a14">
           <p:sp>
             <p:nvSpPr>
               <p:cNvPr id="4" name="Espace réservé du contenu 2">
@@ -12462,31 +12634,7 @@
                       <a:rPr lang="fr-FR" b="0" i="1" smtClean="0">
                         <a:latin typeface="Cambria Math" panose="02040503050406030204" pitchFamily="18" charset="0"/>
                       </a:rPr>
-                      <m:t>=</m:t>
-                    </m:r>
-                    <m:r>
-                      <a:rPr lang="fr-FR" b="0" i="1" smtClean="0">
-                        <a:latin typeface="Cambria Math" panose="02040503050406030204" pitchFamily="18" charset="0"/>
-                      </a:rPr>
-                      <m:t>2</m:t>
-                    </m:r>
-                    <m:r>
-                      <a:rPr lang="fr-FR" b="0" i="1" smtClean="0">
-                        <a:latin typeface="Cambria Math" panose="02040503050406030204" pitchFamily="18" charset="0"/>
-                      </a:rPr>
-                      <m:t>,</m:t>
-                    </m:r>
-                    <m:r>
-                      <a:rPr lang="fr-FR" b="0" i="1" smtClean="0">
-                        <a:latin typeface="Cambria Math" panose="02040503050406030204" pitchFamily="18" charset="0"/>
-                      </a:rPr>
-                      <m:t>7</m:t>
-                    </m:r>
-                    <m:r>
-                      <a:rPr lang="fr-FR" b="0" i="1" smtClean="0">
-                        <a:latin typeface="Cambria Math" panose="02040503050406030204" pitchFamily="18" charset="0"/>
-                      </a:rPr>
-                      <m:t> </m:t>
+                      <m:t>=2,7 </m:t>
                     </m:r>
                     <m:r>
                       <m:rPr>
@@ -12526,13 +12674,7 @@
                           <a:rPr lang="fr-FR" b="0" i="1" smtClean="0">
                             <a:latin typeface="Cambria Math" panose="02040503050406030204" pitchFamily="18" charset="0"/>
                           </a:rPr>
-                          <m:t>𝑚</m:t>
-                        </m:r>
-                        <m:r>
-                          <a:rPr lang="fr-FR" b="0" i="1" smtClean="0">
-                            <a:latin typeface="Cambria Math" panose="02040503050406030204" pitchFamily="18" charset="0"/>
-                          </a:rPr>
-                          <m:t>h</m:t>
+                          <m:t>𝑚h</m:t>
                         </m:r>
                       </m:sub>
                     </m:sSub>
@@ -12540,19 +12682,7 @@
                       <a:rPr lang="fr-FR" b="0" i="1" smtClean="0">
                         <a:latin typeface="Cambria Math" panose="02040503050406030204" pitchFamily="18" charset="0"/>
                       </a:rPr>
-                      <m:t>=0,0</m:t>
-                    </m:r>
-                    <m:r>
-                      <a:rPr lang="fr-FR" b="0" i="1" smtClean="0">
-                        <a:latin typeface="Cambria Math" panose="02040503050406030204" pitchFamily="18" charset="0"/>
-                      </a:rPr>
-                      <m:t>813</m:t>
-                    </m:r>
-                    <m:r>
-                      <a:rPr lang="fr-FR" b="0" i="1" smtClean="0">
-                        <a:latin typeface="Cambria Math" panose="02040503050406030204" pitchFamily="18" charset="0"/>
-                      </a:rPr>
-                      <m:t> </m:t>
+                      <m:t>=0,0813 </m:t>
                     </m:r>
                     <m:r>
                       <m:rPr>
@@ -12764,7 +12894,7 @@
             </p:txBody>
           </p:sp>
         </mc:Choice>
-        <mc:Fallback>
+        <mc:Fallback xmlns="">
           <p:sp>
             <p:nvSpPr>
               <p:cNvPr id="4" name="Espace réservé du contenu 2">
@@ -12813,6 +12943,1900 @@
     <p:extLst>
       <p:ext uri="{BB962C8B-B14F-4D97-AF65-F5344CB8AC3E}">
         <p14:creationId xmlns:p14="http://schemas.microsoft.com/office/powerpoint/2010/main" val="2896348919"/>
+      </p:ext>
+    </p:extLst>
+  </p:cSld>
+  <p:clrMapOvr>
+    <a:masterClrMapping/>
+  </p:clrMapOvr>
+</p:sld>
+</file>
+
+<file path=ppt/slides/slide8.xml><?xml version="1.0" encoding="utf-8"?>
+<p:sld xmlns:a="http://schemas.openxmlformats.org/drawingml/2006/main" xmlns:r="http://schemas.openxmlformats.org/officeDocument/2006/relationships" xmlns:p="http://schemas.openxmlformats.org/presentationml/2006/main">
+  <p:cSld>
+    <p:spTree>
+      <p:nvGrpSpPr>
+        <p:cNvPr id="1" name=""/>
+        <p:cNvGrpSpPr/>
+        <p:nvPr/>
+      </p:nvGrpSpPr>
+      <p:grpSpPr>
+        <a:xfrm>
+          <a:off x="0" y="0"/>
+          <a:ext cx="0" cy="0"/>
+          <a:chOff x="0" y="0"/>
+          <a:chExt cx="0" cy="0"/>
+        </a:xfrm>
+      </p:grpSpPr>
+      <p:sp>
+        <p:nvSpPr>
+          <p:cNvPr id="4" name="Titre 3">
+            <a:extLst>
+              <a:ext uri="{FF2B5EF4-FFF2-40B4-BE49-F238E27FC236}">
+                <a16:creationId xmlns:a16="http://schemas.microsoft.com/office/drawing/2014/main" id="{B794E1E6-E0CB-0314-482E-A48AE59E0887}"/>
+              </a:ext>
+            </a:extLst>
+          </p:cNvPr>
+          <p:cNvSpPr>
+            <a:spLocks noGrp="1"/>
+          </p:cNvSpPr>
+          <p:nvPr>
+            <p:ph type="title"/>
+          </p:nvPr>
+        </p:nvSpPr>
+        <p:spPr/>
+        <p:txBody>
+          <a:bodyPr>
+            <a:normAutofit fontScale="90000"/>
+          </a:bodyPr>
+          <a:lstStyle/>
+          <a:p>
+            <a:r>
+              <a:rPr lang="fr-FR" dirty="0" smtClean="0"/>
+              <a:t>09</a:t>
+            </a:r>
+            <a:r>
+              <a:rPr lang="fr-FR" dirty="0"/>
+              <a:t/>
+            </a:r>
+            <a:br>
+              <a:rPr lang="fr-FR" dirty="0"/>
+            </a:br>
+            <a:r>
+              <a:rPr lang="fr-FR" dirty="0" smtClean="0"/>
+              <a:t>Dimensionnement d’un actionneur en dynamique</a:t>
+            </a:r>
+            <a:endParaRPr lang="fr-FR" dirty="0"/>
+          </a:p>
+        </p:txBody>
+      </p:sp>
+      <p:sp>
+        <p:nvSpPr>
+          <p:cNvPr id="5" name="Espace réservé du texte 4">
+            <a:extLst>
+              <a:ext uri="{FF2B5EF4-FFF2-40B4-BE49-F238E27FC236}">
+                <a16:creationId xmlns:a16="http://schemas.microsoft.com/office/drawing/2014/main" id="{31164354-1A91-E980-2D9B-9062246D64F4}"/>
+              </a:ext>
+            </a:extLst>
+          </p:cNvPr>
+          <p:cNvSpPr>
+            <a:spLocks noGrp="1"/>
+          </p:cNvSpPr>
+          <p:nvPr>
+            <p:ph type="body" idx="1"/>
+          </p:nvPr>
+        </p:nvSpPr>
+        <p:spPr/>
+        <p:txBody>
+          <a:bodyPr/>
+          <a:lstStyle/>
+          <a:p>
+            <a:endParaRPr lang="fr-FR"/>
+          </a:p>
+        </p:txBody>
+      </p:sp>
+    </p:spTree>
+    <p:extLst>
+      <p:ext uri="{BB962C8B-B14F-4D97-AF65-F5344CB8AC3E}">
+        <p14:creationId xmlns:p14="http://schemas.microsoft.com/office/powerpoint/2010/main" val="2985822988"/>
+      </p:ext>
+    </p:extLst>
+  </p:cSld>
+  <p:clrMapOvr>
+    <a:masterClrMapping/>
+  </p:clrMapOvr>
+</p:sld>
+</file>
+
+<file path=ppt/slides/slide9.xml><?xml version="1.0" encoding="utf-8"?>
+<p:sld xmlns:a="http://schemas.openxmlformats.org/drawingml/2006/main" xmlns:r="http://schemas.openxmlformats.org/officeDocument/2006/relationships" xmlns:p="http://schemas.openxmlformats.org/presentationml/2006/main">
+  <p:cSld>
+    <p:spTree>
+      <p:nvGrpSpPr>
+        <p:cNvPr id="1" name=""/>
+        <p:cNvGrpSpPr/>
+        <p:nvPr/>
+      </p:nvGrpSpPr>
+      <p:grpSpPr>
+        <a:xfrm>
+          <a:off x="0" y="0"/>
+          <a:ext cx="0" cy="0"/>
+          <a:chOff x="0" y="0"/>
+          <a:chExt cx="0" cy="0"/>
+        </a:xfrm>
+      </p:grpSpPr>
+      <p:sp>
+        <p:nvSpPr>
+          <p:cNvPr id="2" name="Titre 1"/>
+          <p:cNvSpPr>
+            <a:spLocks noGrp="1"/>
+          </p:cNvSpPr>
+          <p:nvPr>
+            <p:ph type="title"/>
+          </p:nvPr>
+        </p:nvSpPr>
+        <p:spPr/>
+        <p:txBody>
+          <a:bodyPr/>
+          <a:lstStyle/>
+          <a:p>
+            <a:endParaRPr lang="fr-FR" dirty="0"/>
+          </a:p>
+        </p:txBody>
+      </p:sp>
+      <p:sp>
+        <p:nvSpPr>
+          <p:cNvPr id="3" name="Espace réservé du contenu 2"/>
+          <p:cNvSpPr>
+            <a:spLocks noGrp="1"/>
+          </p:cNvSpPr>
+          <p:nvPr>
+            <p:ph idx="1"/>
+          </p:nvPr>
+        </p:nvSpPr>
+        <p:spPr/>
+        <p:txBody>
+          <a:bodyPr/>
+          <a:lstStyle/>
+          <a:p>
+            <a:r>
+              <a:rPr lang="fr-FR" dirty="0" smtClean="0"/>
+              <a:t>Objectif :</a:t>
+            </a:r>
+          </a:p>
+          <a:p>
+            <a:pPr lvl="1"/>
+            <a:r>
+              <a:rPr lang="fr-FR" dirty="0"/>
+              <a:t> </a:t>
+            </a:r>
+            <a:r>
+              <a:rPr lang="fr-FR" dirty="0" smtClean="0"/>
+              <a:t>On souhaite déterminer le couple maximal et la vitesse maximale d’un moteur pour pouvoir déplacer une charge de XXX kg en moins de XXXX s. </a:t>
+            </a:r>
+          </a:p>
+          <a:p>
+            <a:pPr lvl="1"/>
+            <a:endParaRPr lang="fr-FR" dirty="0"/>
+          </a:p>
+          <a:p>
+            <a:r>
+              <a:rPr lang="fr-FR" dirty="0" smtClean="0"/>
+              <a:t>Modèle</a:t>
+            </a:r>
+          </a:p>
+          <a:p>
+            <a:endParaRPr lang="fr-FR" dirty="0" smtClean="0"/>
+          </a:p>
+          <a:p>
+            <a:endParaRPr lang="fr-FR" dirty="0"/>
+          </a:p>
+          <a:p>
+            <a:endParaRPr lang="fr-FR" dirty="0"/>
+          </a:p>
+        </p:txBody>
+      </p:sp>
+      <p:grpSp>
+        <p:nvGrpSpPr>
+          <p:cNvPr id="86" name="Groupe 85"/>
+          <p:cNvGrpSpPr/>
+          <p:nvPr/>
+        </p:nvGrpSpPr>
+        <p:grpSpPr>
+          <a:xfrm>
+            <a:off x="3233229" y="3712723"/>
+            <a:ext cx="7593285" cy="1462084"/>
+            <a:chOff x="4452429" y="3393409"/>
+            <a:chExt cx="7593285" cy="1462084"/>
+          </a:xfrm>
+        </p:grpSpPr>
+        <p:sp>
+          <p:nvSpPr>
+            <p:cNvPr id="45" name="Rectangle : coins arrondis 90">
+              <a:extLst>
+                <a:ext uri="{FF2B5EF4-FFF2-40B4-BE49-F238E27FC236}">
+                  <a16:creationId xmlns:a16="http://schemas.microsoft.com/office/drawing/2014/main" id="{6015CC9C-F06A-6145-07AB-90D570197E3C}"/>
+                </a:ext>
+              </a:extLst>
+            </p:cNvPr>
+            <p:cNvSpPr/>
+            <p:nvPr/>
+          </p:nvSpPr>
+          <p:spPr>
+            <a:xfrm>
+              <a:off x="9648386" y="4190096"/>
+              <a:ext cx="1365662" cy="652851"/>
+            </a:xfrm>
+            <a:prstGeom prst="roundRect">
+              <a:avLst>
+                <a:gd name="adj" fmla="val 11914"/>
+              </a:avLst>
+            </a:prstGeom>
+            <a:solidFill>
+              <a:srgbClr val="F7B8B3"/>
+            </a:solidFill>
+            <a:ln w="19050">
+              <a:solidFill>
+                <a:srgbClr val="F7B8B3"/>
+              </a:solidFill>
+            </a:ln>
+          </p:spPr>
+          <p:style>
+            <a:lnRef idx="2">
+              <a:schemeClr val="accent1">
+                <a:shade val="50000"/>
+              </a:schemeClr>
+            </a:lnRef>
+            <a:fillRef idx="1">
+              <a:schemeClr val="accent1"/>
+            </a:fillRef>
+            <a:effectRef idx="0">
+              <a:schemeClr val="accent1"/>
+            </a:effectRef>
+            <a:fontRef idx="minor">
+              <a:schemeClr val="lt1"/>
+            </a:fontRef>
+          </p:style>
+          <p:txBody>
+            <a:bodyPr rtlCol="0" anchor="ctr"/>
+            <a:lstStyle/>
+            <a:p>
+              <a:pPr algn="ctr"/>
+              <a:r>
+                <a:rPr lang="fr-FR" sz="900" dirty="0">
+                  <a:solidFill>
+                    <a:srgbClr val="EE685D"/>
+                  </a:solidFill>
+                  <a:latin typeface="Arial Nova" panose="020B0504020202020204" pitchFamily="34" charset="0"/>
+                </a:rPr>
+                <a:t>Axe linéaire « Poulie courroie »</a:t>
+              </a:r>
+            </a:p>
+          </p:txBody>
+        </p:sp>
+        <p:sp>
+          <p:nvSpPr>
+            <p:cNvPr id="48" name="Rectangle : coins arrondis 15">
+              <a:extLst>
+                <a:ext uri="{FF2B5EF4-FFF2-40B4-BE49-F238E27FC236}">
+                  <a16:creationId xmlns:a16="http://schemas.microsoft.com/office/drawing/2014/main" id="{B8181AD4-9AB8-CA7B-EFBF-8B9CD4369264}"/>
+                </a:ext>
+              </a:extLst>
+            </p:cNvPr>
+            <p:cNvSpPr/>
+            <p:nvPr/>
+          </p:nvSpPr>
+          <p:spPr>
+            <a:xfrm>
+              <a:off x="5380883" y="3542688"/>
+              <a:ext cx="1440000" cy="540000"/>
+            </a:xfrm>
+            <a:prstGeom prst="roundRect">
+              <a:avLst>
+                <a:gd name="adj" fmla="val 11914"/>
+              </a:avLst>
+            </a:prstGeom>
+            <a:noFill/>
+            <a:ln w="19050">
+              <a:solidFill>
+                <a:srgbClr val="68348B"/>
+              </a:solidFill>
+            </a:ln>
+          </p:spPr>
+          <p:style>
+            <a:lnRef idx="2">
+              <a:schemeClr val="accent1">
+                <a:shade val="50000"/>
+              </a:schemeClr>
+            </a:lnRef>
+            <a:fillRef idx="1">
+              <a:schemeClr val="accent1"/>
+            </a:fillRef>
+            <a:effectRef idx="0">
+              <a:schemeClr val="accent1"/>
+            </a:effectRef>
+            <a:fontRef idx="minor">
+              <a:schemeClr val="lt1"/>
+            </a:fontRef>
+          </p:style>
+          <p:txBody>
+            <a:bodyPr rtlCol="0" anchor="ctr"/>
+            <a:lstStyle/>
+            <a:p>
+              <a:pPr algn="ctr"/>
+              <a:r>
+                <a:rPr lang="fr-FR" sz="1400" dirty="0">
+                  <a:solidFill>
+                    <a:srgbClr val="68348B"/>
+                  </a:solidFill>
+                  <a:latin typeface="Arial Nova" panose="020B0504020202020204" pitchFamily="34" charset="0"/>
+                </a:rPr>
+                <a:t>Convertir</a:t>
+              </a:r>
+            </a:p>
+          </p:txBody>
+        </p:sp>
+        <p:sp>
+          <p:nvSpPr>
+            <p:cNvPr id="49" name="Rectangle : coins arrondis 16">
+              <a:extLst>
+                <a:ext uri="{FF2B5EF4-FFF2-40B4-BE49-F238E27FC236}">
+                  <a16:creationId xmlns:a16="http://schemas.microsoft.com/office/drawing/2014/main" id="{7E462E27-42D7-734B-5E6F-B78EF40987B6}"/>
+                </a:ext>
+              </a:extLst>
+            </p:cNvPr>
+            <p:cNvSpPr/>
+            <p:nvPr/>
+          </p:nvSpPr>
+          <p:spPr>
+            <a:xfrm>
+              <a:off x="5389319" y="4223146"/>
+              <a:ext cx="1440000" cy="540000"/>
+            </a:xfrm>
+            <a:prstGeom prst="roundRect">
+              <a:avLst>
+                <a:gd name="adj" fmla="val 11914"/>
+              </a:avLst>
+            </a:prstGeom>
+            <a:solidFill>
+              <a:srgbClr val="C3AED1"/>
+            </a:solidFill>
+            <a:ln w="19050">
+              <a:solidFill>
+                <a:srgbClr val="C3AED1"/>
+              </a:solidFill>
+            </a:ln>
+          </p:spPr>
+          <p:style>
+            <a:lnRef idx="2">
+              <a:schemeClr val="accent1">
+                <a:shade val="50000"/>
+              </a:schemeClr>
+            </a:lnRef>
+            <a:fillRef idx="1">
+              <a:schemeClr val="accent1"/>
+            </a:fillRef>
+            <a:effectRef idx="0">
+              <a:schemeClr val="accent1"/>
+            </a:effectRef>
+            <a:fontRef idx="minor">
+              <a:schemeClr val="lt1"/>
+            </a:fontRef>
+          </p:style>
+          <p:txBody>
+            <a:bodyPr rtlCol="0" anchor="ctr"/>
+            <a:lstStyle/>
+            <a:p>
+              <a:pPr algn="ctr"/>
+              <a:r>
+                <a:rPr lang="fr-FR" sz="1100" dirty="0">
+                  <a:solidFill>
+                    <a:srgbClr val="68348B"/>
+                  </a:solidFill>
+                  <a:latin typeface="Arial Nova" panose="020B0504020202020204" pitchFamily="34" charset="0"/>
+                </a:rPr>
+                <a:t>Moteur à courant continu</a:t>
+              </a:r>
+            </a:p>
+          </p:txBody>
+        </p:sp>
+        <p:sp>
+          <p:nvSpPr>
+            <p:cNvPr id="50" name="Rectangle : coins arrondis 17">
+              <a:extLst>
+                <a:ext uri="{FF2B5EF4-FFF2-40B4-BE49-F238E27FC236}">
+                  <a16:creationId xmlns:a16="http://schemas.microsoft.com/office/drawing/2014/main" id="{AA76E29F-1BCE-DD76-499C-CE8F3E850A8E}"/>
+                </a:ext>
+              </a:extLst>
+            </p:cNvPr>
+            <p:cNvSpPr/>
+            <p:nvPr/>
+          </p:nvSpPr>
+          <p:spPr>
+            <a:xfrm>
+              <a:off x="7542872" y="3545795"/>
+              <a:ext cx="1365662" cy="534390"/>
+            </a:xfrm>
+            <a:prstGeom prst="roundRect">
+              <a:avLst>
+                <a:gd name="adj" fmla="val 11914"/>
+              </a:avLst>
+            </a:prstGeom>
+            <a:noFill/>
+            <a:ln w="19050">
+              <a:solidFill>
+                <a:srgbClr val="EE685D"/>
+              </a:solidFill>
+            </a:ln>
+          </p:spPr>
+          <p:style>
+            <a:lnRef idx="2">
+              <a:schemeClr val="accent1">
+                <a:shade val="50000"/>
+              </a:schemeClr>
+            </a:lnRef>
+            <a:fillRef idx="1">
+              <a:schemeClr val="accent1"/>
+            </a:fillRef>
+            <a:effectRef idx="0">
+              <a:schemeClr val="accent1"/>
+            </a:effectRef>
+            <a:fontRef idx="minor">
+              <a:schemeClr val="lt1"/>
+            </a:fontRef>
+          </p:style>
+          <p:txBody>
+            <a:bodyPr rtlCol="0" anchor="ctr"/>
+            <a:lstStyle/>
+            <a:p>
+              <a:pPr algn="ctr"/>
+              <a:r>
+                <a:rPr lang="fr-FR" sz="1400" dirty="0">
+                  <a:solidFill>
+                    <a:srgbClr val="EE685D"/>
+                  </a:solidFill>
+                  <a:latin typeface="Arial Nova" panose="020B0504020202020204" pitchFamily="34" charset="0"/>
+                </a:rPr>
+                <a:t>Transmettre</a:t>
+              </a:r>
+            </a:p>
+          </p:txBody>
+        </p:sp>
+        <p:sp>
+          <p:nvSpPr>
+            <p:cNvPr id="51" name="Rectangle : coins arrondis 18">
+              <a:extLst>
+                <a:ext uri="{FF2B5EF4-FFF2-40B4-BE49-F238E27FC236}">
+                  <a16:creationId xmlns:a16="http://schemas.microsoft.com/office/drawing/2014/main" id="{A66FC087-C9BC-9FD1-6C13-AD7571852AD4}"/>
+                </a:ext>
+              </a:extLst>
+            </p:cNvPr>
+            <p:cNvSpPr/>
+            <p:nvPr/>
+          </p:nvSpPr>
+          <p:spPr>
+            <a:xfrm>
+              <a:off x="7549319" y="4202642"/>
+              <a:ext cx="1365662" cy="652851"/>
+            </a:xfrm>
+            <a:prstGeom prst="roundRect">
+              <a:avLst>
+                <a:gd name="adj" fmla="val 11914"/>
+              </a:avLst>
+            </a:prstGeom>
+            <a:solidFill>
+              <a:srgbClr val="F7B8B3"/>
+            </a:solidFill>
+            <a:ln w="19050">
+              <a:solidFill>
+                <a:srgbClr val="F7B8B3"/>
+              </a:solidFill>
+            </a:ln>
+          </p:spPr>
+          <p:style>
+            <a:lnRef idx="2">
+              <a:schemeClr val="accent1">
+                <a:shade val="50000"/>
+              </a:schemeClr>
+            </a:lnRef>
+            <a:fillRef idx="1">
+              <a:schemeClr val="accent1"/>
+            </a:fillRef>
+            <a:effectRef idx="0">
+              <a:schemeClr val="accent1"/>
+            </a:effectRef>
+            <a:fontRef idx="minor">
+              <a:schemeClr val="lt1"/>
+            </a:fontRef>
+          </p:style>
+          <p:txBody>
+            <a:bodyPr rtlCol="0" anchor="ctr"/>
+            <a:lstStyle/>
+            <a:p>
+              <a:pPr algn="ctr"/>
+              <a:r>
+                <a:rPr lang="fr-FR" sz="900" dirty="0">
+                  <a:solidFill>
+                    <a:srgbClr val="EE685D"/>
+                  </a:solidFill>
+                  <a:latin typeface="Arial Nova" panose="020B0504020202020204" pitchFamily="34" charset="0"/>
+                </a:rPr>
+                <a:t>Train épicycloïdal</a:t>
+              </a:r>
+            </a:p>
+          </p:txBody>
+        </p:sp>
+        <p:cxnSp>
+          <p:nvCxnSpPr>
+            <p:cNvPr id="54" name="Connecteur droit avec flèche 53">
+              <a:extLst>
+                <a:ext uri="{FF2B5EF4-FFF2-40B4-BE49-F238E27FC236}">
+                  <a16:creationId xmlns:a16="http://schemas.microsoft.com/office/drawing/2014/main" id="{6E52C4D0-B55B-30AA-F92B-6E09F0A4D9C9}"/>
+                </a:ext>
+              </a:extLst>
+            </p:cNvPr>
+            <p:cNvCxnSpPr>
+              <a:cxnSpLocks/>
+            </p:cNvCxnSpPr>
+            <p:nvPr/>
+          </p:nvCxnSpPr>
+          <p:spPr>
+            <a:xfrm flipV="1">
+              <a:off x="4669319" y="3798320"/>
+              <a:ext cx="720000" cy="1536"/>
+            </a:xfrm>
+            <a:prstGeom prst="straightConnector1">
+              <a:avLst/>
+            </a:prstGeom>
+            <a:ln w="25400" cap="rnd">
+              <a:solidFill>
+                <a:srgbClr val="0C7391"/>
+              </a:solidFill>
+              <a:tailEnd type="triangle" w="med" len="lg"/>
+            </a:ln>
+          </p:spPr>
+          <p:style>
+            <a:lnRef idx="1">
+              <a:schemeClr val="accent1"/>
+            </a:lnRef>
+            <a:fillRef idx="0">
+              <a:schemeClr val="accent1"/>
+            </a:fillRef>
+            <a:effectRef idx="0">
+              <a:schemeClr val="accent1"/>
+            </a:effectRef>
+            <a:fontRef idx="minor">
+              <a:schemeClr val="tx1"/>
+            </a:fontRef>
+          </p:style>
+        </p:cxnSp>
+        <p:pic>
+          <p:nvPicPr>
+            <p:cNvPr id="55" name="Image 54">
+              <a:extLst>
+                <a:ext uri="{FF2B5EF4-FFF2-40B4-BE49-F238E27FC236}">
+                  <a16:creationId xmlns:a16="http://schemas.microsoft.com/office/drawing/2014/main" id="{F31071D2-3D9A-9512-E018-EA9EA1D5A07B}"/>
+                </a:ext>
+              </a:extLst>
+            </p:cNvPr>
+            <p:cNvPicPr>
+              <a:picLocks noChangeAspect="1"/>
+            </p:cNvPicPr>
+            <p:nvPr/>
+          </p:nvPicPr>
+          <p:blipFill>
+            <a:blip r:embed="rId2"/>
+            <a:stretch>
+              <a:fillRect/>
+            </a:stretch>
+          </p:blipFill>
+          <p:spPr>
+            <a:xfrm>
+              <a:off x="4838894" y="3393409"/>
+              <a:ext cx="360000" cy="360000"/>
+            </a:xfrm>
+            <a:prstGeom prst="rect">
+              <a:avLst/>
+            </a:prstGeom>
+          </p:spPr>
+        </p:pic>
+        <p:cxnSp>
+          <p:nvCxnSpPr>
+            <p:cNvPr id="56" name="Connecteur droit avec flèche 55">
+              <a:extLst>
+                <a:ext uri="{FF2B5EF4-FFF2-40B4-BE49-F238E27FC236}">
+                  <a16:creationId xmlns:a16="http://schemas.microsoft.com/office/drawing/2014/main" id="{75B4C387-2DFC-8DD6-0817-E4B93F7F3F85}"/>
+                </a:ext>
+              </a:extLst>
+            </p:cNvPr>
+            <p:cNvCxnSpPr>
+              <a:cxnSpLocks/>
+            </p:cNvCxnSpPr>
+            <p:nvPr/>
+          </p:nvCxnSpPr>
+          <p:spPr>
+            <a:xfrm flipV="1">
+              <a:off x="6829319" y="3807925"/>
+              <a:ext cx="720000" cy="1536"/>
+            </a:xfrm>
+            <a:prstGeom prst="straightConnector1">
+              <a:avLst/>
+            </a:prstGeom>
+            <a:ln w="25400" cap="rnd">
+              <a:solidFill>
+                <a:srgbClr val="68348B"/>
+              </a:solidFill>
+              <a:tailEnd type="triangle" w="med" len="lg"/>
+            </a:ln>
+          </p:spPr>
+          <p:style>
+            <a:lnRef idx="1">
+              <a:schemeClr val="accent1"/>
+            </a:lnRef>
+            <a:fillRef idx="0">
+              <a:schemeClr val="accent1"/>
+            </a:fillRef>
+            <a:effectRef idx="0">
+              <a:schemeClr val="accent1"/>
+            </a:effectRef>
+            <a:fontRef idx="minor">
+              <a:schemeClr val="tx1"/>
+            </a:fontRef>
+          </p:style>
+        </p:cxnSp>
+        <p:pic>
+          <p:nvPicPr>
+            <p:cNvPr id="57" name="Image 56">
+              <a:extLst>
+                <a:ext uri="{FF2B5EF4-FFF2-40B4-BE49-F238E27FC236}">
+                  <a16:creationId xmlns:a16="http://schemas.microsoft.com/office/drawing/2014/main" id="{F1B5964F-3473-92A5-6A3A-F03DA766A90A}"/>
+                </a:ext>
+              </a:extLst>
+            </p:cNvPr>
+            <p:cNvPicPr>
+              <a:picLocks noChangeAspect="1"/>
+            </p:cNvPicPr>
+            <p:nvPr/>
+          </p:nvPicPr>
+          <p:blipFill>
+            <a:blip r:embed="rId3"/>
+            <a:stretch>
+              <a:fillRect/>
+            </a:stretch>
+          </p:blipFill>
+          <p:spPr>
+            <a:xfrm>
+              <a:off x="6993108" y="3418676"/>
+              <a:ext cx="360000" cy="360000"/>
+            </a:xfrm>
+            <a:prstGeom prst="rect">
+              <a:avLst/>
+            </a:prstGeom>
+          </p:spPr>
+        </p:pic>
+        <p:cxnSp>
+          <p:nvCxnSpPr>
+            <p:cNvPr id="58" name="Connecteur droit avec flèche 57">
+              <a:extLst>
+                <a:ext uri="{FF2B5EF4-FFF2-40B4-BE49-F238E27FC236}">
+                  <a16:creationId xmlns:a16="http://schemas.microsoft.com/office/drawing/2014/main" id="{505D6021-1B16-1674-733B-C648AC112904}"/>
+                </a:ext>
+              </a:extLst>
+            </p:cNvPr>
+            <p:cNvCxnSpPr>
+              <a:cxnSpLocks/>
+            </p:cNvCxnSpPr>
+            <p:nvPr/>
+          </p:nvCxnSpPr>
+          <p:spPr>
+            <a:xfrm flipV="1">
+              <a:off x="10996452" y="3807925"/>
+              <a:ext cx="720000" cy="1536"/>
+            </a:xfrm>
+            <a:prstGeom prst="straightConnector1">
+              <a:avLst/>
+            </a:prstGeom>
+            <a:ln w="25400" cap="rnd">
+              <a:solidFill>
+                <a:srgbClr val="68348B"/>
+              </a:solidFill>
+              <a:tailEnd type="triangle" w="med" len="lg"/>
+            </a:ln>
+          </p:spPr>
+          <p:style>
+            <a:lnRef idx="1">
+              <a:schemeClr val="accent1"/>
+            </a:lnRef>
+            <a:fillRef idx="0">
+              <a:schemeClr val="accent1"/>
+            </a:fillRef>
+            <a:effectRef idx="0">
+              <a:schemeClr val="accent1"/>
+            </a:effectRef>
+            <a:fontRef idx="minor">
+              <a:schemeClr val="tx1"/>
+            </a:fontRef>
+          </p:style>
+        </p:cxnSp>
+        <p:pic>
+          <p:nvPicPr>
+            <p:cNvPr id="60" name="Image 59">
+              <a:extLst>
+                <a:ext uri="{FF2B5EF4-FFF2-40B4-BE49-F238E27FC236}">
+                  <a16:creationId xmlns:a16="http://schemas.microsoft.com/office/drawing/2014/main" id="{85C6EE0C-C52A-6134-EB1B-6F3C57492332}"/>
+                </a:ext>
+              </a:extLst>
+            </p:cNvPr>
+            <p:cNvPicPr>
+              <a:picLocks noChangeAspect="1"/>
+            </p:cNvPicPr>
+            <p:nvPr/>
+          </p:nvPicPr>
+          <p:blipFill>
+            <a:blip r:embed="rId4"/>
+            <a:stretch>
+              <a:fillRect/>
+            </a:stretch>
+          </p:blipFill>
+          <p:spPr>
+            <a:xfrm>
+              <a:off x="11149335" y="3661444"/>
+              <a:ext cx="288000" cy="105516"/>
+            </a:xfrm>
+            <a:prstGeom prst="rect">
+              <a:avLst/>
+            </a:prstGeom>
+          </p:spPr>
+        </p:pic>
+        <mc:AlternateContent xmlns:mc="http://schemas.openxmlformats.org/markup-compatibility/2006">
+          <mc:Choice xmlns:a14="http://schemas.microsoft.com/office/drawing/2010/main" Requires="a14">
+            <p:sp>
+              <p:nvSpPr>
+                <p:cNvPr id="64" name="ZoneTexte 63">
+                  <a:extLst>
+                    <a:ext uri="{FF2B5EF4-FFF2-40B4-BE49-F238E27FC236}">
+                      <a16:creationId xmlns:a16="http://schemas.microsoft.com/office/drawing/2014/main" id="{B39CA18C-C050-2248-E6F6-D99BB87303C8}"/>
+                    </a:ext>
+                  </a:extLst>
+                </p:cNvPr>
+                <p:cNvSpPr txBox="1"/>
+                <p:nvPr/>
+              </p:nvSpPr>
+              <p:spPr>
+                <a:xfrm>
+                  <a:off x="4452429" y="3859412"/>
+                  <a:ext cx="1161960" cy="461665"/>
+                </a:xfrm>
+                <a:prstGeom prst="rect">
+                  <a:avLst/>
+                </a:prstGeom>
+                <a:noFill/>
+              </p:spPr>
+              <p:txBody>
+                <a:bodyPr wrap="square" rtlCol="0">
+                  <a:spAutoFit/>
+                </a:bodyPr>
+                <a:lstStyle/>
+                <a:p>
+                  <a:pPr algn="ctr"/>
+                  <a:r>
+                    <a:rPr lang="fr-FR" sz="1200" b="1" dirty="0">
+                      <a:solidFill>
+                        <a:srgbClr val="FFB25A"/>
+                      </a:solidFill>
+                      <a:latin typeface="Arial Nova" panose="020B0504020202020204" pitchFamily="34" charset="0"/>
+                    </a:rPr>
+                    <a:t> xx V </a:t>
+                  </a:r>
+                  <a14:m>
+                    <m:oMath xmlns:m="http://schemas.openxmlformats.org/officeDocument/2006/math">
+                      <m:r>
+                        <a:rPr lang="fr-FR" sz="1200" b="1" i="0" smtClean="0">
+                          <a:solidFill>
+                            <a:srgbClr val="FFB25A"/>
+                          </a:solidFill>
+                          <a:latin typeface="Cambria Math" panose="02040503050406030204" pitchFamily="18" charset="0"/>
+                          <a:ea typeface="Cambria Math" panose="02040503050406030204" pitchFamily="18" charset="0"/>
+                          <a:cs typeface="Calibri" panose="020F0502020204030204" pitchFamily="34" charset="0"/>
+                        </a:rPr>
+                        <m:t>=</m:t>
+                      </m:r>
+                    </m:oMath>
+                  </a14:m>
+                  <a:endParaRPr lang="fr-FR" sz="1200" b="1" dirty="0">
+                    <a:solidFill>
+                      <a:srgbClr val="FFB25A"/>
+                    </a:solidFill>
+                    <a:latin typeface="Arial Nova" panose="020B0504020202020204" pitchFamily="34" charset="0"/>
+                  </a:endParaRPr>
+                </a:p>
+                <a:p>
+                  <a:pPr algn="ctr"/>
+                  <a14:m>
+                    <m:oMathPara xmlns:m="http://schemas.openxmlformats.org/officeDocument/2006/math">
+                      <m:oMathParaPr>
+                        <m:jc m:val="centerGroup"/>
+                      </m:oMathParaPr>
+                      <m:oMath xmlns:m="http://schemas.openxmlformats.org/officeDocument/2006/math">
+                        <m:r>
+                          <a:rPr lang="fr-FR" sz="1200" b="1" i="1" smtClean="0">
+                            <a:solidFill>
+                              <a:srgbClr val="FFB25A"/>
+                            </a:solidFill>
+                            <a:latin typeface="Cambria Math" panose="02040503050406030204" pitchFamily="18" charset="0"/>
+                            <a:ea typeface="Cambria Math" panose="02040503050406030204" pitchFamily="18" charset="0"/>
+                          </a:rPr>
+                          <m:t>𝓟</m:t>
+                        </m:r>
+                        <m:r>
+                          <a:rPr lang="fr-FR" sz="1200" b="1" i="1" smtClean="0">
+                            <a:solidFill>
+                              <a:srgbClr val="FFB25A"/>
+                            </a:solidFill>
+                            <a:latin typeface="Cambria Math" panose="02040503050406030204" pitchFamily="18" charset="0"/>
+                            <a:ea typeface="Cambria Math" panose="02040503050406030204" pitchFamily="18" charset="0"/>
+                          </a:rPr>
+                          <m:t>=</m:t>
+                        </m:r>
+                        <m:r>
+                          <a:rPr lang="fr-FR" sz="1200" b="1" i="1" smtClean="0">
+                            <a:solidFill>
+                              <a:srgbClr val="FFB25A"/>
+                            </a:solidFill>
+                            <a:latin typeface="Cambria Math" panose="02040503050406030204" pitchFamily="18" charset="0"/>
+                            <a:ea typeface="Cambria Math" panose="02040503050406030204" pitchFamily="18" charset="0"/>
+                          </a:rPr>
+                          <m:t>𝑼𝑰</m:t>
+                        </m:r>
+                      </m:oMath>
+                    </m:oMathPara>
+                  </a14:m>
+                  <a:endParaRPr lang="fr-FR" sz="1200" b="1" dirty="0">
+                    <a:solidFill>
+                      <a:srgbClr val="FFB25A"/>
+                    </a:solidFill>
+                    <a:latin typeface="Arial Nova" panose="020B0504020202020204" pitchFamily="34" charset="0"/>
+                  </a:endParaRPr>
+                </a:p>
+              </p:txBody>
+            </p:sp>
+          </mc:Choice>
+          <mc:Fallback>
+            <p:sp>
+              <p:nvSpPr>
+                <p:cNvPr id="64" name="ZoneTexte 63">
+                  <a:extLst>
+                    <a:ext uri="{FF2B5EF4-FFF2-40B4-BE49-F238E27FC236}">
+                      <a16:creationId xmlns:a16="http://schemas.microsoft.com/office/drawing/2014/main" id="{B39CA18C-C050-2248-E6F6-D99BB87303C8}"/>
+                    </a:ext>
+                  </a:extLst>
+                </p:cNvPr>
+                <p:cNvSpPr txBox="1">
+                  <a:spLocks noRot="1" noChangeAspect="1" noMove="1" noResize="1" noEditPoints="1" noAdjustHandles="1" noChangeArrowheads="1" noChangeShapeType="1" noTextEdit="1"/>
+                </p:cNvSpPr>
+                <p:nvPr/>
+              </p:nvSpPr>
+              <p:spPr>
+                <a:xfrm>
+                  <a:off x="4452429" y="3859412"/>
+                  <a:ext cx="1161960" cy="461665"/>
+                </a:xfrm>
+                <a:prstGeom prst="rect">
+                  <a:avLst/>
+                </a:prstGeom>
+                <a:blipFill>
+                  <a:blip r:embed="rId5"/>
+                  <a:stretch>
+                    <a:fillRect/>
+                  </a:stretch>
+                </a:blipFill>
+              </p:spPr>
+              <p:txBody>
+                <a:bodyPr/>
+                <a:lstStyle/>
+                <a:p>
+                  <a:r>
+                    <a:rPr lang="fr-FR">
+                      <a:noFill/>
+                    </a:rPr>
+                    <a:t> </a:t>
+                  </a:r>
+                </a:p>
+              </p:txBody>
+            </p:sp>
+          </mc:Fallback>
+        </mc:AlternateContent>
+        <p:grpSp>
+          <p:nvGrpSpPr>
+            <p:cNvPr id="71" name="Groupe 70">
+              <a:extLst>
+                <a:ext uri="{FF2B5EF4-FFF2-40B4-BE49-F238E27FC236}">
+                  <a16:creationId xmlns:a16="http://schemas.microsoft.com/office/drawing/2014/main" id="{3A416195-885D-B412-950E-1F349C5CC6AB}"/>
+                </a:ext>
+              </a:extLst>
+            </p:cNvPr>
+            <p:cNvGrpSpPr/>
+            <p:nvPr/>
+          </p:nvGrpSpPr>
+          <p:grpSpPr>
+            <a:xfrm>
+              <a:off x="8079091" y="3940734"/>
+              <a:ext cx="360000" cy="360000"/>
+              <a:chOff x="5447928" y="2816932"/>
+              <a:chExt cx="1800000" cy="1800000"/>
+            </a:xfrm>
+          </p:grpSpPr>
+          <p:sp>
+            <p:nvSpPr>
+              <p:cNvPr id="72" name="Ellipse 71">
+                <a:extLst>
+                  <a:ext uri="{FF2B5EF4-FFF2-40B4-BE49-F238E27FC236}">
+                    <a16:creationId xmlns:a16="http://schemas.microsoft.com/office/drawing/2014/main" id="{689719FF-319E-F4C6-E150-B6C708728D00}"/>
+                  </a:ext>
+                </a:extLst>
+              </p:cNvPr>
+              <p:cNvSpPr/>
+              <p:nvPr/>
+            </p:nvSpPr>
+            <p:spPr>
+              <a:xfrm>
+                <a:off x="5447928" y="2816932"/>
+                <a:ext cx="1800000" cy="1800000"/>
+              </a:xfrm>
+              <a:prstGeom prst="ellipse">
+                <a:avLst/>
+              </a:prstGeom>
+              <a:solidFill>
+                <a:srgbClr val="EF7268"/>
+              </a:solidFill>
+              <a:ln>
+                <a:noFill/>
+              </a:ln>
+            </p:spPr>
+            <p:style>
+              <a:lnRef idx="2">
+                <a:schemeClr val="accent1">
+                  <a:shade val="50000"/>
+                </a:schemeClr>
+              </a:lnRef>
+              <a:fillRef idx="1">
+                <a:schemeClr val="accent1"/>
+              </a:fillRef>
+              <a:effectRef idx="0">
+                <a:schemeClr val="accent1"/>
+              </a:effectRef>
+              <a:fontRef idx="minor">
+                <a:schemeClr val="lt1"/>
+              </a:fontRef>
+            </p:style>
+            <p:txBody>
+              <a:bodyPr rtlCol="0" anchor="ctr"/>
+              <a:lstStyle/>
+              <a:p>
+                <a:pPr algn="ctr"/>
+                <a:endParaRPr lang="fr-FR" dirty="0"/>
+              </a:p>
+            </p:txBody>
+          </p:sp>
+          <p:pic>
+            <p:nvPicPr>
+              <p:cNvPr id="73" name="Image 72">
+                <a:extLst>
+                  <a:ext uri="{FF2B5EF4-FFF2-40B4-BE49-F238E27FC236}">
+                    <a16:creationId xmlns:a16="http://schemas.microsoft.com/office/drawing/2014/main" id="{1AC2262C-D76B-934A-5E65-99DB0E926C90}"/>
+                  </a:ext>
+                </a:extLst>
+              </p:cNvPr>
+              <p:cNvPicPr>
+                <a:picLocks noChangeAspect="1"/>
+              </p:cNvPicPr>
+              <p:nvPr/>
+            </p:nvPicPr>
+            <p:blipFill>
+              <a:blip r:embed="rId6"/>
+              <a:stretch>
+                <a:fillRect/>
+              </a:stretch>
+            </p:blipFill>
+            <p:spPr>
+              <a:xfrm flipH="1">
+                <a:off x="5627848" y="2996852"/>
+                <a:ext cx="1440160" cy="1440160"/>
+              </a:xfrm>
+              <a:prstGeom prst="rect">
+                <a:avLst/>
+              </a:prstGeom>
+            </p:spPr>
+          </p:pic>
+        </p:grpSp>
+        <p:grpSp>
+          <p:nvGrpSpPr>
+            <p:cNvPr id="74" name="Groupe 73">
+              <a:extLst>
+                <a:ext uri="{FF2B5EF4-FFF2-40B4-BE49-F238E27FC236}">
+                  <a16:creationId xmlns:a16="http://schemas.microsoft.com/office/drawing/2014/main" id="{62B9229E-5DD5-9728-B982-E481189F9BEC}"/>
+                </a:ext>
+              </a:extLst>
+            </p:cNvPr>
+            <p:cNvGrpSpPr/>
+            <p:nvPr/>
+          </p:nvGrpSpPr>
+          <p:grpSpPr>
+            <a:xfrm>
+              <a:off x="5929319" y="3962771"/>
+              <a:ext cx="360000" cy="360000"/>
+              <a:chOff x="5775745" y="3144183"/>
+              <a:chExt cx="1800000" cy="1800000"/>
+            </a:xfrm>
+          </p:grpSpPr>
+          <p:sp>
+            <p:nvSpPr>
+              <p:cNvPr id="75" name="Ellipse 74">
+                <a:extLst>
+                  <a:ext uri="{FF2B5EF4-FFF2-40B4-BE49-F238E27FC236}">
+                    <a16:creationId xmlns:a16="http://schemas.microsoft.com/office/drawing/2014/main" id="{45D1B4DF-7033-EB1C-DEC9-639AE2145414}"/>
+                  </a:ext>
+                </a:extLst>
+              </p:cNvPr>
+              <p:cNvSpPr/>
+              <p:nvPr/>
+            </p:nvSpPr>
+            <p:spPr>
+              <a:xfrm>
+                <a:off x="5775745" y="3144183"/>
+                <a:ext cx="1800000" cy="1800000"/>
+              </a:xfrm>
+              <a:prstGeom prst="ellipse">
+                <a:avLst/>
+              </a:prstGeom>
+              <a:solidFill>
+                <a:srgbClr val="68348B"/>
+              </a:solidFill>
+              <a:ln>
+                <a:noFill/>
+              </a:ln>
+            </p:spPr>
+            <p:style>
+              <a:lnRef idx="2">
+                <a:schemeClr val="accent1">
+                  <a:shade val="50000"/>
+                </a:schemeClr>
+              </a:lnRef>
+              <a:fillRef idx="1">
+                <a:schemeClr val="accent1"/>
+              </a:fillRef>
+              <a:effectRef idx="0">
+                <a:schemeClr val="accent1"/>
+              </a:effectRef>
+              <a:fontRef idx="minor">
+                <a:schemeClr val="lt1"/>
+              </a:fontRef>
+            </p:style>
+            <p:txBody>
+              <a:bodyPr rtlCol="0" anchor="ctr"/>
+              <a:lstStyle/>
+              <a:p>
+                <a:pPr algn="ctr"/>
+                <a:endParaRPr lang="fr-FR"/>
+              </a:p>
+            </p:txBody>
+          </p:sp>
+          <p:pic>
+            <p:nvPicPr>
+              <p:cNvPr id="76" name="Image 75">
+                <a:extLst>
+                  <a:ext uri="{FF2B5EF4-FFF2-40B4-BE49-F238E27FC236}">
+                    <a16:creationId xmlns:a16="http://schemas.microsoft.com/office/drawing/2014/main" id="{E313AA97-25C8-7CFE-4F0E-0B1EFC00D5AF}"/>
+                  </a:ext>
+                </a:extLst>
+              </p:cNvPr>
+              <p:cNvPicPr>
+                <a:picLocks noChangeAspect="1"/>
+              </p:cNvPicPr>
+              <p:nvPr/>
+            </p:nvPicPr>
+            <p:blipFill>
+              <a:blip r:embed="rId7"/>
+              <a:stretch>
+                <a:fillRect/>
+              </a:stretch>
+            </p:blipFill>
+            <p:spPr>
+              <a:xfrm>
+                <a:off x="5903821" y="3513485"/>
+                <a:ext cx="1543848" cy="1061396"/>
+              </a:xfrm>
+              <a:prstGeom prst="rect">
+                <a:avLst/>
+              </a:prstGeom>
+            </p:spPr>
+          </p:pic>
+        </p:grpSp>
+        <mc:AlternateContent xmlns:mc="http://schemas.openxmlformats.org/markup-compatibility/2006">
+          <mc:Choice xmlns:a14="http://schemas.microsoft.com/office/drawing/2010/main" Requires="a14">
+            <p:sp>
+              <p:nvSpPr>
+                <p:cNvPr id="77" name="ZoneTexte 76">
+                  <a:extLst>
+                    <a:ext uri="{FF2B5EF4-FFF2-40B4-BE49-F238E27FC236}">
+                      <a16:creationId xmlns:a16="http://schemas.microsoft.com/office/drawing/2014/main" id="{4BE6685B-714A-2936-1BA2-2CA1122FD234}"/>
+                    </a:ext>
+                  </a:extLst>
+                </p:cNvPr>
+                <p:cNvSpPr txBox="1"/>
+                <p:nvPr/>
+              </p:nvSpPr>
+              <p:spPr>
+                <a:xfrm>
+                  <a:off x="6496530" y="3899673"/>
+                  <a:ext cx="1431825" cy="261610"/>
+                </a:xfrm>
+                <a:prstGeom prst="rect">
+                  <a:avLst/>
+                </a:prstGeom>
+                <a:noFill/>
+              </p:spPr>
+              <p:txBody>
+                <a:bodyPr wrap="square">
+                  <a:spAutoFit/>
+                </a:bodyPr>
+                <a:lstStyle/>
+                <a:p>
+                  <a:pPr algn="ctr"/>
+                  <a14:m>
+                    <m:oMathPara xmlns:m="http://schemas.openxmlformats.org/officeDocument/2006/math">
+                      <m:oMathParaPr>
+                        <m:jc m:val="centerGroup"/>
+                      </m:oMathParaPr>
+                      <m:oMath xmlns:m="http://schemas.openxmlformats.org/officeDocument/2006/math">
+                        <m:r>
+                          <a:rPr lang="fr-FR" sz="1100" b="1" i="1" smtClean="0">
+                            <a:solidFill>
+                              <a:srgbClr val="7030A0"/>
+                            </a:solidFill>
+                            <a:latin typeface="Cambria Math" panose="02040503050406030204" pitchFamily="18" charset="0"/>
+                            <a:ea typeface="Cambria Math" panose="02040503050406030204" pitchFamily="18" charset="0"/>
+                          </a:rPr>
+                          <m:t>𝓟</m:t>
+                        </m:r>
+                        <m:r>
+                          <a:rPr lang="fr-FR" sz="1100" b="1" i="1" smtClean="0">
+                            <a:solidFill>
+                              <a:srgbClr val="7030A0"/>
+                            </a:solidFill>
+                            <a:latin typeface="Cambria Math" panose="02040503050406030204" pitchFamily="18" charset="0"/>
+                            <a:ea typeface="Cambria Math" panose="02040503050406030204" pitchFamily="18" charset="0"/>
+                          </a:rPr>
+                          <m:t>=</m:t>
+                        </m:r>
+                        <m:sSub>
+                          <m:sSubPr>
+                            <m:ctrlPr>
+                              <a:rPr lang="fr-FR" sz="1100" b="1" i="1" smtClean="0">
+                                <a:solidFill>
+                                  <a:srgbClr val="7030A0"/>
+                                </a:solidFill>
+                                <a:latin typeface="Cambria Math" panose="02040503050406030204" pitchFamily="18" charset="0"/>
+                                <a:ea typeface="Cambria Math" panose="02040503050406030204" pitchFamily="18" charset="0"/>
+                              </a:rPr>
+                            </m:ctrlPr>
+                          </m:sSubPr>
+                          <m:e>
+                            <m:r>
+                              <a:rPr lang="fr-FR" sz="1100" b="1" i="1" smtClean="0">
+                                <a:solidFill>
+                                  <a:srgbClr val="7030A0"/>
+                                </a:solidFill>
+                                <a:latin typeface="Cambria Math" panose="02040503050406030204" pitchFamily="18" charset="0"/>
+                                <a:ea typeface="Cambria Math" panose="02040503050406030204" pitchFamily="18" charset="0"/>
+                              </a:rPr>
+                              <m:t>𝑪</m:t>
+                            </m:r>
+                          </m:e>
+                          <m:sub>
+                            <m:r>
+                              <a:rPr lang="fr-FR" sz="1100" b="1" i="1" smtClean="0">
+                                <a:solidFill>
+                                  <a:srgbClr val="7030A0"/>
+                                </a:solidFill>
+                                <a:latin typeface="Cambria Math" panose="02040503050406030204" pitchFamily="18" charset="0"/>
+                                <a:ea typeface="Cambria Math" panose="02040503050406030204" pitchFamily="18" charset="0"/>
+                              </a:rPr>
+                              <m:t>𝒎</m:t>
+                            </m:r>
+                          </m:sub>
+                        </m:sSub>
+                        <m:sSub>
+                          <m:sSubPr>
+                            <m:ctrlPr>
+                              <a:rPr lang="fr-FR" sz="1100" b="1" i="1" smtClean="0">
+                                <a:solidFill>
+                                  <a:srgbClr val="7030A0"/>
+                                </a:solidFill>
+                                <a:latin typeface="Cambria Math" panose="02040503050406030204" pitchFamily="18" charset="0"/>
+                                <a:ea typeface="Cambria Math" panose="02040503050406030204" pitchFamily="18" charset="0"/>
+                              </a:rPr>
+                            </m:ctrlPr>
+                          </m:sSubPr>
+                          <m:e>
+                            <m:r>
+                              <a:rPr lang="fr-FR" sz="1100" b="1" i="1" smtClean="0">
+                                <a:solidFill>
+                                  <a:srgbClr val="7030A0"/>
+                                </a:solidFill>
+                                <a:latin typeface="Cambria Math" panose="02040503050406030204" pitchFamily="18" charset="0"/>
+                                <a:ea typeface="Cambria Math" panose="02040503050406030204" pitchFamily="18" charset="0"/>
+                              </a:rPr>
+                              <m:t>𝝎</m:t>
+                            </m:r>
+                          </m:e>
+                          <m:sub>
+                            <m:r>
+                              <a:rPr lang="fr-FR" sz="1100" b="1" i="1" smtClean="0">
+                                <a:solidFill>
+                                  <a:srgbClr val="7030A0"/>
+                                </a:solidFill>
+                                <a:latin typeface="Cambria Math" panose="02040503050406030204" pitchFamily="18" charset="0"/>
+                                <a:ea typeface="Cambria Math" panose="02040503050406030204" pitchFamily="18" charset="0"/>
+                              </a:rPr>
+                              <m:t>𝒎</m:t>
+                            </m:r>
+                          </m:sub>
+                        </m:sSub>
+                      </m:oMath>
+                    </m:oMathPara>
+                  </a14:m>
+                  <a:endParaRPr lang="fr-FR" sz="1100" b="1" dirty="0">
+                    <a:solidFill>
+                      <a:srgbClr val="7030A0"/>
+                    </a:solidFill>
+                    <a:latin typeface="Arial Nova" panose="020B0504020202020204" pitchFamily="34" charset="0"/>
+                  </a:endParaRPr>
+                </a:p>
+              </p:txBody>
+            </p:sp>
+          </mc:Choice>
+          <mc:Fallback>
+            <p:sp>
+              <p:nvSpPr>
+                <p:cNvPr id="77" name="ZoneTexte 76">
+                  <a:extLst>
+                    <a:ext uri="{FF2B5EF4-FFF2-40B4-BE49-F238E27FC236}">
+                      <a16:creationId xmlns:a16="http://schemas.microsoft.com/office/drawing/2014/main" id="{4BE6685B-714A-2936-1BA2-2CA1122FD234}"/>
+                    </a:ext>
+                  </a:extLst>
+                </p:cNvPr>
+                <p:cNvSpPr txBox="1">
+                  <a:spLocks noRot="1" noChangeAspect="1" noMove="1" noResize="1" noEditPoints="1" noAdjustHandles="1" noChangeArrowheads="1" noChangeShapeType="1" noTextEdit="1"/>
+                </p:cNvSpPr>
+                <p:nvPr/>
+              </p:nvSpPr>
+              <p:spPr>
+                <a:xfrm>
+                  <a:off x="6496530" y="3899673"/>
+                  <a:ext cx="1431825" cy="261610"/>
+                </a:xfrm>
+                <a:prstGeom prst="rect">
+                  <a:avLst/>
+                </a:prstGeom>
+                <a:blipFill>
+                  <a:blip r:embed="rId8"/>
+                  <a:stretch>
+                    <a:fillRect/>
+                  </a:stretch>
+                </a:blipFill>
+              </p:spPr>
+              <p:txBody>
+                <a:bodyPr/>
+                <a:lstStyle/>
+                <a:p>
+                  <a:r>
+                    <a:rPr lang="fr-FR">
+                      <a:noFill/>
+                    </a:rPr>
+                    <a:t> </a:t>
+                  </a:r>
+                </a:p>
+              </p:txBody>
+            </p:sp>
+          </mc:Fallback>
+        </mc:AlternateContent>
+        <mc:AlternateContent xmlns:mc="http://schemas.openxmlformats.org/markup-compatibility/2006">
+          <mc:Choice xmlns:a14="http://schemas.microsoft.com/office/drawing/2010/main" Requires="a14">
+            <p:sp>
+              <p:nvSpPr>
+                <p:cNvPr id="78" name="ZoneTexte 77">
+                  <a:extLst>
+                    <a:ext uri="{FF2B5EF4-FFF2-40B4-BE49-F238E27FC236}">
+                      <a16:creationId xmlns:a16="http://schemas.microsoft.com/office/drawing/2014/main" id="{F72A4F02-81F2-12CD-42EB-688314B6AAB2}"/>
+                    </a:ext>
+                  </a:extLst>
+                </p:cNvPr>
+                <p:cNvSpPr txBox="1"/>
+                <p:nvPr/>
+              </p:nvSpPr>
+              <p:spPr>
+                <a:xfrm>
+                  <a:off x="10613889" y="3865361"/>
+                  <a:ext cx="1431825" cy="261610"/>
+                </a:xfrm>
+                <a:prstGeom prst="rect">
+                  <a:avLst/>
+                </a:prstGeom>
+                <a:noFill/>
+              </p:spPr>
+              <p:txBody>
+                <a:bodyPr wrap="square">
+                  <a:spAutoFit/>
+                </a:bodyPr>
+                <a:lstStyle/>
+                <a:p>
+                  <a:pPr algn="ctr"/>
+                  <a14:m>
+                    <m:oMathPara xmlns:m="http://schemas.openxmlformats.org/officeDocument/2006/math">
+                      <m:oMathParaPr>
+                        <m:jc m:val="centerGroup"/>
+                      </m:oMathParaPr>
+                      <m:oMath xmlns:m="http://schemas.openxmlformats.org/officeDocument/2006/math">
+                        <m:r>
+                          <a:rPr lang="fr-FR" sz="1100" b="1" i="1" smtClean="0">
+                            <a:solidFill>
+                              <a:srgbClr val="7030A0"/>
+                            </a:solidFill>
+                            <a:latin typeface="Cambria Math" panose="02040503050406030204" pitchFamily="18" charset="0"/>
+                            <a:ea typeface="Cambria Math" panose="02040503050406030204" pitchFamily="18" charset="0"/>
+                          </a:rPr>
+                          <m:t>𝓟</m:t>
+                        </m:r>
+                        <m:r>
+                          <a:rPr lang="fr-FR" sz="1100" b="1" i="1" smtClean="0">
+                            <a:solidFill>
+                              <a:srgbClr val="7030A0"/>
+                            </a:solidFill>
+                            <a:latin typeface="Cambria Math" panose="02040503050406030204" pitchFamily="18" charset="0"/>
+                            <a:ea typeface="Cambria Math" panose="02040503050406030204" pitchFamily="18" charset="0"/>
+                          </a:rPr>
+                          <m:t>=</m:t>
+                        </m:r>
+                        <m:sSub>
+                          <m:sSubPr>
+                            <m:ctrlPr>
+                              <a:rPr lang="fr-FR" sz="1100" b="1" i="1" smtClean="0">
+                                <a:solidFill>
+                                  <a:srgbClr val="7030A0"/>
+                                </a:solidFill>
+                                <a:latin typeface="Cambria Math" panose="02040503050406030204" pitchFamily="18" charset="0"/>
+                                <a:ea typeface="Cambria Math" panose="02040503050406030204" pitchFamily="18" charset="0"/>
+                              </a:rPr>
+                            </m:ctrlPr>
+                          </m:sSubPr>
+                          <m:e>
+                            <m:r>
+                              <a:rPr lang="fr-FR" sz="1100" b="1" i="1" smtClean="0">
+                                <a:solidFill>
+                                  <a:srgbClr val="7030A0"/>
+                                </a:solidFill>
+                                <a:latin typeface="Cambria Math" panose="02040503050406030204" pitchFamily="18" charset="0"/>
+                                <a:ea typeface="Cambria Math" panose="02040503050406030204" pitchFamily="18" charset="0"/>
+                              </a:rPr>
+                              <m:t>𝑭</m:t>
+                            </m:r>
+                          </m:e>
+                          <m:sub>
+                            <m:r>
+                              <a:rPr lang="fr-FR" sz="1100" b="1" i="1" smtClean="0">
+                                <a:solidFill>
+                                  <a:srgbClr val="7030A0"/>
+                                </a:solidFill>
+                                <a:latin typeface="Cambria Math" panose="02040503050406030204" pitchFamily="18" charset="0"/>
+                                <a:ea typeface="Cambria Math" panose="02040503050406030204" pitchFamily="18" charset="0"/>
+                              </a:rPr>
+                              <m:t>𝒎</m:t>
+                            </m:r>
+                          </m:sub>
+                        </m:sSub>
+                        <m:r>
+                          <a:rPr lang="fr-FR" sz="1100" b="1" i="1" smtClean="0">
+                            <a:solidFill>
+                              <a:srgbClr val="7030A0"/>
+                            </a:solidFill>
+                            <a:latin typeface="Cambria Math" panose="02040503050406030204" pitchFamily="18" charset="0"/>
+                            <a:ea typeface="Cambria Math" panose="02040503050406030204" pitchFamily="18" charset="0"/>
+                          </a:rPr>
+                          <m:t>𝑽</m:t>
+                        </m:r>
+                      </m:oMath>
+                    </m:oMathPara>
+                  </a14:m>
+                  <a:endParaRPr lang="fr-FR" sz="1100" b="1" dirty="0">
+                    <a:solidFill>
+                      <a:srgbClr val="7030A0"/>
+                    </a:solidFill>
+                    <a:latin typeface="Arial Nova" panose="020B0504020202020204" pitchFamily="34" charset="0"/>
+                  </a:endParaRPr>
+                </a:p>
+              </p:txBody>
+            </p:sp>
+          </mc:Choice>
+          <mc:Fallback>
+            <p:sp>
+              <p:nvSpPr>
+                <p:cNvPr id="78" name="ZoneTexte 77">
+                  <a:extLst>
+                    <a:ext uri="{FF2B5EF4-FFF2-40B4-BE49-F238E27FC236}">
+                      <a16:creationId xmlns:a16="http://schemas.microsoft.com/office/drawing/2014/main" id="{F72A4F02-81F2-12CD-42EB-688314B6AAB2}"/>
+                    </a:ext>
+                  </a:extLst>
+                </p:cNvPr>
+                <p:cNvSpPr txBox="1">
+                  <a:spLocks noRot="1" noChangeAspect="1" noMove="1" noResize="1" noEditPoints="1" noAdjustHandles="1" noChangeArrowheads="1" noChangeShapeType="1" noTextEdit="1"/>
+                </p:cNvSpPr>
+                <p:nvPr/>
+              </p:nvSpPr>
+              <p:spPr>
+                <a:xfrm>
+                  <a:off x="10613889" y="3865361"/>
+                  <a:ext cx="1431825" cy="261610"/>
+                </a:xfrm>
+                <a:prstGeom prst="rect">
+                  <a:avLst/>
+                </a:prstGeom>
+                <a:blipFill>
+                  <a:blip r:embed="rId9"/>
+                  <a:stretch>
+                    <a:fillRect/>
+                  </a:stretch>
+                </a:blipFill>
+              </p:spPr>
+              <p:txBody>
+                <a:bodyPr/>
+                <a:lstStyle/>
+                <a:p>
+                  <a:r>
+                    <a:rPr lang="fr-FR">
+                      <a:noFill/>
+                    </a:rPr>
+                    <a:t> </a:t>
+                  </a:r>
+                </a:p>
+              </p:txBody>
+            </p:sp>
+          </mc:Fallback>
+        </mc:AlternateContent>
+        <p:sp>
+          <p:nvSpPr>
+            <p:cNvPr id="79" name="Rectangle : coins arrondis 65">
+              <a:extLst>
+                <a:ext uri="{FF2B5EF4-FFF2-40B4-BE49-F238E27FC236}">
+                  <a16:creationId xmlns:a16="http://schemas.microsoft.com/office/drawing/2014/main" id="{DEFEC9DC-D44C-BD4C-C7C7-8E5A976EE82E}"/>
+                </a:ext>
+              </a:extLst>
+            </p:cNvPr>
+            <p:cNvSpPr/>
+            <p:nvPr/>
+          </p:nvSpPr>
+          <p:spPr>
+            <a:xfrm>
+              <a:off x="9625448" y="3534654"/>
+              <a:ext cx="1365662" cy="534390"/>
+            </a:xfrm>
+            <a:prstGeom prst="roundRect">
+              <a:avLst>
+                <a:gd name="adj" fmla="val 11914"/>
+              </a:avLst>
+            </a:prstGeom>
+            <a:noFill/>
+            <a:ln w="19050">
+              <a:solidFill>
+                <a:srgbClr val="EE685D"/>
+              </a:solidFill>
+            </a:ln>
+          </p:spPr>
+          <p:style>
+            <a:lnRef idx="2">
+              <a:schemeClr val="accent1">
+                <a:shade val="50000"/>
+              </a:schemeClr>
+            </a:lnRef>
+            <a:fillRef idx="1">
+              <a:schemeClr val="accent1"/>
+            </a:fillRef>
+            <a:effectRef idx="0">
+              <a:schemeClr val="accent1"/>
+            </a:effectRef>
+            <a:fontRef idx="minor">
+              <a:schemeClr val="lt1"/>
+            </a:fontRef>
+          </p:style>
+          <p:txBody>
+            <a:bodyPr rtlCol="0" anchor="ctr"/>
+            <a:lstStyle/>
+            <a:p>
+              <a:pPr algn="ctr"/>
+              <a:r>
+                <a:rPr lang="fr-FR" sz="1400" dirty="0">
+                  <a:solidFill>
+                    <a:srgbClr val="EE685D"/>
+                  </a:solidFill>
+                  <a:latin typeface="Arial Nova" panose="020B0504020202020204" pitchFamily="34" charset="0"/>
+                </a:rPr>
+                <a:t>Transmettre</a:t>
+              </a:r>
+            </a:p>
+          </p:txBody>
+        </p:sp>
+        <p:cxnSp>
+          <p:nvCxnSpPr>
+            <p:cNvPr id="80" name="Connecteur droit avec flèche 79">
+              <a:extLst>
+                <a:ext uri="{FF2B5EF4-FFF2-40B4-BE49-F238E27FC236}">
+                  <a16:creationId xmlns:a16="http://schemas.microsoft.com/office/drawing/2014/main" id="{FA030DA2-3C3A-C8FA-45E8-D976D05C940D}"/>
+                </a:ext>
+              </a:extLst>
+            </p:cNvPr>
+            <p:cNvCxnSpPr>
+              <a:cxnSpLocks/>
+            </p:cNvCxnSpPr>
+            <p:nvPr/>
+          </p:nvCxnSpPr>
+          <p:spPr>
+            <a:xfrm flipV="1">
+              <a:off x="8911895" y="3796784"/>
+              <a:ext cx="720000" cy="1536"/>
+            </a:xfrm>
+            <a:prstGeom prst="straightConnector1">
+              <a:avLst/>
+            </a:prstGeom>
+            <a:ln w="25400" cap="rnd">
+              <a:solidFill>
+                <a:srgbClr val="68348B"/>
+              </a:solidFill>
+              <a:tailEnd type="triangle" w="med" len="lg"/>
+            </a:ln>
+          </p:spPr>
+          <p:style>
+            <a:lnRef idx="1">
+              <a:schemeClr val="accent1"/>
+            </a:lnRef>
+            <a:fillRef idx="0">
+              <a:schemeClr val="accent1"/>
+            </a:fillRef>
+            <a:effectRef idx="0">
+              <a:schemeClr val="accent1"/>
+            </a:effectRef>
+            <a:fontRef idx="minor">
+              <a:schemeClr val="tx1"/>
+            </a:fontRef>
+          </p:style>
+        </p:cxnSp>
+        <p:pic>
+          <p:nvPicPr>
+            <p:cNvPr id="81" name="Image 80">
+              <a:extLst>
+                <a:ext uri="{FF2B5EF4-FFF2-40B4-BE49-F238E27FC236}">
+                  <a16:creationId xmlns:a16="http://schemas.microsoft.com/office/drawing/2014/main" id="{7CFF18D7-B440-5F98-0242-64155E193C50}"/>
+                </a:ext>
+              </a:extLst>
+            </p:cNvPr>
+            <p:cNvPicPr>
+              <a:picLocks noChangeAspect="1"/>
+            </p:cNvPicPr>
+            <p:nvPr/>
+          </p:nvPicPr>
+          <p:blipFill>
+            <a:blip r:embed="rId3"/>
+            <a:stretch>
+              <a:fillRect/>
+            </a:stretch>
+          </p:blipFill>
+          <p:spPr>
+            <a:xfrm>
+              <a:off x="9075684" y="3407535"/>
+              <a:ext cx="360000" cy="360000"/>
+            </a:xfrm>
+            <a:prstGeom prst="rect">
+              <a:avLst/>
+            </a:prstGeom>
+          </p:spPr>
+        </p:pic>
+        <p:grpSp>
+          <p:nvGrpSpPr>
+            <p:cNvPr id="82" name="Groupe 81">
+              <a:extLst>
+                <a:ext uri="{FF2B5EF4-FFF2-40B4-BE49-F238E27FC236}">
+                  <a16:creationId xmlns:a16="http://schemas.microsoft.com/office/drawing/2014/main" id="{F7FD68FD-39E8-E3FC-751F-6F8E7EFC5E05}"/>
+                </a:ext>
+              </a:extLst>
+            </p:cNvPr>
+            <p:cNvGrpSpPr/>
+            <p:nvPr/>
+          </p:nvGrpSpPr>
+          <p:grpSpPr>
+            <a:xfrm>
+              <a:off x="10151217" y="3954960"/>
+              <a:ext cx="360000" cy="360000"/>
+              <a:chOff x="10405167" y="2322166"/>
+              <a:chExt cx="1800000" cy="1800000"/>
+            </a:xfrm>
+          </p:grpSpPr>
+          <p:sp>
+            <p:nvSpPr>
+              <p:cNvPr id="83" name="Ellipse 82">
+                <a:extLst>
+                  <a:ext uri="{FF2B5EF4-FFF2-40B4-BE49-F238E27FC236}">
+                    <a16:creationId xmlns:a16="http://schemas.microsoft.com/office/drawing/2014/main" id="{1E8A1773-049E-3FE0-3A55-46B324B5F72D}"/>
+                  </a:ext>
+                </a:extLst>
+              </p:cNvPr>
+              <p:cNvSpPr/>
+              <p:nvPr/>
+            </p:nvSpPr>
+            <p:spPr>
+              <a:xfrm>
+                <a:off x="10405167" y="2322166"/>
+                <a:ext cx="1800000" cy="1800000"/>
+              </a:xfrm>
+              <a:prstGeom prst="ellipse">
+                <a:avLst/>
+              </a:prstGeom>
+              <a:solidFill>
+                <a:srgbClr val="EF7268"/>
+              </a:solidFill>
+              <a:ln>
+                <a:noFill/>
+              </a:ln>
+            </p:spPr>
+            <p:style>
+              <a:lnRef idx="2">
+                <a:schemeClr val="accent1">
+                  <a:shade val="50000"/>
+                </a:schemeClr>
+              </a:lnRef>
+              <a:fillRef idx="1">
+                <a:schemeClr val="accent1"/>
+              </a:fillRef>
+              <a:effectRef idx="0">
+                <a:schemeClr val="accent1"/>
+              </a:effectRef>
+              <a:fontRef idx="minor">
+                <a:schemeClr val="lt1"/>
+              </a:fontRef>
+            </p:style>
+            <p:txBody>
+              <a:bodyPr rtlCol="0" anchor="ctr"/>
+              <a:lstStyle/>
+              <a:p>
+                <a:pPr algn="ctr"/>
+                <a:endParaRPr lang="fr-FR" dirty="0"/>
+              </a:p>
+            </p:txBody>
+          </p:sp>
+          <p:pic>
+            <p:nvPicPr>
+              <p:cNvPr id="84" name="Image 83">
+                <a:extLst>
+                  <a:ext uri="{FF2B5EF4-FFF2-40B4-BE49-F238E27FC236}">
+                    <a16:creationId xmlns:a16="http://schemas.microsoft.com/office/drawing/2014/main" id="{CB10C83E-CD60-27F3-C1B3-1546FCE2839E}"/>
+                  </a:ext>
+                </a:extLst>
+              </p:cNvPr>
+              <p:cNvPicPr>
+                <a:picLocks noChangeAspect="1"/>
+              </p:cNvPicPr>
+              <p:nvPr/>
+            </p:nvPicPr>
+            <p:blipFill>
+              <a:blip r:embed="rId10"/>
+              <a:stretch>
+                <a:fillRect/>
+              </a:stretch>
+            </p:blipFill>
+            <p:spPr>
+              <a:xfrm>
+                <a:off x="10546164" y="2642707"/>
+                <a:ext cx="1518007" cy="924719"/>
+              </a:xfrm>
+              <a:prstGeom prst="rect">
+                <a:avLst/>
+              </a:prstGeom>
+            </p:spPr>
+          </p:pic>
+        </p:grpSp>
+        <mc:AlternateContent xmlns:mc="http://schemas.openxmlformats.org/markup-compatibility/2006">
+          <mc:Choice xmlns:a14="http://schemas.microsoft.com/office/drawing/2010/main" Requires="a14">
+            <p:sp>
+              <p:nvSpPr>
+                <p:cNvPr id="85" name="ZoneTexte 84">
+                  <a:extLst>
+                    <a:ext uri="{FF2B5EF4-FFF2-40B4-BE49-F238E27FC236}">
+                      <a16:creationId xmlns:a16="http://schemas.microsoft.com/office/drawing/2014/main" id="{D4448485-1542-9D3B-17C1-604149E67AE1}"/>
+                    </a:ext>
+                  </a:extLst>
+                </p:cNvPr>
+                <p:cNvSpPr txBox="1"/>
+                <p:nvPr/>
+              </p:nvSpPr>
+              <p:spPr>
+                <a:xfrm>
+                  <a:off x="8589080" y="3939627"/>
+                  <a:ext cx="1431825" cy="261610"/>
+                </a:xfrm>
+                <a:prstGeom prst="rect">
+                  <a:avLst/>
+                </a:prstGeom>
+                <a:noFill/>
+              </p:spPr>
+              <p:txBody>
+                <a:bodyPr wrap="square">
+                  <a:spAutoFit/>
+                </a:bodyPr>
+                <a:lstStyle/>
+                <a:p>
+                  <a:pPr algn="ctr"/>
+                  <a14:m>
+                    <m:oMathPara xmlns:m="http://schemas.openxmlformats.org/officeDocument/2006/math">
+                      <m:oMathParaPr>
+                        <m:jc m:val="centerGroup"/>
+                      </m:oMathParaPr>
+                      <m:oMath xmlns:m="http://schemas.openxmlformats.org/officeDocument/2006/math">
+                        <m:r>
+                          <a:rPr lang="fr-FR" sz="1100" b="1" i="1" smtClean="0">
+                            <a:solidFill>
+                              <a:srgbClr val="7030A0"/>
+                            </a:solidFill>
+                            <a:latin typeface="Cambria Math" panose="02040503050406030204" pitchFamily="18" charset="0"/>
+                            <a:ea typeface="Cambria Math" panose="02040503050406030204" pitchFamily="18" charset="0"/>
+                          </a:rPr>
+                          <m:t>𝓟</m:t>
+                        </m:r>
+                        <m:r>
+                          <a:rPr lang="fr-FR" sz="1100" b="1" i="1" smtClean="0">
+                            <a:solidFill>
+                              <a:srgbClr val="7030A0"/>
+                            </a:solidFill>
+                            <a:latin typeface="Cambria Math" panose="02040503050406030204" pitchFamily="18" charset="0"/>
+                            <a:ea typeface="Cambria Math" panose="02040503050406030204" pitchFamily="18" charset="0"/>
+                          </a:rPr>
+                          <m:t>=</m:t>
+                        </m:r>
+                        <m:sSub>
+                          <m:sSubPr>
+                            <m:ctrlPr>
+                              <a:rPr lang="fr-FR" sz="1100" b="1" i="1" smtClean="0">
+                                <a:solidFill>
+                                  <a:srgbClr val="7030A0"/>
+                                </a:solidFill>
+                                <a:latin typeface="Cambria Math" panose="02040503050406030204" pitchFamily="18" charset="0"/>
+                                <a:ea typeface="Cambria Math" panose="02040503050406030204" pitchFamily="18" charset="0"/>
+                              </a:rPr>
+                            </m:ctrlPr>
+                          </m:sSubPr>
+                          <m:e>
+                            <m:r>
+                              <a:rPr lang="fr-FR" sz="1100" b="1" i="1" smtClean="0">
+                                <a:solidFill>
+                                  <a:srgbClr val="7030A0"/>
+                                </a:solidFill>
+                                <a:latin typeface="Cambria Math" panose="02040503050406030204" pitchFamily="18" charset="0"/>
+                                <a:ea typeface="Cambria Math" panose="02040503050406030204" pitchFamily="18" charset="0"/>
+                              </a:rPr>
+                              <m:t>𝑪</m:t>
+                            </m:r>
+                          </m:e>
+                          <m:sub>
+                            <m:r>
+                              <a:rPr lang="fr-FR" sz="1100" b="1" i="1" smtClean="0">
+                                <a:solidFill>
+                                  <a:srgbClr val="7030A0"/>
+                                </a:solidFill>
+                                <a:latin typeface="Cambria Math" panose="02040503050406030204" pitchFamily="18" charset="0"/>
+                                <a:ea typeface="Cambria Math" panose="02040503050406030204" pitchFamily="18" charset="0"/>
+                              </a:rPr>
+                              <m:t>𝒎</m:t>
+                            </m:r>
+                          </m:sub>
+                        </m:sSub>
+                        <m:sSub>
+                          <m:sSubPr>
+                            <m:ctrlPr>
+                              <a:rPr lang="fr-FR" sz="1100" b="1" i="1" smtClean="0">
+                                <a:solidFill>
+                                  <a:srgbClr val="7030A0"/>
+                                </a:solidFill>
+                                <a:latin typeface="Cambria Math" panose="02040503050406030204" pitchFamily="18" charset="0"/>
+                                <a:ea typeface="Cambria Math" panose="02040503050406030204" pitchFamily="18" charset="0"/>
+                              </a:rPr>
+                            </m:ctrlPr>
+                          </m:sSubPr>
+                          <m:e>
+                            <m:r>
+                              <a:rPr lang="fr-FR" sz="1100" b="1" i="1" smtClean="0">
+                                <a:solidFill>
+                                  <a:srgbClr val="7030A0"/>
+                                </a:solidFill>
+                                <a:latin typeface="Cambria Math" panose="02040503050406030204" pitchFamily="18" charset="0"/>
+                                <a:ea typeface="Cambria Math" panose="02040503050406030204" pitchFamily="18" charset="0"/>
+                              </a:rPr>
+                              <m:t>𝝎</m:t>
+                            </m:r>
+                          </m:e>
+                          <m:sub>
+                            <m:r>
+                              <a:rPr lang="fr-FR" sz="1100" b="1" i="1" smtClean="0">
+                                <a:solidFill>
+                                  <a:srgbClr val="7030A0"/>
+                                </a:solidFill>
+                                <a:latin typeface="Cambria Math" panose="02040503050406030204" pitchFamily="18" charset="0"/>
+                                <a:ea typeface="Cambria Math" panose="02040503050406030204" pitchFamily="18" charset="0"/>
+                              </a:rPr>
+                              <m:t>𝒎</m:t>
+                            </m:r>
+                          </m:sub>
+                        </m:sSub>
+                      </m:oMath>
+                    </m:oMathPara>
+                  </a14:m>
+                  <a:endParaRPr lang="fr-FR" sz="1100" b="1" dirty="0">
+                    <a:solidFill>
+                      <a:srgbClr val="7030A0"/>
+                    </a:solidFill>
+                    <a:latin typeface="Arial Nova" panose="020B0504020202020204" pitchFamily="34" charset="0"/>
+                  </a:endParaRPr>
+                </a:p>
+              </p:txBody>
+            </p:sp>
+          </mc:Choice>
+          <mc:Fallback>
+            <p:sp>
+              <p:nvSpPr>
+                <p:cNvPr id="85" name="ZoneTexte 84">
+                  <a:extLst>
+                    <a:ext uri="{FF2B5EF4-FFF2-40B4-BE49-F238E27FC236}">
+                      <a16:creationId xmlns:a16="http://schemas.microsoft.com/office/drawing/2014/main" id="{D4448485-1542-9D3B-17C1-604149E67AE1}"/>
+                    </a:ext>
+                  </a:extLst>
+                </p:cNvPr>
+                <p:cNvSpPr txBox="1">
+                  <a:spLocks noRot="1" noChangeAspect="1" noMove="1" noResize="1" noEditPoints="1" noAdjustHandles="1" noChangeArrowheads="1" noChangeShapeType="1" noTextEdit="1"/>
+                </p:cNvSpPr>
+                <p:nvPr/>
+              </p:nvSpPr>
+              <p:spPr>
+                <a:xfrm>
+                  <a:off x="8589080" y="3939627"/>
+                  <a:ext cx="1431825" cy="261610"/>
+                </a:xfrm>
+                <a:prstGeom prst="rect">
+                  <a:avLst/>
+                </a:prstGeom>
+                <a:blipFill>
+                  <a:blip r:embed="rId11"/>
+                  <a:stretch>
+                    <a:fillRect/>
+                  </a:stretch>
+                </a:blipFill>
+              </p:spPr>
+              <p:txBody>
+                <a:bodyPr/>
+                <a:lstStyle/>
+                <a:p>
+                  <a:r>
+                    <a:rPr lang="fr-FR">
+                      <a:noFill/>
+                    </a:rPr>
+                    <a:t> </a:t>
+                  </a:r>
+                </a:p>
+              </p:txBody>
+            </p:sp>
+          </mc:Fallback>
+        </mc:AlternateContent>
+      </p:grpSp>
+    </p:spTree>
+    <p:extLst>
+      <p:ext uri="{BB962C8B-B14F-4D97-AF65-F5344CB8AC3E}">
+        <p14:creationId xmlns:p14="http://schemas.microsoft.com/office/powerpoint/2010/main" val="623115340"/>
       </p:ext>
     </p:extLst>
   </p:cSld>

--- a/04_Comax/04_Comax_Corrige.pptx
+++ b/04_Comax/04_Comax_Corrige.pptx
@@ -15,6 +15,9 @@
     <p:sldId id="272" r:id="rId9"/>
     <p:sldId id="271" r:id="rId10"/>
     <p:sldId id="274" r:id="rId11"/>
+    <p:sldId id="275" r:id="rId12"/>
+    <p:sldId id="276" r:id="rId13"/>
+    <p:sldId id="277" r:id="rId14"/>
   </p:sldIdLst>
   <p:sldSz cx="12192000" cy="6858000"/>
   <p:notesSz cx="6858000" cy="9144000"/>
@@ -4017,7 +4020,10 @@
           <a:bodyPr/>
           <a:lstStyle/>
           <a:p>
-            <a:endParaRPr lang="fr-FR" dirty="0"/>
+            <a:r>
+              <a:rPr lang="fr-FR" dirty="0"/>
+              <a:t>Stratégie – TEC</a:t>
+            </a:r>
           </a:p>
         </p:txBody>
       </p:sp>
@@ -4038,82 +4044,115 @@
           </a:xfrm>
         </p:spPr>
         <p:txBody>
-          <a:bodyPr/>
+          <a:bodyPr>
+            <a:normAutofit fontScale="92500" lnSpcReduction="20000"/>
+          </a:bodyPr>
           <a:lstStyle/>
           <a:p>
             <a:r>
-              <a:rPr lang="fr-FR" dirty="0" smtClean="0"/>
+              <a:rPr lang="fr-FR" dirty="0"/>
               <a:t>Energie cinétique</a:t>
             </a:r>
           </a:p>
           <a:p>
             <a:pPr lvl="1"/>
             <a:r>
-              <a:rPr lang="fr-FR" dirty="0" smtClean="0"/>
+              <a:rPr lang="fr-FR" dirty="0"/>
               <a:t>Rotor moteur</a:t>
             </a:r>
           </a:p>
           <a:p>
             <a:pPr lvl="1"/>
             <a:r>
-              <a:rPr lang="fr-FR" dirty="0" smtClean="0"/>
+              <a:rPr lang="fr-FR" dirty="0"/>
               <a:t>Réducteur</a:t>
             </a:r>
           </a:p>
           <a:p>
             <a:pPr lvl="1"/>
             <a:r>
-              <a:rPr lang="fr-FR" dirty="0" smtClean="0"/>
+              <a:rPr lang="fr-FR" dirty="0"/>
               <a:t>Axe linéaire</a:t>
             </a:r>
           </a:p>
           <a:p>
+            <a:pPr lvl="1"/>
             <a:r>
-              <a:rPr lang="fr-FR" dirty="0" smtClean="0"/>
+              <a:rPr lang="fr-FR" dirty="0"/>
+              <a:t>Relation cinématique</a:t>
+            </a:r>
+          </a:p>
+          <a:p>
+            <a:r>
+              <a:rPr lang="fr-FR" dirty="0"/>
               <a:t>Puissance intérieure</a:t>
             </a:r>
           </a:p>
           <a:p>
             <a:pPr lvl="1"/>
             <a:r>
-              <a:rPr lang="fr-FR" dirty="0" smtClean="0"/>
+              <a:rPr lang="fr-FR" dirty="0"/>
               <a:t>Puissance dans les liaisons</a:t>
             </a:r>
           </a:p>
           <a:p>
             <a:pPr lvl="1"/>
             <a:r>
-              <a:rPr lang="fr-FR" dirty="0" smtClean="0"/>
+              <a:rPr lang="fr-FR" dirty="0"/>
+              <a:t>Courroie ?</a:t>
+            </a:r>
+          </a:p>
+          <a:p>
+            <a:pPr lvl="1"/>
+            <a:r>
+              <a:rPr lang="fr-FR" b="1" strike="sngStrike" dirty="0">
+                <a:solidFill>
+                  <a:srgbClr val="FF0000"/>
+                </a:solidFill>
+              </a:rPr>
               <a:t>Puissance dissipée par frottements</a:t>
             </a:r>
           </a:p>
           <a:p>
             <a:r>
-              <a:rPr lang="fr-FR" dirty="0" smtClean="0"/>
+              <a:rPr lang="fr-FR" dirty="0"/>
               <a:t>Puissance extérieure</a:t>
             </a:r>
           </a:p>
           <a:p>
             <a:pPr lvl="1"/>
             <a:r>
-              <a:rPr lang="fr-FR" dirty="0" smtClean="0"/>
+              <a:rPr lang="fr-FR" dirty="0"/>
               <a:t>Puissance du moteur</a:t>
             </a:r>
           </a:p>
           <a:p>
             <a:pPr lvl="1"/>
             <a:r>
-              <a:rPr lang="fr-FR" dirty="0" smtClean="0"/>
+              <a:rPr lang="fr-FR" dirty="0"/>
               <a:t>Puissance dans les liaisons</a:t>
             </a:r>
           </a:p>
           <a:p>
             <a:pPr lvl="1"/>
             <a:r>
-              <a:rPr lang="fr-FR" dirty="0" smtClean="0"/>
-              <a:t>Puissance de frottement</a:t>
+              <a:rPr lang="fr-FR" b="1" strike="sngStrike" dirty="0">
+                <a:solidFill>
+                  <a:srgbClr val="FF0000"/>
+                </a:solidFill>
+              </a:rPr>
+              <a:t>Puissance dissipée par frottements</a:t>
             </a:r>
-            <a:endParaRPr lang="fr-FR" dirty="0"/>
+          </a:p>
+          <a:p>
+            <a:r>
+              <a:rPr lang="fr-FR" b="1" dirty="0">
+                <a:solidFill>
+                  <a:srgbClr val="FF0000"/>
+                </a:solidFill>
+              </a:rPr>
+              <a:t>Puissance dissipée par frottements (intérieurs et extérieurs)</a:t>
+            </a:r>
           </a:p>
         </p:txBody>
       </p:sp>
@@ -4133,18 +4172,1230 @@
         </p:blipFill>
         <p:spPr>
           <a:xfrm>
-            <a:off x="6574971" y="171599"/>
-            <a:ext cx="5499234" cy="1068070"/>
+            <a:off x="7641771" y="171599"/>
+            <a:ext cx="4432434" cy="860874"/>
           </a:xfrm>
           <a:prstGeom prst="rect">
             <a:avLst/>
           </a:prstGeom>
         </p:spPr>
       </p:pic>
+      <p:sp>
+        <p:nvSpPr>
+          <p:cNvPr id="6" name="Espace réservé du contenu 2">
+            <a:extLst>
+              <a:ext uri="{FF2B5EF4-FFF2-40B4-BE49-F238E27FC236}">
+                <a16:creationId xmlns:a16="http://schemas.microsoft.com/office/drawing/2014/main" id="{4602F5FE-C78A-4ABD-DF80-81031D8364CC}"/>
+              </a:ext>
+            </a:extLst>
+          </p:cNvPr>
+          <p:cNvSpPr txBox="1">
+            <a:spLocks/>
+          </p:cNvSpPr>
+          <p:nvPr/>
+        </p:nvSpPr>
+        <p:spPr>
+          <a:xfrm>
+            <a:off x="6096000" y="2090057"/>
+            <a:ext cx="6021748" cy="4145169"/>
+          </a:xfrm>
+          <a:prstGeom prst="rect">
+            <a:avLst/>
+          </a:prstGeom>
+        </p:spPr>
+        <p:txBody>
+          <a:bodyPr vert="horz" lIns="0" tIns="45720" rIns="0" bIns="45720" rtlCol="0">
+            <a:normAutofit/>
+          </a:bodyPr>
+          <a:lstStyle>
+            <a:lvl1pPr marL="271463" indent="-269875" algn="l" defTabSz="914400" rtl="0" eaLnBrk="1" latinLnBrk="0" hangingPunct="1">
+              <a:lnSpc>
+                <a:spcPct val="90000"/>
+              </a:lnSpc>
+              <a:spcBef>
+                <a:spcPts val="1200"/>
+              </a:spcBef>
+              <a:spcAft>
+                <a:spcPts val="200"/>
+              </a:spcAft>
+              <a:buClr>
+                <a:schemeClr val="tx2"/>
+              </a:buClr>
+              <a:buSzPct val="80000"/>
+              <a:buFont typeface="Wingdings" panose="05000000000000000000" pitchFamily="2" charset="2"/>
+              <a:buChar char="q"/>
+              <a:defRPr lang="fr-FR" sz="2800" kern="1200">
+                <a:solidFill>
+                  <a:schemeClr val="tx1">
+                    <a:lumMod val="75000"/>
+                    <a:lumOff val="25000"/>
+                  </a:schemeClr>
+                </a:solidFill>
+                <a:latin typeface="+mn-lt"/>
+                <a:ea typeface="+mn-ea"/>
+                <a:cs typeface="+mn-cs"/>
+              </a:defRPr>
+            </a:lvl1pPr>
+            <a:lvl2pPr marL="449263" indent="-249238" algn="l" defTabSz="914400" rtl="0" eaLnBrk="1" latinLnBrk="0" hangingPunct="1">
+              <a:lnSpc>
+                <a:spcPct val="90000"/>
+              </a:lnSpc>
+              <a:spcBef>
+                <a:spcPts val="200"/>
+              </a:spcBef>
+              <a:spcAft>
+                <a:spcPts val="400"/>
+              </a:spcAft>
+              <a:buClr>
+                <a:schemeClr val="accent1"/>
+              </a:buClr>
+              <a:buSzPct val="80000"/>
+              <a:buFont typeface="Wingdings" panose="05000000000000000000" pitchFamily="2" charset="2"/>
+              <a:buChar char="q"/>
+              <a:defRPr lang="fr-FR" sz="2400" kern="1200">
+                <a:solidFill>
+                  <a:schemeClr val="tx1">
+                    <a:lumMod val="75000"/>
+                    <a:lumOff val="25000"/>
+                  </a:schemeClr>
+                </a:solidFill>
+                <a:latin typeface="+mn-lt"/>
+                <a:ea typeface="+mn-ea"/>
+                <a:cs typeface="+mn-cs"/>
+              </a:defRPr>
+            </a:lvl2pPr>
+            <a:lvl3pPr marL="627063" indent="-242888" algn="l" defTabSz="914400" rtl="0" eaLnBrk="1" latinLnBrk="0" hangingPunct="1">
+              <a:lnSpc>
+                <a:spcPct val="90000"/>
+              </a:lnSpc>
+              <a:spcBef>
+                <a:spcPts val="200"/>
+              </a:spcBef>
+              <a:spcAft>
+                <a:spcPts val="400"/>
+              </a:spcAft>
+              <a:buClr>
+                <a:schemeClr val="accent2"/>
+              </a:buClr>
+              <a:buSzPct val="80000"/>
+              <a:buFont typeface="Wingdings" panose="05000000000000000000" pitchFamily="2" charset="2"/>
+              <a:buChar char="q"/>
+              <a:defRPr lang="fr-FR" sz="1800" kern="1200">
+                <a:solidFill>
+                  <a:schemeClr val="tx1">
+                    <a:lumMod val="75000"/>
+                    <a:lumOff val="25000"/>
+                  </a:schemeClr>
+                </a:solidFill>
+                <a:latin typeface="+mn-lt"/>
+                <a:ea typeface="+mn-ea"/>
+                <a:cs typeface="+mn-cs"/>
+              </a:defRPr>
+            </a:lvl3pPr>
+            <a:lvl4pPr marL="804863" indent="-238125" algn="l" defTabSz="914400" rtl="0" eaLnBrk="1" latinLnBrk="0" hangingPunct="1">
+              <a:lnSpc>
+                <a:spcPct val="90000"/>
+              </a:lnSpc>
+              <a:spcBef>
+                <a:spcPts val="200"/>
+              </a:spcBef>
+              <a:spcAft>
+                <a:spcPts val="400"/>
+              </a:spcAft>
+              <a:buClr>
+                <a:schemeClr val="accent3"/>
+              </a:buClr>
+              <a:buSzPct val="80000"/>
+              <a:buFont typeface="Wingdings" panose="05000000000000000000" pitchFamily="2" charset="2"/>
+              <a:buChar char="q"/>
+              <a:defRPr lang="fr-FR" sz="1800" kern="1200">
+                <a:solidFill>
+                  <a:schemeClr val="tx1">
+                    <a:lumMod val="75000"/>
+                    <a:lumOff val="25000"/>
+                  </a:schemeClr>
+                </a:solidFill>
+                <a:latin typeface="+mn-lt"/>
+                <a:ea typeface="+mn-ea"/>
+                <a:cs typeface="+mn-cs"/>
+              </a:defRPr>
+            </a:lvl4pPr>
+            <a:lvl5pPr marL="982663" indent="-233363" algn="l" defTabSz="914400" rtl="0" eaLnBrk="1" latinLnBrk="0" hangingPunct="1">
+              <a:lnSpc>
+                <a:spcPct val="90000"/>
+              </a:lnSpc>
+              <a:spcBef>
+                <a:spcPts val="200"/>
+              </a:spcBef>
+              <a:spcAft>
+                <a:spcPts val="400"/>
+              </a:spcAft>
+              <a:buClr>
+                <a:schemeClr val="accent4"/>
+              </a:buClr>
+              <a:buSzPct val="80000"/>
+              <a:buFont typeface="Wingdings" panose="05000000000000000000" pitchFamily="2" charset="2"/>
+              <a:buChar char="q"/>
+              <a:defRPr lang="en-US" sz="1800" kern="1200">
+                <a:solidFill>
+                  <a:schemeClr val="tx1">
+                    <a:lumMod val="75000"/>
+                    <a:lumOff val="25000"/>
+                  </a:schemeClr>
+                </a:solidFill>
+                <a:latin typeface="+mn-lt"/>
+                <a:ea typeface="+mn-ea"/>
+                <a:cs typeface="+mn-cs"/>
+              </a:defRPr>
+            </a:lvl5pPr>
+            <a:lvl6pPr marL="1100000" indent="-228600" algn="l" defTabSz="914400" rtl="0" eaLnBrk="1" latinLnBrk="0" hangingPunct="1">
+              <a:lnSpc>
+                <a:spcPct val="90000"/>
+              </a:lnSpc>
+              <a:spcBef>
+                <a:spcPts val="200"/>
+              </a:spcBef>
+              <a:spcAft>
+                <a:spcPts val="400"/>
+              </a:spcAft>
+              <a:buClr>
+                <a:schemeClr val="accent1"/>
+              </a:buClr>
+              <a:buFont typeface="Calibri" pitchFamily="34" charset="0"/>
+              <a:buChar char="◦"/>
+              <a:defRPr sz="1400" kern="1200">
+                <a:solidFill>
+                  <a:schemeClr val="tx1">
+                    <a:lumMod val="75000"/>
+                    <a:lumOff val="25000"/>
+                  </a:schemeClr>
+                </a:solidFill>
+                <a:latin typeface="+mn-lt"/>
+                <a:ea typeface="+mn-ea"/>
+                <a:cs typeface="+mn-cs"/>
+              </a:defRPr>
+            </a:lvl6pPr>
+            <a:lvl7pPr marL="1300000" indent="-228600" algn="l" defTabSz="914400" rtl="0" eaLnBrk="1" latinLnBrk="0" hangingPunct="1">
+              <a:lnSpc>
+                <a:spcPct val="90000"/>
+              </a:lnSpc>
+              <a:spcBef>
+                <a:spcPts val="200"/>
+              </a:spcBef>
+              <a:spcAft>
+                <a:spcPts val="400"/>
+              </a:spcAft>
+              <a:buClr>
+                <a:schemeClr val="accent1"/>
+              </a:buClr>
+              <a:buFont typeface="Calibri" pitchFamily="34" charset="0"/>
+              <a:buChar char="◦"/>
+              <a:defRPr sz="1400" kern="1200">
+                <a:solidFill>
+                  <a:schemeClr val="tx1">
+                    <a:lumMod val="75000"/>
+                    <a:lumOff val="25000"/>
+                  </a:schemeClr>
+                </a:solidFill>
+                <a:latin typeface="+mn-lt"/>
+                <a:ea typeface="+mn-ea"/>
+                <a:cs typeface="+mn-cs"/>
+              </a:defRPr>
+            </a:lvl7pPr>
+            <a:lvl8pPr marL="1500000" indent="-228600" algn="l" defTabSz="914400" rtl="0" eaLnBrk="1" latinLnBrk="0" hangingPunct="1">
+              <a:lnSpc>
+                <a:spcPct val="90000"/>
+              </a:lnSpc>
+              <a:spcBef>
+                <a:spcPts val="200"/>
+              </a:spcBef>
+              <a:spcAft>
+                <a:spcPts val="400"/>
+              </a:spcAft>
+              <a:buClr>
+                <a:schemeClr val="accent1"/>
+              </a:buClr>
+              <a:buFont typeface="Calibri" pitchFamily="34" charset="0"/>
+              <a:buChar char="◦"/>
+              <a:defRPr sz="1400" kern="1200">
+                <a:solidFill>
+                  <a:schemeClr val="tx1">
+                    <a:lumMod val="75000"/>
+                    <a:lumOff val="25000"/>
+                  </a:schemeClr>
+                </a:solidFill>
+                <a:latin typeface="+mn-lt"/>
+                <a:ea typeface="+mn-ea"/>
+                <a:cs typeface="+mn-cs"/>
+              </a:defRPr>
+            </a:lvl8pPr>
+            <a:lvl9pPr marL="1700000" indent="-228600" algn="l" defTabSz="914400" rtl="0" eaLnBrk="1" latinLnBrk="0" hangingPunct="1">
+              <a:lnSpc>
+                <a:spcPct val="90000"/>
+              </a:lnSpc>
+              <a:spcBef>
+                <a:spcPts val="200"/>
+              </a:spcBef>
+              <a:spcAft>
+                <a:spcPts val="400"/>
+              </a:spcAft>
+              <a:buClr>
+                <a:schemeClr val="accent1"/>
+              </a:buClr>
+              <a:buFont typeface="Calibri" pitchFamily="34" charset="0"/>
+              <a:buChar char="◦"/>
+              <a:defRPr sz="1400" kern="1200">
+                <a:solidFill>
+                  <a:schemeClr val="tx1">
+                    <a:lumMod val="75000"/>
+                    <a:lumOff val="25000"/>
+                  </a:schemeClr>
+                </a:solidFill>
+                <a:latin typeface="+mn-lt"/>
+                <a:ea typeface="+mn-ea"/>
+                <a:cs typeface="+mn-cs"/>
+              </a:defRPr>
+            </a:lvl9pPr>
+          </a:lstStyle>
+          <a:p>
+            <a:pPr algn="just"/>
+            <a:r>
+              <a:rPr lang="fr-FR" sz="2400" dirty="0"/>
+              <a:t>Il est rarement possible de déterminer les frottements dans chacune des liaisons. On cherche donc souvent un modèle de frottement « ramené » à un des mouvements.</a:t>
+            </a:r>
+          </a:p>
+          <a:p>
+            <a:pPr algn="just"/>
+            <a:endParaRPr lang="fr-FR" sz="2400" b="1" dirty="0">
+              <a:solidFill>
+                <a:srgbClr val="FF0000"/>
+              </a:solidFill>
+            </a:endParaRPr>
+          </a:p>
+        </p:txBody>
+      </p:sp>
     </p:spTree>
     <p:extLst>
       <p:ext uri="{BB962C8B-B14F-4D97-AF65-F5344CB8AC3E}">
         <p14:creationId xmlns:p14="http://schemas.microsoft.com/office/powerpoint/2010/main" val="1974777859"/>
+      </p:ext>
+    </p:extLst>
+  </p:cSld>
+  <p:clrMapOvr>
+    <a:masterClrMapping/>
+  </p:clrMapOvr>
+</p:sld>
+</file>
+
+<file path=ppt/slides/slide11.xml><?xml version="1.0" encoding="utf-8"?>
+<p:sld xmlns:a="http://schemas.openxmlformats.org/drawingml/2006/main" xmlns:r="http://schemas.openxmlformats.org/officeDocument/2006/relationships" xmlns:p="http://schemas.openxmlformats.org/presentationml/2006/main">
+  <p:cSld>
+    <p:spTree>
+      <p:nvGrpSpPr>
+        <p:cNvPr id="1" name=""/>
+        <p:cNvGrpSpPr/>
+        <p:nvPr/>
+      </p:nvGrpSpPr>
+      <p:grpSpPr>
+        <a:xfrm>
+          <a:off x="0" y="0"/>
+          <a:ext cx="0" cy="0"/>
+          <a:chOff x="0" y="0"/>
+          <a:chExt cx="0" cy="0"/>
+        </a:xfrm>
+      </p:grpSpPr>
+      <p:sp>
+        <p:nvSpPr>
+          <p:cNvPr id="2" name="Titre 1">
+            <a:extLst>
+              <a:ext uri="{FF2B5EF4-FFF2-40B4-BE49-F238E27FC236}">
+                <a16:creationId xmlns:a16="http://schemas.microsoft.com/office/drawing/2014/main" id="{0880FE2C-A2DB-EC9F-19A8-C313B7295FF7}"/>
+              </a:ext>
+            </a:extLst>
+          </p:cNvPr>
+          <p:cNvSpPr>
+            <a:spLocks noGrp="1"/>
+          </p:cNvSpPr>
+          <p:nvPr>
+            <p:ph type="title"/>
+          </p:nvPr>
+        </p:nvSpPr>
+        <p:spPr/>
+        <p:txBody>
+          <a:bodyPr>
+            <a:noAutofit/>
+          </a:bodyPr>
+          <a:lstStyle/>
+          <a:p>
+            <a:r>
+              <a:rPr lang="fr-FR" sz="2800" dirty="0"/>
+              <a:t>Stratégie TEC</a:t>
+            </a:r>
+            <a:br>
+              <a:rPr lang="fr-FR" sz="2800" dirty="0"/>
+            </a:br>
+            <a:r>
+              <a:rPr lang="fr-FR" sz="2800" dirty="0"/>
+              <a:t>Energie cinétique</a:t>
+            </a:r>
+          </a:p>
+        </p:txBody>
+      </p:sp>
+      <p:sp>
+        <p:nvSpPr>
+          <p:cNvPr id="3" name="Espace réservé du contenu 2">
+            <a:extLst>
+              <a:ext uri="{FF2B5EF4-FFF2-40B4-BE49-F238E27FC236}">
+                <a16:creationId xmlns:a16="http://schemas.microsoft.com/office/drawing/2014/main" id="{67BAA89F-0FFE-0B50-3319-445849FF9A19}"/>
+              </a:ext>
+            </a:extLst>
+          </p:cNvPr>
+          <p:cNvSpPr>
+            <a:spLocks noGrp="1"/>
+          </p:cNvSpPr>
+          <p:nvPr>
+            <p:ph idx="1"/>
+          </p:nvPr>
+        </p:nvSpPr>
+        <p:spPr/>
+        <p:txBody>
+          <a:bodyPr/>
+          <a:lstStyle/>
+          <a:p>
+            <a:r>
+              <a:rPr lang="fr-FR" dirty="0"/>
+              <a:t> Energie cinétique</a:t>
+            </a:r>
+          </a:p>
+          <a:p>
+            <a:pPr lvl="1"/>
+            <a:r>
+              <a:rPr lang="fr-FR" dirty="0"/>
+              <a:t>Relation cinématique</a:t>
+            </a:r>
+          </a:p>
+          <a:p>
+            <a:pPr lvl="2"/>
+            <a:r>
+              <a:rPr lang="fr-FR" dirty="0"/>
+              <a:t>Expérimentalement</a:t>
+            </a:r>
+          </a:p>
+          <a:p>
+            <a:pPr lvl="2"/>
+            <a:r>
+              <a:rPr lang="fr-FR" dirty="0"/>
+              <a:t>Avec la documentation</a:t>
+            </a:r>
+          </a:p>
+          <a:p>
+            <a:pPr lvl="1"/>
+            <a:r>
+              <a:rPr lang="fr-FR" dirty="0"/>
+              <a:t>Inertie du moteur</a:t>
+            </a:r>
+          </a:p>
+          <a:p>
+            <a:pPr lvl="2"/>
+            <a:r>
+              <a:rPr lang="fr-FR" dirty="0"/>
+              <a:t>Documentation</a:t>
+            </a:r>
+          </a:p>
+          <a:p>
+            <a:pPr lvl="1"/>
+            <a:r>
+              <a:rPr lang="fr-FR" dirty="0"/>
+              <a:t>Inertie du réducteur</a:t>
+            </a:r>
+          </a:p>
+          <a:p>
+            <a:pPr lvl="2"/>
+            <a:r>
+              <a:rPr lang="fr-FR" dirty="0"/>
+              <a:t>Documentation</a:t>
+            </a:r>
+          </a:p>
+          <a:p>
+            <a:pPr lvl="1"/>
+            <a:r>
+              <a:rPr lang="fr-FR" dirty="0"/>
+              <a:t>Masse en translation</a:t>
+            </a:r>
+          </a:p>
+          <a:p>
+            <a:pPr lvl="2"/>
+            <a:r>
+              <a:rPr lang="fr-FR" dirty="0"/>
+              <a:t>Documentation</a:t>
+            </a:r>
+          </a:p>
+          <a:p>
+            <a:pPr lvl="2"/>
+            <a:r>
+              <a:rPr lang="fr-FR" dirty="0"/>
+              <a:t>Expérimentation</a:t>
+            </a:r>
+          </a:p>
+        </p:txBody>
+      </p:sp>
+    </p:spTree>
+    <p:extLst>
+      <p:ext uri="{BB962C8B-B14F-4D97-AF65-F5344CB8AC3E}">
+        <p14:creationId xmlns:p14="http://schemas.microsoft.com/office/powerpoint/2010/main" val="3361322380"/>
+      </p:ext>
+    </p:extLst>
+  </p:cSld>
+  <p:clrMapOvr>
+    <a:masterClrMapping/>
+  </p:clrMapOvr>
+</p:sld>
+</file>
+
+<file path=ppt/slides/slide12.xml><?xml version="1.0" encoding="utf-8"?>
+<p:sld xmlns:a="http://schemas.openxmlformats.org/drawingml/2006/main" xmlns:r="http://schemas.openxmlformats.org/officeDocument/2006/relationships" xmlns:p="http://schemas.openxmlformats.org/presentationml/2006/main">
+  <p:cSld>
+    <p:spTree>
+      <p:nvGrpSpPr>
+        <p:cNvPr id="1" name=""/>
+        <p:cNvGrpSpPr/>
+        <p:nvPr/>
+      </p:nvGrpSpPr>
+      <p:grpSpPr>
+        <a:xfrm>
+          <a:off x="0" y="0"/>
+          <a:ext cx="0" cy="0"/>
+          <a:chOff x="0" y="0"/>
+          <a:chExt cx="0" cy="0"/>
+        </a:xfrm>
+      </p:grpSpPr>
+      <p:sp>
+        <p:nvSpPr>
+          <p:cNvPr id="2" name="Titre 1">
+            <a:extLst>
+              <a:ext uri="{FF2B5EF4-FFF2-40B4-BE49-F238E27FC236}">
+                <a16:creationId xmlns:a16="http://schemas.microsoft.com/office/drawing/2014/main" id="{0880FE2C-A2DB-EC9F-19A8-C313B7295FF7}"/>
+              </a:ext>
+            </a:extLst>
+          </p:cNvPr>
+          <p:cNvSpPr>
+            <a:spLocks noGrp="1"/>
+          </p:cNvSpPr>
+          <p:nvPr>
+            <p:ph type="title"/>
+          </p:nvPr>
+        </p:nvSpPr>
+        <p:spPr/>
+        <p:txBody>
+          <a:bodyPr>
+            <a:noAutofit/>
+          </a:bodyPr>
+          <a:lstStyle/>
+          <a:p>
+            <a:r>
+              <a:rPr lang="fr-FR" sz="2800" dirty="0"/>
+              <a:t>Stratégie TEC</a:t>
+            </a:r>
+            <a:br>
+              <a:rPr lang="fr-FR" sz="2800" dirty="0"/>
+            </a:br>
+            <a:r>
+              <a:rPr lang="fr-FR" sz="2800" dirty="0"/>
+              <a:t>Puissances</a:t>
+            </a:r>
+          </a:p>
+        </p:txBody>
+      </p:sp>
+      <mc:AlternateContent xmlns:mc="http://schemas.openxmlformats.org/markup-compatibility/2006">
+        <mc:Choice xmlns:a14="http://schemas.microsoft.com/office/drawing/2010/main" Requires="a14">
+          <p:sp>
+            <p:nvSpPr>
+              <p:cNvPr id="3" name="Espace réservé du contenu 2">
+                <a:extLst>
+                  <a:ext uri="{FF2B5EF4-FFF2-40B4-BE49-F238E27FC236}">
+                    <a16:creationId xmlns:a16="http://schemas.microsoft.com/office/drawing/2014/main" id="{67BAA89F-0FFE-0B50-3319-445849FF9A19}"/>
+                  </a:ext>
+                </a:extLst>
+              </p:cNvPr>
+              <p:cNvSpPr>
+                <a:spLocks noGrp="1"/>
+              </p:cNvSpPr>
+              <p:nvPr>
+                <p:ph idx="1"/>
+              </p:nvPr>
+            </p:nvSpPr>
+            <p:spPr/>
+            <p:txBody>
+              <a:bodyPr/>
+              <a:lstStyle/>
+              <a:p>
+                <a:r>
+                  <a:rPr lang="fr-FR" dirty="0"/>
+                  <a:t>Puissances dans les liaisons</a:t>
+                </a:r>
+              </a:p>
+              <a:p>
+                <a:pPr lvl="1"/>
+                <a:r>
+                  <a:rPr lang="fr-FR" dirty="0"/>
+                  <a:t>Hypothèses des liaisons parfaites</a:t>
+                </a:r>
+              </a:p>
+              <a:p>
+                <a:pPr lvl="1"/>
+                <a:r>
+                  <a:rPr lang="fr-FR" dirty="0"/>
+                  <a:t>Savoir montrer que hypothèse RSG </a:t>
+                </a:r>
+                <a14:m>
+                  <m:oMath xmlns:m="http://schemas.openxmlformats.org/officeDocument/2006/math">
+                    <m:r>
+                      <a:rPr lang="fr-FR" b="0" i="1" smtClean="0">
+                        <a:latin typeface="Cambria Math" panose="02040503050406030204" pitchFamily="18" charset="0"/>
+                      </a:rPr>
+                      <m:t>⇒</m:t>
+                    </m:r>
+                  </m:oMath>
+                </a14:m>
+                <a:r>
+                  <a:rPr lang="fr-FR" dirty="0"/>
+                  <a:t> puissance nulle</a:t>
+                </a:r>
+              </a:p>
+              <a:p>
+                <a:pPr lvl="1"/>
+                <a:r>
+                  <a:rPr lang="fr-FR" dirty="0"/>
+                  <a:t>Hypothèse de courroie non déformable</a:t>
+                </a:r>
+              </a:p>
+              <a:p>
+                <a:endParaRPr lang="fr-FR" dirty="0"/>
+              </a:p>
+              <a:p>
+                <a:r>
+                  <a:rPr lang="fr-FR" dirty="0"/>
+                  <a:t>Puissance du moteur </a:t>
+                </a:r>
+              </a:p>
+              <a:p>
+                <a:pPr lvl="1"/>
+                <a14:m>
+                  <m:oMath xmlns:m="http://schemas.openxmlformats.org/officeDocument/2006/math">
+                    <m:r>
+                      <a:rPr lang="fr-FR" b="1" i="1" smtClean="0">
+                        <a:latin typeface="Cambria Math" panose="02040503050406030204" pitchFamily="18" charset="0"/>
+                        <a:ea typeface="Cambria Math" panose="02040503050406030204" pitchFamily="18" charset="0"/>
+                      </a:rPr>
+                      <m:t>𝓟</m:t>
+                    </m:r>
+                    <m:d>
+                      <m:dPr>
+                        <m:ctrlPr>
+                          <a:rPr lang="fr-FR" b="1" i="1" smtClean="0">
+                            <a:latin typeface="Cambria Math" panose="02040503050406030204" pitchFamily="18" charset="0"/>
+                            <a:ea typeface="Cambria Math" panose="02040503050406030204" pitchFamily="18" charset="0"/>
+                          </a:rPr>
+                        </m:ctrlPr>
+                      </m:dPr>
+                      <m:e>
+                        <m:r>
+                          <a:rPr lang="fr-FR" b="1" i="1" smtClean="0">
+                            <a:latin typeface="Cambria Math" panose="02040503050406030204" pitchFamily="18" charset="0"/>
+                            <a:ea typeface="Cambria Math" panose="02040503050406030204" pitchFamily="18" charset="0"/>
+                          </a:rPr>
+                          <m:t>𝒔𝒕𝒂𝒕𝒐𝒓</m:t>
+                        </m:r>
+                        <m:r>
+                          <a:rPr lang="fr-FR" b="1" i="1" smtClean="0">
+                            <a:latin typeface="Cambria Math" panose="02040503050406030204" pitchFamily="18" charset="0"/>
+                            <a:ea typeface="Cambria Math" panose="02040503050406030204" pitchFamily="18" charset="0"/>
+                          </a:rPr>
+                          <m:t>→</m:t>
+                        </m:r>
+                        <m:r>
+                          <a:rPr lang="fr-FR" b="1" i="1" smtClean="0">
+                            <a:latin typeface="Cambria Math" panose="02040503050406030204" pitchFamily="18" charset="0"/>
+                            <a:ea typeface="Cambria Math" panose="02040503050406030204" pitchFamily="18" charset="0"/>
+                          </a:rPr>
+                          <m:t>𝒓𝒐𝒕𝒐𝒓</m:t>
+                        </m:r>
+                        <m:r>
+                          <m:rPr>
+                            <m:lit/>
+                          </m:rPr>
+                          <a:rPr lang="fr-FR" b="1" i="1" smtClean="0">
+                            <a:latin typeface="Cambria Math" panose="02040503050406030204" pitchFamily="18" charset="0"/>
+                            <a:ea typeface="Cambria Math" panose="02040503050406030204" pitchFamily="18" charset="0"/>
+                          </a:rPr>
+                          <m:t>/</m:t>
+                        </m:r>
+                        <m:r>
+                          <a:rPr lang="fr-FR" b="1" i="1" smtClean="0">
+                            <a:latin typeface="Cambria Math" panose="02040503050406030204" pitchFamily="18" charset="0"/>
+                            <a:ea typeface="Cambria Math" panose="02040503050406030204" pitchFamily="18" charset="0"/>
+                          </a:rPr>
+                          <m:t>𝟎</m:t>
+                        </m:r>
+                      </m:e>
+                    </m:d>
+                    <m:r>
+                      <a:rPr lang="fr-FR" b="1" i="1" smtClean="0">
+                        <a:latin typeface="Cambria Math" panose="02040503050406030204" pitchFamily="18" charset="0"/>
+                        <a:ea typeface="Cambria Math" panose="02040503050406030204" pitchFamily="18" charset="0"/>
+                      </a:rPr>
+                      <m:t>=</m:t>
+                    </m:r>
+                    <m:sSub>
+                      <m:sSubPr>
+                        <m:ctrlPr>
+                          <a:rPr lang="fr-FR" b="1" i="1" smtClean="0">
+                            <a:latin typeface="Cambria Math" panose="02040503050406030204" pitchFamily="18" charset="0"/>
+                            <a:ea typeface="Cambria Math" panose="02040503050406030204" pitchFamily="18" charset="0"/>
+                          </a:rPr>
+                        </m:ctrlPr>
+                      </m:sSubPr>
+                      <m:e>
+                        <m:r>
+                          <a:rPr lang="fr-FR" b="1" i="1" smtClean="0">
+                            <a:latin typeface="Cambria Math" panose="02040503050406030204" pitchFamily="18" charset="0"/>
+                            <a:ea typeface="Cambria Math" panose="02040503050406030204" pitchFamily="18" charset="0"/>
+                          </a:rPr>
+                          <m:t>𝑪</m:t>
+                        </m:r>
+                      </m:e>
+                      <m:sub>
+                        <m:r>
+                          <a:rPr lang="fr-FR" b="1" i="1" smtClean="0">
+                            <a:latin typeface="Cambria Math" panose="02040503050406030204" pitchFamily="18" charset="0"/>
+                            <a:ea typeface="Cambria Math" panose="02040503050406030204" pitchFamily="18" charset="0"/>
+                          </a:rPr>
+                          <m:t>𝒎</m:t>
+                        </m:r>
+                      </m:sub>
+                    </m:sSub>
+                    <m:r>
+                      <a:rPr lang="fr-FR" b="1" i="1" smtClean="0">
+                        <a:latin typeface="Cambria Math" panose="02040503050406030204" pitchFamily="18" charset="0"/>
+                        <a:ea typeface="Cambria Math" panose="02040503050406030204" pitchFamily="18" charset="0"/>
+                      </a:rPr>
+                      <m:t>𝝎</m:t>
+                    </m:r>
+                    <m:r>
+                      <a:rPr lang="fr-FR" b="1" i="1" smtClean="0">
+                        <a:latin typeface="Cambria Math" panose="02040503050406030204" pitchFamily="18" charset="0"/>
+                        <a:ea typeface="Cambria Math" panose="02040503050406030204" pitchFamily="18" charset="0"/>
+                      </a:rPr>
+                      <m:t>(</m:t>
+                    </m:r>
+                    <m:r>
+                      <a:rPr lang="fr-FR" b="1" i="1" smtClean="0">
+                        <a:latin typeface="Cambria Math" panose="02040503050406030204" pitchFamily="18" charset="0"/>
+                        <a:ea typeface="Cambria Math" panose="02040503050406030204" pitchFamily="18" charset="0"/>
+                      </a:rPr>
+                      <m:t>𝒓</m:t>
+                    </m:r>
+                    <m:r>
+                      <m:rPr>
+                        <m:lit/>
+                      </m:rPr>
+                      <a:rPr lang="fr-FR" b="1" i="1" smtClean="0">
+                        <a:latin typeface="Cambria Math" panose="02040503050406030204" pitchFamily="18" charset="0"/>
+                        <a:ea typeface="Cambria Math" panose="02040503050406030204" pitchFamily="18" charset="0"/>
+                      </a:rPr>
+                      <m:t>/</m:t>
+                    </m:r>
+                    <m:r>
+                      <a:rPr lang="fr-FR" b="1" i="1" smtClean="0">
+                        <a:latin typeface="Cambria Math" panose="02040503050406030204" pitchFamily="18" charset="0"/>
+                        <a:ea typeface="Cambria Math" panose="02040503050406030204" pitchFamily="18" charset="0"/>
+                      </a:rPr>
+                      <m:t>𝟎</m:t>
+                    </m:r>
+                    <m:r>
+                      <a:rPr lang="fr-FR" b="1" i="1" smtClean="0">
+                        <a:latin typeface="Cambria Math" panose="02040503050406030204" pitchFamily="18" charset="0"/>
+                        <a:ea typeface="Cambria Math" panose="02040503050406030204" pitchFamily="18" charset="0"/>
+                      </a:rPr>
+                      <m:t>)</m:t>
+                    </m:r>
+                  </m:oMath>
+                </a14:m>
+                <a:endParaRPr lang="fr-FR" b="1" dirty="0"/>
+              </a:p>
+              <a:p>
+                <a:pPr lvl="1"/>
+                <a:r>
+                  <a:rPr lang="fr-FR" dirty="0"/>
+                  <a:t>Dans le moteur à courant continu : </a:t>
+                </a:r>
+                <a14:m>
+                  <m:oMath xmlns:m="http://schemas.openxmlformats.org/officeDocument/2006/math">
+                    <m:sSub>
+                      <m:sSubPr>
+                        <m:ctrlPr>
+                          <a:rPr lang="fr-FR" b="1" i="1" smtClean="0">
+                            <a:latin typeface="Cambria Math" panose="02040503050406030204" pitchFamily="18" charset="0"/>
+                          </a:rPr>
+                        </m:ctrlPr>
+                      </m:sSubPr>
+                      <m:e>
+                        <m:r>
+                          <a:rPr lang="fr-FR" b="1" i="1" smtClean="0">
+                            <a:latin typeface="Cambria Math" panose="02040503050406030204" pitchFamily="18" charset="0"/>
+                          </a:rPr>
+                          <m:t>𝑪</m:t>
+                        </m:r>
+                      </m:e>
+                      <m:sub>
+                        <m:r>
+                          <a:rPr lang="fr-FR" b="1" i="1" smtClean="0">
+                            <a:latin typeface="Cambria Math" panose="02040503050406030204" pitchFamily="18" charset="0"/>
+                          </a:rPr>
+                          <m:t>𝒎</m:t>
+                        </m:r>
+                      </m:sub>
+                    </m:sSub>
+                    <m:r>
+                      <a:rPr lang="fr-FR" b="1" i="1" smtClean="0">
+                        <a:latin typeface="Cambria Math" panose="02040503050406030204" pitchFamily="18" charset="0"/>
+                      </a:rPr>
+                      <m:t>=</m:t>
+                    </m:r>
+                    <m:r>
+                      <a:rPr lang="fr-FR" b="1" i="1" smtClean="0">
+                        <a:latin typeface="Cambria Math" panose="02040503050406030204" pitchFamily="18" charset="0"/>
+                      </a:rPr>
+                      <m:t>𝑲</m:t>
+                    </m:r>
+                    <m:r>
+                      <a:rPr lang="fr-FR" b="1" i="1" smtClean="0">
+                        <a:latin typeface="Cambria Math" panose="02040503050406030204" pitchFamily="18" charset="0"/>
+                      </a:rPr>
+                      <m:t>⋅</m:t>
+                    </m:r>
+                    <m:sSub>
+                      <m:sSubPr>
+                        <m:ctrlPr>
+                          <a:rPr lang="fr-FR" b="1" i="1" smtClean="0">
+                            <a:latin typeface="Cambria Math" panose="02040503050406030204" pitchFamily="18" charset="0"/>
+                          </a:rPr>
+                        </m:ctrlPr>
+                      </m:sSubPr>
+                      <m:e>
+                        <m:r>
+                          <a:rPr lang="fr-FR" b="1" i="1" smtClean="0">
+                            <a:latin typeface="Cambria Math" panose="02040503050406030204" pitchFamily="18" charset="0"/>
+                          </a:rPr>
+                          <m:t>𝒊</m:t>
+                        </m:r>
+                      </m:e>
+                      <m:sub>
+                        <m:r>
+                          <a:rPr lang="fr-FR" b="1" i="1" smtClean="0">
+                            <a:latin typeface="Cambria Math" panose="02040503050406030204" pitchFamily="18" charset="0"/>
+                          </a:rPr>
+                          <m:t>𝒎</m:t>
+                        </m:r>
+                      </m:sub>
+                    </m:sSub>
+                  </m:oMath>
+                </a14:m>
+                <a:endParaRPr lang="fr-FR" b="1" dirty="0"/>
+              </a:p>
+            </p:txBody>
+          </p:sp>
+        </mc:Choice>
+        <mc:Fallback>
+          <p:sp>
+            <p:nvSpPr>
+              <p:cNvPr id="3" name="Espace réservé du contenu 2">
+                <a:extLst>
+                  <a:ext uri="{FF2B5EF4-FFF2-40B4-BE49-F238E27FC236}">
+                    <a16:creationId xmlns:a16="http://schemas.microsoft.com/office/drawing/2014/main" id="{67BAA89F-0FFE-0B50-3319-445849FF9A19}"/>
+                  </a:ext>
+                </a:extLst>
+              </p:cNvPr>
+              <p:cNvSpPr>
+                <a:spLocks noGrp="1" noRot="1" noChangeAspect="1" noMove="1" noResize="1" noEditPoints="1" noAdjustHandles="1" noChangeArrowheads="1" noChangeShapeType="1" noTextEdit="1"/>
+              </p:cNvSpPr>
+              <p:nvPr>
+                <p:ph idx="1"/>
+              </p:nvPr>
+            </p:nvSpPr>
+            <p:spPr>
+              <a:blipFill>
+                <a:blip r:embed="rId2"/>
+                <a:stretch>
+                  <a:fillRect l="-1325" t="-1856"/>
+                </a:stretch>
+              </a:blipFill>
+            </p:spPr>
+            <p:txBody>
+              <a:bodyPr/>
+              <a:lstStyle/>
+              <a:p>
+                <a:r>
+                  <a:rPr lang="fr-FR">
+                    <a:noFill/>
+                  </a:rPr>
+                  <a:t> </a:t>
+                </a:r>
+              </a:p>
+            </p:txBody>
+          </p:sp>
+        </mc:Fallback>
+      </mc:AlternateContent>
+    </p:spTree>
+    <p:extLst>
+      <p:ext uri="{BB962C8B-B14F-4D97-AF65-F5344CB8AC3E}">
+        <p14:creationId xmlns:p14="http://schemas.microsoft.com/office/powerpoint/2010/main" val="3445986915"/>
+      </p:ext>
+    </p:extLst>
+  </p:cSld>
+  <p:clrMapOvr>
+    <a:masterClrMapping/>
+  </p:clrMapOvr>
+</p:sld>
+</file>
+
+<file path=ppt/slides/slide13.xml><?xml version="1.0" encoding="utf-8"?>
+<p:sld xmlns:a="http://schemas.openxmlformats.org/drawingml/2006/main" xmlns:r="http://schemas.openxmlformats.org/officeDocument/2006/relationships" xmlns:p="http://schemas.openxmlformats.org/presentationml/2006/main">
+  <p:cSld>
+    <p:spTree>
+      <p:nvGrpSpPr>
+        <p:cNvPr id="1" name=""/>
+        <p:cNvGrpSpPr/>
+        <p:nvPr/>
+      </p:nvGrpSpPr>
+      <p:grpSpPr>
+        <a:xfrm>
+          <a:off x="0" y="0"/>
+          <a:ext cx="0" cy="0"/>
+          <a:chOff x="0" y="0"/>
+          <a:chExt cx="0" cy="0"/>
+        </a:xfrm>
+      </p:grpSpPr>
+      <p:sp>
+        <p:nvSpPr>
+          <p:cNvPr id="2" name="Titre 1">
+            <a:extLst>
+              <a:ext uri="{FF2B5EF4-FFF2-40B4-BE49-F238E27FC236}">
+                <a16:creationId xmlns:a16="http://schemas.microsoft.com/office/drawing/2014/main" id="{9BB24450-578A-883B-C938-C552927011C0}"/>
+              </a:ext>
+            </a:extLst>
+          </p:cNvPr>
+          <p:cNvSpPr>
+            <a:spLocks noGrp="1"/>
+          </p:cNvSpPr>
+          <p:nvPr>
+            <p:ph type="title"/>
+          </p:nvPr>
+        </p:nvSpPr>
+        <p:spPr/>
+        <p:txBody>
+          <a:bodyPr>
+            <a:noAutofit/>
+          </a:bodyPr>
+          <a:lstStyle/>
+          <a:p>
+            <a:r>
+              <a:rPr lang="fr-FR" sz="3200" dirty="0"/>
+              <a:t>Stratégie TEC</a:t>
+            </a:r>
+            <a:br>
+              <a:rPr lang="fr-FR" sz="3200" dirty="0"/>
+            </a:br>
+            <a:r>
+              <a:rPr lang="fr-FR" sz="3200" dirty="0"/>
+              <a:t>Evaluation de la puissance dissipée par frottement</a:t>
+            </a:r>
+          </a:p>
+        </p:txBody>
+      </p:sp>
+      <mc:AlternateContent xmlns:mc="http://schemas.openxmlformats.org/markup-compatibility/2006">
+        <mc:Choice xmlns:a14="http://schemas.microsoft.com/office/drawing/2010/main" Requires="a14">
+          <p:sp>
+            <p:nvSpPr>
+              <p:cNvPr id="3" name="Espace réservé du contenu 2">
+                <a:extLst>
+                  <a:ext uri="{FF2B5EF4-FFF2-40B4-BE49-F238E27FC236}">
+                    <a16:creationId xmlns:a16="http://schemas.microsoft.com/office/drawing/2014/main" id="{7AA68C51-D64F-074E-ADB8-2A4026F47177}"/>
+                  </a:ext>
+                </a:extLst>
+              </p:cNvPr>
+              <p:cNvSpPr>
+                <a:spLocks noGrp="1"/>
+              </p:cNvSpPr>
+              <p:nvPr>
+                <p:ph idx="1"/>
+              </p:nvPr>
+            </p:nvSpPr>
+            <p:spPr/>
+            <p:txBody>
+              <a:bodyPr/>
+              <a:lstStyle/>
+              <a:p>
+                <a:r>
+                  <a:rPr lang="fr-FR" dirty="0"/>
+                  <a:t> Choix d’un modèle</a:t>
+                </a:r>
+              </a:p>
+              <a:p>
+                <a:r>
+                  <a:rPr lang="fr-FR" dirty="0"/>
+                  <a:t> </a:t>
+                </a:r>
+                <a14:m>
+                  <m:oMath xmlns:m="http://schemas.openxmlformats.org/officeDocument/2006/math">
+                    <m:sSub>
+                      <m:sSubPr>
+                        <m:ctrlPr>
+                          <a:rPr lang="fr-FR" b="0" i="1" smtClean="0">
+                            <a:latin typeface="Cambria Math" panose="02040503050406030204" pitchFamily="18" charset="0"/>
+                          </a:rPr>
+                        </m:ctrlPr>
+                      </m:sSubPr>
+                      <m:e>
+                        <m:r>
+                          <a:rPr lang="fr-FR" b="0" i="1" smtClean="0">
+                            <a:latin typeface="Cambria Math" panose="02040503050406030204" pitchFamily="18" charset="0"/>
+                          </a:rPr>
+                          <m:t>𝐶</m:t>
+                        </m:r>
+                      </m:e>
+                      <m:sub>
+                        <m:r>
+                          <a:rPr lang="fr-FR" b="0" i="1" smtClean="0">
+                            <a:latin typeface="Cambria Math" panose="02040503050406030204" pitchFamily="18" charset="0"/>
+                          </a:rPr>
+                          <m:t>𝑓</m:t>
+                        </m:r>
+                      </m:sub>
+                    </m:sSub>
+                    <m:r>
+                      <a:rPr lang="fr-FR" b="0" i="1" smtClean="0">
+                        <a:latin typeface="Cambria Math" panose="02040503050406030204" pitchFamily="18" charset="0"/>
+                      </a:rPr>
+                      <m:t>=</m:t>
+                    </m:r>
+                    <m:sSub>
+                      <m:sSubPr>
+                        <m:ctrlPr>
+                          <a:rPr lang="fr-FR" b="0" i="1" smtClean="0">
+                            <a:latin typeface="Cambria Math" panose="02040503050406030204" pitchFamily="18" charset="0"/>
+                          </a:rPr>
+                        </m:ctrlPr>
+                      </m:sSubPr>
+                      <m:e>
+                        <m:r>
+                          <a:rPr lang="fr-FR" b="0" i="1" smtClean="0">
+                            <a:latin typeface="Cambria Math" panose="02040503050406030204" pitchFamily="18" charset="0"/>
+                          </a:rPr>
+                          <m:t>𝐶</m:t>
+                        </m:r>
+                      </m:e>
+                      <m:sub>
+                        <m:r>
+                          <a:rPr lang="fr-FR" b="0" i="1" smtClean="0">
+                            <a:latin typeface="Cambria Math" panose="02040503050406030204" pitchFamily="18" charset="0"/>
+                          </a:rPr>
+                          <m:t>𝑓𝑠</m:t>
+                        </m:r>
+                      </m:sub>
+                    </m:sSub>
+                    <m:r>
+                      <a:rPr lang="fr-FR" b="0" i="1" smtClean="0">
+                        <a:latin typeface="Cambria Math" panose="02040503050406030204" pitchFamily="18" charset="0"/>
+                      </a:rPr>
+                      <m:t>+</m:t>
+                    </m:r>
+                    <m:sSub>
+                      <m:sSubPr>
+                        <m:ctrlPr>
+                          <a:rPr lang="fr-FR" i="1">
+                            <a:latin typeface="Cambria Math" panose="02040503050406030204" pitchFamily="18" charset="0"/>
+                          </a:rPr>
+                        </m:ctrlPr>
+                      </m:sSubPr>
+                      <m:e>
+                        <m:r>
+                          <a:rPr lang="fr-FR" i="1">
+                            <a:latin typeface="Cambria Math" panose="02040503050406030204" pitchFamily="18" charset="0"/>
+                          </a:rPr>
+                          <m:t>𝑓</m:t>
+                        </m:r>
+                      </m:e>
+                      <m:sub>
+                        <m:r>
+                          <a:rPr lang="fr-FR" i="1">
+                            <a:latin typeface="Cambria Math" panose="02040503050406030204" pitchFamily="18" charset="0"/>
+                          </a:rPr>
+                          <m:t>𝑣</m:t>
+                        </m:r>
+                      </m:sub>
+                    </m:sSub>
+                    <m:r>
+                      <a:rPr lang="fr-FR" b="0" i="1" smtClean="0">
+                        <a:latin typeface="Cambria Math" panose="02040503050406030204" pitchFamily="18" charset="0"/>
+                      </a:rPr>
+                      <m:t>⋅</m:t>
+                    </m:r>
+                    <m:sSub>
+                      <m:sSubPr>
+                        <m:ctrlPr>
+                          <a:rPr lang="fr-FR" b="0" i="1" smtClean="0">
+                            <a:latin typeface="Cambria Math" panose="02040503050406030204" pitchFamily="18" charset="0"/>
+                          </a:rPr>
+                        </m:ctrlPr>
+                      </m:sSubPr>
+                      <m:e>
+                        <m:r>
+                          <a:rPr lang="fr-FR" b="0" i="1" smtClean="0">
+                            <a:latin typeface="Cambria Math" panose="02040503050406030204" pitchFamily="18" charset="0"/>
+                          </a:rPr>
+                          <m:t>𝜔</m:t>
+                        </m:r>
+                      </m:e>
+                      <m:sub>
+                        <m:r>
+                          <a:rPr lang="fr-FR" b="0" i="1" smtClean="0">
+                            <a:latin typeface="Cambria Math" panose="02040503050406030204" pitchFamily="18" charset="0"/>
+                          </a:rPr>
+                          <m:t>𝑚</m:t>
+                        </m:r>
+                      </m:sub>
+                    </m:sSub>
+                    <m:r>
+                      <a:rPr lang="fr-FR" b="0" i="1" smtClean="0">
+                        <a:latin typeface="Cambria Math" panose="02040503050406030204" pitchFamily="18" charset="0"/>
+                      </a:rPr>
+                      <m:t>+</m:t>
+                    </m:r>
+                    <m:r>
+                      <a:rPr lang="fr-FR" b="0" i="1" smtClean="0">
+                        <a:latin typeface="Cambria Math" panose="02040503050406030204" pitchFamily="18" charset="0"/>
+                      </a:rPr>
+                      <m:t>𝑘</m:t>
+                    </m:r>
+                    <m:r>
+                      <a:rPr lang="fr-FR" i="1">
+                        <a:latin typeface="Cambria Math" panose="02040503050406030204" pitchFamily="18" charset="0"/>
+                      </a:rPr>
+                      <m:t>⋅</m:t>
+                    </m:r>
+                    <m:sSubSup>
+                      <m:sSubSupPr>
+                        <m:ctrlPr>
+                          <a:rPr lang="fr-FR" b="0" i="1" smtClean="0">
+                            <a:latin typeface="Cambria Math" panose="02040503050406030204" pitchFamily="18" charset="0"/>
+                          </a:rPr>
+                        </m:ctrlPr>
+                      </m:sSubSupPr>
+                      <m:e>
+                        <m:r>
+                          <a:rPr lang="fr-FR" i="1">
+                            <a:latin typeface="Cambria Math" panose="02040503050406030204" pitchFamily="18" charset="0"/>
+                          </a:rPr>
+                          <m:t>𝜔</m:t>
+                        </m:r>
+                      </m:e>
+                      <m:sub>
+                        <m:r>
+                          <a:rPr lang="fr-FR" i="1">
+                            <a:latin typeface="Cambria Math" panose="02040503050406030204" pitchFamily="18" charset="0"/>
+                          </a:rPr>
+                          <m:t>𝑚</m:t>
+                        </m:r>
+                      </m:sub>
+                      <m:sup>
+                        <m:r>
+                          <a:rPr lang="fr-FR" b="0" i="1" smtClean="0">
+                            <a:latin typeface="Cambria Math" panose="02040503050406030204" pitchFamily="18" charset="0"/>
+                          </a:rPr>
+                          <m:t>2</m:t>
+                        </m:r>
+                      </m:sup>
+                    </m:sSubSup>
+                    <m:r>
+                      <a:rPr lang="fr-FR" b="0" i="1" smtClean="0">
+                        <a:latin typeface="Cambria Math" panose="02040503050406030204" pitchFamily="18" charset="0"/>
+                      </a:rPr>
+                      <m:t>+…</m:t>
+                    </m:r>
+                  </m:oMath>
+                </a14:m>
+                <a:endParaRPr lang="fr-FR" b="0" dirty="0"/>
+              </a:p>
+              <a:p>
+                <a:pPr lvl="1"/>
+                <a:r>
+                  <a:rPr lang="fr-FR" dirty="0"/>
+                  <a:t>Vérifier expérimentalement si les frottements dépendent de la vitesse ou non.</a:t>
+                </a:r>
+              </a:p>
+              <a:p>
+                <a:pPr lvl="1"/>
+                <a:r>
+                  <a:rPr lang="fr-FR" dirty="0"/>
+                  <a:t>Les évaluer le </a:t>
+                </a:r>
+                <a:r>
+                  <a:rPr lang="fr-FR"/>
+                  <a:t>cas échéant… </a:t>
+                </a:r>
+              </a:p>
+              <a:p>
+                <a:pPr lvl="1"/>
+                <a:endParaRPr lang="fr-FR" dirty="0"/>
+              </a:p>
+            </p:txBody>
+          </p:sp>
+        </mc:Choice>
+        <mc:Fallback>
+          <p:sp>
+            <p:nvSpPr>
+              <p:cNvPr id="3" name="Espace réservé du contenu 2">
+                <a:extLst>
+                  <a:ext uri="{FF2B5EF4-FFF2-40B4-BE49-F238E27FC236}">
+                    <a16:creationId xmlns:a16="http://schemas.microsoft.com/office/drawing/2014/main" id="{7AA68C51-D64F-074E-ADB8-2A4026F47177}"/>
+                  </a:ext>
+                </a:extLst>
+              </p:cNvPr>
+              <p:cNvSpPr>
+                <a:spLocks noGrp="1" noRot="1" noChangeAspect="1" noMove="1" noResize="1" noEditPoints="1" noAdjustHandles="1" noChangeArrowheads="1" noChangeShapeType="1" noTextEdit="1"/>
+              </p:cNvSpPr>
+              <p:nvPr>
+                <p:ph idx="1"/>
+              </p:nvPr>
+            </p:nvSpPr>
+            <p:spPr>
+              <a:blipFill>
+                <a:blip r:embed="rId2"/>
+                <a:stretch>
+                  <a:fillRect l="-1325" t="-1856"/>
+                </a:stretch>
+              </a:blipFill>
+            </p:spPr>
+            <p:txBody>
+              <a:bodyPr/>
+              <a:lstStyle/>
+              <a:p>
+                <a:r>
+                  <a:rPr lang="fr-FR">
+                    <a:noFill/>
+                  </a:rPr>
+                  <a:t> </a:t>
+                </a:r>
+              </a:p>
+            </p:txBody>
+          </p:sp>
+        </mc:Fallback>
+      </mc:AlternateContent>
+    </p:spTree>
+    <p:extLst>
+      <p:ext uri="{BB962C8B-B14F-4D97-AF65-F5344CB8AC3E}">
+        <p14:creationId xmlns:p14="http://schemas.microsoft.com/office/powerpoint/2010/main" val="311566786"/>
       </p:ext>
     </p:extLst>
   </p:cSld>
@@ -11596,7 +12847,13 @@
                           <a:rPr lang="fr-FR" b="0" i="1" smtClean="0">
                             <a:latin typeface="Cambria Math" panose="02040503050406030204" pitchFamily="18" charset="0"/>
                           </a:rPr>
-                          <m:t>𝑚h</m:t>
+                          <m:t>𝑚</m:t>
+                        </m:r>
+                        <m:r>
+                          <a:rPr lang="fr-FR" b="0" i="1" smtClean="0">
+                            <a:latin typeface="Cambria Math" panose="02040503050406030204" pitchFamily="18" charset="0"/>
+                          </a:rPr>
+                          <m:t>h</m:t>
                         </m:r>
                       </m:sub>
                     </m:sSub>
@@ -11647,7 +12904,13 @@
                       <a:rPr lang="fr-FR" b="0" i="1" smtClean="0">
                         <a:latin typeface="Cambria Math" panose="02040503050406030204" pitchFamily="18" charset="0"/>
                       </a:rPr>
-                      <m:t>=0</m:t>
+                      <m:t>=</m:t>
+                    </m:r>
+                    <m:r>
+                      <a:rPr lang="fr-FR" b="0" i="1" smtClean="0">
+                        <a:latin typeface="Cambria Math" panose="02040503050406030204" pitchFamily="18" charset="0"/>
+                      </a:rPr>
+                      <m:t>0</m:t>
                     </m:r>
                   </m:oMath>
                 </a14:m>
@@ -11737,7 +13000,13 @@
                       <a:rPr lang="fr-FR" b="0" i="1" smtClean="0">
                         <a:latin typeface="Cambria Math" panose="02040503050406030204" pitchFamily="18" charset="0"/>
                       </a:rPr>
-                      <m:t>=0</m:t>
+                      <m:t>=</m:t>
+                    </m:r>
+                    <m:r>
+                      <a:rPr lang="fr-FR" b="0" i="1" smtClean="0">
+                        <a:latin typeface="Cambria Math" panose="02040503050406030204" pitchFamily="18" charset="0"/>
+                      </a:rPr>
+                      <m:t>0</m:t>
                     </m:r>
                   </m:oMath>
                 </a14:m>
@@ -11768,7 +13037,13 @@
                           <a:rPr lang="fr-FR" b="0" i="1" smtClean="0">
                             <a:latin typeface="Cambria Math" panose="02040503050406030204" pitchFamily="18" charset="0"/>
                           </a:rPr>
-                          <m:t>𝑚h</m:t>
+                          <m:t>𝑚</m:t>
+                        </m:r>
+                        <m:r>
+                          <a:rPr lang="fr-FR" b="0" i="1" smtClean="0">
+                            <a:latin typeface="Cambria Math" panose="02040503050406030204" pitchFamily="18" charset="0"/>
+                          </a:rPr>
+                          <m:t>h</m:t>
                         </m:r>
                       </m:sub>
                     </m:sSub>
@@ -11807,7 +13082,13 @@
                       <a:rPr lang="fr-FR" b="0" i="1" smtClean="0">
                         <a:latin typeface="Cambria Math" panose="02040503050406030204" pitchFamily="18" charset="0"/>
                       </a:rPr>
-                      <m:t>=2</m:t>
+                      <m:t>=</m:t>
+                    </m:r>
+                    <m:r>
+                      <a:rPr lang="fr-FR" b="0" i="1" smtClean="0">
+                        <a:latin typeface="Cambria Math" panose="02040503050406030204" pitchFamily="18" charset="0"/>
+                      </a:rPr>
+                      <m:t>2</m:t>
                     </m:r>
                     <m:r>
                       <a:rPr lang="fr-FR" b="0" i="1" smtClean="0">
@@ -11863,7 +13144,13 @@
                               <a:rPr lang="fr-FR" i="1">
                                 <a:latin typeface="Cambria Math" panose="02040503050406030204" pitchFamily="18" charset="0"/>
                               </a:rPr>
-                              <m:t>𝑚h</m:t>
+                              <m:t>𝑚</m:t>
+                            </m:r>
+                            <m:r>
+                              <a:rPr lang="fr-FR" i="1">
+                                <a:latin typeface="Cambria Math" panose="02040503050406030204" pitchFamily="18" charset="0"/>
+                              </a:rPr>
+                              <m:t>h</m:t>
                             </m:r>
                           </m:sub>
                         </m:sSub>
@@ -11943,7 +13230,13 @@
                           <a:rPr lang="fr-FR" b="0" i="1" smtClean="0">
                             <a:latin typeface="Cambria Math" panose="02040503050406030204" pitchFamily="18" charset="0"/>
                           </a:rPr>
-                          <m:t>𝑚h</m:t>
+                          <m:t>𝑚</m:t>
+                        </m:r>
+                        <m:r>
+                          <a:rPr lang="fr-FR" b="0" i="1" smtClean="0">
+                            <a:latin typeface="Cambria Math" panose="02040503050406030204" pitchFamily="18" charset="0"/>
+                          </a:rPr>
+                          <m:t>h</m:t>
                         </m:r>
                       </m:sub>
                     </m:sSub>
@@ -11982,7 +13275,13 @@
                       <a:rPr lang="fr-FR" b="0" i="1" smtClean="0">
                         <a:latin typeface="Cambria Math" panose="02040503050406030204" pitchFamily="18" charset="0"/>
                       </a:rPr>
-                      <m:t>−2</m:t>
+                      <m:t>−</m:t>
+                    </m:r>
+                    <m:r>
+                      <a:rPr lang="fr-FR" b="0" i="1" smtClean="0">
+                        <a:latin typeface="Cambria Math" panose="02040503050406030204" pitchFamily="18" charset="0"/>
+                      </a:rPr>
+                      <m:t>2</m:t>
                     </m:r>
                     <m:sSub>
                       <m:sSubPr>
@@ -12013,7 +13312,19 @@
                       <a:rPr lang="fr-FR" b="0" i="1" smtClean="0">
                         <a:latin typeface="Cambria Math" panose="02040503050406030204" pitchFamily="18" charset="0"/>
                       </a:rPr>
-                      <m:t>=0⇒</m:t>
+                      <m:t>=</m:t>
+                    </m:r>
+                    <m:r>
+                      <a:rPr lang="fr-FR" b="0" i="1" smtClean="0">
+                        <a:latin typeface="Cambria Math" panose="02040503050406030204" pitchFamily="18" charset="0"/>
+                      </a:rPr>
+                      <m:t>0</m:t>
+                    </m:r>
+                    <m:r>
+                      <a:rPr lang="fr-FR" b="0" i="1" smtClean="0">
+                        <a:latin typeface="Cambria Math" panose="02040503050406030204" pitchFamily="18" charset="0"/>
+                      </a:rPr>
+                      <m:t>⇒</m:t>
                     </m:r>
                     <m:sSub>
                       <m:sSubPr>
@@ -12076,7 +13387,13 @@
                               <a:rPr lang="fr-FR" i="1">
                                 <a:latin typeface="Cambria Math" panose="02040503050406030204" pitchFamily="18" charset="0"/>
                               </a:rPr>
-                              <m:t>𝑚h</m:t>
+                              <m:t>𝑚</m:t>
+                            </m:r>
+                            <m:r>
+                              <a:rPr lang="fr-FR" i="1">
+                                <a:latin typeface="Cambria Math" panose="02040503050406030204" pitchFamily="18" charset="0"/>
+                              </a:rPr>
+                              <m:t>h</m:t>
                             </m:r>
                           </m:sub>
                         </m:sSub>
@@ -12490,7 +13807,31 @@
                       <a:rPr lang="fr-FR" i="1">
                         <a:latin typeface="Cambria Math" panose="02040503050406030204" pitchFamily="18" charset="0"/>
                       </a:rPr>
-                      <m:t>=1,1 </m:t>
+                      <m:t>=</m:t>
+                    </m:r>
+                    <m:r>
+                      <a:rPr lang="fr-FR" i="1">
+                        <a:latin typeface="Cambria Math" panose="02040503050406030204" pitchFamily="18" charset="0"/>
+                      </a:rPr>
+                      <m:t>1</m:t>
+                    </m:r>
+                    <m:r>
+                      <a:rPr lang="fr-FR" i="1">
+                        <a:latin typeface="Cambria Math" panose="02040503050406030204" pitchFamily="18" charset="0"/>
+                      </a:rPr>
+                      <m:t>,</m:t>
+                    </m:r>
+                    <m:r>
+                      <a:rPr lang="fr-FR" i="1">
+                        <a:latin typeface="Cambria Math" panose="02040503050406030204" pitchFamily="18" charset="0"/>
+                      </a:rPr>
+                      <m:t>1</m:t>
+                    </m:r>
+                    <m:r>
+                      <a:rPr lang="fr-FR" i="1">
+                        <a:latin typeface="Cambria Math" panose="02040503050406030204" pitchFamily="18" charset="0"/>
+                      </a:rPr>
+                      <m:t> </m:t>
                     </m:r>
                     <m:r>
                       <m:rPr>
@@ -12538,7 +13879,31 @@
                       <a:rPr lang="fr-FR" b="0" i="1" smtClean="0">
                         <a:latin typeface="Cambria Math" panose="02040503050406030204" pitchFamily="18" charset="0"/>
                       </a:rPr>
-                      <m:t>=0,0331 </m:t>
+                      <m:t>=</m:t>
+                    </m:r>
+                    <m:r>
+                      <a:rPr lang="fr-FR" b="0" i="1" smtClean="0">
+                        <a:latin typeface="Cambria Math" panose="02040503050406030204" pitchFamily="18" charset="0"/>
+                      </a:rPr>
+                      <m:t>0</m:t>
+                    </m:r>
+                    <m:r>
+                      <a:rPr lang="fr-FR" b="0" i="1" smtClean="0">
+                        <a:latin typeface="Cambria Math" panose="02040503050406030204" pitchFamily="18" charset="0"/>
+                      </a:rPr>
+                      <m:t>,</m:t>
+                    </m:r>
+                    <m:r>
+                      <a:rPr lang="fr-FR" b="0" i="1" smtClean="0">
+                        <a:latin typeface="Cambria Math" panose="02040503050406030204" pitchFamily="18" charset="0"/>
+                      </a:rPr>
+                      <m:t>0331</m:t>
+                    </m:r>
+                    <m:r>
+                      <a:rPr lang="fr-FR" b="0" i="1" smtClean="0">
+                        <a:latin typeface="Cambria Math" panose="02040503050406030204" pitchFamily="18" charset="0"/>
+                      </a:rPr>
+                      <m:t> </m:t>
                     </m:r>
                     <m:r>
                       <m:rPr>
@@ -12586,7 +13951,31 @@
                       <a:rPr lang="fr-FR" i="1">
                         <a:latin typeface="Cambria Math" panose="02040503050406030204" pitchFamily="18" charset="0"/>
                       </a:rPr>
-                      <m:t>=31,79 </m:t>
+                      <m:t>=</m:t>
+                    </m:r>
+                    <m:r>
+                      <a:rPr lang="fr-FR" i="1">
+                        <a:latin typeface="Cambria Math" panose="02040503050406030204" pitchFamily="18" charset="0"/>
+                      </a:rPr>
+                      <m:t>31</m:t>
+                    </m:r>
+                    <m:r>
+                      <a:rPr lang="fr-FR" i="1">
+                        <a:latin typeface="Cambria Math" panose="02040503050406030204" pitchFamily="18" charset="0"/>
+                      </a:rPr>
+                      <m:t>,</m:t>
+                    </m:r>
+                    <m:r>
+                      <a:rPr lang="fr-FR" i="1">
+                        <a:latin typeface="Cambria Math" panose="02040503050406030204" pitchFamily="18" charset="0"/>
+                      </a:rPr>
+                      <m:t>79</m:t>
+                    </m:r>
+                    <m:r>
+                      <a:rPr lang="fr-FR" i="1">
+                        <a:latin typeface="Cambria Math" panose="02040503050406030204" pitchFamily="18" charset="0"/>
+                      </a:rPr>
+                      <m:t> </m:t>
                     </m:r>
                     <m:r>
                       <m:rPr>
@@ -12634,7 +14023,31 @@
                       <a:rPr lang="fr-FR" b="0" i="1" smtClean="0">
                         <a:latin typeface="Cambria Math" panose="02040503050406030204" pitchFamily="18" charset="0"/>
                       </a:rPr>
-                      <m:t>=2,7 </m:t>
+                      <m:t>=</m:t>
+                    </m:r>
+                    <m:r>
+                      <a:rPr lang="fr-FR" b="0" i="1" smtClean="0">
+                        <a:latin typeface="Cambria Math" panose="02040503050406030204" pitchFamily="18" charset="0"/>
+                      </a:rPr>
+                      <m:t>2</m:t>
+                    </m:r>
+                    <m:r>
+                      <a:rPr lang="fr-FR" b="0" i="1" smtClean="0">
+                        <a:latin typeface="Cambria Math" panose="02040503050406030204" pitchFamily="18" charset="0"/>
+                      </a:rPr>
+                      <m:t>,</m:t>
+                    </m:r>
+                    <m:r>
+                      <a:rPr lang="fr-FR" b="0" i="1" smtClean="0">
+                        <a:latin typeface="Cambria Math" panose="02040503050406030204" pitchFamily="18" charset="0"/>
+                      </a:rPr>
+                      <m:t>7</m:t>
+                    </m:r>
+                    <m:r>
+                      <a:rPr lang="fr-FR" b="0" i="1" smtClean="0">
+                        <a:latin typeface="Cambria Math" panose="02040503050406030204" pitchFamily="18" charset="0"/>
+                      </a:rPr>
+                      <m:t> </m:t>
                     </m:r>
                     <m:r>
                       <m:rPr>
@@ -12674,7 +14087,13 @@
                           <a:rPr lang="fr-FR" b="0" i="1" smtClean="0">
                             <a:latin typeface="Cambria Math" panose="02040503050406030204" pitchFamily="18" charset="0"/>
                           </a:rPr>
-                          <m:t>𝑚h</m:t>
+                          <m:t>𝑚</m:t>
+                        </m:r>
+                        <m:r>
+                          <a:rPr lang="fr-FR" b="0" i="1" smtClean="0">
+                            <a:latin typeface="Cambria Math" panose="02040503050406030204" pitchFamily="18" charset="0"/>
+                          </a:rPr>
+                          <m:t>h</m:t>
                         </m:r>
                       </m:sub>
                     </m:sSub>
@@ -12682,7 +14101,31 @@
                       <a:rPr lang="fr-FR" b="0" i="1" smtClean="0">
                         <a:latin typeface="Cambria Math" panose="02040503050406030204" pitchFamily="18" charset="0"/>
                       </a:rPr>
-                      <m:t>=0,0813 </m:t>
+                      <m:t>=</m:t>
+                    </m:r>
+                    <m:r>
+                      <a:rPr lang="fr-FR" b="0" i="1" smtClean="0">
+                        <a:latin typeface="Cambria Math" panose="02040503050406030204" pitchFamily="18" charset="0"/>
+                      </a:rPr>
+                      <m:t>0</m:t>
+                    </m:r>
+                    <m:r>
+                      <a:rPr lang="fr-FR" b="0" i="1" smtClean="0">
+                        <a:latin typeface="Cambria Math" panose="02040503050406030204" pitchFamily="18" charset="0"/>
+                      </a:rPr>
+                      <m:t>,</m:t>
+                    </m:r>
+                    <m:r>
+                      <a:rPr lang="fr-FR" b="0" i="1" smtClean="0">
+                        <a:latin typeface="Cambria Math" panose="02040503050406030204" pitchFamily="18" charset="0"/>
+                      </a:rPr>
+                      <m:t>0813</m:t>
+                    </m:r>
+                    <m:r>
+                      <a:rPr lang="fr-FR" b="0" i="1" smtClean="0">
+                        <a:latin typeface="Cambria Math" panose="02040503050406030204" pitchFamily="18" charset="0"/>
+                      </a:rPr>
+                      <m:t> </m:t>
                     </m:r>
                     <m:r>
                       <m:rPr>
@@ -12722,7 +14165,13 @@
                           <a:rPr lang="fr-FR" b="0" i="1" smtClean="0">
                             <a:latin typeface="Cambria Math" panose="02040503050406030204" pitchFamily="18" charset="0"/>
                           </a:rPr>
-                          <m:t>𝑚h</m:t>
+                          <m:t>𝑚</m:t>
+                        </m:r>
+                        <m:r>
+                          <a:rPr lang="fr-FR" b="0" i="1" smtClean="0">
+                            <a:latin typeface="Cambria Math" panose="02040503050406030204" pitchFamily="18" charset="0"/>
+                          </a:rPr>
+                          <m:t>h</m:t>
                         </m:r>
                       </m:sub>
                     </m:sSub>
@@ -12730,7 +14179,19 @@
                       <a:rPr lang="fr-FR" i="1">
                         <a:latin typeface="Cambria Math" panose="02040503050406030204" pitchFamily="18" charset="0"/>
                       </a:rPr>
-                      <m:t>=78 </m:t>
+                      <m:t>=</m:t>
+                    </m:r>
+                    <m:r>
+                      <a:rPr lang="fr-FR" i="1">
+                        <a:latin typeface="Cambria Math" panose="02040503050406030204" pitchFamily="18" charset="0"/>
+                      </a:rPr>
+                      <m:t>78</m:t>
+                    </m:r>
+                    <m:r>
+                      <a:rPr lang="fr-FR" i="1">
+                        <a:latin typeface="Cambria Math" panose="02040503050406030204" pitchFamily="18" charset="0"/>
+                      </a:rPr>
+                      <m:t> </m:t>
                     </m:r>
                     <m:r>
                       <m:rPr>
@@ -12774,7 +14235,31 @@
                       <a:rPr lang="fr-FR" b="0" i="1" smtClean="0">
                         <a:latin typeface="Cambria Math" panose="02040503050406030204" pitchFamily="18" charset="0"/>
                       </a:rPr>
-                      <m:t>=5,59 </m:t>
+                      <m:t>=</m:t>
+                    </m:r>
+                    <m:r>
+                      <a:rPr lang="fr-FR" b="0" i="1" smtClean="0">
+                        <a:latin typeface="Cambria Math" panose="02040503050406030204" pitchFamily="18" charset="0"/>
+                      </a:rPr>
+                      <m:t>5</m:t>
+                    </m:r>
+                    <m:r>
+                      <a:rPr lang="fr-FR" b="0" i="1" smtClean="0">
+                        <a:latin typeface="Cambria Math" panose="02040503050406030204" pitchFamily="18" charset="0"/>
+                      </a:rPr>
+                      <m:t>,</m:t>
+                    </m:r>
+                    <m:r>
+                      <a:rPr lang="fr-FR" b="0" i="1" smtClean="0">
+                        <a:latin typeface="Cambria Math" panose="02040503050406030204" pitchFamily="18" charset="0"/>
+                      </a:rPr>
+                      <m:t>59</m:t>
+                    </m:r>
+                    <m:r>
+                      <a:rPr lang="fr-FR" b="0" i="1" smtClean="0">
+                        <a:latin typeface="Cambria Math" panose="02040503050406030204" pitchFamily="18" charset="0"/>
+                      </a:rPr>
+                      <m:t> </m:t>
                     </m:r>
                     <m:r>
                       <m:rPr>
@@ -12822,7 +14307,31 @@
                       <a:rPr lang="fr-FR" b="0" i="1" smtClean="0">
                         <a:latin typeface="Cambria Math" panose="02040503050406030204" pitchFamily="18" charset="0"/>
                       </a:rPr>
-                      <m:t>=20 à 23 </m:t>
+                      <m:t>=</m:t>
+                    </m:r>
+                    <m:r>
+                      <a:rPr lang="fr-FR" b="0" i="1" smtClean="0">
+                        <a:latin typeface="Cambria Math" panose="02040503050406030204" pitchFamily="18" charset="0"/>
+                      </a:rPr>
+                      <m:t>20</m:t>
+                    </m:r>
+                    <m:r>
+                      <a:rPr lang="fr-FR" b="0" i="1" smtClean="0">
+                        <a:latin typeface="Cambria Math" panose="02040503050406030204" pitchFamily="18" charset="0"/>
+                      </a:rPr>
+                      <m:t> à </m:t>
+                    </m:r>
+                    <m:r>
+                      <a:rPr lang="fr-FR" b="0" i="1" smtClean="0">
+                        <a:latin typeface="Cambria Math" panose="02040503050406030204" pitchFamily="18" charset="0"/>
+                      </a:rPr>
+                      <m:t>23</m:t>
+                    </m:r>
+                    <m:r>
+                      <a:rPr lang="fr-FR" b="0" i="1" smtClean="0">
+                        <a:latin typeface="Cambria Math" panose="02040503050406030204" pitchFamily="18" charset="0"/>
+                      </a:rPr>
+                      <m:t> </m:t>
                     </m:r>
                     <m:r>
                       <m:rPr>
@@ -12876,7 +14385,25 @@
                       <a:rPr lang="fr-FR" b="0" i="0" smtClean="0">
                         <a:latin typeface="Cambria Math" panose="02040503050406030204" pitchFamily="18" charset="0"/>
                       </a:rPr>
-                      <m:t>0,024 </m:t>
+                      <m:t>0</m:t>
+                    </m:r>
+                    <m:r>
+                      <a:rPr lang="fr-FR" b="0" i="0" smtClean="0">
+                        <a:latin typeface="Cambria Math" panose="02040503050406030204" pitchFamily="18" charset="0"/>
+                      </a:rPr>
+                      <m:t>,</m:t>
+                    </m:r>
+                    <m:r>
+                      <a:rPr lang="fr-FR" b="0" i="0" smtClean="0">
+                        <a:latin typeface="Cambria Math" panose="02040503050406030204" pitchFamily="18" charset="0"/>
+                      </a:rPr>
+                      <m:t>024</m:t>
+                    </m:r>
+                    <m:r>
+                      <a:rPr lang="fr-FR" b="0" i="0" smtClean="0">
+                        <a:latin typeface="Cambria Math" panose="02040503050406030204" pitchFamily="18" charset="0"/>
+                      </a:rPr>
+                      <m:t> </m:t>
                     </m:r>
                     <m:r>
                       <m:rPr>
@@ -12993,21 +14520,16 @@
           <a:lstStyle/>
           <a:p>
             <a:r>
-              <a:rPr lang="fr-FR" dirty="0" smtClean="0"/>
+              <a:rPr lang="fr-FR" dirty="0"/>
               <a:t>09</a:t>
-            </a:r>
-            <a:r>
-              <a:rPr lang="fr-FR" dirty="0"/>
-              <a:t/>
             </a:r>
             <a:br>
               <a:rPr lang="fr-FR" dirty="0"/>
             </a:br>
             <a:r>
-              <a:rPr lang="fr-FR" dirty="0" smtClean="0"/>
+              <a:rPr lang="fr-FR" dirty="0"/>
               <a:t>Dimensionnement d’un actionneur en dynamique</a:t>
             </a:r>
-            <a:endParaRPr lang="fr-FR" dirty="0"/>
           </a:p>
         </p:txBody>
       </p:sp>
@@ -13097,11 +14619,13 @@
         </p:nvSpPr>
         <p:spPr/>
         <p:txBody>
-          <a:bodyPr/>
+          <a:bodyPr>
+            <a:normAutofit lnSpcReduction="10000"/>
+          </a:bodyPr>
           <a:lstStyle/>
           <a:p>
             <a:r>
-              <a:rPr lang="fr-FR" dirty="0" smtClean="0"/>
+              <a:rPr lang="fr-FR" dirty="0"/>
               <a:t>Objectif :</a:t>
             </a:r>
           </a:p>
@@ -13109,11 +14633,7 @@
             <a:pPr lvl="1"/>
             <a:r>
               <a:rPr lang="fr-FR" dirty="0"/>
-              <a:t> </a:t>
-            </a:r>
-            <a:r>
-              <a:rPr lang="fr-FR" dirty="0" smtClean="0"/>
-              <a:t>On souhaite déterminer le couple maximal et la vitesse maximale d’un moteur pour pouvoir déplacer une charge de XXX kg en moins de XXXX s. </a:t>
+              <a:t> On souhaite déterminer le couple maximal et la vitesse maximale d’un moteur pour pouvoir déplacer une charge de XXX kg en moins de XXXX s. </a:t>
             </a:r>
           </a:p>
           <a:p>
@@ -13122,12 +14642,52 @@
           </a:p>
           <a:p>
             <a:r>
-              <a:rPr lang="fr-FR" dirty="0" smtClean="0"/>
-              <a:t>Modèle</a:t>
+              <a:rPr lang="fr-FR" dirty="0"/>
+              <a:t>Modèle </a:t>
             </a:r>
           </a:p>
           <a:p>
-            <a:endParaRPr lang="fr-FR" dirty="0" smtClean="0"/>
+            <a:endParaRPr lang="fr-FR" dirty="0"/>
+          </a:p>
+          <a:p>
+            <a:endParaRPr lang="fr-FR" dirty="0"/>
+          </a:p>
+          <a:p>
+            <a:r>
+              <a:rPr lang="fr-FR" dirty="0"/>
+              <a:t>Expérimentation : première approche pour avoir une estimation de la puissance</a:t>
+            </a:r>
+          </a:p>
+          <a:p>
+            <a:pPr lvl="1"/>
+            <a:r>
+              <a:rPr lang="fr-FR" dirty="0"/>
+              <a:t>Protocole Expérimental</a:t>
+            </a:r>
+          </a:p>
+          <a:p>
+            <a:pPr lvl="2"/>
+            <a:r>
+              <a:rPr lang="fr-FR" dirty="0"/>
+              <a:t>Montée, avec un chargement maximal, et un échelon de position</a:t>
+            </a:r>
+          </a:p>
+          <a:p>
+            <a:pPr lvl="2"/>
+            <a:r>
+              <a:rPr lang="fr-FR" dirty="0"/>
+              <a:t>Mesure de la vitesse grâce au codeur</a:t>
+            </a:r>
+          </a:p>
+          <a:p>
+            <a:pPr lvl="2"/>
+            <a:r>
+              <a:rPr lang="fr-FR" dirty="0"/>
+              <a:t>Meure du couple moteur grâce au courant…</a:t>
+            </a:r>
+          </a:p>
+          <a:p>
+            <a:endParaRPr lang="fr-FR" dirty="0"/>
           </a:p>
           <a:p>
             <a:endParaRPr lang="fr-FR" dirty="0"/>
@@ -13145,7 +14705,7 @@
         </p:nvGrpSpPr>
         <p:grpSpPr>
           <a:xfrm>
-            <a:off x="3233229" y="3712723"/>
+            <a:off x="3241822" y="2261019"/>
             <a:ext cx="7593285" cy="1462084"/>
             <a:chOff x="4452429" y="3393409"/>
             <a:chExt cx="7593285" cy="1462084"/>
@@ -13689,8 +15249,8 @@
             </a:prstGeom>
           </p:spPr>
         </p:pic>
-        <mc:AlternateContent xmlns:mc="http://schemas.openxmlformats.org/markup-compatibility/2006">
-          <mc:Choice xmlns:a14="http://schemas.microsoft.com/office/drawing/2010/main" Requires="a14">
+        <mc:AlternateContent xmlns:mc="http://schemas.openxmlformats.org/markup-compatibility/2006" xmlns:a14="http://schemas.microsoft.com/office/drawing/2010/main">
+          <mc:Choice Requires="a14">
             <p:sp>
               <p:nvSpPr>
                 <p:cNvPr id="64" name="ZoneTexte 63">
@@ -13802,7 +15362,7 @@
               </p:txBody>
             </p:sp>
           </mc:Choice>
-          <mc:Fallback>
+          <mc:Fallback xmlns="">
             <p:sp>
               <p:nvSpPr>
                 <p:cNvPr id="64" name="ZoneTexte 63">
@@ -14053,8 +15613,8 @@
             </p:spPr>
           </p:pic>
         </p:grpSp>
-        <mc:AlternateContent xmlns:mc="http://schemas.openxmlformats.org/markup-compatibility/2006">
-          <mc:Choice xmlns:a14="http://schemas.microsoft.com/office/drawing/2010/main" Requires="a14">
+        <mc:AlternateContent xmlns:mc="http://schemas.openxmlformats.org/markup-compatibility/2006" xmlns:a14="http://schemas.microsoft.com/office/drawing/2010/main">
+          <mc:Choice Requires="a14">
             <p:sp>
               <p:nvSpPr>
                 <p:cNvPr id="77" name="ZoneTexte 76">
@@ -14197,7 +15757,7 @@
               </p:txBody>
             </p:sp>
           </mc:Choice>
-          <mc:Fallback>
+          <mc:Fallback xmlns="">
             <p:sp>
               <p:nvSpPr>
                 <p:cNvPr id="77" name="ZoneTexte 76">
@@ -14242,8 +15802,8 @@
             </p:sp>
           </mc:Fallback>
         </mc:AlternateContent>
-        <mc:AlternateContent xmlns:mc="http://schemas.openxmlformats.org/markup-compatibility/2006">
-          <mc:Choice xmlns:a14="http://schemas.microsoft.com/office/drawing/2010/main" Requires="a14">
+        <mc:AlternateContent xmlns:mc="http://schemas.openxmlformats.org/markup-compatibility/2006" xmlns:a14="http://schemas.microsoft.com/office/drawing/2010/main">
+          <mc:Choice Requires="a14">
             <p:sp>
               <p:nvSpPr>
                 <p:cNvPr id="78" name="ZoneTexte 77">
@@ -14359,7 +15919,7 @@
               </p:txBody>
             </p:sp>
           </mc:Choice>
-          <mc:Fallback>
+          <mc:Fallback xmlns="">
             <p:sp>
               <p:nvSpPr>
                 <p:cNvPr id="78" name="ZoneTexte 77">
@@ -14643,8 +16203,8 @@
             </p:spPr>
           </p:pic>
         </p:grpSp>
-        <mc:AlternateContent xmlns:mc="http://schemas.openxmlformats.org/markup-compatibility/2006">
-          <mc:Choice xmlns:a14="http://schemas.microsoft.com/office/drawing/2010/main" Requires="a14">
+        <mc:AlternateContent xmlns:mc="http://schemas.openxmlformats.org/markup-compatibility/2006" xmlns:a14="http://schemas.microsoft.com/office/drawing/2010/main">
+          <mc:Choice Requires="a14">
             <p:sp>
               <p:nvSpPr>
                 <p:cNvPr id="85" name="ZoneTexte 84">
@@ -14787,7 +16347,7 @@
               </p:txBody>
             </p:sp>
           </mc:Choice>
-          <mc:Fallback>
+          <mc:Fallback xmlns="">
             <p:sp>
               <p:nvSpPr>
                 <p:cNvPr id="85" name="ZoneTexte 84">

--- a/04_Comax/04_Comax_Corrige.pptx
+++ b/04_Comax/04_Comax_Corrige.pptx
@@ -364,7 +364,7 @@
           <a:p>
             <a:fld id="{D7F135F6-2A09-4FDD-9ECA-096E230CA0FA}" type="datetimeFigureOut">
               <a:rPr lang="fr-FR" smtClean="0"/>
-              <a:t>09/01/2024</a:t>
+              <a:t>22/01/2024</a:t>
             </a:fld>
             <a:endParaRPr lang="fr-FR"/>
           </a:p>
@@ -569,7 +569,7 @@
           <a:p>
             <a:fld id="{D7F135F6-2A09-4FDD-9ECA-096E230CA0FA}" type="datetimeFigureOut">
               <a:rPr lang="fr-FR" smtClean="0"/>
-              <a:t>09/01/2024</a:t>
+              <a:t>22/01/2024</a:t>
             </a:fld>
             <a:endParaRPr lang="fr-FR"/>
           </a:p>
@@ -825,7 +825,7 @@
           <a:p>
             <a:fld id="{D7F135F6-2A09-4FDD-9ECA-096E230CA0FA}" type="datetimeFigureOut">
               <a:rPr lang="fr-FR" smtClean="0"/>
-              <a:t>09/01/2024</a:t>
+              <a:t>22/01/2024</a:t>
             </a:fld>
             <a:endParaRPr lang="fr-FR"/>
           </a:p>
@@ -1031,7 +1031,7 @@
           <a:p>
             <a:fld id="{D7F135F6-2A09-4FDD-9ECA-096E230CA0FA}" type="datetimeFigureOut">
               <a:rPr lang="fr-FR" smtClean="0"/>
-              <a:t>09/01/2024</a:t>
+              <a:t>22/01/2024</a:t>
             </a:fld>
             <a:endParaRPr lang="fr-FR"/>
           </a:p>
@@ -1393,7 +1393,7 @@
           <a:p>
             <a:fld id="{D7F135F6-2A09-4FDD-9ECA-096E230CA0FA}" type="datetimeFigureOut">
               <a:rPr lang="fr-FR" smtClean="0"/>
-              <a:t>09/01/2024</a:t>
+              <a:t>22/01/2024</a:t>
             </a:fld>
             <a:endParaRPr lang="fr-FR"/>
           </a:p>
@@ -1668,7 +1668,7 @@
           <a:p>
             <a:fld id="{D7F135F6-2A09-4FDD-9ECA-096E230CA0FA}" type="datetimeFigureOut">
               <a:rPr lang="fr-FR" smtClean="0"/>
-              <a:t>09/01/2024</a:t>
+              <a:t>22/01/2024</a:t>
             </a:fld>
             <a:endParaRPr lang="fr-FR"/>
           </a:p>
@@ -2047,7 +2047,7 @@
           <a:p>
             <a:fld id="{D7F135F6-2A09-4FDD-9ECA-096E230CA0FA}" type="datetimeFigureOut">
               <a:rPr lang="fr-FR" smtClean="0"/>
-              <a:t>09/01/2024</a:t>
+              <a:t>22/01/2024</a:t>
             </a:fld>
             <a:endParaRPr lang="fr-FR"/>
           </a:p>
@@ -2165,7 +2165,7 @@
           <a:p>
             <a:fld id="{D7F135F6-2A09-4FDD-9ECA-096E230CA0FA}" type="datetimeFigureOut">
               <a:rPr lang="fr-FR" smtClean="0"/>
-              <a:t>09/01/2024</a:t>
+              <a:t>22/01/2024</a:t>
             </a:fld>
             <a:endParaRPr lang="fr-FR"/>
           </a:p>
@@ -2339,7 +2339,7 @@
           <a:p>
             <a:fld id="{D7F135F6-2A09-4FDD-9ECA-096E230CA0FA}" type="datetimeFigureOut">
               <a:rPr lang="fr-FR" smtClean="0"/>
-              <a:t>09/01/2024</a:t>
+              <a:t>22/01/2024</a:t>
             </a:fld>
             <a:endParaRPr lang="fr-FR"/>
           </a:p>
@@ -2696,7 +2696,7 @@
           <a:p>
             <a:fld id="{D7F135F6-2A09-4FDD-9ECA-096E230CA0FA}" type="datetimeFigureOut">
               <a:rPr lang="fr-FR" smtClean="0"/>
-              <a:t>09/01/2024</a:t>
+              <a:t>22/01/2024</a:t>
             </a:fld>
             <a:endParaRPr lang="fr-FR"/>
           </a:p>
@@ -3081,7 +3081,7 @@
           <a:p>
             <a:fld id="{D7F135F6-2A09-4FDD-9ECA-096E230CA0FA}" type="datetimeFigureOut">
               <a:rPr lang="fr-FR" smtClean="0"/>
-              <a:t>09/01/2024</a:t>
+              <a:t>22/01/2024</a:t>
             </a:fld>
             <a:endParaRPr lang="fr-FR"/>
           </a:p>
@@ -3371,7 +3371,7 @@
           <a:p>
             <a:fld id="{D7F135F6-2A09-4FDD-9ECA-096E230CA0FA}" type="datetimeFigureOut">
               <a:rPr lang="fr-FR" smtClean="0"/>
-              <a:t>09/01/2024</a:t>
+              <a:t>22/01/2024</a:t>
             </a:fld>
             <a:endParaRPr lang="fr-FR" dirty="0"/>
           </a:p>
@@ -4105,7 +4105,7 @@
           <a:p>
             <a:pPr lvl="1"/>
             <a:r>
-              <a:rPr lang="fr-FR" b="1" strike="sngStrike" dirty="0">
+              <a:rPr lang="fr-FR" strike="sngStrike" dirty="0">
                 <a:solidFill>
                   <a:srgbClr val="FF0000"/>
                 </a:solidFill>
@@ -4136,7 +4136,7 @@
           <a:p>
             <a:pPr lvl="1"/>
             <a:r>
-              <a:rPr lang="fr-FR" b="1" strike="sngStrike" dirty="0">
+              <a:rPr lang="fr-FR" strike="sngStrike" dirty="0">
                 <a:solidFill>
                   <a:srgbClr val="FF0000"/>
                 </a:solidFill>
@@ -4557,7 +4557,12 @@
             <p:ph idx="1"/>
           </p:nvPr>
         </p:nvSpPr>
-        <p:spPr/>
+        <p:spPr>
+          <a:xfrm>
+            <a:off x="117795" y="981887"/>
+            <a:ext cx="5248862" cy="5253339"/>
+          </a:xfrm>
+        </p:spPr>
         <p:txBody>
           <a:bodyPr/>
           <a:lstStyle/>
@@ -4620,6 +4625,20 @@
             <a:pPr lvl="1"/>
             <a:r>
               <a:rPr lang="fr-FR" dirty="0"/>
+              <a:t>Inertie de la poulie</a:t>
+            </a:r>
+          </a:p>
+          <a:p>
+            <a:pPr lvl="1"/>
+            <a:r>
+              <a:rPr lang="fr-FR" dirty="0"/>
+              <a:t>Inertie codeur ?</a:t>
+            </a:r>
+          </a:p>
+          <a:p>
+            <a:pPr lvl="1"/>
+            <a:r>
+              <a:rPr lang="fr-FR" dirty="0"/>
               <a:t>Masse en translation</a:t>
             </a:r>
           </a:p>
@@ -4639,6 +4658,873 @@
           </a:p>
         </p:txBody>
       </p:sp>
+      <mc:AlternateContent xmlns:mc="http://schemas.openxmlformats.org/markup-compatibility/2006">
+        <mc:Choice xmlns:a14="http://schemas.microsoft.com/office/drawing/2010/main" Requires="a14">
+          <p:sp>
+            <p:nvSpPr>
+              <p:cNvPr id="4" name="Espace réservé du contenu 2">
+                <a:extLst>
+                  <a:ext uri="{FF2B5EF4-FFF2-40B4-BE49-F238E27FC236}">
+                    <a16:creationId xmlns:a16="http://schemas.microsoft.com/office/drawing/2014/main" id="{E7512A05-D1EA-5493-6918-5F2C2DCF52A2}"/>
+                  </a:ext>
+                </a:extLst>
+              </p:cNvPr>
+              <p:cNvSpPr txBox="1">
+                <a:spLocks/>
+              </p:cNvSpPr>
+              <p:nvPr/>
+            </p:nvSpPr>
+            <p:spPr>
+              <a:xfrm>
+                <a:off x="4659085" y="981887"/>
+                <a:ext cx="7184571" cy="5253339"/>
+              </a:xfrm>
+              <a:prstGeom prst="rect">
+                <a:avLst/>
+              </a:prstGeom>
+            </p:spPr>
+            <p:txBody>
+              <a:bodyPr vert="horz" lIns="0" tIns="45720" rIns="0" bIns="45720" rtlCol="0">
+                <a:normAutofit/>
+              </a:bodyPr>
+              <a:lstStyle>
+                <a:lvl1pPr marL="271463" indent="-269875" algn="l" defTabSz="914400" rtl="0" eaLnBrk="1" latinLnBrk="0" hangingPunct="1">
+                  <a:lnSpc>
+                    <a:spcPct val="90000"/>
+                  </a:lnSpc>
+                  <a:spcBef>
+                    <a:spcPts val="1200"/>
+                  </a:spcBef>
+                  <a:spcAft>
+                    <a:spcPts val="200"/>
+                  </a:spcAft>
+                  <a:buClr>
+                    <a:schemeClr val="tx2"/>
+                  </a:buClr>
+                  <a:buSzPct val="80000"/>
+                  <a:buFont typeface="Wingdings" panose="05000000000000000000" pitchFamily="2" charset="2"/>
+                  <a:buChar char="q"/>
+                  <a:defRPr lang="fr-FR" sz="2800" kern="1200">
+                    <a:solidFill>
+                      <a:schemeClr val="tx1">
+                        <a:lumMod val="75000"/>
+                        <a:lumOff val="25000"/>
+                      </a:schemeClr>
+                    </a:solidFill>
+                    <a:latin typeface="+mn-lt"/>
+                    <a:ea typeface="+mn-ea"/>
+                    <a:cs typeface="+mn-cs"/>
+                  </a:defRPr>
+                </a:lvl1pPr>
+                <a:lvl2pPr marL="449263" indent="-249238" algn="l" defTabSz="914400" rtl="0" eaLnBrk="1" latinLnBrk="0" hangingPunct="1">
+                  <a:lnSpc>
+                    <a:spcPct val="90000"/>
+                  </a:lnSpc>
+                  <a:spcBef>
+                    <a:spcPts val="200"/>
+                  </a:spcBef>
+                  <a:spcAft>
+                    <a:spcPts val="400"/>
+                  </a:spcAft>
+                  <a:buClr>
+                    <a:schemeClr val="accent1"/>
+                  </a:buClr>
+                  <a:buSzPct val="80000"/>
+                  <a:buFont typeface="Wingdings" panose="05000000000000000000" pitchFamily="2" charset="2"/>
+                  <a:buChar char="q"/>
+                  <a:defRPr lang="fr-FR" sz="2400" kern="1200">
+                    <a:solidFill>
+                      <a:schemeClr val="tx1">
+                        <a:lumMod val="75000"/>
+                        <a:lumOff val="25000"/>
+                      </a:schemeClr>
+                    </a:solidFill>
+                    <a:latin typeface="+mn-lt"/>
+                    <a:ea typeface="+mn-ea"/>
+                    <a:cs typeface="+mn-cs"/>
+                  </a:defRPr>
+                </a:lvl2pPr>
+                <a:lvl3pPr marL="627063" indent="-242888" algn="l" defTabSz="914400" rtl="0" eaLnBrk="1" latinLnBrk="0" hangingPunct="1">
+                  <a:lnSpc>
+                    <a:spcPct val="90000"/>
+                  </a:lnSpc>
+                  <a:spcBef>
+                    <a:spcPts val="200"/>
+                  </a:spcBef>
+                  <a:spcAft>
+                    <a:spcPts val="400"/>
+                  </a:spcAft>
+                  <a:buClr>
+                    <a:schemeClr val="accent2"/>
+                  </a:buClr>
+                  <a:buSzPct val="80000"/>
+                  <a:buFont typeface="Wingdings" panose="05000000000000000000" pitchFamily="2" charset="2"/>
+                  <a:buChar char="q"/>
+                  <a:defRPr lang="fr-FR" sz="1800" kern="1200">
+                    <a:solidFill>
+                      <a:schemeClr val="tx1">
+                        <a:lumMod val="75000"/>
+                        <a:lumOff val="25000"/>
+                      </a:schemeClr>
+                    </a:solidFill>
+                    <a:latin typeface="+mn-lt"/>
+                    <a:ea typeface="+mn-ea"/>
+                    <a:cs typeface="+mn-cs"/>
+                  </a:defRPr>
+                </a:lvl3pPr>
+                <a:lvl4pPr marL="804863" indent="-238125" algn="l" defTabSz="914400" rtl="0" eaLnBrk="1" latinLnBrk="0" hangingPunct="1">
+                  <a:lnSpc>
+                    <a:spcPct val="90000"/>
+                  </a:lnSpc>
+                  <a:spcBef>
+                    <a:spcPts val="200"/>
+                  </a:spcBef>
+                  <a:spcAft>
+                    <a:spcPts val="400"/>
+                  </a:spcAft>
+                  <a:buClr>
+                    <a:schemeClr val="accent3"/>
+                  </a:buClr>
+                  <a:buSzPct val="80000"/>
+                  <a:buFont typeface="Wingdings" panose="05000000000000000000" pitchFamily="2" charset="2"/>
+                  <a:buChar char="q"/>
+                  <a:defRPr lang="fr-FR" sz="1800" kern="1200">
+                    <a:solidFill>
+                      <a:schemeClr val="tx1">
+                        <a:lumMod val="75000"/>
+                        <a:lumOff val="25000"/>
+                      </a:schemeClr>
+                    </a:solidFill>
+                    <a:latin typeface="+mn-lt"/>
+                    <a:ea typeface="+mn-ea"/>
+                    <a:cs typeface="+mn-cs"/>
+                  </a:defRPr>
+                </a:lvl4pPr>
+                <a:lvl5pPr marL="982663" indent="-233363" algn="l" defTabSz="914400" rtl="0" eaLnBrk="1" latinLnBrk="0" hangingPunct="1">
+                  <a:lnSpc>
+                    <a:spcPct val="90000"/>
+                  </a:lnSpc>
+                  <a:spcBef>
+                    <a:spcPts val="200"/>
+                  </a:spcBef>
+                  <a:spcAft>
+                    <a:spcPts val="400"/>
+                  </a:spcAft>
+                  <a:buClr>
+                    <a:schemeClr val="accent4"/>
+                  </a:buClr>
+                  <a:buSzPct val="80000"/>
+                  <a:buFont typeface="Wingdings" panose="05000000000000000000" pitchFamily="2" charset="2"/>
+                  <a:buChar char="q"/>
+                  <a:defRPr lang="en-US" sz="1800" kern="1200">
+                    <a:solidFill>
+                      <a:schemeClr val="tx1">
+                        <a:lumMod val="75000"/>
+                        <a:lumOff val="25000"/>
+                      </a:schemeClr>
+                    </a:solidFill>
+                    <a:latin typeface="+mn-lt"/>
+                    <a:ea typeface="+mn-ea"/>
+                    <a:cs typeface="+mn-cs"/>
+                  </a:defRPr>
+                </a:lvl5pPr>
+                <a:lvl6pPr marL="1100000" indent="-228600" algn="l" defTabSz="914400" rtl="0" eaLnBrk="1" latinLnBrk="0" hangingPunct="1">
+                  <a:lnSpc>
+                    <a:spcPct val="90000"/>
+                  </a:lnSpc>
+                  <a:spcBef>
+                    <a:spcPts val="200"/>
+                  </a:spcBef>
+                  <a:spcAft>
+                    <a:spcPts val="400"/>
+                  </a:spcAft>
+                  <a:buClr>
+                    <a:schemeClr val="accent1"/>
+                  </a:buClr>
+                  <a:buFont typeface="Calibri" pitchFamily="34" charset="0"/>
+                  <a:buChar char="◦"/>
+                  <a:defRPr sz="1400" kern="1200">
+                    <a:solidFill>
+                      <a:schemeClr val="tx1">
+                        <a:lumMod val="75000"/>
+                        <a:lumOff val="25000"/>
+                      </a:schemeClr>
+                    </a:solidFill>
+                    <a:latin typeface="+mn-lt"/>
+                    <a:ea typeface="+mn-ea"/>
+                    <a:cs typeface="+mn-cs"/>
+                  </a:defRPr>
+                </a:lvl6pPr>
+                <a:lvl7pPr marL="1300000" indent="-228600" algn="l" defTabSz="914400" rtl="0" eaLnBrk="1" latinLnBrk="0" hangingPunct="1">
+                  <a:lnSpc>
+                    <a:spcPct val="90000"/>
+                  </a:lnSpc>
+                  <a:spcBef>
+                    <a:spcPts val="200"/>
+                  </a:spcBef>
+                  <a:spcAft>
+                    <a:spcPts val="400"/>
+                  </a:spcAft>
+                  <a:buClr>
+                    <a:schemeClr val="accent1"/>
+                  </a:buClr>
+                  <a:buFont typeface="Calibri" pitchFamily="34" charset="0"/>
+                  <a:buChar char="◦"/>
+                  <a:defRPr sz="1400" kern="1200">
+                    <a:solidFill>
+                      <a:schemeClr val="tx1">
+                        <a:lumMod val="75000"/>
+                        <a:lumOff val="25000"/>
+                      </a:schemeClr>
+                    </a:solidFill>
+                    <a:latin typeface="+mn-lt"/>
+                    <a:ea typeface="+mn-ea"/>
+                    <a:cs typeface="+mn-cs"/>
+                  </a:defRPr>
+                </a:lvl7pPr>
+                <a:lvl8pPr marL="1500000" indent="-228600" algn="l" defTabSz="914400" rtl="0" eaLnBrk="1" latinLnBrk="0" hangingPunct="1">
+                  <a:lnSpc>
+                    <a:spcPct val="90000"/>
+                  </a:lnSpc>
+                  <a:spcBef>
+                    <a:spcPts val="200"/>
+                  </a:spcBef>
+                  <a:spcAft>
+                    <a:spcPts val="400"/>
+                  </a:spcAft>
+                  <a:buClr>
+                    <a:schemeClr val="accent1"/>
+                  </a:buClr>
+                  <a:buFont typeface="Calibri" pitchFamily="34" charset="0"/>
+                  <a:buChar char="◦"/>
+                  <a:defRPr sz="1400" kern="1200">
+                    <a:solidFill>
+                      <a:schemeClr val="tx1">
+                        <a:lumMod val="75000"/>
+                        <a:lumOff val="25000"/>
+                      </a:schemeClr>
+                    </a:solidFill>
+                    <a:latin typeface="+mn-lt"/>
+                    <a:ea typeface="+mn-ea"/>
+                    <a:cs typeface="+mn-cs"/>
+                  </a:defRPr>
+                </a:lvl8pPr>
+                <a:lvl9pPr marL="1700000" indent="-228600" algn="l" defTabSz="914400" rtl="0" eaLnBrk="1" latinLnBrk="0" hangingPunct="1">
+                  <a:lnSpc>
+                    <a:spcPct val="90000"/>
+                  </a:lnSpc>
+                  <a:spcBef>
+                    <a:spcPts val="200"/>
+                  </a:spcBef>
+                  <a:spcAft>
+                    <a:spcPts val="400"/>
+                  </a:spcAft>
+                  <a:buClr>
+                    <a:schemeClr val="accent1"/>
+                  </a:buClr>
+                  <a:buFont typeface="Calibri" pitchFamily="34" charset="0"/>
+                  <a:buChar char="◦"/>
+                  <a:defRPr sz="1400" kern="1200">
+                    <a:solidFill>
+                      <a:schemeClr val="tx1">
+                        <a:lumMod val="75000"/>
+                        <a:lumOff val="25000"/>
+                      </a:schemeClr>
+                    </a:solidFill>
+                    <a:latin typeface="+mn-lt"/>
+                    <a:ea typeface="+mn-ea"/>
+                    <a:cs typeface="+mn-cs"/>
+                  </a:defRPr>
+                </a:lvl9pPr>
+              </a:lstStyle>
+              <a:p>
+                <a14:m>
+                  <m:oMath xmlns:m="http://schemas.openxmlformats.org/officeDocument/2006/math">
+                    <m:sSub>
+                      <m:sSubPr>
+                        <m:ctrlPr>
+                          <a:rPr lang="fr-FR" sz="2000" b="0" i="1" smtClean="0">
+                            <a:latin typeface="Cambria Math" panose="02040503050406030204" pitchFamily="18" charset="0"/>
+                            <a:ea typeface="Cambria Math" panose="02040503050406030204" pitchFamily="18" charset="0"/>
+                          </a:rPr>
+                        </m:ctrlPr>
+                      </m:sSubPr>
+                      <m:e>
+                        <m:r>
+                          <a:rPr lang="fr-FR" sz="2000" i="1" smtClean="0">
+                            <a:latin typeface="Cambria Math" panose="02040503050406030204" pitchFamily="18" charset="0"/>
+                            <a:ea typeface="Cambria Math" panose="02040503050406030204" pitchFamily="18" charset="0"/>
+                          </a:rPr>
+                          <m:t>ℰ</m:t>
+                        </m:r>
+                      </m:e>
+                      <m:sub>
+                        <m:r>
+                          <a:rPr lang="fr-FR" sz="2000" b="0" i="1" smtClean="0">
+                            <a:latin typeface="Cambria Math" panose="02040503050406030204" pitchFamily="18" charset="0"/>
+                            <a:ea typeface="Cambria Math" panose="02040503050406030204" pitchFamily="18" charset="0"/>
+                          </a:rPr>
+                          <m:t>𝑐</m:t>
+                        </m:r>
+                      </m:sub>
+                    </m:sSub>
+                    <m:d>
+                      <m:dPr>
+                        <m:ctrlPr>
+                          <a:rPr lang="fr-FR" sz="2000" b="0" i="1" smtClean="0">
+                            <a:latin typeface="Cambria Math" panose="02040503050406030204" pitchFamily="18" charset="0"/>
+                            <a:ea typeface="Cambria Math" panose="02040503050406030204" pitchFamily="18" charset="0"/>
+                          </a:rPr>
+                        </m:ctrlPr>
+                      </m:dPr>
+                      <m:e>
+                        <m:r>
+                          <a:rPr lang="fr-FR" sz="2000" b="0" i="1" smtClean="0">
+                            <a:latin typeface="Cambria Math" panose="02040503050406030204" pitchFamily="18" charset="0"/>
+                            <a:ea typeface="Cambria Math" panose="02040503050406030204" pitchFamily="18" charset="0"/>
+                          </a:rPr>
+                          <m:t>𝐸</m:t>
+                        </m:r>
+                        <m:r>
+                          <m:rPr>
+                            <m:lit/>
+                          </m:rPr>
+                          <a:rPr lang="fr-FR" sz="2000" b="0" i="1" smtClean="0">
+                            <a:latin typeface="Cambria Math" panose="02040503050406030204" pitchFamily="18" charset="0"/>
+                            <a:ea typeface="Cambria Math" panose="02040503050406030204" pitchFamily="18" charset="0"/>
+                          </a:rPr>
+                          <m:t>/</m:t>
+                        </m:r>
+                        <m:r>
+                          <a:rPr lang="fr-FR" sz="2000" b="0" i="1" smtClean="0">
+                            <a:latin typeface="Cambria Math" panose="02040503050406030204" pitchFamily="18" charset="0"/>
+                            <a:ea typeface="Cambria Math" panose="02040503050406030204" pitchFamily="18" charset="0"/>
+                          </a:rPr>
+                          <m:t>0</m:t>
+                        </m:r>
+                      </m:e>
+                    </m:d>
+                    <m:r>
+                      <a:rPr lang="fr-FR" sz="2000" b="0" i="1" smtClean="0">
+                        <a:latin typeface="Cambria Math" panose="02040503050406030204" pitchFamily="18" charset="0"/>
+                        <a:ea typeface="Cambria Math" panose="02040503050406030204" pitchFamily="18" charset="0"/>
+                      </a:rPr>
+                      <m:t>=</m:t>
+                    </m:r>
+                    <m:f>
+                      <m:fPr>
+                        <m:ctrlPr>
+                          <a:rPr lang="fr-FR" sz="2000" b="0" i="1" smtClean="0">
+                            <a:latin typeface="Cambria Math" panose="02040503050406030204" pitchFamily="18" charset="0"/>
+                            <a:ea typeface="Cambria Math" panose="02040503050406030204" pitchFamily="18" charset="0"/>
+                          </a:rPr>
+                        </m:ctrlPr>
+                      </m:fPr>
+                      <m:num>
+                        <m:r>
+                          <a:rPr lang="fr-FR" sz="2000" b="0" i="1" smtClean="0">
+                            <a:latin typeface="Cambria Math" panose="02040503050406030204" pitchFamily="18" charset="0"/>
+                            <a:ea typeface="Cambria Math" panose="02040503050406030204" pitchFamily="18" charset="0"/>
+                          </a:rPr>
+                          <m:t>1</m:t>
+                        </m:r>
+                      </m:num>
+                      <m:den>
+                        <m:r>
+                          <a:rPr lang="fr-FR" sz="2000" b="0" i="1" smtClean="0">
+                            <a:latin typeface="Cambria Math" panose="02040503050406030204" pitchFamily="18" charset="0"/>
+                            <a:ea typeface="Cambria Math" panose="02040503050406030204" pitchFamily="18" charset="0"/>
+                          </a:rPr>
+                          <m:t>2</m:t>
+                        </m:r>
+                      </m:den>
+                    </m:f>
+                    <m:d>
+                      <m:dPr>
+                        <m:ctrlPr>
+                          <a:rPr lang="fr-FR" sz="2000" b="0" i="1" smtClean="0">
+                            <a:latin typeface="Cambria Math" panose="02040503050406030204" pitchFamily="18" charset="0"/>
+                            <a:ea typeface="Cambria Math" panose="02040503050406030204" pitchFamily="18" charset="0"/>
+                          </a:rPr>
+                        </m:ctrlPr>
+                      </m:dPr>
+                      <m:e>
+                        <m:sSub>
+                          <m:sSubPr>
+                            <m:ctrlPr>
+                              <a:rPr lang="fr-FR" sz="2000" i="1">
+                                <a:latin typeface="Cambria Math" panose="02040503050406030204" pitchFamily="18" charset="0"/>
+                                <a:ea typeface="Cambria Math" panose="02040503050406030204" pitchFamily="18" charset="0"/>
+                              </a:rPr>
+                            </m:ctrlPr>
+                          </m:sSubPr>
+                          <m:e>
+                            <m:r>
+                              <a:rPr lang="fr-FR" sz="2000" i="1">
+                                <a:latin typeface="Cambria Math" panose="02040503050406030204" pitchFamily="18" charset="0"/>
+                                <a:ea typeface="Cambria Math" panose="02040503050406030204" pitchFamily="18" charset="0"/>
+                              </a:rPr>
+                              <m:t>𝐽</m:t>
+                            </m:r>
+                          </m:e>
+                          <m:sub>
+                            <m:r>
+                              <a:rPr lang="fr-FR" sz="2000" i="1">
+                                <a:latin typeface="Cambria Math" panose="02040503050406030204" pitchFamily="18" charset="0"/>
+                                <a:ea typeface="Cambria Math" panose="02040503050406030204" pitchFamily="18" charset="0"/>
+                              </a:rPr>
+                              <m:t>𝑚</m:t>
+                            </m:r>
+                          </m:sub>
+                        </m:sSub>
+                        <m:r>
+                          <a:rPr lang="fr-FR" sz="2000" b="0" i="1" smtClean="0">
+                            <a:latin typeface="Cambria Math" panose="02040503050406030204" pitchFamily="18" charset="0"/>
+                            <a:ea typeface="Cambria Math" panose="02040503050406030204" pitchFamily="18" charset="0"/>
+                          </a:rPr>
+                          <m:t>+</m:t>
+                        </m:r>
+                        <m:sSub>
+                          <m:sSubPr>
+                            <m:ctrlPr>
+                              <a:rPr lang="fr-FR" sz="2000" b="0" i="1" smtClean="0">
+                                <a:latin typeface="Cambria Math" panose="02040503050406030204" pitchFamily="18" charset="0"/>
+                                <a:ea typeface="Cambria Math" panose="02040503050406030204" pitchFamily="18" charset="0"/>
+                              </a:rPr>
+                            </m:ctrlPr>
+                          </m:sSubPr>
+                          <m:e>
+                            <m:r>
+                              <a:rPr lang="fr-FR" sz="2000" b="0" i="1" smtClean="0">
+                                <a:latin typeface="Cambria Math" panose="02040503050406030204" pitchFamily="18" charset="0"/>
+                                <a:ea typeface="Cambria Math" panose="02040503050406030204" pitchFamily="18" charset="0"/>
+                              </a:rPr>
+                              <m:t>𝐽</m:t>
+                            </m:r>
+                          </m:e>
+                          <m:sub>
+                            <m:r>
+                              <a:rPr lang="fr-FR" sz="2000" b="0" i="1" smtClean="0">
+                                <a:latin typeface="Cambria Math" panose="02040503050406030204" pitchFamily="18" charset="0"/>
+                                <a:ea typeface="Cambria Math" panose="02040503050406030204" pitchFamily="18" charset="0"/>
+                              </a:rPr>
+                              <m:t>𝑟</m:t>
+                            </m:r>
+                          </m:sub>
+                        </m:sSub>
+                      </m:e>
+                    </m:d>
+                    <m:sSubSup>
+                      <m:sSubSupPr>
+                        <m:ctrlPr>
+                          <a:rPr lang="fr-FR" sz="2000" b="0" i="1" smtClean="0">
+                            <a:latin typeface="Cambria Math" panose="02040503050406030204" pitchFamily="18" charset="0"/>
+                            <a:ea typeface="Cambria Math" panose="02040503050406030204" pitchFamily="18" charset="0"/>
+                          </a:rPr>
+                        </m:ctrlPr>
+                      </m:sSubSupPr>
+                      <m:e>
+                        <m:r>
+                          <a:rPr lang="fr-FR" sz="2000" b="0" i="1" smtClean="0">
+                            <a:latin typeface="Cambria Math" panose="02040503050406030204" pitchFamily="18" charset="0"/>
+                            <a:ea typeface="Cambria Math" panose="02040503050406030204" pitchFamily="18" charset="0"/>
+                          </a:rPr>
+                          <m:t>𝜔</m:t>
+                        </m:r>
+                      </m:e>
+                      <m:sub>
+                        <m:r>
+                          <a:rPr lang="fr-FR" sz="2000" b="0" i="1" smtClean="0">
+                            <a:latin typeface="Cambria Math" panose="02040503050406030204" pitchFamily="18" charset="0"/>
+                            <a:ea typeface="Cambria Math" panose="02040503050406030204" pitchFamily="18" charset="0"/>
+                          </a:rPr>
+                          <m:t>𝑟</m:t>
+                        </m:r>
+                        <m:r>
+                          <m:rPr>
+                            <m:lit/>
+                          </m:rPr>
+                          <a:rPr lang="fr-FR" sz="2000" b="0" i="1" smtClean="0">
+                            <a:latin typeface="Cambria Math" panose="02040503050406030204" pitchFamily="18" charset="0"/>
+                            <a:ea typeface="Cambria Math" panose="02040503050406030204" pitchFamily="18" charset="0"/>
+                          </a:rPr>
+                          <m:t>/</m:t>
+                        </m:r>
+                        <m:r>
+                          <a:rPr lang="fr-FR" sz="2000" b="0" i="1" smtClean="0">
+                            <a:latin typeface="Cambria Math" panose="02040503050406030204" pitchFamily="18" charset="0"/>
+                            <a:ea typeface="Cambria Math" panose="02040503050406030204" pitchFamily="18" charset="0"/>
+                          </a:rPr>
+                          <m:t>𝑠</m:t>
+                        </m:r>
+                      </m:sub>
+                      <m:sup>
+                        <m:r>
+                          <a:rPr lang="fr-FR" sz="2000" b="0" i="1" smtClean="0">
+                            <a:latin typeface="Cambria Math" panose="02040503050406030204" pitchFamily="18" charset="0"/>
+                            <a:ea typeface="Cambria Math" panose="02040503050406030204" pitchFamily="18" charset="0"/>
+                          </a:rPr>
+                          <m:t>2</m:t>
+                        </m:r>
+                      </m:sup>
+                    </m:sSubSup>
+                    <m:r>
+                      <a:rPr lang="fr-FR" sz="2000" b="0" i="1" smtClean="0">
+                        <a:latin typeface="Cambria Math" panose="02040503050406030204" pitchFamily="18" charset="0"/>
+                        <a:ea typeface="Cambria Math" panose="02040503050406030204" pitchFamily="18" charset="0"/>
+                      </a:rPr>
+                      <m:t>+</m:t>
+                    </m:r>
+                    <m:f>
+                      <m:fPr>
+                        <m:ctrlPr>
+                          <a:rPr lang="fr-FR" sz="2000" i="1">
+                            <a:latin typeface="Cambria Math" panose="02040503050406030204" pitchFamily="18" charset="0"/>
+                            <a:ea typeface="Cambria Math" panose="02040503050406030204" pitchFamily="18" charset="0"/>
+                          </a:rPr>
+                        </m:ctrlPr>
+                      </m:fPr>
+                      <m:num>
+                        <m:r>
+                          <a:rPr lang="fr-FR" sz="2000" i="1">
+                            <a:latin typeface="Cambria Math" panose="02040503050406030204" pitchFamily="18" charset="0"/>
+                            <a:ea typeface="Cambria Math" panose="02040503050406030204" pitchFamily="18" charset="0"/>
+                          </a:rPr>
+                          <m:t>1</m:t>
+                        </m:r>
+                      </m:num>
+                      <m:den>
+                        <m:r>
+                          <a:rPr lang="fr-FR" sz="2000" i="1">
+                            <a:latin typeface="Cambria Math" panose="02040503050406030204" pitchFamily="18" charset="0"/>
+                            <a:ea typeface="Cambria Math" panose="02040503050406030204" pitchFamily="18" charset="0"/>
+                          </a:rPr>
+                          <m:t>2</m:t>
+                        </m:r>
+                      </m:den>
+                    </m:f>
+                    <m:sSub>
+                      <m:sSubPr>
+                        <m:ctrlPr>
+                          <a:rPr lang="fr-FR" sz="2000" i="1">
+                            <a:latin typeface="Cambria Math" panose="02040503050406030204" pitchFamily="18" charset="0"/>
+                            <a:ea typeface="Cambria Math" panose="02040503050406030204" pitchFamily="18" charset="0"/>
+                          </a:rPr>
+                        </m:ctrlPr>
+                      </m:sSubPr>
+                      <m:e>
+                        <m:r>
+                          <a:rPr lang="fr-FR" sz="2000" i="1">
+                            <a:latin typeface="Cambria Math" panose="02040503050406030204" pitchFamily="18" charset="0"/>
+                            <a:ea typeface="Cambria Math" panose="02040503050406030204" pitchFamily="18" charset="0"/>
+                          </a:rPr>
+                          <m:t>𝐽</m:t>
+                        </m:r>
+                      </m:e>
+                      <m:sub>
+                        <m:r>
+                          <a:rPr lang="fr-FR" sz="2000" b="0" i="1" smtClean="0">
+                            <a:latin typeface="Cambria Math" panose="02040503050406030204" pitchFamily="18" charset="0"/>
+                            <a:ea typeface="Cambria Math" panose="02040503050406030204" pitchFamily="18" charset="0"/>
+                          </a:rPr>
+                          <m:t>𝑝</m:t>
+                        </m:r>
+                      </m:sub>
+                    </m:sSub>
+                    <m:sSubSup>
+                      <m:sSubSupPr>
+                        <m:ctrlPr>
+                          <a:rPr lang="fr-FR" sz="2000" i="1">
+                            <a:latin typeface="Cambria Math" panose="02040503050406030204" pitchFamily="18" charset="0"/>
+                            <a:ea typeface="Cambria Math" panose="02040503050406030204" pitchFamily="18" charset="0"/>
+                          </a:rPr>
+                        </m:ctrlPr>
+                      </m:sSubSupPr>
+                      <m:e>
+                        <m:r>
+                          <a:rPr lang="fr-FR" sz="2000" i="1">
+                            <a:latin typeface="Cambria Math" panose="02040503050406030204" pitchFamily="18" charset="0"/>
+                            <a:ea typeface="Cambria Math" panose="02040503050406030204" pitchFamily="18" charset="0"/>
+                          </a:rPr>
+                          <m:t>𝜔</m:t>
+                        </m:r>
+                      </m:e>
+                      <m:sub>
+                        <m:r>
+                          <a:rPr lang="fr-FR" sz="2000" i="1">
+                            <a:latin typeface="Cambria Math" panose="02040503050406030204" pitchFamily="18" charset="0"/>
+                            <a:ea typeface="Cambria Math" panose="02040503050406030204" pitchFamily="18" charset="0"/>
+                          </a:rPr>
+                          <m:t>𝑟</m:t>
+                        </m:r>
+                        <m:r>
+                          <m:rPr>
+                            <m:lit/>
+                          </m:rPr>
+                          <a:rPr lang="fr-FR" sz="2000" i="1">
+                            <a:latin typeface="Cambria Math" panose="02040503050406030204" pitchFamily="18" charset="0"/>
+                            <a:ea typeface="Cambria Math" panose="02040503050406030204" pitchFamily="18" charset="0"/>
+                          </a:rPr>
+                          <m:t>/</m:t>
+                        </m:r>
+                        <m:r>
+                          <a:rPr lang="fr-FR" sz="2000" b="0" i="1" smtClean="0">
+                            <a:latin typeface="Cambria Math" panose="02040503050406030204" pitchFamily="18" charset="0"/>
+                            <a:ea typeface="Cambria Math" panose="02040503050406030204" pitchFamily="18" charset="0"/>
+                          </a:rPr>
+                          <m:t>0</m:t>
+                        </m:r>
+                      </m:sub>
+                      <m:sup>
+                        <m:r>
+                          <a:rPr lang="fr-FR" sz="2000" i="1">
+                            <a:latin typeface="Cambria Math" panose="02040503050406030204" pitchFamily="18" charset="0"/>
+                            <a:ea typeface="Cambria Math" panose="02040503050406030204" pitchFamily="18" charset="0"/>
+                          </a:rPr>
+                          <m:t>2</m:t>
+                        </m:r>
+                      </m:sup>
+                    </m:sSubSup>
+                    <m:r>
+                      <a:rPr lang="fr-FR" sz="2000" i="1">
+                        <a:latin typeface="Cambria Math" panose="02040503050406030204" pitchFamily="18" charset="0"/>
+                        <a:ea typeface="Cambria Math" panose="02040503050406030204" pitchFamily="18" charset="0"/>
+                      </a:rPr>
+                      <m:t>+</m:t>
+                    </m:r>
+                    <m:f>
+                      <m:fPr>
+                        <m:ctrlPr>
+                          <a:rPr lang="fr-FR" sz="2000" b="0" i="1" smtClean="0">
+                            <a:latin typeface="Cambria Math" panose="02040503050406030204" pitchFamily="18" charset="0"/>
+                            <a:ea typeface="Cambria Math" panose="02040503050406030204" pitchFamily="18" charset="0"/>
+                          </a:rPr>
+                        </m:ctrlPr>
+                      </m:fPr>
+                      <m:num>
+                        <m:r>
+                          <a:rPr lang="fr-FR" sz="2000" b="0" i="1" smtClean="0">
+                            <a:latin typeface="Cambria Math" panose="02040503050406030204" pitchFamily="18" charset="0"/>
+                            <a:ea typeface="Cambria Math" panose="02040503050406030204" pitchFamily="18" charset="0"/>
+                          </a:rPr>
+                          <m:t>1</m:t>
+                        </m:r>
+                      </m:num>
+                      <m:den>
+                        <m:r>
+                          <a:rPr lang="fr-FR" sz="2000" b="0" i="1" smtClean="0">
+                            <a:latin typeface="Cambria Math" panose="02040503050406030204" pitchFamily="18" charset="0"/>
+                            <a:ea typeface="Cambria Math" panose="02040503050406030204" pitchFamily="18" charset="0"/>
+                          </a:rPr>
+                          <m:t>2</m:t>
+                        </m:r>
+                      </m:den>
+                    </m:f>
+                    <m:d>
+                      <m:dPr>
+                        <m:ctrlPr>
+                          <a:rPr lang="fr-FR" sz="2000" b="0" i="1" smtClean="0">
+                            <a:latin typeface="Cambria Math" panose="02040503050406030204" pitchFamily="18" charset="0"/>
+                            <a:ea typeface="Cambria Math" panose="02040503050406030204" pitchFamily="18" charset="0"/>
+                          </a:rPr>
+                        </m:ctrlPr>
+                      </m:dPr>
+                      <m:e>
+                        <m:sSub>
+                          <m:sSubPr>
+                            <m:ctrlPr>
+                              <a:rPr lang="fr-FR" sz="2000" b="0" i="1" smtClean="0">
+                                <a:latin typeface="Cambria Math" panose="02040503050406030204" pitchFamily="18" charset="0"/>
+                                <a:ea typeface="Cambria Math" panose="02040503050406030204" pitchFamily="18" charset="0"/>
+                              </a:rPr>
+                            </m:ctrlPr>
+                          </m:sSubPr>
+                          <m:e>
+                            <m:r>
+                              <a:rPr lang="fr-FR" sz="2000" b="0" i="1" smtClean="0">
+                                <a:latin typeface="Cambria Math" panose="02040503050406030204" pitchFamily="18" charset="0"/>
+                                <a:ea typeface="Cambria Math" panose="02040503050406030204" pitchFamily="18" charset="0"/>
+                              </a:rPr>
+                              <m:t>𝑀</m:t>
+                            </m:r>
+                          </m:e>
+                          <m:sub>
+                            <m:r>
+                              <a:rPr lang="fr-FR" sz="2000" b="0" i="1" smtClean="0">
+                                <a:latin typeface="Cambria Math" panose="02040503050406030204" pitchFamily="18" charset="0"/>
+                                <a:ea typeface="Cambria Math" panose="02040503050406030204" pitchFamily="18" charset="0"/>
+                              </a:rPr>
+                              <m:t>𝑚</m:t>
+                            </m:r>
+                          </m:sub>
+                        </m:sSub>
+                        <m:r>
+                          <a:rPr lang="fr-FR" sz="2000" b="0" i="1" smtClean="0">
+                            <a:latin typeface="Cambria Math" panose="02040503050406030204" pitchFamily="18" charset="0"/>
+                            <a:ea typeface="Cambria Math" panose="02040503050406030204" pitchFamily="18" charset="0"/>
+                          </a:rPr>
+                          <m:t>+</m:t>
+                        </m:r>
+                        <m:sSub>
+                          <m:sSubPr>
+                            <m:ctrlPr>
+                              <a:rPr lang="fr-FR" sz="2000" b="0" i="1" smtClean="0">
+                                <a:latin typeface="Cambria Math" panose="02040503050406030204" pitchFamily="18" charset="0"/>
+                                <a:ea typeface="Cambria Math" panose="02040503050406030204" pitchFamily="18" charset="0"/>
+                              </a:rPr>
+                            </m:ctrlPr>
+                          </m:sSubPr>
+                          <m:e>
+                            <m:r>
+                              <a:rPr lang="fr-FR" sz="2000" b="0" i="1" smtClean="0">
+                                <a:latin typeface="Cambria Math" panose="02040503050406030204" pitchFamily="18" charset="0"/>
+                                <a:ea typeface="Cambria Math" panose="02040503050406030204" pitchFamily="18" charset="0"/>
+                              </a:rPr>
+                              <m:t>𝑀</m:t>
+                            </m:r>
+                          </m:e>
+                          <m:sub>
+                            <m:r>
+                              <a:rPr lang="fr-FR" sz="2000" b="0" i="1" smtClean="0">
+                                <a:latin typeface="Cambria Math" panose="02040503050406030204" pitchFamily="18" charset="0"/>
+                                <a:ea typeface="Cambria Math" panose="02040503050406030204" pitchFamily="18" charset="0"/>
+                              </a:rPr>
+                              <m:t>𝑎</m:t>
+                            </m:r>
+                          </m:sub>
+                        </m:sSub>
+                      </m:e>
+                    </m:d>
+                    <m:r>
+                      <a:rPr lang="fr-FR" sz="2000" b="0" i="1" smtClean="0">
+                        <a:latin typeface="Cambria Math" panose="02040503050406030204" pitchFamily="18" charset="0"/>
+                        <a:ea typeface="Cambria Math" panose="02040503050406030204" pitchFamily="18" charset="0"/>
+                      </a:rPr>
+                      <m:t>𝑉</m:t>
+                    </m:r>
+                    <m:sSup>
+                      <m:sSupPr>
+                        <m:ctrlPr>
+                          <a:rPr lang="fr-FR" sz="2000" b="0" i="1" smtClean="0">
+                            <a:latin typeface="Cambria Math" panose="02040503050406030204" pitchFamily="18" charset="0"/>
+                            <a:ea typeface="Cambria Math" panose="02040503050406030204" pitchFamily="18" charset="0"/>
+                          </a:rPr>
+                        </m:ctrlPr>
+                      </m:sSupPr>
+                      <m:e>
+                        <m:d>
+                          <m:dPr>
+                            <m:ctrlPr>
+                              <a:rPr lang="fr-FR" sz="2000" b="0" i="1" smtClean="0">
+                                <a:latin typeface="Cambria Math" panose="02040503050406030204" pitchFamily="18" charset="0"/>
+                                <a:ea typeface="Cambria Math" panose="02040503050406030204" pitchFamily="18" charset="0"/>
+                              </a:rPr>
+                            </m:ctrlPr>
+                          </m:dPr>
+                          <m:e>
+                            <m:r>
+                              <a:rPr lang="fr-FR" sz="2000" b="0" i="1" smtClean="0">
+                                <a:latin typeface="Cambria Math" panose="02040503050406030204" pitchFamily="18" charset="0"/>
+                                <a:ea typeface="Cambria Math" panose="02040503050406030204" pitchFamily="18" charset="0"/>
+                              </a:rPr>
+                              <m:t>𝑃</m:t>
+                            </m:r>
+                            <m:r>
+                              <a:rPr lang="fr-FR" sz="2000" b="0" i="1" smtClean="0">
+                                <a:latin typeface="Cambria Math" panose="02040503050406030204" pitchFamily="18" charset="0"/>
+                                <a:ea typeface="Cambria Math" panose="02040503050406030204" pitchFamily="18" charset="0"/>
+                              </a:rPr>
+                              <m:t>,</m:t>
+                            </m:r>
+                            <m:r>
+                              <a:rPr lang="fr-FR" sz="2000" b="0" i="1" smtClean="0">
+                                <a:latin typeface="Cambria Math" panose="02040503050406030204" pitchFamily="18" charset="0"/>
+                                <a:ea typeface="Cambria Math" panose="02040503050406030204" pitchFamily="18" charset="0"/>
+                              </a:rPr>
+                              <m:t>𝑎</m:t>
+                            </m:r>
+                            <m:r>
+                              <m:rPr>
+                                <m:lit/>
+                              </m:rPr>
+                              <a:rPr lang="fr-FR" sz="2000" b="0" i="1" smtClean="0">
+                                <a:latin typeface="Cambria Math" panose="02040503050406030204" pitchFamily="18" charset="0"/>
+                                <a:ea typeface="Cambria Math" panose="02040503050406030204" pitchFamily="18" charset="0"/>
+                              </a:rPr>
+                              <m:t>/</m:t>
+                            </m:r>
+                            <m:r>
+                              <a:rPr lang="fr-FR" sz="2000" b="0" i="1" smtClean="0">
+                                <a:latin typeface="Cambria Math" panose="02040503050406030204" pitchFamily="18" charset="0"/>
+                                <a:ea typeface="Cambria Math" panose="02040503050406030204" pitchFamily="18" charset="0"/>
+                              </a:rPr>
+                              <m:t>0</m:t>
+                            </m:r>
+                          </m:e>
+                        </m:d>
+                      </m:e>
+                      <m:sup>
+                        <m:r>
+                          <a:rPr lang="fr-FR" sz="2000" b="0" i="1" smtClean="0">
+                            <a:latin typeface="Cambria Math" panose="02040503050406030204" pitchFamily="18" charset="0"/>
+                            <a:ea typeface="Cambria Math" panose="02040503050406030204" pitchFamily="18" charset="0"/>
+                          </a:rPr>
+                          <m:t>2</m:t>
+                        </m:r>
+                      </m:sup>
+                    </m:sSup>
+                  </m:oMath>
+                </a14:m>
+                <a:endParaRPr lang="fr-FR" sz="3200" dirty="0"/>
+              </a:p>
+            </p:txBody>
+          </p:sp>
+        </mc:Choice>
+        <mc:Fallback>
+          <p:sp>
+            <p:nvSpPr>
+              <p:cNvPr id="4" name="Espace réservé du contenu 2">
+                <a:extLst>
+                  <a:ext uri="{FF2B5EF4-FFF2-40B4-BE49-F238E27FC236}">
+                    <a16:creationId xmlns:a16="http://schemas.microsoft.com/office/drawing/2014/main" id="{E7512A05-D1EA-5493-6918-5F2C2DCF52A2}"/>
+                  </a:ext>
+                </a:extLst>
+              </p:cNvPr>
+              <p:cNvSpPr txBox="1">
+                <a:spLocks noRot="1" noChangeAspect="1" noMove="1" noResize="1" noEditPoints="1" noAdjustHandles="1" noChangeArrowheads="1" noChangeShapeType="1" noTextEdit="1"/>
+              </p:cNvSpPr>
+              <p:nvPr/>
+            </p:nvSpPr>
+            <p:spPr>
+              <a:xfrm>
+                <a:off x="4659085" y="981887"/>
+                <a:ext cx="7184571" cy="5253339"/>
+              </a:xfrm>
+              <a:prstGeom prst="rect">
+                <a:avLst/>
+              </a:prstGeom>
+              <a:blipFill>
+                <a:blip r:embed="rId2"/>
+                <a:stretch>
+                  <a:fillRect l="-1612" r="-85"/>
+                </a:stretch>
+              </a:blipFill>
+            </p:spPr>
+            <p:txBody>
+              <a:bodyPr/>
+              <a:lstStyle/>
+              <a:p>
+                <a:r>
+                  <a:rPr lang="fr-FR">
+                    <a:noFill/>
+                  </a:rPr>
+                  <a:t> </a:t>
+                </a:r>
+              </a:p>
+            </p:txBody>
+          </p:sp>
+        </mc:Fallback>
+      </mc:AlternateContent>
     </p:spTree>
     <p:extLst>
       <p:ext uri="{BB962C8B-B14F-4D97-AF65-F5344CB8AC3E}">
@@ -4706,8 +5592,8 @@
           </a:p>
         </p:txBody>
       </p:sp>
-      <mc:AlternateContent xmlns:mc="http://schemas.openxmlformats.org/markup-compatibility/2006">
-        <mc:Choice xmlns:a14="http://schemas.microsoft.com/office/drawing/2010/main" Requires="a14">
+      <mc:AlternateContent xmlns:mc="http://schemas.openxmlformats.org/markup-compatibility/2006" xmlns:a14="http://schemas.microsoft.com/office/drawing/2010/main">
+        <mc:Choice Requires="a14">
           <p:sp>
             <p:nvSpPr>
               <p:cNvPr id="3" name="Espace réservé du contenu 2">
@@ -5006,7 +5892,7 @@
             </p:txBody>
           </p:sp>
         </mc:Choice>
-        <mc:Fallback>
+        <mc:Fallback xmlns="">
           <p:sp>
             <p:nvSpPr>
               <p:cNvPr id="3" name="Espace réservé du contenu 2">
@@ -5113,8 +5999,8 @@
           </a:p>
         </p:txBody>
       </p:sp>
-      <mc:AlternateContent xmlns:mc="http://schemas.openxmlformats.org/markup-compatibility/2006">
-        <mc:Choice xmlns:a14="http://schemas.microsoft.com/office/drawing/2010/main" Requires="a14">
+      <mc:AlternateContent xmlns:mc="http://schemas.openxmlformats.org/markup-compatibility/2006" xmlns:a14="http://schemas.microsoft.com/office/drawing/2010/main">
+        <mc:Choice Requires="a14">
           <p:sp>
             <p:nvSpPr>
               <p:cNvPr id="3" name="Espace réservé du contenu 2">
@@ -5352,7 +6238,7 @@
             </p:txBody>
           </p:sp>
         </mc:Choice>
-        <mc:Fallback>
+        <mc:Fallback xmlns="">
           <p:sp>
             <p:nvSpPr>
               <p:cNvPr id="3" name="Espace réservé du contenu 2">
@@ -10773,7 +11659,14 @@
                         <a:latin typeface="Cambria Math" panose="02040503050406030204" pitchFamily="18" charset="0"/>
                         <a:ea typeface="Cambria Math" panose="02040503050406030204" pitchFamily="18" charset="0"/>
                       </a:rPr>
-                      <m:t>=0</m:t>
+                      <m:t>=</m:t>
+                    </m:r>
+                    <m:r>
+                      <a:rPr lang="fr-FR" b="0" i="1" smtClean="0">
+                        <a:latin typeface="Cambria Math" panose="02040503050406030204" pitchFamily="18" charset="0"/>
+                        <a:ea typeface="Cambria Math" panose="02040503050406030204" pitchFamily="18" charset="0"/>
+                      </a:rPr>
+                      <m:t>0</m:t>
                     </m:r>
                   </m:oMath>
                 </a14:m>
@@ -10864,7 +11757,14 @@
                             <a:latin typeface="Cambria Math" panose="02040503050406030204" pitchFamily="18" charset="0"/>
                             <a:ea typeface="Cambria Math" panose="02040503050406030204" pitchFamily="18" charset="0"/>
                           </a:rPr>
-                          <m:t>0 </m:t>
+                          <m:t>0</m:t>
+                        </m:r>
+                        <m:r>
+                          <a:rPr lang="fr-FR" b="0" i="1" smtClean="0">
+                            <a:latin typeface="Cambria Math" panose="02040503050406030204" pitchFamily="18" charset="0"/>
+                            <a:ea typeface="Cambria Math" panose="02040503050406030204" pitchFamily="18" charset="0"/>
+                          </a:rPr>
+                          <m:t> </m:t>
                         </m:r>
                       </m:e>
                     </m:d>
@@ -11015,7 +11915,14 @@
                             <a:latin typeface="Cambria Math" panose="02040503050406030204" pitchFamily="18" charset="0"/>
                             <a:ea typeface="Cambria Math" panose="02040503050406030204" pitchFamily="18" charset="0"/>
                           </a:rPr>
-                          <m:t>0 </m:t>
+                          <m:t>0</m:t>
+                        </m:r>
+                        <m:r>
+                          <a:rPr lang="fr-FR" b="0" i="1" smtClean="0">
+                            <a:latin typeface="Cambria Math" panose="02040503050406030204" pitchFamily="18" charset="0"/>
+                            <a:ea typeface="Cambria Math" panose="02040503050406030204" pitchFamily="18" charset="0"/>
+                          </a:rPr>
+                          <m:t> </m:t>
                         </m:r>
                       </m:e>
                     </m:d>
@@ -12497,7 +13404,14 @@
                           <a:latin typeface="Cambria Math" panose="02040503050406030204" pitchFamily="18" charset="0"/>
                           <a:ea typeface="Cambria Math" panose="02040503050406030204" pitchFamily="18" charset="0"/>
                         </a:rPr>
-                        <m:t>=0</m:t>
+                        <m:t>=</m:t>
+                      </m:r>
+                      <m:r>
+                        <a:rPr lang="fr-FR" b="0" i="1" smtClean="0">
+                          <a:latin typeface="Cambria Math" panose="02040503050406030204" pitchFamily="18" charset="0"/>
+                          <a:ea typeface="Cambria Math" panose="02040503050406030204" pitchFamily="18" charset="0"/>
+                        </a:rPr>
+                        <m:t>0</m:t>
                       </m:r>
                     </m:oMath>
                   </m:oMathPara>
@@ -12847,13 +13761,7 @@
                           <a:rPr lang="fr-FR" b="0" i="1" smtClean="0">
                             <a:latin typeface="Cambria Math" panose="02040503050406030204" pitchFamily="18" charset="0"/>
                           </a:rPr>
-                          <m:t>𝑚</m:t>
-                        </m:r>
-                        <m:r>
-                          <a:rPr lang="fr-FR" b="0" i="1" smtClean="0">
-                            <a:latin typeface="Cambria Math" panose="02040503050406030204" pitchFamily="18" charset="0"/>
-                          </a:rPr>
-                          <m:t>h</m:t>
+                          <m:t>𝑚h</m:t>
                         </m:r>
                       </m:sub>
                     </m:sSub>
@@ -12904,13 +13812,7 @@
                       <a:rPr lang="fr-FR" b="0" i="1" smtClean="0">
                         <a:latin typeface="Cambria Math" panose="02040503050406030204" pitchFamily="18" charset="0"/>
                       </a:rPr>
-                      <m:t>=</m:t>
-                    </m:r>
-                    <m:r>
-                      <a:rPr lang="fr-FR" b="0" i="1" smtClean="0">
-                        <a:latin typeface="Cambria Math" panose="02040503050406030204" pitchFamily="18" charset="0"/>
-                      </a:rPr>
-                      <m:t>0</m:t>
+                      <m:t>=0</m:t>
                     </m:r>
                   </m:oMath>
                 </a14:m>
@@ -13000,13 +13902,7 @@
                       <a:rPr lang="fr-FR" b="0" i="1" smtClean="0">
                         <a:latin typeface="Cambria Math" panose="02040503050406030204" pitchFamily="18" charset="0"/>
                       </a:rPr>
-                      <m:t>=</m:t>
-                    </m:r>
-                    <m:r>
-                      <a:rPr lang="fr-FR" b="0" i="1" smtClean="0">
-                        <a:latin typeface="Cambria Math" panose="02040503050406030204" pitchFamily="18" charset="0"/>
-                      </a:rPr>
-                      <m:t>0</m:t>
+                      <m:t>=0</m:t>
                     </m:r>
                   </m:oMath>
                 </a14:m>
@@ -13037,13 +13933,7 @@
                           <a:rPr lang="fr-FR" b="0" i="1" smtClean="0">
                             <a:latin typeface="Cambria Math" panose="02040503050406030204" pitchFamily="18" charset="0"/>
                           </a:rPr>
-                          <m:t>𝑚</m:t>
-                        </m:r>
-                        <m:r>
-                          <a:rPr lang="fr-FR" b="0" i="1" smtClean="0">
-                            <a:latin typeface="Cambria Math" panose="02040503050406030204" pitchFamily="18" charset="0"/>
-                          </a:rPr>
-                          <m:t>h</m:t>
+                          <m:t>𝑚h</m:t>
                         </m:r>
                       </m:sub>
                     </m:sSub>
@@ -13082,13 +13972,7 @@
                       <a:rPr lang="fr-FR" b="0" i="1" smtClean="0">
                         <a:latin typeface="Cambria Math" panose="02040503050406030204" pitchFamily="18" charset="0"/>
                       </a:rPr>
-                      <m:t>=</m:t>
-                    </m:r>
-                    <m:r>
-                      <a:rPr lang="fr-FR" b="0" i="1" smtClean="0">
-                        <a:latin typeface="Cambria Math" panose="02040503050406030204" pitchFamily="18" charset="0"/>
-                      </a:rPr>
-                      <m:t>2</m:t>
+                      <m:t>=2</m:t>
                     </m:r>
                     <m:r>
                       <a:rPr lang="fr-FR" b="0" i="1" smtClean="0">
@@ -13144,13 +14028,7 @@
                               <a:rPr lang="fr-FR" i="1">
                                 <a:latin typeface="Cambria Math" panose="02040503050406030204" pitchFamily="18" charset="0"/>
                               </a:rPr>
-                              <m:t>𝑚</m:t>
-                            </m:r>
-                            <m:r>
-                              <a:rPr lang="fr-FR" i="1">
-                                <a:latin typeface="Cambria Math" panose="02040503050406030204" pitchFamily="18" charset="0"/>
-                              </a:rPr>
-                              <m:t>h</m:t>
+                              <m:t>𝑚h</m:t>
                             </m:r>
                           </m:sub>
                         </m:sSub>
@@ -13230,13 +14108,7 @@
                           <a:rPr lang="fr-FR" b="0" i="1" smtClean="0">
                             <a:latin typeface="Cambria Math" panose="02040503050406030204" pitchFamily="18" charset="0"/>
                           </a:rPr>
-                          <m:t>𝑚</m:t>
-                        </m:r>
-                        <m:r>
-                          <a:rPr lang="fr-FR" b="0" i="1" smtClean="0">
-                            <a:latin typeface="Cambria Math" panose="02040503050406030204" pitchFamily="18" charset="0"/>
-                          </a:rPr>
-                          <m:t>h</m:t>
+                          <m:t>𝑚h</m:t>
                         </m:r>
                       </m:sub>
                     </m:sSub>
@@ -13275,13 +14147,7 @@
                       <a:rPr lang="fr-FR" b="0" i="1" smtClean="0">
                         <a:latin typeface="Cambria Math" panose="02040503050406030204" pitchFamily="18" charset="0"/>
                       </a:rPr>
-                      <m:t>−</m:t>
-                    </m:r>
-                    <m:r>
-                      <a:rPr lang="fr-FR" b="0" i="1" smtClean="0">
-                        <a:latin typeface="Cambria Math" panose="02040503050406030204" pitchFamily="18" charset="0"/>
-                      </a:rPr>
-                      <m:t>2</m:t>
+                      <m:t>−2</m:t>
                     </m:r>
                     <m:sSub>
                       <m:sSubPr>
@@ -13312,19 +14178,7 @@
                       <a:rPr lang="fr-FR" b="0" i="1" smtClean="0">
                         <a:latin typeface="Cambria Math" panose="02040503050406030204" pitchFamily="18" charset="0"/>
                       </a:rPr>
-                      <m:t>=</m:t>
-                    </m:r>
-                    <m:r>
-                      <a:rPr lang="fr-FR" b="0" i="1" smtClean="0">
-                        <a:latin typeface="Cambria Math" panose="02040503050406030204" pitchFamily="18" charset="0"/>
-                      </a:rPr>
-                      <m:t>0</m:t>
-                    </m:r>
-                    <m:r>
-                      <a:rPr lang="fr-FR" b="0" i="1" smtClean="0">
-                        <a:latin typeface="Cambria Math" panose="02040503050406030204" pitchFamily="18" charset="0"/>
-                      </a:rPr>
-                      <m:t>⇒</m:t>
+                      <m:t>=0⇒</m:t>
                     </m:r>
                     <m:sSub>
                       <m:sSubPr>
@@ -13387,13 +14241,7 @@
                               <a:rPr lang="fr-FR" i="1">
                                 <a:latin typeface="Cambria Math" panose="02040503050406030204" pitchFamily="18" charset="0"/>
                               </a:rPr>
-                              <m:t>𝑚</m:t>
-                            </m:r>
-                            <m:r>
-                              <a:rPr lang="fr-FR" i="1">
-                                <a:latin typeface="Cambria Math" panose="02040503050406030204" pitchFamily="18" charset="0"/>
-                              </a:rPr>
-                              <m:t>h</m:t>
+                              <m:t>𝑚h</m:t>
                             </m:r>
                           </m:sub>
                         </m:sSub>
@@ -13807,31 +14655,7 @@
                       <a:rPr lang="fr-FR" i="1">
                         <a:latin typeface="Cambria Math" panose="02040503050406030204" pitchFamily="18" charset="0"/>
                       </a:rPr>
-                      <m:t>=</m:t>
-                    </m:r>
-                    <m:r>
-                      <a:rPr lang="fr-FR" i="1">
-                        <a:latin typeface="Cambria Math" panose="02040503050406030204" pitchFamily="18" charset="0"/>
-                      </a:rPr>
-                      <m:t>1</m:t>
-                    </m:r>
-                    <m:r>
-                      <a:rPr lang="fr-FR" i="1">
-                        <a:latin typeface="Cambria Math" panose="02040503050406030204" pitchFamily="18" charset="0"/>
-                      </a:rPr>
-                      <m:t>,</m:t>
-                    </m:r>
-                    <m:r>
-                      <a:rPr lang="fr-FR" i="1">
-                        <a:latin typeface="Cambria Math" panose="02040503050406030204" pitchFamily="18" charset="0"/>
-                      </a:rPr>
-                      <m:t>1</m:t>
-                    </m:r>
-                    <m:r>
-                      <a:rPr lang="fr-FR" i="1">
-                        <a:latin typeface="Cambria Math" panose="02040503050406030204" pitchFamily="18" charset="0"/>
-                      </a:rPr>
-                      <m:t> </m:t>
+                      <m:t>=1,1 </m:t>
                     </m:r>
                     <m:r>
                       <m:rPr>
@@ -13879,31 +14703,7 @@
                       <a:rPr lang="fr-FR" b="0" i="1" smtClean="0">
                         <a:latin typeface="Cambria Math" panose="02040503050406030204" pitchFamily="18" charset="0"/>
                       </a:rPr>
-                      <m:t>=</m:t>
-                    </m:r>
-                    <m:r>
-                      <a:rPr lang="fr-FR" b="0" i="1" smtClean="0">
-                        <a:latin typeface="Cambria Math" panose="02040503050406030204" pitchFamily="18" charset="0"/>
-                      </a:rPr>
-                      <m:t>0</m:t>
-                    </m:r>
-                    <m:r>
-                      <a:rPr lang="fr-FR" b="0" i="1" smtClean="0">
-                        <a:latin typeface="Cambria Math" panose="02040503050406030204" pitchFamily="18" charset="0"/>
-                      </a:rPr>
-                      <m:t>,</m:t>
-                    </m:r>
-                    <m:r>
-                      <a:rPr lang="fr-FR" b="0" i="1" smtClean="0">
-                        <a:latin typeface="Cambria Math" panose="02040503050406030204" pitchFamily="18" charset="0"/>
-                      </a:rPr>
-                      <m:t>0331</m:t>
-                    </m:r>
-                    <m:r>
-                      <a:rPr lang="fr-FR" b="0" i="1" smtClean="0">
-                        <a:latin typeface="Cambria Math" panose="02040503050406030204" pitchFamily="18" charset="0"/>
-                      </a:rPr>
-                      <m:t> </m:t>
+                      <m:t>=0,0331 </m:t>
                     </m:r>
                     <m:r>
                       <m:rPr>
@@ -13951,31 +14751,7 @@
                       <a:rPr lang="fr-FR" i="1">
                         <a:latin typeface="Cambria Math" panose="02040503050406030204" pitchFamily="18" charset="0"/>
                       </a:rPr>
-                      <m:t>=</m:t>
-                    </m:r>
-                    <m:r>
-                      <a:rPr lang="fr-FR" i="1">
-                        <a:latin typeface="Cambria Math" panose="02040503050406030204" pitchFamily="18" charset="0"/>
-                      </a:rPr>
-                      <m:t>31</m:t>
-                    </m:r>
-                    <m:r>
-                      <a:rPr lang="fr-FR" i="1">
-                        <a:latin typeface="Cambria Math" panose="02040503050406030204" pitchFamily="18" charset="0"/>
-                      </a:rPr>
-                      <m:t>,</m:t>
-                    </m:r>
-                    <m:r>
-                      <a:rPr lang="fr-FR" i="1">
-                        <a:latin typeface="Cambria Math" panose="02040503050406030204" pitchFamily="18" charset="0"/>
-                      </a:rPr>
-                      <m:t>79</m:t>
-                    </m:r>
-                    <m:r>
-                      <a:rPr lang="fr-FR" i="1">
-                        <a:latin typeface="Cambria Math" panose="02040503050406030204" pitchFamily="18" charset="0"/>
-                      </a:rPr>
-                      <m:t> </m:t>
+                      <m:t>=31,79 </m:t>
                     </m:r>
                     <m:r>
                       <m:rPr>
@@ -14023,31 +14799,7 @@
                       <a:rPr lang="fr-FR" b="0" i="1" smtClean="0">
                         <a:latin typeface="Cambria Math" panose="02040503050406030204" pitchFamily="18" charset="0"/>
                       </a:rPr>
-                      <m:t>=</m:t>
-                    </m:r>
-                    <m:r>
-                      <a:rPr lang="fr-FR" b="0" i="1" smtClean="0">
-                        <a:latin typeface="Cambria Math" panose="02040503050406030204" pitchFamily="18" charset="0"/>
-                      </a:rPr>
-                      <m:t>2</m:t>
-                    </m:r>
-                    <m:r>
-                      <a:rPr lang="fr-FR" b="0" i="1" smtClean="0">
-                        <a:latin typeface="Cambria Math" panose="02040503050406030204" pitchFamily="18" charset="0"/>
-                      </a:rPr>
-                      <m:t>,</m:t>
-                    </m:r>
-                    <m:r>
-                      <a:rPr lang="fr-FR" b="0" i="1" smtClean="0">
-                        <a:latin typeface="Cambria Math" panose="02040503050406030204" pitchFamily="18" charset="0"/>
-                      </a:rPr>
-                      <m:t>7</m:t>
-                    </m:r>
-                    <m:r>
-                      <a:rPr lang="fr-FR" b="0" i="1" smtClean="0">
-                        <a:latin typeface="Cambria Math" panose="02040503050406030204" pitchFamily="18" charset="0"/>
-                      </a:rPr>
-                      <m:t> </m:t>
+                      <m:t>=2,7 </m:t>
                     </m:r>
                     <m:r>
                       <m:rPr>
@@ -14087,13 +14839,7 @@
                           <a:rPr lang="fr-FR" b="0" i="1" smtClean="0">
                             <a:latin typeface="Cambria Math" panose="02040503050406030204" pitchFamily="18" charset="0"/>
                           </a:rPr>
-                          <m:t>𝑚</m:t>
-                        </m:r>
-                        <m:r>
-                          <a:rPr lang="fr-FR" b="0" i="1" smtClean="0">
-                            <a:latin typeface="Cambria Math" panose="02040503050406030204" pitchFamily="18" charset="0"/>
-                          </a:rPr>
-                          <m:t>h</m:t>
+                          <m:t>𝑚h</m:t>
                         </m:r>
                       </m:sub>
                     </m:sSub>
@@ -14101,31 +14847,7 @@
                       <a:rPr lang="fr-FR" b="0" i="1" smtClean="0">
                         <a:latin typeface="Cambria Math" panose="02040503050406030204" pitchFamily="18" charset="0"/>
                       </a:rPr>
-                      <m:t>=</m:t>
-                    </m:r>
-                    <m:r>
-                      <a:rPr lang="fr-FR" b="0" i="1" smtClean="0">
-                        <a:latin typeface="Cambria Math" panose="02040503050406030204" pitchFamily="18" charset="0"/>
-                      </a:rPr>
-                      <m:t>0</m:t>
-                    </m:r>
-                    <m:r>
-                      <a:rPr lang="fr-FR" b="0" i="1" smtClean="0">
-                        <a:latin typeface="Cambria Math" panose="02040503050406030204" pitchFamily="18" charset="0"/>
-                      </a:rPr>
-                      <m:t>,</m:t>
-                    </m:r>
-                    <m:r>
-                      <a:rPr lang="fr-FR" b="0" i="1" smtClean="0">
-                        <a:latin typeface="Cambria Math" panose="02040503050406030204" pitchFamily="18" charset="0"/>
-                      </a:rPr>
-                      <m:t>0813</m:t>
-                    </m:r>
-                    <m:r>
-                      <a:rPr lang="fr-FR" b="0" i="1" smtClean="0">
-                        <a:latin typeface="Cambria Math" panose="02040503050406030204" pitchFamily="18" charset="0"/>
-                      </a:rPr>
-                      <m:t> </m:t>
+                      <m:t>=0,0813 </m:t>
                     </m:r>
                     <m:r>
                       <m:rPr>
@@ -14165,13 +14887,7 @@
                           <a:rPr lang="fr-FR" b="0" i="1" smtClean="0">
                             <a:latin typeface="Cambria Math" panose="02040503050406030204" pitchFamily="18" charset="0"/>
                           </a:rPr>
-                          <m:t>𝑚</m:t>
-                        </m:r>
-                        <m:r>
-                          <a:rPr lang="fr-FR" b="0" i="1" smtClean="0">
-                            <a:latin typeface="Cambria Math" panose="02040503050406030204" pitchFamily="18" charset="0"/>
-                          </a:rPr>
-                          <m:t>h</m:t>
+                          <m:t>𝑚h</m:t>
                         </m:r>
                       </m:sub>
                     </m:sSub>
@@ -14179,19 +14895,7 @@
                       <a:rPr lang="fr-FR" i="1">
                         <a:latin typeface="Cambria Math" panose="02040503050406030204" pitchFamily="18" charset="0"/>
                       </a:rPr>
-                      <m:t>=</m:t>
-                    </m:r>
-                    <m:r>
-                      <a:rPr lang="fr-FR" i="1">
-                        <a:latin typeface="Cambria Math" panose="02040503050406030204" pitchFamily="18" charset="0"/>
-                      </a:rPr>
-                      <m:t>78</m:t>
-                    </m:r>
-                    <m:r>
-                      <a:rPr lang="fr-FR" i="1">
-                        <a:latin typeface="Cambria Math" panose="02040503050406030204" pitchFamily="18" charset="0"/>
-                      </a:rPr>
-                      <m:t> </m:t>
+                      <m:t>=78 </m:t>
                     </m:r>
                     <m:r>
                       <m:rPr>
@@ -14235,31 +14939,7 @@
                       <a:rPr lang="fr-FR" b="0" i="1" smtClean="0">
                         <a:latin typeface="Cambria Math" panose="02040503050406030204" pitchFamily="18" charset="0"/>
                       </a:rPr>
-                      <m:t>=</m:t>
-                    </m:r>
-                    <m:r>
-                      <a:rPr lang="fr-FR" b="0" i="1" smtClean="0">
-                        <a:latin typeface="Cambria Math" panose="02040503050406030204" pitchFamily="18" charset="0"/>
-                      </a:rPr>
-                      <m:t>5</m:t>
-                    </m:r>
-                    <m:r>
-                      <a:rPr lang="fr-FR" b="0" i="1" smtClean="0">
-                        <a:latin typeface="Cambria Math" panose="02040503050406030204" pitchFamily="18" charset="0"/>
-                      </a:rPr>
-                      <m:t>,</m:t>
-                    </m:r>
-                    <m:r>
-                      <a:rPr lang="fr-FR" b="0" i="1" smtClean="0">
-                        <a:latin typeface="Cambria Math" panose="02040503050406030204" pitchFamily="18" charset="0"/>
-                      </a:rPr>
-                      <m:t>59</m:t>
-                    </m:r>
-                    <m:r>
-                      <a:rPr lang="fr-FR" b="0" i="1" smtClean="0">
-                        <a:latin typeface="Cambria Math" panose="02040503050406030204" pitchFamily="18" charset="0"/>
-                      </a:rPr>
-                      <m:t> </m:t>
+                      <m:t>=5,59 </m:t>
                     </m:r>
                     <m:r>
                       <m:rPr>
@@ -14307,31 +14987,7 @@
                       <a:rPr lang="fr-FR" b="0" i="1" smtClean="0">
                         <a:latin typeface="Cambria Math" panose="02040503050406030204" pitchFamily="18" charset="0"/>
                       </a:rPr>
-                      <m:t>=</m:t>
-                    </m:r>
-                    <m:r>
-                      <a:rPr lang="fr-FR" b="0" i="1" smtClean="0">
-                        <a:latin typeface="Cambria Math" panose="02040503050406030204" pitchFamily="18" charset="0"/>
-                      </a:rPr>
-                      <m:t>20</m:t>
-                    </m:r>
-                    <m:r>
-                      <a:rPr lang="fr-FR" b="0" i="1" smtClean="0">
-                        <a:latin typeface="Cambria Math" panose="02040503050406030204" pitchFamily="18" charset="0"/>
-                      </a:rPr>
-                      <m:t> à </m:t>
-                    </m:r>
-                    <m:r>
-                      <a:rPr lang="fr-FR" b="0" i="1" smtClean="0">
-                        <a:latin typeface="Cambria Math" panose="02040503050406030204" pitchFamily="18" charset="0"/>
-                      </a:rPr>
-                      <m:t>23</m:t>
-                    </m:r>
-                    <m:r>
-                      <a:rPr lang="fr-FR" b="0" i="1" smtClean="0">
-                        <a:latin typeface="Cambria Math" panose="02040503050406030204" pitchFamily="18" charset="0"/>
-                      </a:rPr>
-                      <m:t> </m:t>
+                      <m:t>=20 à 23 </m:t>
                     </m:r>
                     <m:r>
                       <m:rPr>
@@ -14385,25 +15041,7 @@
                       <a:rPr lang="fr-FR" b="0" i="0" smtClean="0">
                         <a:latin typeface="Cambria Math" panose="02040503050406030204" pitchFamily="18" charset="0"/>
                       </a:rPr>
-                      <m:t>0</m:t>
-                    </m:r>
-                    <m:r>
-                      <a:rPr lang="fr-FR" b="0" i="0" smtClean="0">
-                        <a:latin typeface="Cambria Math" panose="02040503050406030204" pitchFamily="18" charset="0"/>
-                      </a:rPr>
-                      <m:t>,</m:t>
-                    </m:r>
-                    <m:r>
-                      <a:rPr lang="fr-FR" b="0" i="0" smtClean="0">
-                        <a:latin typeface="Cambria Math" panose="02040503050406030204" pitchFamily="18" charset="0"/>
-                      </a:rPr>
-                      <m:t>024</m:t>
-                    </m:r>
-                    <m:r>
-                      <a:rPr lang="fr-FR" b="0" i="0" smtClean="0">
-                        <a:latin typeface="Cambria Math" panose="02040503050406030204" pitchFamily="18" charset="0"/>
-                      </a:rPr>
-                      <m:t> </m:t>
+                      <m:t>0,024 </m:t>
                     </m:r>
                     <m:r>
                       <m:rPr>

--- a/04_Comax/04_Comax_Corrige.pptx
+++ b/04_Comax/04_Comax_Corrige.pptx
@@ -14,10 +14,11 @@
     <p:sldId id="270" r:id="rId8"/>
     <p:sldId id="272" r:id="rId9"/>
     <p:sldId id="271" r:id="rId10"/>
-    <p:sldId id="274" r:id="rId11"/>
-    <p:sldId id="275" r:id="rId12"/>
-    <p:sldId id="276" r:id="rId13"/>
-    <p:sldId id="277" r:id="rId14"/>
+    <p:sldId id="278" r:id="rId11"/>
+    <p:sldId id="274" r:id="rId12"/>
+    <p:sldId id="275" r:id="rId13"/>
+    <p:sldId id="276" r:id="rId14"/>
+    <p:sldId id="277" r:id="rId15"/>
   </p:sldIdLst>
   <p:sldSz cx="12192000" cy="6858000"/>
   <p:notesSz cx="6858000" cy="9144000"/>
@@ -364,7 +365,7 @@
           <a:p>
             <a:fld id="{D7F135F6-2A09-4FDD-9ECA-096E230CA0FA}" type="datetimeFigureOut">
               <a:rPr lang="fr-FR" smtClean="0"/>
-              <a:t>22/01/2024</a:t>
+              <a:t>27/01/2024</a:t>
             </a:fld>
             <a:endParaRPr lang="fr-FR"/>
           </a:p>
@@ -569,7 +570,7 @@
           <a:p>
             <a:fld id="{D7F135F6-2A09-4FDD-9ECA-096E230CA0FA}" type="datetimeFigureOut">
               <a:rPr lang="fr-FR" smtClean="0"/>
-              <a:t>22/01/2024</a:t>
+              <a:t>27/01/2024</a:t>
             </a:fld>
             <a:endParaRPr lang="fr-FR"/>
           </a:p>
@@ -825,7 +826,7 @@
           <a:p>
             <a:fld id="{D7F135F6-2A09-4FDD-9ECA-096E230CA0FA}" type="datetimeFigureOut">
               <a:rPr lang="fr-FR" smtClean="0"/>
-              <a:t>22/01/2024</a:t>
+              <a:t>27/01/2024</a:t>
             </a:fld>
             <a:endParaRPr lang="fr-FR"/>
           </a:p>
@@ -1031,7 +1032,7 @@
           <a:p>
             <a:fld id="{D7F135F6-2A09-4FDD-9ECA-096E230CA0FA}" type="datetimeFigureOut">
               <a:rPr lang="fr-FR" smtClean="0"/>
-              <a:t>22/01/2024</a:t>
+              <a:t>27/01/2024</a:t>
             </a:fld>
             <a:endParaRPr lang="fr-FR"/>
           </a:p>
@@ -1393,7 +1394,7 @@
           <a:p>
             <a:fld id="{D7F135F6-2A09-4FDD-9ECA-096E230CA0FA}" type="datetimeFigureOut">
               <a:rPr lang="fr-FR" smtClean="0"/>
-              <a:t>22/01/2024</a:t>
+              <a:t>27/01/2024</a:t>
             </a:fld>
             <a:endParaRPr lang="fr-FR"/>
           </a:p>
@@ -1668,7 +1669,7 @@
           <a:p>
             <a:fld id="{D7F135F6-2A09-4FDD-9ECA-096E230CA0FA}" type="datetimeFigureOut">
               <a:rPr lang="fr-FR" smtClean="0"/>
-              <a:t>22/01/2024</a:t>
+              <a:t>27/01/2024</a:t>
             </a:fld>
             <a:endParaRPr lang="fr-FR"/>
           </a:p>
@@ -2047,7 +2048,7 @@
           <a:p>
             <a:fld id="{D7F135F6-2A09-4FDD-9ECA-096E230CA0FA}" type="datetimeFigureOut">
               <a:rPr lang="fr-FR" smtClean="0"/>
-              <a:t>22/01/2024</a:t>
+              <a:t>27/01/2024</a:t>
             </a:fld>
             <a:endParaRPr lang="fr-FR"/>
           </a:p>
@@ -2165,7 +2166,7 @@
           <a:p>
             <a:fld id="{D7F135F6-2A09-4FDD-9ECA-096E230CA0FA}" type="datetimeFigureOut">
               <a:rPr lang="fr-FR" smtClean="0"/>
-              <a:t>22/01/2024</a:t>
+              <a:t>27/01/2024</a:t>
             </a:fld>
             <a:endParaRPr lang="fr-FR"/>
           </a:p>
@@ -2339,7 +2340,7 @@
           <a:p>
             <a:fld id="{D7F135F6-2A09-4FDD-9ECA-096E230CA0FA}" type="datetimeFigureOut">
               <a:rPr lang="fr-FR" smtClean="0"/>
-              <a:t>22/01/2024</a:t>
+              <a:t>27/01/2024</a:t>
             </a:fld>
             <a:endParaRPr lang="fr-FR"/>
           </a:p>
@@ -2696,7 +2697,7 @@
           <a:p>
             <a:fld id="{D7F135F6-2A09-4FDD-9ECA-096E230CA0FA}" type="datetimeFigureOut">
               <a:rPr lang="fr-FR" smtClean="0"/>
-              <a:t>22/01/2024</a:t>
+              <a:t>27/01/2024</a:t>
             </a:fld>
             <a:endParaRPr lang="fr-FR"/>
           </a:p>
@@ -3081,7 +3082,7 @@
           <a:p>
             <a:fld id="{D7F135F6-2A09-4FDD-9ECA-096E230CA0FA}" type="datetimeFigureOut">
               <a:rPr lang="fr-FR" smtClean="0"/>
-              <a:t>22/01/2024</a:t>
+              <a:t>27/01/2024</a:t>
             </a:fld>
             <a:endParaRPr lang="fr-FR"/>
           </a:p>
@@ -3371,7 +3372,7 @@
           <a:p>
             <a:fld id="{D7F135F6-2A09-4FDD-9ECA-096E230CA0FA}" type="datetimeFigureOut">
               <a:rPr lang="fr-FR" smtClean="0"/>
-              <a:t>22/01/2024</a:t>
+              <a:t>27/01/2024</a:t>
             </a:fld>
             <a:endParaRPr lang="fr-FR" dirty="0"/>
           </a:p>
@@ -4005,6 +4006,2395 @@
           <a:chExt cx="0" cy="0"/>
         </a:xfrm>
       </p:grpSpPr>
+      <p:pic>
+        <p:nvPicPr>
+          <p:cNvPr id="22" name="Image 21">
+            <a:extLst>
+              <a:ext uri="{FF2B5EF4-FFF2-40B4-BE49-F238E27FC236}">
+                <a16:creationId xmlns:a16="http://schemas.microsoft.com/office/drawing/2014/main" id="{77F0330D-2B6B-0150-1195-CA73F0C96D78}"/>
+              </a:ext>
+            </a:extLst>
+          </p:cNvPr>
+          <p:cNvPicPr>
+            <a:picLocks noChangeAspect="1"/>
+          </p:cNvPicPr>
+          <p:nvPr/>
+        </p:nvPicPr>
+        <p:blipFill>
+          <a:blip r:embed="rId2"/>
+          <a:stretch>
+            <a:fillRect/>
+          </a:stretch>
+        </p:blipFill>
+        <p:spPr>
+          <a:xfrm>
+            <a:off x="18157" y="4103586"/>
+            <a:ext cx="1144335" cy="2210230"/>
+          </a:xfrm>
+          <a:prstGeom prst="rect">
+            <a:avLst/>
+          </a:prstGeom>
+        </p:spPr>
+      </p:pic>
+      <p:sp>
+        <p:nvSpPr>
+          <p:cNvPr id="2" name="Titre 1">
+            <a:extLst>
+              <a:ext uri="{FF2B5EF4-FFF2-40B4-BE49-F238E27FC236}">
+                <a16:creationId xmlns:a16="http://schemas.microsoft.com/office/drawing/2014/main" id="{FA65BCFA-4E1C-6F10-2880-6849F538EA1D}"/>
+              </a:ext>
+            </a:extLst>
+          </p:cNvPr>
+          <p:cNvSpPr>
+            <a:spLocks noGrp="1"/>
+          </p:cNvSpPr>
+          <p:nvPr>
+            <p:ph type="title"/>
+          </p:nvPr>
+        </p:nvSpPr>
+        <p:spPr/>
+        <p:txBody>
+          <a:bodyPr/>
+          <a:lstStyle/>
+          <a:p>
+            <a:r>
+              <a:rPr lang="fr-FR" dirty="0"/>
+              <a:t>Modélisation</a:t>
+            </a:r>
+          </a:p>
+        </p:txBody>
+      </p:sp>
+      <p:sp>
+        <p:nvSpPr>
+          <p:cNvPr id="3" name="Espace réservé du contenu 2">
+            <a:extLst>
+              <a:ext uri="{FF2B5EF4-FFF2-40B4-BE49-F238E27FC236}">
+                <a16:creationId xmlns:a16="http://schemas.microsoft.com/office/drawing/2014/main" id="{649F1E50-AA20-B060-A17A-B154F60483F0}"/>
+              </a:ext>
+            </a:extLst>
+          </p:cNvPr>
+          <p:cNvSpPr>
+            <a:spLocks noGrp="1"/>
+          </p:cNvSpPr>
+          <p:nvPr>
+            <p:ph idx="1"/>
+          </p:nvPr>
+        </p:nvSpPr>
+        <p:spPr>
+          <a:xfrm>
+            <a:off x="5976257" y="981887"/>
+            <a:ext cx="6097948" cy="5253339"/>
+          </a:xfrm>
+        </p:spPr>
+        <p:txBody>
+          <a:bodyPr/>
+          <a:lstStyle/>
+          <a:p>
+            <a:endParaRPr lang="fr-FR" dirty="0"/>
+          </a:p>
+        </p:txBody>
+      </p:sp>
+      <p:sp>
+        <p:nvSpPr>
+          <p:cNvPr id="4" name="Rectangle : coins arrondis 15">
+            <a:extLst>
+              <a:ext uri="{FF2B5EF4-FFF2-40B4-BE49-F238E27FC236}">
+                <a16:creationId xmlns:a16="http://schemas.microsoft.com/office/drawing/2014/main" id="{65B3627A-3C72-7F56-BCED-D4E8F8AA030D}"/>
+              </a:ext>
+            </a:extLst>
+          </p:cNvPr>
+          <p:cNvSpPr/>
+          <p:nvPr/>
+        </p:nvSpPr>
+        <p:spPr>
+          <a:xfrm>
+            <a:off x="4170276" y="2410298"/>
+            <a:ext cx="1440000" cy="540000"/>
+          </a:xfrm>
+          <a:prstGeom prst="roundRect">
+            <a:avLst>
+              <a:gd name="adj" fmla="val 11914"/>
+            </a:avLst>
+          </a:prstGeom>
+          <a:noFill/>
+          <a:ln w="19050">
+            <a:solidFill>
+              <a:srgbClr val="68348B"/>
+            </a:solidFill>
+          </a:ln>
+        </p:spPr>
+        <p:style>
+          <a:lnRef idx="2">
+            <a:schemeClr val="accent1">
+              <a:shade val="50000"/>
+            </a:schemeClr>
+          </a:lnRef>
+          <a:fillRef idx="1">
+            <a:schemeClr val="accent1"/>
+          </a:fillRef>
+          <a:effectRef idx="0">
+            <a:schemeClr val="accent1"/>
+          </a:effectRef>
+          <a:fontRef idx="minor">
+            <a:schemeClr val="lt1"/>
+          </a:fontRef>
+        </p:style>
+        <p:txBody>
+          <a:bodyPr rtlCol="0" anchor="ctr"/>
+          <a:lstStyle/>
+          <a:p>
+            <a:pPr algn="ctr"/>
+            <a:r>
+              <a:rPr lang="fr-FR" sz="1400" dirty="0">
+                <a:solidFill>
+                  <a:srgbClr val="68348B"/>
+                </a:solidFill>
+                <a:latin typeface="Arial Nova" panose="020B0504020202020204" pitchFamily="34" charset="0"/>
+              </a:rPr>
+              <a:t>Convertir</a:t>
+            </a:r>
+          </a:p>
+        </p:txBody>
+      </p:sp>
+      <p:sp>
+        <p:nvSpPr>
+          <p:cNvPr id="5" name="Rectangle : coins arrondis 17">
+            <a:extLst>
+              <a:ext uri="{FF2B5EF4-FFF2-40B4-BE49-F238E27FC236}">
+                <a16:creationId xmlns:a16="http://schemas.microsoft.com/office/drawing/2014/main" id="{7AB96648-21A7-8917-9B1E-BD9756348613}"/>
+              </a:ext>
+            </a:extLst>
+          </p:cNvPr>
+          <p:cNvSpPr/>
+          <p:nvPr/>
+        </p:nvSpPr>
+        <p:spPr>
+          <a:xfrm>
+            <a:off x="6332265" y="2413405"/>
+            <a:ext cx="1365662" cy="534390"/>
+          </a:xfrm>
+          <a:prstGeom prst="roundRect">
+            <a:avLst>
+              <a:gd name="adj" fmla="val 11914"/>
+            </a:avLst>
+          </a:prstGeom>
+          <a:noFill/>
+          <a:ln w="19050">
+            <a:solidFill>
+              <a:srgbClr val="EE685D"/>
+            </a:solidFill>
+          </a:ln>
+        </p:spPr>
+        <p:style>
+          <a:lnRef idx="2">
+            <a:schemeClr val="accent1">
+              <a:shade val="50000"/>
+            </a:schemeClr>
+          </a:lnRef>
+          <a:fillRef idx="1">
+            <a:schemeClr val="accent1"/>
+          </a:fillRef>
+          <a:effectRef idx="0">
+            <a:schemeClr val="accent1"/>
+          </a:effectRef>
+          <a:fontRef idx="minor">
+            <a:schemeClr val="lt1"/>
+          </a:fontRef>
+        </p:style>
+        <p:txBody>
+          <a:bodyPr rtlCol="0" anchor="ctr"/>
+          <a:lstStyle/>
+          <a:p>
+            <a:pPr algn="ctr"/>
+            <a:r>
+              <a:rPr lang="fr-FR" sz="1400" dirty="0">
+                <a:solidFill>
+                  <a:srgbClr val="EE685D"/>
+                </a:solidFill>
+                <a:latin typeface="Arial Nova" panose="020B0504020202020204" pitchFamily="34" charset="0"/>
+              </a:rPr>
+              <a:t>Transmettre</a:t>
+            </a:r>
+          </a:p>
+        </p:txBody>
+      </p:sp>
+      <p:sp>
+        <p:nvSpPr>
+          <p:cNvPr id="7" name="Rectangle : coins arrondis 6">
+            <a:extLst>
+              <a:ext uri="{FF2B5EF4-FFF2-40B4-BE49-F238E27FC236}">
+                <a16:creationId xmlns:a16="http://schemas.microsoft.com/office/drawing/2014/main" id="{0A29FE64-658D-6639-76FD-401952519008}"/>
+              </a:ext>
+            </a:extLst>
+          </p:cNvPr>
+          <p:cNvSpPr/>
+          <p:nvPr/>
+        </p:nvSpPr>
+        <p:spPr>
+          <a:xfrm>
+            <a:off x="3450276" y="1963423"/>
+            <a:ext cx="1440000" cy="540000"/>
+          </a:xfrm>
+          <a:prstGeom prst="roundRect">
+            <a:avLst>
+              <a:gd name="adj" fmla="val 11914"/>
+            </a:avLst>
+          </a:prstGeom>
+          <a:noFill/>
+          <a:ln w="19050">
+            <a:solidFill>
+              <a:srgbClr val="004F77"/>
+            </a:solidFill>
+          </a:ln>
+        </p:spPr>
+        <p:style>
+          <a:lnRef idx="2">
+            <a:schemeClr val="accent1">
+              <a:shade val="50000"/>
+            </a:schemeClr>
+          </a:lnRef>
+          <a:fillRef idx="1">
+            <a:schemeClr val="accent1"/>
+          </a:fillRef>
+          <a:effectRef idx="0">
+            <a:schemeClr val="accent1"/>
+          </a:effectRef>
+          <a:fontRef idx="minor">
+            <a:schemeClr val="lt1"/>
+          </a:fontRef>
+        </p:style>
+        <p:txBody>
+          <a:bodyPr rtlCol="0" anchor="ctr"/>
+          <a:lstStyle/>
+          <a:p>
+            <a:pPr algn="ctr"/>
+            <a:r>
+              <a:rPr lang="fr-FR" sz="1400" dirty="0">
+                <a:solidFill>
+                  <a:srgbClr val="004F77"/>
+                </a:solidFill>
+                <a:latin typeface="Arial Nova" panose="020B0504020202020204" pitchFamily="34" charset="0"/>
+              </a:rPr>
+              <a:t>Acquérir</a:t>
+            </a:r>
+          </a:p>
+        </p:txBody>
+      </p:sp>
+      <p:sp>
+        <p:nvSpPr>
+          <p:cNvPr id="8" name="Rectangle : coins arrondis 7">
+            <a:extLst>
+              <a:ext uri="{FF2B5EF4-FFF2-40B4-BE49-F238E27FC236}">
+                <a16:creationId xmlns:a16="http://schemas.microsoft.com/office/drawing/2014/main" id="{845897D0-4AA1-7CED-4A37-56A9A9613FAC}"/>
+              </a:ext>
+            </a:extLst>
+          </p:cNvPr>
+          <p:cNvSpPr/>
+          <p:nvPr/>
+        </p:nvSpPr>
+        <p:spPr>
+          <a:xfrm>
+            <a:off x="7782690" y="1939546"/>
+            <a:ext cx="1440000" cy="576000"/>
+          </a:xfrm>
+          <a:prstGeom prst="roundRect">
+            <a:avLst>
+              <a:gd name="adj" fmla="val 11914"/>
+            </a:avLst>
+          </a:prstGeom>
+          <a:noFill/>
+          <a:ln w="19050">
+            <a:solidFill>
+              <a:srgbClr val="08A559"/>
+            </a:solidFill>
+          </a:ln>
+        </p:spPr>
+        <p:style>
+          <a:lnRef idx="2">
+            <a:schemeClr val="accent1">
+              <a:shade val="50000"/>
+            </a:schemeClr>
+          </a:lnRef>
+          <a:fillRef idx="1">
+            <a:schemeClr val="accent1"/>
+          </a:fillRef>
+          <a:effectRef idx="0">
+            <a:schemeClr val="accent1"/>
+          </a:effectRef>
+          <a:fontRef idx="minor">
+            <a:schemeClr val="lt1"/>
+          </a:fontRef>
+        </p:style>
+        <p:txBody>
+          <a:bodyPr rtlCol="0" anchor="ctr"/>
+          <a:lstStyle/>
+          <a:p>
+            <a:pPr algn="ctr"/>
+            <a:r>
+              <a:rPr lang="fr-FR" sz="1400" dirty="0">
+                <a:solidFill>
+                  <a:srgbClr val="08A559"/>
+                </a:solidFill>
+                <a:latin typeface="Arial Nova" panose="020B0504020202020204" pitchFamily="34" charset="0"/>
+              </a:rPr>
+              <a:t>Communiquer</a:t>
+            </a:r>
+          </a:p>
+        </p:txBody>
+      </p:sp>
+      <p:sp>
+        <p:nvSpPr>
+          <p:cNvPr id="9" name="Rectangle : coins arrondis 8">
+            <a:extLst>
+              <a:ext uri="{FF2B5EF4-FFF2-40B4-BE49-F238E27FC236}">
+                <a16:creationId xmlns:a16="http://schemas.microsoft.com/office/drawing/2014/main" id="{680AEFE4-A7B7-CB6F-D212-789FFDF7FCC3}"/>
+              </a:ext>
+            </a:extLst>
+          </p:cNvPr>
+          <p:cNvSpPr/>
+          <p:nvPr/>
+        </p:nvSpPr>
+        <p:spPr>
+          <a:xfrm>
+            <a:off x="3450276" y="3956277"/>
+            <a:ext cx="1440000" cy="540000"/>
+          </a:xfrm>
+          <a:prstGeom prst="roundRect">
+            <a:avLst>
+              <a:gd name="adj" fmla="val 11914"/>
+            </a:avLst>
+          </a:prstGeom>
+          <a:noFill/>
+          <a:ln w="19050">
+            <a:solidFill>
+              <a:srgbClr val="FDAD57"/>
+            </a:solidFill>
+          </a:ln>
+        </p:spPr>
+        <p:style>
+          <a:lnRef idx="2">
+            <a:schemeClr val="accent1">
+              <a:shade val="50000"/>
+            </a:schemeClr>
+          </a:lnRef>
+          <a:fillRef idx="1">
+            <a:schemeClr val="accent1"/>
+          </a:fillRef>
+          <a:effectRef idx="0">
+            <a:schemeClr val="accent1"/>
+          </a:effectRef>
+          <a:fontRef idx="minor">
+            <a:schemeClr val="lt1"/>
+          </a:fontRef>
+        </p:style>
+        <p:txBody>
+          <a:bodyPr rtlCol="0" anchor="ctr"/>
+          <a:lstStyle/>
+          <a:p>
+            <a:pPr algn="ctr"/>
+            <a:r>
+              <a:rPr lang="fr-FR" sz="1400" dirty="0">
+                <a:solidFill>
+                  <a:srgbClr val="FDAD57"/>
+                </a:solidFill>
+                <a:latin typeface="Arial Nova" panose="020B0504020202020204" pitchFamily="34" charset="0"/>
+              </a:rPr>
+              <a:t>Alimenter</a:t>
+            </a:r>
+          </a:p>
+        </p:txBody>
+      </p:sp>
+      <p:sp>
+        <p:nvSpPr>
+          <p:cNvPr id="10" name="Rectangle : coins arrondis 9">
+            <a:extLst>
+              <a:ext uri="{FF2B5EF4-FFF2-40B4-BE49-F238E27FC236}">
+                <a16:creationId xmlns:a16="http://schemas.microsoft.com/office/drawing/2014/main" id="{5B8CBF83-F231-746D-A03F-9AC26E21FAB2}"/>
+              </a:ext>
+            </a:extLst>
+          </p:cNvPr>
+          <p:cNvSpPr/>
+          <p:nvPr/>
+        </p:nvSpPr>
+        <p:spPr>
+          <a:xfrm>
+            <a:off x="5612265" y="3951514"/>
+            <a:ext cx="1440000" cy="540000"/>
+          </a:xfrm>
+          <a:prstGeom prst="roundRect">
+            <a:avLst>
+              <a:gd name="adj" fmla="val 11914"/>
+            </a:avLst>
+          </a:prstGeom>
+          <a:noFill/>
+          <a:ln w="19050">
+            <a:solidFill>
+              <a:srgbClr val="0C7391"/>
+            </a:solidFill>
+          </a:ln>
+        </p:spPr>
+        <p:style>
+          <a:lnRef idx="2">
+            <a:schemeClr val="accent1">
+              <a:shade val="50000"/>
+            </a:schemeClr>
+          </a:lnRef>
+          <a:fillRef idx="1">
+            <a:schemeClr val="accent1"/>
+          </a:fillRef>
+          <a:effectRef idx="0">
+            <a:schemeClr val="accent1"/>
+          </a:effectRef>
+          <a:fontRef idx="minor">
+            <a:schemeClr val="lt1"/>
+          </a:fontRef>
+        </p:style>
+        <p:txBody>
+          <a:bodyPr rtlCol="0" anchor="ctr"/>
+          <a:lstStyle/>
+          <a:p>
+            <a:pPr algn="ctr"/>
+            <a:r>
+              <a:rPr lang="fr-FR" sz="1400" dirty="0">
+                <a:solidFill>
+                  <a:srgbClr val="0C7391"/>
+                </a:solidFill>
+                <a:latin typeface="Arial Nova" panose="020B0504020202020204" pitchFamily="34" charset="0"/>
+              </a:rPr>
+              <a:t>Distribuer</a:t>
+            </a:r>
+          </a:p>
+        </p:txBody>
+      </p:sp>
+      <p:sp>
+        <p:nvSpPr>
+          <p:cNvPr id="16" name="Rectangle : coins arrondis 15">
+            <a:extLst>
+              <a:ext uri="{FF2B5EF4-FFF2-40B4-BE49-F238E27FC236}">
+                <a16:creationId xmlns:a16="http://schemas.microsoft.com/office/drawing/2014/main" id="{9B7A1F22-9E70-EF06-501D-56F534870FED}"/>
+              </a:ext>
+            </a:extLst>
+          </p:cNvPr>
+          <p:cNvSpPr/>
+          <p:nvPr/>
+        </p:nvSpPr>
+        <p:spPr>
+          <a:xfrm>
+            <a:off x="2882694" y="4864496"/>
+            <a:ext cx="1440000" cy="540000"/>
+          </a:xfrm>
+          <a:prstGeom prst="roundRect">
+            <a:avLst>
+              <a:gd name="adj" fmla="val 11914"/>
+            </a:avLst>
+          </a:prstGeom>
+          <a:solidFill>
+            <a:srgbClr val="C3AED1"/>
+          </a:solidFill>
+          <a:ln w="19050">
+            <a:solidFill>
+              <a:srgbClr val="C3AED1"/>
+            </a:solidFill>
+          </a:ln>
+        </p:spPr>
+        <p:style>
+          <a:lnRef idx="2">
+            <a:schemeClr val="accent1">
+              <a:shade val="50000"/>
+            </a:schemeClr>
+          </a:lnRef>
+          <a:fillRef idx="1">
+            <a:schemeClr val="accent1"/>
+          </a:fillRef>
+          <a:effectRef idx="0">
+            <a:schemeClr val="accent1"/>
+          </a:effectRef>
+          <a:fontRef idx="minor">
+            <a:schemeClr val="lt1"/>
+          </a:fontRef>
+        </p:style>
+        <p:txBody>
+          <a:bodyPr rtlCol="0" anchor="ctr"/>
+          <a:lstStyle/>
+          <a:p>
+            <a:pPr algn="ctr"/>
+            <a:r>
+              <a:rPr lang="fr-FR" sz="1200" dirty="0">
+                <a:solidFill>
+                  <a:srgbClr val="68348B"/>
+                </a:solidFill>
+                <a:latin typeface="Arial Nova" panose="020B0504020202020204" pitchFamily="34" charset="0"/>
+              </a:rPr>
+              <a:t>Moteur à courant continu</a:t>
+            </a:r>
+          </a:p>
+        </p:txBody>
+      </p:sp>
+      <p:grpSp>
+        <p:nvGrpSpPr>
+          <p:cNvPr id="21" name="Groupe 20">
+            <a:extLst>
+              <a:ext uri="{FF2B5EF4-FFF2-40B4-BE49-F238E27FC236}">
+                <a16:creationId xmlns:a16="http://schemas.microsoft.com/office/drawing/2014/main" id="{FD3BC413-285F-CB58-58F0-8A4DFC6DF3F8}"/>
+              </a:ext>
+            </a:extLst>
+          </p:cNvPr>
+          <p:cNvGrpSpPr/>
+          <p:nvPr/>
+        </p:nvGrpSpPr>
+        <p:grpSpPr>
+          <a:xfrm>
+            <a:off x="215285" y="1885789"/>
+            <a:ext cx="742857" cy="432000"/>
+            <a:chOff x="647085" y="2152383"/>
+            <a:chExt cx="742857" cy="432000"/>
+          </a:xfrm>
+        </p:grpSpPr>
+        <p:sp>
+          <p:nvSpPr>
+            <p:cNvPr id="6" name="Ellipse 5">
+              <a:extLst>
+                <a:ext uri="{FF2B5EF4-FFF2-40B4-BE49-F238E27FC236}">
+                  <a16:creationId xmlns:a16="http://schemas.microsoft.com/office/drawing/2014/main" id="{D496010F-FB1D-0454-CAC2-27629C4AB8F0}"/>
+                </a:ext>
+              </a:extLst>
+            </p:cNvPr>
+            <p:cNvSpPr/>
+            <p:nvPr/>
+          </p:nvSpPr>
+          <p:spPr>
+            <a:xfrm>
+              <a:off x="957942" y="2152383"/>
+              <a:ext cx="432000" cy="432000"/>
+            </a:xfrm>
+            <a:prstGeom prst="ellipse">
+              <a:avLst/>
+            </a:prstGeom>
+            <a:noFill/>
+            <a:ln w="19050">
+              <a:solidFill>
+                <a:srgbClr val="68348B"/>
+              </a:solidFill>
+            </a:ln>
+          </p:spPr>
+          <p:style>
+            <a:lnRef idx="2">
+              <a:schemeClr val="accent1">
+                <a:shade val="50000"/>
+              </a:schemeClr>
+            </a:lnRef>
+            <a:fillRef idx="1">
+              <a:schemeClr val="accent1"/>
+            </a:fillRef>
+            <a:effectRef idx="0">
+              <a:schemeClr val="accent1"/>
+            </a:effectRef>
+            <a:fontRef idx="minor">
+              <a:schemeClr val="lt1"/>
+            </a:fontRef>
+          </p:style>
+          <p:txBody>
+            <a:bodyPr rtlCol="0" anchor="ctr"/>
+            <a:lstStyle/>
+            <a:p>
+              <a:pPr algn="ctr"/>
+              <a:r>
+                <a:rPr lang="fr-FR" sz="1400" dirty="0">
+                  <a:solidFill>
+                    <a:srgbClr val="68348B"/>
+                  </a:solidFill>
+                  <a:latin typeface="Arial Nova" panose="020B0504020202020204" pitchFamily="34" charset="0"/>
+                </a:rPr>
+                <a:t>B</a:t>
+              </a:r>
+            </a:p>
+          </p:txBody>
+        </p:sp>
+        <p:grpSp>
+          <p:nvGrpSpPr>
+            <p:cNvPr id="17" name="Groupe 16">
+              <a:extLst>
+                <a:ext uri="{FF2B5EF4-FFF2-40B4-BE49-F238E27FC236}">
+                  <a16:creationId xmlns:a16="http://schemas.microsoft.com/office/drawing/2014/main" id="{98935AF5-F4EA-FDD6-319F-4CD5B5AFF5BD}"/>
+                </a:ext>
+              </a:extLst>
+            </p:cNvPr>
+            <p:cNvGrpSpPr/>
+            <p:nvPr/>
+          </p:nvGrpSpPr>
+          <p:grpSpPr>
+            <a:xfrm rot="5400000">
+              <a:off x="622923" y="2212954"/>
+              <a:ext cx="359181" cy="310857"/>
+              <a:chOff x="771193" y="3008074"/>
+              <a:chExt cx="359181" cy="310857"/>
+            </a:xfrm>
+          </p:grpSpPr>
+          <p:cxnSp>
+            <p:nvCxnSpPr>
+              <p:cNvPr id="14" name="Connecteur droit 13">
+                <a:extLst>
+                  <a:ext uri="{FF2B5EF4-FFF2-40B4-BE49-F238E27FC236}">
+                    <a16:creationId xmlns:a16="http://schemas.microsoft.com/office/drawing/2014/main" id="{175FA55B-88C5-C835-8FDB-5F131BC03573}"/>
+                  </a:ext>
+                </a:extLst>
+              </p:cNvPr>
+              <p:cNvCxnSpPr/>
+              <p:nvPr/>
+            </p:nvCxnSpPr>
+            <p:spPr>
+              <a:xfrm flipH="1">
+                <a:off x="951990" y="3008074"/>
+                <a:ext cx="0" cy="180000"/>
+              </a:xfrm>
+              <a:prstGeom prst="line">
+                <a:avLst/>
+              </a:prstGeom>
+              <a:noFill/>
+              <a:ln w="19050">
+                <a:solidFill>
+                  <a:srgbClr val="68348B"/>
+                </a:solidFill>
+              </a:ln>
+            </p:spPr>
+            <p:style>
+              <a:lnRef idx="2">
+                <a:schemeClr val="accent1">
+                  <a:shade val="50000"/>
+                </a:schemeClr>
+              </a:lnRef>
+              <a:fillRef idx="1">
+                <a:schemeClr val="accent1"/>
+              </a:fillRef>
+              <a:effectRef idx="0">
+                <a:schemeClr val="accent1"/>
+              </a:effectRef>
+              <a:fontRef idx="minor">
+                <a:schemeClr val="lt1"/>
+              </a:fontRef>
+            </p:style>
+          </p:cxnSp>
+          <p:sp>
+            <p:nvSpPr>
+              <p:cNvPr id="15" name="Rectangle 14">
+                <a:extLst>
+                  <a:ext uri="{FF2B5EF4-FFF2-40B4-BE49-F238E27FC236}">
+                    <a16:creationId xmlns:a16="http://schemas.microsoft.com/office/drawing/2014/main" id="{695DFD61-58E8-5A03-AB69-8F9DD8D701D0}"/>
+                  </a:ext>
+                </a:extLst>
+              </p:cNvPr>
+              <p:cNvSpPr/>
+              <p:nvPr/>
+            </p:nvSpPr>
+            <p:spPr>
+              <a:xfrm>
+                <a:off x="771194" y="3188074"/>
+                <a:ext cx="359180" cy="130857"/>
+              </a:xfrm>
+              <a:prstGeom prst="rect">
+                <a:avLst/>
+              </a:prstGeom>
+              <a:solidFill>
+                <a:srgbClr val="C3AED1"/>
+              </a:solidFill>
+              <a:ln>
+                <a:noFill/>
+              </a:ln>
+            </p:spPr>
+            <p:style>
+              <a:lnRef idx="2">
+                <a:schemeClr val="accent1">
+                  <a:shade val="15000"/>
+                </a:schemeClr>
+              </a:lnRef>
+              <a:fillRef idx="1">
+                <a:schemeClr val="accent1"/>
+              </a:fillRef>
+              <a:effectRef idx="0">
+                <a:schemeClr val="accent1"/>
+              </a:effectRef>
+              <a:fontRef idx="minor">
+                <a:schemeClr val="lt1"/>
+              </a:fontRef>
+            </p:style>
+            <p:txBody>
+              <a:bodyPr rtlCol="0" anchor="ctr"/>
+              <a:lstStyle/>
+              <a:p>
+                <a:pPr algn="ctr"/>
+                <a:endParaRPr lang="fr-FR"/>
+              </a:p>
+            </p:txBody>
+          </p:sp>
+          <p:cxnSp>
+            <p:nvCxnSpPr>
+              <p:cNvPr id="13" name="Connecteur droit 12">
+                <a:extLst>
+                  <a:ext uri="{FF2B5EF4-FFF2-40B4-BE49-F238E27FC236}">
+                    <a16:creationId xmlns:a16="http://schemas.microsoft.com/office/drawing/2014/main" id="{89A2028F-F21D-FA3C-FA59-6C2297BCC3EC}"/>
+                  </a:ext>
+                </a:extLst>
+              </p:cNvPr>
+              <p:cNvCxnSpPr/>
+              <p:nvPr/>
+            </p:nvCxnSpPr>
+            <p:spPr>
+              <a:xfrm flipH="1">
+                <a:off x="771193" y="3188074"/>
+                <a:ext cx="359181" cy="0"/>
+              </a:xfrm>
+              <a:prstGeom prst="line">
+                <a:avLst/>
+              </a:prstGeom>
+              <a:noFill/>
+              <a:ln w="19050">
+                <a:solidFill>
+                  <a:srgbClr val="68348B"/>
+                </a:solidFill>
+              </a:ln>
+            </p:spPr>
+            <p:style>
+              <a:lnRef idx="2">
+                <a:schemeClr val="accent1">
+                  <a:shade val="50000"/>
+                </a:schemeClr>
+              </a:lnRef>
+              <a:fillRef idx="1">
+                <a:schemeClr val="accent1"/>
+              </a:fillRef>
+              <a:effectRef idx="0">
+                <a:schemeClr val="accent1"/>
+              </a:effectRef>
+              <a:fontRef idx="minor">
+                <a:schemeClr val="lt1"/>
+              </a:fontRef>
+            </p:style>
+          </p:cxnSp>
+        </p:grpSp>
+      </p:grpSp>
+      <p:sp>
+        <p:nvSpPr>
+          <p:cNvPr id="18" name="Ellipse 17">
+            <a:extLst>
+              <a:ext uri="{FF2B5EF4-FFF2-40B4-BE49-F238E27FC236}">
+                <a16:creationId xmlns:a16="http://schemas.microsoft.com/office/drawing/2014/main" id="{8C3E21F9-4E18-0A22-E215-148E7EDF77F8}"/>
+              </a:ext>
+            </a:extLst>
+          </p:cNvPr>
+          <p:cNvSpPr/>
+          <p:nvPr/>
+        </p:nvSpPr>
+        <p:spPr>
+          <a:xfrm>
+            <a:off x="1322134" y="1885789"/>
+            <a:ext cx="432000" cy="432000"/>
+          </a:xfrm>
+          <a:prstGeom prst="ellipse">
+            <a:avLst/>
+          </a:prstGeom>
+          <a:noFill/>
+          <a:ln w="19050">
+            <a:solidFill>
+              <a:srgbClr val="EE685D"/>
+            </a:solidFill>
+          </a:ln>
+        </p:spPr>
+        <p:style>
+          <a:lnRef idx="2">
+            <a:schemeClr val="accent1">
+              <a:shade val="50000"/>
+            </a:schemeClr>
+          </a:lnRef>
+          <a:fillRef idx="1">
+            <a:schemeClr val="accent1"/>
+          </a:fillRef>
+          <a:effectRef idx="0">
+            <a:schemeClr val="accent1"/>
+          </a:effectRef>
+          <a:fontRef idx="minor">
+            <a:schemeClr val="lt1"/>
+          </a:fontRef>
+        </p:style>
+        <p:txBody>
+          <a:bodyPr rtlCol="0" anchor="ctr"/>
+          <a:lstStyle/>
+          <a:p>
+            <a:pPr algn="ctr"/>
+            <a:r>
+              <a:rPr lang="fr-FR" sz="1400" dirty="0">
+                <a:solidFill>
+                  <a:srgbClr val="EE685D"/>
+                </a:solidFill>
+                <a:latin typeface="Arial Nova" panose="020B0504020202020204" pitchFamily="34" charset="0"/>
+              </a:rPr>
+              <a:t>R</a:t>
+            </a:r>
+          </a:p>
+        </p:txBody>
+      </p:sp>
+      <p:sp>
+        <p:nvSpPr>
+          <p:cNvPr id="19" name="Ellipse 18">
+            <a:extLst>
+              <a:ext uri="{FF2B5EF4-FFF2-40B4-BE49-F238E27FC236}">
+                <a16:creationId xmlns:a16="http://schemas.microsoft.com/office/drawing/2014/main" id="{A3CF82C4-C843-D17A-33ED-31C4889FACB4}"/>
+              </a:ext>
+            </a:extLst>
+          </p:cNvPr>
+          <p:cNvSpPr/>
+          <p:nvPr/>
+        </p:nvSpPr>
+        <p:spPr>
+          <a:xfrm>
+            <a:off x="1318540" y="2667745"/>
+            <a:ext cx="432000" cy="432000"/>
+          </a:xfrm>
+          <a:prstGeom prst="ellipse">
+            <a:avLst/>
+          </a:prstGeom>
+          <a:noFill/>
+          <a:ln w="19050">
+            <a:solidFill>
+              <a:srgbClr val="08A559"/>
+            </a:solidFill>
+          </a:ln>
+        </p:spPr>
+        <p:style>
+          <a:lnRef idx="2">
+            <a:schemeClr val="accent1">
+              <a:shade val="50000"/>
+            </a:schemeClr>
+          </a:lnRef>
+          <a:fillRef idx="1">
+            <a:schemeClr val="accent1"/>
+          </a:fillRef>
+          <a:effectRef idx="0">
+            <a:schemeClr val="accent1"/>
+          </a:effectRef>
+          <a:fontRef idx="minor">
+            <a:schemeClr val="lt1"/>
+          </a:fontRef>
+        </p:style>
+        <p:txBody>
+          <a:bodyPr rtlCol="0" anchor="ctr"/>
+          <a:lstStyle/>
+          <a:p>
+            <a:pPr algn="ctr"/>
+            <a:r>
+              <a:rPr lang="fr-FR" sz="1400" dirty="0">
+                <a:solidFill>
+                  <a:srgbClr val="08A559"/>
+                </a:solidFill>
+                <a:latin typeface="Arial Nova" panose="020B0504020202020204" pitchFamily="34" charset="0"/>
+              </a:rPr>
+              <a:t>P</a:t>
+            </a:r>
+          </a:p>
+        </p:txBody>
+      </p:sp>
+      <p:sp>
+        <p:nvSpPr>
+          <p:cNvPr id="20" name="Ellipse 19">
+            <a:extLst>
+              <a:ext uri="{FF2B5EF4-FFF2-40B4-BE49-F238E27FC236}">
+                <a16:creationId xmlns:a16="http://schemas.microsoft.com/office/drawing/2014/main" id="{65470277-80B0-94A9-B34C-922A652D6CE8}"/>
+              </a:ext>
+            </a:extLst>
+          </p:cNvPr>
+          <p:cNvSpPr/>
+          <p:nvPr/>
+        </p:nvSpPr>
+        <p:spPr>
+          <a:xfrm>
+            <a:off x="1318540" y="3449701"/>
+            <a:ext cx="432000" cy="432000"/>
+          </a:xfrm>
+          <a:prstGeom prst="ellipse">
+            <a:avLst/>
+          </a:prstGeom>
+          <a:noFill/>
+          <a:ln w="19050">
+            <a:solidFill>
+              <a:srgbClr val="FDAD57"/>
+            </a:solidFill>
+          </a:ln>
+        </p:spPr>
+        <p:style>
+          <a:lnRef idx="2">
+            <a:schemeClr val="accent1">
+              <a:shade val="50000"/>
+            </a:schemeClr>
+          </a:lnRef>
+          <a:fillRef idx="1">
+            <a:schemeClr val="accent1"/>
+          </a:fillRef>
+          <a:effectRef idx="0">
+            <a:schemeClr val="accent1"/>
+          </a:effectRef>
+          <a:fontRef idx="minor">
+            <a:schemeClr val="lt1"/>
+          </a:fontRef>
+        </p:style>
+        <p:txBody>
+          <a:bodyPr rtlCol="0" anchor="ctr"/>
+          <a:lstStyle/>
+          <a:p>
+            <a:pPr algn="ctr"/>
+            <a:r>
+              <a:rPr lang="fr-FR" sz="1400" dirty="0">
+                <a:solidFill>
+                  <a:srgbClr val="FDAD57"/>
+                </a:solidFill>
+                <a:latin typeface="Arial Nova" panose="020B0504020202020204" pitchFamily="34" charset="0"/>
+              </a:rPr>
+              <a:t>A</a:t>
+            </a:r>
+          </a:p>
+        </p:txBody>
+      </p:sp>
+      <p:cxnSp>
+        <p:nvCxnSpPr>
+          <p:cNvPr id="24" name="Connecteur droit avec flèche 23">
+            <a:extLst>
+              <a:ext uri="{FF2B5EF4-FFF2-40B4-BE49-F238E27FC236}">
+                <a16:creationId xmlns:a16="http://schemas.microsoft.com/office/drawing/2014/main" id="{C6D8BB7C-BA67-02B8-66C4-9225BD0FC491}"/>
+              </a:ext>
+            </a:extLst>
+          </p:cNvPr>
+          <p:cNvCxnSpPr>
+            <a:cxnSpLocks/>
+          </p:cNvCxnSpPr>
+          <p:nvPr/>
+        </p:nvCxnSpPr>
+        <p:spPr>
+          <a:xfrm flipV="1">
+            <a:off x="1145800" y="4153002"/>
+            <a:ext cx="58040" cy="980870"/>
+          </a:xfrm>
+          <a:prstGeom prst="straightConnector1">
+            <a:avLst/>
+          </a:prstGeom>
+          <a:ln>
+            <a:solidFill>
+              <a:srgbClr val="C00000"/>
+            </a:solidFill>
+            <a:tailEnd type="stealth" w="med" len="lg"/>
+          </a:ln>
+        </p:spPr>
+        <p:style>
+          <a:lnRef idx="1">
+            <a:schemeClr val="accent1"/>
+          </a:lnRef>
+          <a:fillRef idx="0">
+            <a:schemeClr val="accent1"/>
+          </a:fillRef>
+          <a:effectRef idx="0">
+            <a:schemeClr val="accent1"/>
+          </a:effectRef>
+          <a:fontRef idx="minor">
+            <a:schemeClr val="tx1"/>
+          </a:fontRef>
+        </p:style>
+      </p:cxnSp>
+      <p:cxnSp>
+        <p:nvCxnSpPr>
+          <p:cNvPr id="28" name="Connecteur droit avec flèche 27">
+            <a:extLst>
+              <a:ext uri="{FF2B5EF4-FFF2-40B4-BE49-F238E27FC236}">
+                <a16:creationId xmlns:a16="http://schemas.microsoft.com/office/drawing/2014/main" id="{F976A5C2-1044-3692-279E-10FD84DB0DC4}"/>
+              </a:ext>
+            </a:extLst>
+          </p:cNvPr>
+          <p:cNvCxnSpPr>
+            <a:cxnSpLocks/>
+          </p:cNvCxnSpPr>
+          <p:nvPr/>
+        </p:nvCxnSpPr>
+        <p:spPr>
+          <a:xfrm flipH="1">
+            <a:off x="526142" y="5133872"/>
+            <a:ext cx="611695" cy="269514"/>
+          </a:xfrm>
+          <a:prstGeom prst="straightConnector1">
+            <a:avLst/>
+          </a:prstGeom>
+          <a:ln>
+            <a:solidFill>
+              <a:srgbClr val="C00000"/>
+            </a:solidFill>
+            <a:tailEnd type="stealth" w="med" len="lg"/>
+          </a:ln>
+        </p:spPr>
+        <p:style>
+          <a:lnRef idx="1">
+            <a:schemeClr val="accent1"/>
+          </a:lnRef>
+          <a:fillRef idx="0">
+            <a:schemeClr val="accent1"/>
+          </a:fillRef>
+          <a:effectRef idx="0">
+            <a:schemeClr val="accent1"/>
+          </a:effectRef>
+          <a:fontRef idx="minor">
+            <a:schemeClr val="tx1"/>
+          </a:fontRef>
+        </p:style>
+      </p:cxnSp>
+      <p:cxnSp>
+        <p:nvCxnSpPr>
+          <p:cNvPr id="30" name="Connecteur droit avec flèche 29">
+            <a:extLst>
+              <a:ext uri="{FF2B5EF4-FFF2-40B4-BE49-F238E27FC236}">
+                <a16:creationId xmlns:a16="http://schemas.microsoft.com/office/drawing/2014/main" id="{750F35C4-A4B2-C80F-5246-EFF75239480F}"/>
+              </a:ext>
+            </a:extLst>
+          </p:cNvPr>
+          <p:cNvCxnSpPr>
+            <a:cxnSpLocks/>
+          </p:cNvCxnSpPr>
+          <p:nvPr/>
+        </p:nvCxnSpPr>
+        <p:spPr>
+          <a:xfrm>
+            <a:off x="1143599" y="5124411"/>
+            <a:ext cx="526878" cy="231277"/>
+          </a:xfrm>
+          <a:prstGeom prst="straightConnector1">
+            <a:avLst/>
+          </a:prstGeom>
+          <a:ln>
+            <a:solidFill>
+              <a:srgbClr val="C00000"/>
+            </a:solidFill>
+            <a:tailEnd type="stealth" w="med" len="lg"/>
+          </a:ln>
+        </p:spPr>
+        <p:style>
+          <a:lnRef idx="1">
+            <a:schemeClr val="accent1"/>
+          </a:lnRef>
+          <a:fillRef idx="0">
+            <a:schemeClr val="accent1"/>
+          </a:fillRef>
+          <a:effectRef idx="0">
+            <a:schemeClr val="accent1"/>
+          </a:effectRef>
+          <a:fontRef idx="minor">
+            <a:schemeClr val="tx1"/>
+          </a:fontRef>
+        </p:style>
+      </p:cxnSp>
+      <mc:AlternateContent xmlns:mc="http://schemas.openxmlformats.org/markup-compatibility/2006">
+        <mc:Choice xmlns:a14="http://schemas.microsoft.com/office/drawing/2010/main" Requires="a14">
+          <p:sp>
+            <p:nvSpPr>
+              <p:cNvPr id="33" name="ZoneTexte 32">
+                <a:extLst>
+                  <a:ext uri="{FF2B5EF4-FFF2-40B4-BE49-F238E27FC236}">
+                    <a16:creationId xmlns:a16="http://schemas.microsoft.com/office/drawing/2014/main" id="{1C5A1F01-6F5B-AC35-B376-D2AEFC961313}"/>
+                  </a:ext>
+                </a:extLst>
+              </p:cNvPr>
+              <p:cNvSpPr txBox="1"/>
+              <p:nvPr/>
+            </p:nvSpPr>
+            <p:spPr>
+              <a:xfrm>
+                <a:off x="342822" y="5339204"/>
+                <a:ext cx="183320" cy="276999"/>
+              </a:xfrm>
+              <a:prstGeom prst="rect">
+                <a:avLst/>
+              </a:prstGeom>
+              <a:noFill/>
+            </p:spPr>
+            <p:txBody>
+              <a:bodyPr wrap="none" lIns="0" tIns="0" rIns="0" bIns="0" rtlCol="0">
+                <a:spAutoFit/>
+              </a:bodyPr>
+              <a:lstStyle/>
+              <a:p>
+                <a14:m>
+                  <m:oMathPara xmlns:m="http://schemas.openxmlformats.org/officeDocument/2006/math">
+                    <m:oMathParaPr>
+                      <m:jc m:val="centerGroup"/>
+                    </m:oMathParaPr>
+                    <m:oMath xmlns:m="http://schemas.openxmlformats.org/officeDocument/2006/math">
+                      <m:acc>
+                        <m:accPr>
+                          <m:chr m:val="⃗"/>
+                          <m:ctrlPr>
+                            <a:rPr lang="fr-FR" i="1" smtClean="0">
+                              <a:latin typeface="Cambria Math" panose="02040503050406030204" pitchFamily="18" charset="0"/>
+                            </a:rPr>
+                          </m:ctrlPr>
+                        </m:accPr>
+                        <m:e>
+                          <m:r>
+                            <a:rPr lang="fr-FR" b="0" i="1" smtClean="0">
+                              <a:latin typeface="Cambria Math" panose="02040503050406030204" pitchFamily="18" charset="0"/>
+                            </a:rPr>
+                            <m:t>𝑥</m:t>
+                          </m:r>
+                        </m:e>
+                      </m:acc>
+                    </m:oMath>
+                  </m:oMathPara>
+                </a14:m>
+                <a:endParaRPr lang="fr-FR" dirty="0"/>
+              </a:p>
+            </p:txBody>
+          </p:sp>
+        </mc:Choice>
+        <mc:Fallback>
+          <p:sp>
+            <p:nvSpPr>
+              <p:cNvPr id="33" name="ZoneTexte 32">
+                <a:extLst>
+                  <a:ext uri="{FF2B5EF4-FFF2-40B4-BE49-F238E27FC236}">
+                    <a16:creationId xmlns:a16="http://schemas.microsoft.com/office/drawing/2014/main" id="{1C5A1F01-6F5B-AC35-B376-D2AEFC961313}"/>
+                  </a:ext>
+                </a:extLst>
+              </p:cNvPr>
+              <p:cNvSpPr txBox="1">
+                <a:spLocks noRot="1" noChangeAspect="1" noMove="1" noResize="1" noEditPoints="1" noAdjustHandles="1" noChangeArrowheads="1" noChangeShapeType="1" noTextEdit="1"/>
+              </p:cNvSpPr>
+              <p:nvPr/>
+            </p:nvSpPr>
+            <p:spPr>
+              <a:xfrm>
+                <a:off x="342822" y="5339204"/>
+                <a:ext cx="183320" cy="276999"/>
+              </a:xfrm>
+              <a:prstGeom prst="rect">
+                <a:avLst/>
+              </a:prstGeom>
+              <a:blipFill>
+                <a:blip r:embed="rId3"/>
+                <a:stretch>
+                  <a:fillRect l="-33333" t="-48889" r="-103333" b="-8889"/>
+                </a:stretch>
+              </a:blipFill>
+            </p:spPr>
+            <p:txBody>
+              <a:bodyPr/>
+              <a:lstStyle/>
+              <a:p>
+                <a:r>
+                  <a:rPr lang="fr-FR">
+                    <a:noFill/>
+                  </a:rPr>
+                  <a:t> </a:t>
+                </a:r>
+              </a:p>
+            </p:txBody>
+          </p:sp>
+        </mc:Fallback>
+      </mc:AlternateContent>
+      <mc:AlternateContent xmlns:mc="http://schemas.openxmlformats.org/markup-compatibility/2006">
+        <mc:Choice xmlns:a14="http://schemas.microsoft.com/office/drawing/2010/main" Requires="a14">
+          <p:sp>
+            <p:nvSpPr>
+              <p:cNvPr id="34" name="ZoneTexte 33">
+                <a:extLst>
+                  <a:ext uri="{FF2B5EF4-FFF2-40B4-BE49-F238E27FC236}">
+                    <a16:creationId xmlns:a16="http://schemas.microsoft.com/office/drawing/2014/main" id="{A2A0D029-FA3E-ADF3-5C8E-1A86A0483E8E}"/>
+                  </a:ext>
+                </a:extLst>
+              </p:cNvPr>
+              <p:cNvSpPr txBox="1"/>
+              <p:nvPr/>
+            </p:nvSpPr>
+            <p:spPr>
+              <a:xfrm>
+                <a:off x="1502905" y="4963050"/>
+                <a:ext cx="186718" cy="276999"/>
+              </a:xfrm>
+              <a:prstGeom prst="rect">
+                <a:avLst/>
+              </a:prstGeom>
+              <a:noFill/>
+            </p:spPr>
+            <p:txBody>
+              <a:bodyPr wrap="none" lIns="0" tIns="0" rIns="0" bIns="0" rtlCol="0">
+                <a:spAutoFit/>
+              </a:bodyPr>
+              <a:lstStyle/>
+              <a:p>
+                <a14:m>
+                  <m:oMathPara xmlns:m="http://schemas.openxmlformats.org/officeDocument/2006/math">
+                    <m:oMathParaPr>
+                      <m:jc m:val="centerGroup"/>
+                    </m:oMathParaPr>
+                    <m:oMath xmlns:m="http://schemas.openxmlformats.org/officeDocument/2006/math">
+                      <m:acc>
+                        <m:accPr>
+                          <m:chr m:val="⃗"/>
+                          <m:ctrlPr>
+                            <a:rPr lang="fr-FR" i="1" smtClean="0">
+                              <a:latin typeface="Cambria Math" panose="02040503050406030204" pitchFamily="18" charset="0"/>
+                            </a:rPr>
+                          </m:ctrlPr>
+                        </m:accPr>
+                        <m:e>
+                          <m:r>
+                            <a:rPr lang="fr-FR" b="0" i="1" smtClean="0">
+                              <a:latin typeface="Cambria Math" panose="02040503050406030204" pitchFamily="18" charset="0"/>
+                            </a:rPr>
+                            <m:t>𝑦</m:t>
+                          </m:r>
+                        </m:e>
+                      </m:acc>
+                    </m:oMath>
+                  </m:oMathPara>
+                </a14:m>
+                <a:endParaRPr lang="fr-FR" dirty="0"/>
+              </a:p>
+            </p:txBody>
+          </p:sp>
+        </mc:Choice>
+        <mc:Fallback>
+          <p:sp>
+            <p:nvSpPr>
+              <p:cNvPr id="34" name="ZoneTexte 33">
+                <a:extLst>
+                  <a:ext uri="{FF2B5EF4-FFF2-40B4-BE49-F238E27FC236}">
+                    <a16:creationId xmlns:a16="http://schemas.microsoft.com/office/drawing/2014/main" id="{A2A0D029-FA3E-ADF3-5C8E-1A86A0483E8E}"/>
+                  </a:ext>
+                </a:extLst>
+              </p:cNvPr>
+              <p:cNvSpPr txBox="1">
+                <a:spLocks noRot="1" noChangeAspect="1" noMove="1" noResize="1" noEditPoints="1" noAdjustHandles="1" noChangeArrowheads="1" noChangeShapeType="1" noTextEdit="1"/>
+              </p:cNvSpPr>
+              <p:nvPr/>
+            </p:nvSpPr>
+            <p:spPr>
+              <a:xfrm>
+                <a:off x="1502905" y="4963050"/>
+                <a:ext cx="186718" cy="276999"/>
+              </a:xfrm>
+              <a:prstGeom prst="rect">
+                <a:avLst/>
+              </a:prstGeom>
+              <a:blipFill>
+                <a:blip r:embed="rId4"/>
+                <a:stretch>
+                  <a:fillRect l="-33333" t="-45652" r="-103333" b="-23913"/>
+                </a:stretch>
+              </a:blipFill>
+            </p:spPr>
+            <p:txBody>
+              <a:bodyPr/>
+              <a:lstStyle/>
+              <a:p>
+                <a:r>
+                  <a:rPr lang="fr-FR">
+                    <a:noFill/>
+                  </a:rPr>
+                  <a:t> </a:t>
+                </a:r>
+              </a:p>
+            </p:txBody>
+          </p:sp>
+        </mc:Fallback>
+      </mc:AlternateContent>
+      <mc:AlternateContent xmlns:mc="http://schemas.openxmlformats.org/markup-compatibility/2006">
+        <mc:Choice xmlns:a14="http://schemas.microsoft.com/office/drawing/2010/main" Requires="a14">
+          <p:sp>
+            <p:nvSpPr>
+              <p:cNvPr id="35" name="ZoneTexte 34">
+                <a:extLst>
+                  <a:ext uri="{FF2B5EF4-FFF2-40B4-BE49-F238E27FC236}">
+                    <a16:creationId xmlns:a16="http://schemas.microsoft.com/office/drawing/2014/main" id="{A2B65EDB-B72E-AF45-DFFA-7C61EF75E658}"/>
+                  </a:ext>
+                </a:extLst>
+              </p:cNvPr>
+              <p:cNvSpPr txBox="1"/>
+              <p:nvPr/>
+            </p:nvSpPr>
+            <p:spPr>
+              <a:xfrm>
+                <a:off x="1245856" y="4130411"/>
+                <a:ext cx="169084" cy="276999"/>
+              </a:xfrm>
+              <a:prstGeom prst="rect">
+                <a:avLst/>
+              </a:prstGeom>
+              <a:noFill/>
+            </p:spPr>
+            <p:txBody>
+              <a:bodyPr wrap="none" lIns="0" tIns="0" rIns="0" bIns="0" rtlCol="0">
+                <a:spAutoFit/>
+              </a:bodyPr>
+              <a:lstStyle/>
+              <a:p>
+                <a14:m>
+                  <m:oMathPara xmlns:m="http://schemas.openxmlformats.org/officeDocument/2006/math">
+                    <m:oMathParaPr>
+                      <m:jc m:val="centerGroup"/>
+                    </m:oMathParaPr>
+                    <m:oMath xmlns:m="http://schemas.openxmlformats.org/officeDocument/2006/math">
+                      <m:acc>
+                        <m:accPr>
+                          <m:chr m:val="⃗"/>
+                          <m:ctrlPr>
+                            <a:rPr lang="fr-FR" i="1" smtClean="0">
+                              <a:latin typeface="Cambria Math" panose="02040503050406030204" pitchFamily="18" charset="0"/>
+                            </a:rPr>
+                          </m:ctrlPr>
+                        </m:accPr>
+                        <m:e>
+                          <m:r>
+                            <a:rPr lang="fr-FR" b="0" i="1" smtClean="0">
+                              <a:latin typeface="Cambria Math" panose="02040503050406030204" pitchFamily="18" charset="0"/>
+                            </a:rPr>
+                            <m:t>𝑧</m:t>
+                          </m:r>
+                        </m:e>
+                      </m:acc>
+                    </m:oMath>
+                  </m:oMathPara>
+                </a14:m>
+                <a:endParaRPr lang="fr-FR" dirty="0"/>
+              </a:p>
+            </p:txBody>
+          </p:sp>
+        </mc:Choice>
+        <mc:Fallback>
+          <p:sp>
+            <p:nvSpPr>
+              <p:cNvPr id="35" name="ZoneTexte 34">
+                <a:extLst>
+                  <a:ext uri="{FF2B5EF4-FFF2-40B4-BE49-F238E27FC236}">
+                    <a16:creationId xmlns:a16="http://schemas.microsoft.com/office/drawing/2014/main" id="{A2B65EDB-B72E-AF45-DFFA-7C61EF75E658}"/>
+                  </a:ext>
+                </a:extLst>
+              </p:cNvPr>
+              <p:cNvSpPr txBox="1">
+                <a:spLocks noRot="1" noChangeAspect="1" noMove="1" noResize="1" noEditPoints="1" noAdjustHandles="1" noChangeArrowheads="1" noChangeShapeType="1" noTextEdit="1"/>
+              </p:cNvSpPr>
+              <p:nvPr/>
+            </p:nvSpPr>
+            <p:spPr>
+              <a:xfrm>
+                <a:off x="1245856" y="4130411"/>
+                <a:ext cx="169084" cy="276999"/>
+              </a:xfrm>
+              <a:prstGeom prst="rect">
+                <a:avLst/>
+              </a:prstGeom>
+              <a:blipFill>
+                <a:blip r:embed="rId5"/>
+                <a:stretch>
+                  <a:fillRect l="-35714" t="-48889" r="-110714" b="-8889"/>
+                </a:stretch>
+              </a:blipFill>
+            </p:spPr>
+            <p:txBody>
+              <a:bodyPr/>
+              <a:lstStyle/>
+              <a:p>
+                <a:r>
+                  <a:rPr lang="fr-FR">
+                    <a:noFill/>
+                  </a:rPr>
+                  <a:t> </a:t>
+                </a:r>
+              </a:p>
+            </p:txBody>
+          </p:sp>
+        </mc:Fallback>
+      </mc:AlternateContent>
+      <p:cxnSp>
+        <p:nvCxnSpPr>
+          <p:cNvPr id="36" name="Connecteur droit 35">
+            <a:extLst>
+              <a:ext uri="{FF2B5EF4-FFF2-40B4-BE49-F238E27FC236}">
+                <a16:creationId xmlns:a16="http://schemas.microsoft.com/office/drawing/2014/main" id="{3A25A51B-CDDB-1CE0-AA7C-255583E6C134}"/>
+              </a:ext>
+            </a:extLst>
+          </p:cNvPr>
+          <p:cNvCxnSpPr>
+            <a:cxnSpLocks/>
+            <a:stCxn id="18" idx="2"/>
+            <a:endCxn id="6" idx="6"/>
+          </p:cNvCxnSpPr>
+          <p:nvPr/>
+        </p:nvCxnSpPr>
+        <p:spPr>
+          <a:xfrm flipH="1">
+            <a:off x="958142" y="2101789"/>
+            <a:ext cx="363992" cy="0"/>
+          </a:xfrm>
+          <a:prstGeom prst="line">
+            <a:avLst/>
+          </a:prstGeom>
+          <a:noFill/>
+          <a:ln w="19050">
+            <a:solidFill>
+              <a:srgbClr val="C00000"/>
+            </a:solidFill>
+          </a:ln>
+        </p:spPr>
+        <p:style>
+          <a:lnRef idx="2">
+            <a:schemeClr val="accent1">
+              <a:shade val="50000"/>
+            </a:schemeClr>
+          </a:lnRef>
+          <a:fillRef idx="1">
+            <a:schemeClr val="accent1"/>
+          </a:fillRef>
+          <a:effectRef idx="0">
+            <a:schemeClr val="accent1"/>
+          </a:effectRef>
+          <a:fontRef idx="minor">
+            <a:schemeClr val="lt1"/>
+          </a:fontRef>
+        </p:style>
+      </p:cxnSp>
+      <p:cxnSp>
+        <p:nvCxnSpPr>
+          <p:cNvPr id="39" name="Connecteur droit 38">
+            <a:extLst>
+              <a:ext uri="{FF2B5EF4-FFF2-40B4-BE49-F238E27FC236}">
+                <a16:creationId xmlns:a16="http://schemas.microsoft.com/office/drawing/2014/main" id="{EA2CB81E-0522-723B-DDB7-75CEA9C72B2A}"/>
+              </a:ext>
+            </a:extLst>
+          </p:cNvPr>
+          <p:cNvCxnSpPr>
+            <a:cxnSpLocks/>
+            <a:stCxn id="18" idx="4"/>
+            <a:endCxn id="19" idx="0"/>
+          </p:cNvCxnSpPr>
+          <p:nvPr/>
+        </p:nvCxnSpPr>
+        <p:spPr>
+          <a:xfrm flipH="1">
+            <a:off x="1534540" y="2317789"/>
+            <a:ext cx="3594" cy="349956"/>
+          </a:xfrm>
+          <a:prstGeom prst="line">
+            <a:avLst/>
+          </a:prstGeom>
+          <a:noFill/>
+          <a:ln w="28575">
+            <a:solidFill>
+              <a:srgbClr val="C00000"/>
+            </a:solidFill>
+            <a:prstDash val="sysDash"/>
+          </a:ln>
+        </p:spPr>
+        <p:style>
+          <a:lnRef idx="2">
+            <a:schemeClr val="accent1">
+              <a:shade val="50000"/>
+            </a:schemeClr>
+          </a:lnRef>
+          <a:fillRef idx="1">
+            <a:schemeClr val="accent1"/>
+          </a:fillRef>
+          <a:effectRef idx="0">
+            <a:schemeClr val="accent1"/>
+          </a:effectRef>
+          <a:fontRef idx="minor">
+            <a:schemeClr val="lt1"/>
+          </a:fontRef>
+        </p:style>
+      </p:cxnSp>
+      <p:cxnSp>
+        <p:nvCxnSpPr>
+          <p:cNvPr id="42" name="Connecteur droit 41">
+            <a:extLst>
+              <a:ext uri="{FF2B5EF4-FFF2-40B4-BE49-F238E27FC236}">
+                <a16:creationId xmlns:a16="http://schemas.microsoft.com/office/drawing/2014/main" id="{DD4FBDB6-3E0B-30E4-7AA0-726878E3F000}"/>
+              </a:ext>
+            </a:extLst>
+          </p:cNvPr>
+          <p:cNvCxnSpPr>
+            <a:cxnSpLocks/>
+            <a:stCxn id="20" idx="0"/>
+            <a:endCxn id="19" idx="4"/>
+          </p:cNvCxnSpPr>
+          <p:nvPr/>
+        </p:nvCxnSpPr>
+        <p:spPr>
+          <a:xfrm flipV="1">
+            <a:off x="1534540" y="3099745"/>
+            <a:ext cx="0" cy="349956"/>
+          </a:xfrm>
+          <a:prstGeom prst="line">
+            <a:avLst/>
+          </a:prstGeom>
+          <a:noFill/>
+          <a:ln w="28575">
+            <a:solidFill>
+              <a:srgbClr val="C00000"/>
+            </a:solidFill>
+            <a:prstDash val="sysDash"/>
+          </a:ln>
+        </p:spPr>
+        <p:style>
+          <a:lnRef idx="2">
+            <a:schemeClr val="accent1">
+              <a:shade val="50000"/>
+            </a:schemeClr>
+          </a:lnRef>
+          <a:fillRef idx="1">
+            <a:schemeClr val="accent1"/>
+          </a:fillRef>
+          <a:effectRef idx="0">
+            <a:schemeClr val="accent1"/>
+          </a:effectRef>
+          <a:fontRef idx="minor">
+            <a:schemeClr val="lt1"/>
+          </a:fontRef>
+        </p:style>
+      </p:cxnSp>
+      <p:cxnSp>
+        <p:nvCxnSpPr>
+          <p:cNvPr id="45" name="Connecteur droit 44">
+            <a:extLst>
+              <a:ext uri="{FF2B5EF4-FFF2-40B4-BE49-F238E27FC236}">
+                <a16:creationId xmlns:a16="http://schemas.microsoft.com/office/drawing/2014/main" id="{2B21137E-A635-72A1-83BD-FB95B390820A}"/>
+              </a:ext>
+            </a:extLst>
+          </p:cNvPr>
+          <p:cNvCxnSpPr>
+            <a:cxnSpLocks/>
+            <a:stCxn id="6" idx="4"/>
+            <a:endCxn id="20" idx="2"/>
+          </p:cNvCxnSpPr>
+          <p:nvPr/>
+        </p:nvCxnSpPr>
+        <p:spPr>
+          <a:xfrm>
+            <a:off x="742142" y="2317789"/>
+            <a:ext cx="576398" cy="1347912"/>
+          </a:xfrm>
+          <a:prstGeom prst="line">
+            <a:avLst/>
+          </a:prstGeom>
+          <a:noFill/>
+          <a:ln w="19050">
+            <a:solidFill>
+              <a:srgbClr val="C00000"/>
+            </a:solidFill>
+          </a:ln>
+        </p:spPr>
+        <p:style>
+          <a:lnRef idx="2">
+            <a:schemeClr val="accent1">
+              <a:shade val="50000"/>
+            </a:schemeClr>
+          </a:lnRef>
+          <a:fillRef idx="1">
+            <a:schemeClr val="accent1"/>
+          </a:fillRef>
+          <a:effectRef idx="0">
+            <a:schemeClr val="accent1"/>
+          </a:effectRef>
+          <a:fontRef idx="minor">
+            <a:schemeClr val="lt1"/>
+          </a:fontRef>
+        </p:style>
+      </p:cxnSp>
+      <p:cxnSp>
+        <p:nvCxnSpPr>
+          <p:cNvPr id="48" name="Connecteur droit 47">
+            <a:extLst>
+              <a:ext uri="{FF2B5EF4-FFF2-40B4-BE49-F238E27FC236}">
+                <a16:creationId xmlns:a16="http://schemas.microsoft.com/office/drawing/2014/main" id="{B795D72C-202A-D2AB-CF12-8269495B2D7E}"/>
+              </a:ext>
+            </a:extLst>
+          </p:cNvPr>
+          <p:cNvCxnSpPr>
+            <a:cxnSpLocks/>
+            <a:stCxn id="6" idx="5"/>
+            <a:endCxn id="19" idx="1"/>
+          </p:cNvCxnSpPr>
+          <p:nvPr/>
+        </p:nvCxnSpPr>
+        <p:spPr>
+          <a:xfrm>
+            <a:off x="894877" y="2254524"/>
+            <a:ext cx="486928" cy="476486"/>
+          </a:xfrm>
+          <a:prstGeom prst="line">
+            <a:avLst/>
+          </a:prstGeom>
+          <a:noFill/>
+          <a:ln w="19050">
+            <a:solidFill>
+              <a:srgbClr val="C00000"/>
+            </a:solidFill>
+          </a:ln>
+        </p:spPr>
+        <p:style>
+          <a:lnRef idx="2">
+            <a:schemeClr val="accent1">
+              <a:shade val="50000"/>
+            </a:schemeClr>
+          </a:lnRef>
+          <a:fillRef idx="1">
+            <a:schemeClr val="accent1"/>
+          </a:fillRef>
+          <a:effectRef idx="0">
+            <a:schemeClr val="accent1"/>
+          </a:effectRef>
+          <a:fontRef idx="minor">
+            <a:schemeClr val="lt1"/>
+          </a:fontRef>
+        </p:style>
+      </p:cxnSp>
+      <mc:AlternateContent xmlns:mc="http://schemas.openxmlformats.org/markup-compatibility/2006">
+        <mc:Choice xmlns:a14="http://schemas.microsoft.com/office/drawing/2010/main" Requires="a14">
+          <p:sp>
+            <p:nvSpPr>
+              <p:cNvPr id="52" name="ZoneTexte 51">
+                <a:extLst>
+                  <a:ext uri="{FF2B5EF4-FFF2-40B4-BE49-F238E27FC236}">
+                    <a16:creationId xmlns:a16="http://schemas.microsoft.com/office/drawing/2014/main" id="{8B674DBF-268C-68AF-C74D-7E7FA77C9CB6}"/>
+                  </a:ext>
+                </a:extLst>
+              </p:cNvPr>
+              <p:cNvSpPr txBox="1"/>
+              <p:nvPr/>
+            </p:nvSpPr>
+            <p:spPr>
+              <a:xfrm>
+                <a:off x="634431" y="1152575"/>
+                <a:ext cx="1138817" cy="415498"/>
+              </a:xfrm>
+              <a:prstGeom prst="rect">
+                <a:avLst/>
+              </a:prstGeom>
+              <a:noFill/>
+            </p:spPr>
+            <p:txBody>
+              <a:bodyPr wrap="square" rtlCol="0">
+                <a:spAutoFit/>
+              </a:bodyPr>
+              <a:lstStyle/>
+              <a:p>
+                <a:pPr algn="ctr"/>
+                <a:r>
+                  <a:rPr lang="fr-FR" sz="1050" dirty="0"/>
+                  <a:t>Pivot d’axe </a:t>
+                </a:r>
+                <a14:m>
+                  <m:oMath xmlns:m="http://schemas.openxmlformats.org/officeDocument/2006/math">
+                    <m:d>
+                      <m:dPr>
+                        <m:ctrlPr>
+                          <a:rPr lang="fr-FR" sz="1050" i="1" smtClean="0">
+                            <a:latin typeface="Cambria Math" panose="02040503050406030204" pitchFamily="18" charset="0"/>
+                          </a:rPr>
+                        </m:ctrlPr>
+                      </m:dPr>
+                      <m:e>
+                        <m:r>
+                          <a:rPr lang="fr-FR" sz="1050" b="0" i="1" smtClean="0">
+                            <a:latin typeface="Cambria Math" panose="02040503050406030204" pitchFamily="18" charset="0"/>
+                          </a:rPr>
+                          <m:t>𝐴</m:t>
+                        </m:r>
+                        <m:r>
+                          <a:rPr lang="fr-FR" sz="1050" b="0" i="1" smtClean="0">
+                            <a:latin typeface="Cambria Math" panose="02040503050406030204" pitchFamily="18" charset="0"/>
+                          </a:rPr>
+                          <m:t>,</m:t>
+                        </m:r>
+                        <m:acc>
+                          <m:accPr>
+                            <m:chr m:val="⃗"/>
+                            <m:ctrlPr>
+                              <a:rPr lang="fr-FR" sz="1050" b="0" i="1" smtClean="0">
+                                <a:latin typeface="Cambria Math" panose="02040503050406030204" pitchFamily="18" charset="0"/>
+                              </a:rPr>
+                            </m:ctrlPr>
+                          </m:accPr>
+                          <m:e>
+                            <m:r>
+                              <a:rPr lang="fr-FR" sz="1050" b="0" i="1" smtClean="0">
+                                <a:latin typeface="Cambria Math" panose="02040503050406030204" pitchFamily="18" charset="0"/>
+                              </a:rPr>
+                              <m:t>𝑥</m:t>
+                            </m:r>
+                          </m:e>
+                        </m:acc>
+                      </m:e>
+                    </m:d>
+                  </m:oMath>
+                </a14:m>
+                <a:endParaRPr lang="fr-FR" sz="1050" dirty="0"/>
+              </a:p>
+              <a:p>
+                <a:pPr algn="ctr"/>
+                <a:r>
+                  <a:rPr lang="fr-FR" sz="1050" dirty="0"/>
+                  <a:t>Couple moteur</a:t>
+                </a:r>
+              </a:p>
+            </p:txBody>
+          </p:sp>
+        </mc:Choice>
+        <mc:Fallback>
+          <p:sp>
+            <p:nvSpPr>
+              <p:cNvPr id="52" name="ZoneTexte 51">
+                <a:extLst>
+                  <a:ext uri="{FF2B5EF4-FFF2-40B4-BE49-F238E27FC236}">
+                    <a16:creationId xmlns:a16="http://schemas.microsoft.com/office/drawing/2014/main" id="{8B674DBF-268C-68AF-C74D-7E7FA77C9CB6}"/>
+                  </a:ext>
+                </a:extLst>
+              </p:cNvPr>
+              <p:cNvSpPr txBox="1">
+                <a:spLocks noRot="1" noChangeAspect="1" noMove="1" noResize="1" noEditPoints="1" noAdjustHandles="1" noChangeArrowheads="1" noChangeShapeType="1" noTextEdit="1"/>
+              </p:cNvSpPr>
+              <p:nvPr/>
+            </p:nvSpPr>
+            <p:spPr>
+              <a:xfrm>
+                <a:off x="634431" y="1152575"/>
+                <a:ext cx="1138817" cy="415498"/>
+              </a:xfrm>
+              <a:prstGeom prst="rect">
+                <a:avLst/>
+              </a:prstGeom>
+              <a:blipFill>
+                <a:blip r:embed="rId6"/>
+                <a:stretch>
+                  <a:fillRect t="-1471" r="-6952" b="-8824"/>
+                </a:stretch>
+              </a:blipFill>
+            </p:spPr>
+            <p:txBody>
+              <a:bodyPr/>
+              <a:lstStyle/>
+              <a:p>
+                <a:r>
+                  <a:rPr lang="fr-FR">
+                    <a:noFill/>
+                  </a:rPr>
+                  <a:t> </a:t>
+                </a:r>
+              </a:p>
+            </p:txBody>
+          </p:sp>
+        </mc:Fallback>
+      </mc:AlternateContent>
+      <mc:AlternateContent xmlns:mc="http://schemas.openxmlformats.org/markup-compatibility/2006">
+        <mc:Choice xmlns:a14="http://schemas.microsoft.com/office/drawing/2010/main" Requires="a14">
+          <p:sp>
+            <p:nvSpPr>
+              <p:cNvPr id="53" name="ZoneTexte 52">
+                <a:extLst>
+                  <a:ext uri="{FF2B5EF4-FFF2-40B4-BE49-F238E27FC236}">
+                    <a16:creationId xmlns:a16="http://schemas.microsoft.com/office/drawing/2014/main" id="{2538D0F8-BED7-ACE3-D484-92A6F37883E2}"/>
+                  </a:ext>
+                </a:extLst>
+              </p:cNvPr>
+              <p:cNvSpPr txBox="1"/>
+              <p:nvPr/>
+            </p:nvSpPr>
+            <p:spPr>
+              <a:xfrm>
+                <a:off x="9061" y="2537723"/>
+                <a:ext cx="1138817" cy="415498"/>
+              </a:xfrm>
+              <a:prstGeom prst="rect">
+                <a:avLst/>
+              </a:prstGeom>
+              <a:noFill/>
+            </p:spPr>
+            <p:txBody>
+              <a:bodyPr wrap="square" rtlCol="0">
+                <a:spAutoFit/>
+              </a:bodyPr>
+              <a:lstStyle/>
+              <a:p>
+                <a:r>
+                  <a:rPr lang="fr-FR" sz="1050" dirty="0"/>
+                  <a:t>Glissière de direction </a:t>
+                </a:r>
+                <a14:m>
+                  <m:oMath xmlns:m="http://schemas.openxmlformats.org/officeDocument/2006/math">
+                    <m:acc>
+                      <m:accPr>
+                        <m:chr m:val="⃗"/>
+                        <m:ctrlPr>
+                          <a:rPr lang="fr-FR" sz="1050" b="0" i="1" smtClean="0">
+                            <a:latin typeface="Cambria Math" panose="02040503050406030204" pitchFamily="18" charset="0"/>
+                          </a:rPr>
+                        </m:ctrlPr>
+                      </m:accPr>
+                      <m:e>
+                        <m:r>
+                          <a:rPr lang="fr-FR" sz="1050" i="1">
+                            <a:latin typeface="Cambria Math" panose="02040503050406030204" pitchFamily="18" charset="0"/>
+                          </a:rPr>
+                          <m:t>𝑧</m:t>
+                        </m:r>
+                      </m:e>
+                    </m:acc>
+                  </m:oMath>
+                </a14:m>
+                <a:endParaRPr lang="fr-FR" sz="1050" dirty="0"/>
+              </a:p>
+            </p:txBody>
+          </p:sp>
+        </mc:Choice>
+        <mc:Fallback>
+          <p:sp>
+            <p:nvSpPr>
+              <p:cNvPr id="53" name="ZoneTexte 52">
+                <a:extLst>
+                  <a:ext uri="{FF2B5EF4-FFF2-40B4-BE49-F238E27FC236}">
+                    <a16:creationId xmlns:a16="http://schemas.microsoft.com/office/drawing/2014/main" id="{2538D0F8-BED7-ACE3-D484-92A6F37883E2}"/>
+                  </a:ext>
+                </a:extLst>
+              </p:cNvPr>
+              <p:cNvSpPr txBox="1">
+                <a:spLocks noRot="1" noChangeAspect="1" noMove="1" noResize="1" noEditPoints="1" noAdjustHandles="1" noChangeArrowheads="1" noChangeShapeType="1" noTextEdit="1"/>
+              </p:cNvSpPr>
+              <p:nvPr/>
+            </p:nvSpPr>
+            <p:spPr>
+              <a:xfrm>
+                <a:off x="9061" y="2537723"/>
+                <a:ext cx="1138817" cy="415498"/>
+              </a:xfrm>
+              <a:prstGeom prst="rect">
+                <a:avLst/>
+              </a:prstGeom>
+              <a:blipFill>
+                <a:blip r:embed="rId7"/>
+                <a:stretch>
+                  <a:fillRect b="-8824"/>
+                </a:stretch>
+              </a:blipFill>
+            </p:spPr>
+            <p:txBody>
+              <a:bodyPr/>
+              <a:lstStyle/>
+              <a:p>
+                <a:r>
+                  <a:rPr lang="fr-FR">
+                    <a:noFill/>
+                  </a:rPr>
+                  <a:t> </a:t>
+                </a:r>
+              </a:p>
+            </p:txBody>
+          </p:sp>
+        </mc:Fallback>
+      </mc:AlternateContent>
+      <mc:AlternateContent xmlns:mc="http://schemas.openxmlformats.org/markup-compatibility/2006">
+        <mc:Choice xmlns:a14="http://schemas.microsoft.com/office/drawing/2010/main" Requires="a14">
+          <p:sp>
+            <p:nvSpPr>
+              <p:cNvPr id="56" name="ZoneTexte 55">
+                <a:extLst>
+                  <a:ext uri="{FF2B5EF4-FFF2-40B4-BE49-F238E27FC236}">
+                    <a16:creationId xmlns:a16="http://schemas.microsoft.com/office/drawing/2014/main" id="{CC231D0F-3CA8-1973-D715-4C5DBD2D970E}"/>
+                  </a:ext>
+                </a:extLst>
+              </p:cNvPr>
+              <p:cNvSpPr txBox="1"/>
+              <p:nvPr/>
+            </p:nvSpPr>
+            <p:spPr>
+              <a:xfrm rot="2596376">
+                <a:off x="743261" y="2313734"/>
+                <a:ext cx="863117" cy="415498"/>
+              </a:xfrm>
+              <a:prstGeom prst="rect">
+                <a:avLst/>
+              </a:prstGeom>
+              <a:noFill/>
+            </p:spPr>
+            <p:txBody>
+              <a:bodyPr wrap="square" rtlCol="0">
+                <a:spAutoFit/>
+              </a:bodyPr>
+              <a:lstStyle/>
+              <a:p>
+                <a:r>
+                  <a:rPr lang="fr-FR" sz="1050" dirty="0"/>
+                  <a:t>Pivot d’axe </a:t>
+                </a:r>
+                <a14:m>
+                  <m:oMath xmlns:m="http://schemas.openxmlformats.org/officeDocument/2006/math">
+                    <m:d>
+                      <m:dPr>
+                        <m:ctrlPr>
+                          <a:rPr lang="fr-FR" sz="1050" i="1" smtClean="0">
+                            <a:latin typeface="Cambria Math" panose="02040503050406030204" pitchFamily="18" charset="0"/>
+                          </a:rPr>
+                        </m:ctrlPr>
+                      </m:dPr>
+                      <m:e>
+                        <m:r>
+                          <a:rPr lang="fr-FR" sz="1050" b="0" i="1" smtClean="0">
+                            <a:latin typeface="Cambria Math" panose="02040503050406030204" pitchFamily="18" charset="0"/>
+                          </a:rPr>
+                          <m:t>𝐵</m:t>
+                        </m:r>
+                        <m:r>
+                          <a:rPr lang="fr-FR" sz="1050" b="0" i="1" smtClean="0">
+                            <a:latin typeface="Cambria Math" panose="02040503050406030204" pitchFamily="18" charset="0"/>
+                          </a:rPr>
+                          <m:t>,</m:t>
+                        </m:r>
+                        <m:acc>
+                          <m:accPr>
+                            <m:chr m:val="⃗"/>
+                            <m:ctrlPr>
+                              <a:rPr lang="fr-FR" sz="1050" b="0" i="1" smtClean="0">
+                                <a:latin typeface="Cambria Math" panose="02040503050406030204" pitchFamily="18" charset="0"/>
+                              </a:rPr>
+                            </m:ctrlPr>
+                          </m:accPr>
+                          <m:e>
+                            <m:r>
+                              <a:rPr lang="fr-FR" sz="1050" b="0" i="1" smtClean="0">
+                                <a:latin typeface="Cambria Math" panose="02040503050406030204" pitchFamily="18" charset="0"/>
+                              </a:rPr>
+                              <m:t>𝑥</m:t>
+                            </m:r>
+                          </m:e>
+                        </m:acc>
+                      </m:e>
+                    </m:d>
+                  </m:oMath>
+                </a14:m>
+                <a:endParaRPr lang="fr-FR" sz="1050" dirty="0"/>
+              </a:p>
+            </p:txBody>
+          </p:sp>
+        </mc:Choice>
+        <mc:Fallback>
+          <p:sp>
+            <p:nvSpPr>
+              <p:cNvPr id="56" name="ZoneTexte 55">
+                <a:extLst>
+                  <a:ext uri="{FF2B5EF4-FFF2-40B4-BE49-F238E27FC236}">
+                    <a16:creationId xmlns:a16="http://schemas.microsoft.com/office/drawing/2014/main" id="{CC231D0F-3CA8-1973-D715-4C5DBD2D970E}"/>
+                  </a:ext>
+                </a:extLst>
+              </p:cNvPr>
+              <p:cNvSpPr txBox="1">
+                <a:spLocks noRot="1" noChangeAspect="1" noMove="1" noResize="1" noEditPoints="1" noAdjustHandles="1" noChangeArrowheads="1" noChangeShapeType="1" noTextEdit="1"/>
+              </p:cNvSpPr>
+              <p:nvPr/>
+            </p:nvSpPr>
+            <p:spPr>
+              <a:xfrm rot="2596376">
+                <a:off x="743261" y="2313734"/>
+                <a:ext cx="863117" cy="415498"/>
+              </a:xfrm>
+              <a:prstGeom prst="rect">
+                <a:avLst/>
+              </a:prstGeom>
+              <a:blipFill>
+                <a:blip r:embed="rId8"/>
+                <a:stretch>
+                  <a:fillRect/>
+                </a:stretch>
+              </a:blipFill>
+            </p:spPr>
+            <p:txBody>
+              <a:bodyPr/>
+              <a:lstStyle/>
+              <a:p>
+                <a:r>
+                  <a:rPr lang="fr-FR">
+                    <a:noFill/>
+                  </a:rPr>
+                  <a:t> </a:t>
+                </a:r>
+              </a:p>
+            </p:txBody>
+          </p:sp>
+        </mc:Fallback>
+      </mc:AlternateContent>
+      <p:sp>
+        <p:nvSpPr>
+          <p:cNvPr id="57" name="ZoneTexte 56">
+            <a:extLst>
+              <a:ext uri="{FF2B5EF4-FFF2-40B4-BE49-F238E27FC236}">
+                <a16:creationId xmlns:a16="http://schemas.microsoft.com/office/drawing/2014/main" id="{26755C24-C4B6-C8A5-3303-786E3985977F}"/>
+              </a:ext>
+            </a:extLst>
+          </p:cNvPr>
+          <p:cNvSpPr txBox="1"/>
+          <p:nvPr/>
+        </p:nvSpPr>
+        <p:spPr>
+          <a:xfrm>
+            <a:off x="1596264" y="3135325"/>
+            <a:ext cx="1138817" cy="253916"/>
+          </a:xfrm>
+          <a:prstGeom prst="rect">
+            <a:avLst/>
+          </a:prstGeom>
+          <a:noFill/>
+        </p:spPr>
+        <p:txBody>
+          <a:bodyPr wrap="square" rtlCol="0">
+            <a:spAutoFit/>
+          </a:bodyPr>
+          <a:lstStyle/>
+          <a:p>
+            <a:r>
+              <a:rPr lang="fr-FR" sz="1050" dirty="0"/>
+              <a:t>Poulie-courroie</a:t>
+            </a:r>
+          </a:p>
+        </p:txBody>
+      </p:sp>
+      <p:sp>
+        <p:nvSpPr>
+          <p:cNvPr id="58" name="ZoneTexte 57">
+            <a:extLst>
+              <a:ext uri="{FF2B5EF4-FFF2-40B4-BE49-F238E27FC236}">
+                <a16:creationId xmlns:a16="http://schemas.microsoft.com/office/drawing/2014/main" id="{5BF08727-6262-AD09-CCCB-0E8673CAA393}"/>
+              </a:ext>
+            </a:extLst>
+          </p:cNvPr>
+          <p:cNvSpPr txBox="1"/>
+          <p:nvPr/>
+        </p:nvSpPr>
+        <p:spPr>
+          <a:xfrm>
+            <a:off x="1622897" y="2385067"/>
+            <a:ext cx="1138817" cy="253916"/>
+          </a:xfrm>
+          <a:prstGeom prst="rect">
+            <a:avLst/>
+          </a:prstGeom>
+          <a:noFill/>
+        </p:spPr>
+        <p:txBody>
+          <a:bodyPr wrap="square" rtlCol="0">
+            <a:spAutoFit/>
+          </a:bodyPr>
+          <a:lstStyle/>
+          <a:p>
+            <a:r>
+              <a:rPr lang="fr-FR" sz="1050" dirty="0"/>
+              <a:t>RSG, Train épi</a:t>
+            </a:r>
+          </a:p>
+        </p:txBody>
+      </p:sp>
+      <p:sp>
+        <p:nvSpPr>
+          <p:cNvPr id="59" name="Éclair 58">
+            <a:extLst>
+              <a:ext uri="{FF2B5EF4-FFF2-40B4-BE49-F238E27FC236}">
+                <a16:creationId xmlns:a16="http://schemas.microsoft.com/office/drawing/2014/main" id="{1BE58A0E-8407-8E5B-829F-B7F802090640}"/>
+              </a:ext>
+            </a:extLst>
+          </p:cNvPr>
+          <p:cNvSpPr/>
+          <p:nvPr/>
+        </p:nvSpPr>
+        <p:spPr>
+          <a:xfrm rot="15660828" flipH="1">
+            <a:off x="907686" y="3413079"/>
+            <a:ext cx="250398" cy="438875"/>
+          </a:xfrm>
+          <a:prstGeom prst="lightningBolt">
+            <a:avLst/>
+          </a:prstGeom>
+          <a:solidFill>
+            <a:schemeClr val="tx2">
+              <a:lumMod val="40000"/>
+              <a:lumOff val="60000"/>
+            </a:schemeClr>
+          </a:solidFill>
+          <a:ln>
+            <a:solidFill>
+              <a:schemeClr val="tx2"/>
+            </a:solidFill>
+          </a:ln>
+        </p:spPr>
+        <p:style>
+          <a:lnRef idx="2">
+            <a:schemeClr val="accent1">
+              <a:shade val="15000"/>
+            </a:schemeClr>
+          </a:lnRef>
+          <a:fillRef idx="1">
+            <a:schemeClr val="accent1"/>
+          </a:fillRef>
+          <a:effectRef idx="0">
+            <a:schemeClr val="accent1"/>
+          </a:effectRef>
+          <a:fontRef idx="minor">
+            <a:schemeClr val="lt1"/>
+          </a:fontRef>
+        </p:style>
+        <p:txBody>
+          <a:bodyPr rtlCol="0" anchor="ctr"/>
+          <a:lstStyle/>
+          <a:p>
+            <a:pPr algn="ctr"/>
+            <a:endParaRPr lang="fr-FR"/>
+          </a:p>
+        </p:txBody>
+      </p:sp>
+      <p:sp>
+        <p:nvSpPr>
+          <p:cNvPr id="60" name="ZoneTexte 59">
+            <a:extLst>
+              <a:ext uri="{FF2B5EF4-FFF2-40B4-BE49-F238E27FC236}">
+                <a16:creationId xmlns:a16="http://schemas.microsoft.com/office/drawing/2014/main" id="{827F0F8C-FDDF-D433-9828-54BBC9CD5536}"/>
+              </a:ext>
+            </a:extLst>
+          </p:cNvPr>
+          <p:cNvSpPr txBox="1"/>
+          <p:nvPr/>
+        </p:nvSpPr>
+        <p:spPr>
+          <a:xfrm>
+            <a:off x="138350" y="3405036"/>
+            <a:ext cx="1138817" cy="253916"/>
+          </a:xfrm>
+          <a:prstGeom prst="rect">
+            <a:avLst/>
+          </a:prstGeom>
+          <a:noFill/>
+        </p:spPr>
+        <p:txBody>
+          <a:bodyPr wrap="square" rtlCol="0">
+            <a:spAutoFit/>
+          </a:bodyPr>
+          <a:lstStyle/>
+          <a:p>
+            <a:r>
+              <a:rPr lang="fr-FR" sz="1050" dirty="0"/>
+              <a:t>Pesanteur</a:t>
+            </a:r>
+          </a:p>
+        </p:txBody>
+      </p:sp>
+      <p:sp>
+        <p:nvSpPr>
+          <p:cNvPr id="61" name="Arc 60">
+            <a:extLst>
+              <a:ext uri="{FF2B5EF4-FFF2-40B4-BE49-F238E27FC236}">
+                <a16:creationId xmlns:a16="http://schemas.microsoft.com/office/drawing/2014/main" id="{8B52C3FD-1CC5-DC59-6B79-308BD02ED7CD}"/>
+              </a:ext>
+            </a:extLst>
+          </p:cNvPr>
+          <p:cNvSpPr/>
+          <p:nvPr/>
+        </p:nvSpPr>
+        <p:spPr>
+          <a:xfrm>
+            <a:off x="759077" y="1561580"/>
+            <a:ext cx="792398" cy="571315"/>
+          </a:xfrm>
+          <a:prstGeom prst="arc">
+            <a:avLst>
+              <a:gd name="adj1" fmla="val 10891815"/>
+              <a:gd name="adj2" fmla="val 0"/>
+            </a:avLst>
+          </a:prstGeom>
+          <a:ln w="28575">
+            <a:solidFill>
+              <a:srgbClr val="C00000"/>
+            </a:solidFill>
+            <a:headEnd type="stealth"/>
+            <a:tailEnd type="stealth"/>
+          </a:ln>
+        </p:spPr>
+        <p:style>
+          <a:lnRef idx="1">
+            <a:schemeClr val="accent1"/>
+          </a:lnRef>
+          <a:fillRef idx="0">
+            <a:schemeClr val="accent1"/>
+          </a:fillRef>
+          <a:effectRef idx="0">
+            <a:schemeClr val="accent1"/>
+          </a:effectRef>
+          <a:fontRef idx="minor">
+            <a:schemeClr val="tx1"/>
+          </a:fontRef>
+        </p:style>
+        <p:txBody>
+          <a:bodyPr rtlCol="0" anchor="ctr"/>
+          <a:lstStyle/>
+          <a:p>
+            <a:pPr algn="ctr"/>
+            <a:endParaRPr lang="fr-FR"/>
+          </a:p>
+        </p:txBody>
+      </p:sp>
+      <mc:AlternateContent xmlns:mc="http://schemas.openxmlformats.org/markup-compatibility/2006">
+        <mc:Choice xmlns:a14="http://schemas.microsoft.com/office/drawing/2010/main" Requires="a14">
+          <p:sp>
+            <p:nvSpPr>
+              <p:cNvPr id="62" name="ZoneTexte 61">
+                <a:extLst>
+                  <a:ext uri="{FF2B5EF4-FFF2-40B4-BE49-F238E27FC236}">
+                    <a16:creationId xmlns:a16="http://schemas.microsoft.com/office/drawing/2014/main" id="{4BB040D0-4753-1639-C25A-12D4A857DBF1}"/>
+                  </a:ext>
+                </a:extLst>
+              </p:cNvPr>
+              <p:cNvSpPr txBox="1"/>
+              <p:nvPr/>
+            </p:nvSpPr>
+            <p:spPr>
+              <a:xfrm>
+                <a:off x="695831" y="1677162"/>
+                <a:ext cx="891744" cy="415498"/>
+              </a:xfrm>
+              <a:prstGeom prst="rect">
+                <a:avLst/>
+              </a:prstGeom>
+              <a:noFill/>
+            </p:spPr>
+            <p:txBody>
+              <a:bodyPr wrap="square" rtlCol="0">
+                <a:spAutoFit/>
+              </a:bodyPr>
+              <a:lstStyle/>
+              <a:p>
+                <a:pPr algn="ctr"/>
+                <a:r>
+                  <a:rPr lang="fr-FR" sz="1050" dirty="0"/>
+                  <a:t>Pivot d’axe </a:t>
+                </a:r>
+                <a14:m>
+                  <m:oMath xmlns:m="http://schemas.openxmlformats.org/officeDocument/2006/math">
+                    <m:d>
+                      <m:dPr>
+                        <m:ctrlPr>
+                          <a:rPr lang="fr-FR" sz="1050" i="1" smtClean="0">
+                            <a:latin typeface="Cambria Math" panose="02040503050406030204" pitchFamily="18" charset="0"/>
+                          </a:rPr>
+                        </m:ctrlPr>
+                      </m:dPr>
+                      <m:e>
+                        <m:r>
+                          <a:rPr lang="fr-FR" sz="1050" b="0" i="1" smtClean="0">
+                            <a:latin typeface="Cambria Math" panose="02040503050406030204" pitchFamily="18" charset="0"/>
+                          </a:rPr>
+                          <m:t>𝐴</m:t>
+                        </m:r>
+                        <m:r>
+                          <a:rPr lang="fr-FR" sz="1050" b="0" i="1" smtClean="0">
+                            <a:latin typeface="Cambria Math" panose="02040503050406030204" pitchFamily="18" charset="0"/>
+                          </a:rPr>
+                          <m:t>,</m:t>
+                        </m:r>
+                        <m:acc>
+                          <m:accPr>
+                            <m:chr m:val="⃗"/>
+                            <m:ctrlPr>
+                              <a:rPr lang="fr-FR" sz="1050" b="0" i="1" smtClean="0">
+                                <a:latin typeface="Cambria Math" panose="02040503050406030204" pitchFamily="18" charset="0"/>
+                              </a:rPr>
+                            </m:ctrlPr>
+                          </m:accPr>
+                          <m:e>
+                            <m:r>
+                              <a:rPr lang="fr-FR" sz="1050" b="0" i="1" smtClean="0">
+                                <a:latin typeface="Cambria Math" panose="02040503050406030204" pitchFamily="18" charset="0"/>
+                              </a:rPr>
+                              <m:t>𝑥</m:t>
+                            </m:r>
+                          </m:e>
+                        </m:acc>
+                      </m:e>
+                    </m:d>
+                  </m:oMath>
+                </a14:m>
+                <a:endParaRPr lang="fr-FR" sz="1050" dirty="0"/>
+              </a:p>
+            </p:txBody>
+          </p:sp>
+        </mc:Choice>
+        <mc:Fallback>
+          <p:sp>
+            <p:nvSpPr>
+              <p:cNvPr id="62" name="ZoneTexte 61">
+                <a:extLst>
+                  <a:ext uri="{FF2B5EF4-FFF2-40B4-BE49-F238E27FC236}">
+                    <a16:creationId xmlns:a16="http://schemas.microsoft.com/office/drawing/2014/main" id="{4BB040D0-4753-1639-C25A-12D4A857DBF1}"/>
+                  </a:ext>
+                </a:extLst>
+              </p:cNvPr>
+              <p:cNvSpPr txBox="1">
+                <a:spLocks noRot="1" noChangeAspect="1" noMove="1" noResize="1" noEditPoints="1" noAdjustHandles="1" noChangeArrowheads="1" noChangeShapeType="1" noTextEdit="1"/>
+              </p:cNvSpPr>
+              <p:nvPr/>
+            </p:nvSpPr>
+            <p:spPr>
+              <a:xfrm>
+                <a:off x="695831" y="1677162"/>
+                <a:ext cx="891744" cy="415498"/>
+              </a:xfrm>
+              <a:prstGeom prst="rect">
+                <a:avLst/>
+              </a:prstGeom>
+              <a:blipFill>
+                <a:blip r:embed="rId9"/>
+                <a:stretch>
+                  <a:fillRect/>
+                </a:stretch>
+              </a:blipFill>
+            </p:spPr>
+            <p:txBody>
+              <a:bodyPr/>
+              <a:lstStyle/>
+              <a:p>
+                <a:r>
+                  <a:rPr lang="fr-FR">
+                    <a:noFill/>
+                  </a:rPr>
+                  <a:t> </a:t>
+                </a:r>
+              </a:p>
+            </p:txBody>
+          </p:sp>
+        </mc:Fallback>
+      </mc:AlternateContent>
+    </p:spTree>
+    <p:extLst>
+      <p:ext uri="{BB962C8B-B14F-4D97-AF65-F5344CB8AC3E}">
+        <p14:creationId xmlns:p14="http://schemas.microsoft.com/office/powerpoint/2010/main" val="305958691"/>
+      </p:ext>
+    </p:extLst>
+  </p:cSld>
+  <p:clrMapOvr>
+    <a:masterClrMapping/>
+  </p:clrMapOvr>
+</p:sld>
+</file>
+
+<file path=ppt/slides/slide11.xml><?xml version="1.0" encoding="utf-8"?>
+<p:sld xmlns:a="http://schemas.openxmlformats.org/drawingml/2006/main" xmlns:r="http://schemas.openxmlformats.org/officeDocument/2006/relationships" xmlns:p="http://schemas.openxmlformats.org/presentationml/2006/main">
+  <p:cSld>
+    <p:spTree>
+      <p:nvGrpSpPr>
+        <p:cNvPr id="1" name=""/>
+        <p:cNvGrpSpPr/>
+        <p:nvPr/>
+      </p:nvGrpSpPr>
+      <p:grpSpPr>
+        <a:xfrm>
+          <a:off x="0" y="0"/>
+          <a:ext cx="0" cy="0"/>
+          <a:chOff x="0" y="0"/>
+          <a:chExt cx="0" cy="0"/>
+        </a:xfrm>
+      </p:grpSpPr>
       <p:sp>
         <p:nvSpPr>
           <p:cNvPr id="2" name="Titre 1"/>
@@ -4487,7 +6877,7 @@
 </p:sld>
 </file>
 
-<file path=ppt/slides/slide11.xml><?xml version="1.0" encoding="utf-8"?>
+<file path=ppt/slides/slide12.xml><?xml version="1.0" encoding="utf-8"?>
 <p:sld xmlns:a="http://schemas.openxmlformats.org/drawingml/2006/main" xmlns:r="http://schemas.openxmlformats.org/officeDocument/2006/relationships" xmlns:p="http://schemas.openxmlformats.org/presentationml/2006/main">
   <p:cSld>
     <p:spTree>
@@ -4658,8 +7048,8 @@
           </a:p>
         </p:txBody>
       </p:sp>
-      <mc:AlternateContent xmlns:mc="http://schemas.openxmlformats.org/markup-compatibility/2006">
-        <mc:Choice xmlns:a14="http://schemas.microsoft.com/office/drawing/2010/main" Requires="a14">
+      <mc:AlternateContent xmlns:mc="http://schemas.openxmlformats.org/markup-compatibility/2006" xmlns:a14="http://schemas.microsoft.com/office/drawing/2010/main">
+        <mc:Choice Requires="a14">
           <p:sp>
             <p:nvSpPr>
               <p:cNvPr id="4" name="Espace réservé du contenu 2">
@@ -5480,7 +7870,7 @@
             </p:txBody>
           </p:sp>
         </mc:Choice>
-        <mc:Fallback>
+        <mc:Fallback xmlns="">
           <p:sp>
             <p:nvSpPr>
               <p:cNvPr id="4" name="Espace réservé du contenu 2">
@@ -5538,7 +7928,7 @@
 </p:sld>
 </file>
 
-<file path=ppt/slides/slide12.xml><?xml version="1.0" encoding="utf-8"?>
+<file path=ppt/slides/slide13.xml><?xml version="1.0" encoding="utf-8"?>
 <p:sld xmlns:a="http://schemas.openxmlformats.org/drawingml/2006/main" xmlns:r="http://schemas.openxmlformats.org/officeDocument/2006/relationships" xmlns:p="http://schemas.openxmlformats.org/presentationml/2006/main">
   <p:cSld>
     <p:spTree>
@@ -5945,7 +8335,7 @@
 </p:sld>
 </file>
 
-<file path=ppt/slides/slide13.xml><?xml version="1.0" encoding="utf-8"?>
+<file path=ppt/slides/slide14.xml><?xml version="1.0" encoding="utf-8"?>
 <p:sld xmlns:a="http://schemas.openxmlformats.org/drawingml/2006/main" xmlns:r="http://schemas.openxmlformats.org/officeDocument/2006/relationships" xmlns:p="http://schemas.openxmlformats.org/presentationml/2006/main">
   <p:cSld>
     <p:spTree>
@@ -8284,7 +10674,7 @@
                 </a:solidFill>
                 <a:latin typeface="Arial Nova" panose="020B0504020202020204" pitchFamily="34" charset="0"/>
               </a:rPr>
-              <a:t>Poignée</a:t>
+              <a:t>Apporte une aide au déplacement de le charge</a:t>
             </a:r>
           </a:p>
         </p:txBody>
@@ -8574,8 +10964,8 @@
           </p:nvSpPr>
           <p:spPr>
             <a:xfrm rot="16200000">
-              <a:off x="8815678" y="3247763"/>
-              <a:ext cx="1918043" cy="369332"/>
+              <a:off x="8815678" y="3317013"/>
+              <a:ext cx="1918043" cy="230832"/>
             </a:xfrm>
             <a:prstGeom prst="rect">
               <a:avLst/>
@@ -8598,7 +10988,7 @@
                   </a:solidFill>
                   <a:latin typeface="Arial Nova" panose="020B0504020202020204" pitchFamily="34" charset="0"/>
                 </a:rPr>
-                <a:t>Poignée en position finale</a:t>
+                <a:t>charge en position finale</a:t>
               </a:r>
             </a:p>
           </p:txBody>
@@ -8723,7 +11113,7 @@
                   </a:solidFill>
                   <a:latin typeface="Arial Nova" panose="020B0504020202020204" pitchFamily="34" charset="0"/>
                 </a:rPr>
-                <a:t>Poignée en position initiale</a:t>
+                <a:t>Charge en position initiale</a:t>
               </a:r>
             </a:p>
           </p:txBody>
@@ -11659,14 +14049,7 @@
                         <a:latin typeface="Cambria Math" panose="02040503050406030204" pitchFamily="18" charset="0"/>
                         <a:ea typeface="Cambria Math" panose="02040503050406030204" pitchFamily="18" charset="0"/>
                       </a:rPr>
-                      <m:t>=</m:t>
-                    </m:r>
-                    <m:r>
-                      <a:rPr lang="fr-FR" b="0" i="1" smtClean="0">
-                        <a:latin typeface="Cambria Math" panose="02040503050406030204" pitchFamily="18" charset="0"/>
-                        <a:ea typeface="Cambria Math" panose="02040503050406030204" pitchFamily="18" charset="0"/>
-                      </a:rPr>
-                      <m:t>0</m:t>
+                      <m:t>=0</m:t>
                     </m:r>
                   </m:oMath>
                 </a14:m>
@@ -11757,14 +14140,7 @@
                             <a:latin typeface="Cambria Math" panose="02040503050406030204" pitchFamily="18" charset="0"/>
                             <a:ea typeface="Cambria Math" panose="02040503050406030204" pitchFamily="18" charset="0"/>
                           </a:rPr>
-                          <m:t>0</m:t>
-                        </m:r>
-                        <m:r>
-                          <a:rPr lang="fr-FR" b="0" i="1" smtClean="0">
-                            <a:latin typeface="Cambria Math" panose="02040503050406030204" pitchFamily="18" charset="0"/>
-                            <a:ea typeface="Cambria Math" panose="02040503050406030204" pitchFamily="18" charset="0"/>
-                          </a:rPr>
-                          <m:t> </m:t>
+                          <m:t>0 </m:t>
                         </m:r>
                       </m:e>
                     </m:d>
@@ -11915,14 +14291,7 @@
                             <a:latin typeface="Cambria Math" panose="02040503050406030204" pitchFamily="18" charset="0"/>
                             <a:ea typeface="Cambria Math" panose="02040503050406030204" pitchFamily="18" charset="0"/>
                           </a:rPr>
-                          <m:t>0</m:t>
-                        </m:r>
-                        <m:r>
-                          <a:rPr lang="fr-FR" b="0" i="1" smtClean="0">
-                            <a:latin typeface="Cambria Math" panose="02040503050406030204" pitchFamily="18" charset="0"/>
-                            <a:ea typeface="Cambria Math" panose="02040503050406030204" pitchFamily="18" charset="0"/>
-                          </a:rPr>
-                          <m:t> </m:t>
+                          <m:t>0 </m:t>
                         </m:r>
                       </m:e>
                     </m:d>
@@ -13404,14 +15773,7 @@
                           <a:latin typeface="Cambria Math" panose="02040503050406030204" pitchFamily="18" charset="0"/>
                           <a:ea typeface="Cambria Math" panose="02040503050406030204" pitchFamily="18" charset="0"/>
                         </a:rPr>
-                        <m:t>=</m:t>
-                      </m:r>
-                      <m:r>
-                        <a:rPr lang="fr-FR" b="0" i="1" smtClean="0">
-                          <a:latin typeface="Cambria Math" panose="02040503050406030204" pitchFamily="18" charset="0"/>
-                          <a:ea typeface="Cambria Math" panose="02040503050406030204" pitchFamily="18" charset="0"/>
-                        </a:rPr>
-                        <m:t>0</m:t>
+                        <m:t>=0</m:t>
                       </m:r>
                     </m:oMath>
                   </m:oMathPara>
@@ -15241,7 +17603,10 @@
           <a:bodyPr/>
           <a:lstStyle/>
           <a:p>
-            <a:endParaRPr lang="fr-FR" dirty="0"/>
+            <a:r>
+              <a:rPr lang="fr-FR" dirty="0"/>
+              <a:t>Objectifs</a:t>
+            </a:r>
           </a:p>
         </p:txBody>
       </p:sp>

--- a/04_Comax/04_Comax_Corrige.pptx
+++ b/04_Comax/04_Comax_Corrige.pptx
@@ -5084,8 +5084,8 @@
           </a:fontRef>
         </p:style>
       </p:cxnSp>
-      <mc:AlternateContent xmlns:mc="http://schemas.openxmlformats.org/markup-compatibility/2006">
-        <mc:Choice xmlns:a14="http://schemas.microsoft.com/office/drawing/2010/main" Requires="a14">
+      <mc:AlternateContent xmlns:mc="http://schemas.openxmlformats.org/markup-compatibility/2006" xmlns:a14="http://schemas.microsoft.com/office/drawing/2010/main">
+        <mc:Choice Requires="a14">
           <p:sp>
             <p:nvSpPr>
               <p:cNvPr id="33" name="ZoneTexte 32">
@@ -5114,6 +5114,7 @@
               </a:bodyPr>
               <a:lstStyle/>
               <a:p>
+                <a:pPr/>
                 <a14:m>
                   <m:oMathPara xmlns:m="http://schemas.openxmlformats.org/officeDocument/2006/math">
                     <m:oMathParaPr>
@@ -5146,7 +5147,7 @@
             </p:txBody>
           </p:sp>
         </mc:Choice>
-        <mc:Fallback>
+        <mc:Fallback xmlns="">
           <p:sp>
             <p:nvSpPr>
               <p:cNvPr id="33" name="ZoneTexte 32">
@@ -5191,8 +5192,8 @@
           </p:sp>
         </mc:Fallback>
       </mc:AlternateContent>
-      <mc:AlternateContent xmlns:mc="http://schemas.openxmlformats.org/markup-compatibility/2006">
-        <mc:Choice xmlns:a14="http://schemas.microsoft.com/office/drawing/2010/main" Requires="a14">
+      <mc:AlternateContent xmlns:mc="http://schemas.openxmlformats.org/markup-compatibility/2006" xmlns:a14="http://schemas.microsoft.com/office/drawing/2010/main">
+        <mc:Choice Requires="a14">
           <p:sp>
             <p:nvSpPr>
               <p:cNvPr id="34" name="ZoneTexte 33">
@@ -5221,6 +5222,7 @@
               </a:bodyPr>
               <a:lstStyle/>
               <a:p>
+                <a:pPr/>
                 <a14:m>
                   <m:oMathPara xmlns:m="http://schemas.openxmlformats.org/officeDocument/2006/math">
                     <m:oMathParaPr>
@@ -5253,7 +5255,7 @@
             </p:txBody>
           </p:sp>
         </mc:Choice>
-        <mc:Fallback>
+        <mc:Fallback xmlns="">
           <p:sp>
             <p:nvSpPr>
               <p:cNvPr id="34" name="ZoneTexte 33">
@@ -5298,8 +5300,8 @@
           </p:sp>
         </mc:Fallback>
       </mc:AlternateContent>
-      <mc:AlternateContent xmlns:mc="http://schemas.openxmlformats.org/markup-compatibility/2006">
-        <mc:Choice xmlns:a14="http://schemas.microsoft.com/office/drawing/2010/main" Requires="a14">
+      <mc:AlternateContent xmlns:mc="http://schemas.openxmlformats.org/markup-compatibility/2006" xmlns:a14="http://schemas.microsoft.com/office/drawing/2010/main">
+        <mc:Choice Requires="a14">
           <p:sp>
             <p:nvSpPr>
               <p:cNvPr id="35" name="ZoneTexte 34">
@@ -5328,6 +5330,7 @@
               </a:bodyPr>
               <a:lstStyle/>
               <a:p>
+                <a:pPr/>
                 <a14:m>
                   <m:oMathPara xmlns:m="http://schemas.openxmlformats.org/officeDocument/2006/math">
                     <m:oMathParaPr>
@@ -5360,7 +5363,7 @@
             </p:txBody>
           </p:sp>
         </mc:Choice>
-        <mc:Fallback>
+        <mc:Fallback xmlns="">
           <p:sp>
             <p:nvSpPr>
               <p:cNvPr id="35" name="ZoneTexte 34">
@@ -5647,8 +5650,8 @@
           </a:fontRef>
         </p:style>
       </p:cxnSp>
-      <mc:AlternateContent xmlns:mc="http://schemas.openxmlformats.org/markup-compatibility/2006">
-        <mc:Choice xmlns:a14="http://schemas.microsoft.com/office/drawing/2010/main" Requires="a14">
+      <mc:AlternateContent xmlns:mc="http://schemas.openxmlformats.org/markup-compatibility/2006" xmlns:a14="http://schemas.microsoft.com/office/drawing/2010/main">
+        <mc:Choice Requires="a14">
           <p:sp>
             <p:nvSpPr>
               <p:cNvPr id="52" name="ZoneTexte 51">
@@ -5739,7 +5742,7 @@
             </p:txBody>
           </p:sp>
         </mc:Choice>
-        <mc:Fallback>
+        <mc:Fallback xmlns="">
           <p:sp>
             <p:nvSpPr>
               <p:cNvPr id="52" name="ZoneTexte 51">
@@ -5784,8 +5787,8 @@
           </p:sp>
         </mc:Fallback>
       </mc:AlternateContent>
-      <mc:AlternateContent xmlns:mc="http://schemas.openxmlformats.org/markup-compatibility/2006">
-        <mc:Choice xmlns:a14="http://schemas.microsoft.com/office/drawing/2010/main" Requires="a14">
+      <mc:AlternateContent xmlns:mc="http://schemas.openxmlformats.org/markup-compatibility/2006" xmlns:a14="http://schemas.microsoft.com/office/drawing/2010/main">
+        <mc:Choice Requires="a14">
           <p:sp>
             <p:nvSpPr>
               <p:cNvPr id="53" name="ZoneTexte 52">
@@ -5845,7 +5848,7 @@
             </p:txBody>
           </p:sp>
         </mc:Choice>
-        <mc:Fallback>
+        <mc:Fallback xmlns="">
           <p:sp>
             <p:nvSpPr>
               <p:cNvPr id="53" name="ZoneTexte 52">
@@ -5890,8 +5893,8 @@
           </p:sp>
         </mc:Fallback>
       </mc:AlternateContent>
-      <mc:AlternateContent xmlns:mc="http://schemas.openxmlformats.org/markup-compatibility/2006">
-        <mc:Choice xmlns:a14="http://schemas.microsoft.com/office/drawing/2010/main" Requires="a14">
+      <mc:AlternateContent xmlns:mc="http://schemas.openxmlformats.org/markup-compatibility/2006" xmlns:a14="http://schemas.microsoft.com/office/drawing/2010/main">
+        <mc:Choice Requires="a14">
           <p:sp>
             <p:nvSpPr>
               <p:cNvPr id="56" name="ZoneTexte 55">
@@ -5974,7 +5977,7 @@
             </p:txBody>
           </p:sp>
         </mc:Choice>
-        <mc:Fallback>
+        <mc:Fallback xmlns="">
           <p:sp>
             <p:nvSpPr>
               <p:cNvPr id="56" name="ZoneTexte 55">
@@ -6235,8 +6238,8 @@
           </a:p>
         </p:txBody>
       </p:sp>
-      <mc:AlternateContent xmlns:mc="http://schemas.openxmlformats.org/markup-compatibility/2006">
-        <mc:Choice xmlns:a14="http://schemas.microsoft.com/office/drawing/2010/main" Requires="a14">
+      <mc:AlternateContent xmlns:mc="http://schemas.openxmlformats.org/markup-compatibility/2006" xmlns:a14="http://schemas.microsoft.com/office/drawing/2010/main">
+        <mc:Choice Requires="a14">
           <p:sp>
             <p:nvSpPr>
               <p:cNvPr id="62" name="ZoneTexte 61">
@@ -6320,7 +6323,7 @@
             </p:txBody>
           </p:sp>
         </mc:Choice>
-        <mc:Fallback>
+        <mc:Fallback xmlns="">
           <p:sp>
             <p:nvSpPr>
               <p:cNvPr id="62" name="ZoneTexte 61">
@@ -14547,8 +14550,8 @@
           </p:sp>
         </mc:Fallback>
       </mc:AlternateContent>
-      <mc:AlternateContent xmlns:mc="http://schemas.openxmlformats.org/markup-compatibility/2006" xmlns:a14="http://schemas.microsoft.com/office/drawing/2010/main">
-        <mc:Choice Requires="a14">
+      <mc:AlternateContent xmlns:mc="http://schemas.openxmlformats.org/markup-compatibility/2006">
+        <mc:Choice xmlns:a14="http://schemas.microsoft.com/office/drawing/2010/main" Requires="a14">
           <p:sp>
             <p:nvSpPr>
               <p:cNvPr id="4" name="Espace réservé du contenu 2">
@@ -14829,7 +14832,7 @@
               <a:p>
                 <a:r>
                   <a:rPr lang="fr-FR" dirty="0"/>
-                  <a:t>Calcul de l’énergie cinétique :</a:t>
+                  <a:t>Calcul de l’énergie cinétique</a:t>
                 </a:r>
               </a:p>
               <a:p>
@@ -15872,7 +15875,7 @@
             </p:txBody>
           </p:sp>
         </mc:Choice>
-        <mc:Fallback xmlns="">
+        <mc:Fallback>
           <p:sp>
             <p:nvSpPr>
               <p:cNvPr id="4" name="Espace réservé du contenu 2">
@@ -15898,7 +15901,7 @@
               <a:blipFill>
                 <a:blip r:embed="rId3"/>
                 <a:stretch>
-                  <a:fillRect l="-2446" t="-2894" r="-2752"/>
+                  <a:fillRect l="-2446" t="-2894" r="-2446"/>
                 </a:stretch>
               </a:blipFill>
             </p:spPr>
@@ -16123,7 +16126,13 @@
                           <a:rPr lang="fr-FR" b="0" i="1" smtClean="0">
                             <a:latin typeface="Cambria Math" panose="02040503050406030204" pitchFamily="18" charset="0"/>
                           </a:rPr>
-                          <m:t>𝑚h</m:t>
+                          <m:t>𝑚</m:t>
+                        </m:r>
+                        <m:r>
+                          <a:rPr lang="fr-FR" b="0" i="1" smtClean="0">
+                            <a:latin typeface="Cambria Math" panose="02040503050406030204" pitchFamily="18" charset="0"/>
+                          </a:rPr>
+                          <m:t>h</m:t>
                         </m:r>
                       </m:sub>
                     </m:sSub>
@@ -16174,7 +16183,13 @@
                       <a:rPr lang="fr-FR" b="0" i="1" smtClean="0">
                         <a:latin typeface="Cambria Math" panose="02040503050406030204" pitchFamily="18" charset="0"/>
                       </a:rPr>
-                      <m:t>=0</m:t>
+                      <m:t>=</m:t>
+                    </m:r>
+                    <m:r>
+                      <a:rPr lang="fr-FR" b="0" i="1" smtClean="0">
+                        <a:latin typeface="Cambria Math" panose="02040503050406030204" pitchFamily="18" charset="0"/>
+                      </a:rPr>
+                      <m:t>0</m:t>
                     </m:r>
                   </m:oMath>
                 </a14:m>
@@ -16264,7 +16279,13 @@
                       <a:rPr lang="fr-FR" b="0" i="1" smtClean="0">
                         <a:latin typeface="Cambria Math" panose="02040503050406030204" pitchFamily="18" charset="0"/>
                       </a:rPr>
-                      <m:t>=0</m:t>
+                      <m:t>=</m:t>
+                    </m:r>
+                    <m:r>
+                      <a:rPr lang="fr-FR" b="0" i="1" smtClean="0">
+                        <a:latin typeface="Cambria Math" panose="02040503050406030204" pitchFamily="18" charset="0"/>
+                      </a:rPr>
+                      <m:t>0</m:t>
                     </m:r>
                   </m:oMath>
                 </a14:m>
@@ -16295,7 +16316,13 @@
                           <a:rPr lang="fr-FR" b="0" i="1" smtClean="0">
                             <a:latin typeface="Cambria Math" panose="02040503050406030204" pitchFamily="18" charset="0"/>
                           </a:rPr>
-                          <m:t>𝑚h</m:t>
+                          <m:t>𝑚</m:t>
+                        </m:r>
+                        <m:r>
+                          <a:rPr lang="fr-FR" b="0" i="1" smtClean="0">
+                            <a:latin typeface="Cambria Math" panose="02040503050406030204" pitchFamily="18" charset="0"/>
+                          </a:rPr>
+                          <m:t>h</m:t>
                         </m:r>
                       </m:sub>
                     </m:sSub>
@@ -16334,7 +16361,13 @@
                       <a:rPr lang="fr-FR" b="0" i="1" smtClean="0">
                         <a:latin typeface="Cambria Math" panose="02040503050406030204" pitchFamily="18" charset="0"/>
                       </a:rPr>
-                      <m:t>=2</m:t>
+                      <m:t>=</m:t>
+                    </m:r>
+                    <m:r>
+                      <a:rPr lang="fr-FR" b="0" i="1" smtClean="0">
+                        <a:latin typeface="Cambria Math" panose="02040503050406030204" pitchFamily="18" charset="0"/>
+                      </a:rPr>
+                      <m:t>2</m:t>
                     </m:r>
                     <m:r>
                       <a:rPr lang="fr-FR" b="0" i="1" smtClean="0">
@@ -16390,7 +16423,13 @@
                               <a:rPr lang="fr-FR" i="1">
                                 <a:latin typeface="Cambria Math" panose="02040503050406030204" pitchFamily="18" charset="0"/>
                               </a:rPr>
-                              <m:t>𝑚h</m:t>
+                              <m:t>𝑚</m:t>
+                            </m:r>
+                            <m:r>
+                              <a:rPr lang="fr-FR" i="1">
+                                <a:latin typeface="Cambria Math" panose="02040503050406030204" pitchFamily="18" charset="0"/>
+                              </a:rPr>
+                              <m:t>h</m:t>
                             </m:r>
                           </m:sub>
                         </m:sSub>
@@ -16470,7 +16509,13 @@
                           <a:rPr lang="fr-FR" b="0" i="1" smtClean="0">
                             <a:latin typeface="Cambria Math" panose="02040503050406030204" pitchFamily="18" charset="0"/>
                           </a:rPr>
-                          <m:t>𝑚h</m:t>
+                          <m:t>𝑚</m:t>
+                        </m:r>
+                        <m:r>
+                          <a:rPr lang="fr-FR" b="0" i="1" smtClean="0">
+                            <a:latin typeface="Cambria Math" panose="02040503050406030204" pitchFamily="18" charset="0"/>
+                          </a:rPr>
+                          <m:t>h</m:t>
                         </m:r>
                       </m:sub>
                     </m:sSub>
@@ -16509,7 +16554,13 @@
                       <a:rPr lang="fr-FR" b="0" i="1" smtClean="0">
                         <a:latin typeface="Cambria Math" panose="02040503050406030204" pitchFamily="18" charset="0"/>
                       </a:rPr>
-                      <m:t>−2</m:t>
+                      <m:t>−</m:t>
+                    </m:r>
+                    <m:r>
+                      <a:rPr lang="fr-FR" b="0" i="1" smtClean="0">
+                        <a:latin typeface="Cambria Math" panose="02040503050406030204" pitchFamily="18" charset="0"/>
+                      </a:rPr>
+                      <m:t>2</m:t>
                     </m:r>
                     <m:sSub>
                       <m:sSubPr>
@@ -16540,7 +16591,19 @@
                       <a:rPr lang="fr-FR" b="0" i="1" smtClean="0">
                         <a:latin typeface="Cambria Math" panose="02040503050406030204" pitchFamily="18" charset="0"/>
                       </a:rPr>
-                      <m:t>=0⇒</m:t>
+                      <m:t>=</m:t>
+                    </m:r>
+                    <m:r>
+                      <a:rPr lang="fr-FR" b="0" i="1" smtClean="0">
+                        <a:latin typeface="Cambria Math" panose="02040503050406030204" pitchFamily="18" charset="0"/>
+                      </a:rPr>
+                      <m:t>0</m:t>
+                    </m:r>
+                    <m:r>
+                      <a:rPr lang="fr-FR" b="0" i="1" smtClean="0">
+                        <a:latin typeface="Cambria Math" panose="02040503050406030204" pitchFamily="18" charset="0"/>
+                      </a:rPr>
+                      <m:t>⇒</m:t>
                     </m:r>
                     <m:sSub>
                       <m:sSubPr>
@@ -16603,7 +16666,13 @@
                               <a:rPr lang="fr-FR" i="1">
                                 <a:latin typeface="Cambria Math" panose="02040503050406030204" pitchFamily="18" charset="0"/>
                               </a:rPr>
-                              <m:t>𝑚h</m:t>
+                              <m:t>𝑚</m:t>
+                            </m:r>
+                            <m:r>
+                              <a:rPr lang="fr-FR" i="1">
+                                <a:latin typeface="Cambria Math" panose="02040503050406030204" pitchFamily="18" charset="0"/>
+                              </a:rPr>
+                              <m:t>h</m:t>
                             </m:r>
                           </m:sub>
                         </m:sSub>
@@ -17017,7 +17086,31 @@
                       <a:rPr lang="fr-FR" i="1">
                         <a:latin typeface="Cambria Math" panose="02040503050406030204" pitchFamily="18" charset="0"/>
                       </a:rPr>
-                      <m:t>=1,1 </m:t>
+                      <m:t>=</m:t>
+                    </m:r>
+                    <m:r>
+                      <a:rPr lang="fr-FR" i="1">
+                        <a:latin typeface="Cambria Math" panose="02040503050406030204" pitchFamily="18" charset="0"/>
+                      </a:rPr>
+                      <m:t>1</m:t>
+                    </m:r>
+                    <m:r>
+                      <a:rPr lang="fr-FR" i="1">
+                        <a:latin typeface="Cambria Math" panose="02040503050406030204" pitchFamily="18" charset="0"/>
+                      </a:rPr>
+                      <m:t>,</m:t>
+                    </m:r>
+                    <m:r>
+                      <a:rPr lang="fr-FR" i="1">
+                        <a:latin typeface="Cambria Math" panose="02040503050406030204" pitchFamily="18" charset="0"/>
+                      </a:rPr>
+                      <m:t>1</m:t>
+                    </m:r>
+                    <m:r>
+                      <a:rPr lang="fr-FR" i="1">
+                        <a:latin typeface="Cambria Math" panose="02040503050406030204" pitchFamily="18" charset="0"/>
+                      </a:rPr>
+                      <m:t> </m:t>
                     </m:r>
                     <m:r>
                       <m:rPr>
@@ -17065,7 +17158,31 @@
                       <a:rPr lang="fr-FR" b="0" i="1" smtClean="0">
                         <a:latin typeface="Cambria Math" panose="02040503050406030204" pitchFamily="18" charset="0"/>
                       </a:rPr>
-                      <m:t>=0,0331 </m:t>
+                      <m:t>=</m:t>
+                    </m:r>
+                    <m:r>
+                      <a:rPr lang="fr-FR" b="0" i="1" smtClean="0">
+                        <a:latin typeface="Cambria Math" panose="02040503050406030204" pitchFamily="18" charset="0"/>
+                      </a:rPr>
+                      <m:t>0</m:t>
+                    </m:r>
+                    <m:r>
+                      <a:rPr lang="fr-FR" b="0" i="1" smtClean="0">
+                        <a:latin typeface="Cambria Math" panose="02040503050406030204" pitchFamily="18" charset="0"/>
+                      </a:rPr>
+                      <m:t>,</m:t>
+                    </m:r>
+                    <m:r>
+                      <a:rPr lang="fr-FR" b="0" i="1" smtClean="0">
+                        <a:latin typeface="Cambria Math" panose="02040503050406030204" pitchFamily="18" charset="0"/>
+                      </a:rPr>
+                      <m:t>0331</m:t>
+                    </m:r>
+                    <m:r>
+                      <a:rPr lang="fr-FR" b="0" i="1" smtClean="0">
+                        <a:latin typeface="Cambria Math" panose="02040503050406030204" pitchFamily="18" charset="0"/>
+                      </a:rPr>
+                      <m:t> </m:t>
                     </m:r>
                     <m:r>
                       <m:rPr>
@@ -17113,7 +17230,31 @@
                       <a:rPr lang="fr-FR" i="1">
                         <a:latin typeface="Cambria Math" panose="02040503050406030204" pitchFamily="18" charset="0"/>
                       </a:rPr>
-                      <m:t>=31,79 </m:t>
+                      <m:t>=</m:t>
+                    </m:r>
+                    <m:r>
+                      <a:rPr lang="fr-FR" i="1">
+                        <a:latin typeface="Cambria Math" panose="02040503050406030204" pitchFamily="18" charset="0"/>
+                      </a:rPr>
+                      <m:t>31</m:t>
+                    </m:r>
+                    <m:r>
+                      <a:rPr lang="fr-FR" i="1">
+                        <a:latin typeface="Cambria Math" panose="02040503050406030204" pitchFamily="18" charset="0"/>
+                      </a:rPr>
+                      <m:t>,</m:t>
+                    </m:r>
+                    <m:r>
+                      <a:rPr lang="fr-FR" i="1">
+                        <a:latin typeface="Cambria Math" panose="02040503050406030204" pitchFamily="18" charset="0"/>
+                      </a:rPr>
+                      <m:t>79</m:t>
+                    </m:r>
+                    <m:r>
+                      <a:rPr lang="fr-FR" i="1">
+                        <a:latin typeface="Cambria Math" panose="02040503050406030204" pitchFamily="18" charset="0"/>
+                      </a:rPr>
+                      <m:t> </m:t>
                     </m:r>
                     <m:r>
                       <m:rPr>
@@ -17161,7 +17302,31 @@
                       <a:rPr lang="fr-FR" b="0" i="1" smtClean="0">
                         <a:latin typeface="Cambria Math" panose="02040503050406030204" pitchFamily="18" charset="0"/>
                       </a:rPr>
-                      <m:t>=2,7 </m:t>
+                      <m:t>=</m:t>
+                    </m:r>
+                    <m:r>
+                      <a:rPr lang="fr-FR" b="0" i="1" smtClean="0">
+                        <a:latin typeface="Cambria Math" panose="02040503050406030204" pitchFamily="18" charset="0"/>
+                      </a:rPr>
+                      <m:t>2</m:t>
+                    </m:r>
+                    <m:r>
+                      <a:rPr lang="fr-FR" b="0" i="1" smtClean="0">
+                        <a:latin typeface="Cambria Math" panose="02040503050406030204" pitchFamily="18" charset="0"/>
+                      </a:rPr>
+                      <m:t>,</m:t>
+                    </m:r>
+                    <m:r>
+                      <a:rPr lang="fr-FR" b="0" i="1" smtClean="0">
+                        <a:latin typeface="Cambria Math" panose="02040503050406030204" pitchFamily="18" charset="0"/>
+                      </a:rPr>
+                      <m:t>7</m:t>
+                    </m:r>
+                    <m:r>
+                      <a:rPr lang="fr-FR" b="0" i="1" smtClean="0">
+                        <a:latin typeface="Cambria Math" panose="02040503050406030204" pitchFamily="18" charset="0"/>
+                      </a:rPr>
+                      <m:t> </m:t>
                     </m:r>
                     <m:r>
                       <m:rPr>
@@ -17201,7 +17366,13 @@
                           <a:rPr lang="fr-FR" b="0" i="1" smtClean="0">
                             <a:latin typeface="Cambria Math" panose="02040503050406030204" pitchFamily="18" charset="0"/>
                           </a:rPr>
-                          <m:t>𝑚h</m:t>
+                          <m:t>𝑚</m:t>
+                        </m:r>
+                        <m:r>
+                          <a:rPr lang="fr-FR" b="0" i="1" smtClean="0">
+                            <a:latin typeface="Cambria Math" panose="02040503050406030204" pitchFamily="18" charset="0"/>
+                          </a:rPr>
+                          <m:t>h</m:t>
                         </m:r>
                       </m:sub>
                     </m:sSub>
@@ -17209,7 +17380,31 @@
                       <a:rPr lang="fr-FR" b="0" i="1" smtClean="0">
                         <a:latin typeface="Cambria Math" panose="02040503050406030204" pitchFamily="18" charset="0"/>
                       </a:rPr>
-                      <m:t>=0,0813 </m:t>
+                      <m:t>=</m:t>
+                    </m:r>
+                    <m:r>
+                      <a:rPr lang="fr-FR" b="0" i="1" smtClean="0">
+                        <a:latin typeface="Cambria Math" panose="02040503050406030204" pitchFamily="18" charset="0"/>
+                      </a:rPr>
+                      <m:t>0</m:t>
+                    </m:r>
+                    <m:r>
+                      <a:rPr lang="fr-FR" b="0" i="1" smtClean="0">
+                        <a:latin typeface="Cambria Math" panose="02040503050406030204" pitchFamily="18" charset="0"/>
+                      </a:rPr>
+                      <m:t>,</m:t>
+                    </m:r>
+                    <m:r>
+                      <a:rPr lang="fr-FR" b="0" i="1" smtClean="0">
+                        <a:latin typeface="Cambria Math" panose="02040503050406030204" pitchFamily="18" charset="0"/>
+                      </a:rPr>
+                      <m:t>0813</m:t>
+                    </m:r>
+                    <m:r>
+                      <a:rPr lang="fr-FR" b="0" i="1" smtClean="0">
+                        <a:latin typeface="Cambria Math" panose="02040503050406030204" pitchFamily="18" charset="0"/>
+                      </a:rPr>
+                      <m:t> </m:t>
                     </m:r>
                     <m:r>
                       <m:rPr>
@@ -17249,7 +17444,13 @@
                           <a:rPr lang="fr-FR" b="0" i="1" smtClean="0">
                             <a:latin typeface="Cambria Math" panose="02040503050406030204" pitchFamily="18" charset="0"/>
                           </a:rPr>
-                          <m:t>𝑚h</m:t>
+                          <m:t>𝑚</m:t>
+                        </m:r>
+                        <m:r>
+                          <a:rPr lang="fr-FR" b="0" i="1" smtClean="0">
+                            <a:latin typeface="Cambria Math" panose="02040503050406030204" pitchFamily="18" charset="0"/>
+                          </a:rPr>
+                          <m:t>h</m:t>
                         </m:r>
                       </m:sub>
                     </m:sSub>
@@ -17257,7 +17458,19 @@
                       <a:rPr lang="fr-FR" i="1">
                         <a:latin typeface="Cambria Math" panose="02040503050406030204" pitchFamily="18" charset="0"/>
                       </a:rPr>
-                      <m:t>=78 </m:t>
+                      <m:t>=</m:t>
+                    </m:r>
+                    <m:r>
+                      <a:rPr lang="fr-FR" i="1">
+                        <a:latin typeface="Cambria Math" panose="02040503050406030204" pitchFamily="18" charset="0"/>
+                      </a:rPr>
+                      <m:t>78</m:t>
+                    </m:r>
+                    <m:r>
+                      <a:rPr lang="fr-FR" i="1">
+                        <a:latin typeface="Cambria Math" panose="02040503050406030204" pitchFamily="18" charset="0"/>
+                      </a:rPr>
+                      <m:t> </m:t>
                     </m:r>
                     <m:r>
                       <m:rPr>
@@ -17301,7 +17514,31 @@
                       <a:rPr lang="fr-FR" b="0" i="1" smtClean="0">
                         <a:latin typeface="Cambria Math" panose="02040503050406030204" pitchFamily="18" charset="0"/>
                       </a:rPr>
-                      <m:t>=5,59 </m:t>
+                      <m:t>=</m:t>
+                    </m:r>
+                    <m:r>
+                      <a:rPr lang="fr-FR" b="0" i="1" smtClean="0">
+                        <a:latin typeface="Cambria Math" panose="02040503050406030204" pitchFamily="18" charset="0"/>
+                      </a:rPr>
+                      <m:t>5</m:t>
+                    </m:r>
+                    <m:r>
+                      <a:rPr lang="fr-FR" b="0" i="1" smtClean="0">
+                        <a:latin typeface="Cambria Math" panose="02040503050406030204" pitchFamily="18" charset="0"/>
+                      </a:rPr>
+                      <m:t>,</m:t>
+                    </m:r>
+                    <m:r>
+                      <a:rPr lang="fr-FR" b="0" i="1" smtClean="0">
+                        <a:latin typeface="Cambria Math" panose="02040503050406030204" pitchFamily="18" charset="0"/>
+                      </a:rPr>
+                      <m:t>59</m:t>
+                    </m:r>
+                    <m:r>
+                      <a:rPr lang="fr-FR" b="0" i="1" smtClean="0">
+                        <a:latin typeface="Cambria Math" panose="02040503050406030204" pitchFamily="18" charset="0"/>
+                      </a:rPr>
+                      <m:t> </m:t>
                     </m:r>
                     <m:r>
                       <m:rPr>
@@ -17349,7 +17586,31 @@
                       <a:rPr lang="fr-FR" b="0" i="1" smtClean="0">
                         <a:latin typeface="Cambria Math" panose="02040503050406030204" pitchFamily="18" charset="0"/>
                       </a:rPr>
-                      <m:t>=20 à 23 </m:t>
+                      <m:t>=</m:t>
+                    </m:r>
+                    <m:r>
+                      <a:rPr lang="fr-FR" b="0" i="1" smtClean="0">
+                        <a:latin typeface="Cambria Math" panose="02040503050406030204" pitchFamily="18" charset="0"/>
+                      </a:rPr>
+                      <m:t>20</m:t>
+                    </m:r>
+                    <m:r>
+                      <a:rPr lang="fr-FR" b="0" i="1" smtClean="0">
+                        <a:latin typeface="Cambria Math" panose="02040503050406030204" pitchFamily="18" charset="0"/>
+                      </a:rPr>
+                      <m:t> à </m:t>
+                    </m:r>
+                    <m:r>
+                      <a:rPr lang="fr-FR" b="0" i="1" smtClean="0">
+                        <a:latin typeface="Cambria Math" panose="02040503050406030204" pitchFamily="18" charset="0"/>
+                      </a:rPr>
+                      <m:t>23</m:t>
+                    </m:r>
+                    <m:r>
+                      <a:rPr lang="fr-FR" b="0" i="1" smtClean="0">
+                        <a:latin typeface="Cambria Math" panose="02040503050406030204" pitchFamily="18" charset="0"/>
+                      </a:rPr>
+                      <m:t> </m:t>
                     </m:r>
                     <m:r>
                       <m:rPr>
@@ -17403,7 +17664,25 @@
                       <a:rPr lang="fr-FR" b="0" i="0" smtClean="0">
                         <a:latin typeface="Cambria Math" panose="02040503050406030204" pitchFamily="18" charset="0"/>
                       </a:rPr>
-                      <m:t>0,024 </m:t>
+                      <m:t>0</m:t>
+                    </m:r>
+                    <m:r>
+                      <a:rPr lang="fr-FR" b="0" i="0" smtClean="0">
+                        <a:latin typeface="Cambria Math" panose="02040503050406030204" pitchFamily="18" charset="0"/>
+                      </a:rPr>
+                      <m:t>,</m:t>
+                    </m:r>
+                    <m:r>
+                      <a:rPr lang="fr-FR" b="0" i="0" smtClean="0">
+                        <a:latin typeface="Cambria Math" panose="02040503050406030204" pitchFamily="18" charset="0"/>
+                      </a:rPr>
+                      <m:t>024</m:t>
+                    </m:r>
+                    <m:r>
+                      <a:rPr lang="fr-FR" b="0" i="0" smtClean="0">
+                        <a:latin typeface="Cambria Math" panose="02040503050406030204" pitchFamily="18" charset="0"/>
+                      </a:rPr>
+                      <m:t> </m:t>
                     </m:r>
                     <m:r>
                       <m:rPr>

--- a/04_Comax/04_Comax_Corrige.pptx
+++ b/04_Comax/04_Comax_Corrige.pptx
@@ -365,7 +365,7 @@
           <a:p>
             <a:fld id="{D7F135F6-2A09-4FDD-9ECA-096E230CA0FA}" type="datetimeFigureOut">
               <a:rPr lang="fr-FR" smtClean="0"/>
-              <a:t>27/01/2024</a:t>
+              <a:t>30/01/2024</a:t>
             </a:fld>
             <a:endParaRPr lang="fr-FR"/>
           </a:p>
@@ -570,7 +570,7 @@
           <a:p>
             <a:fld id="{D7F135F6-2A09-4FDD-9ECA-096E230CA0FA}" type="datetimeFigureOut">
               <a:rPr lang="fr-FR" smtClean="0"/>
-              <a:t>27/01/2024</a:t>
+              <a:t>30/01/2024</a:t>
             </a:fld>
             <a:endParaRPr lang="fr-FR"/>
           </a:p>
@@ -826,7 +826,7 @@
           <a:p>
             <a:fld id="{D7F135F6-2A09-4FDD-9ECA-096E230CA0FA}" type="datetimeFigureOut">
               <a:rPr lang="fr-FR" smtClean="0"/>
-              <a:t>27/01/2024</a:t>
+              <a:t>30/01/2024</a:t>
             </a:fld>
             <a:endParaRPr lang="fr-FR"/>
           </a:p>
@@ -1032,7 +1032,7 @@
           <a:p>
             <a:fld id="{D7F135F6-2A09-4FDD-9ECA-096E230CA0FA}" type="datetimeFigureOut">
               <a:rPr lang="fr-FR" smtClean="0"/>
-              <a:t>27/01/2024</a:t>
+              <a:t>30/01/2024</a:t>
             </a:fld>
             <a:endParaRPr lang="fr-FR"/>
           </a:p>
@@ -1394,7 +1394,7 @@
           <a:p>
             <a:fld id="{D7F135F6-2A09-4FDD-9ECA-096E230CA0FA}" type="datetimeFigureOut">
               <a:rPr lang="fr-FR" smtClean="0"/>
-              <a:t>27/01/2024</a:t>
+              <a:t>30/01/2024</a:t>
             </a:fld>
             <a:endParaRPr lang="fr-FR"/>
           </a:p>
@@ -1669,7 +1669,7 @@
           <a:p>
             <a:fld id="{D7F135F6-2A09-4FDD-9ECA-096E230CA0FA}" type="datetimeFigureOut">
               <a:rPr lang="fr-FR" smtClean="0"/>
-              <a:t>27/01/2024</a:t>
+              <a:t>30/01/2024</a:t>
             </a:fld>
             <a:endParaRPr lang="fr-FR"/>
           </a:p>
@@ -2048,7 +2048,7 @@
           <a:p>
             <a:fld id="{D7F135F6-2A09-4FDD-9ECA-096E230CA0FA}" type="datetimeFigureOut">
               <a:rPr lang="fr-FR" smtClean="0"/>
-              <a:t>27/01/2024</a:t>
+              <a:t>30/01/2024</a:t>
             </a:fld>
             <a:endParaRPr lang="fr-FR"/>
           </a:p>
@@ -2166,7 +2166,7 @@
           <a:p>
             <a:fld id="{D7F135F6-2A09-4FDD-9ECA-096E230CA0FA}" type="datetimeFigureOut">
               <a:rPr lang="fr-FR" smtClean="0"/>
-              <a:t>27/01/2024</a:t>
+              <a:t>30/01/2024</a:t>
             </a:fld>
             <a:endParaRPr lang="fr-FR"/>
           </a:p>
@@ -2340,7 +2340,7 @@
           <a:p>
             <a:fld id="{D7F135F6-2A09-4FDD-9ECA-096E230CA0FA}" type="datetimeFigureOut">
               <a:rPr lang="fr-FR" smtClean="0"/>
-              <a:t>27/01/2024</a:t>
+              <a:t>30/01/2024</a:t>
             </a:fld>
             <a:endParaRPr lang="fr-FR"/>
           </a:p>
@@ -2697,7 +2697,7 @@
           <a:p>
             <a:fld id="{D7F135F6-2A09-4FDD-9ECA-096E230CA0FA}" type="datetimeFigureOut">
               <a:rPr lang="fr-FR" smtClean="0"/>
-              <a:t>27/01/2024</a:t>
+              <a:t>30/01/2024</a:t>
             </a:fld>
             <a:endParaRPr lang="fr-FR"/>
           </a:p>
@@ -3082,7 +3082,7 @@
           <a:p>
             <a:fld id="{D7F135F6-2A09-4FDD-9ECA-096E230CA0FA}" type="datetimeFigureOut">
               <a:rPr lang="fr-FR" smtClean="0"/>
-              <a:t>27/01/2024</a:t>
+              <a:t>30/01/2024</a:t>
             </a:fld>
             <a:endParaRPr lang="fr-FR"/>
           </a:p>
@@ -3372,7 +3372,7 @@
           <a:p>
             <a:fld id="{D7F135F6-2A09-4FDD-9ECA-096E230CA0FA}" type="datetimeFigureOut">
               <a:rPr lang="fr-FR" smtClean="0"/>
-              <a:t>27/01/2024</a:t>
+              <a:t>30/01/2024</a:t>
             </a:fld>
             <a:endParaRPr lang="fr-FR" dirty="0"/>
           </a:p>
@@ -7051,8 +7051,8 @@
           </a:p>
         </p:txBody>
       </p:sp>
-      <mc:AlternateContent xmlns:mc="http://schemas.openxmlformats.org/markup-compatibility/2006" xmlns:a14="http://schemas.microsoft.com/office/drawing/2010/main">
-        <mc:Choice Requires="a14">
+      <mc:AlternateContent xmlns:mc="http://schemas.openxmlformats.org/markup-compatibility/2006">
+        <mc:Choice xmlns:a14="http://schemas.microsoft.com/office/drawing/2010/main" Requires="a14">
           <p:sp>
             <p:nvSpPr>
               <p:cNvPr id="4" name="Espace réservé du contenu 2">
@@ -7548,7 +7548,7 @@
                             <a:latin typeface="Cambria Math" panose="02040503050406030204" pitchFamily="18" charset="0"/>
                             <a:ea typeface="Cambria Math" panose="02040503050406030204" pitchFamily="18" charset="0"/>
                           </a:rPr>
-                          <m:t>𝑠</m:t>
+                          <m:t>0</m:t>
                         </m:r>
                       </m:sub>
                       <m:sup>
@@ -7788,13 +7788,6 @@
                         </m:sSub>
                       </m:e>
                     </m:d>
-                    <m:r>
-                      <a:rPr lang="fr-FR" sz="2000" b="0" i="1" smtClean="0">
-                        <a:latin typeface="Cambria Math" panose="02040503050406030204" pitchFamily="18" charset="0"/>
-                        <a:ea typeface="Cambria Math" panose="02040503050406030204" pitchFamily="18" charset="0"/>
-                      </a:rPr>
-                      <m:t>𝑉</m:t>
-                    </m:r>
                     <m:sSup>
                       <m:sSupPr>
                         <m:ctrlPr>
@@ -7805,56 +7798,76 @@
                         </m:ctrlPr>
                       </m:sSupPr>
                       <m:e>
-                        <m:d>
-                          <m:dPr>
+                        <m:acc>
+                          <m:accPr>
+                            <m:chr m:val="⃗"/>
                             <m:ctrlPr>
                               <a:rPr lang="fr-FR" sz="2000" b="0" i="1" smtClean="0">
                                 <a:latin typeface="Cambria Math" panose="02040503050406030204" pitchFamily="18" charset="0"/>
                                 <a:ea typeface="Cambria Math" panose="02040503050406030204" pitchFamily="18" charset="0"/>
                               </a:rPr>
                             </m:ctrlPr>
-                          </m:dPr>
+                          </m:accPr>
                           <m:e>
                             <m:r>
-                              <a:rPr lang="fr-FR" sz="2000" b="0" i="1" smtClean="0">
+                              <a:rPr lang="fr-FR" sz="2000" i="1">
                                 <a:latin typeface="Cambria Math" panose="02040503050406030204" pitchFamily="18" charset="0"/>
                                 <a:ea typeface="Cambria Math" panose="02040503050406030204" pitchFamily="18" charset="0"/>
                               </a:rPr>
-                              <m:t>𝑃</m:t>
+                              <m:t>𝑉</m:t>
                             </m:r>
-                            <m:r>
-                              <a:rPr lang="fr-FR" sz="2000" b="0" i="1" smtClean="0">
-                                <a:latin typeface="Cambria Math" panose="02040503050406030204" pitchFamily="18" charset="0"/>
-                                <a:ea typeface="Cambria Math" panose="02040503050406030204" pitchFamily="18" charset="0"/>
-                              </a:rPr>
-                              <m:t>,</m:t>
-                            </m:r>
-                            <m:r>
-                              <a:rPr lang="fr-FR" sz="2000" b="0" i="1" smtClean="0">
-                                <a:latin typeface="Cambria Math" panose="02040503050406030204" pitchFamily="18" charset="0"/>
-                                <a:ea typeface="Cambria Math" panose="02040503050406030204" pitchFamily="18" charset="0"/>
-                              </a:rPr>
-                              <m:t>𝑎</m:t>
-                            </m:r>
-                            <m:r>
-                              <m:rPr>
-                                <m:lit/>
-                              </m:rPr>
-                              <a:rPr lang="fr-FR" sz="2000" b="0" i="1" smtClean="0">
-                                <a:latin typeface="Cambria Math" panose="02040503050406030204" pitchFamily="18" charset="0"/>
-                                <a:ea typeface="Cambria Math" panose="02040503050406030204" pitchFamily="18" charset="0"/>
-                              </a:rPr>
-                              <m:t>/</m:t>
-                            </m:r>
-                            <m:r>
-                              <a:rPr lang="fr-FR" sz="2000" b="0" i="1" smtClean="0">
-                                <a:latin typeface="Cambria Math" panose="02040503050406030204" pitchFamily="18" charset="0"/>
-                                <a:ea typeface="Cambria Math" panose="02040503050406030204" pitchFamily="18" charset="0"/>
-                              </a:rPr>
-                              <m:t>0</m:t>
-                            </m:r>
+                            <m:d>
+                              <m:dPr>
+                                <m:ctrlPr>
+                                  <a:rPr lang="fr-FR" sz="2000" i="1">
+                                    <a:latin typeface="Cambria Math" panose="02040503050406030204" pitchFamily="18" charset="0"/>
+                                    <a:ea typeface="Cambria Math" panose="02040503050406030204" pitchFamily="18" charset="0"/>
+                                  </a:rPr>
+                                </m:ctrlPr>
+                              </m:dPr>
+                              <m:e>
+                                <m:r>
+                                  <a:rPr lang="fr-FR" sz="2000" i="1">
+                                    <a:latin typeface="Cambria Math" panose="02040503050406030204" pitchFamily="18" charset="0"/>
+                                    <a:ea typeface="Cambria Math" panose="02040503050406030204" pitchFamily="18" charset="0"/>
+                                  </a:rPr>
+                                  <m:t>𝑃</m:t>
+                                </m:r>
+                                <m:r>
+                                  <a:rPr lang="fr-FR" sz="2000" i="1">
+                                    <a:latin typeface="Cambria Math" panose="02040503050406030204" pitchFamily="18" charset="0"/>
+                                    <a:ea typeface="Cambria Math" panose="02040503050406030204" pitchFamily="18" charset="0"/>
+                                  </a:rPr>
+                                  <m:t>,</m:t>
+                                </m:r>
+                                <m:r>
+                                  <a:rPr lang="fr-FR" sz="2000" i="1">
+                                    <a:latin typeface="Cambria Math" panose="02040503050406030204" pitchFamily="18" charset="0"/>
+                                    <a:ea typeface="Cambria Math" panose="02040503050406030204" pitchFamily="18" charset="0"/>
+                                  </a:rPr>
+                                  <m:t>𝐴</m:t>
+                                </m:r>
+                                <m:r>
+                                  <m:rPr>
+                                    <m:lit/>
+                                  </m:rPr>
+                                  <a:rPr lang="fr-FR" sz="2000" i="1">
+                                    <a:latin typeface="Cambria Math" panose="02040503050406030204" pitchFamily="18" charset="0"/>
+                                    <a:ea typeface="Cambria Math" panose="02040503050406030204" pitchFamily="18" charset="0"/>
+                                  </a:rPr>
+                                  <m:t>/</m:t>
+                                </m:r>
+                                <m:r>
+                                  <a:rPr lang="fr-FR" sz="2000" i="1">
+                                    <a:latin typeface="Cambria Math" panose="02040503050406030204" pitchFamily="18" charset="0"/>
+                                    <a:ea typeface="Cambria Math" panose="02040503050406030204" pitchFamily="18" charset="0"/>
+                                  </a:rPr>
+                                  <m:t>0</m:t>
+                                </m:r>
+                              </m:e>
+                            </m:d>
                           </m:e>
-                        </m:d>
+                        </m:acc>
                       </m:e>
                       <m:sup>
                         <m:r>
@@ -7873,7 +7886,7 @@
             </p:txBody>
           </p:sp>
         </mc:Choice>
-        <mc:Fallback xmlns="">
+        <mc:Fallback>
           <p:sp>
             <p:nvSpPr>
               <p:cNvPr id="4" name="Espace réservé du contenu 2">
@@ -7899,7 +7912,7 @@
               <a:blipFill>
                 <a:blip r:embed="rId2"/>
                 <a:stretch>
-                  <a:fillRect l="-1612" r="-85"/>
+                  <a:fillRect/>
                 </a:stretch>
               </a:blipFill>
             </p:spPr>
@@ -14052,7 +14065,14 @@
                         <a:latin typeface="Cambria Math" panose="02040503050406030204" pitchFamily="18" charset="0"/>
                         <a:ea typeface="Cambria Math" panose="02040503050406030204" pitchFamily="18" charset="0"/>
                       </a:rPr>
-                      <m:t>=0</m:t>
+                      <m:t>=</m:t>
+                    </m:r>
+                    <m:r>
+                      <a:rPr lang="fr-FR" b="0" i="1" smtClean="0">
+                        <a:latin typeface="Cambria Math" panose="02040503050406030204" pitchFamily="18" charset="0"/>
+                        <a:ea typeface="Cambria Math" panose="02040503050406030204" pitchFamily="18" charset="0"/>
+                      </a:rPr>
+                      <m:t>0</m:t>
                     </m:r>
                   </m:oMath>
                 </a14:m>
@@ -14143,7 +14163,14 @@
                             <a:latin typeface="Cambria Math" panose="02040503050406030204" pitchFamily="18" charset="0"/>
                             <a:ea typeface="Cambria Math" panose="02040503050406030204" pitchFamily="18" charset="0"/>
                           </a:rPr>
-                          <m:t>0 </m:t>
+                          <m:t>0</m:t>
+                        </m:r>
+                        <m:r>
+                          <a:rPr lang="fr-FR" b="0" i="1" smtClean="0">
+                            <a:latin typeface="Cambria Math" panose="02040503050406030204" pitchFamily="18" charset="0"/>
+                            <a:ea typeface="Cambria Math" panose="02040503050406030204" pitchFamily="18" charset="0"/>
+                          </a:rPr>
+                          <m:t> </m:t>
                         </m:r>
                       </m:e>
                     </m:d>
@@ -14294,7 +14321,14 @@
                             <a:latin typeface="Cambria Math" panose="02040503050406030204" pitchFamily="18" charset="0"/>
                             <a:ea typeface="Cambria Math" panose="02040503050406030204" pitchFamily="18" charset="0"/>
                           </a:rPr>
-                          <m:t>0 </m:t>
+                          <m:t>0</m:t>
+                        </m:r>
+                        <m:r>
+                          <a:rPr lang="fr-FR" b="0" i="1" smtClean="0">
+                            <a:latin typeface="Cambria Math" panose="02040503050406030204" pitchFamily="18" charset="0"/>
+                            <a:ea typeface="Cambria Math" panose="02040503050406030204" pitchFamily="18" charset="0"/>
+                          </a:rPr>
+                          <m:t> </m:t>
                         </m:r>
                       </m:e>
                     </m:d>
@@ -14550,8 +14584,8 @@
           </p:sp>
         </mc:Fallback>
       </mc:AlternateContent>
-      <mc:AlternateContent xmlns:mc="http://schemas.openxmlformats.org/markup-compatibility/2006">
-        <mc:Choice xmlns:a14="http://schemas.microsoft.com/office/drawing/2010/main" Requires="a14">
+      <mc:AlternateContent xmlns:mc="http://schemas.openxmlformats.org/markup-compatibility/2006" xmlns:a14="http://schemas.microsoft.com/office/drawing/2010/main">
+        <mc:Choice Requires="a14">
           <p:sp>
             <p:nvSpPr>
               <p:cNvPr id="4" name="Espace réservé du contenu 2">
@@ -15776,7 +15810,14 @@
                           <a:latin typeface="Cambria Math" panose="02040503050406030204" pitchFamily="18" charset="0"/>
                           <a:ea typeface="Cambria Math" panose="02040503050406030204" pitchFamily="18" charset="0"/>
                         </a:rPr>
-                        <m:t>=0</m:t>
+                        <m:t>=</m:t>
+                      </m:r>
+                      <m:r>
+                        <a:rPr lang="fr-FR" b="0" i="1" smtClean="0">
+                          <a:latin typeface="Cambria Math" panose="02040503050406030204" pitchFamily="18" charset="0"/>
+                          <a:ea typeface="Cambria Math" panose="02040503050406030204" pitchFamily="18" charset="0"/>
+                        </a:rPr>
+                        <m:t>0</m:t>
                       </m:r>
                     </m:oMath>
                   </m:oMathPara>
@@ -15875,7 +15916,7 @@
             </p:txBody>
           </p:sp>
         </mc:Choice>
-        <mc:Fallback>
+        <mc:Fallback xmlns="">
           <p:sp>
             <p:nvSpPr>
               <p:cNvPr id="4" name="Espace réservé du contenu 2">

--- a/04_Comax/04_Comax_Corrige.pptx
+++ b/04_Comax/04_Comax_Corrige.pptx
@@ -9,16 +9,17 @@
     <p:sldId id="265" r:id="rId3"/>
     <p:sldId id="266" r:id="rId4"/>
     <p:sldId id="267" r:id="rId5"/>
-    <p:sldId id="269" r:id="rId6"/>
-    <p:sldId id="268" r:id="rId7"/>
-    <p:sldId id="270" r:id="rId8"/>
-    <p:sldId id="272" r:id="rId9"/>
-    <p:sldId id="271" r:id="rId10"/>
-    <p:sldId id="278" r:id="rId11"/>
-    <p:sldId id="274" r:id="rId12"/>
-    <p:sldId id="275" r:id="rId13"/>
-    <p:sldId id="276" r:id="rId14"/>
-    <p:sldId id="277" r:id="rId15"/>
+    <p:sldId id="279" r:id="rId6"/>
+    <p:sldId id="269" r:id="rId7"/>
+    <p:sldId id="268" r:id="rId8"/>
+    <p:sldId id="270" r:id="rId9"/>
+    <p:sldId id="272" r:id="rId10"/>
+    <p:sldId id="271" r:id="rId11"/>
+    <p:sldId id="278" r:id="rId12"/>
+    <p:sldId id="274" r:id="rId13"/>
+    <p:sldId id="275" r:id="rId14"/>
+    <p:sldId id="276" r:id="rId15"/>
+    <p:sldId id="277" r:id="rId16"/>
   </p:sldIdLst>
   <p:sldSz cx="12192000" cy="6858000"/>
   <p:notesSz cx="6858000" cy="9144000"/>
@@ -365,7 +366,7 @@
           <a:p>
             <a:fld id="{D7F135F6-2A09-4FDD-9ECA-096E230CA0FA}" type="datetimeFigureOut">
               <a:rPr lang="fr-FR" smtClean="0"/>
-              <a:t>30/01/2024</a:t>
+              <a:t>12/02/2024</a:t>
             </a:fld>
             <a:endParaRPr lang="fr-FR"/>
           </a:p>
@@ -570,7 +571,7 @@
           <a:p>
             <a:fld id="{D7F135F6-2A09-4FDD-9ECA-096E230CA0FA}" type="datetimeFigureOut">
               <a:rPr lang="fr-FR" smtClean="0"/>
-              <a:t>30/01/2024</a:t>
+              <a:t>12/02/2024</a:t>
             </a:fld>
             <a:endParaRPr lang="fr-FR"/>
           </a:p>
@@ -826,7 +827,7 @@
           <a:p>
             <a:fld id="{D7F135F6-2A09-4FDD-9ECA-096E230CA0FA}" type="datetimeFigureOut">
               <a:rPr lang="fr-FR" smtClean="0"/>
-              <a:t>30/01/2024</a:t>
+              <a:t>12/02/2024</a:t>
             </a:fld>
             <a:endParaRPr lang="fr-FR"/>
           </a:p>
@@ -1032,7 +1033,7 @@
           <a:p>
             <a:fld id="{D7F135F6-2A09-4FDD-9ECA-096E230CA0FA}" type="datetimeFigureOut">
               <a:rPr lang="fr-FR" smtClean="0"/>
-              <a:t>30/01/2024</a:t>
+              <a:t>12/02/2024</a:t>
             </a:fld>
             <a:endParaRPr lang="fr-FR"/>
           </a:p>
@@ -1394,7 +1395,7 @@
           <a:p>
             <a:fld id="{D7F135F6-2A09-4FDD-9ECA-096E230CA0FA}" type="datetimeFigureOut">
               <a:rPr lang="fr-FR" smtClean="0"/>
-              <a:t>30/01/2024</a:t>
+              <a:t>12/02/2024</a:t>
             </a:fld>
             <a:endParaRPr lang="fr-FR"/>
           </a:p>
@@ -1669,7 +1670,7 @@
           <a:p>
             <a:fld id="{D7F135F6-2A09-4FDD-9ECA-096E230CA0FA}" type="datetimeFigureOut">
               <a:rPr lang="fr-FR" smtClean="0"/>
-              <a:t>30/01/2024</a:t>
+              <a:t>12/02/2024</a:t>
             </a:fld>
             <a:endParaRPr lang="fr-FR"/>
           </a:p>
@@ -2048,7 +2049,7 @@
           <a:p>
             <a:fld id="{D7F135F6-2A09-4FDD-9ECA-096E230CA0FA}" type="datetimeFigureOut">
               <a:rPr lang="fr-FR" smtClean="0"/>
-              <a:t>30/01/2024</a:t>
+              <a:t>12/02/2024</a:t>
             </a:fld>
             <a:endParaRPr lang="fr-FR"/>
           </a:p>
@@ -2166,7 +2167,7 @@
           <a:p>
             <a:fld id="{D7F135F6-2A09-4FDD-9ECA-096E230CA0FA}" type="datetimeFigureOut">
               <a:rPr lang="fr-FR" smtClean="0"/>
-              <a:t>30/01/2024</a:t>
+              <a:t>12/02/2024</a:t>
             </a:fld>
             <a:endParaRPr lang="fr-FR"/>
           </a:p>
@@ -2340,7 +2341,7 @@
           <a:p>
             <a:fld id="{D7F135F6-2A09-4FDD-9ECA-096E230CA0FA}" type="datetimeFigureOut">
               <a:rPr lang="fr-FR" smtClean="0"/>
-              <a:t>30/01/2024</a:t>
+              <a:t>12/02/2024</a:t>
             </a:fld>
             <a:endParaRPr lang="fr-FR"/>
           </a:p>
@@ -2697,7 +2698,7 @@
           <a:p>
             <a:fld id="{D7F135F6-2A09-4FDD-9ECA-096E230CA0FA}" type="datetimeFigureOut">
               <a:rPr lang="fr-FR" smtClean="0"/>
-              <a:t>30/01/2024</a:t>
+              <a:t>12/02/2024</a:t>
             </a:fld>
             <a:endParaRPr lang="fr-FR"/>
           </a:p>
@@ -3082,7 +3083,7 @@
           <a:p>
             <a:fld id="{D7F135F6-2A09-4FDD-9ECA-096E230CA0FA}" type="datetimeFigureOut">
               <a:rPr lang="fr-FR" smtClean="0"/>
-              <a:t>30/01/2024</a:t>
+              <a:t>12/02/2024</a:t>
             </a:fld>
             <a:endParaRPr lang="fr-FR"/>
           </a:p>
@@ -3372,7 +3373,7 @@
           <a:p>
             <a:fld id="{D7F135F6-2A09-4FDD-9ECA-096E230CA0FA}" type="datetimeFigureOut">
               <a:rPr lang="fr-FR" smtClean="0"/>
-              <a:t>30/01/2024</a:t>
+              <a:t>12/02/2024</a:t>
             </a:fld>
             <a:endParaRPr lang="fr-FR" dirty="0"/>
           </a:p>
@@ -3990,6 +3991,1844 @@
 </file>
 
 <file path=ppt/slides/slide10.xml><?xml version="1.0" encoding="utf-8"?>
+<p:sld xmlns:a="http://schemas.openxmlformats.org/drawingml/2006/main" xmlns:r="http://schemas.openxmlformats.org/officeDocument/2006/relationships" xmlns:p="http://schemas.openxmlformats.org/presentationml/2006/main">
+  <p:cSld>
+    <p:spTree>
+      <p:nvGrpSpPr>
+        <p:cNvPr id="1" name=""/>
+        <p:cNvGrpSpPr/>
+        <p:nvPr/>
+      </p:nvGrpSpPr>
+      <p:grpSpPr>
+        <a:xfrm>
+          <a:off x="0" y="0"/>
+          <a:ext cx="0" cy="0"/>
+          <a:chOff x="0" y="0"/>
+          <a:chExt cx="0" cy="0"/>
+        </a:xfrm>
+      </p:grpSpPr>
+      <p:sp>
+        <p:nvSpPr>
+          <p:cNvPr id="2" name="Titre 1"/>
+          <p:cNvSpPr>
+            <a:spLocks noGrp="1"/>
+          </p:cNvSpPr>
+          <p:nvPr>
+            <p:ph type="title"/>
+          </p:nvPr>
+        </p:nvSpPr>
+        <p:spPr/>
+        <p:txBody>
+          <a:bodyPr/>
+          <a:lstStyle/>
+          <a:p>
+            <a:r>
+              <a:rPr lang="fr-FR" dirty="0"/>
+              <a:t>Objectifs</a:t>
+            </a:r>
+          </a:p>
+        </p:txBody>
+      </p:sp>
+      <p:sp>
+        <p:nvSpPr>
+          <p:cNvPr id="3" name="Espace réservé du contenu 2"/>
+          <p:cNvSpPr>
+            <a:spLocks noGrp="1"/>
+          </p:cNvSpPr>
+          <p:nvPr>
+            <p:ph idx="1"/>
+          </p:nvPr>
+        </p:nvSpPr>
+        <p:spPr/>
+        <p:txBody>
+          <a:bodyPr>
+            <a:normAutofit lnSpcReduction="10000"/>
+          </a:bodyPr>
+          <a:lstStyle/>
+          <a:p>
+            <a:r>
+              <a:rPr lang="fr-FR" dirty="0"/>
+              <a:t>Objectif :</a:t>
+            </a:r>
+          </a:p>
+          <a:p>
+            <a:pPr lvl="1"/>
+            <a:r>
+              <a:rPr lang="fr-FR" dirty="0"/>
+              <a:t> On souhaite déterminer le couple maximal et la vitesse maximale d’un moteur pour pouvoir déplacer une charge de XXX kg en moins de XXXX s. </a:t>
+            </a:r>
+          </a:p>
+          <a:p>
+            <a:pPr lvl="1"/>
+            <a:endParaRPr lang="fr-FR" dirty="0"/>
+          </a:p>
+          <a:p>
+            <a:r>
+              <a:rPr lang="fr-FR" dirty="0"/>
+              <a:t>Modèle </a:t>
+            </a:r>
+          </a:p>
+          <a:p>
+            <a:endParaRPr lang="fr-FR" dirty="0"/>
+          </a:p>
+          <a:p>
+            <a:endParaRPr lang="fr-FR" dirty="0"/>
+          </a:p>
+          <a:p>
+            <a:r>
+              <a:rPr lang="fr-FR" dirty="0"/>
+              <a:t>Expérimentation : première approche pour avoir une estimation de la puissance</a:t>
+            </a:r>
+          </a:p>
+          <a:p>
+            <a:pPr lvl="1"/>
+            <a:r>
+              <a:rPr lang="fr-FR" dirty="0"/>
+              <a:t>Protocole Expérimental</a:t>
+            </a:r>
+          </a:p>
+          <a:p>
+            <a:pPr lvl="2"/>
+            <a:r>
+              <a:rPr lang="fr-FR" dirty="0"/>
+              <a:t>Montée, avec un chargement maximal, et un échelon de position</a:t>
+            </a:r>
+          </a:p>
+          <a:p>
+            <a:pPr lvl="2"/>
+            <a:r>
+              <a:rPr lang="fr-FR" dirty="0"/>
+              <a:t>Mesure de la vitesse grâce au codeur</a:t>
+            </a:r>
+          </a:p>
+          <a:p>
+            <a:pPr lvl="2"/>
+            <a:r>
+              <a:rPr lang="fr-FR" dirty="0"/>
+              <a:t>Meure du couple moteur grâce au courant…</a:t>
+            </a:r>
+          </a:p>
+          <a:p>
+            <a:endParaRPr lang="fr-FR" dirty="0"/>
+          </a:p>
+          <a:p>
+            <a:endParaRPr lang="fr-FR" dirty="0"/>
+          </a:p>
+          <a:p>
+            <a:endParaRPr lang="fr-FR" dirty="0"/>
+          </a:p>
+        </p:txBody>
+      </p:sp>
+      <p:grpSp>
+        <p:nvGrpSpPr>
+          <p:cNvPr id="86" name="Groupe 85"/>
+          <p:cNvGrpSpPr/>
+          <p:nvPr/>
+        </p:nvGrpSpPr>
+        <p:grpSpPr>
+          <a:xfrm>
+            <a:off x="3241822" y="2261019"/>
+            <a:ext cx="7593285" cy="1462084"/>
+            <a:chOff x="4452429" y="3393409"/>
+            <a:chExt cx="7593285" cy="1462084"/>
+          </a:xfrm>
+        </p:grpSpPr>
+        <p:sp>
+          <p:nvSpPr>
+            <p:cNvPr id="45" name="Rectangle : coins arrondis 90">
+              <a:extLst>
+                <a:ext uri="{FF2B5EF4-FFF2-40B4-BE49-F238E27FC236}">
+                  <a16:creationId xmlns:a16="http://schemas.microsoft.com/office/drawing/2014/main" id="{6015CC9C-F06A-6145-07AB-90D570197E3C}"/>
+                </a:ext>
+              </a:extLst>
+            </p:cNvPr>
+            <p:cNvSpPr/>
+            <p:nvPr/>
+          </p:nvSpPr>
+          <p:spPr>
+            <a:xfrm>
+              <a:off x="9648386" y="4190096"/>
+              <a:ext cx="1365662" cy="652851"/>
+            </a:xfrm>
+            <a:prstGeom prst="roundRect">
+              <a:avLst>
+                <a:gd name="adj" fmla="val 11914"/>
+              </a:avLst>
+            </a:prstGeom>
+            <a:solidFill>
+              <a:srgbClr val="F7B8B3"/>
+            </a:solidFill>
+            <a:ln w="19050">
+              <a:solidFill>
+                <a:srgbClr val="F7B8B3"/>
+              </a:solidFill>
+            </a:ln>
+          </p:spPr>
+          <p:style>
+            <a:lnRef idx="2">
+              <a:schemeClr val="accent1">
+                <a:shade val="50000"/>
+              </a:schemeClr>
+            </a:lnRef>
+            <a:fillRef idx="1">
+              <a:schemeClr val="accent1"/>
+            </a:fillRef>
+            <a:effectRef idx="0">
+              <a:schemeClr val="accent1"/>
+            </a:effectRef>
+            <a:fontRef idx="minor">
+              <a:schemeClr val="lt1"/>
+            </a:fontRef>
+          </p:style>
+          <p:txBody>
+            <a:bodyPr rtlCol="0" anchor="ctr"/>
+            <a:lstStyle/>
+            <a:p>
+              <a:pPr algn="ctr"/>
+              <a:r>
+                <a:rPr lang="fr-FR" sz="900" dirty="0">
+                  <a:solidFill>
+                    <a:srgbClr val="EE685D"/>
+                  </a:solidFill>
+                  <a:latin typeface="Arial Nova" panose="020B0504020202020204" pitchFamily="34" charset="0"/>
+                </a:rPr>
+                <a:t>Axe linéaire « Poulie courroie »</a:t>
+              </a:r>
+            </a:p>
+          </p:txBody>
+        </p:sp>
+        <p:sp>
+          <p:nvSpPr>
+            <p:cNvPr id="48" name="Rectangle : coins arrondis 15">
+              <a:extLst>
+                <a:ext uri="{FF2B5EF4-FFF2-40B4-BE49-F238E27FC236}">
+                  <a16:creationId xmlns:a16="http://schemas.microsoft.com/office/drawing/2014/main" id="{B8181AD4-9AB8-CA7B-EFBF-8B9CD4369264}"/>
+                </a:ext>
+              </a:extLst>
+            </p:cNvPr>
+            <p:cNvSpPr/>
+            <p:nvPr/>
+          </p:nvSpPr>
+          <p:spPr>
+            <a:xfrm>
+              <a:off x="5380883" y="3542688"/>
+              <a:ext cx="1440000" cy="540000"/>
+            </a:xfrm>
+            <a:prstGeom prst="roundRect">
+              <a:avLst>
+                <a:gd name="adj" fmla="val 11914"/>
+              </a:avLst>
+            </a:prstGeom>
+            <a:noFill/>
+            <a:ln w="19050">
+              <a:solidFill>
+                <a:srgbClr val="68348B"/>
+              </a:solidFill>
+            </a:ln>
+          </p:spPr>
+          <p:style>
+            <a:lnRef idx="2">
+              <a:schemeClr val="accent1">
+                <a:shade val="50000"/>
+              </a:schemeClr>
+            </a:lnRef>
+            <a:fillRef idx="1">
+              <a:schemeClr val="accent1"/>
+            </a:fillRef>
+            <a:effectRef idx="0">
+              <a:schemeClr val="accent1"/>
+            </a:effectRef>
+            <a:fontRef idx="minor">
+              <a:schemeClr val="lt1"/>
+            </a:fontRef>
+          </p:style>
+          <p:txBody>
+            <a:bodyPr rtlCol="0" anchor="ctr"/>
+            <a:lstStyle/>
+            <a:p>
+              <a:pPr algn="ctr"/>
+              <a:r>
+                <a:rPr lang="fr-FR" sz="1400" dirty="0">
+                  <a:solidFill>
+                    <a:srgbClr val="68348B"/>
+                  </a:solidFill>
+                  <a:latin typeface="Arial Nova" panose="020B0504020202020204" pitchFamily="34" charset="0"/>
+                </a:rPr>
+                <a:t>Convertir</a:t>
+              </a:r>
+            </a:p>
+          </p:txBody>
+        </p:sp>
+        <p:sp>
+          <p:nvSpPr>
+            <p:cNvPr id="49" name="Rectangle : coins arrondis 16">
+              <a:extLst>
+                <a:ext uri="{FF2B5EF4-FFF2-40B4-BE49-F238E27FC236}">
+                  <a16:creationId xmlns:a16="http://schemas.microsoft.com/office/drawing/2014/main" id="{7E462E27-42D7-734B-5E6F-B78EF40987B6}"/>
+                </a:ext>
+              </a:extLst>
+            </p:cNvPr>
+            <p:cNvSpPr/>
+            <p:nvPr/>
+          </p:nvSpPr>
+          <p:spPr>
+            <a:xfrm>
+              <a:off x="5389319" y="4223146"/>
+              <a:ext cx="1440000" cy="540000"/>
+            </a:xfrm>
+            <a:prstGeom prst="roundRect">
+              <a:avLst>
+                <a:gd name="adj" fmla="val 11914"/>
+              </a:avLst>
+            </a:prstGeom>
+            <a:solidFill>
+              <a:srgbClr val="C3AED1"/>
+            </a:solidFill>
+            <a:ln w="19050">
+              <a:solidFill>
+                <a:srgbClr val="C3AED1"/>
+              </a:solidFill>
+            </a:ln>
+          </p:spPr>
+          <p:style>
+            <a:lnRef idx="2">
+              <a:schemeClr val="accent1">
+                <a:shade val="50000"/>
+              </a:schemeClr>
+            </a:lnRef>
+            <a:fillRef idx="1">
+              <a:schemeClr val="accent1"/>
+            </a:fillRef>
+            <a:effectRef idx="0">
+              <a:schemeClr val="accent1"/>
+            </a:effectRef>
+            <a:fontRef idx="minor">
+              <a:schemeClr val="lt1"/>
+            </a:fontRef>
+          </p:style>
+          <p:txBody>
+            <a:bodyPr rtlCol="0" anchor="ctr"/>
+            <a:lstStyle/>
+            <a:p>
+              <a:pPr algn="ctr"/>
+              <a:r>
+                <a:rPr lang="fr-FR" sz="1100" dirty="0">
+                  <a:solidFill>
+                    <a:srgbClr val="68348B"/>
+                  </a:solidFill>
+                  <a:latin typeface="Arial Nova" panose="020B0504020202020204" pitchFamily="34" charset="0"/>
+                </a:rPr>
+                <a:t>Moteur à courant continu</a:t>
+              </a:r>
+            </a:p>
+          </p:txBody>
+        </p:sp>
+        <p:sp>
+          <p:nvSpPr>
+            <p:cNvPr id="50" name="Rectangle : coins arrondis 17">
+              <a:extLst>
+                <a:ext uri="{FF2B5EF4-FFF2-40B4-BE49-F238E27FC236}">
+                  <a16:creationId xmlns:a16="http://schemas.microsoft.com/office/drawing/2014/main" id="{AA76E29F-1BCE-DD76-499C-CE8F3E850A8E}"/>
+                </a:ext>
+              </a:extLst>
+            </p:cNvPr>
+            <p:cNvSpPr/>
+            <p:nvPr/>
+          </p:nvSpPr>
+          <p:spPr>
+            <a:xfrm>
+              <a:off x="7542872" y="3545795"/>
+              <a:ext cx="1365662" cy="534390"/>
+            </a:xfrm>
+            <a:prstGeom prst="roundRect">
+              <a:avLst>
+                <a:gd name="adj" fmla="val 11914"/>
+              </a:avLst>
+            </a:prstGeom>
+            <a:noFill/>
+            <a:ln w="19050">
+              <a:solidFill>
+                <a:srgbClr val="EE685D"/>
+              </a:solidFill>
+            </a:ln>
+          </p:spPr>
+          <p:style>
+            <a:lnRef idx="2">
+              <a:schemeClr val="accent1">
+                <a:shade val="50000"/>
+              </a:schemeClr>
+            </a:lnRef>
+            <a:fillRef idx="1">
+              <a:schemeClr val="accent1"/>
+            </a:fillRef>
+            <a:effectRef idx="0">
+              <a:schemeClr val="accent1"/>
+            </a:effectRef>
+            <a:fontRef idx="minor">
+              <a:schemeClr val="lt1"/>
+            </a:fontRef>
+          </p:style>
+          <p:txBody>
+            <a:bodyPr rtlCol="0" anchor="ctr"/>
+            <a:lstStyle/>
+            <a:p>
+              <a:pPr algn="ctr"/>
+              <a:r>
+                <a:rPr lang="fr-FR" sz="1400" dirty="0">
+                  <a:solidFill>
+                    <a:srgbClr val="EE685D"/>
+                  </a:solidFill>
+                  <a:latin typeface="Arial Nova" panose="020B0504020202020204" pitchFamily="34" charset="0"/>
+                </a:rPr>
+                <a:t>Transmettre</a:t>
+              </a:r>
+            </a:p>
+          </p:txBody>
+        </p:sp>
+        <p:sp>
+          <p:nvSpPr>
+            <p:cNvPr id="51" name="Rectangle : coins arrondis 18">
+              <a:extLst>
+                <a:ext uri="{FF2B5EF4-FFF2-40B4-BE49-F238E27FC236}">
+                  <a16:creationId xmlns:a16="http://schemas.microsoft.com/office/drawing/2014/main" id="{A66FC087-C9BC-9FD1-6C13-AD7571852AD4}"/>
+                </a:ext>
+              </a:extLst>
+            </p:cNvPr>
+            <p:cNvSpPr/>
+            <p:nvPr/>
+          </p:nvSpPr>
+          <p:spPr>
+            <a:xfrm>
+              <a:off x="7549319" y="4202642"/>
+              <a:ext cx="1365662" cy="652851"/>
+            </a:xfrm>
+            <a:prstGeom prst="roundRect">
+              <a:avLst>
+                <a:gd name="adj" fmla="val 11914"/>
+              </a:avLst>
+            </a:prstGeom>
+            <a:solidFill>
+              <a:srgbClr val="F7B8B3"/>
+            </a:solidFill>
+            <a:ln w="19050">
+              <a:solidFill>
+                <a:srgbClr val="F7B8B3"/>
+              </a:solidFill>
+            </a:ln>
+          </p:spPr>
+          <p:style>
+            <a:lnRef idx="2">
+              <a:schemeClr val="accent1">
+                <a:shade val="50000"/>
+              </a:schemeClr>
+            </a:lnRef>
+            <a:fillRef idx="1">
+              <a:schemeClr val="accent1"/>
+            </a:fillRef>
+            <a:effectRef idx="0">
+              <a:schemeClr val="accent1"/>
+            </a:effectRef>
+            <a:fontRef idx="minor">
+              <a:schemeClr val="lt1"/>
+            </a:fontRef>
+          </p:style>
+          <p:txBody>
+            <a:bodyPr rtlCol="0" anchor="ctr"/>
+            <a:lstStyle/>
+            <a:p>
+              <a:pPr algn="ctr"/>
+              <a:r>
+                <a:rPr lang="fr-FR" sz="900" dirty="0">
+                  <a:solidFill>
+                    <a:srgbClr val="EE685D"/>
+                  </a:solidFill>
+                  <a:latin typeface="Arial Nova" panose="020B0504020202020204" pitchFamily="34" charset="0"/>
+                </a:rPr>
+                <a:t>Train épicycloïdal</a:t>
+              </a:r>
+            </a:p>
+          </p:txBody>
+        </p:sp>
+        <p:cxnSp>
+          <p:nvCxnSpPr>
+            <p:cNvPr id="54" name="Connecteur droit avec flèche 53">
+              <a:extLst>
+                <a:ext uri="{FF2B5EF4-FFF2-40B4-BE49-F238E27FC236}">
+                  <a16:creationId xmlns:a16="http://schemas.microsoft.com/office/drawing/2014/main" id="{6E52C4D0-B55B-30AA-F92B-6E09F0A4D9C9}"/>
+                </a:ext>
+              </a:extLst>
+            </p:cNvPr>
+            <p:cNvCxnSpPr>
+              <a:cxnSpLocks/>
+            </p:cNvCxnSpPr>
+            <p:nvPr/>
+          </p:nvCxnSpPr>
+          <p:spPr>
+            <a:xfrm flipV="1">
+              <a:off x="4669319" y="3798320"/>
+              <a:ext cx="720000" cy="1536"/>
+            </a:xfrm>
+            <a:prstGeom prst="straightConnector1">
+              <a:avLst/>
+            </a:prstGeom>
+            <a:ln w="25400" cap="rnd">
+              <a:solidFill>
+                <a:srgbClr val="0C7391"/>
+              </a:solidFill>
+              <a:tailEnd type="triangle" w="med" len="lg"/>
+            </a:ln>
+          </p:spPr>
+          <p:style>
+            <a:lnRef idx="1">
+              <a:schemeClr val="accent1"/>
+            </a:lnRef>
+            <a:fillRef idx="0">
+              <a:schemeClr val="accent1"/>
+            </a:fillRef>
+            <a:effectRef idx="0">
+              <a:schemeClr val="accent1"/>
+            </a:effectRef>
+            <a:fontRef idx="minor">
+              <a:schemeClr val="tx1"/>
+            </a:fontRef>
+          </p:style>
+        </p:cxnSp>
+        <p:pic>
+          <p:nvPicPr>
+            <p:cNvPr id="55" name="Image 54">
+              <a:extLst>
+                <a:ext uri="{FF2B5EF4-FFF2-40B4-BE49-F238E27FC236}">
+                  <a16:creationId xmlns:a16="http://schemas.microsoft.com/office/drawing/2014/main" id="{F31071D2-3D9A-9512-E018-EA9EA1D5A07B}"/>
+                </a:ext>
+              </a:extLst>
+            </p:cNvPr>
+            <p:cNvPicPr>
+              <a:picLocks noChangeAspect="1"/>
+            </p:cNvPicPr>
+            <p:nvPr/>
+          </p:nvPicPr>
+          <p:blipFill>
+            <a:blip r:embed="rId2"/>
+            <a:stretch>
+              <a:fillRect/>
+            </a:stretch>
+          </p:blipFill>
+          <p:spPr>
+            <a:xfrm>
+              <a:off x="4838894" y="3393409"/>
+              <a:ext cx="360000" cy="360000"/>
+            </a:xfrm>
+            <a:prstGeom prst="rect">
+              <a:avLst/>
+            </a:prstGeom>
+          </p:spPr>
+        </p:pic>
+        <p:cxnSp>
+          <p:nvCxnSpPr>
+            <p:cNvPr id="56" name="Connecteur droit avec flèche 55">
+              <a:extLst>
+                <a:ext uri="{FF2B5EF4-FFF2-40B4-BE49-F238E27FC236}">
+                  <a16:creationId xmlns:a16="http://schemas.microsoft.com/office/drawing/2014/main" id="{75B4C387-2DFC-8DD6-0817-E4B93F7F3F85}"/>
+                </a:ext>
+              </a:extLst>
+            </p:cNvPr>
+            <p:cNvCxnSpPr>
+              <a:cxnSpLocks/>
+            </p:cNvCxnSpPr>
+            <p:nvPr/>
+          </p:nvCxnSpPr>
+          <p:spPr>
+            <a:xfrm flipV="1">
+              <a:off x="6829319" y="3807925"/>
+              <a:ext cx="720000" cy="1536"/>
+            </a:xfrm>
+            <a:prstGeom prst="straightConnector1">
+              <a:avLst/>
+            </a:prstGeom>
+            <a:ln w="25400" cap="rnd">
+              <a:solidFill>
+                <a:srgbClr val="68348B"/>
+              </a:solidFill>
+              <a:tailEnd type="triangle" w="med" len="lg"/>
+            </a:ln>
+          </p:spPr>
+          <p:style>
+            <a:lnRef idx="1">
+              <a:schemeClr val="accent1"/>
+            </a:lnRef>
+            <a:fillRef idx="0">
+              <a:schemeClr val="accent1"/>
+            </a:fillRef>
+            <a:effectRef idx="0">
+              <a:schemeClr val="accent1"/>
+            </a:effectRef>
+            <a:fontRef idx="minor">
+              <a:schemeClr val="tx1"/>
+            </a:fontRef>
+          </p:style>
+        </p:cxnSp>
+        <p:pic>
+          <p:nvPicPr>
+            <p:cNvPr id="57" name="Image 56">
+              <a:extLst>
+                <a:ext uri="{FF2B5EF4-FFF2-40B4-BE49-F238E27FC236}">
+                  <a16:creationId xmlns:a16="http://schemas.microsoft.com/office/drawing/2014/main" id="{F1B5964F-3473-92A5-6A3A-F03DA766A90A}"/>
+                </a:ext>
+              </a:extLst>
+            </p:cNvPr>
+            <p:cNvPicPr>
+              <a:picLocks noChangeAspect="1"/>
+            </p:cNvPicPr>
+            <p:nvPr/>
+          </p:nvPicPr>
+          <p:blipFill>
+            <a:blip r:embed="rId3"/>
+            <a:stretch>
+              <a:fillRect/>
+            </a:stretch>
+          </p:blipFill>
+          <p:spPr>
+            <a:xfrm>
+              <a:off x="6993108" y="3418676"/>
+              <a:ext cx="360000" cy="360000"/>
+            </a:xfrm>
+            <a:prstGeom prst="rect">
+              <a:avLst/>
+            </a:prstGeom>
+          </p:spPr>
+        </p:pic>
+        <p:cxnSp>
+          <p:nvCxnSpPr>
+            <p:cNvPr id="58" name="Connecteur droit avec flèche 57">
+              <a:extLst>
+                <a:ext uri="{FF2B5EF4-FFF2-40B4-BE49-F238E27FC236}">
+                  <a16:creationId xmlns:a16="http://schemas.microsoft.com/office/drawing/2014/main" id="{505D6021-1B16-1674-733B-C648AC112904}"/>
+                </a:ext>
+              </a:extLst>
+            </p:cNvPr>
+            <p:cNvCxnSpPr>
+              <a:cxnSpLocks/>
+            </p:cNvCxnSpPr>
+            <p:nvPr/>
+          </p:nvCxnSpPr>
+          <p:spPr>
+            <a:xfrm flipV="1">
+              <a:off x="10996452" y="3807925"/>
+              <a:ext cx="720000" cy="1536"/>
+            </a:xfrm>
+            <a:prstGeom prst="straightConnector1">
+              <a:avLst/>
+            </a:prstGeom>
+            <a:ln w="25400" cap="rnd">
+              <a:solidFill>
+                <a:srgbClr val="68348B"/>
+              </a:solidFill>
+              <a:tailEnd type="triangle" w="med" len="lg"/>
+            </a:ln>
+          </p:spPr>
+          <p:style>
+            <a:lnRef idx="1">
+              <a:schemeClr val="accent1"/>
+            </a:lnRef>
+            <a:fillRef idx="0">
+              <a:schemeClr val="accent1"/>
+            </a:fillRef>
+            <a:effectRef idx="0">
+              <a:schemeClr val="accent1"/>
+            </a:effectRef>
+            <a:fontRef idx="minor">
+              <a:schemeClr val="tx1"/>
+            </a:fontRef>
+          </p:style>
+        </p:cxnSp>
+        <p:pic>
+          <p:nvPicPr>
+            <p:cNvPr id="60" name="Image 59">
+              <a:extLst>
+                <a:ext uri="{FF2B5EF4-FFF2-40B4-BE49-F238E27FC236}">
+                  <a16:creationId xmlns:a16="http://schemas.microsoft.com/office/drawing/2014/main" id="{85C6EE0C-C52A-6134-EB1B-6F3C57492332}"/>
+                </a:ext>
+              </a:extLst>
+            </p:cNvPr>
+            <p:cNvPicPr>
+              <a:picLocks noChangeAspect="1"/>
+            </p:cNvPicPr>
+            <p:nvPr/>
+          </p:nvPicPr>
+          <p:blipFill>
+            <a:blip r:embed="rId4"/>
+            <a:stretch>
+              <a:fillRect/>
+            </a:stretch>
+          </p:blipFill>
+          <p:spPr>
+            <a:xfrm>
+              <a:off x="11149335" y="3661444"/>
+              <a:ext cx="288000" cy="105516"/>
+            </a:xfrm>
+            <a:prstGeom prst="rect">
+              <a:avLst/>
+            </a:prstGeom>
+          </p:spPr>
+        </p:pic>
+        <mc:AlternateContent xmlns:mc="http://schemas.openxmlformats.org/markup-compatibility/2006" xmlns:a14="http://schemas.microsoft.com/office/drawing/2010/main">
+          <mc:Choice Requires="a14">
+            <p:sp>
+              <p:nvSpPr>
+                <p:cNvPr id="64" name="ZoneTexte 63">
+                  <a:extLst>
+                    <a:ext uri="{FF2B5EF4-FFF2-40B4-BE49-F238E27FC236}">
+                      <a16:creationId xmlns:a16="http://schemas.microsoft.com/office/drawing/2014/main" id="{B39CA18C-C050-2248-E6F6-D99BB87303C8}"/>
+                    </a:ext>
+                  </a:extLst>
+                </p:cNvPr>
+                <p:cNvSpPr txBox="1"/>
+                <p:nvPr/>
+              </p:nvSpPr>
+              <p:spPr>
+                <a:xfrm>
+                  <a:off x="4452429" y="3859412"/>
+                  <a:ext cx="1161960" cy="461665"/>
+                </a:xfrm>
+                <a:prstGeom prst="rect">
+                  <a:avLst/>
+                </a:prstGeom>
+                <a:noFill/>
+              </p:spPr>
+              <p:txBody>
+                <a:bodyPr wrap="square" rtlCol="0">
+                  <a:spAutoFit/>
+                </a:bodyPr>
+                <a:lstStyle/>
+                <a:p>
+                  <a:pPr algn="ctr"/>
+                  <a:r>
+                    <a:rPr lang="fr-FR" sz="1200" b="1" dirty="0">
+                      <a:solidFill>
+                        <a:srgbClr val="FFB25A"/>
+                      </a:solidFill>
+                      <a:latin typeface="Arial Nova" panose="020B0504020202020204" pitchFamily="34" charset="0"/>
+                    </a:rPr>
+                    <a:t> xx V </a:t>
+                  </a:r>
+                  <a14:m>
+                    <m:oMath xmlns:m="http://schemas.openxmlformats.org/officeDocument/2006/math">
+                      <m:r>
+                        <a:rPr lang="fr-FR" sz="1200" b="1" i="0" smtClean="0">
+                          <a:solidFill>
+                            <a:srgbClr val="FFB25A"/>
+                          </a:solidFill>
+                          <a:latin typeface="Cambria Math" panose="02040503050406030204" pitchFamily="18" charset="0"/>
+                          <a:ea typeface="Cambria Math" panose="02040503050406030204" pitchFamily="18" charset="0"/>
+                          <a:cs typeface="Calibri" panose="020F0502020204030204" pitchFamily="34" charset="0"/>
+                        </a:rPr>
+                        <m:t>=</m:t>
+                      </m:r>
+                    </m:oMath>
+                  </a14:m>
+                  <a:endParaRPr lang="fr-FR" sz="1200" b="1" dirty="0">
+                    <a:solidFill>
+                      <a:srgbClr val="FFB25A"/>
+                    </a:solidFill>
+                    <a:latin typeface="Arial Nova" panose="020B0504020202020204" pitchFamily="34" charset="0"/>
+                  </a:endParaRPr>
+                </a:p>
+                <a:p>
+                  <a:pPr algn="ctr"/>
+                  <a14:m>
+                    <m:oMathPara xmlns:m="http://schemas.openxmlformats.org/officeDocument/2006/math">
+                      <m:oMathParaPr>
+                        <m:jc m:val="centerGroup"/>
+                      </m:oMathParaPr>
+                      <m:oMath xmlns:m="http://schemas.openxmlformats.org/officeDocument/2006/math">
+                        <m:r>
+                          <a:rPr lang="fr-FR" sz="1200" b="1" i="1" smtClean="0">
+                            <a:solidFill>
+                              <a:srgbClr val="FFB25A"/>
+                            </a:solidFill>
+                            <a:latin typeface="Cambria Math" panose="02040503050406030204" pitchFamily="18" charset="0"/>
+                            <a:ea typeface="Cambria Math" panose="02040503050406030204" pitchFamily="18" charset="0"/>
+                          </a:rPr>
+                          <m:t>𝓟</m:t>
+                        </m:r>
+                        <m:r>
+                          <a:rPr lang="fr-FR" sz="1200" b="1" i="1" smtClean="0">
+                            <a:solidFill>
+                              <a:srgbClr val="FFB25A"/>
+                            </a:solidFill>
+                            <a:latin typeface="Cambria Math" panose="02040503050406030204" pitchFamily="18" charset="0"/>
+                            <a:ea typeface="Cambria Math" panose="02040503050406030204" pitchFamily="18" charset="0"/>
+                          </a:rPr>
+                          <m:t>=</m:t>
+                        </m:r>
+                        <m:r>
+                          <a:rPr lang="fr-FR" sz="1200" b="1" i="1" smtClean="0">
+                            <a:solidFill>
+                              <a:srgbClr val="FFB25A"/>
+                            </a:solidFill>
+                            <a:latin typeface="Cambria Math" panose="02040503050406030204" pitchFamily="18" charset="0"/>
+                            <a:ea typeface="Cambria Math" panose="02040503050406030204" pitchFamily="18" charset="0"/>
+                          </a:rPr>
+                          <m:t>𝑼𝑰</m:t>
+                        </m:r>
+                      </m:oMath>
+                    </m:oMathPara>
+                  </a14:m>
+                  <a:endParaRPr lang="fr-FR" sz="1200" b="1" dirty="0">
+                    <a:solidFill>
+                      <a:srgbClr val="FFB25A"/>
+                    </a:solidFill>
+                    <a:latin typeface="Arial Nova" panose="020B0504020202020204" pitchFamily="34" charset="0"/>
+                  </a:endParaRPr>
+                </a:p>
+              </p:txBody>
+            </p:sp>
+          </mc:Choice>
+          <mc:Fallback xmlns="">
+            <p:sp>
+              <p:nvSpPr>
+                <p:cNvPr id="64" name="ZoneTexte 63">
+                  <a:extLst>
+                    <a:ext uri="{FF2B5EF4-FFF2-40B4-BE49-F238E27FC236}">
+                      <a16:creationId xmlns:a16="http://schemas.microsoft.com/office/drawing/2014/main" id="{B39CA18C-C050-2248-E6F6-D99BB87303C8}"/>
+                    </a:ext>
+                  </a:extLst>
+                </p:cNvPr>
+                <p:cNvSpPr txBox="1">
+                  <a:spLocks noRot="1" noChangeAspect="1" noMove="1" noResize="1" noEditPoints="1" noAdjustHandles="1" noChangeArrowheads="1" noChangeShapeType="1" noTextEdit="1"/>
+                </p:cNvSpPr>
+                <p:nvPr/>
+              </p:nvSpPr>
+              <p:spPr>
+                <a:xfrm>
+                  <a:off x="4452429" y="3859412"/>
+                  <a:ext cx="1161960" cy="461665"/>
+                </a:xfrm>
+                <a:prstGeom prst="rect">
+                  <a:avLst/>
+                </a:prstGeom>
+                <a:blipFill>
+                  <a:blip r:embed="rId5"/>
+                  <a:stretch>
+                    <a:fillRect/>
+                  </a:stretch>
+                </a:blipFill>
+              </p:spPr>
+              <p:txBody>
+                <a:bodyPr/>
+                <a:lstStyle/>
+                <a:p>
+                  <a:r>
+                    <a:rPr lang="fr-FR">
+                      <a:noFill/>
+                    </a:rPr>
+                    <a:t> </a:t>
+                  </a:r>
+                </a:p>
+              </p:txBody>
+            </p:sp>
+          </mc:Fallback>
+        </mc:AlternateContent>
+        <p:grpSp>
+          <p:nvGrpSpPr>
+            <p:cNvPr id="71" name="Groupe 70">
+              <a:extLst>
+                <a:ext uri="{FF2B5EF4-FFF2-40B4-BE49-F238E27FC236}">
+                  <a16:creationId xmlns:a16="http://schemas.microsoft.com/office/drawing/2014/main" id="{3A416195-885D-B412-950E-1F349C5CC6AB}"/>
+                </a:ext>
+              </a:extLst>
+            </p:cNvPr>
+            <p:cNvGrpSpPr/>
+            <p:nvPr/>
+          </p:nvGrpSpPr>
+          <p:grpSpPr>
+            <a:xfrm>
+              <a:off x="8079091" y="3940734"/>
+              <a:ext cx="360000" cy="360000"/>
+              <a:chOff x="5447928" y="2816932"/>
+              <a:chExt cx="1800000" cy="1800000"/>
+            </a:xfrm>
+          </p:grpSpPr>
+          <p:sp>
+            <p:nvSpPr>
+              <p:cNvPr id="72" name="Ellipse 71">
+                <a:extLst>
+                  <a:ext uri="{FF2B5EF4-FFF2-40B4-BE49-F238E27FC236}">
+                    <a16:creationId xmlns:a16="http://schemas.microsoft.com/office/drawing/2014/main" id="{689719FF-319E-F4C6-E150-B6C708728D00}"/>
+                  </a:ext>
+                </a:extLst>
+              </p:cNvPr>
+              <p:cNvSpPr/>
+              <p:nvPr/>
+            </p:nvSpPr>
+            <p:spPr>
+              <a:xfrm>
+                <a:off x="5447928" y="2816932"/>
+                <a:ext cx="1800000" cy="1800000"/>
+              </a:xfrm>
+              <a:prstGeom prst="ellipse">
+                <a:avLst/>
+              </a:prstGeom>
+              <a:solidFill>
+                <a:srgbClr val="EF7268"/>
+              </a:solidFill>
+              <a:ln>
+                <a:noFill/>
+              </a:ln>
+            </p:spPr>
+            <p:style>
+              <a:lnRef idx="2">
+                <a:schemeClr val="accent1">
+                  <a:shade val="50000"/>
+                </a:schemeClr>
+              </a:lnRef>
+              <a:fillRef idx="1">
+                <a:schemeClr val="accent1"/>
+              </a:fillRef>
+              <a:effectRef idx="0">
+                <a:schemeClr val="accent1"/>
+              </a:effectRef>
+              <a:fontRef idx="minor">
+                <a:schemeClr val="lt1"/>
+              </a:fontRef>
+            </p:style>
+            <p:txBody>
+              <a:bodyPr rtlCol="0" anchor="ctr"/>
+              <a:lstStyle/>
+              <a:p>
+                <a:pPr algn="ctr"/>
+                <a:endParaRPr lang="fr-FR" dirty="0"/>
+              </a:p>
+            </p:txBody>
+          </p:sp>
+          <p:pic>
+            <p:nvPicPr>
+              <p:cNvPr id="73" name="Image 72">
+                <a:extLst>
+                  <a:ext uri="{FF2B5EF4-FFF2-40B4-BE49-F238E27FC236}">
+                    <a16:creationId xmlns:a16="http://schemas.microsoft.com/office/drawing/2014/main" id="{1AC2262C-D76B-934A-5E65-99DB0E926C90}"/>
+                  </a:ext>
+                </a:extLst>
+              </p:cNvPr>
+              <p:cNvPicPr>
+                <a:picLocks noChangeAspect="1"/>
+              </p:cNvPicPr>
+              <p:nvPr/>
+            </p:nvPicPr>
+            <p:blipFill>
+              <a:blip r:embed="rId6"/>
+              <a:stretch>
+                <a:fillRect/>
+              </a:stretch>
+            </p:blipFill>
+            <p:spPr>
+              <a:xfrm flipH="1">
+                <a:off x="5627848" y="2996852"/>
+                <a:ext cx="1440160" cy="1440160"/>
+              </a:xfrm>
+              <a:prstGeom prst="rect">
+                <a:avLst/>
+              </a:prstGeom>
+            </p:spPr>
+          </p:pic>
+        </p:grpSp>
+        <p:grpSp>
+          <p:nvGrpSpPr>
+            <p:cNvPr id="74" name="Groupe 73">
+              <a:extLst>
+                <a:ext uri="{FF2B5EF4-FFF2-40B4-BE49-F238E27FC236}">
+                  <a16:creationId xmlns:a16="http://schemas.microsoft.com/office/drawing/2014/main" id="{62B9229E-5DD5-9728-B982-E481189F9BEC}"/>
+                </a:ext>
+              </a:extLst>
+            </p:cNvPr>
+            <p:cNvGrpSpPr/>
+            <p:nvPr/>
+          </p:nvGrpSpPr>
+          <p:grpSpPr>
+            <a:xfrm>
+              <a:off x="5929319" y="3962771"/>
+              <a:ext cx="360000" cy="360000"/>
+              <a:chOff x="5775745" y="3144183"/>
+              <a:chExt cx="1800000" cy="1800000"/>
+            </a:xfrm>
+          </p:grpSpPr>
+          <p:sp>
+            <p:nvSpPr>
+              <p:cNvPr id="75" name="Ellipse 74">
+                <a:extLst>
+                  <a:ext uri="{FF2B5EF4-FFF2-40B4-BE49-F238E27FC236}">
+                    <a16:creationId xmlns:a16="http://schemas.microsoft.com/office/drawing/2014/main" id="{45D1B4DF-7033-EB1C-DEC9-639AE2145414}"/>
+                  </a:ext>
+                </a:extLst>
+              </p:cNvPr>
+              <p:cNvSpPr/>
+              <p:nvPr/>
+            </p:nvSpPr>
+            <p:spPr>
+              <a:xfrm>
+                <a:off x="5775745" y="3144183"/>
+                <a:ext cx="1800000" cy="1800000"/>
+              </a:xfrm>
+              <a:prstGeom prst="ellipse">
+                <a:avLst/>
+              </a:prstGeom>
+              <a:solidFill>
+                <a:srgbClr val="68348B"/>
+              </a:solidFill>
+              <a:ln>
+                <a:noFill/>
+              </a:ln>
+            </p:spPr>
+            <p:style>
+              <a:lnRef idx="2">
+                <a:schemeClr val="accent1">
+                  <a:shade val="50000"/>
+                </a:schemeClr>
+              </a:lnRef>
+              <a:fillRef idx="1">
+                <a:schemeClr val="accent1"/>
+              </a:fillRef>
+              <a:effectRef idx="0">
+                <a:schemeClr val="accent1"/>
+              </a:effectRef>
+              <a:fontRef idx="minor">
+                <a:schemeClr val="lt1"/>
+              </a:fontRef>
+            </p:style>
+            <p:txBody>
+              <a:bodyPr rtlCol="0" anchor="ctr"/>
+              <a:lstStyle/>
+              <a:p>
+                <a:pPr algn="ctr"/>
+                <a:endParaRPr lang="fr-FR"/>
+              </a:p>
+            </p:txBody>
+          </p:sp>
+          <p:pic>
+            <p:nvPicPr>
+              <p:cNvPr id="76" name="Image 75">
+                <a:extLst>
+                  <a:ext uri="{FF2B5EF4-FFF2-40B4-BE49-F238E27FC236}">
+                    <a16:creationId xmlns:a16="http://schemas.microsoft.com/office/drawing/2014/main" id="{E313AA97-25C8-7CFE-4F0E-0B1EFC00D5AF}"/>
+                  </a:ext>
+                </a:extLst>
+              </p:cNvPr>
+              <p:cNvPicPr>
+                <a:picLocks noChangeAspect="1"/>
+              </p:cNvPicPr>
+              <p:nvPr/>
+            </p:nvPicPr>
+            <p:blipFill>
+              <a:blip r:embed="rId7"/>
+              <a:stretch>
+                <a:fillRect/>
+              </a:stretch>
+            </p:blipFill>
+            <p:spPr>
+              <a:xfrm>
+                <a:off x="5903821" y="3513485"/>
+                <a:ext cx="1543848" cy="1061396"/>
+              </a:xfrm>
+              <a:prstGeom prst="rect">
+                <a:avLst/>
+              </a:prstGeom>
+            </p:spPr>
+          </p:pic>
+        </p:grpSp>
+        <mc:AlternateContent xmlns:mc="http://schemas.openxmlformats.org/markup-compatibility/2006" xmlns:a14="http://schemas.microsoft.com/office/drawing/2010/main">
+          <mc:Choice Requires="a14">
+            <p:sp>
+              <p:nvSpPr>
+                <p:cNvPr id="77" name="ZoneTexte 76">
+                  <a:extLst>
+                    <a:ext uri="{FF2B5EF4-FFF2-40B4-BE49-F238E27FC236}">
+                      <a16:creationId xmlns:a16="http://schemas.microsoft.com/office/drawing/2014/main" id="{4BE6685B-714A-2936-1BA2-2CA1122FD234}"/>
+                    </a:ext>
+                  </a:extLst>
+                </p:cNvPr>
+                <p:cNvSpPr txBox="1"/>
+                <p:nvPr/>
+              </p:nvSpPr>
+              <p:spPr>
+                <a:xfrm>
+                  <a:off x="6496530" y="3899673"/>
+                  <a:ext cx="1431825" cy="261610"/>
+                </a:xfrm>
+                <a:prstGeom prst="rect">
+                  <a:avLst/>
+                </a:prstGeom>
+                <a:noFill/>
+              </p:spPr>
+              <p:txBody>
+                <a:bodyPr wrap="square">
+                  <a:spAutoFit/>
+                </a:bodyPr>
+                <a:lstStyle/>
+                <a:p>
+                  <a:pPr algn="ctr"/>
+                  <a14:m>
+                    <m:oMathPara xmlns:m="http://schemas.openxmlformats.org/officeDocument/2006/math">
+                      <m:oMathParaPr>
+                        <m:jc m:val="centerGroup"/>
+                      </m:oMathParaPr>
+                      <m:oMath xmlns:m="http://schemas.openxmlformats.org/officeDocument/2006/math">
+                        <m:r>
+                          <a:rPr lang="fr-FR" sz="1100" b="1" i="1" smtClean="0">
+                            <a:solidFill>
+                              <a:srgbClr val="7030A0"/>
+                            </a:solidFill>
+                            <a:latin typeface="Cambria Math" panose="02040503050406030204" pitchFamily="18" charset="0"/>
+                            <a:ea typeface="Cambria Math" panose="02040503050406030204" pitchFamily="18" charset="0"/>
+                          </a:rPr>
+                          <m:t>𝓟</m:t>
+                        </m:r>
+                        <m:r>
+                          <a:rPr lang="fr-FR" sz="1100" b="1" i="1" smtClean="0">
+                            <a:solidFill>
+                              <a:srgbClr val="7030A0"/>
+                            </a:solidFill>
+                            <a:latin typeface="Cambria Math" panose="02040503050406030204" pitchFamily="18" charset="0"/>
+                            <a:ea typeface="Cambria Math" panose="02040503050406030204" pitchFamily="18" charset="0"/>
+                          </a:rPr>
+                          <m:t>=</m:t>
+                        </m:r>
+                        <m:sSub>
+                          <m:sSubPr>
+                            <m:ctrlPr>
+                              <a:rPr lang="fr-FR" sz="1100" b="1" i="1" smtClean="0">
+                                <a:solidFill>
+                                  <a:srgbClr val="7030A0"/>
+                                </a:solidFill>
+                                <a:latin typeface="Cambria Math" panose="02040503050406030204" pitchFamily="18" charset="0"/>
+                                <a:ea typeface="Cambria Math" panose="02040503050406030204" pitchFamily="18" charset="0"/>
+                              </a:rPr>
+                            </m:ctrlPr>
+                          </m:sSubPr>
+                          <m:e>
+                            <m:r>
+                              <a:rPr lang="fr-FR" sz="1100" b="1" i="1" smtClean="0">
+                                <a:solidFill>
+                                  <a:srgbClr val="7030A0"/>
+                                </a:solidFill>
+                                <a:latin typeface="Cambria Math" panose="02040503050406030204" pitchFamily="18" charset="0"/>
+                                <a:ea typeface="Cambria Math" panose="02040503050406030204" pitchFamily="18" charset="0"/>
+                              </a:rPr>
+                              <m:t>𝑪</m:t>
+                            </m:r>
+                          </m:e>
+                          <m:sub>
+                            <m:r>
+                              <a:rPr lang="fr-FR" sz="1100" b="1" i="1" smtClean="0">
+                                <a:solidFill>
+                                  <a:srgbClr val="7030A0"/>
+                                </a:solidFill>
+                                <a:latin typeface="Cambria Math" panose="02040503050406030204" pitchFamily="18" charset="0"/>
+                                <a:ea typeface="Cambria Math" panose="02040503050406030204" pitchFamily="18" charset="0"/>
+                              </a:rPr>
+                              <m:t>𝒎</m:t>
+                            </m:r>
+                          </m:sub>
+                        </m:sSub>
+                        <m:sSub>
+                          <m:sSubPr>
+                            <m:ctrlPr>
+                              <a:rPr lang="fr-FR" sz="1100" b="1" i="1" smtClean="0">
+                                <a:solidFill>
+                                  <a:srgbClr val="7030A0"/>
+                                </a:solidFill>
+                                <a:latin typeface="Cambria Math" panose="02040503050406030204" pitchFamily="18" charset="0"/>
+                                <a:ea typeface="Cambria Math" panose="02040503050406030204" pitchFamily="18" charset="0"/>
+                              </a:rPr>
+                            </m:ctrlPr>
+                          </m:sSubPr>
+                          <m:e>
+                            <m:r>
+                              <a:rPr lang="fr-FR" sz="1100" b="1" i="1" smtClean="0">
+                                <a:solidFill>
+                                  <a:srgbClr val="7030A0"/>
+                                </a:solidFill>
+                                <a:latin typeface="Cambria Math" panose="02040503050406030204" pitchFamily="18" charset="0"/>
+                                <a:ea typeface="Cambria Math" panose="02040503050406030204" pitchFamily="18" charset="0"/>
+                              </a:rPr>
+                              <m:t>𝝎</m:t>
+                            </m:r>
+                          </m:e>
+                          <m:sub>
+                            <m:r>
+                              <a:rPr lang="fr-FR" sz="1100" b="1" i="1" smtClean="0">
+                                <a:solidFill>
+                                  <a:srgbClr val="7030A0"/>
+                                </a:solidFill>
+                                <a:latin typeface="Cambria Math" panose="02040503050406030204" pitchFamily="18" charset="0"/>
+                                <a:ea typeface="Cambria Math" panose="02040503050406030204" pitchFamily="18" charset="0"/>
+                              </a:rPr>
+                              <m:t>𝒎</m:t>
+                            </m:r>
+                          </m:sub>
+                        </m:sSub>
+                      </m:oMath>
+                    </m:oMathPara>
+                  </a14:m>
+                  <a:endParaRPr lang="fr-FR" sz="1100" b="1" dirty="0">
+                    <a:solidFill>
+                      <a:srgbClr val="7030A0"/>
+                    </a:solidFill>
+                    <a:latin typeface="Arial Nova" panose="020B0504020202020204" pitchFamily="34" charset="0"/>
+                  </a:endParaRPr>
+                </a:p>
+              </p:txBody>
+            </p:sp>
+          </mc:Choice>
+          <mc:Fallback xmlns="">
+            <p:sp>
+              <p:nvSpPr>
+                <p:cNvPr id="77" name="ZoneTexte 76">
+                  <a:extLst>
+                    <a:ext uri="{FF2B5EF4-FFF2-40B4-BE49-F238E27FC236}">
+                      <a16:creationId xmlns:a16="http://schemas.microsoft.com/office/drawing/2014/main" id="{4BE6685B-714A-2936-1BA2-2CA1122FD234}"/>
+                    </a:ext>
+                  </a:extLst>
+                </p:cNvPr>
+                <p:cNvSpPr txBox="1">
+                  <a:spLocks noRot="1" noChangeAspect="1" noMove="1" noResize="1" noEditPoints="1" noAdjustHandles="1" noChangeArrowheads="1" noChangeShapeType="1" noTextEdit="1"/>
+                </p:cNvSpPr>
+                <p:nvPr/>
+              </p:nvSpPr>
+              <p:spPr>
+                <a:xfrm>
+                  <a:off x="6496530" y="3899673"/>
+                  <a:ext cx="1431825" cy="261610"/>
+                </a:xfrm>
+                <a:prstGeom prst="rect">
+                  <a:avLst/>
+                </a:prstGeom>
+                <a:blipFill>
+                  <a:blip r:embed="rId8"/>
+                  <a:stretch>
+                    <a:fillRect/>
+                  </a:stretch>
+                </a:blipFill>
+              </p:spPr>
+              <p:txBody>
+                <a:bodyPr/>
+                <a:lstStyle/>
+                <a:p>
+                  <a:r>
+                    <a:rPr lang="fr-FR">
+                      <a:noFill/>
+                    </a:rPr>
+                    <a:t> </a:t>
+                  </a:r>
+                </a:p>
+              </p:txBody>
+            </p:sp>
+          </mc:Fallback>
+        </mc:AlternateContent>
+        <mc:AlternateContent xmlns:mc="http://schemas.openxmlformats.org/markup-compatibility/2006" xmlns:a14="http://schemas.microsoft.com/office/drawing/2010/main">
+          <mc:Choice Requires="a14">
+            <p:sp>
+              <p:nvSpPr>
+                <p:cNvPr id="78" name="ZoneTexte 77">
+                  <a:extLst>
+                    <a:ext uri="{FF2B5EF4-FFF2-40B4-BE49-F238E27FC236}">
+                      <a16:creationId xmlns:a16="http://schemas.microsoft.com/office/drawing/2014/main" id="{F72A4F02-81F2-12CD-42EB-688314B6AAB2}"/>
+                    </a:ext>
+                  </a:extLst>
+                </p:cNvPr>
+                <p:cNvSpPr txBox="1"/>
+                <p:nvPr/>
+              </p:nvSpPr>
+              <p:spPr>
+                <a:xfrm>
+                  <a:off x="10613889" y="3865361"/>
+                  <a:ext cx="1431825" cy="261610"/>
+                </a:xfrm>
+                <a:prstGeom prst="rect">
+                  <a:avLst/>
+                </a:prstGeom>
+                <a:noFill/>
+              </p:spPr>
+              <p:txBody>
+                <a:bodyPr wrap="square">
+                  <a:spAutoFit/>
+                </a:bodyPr>
+                <a:lstStyle/>
+                <a:p>
+                  <a:pPr algn="ctr"/>
+                  <a14:m>
+                    <m:oMathPara xmlns:m="http://schemas.openxmlformats.org/officeDocument/2006/math">
+                      <m:oMathParaPr>
+                        <m:jc m:val="centerGroup"/>
+                      </m:oMathParaPr>
+                      <m:oMath xmlns:m="http://schemas.openxmlformats.org/officeDocument/2006/math">
+                        <m:r>
+                          <a:rPr lang="fr-FR" sz="1100" b="1" i="1" smtClean="0">
+                            <a:solidFill>
+                              <a:srgbClr val="7030A0"/>
+                            </a:solidFill>
+                            <a:latin typeface="Cambria Math" panose="02040503050406030204" pitchFamily="18" charset="0"/>
+                            <a:ea typeface="Cambria Math" panose="02040503050406030204" pitchFamily="18" charset="0"/>
+                          </a:rPr>
+                          <m:t>𝓟</m:t>
+                        </m:r>
+                        <m:r>
+                          <a:rPr lang="fr-FR" sz="1100" b="1" i="1" smtClean="0">
+                            <a:solidFill>
+                              <a:srgbClr val="7030A0"/>
+                            </a:solidFill>
+                            <a:latin typeface="Cambria Math" panose="02040503050406030204" pitchFamily="18" charset="0"/>
+                            <a:ea typeface="Cambria Math" panose="02040503050406030204" pitchFamily="18" charset="0"/>
+                          </a:rPr>
+                          <m:t>=</m:t>
+                        </m:r>
+                        <m:sSub>
+                          <m:sSubPr>
+                            <m:ctrlPr>
+                              <a:rPr lang="fr-FR" sz="1100" b="1" i="1" smtClean="0">
+                                <a:solidFill>
+                                  <a:srgbClr val="7030A0"/>
+                                </a:solidFill>
+                                <a:latin typeface="Cambria Math" panose="02040503050406030204" pitchFamily="18" charset="0"/>
+                                <a:ea typeface="Cambria Math" panose="02040503050406030204" pitchFamily="18" charset="0"/>
+                              </a:rPr>
+                            </m:ctrlPr>
+                          </m:sSubPr>
+                          <m:e>
+                            <m:r>
+                              <a:rPr lang="fr-FR" sz="1100" b="1" i="1" smtClean="0">
+                                <a:solidFill>
+                                  <a:srgbClr val="7030A0"/>
+                                </a:solidFill>
+                                <a:latin typeface="Cambria Math" panose="02040503050406030204" pitchFamily="18" charset="0"/>
+                                <a:ea typeface="Cambria Math" panose="02040503050406030204" pitchFamily="18" charset="0"/>
+                              </a:rPr>
+                              <m:t>𝑭</m:t>
+                            </m:r>
+                          </m:e>
+                          <m:sub>
+                            <m:r>
+                              <a:rPr lang="fr-FR" sz="1100" b="1" i="1" smtClean="0">
+                                <a:solidFill>
+                                  <a:srgbClr val="7030A0"/>
+                                </a:solidFill>
+                                <a:latin typeface="Cambria Math" panose="02040503050406030204" pitchFamily="18" charset="0"/>
+                                <a:ea typeface="Cambria Math" panose="02040503050406030204" pitchFamily="18" charset="0"/>
+                              </a:rPr>
+                              <m:t>𝒎</m:t>
+                            </m:r>
+                          </m:sub>
+                        </m:sSub>
+                        <m:r>
+                          <a:rPr lang="fr-FR" sz="1100" b="1" i="1" smtClean="0">
+                            <a:solidFill>
+                              <a:srgbClr val="7030A0"/>
+                            </a:solidFill>
+                            <a:latin typeface="Cambria Math" panose="02040503050406030204" pitchFamily="18" charset="0"/>
+                            <a:ea typeface="Cambria Math" panose="02040503050406030204" pitchFamily="18" charset="0"/>
+                          </a:rPr>
+                          <m:t>𝑽</m:t>
+                        </m:r>
+                      </m:oMath>
+                    </m:oMathPara>
+                  </a14:m>
+                  <a:endParaRPr lang="fr-FR" sz="1100" b="1" dirty="0">
+                    <a:solidFill>
+                      <a:srgbClr val="7030A0"/>
+                    </a:solidFill>
+                    <a:latin typeface="Arial Nova" panose="020B0504020202020204" pitchFamily="34" charset="0"/>
+                  </a:endParaRPr>
+                </a:p>
+              </p:txBody>
+            </p:sp>
+          </mc:Choice>
+          <mc:Fallback xmlns="">
+            <p:sp>
+              <p:nvSpPr>
+                <p:cNvPr id="78" name="ZoneTexte 77">
+                  <a:extLst>
+                    <a:ext uri="{FF2B5EF4-FFF2-40B4-BE49-F238E27FC236}">
+                      <a16:creationId xmlns:a16="http://schemas.microsoft.com/office/drawing/2014/main" id="{F72A4F02-81F2-12CD-42EB-688314B6AAB2}"/>
+                    </a:ext>
+                  </a:extLst>
+                </p:cNvPr>
+                <p:cNvSpPr txBox="1">
+                  <a:spLocks noRot="1" noChangeAspect="1" noMove="1" noResize="1" noEditPoints="1" noAdjustHandles="1" noChangeArrowheads="1" noChangeShapeType="1" noTextEdit="1"/>
+                </p:cNvSpPr>
+                <p:nvPr/>
+              </p:nvSpPr>
+              <p:spPr>
+                <a:xfrm>
+                  <a:off x="10613889" y="3865361"/>
+                  <a:ext cx="1431825" cy="261610"/>
+                </a:xfrm>
+                <a:prstGeom prst="rect">
+                  <a:avLst/>
+                </a:prstGeom>
+                <a:blipFill>
+                  <a:blip r:embed="rId9"/>
+                  <a:stretch>
+                    <a:fillRect/>
+                  </a:stretch>
+                </a:blipFill>
+              </p:spPr>
+              <p:txBody>
+                <a:bodyPr/>
+                <a:lstStyle/>
+                <a:p>
+                  <a:r>
+                    <a:rPr lang="fr-FR">
+                      <a:noFill/>
+                    </a:rPr>
+                    <a:t> </a:t>
+                  </a:r>
+                </a:p>
+              </p:txBody>
+            </p:sp>
+          </mc:Fallback>
+        </mc:AlternateContent>
+        <p:sp>
+          <p:nvSpPr>
+            <p:cNvPr id="79" name="Rectangle : coins arrondis 65">
+              <a:extLst>
+                <a:ext uri="{FF2B5EF4-FFF2-40B4-BE49-F238E27FC236}">
+                  <a16:creationId xmlns:a16="http://schemas.microsoft.com/office/drawing/2014/main" id="{DEFEC9DC-D44C-BD4C-C7C7-8E5A976EE82E}"/>
+                </a:ext>
+              </a:extLst>
+            </p:cNvPr>
+            <p:cNvSpPr/>
+            <p:nvPr/>
+          </p:nvSpPr>
+          <p:spPr>
+            <a:xfrm>
+              <a:off x="9625448" y="3534654"/>
+              <a:ext cx="1365662" cy="534390"/>
+            </a:xfrm>
+            <a:prstGeom prst="roundRect">
+              <a:avLst>
+                <a:gd name="adj" fmla="val 11914"/>
+              </a:avLst>
+            </a:prstGeom>
+            <a:noFill/>
+            <a:ln w="19050">
+              <a:solidFill>
+                <a:srgbClr val="EE685D"/>
+              </a:solidFill>
+            </a:ln>
+          </p:spPr>
+          <p:style>
+            <a:lnRef idx="2">
+              <a:schemeClr val="accent1">
+                <a:shade val="50000"/>
+              </a:schemeClr>
+            </a:lnRef>
+            <a:fillRef idx="1">
+              <a:schemeClr val="accent1"/>
+            </a:fillRef>
+            <a:effectRef idx="0">
+              <a:schemeClr val="accent1"/>
+            </a:effectRef>
+            <a:fontRef idx="minor">
+              <a:schemeClr val="lt1"/>
+            </a:fontRef>
+          </p:style>
+          <p:txBody>
+            <a:bodyPr rtlCol="0" anchor="ctr"/>
+            <a:lstStyle/>
+            <a:p>
+              <a:pPr algn="ctr"/>
+              <a:r>
+                <a:rPr lang="fr-FR" sz="1400" dirty="0">
+                  <a:solidFill>
+                    <a:srgbClr val="EE685D"/>
+                  </a:solidFill>
+                  <a:latin typeface="Arial Nova" panose="020B0504020202020204" pitchFamily="34" charset="0"/>
+                </a:rPr>
+                <a:t>Transmettre</a:t>
+              </a:r>
+            </a:p>
+          </p:txBody>
+        </p:sp>
+        <p:cxnSp>
+          <p:nvCxnSpPr>
+            <p:cNvPr id="80" name="Connecteur droit avec flèche 79">
+              <a:extLst>
+                <a:ext uri="{FF2B5EF4-FFF2-40B4-BE49-F238E27FC236}">
+                  <a16:creationId xmlns:a16="http://schemas.microsoft.com/office/drawing/2014/main" id="{FA030DA2-3C3A-C8FA-45E8-D976D05C940D}"/>
+                </a:ext>
+              </a:extLst>
+            </p:cNvPr>
+            <p:cNvCxnSpPr>
+              <a:cxnSpLocks/>
+            </p:cNvCxnSpPr>
+            <p:nvPr/>
+          </p:nvCxnSpPr>
+          <p:spPr>
+            <a:xfrm flipV="1">
+              <a:off x="8911895" y="3796784"/>
+              <a:ext cx="720000" cy="1536"/>
+            </a:xfrm>
+            <a:prstGeom prst="straightConnector1">
+              <a:avLst/>
+            </a:prstGeom>
+            <a:ln w="25400" cap="rnd">
+              <a:solidFill>
+                <a:srgbClr val="68348B"/>
+              </a:solidFill>
+              <a:tailEnd type="triangle" w="med" len="lg"/>
+            </a:ln>
+          </p:spPr>
+          <p:style>
+            <a:lnRef idx="1">
+              <a:schemeClr val="accent1"/>
+            </a:lnRef>
+            <a:fillRef idx="0">
+              <a:schemeClr val="accent1"/>
+            </a:fillRef>
+            <a:effectRef idx="0">
+              <a:schemeClr val="accent1"/>
+            </a:effectRef>
+            <a:fontRef idx="minor">
+              <a:schemeClr val="tx1"/>
+            </a:fontRef>
+          </p:style>
+        </p:cxnSp>
+        <p:pic>
+          <p:nvPicPr>
+            <p:cNvPr id="81" name="Image 80">
+              <a:extLst>
+                <a:ext uri="{FF2B5EF4-FFF2-40B4-BE49-F238E27FC236}">
+                  <a16:creationId xmlns:a16="http://schemas.microsoft.com/office/drawing/2014/main" id="{7CFF18D7-B440-5F98-0242-64155E193C50}"/>
+                </a:ext>
+              </a:extLst>
+            </p:cNvPr>
+            <p:cNvPicPr>
+              <a:picLocks noChangeAspect="1"/>
+            </p:cNvPicPr>
+            <p:nvPr/>
+          </p:nvPicPr>
+          <p:blipFill>
+            <a:blip r:embed="rId3"/>
+            <a:stretch>
+              <a:fillRect/>
+            </a:stretch>
+          </p:blipFill>
+          <p:spPr>
+            <a:xfrm>
+              <a:off x="9075684" y="3407535"/>
+              <a:ext cx="360000" cy="360000"/>
+            </a:xfrm>
+            <a:prstGeom prst="rect">
+              <a:avLst/>
+            </a:prstGeom>
+          </p:spPr>
+        </p:pic>
+        <p:grpSp>
+          <p:nvGrpSpPr>
+            <p:cNvPr id="82" name="Groupe 81">
+              <a:extLst>
+                <a:ext uri="{FF2B5EF4-FFF2-40B4-BE49-F238E27FC236}">
+                  <a16:creationId xmlns:a16="http://schemas.microsoft.com/office/drawing/2014/main" id="{F7FD68FD-39E8-E3FC-751F-6F8E7EFC5E05}"/>
+                </a:ext>
+              </a:extLst>
+            </p:cNvPr>
+            <p:cNvGrpSpPr/>
+            <p:nvPr/>
+          </p:nvGrpSpPr>
+          <p:grpSpPr>
+            <a:xfrm>
+              <a:off x="10151217" y="3954960"/>
+              <a:ext cx="360000" cy="360000"/>
+              <a:chOff x="10405167" y="2322166"/>
+              <a:chExt cx="1800000" cy="1800000"/>
+            </a:xfrm>
+          </p:grpSpPr>
+          <p:sp>
+            <p:nvSpPr>
+              <p:cNvPr id="83" name="Ellipse 82">
+                <a:extLst>
+                  <a:ext uri="{FF2B5EF4-FFF2-40B4-BE49-F238E27FC236}">
+                    <a16:creationId xmlns:a16="http://schemas.microsoft.com/office/drawing/2014/main" id="{1E8A1773-049E-3FE0-3A55-46B324B5F72D}"/>
+                  </a:ext>
+                </a:extLst>
+              </p:cNvPr>
+              <p:cNvSpPr/>
+              <p:nvPr/>
+            </p:nvSpPr>
+            <p:spPr>
+              <a:xfrm>
+                <a:off x="10405167" y="2322166"/>
+                <a:ext cx="1800000" cy="1800000"/>
+              </a:xfrm>
+              <a:prstGeom prst="ellipse">
+                <a:avLst/>
+              </a:prstGeom>
+              <a:solidFill>
+                <a:srgbClr val="EF7268"/>
+              </a:solidFill>
+              <a:ln>
+                <a:noFill/>
+              </a:ln>
+            </p:spPr>
+            <p:style>
+              <a:lnRef idx="2">
+                <a:schemeClr val="accent1">
+                  <a:shade val="50000"/>
+                </a:schemeClr>
+              </a:lnRef>
+              <a:fillRef idx="1">
+                <a:schemeClr val="accent1"/>
+              </a:fillRef>
+              <a:effectRef idx="0">
+                <a:schemeClr val="accent1"/>
+              </a:effectRef>
+              <a:fontRef idx="minor">
+                <a:schemeClr val="lt1"/>
+              </a:fontRef>
+            </p:style>
+            <p:txBody>
+              <a:bodyPr rtlCol="0" anchor="ctr"/>
+              <a:lstStyle/>
+              <a:p>
+                <a:pPr algn="ctr"/>
+                <a:endParaRPr lang="fr-FR" dirty="0"/>
+              </a:p>
+            </p:txBody>
+          </p:sp>
+          <p:pic>
+            <p:nvPicPr>
+              <p:cNvPr id="84" name="Image 83">
+                <a:extLst>
+                  <a:ext uri="{FF2B5EF4-FFF2-40B4-BE49-F238E27FC236}">
+                    <a16:creationId xmlns:a16="http://schemas.microsoft.com/office/drawing/2014/main" id="{CB10C83E-CD60-27F3-C1B3-1546FCE2839E}"/>
+                  </a:ext>
+                </a:extLst>
+              </p:cNvPr>
+              <p:cNvPicPr>
+                <a:picLocks noChangeAspect="1"/>
+              </p:cNvPicPr>
+              <p:nvPr/>
+            </p:nvPicPr>
+            <p:blipFill>
+              <a:blip r:embed="rId10"/>
+              <a:stretch>
+                <a:fillRect/>
+              </a:stretch>
+            </p:blipFill>
+            <p:spPr>
+              <a:xfrm>
+                <a:off x="10546164" y="2642707"/>
+                <a:ext cx="1518007" cy="924719"/>
+              </a:xfrm>
+              <a:prstGeom prst="rect">
+                <a:avLst/>
+              </a:prstGeom>
+            </p:spPr>
+          </p:pic>
+        </p:grpSp>
+        <mc:AlternateContent xmlns:mc="http://schemas.openxmlformats.org/markup-compatibility/2006" xmlns:a14="http://schemas.microsoft.com/office/drawing/2010/main">
+          <mc:Choice Requires="a14">
+            <p:sp>
+              <p:nvSpPr>
+                <p:cNvPr id="85" name="ZoneTexte 84">
+                  <a:extLst>
+                    <a:ext uri="{FF2B5EF4-FFF2-40B4-BE49-F238E27FC236}">
+                      <a16:creationId xmlns:a16="http://schemas.microsoft.com/office/drawing/2014/main" id="{D4448485-1542-9D3B-17C1-604149E67AE1}"/>
+                    </a:ext>
+                  </a:extLst>
+                </p:cNvPr>
+                <p:cNvSpPr txBox="1"/>
+                <p:nvPr/>
+              </p:nvSpPr>
+              <p:spPr>
+                <a:xfrm>
+                  <a:off x="8589080" y="3939627"/>
+                  <a:ext cx="1431825" cy="261610"/>
+                </a:xfrm>
+                <a:prstGeom prst="rect">
+                  <a:avLst/>
+                </a:prstGeom>
+                <a:noFill/>
+              </p:spPr>
+              <p:txBody>
+                <a:bodyPr wrap="square">
+                  <a:spAutoFit/>
+                </a:bodyPr>
+                <a:lstStyle/>
+                <a:p>
+                  <a:pPr algn="ctr"/>
+                  <a14:m>
+                    <m:oMathPara xmlns:m="http://schemas.openxmlformats.org/officeDocument/2006/math">
+                      <m:oMathParaPr>
+                        <m:jc m:val="centerGroup"/>
+                      </m:oMathParaPr>
+                      <m:oMath xmlns:m="http://schemas.openxmlformats.org/officeDocument/2006/math">
+                        <m:r>
+                          <a:rPr lang="fr-FR" sz="1100" b="1" i="1" smtClean="0">
+                            <a:solidFill>
+                              <a:srgbClr val="7030A0"/>
+                            </a:solidFill>
+                            <a:latin typeface="Cambria Math" panose="02040503050406030204" pitchFamily="18" charset="0"/>
+                            <a:ea typeface="Cambria Math" panose="02040503050406030204" pitchFamily="18" charset="0"/>
+                          </a:rPr>
+                          <m:t>𝓟</m:t>
+                        </m:r>
+                        <m:r>
+                          <a:rPr lang="fr-FR" sz="1100" b="1" i="1" smtClean="0">
+                            <a:solidFill>
+                              <a:srgbClr val="7030A0"/>
+                            </a:solidFill>
+                            <a:latin typeface="Cambria Math" panose="02040503050406030204" pitchFamily="18" charset="0"/>
+                            <a:ea typeface="Cambria Math" panose="02040503050406030204" pitchFamily="18" charset="0"/>
+                          </a:rPr>
+                          <m:t>=</m:t>
+                        </m:r>
+                        <m:sSub>
+                          <m:sSubPr>
+                            <m:ctrlPr>
+                              <a:rPr lang="fr-FR" sz="1100" b="1" i="1" smtClean="0">
+                                <a:solidFill>
+                                  <a:srgbClr val="7030A0"/>
+                                </a:solidFill>
+                                <a:latin typeface="Cambria Math" panose="02040503050406030204" pitchFamily="18" charset="0"/>
+                                <a:ea typeface="Cambria Math" panose="02040503050406030204" pitchFamily="18" charset="0"/>
+                              </a:rPr>
+                            </m:ctrlPr>
+                          </m:sSubPr>
+                          <m:e>
+                            <m:r>
+                              <a:rPr lang="fr-FR" sz="1100" b="1" i="1" smtClean="0">
+                                <a:solidFill>
+                                  <a:srgbClr val="7030A0"/>
+                                </a:solidFill>
+                                <a:latin typeface="Cambria Math" panose="02040503050406030204" pitchFamily="18" charset="0"/>
+                                <a:ea typeface="Cambria Math" panose="02040503050406030204" pitchFamily="18" charset="0"/>
+                              </a:rPr>
+                              <m:t>𝑪</m:t>
+                            </m:r>
+                          </m:e>
+                          <m:sub>
+                            <m:r>
+                              <a:rPr lang="fr-FR" sz="1100" b="1" i="1" smtClean="0">
+                                <a:solidFill>
+                                  <a:srgbClr val="7030A0"/>
+                                </a:solidFill>
+                                <a:latin typeface="Cambria Math" panose="02040503050406030204" pitchFamily="18" charset="0"/>
+                                <a:ea typeface="Cambria Math" panose="02040503050406030204" pitchFamily="18" charset="0"/>
+                              </a:rPr>
+                              <m:t>𝒎</m:t>
+                            </m:r>
+                          </m:sub>
+                        </m:sSub>
+                        <m:sSub>
+                          <m:sSubPr>
+                            <m:ctrlPr>
+                              <a:rPr lang="fr-FR" sz="1100" b="1" i="1" smtClean="0">
+                                <a:solidFill>
+                                  <a:srgbClr val="7030A0"/>
+                                </a:solidFill>
+                                <a:latin typeface="Cambria Math" panose="02040503050406030204" pitchFamily="18" charset="0"/>
+                                <a:ea typeface="Cambria Math" panose="02040503050406030204" pitchFamily="18" charset="0"/>
+                              </a:rPr>
+                            </m:ctrlPr>
+                          </m:sSubPr>
+                          <m:e>
+                            <m:r>
+                              <a:rPr lang="fr-FR" sz="1100" b="1" i="1" smtClean="0">
+                                <a:solidFill>
+                                  <a:srgbClr val="7030A0"/>
+                                </a:solidFill>
+                                <a:latin typeface="Cambria Math" panose="02040503050406030204" pitchFamily="18" charset="0"/>
+                                <a:ea typeface="Cambria Math" panose="02040503050406030204" pitchFamily="18" charset="0"/>
+                              </a:rPr>
+                              <m:t>𝝎</m:t>
+                            </m:r>
+                          </m:e>
+                          <m:sub>
+                            <m:r>
+                              <a:rPr lang="fr-FR" sz="1100" b="1" i="1" smtClean="0">
+                                <a:solidFill>
+                                  <a:srgbClr val="7030A0"/>
+                                </a:solidFill>
+                                <a:latin typeface="Cambria Math" panose="02040503050406030204" pitchFamily="18" charset="0"/>
+                                <a:ea typeface="Cambria Math" panose="02040503050406030204" pitchFamily="18" charset="0"/>
+                              </a:rPr>
+                              <m:t>𝒎</m:t>
+                            </m:r>
+                          </m:sub>
+                        </m:sSub>
+                      </m:oMath>
+                    </m:oMathPara>
+                  </a14:m>
+                  <a:endParaRPr lang="fr-FR" sz="1100" b="1" dirty="0">
+                    <a:solidFill>
+                      <a:srgbClr val="7030A0"/>
+                    </a:solidFill>
+                    <a:latin typeface="Arial Nova" panose="020B0504020202020204" pitchFamily="34" charset="0"/>
+                  </a:endParaRPr>
+                </a:p>
+              </p:txBody>
+            </p:sp>
+          </mc:Choice>
+          <mc:Fallback xmlns="">
+            <p:sp>
+              <p:nvSpPr>
+                <p:cNvPr id="85" name="ZoneTexte 84">
+                  <a:extLst>
+                    <a:ext uri="{FF2B5EF4-FFF2-40B4-BE49-F238E27FC236}">
+                      <a16:creationId xmlns:a16="http://schemas.microsoft.com/office/drawing/2014/main" id="{D4448485-1542-9D3B-17C1-604149E67AE1}"/>
+                    </a:ext>
+                  </a:extLst>
+                </p:cNvPr>
+                <p:cNvSpPr txBox="1">
+                  <a:spLocks noRot="1" noChangeAspect="1" noMove="1" noResize="1" noEditPoints="1" noAdjustHandles="1" noChangeArrowheads="1" noChangeShapeType="1" noTextEdit="1"/>
+                </p:cNvSpPr>
+                <p:nvPr/>
+              </p:nvSpPr>
+              <p:spPr>
+                <a:xfrm>
+                  <a:off x="8589080" y="3939627"/>
+                  <a:ext cx="1431825" cy="261610"/>
+                </a:xfrm>
+                <a:prstGeom prst="rect">
+                  <a:avLst/>
+                </a:prstGeom>
+                <a:blipFill>
+                  <a:blip r:embed="rId11"/>
+                  <a:stretch>
+                    <a:fillRect/>
+                  </a:stretch>
+                </a:blipFill>
+              </p:spPr>
+              <p:txBody>
+                <a:bodyPr/>
+                <a:lstStyle/>
+                <a:p>
+                  <a:r>
+                    <a:rPr lang="fr-FR">
+                      <a:noFill/>
+                    </a:rPr>
+                    <a:t> </a:t>
+                  </a:r>
+                </a:p>
+              </p:txBody>
+            </p:sp>
+          </mc:Fallback>
+        </mc:AlternateContent>
+      </p:grpSp>
+    </p:spTree>
+    <p:extLst>
+      <p:ext uri="{BB962C8B-B14F-4D97-AF65-F5344CB8AC3E}">
+        <p14:creationId xmlns:p14="http://schemas.microsoft.com/office/powerpoint/2010/main" val="623115340"/>
+      </p:ext>
+    </p:extLst>
+  </p:cSld>
+  <p:clrMapOvr>
+    <a:masterClrMapping/>
+  </p:clrMapOvr>
+</p:sld>
+</file>
+
+<file path=ppt/slides/slide11.xml><?xml version="1.0" encoding="utf-8"?>
 <p:sld xmlns:a="http://schemas.openxmlformats.org/drawingml/2006/main" xmlns:r="http://schemas.openxmlformats.org/officeDocument/2006/relationships" xmlns:p="http://schemas.openxmlformats.org/presentationml/2006/main">
   <p:cSld>
     <p:spTree>
@@ -6381,7 +8220,7 @@
 </p:sld>
 </file>
 
-<file path=ppt/slides/slide11.xml><?xml version="1.0" encoding="utf-8"?>
+<file path=ppt/slides/slide12.xml><?xml version="1.0" encoding="utf-8"?>
 <p:sld xmlns:a="http://schemas.openxmlformats.org/drawingml/2006/main" xmlns:r="http://schemas.openxmlformats.org/officeDocument/2006/relationships" xmlns:p="http://schemas.openxmlformats.org/presentationml/2006/main">
   <p:cSld>
     <p:spTree>
@@ -6880,7 +8719,7 @@
 </p:sld>
 </file>
 
-<file path=ppt/slides/slide12.xml><?xml version="1.0" encoding="utf-8"?>
+<file path=ppt/slides/slide13.xml><?xml version="1.0" encoding="utf-8"?>
 <p:sld xmlns:a="http://schemas.openxmlformats.org/drawingml/2006/main" xmlns:r="http://schemas.openxmlformats.org/officeDocument/2006/relationships" xmlns:p="http://schemas.openxmlformats.org/presentationml/2006/main">
   <p:cSld>
     <p:spTree>
@@ -7051,8 +8890,8 @@
           </a:p>
         </p:txBody>
       </p:sp>
-      <mc:AlternateContent xmlns:mc="http://schemas.openxmlformats.org/markup-compatibility/2006">
-        <mc:Choice xmlns:a14="http://schemas.microsoft.com/office/drawing/2010/main" Requires="a14">
+      <mc:AlternateContent xmlns:mc="http://schemas.openxmlformats.org/markup-compatibility/2006" xmlns:a14="http://schemas.microsoft.com/office/drawing/2010/main">
+        <mc:Choice Requires="a14">
           <p:sp>
             <p:nvSpPr>
               <p:cNvPr id="4" name="Espace réservé du contenu 2">
@@ -7886,7 +9725,7 @@
             </p:txBody>
           </p:sp>
         </mc:Choice>
-        <mc:Fallback>
+        <mc:Fallback xmlns="">
           <p:sp>
             <p:nvSpPr>
               <p:cNvPr id="4" name="Espace réservé du contenu 2">
@@ -7944,7 +9783,7 @@
 </p:sld>
 </file>
 
-<file path=ppt/slides/slide13.xml><?xml version="1.0" encoding="utf-8"?>
+<file path=ppt/slides/slide14.xml><?xml version="1.0" encoding="utf-8"?>
 <p:sld xmlns:a="http://schemas.openxmlformats.org/drawingml/2006/main" xmlns:r="http://schemas.openxmlformats.org/officeDocument/2006/relationships" xmlns:p="http://schemas.openxmlformats.org/presentationml/2006/main">
   <p:cSld>
     <p:spTree>
@@ -8351,7 +10190,7 @@
 </p:sld>
 </file>
 
-<file path=ppt/slides/slide14.xml><?xml version="1.0" encoding="utf-8"?>
+<file path=ppt/slides/slide15.xml><?xml version="1.0" encoding="utf-8"?>
 <p:sld xmlns:a="http://schemas.openxmlformats.org/drawingml/2006/main" xmlns:r="http://schemas.openxmlformats.org/officeDocument/2006/relationships" xmlns:p="http://schemas.openxmlformats.org/presentationml/2006/main">
   <p:cSld>
     <p:spTree>
@@ -11135,8 +12974,8 @@
           </p:txBody>
         </p:sp>
       </p:grpSp>
-      <mc:AlternateContent xmlns:mc="http://schemas.openxmlformats.org/markup-compatibility/2006" xmlns:a14="http://schemas.microsoft.com/office/drawing/2010/main">
-        <mc:Choice Requires="a14">
+      <mc:AlternateContent xmlns:mc="http://schemas.openxmlformats.org/markup-compatibility/2006">
+        <mc:Choice xmlns:a14="http://schemas.microsoft.com/office/drawing/2010/main" Requires="a14">
           <p:sp>
             <p:nvSpPr>
               <p:cNvPr id="64" name="ZoneTexte 63">
@@ -11200,7 +13039,7 @@
             </p:txBody>
           </p:sp>
         </mc:Choice>
-        <mc:Fallback xmlns="">
+        <mc:Fallback>
           <p:sp>
             <p:nvSpPr>
               <p:cNvPr id="64" name="ZoneTexte 63">
@@ -11245,8 +13084,8 @@
           </p:sp>
         </mc:Fallback>
       </mc:AlternateContent>
-      <mc:AlternateContent xmlns:mc="http://schemas.openxmlformats.org/markup-compatibility/2006" xmlns:a14="http://schemas.microsoft.com/office/drawing/2010/main">
-        <mc:Choice Requires="a14">
+      <mc:AlternateContent xmlns:mc="http://schemas.openxmlformats.org/markup-compatibility/2006">
+        <mc:Choice xmlns:a14="http://schemas.microsoft.com/office/drawing/2010/main" Requires="a14">
           <p:sp>
             <p:nvSpPr>
               <p:cNvPr id="65" name="ZoneTexte 64">
@@ -11360,7 +13199,7 @@
             </p:txBody>
           </p:sp>
         </mc:Choice>
-        <mc:Fallback xmlns="">
+        <mc:Fallback>
           <p:sp>
             <p:nvSpPr>
               <p:cNvPr id="65" name="ZoneTexte 64">
@@ -11700,8 +13539,8 @@
           </p:spPr>
         </p:pic>
       </p:grpSp>
-      <mc:AlternateContent xmlns:mc="http://schemas.openxmlformats.org/markup-compatibility/2006" xmlns:a14="http://schemas.microsoft.com/office/drawing/2010/main">
-        <mc:Choice Requires="a14">
+      <mc:AlternateContent xmlns:mc="http://schemas.openxmlformats.org/markup-compatibility/2006">
+        <mc:Choice xmlns:a14="http://schemas.microsoft.com/office/drawing/2010/main" Requires="a14">
           <p:sp>
             <p:nvSpPr>
               <p:cNvPr id="2" name="ZoneTexte 1">
@@ -11813,7 +13652,7 @@
             </p:txBody>
           </p:sp>
         </mc:Choice>
-        <mc:Fallback xmlns="">
+        <mc:Fallback>
           <p:sp>
             <p:nvSpPr>
               <p:cNvPr id="2" name="ZoneTexte 1">
@@ -12828,8 +14667,8 @@
           </a:fontRef>
         </p:style>
       </p:cxnSp>
-      <mc:AlternateContent xmlns:mc="http://schemas.openxmlformats.org/markup-compatibility/2006" xmlns:a14="http://schemas.microsoft.com/office/drawing/2010/main">
-        <mc:Choice Requires="a14">
+      <mc:AlternateContent xmlns:mc="http://schemas.openxmlformats.org/markup-compatibility/2006">
+        <mc:Choice xmlns:a14="http://schemas.microsoft.com/office/drawing/2010/main" Requires="a14">
           <p:sp>
             <p:nvSpPr>
               <p:cNvPr id="111" name="ZoneTexte 110">
@@ -12972,7 +14811,7 @@
             </p:txBody>
           </p:sp>
         </mc:Choice>
-        <mc:Fallback xmlns="">
+        <mc:Fallback>
           <p:sp>
             <p:nvSpPr>
               <p:cNvPr id="111" name="ZoneTexte 110">
@@ -13017,8 +14856,8 @@
           </p:sp>
         </mc:Fallback>
       </mc:AlternateContent>
-      <mc:AlternateContent xmlns:mc="http://schemas.openxmlformats.org/markup-compatibility/2006" xmlns:a14="http://schemas.microsoft.com/office/drawing/2010/main">
-        <mc:Choice Requires="a14">
+      <mc:AlternateContent xmlns:mc="http://schemas.openxmlformats.org/markup-compatibility/2006">
+        <mc:Choice xmlns:a14="http://schemas.microsoft.com/office/drawing/2010/main" Requires="a14">
           <p:sp>
             <p:nvSpPr>
               <p:cNvPr id="112" name="ZoneTexte 111">
@@ -13134,7 +14973,7 @@
             </p:txBody>
           </p:sp>
         </mc:Choice>
-        <mc:Fallback xmlns="">
+        <mc:Fallback>
           <p:sp>
             <p:nvSpPr>
               <p:cNvPr id="112" name="ZoneTexte 111">
@@ -13418,8 +15257,8 @@
           </p:spPr>
         </p:pic>
       </p:grpSp>
-      <mc:AlternateContent xmlns:mc="http://schemas.openxmlformats.org/markup-compatibility/2006" xmlns:a14="http://schemas.microsoft.com/office/drawing/2010/main">
-        <mc:Choice Requires="a14">
+      <mc:AlternateContent xmlns:mc="http://schemas.openxmlformats.org/markup-compatibility/2006">
+        <mc:Choice xmlns:a14="http://schemas.microsoft.com/office/drawing/2010/main" Requires="a14">
           <p:sp>
             <p:nvSpPr>
               <p:cNvPr id="107" name="ZoneTexte 106">
@@ -13562,7 +15401,7 @@
             </p:txBody>
           </p:sp>
         </mc:Choice>
-        <mc:Fallback xmlns="">
+        <mc:Fallback>
           <p:sp>
             <p:nvSpPr>
               <p:cNvPr id="107" name="ZoneTexte 106">
@@ -13625,6 +15464,100 @@
   <p:cSld>
     <p:spTree>
       <p:nvGrpSpPr>
+        <p:cNvPr id="1" name="">
+          <a:extLst>
+            <a:ext uri="{FF2B5EF4-FFF2-40B4-BE49-F238E27FC236}">
+              <a16:creationId xmlns:a16="http://schemas.microsoft.com/office/drawing/2014/main" id="{C8C8E05F-43A5-7872-A688-559E20C6CDB0}"/>
+            </a:ext>
+          </a:extLst>
+        </p:cNvPr>
+        <p:cNvGrpSpPr/>
+        <p:nvPr/>
+      </p:nvGrpSpPr>
+      <p:grpSpPr>
+        <a:xfrm>
+          <a:off x="0" y="0"/>
+          <a:ext cx="0" cy="0"/>
+          <a:chOff x="0" y="0"/>
+          <a:chExt cx="0" cy="0"/>
+        </a:xfrm>
+      </p:grpSpPr>
+      <p:sp>
+        <p:nvSpPr>
+          <p:cNvPr id="4" name="Titre 3">
+            <a:extLst>
+              <a:ext uri="{FF2B5EF4-FFF2-40B4-BE49-F238E27FC236}">
+                <a16:creationId xmlns:a16="http://schemas.microsoft.com/office/drawing/2014/main" id="{F54075C4-E0D0-D390-0DCD-E7BF1AA3EA82}"/>
+              </a:ext>
+            </a:extLst>
+          </p:cNvPr>
+          <p:cNvSpPr>
+            <a:spLocks noGrp="1"/>
+          </p:cNvSpPr>
+          <p:nvPr>
+            <p:ph type="title"/>
+          </p:nvPr>
+        </p:nvSpPr>
+        <p:spPr/>
+        <p:txBody>
+          <a:bodyPr/>
+          <a:lstStyle/>
+          <a:p>
+            <a:r>
+              <a:rPr lang="fr-FR" dirty="0"/>
+              <a:t>Chaine fonctionnelle du Comax</a:t>
+            </a:r>
+          </a:p>
+        </p:txBody>
+      </p:sp>
+      <p:pic>
+        <p:nvPicPr>
+          <p:cNvPr id="3" name="Image 2">
+            <a:extLst>
+              <a:ext uri="{FF2B5EF4-FFF2-40B4-BE49-F238E27FC236}">
+                <a16:creationId xmlns:a16="http://schemas.microsoft.com/office/drawing/2014/main" id="{27640AFE-9DB9-BB25-832F-0C7F578A3CC9}"/>
+              </a:ext>
+            </a:extLst>
+          </p:cNvPr>
+          <p:cNvPicPr>
+            <a:picLocks noChangeAspect="1"/>
+          </p:cNvPicPr>
+          <p:nvPr/>
+        </p:nvPicPr>
+        <p:blipFill>
+          <a:blip r:embed="rId2"/>
+          <a:stretch>
+            <a:fillRect/>
+          </a:stretch>
+        </p:blipFill>
+        <p:spPr>
+          <a:xfrm>
+            <a:off x="143209" y="1232193"/>
+            <a:ext cx="11905582" cy="4466639"/>
+          </a:xfrm>
+          <a:prstGeom prst="rect">
+            <a:avLst/>
+          </a:prstGeom>
+        </p:spPr>
+      </p:pic>
+    </p:spTree>
+    <p:extLst>
+      <p:ext uri="{BB962C8B-B14F-4D97-AF65-F5344CB8AC3E}">
+        <p14:creationId xmlns:p14="http://schemas.microsoft.com/office/powerpoint/2010/main" val="3132740163"/>
+      </p:ext>
+    </p:extLst>
+  </p:cSld>
+  <p:clrMapOvr>
+    <a:masterClrMapping/>
+  </p:clrMapOvr>
+</p:sld>
+</file>
+
+<file path=ppt/slides/slide6.xml><?xml version="1.0" encoding="utf-8"?>
+<p:sld xmlns:a="http://schemas.openxmlformats.org/drawingml/2006/main" xmlns:r="http://schemas.openxmlformats.org/officeDocument/2006/relationships" xmlns:p="http://schemas.openxmlformats.org/presentationml/2006/main">
+  <p:cSld>
+    <p:spTree>
+      <p:nvGrpSpPr>
         <p:cNvPr id="1" name=""/>
         <p:cNvGrpSpPr/>
         <p:nvPr/>
@@ -13712,7 +15645,7 @@
 </p:sld>
 </file>
 
-<file path=ppt/slides/slide6.xml><?xml version="1.0" encoding="utf-8"?>
+<file path=ppt/slides/slide7.xml><?xml version="1.0" encoding="utf-8"?>
 <p:sld xmlns:a="http://schemas.openxmlformats.org/drawingml/2006/main" xmlns:r="http://schemas.openxmlformats.org/officeDocument/2006/relationships" xmlns:p="http://schemas.openxmlformats.org/presentationml/2006/main">
   <p:cSld>
     <p:spTree>
@@ -14065,14 +15998,7 @@
                         <a:latin typeface="Cambria Math" panose="02040503050406030204" pitchFamily="18" charset="0"/>
                         <a:ea typeface="Cambria Math" panose="02040503050406030204" pitchFamily="18" charset="0"/>
                       </a:rPr>
-                      <m:t>=</m:t>
-                    </m:r>
-                    <m:r>
-                      <a:rPr lang="fr-FR" b="0" i="1" smtClean="0">
-                        <a:latin typeface="Cambria Math" panose="02040503050406030204" pitchFamily="18" charset="0"/>
-                        <a:ea typeface="Cambria Math" panose="02040503050406030204" pitchFamily="18" charset="0"/>
-                      </a:rPr>
-                      <m:t>0</m:t>
+                      <m:t>=0</m:t>
                     </m:r>
                   </m:oMath>
                 </a14:m>
@@ -14163,14 +16089,7 @@
                             <a:latin typeface="Cambria Math" panose="02040503050406030204" pitchFamily="18" charset="0"/>
                             <a:ea typeface="Cambria Math" panose="02040503050406030204" pitchFamily="18" charset="0"/>
                           </a:rPr>
-                          <m:t>0</m:t>
-                        </m:r>
-                        <m:r>
-                          <a:rPr lang="fr-FR" b="0" i="1" smtClean="0">
-                            <a:latin typeface="Cambria Math" panose="02040503050406030204" pitchFamily="18" charset="0"/>
-                            <a:ea typeface="Cambria Math" panose="02040503050406030204" pitchFamily="18" charset="0"/>
-                          </a:rPr>
-                          <m:t> </m:t>
+                          <m:t>0 </m:t>
                         </m:r>
                       </m:e>
                     </m:d>
@@ -14321,14 +16240,7 @@
                             <a:latin typeface="Cambria Math" panose="02040503050406030204" pitchFamily="18" charset="0"/>
                             <a:ea typeface="Cambria Math" panose="02040503050406030204" pitchFamily="18" charset="0"/>
                           </a:rPr>
-                          <m:t>0</m:t>
-                        </m:r>
-                        <m:r>
-                          <a:rPr lang="fr-FR" b="0" i="1" smtClean="0">
-                            <a:latin typeface="Cambria Math" panose="02040503050406030204" pitchFamily="18" charset="0"/>
-                            <a:ea typeface="Cambria Math" panose="02040503050406030204" pitchFamily="18" charset="0"/>
-                          </a:rPr>
-                          <m:t> </m:t>
+                          <m:t>0 </m:t>
                         </m:r>
                       </m:e>
                     </m:d>
@@ -15810,14 +17722,7 @@
                           <a:latin typeface="Cambria Math" panose="02040503050406030204" pitchFamily="18" charset="0"/>
                           <a:ea typeface="Cambria Math" panose="02040503050406030204" pitchFamily="18" charset="0"/>
                         </a:rPr>
-                        <m:t>=</m:t>
-                      </m:r>
-                      <m:r>
-                        <a:rPr lang="fr-FR" b="0" i="1" smtClean="0">
-                          <a:latin typeface="Cambria Math" panose="02040503050406030204" pitchFamily="18" charset="0"/>
-                          <a:ea typeface="Cambria Math" panose="02040503050406030204" pitchFamily="18" charset="0"/>
-                        </a:rPr>
-                        <m:t>0</m:t>
+                        <m:t>=0</m:t>
                       </m:r>
                     </m:oMath>
                   </m:oMathPara>
@@ -15974,7 +17879,7 @@
 </p:sld>
 </file>
 
-<file path=ppt/slides/slide7.xml><?xml version="1.0" encoding="utf-8"?>
+<file path=ppt/slides/slide8.xml><?xml version="1.0" encoding="utf-8"?>
 <p:sld xmlns:a="http://schemas.openxmlformats.org/drawingml/2006/main" xmlns:r="http://schemas.openxmlformats.org/officeDocument/2006/relationships" xmlns:p="http://schemas.openxmlformats.org/presentationml/2006/main">
   <p:cSld>
     <p:spTree>
@@ -16167,13 +18072,7 @@
                           <a:rPr lang="fr-FR" b="0" i="1" smtClean="0">
                             <a:latin typeface="Cambria Math" panose="02040503050406030204" pitchFamily="18" charset="0"/>
                           </a:rPr>
-                          <m:t>𝑚</m:t>
-                        </m:r>
-                        <m:r>
-                          <a:rPr lang="fr-FR" b="0" i="1" smtClean="0">
-                            <a:latin typeface="Cambria Math" panose="02040503050406030204" pitchFamily="18" charset="0"/>
-                          </a:rPr>
-                          <m:t>h</m:t>
+                          <m:t>𝑚h</m:t>
                         </m:r>
                       </m:sub>
                     </m:sSub>
@@ -16224,13 +18123,7 @@
                       <a:rPr lang="fr-FR" b="0" i="1" smtClean="0">
                         <a:latin typeface="Cambria Math" panose="02040503050406030204" pitchFamily="18" charset="0"/>
                       </a:rPr>
-                      <m:t>=</m:t>
-                    </m:r>
-                    <m:r>
-                      <a:rPr lang="fr-FR" b="0" i="1" smtClean="0">
-                        <a:latin typeface="Cambria Math" panose="02040503050406030204" pitchFamily="18" charset="0"/>
-                      </a:rPr>
-                      <m:t>0</m:t>
+                      <m:t>=0</m:t>
                     </m:r>
                   </m:oMath>
                 </a14:m>
@@ -16320,13 +18213,7 @@
                       <a:rPr lang="fr-FR" b="0" i="1" smtClean="0">
                         <a:latin typeface="Cambria Math" panose="02040503050406030204" pitchFamily="18" charset="0"/>
                       </a:rPr>
-                      <m:t>=</m:t>
-                    </m:r>
-                    <m:r>
-                      <a:rPr lang="fr-FR" b="0" i="1" smtClean="0">
-                        <a:latin typeface="Cambria Math" panose="02040503050406030204" pitchFamily="18" charset="0"/>
-                      </a:rPr>
-                      <m:t>0</m:t>
+                      <m:t>=0</m:t>
                     </m:r>
                   </m:oMath>
                 </a14:m>
@@ -16357,13 +18244,7 @@
                           <a:rPr lang="fr-FR" b="0" i="1" smtClean="0">
                             <a:latin typeface="Cambria Math" panose="02040503050406030204" pitchFamily="18" charset="0"/>
                           </a:rPr>
-                          <m:t>𝑚</m:t>
-                        </m:r>
-                        <m:r>
-                          <a:rPr lang="fr-FR" b="0" i="1" smtClean="0">
-                            <a:latin typeface="Cambria Math" panose="02040503050406030204" pitchFamily="18" charset="0"/>
-                          </a:rPr>
-                          <m:t>h</m:t>
+                          <m:t>𝑚h</m:t>
                         </m:r>
                       </m:sub>
                     </m:sSub>
@@ -16402,13 +18283,7 @@
                       <a:rPr lang="fr-FR" b="0" i="1" smtClean="0">
                         <a:latin typeface="Cambria Math" panose="02040503050406030204" pitchFamily="18" charset="0"/>
                       </a:rPr>
-                      <m:t>=</m:t>
-                    </m:r>
-                    <m:r>
-                      <a:rPr lang="fr-FR" b="0" i="1" smtClean="0">
-                        <a:latin typeface="Cambria Math" panose="02040503050406030204" pitchFamily="18" charset="0"/>
-                      </a:rPr>
-                      <m:t>2</m:t>
+                      <m:t>=2</m:t>
                     </m:r>
                     <m:r>
                       <a:rPr lang="fr-FR" b="0" i="1" smtClean="0">
@@ -16464,13 +18339,7 @@
                               <a:rPr lang="fr-FR" i="1">
                                 <a:latin typeface="Cambria Math" panose="02040503050406030204" pitchFamily="18" charset="0"/>
                               </a:rPr>
-                              <m:t>𝑚</m:t>
-                            </m:r>
-                            <m:r>
-                              <a:rPr lang="fr-FR" i="1">
-                                <a:latin typeface="Cambria Math" panose="02040503050406030204" pitchFamily="18" charset="0"/>
-                              </a:rPr>
-                              <m:t>h</m:t>
+                              <m:t>𝑚h</m:t>
                             </m:r>
                           </m:sub>
                         </m:sSub>
@@ -16550,13 +18419,7 @@
                           <a:rPr lang="fr-FR" b="0" i="1" smtClean="0">
                             <a:latin typeface="Cambria Math" panose="02040503050406030204" pitchFamily="18" charset="0"/>
                           </a:rPr>
-                          <m:t>𝑚</m:t>
-                        </m:r>
-                        <m:r>
-                          <a:rPr lang="fr-FR" b="0" i="1" smtClean="0">
-                            <a:latin typeface="Cambria Math" panose="02040503050406030204" pitchFamily="18" charset="0"/>
-                          </a:rPr>
-                          <m:t>h</m:t>
+                          <m:t>𝑚h</m:t>
                         </m:r>
                       </m:sub>
                     </m:sSub>
@@ -16595,13 +18458,7 @@
                       <a:rPr lang="fr-FR" b="0" i="1" smtClean="0">
                         <a:latin typeface="Cambria Math" panose="02040503050406030204" pitchFamily="18" charset="0"/>
                       </a:rPr>
-                      <m:t>−</m:t>
-                    </m:r>
-                    <m:r>
-                      <a:rPr lang="fr-FR" b="0" i="1" smtClean="0">
-                        <a:latin typeface="Cambria Math" panose="02040503050406030204" pitchFamily="18" charset="0"/>
-                      </a:rPr>
-                      <m:t>2</m:t>
+                      <m:t>−2</m:t>
                     </m:r>
                     <m:sSub>
                       <m:sSubPr>
@@ -16632,19 +18489,7 @@
                       <a:rPr lang="fr-FR" b="0" i="1" smtClean="0">
                         <a:latin typeface="Cambria Math" panose="02040503050406030204" pitchFamily="18" charset="0"/>
                       </a:rPr>
-                      <m:t>=</m:t>
-                    </m:r>
-                    <m:r>
-                      <a:rPr lang="fr-FR" b="0" i="1" smtClean="0">
-                        <a:latin typeface="Cambria Math" panose="02040503050406030204" pitchFamily="18" charset="0"/>
-                      </a:rPr>
-                      <m:t>0</m:t>
-                    </m:r>
-                    <m:r>
-                      <a:rPr lang="fr-FR" b="0" i="1" smtClean="0">
-                        <a:latin typeface="Cambria Math" panose="02040503050406030204" pitchFamily="18" charset="0"/>
-                      </a:rPr>
-                      <m:t>⇒</m:t>
+                      <m:t>=0⇒</m:t>
                     </m:r>
                     <m:sSub>
                       <m:sSubPr>
@@ -16707,13 +18552,7 @@
                               <a:rPr lang="fr-FR" i="1">
                                 <a:latin typeface="Cambria Math" panose="02040503050406030204" pitchFamily="18" charset="0"/>
                               </a:rPr>
-                              <m:t>𝑚</m:t>
-                            </m:r>
-                            <m:r>
-                              <a:rPr lang="fr-FR" i="1">
-                                <a:latin typeface="Cambria Math" panose="02040503050406030204" pitchFamily="18" charset="0"/>
-                              </a:rPr>
-                              <m:t>h</m:t>
+                              <m:t>𝑚h</m:t>
                             </m:r>
                           </m:sub>
                         </m:sSub>
@@ -17127,31 +18966,7 @@
                       <a:rPr lang="fr-FR" i="1">
                         <a:latin typeface="Cambria Math" panose="02040503050406030204" pitchFamily="18" charset="0"/>
                       </a:rPr>
-                      <m:t>=</m:t>
-                    </m:r>
-                    <m:r>
-                      <a:rPr lang="fr-FR" i="1">
-                        <a:latin typeface="Cambria Math" panose="02040503050406030204" pitchFamily="18" charset="0"/>
-                      </a:rPr>
-                      <m:t>1</m:t>
-                    </m:r>
-                    <m:r>
-                      <a:rPr lang="fr-FR" i="1">
-                        <a:latin typeface="Cambria Math" panose="02040503050406030204" pitchFamily="18" charset="0"/>
-                      </a:rPr>
-                      <m:t>,</m:t>
-                    </m:r>
-                    <m:r>
-                      <a:rPr lang="fr-FR" i="1">
-                        <a:latin typeface="Cambria Math" panose="02040503050406030204" pitchFamily="18" charset="0"/>
-                      </a:rPr>
-                      <m:t>1</m:t>
-                    </m:r>
-                    <m:r>
-                      <a:rPr lang="fr-FR" i="1">
-                        <a:latin typeface="Cambria Math" panose="02040503050406030204" pitchFamily="18" charset="0"/>
-                      </a:rPr>
-                      <m:t> </m:t>
+                      <m:t>=1,1 </m:t>
                     </m:r>
                     <m:r>
                       <m:rPr>
@@ -17199,31 +19014,7 @@
                       <a:rPr lang="fr-FR" b="0" i="1" smtClean="0">
                         <a:latin typeface="Cambria Math" panose="02040503050406030204" pitchFamily="18" charset="0"/>
                       </a:rPr>
-                      <m:t>=</m:t>
-                    </m:r>
-                    <m:r>
-                      <a:rPr lang="fr-FR" b="0" i="1" smtClean="0">
-                        <a:latin typeface="Cambria Math" panose="02040503050406030204" pitchFamily="18" charset="0"/>
-                      </a:rPr>
-                      <m:t>0</m:t>
-                    </m:r>
-                    <m:r>
-                      <a:rPr lang="fr-FR" b="0" i="1" smtClean="0">
-                        <a:latin typeface="Cambria Math" panose="02040503050406030204" pitchFamily="18" charset="0"/>
-                      </a:rPr>
-                      <m:t>,</m:t>
-                    </m:r>
-                    <m:r>
-                      <a:rPr lang="fr-FR" b="0" i="1" smtClean="0">
-                        <a:latin typeface="Cambria Math" panose="02040503050406030204" pitchFamily="18" charset="0"/>
-                      </a:rPr>
-                      <m:t>0331</m:t>
-                    </m:r>
-                    <m:r>
-                      <a:rPr lang="fr-FR" b="0" i="1" smtClean="0">
-                        <a:latin typeface="Cambria Math" panose="02040503050406030204" pitchFamily="18" charset="0"/>
-                      </a:rPr>
-                      <m:t> </m:t>
+                      <m:t>=0,0331 </m:t>
                     </m:r>
                     <m:r>
                       <m:rPr>
@@ -17271,31 +19062,7 @@
                       <a:rPr lang="fr-FR" i="1">
                         <a:latin typeface="Cambria Math" panose="02040503050406030204" pitchFamily="18" charset="0"/>
                       </a:rPr>
-                      <m:t>=</m:t>
-                    </m:r>
-                    <m:r>
-                      <a:rPr lang="fr-FR" i="1">
-                        <a:latin typeface="Cambria Math" panose="02040503050406030204" pitchFamily="18" charset="0"/>
-                      </a:rPr>
-                      <m:t>31</m:t>
-                    </m:r>
-                    <m:r>
-                      <a:rPr lang="fr-FR" i="1">
-                        <a:latin typeface="Cambria Math" panose="02040503050406030204" pitchFamily="18" charset="0"/>
-                      </a:rPr>
-                      <m:t>,</m:t>
-                    </m:r>
-                    <m:r>
-                      <a:rPr lang="fr-FR" i="1">
-                        <a:latin typeface="Cambria Math" panose="02040503050406030204" pitchFamily="18" charset="0"/>
-                      </a:rPr>
-                      <m:t>79</m:t>
-                    </m:r>
-                    <m:r>
-                      <a:rPr lang="fr-FR" i="1">
-                        <a:latin typeface="Cambria Math" panose="02040503050406030204" pitchFamily="18" charset="0"/>
-                      </a:rPr>
-                      <m:t> </m:t>
+                      <m:t>=31,79 </m:t>
                     </m:r>
                     <m:r>
                       <m:rPr>
@@ -17343,31 +19110,7 @@
                       <a:rPr lang="fr-FR" b="0" i="1" smtClean="0">
                         <a:latin typeface="Cambria Math" panose="02040503050406030204" pitchFamily="18" charset="0"/>
                       </a:rPr>
-                      <m:t>=</m:t>
-                    </m:r>
-                    <m:r>
-                      <a:rPr lang="fr-FR" b="0" i="1" smtClean="0">
-                        <a:latin typeface="Cambria Math" panose="02040503050406030204" pitchFamily="18" charset="0"/>
-                      </a:rPr>
-                      <m:t>2</m:t>
-                    </m:r>
-                    <m:r>
-                      <a:rPr lang="fr-FR" b="0" i="1" smtClean="0">
-                        <a:latin typeface="Cambria Math" panose="02040503050406030204" pitchFamily="18" charset="0"/>
-                      </a:rPr>
-                      <m:t>,</m:t>
-                    </m:r>
-                    <m:r>
-                      <a:rPr lang="fr-FR" b="0" i="1" smtClean="0">
-                        <a:latin typeface="Cambria Math" panose="02040503050406030204" pitchFamily="18" charset="0"/>
-                      </a:rPr>
-                      <m:t>7</m:t>
-                    </m:r>
-                    <m:r>
-                      <a:rPr lang="fr-FR" b="0" i="1" smtClean="0">
-                        <a:latin typeface="Cambria Math" panose="02040503050406030204" pitchFamily="18" charset="0"/>
-                      </a:rPr>
-                      <m:t> </m:t>
+                      <m:t>=2,7 </m:t>
                     </m:r>
                     <m:r>
                       <m:rPr>
@@ -17407,13 +19150,7 @@
                           <a:rPr lang="fr-FR" b="0" i="1" smtClean="0">
                             <a:latin typeface="Cambria Math" panose="02040503050406030204" pitchFamily="18" charset="0"/>
                           </a:rPr>
-                          <m:t>𝑚</m:t>
-                        </m:r>
-                        <m:r>
-                          <a:rPr lang="fr-FR" b="0" i="1" smtClean="0">
-                            <a:latin typeface="Cambria Math" panose="02040503050406030204" pitchFamily="18" charset="0"/>
-                          </a:rPr>
-                          <m:t>h</m:t>
+                          <m:t>𝑚h</m:t>
                         </m:r>
                       </m:sub>
                     </m:sSub>
@@ -17421,31 +19158,7 @@
                       <a:rPr lang="fr-FR" b="0" i="1" smtClean="0">
                         <a:latin typeface="Cambria Math" panose="02040503050406030204" pitchFamily="18" charset="0"/>
                       </a:rPr>
-                      <m:t>=</m:t>
-                    </m:r>
-                    <m:r>
-                      <a:rPr lang="fr-FR" b="0" i="1" smtClean="0">
-                        <a:latin typeface="Cambria Math" panose="02040503050406030204" pitchFamily="18" charset="0"/>
-                      </a:rPr>
-                      <m:t>0</m:t>
-                    </m:r>
-                    <m:r>
-                      <a:rPr lang="fr-FR" b="0" i="1" smtClean="0">
-                        <a:latin typeface="Cambria Math" panose="02040503050406030204" pitchFamily="18" charset="0"/>
-                      </a:rPr>
-                      <m:t>,</m:t>
-                    </m:r>
-                    <m:r>
-                      <a:rPr lang="fr-FR" b="0" i="1" smtClean="0">
-                        <a:latin typeface="Cambria Math" panose="02040503050406030204" pitchFamily="18" charset="0"/>
-                      </a:rPr>
-                      <m:t>0813</m:t>
-                    </m:r>
-                    <m:r>
-                      <a:rPr lang="fr-FR" b="0" i="1" smtClean="0">
-                        <a:latin typeface="Cambria Math" panose="02040503050406030204" pitchFamily="18" charset="0"/>
-                      </a:rPr>
-                      <m:t> </m:t>
+                      <m:t>=0,0813 </m:t>
                     </m:r>
                     <m:r>
                       <m:rPr>
@@ -17485,13 +19198,7 @@
                           <a:rPr lang="fr-FR" b="0" i="1" smtClean="0">
                             <a:latin typeface="Cambria Math" panose="02040503050406030204" pitchFamily="18" charset="0"/>
                           </a:rPr>
-                          <m:t>𝑚</m:t>
-                        </m:r>
-                        <m:r>
-                          <a:rPr lang="fr-FR" b="0" i="1" smtClean="0">
-                            <a:latin typeface="Cambria Math" panose="02040503050406030204" pitchFamily="18" charset="0"/>
-                          </a:rPr>
-                          <m:t>h</m:t>
+                          <m:t>𝑚h</m:t>
                         </m:r>
                       </m:sub>
                     </m:sSub>
@@ -17499,19 +19206,7 @@
                       <a:rPr lang="fr-FR" i="1">
                         <a:latin typeface="Cambria Math" panose="02040503050406030204" pitchFamily="18" charset="0"/>
                       </a:rPr>
-                      <m:t>=</m:t>
-                    </m:r>
-                    <m:r>
-                      <a:rPr lang="fr-FR" i="1">
-                        <a:latin typeface="Cambria Math" panose="02040503050406030204" pitchFamily="18" charset="0"/>
-                      </a:rPr>
-                      <m:t>78</m:t>
-                    </m:r>
-                    <m:r>
-                      <a:rPr lang="fr-FR" i="1">
-                        <a:latin typeface="Cambria Math" panose="02040503050406030204" pitchFamily="18" charset="0"/>
-                      </a:rPr>
-                      <m:t> </m:t>
+                      <m:t>=78 </m:t>
                     </m:r>
                     <m:r>
                       <m:rPr>
@@ -17555,31 +19250,7 @@
                       <a:rPr lang="fr-FR" b="0" i="1" smtClean="0">
                         <a:latin typeface="Cambria Math" panose="02040503050406030204" pitchFamily="18" charset="0"/>
                       </a:rPr>
-                      <m:t>=</m:t>
-                    </m:r>
-                    <m:r>
-                      <a:rPr lang="fr-FR" b="0" i="1" smtClean="0">
-                        <a:latin typeface="Cambria Math" panose="02040503050406030204" pitchFamily="18" charset="0"/>
-                      </a:rPr>
-                      <m:t>5</m:t>
-                    </m:r>
-                    <m:r>
-                      <a:rPr lang="fr-FR" b="0" i="1" smtClean="0">
-                        <a:latin typeface="Cambria Math" panose="02040503050406030204" pitchFamily="18" charset="0"/>
-                      </a:rPr>
-                      <m:t>,</m:t>
-                    </m:r>
-                    <m:r>
-                      <a:rPr lang="fr-FR" b="0" i="1" smtClean="0">
-                        <a:latin typeface="Cambria Math" panose="02040503050406030204" pitchFamily="18" charset="0"/>
-                      </a:rPr>
-                      <m:t>59</m:t>
-                    </m:r>
-                    <m:r>
-                      <a:rPr lang="fr-FR" b="0" i="1" smtClean="0">
-                        <a:latin typeface="Cambria Math" panose="02040503050406030204" pitchFamily="18" charset="0"/>
-                      </a:rPr>
-                      <m:t> </m:t>
+                      <m:t>=5,59 </m:t>
                     </m:r>
                     <m:r>
                       <m:rPr>
@@ -17627,31 +19298,7 @@
                       <a:rPr lang="fr-FR" b="0" i="1" smtClean="0">
                         <a:latin typeface="Cambria Math" panose="02040503050406030204" pitchFamily="18" charset="0"/>
                       </a:rPr>
-                      <m:t>=</m:t>
-                    </m:r>
-                    <m:r>
-                      <a:rPr lang="fr-FR" b="0" i="1" smtClean="0">
-                        <a:latin typeface="Cambria Math" panose="02040503050406030204" pitchFamily="18" charset="0"/>
-                      </a:rPr>
-                      <m:t>20</m:t>
-                    </m:r>
-                    <m:r>
-                      <a:rPr lang="fr-FR" b="0" i="1" smtClean="0">
-                        <a:latin typeface="Cambria Math" panose="02040503050406030204" pitchFamily="18" charset="0"/>
-                      </a:rPr>
-                      <m:t> à </m:t>
-                    </m:r>
-                    <m:r>
-                      <a:rPr lang="fr-FR" b="0" i="1" smtClean="0">
-                        <a:latin typeface="Cambria Math" panose="02040503050406030204" pitchFamily="18" charset="0"/>
-                      </a:rPr>
-                      <m:t>23</m:t>
-                    </m:r>
-                    <m:r>
-                      <a:rPr lang="fr-FR" b="0" i="1" smtClean="0">
-                        <a:latin typeface="Cambria Math" panose="02040503050406030204" pitchFamily="18" charset="0"/>
-                      </a:rPr>
-                      <m:t> </m:t>
+                      <m:t>=20 à 23 </m:t>
                     </m:r>
                     <m:r>
                       <m:rPr>
@@ -17705,25 +19352,7 @@
                       <a:rPr lang="fr-FR" b="0" i="0" smtClean="0">
                         <a:latin typeface="Cambria Math" panose="02040503050406030204" pitchFamily="18" charset="0"/>
                       </a:rPr>
-                      <m:t>0</m:t>
-                    </m:r>
-                    <m:r>
-                      <a:rPr lang="fr-FR" b="0" i="0" smtClean="0">
-                        <a:latin typeface="Cambria Math" panose="02040503050406030204" pitchFamily="18" charset="0"/>
-                      </a:rPr>
-                      <m:t>,</m:t>
-                    </m:r>
-                    <m:r>
-                      <a:rPr lang="fr-FR" b="0" i="0" smtClean="0">
-                        <a:latin typeface="Cambria Math" panose="02040503050406030204" pitchFamily="18" charset="0"/>
-                      </a:rPr>
-                      <m:t>024</m:t>
-                    </m:r>
-                    <m:r>
-                      <a:rPr lang="fr-FR" b="0" i="0" smtClean="0">
-                        <a:latin typeface="Cambria Math" panose="02040503050406030204" pitchFamily="18" charset="0"/>
-                      </a:rPr>
-                      <m:t> </m:t>
+                      <m:t>0,024 </m:t>
                     </m:r>
                     <m:r>
                       <m:rPr>
@@ -17799,7 +19428,7 @@
 </p:sld>
 </file>
 
-<file path=ppt/slides/slide8.xml><?xml version="1.0" encoding="utf-8"?>
+<file path=ppt/slides/slide9.xml><?xml version="1.0" encoding="utf-8"?>
 <p:sld xmlns:a="http://schemas.openxmlformats.org/drawingml/2006/main" xmlns:r="http://schemas.openxmlformats.org/officeDocument/2006/relationships" xmlns:p="http://schemas.openxmlformats.org/presentationml/2006/main">
   <p:cSld>
     <p:spTree>
@@ -17882,1844 +19511,6 @@
     <p:extLst>
       <p:ext uri="{BB962C8B-B14F-4D97-AF65-F5344CB8AC3E}">
         <p14:creationId xmlns:p14="http://schemas.microsoft.com/office/powerpoint/2010/main" val="2985822988"/>
-      </p:ext>
-    </p:extLst>
-  </p:cSld>
-  <p:clrMapOvr>
-    <a:masterClrMapping/>
-  </p:clrMapOvr>
-</p:sld>
-</file>
-
-<file path=ppt/slides/slide9.xml><?xml version="1.0" encoding="utf-8"?>
-<p:sld xmlns:a="http://schemas.openxmlformats.org/drawingml/2006/main" xmlns:r="http://schemas.openxmlformats.org/officeDocument/2006/relationships" xmlns:p="http://schemas.openxmlformats.org/presentationml/2006/main">
-  <p:cSld>
-    <p:spTree>
-      <p:nvGrpSpPr>
-        <p:cNvPr id="1" name=""/>
-        <p:cNvGrpSpPr/>
-        <p:nvPr/>
-      </p:nvGrpSpPr>
-      <p:grpSpPr>
-        <a:xfrm>
-          <a:off x="0" y="0"/>
-          <a:ext cx="0" cy="0"/>
-          <a:chOff x="0" y="0"/>
-          <a:chExt cx="0" cy="0"/>
-        </a:xfrm>
-      </p:grpSpPr>
-      <p:sp>
-        <p:nvSpPr>
-          <p:cNvPr id="2" name="Titre 1"/>
-          <p:cNvSpPr>
-            <a:spLocks noGrp="1"/>
-          </p:cNvSpPr>
-          <p:nvPr>
-            <p:ph type="title"/>
-          </p:nvPr>
-        </p:nvSpPr>
-        <p:spPr/>
-        <p:txBody>
-          <a:bodyPr/>
-          <a:lstStyle/>
-          <a:p>
-            <a:r>
-              <a:rPr lang="fr-FR" dirty="0"/>
-              <a:t>Objectifs</a:t>
-            </a:r>
-          </a:p>
-        </p:txBody>
-      </p:sp>
-      <p:sp>
-        <p:nvSpPr>
-          <p:cNvPr id="3" name="Espace réservé du contenu 2"/>
-          <p:cNvSpPr>
-            <a:spLocks noGrp="1"/>
-          </p:cNvSpPr>
-          <p:nvPr>
-            <p:ph idx="1"/>
-          </p:nvPr>
-        </p:nvSpPr>
-        <p:spPr/>
-        <p:txBody>
-          <a:bodyPr>
-            <a:normAutofit lnSpcReduction="10000"/>
-          </a:bodyPr>
-          <a:lstStyle/>
-          <a:p>
-            <a:r>
-              <a:rPr lang="fr-FR" dirty="0"/>
-              <a:t>Objectif :</a:t>
-            </a:r>
-          </a:p>
-          <a:p>
-            <a:pPr lvl="1"/>
-            <a:r>
-              <a:rPr lang="fr-FR" dirty="0"/>
-              <a:t> On souhaite déterminer le couple maximal et la vitesse maximale d’un moteur pour pouvoir déplacer une charge de XXX kg en moins de XXXX s. </a:t>
-            </a:r>
-          </a:p>
-          <a:p>
-            <a:pPr lvl="1"/>
-            <a:endParaRPr lang="fr-FR" dirty="0"/>
-          </a:p>
-          <a:p>
-            <a:r>
-              <a:rPr lang="fr-FR" dirty="0"/>
-              <a:t>Modèle </a:t>
-            </a:r>
-          </a:p>
-          <a:p>
-            <a:endParaRPr lang="fr-FR" dirty="0"/>
-          </a:p>
-          <a:p>
-            <a:endParaRPr lang="fr-FR" dirty="0"/>
-          </a:p>
-          <a:p>
-            <a:r>
-              <a:rPr lang="fr-FR" dirty="0"/>
-              <a:t>Expérimentation : première approche pour avoir une estimation de la puissance</a:t>
-            </a:r>
-          </a:p>
-          <a:p>
-            <a:pPr lvl="1"/>
-            <a:r>
-              <a:rPr lang="fr-FR" dirty="0"/>
-              <a:t>Protocole Expérimental</a:t>
-            </a:r>
-          </a:p>
-          <a:p>
-            <a:pPr lvl="2"/>
-            <a:r>
-              <a:rPr lang="fr-FR" dirty="0"/>
-              <a:t>Montée, avec un chargement maximal, et un échelon de position</a:t>
-            </a:r>
-          </a:p>
-          <a:p>
-            <a:pPr lvl="2"/>
-            <a:r>
-              <a:rPr lang="fr-FR" dirty="0"/>
-              <a:t>Mesure de la vitesse grâce au codeur</a:t>
-            </a:r>
-          </a:p>
-          <a:p>
-            <a:pPr lvl="2"/>
-            <a:r>
-              <a:rPr lang="fr-FR" dirty="0"/>
-              <a:t>Meure du couple moteur grâce au courant…</a:t>
-            </a:r>
-          </a:p>
-          <a:p>
-            <a:endParaRPr lang="fr-FR" dirty="0"/>
-          </a:p>
-          <a:p>
-            <a:endParaRPr lang="fr-FR" dirty="0"/>
-          </a:p>
-          <a:p>
-            <a:endParaRPr lang="fr-FR" dirty="0"/>
-          </a:p>
-        </p:txBody>
-      </p:sp>
-      <p:grpSp>
-        <p:nvGrpSpPr>
-          <p:cNvPr id="86" name="Groupe 85"/>
-          <p:cNvGrpSpPr/>
-          <p:nvPr/>
-        </p:nvGrpSpPr>
-        <p:grpSpPr>
-          <a:xfrm>
-            <a:off x="3241822" y="2261019"/>
-            <a:ext cx="7593285" cy="1462084"/>
-            <a:chOff x="4452429" y="3393409"/>
-            <a:chExt cx="7593285" cy="1462084"/>
-          </a:xfrm>
-        </p:grpSpPr>
-        <p:sp>
-          <p:nvSpPr>
-            <p:cNvPr id="45" name="Rectangle : coins arrondis 90">
-              <a:extLst>
-                <a:ext uri="{FF2B5EF4-FFF2-40B4-BE49-F238E27FC236}">
-                  <a16:creationId xmlns:a16="http://schemas.microsoft.com/office/drawing/2014/main" id="{6015CC9C-F06A-6145-07AB-90D570197E3C}"/>
-                </a:ext>
-              </a:extLst>
-            </p:cNvPr>
-            <p:cNvSpPr/>
-            <p:nvPr/>
-          </p:nvSpPr>
-          <p:spPr>
-            <a:xfrm>
-              <a:off x="9648386" y="4190096"/>
-              <a:ext cx="1365662" cy="652851"/>
-            </a:xfrm>
-            <a:prstGeom prst="roundRect">
-              <a:avLst>
-                <a:gd name="adj" fmla="val 11914"/>
-              </a:avLst>
-            </a:prstGeom>
-            <a:solidFill>
-              <a:srgbClr val="F7B8B3"/>
-            </a:solidFill>
-            <a:ln w="19050">
-              <a:solidFill>
-                <a:srgbClr val="F7B8B3"/>
-              </a:solidFill>
-            </a:ln>
-          </p:spPr>
-          <p:style>
-            <a:lnRef idx="2">
-              <a:schemeClr val="accent1">
-                <a:shade val="50000"/>
-              </a:schemeClr>
-            </a:lnRef>
-            <a:fillRef idx="1">
-              <a:schemeClr val="accent1"/>
-            </a:fillRef>
-            <a:effectRef idx="0">
-              <a:schemeClr val="accent1"/>
-            </a:effectRef>
-            <a:fontRef idx="minor">
-              <a:schemeClr val="lt1"/>
-            </a:fontRef>
-          </p:style>
-          <p:txBody>
-            <a:bodyPr rtlCol="0" anchor="ctr"/>
-            <a:lstStyle/>
-            <a:p>
-              <a:pPr algn="ctr"/>
-              <a:r>
-                <a:rPr lang="fr-FR" sz="900" dirty="0">
-                  <a:solidFill>
-                    <a:srgbClr val="EE685D"/>
-                  </a:solidFill>
-                  <a:latin typeface="Arial Nova" panose="020B0504020202020204" pitchFamily="34" charset="0"/>
-                </a:rPr>
-                <a:t>Axe linéaire « Poulie courroie »</a:t>
-              </a:r>
-            </a:p>
-          </p:txBody>
-        </p:sp>
-        <p:sp>
-          <p:nvSpPr>
-            <p:cNvPr id="48" name="Rectangle : coins arrondis 15">
-              <a:extLst>
-                <a:ext uri="{FF2B5EF4-FFF2-40B4-BE49-F238E27FC236}">
-                  <a16:creationId xmlns:a16="http://schemas.microsoft.com/office/drawing/2014/main" id="{B8181AD4-9AB8-CA7B-EFBF-8B9CD4369264}"/>
-                </a:ext>
-              </a:extLst>
-            </p:cNvPr>
-            <p:cNvSpPr/>
-            <p:nvPr/>
-          </p:nvSpPr>
-          <p:spPr>
-            <a:xfrm>
-              <a:off x="5380883" y="3542688"/>
-              <a:ext cx="1440000" cy="540000"/>
-            </a:xfrm>
-            <a:prstGeom prst="roundRect">
-              <a:avLst>
-                <a:gd name="adj" fmla="val 11914"/>
-              </a:avLst>
-            </a:prstGeom>
-            <a:noFill/>
-            <a:ln w="19050">
-              <a:solidFill>
-                <a:srgbClr val="68348B"/>
-              </a:solidFill>
-            </a:ln>
-          </p:spPr>
-          <p:style>
-            <a:lnRef idx="2">
-              <a:schemeClr val="accent1">
-                <a:shade val="50000"/>
-              </a:schemeClr>
-            </a:lnRef>
-            <a:fillRef idx="1">
-              <a:schemeClr val="accent1"/>
-            </a:fillRef>
-            <a:effectRef idx="0">
-              <a:schemeClr val="accent1"/>
-            </a:effectRef>
-            <a:fontRef idx="minor">
-              <a:schemeClr val="lt1"/>
-            </a:fontRef>
-          </p:style>
-          <p:txBody>
-            <a:bodyPr rtlCol="0" anchor="ctr"/>
-            <a:lstStyle/>
-            <a:p>
-              <a:pPr algn="ctr"/>
-              <a:r>
-                <a:rPr lang="fr-FR" sz="1400" dirty="0">
-                  <a:solidFill>
-                    <a:srgbClr val="68348B"/>
-                  </a:solidFill>
-                  <a:latin typeface="Arial Nova" panose="020B0504020202020204" pitchFamily="34" charset="0"/>
-                </a:rPr>
-                <a:t>Convertir</a:t>
-              </a:r>
-            </a:p>
-          </p:txBody>
-        </p:sp>
-        <p:sp>
-          <p:nvSpPr>
-            <p:cNvPr id="49" name="Rectangle : coins arrondis 16">
-              <a:extLst>
-                <a:ext uri="{FF2B5EF4-FFF2-40B4-BE49-F238E27FC236}">
-                  <a16:creationId xmlns:a16="http://schemas.microsoft.com/office/drawing/2014/main" id="{7E462E27-42D7-734B-5E6F-B78EF40987B6}"/>
-                </a:ext>
-              </a:extLst>
-            </p:cNvPr>
-            <p:cNvSpPr/>
-            <p:nvPr/>
-          </p:nvSpPr>
-          <p:spPr>
-            <a:xfrm>
-              <a:off x="5389319" y="4223146"/>
-              <a:ext cx="1440000" cy="540000"/>
-            </a:xfrm>
-            <a:prstGeom prst="roundRect">
-              <a:avLst>
-                <a:gd name="adj" fmla="val 11914"/>
-              </a:avLst>
-            </a:prstGeom>
-            <a:solidFill>
-              <a:srgbClr val="C3AED1"/>
-            </a:solidFill>
-            <a:ln w="19050">
-              <a:solidFill>
-                <a:srgbClr val="C3AED1"/>
-              </a:solidFill>
-            </a:ln>
-          </p:spPr>
-          <p:style>
-            <a:lnRef idx="2">
-              <a:schemeClr val="accent1">
-                <a:shade val="50000"/>
-              </a:schemeClr>
-            </a:lnRef>
-            <a:fillRef idx="1">
-              <a:schemeClr val="accent1"/>
-            </a:fillRef>
-            <a:effectRef idx="0">
-              <a:schemeClr val="accent1"/>
-            </a:effectRef>
-            <a:fontRef idx="minor">
-              <a:schemeClr val="lt1"/>
-            </a:fontRef>
-          </p:style>
-          <p:txBody>
-            <a:bodyPr rtlCol="0" anchor="ctr"/>
-            <a:lstStyle/>
-            <a:p>
-              <a:pPr algn="ctr"/>
-              <a:r>
-                <a:rPr lang="fr-FR" sz="1100" dirty="0">
-                  <a:solidFill>
-                    <a:srgbClr val="68348B"/>
-                  </a:solidFill>
-                  <a:latin typeface="Arial Nova" panose="020B0504020202020204" pitchFamily="34" charset="0"/>
-                </a:rPr>
-                <a:t>Moteur à courant continu</a:t>
-              </a:r>
-            </a:p>
-          </p:txBody>
-        </p:sp>
-        <p:sp>
-          <p:nvSpPr>
-            <p:cNvPr id="50" name="Rectangle : coins arrondis 17">
-              <a:extLst>
-                <a:ext uri="{FF2B5EF4-FFF2-40B4-BE49-F238E27FC236}">
-                  <a16:creationId xmlns:a16="http://schemas.microsoft.com/office/drawing/2014/main" id="{AA76E29F-1BCE-DD76-499C-CE8F3E850A8E}"/>
-                </a:ext>
-              </a:extLst>
-            </p:cNvPr>
-            <p:cNvSpPr/>
-            <p:nvPr/>
-          </p:nvSpPr>
-          <p:spPr>
-            <a:xfrm>
-              <a:off x="7542872" y="3545795"/>
-              <a:ext cx="1365662" cy="534390"/>
-            </a:xfrm>
-            <a:prstGeom prst="roundRect">
-              <a:avLst>
-                <a:gd name="adj" fmla="val 11914"/>
-              </a:avLst>
-            </a:prstGeom>
-            <a:noFill/>
-            <a:ln w="19050">
-              <a:solidFill>
-                <a:srgbClr val="EE685D"/>
-              </a:solidFill>
-            </a:ln>
-          </p:spPr>
-          <p:style>
-            <a:lnRef idx="2">
-              <a:schemeClr val="accent1">
-                <a:shade val="50000"/>
-              </a:schemeClr>
-            </a:lnRef>
-            <a:fillRef idx="1">
-              <a:schemeClr val="accent1"/>
-            </a:fillRef>
-            <a:effectRef idx="0">
-              <a:schemeClr val="accent1"/>
-            </a:effectRef>
-            <a:fontRef idx="minor">
-              <a:schemeClr val="lt1"/>
-            </a:fontRef>
-          </p:style>
-          <p:txBody>
-            <a:bodyPr rtlCol="0" anchor="ctr"/>
-            <a:lstStyle/>
-            <a:p>
-              <a:pPr algn="ctr"/>
-              <a:r>
-                <a:rPr lang="fr-FR" sz="1400" dirty="0">
-                  <a:solidFill>
-                    <a:srgbClr val="EE685D"/>
-                  </a:solidFill>
-                  <a:latin typeface="Arial Nova" panose="020B0504020202020204" pitchFamily="34" charset="0"/>
-                </a:rPr>
-                <a:t>Transmettre</a:t>
-              </a:r>
-            </a:p>
-          </p:txBody>
-        </p:sp>
-        <p:sp>
-          <p:nvSpPr>
-            <p:cNvPr id="51" name="Rectangle : coins arrondis 18">
-              <a:extLst>
-                <a:ext uri="{FF2B5EF4-FFF2-40B4-BE49-F238E27FC236}">
-                  <a16:creationId xmlns:a16="http://schemas.microsoft.com/office/drawing/2014/main" id="{A66FC087-C9BC-9FD1-6C13-AD7571852AD4}"/>
-                </a:ext>
-              </a:extLst>
-            </p:cNvPr>
-            <p:cNvSpPr/>
-            <p:nvPr/>
-          </p:nvSpPr>
-          <p:spPr>
-            <a:xfrm>
-              <a:off x="7549319" y="4202642"/>
-              <a:ext cx="1365662" cy="652851"/>
-            </a:xfrm>
-            <a:prstGeom prst="roundRect">
-              <a:avLst>
-                <a:gd name="adj" fmla="val 11914"/>
-              </a:avLst>
-            </a:prstGeom>
-            <a:solidFill>
-              <a:srgbClr val="F7B8B3"/>
-            </a:solidFill>
-            <a:ln w="19050">
-              <a:solidFill>
-                <a:srgbClr val="F7B8B3"/>
-              </a:solidFill>
-            </a:ln>
-          </p:spPr>
-          <p:style>
-            <a:lnRef idx="2">
-              <a:schemeClr val="accent1">
-                <a:shade val="50000"/>
-              </a:schemeClr>
-            </a:lnRef>
-            <a:fillRef idx="1">
-              <a:schemeClr val="accent1"/>
-            </a:fillRef>
-            <a:effectRef idx="0">
-              <a:schemeClr val="accent1"/>
-            </a:effectRef>
-            <a:fontRef idx="minor">
-              <a:schemeClr val="lt1"/>
-            </a:fontRef>
-          </p:style>
-          <p:txBody>
-            <a:bodyPr rtlCol="0" anchor="ctr"/>
-            <a:lstStyle/>
-            <a:p>
-              <a:pPr algn="ctr"/>
-              <a:r>
-                <a:rPr lang="fr-FR" sz="900" dirty="0">
-                  <a:solidFill>
-                    <a:srgbClr val="EE685D"/>
-                  </a:solidFill>
-                  <a:latin typeface="Arial Nova" panose="020B0504020202020204" pitchFamily="34" charset="0"/>
-                </a:rPr>
-                <a:t>Train épicycloïdal</a:t>
-              </a:r>
-            </a:p>
-          </p:txBody>
-        </p:sp>
-        <p:cxnSp>
-          <p:nvCxnSpPr>
-            <p:cNvPr id="54" name="Connecteur droit avec flèche 53">
-              <a:extLst>
-                <a:ext uri="{FF2B5EF4-FFF2-40B4-BE49-F238E27FC236}">
-                  <a16:creationId xmlns:a16="http://schemas.microsoft.com/office/drawing/2014/main" id="{6E52C4D0-B55B-30AA-F92B-6E09F0A4D9C9}"/>
-                </a:ext>
-              </a:extLst>
-            </p:cNvPr>
-            <p:cNvCxnSpPr>
-              <a:cxnSpLocks/>
-            </p:cNvCxnSpPr>
-            <p:nvPr/>
-          </p:nvCxnSpPr>
-          <p:spPr>
-            <a:xfrm flipV="1">
-              <a:off x="4669319" y="3798320"/>
-              <a:ext cx="720000" cy="1536"/>
-            </a:xfrm>
-            <a:prstGeom prst="straightConnector1">
-              <a:avLst/>
-            </a:prstGeom>
-            <a:ln w="25400" cap="rnd">
-              <a:solidFill>
-                <a:srgbClr val="0C7391"/>
-              </a:solidFill>
-              <a:tailEnd type="triangle" w="med" len="lg"/>
-            </a:ln>
-          </p:spPr>
-          <p:style>
-            <a:lnRef idx="1">
-              <a:schemeClr val="accent1"/>
-            </a:lnRef>
-            <a:fillRef idx="0">
-              <a:schemeClr val="accent1"/>
-            </a:fillRef>
-            <a:effectRef idx="0">
-              <a:schemeClr val="accent1"/>
-            </a:effectRef>
-            <a:fontRef idx="minor">
-              <a:schemeClr val="tx1"/>
-            </a:fontRef>
-          </p:style>
-        </p:cxnSp>
-        <p:pic>
-          <p:nvPicPr>
-            <p:cNvPr id="55" name="Image 54">
-              <a:extLst>
-                <a:ext uri="{FF2B5EF4-FFF2-40B4-BE49-F238E27FC236}">
-                  <a16:creationId xmlns:a16="http://schemas.microsoft.com/office/drawing/2014/main" id="{F31071D2-3D9A-9512-E018-EA9EA1D5A07B}"/>
-                </a:ext>
-              </a:extLst>
-            </p:cNvPr>
-            <p:cNvPicPr>
-              <a:picLocks noChangeAspect="1"/>
-            </p:cNvPicPr>
-            <p:nvPr/>
-          </p:nvPicPr>
-          <p:blipFill>
-            <a:blip r:embed="rId2"/>
-            <a:stretch>
-              <a:fillRect/>
-            </a:stretch>
-          </p:blipFill>
-          <p:spPr>
-            <a:xfrm>
-              <a:off x="4838894" y="3393409"/>
-              <a:ext cx="360000" cy="360000"/>
-            </a:xfrm>
-            <a:prstGeom prst="rect">
-              <a:avLst/>
-            </a:prstGeom>
-          </p:spPr>
-        </p:pic>
-        <p:cxnSp>
-          <p:nvCxnSpPr>
-            <p:cNvPr id="56" name="Connecteur droit avec flèche 55">
-              <a:extLst>
-                <a:ext uri="{FF2B5EF4-FFF2-40B4-BE49-F238E27FC236}">
-                  <a16:creationId xmlns:a16="http://schemas.microsoft.com/office/drawing/2014/main" id="{75B4C387-2DFC-8DD6-0817-E4B93F7F3F85}"/>
-                </a:ext>
-              </a:extLst>
-            </p:cNvPr>
-            <p:cNvCxnSpPr>
-              <a:cxnSpLocks/>
-            </p:cNvCxnSpPr>
-            <p:nvPr/>
-          </p:nvCxnSpPr>
-          <p:spPr>
-            <a:xfrm flipV="1">
-              <a:off x="6829319" y="3807925"/>
-              <a:ext cx="720000" cy="1536"/>
-            </a:xfrm>
-            <a:prstGeom prst="straightConnector1">
-              <a:avLst/>
-            </a:prstGeom>
-            <a:ln w="25400" cap="rnd">
-              <a:solidFill>
-                <a:srgbClr val="68348B"/>
-              </a:solidFill>
-              <a:tailEnd type="triangle" w="med" len="lg"/>
-            </a:ln>
-          </p:spPr>
-          <p:style>
-            <a:lnRef idx="1">
-              <a:schemeClr val="accent1"/>
-            </a:lnRef>
-            <a:fillRef idx="0">
-              <a:schemeClr val="accent1"/>
-            </a:fillRef>
-            <a:effectRef idx="0">
-              <a:schemeClr val="accent1"/>
-            </a:effectRef>
-            <a:fontRef idx="minor">
-              <a:schemeClr val="tx1"/>
-            </a:fontRef>
-          </p:style>
-        </p:cxnSp>
-        <p:pic>
-          <p:nvPicPr>
-            <p:cNvPr id="57" name="Image 56">
-              <a:extLst>
-                <a:ext uri="{FF2B5EF4-FFF2-40B4-BE49-F238E27FC236}">
-                  <a16:creationId xmlns:a16="http://schemas.microsoft.com/office/drawing/2014/main" id="{F1B5964F-3473-92A5-6A3A-F03DA766A90A}"/>
-                </a:ext>
-              </a:extLst>
-            </p:cNvPr>
-            <p:cNvPicPr>
-              <a:picLocks noChangeAspect="1"/>
-            </p:cNvPicPr>
-            <p:nvPr/>
-          </p:nvPicPr>
-          <p:blipFill>
-            <a:blip r:embed="rId3"/>
-            <a:stretch>
-              <a:fillRect/>
-            </a:stretch>
-          </p:blipFill>
-          <p:spPr>
-            <a:xfrm>
-              <a:off x="6993108" y="3418676"/>
-              <a:ext cx="360000" cy="360000"/>
-            </a:xfrm>
-            <a:prstGeom prst="rect">
-              <a:avLst/>
-            </a:prstGeom>
-          </p:spPr>
-        </p:pic>
-        <p:cxnSp>
-          <p:nvCxnSpPr>
-            <p:cNvPr id="58" name="Connecteur droit avec flèche 57">
-              <a:extLst>
-                <a:ext uri="{FF2B5EF4-FFF2-40B4-BE49-F238E27FC236}">
-                  <a16:creationId xmlns:a16="http://schemas.microsoft.com/office/drawing/2014/main" id="{505D6021-1B16-1674-733B-C648AC112904}"/>
-                </a:ext>
-              </a:extLst>
-            </p:cNvPr>
-            <p:cNvCxnSpPr>
-              <a:cxnSpLocks/>
-            </p:cNvCxnSpPr>
-            <p:nvPr/>
-          </p:nvCxnSpPr>
-          <p:spPr>
-            <a:xfrm flipV="1">
-              <a:off x="10996452" y="3807925"/>
-              <a:ext cx="720000" cy="1536"/>
-            </a:xfrm>
-            <a:prstGeom prst="straightConnector1">
-              <a:avLst/>
-            </a:prstGeom>
-            <a:ln w="25400" cap="rnd">
-              <a:solidFill>
-                <a:srgbClr val="68348B"/>
-              </a:solidFill>
-              <a:tailEnd type="triangle" w="med" len="lg"/>
-            </a:ln>
-          </p:spPr>
-          <p:style>
-            <a:lnRef idx="1">
-              <a:schemeClr val="accent1"/>
-            </a:lnRef>
-            <a:fillRef idx="0">
-              <a:schemeClr val="accent1"/>
-            </a:fillRef>
-            <a:effectRef idx="0">
-              <a:schemeClr val="accent1"/>
-            </a:effectRef>
-            <a:fontRef idx="minor">
-              <a:schemeClr val="tx1"/>
-            </a:fontRef>
-          </p:style>
-        </p:cxnSp>
-        <p:pic>
-          <p:nvPicPr>
-            <p:cNvPr id="60" name="Image 59">
-              <a:extLst>
-                <a:ext uri="{FF2B5EF4-FFF2-40B4-BE49-F238E27FC236}">
-                  <a16:creationId xmlns:a16="http://schemas.microsoft.com/office/drawing/2014/main" id="{85C6EE0C-C52A-6134-EB1B-6F3C57492332}"/>
-                </a:ext>
-              </a:extLst>
-            </p:cNvPr>
-            <p:cNvPicPr>
-              <a:picLocks noChangeAspect="1"/>
-            </p:cNvPicPr>
-            <p:nvPr/>
-          </p:nvPicPr>
-          <p:blipFill>
-            <a:blip r:embed="rId4"/>
-            <a:stretch>
-              <a:fillRect/>
-            </a:stretch>
-          </p:blipFill>
-          <p:spPr>
-            <a:xfrm>
-              <a:off x="11149335" y="3661444"/>
-              <a:ext cx="288000" cy="105516"/>
-            </a:xfrm>
-            <a:prstGeom prst="rect">
-              <a:avLst/>
-            </a:prstGeom>
-          </p:spPr>
-        </p:pic>
-        <mc:AlternateContent xmlns:mc="http://schemas.openxmlformats.org/markup-compatibility/2006" xmlns:a14="http://schemas.microsoft.com/office/drawing/2010/main">
-          <mc:Choice Requires="a14">
-            <p:sp>
-              <p:nvSpPr>
-                <p:cNvPr id="64" name="ZoneTexte 63">
-                  <a:extLst>
-                    <a:ext uri="{FF2B5EF4-FFF2-40B4-BE49-F238E27FC236}">
-                      <a16:creationId xmlns:a16="http://schemas.microsoft.com/office/drawing/2014/main" id="{B39CA18C-C050-2248-E6F6-D99BB87303C8}"/>
-                    </a:ext>
-                  </a:extLst>
-                </p:cNvPr>
-                <p:cNvSpPr txBox="1"/>
-                <p:nvPr/>
-              </p:nvSpPr>
-              <p:spPr>
-                <a:xfrm>
-                  <a:off x="4452429" y="3859412"/>
-                  <a:ext cx="1161960" cy="461665"/>
-                </a:xfrm>
-                <a:prstGeom prst="rect">
-                  <a:avLst/>
-                </a:prstGeom>
-                <a:noFill/>
-              </p:spPr>
-              <p:txBody>
-                <a:bodyPr wrap="square" rtlCol="0">
-                  <a:spAutoFit/>
-                </a:bodyPr>
-                <a:lstStyle/>
-                <a:p>
-                  <a:pPr algn="ctr"/>
-                  <a:r>
-                    <a:rPr lang="fr-FR" sz="1200" b="1" dirty="0">
-                      <a:solidFill>
-                        <a:srgbClr val="FFB25A"/>
-                      </a:solidFill>
-                      <a:latin typeface="Arial Nova" panose="020B0504020202020204" pitchFamily="34" charset="0"/>
-                    </a:rPr>
-                    <a:t> xx V </a:t>
-                  </a:r>
-                  <a14:m>
-                    <m:oMath xmlns:m="http://schemas.openxmlformats.org/officeDocument/2006/math">
-                      <m:r>
-                        <a:rPr lang="fr-FR" sz="1200" b="1" i="0" smtClean="0">
-                          <a:solidFill>
-                            <a:srgbClr val="FFB25A"/>
-                          </a:solidFill>
-                          <a:latin typeface="Cambria Math" panose="02040503050406030204" pitchFamily="18" charset="0"/>
-                          <a:ea typeface="Cambria Math" panose="02040503050406030204" pitchFamily="18" charset="0"/>
-                          <a:cs typeface="Calibri" panose="020F0502020204030204" pitchFamily="34" charset="0"/>
-                        </a:rPr>
-                        <m:t>=</m:t>
-                      </m:r>
-                    </m:oMath>
-                  </a14:m>
-                  <a:endParaRPr lang="fr-FR" sz="1200" b="1" dirty="0">
-                    <a:solidFill>
-                      <a:srgbClr val="FFB25A"/>
-                    </a:solidFill>
-                    <a:latin typeface="Arial Nova" panose="020B0504020202020204" pitchFamily="34" charset="0"/>
-                  </a:endParaRPr>
-                </a:p>
-                <a:p>
-                  <a:pPr algn="ctr"/>
-                  <a14:m>
-                    <m:oMathPara xmlns:m="http://schemas.openxmlformats.org/officeDocument/2006/math">
-                      <m:oMathParaPr>
-                        <m:jc m:val="centerGroup"/>
-                      </m:oMathParaPr>
-                      <m:oMath xmlns:m="http://schemas.openxmlformats.org/officeDocument/2006/math">
-                        <m:r>
-                          <a:rPr lang="fr-FR" sz="1200" b="1" i="1" smtClean="0">
-                            <a:solidFill>
-                              <a:srgbClr val="FFB25A"/>
-                            </a:solidFill>
-                            <a:latin typeface="Cambria Math" panose="02040503050406030204" pitchFamily="18" charset="0"/>
-                            <a:ea typeface="Cambria Math" panose="02040503050406030204" pitchFamily="18" charset="0"/>
-                          </a:rPr>
-                          <m:t>𝓟</m:t>
-                        </m:r>
-                        <m:r>
-                          <a:rPr lang="fr-FR" sz="1200" b="1" i="1" smtClean="0">
-                            <a:solidFill>
-                              <a:srgbClr val="FFB25A"/>
-                            </a:solidFill>
-                            <a:latin typeface="Cambria Math" panose="02040503050406030204" pitchFamily="18" charset="0"/>
-                            <a:ea typeface="Cambria Math" panose="02040503050406030204" pitchFamily="18" charset="0"/>
-                          </a:rPr>
-                          <m:t>=</m:t>
-                        </m:r>
-                        <m:r>
-                          <a:rPr lang="fr-FR" sz="1200" b="1" i="1" smtClean="0">
-                            <a:solidFill>
-                              <a:srgbClr val="FFB25A"/>
-                            </a:solidFill>
-                            <a:latin typeface="Cambria Math" panose="02040503050406030204" pitchFamily="18" charset="0"/>
-                            <a:ea typeface="Cambria Math" panose="02040503050406030204" pitchFamily="18" charset="0"/>
-                          </a:rPr>
-                          <m:t>𝑼𝑰</m:t>
-                        </m:r>
-                      </m:oMath>
-                    </m:oMathPara>
-                  </a14:m>
-                  <a:endParaRPr lang="fr-FR" sz="1200" b="1" dirty="0">
-                    <a:solidFill>
-                      <a:srgbClr val="FFB25A"/>
-                    </a:solidFill>
-                    <a:latin typeface="Arial Nova" panose="020B0504020202020204" pitchFamily="34" charset="0"/>
-                  </a:endParaRPr>
-                </a:p>
-              </p:txBody>
-            </p:sp>
-          </mc:Choice>
-          <mc:Fallback xmlns="">
-            <p:sp>
-              <p:nvSpPr>
-                <p:cNvPr id="64" name="ZoneTexte 63">
-                  <a:extLst>
-                    <a:ext uri="{FF2B5EF4-FFF2-40B4-BE49-F238E27FC236}">
-                      <a16:creationId xmlns:a16="http://schemas.microsoft.com/office/drawing/2014/main" id="{B39CA18C-C050-2248-E6F6-D99BB87303C8}"/>
-                    </a:ext>
-                  </a:extLst>
-                </p:cNvPr>
-                <p:cNvSpPr txBox="1">
-                  <a:spLocks noRot="1" noChangeAspect="1" noMove="1" noResize="1" noEditPoints="1" noAdjustHandles="1" noChangeArrowheads="1" noChangeShapeType="1" noTextEdit="1"/>
-                </p:cNvSpPr>
-                <p:nvPr/>
-              </p:nvSpPr>
-              <p:spPr>
-                <a:xfrm>
-                  <a:off x="4452429" y="3859412"/>
-                  <a:ext cx="1161960" cy="461665"/>
-                </a:xfrm>
-                <a:prstGeom prst="rect">
-                  <a:avLst/>
-                </a:prstGeom>
-                <a:blipFill>
-                  <a:blip r:embed="rId5"/>
-                  <a:stretch>
-                    <a:fillRect/>
-                  </a:stretch>
-                </a:blipFill>
-              </p:spPr>
-              <p:txBody>
-                <a:bodyPr/>
-                <a:lstStyle/>
-                <a:p>
-                  <a:r>
-                    <a:rPr lang="fr-FR">
-                      <a:noFill/>
-                    </a:rPr>
-                    <a:t> </a:t>
-                  </a:r>
-                </a:p>
-              </p:txBody>
-            </p:sp>
-          </mc:Fallback>
-        </mc:AlternateContent>
-        <p:grpSp>
-          <p:nvGrpSpPr>
-            <p:cNvPr id="71" name="Groupe 70">
-              <a:extLst>
-                <a:ext uri="{FF2B5EF4-FFF2-40B4-BE49-F238E27FC236}">
-                  <a16:creationId xmlns:a16="http://schemas.microsoft.com/office/drawing/2014/main" id="{3A416195-885D-B412-950E-1F349C5CC6AB}"/>
-                </a:ext>
-              </a:extLst>
-            </p:cNvPr>
-            <p:cNvGrpSpPr/>
-            <p:nvPr/>
-          </p:nvGrpSpPr>
-          <p:grpSpPr>
-            <a:xfrm>
-              <a:off x="8079091" y="3940734"/>
-              <a:ext cx="360000" cy="360000"/>
-              <a:chOff x="5447928" y="2816932"/>
-              <a:chExt cx="1800000" cy="1800000"/>
-            </a:xfrm>
-          </p:grpSpPr>
-          <p:sp>
-            <p:nvSpPr>
-              <p:cNvPr id="72" name="Ellipse 71">
-                <a:extLst>
-                  <a:ext uri="{FF2B5EF4-FFF2-40B4-BE49-F238E27FC236}">
-                    <a16:creationId xmlns:a16="http://schemas.microsoft.com/office/drawing/2014/main" id="{689719FF-319E-F4C6-E150-B6C708728D00}"/>
-                  </a:ext>
-                </a:extLst>
-              </p:cNvPr>
-              <p:cNvSpPr/>
-              <p:nvPr/>
-            </p:nvSpPr>
-            <p:spPr>
-              <a:xfrm>
-                <a:off x="5447928" y="2816932"/>
-                <a:ext cx="1800000" cy="1800000"/>
-              </a:xfrm>
-              <a:prstGeom prst="ellipse">
-                <a:avLst/>
-              </a:prstGeom>
-              <a:solidFill>
-                <a:srgbClr val="EF7268"/>
-              </a:solidFill>
-              <a:ln>
-                <a:noFill/>
-              </a:ln>
-            </p:spPr>
-            <p:style>
-              <a:lnRef idx="2">
-                <a:schemeClr val="accent1">
-                  <a:shade val="50000"/>
-                </a:schemeClr>
-              </a:lnRef>
-              <a:fillRef idx="1">
-                <a:schemeClr val="accent1"/>
-              </a:fillRef>
-              <a:effectRef idx="0">
-                <a:schemeClr val="accent1"/>
-              </a:effectRef>
-              <a:fontRef idx="minor">
-                <a:schemeClr val="lt1"/>
-              </a:fontRef>
-            </p:style>
-            <p:txBody>
-              <a:bodyPr rtlCol="0" anchor="ctr"/>
-              <a:lstStyle/>
-              <a:p>
-                <a:pPr algn="ctr"/>
-                <a:endParaRPr lang="fr-FR" dirty="0"/>
-              </a:p>
-            </p:txBody>
-          </p:sp>
-          <p:pic>
-            <p:nvPicPr>
-              <p:cNvPr id="73" name="Image 72">
-                <a:extLst>
-                  <a:ext uri="{FF2B5EF4-FFF2-40B4-BE49-F238E27FC236}">
-                    <a16:creationId xmlns:a16="http://schemas.microsoft.com/office/drawing/2014/main" id="{1AC2262C-D76B-934A-5E65-99DB0E926C90}"/>
-                  </a:ext>
-                </a:extLst>
-              </p:cNvPr>
-              <p:cNvPicPr>
-                <a:picLocks noChangeAspect="1"/>
-              </p:cNvPicPr>
-              <p:nvPr/>
-            </p:nvPicPr>
-            <p:blipFill>
-              <a:blip r:embed="rId6"/>
-              <a:stretch>
-                <a:fillRect/>
-              </a:stretch>
-            </p:blipFill>
-            <p:spPr>
-              <a:xfrm flipH="1">
-                <a:off x="5627848" y="2996852"/>
-                <a:ext cx="1440160" cy="1440160"/>
-              </a:xfrm>
-              <a:prstGeom prst="rect">
-                <a:avLst/>
-              </a:prstGeom>
-            </p:spPr>
-          </p:pic>
-        </p:grpSp>
-        <p:grpSp>
-          <p:nvGrpSpPr>
-            <p:cNvPr id="74" name="Groupe 73">
-              <a:extLst>
-                <a:ext uri="{FF2B5EF4-FFF2-40B4-BE49-F238E27FC236}">
-                  <a16:creationId xmlns:a16="http://schemas.microsoft.com/office/drawing/2014/main" id="{62B9229E-5DD5-9728-B982-E481189F9BEC}"/>
-                </a:ext>
-              </a:extLst>
-            </p:cNvPr>
-            <p:cNvGrpSpPr/>
-            <p:nvPr/>
-          </p:nvGrpSpPr>
-          <p:grpSpPr>
-            <a:xfrm>
-              <a:off x="5929319" y="3962771"/>
-              <a:ext cx="360000" cy="360000"/>
-              <a:chOff x="5775745" y="3144183"/>
-              <a:chExt cx="1800000" cy="1800000"/>
-            </a:xfrm>
-          </p:grpSpPr>
-          <p:sp>
-            <p:nvSpPr>
-              <p:cNvPr id="75" name="Ellipse 74">
-                <a:extLst>
-                  <a:ext uri="{FF2B5EF4-FFF2-40B4-BE49-F238E27FC236}">
-                    <a16:creationId xmlns:a16="http://schemas.microsoft.com/office/drawing/2014/main" id="{45D1B4DF-7033-EB1C-DEC9-639AE2145414}"/>
-                  </a:ext>
-                </a:extLst>
-              </p:cNvPr>
-              <p:cNvSpPr/>
-              <p:nvPr/>
-            </p:nvSpPr>
-            <p:spPr>
-              <a:xfrm>
-                <a:off x="5775745" y="3144183"/>
-                <a:ext cx="1800000" cy="1800000"/>
-              </a:xfrm>
-              <a:prstGeom prst="ellipse">
-                <a:avLst/>
-              </a:prstGeom>
-              <a:solidFill>
-                <a:srgbClr val="68348B"/>
-              </a:solidFill>
-              <a:ln>
-                <a:noFill/>
-              </a:ln>
-            </p:spPr>
-            <p:style>
-              <a:lnRef idx="2">
-                <a:schemeClr val="accent1">
-                  <a:shade val="50000"/>
-                </a:schemeClr>
-              </a:lnRef>
-              <a:fillRef idx="1">
-                <a:schemeClr val="accent1"/>
-              </a:fillRef>
-              <a:effectRef idx="0">
-                <a:schemeClr val="accent1"/>
-              </a:effectRef>
-              <a:fontRef idx="minor">
-                <a:schemeClr val="lt1"/>
-              </a:fontRef>
-            </p:style>
-            <p:txBody>
-              <a:bodyPr rtlCol="0" anchor="ctr"/>
-              <a:lstStyle/>
-              <a:p>
-                <a:pPr algn="ctr"/>
-                <a:endParaRPr lang="fr-FR"/>
-              </a:p>
-            </p:txBody>
-          </p:sp>
-          <p:pic>
-            <p:nvPicPr>
-              <p:cNvPr id="76" name="Image 75">
-                <a:extLst>
-                  <a:ext uri="{FF2B5EF4-FFF2-40B4-BE49-F238E27FC236}">
-                    <a16:creationId xmlns:a16="http://schemas.microsoft.com/office/drawing/2014/main" id="{E313AA97-25C8-7CFE-4F0E-0B1EFC00D5AF}"/>
-                  </a:ext>
-                </a:extLst>
-              </p:cNvPr>
-              <p:cNvPicPr>
-                <a:picLocks noChangeAspect="1"/>
-              </p:cNvPicPr>
-              <p:nvPr/>
-            </p:nvPicPr>
-            <p:blipFill>
-              <a:blip r:embed="rId7"/>
-              <a:stretch>
-                <a:fillRect/>
-              </a:stretch>
-            </p:blipFill>
-            <p:spPr>
-              <a:xfrm>
-                <a:off x="5903821" y="3513485"/>
-                <a:ext cx="1543848" cy="1061396"/>
-              </a:xfrm>
-              <a:prstGeom prst="rect">
-                <a:avLst/>
-              </a:prstGeom>
-            </p:spPr>
-          </p:pic>
-        </p:grpSp>
-        <mc:AlternateContent xmlns:mc="http://schemas.openxmlformats.org/markup-compatibility/2006" xmlns:a14="http://schemas.microsoft.com/office/drawing/2010/main">
-          <mc:Choice Requires="a14">
-            <p:sp>
-              <p:nvSpPr>
-                <p:cNvPr id="77" name="ZoneTexte 76">
-                  <a:extLst>
-                    <a:ext uri="{FF2B5EF4-FFF2-40B4-BE49-F238E27FC236}">
-                      <a16:creationId xmlns:a16="http://schemas.microsoft.com/office/drawing/2014/main" id="{4BE6685B-714A-2936-1BA2-2CA1122FD234}"/>
-                    </a:ext>
-                  </a:extLst>
-                </p:cNvPr>
-                <p:cNvSpPr txBox="1"/>
-                <p:nvPr/>
-              </p:nvSpPr>
-              <p:spPr>
-                <a:xfrm>
-                  <a:off x="6496530" y="3899673"/>
-                  <a:ext cx="1431825" cy="261610"/>
-                </a:xfrm>
-                <a:prstGeom prst="rect">
-                  <a:avLst/>
-                </a:prstGeom>
-                <a:noFill/>
-              </p:spPr>
-              <p:txBody>
-                <a:bodyPr wrap="square">
-                  <a:spAutoFit/>
-                </a:bodyPr>
-                <a:lstStyle/>
-                <a:p>
-                  <a:pPr algn="ctr"/>
-                  <a14:m>
-                    <m:oMathPara xmlns:m="http://schemas.openxmlformats.org/officeDocument/2006/math">
-                      <m:oMathParaPr>
-                        <m:jc m:val="centerGroup"/>
-                      </m:oMathParaPr>
-                      <m:oMath xmlns:m="http://schemas.openxmlformats.org/officeDocument/2006/math">
-                        <m:r>
-                          <a:rPr lang="fr-FR" sz="1100" b="1" i="1" smtClean="0">
-                            <a:solidFill>
-                              <a:srgbClr val="7030A0"/>
-                            </a:solidFill>
-                            <a:latin typeface="Cambria Math" panose="02040503050406030204" pitchFamily="18" charset="0"/>
-                            <a:ea typeface="Cambria Math" panose="02040503050406030204" pitchFamily="18" charset="0"/>
-                          </a:rPr>
-                          <m:t>𝓟</m:t>
-                        </m:r>
-                        <m:r>
-                          <a:rPr lang="fr-FR" sz="1100" b="1" i="1" smtClean="0">
-                            <a:solidFill>
-                              <a:srgbClr val="7030A0"/>
-                            </a:solidFill>
-                            <a:latin typeface="Cambria Math" panose="02040503050406030204" pitchFamily="18" charset="0"/>
-                            <a:ea typeface="Cambria Math" panose="02040503050406030204" pitchFamily="18" charset="0"/>
-                          </a:rPr>
-                          <m:t>=</m:t>
-                        </m:r>
-                        <m:sSub>
-                          <m:sSubPr>
-                            <m:ctrlPr>
-                              <a:rPr lang="fr-FR" sz="1100" b="1" i="1" smtClean="0">
-                                <a:solidFill>
-                                  <a:srgbClr val="7030A0"/>
-                                </a:solidFill>
-                                <a:latin typeface="Cambria Math" panose="02040503050406030204" pitchFamily="18" charset="0"/>
-                                <a:ea typeface="Cambria Math" panose="02040503050406030204" pitchFamily="18" charset="0"/>
-                              </a:rPr>
-                            </m:ctrlPr>
-                          </m:sSubPr>
-                          <m:e>
-                            <m:r>
-                              <a:rPr lang="fr-FR" sz="1100" b="1" i="1" smtClean="0">
-                                <a:solidFill>
-                                  <a:srgbClr val="7030A0"/>
-                                </a:solidFill>
-                                <a:latin typeface="Cambria Math" panose="02040503050406030204" pitchFamily="18" charset="0"/>
-                                <a:ea typeface="Cambria Math" panose="02040503050406030204" pitchFamily="18" charset="0"/>
-                              </a:rPr>
-                              <m:t>𝑪</m:t>
-                            </m:r>
-                          </m:e>
-                          <m:sub>
-                            <m:r>
-                              <a:rPr lang="fr-FR" sz="1100" b="1" i="1" smtClean="0">
-                                <a:solidFill>
-                                  <a:srgbClr val="7030A0"/>
-                                </a:solidFill>
-                                <a:latin typeface="Cambria Math" panose="02040503050406030204" pitchFamily="18" charset="0"/>
-                                <a:ea typeface="Cambria Math" panose="02040503050406030204" pitchFamily="18" charset="0"/>
-                              </a:rPr>
-                              <m:t>𝒎</m:t>
-                            </m:r>
-                          </m:sub>
-                        </m:sSub>
-                        <m:sSub>
-                          <m:sSubPr>
-                            <m:ctrlPr>
-                              <a:rPr lang="fr-FR" sz="1100" b="1" i="1" smtClean="0">
-                                <a:solidFill>
-                                  <a:srgbClr val="7030A0"/>
-                                </a:solidFill>
-                                <a:latin typeface="Cambria Math" panose="02040503050406030204" pitchFamily="18" charset="0"/>
-                                <a:ea typeface="Cambria Math" panose="02040503050406030204" pitchFamily="18" charset="0"/>
-                              </a:rPr>
-                            </m:ctrlPr>
-                          </m:sSubPr>
-                          <m:e>
-                            <m:r>
-                              <a:rPr lang="fr-FR" sz="1100" b="1" i="1" smtClean="0">
-                                <a:solidFill>
-                                  <a:srgbClr val="7030A0"/>
-                                </a:solidFill>
-                                <a:latin typeface="Cambria Math" panose="02040503050406030204" pitchFamily="18" charset="0"/>
-                                <a:ea typeface="Cambria Math" panose="02040503050406030204" pitchFamily="18" charset="0"/>
-                              </a:rPr>
-                              <m:t>𝝎</m:t>
-                            </m:r>
-                          </m:e>
-                          <m:sub>
-                            <m:r>
-                              <a:rPr lang="fr-FR" sz="1100" b="1" i="1" smtClean="0">
-                                <a:solidFill>
-                                  <a:srgbClr val="7030A0"/>
-                                </a:solidFill>
-                                <a:latin typeface="Cambria Math" panose="02040503050406030204" pitchFamily="18" charset="0"/>
-                                <a:ea typeface="Cambria Math" panose="02040503050406030204" pitchFamily="18" charset="0"/>
-                              </a:rPr>
-                              <m:t>𝒎</m:t>
-                            </m:r>
-                          </m:sub>
-                        </m:sSub>
-                      </m:oMath>
-                    </m:oMathPara>
-                  </a14:m>
-                  <a:endParaRPr lang="fr-FR" sz="1100" b="1" dirty="0">
-                    <a:solidFill>
-                      <a:srgbClr val="7030A0"/>
-                    </a:solidFill>
-                    <a:latin typeface="Arial Nova" panose="020B0504020202020204" pitchFamily="34" charset="0"/>
-                  </a:endParaRPr>
-                </a:p>
-              </p:txBody>
-            </p:sp>
-          </mc:Choice>
-          <mc:Fallback xmlns="">
-            <p:sp>
-              <p:nvSpPr>
-                <p:cNvPr id="77" name="ZoneTexte 76">
-                  <a:extLst>
-                    <a:ext uri="{FF2B5EF4-FFF2-40B4-BE49-F238E27FC236}">
-                      <a16:creationId xmlns:a16="http://schemas.microsoft.com/office/drawing/2014/main" id="{4BE6685B-714A-2936-1BA2-2CA1122FD234}"/>
-                    </a:ext>
-                  </a:extLst>
-                </p:cNvPr>
-                <p:cNvSpPr txBox="1">
-                  <a:spLocks noRot="1" noChangeAspect="1" noMove="1" noResize="1" noEditPoints="1" noAdjustHandles="1" noChangeArrowheads="1" noChangeShapeType="1" noTextEdit="1"/>
-                </p:cNvSpPr>
-                <p:nvPr/>
-              </p:nvSpPr>
-              <p:spPr>
-                <a:xfrm>
-                  <a:off x="6496530" y="3899673"/>
-                  <a:ext cx="1431825" cy="261610"/>
-                </a:xfrm>
-                <a:prstGeom prst="rect">
-                  <a:avLst/>
-                </a:prstGeom>
-                <a:blipFill>
-                  <a:blip r:embed="rId8"/>
-                  <a:stretch>
-                    <a:fillRect/>
-                  </a:stretch>
-                </a:blipFill>
-              </p:spPr>
-              <p:txBody>
-                <a:bodyPr/>
-                <a:lstStyle/>
-                <a:p>
-                  <a:r>
-                    <a:rPr lang="fr-FR">
-                      <a:noFill/>
-                    </a:rPr>
-                    <a:t> </a:t>
-                  </a:r>
-                </a:p>
-              </p:txBody>
-            </p:sp>
-          </mc:Fallback>
-        </mc:AlternateContent>
-        <mc:AlternateContent xmlns:mc="http://schemas.openxmlformats.org/markup-compatibility/2006" xmlns:a14="http://schemas.microsoft.com/office/drawing/2010/main">
-          <mc:Choice Requires="a14">
-            <p:sp>
-              <p:nvSpPr>
-                <p:cNvPr id="78" name="ZoneTexte 77">
-                  <a:extLst>
-                    <a:ext uri="{FF2B5EF4-FFF2-40B4-BE49-F238E27FC236}">
-                      <a16:creationId xmlns:a16="http://schemas.microsoft.com/office/drawing/2014/main" id="{F72A4F02-81F2-12CD-42EB-688314B6AAB2}"/>
-                    </a:ext>
-                  </a:extLst>
-                </p:cNvPr>
-                <p:cNvSpPr txBox="1"/>
-                <p:nvPr/>
-              </p:nvSpPr>
-              <p:spPr>
-                <a:xfrm>
-                  <a:off x="10613889" y="3865361"/>
-                  <a:ext cx="1431825" cy="261610"/>
-                </a:xfrm>
-                <a:prstGeom prst="rect">
-                  <a:avLst/>
-                </a:prstGeom>
-                <a:noFill/>
-              </p:spPr>
-              <p:txBody>
-                <a:bodyPr wrap="square">
-                  <a:spAutoFit/>
-                </a:bodyPr>
-                <a:lstStyle/>
-                <a:p>
-                  <a:pPr algn="ctr"/>
-                  <a14:m>
-                    <m:oMathPara xmlns:m="http://schemas.openxmlformats.org/officeDocument/2006/math">
-                      <m:oMathParaPr>
-                        <m:jc m:val="centerGroup"/>
-                      </m:oMathParaPr>
-                      <m:oMath xmlns:m="http://schemas.openxmlformats.org/officeDocument/2006/math">
-                        <m:r>
-                          <a:rPr lang="fr-FR" sz="1100" b="1" i="1" smtClean="0">
-                            <a:solidFill>
-                              <a:srgbClr val="7030A0"/>
-                            </a:solidFill>
-                            <a:latin typeface="Cambria Math" panose="02040503050406030204" pitchFamily="18" charset="0"/>
-                            <a:ea typeface="Cambria Math" panose="02040503050406030204" pitchFamily="18" charset="0"/>
-                          </a:rPr>
-                          <m:t>𝓟</m:t>
-                        </m:r>
-                        <m:r>
-                          <a:rPr lang="fr-FR" sz="1100" b="1" i="1" smtClean="0">
-                            <a:solidFill>
-                              <a:srgbClr val="7030A0"/>
-                            </a:solidFill>
-                            <a:latin typeface="Cambria Math" panose="02040503050406030204" pitchFamily="18" charset="0"/>
-                            <a:ea typeface="Cambria Math" panose="02040503050406030204" pitchFamily="18" charset="0"/>
-                          </a:rPr>
-                          <m:t>=</m:t>
-                        </m:r>
-                        <m:sSub>
-                          <m:sSubPr>
-                            <m:ctrlPr>
-                              <a:rPr lang="fr-FR" sz="1100" b="1" i="1" smtClean="0">
-                                <a:solidFill>
-                                  <a:srgbClr val="7030A0"/>
-                                </a:solidFill>
-                                <a:latin typeface="Cambria Math" panose="02040503050406030204" pitchFamily="18" charset="0"/>
-                                <a:ea typeface="Cambria Math" panose="02040503050406030204" pitchFamily="18" charset="0"/>
-                              </a:rPr>
-                            </m:ctrlPr>
-                          </m:sSubPr>
-                          <m:e>
-                            <m:r>
-                              <a:rPr lang="fr-FR" sz="1100" b="1" i="1" smtClean="0">
-                                <a:solidFill>
-                                  <a:srgbClr val="7030A0"/>
-                                </a:solidFill>
-                                <a:latin typeface="Cambria Math" panose="02040503050406030204" pitchFamily="18" charset="0"/>
-                                <a:ea typeface="Cambria Math" panose="02040503050406030204" pitchFamily="18" charset="0"/>
-                              </a:rPr>
-                              <m:t>𝑭</m:t>
-                            </m:r>
-                          </m:e>
-                          <m:sub>
-                            <m:r>
-                              <a:rPr lang="fr-FR" sz="1100" b="1" i="1" smtClean="0">
-                                <a:solidFill>
-                                  <a:srgbClr val="7030A0"/>
-                                </a:solidFill>
-                                <a:latin typeface="Cambria Math" panose="02040503050406030204" pitchFamily="18" charset="0"/>
-                                <a:ea typeface="Cambria Math" panose="02040503050406030204" pitchFamily="18" charset="0"/>
-                              </a:rPr>
-                              <m:t>𝒎</m:t>
-                            </m:r>
-                          </m:sub>
-                        </m:sSub>
-                        <m:r>
-                          <a:rPr lang="fr-FR" sz="1100" b="1" i="1" smtClean="0">
-                            <a:solidFill>
-                              <a:srgbClr val="7030A0"/>
-                            </a:solidFill>
-                            <a:latin typeface="Cambria Math" panose="02040503050406030204" pitchFamily="18" charset="0"/>
-                            <a:ea typeface="Cambria Math" panose="02040503050406030204" pitchFamily="18" charset="0"/>
-                          </a:rPr>
-                          <m:t>𝑽</m:t>
-                        </m:r>
-                      </m:oMath>
-                    </m:oMathPara>
-                  </a14:m>
-                  <a:endParaRPr lang="fr-FR" sz="1100" b="1" dirty="0">
-                    <a:solidFill>
-                      <a:srgbClr val="7030A0"/>
-                    </a:solidFill>
-                    <a:latin typeface="Arial Nova" panose="020B0504020202020204" pitchFamily="34" charset="0"/>
-                  </a:endParaRPr>
-                </a:p>
-              </p:txBody>
-            </p:sp>
-          </mc:Choice>
-          <mc:Fallback xmlns="">
-            <p:sp>
-              <p:nvSpPr>
-                <p:cNvPr id="78" name="ZoneTexte 77">
-                  <a:extLst>
-                    <a:ext uri="{FF2B5EF4-FFF2-40B4-BE49-F238E27FC236}">
-                      <a16:creationId xmlns:a16="http://schemas.microsoft.com/office/drawing/2014/main" id="{F72A4F02-81F2-12CD-42EB-688314B6AAB2}"/>
-                    </a:ext>
-                  </a:extLst>
-                </p:cNvPr>
-                <p:cNvSpPr txBox="1">
-                  <a:spLocks noRot="1" noChangeAspect="1" noMove="1" noResize="1" noEditPoints="1" noAdjustHandles="1" noChangeArrowheads="1" noChangeShapeType="1" noTextEdit="1"/>
-                </p:cNvSpPr>
-                <p:nvPr/>
-              </p:nvSpPr>
-              <p:spPr>
-                <a:xfrm>
-                  <a:off x="10613889" y="3865361"/>
-                  <a:ext cx="1431825" cy="261610"/>
-                </a:xfrm>
-                <a:prstGeom prst="rect">
-                  <a:avLst/>
-                </a:prstGeom>
-                <a:blipFill>
-                  <a:blip r:embed="rId9"/>
-                  <a:stretch>
-                    <a:fillRect/>
-                  </a:stretch>
-                </a:blipFill>
-              </p:spPr>
-              <p:txBody>
-                <a:bodyPr/>
-                <a:lstStyle/>
-                <a:p>
-                  <a:r>
-                    <a:rPr lang="fr-FR">
-                      <a:noFill/>
-                    </a:rPr>
-                    <a:t> </a:t>
-                  </a:r>
-                </a:p>
-              </p:txBody>
-            </p:sp>
-          </mc:Fallback>
-        </mc:AlternateContent>
-        <p:sp>
-          <p:nvSpPr>
-            <p:cNvPr id="79" name="Rectangle : coins arrondis 65">
-              <a:extLst>
-                <a:ext uri="{FF2B5EF4-FFF2-40B4-BE49-F238E27FC236}">
-                  <a16:creationId xmlns:a16="http://schemas.microsoft.com/office/drawing/2014/main" id="{DEFEC9DC-D44C-BD4C-C7C7-8E5A976EE82E}"/>
-                </a:ext>
-              </a:extLst>
-            </p:cNvPr>
-            <p:cNvSpPr/>
-            <p:nvPr/>
-          </p:nvSpPr>
-          <p:spPr>
-            <a:xfrm>
-              <a:off x="9625448" y="3534654"/>
-              <a:ext cx="1365662" cy="534390"/>
-            </a:xfrm>
-            <a:prstGeom prst="roundRect">
-              <a:avLst>
-                <a:gd name="adj" fmla="val 11914"/>
-              </a:avLst>
-            </a:prstGeom>
-            <a:noFill/>
-            <a:ln w="19050">
-              <a:solidFill>
-                <a:srgbClr val="EE685D"/>
-              </a:solidFill>
-            </a:ln>
-          </p:spPr>
-          <p:style>
-            <a:lnRef idx="2">
-              <a:schemeClr val="accent1">
-                <a:shade val="50000"/>
-              </a:schemeClr>
-            </a:lnRef>
-            <a:fillRef idx="1">
-              <a:schemeClr val="accent1"/>
-            </a:fillRef>
-            <a:effectRef idx="0">
-              <a:schemeClr val="accent1"/>
-            </a:effectRef>
-            <a:fontRef idx="minor">
-              <a:schemeClr val="lt1"/>
-            </a:fontRef>
-          </p:style>
-          <p:txBody>
-            <a:bodyPr rtlCol="0" anchor="ctr"/>
-            <a:lstStyle/>
-            <a:p>
-              <a:pPr algn="ctr"/>
-              <a:r>
-                <a:rPr lang="fr-FR" sz="1400" dirty="0">
-                  <a:solidFill>
-                    <a:srgbClr val="EE685D"/>
-                  </a:solidFill>
-                  <a:latin typeface="Arial Nova" panose="020B0504020202020204" pitchFamily="34" charset="0"/>
-                </a:rPr>
-                <a:t>Transmettre</a:t>
-              </a:r>
-            </a:p>
-          </p:txBody>
-        </p:sp>
-        <p:cxnSp>
-          <p:nvCxnSpPr>
-            <p:cNvPr id="80" name="Connecteur droit avec flèche 79">
-              <a:extLst>
-                <a:ext uri="{FF2B5EF4-FFF2-40B4-BE49-F238E27FC236}">
-                  <a16:creationId xmlns:a16="http://schemas.microsoft.com/office/drawing/2014/main" id="{FA030DA2-3C3A-C8FA-45E8-D976D05C940D}"/>
-                </a:ext>
-              </a:extLst>
-            </p:cNvPr>
-            <p:cNvCxnSpPr>
-              <a:cxnSpLocks/>
-            </p:cNvCxnSpPr>
-            <p:nvPr/>
-          </p:nvCxnSpPr>
-          <p:spPr>
-            <a:xfrm flipV="1">
-              <a:off x="8911895" y="3796784"/>
-              <a:ext cx="720000" cy="1536"/>
-            </a:xfrm>
-            <a:prstGeom prst="straightConnector1">
-              <a:avLst/>
-            </a:prstGeom>
-            <a:ln w="25400" cap="rnd">
-              <a:solidFill>
-                <a:srgbClr val="68348B"/>
-              </a:solidFill>
-              <a:tailEnd type="triangle" w="med" len="lg"/>
-            </a:ln>
-          </p:spPr>
-          <p:style>
-            <a:lnRef idx="1">
-              <a:schemeClr val="accent1"/>
-            </a:lnRef>
-            <a:fillRef idx="0">
-              <a:schemeClr val="accent1"/>
-            </a:fillRef>
-            <a:effectRef idx="0">
-              <a:schemeClr val="accent1"/>
-            </a:effectRef>
-            <a:fontRef idx="minor">
-              <a:schemeClr val="tx1"/>
-            </a:fontRef>
-          </p:style>
-        </p:cxnSp>
-        <p:pic>
-          <p:nvPicPr>
-            <p:cNvPr id="81" name="Image 80">
-              <a:extLst>
-                <a:ext uri="{FF2B5EF4-FFF2-40B4-BE49-F238E27FC236}">
-                  <a16:creationId xmlns:a16="http://schemas.microsoft.com/office/drawing/2014/main" id="{7CFF18D7-B440-5F98-0242-64155E193C50}"/>
-                </a:ext>
-              </a:extLst>
-            </p:cNvPr>
-            <p:cNvPicPr>
-              <a:picLocks noChangeAspect="1"/>
-            </p:cNvPicPr>
-            <p:nvPr/>
-          </p:nvPicPr>
-          <p:blipFill>
-            <a:blip r:embed="rId3"/>
-            <a:stretch>
-              <a:fillRect/>
-            </a:stretch>
-          </p:blipFill>
-          <p:spPr>
-            <a:xfrm>
-              <a:off x="9075684" y="3407535"/>
-              <a:ext cx="360000" cy="360000"/>
-            </a:xfrm>
-            <a:prstGeom prst="rect">
-              <a:avLst/>
-            </a:prstGeom>
-          </p:spPr>
-        </p:pic>
-        <p:grpSp>
-          <p:nvGrpSpPr>
-            <p:cNvPr id="82" name="Groupe 81">
-              <a:extLst>
-                <a:ext uri="{FF2B5EF4-FFF2-40B4-BE49-F238E27FC236}">
-                  <a16:creationId xmlns:a16="http://schemas.microsoft.com/office/drawing/2014/main" id="{F7FD68FD-39E8-E3FC-751F-6F8E7EFC5E05}"/>
-                </a:ext>
-              </a:extLst>
-            </p:cNvPr>
-            <p:cNvGrpSpPr/>
-            <p:nvPr/>
-          </p:nvGrpSpPr>
-          <p:grpSpPr>
-            <a:xfrm>
-              <a:off x="10151217" y="3954960"/>
-              <a:ext cx="360000" cy="360000"/>
-              <a:chOff x="10405167" y="2322166"/>
-              <a:chExt cx="1800000" cy="1800000"/>
-            </a:xfrm>
-          </p:grpSpPr>
-          <p:sp>
-            <p:nvSpPr>
-              <p:cNvPr id="83" name="Ellipse 82">
-                <a:extLst>
-                  <a:ext uri="{FF2B5EF4-FFF2-40B4-BE49-F238E27FC236}">
-                    <a16:creationId xmlns:a16="http://schemas.microsoft.com/office/drawing/2014/main" id="{1E8A1773-049E-3FE0-3A55-46B324B5F72D}"/>
-                  </a:ext>
-                </a:extLst>
-              </p:cNvPr>
-              <p:cNvSpPr/>
-              <p:nvPr/>
-            </p:nvSpPr>
-            <p:spPr>
-              <a:xfrm>
-                <a:off x="10405167" y="2322166"/>
-                <a:ext cx="1800000" cy="1800000"/>
-              </a:xfrm>
-              <a:prstGeom prst="ellipse">
-                <a:avLst/>
-              </a:prstGeom>
-              <a:solidFill>
-                <a:srgbClr val="EF7268"/>
-              </a:solidFill>
-              <a:ln>
-                <a:noFill/>
-              </a:ln>
-            </p:spPr>
-            <p:style>
-              <a:lnRef idx="2">
-                <a:schemeClr val="accent1">
-                  <a:shade val="50000"/>
-                </a:schemeClr>
-              </a:lnRef>
-              <a:fillRef idx="1">
-                <a:schemeClr val="accent1"/>
-              </a:fillRef>
-              <a:effectRef idx="0">
-                <a:schemeClr val="accent1"/>
-              </a:effectRef>
-              <a:fontRef idx="minor">
-                <a:schemeClr val="lt1"/>
-              </a:fontRef>
-            </p:style>
-            <p:txBody>
-              <a:bodyPr rtlCol="0" anchor="ctr"/>
-              <a:lstStyle/>
-              <a:p>
-                <a:pPr algn="ctr"/>
-                <a:endParaRPr lang="fr-FR" dirty="0"/>
-              </a:p>
-            </p:txBody>
-          </p:sp>
-          <p:pic>
-            <p:nvPicPr>
-              <p:cNvPr id="84" name="Image 83">
-                <a:extLst>
-                  <a:ext uri="{FF2B5EF4-FFF2-40B4-BE49-F238E27FC236}">
-                    <a16:creationId xmlns:a16="http://schemas.microsoft.com/office/drawing/2014/main" id="{CB10C83E-CD60-27F3-C1B3-1546FCE2839E}"/>
-                  </a:ext>
-                </a:extLst>
-              </p:cNvPr>
-              <p:cNvPicPr>
-                <a:picLocks noChangeAspect="1"/>
-              </p:cNvPicPr>
-              <p:nvPr/>
-            </p:nvPicPr>
-            <p:blipFill>
-              <a:blip r:embed="rId10"/>
-              <a:stretch>
-                <a:fillRect/>
-              </a:stretch>
-            </p:blipFill>
-            <p:spPr>
-              <a:xfrm>
-                <a:off x="10546164" y="2642707"/>
-                <a:ext cx="1518007" cy="924719"/>
-              </a:xfrm>
-              <a:prstGeom prst="rect">
-                <a:avLst/>
-              </a:prstGeom>
-            </p:spPr>
-          </p:pic>
-        </p:grpSp>
-        <mc:AlternateContent xmlns:mc="http://schemas.openxmlformats.org/markup-compatibility/2006" xmlns:a14="http://schemas.microsoft.com/office/drawing/2010/main">
-          <mc:Choice Requires="a14">
-            <p:sp>
-              <p:nvSpPr>
-                <p:cNvPr id="85" name="ZoneTexte 84">
-                  <a:extLst>
-                    <a:ext uri="{FF2B5EF4-FFF2-40B4-BE49-F238E27FC236}">
-                      <a16:creationId xmlns:a16="http://schemas.microsoft.com/office/drawing/2014/main" id="{D4448485-1542-9D3B-17C1-604149E67AE1}"/>
-                    </a:ext>
-                  </a:extLst>
-                </p:cNvPr>
-                <p:cNvSpPr txBox="1"/>
-                <p:nvPr/>
-              </p:nvSpPr>
-              <p:spPr>
-                <a:xfrm>
-                  <a:off x="8589080" y="3939627"/>
-                  <a:ext cx="1431825" cy="261610"/>
-                </a:xfrm>
-                <a:prstGeom prst="rect">
-                  <a:avLst/>
-                </a:prstGeom>
-                <a:noFill/>
-              </p:spPr>
-              <p:txBody>
-                <a:bodyPr wrap="square">
-                  <a:spAutoFit/>
-                </a:bodyPr>
-                <a:lstStyle/>
-                <a:p>
-                  <a:pPr algn="ctr"/>
-                  <a14:m>
-                    <m:oMathPara xmlns:m="http://schemas.openxmlformats.org/officeDocument/2006/math">
-                      <m:oMathParaPr>
-                        <m:jc m:val="centerGroup"/>
-                      </m:oMathParaPr>
-                      <m:oMath xmlns:m="http://schemas.openxmlformats.org/officeDocument/2006/math">
-                        <m:r>
-                          <a:rPr lang="fr-FR" sz="1100" b="1" i="1" smtClean="0">
-                            <a:solidFill>
-                              <a:srgbClr val="7030A0"/>
-                            </a:solidFill>
-                            <a:latin typeface="Cambria Math" panose="02040503050406030204" pitchFamily="18" charset="0"/>
-                            <a:ea typeface="Cambria Math" panose="02040503050406030204" pitchFamily="18" charset="0"/>
-                          </a:rPr>
-                          <m:t>𝓟</m:t>
-                        </m:r>
-                        <m:r>
-                          <a:rPr lang="fr-FR" sz="1100" b="1" i="1" smtClean="0">
-                            <a:solidFill>
-                              <a:srgbClr val="7030A0"/>
-                            </a:solidFill>
-                            <a:latin typeface="Cambria Math" panose="02040503050406030204" pitchFamily="18" charset="0"/>
-                            <a:ea typeface="Cambria Math" panose="02040503050406030204" pitchFamily="18" charset="0"/>
-                          </a:rPr>
-                          <m:t>=</m:t>
-                        </m:r>
-                        <m:sSub>
-                          <m:sSubPr>
-                            <m:ctrlPr>
-                              <a:rPr lang="fr-FR" sz="1100" b="1" i="1" smtClean="0">
-                                <a:solidFill>
-                                  <a:srgbClr val="7030A0"/>
-                                </a:solidFill>
-                                <a:latin typeface="Cambria Math" panose="02040503050406030204" pitchFamily="18" charset="0"/>
-                                <a:ea typeface="Cambria Math" panose="02040503050406030204" pitchFamily="18" charset="0"/>
-                              </a:rPr>
-                            </m:ctrlPr>
-                          </m:sSubPr>
-                          <m:e>
-                            <m:r>
-                              <a:rPr lang="fr-FR" sz="1100" b="1" i="1" smtClean="0">
-                                <a:solidFill>
-                                  <a:srgbClr val="7030A0"/>
-                                </a:solidFill>
-                                <a:latin typeface="Cambria Math" panose="02040503050406030204" pitchFamily="18" charset="0"/>
-                                <a:ea typeface="Cambria Math" panose="02040503050406030204" pitchFamily="18" charset="0"/>
-                              </a:rPr>
-                              <m:t>𝑪</m:t>
-                            </m:r>
-                          </m:e>
-                          <m:sub>
-                            <m:r>
-                              <a:rPr lang="fr-FR" sz="1100" b="1" i="1" smtClean="0">
-                                <a:solidFill>
-                                  <a:srgbClr val="7030A0"/>
-                                </a:solidFill>
-                                <a:latin typeface="Cambria Math" panose="02040503050406030204" pitchFamily="18" charset="0"/>
-                                <a:ea typeface="Cambria Math" panose="02040503050406030204" pitchFamily="18" charset="0"/>
-                              </a:rPr>
-                              <m:t>𝒎</m:t>
-                            </m:r>
-                          </m:sub>
-                        </m:sSub>
-                        <m:sSub>
-                          <m:sSubPr>
-                            <m:ctrlPr>
-                              <a:rPr lang="fr-FR" sz="1100" b="1" i="1" smtClean="0">
-                                <a:solidFill>
-                                  <a:srgbClr val="7030A0"/>
-                                </a:solidFill>
-                                <a:latin typeface="Cambria Math" panose="02040503050406030204" pitchFamily="18" charset="0"/>
-                                <a:ea typeface="Cambria Math" panose="02040503050406030204" pitchFamily="18" charset="0"/>
-                              </a:rPr>
-                            </m:ctrlPr>
-                          </m:sSubPr>
-                          <m:e>
-                            <m:r>
-                              <a:rPr lang="fr-FR" sz="1100" b="1" i="1" smtClean="0">
-                                <a:solidFill>
-                                  <a:srgbClr val="7030A0"/>
-                                </a:solidFill>
-                                <a:latin typeface="Cambria Math" panose="02040503050406030204" pitchFamily="18" charset="0"/>
-                                <a:ea typeface="Cambria Math" panose="02040503050406030204" pitchFamily="18" charset="0"/>
-                              </a:rPr>
-                              <m:t>𝝎</m:t>
-                            </m:r>
-                          </m:e>
-                          <m:sub>
-                            <m:r>
-                              <a:rPr lang="fr-FR" sz="1100" b="1" i="1" smtClean="0">
-                                <a:solidFill>
-                                  <a:srgbClr val="7030A0"/>
-                                </a:solidFill>
-                                <a:latin typeface="Cambria Math" panose="02040503050406030204" pitchFamily="18" charset="0"/>
-                                <a:ea typeface="Cambria Math" panose="02040503050406030204" pitchFamily="18" charset="0"/>
-                              </a:rPr>
-                              <m:t>𝒎</m:t>
-                            </m:r>
-                          </m:sub>
-                        </m:sSub>
-                      </m:oMath>
-                    </m:oMathPara>
-                  </a14:m>
-                  <a:endParaRPr lang="fr-FR" sz="1100" b="1" dirty="0">
-                    <a:solidFill>
-                      <a:srgbClr val="7030A0"/>
-                    </a:solidFill>
-                    <a:latin typeface="Arial Nova" panose="020B0504020202020204" pitchFamily="34" charset="0"/>
-                  </a:endParaRPr>
-                </a:p>
-              </p:txBody>
-            </p:sp>
-          </mc:Choice>
-          <mc:Fallback xmlns="">
-            <p:sp>
-              <p:nvSpPr>
-                <p:cNvPr id="85" name="ZoneTexte 84">
-                  <a:extLst>
-                    <a:ext uri="{FF2B5EF4-FFF2-40B4-BE49-F238E27FC236}">
-                      <a16:creationId xmlns:a16="http://schemas.microsoft.com/office/drawing/2014/main" id="{D4448485-1542-9D3B-17C1-604149E67AE1}"/>
-                    </a:ext>
-                  </a:extLst>
-                </p:cNvPr>
-                <p:cNvSpPr txBox="1">
-                  <a:spLocks noRot="1" noChangeAspect="1" noMove="1" noResize="1" noEditPoints="1" noAdjustHandles="1" noChangeArrowheads="1" noChangeShapeType="1" noTextEdit="1"/>
-                </p:cNvSpPr>
-                <p:nvPr/>
-              </p:nvSpPr>
-              <p:spPr>
-                <a:xfrm>
-                  <a:off x="8589080" y="3939627"/>
-                  <a:ext cx="1431825" cy="261610"/>
-                </a:xfrm>
-                <a:prstGeom prst="rect">
-                  <a:avLst/>
-                </a:prstGeom>
-                <a:blipFill>
-                  <a:blip r:embed="rId11"/>
-                  <a:stretch>
-                    <a:fillRect/>
-                  </a:stretch>
-                </a:blipFill>
-              </p:spPr>
-              <p:txBody>
-                <a:bodyPr/>
-                <a:lstStyle/>
-                <a:p>
-                  <a:r>
-                    <a:rPr lang="fr-FR">
-                      <a:noFill/>
-                    </a:rPr>
-                    <a:t> </a:t>
-                  </a:r>
-                </a:p>
-              </p:txBody>
-            </p:sp>
-          </mc:Fallback>
-        </mc:AlternateContent>
-      </p:grpSp>
-    </p:spTree>
-    <p:extLst>
-      <p:ext uri="{BB962C8B-B14F-4D97-AF65-F5344CB8AC3E}">
-        <p14:creationId xmlns:p14="http://schemas.microsoft.com/office/powerpoint/2010/main" val="623115340"/>
       </p:ext>
     </p:extLst>
   </p:cSld>

--- a/04_Comax/04_Comax_Corrige.pptx
+++ b/04_Comax/04_Comax_Corrige.pptx
@@ -20,6 +20,7 @@
     <p:sldId id="275" r:id="rId14"/>
     <p:sldId id="276" r:id="rId15"/>
     <p:sldId id="277" r:id="rId16"/>
+    <p:sldId id="280" r:id="rId17"/>
   </p:sldIdLst>
   <p:sldSz cx="12192000" cy="6858000"/>
   <p:notesSz cx="6858000" cy="9144000"/>
@@ -366,7 +367,7 @@
           <a:p>
             <a:fld id="{D7F135F6-2A09-4FDD-9ECA-096E230CA0FA}" type="datetimeFigureOut">
               <a:rPr lang="fr-FR" smtClean="0"/>
-              <a:t>12/02/2024</a:t>
+              <a:t>05/03/2024</a:t>
             </a:fld>
             <a:endParaRPr lang="fr-FR"/>
           </a:p>
@@ -571,7 +572,7 @@
           <a:p>
             <a:fld id="{D7F135F6-2A09-4FDD-9ECA-096E230CA0FA}" type="datetimeFigureOut">
               <a:rPr lang="fr-FR" smtClean="0"/>
-              <a:t>12/02/2024</a:t>
+              <a:t>05/03/2024</a:t>
             </a:fld>
             <a:endParaRPr lang="fr-FR"/>
           </a:p>
@@ -827,7 +828,7 @@
           <a:p>
             <a:fld id="{D7F135F6-2A09-4FDD-9ECA-096E230CA0FA}" type="datetimeFigureOut">
               <a:rPr lang="fr-FR" smtClean="0"/>
-              <a:t>12/02/2024</a:t>
+              <a:t>05/03/2024</a:t>
             </a:fld>
             <a:endParaRPr lang="fr-FR"/>
           </a:p>
@@ -1033,7 +1034,7 @@
           <a:p>
             <a:fld id="{D7F135F6-2A09-4FDD-9ECA-096E230CA0FA}" type="datetimeFigureOut">
               <a:rPr lang="fr-FR" smtClean="0"/>
-              <a:t>12/02/2024</a:t>
+              <a:t>05/03/2024</a:t>
             </a:fld>
             <a:endParaRPr lang="fr-FR"/>
           </a:p>
@@ -1395,7 +1396,7 @@
           <a:p>
             <a:fld id="{D7F135F6-2A09-4FDD-9ECA-096E230CA0FA}" type="datetimeFigureOut">
               <a:rPr lang="fr-FR" smtClean="0"/>
-              <a:t>12/02/2024</a:t>
+              <a:t>05/03/2024</a:t>
             </a:fld>
             <a:endParaRPr lang="fr-FR"/>
           </a:p>
@@ -1670,7 +1671,7 @@
           <a:p>
             <a:fld id="{D7F135F6-2A09-4FDD-9ECA-096E230CA0FA}" type="datetimeFigureOut">
               <a:rPr lang="fr-FR" smtClean="0"/>
-              <a:t>12/02/2024</a:t>
+              <a:t>05/03/2024</a:t>
             </a:fld>
             <a:endParaRPr lang="fr-FR"/>
           </a:p>
@@ -2049,7 +2050,7 @@
           <a:p>
             <a:fld id="{D7F135F6-2A09-4FDD-9ECA-096E230CA0FA}" type="datetimeFigureOut">
               <a:rPr lang="fr-FR" smtClean="0"/>
-              <a:t>12/02/2024</a:t>
+              <a:t>05/03/2024</a:t>
             </a:fld>
             <a:endParaRPr lang="fr-FR"/>
           </a:p>
@@ -2167,7 +2168,7 @@
           <a:p>
             <a:fld id="{D7F135F6-2A09-4FDD-9ECA-096E230CA0FA}" type="datetimeFigureOut">
               <a:rPr lang="fr-FR" smtClean="0"/>
-              <a:t>12/02/2024</a:t>
+              <a:t>05/03/2024</a:t>
             </a:fld>
             <a:endParaRPr lang="fr-FR"/>
           </a:p>
@@ -2341,7 +2342,7 @@
           <a:p>
             <a:fld id="{D7F135F6-2A09-4FDD-9ECA-096E230CA0FA}" type="datetimeFigureOut">
               <a:rPr lang="fr-FR" smtClean="0"/>
-              <a:t>12/02/2024</a:t>
+              <a:t>05/03/2024</a:t>
             </a:fld>
             <a:endParaRPr lang="fr-FR"/>
           </a:p>
@@ -2698,7 +2699,7 @@
           <a:p>
             <a:fld id="{D7F135F6-2A09-4FDD-9ECA-096E230CA0FA}" type="datetimeFigureOut">
               <a:rPr lang="fr-FR" smtClean="0"/>
-              <a:t>12/02/2024</a:t>
+              <a:t>05/03/2024</a:t>
             </a:fld>
             <a:endParaRPr lang="fr-FR"/>
           </a:p>
@@ -3083,7 +3084,7 @@
           <a:p>
             <a:fld id="{D7F135F6-2A09-4FDD-9ECA-096E230CA0FA}" type="datetimeFigureOut">
               <a:rPr lang="fr-FR" smtClean="0"/>
-              <a:t>12/02/2024</a:t>
+              <a:t>05/03/2024</a:t>
             </a:fld>
             <a:endParaRPr lang="fr-FR"/>
           </a:p>
@@ -3373,7 +3374,7 @@
           <a:p>
             <a:fld id="{D7F135F6-2A09-4FDD-9ECA-096E230CA0FA}" type="datetimeFigureOut">
               <a:rPr lang="fr-FR" smtClean="0"/>
-              <a:t>12/02/2024</a:t>
+              <a:t>05/03/2024</a:t>
             </a:fld>
             <a:endParaRPr lang="fr-FR" dirty="0"/>
           </a:p>
@@ -10527,6 +10528,4069 @@
     <p:extLst>
       <p:ext uri="{BB962C8B-B14F-4D97-AF65-F5344CB8AC3E}">
         <p14:creationId xmlns:p14="http://schemas.microsoft.com/office/powerpoint/2010/main" val="311566786"/>
+      </p:ext>
+    </p:extLst>
+  </p:cSld>
+  <p:clrMapOvr>
+    <a:masterClrMapping/>
+  </p:clrMapOvr>
+</p:sld>
+</file>
+
+<file path=ppt/slides/slide16.xml><?xml version="1.0" encoding="utf-8"?>
+<p:sld xmlns:a="http://schemas.openxmlformats.org/drawingml/2006/main" xmlns:r="http://schemas.openxmlformats.org/officeDocument/2006/relationships" xmlns:p="http://schemas.openxmlformats.org/presentationml/2006/main">
+  <p:cSld>
+    <p:spTree>
+      <p:nvGrpSpPr>
+        <p:cNvPr id="1" name=""/>
+        <p:cNvGrpSpPr/>
+        <p:nvPr/>
+      </p:nvGrpSpPr>
+      <p:grpSpPr>
+        <a:xfrm>
+          <a:off x="0" y="0"/>
+          <a:ext cx="0" cy="0"/>
+          <a:chOff x="0" y="0"/>
+          <a:chExt cx="0" cy="0"/>
+        </a:xfrm>
+      </p:grpSpPr>
+      <p:sp>
+        <p:nvSpPr>
+          <p:cNvPr id="2" name="Titre 1">
+            <a:extLst>
+              <a:ext uri="{FF2B5EF4-FFF2-40B4-BE49-F238E27FC236}">
+                <a16:creationId xmlns:a16="http://schemas.microsoft.com/office/drawing/2014/main" id="{CA989957-E9C9-8FA8-2FDB-FEFA3B4EA377}"/>
+              </a:ext>
+            </a:extLst>
+          </p:cNvPr>
+          <p:cNvSpPr>
+            <a:spLocks noGrp="1"/>
+          </p:cNvSpPr>
+          <p:nvPr>
+            <p:ph type="title"/>
+          </p:nvPr>
+        </p:nvSpPr>
+        <p:spPr/>
+        <p:txBody>
+          <a:bodyPr/>
+          <a:lstStyle/>
+          <a:p>
+            <a:endParaRPr lang="fr-FR" dirty="0"/>
+          </a:p>
+        </p:txBody>
+      </p:sp>
+      <mc:AlternateContent xmlns:mc="http://schemas.openxmlformats.org/markup-compatibility/2006">
+        <mc:Choice xmlns:a14="http://schemas.microsoft.com/office/drawing/2010/main" Requires="a14">
+          <p:sp>
+            <p:nvSpPr>
+              <p:cNvPr id="4" name="Rectangle : coins arrondis 3">
+                <a:extLst>
+                  <a:ext uri="{FF2B5EF4-FFF2-40B4-BE49-F238E27FC236}">
+                    <a16:creationId xmlns:a16="http://schemas.microsoft.com/office/drawing/2014/main" id="{6B85F6D6-56CD-6C33-1388-B7664B1DA7F3}"/>
+                  </a:ext>
+                </a:extLst>
+              </p:cNvPr>
+              <p:cNvSpPr/>
+              <p:nvPr/>
+            </p:nvSpPr>
+            <p:spPr>
+              <a:xfrm>
+                <a:off x="1427479" y="1812370"/>
+                <a:ext cx="720000" cy="360000"/>
+              </a:xfrm>
+              <a:prstGeom prst="roundRect">
+                <a:avLst>
+                  <a:gd name="adj" fmla="val 11914"/>
+                </a:avLst>
+              </a:prstGeom>
+              <a:noFill/>
+              <a:ln w="19050">
+                <a:solidFill>
+                  <a:srgbClr val="004F77"/>
+                </a:solidFill>
+              </a:ln>
+            </p:spPr>
+            <p:style>
+              <a:lnRef idx="2">
+                <a:schemeClr val="accent1">
+                  <a:shade val="50000"/>
+                </a:schemeClr>
+              </a:lnRef>
+              <a:fillRef idx="1">
+                <a:schemeClr val="accent1"/>
+              </a:fillRef>
+              <a:effectRef idx="0">
+                <a:schemeClr val="accent1"/>
+              </a:effectRef>
+              <a:fontRef idx="minor">
+                <a:schemeClr val="lt1"/>
+              </a:fontRef>
+            </p:style>
+            <p:txBody>
+              <a:bodyPr rtlCol="0" anchor="ctr"/>
+              <a:lstStyle/>
+              <a:p>
+                <a:pPr algn="ctr"/>
+                <a14:m>
+                  <m:oMathPara xmlns:m="http://schemas.openxmlformats.org/officeDocument/2006/math">
+                    <m:oMathParaPr>
+                      <m:jc m:val="centerGroup"/>
+                    </m:oMathParaPr>
+                    <m:oMath xmlns:m="http://schemas.openxmlformats.org/officeDocument/2006/math">
+                      <m:sSub>
+                        <m:sSubPr>
+                          <m:ctrlPr>
+                            <a:rPr lang="fr-FR" sz="1400" b="0" i="1" smtClean="0">
+                              <a:solidFill>
+                                <a:schemeClr val="tx2"/>
+                              </a:solidFill>
+                              <a:latin typeface="Cambria Math" panose="02040503050406030204" pitchFamily="18" charset="0"/>
+                            </a:rPr>
+                          </m:ctrlPr>
+                        </m:sSubPr>
+                        <m:e>
+                          <m:r>
+                            <a:rPr lang="fr-FR" sz="1400" b="0" i="1" smtClean="0">
+                              <a:solidFill>
+                                <a:schemeClr val="tx2"/>
+                              </a:solidFill>
+                              <a:latin typeface="Cambria Math" panose="02040503050406030204" pitchFamily="18" charset="0"/>
+                            </a:rPr>
+                            <m:t>𝐶</m:t>
+                          </m:r>
+                        </m:e>
+                        <m:sub>
+                          <m:r>
+                            <a:rPr lang="fr-FR" sz="1400" b="0" i="1" smtClean="0">
+                              <a:solidFill>
+                                <a:schemeClr val="tx2"/>
+                              </a:solidFill>
+                              <a:latin typeface="Cambria Math" panose="02040503050406030204" pitchFamily="18" charset="0"/>
+                            </a:rPr>
+                            <m:t>𝑣</m:t>
+                          </m:r>
+                        </m:sub>
+                      </m:sSub>
+                      <m:r>
+                        <a:rPr lang="fr-FR" sz="1400" b="0" i="1" smtClean="0">
+                          <a:solidFill>
+                            <a:schemeClr val="tx2"/>
+                          </a:solidFill>
+                          <a:latin typeface="Cambria Math" panose="02040503050406030204" pitchFamily="18" charset="0"/>
+                        </a:rPr>
+                        <m:t>(</m:t>
+                      </m:r>
+                      <m:r>
+                        <a:rPr lang="fr-FR" sz="1400" b="0" i="1" smtClean="0">
+                          <a:solidFill>
+                            <a:schemeClr val="tx2"/>
+                          </a:solidFill>
+                          <a:latin typeface="Cambria Math" panose="02040503050406030204" pitchFamily="18" charset="0"/>
+                        </a:rPr>
+                        <m:t>𝑝</m:t>
+                      </m:r>
+                      <m:r>
+                        <a:rPr lang="fr-FR" sz="1400" b="0" i="1" smtClean="0">
+                          <a:solidFill>
+                            <a:schemeClr val="tx2"/>
+                          </a:solidFill>
+                          <a:latin typeface="Cambria Math" panose="02040503050406030204" pitchFamily="18" charset="0"/>
+                        </a:rPr>
+                        <m:t>)</m:t>
+                      </m:r>
+                    </m:oMath>
+                  </m:oMathPara>
+                </a14:m>
+                <a:endParaRPr lang="fr-FR" sz="1400" dirty="0">
+                  <a:solidFill>
+                    <a:schemeClr val="tx2"/>
+                  </a:solidFill>
+                  <a:latin typeface="Arial Nova" panose="020B0504020202020204" pitchFamily="34" charset="0"/>
+                </a:endParaRPr>
+              </a:p>
+            </p:txBody>
+          </p:sp>
+        </mc:Choice>
+        <mc:Fallback>
+          <p:sp>
+            <p:nvSpPr>
+              <p:cNvPr id="4" name="Rectangle : coins arrondis 3">
+                <a:extLst>
+                  <a:ext uri="{FF2B5EF4-FFF2-40B4-BE49-F238E27FC236}">
+                    <a16:creationId xmlns:a16="http://schemas.microsoft.com/office/drawing/2014/main" id="{6B85F6D6-56CD-6C33-1388-B7664B1DA7F3}"/>
+                  </a:ext>
+                </a:extLst>
+              </p:cNvPr>
+              <p:cNvSpPr>
+                <a:spLocks noRot="1" noChangeAspect="1" noMove="1" noResize="1" noEditPoints="1" noAdjustHandles="1" noChangeArrowheads="1" noChangeShapeType="1" noTextEdit="1"/>
+              </p:cNvSpPr>
+              <p:nvPr/>
+            </p:nvSpPr>
+            <p:spPr>
+              <a:xfrm>
+                <a:off x="1427479" y="1812370"/>
+                <a:ext cx="720000" cy="360000"/>
+              </a:xfrm>
+              <a:prstGeom prst="roundRect">
+                <a:avLst>
+                  <a:gd name="adj" fmla="val 11914"/>
+                </a:avLst>
+              </a:prstGeom>
+              <a:blipFill>
+                <a:blip r:embed="rId2"/>
+                <a:stretch>
+                  <a:fillRect/>
+                </a:stretch>
+              </a:blipFill>
+              <a:ln w="19050">
+                <a:solidFill>
+                  <a:srgbClr val="004F77"/>
+                </a:solidFill>
+              </a:ln>
+            </p:spPr>
+            <p:txBody>
+              <a:bodyPr/>
+              <a:lstStyle/>
+              <a:p>
+                <a:r>
+                  <a:rPr lang="fr-FR">
+                    <a:noFill/>
+                  </a:rPr>
+                  <a:t> </a:t>
+                </a:r>
+              </a:p>
+            </p:txBody>
+          </p:sp>
+        </mc:Fallback>
+      </mc:AlternateContent>
+      <p:sp>
+        <p:nvSpPr>
+          <p:cNvPr id="6" name="Organigramme : Jonction de sommaire 5">
+            <a:extLst>
+              <a:ext uri="{FF2B5EF4-FFF2-40B4-BE49-F238E27FC236}">
+                <a16:creationId xmlns:a16="http://schemas.microsoft.com/office/drawing/2014/main" id="{310BDCD4-DDB9-AE45-56E5-42003C42A9C1}"/>
+              </a:ext>
+            </a:extLst>
+          </p:cNvPr>
+          <p:cNvSpPr/>
+          <p:nvPr/>
+        </p:nvSpPr>
+        <p:spPr>
+          <a:xfrm>
+            <a:off x="965200" y="1902370"/>
+            <a:ext cx="180000" cy="180000"/>
+          </a:xfrm>
+          <a:prstGeom prst="flowChartSummingJunction">
+            <a:avLst/>
+          </a:prstGeom>
+          <a:noFill/>
+          <a:ln w="19050">
+            <a:solidFill>
+              <a:srgbClr val="004F77"/>
+            </a:solidFill>
+          </a:ln>
+        </p:spPr>
+        <p:style>
+          <a:lnRef idx="2">
+            <a:schemeClr val="accent1">
+              <a:shade val="50000"/>
+            </a:schemeClr>
+          </a:lnRef>
+          <a:fillRef idx="1">
+            <a:schemeClr val="accent1"/>
+          </a:fillRef>
+          <a:effectRef idx="0">
+            <a:schemeClr val="accent1"/>
+          </a:effectRef>
+          <a:fontRef idx="minor">
+            <a:schemeClr val="lt1"/>
+          </a:fontRef>
+        </p:style>
+        <p:txBody>
+          <a:bodyPr rtlCol="0" anchor="ctr"/>
+          <a:lstStyle/>
+          <a:p>
+            <a:pPr algn="ctr"/>
+            <a:endParaRPr lang="fr-FR" sz="1400" i="1">
+              <a:solidFill>
+                <a:schemeClr val="tx2"/>
+              </a:solidFill>
+              <a:latin typeface="Cambria Math" panose="02040503050406030204" pitchFamily="18" charset="0"/>
+            </a:endParaRPr>
+          </a:p>
+        </p:txBody>
+      </p:sp>
+      <p:sp>
+        <p:nvSpPr>
+          <p:cNvPr id="7" name="Organigramme : Jonction de sommaire 6">
+            <a:extLst>
+              <a:ext uri="{FF2B5EF4-FFF2-40B4-BE49-F238E27FC236}">
+                <a16:creationId xmlns:a16="http://schemas.microsoft.com/office/drawing/2014/main" id="{B1D61F79-C9C1-BAE2-744F-82035FDBCCF7}"/>
+              </a:ext>
+            </a:extLst>
+          </p:cNvPr>
+          <p:cNvSpPr/>
+          <p:nvPr/>
+        </p:nvSpPr>
+        <p:spPr>
+          <a:xfrm>
+            <a:off x="2429758" y="1902370"/>
+            <a:ext cx="180000" cy="180000"/>
+          </a:xfrm>
+          <a:prstGeom prst="flowChartSummingJunction">
+            <a:avLst/>
+          </a:prstGeom>
+          <a:noFill/>
+          <a:ln w="19050">
+            <a:solidFill>
+              <a:srgbClr val="004F77"/>
+            </a:solidFill>
+          </a:ln>
+        </p:spPr>
+        <p:style>
+          <a:lnRef idx="2">
+            <a:schemeClr val="accent1">
+              <a:shade val="50000"/>
+            </a:schemeClr>
+          </a:lnRef>
+          <a:fillRef idx="1">
+            <a:schemeClr val="accent1"/>
+          </a:fillRef>
+          <a:effectRef idx="0">
+            <a:schemeClr val="accent1"/>
+          </a:effectRef>
+          <a:fontRef idx="minor">
+            <a:schemeClr val="lt1"/>
+          </a:fontRef>
+        </p:style>
+        <p:txBody>
+          <a:bodyPr rtlCol="0" anchor="ctr"/>
+          <a:lstStyle/>
+          <a:p>
+            <a:pPr algn="ctr"/>
+            <a:endParaRPr lang="fr-FR" sz="1400" i="1">
+              <a:solidFill>
+                <a:schemeClr val="tx2"/>
+              </a:solidFill>
+              <a:latin typeface="Cambria Math" panose="02040503050406030204" pitchFamily="18" charset="0"/>
+            </a:endParaRPr>
+          </a:p>
+        </p:txBody>
+      </p:sp>
+      <mc:AlternateContent xmlns:mc="http://schemas.openxmlformats.org/markup-compatibility/2006">
+        <mc:Choice xmlns:a14="http://schemas.microsoft.com/office/drawing/2010/main" Requires="a14">
+          <p:sp>
+            <p:nvSpPr>
+              <p:cNvPr id="8" name="Rectangle : coins arrondis 7">
+                <a:extLst>
+                  <a:ext uri="{FF2B5EF4-FFF2-40B4-BE49-F238E27FC236}">
+                    <a16:creationId xmlns:a16="http://schemas.microsoft.com/office/drawing/2014/main" id="{EE8568F5-2336-B7A5-A92D-DD6C76AF8DDB}"/>
+                  </a:ext>
+                </a:extLst>
+              </p:cNvPr>
+              <p:cNvSpPr/>
+              <p:nvPr/>
+            </p:nvSpPr>
+            <p:spPr>
+              <a:xfrm>
+                <a:off x="2892037" y="1812370"/>
+                <a:ext cx="720000" cy="360000"/>
+              </a:xfrm>
+              <a:prstGeom prst="roundRect">
+                <a:avLst>
+                  <a:gd name="adj" fmla="val 11914"/>
+                </a:avLst>
+              </a:prstGeom>
+              <a:noFill/>
+              <a:ln w="19050">
+                <a:solidFill>
+                  <a:srgbClr val="004F77"/>
+                </a:solidFill>
+              </a:ln>
+            </p:spPr>
+            <p:style>
+              <a:lnRef idx="2">
+                <a:schemeClr val="accent1">
+                  <a:shade val="50000"/>
+                </a:schemeClr>
+              </a:lnRef>
+              <a:fillRef idx="1">
+                <a:schemeClr val="accent1"/>
+              </a:fillRef>
+              <a:effectRef idx="0">
+                <a:schemeClr val="accent1"/>
+              </a:effectRef>
+              <a:fontRef idx="minor">
+                <a:schemeClr val="lt1"/>
+              </a:fontRef>
+            </p:style>
+            <p:txBody>
+              <a:bodyPr rtlCol="0" anchor="ctr"/>
+              <a:lstStyle/>
+              <a:p>
+                <a:pPr algn="ctr"/>
+                <a14:m>
+                  <m:oMathPara xmlns:m="http://schemas.openxmlformats.org/officeDocument/2006/math">
+                    <m:oMathParaPr>
+                      <m:jc m:val="centerGroup"/>
+                    </m:oMathParaPr>
+                    <m:oMath xmlns:m="http://schemas.openxmlformats.org/officeDocument/2006/math">
+                      <m:sSub>
+                        <m:sSubPr>
+                          <m:ctrlPr>
+                            <a:rPr lang="fr-FR" sz="1400" b="0" i="1" smtClean="0">
+                              <a:solidFill>
+                                <a:schemeClr val="tx2"/>
+                              </a:solidFill>
+                              <a:latin typeface="Cambria Math" panose="02040503050406030204" pitchFamily="18" charset="0"/>
+                            </a:rPr>
+                          </m:ctrlPr>
+                        </m:sSubPr>
+                        <m:e>
+                          <m:r>
+                            <a:rPr lang="fr-FR" sz="1400" b="0" i="1" smtClean="0">
+                              <a:solidFill>
+                                <a:schemeClr val="tx2"/>
+                              </a:solidFill>
+                              <a:latin typeface="Cambria Math" panose="02040503050406030204" pitchFamily="18" charset="0"/>
+                            </a:rPr>
+                            <m:t>𝐶</m:t>
+                          </m:r>
+                        </m:e>
+                        <m:sub>
+                          <m:r>
+                            <a:rPr lang="fr-FR" sz="1400" b="0" i="1" smtClean="0">
+                              <a:solidFill>
+                                <a:schemeClr val="tx2"/>
+                              </a:solidFill>
+                              <a:latin typeface="Cambria Math" panose="02040503050406030204" pitchFamily="18" charset="0"/>
+                            </a:rPr>
+                            <m:t>𝐼</m:t>
+                          </m:r>
+                        </m:sub>
+                      </m:sSub>
+                      <m:r>
+                        <a:rPr lang="fr-FR" sz="1400" b="0" i="1" smtClean="0">
+                          <a:solidFill>
+                            <a:schemeClr val="tx2"/>
+                          </a:solidFill>
+                          <a:latin typeface="Cambria Math" panose="02040503050406030204" pitchFamily="18" charset="0"/>
+                        </a:rPr>
+                        <m:t>(</m:t>
+                      </m:r>
+                      <m:r>
+                        <a:rPr lang="fr-FR" sz="1400" b="0" i="1" smtClean="0">
+                          <a:solidFill>
+                            <a:schemeClr val="tx2"/>
+                          </a:solidFill>
+                          <a:latin typeface="Cambria Math" panose="02040503050406030204" pitchFamily="18" charset="0"/>
+                        </a:rPr>
+                        <m:t>𝑝</m:t>
+                      </m:r>
+                      <m:r>
+                        <a:rPr lang="fr-FR" sz="1400" b="0" i="1" smtClean="0">
+                          <a:solidFill>
+                            <a:schemeClr val="tx2"/>
+                          </a:solidFill>
+                          <a:latin typeface="Cambria Math" panose="02040503050406030204" pitchFamily="18" charset="0"/>
+                        </a:rPr>
+                        <m:t>)</m:t>
+                      </m:r>
+                    </m:oMath>
+                  </m:oMathPara>
+                </a14:m>
+                <a:endParaRPr lang="fr-FR" sz="1400" dirty="0">
+                  <a:solidFill>
+                    <a:schemeClr val="tx2"/>
+                  </a:solidFill>
+                  <a:latin typeface="Arial Nova" panose="020B0504020202020204" pitchFamily="34" charset="0"/>
+                </a:endParaRPr>
+              </a:p>
+            </p:txBody>
+          </p:sp>
+        </mc:Choice>
+        <mc:Fallback>
+          <p:sp>
+            <p:nvSpPr>
+              <p:cNvPr id="8" name="Rectangle : coins arrondis 7">
+                <a:extLst>
+                  <a:ext uri="{FF2B5EF4-FFF2-40B4-BE49-F238E27FC236}">
+                    <a16:creationId xmlns:a16="http://schemas.microsoft.com/office/drawing/2014/main" id="{EE8568F5-2336-B7A5-A92D-DD6C76AF8DDB}"/>
+                  </a:ext>
+                </a:extLst>
+              </p:cNvPr>
+              <p:cNvSpPr>
+                <a:spLocks noRot="1" noChangeAspect="1" noMove="1" noResize="1" noEditPoints="1" noAdjustHandles="1" noChangeArrowheads="1" noChangeShapeType="1" noTextEdit="1"/>
+              </p:cNvSpPr>
+              <p:nvPr/>
+            </p:nvSpPr>
+            <p:spPr>
+              <a:xfrm>
+                <a:off x="2892037" y="1812370"/>
+                <a:ext cx="720000" cy="360000"/>
+              </a:xfrm>
+              <a:prstGeom prst="roundRect">
+                <a:avLst>
+                  <a:gd name="adj" fmla="val 11914"/>
+                </a:avLst>
+              </a:prstGeom>
+              <a:blipFill>
+                <a:blip r:embed="rId3"/>
+                <a:stretch>
+                  <a:fillRect/>
+                </a:stretch>
+              </a:blipFill>
+              <a:ln w="19050">
+                <a:solidFill>
+                  <a:srgbClr val="004F77"/>
+                </a:solidFill>
+              </a:ln>
+            </p:spPr>
+            <p:txBody>
+              <a:bodyPr/>
+              <a:lstStyle/>
+              <a:p>
+                <a:r>
+                  <a:rPr lang="fr-FR">
+                    <a:noFill/>
+                  </a:rPr>
+                  <a:t> </a:t>
+                </a:r>
+              </a:p>
+            </p:txBody>
+          </p:sp>
+        </mc:Fallback>
+      </mc:AlternateContent>
+      <p:sp>
+        <p:nvSpPr>
+          <p:cNvPr id="9" name="Organigramme : Jonction de sommaire 8">
+            <a:extLst>
+              <a:ext uri="{FF2B5EF4-FFF2-40B4-BE49-F238E27FC236}">
+                <a16:creationId xmlns:a16="http://schemas.microsoft.com/office/drawing/2014/main" id="{A8BD80CE-A693-3693-1C55-EBE082F2E649}"/>
+              </a:ext>
+            </a:extLst>
+          </p:cNvPr>
+          <p:cNvSpPr/>
+          <p:nvPr/>
+        </p:nvSpPr>
+        <p:spPr>
+          <a:xfrm>
+            <a:off x="3894316" y="1902370"/>
+            <a:ext cx="180000" cy="180000"/>
+          </a:xfrm>
+          <a:prstGeom prst="flowChartSummingJunction">
+            <a:avLst/>
+          </a:prstGeom>
+          <a:noFill/>
+          <a:ln w="19050">
+            <a:solidFill>
+              <a:srgbClr val="004F77"/>
+            </a:solidFill>
+          </a:ln>
+        </p:spPr>
+        <p:style>
+          <a:lnRef idx="2">
+            <a:schemeClr val="accent1">
+              <a:shade val="50000"/>
+            </a:schemeClr>
+          </a:lnRef>
+          <a:fillRef idx="1">
+            <a:schemeClr val="accent1"/>
+          </a:fillRef>
+          <a:effectRef idx="0">
+            <a:schemeClr val="accent1"/>
+          </a:effectRef>
+          <a:fontRef idx="minor">
+            <a:schemeClr val="lt1"/>
+          </a:fontRef>
+        </p:style>
+        <p:txBody>
+          <a:bodyPr rtlCol="0" anchor="ctr"/>
+          <a:lstStyle/>
+          <a:p>
+            <a:pPr algn="ctr"/>
+            <a:endParaRPr lang="fr-FR" sz="1400" i="1">
+              <a:solidFill>
+                <a:schemeClr val="tx2"/>
+              </a:solidFill>
+              <a:latin typeface="Cambria Math" panose="02040503050406030204" pitchFamily="18" charset="0"/>
+            </a:endParaRPr>
+          </a:p>
+        </p:txBody>
+      </p:sp>
+      <mc:AlternateContent xmlns:mc="http://schemas.openxmlformats.org/markup-compatibility/2006">
+        <mc:Choice xmlns:a14="http://schemas.microsoft.com/office/drawing/2010/main" Requires="a14">
+          <p:sp>
+            <p:nvSpPr>
+              <p:cNvPr id="10" name="Rectangle : coins arrondis 9">
+                <a:extLst>
+                  <a:ext uri="{FF2B5EF4-FFF2-40B4-BE49-F238E27FC236}">
+                    <a16:creationId xmlns:a16="http://schemas.microsoft.com/office/drawing/2014/main" id="{4390818D-20A2-4F40-4B5C-2D25567B2B20}"/>
+                  </a:ext>
+                </a:extLst>
+              </p:cNvPr>
+              <p:cNvSpPr/>
+              <p:nvPr/>
+            </p:nvSpPr>
+            <p:spPr>
+              <a:xfrm>
+                <a:off x="4356595" y="1812370"/>
+                <a:ext cx="720000" cy="360000"/>
+              </a:xfrm>
+              <a:prstGeom prst="roundRect">
+                <a:avLst>
+                  <a:gd name="adj" fmla="val 11914"/>
+                </a:avLst>
+              </a:prstGeom>
+              <a:noFill/>
+              <a:ln w="19050">
+                <a:solidFill>
+                  <a:srgbClr val="004F77"/>
+                </a:solidFill>
+              </a:ln>
+            </p:spPr>
+            <p:style>
+              <a:lnRef idx="2">
+                <a:schemeClr val="accent1">
+                  <a:shade val="50000"/>
+                </a:schemeClr>
+              </a:lnRef>
+              <a:fillRef idx="1">
+                <a:schemeClr val="accent1"/>
+              </a:fillRef>
+              <a:effectRef idx="0">
+                <a:schemeClr val="accent1"/>
+              </a:effectRef>
+              <a:fontRef idx="minor">
+                <a:schemeClr val="lt1"/>
+              </a:fontRef>
+            </p:style>
+            <p:txBody>
+              <a:bodyPr rtlCol="0" anchor="ctr"/>
+              <a:lstStyle/>
+              <a:p>
+                <a:pPr algn="ctr"/>
+                <a14:m>
+                  <m:oMathPara xmlns:m="http://schemas.openxmlformats.org/officeDocument/2006/math">
+                    <m:oMathParaPr>
+                      <m:jc m:val="centerGroup"/>
+                    </m:oMathParaPr>
+                    <m:oMath xmlns:m="http://schemas.openxmlformats.org/officeDocument/2006/math">
+                      <m:f>
+                        <m:fPr>
+                          <m:ctrlPr>
+                            <a:rPr lang="fr-FR" sz="1100" b="0" i="1" smtClean="0">
+                              <a:solidFill>
+                                <a:schemeClr val="tx2"/>
+                              </a:solidFill>
+                              <a:latin typeface="Cambria Math" panose="02040503050406030204" pitchFamily="18" charset="0"/>
+                            </a:rPr>
+                          </m:ctrlPr>
+                        </m:fPr>
+                        <m:num>
+                          <m:r>
+                            <a:rPr lang="fr-FR" sz="1100" b="0" i="1" smtClean="0">
+                              <a:solidFill>
+                                <a:schemeClr val="tx2"/>
+                              </a:solidFill>
+                              <a:latin typeface="Cambria Math" panose="02040503050406030204" pitchFamily="18" charset="0"/>
+                            </a:rPr>
+                            <m:t>1</m:t>
+                          </m:r>
+                        </m:num>
+                        <m:den>
+                          <m:r>
+                            <a:rPr lang="fr-FR" sz="1100" i="1">
+                              <a:solidFill>
+                                <a:schemeClr val="tx2"/>
+                              </a:solidFill>
+                              <a:latin typeface="Cambria Math" panose="02040503050406030204" pitchFamily="18" charset="0"/>
+                            </a:rPr>
+                            <m:t>𝑅</m:t>
+                          </m:r>
+                          <m:r>
+                            <a:rPr lang="fr-FR" sz="1100" i="1">
+                              <a:solidFill>
+                                <a:schemeClr val="tx2"/>
+                              </a:solidFill>
+                              <a:latin typeface="Cambria Math" panose="02040503050406030204" pitchFamily="18" charset="0"/>
+                            </a:rPr>
+                            <m:t>+</m:t>
+                          </m:r>
+                          <m:r>
+                            <a:rPr lang="fr-FR" sz="1100" i="1">
+                              <a:solidFill>
+                                <a:schemeClr val="tx2"/>
+                              </a:solidFill>
+                              <a:latin typeface="Cambria Math" panose="02040503050406030204" pitchFamily="18" charset="0"/>
+                            </a:rPr>
+                            <m:t>𝐿𝑝</m:t>
+                          </m:r>
+                        </m:den>
+                      </m:f>
+                    </m:oMath>
+                  </m:oMathPara>
+                </a14:m>
+                <a:endParaRPr lang="fr-FR" sz="1100" dirty="0">
+                  <a:solidFill>
+                    <a:schemeClr val="tx2"/>
+                  </a:solidFill>
+                  <a:latin typeface="Arial Nova" panose="020B0504020202020204" pitchFamily="34" charset="0"/>
+                </a:endParaRPr>
+              </a:p>
+            </p:txBody>
+          </p:sp>
+        </mc:Choice>
+        <mc:Fallback>
+          <p:sp>
+            <p:nvSpPr>
+              <p:cNvPr id="10" name="Rectangle : coins arrondis 9">
+                <a:extLst>
+                  <a:ext uri="{FF2B5EF4-FFF2-40B4-BE49-F238E27FC236}">
+                    <a16:creationId xmlns:a16="http://schemas.microsoft.com/office/drawing/2014/main" id="{4390818D-20A2-4F40-4B5C-2D25567B2B20}"/>
+                  </a:ext>
+                </a:extLst>
+              </p:cNvPr>
+              <p:cNvSpPr>
+                <a:spLocks noRot="1" noChangeAspect="1" noMove="1" noResize="1" noEditPoints="1" noAdjustHandles="1" noChangeArrowheads="1" noChangeShapeType="1" noTextEdit="1"/>
+              </p:cNvSpPr>
+              <p:nvPr/>
+            </p:nvSpPr>
+            <p:spPr>
+              <a:xfrm>
+                <a:off x="4356595" y="1812370"/>
+                <a:ext cx="720000" cy="360000"/>
+              </a:xfrm>
+              <a:prstGeom prst="roundRect">
+                <a:avLst>
+                  <a:gd name="adj" fmla="val 11914"/>
+                </a:avLst>
+              </a:prstGeom>
+              <a:blipFill>
+                <a:blip r:embed="rId4"/>
+                <a:stretch>
+                  <a:fillRect b="-11290"/>
+                </a:stretch>
+              </a:blipFill>
+              <a:ln w="19050">
+                <a:solidFill>
+                  <a:srgbClr val="004F77"/>
+                </a:solidFill>
+              </a:ln>
+            </p:spPr>
+            <p:txBody>
+              <a:bodyPr/>
+              <a:lstStyle/>
+              <a:p>
+                <a:r>
+                  <a:rPr lang="fr-FR">
+                    <a:noFill/>
+                  </a:rPr>
+                  <a:t> </a:t>
+                </a:r>
+              </a:p>
+            </p:txBody>
+          </p:sp>
+        </mc:Fallback>
+      </mc:AlternateContent>
+      <mc:AlternateContent xmlns:mc="http://schemas.openxmlformats.org/markup-compatibility/2006">
+        <mc:Choice xmlns:a14="http://schemas.microsoft.com/office/drawing/2010/main" Requires="a14">
+          <p:sp>
+            <p:nvSpPr>
+              <p:cNvPr id="11" name="Rectangle : coins arrondis 10">
+                <a:extLst>
+                  <a:ext uri="{FF2B5EF4-FFF2-40B4-BE49-F238E27FC236}">
+                    <a16:creationId xmlns:a16="http://schemas.microsoft.com/office/drawing/2014/main" id="{17800B4A-708A-7ABF-3CCE-ABE01635588B}"/>
+                  </a:ext>
+                </a:extLst>
+              </p:cNvPr>
+              <p:cNvSpPr/>
+              <p:nvPr/>
+            </p:nvSpPr>
+            <p:spPr>
+              <a:xfrm>
+                <a:off x="5358874" y="1812370"/>
+                <a:ext cx="720000" cy="360000"/>
+              </a:xfrm>
+              <a:prstGeom prst="roundRect">
+                <a:avLst>
+                  <a:gd name="adj" fmla="val 11914"/>
+                </a:avLst>
+              </a:prstGeom>
+              <a:noFill/>
+              <a:ln w="19050">
+                <a:solidFill>
+                  <a:srgbClr val="004F77"/>
+                </a:solidFill>
+              </a:ln>
+            </p:spPr>
+            <p:style>
+              <a:lnRef idx="2">
+                <a:schemeClr val="accent1">
+                  <a:shade val="50000"/>
+                </a:schemeClr>
+              </a:lnRef>
+              <a:fillRef idx="1">
+                <a:schemeClr val="accent1"/>
+              </a:fillRef>
+              <a:effectRef idx="0">
+                <a:schemeClr val="accent1"/>
+              </a:effectRef>
+              <a:fontRef idx="minor">
+                <a:schemeClr val="lt1"/>
+              </a:fontRef>
+            </p:style>
+            <p:txBody>
+              <a:bodyPr rtlCol="0" anchor="ctr"/>
+              <a:lstStyle/>
+              <a:p>
+                <a:pPr algn="ctr"/>
+                <a14:m>
+                  <m:oMathPara xmlns:m="http://schemas.openxmlformats.org/officeDocument/2006/math">
+                    <m:oMathParaPr>
+                      <m:jc m:val="centerGroup"/>
+                    </m:oMathParaPr>
+                    <m:oMath xmlns:m="http://schemas.openxmlformats.org/officeDocument/2006/math">
+                      <m:sSub>
+                        <m:sSubPr>
+                          <m:ctrlPr>
+                            <a:rPr lang="fr-FR" sz="1400" b="0" i="1" smtClean="0">
+                              <a:solidFill>
+                                <a:schemeClr val="tx2"/>
+                              </a:solidFill>
+                              <a:latin typeface="Cambria Math" panose="02040503050406030204" pitchFamily="18" charset="0"/>
+                            </a:rPr>
+                          </m:ctrlPr>
+                        </m:sSubPr>
+                        <m:e>
+                          <m:r>
+                            <a:rPr lang="fr-FR" sz="1400" b="0" i="1" smtClean="0">
+                              <a:solidFill>
+                                <a:schemeClr val="tx2"/>
+                              </a:solidFill>
+                              <a:latin typeface="Cambria Math" panose="02040503050406030204" pitchFamily="18" charset="0"/>
+                            </a:rPr>
+                            <m:t>𝐾</m:t>
+                          </m:r>
+                        </m:e>
+                        <m:sub>
+                          <m:r>
+                            <a:rPr lang="fr-FR" sz="1400" b="0" i="1" smtClean="0">
+                              <a:solidFill>
+                                <a:schemeClr val="tx2"/>
+                              </a:solidFill>
+                              <a:latin typeface="Cambria Math" panose="02040503050406030204" pitchFamily="18" charset="0"/>
+                            </a:rPr>
+                            <m:t>𝑚</m:t>
+                          </m:r>
+                        </m:sub>
+                      </m:sSub>
+                    </m:oMath>
+                  </m:oMathPara>
+                </a14:m>
+                <a:endParaRPr lang="fr-FR" sz="1400" dirty="0">
+                  <a:solidFill>
+                    <a:schemeClr val="tx2"/>
+                  </a:solidFill>
+                  <a:latin typeface="Arial Nova" panose="020B0504020202020204" pitchFamily="34" charset="0"/>
+                </a:endParaRPr>
+              </a:p>
+            </p:txBody>
+          </p:sp>
+        </mc:Choice>
+        <mc:Fallback>
+          <p:sp>
+            <p:nvSpPr>
+              <p:cNvPr id="11" name="Rectangle : coins arrondis 10">
+                <a:extLst>
+                  <a:ext uri="{FF2B5EF4-FFF2-40B4-BE49-F238E27FC236}">
+                    <a16:creationId xmlns:a16="http://schemas.microsoft.com/office/drawing/2014/main" id="{17800B4A-708A-7ABF-3CCE-ABE01635588B}"/>
+                  </a:ext>
+                </a:extLst>
+              </p:cNvPr>
+              <p:cNvSpPr>
+                <a:spLocks noRot="1" noChangeAspect="1" noMove="1" noResize="1" noEditPoints="1" noAdjustHandles="1" noChangeArrowheads="1" noChangeShapeType="1" noTextEdit="1"/>
+              </p:cNvSpPr>
+              <p:nvPr/>
+            </p:nvSpPr>
+            <p:spPr>
+              <a:xfrm>
+                <a:off x="5358874" y="1812370"/>
+                <a:ext cx="720000" cy="360000"/>
+              </a:xfrm>
+              <a:prstGeom prst="roundRect">
+                <a:avLst>
+                  <a:gd name="adj" fmla="val 11914"/>
+                </a:avLst>
+              </a:prstGeom>
+              <a:blipFill>
+                <a:blip r:embed="rId5"/>
+                <a:stretch>
+                  <a:fillRect/>
+                </a:stretch>
+              </a:blipFill>
+              <a:ln w="19050">
+                <a:solidFill>
+                  <a:srgbClr val="004F77"/>
+                </a:solidFill>
+              </a:ln>
+            </p:spPr>
+            <p:txBody>
+              <a:bodyPr/>
+              <a:lstStyle/>
+              <a:p>
+                <a:r>
+                  <a:rPr lang="fr-FR">
+                    <a:noFill/>
+                  </a:rPr>
+                  <a:t> </a:t>
+                </a:r>
+              </a:p>
+            </p:txBody>
+          </p:sp>
+        </mc:Fallback>
+      </mc:AlternateContent>
+      <p:sp>
+        <p:nvSpPr>
+          <p:cNvPr id="12" name="Organigramme : Jonction de sommaire 11">
+            <a:extLst>
+              <a:ext uri="{FF2B5EF4-FFF2-40B4-BE49-F238E27FC236}">
+                <a16:creationId xmlns:a16="http://schemas.microsoft.com/office/drawing/2014/main" id="{4859E6EA-2478-5372-79F9-FBB6F12EA3D4}"/>
+              </a:ext>
+            </a:extLst>
+          </p:cNvPr>
+          <p:cNvSpPr/>
+          <p:nvPr/>
+        </p:nvSpPr>
+        <p:spPr>
+          <a:xfrm>
+            <a:off x="6361153" y="1902370"/>
+            <a:ext cx="180000" cy="180000"/>
+          </a:xfrm>
+          <a:prstGeom prst="flowChartSummingJunction">
+            <a:avLst/>
+          </a:prstGeom>
+          <a:noFill/>
+          <a:ln w="19050">
+            <a:solidFill>
+              <a:srgbClr val="004F77"/>
+            </a:solidFill>
+          </a:ln>
+        </p:spPr>
+        <p:style>
+          <a:lnRef idx="2">
+            <a:schemeClr val="accent1">
+              <a:shade val="50000"/>
+            </a:schemeClr>
+          </a:lnRef>
+          <a:fillRef idx="1">
+            <a:schemeClr val="accent1"/>
+          </a:fillRef>
+          <a:effectRef idx="0">
+            <a:schemeClr val="accent1"/>
+          </a:effectRef>
+          <a:fontRef idx="minor">
+            <a:schemeClr val="lt1"/>
+          </a:fontRef>
+        </p:style>
+        <p:txBody>
+          <a:bodyPr rtlCol="0" anchor="ctr"/>
+          <a:lstStyle/>
+          <a:p>
+            <a:pPr algn="ctr"/>
+            <a:endParaRPr lang="fr-FR" sz="1400" i="1">
+              <a:solidFill>
+                <a:schemeClr val="tx2"/>
+              </a:solidFill>
+              <a:latin typeface="Cambria Math" panose="02040503050406030204" pitchFamily="18" charset="0"/>
+            </a:endParaRPr>
+          </a:p>
+        </p:txBody>
+      </p:sp>
+      <mc:AlternateContent xmlns:mc="http://schemas.openxmlformats.org/markup-compatibility/2006">
+        <mc:Choice xmlns:a14="http://schemas.microsoft.com/office/drawing/2010/main" Requires="a14">
+          <p:sp>
+            <p:nvSpPr>
+              <p:cNvPr id="13" name="Rectangle : coins arrondis 12">
+                <a:extLst>
+                  <a:ext uri="{FF2B5EF4-FFF2-40B4-BE49-F238E27FC236}">
+                    <a16:creationId xmlns:a16="http://schemas.microsoft.com/office/drawing/2014/main" id="{BB2F2F82-9E9A-C496-3727-3A6012394223}"/>
+                  </a:ext>
+                </a:extLst>
+              </p:cNvPr>
+              <p:cNvSpPr/>
+              <p:nvPr/>
+            </p:nvSpPr>
+            <p:spPr>
+              <a:xfrm>
+                <a:off x="6823434" y="1812370"/>
+                <a:ext cx="720000" cy="360000"/>
+              </a:xfrm>
+              <a:prstGeom prst="roundRect">
+                <a:avLst>
+                  <a:gd name="adj" fmla="val 11914"/>
+                </a:avLst>
+              </a:prstGeom>
+              <a:noFill/>
+              <a:ln w="19050">
+                <a:solidFill>
+                  <a:srgbClr val="004F77"/>
+                </a:solidFill>
+              </a:ln>
+            </p:spPr>
+            <p:style>
+              <a:lnRef idx="2">
+                <a:schemeClr val="accent1">
+                  <a:shade val="50000"/>
+                </a:schemeClr>
+              </a:lnRef>
+              <a:fillRef idx="1">
+                <a:schemeClr val="accent1"/>
+              </a:fillRef>
+              <a:effectRef idx="0">
+                <a:schemeClr val="accent1"/>
+              </a:effectRef>
+              <a:fontRef idx="minor">
+                <a:schemeClr val="lt1"/>
+              </a:fontRef>
+            </p:style>
+            <p:txBody>
+              <a:bodyPr rtlCol="0" anchor="ctr"/>
+              <a:lstStyle/>
+              <a:p>
+                <a:pPr algn="ctr"/>
+                <a14:m>
+                  <m:oMathPara xmlns:m="http://schemas.openxmlformats.org/officeDocument/2006/math">
+                    <m:oMathParaPr>
+                      <m:jc m:val="centerGroup"/>
+                    </m:oMathParaPr>
+                    <m:oMath xmlns:m="http://schemas.openxmlformats.org/officeDocument/2006/math">
+                      <m:f>
+                        <m:fPr>
+                          <m:ctrlPr>
+                            <a:rPr lang="fr-FR" sz="1100" b="0" i="1" smtClean="0">
+                              <a:solidFill>
+                                <a:schemeClr val="tx2"/>
+                              </a:solidFill>
+                              <a:latin typeface="Cambria Math" panose="02040503050406030204" pitchFamily="18" charset="0"/>
+                            </a:rPr>
+                          </m:ctrlPr>
+                        </m:fPr>
+                        <m:num>
+                          <m:r>
+                            <a:rPr lang="fr-FR" sz="1100" b="0" i="1" smtClean="0">
+                              <a:solidFill>
+                                <a:schemeClr val="tx2"/>
+                              </a:solidFill>
+                              <a:latin typeface="Cambria Math" panose="02040503050406030204" pitchFamily="18" charset="0"/>
+                            </a:rPr>
+                            <m:t>1</m:t>
+                          </m:r>
+                        </m:num>
+                        <m:den>
+                          <m:sSub>
+                            <m:sSubPr>
+                              <m:ctrlPr>
+                                <a:rPr lang="fr-FR" sz="1100" b="0" i="1" smtClean="0">
+                                  <a:solidFill>
+                                    <a:schemeClr val="tx2"/>
+                                  </a:solidFill>
+                                  <a:latin typeface="Cambria Math" panose="02040503050406030204" pitchFamily="18" charset="0"/>
+                                </a:rPr>
+                              </m:ctrlPr>
+                            </m:sSubPr>
+                            <m:e>
+                              <m:r>
+                                <a:rPr lang="fr-FR" sz="1100" b="0" i="1" smtClean="0">
+                                  <a:solidFill>
+                                    <a:schemeClr val="tx2"/>
+                                  </a:solidFill>
+                                  <a:latin typeface="Cambria Math" panose="02040503050406030204" pitchFamily="18" charset="0"/>
+                                </a:rPr>
+                                <m:t>𝐽</m:t>
+                              </m:r>
+                            </m:e>
+                            <m:sub>
+                              <m:r>
+                                <a:rPr lang="fr-FR" sz="1100" b="0" i="1" smtClean="0">
+                                  <a:solidFill>
+                                    <a:schemeClr val="tx2"/>
+                                  </a:solidFill>
+                                  <a:latin typeface="Cambria Math" panose="02040503050406030204" pitchFamily="18" charset="0"/>
+                                </a:rPr>
+                                <m:t>𝑒𝑞</m:t>
+                              </m:r>
+                            </m:sub>
+                          </m:sSub>
+                          <m:r>
+                            <a:rPr lang="fr-FR" sz="1100" b="0" i="1" smtClean="0">
+                              <a:solidFill>
+                                <a:schemeClr val="tx2"/>
+                              </a:solidFill>
+                              <a:latin typeface="Cambria Math" panose="02040503050406030204" pitchFamily="18" charset="0"/>
+                            </a:rPr>
+                            <m:t>𝑝</m:t>
+                          </m:r>
+                        </m:den>
+                      </m:f>
+                    </m:oMath>
+                  </m:oMathPara>
+                </a14:m>
+                <a:endParaRPr lang="fr-FR" sz="1100" dirty="0">
+                  <a:solidFill>
+                    <a:schemeClr val="tx2"/>
+                  </a:solidFill>
+                  <a:latin typeface="Arial Nova" panose="020B0504020202020204" pitchFamily="34" charset="0"/>
+                </a:endParaRPr>
+              </a:p>
+            </p:txBody>
+          </p:sp>
+        </mc:Choice>
+        <mc:Fallback>
+          <p:sp>
+            <p:nvSpPr>
+              <p:cNvPr id="13" name="Rectangle : coins arrondis 12">
+                <a:extLst>
+                  <a:ext uri="{FF2B5EF4-FFF2-40B4-BE49-F238E27FC236}">
+                    <a16:creationId xmlns:a16="http://schemas.microsoft.com/office/drawing/2014/main" id="{BB2F2F82-9E9A-C496-3727-3A6012394223}"/>
+                  </a:ext>
+                </a:extLst>
+              </p:cNvPr>
+              <p:cNvSpPr>
+                <a:spLocks noRot="1" noChangeAspect="1" noMove="1" noResize="1" noEditPoints="1" noAdjustHandles="1" noChangeArrowheads="1" noChangeShapeType="1" noTextEdit="1"/>
+              </p:cNvSpPr>
+              <p:nvPr/>
+            </p:nvSpPr>
+            <p:spPr>
+              <a:xfrm>
+                <a:off x="6823434" y="1812370"/>
+                <a:ext cx="720000" cy="360000"/>
+              </a:xfrm>
+              <a:prstGeom prst="roundRect">
+                <a:avLst>
+                  <a:gd name="adj" fmla="val 11914"/>
+                </a:avLst>
+              </a:prstGeom>
+              <a:blipFill>
+                <a:blip r:embed="rId6"/>
+                <a:stretch>
+                  <a:fillRect b="-6452"/>
+                </a:stretch>
+              </a:blipFill>
+              <a:ln w="19050">
+                <a:solidFill>
+                  <a:srgbClr val="004F77"/>
+                </a:solidFill>
+              </a:ln>
+            </p:spPr>
+            <p:txBody>
+              <a:bodyPr/>
+              <a:lstStyle/>
+              <a:p>
+                <a:r>
+                  <a:rPr lang="fr-FR">
+                    <a:noFill/>
+                  </a:rPr>
+                  <a:t> </a:t>
+                </a:r>
+              </a:p>
+            </p:txBody>
+          </p:sp>
+        </mc:Fallback>
+      </mc:AlternateContent>
+      <mc:AlternateContent xmlns:mc="http://schemas.openxmlformats.org/markup-compatibility/2006">
+        <mc:Choice xmlns:a14="http://schemas.microsoft.com/office/drawing/2010/main" Requires="a14">
+          <p:sp>
+            <p:nvSpPr>
+              <p:cNvPr id="14" name="Rectangle : coins arrondis 13">
+                <a:extLst>
+                  <a:ext uri="{FF2B5EF4-FFF2-40B4-BE49-F238E27FC236}">
+                    <a16:creationId xmlns:a16="http://schemas.microsoft.com/office/drawing/2014/main" id="{9DD5EEF9-5F25-47D6-6D80-B31E7F7F7E98}"/>
+                  </a:ext>
+                </a:extLst>
+              </p:cNvPr>
+              <p:cNvSpPr/>
+              <p:nvPr/>
+            </p:nvSpPr>
+            <p:spPr>
+              <a:xfrm>
+                <a:off x="5358874" y="2301320"/>
+                <a:ext cx="720000" cy="360000"/>
+              </a:xfrm>
+              <a:prstGeom prst="roundRect">
+                <a:avLst>
+                  <a:gd name="adj" fmla="val 11914"/>
+                </a:avLst>
+              </a:prstGeom>
+              <a:noFill/>
+              <a:ln w="19050">
+                <a:solidFill>
+                  <a:srgbClr val="004F77"/>
+                </a:solidFill>
+              </a:ln>
+            </p:spPr>
+            <p:style>
+              <a:lnRef idx="2">
+                <a:schemeClr val="accent1">
+                  <a:shade val="50000"/>
+                </a:schemeClr>
+              </a:lnRef>
+              <a:fillRef idx="1">
+                <a:schemeClr val="accent1"/>
+              </a:fillRef>
+              <a:effectRef idx="0">
+                <a:schemeClr val="accent1"/>
+              </a:effectRef>
+              <a:fontRef idx="minor">
+                <a:schemeClr val="lt1"/>
+              </a:fontRef>
+            </p:style>
+            <p:txBody>
+              <a:bodyPr rtlCol="0" anchor="ctr"/>
+              <a:lstStyle/>
+              <a:p>
+                <a:pPr algn="ctr"/>
+                <a14:m>
+                  <m:oMathPara xmlns:m="http://schemas.openxmlformats.org/officeDocument/2006/math">
+                    <m:oMathParaPr>
+                      <m:jc m:val="centerGroup"/>
+                    </m:oMathParaPr>
+                    <m:oMath xmlns:m="http://schemas.openxmlformats.org/officeDocument/2006/math">
+                      <m:sSub>
+                        <m:sSubPr>
+                          <m:ctrlPr>
+                            <a:rPr lang="fr-FR" sz="1400" b="0" i="1" smtClean="0">
+                              <a:solidFill>
+                                <a:schemeClr val="tx2"/>
+                              </a:solidFill>
+                              <a:latin typeface="Cambria Math" panose="02040503050406030204" pitchFamily="18" charset="0"/>
+                            </a:rPr>
+                          </m:ctrlPr>
+                        </m:sSubPr>
+                        <m:e>
+                          <m:r>
+                            <a:rPr lang="fr-FR" sz="1400" b="0" i="1" smtClean="0">
+                              <a:solidFill>
+                                <a:schemeClr val="tx2"/>
+                              </a:solidFill>
+                              <a:latin typeface="Cambria Math" panose="02040503050406030204" pitchFamily="18" charset="0"/>
+                            </a:rPr>
+                            <m:t>𝐾</m:t>
+                          </m:r>
+                        </m:e>
+                        <m:sub>
+                          <m:r>
+                            <a:rPr lang="fr-FR" sz="1400" b="0" i="1" smtClean="0">
+                              <a:solidFill>
+                                <a:schemeClr val="tx2"/>
+                              </a:solidFill>
+                              <a:latin typeface="Cambria Math" panose="02040503050406030204" pitchFamily="18" charset="0"/>
+                            </a:rPr>
+                            <m:t>𝑚</m:t>
+                          </m:r>
+                        </m:sub>
+                      </m:sSub>
+                    </m:oMath>
+                  </m:oMathPara>
+                </a14:m>
+                <a:endParaRPr lang="fr-FR" sz="1400" dirty="0">
+                  <a:solidFill>
+                    <a:schemeClr val="tx2"/>
+                  </a:solidFill>
+                  <a:latin typeface="Arial Nova" panose="020B0504020202020204" pitchFamily="34" charset="0"/>
+                </a:endParaRPr>
+              </a:p>
+            </p:txBody>
+          </p:sp>
+        </mc:Choice>
+        <mc:Fallback>
+          <p:sp>
+            <p:nvSpPr>
+              <p:cNvPr id="14" name="Rectangle : coins arrondis 13">
+                <a:extLst>
+                  <a:ext uri="{FF2B5EF4-FFF2-40B4-BE49-F238E27FC236}">
+                    <a16:creationId xmlns:a16="http://schemas.microsoft.com/office/drawing/2014/main" id="{9DD5EEF9-5F25-47D6-6D80-B31E7F7F7E98}"/>
+                  </a:ext>
+                </a:extLst>
+              </p:cNvPr>
+              <p:cNvSpPr>
+                <a:spLocks noRot="1" noChangeAspect="1" noMove="1" noResize="1" noEditPoints="1" noAdjustHandles="1" noChangeArrowheads="1" noChangeShapeType="1" noTextEdit="1"/>
+              </p:cNvSpPr>
+              <p:nvPr/>
+            </p:nvSpPr>
+            <p:spPr>
+              <a:xfrm>
+                <a:off x="5358874" y="2301320"/>
+                <a:ext cx="720000" cy="360000"/>
+              </a:xfrm>
+              <a:prstGeom prst="roundRect">
+                <a:avLst>
+                  <a:gd name="adj" fmla="val 11914"/>
+                </a:avLst>
+              </a:prstGeom>
+              <a:blipFill>
+                <a:blip r:embed="rId5"/>
+                <a:stretch>
+                  <a:fillRect/>
+                </a:stretch>
+              </a:blipFill>
+              <a:ln w="19050">
+                <a:solidFill>
+                  <a:srgbClr val="004F77"/>
+                </a:solidFill>
+              </a:ln>
+            </p:spPr>
+            <p:txBody>
+              <a:bodyPr/>
+              <a:lstStyle/>
+              <a:p>
+                <a:r>
+                  <a:rPr lang="fr-FR">
+                    <a:noFill/>
+                  </a:rPr>
+                  <a:t> </a:t>
+                </a:r>
+              </a:p>
+            </p:txBody>
+          </p:sp>
+        </mc:Fallback>
+      </mc:AlternateContent>
+      <p:cxnSp>
+        <p:nvCxnSpPr>
+          <p:cNvPr id="16" name="Connecteur droit avec flèche 15">
+            <a:extLst>
+              <a:ext uri="{FF2B5EF4-FFF2-40B4-BE49-F238E27FC236}">
+                <a16:creationId xmlns:a16="http://schemas.microsoft.com/office/drawing/2014/main" id="{2920A564-2257-29FC-22AB-7EFAAC80CBE3}"/>
+              </a:ext>
+            </a:extLst>
+          </p:cNvPr>
+          <p:cNvCxnSpPr>
+            <a:endCxn id="6" idx="2"/>
+          </p:cNvCxnSpPr>
+          <p:nvPr/>
+        </p:nvCxnSpPr>
+        <p:spPr>
+          <a:xfrm>
+            <a:off x="577850" y="1992370"/>
+            <a:ext cx="387350" cy="0"/>
+          </a:xfrm>
+          <a:prstGeom prst="straightConnector1">
+            <a:avLst/>
+          </a:prstGeom>
+          <a:ln>
+            <a:solidFill>
+              <a:schemeClr val="tx2"/>
+            </a:solidFill>
+            <a:tailEnd type="triangle" w="med" len="lg"/>
+          </a:ln>
+        </p:spPr>
+        <p:style>
+          <a:lnRef idx="1">
+            <a:schemeClr val="accent1"/>
+          </a:lnRef>
+          <a:fillRef idx="0">
+            <a:schemeClr val="accent1"/>
+          </a:fillRef>
+          <a:effectRef idx="0">
+            <a:schemeClr val="accent1"/>
+          </a:effectRef>
+          <a:fontRef idx="minor">
+            <a:schemeClr val="tx1"/>
+          </a:fontRef>
+        </p:style>
+      </p:cxnSp>
+      <p:cxnSp>
+        <p:nvCxnSpPr>
+          <p:cNvPr id="17" name="Connecteur droit avec flèche 16">
+            <a:extLst>
+              <a:ext uri="{FF2B5EF4-FFF2-40B4-BE49-F238E27FC236}">
+                <a16:creationId xmlns:a16="http://schemas.microsoft.com/office/drawing/2014/main" id="{B6E8080B-6922-AC6E-4F6B-1D7CD84C13FB}"/>
+              </a:ext>
+            </a:extLst>
+          </p:cNvPr>
+          <p:cNvCxnSpPr>
+            <a:cxnSpLocks/>
+            <a:stCxn id="6" idx="6"/>
+            <a:endCxn id="4" idx="1"/>
+          </p:cNvCxnSpPr>
+          <p:nvPr/>
+        </p:nvCxnSpPr>
+        <p:spPr>
+          <a:xfrm>
+            <a:off x="1145200" y="1992370"/>
+            <a:ext cx="282279" cy="0"/>
+          </a:xfrm>
+          <a:prstGeom prst="straightConnector1">
+            <a:avLst/>
+          </a:prstGeom>
+          <a:ln>
+            <a:solidFill>
+              <a:schemeClr val="tx2"/>
+            </a:solidFill>
+            <a:tailEnd type="triangle" w="med" len="lg"/>
+          </a:ln>
+        </p:spPr>
+        <p:style>
+          <a:lnRef idx="1">
+            <a:schemeClr val="accent1"/>
+          </a:lnRef>
+          <a:fillRef idx="0">
+            <a:schemeClr val="accent1"/>
+          </a:fillRef>
+          <a:effectRef idx="0">
+            <a:schemeClr val="accent1"/>
+          </a:effectRef>
+          <a:fontRef idx="minor">
+            <a:schemeClr val="tx1"/>
+          </a:fontRef>
+        </p:style>
+      </p:cxnSp>
+      <p:cxnSp>
+        <p:nvCxnSpPr>
+          <p:cNvPr id="20" name="Connecteur droit avec flèche 19">
+            <a:extLst>
+              <a:ext uri="{FF2B5EF4-FFF2-40B4-BE49-F238E27FC236}">
+                <a16:creationId xmlns:a16="http://schemas.microsoft.com/office/drawing/2014/main" id="{A226D682-2AF3-EEFB-2460-FAEE799AD202}"/>
+              </a:ext>
+            </a:extLst>
+          </p:cNvPr>
+          <p:cNvCxnSpPr>
+            <a:cxnSpLocks/>
+            <a:stCxn id="4" idx="3"/>
+            <a:endCxn id="7" idx="2"/>
+          </p:cNvCxnSpPr>
+          <p:nvPr/>
+        </p:nvCxnSpPr>
+        <p:spPr>
+          <a:xfrm>
+            <a:off x="2147479" y="1992370"/>
+            <a:ext cx="282279" cy="0"/>
+          </a:xfrm>
+          <a:prstGeom prst="straightConnector1">
+            <a:avLst/>
+          </a:prstGeom>
+          <a:ln>
+            <a:solidFill>
+              <a:schemeClr val="tx2"/>
+            </a:solidFill>
+            <a:tailEnd type="triangle" w="med" len="lg"/>
+          </a:ln>
+        </p:spPr>
+        <p:style>
+          <a:lnRef idx="1">
+            <a:schemeClr val="accent1"/>
+          </a:lnRef>
+          <a:fillRef idx="0">
+            <a:schemeClr val="accent1"/>
+          </a:fillRef>
+          <a:effectRef idx="0">
+            <a:schemeClr val="accent1"/>
+          </a:effectRef>
+          <a:fontRef idx="minor">
+            <a:schemeClr val="tx1"/>
+          </a:fontRef>
+        </p:style>
+      </p:cxnSp>
+      <p:cxnSp>
+        <p:nvCxnSpPr>
+          <p:cNvPr id="23" name="Connecteur droit avec flèche 22">
+            <a:extLst>
+              <a:ext uri="{FF2B5EF4-FFF2-40B4-BE49-F238E27FC236}">
+                <a16:creationId xmlns:a16="http://schemas.microsoft.com/office/drawing/2014/main" id="{A2E58B60-FE80-EEB9-B91C-62AB650A26E3}"/>
+              </a:ext>
+            </a:extLst>
+          </p:cNvPr>
+          <p:cNvCxnSpPr>
+            <a:cxnSpLocks/>
+            <a:stCxn id="7" idx="6"/>
+            <a:endCxn id="8" idx="1"/>
+          </p:cNvCxnSpPr>
+          <p:nvPr/>
+        </p:nvCxnSpPr>
+        <p:spPr>
+          <a:xfrm>
+            <a:off x="2609758" y="1992370"/>
+            <a:ext cx="282279" cy="0"/>
+          </a:xfrm>
+          <a:prstGeom prst="straightConnector1">
+            <a:avLst/>
+          </a:prstGeom>
+          <a:ln>
+            <a:solidFill>
+              <a:schemeClr val="tx2"/>
+            </a:solidFill>
+            <a:tailEnd type="triangle" w="med" len="lg"/>
+          </a:ln>
+        </p:spPr>
+        <p:style>
+          <a:lnRef idx="1">
+            <a:schemeClr val="accent1"/>
+          </a:lnRef>
+          <a:fillRef idx="0">
+            <a:schemeClr val="accent1"/>
+          </a:fillRef>
+          <a:effectRef idx="0">
+            <a:schemeClr val="accent1"/>
+          </a:effectRef>
+          <a:fontRef idx="minor">
+            <a:schemeClr val="tx1"/>
+          </a:fontRef>
+        </p:style>
+      </p:cxnSp>
+      <p:cxnSp>
+        <p:nvCxnSpPr>
+          <p:cNvPr id="26" name="Connecteur droit avec flèche 25">
+            <a:extLst>
+              <a:ext uri="{FF2B5EF4-FFF2-40B4-BE49-F238E27FC236}">
+                <a16:creationId xmlns:a16="http://schemas.microsoft.com/office/drawing/2014/main" id="{ED158364-4C8B-6F3C-8EBF-B46371D9D476}"/>
+              </a:ext>
+            </a:extLst>
+          </p:cNvPr>
+          <p:cNvCxnSpPr>
+            <a:cxnSpLocks/>
+            <a:stCxn id="8" idx="3"/>
+            <a:endCxn id="9" idx="2"/>
+          </p:cNvCxnSpPr>
+          <p:nvPr/>
+        </p:nvCxnSpPr>
+        <p:spPr>
+          <a:xfrm>
+            <a:off x="3612037" y="1992370"/>
+            <a:ext cx="282279" cy="0"/>
+          </a:xfrm>
+          <a:prstGeom prst="straightConnector1">
+            <a:avLst/>
+          </a:prstGeom>
+          <a:ln>
+            <a:solidFill>
+              <a:schemeClr val="tx2"/>
+            </a:solidFill>
+            <a:tailEnd type="triangle" w="med" len="lg"/>
+          </a:ln>
+        </p:spPr>
+        <p:style>
+          <a:lnRef idx="1">
+            <a:schemeClr val="accent1"/>
+          </a:lnRef>
+          <a:fillRef idx="0">
+            <a:schemeClr val="accent1"/>
+          </a:fillRef>
+          <a:effectRef idx="0">
+            <a:schemeClr val="accent1"/>
+          </a:effectRef>
+          <a:fontRef idx="minor">
+            <a:schemeClr val="tx1"/>
+          </a:fontRef>
+        </p:style>
+      </p:cxnSp>
+      <p:cxnSp>
+        <p:nvCxnSpPr>
+          <p:cNvPr id="29" name="Connecteur droit avec flèche 28">
+            <a:extLst>
+              <a:ext uri="{FF2B5EF4-FFF2-40B4-BE49-F238E27FC236}">
+                <a16:creationId xmlns:a16="http://schemas.microsoft.com/office/drawing/2014/main" id="{AA2A3271-40B8-FBA3-38D1-1744EBAE5FD4}"/>
+              </a:ext>
+            </a:extLst>
+          </p:cNvPr>
+          <p:cNvCxnSpPr>
+            <a:cxnSpLocks/>
+            <a:stCxn id="9" idx="6"/>
+            <a:endCxn id="10" idx="1"/>
+          </p:cNvCxnSpPr>
+          <p:nvPr/>
+        </p:nvCxnSpPr>
+        <p:spPr>
+          <a:xfrm>
+            <a:off x="4074316" y="1992370"/>
+            <a:ext cx="282279" cy="0"/>
+          </a:xfrm>
+          <a:prstGeom prst="straightConnector1">
+            <a:avLst/>
+          </a:prstGeom>
+          <a:ln>
+            <a:solidFill>
+              <a:schemeClr val="tx2"/>
+            </a:solidFill>
+            <a:tailEnd type="triangle" w="med" len="lg"/>
+          </a:ln>
+        </p:spPr>
+        <p:style>
+          <a:lnRef idx="1">
+            <a:schemeClr val="accent1"/>
+          </a:lnRef>
+          <a:fillRef idx="0">
+            <a:schemeClr val="accent1"/>
+          </a:fillRef>
+          <a:effectRef idx="0">
+            <a:schemeClr val="accent1"/>
+          </a:effectRef>
+          <a:fontRef idx="minor">
+            <a:schemeClr val="tx1"/>
+          </a:fontRef>
+        </p:style>
+      </p:cxnSp>
+      <p:cxnSp>
+        <p:nvCxnSpPr>
+          <p:cNvPr id="32" name="Connecteur droit avec flèche 31">
+            <a:extLst>
+              <a:ext uri="{FF2B5EF4-FFF2-40B4-BE49-F238E27FC236}">
+                <a16:creationId xmlns:a16="http://schemas.microsoft.com/office/drawing/2014/main" id="{3DB429D4-C211-E55B-07E0-C895CD5F96DC}"/>
+              </a:ext>
+            </a:extLst>
+          </p:cNvPr>
+          <p:cNvCxnSpPr>
+            <a:cxnSpLocks/>
+            <a:stCxn id="10" idx="3"/>
+            <a:endCxn id="11" idx="1"/>
+          </p:cNvCxnSpPr>
+          <p:nvPr/>
+        </p:nvCxnSpPr>
+        <p:spPr>
+          <a:xfrm>
+            <a:off x="5076595" y="1992370"/>
+            <a:ext cx="282279" cy="0"/>
+          </a:xfrm>
+          <a:prstGeom prst="straightConnector1">
+            <a:avLst/>
+          </a:prstGeom>
+          <a:ln>
+            <a:solidFill>
+              <a:schemeClr val="tx2"/>
+            </a:solidFill>
+            <a:tailEnd type="triangle" w="med" len="lg"/>
+          </a:ln>
+        </p:spPr>
+        <p:style>
+          <a:lnRef idx="1">
+            <a:schemeClr val="accent1"/>
+          </a:lnRef>
+          <a:fillRef idx="0">
+            <a:schemeClr val="accent1"/>
+          </a:fillRef>
+          <a:effectRef idx="0">
+            <a:schemeClr val="accent1"/>
+          </a:effectRef>
+          <a:fontRef idx="minor">
+            <a:schemeClr val="tx1"/>
+          </a:fontRef>
+        </p:style>
+      </p:cxnSp>
+      <p:cxnSp>
+        <p:nvCxnSpPr>
+          <p:cNvPr id="36" name="Connecteur droit avec flèche 35">
+            <a:extLst>
+              <a:ext uri="{FF2B5EF4-FFF2-40B4-BE49-F238E27FC236}">
+                <a16:creationId xmlns:a16="http://schemas.microsoft.com/office/drawing/2014/main" id="{29728094-4D70-70D2-B62C-E7952B1C228D}"/>
+              </a:ext>
+            </a:extLst>
+          </p:cNvPr>
+          <p:cNvCxnSpPr>
+            <a:cxnSpLocks/>
+            <a:stCxn id="11" idx="3"/>
+            <a:endCxn id="12" idx="2"/>
+          </p:cNvCxnSpPr>
+          <p:nvPr/>
+        </p:nvCxnSpPr>
+        <p:spPr>
+          <a:xfrm>
+            <a:off x="6078874" y="1992370"/>
+            <a:ext cx="282279" cy="0"/>
+          </a:xfrm>
+          <a:prstGeom prst="straightConnector1">
+            <a:avLst/>
+          </a:prstGeom>
+          <a:ln>
+            <a:solidFill>
+              <a:schemeClr val="tx2"/>
+            </a:solidFill>
+            <a:tailEnd type="triangle" w="med" len="lg"/>
+          </a:ln>
+        </p:spPr>
+        <p:style>
+          <a:lnRef idx="1">
+            <a:schemeClr val="accent1"/>
+          </a:lnRef>
+          <a:fillRef idx="0">
+            <a:schemeClr val="accent1"/>
+          </a:fillRef>
+          <a:effectRef idx="0">
+            <a:schemeClr val="accent1"/>
+          </a:effectRef>
+          <a:fontRef idx="minor">
+            <a:schemeClr val="tx1"/>
+          </a:fontRef>
+        </p:style>
+      </p:cxnSp>
+      <p:cxnSp>
+        <p:nvCxnSpPr>
+          <p:cNvPr id="39" name="Connecteur droit avec flèche 38">
+            <a:extLst>
+              <a:ext uri="{FF2B5EF4-FFF2-40B4-BE49-F238E27FC236}">
+                <a16:creationId xmlns:a16="http://schemas.microsoft.com/office/drawing/2014/main" id="{8B3EFCEE-99E6-C361-41F5-264FFAADD505}"/>
+              </a:ext>
+            </a:extLst>
+          </p:cNvPr>
+          <p:cNvCxnSpPr>
+            <a:cxnSpLocks/>
+            <a:stCxn id="12" idx="6"/>
+            <a:endCxn id="13" idx="1"/>
+          </p:cNvCxnSpPr>
+          <p:nvPr/>
+        </p:nvCxnSpPr>
+        <p:spPr>
+          <a:xfrm>
+            <a:off x="6541153" y="1992370"/>
+            <a:ext cx="282281" cy="0"/>
+          </a:xfrm>
+          <a:prstGeom prst="straightConnector1">
+            <a:avLst/>
+          </a:prstGeom>
+          <a:ln>
+            <a:solidFill>
+              <a:schemeClr val="tx2"/>
+            </a:solidFill>
+            <a:tailEnd type="triangle" w="med" len="lg"/>
+          </a:ln>
+        </p:spPr>
+        <p:style>
+          <a:lnRef idx="1">
+            <a:schemeClr val="accent1"/>
+          </a:lnRef>
+          <a:fillRef idx="0">
+            <a:schemeClr val="accent1"/>
+          </a:fillRef>
+          <a:effectRef idx="0">
+            <a:schemeClr val="accent1"/>
+          </a:effectRef>
+          <a:fontRef idx="minor">
+            <a:schemeClr val="tx1"/>
+          </a:fontRef>
+        </p:style>
+      </p:cxnSp>
+      <p:cxnSp>
+        <p:nvCxnSpPr>
+          <p:cNvPr id="42" name="Connecteur droit avec flèche 41">
+            <a:extLst>
+              <a:ext uri="{FF2B5EF4-FFF2-40B4-BE49-F238E27FC236}">
+                <a16:creationId xmlns:a16="http://schemas.microsoft.com/office/drawing/2014/main" id="{F6A4D42D-B7EC-1A76-3343-D3A1972F56CA}"/>
+              </a:ext>
+            </a:extLst>
+          </p:cNvPr>
+          <p:cNvCxnSpPr>
+            <a:cxnSpLocks/>
+            <a:stCxn id="13" idx="3"/>
+          </p:cNvCxnSpPr>
+          <p:nvPr/>
+        </p:nvCxnSpPr>
+        <p:spPr>
+          <a:xfrm>
+            <a:off x="7543434" y="1992370"/>
+            <a:ext cx="533766" cy="0"/>
+          </a:xfrm>
+          <a:prstGeom prst="straightConnector1">
+            <a:avLst/>
+          </a:prstGeom>
+          <a:ln>
+            <a:solidFill>
+              <a:schemeClr val="tx2"/>
+            </a:solidFill>
+            <a:tailEnd type="triangle" w="med" len="lg"/>
+          </a:ln>
+        </p:spPr>
+        <p:style>
+          <a:lnRef idx="1">
+            <a:schemeClr val="accent1"/>
+          </a:lnRef>
+          <a:fillRef idx="0">
+            <a:schemeClr val="accent1"/>
+          </a:fillRef>
+          <a:effectRef idx="0">
+            <a:schemeClr val="accent1"/>
+          </a:effectRef>
+          <a:fontRef idx="minor">
+            <a:schemeClr val="tx1"/>
+          </a:fontRef>
+        </p:style>
+      </p:cxnSp>
+      <p:cxnSp>
+        <p:nvCxnSpPr>
+          <p:cNvPr id="45" name="Connecteur droit avec flèche 44">
+            <a:extLst>
+              <a:ext uri="{FF2B5EF4-FFF2-40B4-BE49-F238E27FC236}">
+                <a16:creationId xmlns:a16="http://schemas.microsoft.com/office/drawing/2014/main" id="{358F8327-2896-A555-C0B4-FFCA77F4413C}"/>
+              </a:ext>
+            </a:extLst>
+          </p:cNvPr>
+          <p:cNvCxnSpPr>
+            <a:cxnSpLocks/>
+            <a:endCxn id="14" idx="3"/>
+          </p:cNvCxnSpPr>
+          <p:nvPr/>
+        </p:nvCxnSpPr>
+        <p:spPr>
+          <a:xfrm flipH="1">
+            <a:off x="6078874" y="2481320"/>
+            <a:ext cx="1599808" cy="0"/>
+          </a:xfrm>
+          <a:prstGeom prst="straightConnector1">
+            <a:avLst/>
+          </a:prstGeom>
+          <a:ln>
+            <a:solidFill>
+              <a:schemeClr val="tx2"/>
+            </a:solidFill>
+            <a:tailEnd type="triangle" w="med" len="lg"/>
+          </a:ln>
+        </p:spPr>
+        <p:style>
+          <a:lnRef idx="1">
+            <a:schemeClr val="accent1"/>
+          </a:lnRef>
+          <a:fillRef idx="0">
+            <a:schemeClr val="accent1"/>
+          </a:fillRef>
+          <a:effectRef idx="0">
+            <a:schemeClr val="accent1"/>
+          </a:effectRef>
+          <a:fontRef idx="minor">
+            <a:schemeClr val="tx1"/>
+          </a:fontRef>
+        </p:style>
+      </p:cxnSp>
+      <p:cxnSp>
+        <p:nvCxnSpPr>
+          <p:cNvPr id="48" name="Connecteur droit avec flèche 47">
+            <a:extLst>
+              <a:ext uri="{FF2B5EF4-FFF2-40B4-BE49-F238E27FC236}">
+                <a16:creationId xmlns:a16="http://schemas.microsoft.com/office/drawing/2014/main" id="{3C749E40-640B-C2CD-445A-C151F2F43A24}"/>
+              </a:ext>
+            </a:extLst>
+          </p:cNvPr>
+          <p:cNvCxnSpPr>
+            <a:cxnSpLocks/>
+          </p:cNvCxnSpPr>
+          <p:nvPr/>
+        </p:nvCxnSpPr>
+        <p:spPr>
+          <a:xfrm>
+            <a:off x="7678682" y="1992370"/>
+            <a:ext cx="0" cy="488950"/>
+          </a:xfrm>
+          <a:prstGeom prst="straightConnector1">
+            <a:avLst/>
+          </a:prstGeom>
+          <a:ln>
+            <a:solidFill>
+              <a:schemeClr val="tx2"/>
+            </a:solidFill>
+            <a:tailEnd type="none" w="med" len="lg"/>
+          </a:ln>
+        </p:spPr>
+        <p:style>
+          <a:lnRef idx="1">
+            <a:schemeClr val="accent1"/>
+          </a:lnRef>
+          <a:fillRef idx="0">
+            <a:schemeClr val="accent1"/>
+          </a:fillRef>
+          <a:effectRef idx="0">
+            <a:schemeClr val="accent1"/>
+          </a:effectRef>
+          <a:fontRef idx="minor">
+            <a:schemeClr val="tx1"/>
+          </a:fontRef>
+        </p:style>
+      </p:cxnSp>
+      <p:cxnSp>
+        <p:nvCxnSpPr>
+          <p:cNvPr id="54" name="Connecteur droit avec flèche 53">
+            <a:extLst>
+              <a:ext uri="{FF2B5EF4-FFF2-40B4-BE49-F238E27FC236}">
+                <a16:creationId xmlns:a16="http://schemas.microsoft.com/office/drawing/2014/main" id="{3456D801-8D09-2E63-20A9-2331F874A9FF}"/>
+              </a:ext>
+            </a:extLst>
+          </p:cNvPr>
+          <p:cNvCxnSpPr>
+            <a:cxnSpLocks/>
+            <a:endCxn id="9" idx="4"/>
+          </p:cNvCxnSpPr>
+          <p:nvPr/>
+        </p:nvCxnSpPr>
+        <p:spPr>
+          <a:xfrm flipV="1">
+            <a:off x="3984316" y="2082370"/>
+            <a:ext cx="0" cy="398950"/>
+          </a:xfrm>
+          <a:prstGeom prst="straightConnector1">
+            <a:avLst/>
+          </a:prstGeom>
+          <a:ln>
+            <a:solidFill>
+              <a:schemeClr val="tx2"/>
+            </a:solidFill>
+            <a:tailEnd type="triangle" w="med" len="lg"/>
+          </a:ln>
+        </p:spPr>
+        <p:style>
+          <a:lnRef idx="1">
+            <a:schemeClr val="accent1"/>
+          </a:lnRef>
+          <a:fillRef idx="0">
+            <a:schemeClr val="accent1"/>
+          </a:fillRef>
+          <a:effectRef idx="0">
+            <a:schemeClr val="accent1"/>
+          </a:effectRef>
+          <a:fontRef idx="minor">
+            <a:schemeClr val="tx1"/>
+          </a:fontRef>
+        </p:style>
+      </p:cxnSp>
+      <p:cxnSp>
+        <p:nvCxnSpPr>
+          <p:cNvPr id="57" name="Connecteur droit avec flèche 56">
+            <a:extLst>
+              <a:ext uri="{FF2B5EF4-FFF2-40B4-BE49-F238E27FC236}">
+                <a16:creationId xmlns:a16="http://schemas.microsoft.com/office/drawing/2014/main" id="{7735BE04-313F-54BF-63C2-1AAB70F5CC7A}"/>
+              </a:ext>
+            </a:extLst>
+          </p:cNvPr>
+          <p:cNvCxnSpPr>
+            <a:cxnSpLocks/>
+            <a:stCxn id="14" idx="1"/>
+          </p:cNvCxnSpPr>
+          <p:nvPr/>
+        </p:nvCxnSpPr>
+        <p:spPr>
+          <a:xfrm flipH="1">
+            <a:off x="3984316" y="2481320"/>
+            <a:ext cx="1374558" cy="0"/>
+          </a:xfrm>
+          <a:prstGeom prst="straightConnector1">
+            <a:avLst/>
+          </a:prstGeom>
+          <a:ln>
+            <a:solidFill>
+              <a:schemeClr val="tx2"/>
+            </a:solidFill>
+            <a:tailEnd type="none" w="med" len="lg"/>
+          </a:ln>
+        </p:spPr>
+        <p:style>
+          <a:lnRef idx="1">
+            <a:schemeClr val="accent1"/>
+          </a:lnRef>
+          <a:fillRef idx="0">
+            <a:schemeClr val="accent1"/>
+          </a:fillRef>
+          <a:effectRef idx="0">
+            <a:schemeClr val="accent1"/>
+          </a:effectRef>
+          <a:fontRef idx="minor">
+            <a:schemeClr val="tx1"/>
+          </a:fontRef>
+        </p:style>
+      </p:cxnSp>
+      <p:cxnSp>
+        <p:nvCxnSpPr>
+          <p:cNvPr id="60" name="Connecteur droit avec flèche 59">
+            <a:extLst>
+              <a:ext uri="{FF2B5EF4-FFF2-40B4-BE49-F238E27FC236}">
+                <a16:creationId xmlns:a16="http://schemas.microsoft.com/office/drawing/2014/main" id="{4406002E-5146-DD15-2CA9-0E8D21DC82F7}"/>
+              </a:ext>
+            </a:extLst>
+          </p:cNvPr>
+          <p:cNvCxnSpPr>
+            <a:cxnSpLocks/>
+          </p:cNvCxnSpPr>
+          <p:nvPr/>
+        </p:nvCxnSpPr>
+        <p:spPr>
+          <a:xfrm>
+            <a:off x="2518814" y="1503420"/>
+            <a:ext cx="0" cy="398950"/>
+          </a:xfrm>
+          <a:prstGeom prst="straightConnector1">
+            <a:avLst/>
+          </a:prstGeom>
+          <a:ln>
+            <a:solidFill>
+              <a:schemeClr val="tx2"/>
+            </a:solidFill>
+            <a:tailEnd type="triangle" w="med" len="lg"/>
+          </a:ln>
+        </p:spPr>
+        <p:style>
+          <a:lnRef idx="1">
+            <a:schemeClr val="accent1"/>
+          </a:lnRef>
+          <a:fillRef idx="0">
+            <a:schemeClr val="accent1"/>
+          </a:fillRef>
+          <a:effectRef idx="0">
+            <a:schemeClr val="accent1"/>
+          </a:effectRef>
+          <a:fontRef idx="minor">
+            <a:schemeClr val="tx1"/>
+          </a:fontRef>
+        </p:style>
+      </p:cxnSp>
+      <p:cxnSp>
+        <p:nvCxnSpPr>
+          <p:cNvPr id="62" name="Connecteur droit avec flèche 61">
+            <a:extLst>
+              <a:ext uri="{FF2B5EF4-FFF2-40B4-BE49-F238E27FC236}">
+                <a16:creationId xmlns:a16="http://schemas.microsoft.com/office/drawing/2014/main" id="{64AF7D45-3158-226E-21EC-71E5AE717732}"/>
+              </a:ext>
+            </a:extLst>
+          </p:cNvPr>
+          <p:cNvCxnSpPr>
+            <a:cxnSpLocks/>
+          </p:cNvCxnSpPr>
+          <p:nvPr/>
+        </p:nvCxnSpPr>
+        <p:spPr>
+          <a:xfrm flipV="1">
+            <a:off x="5178043" y="1503420"/>
+            <a:ext cx="0" cy="488950"/>
+          </a:xfrm>
+          <a:prstGeom prst="straightConnector1">
+            <a:avLst/>
+          </a:prstGeom>
+          <a:ln>
+            <a:solidFill>
+              <a:schemeClr val="tx2"/>
+            </a:solidFill>
+            <a:tailEnd type="none" w="med" len="lg"/>
+          </a:ln>
+        </p:spPr>
+        <p:style>
+          <a:lnRef idx="1">
+            <a:schemeClr val="accent1"/>
+          </a:lnRef>
+          <a:fillRef idx="0">
+            <a:schemeClr val="accent1"/>
+          </a:fillRef>
+          <a:effectRef idx="0">
+            <a:schemeClr val="accent1"/>
+          </a:effectRef>
+          <a:fontRef idx="minor">
+            <a:schemeClr val="tx1"/>
+          </a:fontRef>
+        </p:style>
+      </p:cxnSp>
+      <p:cxnSp>
+        <p:nvCxnSpPr>
+          <p:cNvPr id="66" name="Connecteur droit avec flèche 65">
+            <a:extLst>
+              <a:ext uri="{FF2B5EF4-FFF2-40B4-BE49-F238E27FC236}">
+                <a16:creationId xmlns:a16="http://schemas.microsoft.com/office/drawing/2014/main" id="{73B52E7F-417A-23E6-7E57-EB57CA13D173}"/>
+              </a:ext>
+            </a:extLst>
+          </p:cNvPr>
+          <p:cNvCxnSpPr>
+            <a:cxnSpLocks/>
+          </p:cNvCxnSpPr>
+          <p:nvPr/>
+        </p:nvCxnSpPr>
+        <p:spPr>
+          <a:xfrm flipH="1">
+            <a:off x="2518814" y="1503420"/>
+            <a:ext cx="2659229" cy="0"/>
+          </a:xfrm>
+          <a:prstGeom prst="straightConnector1">
+            <a:avLst/>
+          </a:prstGeom>
+          <a:ln>
+            <a:solidFill>
+              <a:schemeClr val="tx2"/>
+            </a:solidFill>
+            <a:tailEnd type="none" w="med" len="lg"/>
+          </a:ln>
+        </p:spPr>
+        <p:style>
+          <a:lnRef idx="1">
+            <a:schemeClr val="accent1"/>
+          </a:lnRef>
+          <a:fillRef idx="0">
+            <a:schemeClr val="accent1"/>
+          </a:fillRef>
+          <a:effectRef idx="0">
+            <a:schemeClr val="accent1"/>
+          </a:effectRef>
+          <a:fontRef idx="minor">
+            <a:schemeClr val="tx1"/>
+          </a:fontRef>
+        </p:style>
+      </p:cxnSp>
+      <p:cxnSp>
+        <p:nvCxnSpPr>
+          <p:cNvPr id="71" name="Connecteur droit avec flèche 70">
+            <a:extLst>
+              <a:ext uri="{FF2B5EF4-FFF2-40B4-BE49-F238E27FC236}">
+                <a16:creationId xmlns:a16="http://schemas.microsoft.com/office/drawing/2014/main" id="{34FDEE8C-6C87-D6A1-9ECF-95BDB8639661}"/>
+              </a:ext>
+            </a:extLst>
+          </p:cNvPr>
+          <p:cNvCxnSpPr>
+            <a:cxnSpLocks/>
+          </p:cNvCxnSpPr>
+          <p:nvPr/>
+        </p:nvCxnSpPr>
+        <p:spPr>
+          <a:xfrm flipV="1">
+            <a:off x="1055200" y="2059165"/>
+            <a:ext cx="0" cy="676155"/>
+          </a:xfrm>
+          <a:prstGeom prst="straightConnector1">
+            <a:avLst/>
+          </a:prstGeom>
+          <a:ln>
+            <a:solidFill>
+              <a:schemeClr val="tx2"/>
+            </a:solidFill>
+            <a:tailEnd type="triangle" w="med" len="lg"/>
+          </a:ln>
+        </p:spPr>
+        <p:style>
+          <a:lnRef idx="1">
+            <a:schemeClr val="accent1"/>
+          </a:lnRef>
+          <a:fillRef idx="0">
+            <a:schemeClr val="accent1"/>
+          </a:fillRef>
+          <a:effectRef idx="0">
+            <a:schemeClr val="accent1"/>
+          </a:effectRef>
+          <a:fontRef idx="minor">
+            <a:schemeClr val="tx1"/>
+          </a:fontRef>
+        </p:style>
+      </p:cxnSp>
+      <p:cxnSp>
+        <p:nvCxnSpPr>
+          <p:cNvPr id="72" name="Connecteur droit avec flèche 71">
+            <a:extLst>
+              <a:ext uri="{FF2B5EF4-FFF2-40B4-BE49-F238E27FC236}">
+                <a16:creationId xmlns:a16="http://schemas.microsoft.com/office/drawing/2014/main" id="{8EBB725E-61F3-2D0C-6E96-0ACA39226AB1}"/>
+              </a:ext>
+            </a:extLst>
+          </p:cNvPr>
+          <p:cNvCxnSpPr>
+            <a:cxnSpLocks/>
+          </p:cNvCxnSpPr>
+          <p:nvPr/>
+        </p:nvCxnSpPr>
+        <p:spPr>
+          <a:xfrm flipH="1">
+            <a:off x="1055200" y="2735320"/>
+            <a:ext cx="6755117" cy="0"/>
+          </a:xfrm>
+          <a:prstGeom prst="straightConnector1">
+            <a:avLst/>
+          </a:prstGeom>
+          <a:ln>
+            <a:solidFill>
+              <a:schemeClr val="tx2"/>
+            </a:solidFill>
+            <a:tailEnd type="none" w="med" len="lg"/>
+          </a:ln>
+        </p:spPr>
+        <p:style>
+          <a:lnRef idx="1">
+            <a:schemeClr val="accent1"/>
+          </a:lnRef>
+          <a:fillRef idx="0">
+            <a:schemeClr val="accent1"/>
+          </a:fillRef>
+          <a:effectRef idx="0">
+            <a:schemeClr val="accent1"/>
+          </a:effectRef>
+          <a:fontRef idx="minor">
+            <a:schemeClr val="tx1"/>
+          </a:fontRef>
+        </p:style>
+      </p:cxnSp>
+      <p:cxnSp>
+        <p:nvCxnSpPr>
+          <p:cNvPr id="75" name="Connecteur droit avec flèche 74">
+            <a:extLst>
+              <a:ext uri="{FF2B5EF4-FFF2-40B4-BE49-F238E27FC236}">
+                <a16:creationId xmlns:a16="http://schemas.microsoft.com/office/drawing/2014/main" id="{743A4798-4503-BA1D-4EBC-3A34D88344C3}"/>
+              </a:ext>
+            </a:extLst>
+          </p:cNvPr>
+          <p:cNvCxnSpPr>
+            <a:cxnSpLocks/>
+          </p:cNvCxnSpPr>
+          <p:nvPr/>
+        </p:nvCxnSpPr>
+        <p:spPr>
+          <a:xfrm flipH="1">
+            <a:off x="7810317" y="1992370"/>
+            <a:ext cx="0" cy="742950"/>
+          </a:xfrm>
+          <a:prstGeom prst="straightConnector1">
+            <a:avLst/>
+          </a:prstGeom>
+          <a:ln>
+            <a:solidFill>
+              <a:schemeClr val="tx2"/>
+            </a:solidFill>
+            <a:tailEnd type="none" w="med" len="lg"/>
+          </a:ln>
+        </p:spPr>
+        <p:style>
+          <a:lnRef idx="1">
+            <a:schemeClr val="accent1"/>
+          </a:lnRef>
+          <a:fillRef idx="0">
+            <a:schemeClr val="accent1"/>
+          </a:fillRef>
+          <a:effectRef idx="0">
+            <a:schemeClr val="accent1"/>
+          </a:effectRef>
+          <a:fontRef idx="minor">
+            <a:schemeClr val="tx1"/>
+          </a:fontRef>
+        </p:style>
+      </p:cxnSp>
+      <p:cxnSp>
+        <p:nvCxnSpPr>
+          <p:cNvPr id="79" name="Connecteur droit avec flèche 78">
+            <a:extLst>
+              <a:ext uri="{FF2B5EF4-FFF2-40B4-BE49-F238E27FC236}">
+                <a16:creationId xmlns:a16="http://schemas.microsoft.com/office/drawing/2014/main" id="{02846812-9300-AE00-8C35-AD622C4770F8}"/>
+              </a:ext>
+            </a:extLst>
+          </p:cNvPr>
+          <p:cNvCxnSpPr>
+            <a:cxnSpLocks/>
+          </p:cNvCxnSpPr>
+          <p:nvPr/>
+        </p:nvCxnSpPr>
+        <p:spPr>
+          <a:xfrm>
+            <a:off x="6451153" y="1484195"/>
+            <a:ext cx="0" cy="398950"/>
+          </a:xfrm>
+          <a:prstGeom prst="straightConnector1">
+            <a:avLst/>
+          </a:prstGeom>
+          <a:ln>
+            <a:solidFill>
+              <a:schemeClr val="tx2"/>
+            </a:solidFill>
+            <a:tailEnd type="triangle" w="med" len="lg"/>
+          </a:ln>
+        </p:spPr>
+        <p:style>
+          <a:lnRef idx="1">
+            <a:schemeClr val="accent1"/>
+          </a:lnRef>
+          <a:fillRef idx="0">
+            <a:schemeClr val="accent1"/>
+          </a:fillRef>
+          <a:effectRef idx="0">
+            <a:schemeClr val="accent1"/>
+          </a:effectRef>
+          <a:fontRef idx="minor">
+            <a:schemeClr val="tx1"/>
+          </a:fontRef>
+        </p:style>
+      </p:cxnSp>
+      <mc:AlternateContent xmlns:mc="http://schemas.openxmlformats.org/markup-compatibility/2006">
+        <mc:Choice xmlns:a14="http://schemas.microsoft.com/office/drawing/2010/main" Requires="a14">
+          <p:sp>
+            <p:nvSpPr>
+              <p:cNvPr id="81" name="ZoneTexte 80">
+                <a:extLst>
+                  <a:ext uri="{FF2B5EF4-FFF2-40B4-BE49-F238E27FC236}">
+                    <a16:creationId xmlns:a16="http://schemas.microsoft.com/office/drawing/2014/main" id="{4BC804F1-4CBA-8232-5C40-B6DB35FD3701}"/>
+                  </a:ext>
+                </a:extLst>
+              </p:cNvPr>
+              <p:cNvSpPr txBox="1"/>
+              <p:nvPr/>
+            </p:nvSpPr>
+            <p:spPr>
+              <a:xfrm>
+                <a:off x="281144" y="1735432"/>
+                <a:ext cx="748521" cy="261610"/>
+              </a:xfrm>
+              <a:prstGeom prst="rect">
+                <a:avLst/>
+              </a:prstGeom>
+              <a:noFill/>
+            </p:spPr>
+            <p:txBody>
+              <a:bodyPr wrap="square">
+                <a:spAutoFit/>
+              </a:bodyPr>
+              <a:lstStyle/>
+              <a:p>
+                <a:pPr algn="ctr"/>
+                <a14:m>
+                  <m:oMathPara xmlns:m="http://schemas.openxmlformats.org/officeDocument/2006/math">
+                    <m:oMathParaPr>
+                      <m:jc m:val="centerGroup"/>
+                    </m:oMathParaPr>
+                    <m:oMath xmlns:m="http://schemas.openxmlformats.org/officeDocument/2006/math">
+                      <m:sSub>
+                        <m:sSubPr>
+                          <m:ctrlPr>
+                            <a:rPr lang="fr-FR" sz="1100" b="0" i="1" smtClean="0">
+                              <a:solidFill>
+                                <a:schemeClr val="tx2"/>
+                              </a:solidFill>
+                              <a:latin typeface="Cambria Math" panose="02040503050406030204" pitchFamily="18" charset="0"/>
+                            </a:rPr>
+                          </m:ctrlPr>
+                        </m:sSubPr>
+                        <m:e>
+                          <m:r>
+                            <a:rPr lang="fr-FR" sz="1100" b="0" i="1" smtClean="0">
+                              <a:solidFill>
+                                <a:schemeClr val="tx2"/>
+                              </a:solidFill>
+                              <a:latin typeface="Cambria Math" panose="02040503050406030204" pitchFamily="18" charset="0"/>
+                            </a:rPr>
+                            <m:t>𝜔</m:t>
+                          </m:r>
+                        </m:e>
+                        <m:sub>
+                          <m:r>
+                            <a:rPr lang="fr-FR" sz="1100" b="0" i="1" smtClean="0">
+                              <a:solidFill>
+                                <a:schemeClr val="tx2"/>
+                              </a:solidFill>
+                              <a:latin typeface="Cambria Math" panose="02040503050406030204" pitchFamily="18" charset="0"/>
+                            </a:rPr>
+                            <m:t>𝑚𝑐</m:t>
+                          </m:r>
+                        </m:sub>
+                      </m:sSub>
+                      <m:r>
+                        <a:rPr lang="fr-FR" sz="1100" b="0" i="1" smtClean="0">
+                          <a:solidFill>
+                            <a:schemeClr val="tx2"/>
+                          </a:solidFill>
+                          <a:latin typeface="Cambria Math" panose="02040503050406030204" pitchFamily="18" charset="0"/>
+                        </a:rPr>
+                        <m:t>(</m:t>
+                      </m:r>
+                      <m:r>
+                        <a:rPr lang="fr-FR" sz="1100" b="0" i="1" smtClean="0">
+                          <a:solidFill>
+                            <a:schemeClr val="tx2"/>
+                          </a:solidFill>
+                          <a:latin typeface="Cambria Math" panose="02040503050406030204" pitchFamily="18" charset="0"/>
+                        </a:rPr>
+                        <m:t>𝑝</m:t>
+                      </m:r>
+                      <m:r>
+                        <a:rPr lang="fr-FR" sz="1100" b="0" i="1" smtClean="0">
+                          <a:solidFill>
+                            <a:schemeClr val="tx2"/>
+                          </a:solidFill>
+                          <a:latin typeface="Cambria Math" panose="02040503050406030204" pitchFamily="18" charset="0"/>
+                        </a:rPr>
+                        <m:t>)</m:t>
+                      </m:r>
+                    </m:oMath>
+                  </m:oMathPara>
+                </a14:m>
+                <a:endParaRPr lang="fr-FR" sz="1100" dirty="0">
+                  <a:solidFill>
+                    <a:schemeClr val="tx2"/>
+                  </a:solidFill>
+                  <a:latin typeface="Arial Nova" panose="020B0504020202020204" pitchFamily="34" charset="0"/>
+                </a:endParaRPr>
+              </a:p>
+            </p:txBody>
+          </p:sp>
+        </mc:Choice>
+        <mc:Fallback>
+          <p:sp>
+            <p:nvSpPr>
+              <p:cNvPr id="81" name="ZoneTexte 80">
+                <a:extLst>
+                  <a:ext uri="{FF2B5EF4-FFF2-40B4-BE49-F238E27FC236}">
+                    <a16:creationId xmlns:a16="http://schemas.microsoft.com/office/drawing/2014/main" id="{4BC804F1-4CBA-8232-5C40-B6DB35FD3701}"/>
+                  </a:ext>
+                </a:extLst>
+              </p:cNvPr>
+              <p:cNvSpPr txBox="1">
+                <a:spLocks noRot="1" noChangeAspect="1" noMove="1" noResize="1" noEditPoints="1" noAdjustHandles="1" noChangeArrowheads="1" noChangeShapeType="1" noTextEdit="1"/>
+              </p:cNvSpPr>
+              <p:nvPr/>
+            </p:nvSpPr>
+            <p:spPr>
+              <a:xfrm>
+                <a:off x="281144" y="1735432"/>
+                <a:ext cx="748521" cy="261610"/>
+              </a:xfrm>
+              <a:prstGeom prst="rect">
+                <a:avLst/>
+              </a:prstGeom>
+              <a:blipFill>
+                <a:blip r:embed="rId7"/>
+                <a:stretch>
+                  <a:fillRect b="-4651"/>
+                </a:stretch>
+              </a:blipFill>
+            </p:spPr>
+            <p:txBody>
+              <a:bodyPr/>
+              <a:lstStyle/>
+              <a:p>
+                <a:r>
+                  <a:rPr lang="fr-FR">
+                    <a:noFill/>
+                  </a:rPr>
+                  <a:t> </a:t>
+                </a:r>
+              </a:p>
+            </p:txBody>
+          </p:sp>
+        </mc:Fallback>
+      </mc:AlternateContent>
+      <mc:AlternateContent xmlns:mc="http://schemas.openxmlformats.org/markup-compatibility/2006">
+        <mc:Choice xmlns:a14="http://schemas.microsoft.com/office/drawing/2010/main" Requires="a14">
+          <p:sp>
+            <p:nvSpPr>
+              <p:cNvPr id="82" name="ZoneTexte 81">
+                <a:extLst>
+                  <a:ext uri="{FF2B5EF4-FFF2-40B4-BE49-F238E27FC236}">
+                    <a16:creationId xmlns:a16="http://schemas.microsoft.com/office/drawing/2014/main" id="{CDABEB94-EDDE-45D9-EE8F-37BCFE106C0A}"/>
+                  </a:ext>
+                </a:extLst>
+              </p:cNvPr>
+              <p:cNvSpPr txBox="1"/>
+              <p:nvPr/>
+            </p:nvSpPr>
+            <p:spPr>
+              <a:xfrm>
+                <a:off x="1954048" y="1613285"/>
+                <a:ext cx="748521" cy="261610"/>
+              </a:xfrm>
+              <a:prstGeom prst="rect">
+                <a:avLst/>
+              </a:prstGeom>
+              <a:noFill/>
+            </p:spPr>
+            <p:txBody>
+              <a:bodyPr wrap="square">
+                <a:spAutoFit/>
+              </a:bodyPr>
+              <a:lstStyle/>
+              <a:p>
+                <a:pPr algn="ctr"/>
+                <a14:m>
+                  <m:oMathPara xmlns:m="http://schemas.openxmlformats.org/officeDocument/2006/math">
+                    <m:oMathParaPr>
+                      <m:jc m:val="centerGroup"/>
+                    </m:oMathParaPr>
+                    <m:oMath xmlns:m="http://schemas.openxmlformats.org/officeDocument/2006/math">
+                      <m:sSub>
+                        <m:sSubPr>
+                          <m:ctrlPr>
+                            <a:rPr lang="fr-FR" sz="1100" b="0" i="1" smtClean="0">
+                              <a:solidFill>
+                                <a:schemeClr val="tx2"/>
+                              </a:solidFill>
+                              <a:latin typeface="Cambria Math" panose="02040503050406030204" pitchFamily="18" charset="0"/>
+                            </a:rPr>
+                          </m:ctrlPr>
+                        </m:sSubPr>
+                        <m:e>
+                          <m:r>
+                            <a:rPr lang="fr-FR" sz="1100" b="0" i="1" smtClean="0">
+                              <a:solidFill>
+                                <a:schemeClr val="tx2"/>
+                              </a:solidFill>
+                              <a:latin typeface="Cambria Math" panose="02040503050406030204" pitchFamily="18" charset="0"/>
+                            </a:rPr>
+                            <m:t>𝐼</m:t>
+                          </m:r>
+                        </m:e>
+                        <m:sub>
+                          <m:r>
+                            <a:rPr lang="fr-FR" sz="1100" b="0" i="1" smtClean="0">
+                              <a:solidFill>
+                                <a:schemeClr val="tx2"/>
+                              </a:solidFill>
+                              <a:latin typeface="Cambria Math" panose="02040503050406030204" pitchFamily="18" charset="0"/>
+                            </a:rPr>
+                            <m:t>𝑐</m:t>
+                          </m:r>
+                        </m:sub>
+                      </m:sSub>
+                      <m:r>
+                        <a:rPr lang="fr-FR" sz="1100" b="0" i="1" smtClean="0">
+                          <a:solidFill>
+                            <a:schemeClr val="tx2"/>
+                          </a:solidFill>
+                          <a:latin typeface="Cambria Math" panose="02040503050406030204" pitchFamily="18" charset="0"/>
+                        </a:rPr>
+                        <m:t>(</m:t>
+                      </m:r>
+                      <m:r>
+                        <a:rPr lang="fr-FR" sz="1100" b="0" i="1" smtClean="0">
+                          <a:solidFill>
+                            <a:schemeClr val="tx2"/>
+                          </a:solidFill>
+                          <a:latin typeface="Cambria Math" panose="02040503050406030204" pitchFamily="18" charset="0"/>
+                        </a:rPr>
+                        <m:t>𝑝</m:t>
+                      </m:r>
+                      <m:r>
+                        <a:rPr lang="fr-FR" sz="1100" b="0" i="1" smtClean="0">
+                          <a:solidFill>
+                            <a:schemeClr val="tx2"/>
+                          </a:solidFill>
+                          <a:latin typeface="Cambria Math" panose="02040503050406030204" pitchFamily="18" charset="0"/>
+                        </a:rPr>
+                        <m:t>)</m:t>
+                      </m:r>
+                    </m:oMath>
+                  </m:oMathPara>
+                </a14:m>
+                <a:endParaRPr lang="fr-FR" sz="1100" dirty="0">
+                  <a:solidFill>
+                    <a:schemeClr val="tx2"/>
+                  </a:solidFill>
+                  <a:latin typeface="Arial Nova" panose="020B0504020202020204" pitchFamily="34" charset="0"/>
+                </a:endParaRPr>
+              </a:p>
+            </p:txBody>
+          </p:sp>
+        </mc:Choice>
+        <mc:Fallback>
+          <p:sp>
+            <p:nvSpPr>
+              <p:cNvPr id="82" name="ZoneTexte 81">
+                <a:extLst>
+                  <a:ext uri="{FF2B5EF4-FFF2-40B4-BE49-F238E27FC236}">
+                    <a16:creationId xmlns:a16="http://schemas.microsoft.com/office/drawing/2014/main" id="{CDABEB94-EDDE-45D9-EE8F-37BCFE106C0A}"/>
+                  </a:ext>
+                </a:extLst>
+              </p:cNvPr>
+              <p:cNvSpPr txBox="1">
+                <a:spLocks noRot="1" noChangeAspect="1" noMove="1" noResize="1" noEditPoints="1" noAdjustHandles="1" noChangeArrowheads="1" noChangeShapeType="1" noTextEdit="1"/>
+              </p:cNvSpPr>
+              <p:nvPr/>
+            </p:nvSpPr>
+            <p:spPr>
+              <a:xfrm>
+                <a:off x="1954048" y="1613285"/>
+                <a:ext cx="748521" cy="261610"/>
+              </a:xfrm>
+              <a:prstGeom prst="rect">
+                <a:avLst/>
+              </a:prstGeom>
+              <a:blipFill>
+                <a:blip r:embed="rId8"/>
+                <a:stretch>
+                  <a:fillRect b="-4651"/>
+                </a:stretch>
+              </a:blipFill>
+            </p:spPr>
+            <p:txBody>
+              <a:bodyPr/>
+              <a:lstStyle/>
+              <a:p>
+                <a:r>
+                  <a:rPr lang="fr-FR">
+                    <a:noFill/>
+                  </a:rPr>
+                  <a:t> </a:t>
+                </a:r>
+              </a:p>
+            </p:txBody>
+          </p:sp>
+        </mc:Fallback>
+      </mc:AlternateContent>
+      <mc:AlternateContent xmlns:mc="http://schemas.openxmlformats.org/markup-compatibility/2006">
+        <mc:Choice xmlns:a14="http://schemas.microsoft.com/office/drawing/2010/main" Requires="a14">
+          <p:sp>
+            <p:nvSpPr>
+              <p:cNvPr id="83" name="ZoneTexte 82">
+                <a:extLst>
+                  <a:ext uri="{FF2B5EF4-FFF2-40B4-BE49-F238E27FC236}">
+                    <a16:creationId xmlns:a16="http://schemas.microsoft.com/office/drawing/2014/main" id="{C85B2718-EB0D-475B-101C-840D1C2DF902}"/>
+                  </a:ext>
+                </a:extLst>
+              </p:cNvPr>
+              <p:cNvSpPr txBox="1"/>
+              <p:nvPr/>
+            </p:nvSpPr>
+            <p:spPr>
+              <a:xfrm>
+                <a:off x="4896074" y="1527090"/>
+                <a:ext cx="748521" cy="261610"/>
+              </a:xfrm>
+              <a:prstGeom prst="rect">
+                <a:avLst/>
+              </a:prstGeom>
+              <a:noFill/>
+            </p:spPr>
+            <p:txBody>
+              <a:bodyPr wrap="square">
+                <a:spAutoFit/>
+              </a:bodyPr>
+              <a:lstStyle/>
+              <a:p>
+                <a:pPr algn="ctr"/>
+                <a14:m>
+                  <m:oMathPara xmlns:m="http://schemas.openxmlformats.org/officeDocument/2006/math">
+                    <m:oMathParaPr>
+                      <m:jc m:val="centerGroup"/>
+                    </m:oMathParaPr>
+                    <m:oMath xmlns:m="http://schemas.openxmlformats.org/officeDocument/2006/math">
+                      <m:r>
+                        <a:rPr lang="fr-FR" sz="1100" b="0" i="1" smtClean="0">
+                          <a:solidFill>
+                            <a:schemeClr val="tx2"/>
+                          </a:solidFill>
+                          <a:latin typeface="Cambria Math" panose="02040503050406030204" pitchFamily="18" charset="0"/>
+                        </a:rPr>
+                        <m:t>𝐼</m:t>
+                      </m:r>
+                    </m:oMath>
+                  </m:oMathPara>
+                </a14:m>
+                <a:endParaRPr lang="fr-FR" sz="1100" dirty="0">
+                  <a:solidFill>
+                    <a:schemeClr val="tx2"/>
+                  </a:solidFill>
+                  <a:latin typeface="Arial Nova" panose="020B0504020202020204" pitchFamily="34" charset="0"/>
+                </a:endParaRPr>
+              </a:p>
+            </p:txBody>
+          </p:sp>
+        </mc:Choice>
+        <mc:Fallback>
+          <p:sp>
+            <p:nvSpPr>
+              <p:cNvPr id="83" name="ZoneTexte 82">
+                <a:extLst>
+                  <a:ext uri="{FF2B5EF4-FFF2-40B4-BE49-F238E27FC236}">
+                    <a16:creationId xmlns:a16="http://schemas.microsoft.com/office/drawing/2014/main" id="{C85B2718-EB0D-475B-101C-840D1C2DF902}"/>
+                  </a:ext>
+                </a:extLst>
+              </p:cNvPr>
+              <p:cNvSpPr txBox="1">
+                <a:spLocks noRot="1" noChangeAspect="1" noMove="1" noResize="1" noEditPoints="1" noAdjustHandles="1" noChangeArrowheads="1" noChangeShapeType="1" noTextEdit="1"/>
+              </p:cNvSpPr>
+              <p:nvPr/>
+            </p:nvSpPr>
+            <p:spPr>
+              <a:xfrm>
+                <a:off x="4896074" y="1527090"/>
+                <a:ext cx="748521" cy="261610"/>
+              </a:xfrm>
+              <a:prstGeom prst="rect">
+                <a:avLst/>
+              </a:prstGeom>
+              <a:blipFill>
+                <a:blip r:embed="rId9"/>
+                <a:stretch>
+                  <a:fillRect/>
+                </a:stretch>
+              </a:blipFill>
+            </p:spPr>
+            <p:txBody>
+              <a:bodyPr/>
+              <a:lstStyle/>
+              <a:p>
+                <a:r>
+                  <a:rPr lang="fr-FR">
+                    <a:noFill/>
+                  </a:rPr>
+                  <a:t> </a:t>
+                </a:r>
+              </a:p>
+            </p:txBody>
+          </p:sp>
+        </mc:Fallback>
+      </mc:AlternateContent>
+      <mc:AlternateContent xmlns:mc="http://schemas.openxmlformats.org/markup-compatibility/2006">
+        <mc:Choice xmlns:a14="http://schemas.microsoft.com/office/drawing/2010/main" Requires="a14">
+          <p:sp>
+            <p:nvSpPr>
+              <p:cNvPr id="84" name="ZoneTexte 83">
+                <a:extLst>
+                  <a:ext uri="{FF2B5EF4-FFF2-40B4-BE49-F238E27FC236}">
+                    <a16:creationId xmlns:a16="http://schemas.microsoft.com/office/drawing/2014/main" id="{794C1320-7C55-F2ED-2871-D52EAA3B90A7}"/>
+                  </a:ext>
+                </a:extLst>
+              </p:cNvPr>
+              <p:cNvSpPr txBox="1"/>
+              <p:nvPr/>
+            </p:nvSpPr>
+            <p:spPr>
+              <a:xfrm>
+                <a:off x="5885443" y="1549983"/>
+                <a:ext cx="748521" cy="261610"/>
+              </a:xfrm>
+              <a:prstGeom prst="rect">
+                <a:avLst/>
+              </a:prstGeom>
+              <a:noFill/>
+            </p:spPr>
+            <p:txBody>
+              <a:bodyPr wrap="square">
+                <a:spAutoFit/>
+              </a:bodyPr>
+              <a:lstStyle/>
+              <a:p>
+                <a:pPr algn="ctr"/>
+                <a14:m>
+                  <m:oMathPara xmlns:m="http://schemas.openxmlformats.org/officeDocument/2006/math">
+                    <m:oMathParaPr>
+                      <m:jc m:val="centerGroup"/>
+                    </m:oMathParaPr>
+                    <m:oMath xmlns:m="http://schemas.openxmlformats.org/officeDocument/2006/math">
+                      <m:sSub>
+                        <m:sSubPr>
+                          <m:ctrlPr>
+                            <a:rPr lang="fr-FR" sz="1100" b="0" i="1" smtClean="0">
+                              <a:solidFill>
+                                <a:schemeClr val="tx2"/>
+                              </a:solidFill>
+                              <a:latin typeface="Cambria Math" panose="02040503050406030204" pitchFamily="18" charset="0"/>
+                            </a:rPr>
+                          </m:ctrlPr>
+                        </m:sSubPr>
+                        <m:e>
+                          <m:r>
+                            <a:rPr lang="fr-FR" sz="1100" b="0" i="1" smtClean="0">
+                              <a:solidFill>
+                                <a:schemeClr val="tx2"/>
+                              </a:solidFill>
+                              <a:latin typeface="Cambria Math" panose="02040503050406030204" pitchFamily="18" charset="0"/>
+                            </a:rPr>
+                            <m:t>𝐶</m:t>
+                          </m:r>
+                        </m:e>
+                        <m:sub>
+                          <m:r>
+                            <a:rPr lang="fr-FR" sz="1100" b="0" i="1" smtClean="0">
+                              <a:solidFill>
+                                <a:schemeClr val="tx2"/>
+                              </a:solidFill>
+                              <a:latin typeface="Cambria Math" panose="02040503050406030204" pitchFamily="18" charset="0"/>
+                            </a:rPr>
+                            <m:t>𝑚</m:t>
+                          </m:r>
+                        </m:sub>
+                      </m:sSub>
+                      <m:r>
+                        <a:rPr lang="fr-FR" sz="1100" b="0" i="1" smtClean="0">
+                          <a:solidFill>
+                            <a:schemeClr val="tx2"/>
+                          </a:solidFill>
+                          <a:latin typeface="Cambria Math" panose="02040503050406030204" pitchFamily="18" charset="0"/>
+                        </a:rPr>
+                        <m:t>(</m:t>
+                      </m:r>
+                      <m:r>
+                        <a:rPr lang="fr-FR" sz="1100" b="0" i="1" smtClean="0">
+                          <a:solidFill>
+                            <a:schemeClr val="tx2"/>
+                          </a:solidFill>
+                          <a:latin typeface="Cambria Math" panose="02040503050406030204" pitchFamily="18" charset="0"/>
+                        </a:rPr>
+                        <m:t>𝑝</m:t>
+                      </m:r>
+                      <m:r>
+                        <a:rPr lang="fr-FR" sz="1100" b="0" i="1" smtClean="0">
+                          <a:solidFill>
+                            <a:schemeClr val="tx2"/>
+                          </a:solidFill>
+                          <a:latin typeface="Cambria Math" panose="02040503050406030204" pitchFamily="18" charset="0"/>
+                        </a:rPr>
+                        <m:t>)</m:t>
+                      </m:r>
+                    </m:oMath>
+                  </m:oMathPara>
+                </a14:m>
+                <a:endParaRPr lang="fr-FR" sz="1100" dirty="0">
+                  <a:solidFill>
+                    <a:schemeClr val="tx2"/>
+                  </a:solidFill>
+                  <a:latin typeface="Arial Nova" panose="020B0504020202020204" pitchFamily="34" charset="0"/>
+                </a:endParaRPr>
+              </a:p>
+            </p:txBody>
+          </p:sp>
+        </mc:Choice>
+        <mc:Fallback>
+          <p:sp>
+            <p:nvSpPr>
+              <p:cNvPr id="84" name="ZoneTexte 83">
+                <a:extLst>
+                  <a:ext uri="{FF2B5EF4-FFF2-40B4-BE49-F238E27FC236}">
+                    <a16:creationId xmlns:a16="http://schemas.microsoft.com/office/drawing/2014/main" id="{794C1320-7C55-F2ED-2871-D52EAA3B90A7}"/>
+                  </a:ext>
+                </a:extLst>
+              </p:cNvPr>
+              <p:cNvSpPr txBox="1">
+                <a:spLocks noRot="1" noChangeAspect="1" noMove="1" noResize="1" noEditPoints="1" noAdjustHandles="1" noChangeArrowheads="1" noChangeShapeType="1" noTextEdit="1"/>
+              </p:cNvSpPr>
+              <p:nvPr/>
+            </p:nvSpPr>
+            <p:spPr>
+              <a:xfrm>
+                <a:off x="5885443" y="1549983"/>
+                <a:ext cx="748521" cy="261610"/>
+              </a:xfrm>
+              <a:prstGeom prst="rect">
+                <a:avLst/>
+              </a:prstGeom>
+              <a:blipFill>
+                <a:blip r:embed="rId10"/>
+                <a:stretch>
+                  <a:fillRect b="-6977"/>
+                </a:stretch>
+              </a:blipFill>
+            </p:spPr>
+            <p:txBody>
+              <a:bodyPr/>
+              <a:lstStyle/>
+              <a:p>
+                <a:r>
+                  <a:rPr lang="fr-FR">
+                    <a:noFill/>
+                  </a:rPr>
+                  <a:t> </a:t>
+                </a:r>
+              </a:p>
+            </p:txBody>
+          </p:sp>
+        </mc:Fallback>
+      </mc:AlternateContent>
+      <mc:AlternateContent xmlns:mc="http://schemas.openxmlformats.org/markup-compatibility/2006">
+        <mc:Choice xmlns:a14="http://schemas.microsoft.com/office/drawing/2010/main" Requires="a14">
+          <p:sp>
+            <p:nvSpPr>
+              <p:cNvPr id="85" name="ZoneTexte 84">
+                <a:extLst>
+                  <a:ext uri="{FF2B5EF4-FFF2-40B4-BE49-F238E27FC236}">
+                    <a16:creationId xmlns:a16="http://schemas.microsoft.com/office/drawing/2014/main" id="{644B6B2E-703A-8658-ED1C-25C77F809607}"/>
+                  </a:ext>
+                </a:extLst>
+              </p:cNvPr>
+              <p:cNvSpPr txBox="1"/>
+              <p:nvPr/>
+            </p:nvSpPr>
+            <p:spPr>
+              <a:xfrm>
+                <a:off x="7555302" y="1680788"/>
+                <a:ext cx="748521" cy="261610"/>
+              </a:xfrm>
+              <a:prstGeom prst="rect">
+                <a:avLst/>
+              </a:prstGeom>
+              <a:noFill/>
+            </p:spPr>
+            <p:txBody>
+              <a:bodyPr wrap="square">
+                <a:spAutoFit/>
+              </a:bodyPr>
+              <a:lstStyle/>
+              <a:p>
+                <a:pPr algn="ctr"/>
+                <a14:m>
+                  <m:oMathPara xmlns:m="http://schemas.openxmlformats.org/officeDocument/2006/math">
+                    <m:oMathParaPr>
+                      <m:jc m:val="centerGroup"/>
+                    </m:oMathParaPr>
+                    <m:oMath xmlns:m="http://schemas.openxmlformats.org/officeDocument/2006/math">
+                      <m:sSub>
+                        <m:sSubPr>
+                          <m:ctrlPr>
+                            <a:rPr lang="fr-FR" sz="1100" b="0" i="1" smtClean="0">
+                              <a:solidFill>
+                                <a:schemeClr val="tx2"/>
+                              </a:solidFill>
+                              <a:latin typeface="Cambria Math" panose="02040503050406030204" pitchFamily="18" charset="0"/>
+                            </a:rPr>
+                          </m:ctrlPr>
+                        </m:sSubPr>
+                        <m:e>
+                          <m:r>
+                            <a:rPr lang="fr-FR" sz="1100" b="0" i="1" smtClean="0">
+                              <a:solidFill>
+                                <a:schemeClr val="tx2"/>
+                              </a:solidFill>
+                              <a:latin typeface="Cambria Math" panose="02040503050406030204" pitchFamily="18" charset="0"/>
+                            </a:rPr>
+                            <m:t>𝜔</m:t>
+                          </m:r>
+                        </m:e>
+                        <m:sub>
+                          <m:r>
+                            <a:rPr lang="fr-FR" sz="1100" b="0" i="1" smtClean="0">
+                              <a:solidFill>
+                                <a:schemeClr val="tx2"/>
+                              </a:solidFill>
+                              <a:latin typeface="Cambria Math" panose="02040503050406030204" pitchFamily="18" charset="0"/>
+                            </a:rPr>
+                            <m:t>𝑚</m:t>
+                          </m:r>
+                        </m:sub>
+                      </m:sSub>
+                      <m:r>
+                        <a:rPr lang="fr-FR" sz="1100" b="0" i="1" smtClean="0">
+                          <a:solidFill>
+                            <a:schemeClr val="tx2"/>
+                          </a:solidFill>
+                          <a:latin typeface="Cambria Math" panose="02040503050406030204" pitchFamily="18" charset="0"/>
+                        </a:rPr>
+                        <m:t>(</m:t>
+                      </m:r>
+                      <m:r>
+                        <a:rPr lang="fr-FR" sz="1100" b="0" i="1" smtClean="0">
+                          <a:solidFill>
+                            <a:schemeClr val="tx2"/>
+                          </a:solidFill>
+                          <a:latin typeface="Cambria Math" panose="02040503050406030204" pitchFamily="18" charset="0"/>
+                        </a:rPr>
+                        <m:t>𝑝</m:t>
+                      </m:r>
+                      <m:r>
+                        <a:rPr lang="fr-FR" sz="1100" b="0" i="1" smtClean="0">
+                          <a:solidFill>
+                            <a:schemeClr val="tx2"/>
+                          </a:solidFill>
+                          <a:latin typeface="Cambria Math" panose="02040503050406030204" pitchFamily="18" charset="0"/>
+                        </a:rPr>
+                        <m:t>)</m:t>
+                      </m:r>
+                    </m:oMath>
+                  </m:oMathPara>
+                </a14:m>
+                <a:endParaRPr lang="fr-FR" sz="1100" dirty="0">
+                  <a:solidFill>
+                    <a:schemeClr val="tx2"/>
+                  </a:solidFill>
+                  <a:latin typeface="Arial Nova" panose="020B0504020202020204" pitchFamily="34" charset="0"/>
+                </a:endParaRPr>
+              </a:p>
+            </p:txBody>
+          </p:sp>
+        </mc:Choice>
+        <mc:Fallback>
+          <p:sp>
+            <p:nvSpPr>
+              <p:cNvPr id="85" name="ZoneTexte 84">
+                <a:extLst>
+                  <a:ext uri="{FF2B5EF4-FFF2-40B4-BE49-F238E27FC236}">
+                    <a16:creationId xmlns:a16="http://schemas.microsoft.com/office/drawing/2014/main" id="{644B6B2E-703A-8658-ED1C-25C77F809607}"/>
+                  </a:ext>
+                </a:extLst>
+              </p:cNvPr>
+              <p:cNvSpPr txBox="1">
+                <a:spLocks noRot="1" noChangeAspect="1" noMove="1" noResize="1" noEditPoints="1" noAdjustHandles="1" noChangeArrowheads="1" noChangeShapeType="1" noTextEdit="1"/>
+              </p:cNvSpPr>
+              <p:nvPr/>
+            </p:nvSpPr>
+            <p:spPr>
+              <a:xfrm>
+                <a:off x="7555302" y="1680788"/>
+                <a:ext cx="748521" cy="261610"/>
+              </a:xfrm>
+              <a:prstGeom prst="rect">
+                <a:avLst/>
+              </a:prstGeom>
+              <a:blipFill>
+                <a:blip r:embed="rId11"/>
+                <a:stretch>
+                  <a:fillRect b="-4651"/>
+                </a:stretch>
+              </a:blipFill>
+            </p:spPr>
+            <p:txBody>
+              <a:bodyPr/>
+              <a:lstStyle/>
+              <a:p>
+                <a:r>
+                  <a:rPr lang="fr-FR">
+                    <a:noFill/>
+                  </a:rPr>
+                  <a:t> </a:t>
+                </a:r>
+              </a:p>
+            </p:txBody>
+          </p:sp>
+        </mc:Fallback>
+      </mc:AlternateContent>
+      <mc:AlternateContent xmlns:mc="http://schemas.openxmlformats.org/markup-compatibility/2006">
+        <mc:Choice xmlns:a14="http://schemas.microsoft.com/office/drawing/2010/main" Requires="a14">
+          <p:sp>
+            <p:nvSpPr>
+              <p:cNvPr id="86" name="ZoneTexte 85">
+                <a:extLst>
+                  <a:ext uri="{FF2B5EF4-FFF2-40B4-BE49-F238E27FC236}">
+                    <a16:creationId xmlns:a16="http://schemas.microsoft.com/office/drawing/2014/main" id="{4BDC3A14-5EFB-8AC5-7CF9-68D5A6F4D79A}"/>
+                  </a:ext>
+                </a:extLst>
+              </p:cNvPr>
+              <p:cNvSpPr txBox="1"/>
+              <p:nvPr/>
+            </p:nvSpPr>
+            <p:spPr>
+              <a:xfrm>
+                <a:off x="6428277" y="1384956"/>
+                <a:ext cx="1648923" cy="274627"/>
+              </a:xfrm>
+              <a:prstGeom prst="rect">
+                <a:avLst/>
+              </a:prstGeom>
+              <a:noFill/>
+            </p:spPr>
+            <p:txBody>
+              <a:bodyPr wrap="square">
+                <a:spAutoFit/>
+              </a:bodyPr>
+              <a:lstStyle/>
+              <a:p>
+                <a14:m>
+                  <m:oMath xmlns:m="http://schemas.openxmlformats.org/officeDocument/2006/math">
+                    <m:sSub>
+                      <m:sSubPr>
+                        <m:ctrlPr>
+                          <a:rPr lang="fr-FR" sz="1100" i="1" smtClean="0">
+                            <a:solidFill>
+                              <a:schemeClr val="tx2"/>
+                            </a:solidFill>
+                            <a:latin typeface="Cambria Math" panose="02040503050406030204" pitchFamily="18" charset="0"/>
+                          </a:rPr>
+                        </m:ctrlPr>
+                      </m:sSubPr>
+                      <m:e>
+                        <m:r>
+                          <a:rPr lang="fr-FR" sz="1100" i="1">
+                            <a:solidFill>
+                              <a:schemeClr val="tx2"/>
+                            </a:solidFill>
+                            <a:latin typeface="Cambria Math" panose="02040503050406030204" pitchFamily="18" charset="0"/>
+                          </a:rPr>
+                          <m:t>𝐶</m:t>
+                        </m:r>
+                      </m:e>
+                      <m:sub>
+                        <m:r>
+                          <a:rPr lang="fr-FR" sz="1100" i="1">
+                            <a:solidFill>
+                              <a:schemeClr val="tx2"/>
+                            </a:solidFill>
+                            <a:latin typeface="Cambria Math" panose="02040503050406030204" pitchFamily="18" charset="0"/>
+                          </a:rPr>
+                          <m:t>𝑝𝑒𝑠</m:t>
+                        </m:r>
+                      </m:sub>
+                    </m:sSub>
+                    <m:d>
+                      <m:dPr>
+                        <m:ctrlPr>
+                          <a:rPr lang="fr-FR" sz="1100" i="1">
+                            <a:solidFill>
+                              <a:schemeClr val="tx2"/>
+                            </a:solidFill>
+                            <a:latin typeface="Cambria Math" panose="02040503050406030204" pitchFamily="18" charset="0"/>
+                          </a:rPr>
+                        </m:ctrlPr>
+                      </m:dPr>
+                      <m:e>
+                        <m:r>
+                          <a:rPr lang="fr-FR" sz="1100" i="1">
+                            <a:solidFill>
+                              <a:schemeClr val="tx2"/>
+                            </a:solidFill>
+                            <a:latin typeface="Cambria Math" panose="02040503050406030204" pitchFamily="18" charset="0"/>
+                          </a:rPr>
+                          <m:t>𝑝</m:t>
+                        </m:r>
+                      </m:e>
+                    </m:d>
+                    <m:r>
+                      <a:rPr lang="fr-FR" sz="1100" b="0" i="1" smtClean="0">
+                        <a:solidFill>
+                          <a:schemeClr val="tx2"/>
+                        </a:solidFill>
+                        <a:latin typeface="Cambria Math" panose="02040503050406030204" pitchFamily="18" charset="0"/>
+                      </a:rPr>
+                      <m:t>+</m:t>
+                    </m:r>
+                    <m:sSub>
+                      <m:sSubPr>
+                        <m:ctrlPr>
+                          <a:rPr lang="fr-FR" sz="1100" b="0" i="1" smtClean="0">
+                            <a:solidFill>
+                              <a:schemeClr val="tx2"/>
+                            </a:solidFill>
+                            <a:latin typeface="Cambria Math" panose="02040503050406030204" pitchFamily="18" charset="0"/>
+                          </a:rPr>
+                        </m:ctrlPr>
+                      </m:sSubPr>
+                      <m:e>
+                        <m:r>
+                          <a:rPr lang="fr-FR" sz="1100" b="0" i="1" smtClean="0">
+                            <a:solidFill>
+                              <a:schemeClr val="tx2"/>
+                            </a:solidFill>
+                            <a:latin typeface="Cambria Math" panose="02040503050406030204" pitchFamily="18" charset="0"/>
+                          </a:rPr>
+                          <m:t>𝐶</m:t>
+                        </m:r>
+                      </m:e>
+                      <m:sub>
+                        <m:r>
+                          <a:rPr lang="fr-FR" sz="1100" b="0" i="1" smtClean="0">
+                            <a:solidFill>
+                              <a:schemeClr val="tx2"/>
+                            </a:solidFill>
+                            <a:latin typeface="Cambria Math" panose="02040503050406030204" pitchFamily="18" charset="0"/>
+                          </a:rPr>
+                          <m:t>𝑟𝑒𝑠</m:t>
+                        </m:r>
+                      </m:sub>
+                    </m:sSub>
+                    <m:r>
+                      <a:rPr lang="fr-FR" sz="1100" i="1" smtClean="0">
+                        <a:solidFill>
+                          <a:schemeClr val="tx2"/>
+                        </a:solidFill>
+                        <a:latin typeface="Cambria Math" panose="02040503050406030204" pitchFamily="18" charset="0"/>
+                      </a:rPr>
+                      <m:t> </m:t>
+                    </m:r>
+                    <m:r>
+                      <a:rPr lang="fr-FR" sz="1100" i="1">
+                        <a:solidFill>
+                          <a:schemeClr val="tx2"/>
+                        </a:solidFill>
+                        <a:latin typeface="Cambria Math" panose="02040503050406030204" pitchFamily="18" charset="0"/>
+                      </a:rPr>
+                      <m:t>(</m:t>
+                    </m:r>
+                    <m:r>
+                      <a:rPr lang="fr-FR" sz="1100" i="1">
+                        <a:solidFill>
+                          <a:schemeClr val="tx2"/>
+                        </a:solidFill>
+                        <a:latin typeface="Cambria Math" panose="02040503050406030204" pitchFamily="18" charset="0"/>
+                      </a:rPr>
+                      <m:t>𝑝</m:t>
+                    </m:r>
+                    <m:r>
+                      <a:rPr lang="fr-FR" sz="1100" i="1">
+                        <a:solidFill>
+                          <a:schemeClr val="tx2"/>
+                        </a:solidFill>
+                        <a:latin typeface="Cambria Math" panose="02040503050406030204" pitchFamily="18" charset="0"/>
+                      </a:rPr>
+                      <m:t>)</m:t>
+                    </m:r>
+                  </m:oMath>
+                </a14:m>
+                <a:r>
+                  <a:rPr lang="fr-FR" sz="1100" dirty="0">
+                    <a:solidFill>
+                      <a:schemeClr val="tx2"/>
+                    </a:solidFill>
+                    <a:latin typeface="Arial Nova" panose="020B0504020202020204" pitchFamily="34" charset="0"/>
+                  </a:rPr>
+                  <a:t> </a:t>
+                </a:r>
+              </a:p>
+            </p:txBody>
+          </p:sp>
+        </mc:Choice>
+        <mc:Fallback>
+          <p:sp>
+            <p:nvSpPr>
+              <p:cNvPr id="86" name="ZoneTexte 85">
+                <a:extLst>
+                  <a:ext uri="{FF2B5EF4-FFF2-40B4-BE49-F238E27FC236}">
+                    <a16:creationId xmlns:a16="http://schemas.microsoft.com/office/drawing/2014/main" id="{4BDC3A14-5EFB-8AC5-7CF9-68D5A6F4D79A}"/>
+                  </a:ext>
+                </a:extLst>
+              </p:cNvPr>
+              <p:cNvSpPr txBox="1">
+                <a:spLocks noRot="1" noChangeAspect="1" noMove="1" noResize="1" noEditPoints="1" noAdjustHandles="1" noChangeArrowheads="1" noChangeShapeType="1" noTextEdit="1"/>
+              </p:cNvSpPr>
+              <p:nvPr/>
+            </p:nvSpPr>
+            <p:spPr>
+              <a:xfrm>
+                <a:off x="6428277" y="1384956"/>
+                <a:ext cx="1648923" cy="274627"/>
+              </a:xfrm>
+              <a:prstGeom prst="rect">
+                <a:avLst/>
+              </a:prstGeom>
+              <a:blipFill>
+                <a:blip r:embed="rId12"/>
+                <a:stretch>
+                  <a:fillRect b="-2222"/>
+                </a:stretch>
+              </a:blipFill>
+            </p:spPr>
+            <p:txBody>
+              <a:bodyPr/>
+              <a:lstStyle/>
+              <a:p>
+                <a:r>
+                  <a:rPr lang="fr-FR">
+                    <a:noFill/>
+                  </a:rPr>
+                  <a:t> </a:t>
+                </a:r>
+              </a:p>
+            </p:txBody>
+          </p:sp>
+        </mc:Fallback>
+      </mc:AlternateContent>
+      <mc:AlternateContent xmlns:mc="http://schemas.openxmlformats.org/markup-compatibility/2006">
+        <mc:Choice xmlns:a14="http://schemas.microsoft.com/office/drawing/2010/main" Requires="a14">
+          <p:sp>
+            <p:nvSpPr>
+              <p:cNvPr id="87" name="ZoneTexte 86">
+                <a:extLst>
+                  <a:ext uri="{FF2B5EF4-FFF2-40B4-BE49-F238E27FC236}">
+                    <a16:creationId xmlns:a16="http://schemas.microsoft.com/office/drawing/2014/main" id="{94A1FB64-D211-D0F8-063F-693D8C774C86}"/>
+                  </a:ext>
+                </a:extLst>
+              </p:cNvPr>
+              <p:cNvSpPr txBox="1"/>
+              <p:nvPr/>
+            </p:nvSpPr>
+            <p:spPr>
+              <a:xfrm>
+                <a:off x="588014" y="1735432"/>
+                <a:ext cx="748521" cy="261610"/>
+              </a:xfrm>
+              <a:prstGeom prst="rect">
+                <a:avLst/>
+              </a:prstGeom>
+              <a:noFill/>
+            </p:spPr>
+            <p:txBody>
+              <a:bodyPr wrap="square">
+                <a:spAutoFit/>
+              </a:bodyPr>
+              <a:lstStyle/>
+              <a:p>
+                <a:pPr algn="ctr"/>
+                <a14:m>
+                  <m:oMathPara xmlns:m="http://schemas.openxmlformats.org/officeDocument/2006/math">
+                    <m:oMathParaPr>
+                      <m:jc m:val="centerGroup"/>
+                    </m:oMathParaPr>
+                    <m:oMath xmlns:m="http://schemas.openxmlformats.org/officeDocument/2006/math">
+                      <m:r>
+                        <a:rPr lang="fr-FR" sz="1100" b="0" i="1" smtClean="0">
+                          <a:solidFill>
+                            <a:schemeClr val="tx2"/>
+                          </a:solidFill>
+                          <a:latin typeface="Cambria Math" panose="02040503050406030204" pitchFamily="18" charset="0"/>
+                        </a:rPr>
+                        <m:t>+</m:t>
+                      </m:r>
+                    </m:oMath>
+                  </m:oMathPara>
+                </a14:m>
+                <a:endParaRPr lang="fr-FR" sz="1100" dirty="0">
+                  <a:solidFill>
+                    <a:schemeClr val="tx2"/>
+                  </a:solidFill>
+                  <a:latin typeface="Arial Nova" panose="020B0504020202020204" pitchFamily="34" charset="0"/>
+                </a:endParaRPr>
+              </a:p>
+            </p:txBody>
+          </p:sp>
+        </mc:Choice>
+        <mc:Fallback>
+          <p:sp>
+            <p:nvSpPr>
+              <p:cNvPr id="87" name="ZoneTexte 86">
+                <a:extLst>
+                  <a:ext uri="{FF2B5EF4-FFF2-40B4-BE49-F238E27FC236}">
+                    <a16:creationId xmlns:a16="http://schemas.microsoft.com/office/drawing/2014/main" id="{94A1FB64-D211-D0F8-063F-693D8C774C86}"/>
+                  </a:ext>
+                </a:extLst>
+              </p:cNvPr>
+              <p:cNvSpPr txBox="1">
+                <a:spLocks noRot="1" noChangeAspect="1" noMove="1" noResize="1" noEditPoints="1" noAdjustHandles="1" noChangeArrowheads="1" noChangeShapeType="1" noTextEdit="1"/>
+              </p:cNvSpPr>
+              <p:nvPr/>
+            </p:nvSpPr>
+            <p:spPr>
+              <a:xfrm>
+                <a:off x="588014" y="1735432"/>
+                <a:ext cx="748521" cy="261610"/>
+              </a:xfrm>
+              <a:prstGeom prst="rect">
+                <a:avLst/>
+              </a:prstGeom>
+              <a:blipFill>
+                <a:blip r:embed="rId13"/>
+                <a:stretch>
+                  <a:fillRect/>
+                </a:stretch>
+              </a:blipFill>
+            </p:spPr>
+            <p:txBody>
+              <a:bodyPr/>
+              <a:lstStyle/>
+              <a:p>
+                <a:r>
+                  <a:rPr lang="fr-FR">
+                    <a:noFill/>
+                  </a:rPr>
+                  <a:t> </a:t>
+                </a:r>
+              </a:p>
+            </p:txBody>
+          </p:sp>
+        </mc:Fallback>
+      </mc:AlternateContent>
+      <mc:AlternateContent xmlns:mc="http://schemas.openxmlformats.org/markup-compatibility/2006">
+        <mc:Choice xmlns:a14="http://schemas.microsoft.com/office/drawing/2010/main" Requires="a14">
+          <p:sp>
+            <p:nvSpPr>
+              <p:cNvPr id="88" name="ZoneTexte 87">
+                <a:extLst>
+                  <a:ext uri="{FF2B5EF4-FFF2-40B4-BE49-F238E27FC236}">
+                    <a16:creationId xmlns:a16="http://schemas.microsoft.com/office/drawing/2014/main" id="{59F7EBCE-B256-4E8B-5797-34E15CE28159}"/>
+                  </a:ext>
+                </a:extLst>
+              </p:cNvPr>
+              <p:cNvSpPr txBox="1"/>
+              <p:nvPr/>
+            </p:nvSpPr>
+            <p:spPr>
+              <a:xfrm>
+                <a:off x="795809" y="1959423"/>
+                <a:ext cx="748521" cy="261610"/>
+              </a:xfrm>
+              <a:prstGeom prst="rect">
+                <a:avLst/>
+              </a:prstGeom>
+              <a:noFill/>
+            </p:spPr>
+            <p:txBody>
+              <a:bodyPr wrap="square">
+                <a:spAutoFit/>
+              </a:bodyPr>
+              <a:lstStyle/>
+              <a:p>
+                <a:pPr algn="ctr"/>
+                <a14:m>
+                  <m:oMathPara xmlns:m="http://schemas.openxmlformats.org/officeDocument/2006/math">
+                    <m:oMathParaPr>
+                      <m:jc m:val="centerGroup"/>
+                    </m:oMathParaPr>
+                    <m:oMath xmlns:m="http://schemas.openxmlformats.org/officeDocument/2006/math">
+                      <m:r>
+                        <a:rPr lang="fr-FR" sz="1100" b="0" i="1" smtClean="0">
+                          <a:solidFill>
+                            <a:schemeClr val="tx2"/>
+                          </a:solidFill>
+                          <a:latin typeface="Cambria Math" panose="02040503050406030204" pitchFamily="18" charset="0"/>
+                        </a:rPr>
+                        <m:t>−</m:t>
+                      </m:r>
+                    </m:oMath>
+                  </m:oMathPara>
+                </a14:m>
+                <a:endParaRPr lang="fr-FR" sz="1100" dirty="0">
+                  <a:solidFill>
+                    <a:schemeClr val="tx2"/>
+                  </a:solidFill>
+                  <a:latin typeface="Arial Nova" panose="020B0504020202020204" pitchFamily="34" charset="0"/>
+                </a:endParaRPr>
+              </a:p>
+            </p:txBody>
+          </p:sp>
+        </mc:Choice>
+        <mc:Fallback>
+          <p:sp>
+            <p:nvSpPr>
+              <p:cNvPr id="88" name="ZoneTexte 87">
+                <a:extLst>
+                  <a:ext uri="{FF2B5EF4-FFF2-40B4-BE49-F238E27FC236}">
+                    <a16:creationId xmlns:a16="http://schemas.microsoft.com/office/drawing/2014/main" id="{59F7EBCE-B256-4E8B-5797-34E15CE28159}"/>
+                  </a:ext>
+                </a:extLst>
+              </p:cNvPr>
+              <p:cNvSpPr txBox="1">
+                <a:spLocks noRot="1" noChangeAspect="1" noMove="1" noResize="1" noEditPoints="1" noAdjustHandles="1" noChangeArrowheads="1" noChangeShapeType="1" noTextEdit="1"/>
+              </p:cNvSpPr>
+              <p:nvPr/>
+            </p:nvSpPr>
+            <p:spPr>
+              <a:xfrm>
+                <a:off x="795809" y="1959423"/>
+                <a:ext cx="748521" cy="261610"/>
+              </a:xfrm>
+              <a:prstGeom prst="rect">
+                <a:avLst/>
+              </a:prstGeom>
+              <a:blipFill>
+                <a:blip r:embed="rId14"/>
+                <a:stretch>
+                  <a:fillRect/>
+                </a:stretch>
+              </a:blipFill>
+            </p:spPr>
+            <p:txBody>
+              <a:bodyPr/>
+              <a:lstStyle/>
+              <a:p>
+                <a:r>
+                  <a:rPr lang="fr-FR">
+                    <a:noFill/>
+                  </a:rPr>
+                  <a:t> </a:t>
+                </a:r>
+              </a:p>
+            </p:txBody>
+          </p:sp>
+        </mc:Fallback>
+      </mc:AlternateContent>
+      <mc:AlternateContent xmlns:mc="http://schemas.openxmlformats.org/markup-compatibility/2006">
+        <mc:Choice xmlns:a14="http://schemas.microsoft.com/office/drawing/2010/main" Requires="a14">
+          <p:sp>
+            <p:nvSpPr>
+              <p:cNvPr id="89" name="ZoneTexte 88">
+                <a:extLst>
+                  <a:ext uri="{FF2B5EF4-FFF2-40B4-BE49-F238E27FC236}">
+                    <a16:creationId xmlns:a16="http://schemas.microsoft.com/office/drawing/2014/main" id="{184EA7C6-30D6-FE8A-11BE-87E3B29EF58D}"/>
+                  </a:ext>
+                </a:extLst>
+              </p:cNvPr>
+              <p:cNvSpPr txBox="1"/>
+              <p:nvPr/>
+            </p:nvSpPr>
+            <p:spPr>
+              <a:xfrm>
+                <a:off x="2035791" y="1757420"/>
+                <a:ext cx="748521" cy="261610"/>
+              </a:xfrm>
+              <a:prstGeom prst="rect">
+                <a:avLst/>
+              </a:prstGeom>
+              <a:noFill/>
+            </p:spPr>
+            <p:txBody>
+              <a:bodyPr wrap="square">
+                <a:spAutoFit/>
+              </a:bodyPr>
+              <a:lstStyle/>
+              <a:p>
+                <a:pPr algn="ctr"/>
+                <a14:m>
+                  <m:oMathPara xmlns:m="http://schemas.openxmlformats.org/officeDocument/2006/math">
+                    <m:oMathParaPr>
+                      <m:jc m:val="centerGroup"/>
+                    </m:oMathParaPr>
+                    <m:oMath xmlns:m="http://schemas.openxmlformats.org/officeDocument/2006/math">
+                      <m:r>
+                        <a:rPr lang="fr-FR" sz="1100" b="0" i="1" smtClean="0">
+                          <a:solidFill>
+                            <a:schemeClr val="tx2"/>
+                          </a:solidFill>
+                          <a:latin typeface="Cambria Math" panose="02040503050406030204" pitchFamily="18" charset="0"/>
+                        </a:rPr>
+                        <m:t>+</m:t>
+                      </m:r>
+                    </m:oMath>
+                  </m:oMathPara>
+                </a14:m>
+                <a:endParaRPr lang="fr-FR" sz="1100" dirty="0">
+                  <a:solidFill>
+                    <a:schemeClr val="tx2"/>
+                  </a:solidFill>
+                  <a:latin typeface="Arial Nova" panose="020B0504020202020204" pitchFamily="34" charset="0"/>
+                </a:endParaRPr>
+              </a:p>
+            </p:txBody>
+          </p:sp>
+        </mc:Choice>
+        <mc:Fallback>
+          <p:sp>
+            <p:nvSpPr>
+              <p:cNvPr id="89" name="ZoneTexte 88">
+                <a:extLst>
+                  <a:ext uri="{FF2B5EF4-FFF2-40B4-BE49-F238E27FC236}">
+                    <a16:creationId xmlns:a16="http://schemas.microsoft.com/office/drawing/2014/main" id="{184EA7C6-30D6-FE8A-11BE-87E3B29EF58D}"/>
+                  </a:ext>
+                </a:extLst>
+              </p:cNvPr>
+              <p:cNvSpPr txBox="1">
+                <a:spLocks noRot="1" noChangeAspect="1" noMove="1" noResize="1" noEditPoints="1" noAdjustHandles="1" noChangeArrowheads="1" noChangeShapeType="1" noTextEdit="1"/>
+              </p:cNvSpPr>
+              <p:nvPr/>
+            </p:nvSpPr>
+            <p:spPr>
+              <a:xfrm>
+                <a:off x="2035791" y="1757420"/>
+                <a:ext cx="748521" cy="261610"/>
+              </a:xfrm>
+              <a:prstGeom prst="rect">
+                <a:avLst/>
+              </a:prstGeom>
+              <a:blipFill>
+                <a:blip r:embed="rId15"/>
+                <a:stretch>
+                  <a:fillRect/>
+                </a:stretch>
+              </a:blipFill>
+            </p:spPr>
+            <p:txBody>
+              <a:bodyPr/>
+              <a:lstStyle/>
+              <a:p>
+                <a:r>
+                  <a:rPr lang="fr-FR">
+                    <a:noFill/>
+                  </a:rPr>
+                  <a:t> </a:t>
+                </a:r>
+              </a:p>
+            </p:txBody>
+          </p:sp>
+        </mc:Fallback>
+      </mc:AlternateContent>
+      <mc:AlternateContent xmlns:mc="http://schemas.openxmlformats.org/markup-compatibility/2006">
+        <mc:Choice xmlns:a14="http://schemas.microsoft.com/office/drawing/2010/main" Requires="a14">
+          <p:sp>
+            <p:nvSpPr>
+              <p:cNvPr id="90" name="ZoneTexte 89">
+                <a:extLst>
+                  <a:ext uri="{FF2B5EF4-FFF2-40B4-BE49-F238E27FC236}">
+                    <a16:creationId xmlns:a16="http://schemas.microsoft.com/office/drawing/2014/main" id="{3C18294F-56E1-09D0-9D81-ABCAA9456963}"/>
+                  </a:ext>
+                </a:extLst>
+              </p:cNvPr>
+              <p:cNvSpPr txBox="1"/>
+              <p:nvPr/>
+            </p:nvSpPr>
+            <p:spPr>
+              <a:xfrm>
+                <a:off x="2260918" y="1604080"/>
+                <a:ext cx="748521" cy="261610"/>
+              </a:xfrm>
+              <a:prstGeom prst="rect">
+                <a:avLst/>
+              </a:prstGeom>
+              <a:noFill/>
+            </p:spPr>
+            <p:txBody>
+              <a:bodyPr wrap="square">
+                <a:spAutoFit/>
+              </a:bodyPr>
+              <a:lstStyle/>
+              <a:p>
+                <a:pPr algn="ctr"/>
+                <a14:m>
+                  <m:oMathPara xmlns:m="http://schemas.openxmlformats.org/officeDocument/2006/math">
+                    <m:oMathParaPr>
+                      <m:jc m:val="centerGroup"/>
+                    </m:oMathParaPr>
+                    <m:oMath xmlns:m="http://schemas.openxmlformats.org/officeDocument/2006/math">
+                      <m:r>
+                        <a:rPr lang="fr-FR" sz="1100" b="0" i="1" smtClean="0">
+                          <a:solidFill>
+                            <a:schemeClr val="tx2"/>
+                          </a:solidFill>
+                          <a:latin typeface="Cambria Math" panose="02040503050406030204" pitchFamily="18" charset="0"/>
+                        </a:rPr>
+                        <m:t>−</m:t>
+                      </m:r>
+                    </m:oMath>
+                  </m:oMathPara>
+                </a14:m>
+                <a:endParaRPr lang="fr-FR" sz="1100" dirty="0">
+                  <a:solidFill>
+                    <a:schemeClr val="tx2"/>
+                  </a:solidFill>
+                  <a:latin typeface="Arial Nova" panose="020B0504020202020204" pitchFamily="34" charset="0"/>
+                </a:endParaRPr>
+              </a:p>
+            </p:txBody>
+          </p:sp>
+        </mc:Choice>
+        <mc:Fallback>
+          <p:sp>
+            <p:nvSpPr>
+              <p:cNvPr id="90" name="ZoneTexte 89">
+                <a:extLst>
+                  <a:ext uri="{FF2B5EF4-FFF2-40B4-BE49-F238E27FC236}">
+                    <a16:creationId xmlns:a16="http://schemas.microsoft.com/office/drawing/2014/main" id="{3C18294F-56E1-09D0-9D81-ABCAA9456963}"/>
+                  </a:ext>
+                </a:extLst>
+              </p:cNvPr>
+              <p:cNvSpPr txBox="1">
+                <a:spLocks noRot="1" noChangeAspect="1" noMove="1" noResize="1" noEditPoints="1" noAdjustHandles="1" noChangeArrowheads="1" noChangeShapeType="1" noTextEdit="1"/>
+              </p:cNvSpPr>
+              <p:nvPr/>
+            </p:nvSpPr>
+            <p:spPr>
+              <a:xfrm>
+                <a:off x="2260918" y="1604080"/>
+                <a:ext cx="748521" cy="261610"/>
+              </a:xfrm>
+              <a:prstGeom prst="rect">
+                <a:avLst/>
+              </a:prstGeom>
+              <a:blipFill>
+                <a:blip r:embed="rId16"/>
+                <a:stretch>
+                  <a:fillRect/>
+                </a:stretch>
+              </a:blipFill>
+            </p:spPr>
+            <p:txBody>
+              <a:bodyPr/>
+              <a:lstStyle/>
+              <a:p>
+                <a:r>
+                  <a:rPr lang="fr-FR">
+                    <a:noFill/>
+                  </a:rPr>
+                  <a:t> </a:t>
+                </a:r>
+              </a:p>
+            </p:txBody>
+          </p:sp>
+        </mc:Fallback>
+      </mc:AlternateContent>
+      <mc:AlternateContent xmlns:mc="http://schemas.openxmlformats.org/markup-compatibility/2006">
+        <mc:Choice xmlns:a14="http://schemas.microsoft.com/office/drawing/2010/main" Requires="a14">
+          <p:sp>
+            <p:nvSpPr>
+              <p:cNvPr id="91" name="ZoneTexte 90">
+                <a:extLst>
+                  <a:ext uri="{FF2B5EF4-FFF2-40B4-BE49-F238E27FC236}">
+                    <a16:creationId xmlns:a16="http://schemas.microsoft.com/office/drawing/2014/main" id="{C0FE81E1-9BE0-9A92-50D9-BE05135EBAD1}"/>
+                  </a:ext>
+                </a:extLst>
+              </p:cNvPr>
+              <p:cNvSpPr txBox="1"/>
+              <p:nvPr/>
+            </p:nvSpPr>
+            <p:spPr>
+              <a:xfrm>
+                <a:off x="3483568" y="1779408"/>
+                <a:ext cx="748521" cy="261610"/>
+              </a:xfrm>
+              <a:prstGeom prst="rect">
+                <a:avLst/>
+              </a:prstGeom>
+              <a:noFill/>
+            </p:spPr>
+            <p:txBody>
+              <a:bodyPr wrap="square">
+                <a:spAutoFit/>
+              </a:bodyPr>
+              <a:lstStyle/>
+              <a:p>
+                <a:pPr algn="ctr"/>
+                <a14:m>
+                  <m:oMathPara xmlns:m="http://schemas.openxmlformats.org/officeDocument/2006/math">
+                    <m:oMathParaPr>
+                      <m:jc m:val="centerGroup"/>
+                    </m:oMathParaPr>
+                    <m:oMath xmlns:m="http://schemas.openxmlformats.org/officeDocument/2006/math">
+                      <m:r>
+                        <a:rPr lang="fr-FR" sz="1100" b="0" i="1" smtClean="0">
+                          <a:solidFill>
+                            <a:schemeClr val="tx2"/>
+                          </a:solidFill>
+                          <a:latin typeface="Cambria Math" panose="02040503050406030204" pitchFamily="18" charset="0"/>
+                        </a:rPr>
+                        <m:t>+</m:t>
+                      </m:r>
+                    </m:oMath>
+                  </m:oMathPara>
+                </a14:m>
+                <a:endParaRPr lang="fr-FR" sz="1100" dirty="0">
+                  <a:solidFill>
+                    <a:schemeClr val="tx2"/>
+                  </a:solidFill>
+                  <a:latin typeface="Arial Nova" panose="020B0504020202020204" pitchFamily="34" charset="0"/>
+                </a:endParaRPr>
+              </a:p>
+            </p:txBody>
+          </p:sp>
+        </mc:Choice>
+        <mc:Fallback>
+          <p:sp>
+            <p:nvSpPr>
+              <p:cNvPr id="91" name="ZoneTexte 90">
+                <a:extLst>
+                  <a:ext uri="{FF2B5EF4-FFF2-40B4-BE49-F238E27FC236}">
+                    <a16:creationId xmlns:a16="http://schemas.microsoft.com/office/drawing/2014/main" id="{C0FE81E1-9BE0-9A92-50D9-BE05135EBAD1}"/>
+                  </a:ext>
+                </a:extLst>
+              </p:cNvPr>
+              <p:cNvSpPr txBox="1">
+                <a:spLocks noRot="1" noChangeAspect="1" noMove="1" noResize="1" noEditPoints="1" noAdjustHandles="1" noChangeArrowheads="1" noChangeShapeType="1" noTextEdit="1"/>
+              </p:cNvSpPr>
+              <p:nvPr/>
+            </p:nvSpPr>
+            <p:spPr>
+              <a:xfrm>
+                <a:off x="3483568" y="1779408"/>
+                <a:ext cx="748521" cy="261610"/>
+              </a:xfrm>
+              <a:prstGeom prst="rect">
+                <a:avLst/>
+              </a:prstGeom>
+              <a:blipFill>
+                <a:blip r:embed="rId13"/>
+                <a:stretch>
+                  <a:fillRect/>
+                </a:stretch>
+              </a:blipFill>
+            </p:spPr>
+            <p:txBody>
+              <a:bodyPr/>
+              <a:lstStyle/>
+              <a:p>
+                <a:r>
+                  <a:rPr lang="fr-FR">
+                    <a:noFill/>
+                  </a:rPr>
+                  <a:t> </a:t>
+                </a:r>
+              </a:p>
+            </p:txBody>
+          </p:sp>
+        </mc:Fallback>
+      </mc:AlternateContent>
+      <mc:AlternateContent xmlns:mc="http://schemas.openxmlformats.org/markup-compatibility/2006">
+        <mc:Choice xmlns:a14="http://schemas.microsoft.com/office/drawing/2010/main" Requires="a14">
+          <p:sp>
+            <p:nvSpPr>
+              <p:cNvPr id="92" name="ZoneTexte 91">
+                <a:extLst>
+                  <a:ext uri="{FF2B5EF4-FFF2-40B4-BE49-F238E27FC236}">
+                    <a16:creationId xmlns:a16="http://schemas.microsoft.com/office/drawing/2014/main" id="{7BC5D899-9962-3A5E-42F8-8939A5FD97A0}"/>
+                  </a:ext>
+                </a:extLst>
+              </p:cNvPr>
+              <p:cNvSpPr txBox="1"/>
+              <p:nvPr/>
+            </p:nvSpPr>
+            <p:spPr>
+              <a:xfrm>
+                <a:off x="3534224" y="1971431"/>
+                <a:ext cx="748521" cy="261610"/>
+              </a:xfrm>
+              <a:prstGeom prst="rect">
+                <a:avLst/>
+              </a:prstGeom>
+              <a:noFill/>
+            </p:spPr>
+            <p:txBody>
+              <a:bodyPr wrap="square">
+                <a:spAutoFit/>
+              </a:bodyPr>
+              <a:lstStyle/>
+              <a:p>
+                <a:pPr algn="ctr"/>
+                <a14:m>
+                  <m:oMathPara xmlns:m="http://schemas.openxmlformats.org/officeDocument/2006/math">
+                    <m:oMathParaPr>
+                      <m:jc m:val="centerGroup"/>
+                    </m:oMathParaPr>
+                    <m:oMath xmlns:m="http://schemas.openxmlformats.org/officeDocument/2006/math">
+                      <m:r>
+                        <a:rPr lang="fr-FR" sz="1100" b="0" i="1" smtClean="0">
+                          <a:solidFill>
+                            <a:schemeClr val="tx2"/>
+                          </a:solidFill>
+                          <a:latin typeface="Cambria Math" panose="02040503050406030204" pitchFamily="18" charset="0"/>
+                        </a:rPr>
+                        <m:t>−</m:t>
+                      </m:r>
+                    </m:oMath>
+                  </m:oMathPara>
+                </a14:m>
+                <a:endParaRPr lang="fr-FR" sz="1100" dirty="0">
+                  <a:solidFill>
+                    <a:schemeClr val="tx2"/>
+                  </a:solidFill>
+                  <a:latin typeface="Arial Nova" panose="020B0504020202020204" pitchFamily="34" charset="0"/>
+                </a:endParaRPr>
+              </a:p>
+            </p:txBody>
+          </p:sp>
+        </mc:Choice>
+        <mc:Fallback>
+          <p:sp>
+            <p:nvSpPr>
+              <p:cNvPr id="92" name="ZoneTexte 91">
+                <a:extLst>
+                  <a:ext uri="{FF2B5EF4-FFF2-40B4-BE49-F238E27FC236}">
+                    <a16:creationId xmlns:a16="http://schemas.microsoft.com/office/drawing/2014/main" id="{7BC5D899-9962-3A5E-42F8-8939A5FD97A0}"/>
+                  </a:ext>
+                </a:extLst>
+              </p:cNvPr>
+              <p:cNvSpPr txBox="1">
+                <a:spLocks noRot="1" noChangeAspect="1" noMove="1" noResize="1" noEditPoints="1" noAdjustHandles="1" noChangeArrowheads="1" noChangeShapeType="1" noTextEdit="1"/>
+              </p:cNvSpPr>
+              <p:nvPr/>
+            </p:nvSpPr>
+            <p:spPr>
+              <a:xfrm>
+                <a:off x="3534224" y="1971431"/>
+                <a:ext cx="748521" cy="261610"/>
+              </a:xfrm>
+              <a:prstGeom prst="rect">
+                <a:avLst/>
+              </a:prstGeom>
+              <a:blipFill>
+                <a:blip r:embed="rId16"/>
+                <a:stretch>
+                  <a:fillRect/>
+                </a:stretch>
+              </a:blipFill>
+            </p:spPr>
+            <p:txBody>
+              <a:bodyPr/>
+              <a:lstStyle/>
+              <a:p>
+                <a:r>
+                  <a:rPr lang="fr-FR">
+                    <a:noFill/>
+                  </a:rPr>
+                  <a:t> </a:t>
+                </a:r>
+              </a:p>
+            </p:txBody>
+          </p:sp>
+        </mc:Fallback>
+      </mc:AlternateContent>
+      <mc:AlternateContent xmlns:mc="http://schemas.openxmlformats.org/markup-compatibility/2006">
+        <mc:Choice xmlns:a14="http://schemas.microsoft.com/office/drawing/2010/main" Requires="a14">
+          <p:sp>
+            <p:nvSpPr>
+              <p:cNvPr id="93" name="ZoneTexte 92">
+                <a:extLst>
+                  <a:ext uri="{FF2B5EF4-FFF2-40B4-BE49-F238E27FC236}">
+                    <a16:creationId xmlns:a16="http://schemas.microsoft.com/office/drawing/2014/main" id="{20F2696F-1FC7-25BD-836E-353728FE67D0}"/>
+                  </a:ext>
+                </a:extLst>
+              </p:cNvPr>
+              <p:cNvSpPr txBox="1"/>
+              <p:nvPr/>
+            </p:nvSpPr>
+            <p:spPr>
+              <a:xfrm>
+                <a:off x="5959694" y="1769495"/>
+                <a:ext cx="748521" cy="261610"/>
+              </a:xfrm>
+              <a:prstGeom prst="rect">
+                <a:avLst/>
+              </a:prstGeom>
+              <a:noFill/>
+            </p:spPr>
+            <p:txBody>
+              <a:bodyPr wrap="square">
+                <a:spAutoFit/>
+              </a:bodyPr>
+              <a:lstStyle/>
+              <a:p>
+                <a:pPr algn="ctr"/>
+                <a14:m>
+                  <m:oMathPara xmlns:m="http://schemas.openxmlformats.org/officeDocument/2006/math">
+                    <m:oMathParaPr>
+                      <m:jc m:val="centerGroup"/>
+                    </m:oMathParaPr>
+                    <m:oMath xmlns:m="http://schemas.openxmlformats.org/officeDocument/2006/math">
+                      <m:r>
+                        <a:rPr lang="fr-FR" sz="1100" b="0" i="1" smtClean="0">
+                          <a:solidFill>
+                            <a:schemeClr val="tx2"/>
+                          </a:solidFill>
+                          <a:latin typeface="Cambria Math" panose="02040503050406030204" pitchFamily="18" charset="0"/>
+                        </a:rPr>
+                        <m:t>+</m:t>
+                      </m:r>
+                    </m:oMath>
+                  </m:oMathPara>
+                </a14:m>
+                <a:endParaRPr lang="fr-FR" sz="1100" dirty="0">
+                  <a:solidFill>
+                    <a:schemeClr val="tx2"/>
+                  </a:solidFill>
+                  <a:latin typeface="Arial Nova" panose="020B0504020202020204" pitchFamily="34" charset="0"/>
+                </a:endParaRPr>
+              </a:p>
+            </p:txBody>
+          </p:sp>
+        </mc:Choice>
+        <mc:Fallback>
+          <p:sp>
+            <p:nvSpPr>
+              <p:cNvPr id="93" name="ZoneTexte 92">
+                <a:extLst>
+                  <a:ext uri="{FF2B5EF4-FFF2-40B4-BE49-F238E27FC236}">
+                    <a16:creationId xmlns:a16="http://schemas.microsoft.com/office/drawing/2014/main" id="{20F2696F-1FC7-25BD-836E-353728FE67D0}"/>
+                  </a:ext>
+                </a:extLst>
+              </p:cNvPr>
+              <p:cNvSpPr txBox="1">
+                <a:spLocks noRot="1" noChangeAspect="1" noMove="1" noResize="1" noEditPoints="1" noAdjustHandles="1" noChangeArrowheads="1" noChangeShapeType="1" noTextEdit="1"/>
+              </p:cNvSpPr>
+              <p:nvPr/>
+            </p:nvSpPr>
+            <p:spPr>
+              <a:xfrm>
+                <a:off x="5959694" y="1769495"/>
+                <a:ext cx="748521" cy="261610"/>
+              </a:xfrm>
+              <a:prstGeom prst="rect">
+                <a:avLst/>
+              </a:prstGeom>
+              <a:blipFill>
+                <a:blip r:embed="rId17"/>
+                <a:stretch>
+                  <a:fillRect/>
+                </a:stretch>
+              </a:blipFill>
+            </p:spPr>
+            <p:txBody>
+              <a:bodyPr/>
+              <a:lstStyle/>
+              <a:p>
+                <a:r>
+                  <a:rPr lang="fr-FR">
+                    <a:noFill/>
+                  </a:rPr>
+                  <a:t> </a:t>
+                </a:r>
+              </a:p>
+            </p:txBody>
+          </p:sp>
+        </mc:Fallback>
+      </mc:AlternateContent>
+      <mc:AlternateContent xmlns:mc="http://schemas.openxmlformats.org/markup-compatibility/2006">
+        <mc:Choice xmlns:a14="http://schemas.microsoft.com/office/drawing/2010/main" Requires="a14">
+          <p:sp>
+            <p:nvSpPr>
+              <p:cNvPr id="94" name="ZoneTexte 93">
+                <a:extLst>
+                  <a:ext uri="{FF2B5EF4-FFF2-40B4-BE49-F238E27FC236}">
+                    <a16:creationId xmlns:a16="http://schemas.microsoft.com/office/drawing/2014/main" id="{11B4D7D0-A749-3CB5-54F3-B4B675FA8225}"/>
+                  </a:ext>
+                </a:extLst>
+              </p:cNvPr>
+              <p:cNvSpPr txBox="1"/>
+              <p:nvPr/>
+            </p:nvSpPr>
+            <p:spPr>
+              <a:xfrm>
+                <a:off x="6201290" y="1702895"/>
+                <a:ext cx="748521" cy="261610"/>
+              </a:xfrm>
+              <a:prstGeom prst="rect">
+                <a:avLst/>
+              </a:prstGeom>
+              <a:noFill/>
+            </p:spPr>
+            <p:txBody>
+              <a:bodyPr wrap="square">
+                <a:spAutoFit/>
+              </a:bodyPr>
+              <a:lstStyle/>
+              <a:p>
+                <a:pPr algn="ctr"/>
+                <a14:m>
+                  <m:oMathPara xmlns:m="http://schemas.openxmlformats.org/officeDocument/2006/math">
+                    <m:oMathParaPr>
+                      <m:jc m:val="centerGroup"/>
+                    </m:oMathParaPr>
+                    <m:oMath xmlns:m="http://schemas.openxmlformats.org/officeDocument/2006/math">
+                      <m:r>
+                        <a:rPr lang="fr-FR" sz="1100" b="0" i="1" smtClean="0">
+                          <a:solidFill>
+                            <a:schemeClr val="tx2"/>
+                          </a:solidFill>
+                          <a:latin typeface="Cambria Math" panose="02040503050406030204" pitchFamily="18" charset="0"/>
+                        </a:rPr>
+                        <m:t>−</m:t>
+                      </m:r>
+                    </m:oMath>
+                  </m:oMathPara>
+                </a14:m>
+                <a:endParaRPr lang="fr-FR" sz="1100" dirty="0">
+                  <a:solidFill>
+                    <a:schemeClr val="tx2"/>
+                  </a:solidFill>
+                  <a:latin typeface="Arial Nova" panose="020B0504020202020204" pitchFamily="34" charset="0"/>
+                </a:endParaRPr>
+              </a:p>
+            </p:txBody>
+          </p:sp>
+        </mc:Choice>
+        <mc:Fallback>
+          <p:sp>
+            <p:nvSpPr>
+              <p:cNvPr id="94" name="ZoneTexte 93">
+                <a:extLst>
+                  <a:ext uri="{FF2B5EF4-FFF2-40B4-BE49-F238E27FC236}">
+                    <a16:creationId xmlns:a16="http://schemas.microsoft.com/office/drawing/2014/main" id="{11B4D7D0-A749-3CB5-54F3-B4B675FA8225}"/>
+                  </a:ext>
+                </a:extLst>
+              </p:cNvPr>
+              <p:cNvSpPr txBox="1">
+                <a:spLocks noRot="1" noChangeAspect="1" noMove="1" noResize="1" noEditPoints="1" noAdjustHandles="1" noChangeArrowheads="1" noChangeShapeType="1" noTextEdit="1"/>
+              </p:cNvSpPr>
+              <p:nvPr/>
+            </p:nvSpPr>
+            <p:spPr>
+              <a:xfrm>
+                <a:off x="6201290" y="1702895"/>
+                <a:ext cx="748521" cy="261610"/>
+              </a:xfrm>
+              <a:prstGeom prst="rect">
+                <a:avLst/>
+              </a:prstGeom>
+              <a:blipFill>
+                <a:blip r:embed="rId16"/>
+                <a:stretch>
+                  <a:fillRect/>
+                </a:stretch>
+              </a:blipFill>
+            </p:spPr>
+            <p:txBody>
+              <a:bodyPr/>
+              <a:lstStyle/>
+              <a:p>
+                <a:r>
+                  <a:rPr lang="fr-FR">
+                    <a:noFill/>
+                  </a:rPr>
+                  <a:t> </a:t>
+                </a:r>
+              </a:p>
+            </p:txBody>
+          </p:sp>
+        </mc:Fallback>
+      </mc:AlternateContent>
+    </p:spTree>
+    <p:extLst>
+      <p:ext uri="{BB962C8B-B14F-4D97-AF65-F5344CB8AC3E}">
+        <p14:creationId xmlns:p14="http://schemas.microsoft.com/office/powerpoint/2010/main" val="1481059323"/>
       </p:ext>
     </p:extLst>
   </p:cSld>
@@ -12974,8 +17038,8 @@
           </p:txBody>
         </p:sp>
       </p:grpSp>
-      <mc:AlternateContent xmlns:mc="http://schemas.openxmlformats.org/markup-compatibility/2006">
-        <mc:Choice xmlns:a14="http://schemas.microsoft.com/office/drawing/2010/main" Requires="a14">
+      <mc:AlternateContent xmlns:mc="http://schemas.openxmlformats.org/markup-compatibility/2006" xmlns:a14="http://schemas.microsoft.com/office/drawing/2010/main">
+        <mc:Choice Requires="a14">
           <p:sp>
             <p:nvSpPr>
               <p:cNvPr id="64" name="ZoneTexte 63">
@@ -13039,7 +17103,7 @@
             </p:txBody>
           </p:sp>
         </mc:Choice>
-        <mc:Fallback>
+        <mc:Fallback xmlns="">
           <p:sp>
             <p:nvSpPr>
               <p:cNvPr id="64" name="ZoneTexte 63">
@@ -13084,8 +17148,8 @@
           </p:sp>
         </mc:Fallback>
       </mc:AlternateContent>
-      <mc:AlternateContent xmlns:mc="http://schemas.openxmlformats.org/markup-compatibility/2006">
-        <mc:Choice xmlns:a14="http://schemas.microsoft.com/office/drawing/2010/main" Requires="a14">
+      <mc:AlternateContent xmlns:mc="http://schemas.openxmlformats.org/markup-compatibility/2006" xmlns:a14="http://schemas.microsoft.com/office/drawing/2010/main">
+        <mc:Choice Requires="a14">
           <p:sp>
             <p:nvSpPr>
               <p:cNvPr id="65" name="ZoneTexte 64">
@@ -13199,7 +17263,7 @@
             </p:txBody>
           </p:sp>
         </mc:Choice>
-        <mc:Fallback>
+        <mc:Fallback xmlns="">
           <p:sp>
             <p:nvSpPr>
               <p:cNvPr id="65" name="ZoneTexte 64">
@@ -13539,8 +17603,8 @@
           </p:spPr>
         </p:pic>
       </p:grpSp>
-      <mc:AlternateContent xmlns:mc="http://schemas.openxmlformats.org/markup-compatibility/2006">
-        <mc:Choice xmlns:a14="http://schemas.microsoft.com/office/drawing/2010/main" Requires="a14">
+      <mc:AlternateContent xmlns:mc="http://schemas.openxmlformats.org/markup-compatibility/2006" xmlns:a14="http://schemas.microsoft.com/office/drawing/2010/main">
+        <mc:Choice Requires="a14">
           <p:sp>
             <p:nvSpPr>
               <p:cNvPr id="2" name="ZoneTexte 1">
@@ -13652,7 +17716,7 @@
             </p:txBody>
           </p:sp>
         </mc:Choice>
-        <mc:Fallback>
+        <mc:Fallback xmlns="">
           <p:sp>
             <p:nvSpPr>
               <p:cNvPr id="2" name="ZoneTexte 1">
@@ -14667,8 +18731,8 @@
           </a:fontRef>
         </p:style>
       </p:cxnSp>
-      <mc:AlternateContent xmlns:mc="http://schemas.openxmlformats.org/markup-compatibility/2006">
-        <mc:Choice xmlns:a14="http://schemas.microsoft.com/office/drawing/2010/main" Requires="a14">
+      <mc:AlternateContent xmlns:mc="http://schemas.openxmlformats.org/markup-compatibility/2006" xmlns:a14="http://schemas.microsoft.com/office/drawing/2010/main">
+        <mc:Choice Requires="a14">
           <p:sp>
             <p:nvSpPr>
               <p:cNvPr id="111" name="ZoneTexte 110">
@@ -14811,7 +18875,7 @@
             </p:txBody>
           </p:sp>
         </mc:Choice>
-        <mc:Fallback>
+        <mc:Fallback xmlns="">
           <p:sp>
             <p:nvSpPr>
               <p:cNvPr id="111" name="ZoneTexte 110">
@@ -14856,8 +18920,8 @@
           </p:sp>
         </mc:Fallback>
       </mc:AlternateContent>
-      <mc:AlternateContent xmlns:mc="http://schemas.openxmlformats.org/markup-compatibility/2006">
-        <mc:Choice xmlns:a14="http://schemas.microsoft.com/office/drawing/2010/main" Requires="a14">
+      <mc:AlternateContent xmlns:mc="http://schemas.openxmlformats.org/markup-compatibility/2006" xmlns:a14="http://schemas.microsoft.com/office/drawing/2010/main">
+        <mc:Choice Requires="a14">
           <p:sp>
             <p:nvSpPr>
               <p:cNvPr id="112" name="ZoneTexte 111">
@@ -14973,7 +19037,7 @@
             </p:txBody>
           </p:sp>
         </mc:Choice>
-        <mc:Fallback>
+        <mc:Fallback xmlns="">
           <p:sp>
             <p:nvSpPr>
               <p:cNvPr id="112" name="ZoneTexte 111">
@@ -15257,8 +19321,8 @@
           </p:spPr>
         </p:pic>
       </p:grpSp>
-      <mc:AlternateContent xmlns:mc="http://schemas.openxmlformats.org/markup-compatibility/2006">
-        <mc:Choice xmlns:a14="http://schemas.microsoft.com/office/drawing/2010/main" Requires="a14">
+      <mc:AlternateContent xmlns:mc="http://schemas.openxmlformats.org/markup-compatibility/2006" xmlns:a14="http://schemas.microsoft.com/office/drawing/2010/main">
+        <mc:Choice Requires="a14">
           <p:sp>
             <p:nvSpPr>
               <p:cNvPr id="107" name="ZoneTexte 106">
@@ -15401,7 +19465,7 @@
             </p:txBody>
           </p:sp>
         </mc:Choice>
-        <mc:Fallback>
+        <mc:Fallback xmlns="">
           <p:sp>
             <p:nvSpPr>
               <p:cNvPr id="107" name="ZoneTexte 106">
@@ -15998,7 +20062,14 @@
                         <a:latin typeface="Cambria Math" panose="02040503050406030204" pitchFamily="18" charset="0"/>
                         <a:ea typeface="Cambria Math" panose="02040503050406030204" pitchFamily="18" charset="0"/>
                       </a:rPr>
-                      <m:t>=0</m:t>
+                      <m:t>=</m:t>
+                    </m:r>
+                    <m:r>
+                      <a:rPr lang="fr-FR" b="0" i="1" smtClean="0">
+                        <a:latin typeface="Cambria Math" panose="02040503050406030204" pitchFamily="18" charset="0"/>
+                        <a:ea typeface="Cambria Math" panose="02040503050406030204" pitchFamily="18" charset="0"/>
+                      </a:rPr>
+                      <m:t>0</m:t>
                     </m:r>
                   </m:oMath>
                 </a14:m>
@@ -16089,7 +20160,14 @@
                             <a:latin typeface="Cambria Math" panose="02040503050406030204" pitchFamily="18" charset="0"/>
                             <a:ea typeface="Cambria Math" panose="02040503050406030204" pitchFamily="18" charset="0"/>
                           </a:rPr>
-                          <m:t>0 </m:t>
+                          <m:t>0</m:t>
+                        </m:r>
+                        <m:r>
+                          <a:rPr lang="fr-FR" b="0" i="1" smtClean="0">
+                            <a:latin typeface="Cambria Math" panose="02040503050406030204" pitchFamily="18" charset="0"/>
+                            <a:ea typeface="Cambria Math" panose="02040503050406030204" pitchFamily="18" charset="0"/>
+                          </a:rPr>
+                          <m:t> </m:t>
                         </m:r>
                       </m:e>
                     </m:d>
@@ -16240,7 +20318,14 @@
                             <a:latin typeface="Cambria Math" panose="02040503050406030204" pitchFamily="18" charset="0"/>
                             <a:ea typeface="Cambria Math" panose="02040503050406030204" pitchFamily="18" charset="0"/>
                           </a:rPr>
-                          <m:t>0 </m:t>
+                          <m:t>0</m:t>
+                        </m:r>
+                        <m:r>
+                          <a:rPr lang="fr-FR" b="0" i="1" smtClean="0">
+                            <a:latin typeface="Cambria Math" panose="02040503050406030204" pitchFamily="18" charset="0"/>
+                            <a:ea typeface="Cambria Math" panose="02040503050406030204" pitchFamily="18" charset="0"/>
+                          </a:rPr>
+                          <m:t> </m:t>
                         </m:r>
                       </m:e>
                     </m:d>
@@ -17722,7 +21807,14 @@
                           <a:latin typeface="Cambria Math" panose="02040503050406030204" pitchFamily="18" charset="0"/>
                           <a:ea typeface="Cambria Math" panose="02040503050406030204" pitchFamily="18" charset="0"/>
                         </a:rPr>
-                        <m:t>=0</m:t>
+                        <m:t>=</m:t>
+                      </m:r>
+                      <m:r>
+                        <a:rPr lang="fr-FR" b="0" i="1" smtClean="0">
+                          <a:latin typeface="Cambria Math" panose="02040503050406030204" pitchFamily="18" charset="0"/>
+                          <a:ea typeface="Cambria Math" panose="02040503050406030204" pitchFamily="18" charset="0"/>
+                        </a:rPr>
+                        <m:t>0</m:t>
                       </m:r>
                     </m:oMath>
                   </m:oMathPara>

--- a/04_Comax/04_Comax_Corrige.pptx
+++ b/04_Comax/04_Comax_Corrige.pptx
@@ -11,16 +11,18 @@
     <p:sldId id="267" r:id="rId5"/>
     <p:sldId id="279" r:id="rId6"/>
     <p:sldId id="269" r:id="rId7"/>
-    <p:sldId id="268" r:id="rId8"/>
-    <p:sldId id="270" r:id="rId9"/>
-    <p:sldId id="272" r:id="rId10"/>
-    <p:sldId id="271" r:id="rId11"/>
-    <p:sldId id="278" r:id="rId12"/>
-    <p:sldId id="274" r:id="rId13"/>
-    <p:sldId id="275" r:id="rId14"/>
-    <p:sldId id="276" r:id="rId15"/>
-    <p:sldId id="277" r:id="rId16"/>
-    <p:sldId id="280" r:id="rId17"/>
+    <p:sldId id="282" r:id="rId8"/>
+    <p:sldId id="281" r:id="rId9"/>
+    <p:sldId id="268" r:id="rId10"/>
+    <p:sldId id="270" r:id="rId11"/>
+    <p:sldId id="272" r:id="rId12"/>
+    <p:sldId id="271" r:id="rId13"/>
+    <p:sldId id="278" r:id="rId14"/>
+    <p:sldId id="274" r:id="rId15"/>
+    <p:sldId id="275" r:id="rId16"/>
+    <p:sldId id="276" r:id="rId17"/>
+    <p:sldId id="277" r:id="rId18"/>
+    <p:sldId id="280" r:id="rId19"/>
   </p:sldIdLst>
   <p:sldSz cx="12192000" cy="6858000"/>
   <p:notesSz cx="6858000" cy="9144000"/>
@@ -195,6 +197,13 @@
             <a:schemeClr val="lt1"/>
           </a:fontRef>
         </p:style>
+        <p:txBody>
+          <a:bodyPr/>
+          <a:lstStyle/>
+          <a:p>
+            <a:endParaRPr lang="fr-FR"/>
+          </a:p>
+        </p:txBody>
       </p:sp>
       <p:sp>
         <p:nvSpPr>
@@ -233,6 +242,13 @@
             <a:schemeClr val="lt1"/>
           </a:fontRef>
         </p:style>
+        <p:txBody>
+          <a:bodyPr/>
+          <a:lstStyle/>
+          <a:p>
+            <a:endParaRPr lang="fr-FR"/>
+          </a:p>
+        </p:txBody>
       </p:sp>
       <p:sp>
         <p:nvSpPr>
@@ -367,7 +383,7 @@
           <a:p>
             <a:fld id="{D7F135F6-2A09-4FDD-9ECA-096E230CA0FA}" type="datetimeFigureOut">
               <a:rPr lang="fr-FR" smtClean="0"/>
-              <a:t>05/03/2024</a:t>
+              <a:t>10/10/2025</a:t>
             </a:fld>
             <a:endParaRPr lang="fr-FR"/>
           </a:p>
@@ -572,7 +588,7 @@
           <a:p>
             <a:fld id="{D7F135F6-2A09-4FDD-9ECA-096E230CA0FA}" type="datetimeFigureOut">
               <a:rPr lang="fr-FR" smtClean="0"/>
-              <a:t>05/03/2024</a:t>
+              <a:t>10/10/2025</a:t>
             </a:fld>
             <a:endParaRPr lang="fr-FR"/>
           </a:p>
@@ -828,7 +844,7 @@
           <a:p>
             <a:fld id="{D7F135F6-2A09-4FDD-9ECA-096E230CA0FA}" type="datetimeFigureOut">
               <a:rPr lang="fr-FR" smtClean="0"/>
-              <a:t>05/03/2024</a:t>
+              <a:t>10/10/2025</a:t>
             </a:fld>
             <a:endParaRPr lang="fr-FR"/>
           </a:p>
@@ -1034,7 +1050,7 @@
           <a:p>
             <a:fld id="{D7F135F6-2A09-4FDD-9ECA-096E230CA0FA}" type="datetimeFigureOut">
               <a:rPr lang="fr-FR" smtClean="0"/>
-              <a:t>05/03/2024</a:t>
+              <a:t>10/10/2025</a:t>
             </a:fld>
             <a:endParaRPr lang="fr-FR"/>
           </a:p>
@@ -1396,7 +1412,7 @@
           <a:p>
             <a:fld id="{D7F135F6-2A09-4FDD-9ECA-096E230CA0FA}" type="datetimeFigureOut">
               <a:rPr lang="fr-FR" smtClean="0"/>
-              <a:t>05/03/2024</a:t>
+              <a:t>10/10/2025</a:t>
             </a:fld>
             <a:endParaRPr lang="fr-FR"/>
           </a:p>
@@ -1671,7 +1687,7 @@
           <a:p>
             <a:fld id="{D7F135F6-2A09-4FDD-9ECA-096E230CA0FA}" type="datetimeFigureOut">
               <a:rPr lang="fr-FR" smtClean="0"/>
-              <a:t>05/03/2024</a:t>
+              <a:t>10/10/2025</a:t>
             </a:fld>
             <a:endParaRPr lang="fr-FR"/>
           </a:p>
@@ -2050,7 +2066,7 @@
           <a:p>
             <a:fld id="{D7F135F6-2A09-4FDD-9ECA-096E230CA0FA}" type="datetimeFigureOut">
               <a:rPr lang="fr-FR" smtClean="0"/>
-              <a:t>05/03/2024</a:t>
+              <a:t>10/10/2025</a:t>
             </a:fld>
             <a:endParaRPr lang="fr-FR"/>
           </a:p>
@@ -2168,7 +2184,7 @@
           <a:p>
             <a:fld id="{D7F135F6-2A09-4FDD-9ECA-096E230CA0FA}" type="datetimeFigureOut">
               <a:rPr lang="fr-FR" smtClean="0"/>
-              <a:t>05/03/2024</a:t>
+              <a:t>10/10/2025</a:t>
             </a:fld>
             <a:endParaRPr lang="fr-FR"/>
           </a:p>
@@ -2342,7 +2358,7 @@
           <a:p>
             <a:fld id="{D7F135F6-2A09-4FDD-9ECA-096E230CA0FA}" type="datetimeFigureOut">
               <a:rPr lang="fr-FR" smtClean="0"/>
-              <a:t>05/03/2024</a:t>
+              <a:t>10/10/2025</a:t>
             </a:fld>
             <a:endParaRPr lang="fr-FR"/>
           </a:p>
@@ -2699,7 +2715,7 @@
           <a:p>
             <a:fld id="{D7F135F6-2A09-4FDD-9ECA-096E230CA0FA}" type="datetimeFigureOut">
               <a:rPr lang="fr-FR" smtClean="0"/>
-              <a:t>05/03/2024</a:t>
+              <a:t>10/10/2025</a:t>
             </a:fld>
             <a:endParaRPr lang="fr-FR"/>
           </a:p>
@@ -3084,7 +3100,7 @@
           <a:p>
             <a:fld id="{D7F135F6-2A09-4FDD-9ECA-096E230CA0FA}" type="datetimeFigureOut">
               <a:rPr lang="fr-FR" smtClean="0"/>
-              <a:t>05/03/2024</a:t>
+              <a:t>10/10/2025</a:t>
             </a:fld>
             <a:endParaRPr lang="fr-FR"/>
           </a:p>
@@ -3207,6 +3223,13 @@
             <a:schemeClr val="lt1"/>
           </a:fontRef>
         </p:style>
+        <p:txBody>
+          <a:bodyPr/>
+          <a:lstStyle/>
+          <a:p>
+            <a:endParaRPr lang="fr-FR"/>
+          </a:p>
+        </p:txBody>
       </p:sp>
       <p:sp>
         <p:nvSpPr>
@@ -3245,6 +3268,13 @@
             <a:schemeClr val="lt1"/>
           </a:fontRef>
         </p:style>
+        <p:txBody>
+          <a:bodyPr/>
+          <a:lstStyle/>
+          <a:p>
+            <a:endParaRPr lang="fr-FR"/>
+          </a:p>
+        </p:txBody>
       </p:sp>
       <p:sp>
         <p:nvSpPr>
@@ -3374,7 +3404,7 @@
           <a:p>
             <a:fld id="{D7F135F6-2A09-4FDD-9ECA-096E230CA0FA}" type="datetimeFigureOut">
               <a:rPr lang="fr-FR" smtClean="0"/>
-              <a:t>05/03/2024</a:t>
+              <a:t>10/10/2025</a:t>
             </a:fld>
             <a:endParaRPr lang="fr-FR" dirty="0"/>
           </a:p>
@@ -3992,6 +4022,1923 @@
 </file>
 
 <file path=ppt/slides/slide10.xml><?xml version="1.0" encoding="utf-8"?>
+<p:sld xmlns:a="http://schemas.openxmlformats.org/drawingml/2006/main" xmlns:r="http://schemas.openxmlformats.org/officeDocument/2006/relationships" xmlns:p="http://schemas.openxmlformats.org/presentationml/2006/main">
+  <p:cSld>
+    <p:spTree>
+      <p:nvGrpSpPr>
+        <p:cNvPr id="1" name=""/>
+        <p:cNvGrpSpPr/>
+        <p:nvPr/>
+      </p:nvGrpSpPr>
+      <p:grpSpPr>
+        <a:xfrm>
+          <a:off x="0" y="0"/>
+          <a:ext cx="0" cy="0"/>
+          <a:chOff x="0" y="0"/>
+          <a:chExt cx="0" cy="0"/>
+        </a:xfrm>
+      </p:grpSpPr>
+      <p:sp>
+        <p:nvSpPr>
+          <p:cNvPr id="2" name="Titre 1">
+            <a:extLst>
+              <a:ext uri="{FF2B5EF4-FFF2-40B4-BE49-F238E27FC236}">
+                <a16:creationId xmlns:a16="http://schemas.microsoft.com/office/drawing/2014/main" id="{C394E5B6-AD63-4F7B-E838-2B5F5160D0D9}"/>
+              </a:ext>
+            </a:extLst>
+          </p:cNvPr>
+          <p:cNvSpPr>
+            <a:spLocks noGrp="1"/>
+          </p:cNvSpPr>
+          <p:nvPr>
+            <p:ph type="title"/>
+          </p:nvPr>
+        </p:nvSpPr>
+        <p:spPr/>
+        <p:txBody>
+          <a:bodyPr/>
+          <a:lstStyle/>
+          <a:p>
+            <a:r>
+              <a:rPr lang="fr-FR" dirty="0"/>
+              <a:t>Identification de la masse et du Frottement sec</a:t>
+            </a:r>
+          </a:p>
+        </p:txBody>
+      </p:sp>
+      <mc:AlternateContent xmlns:mc="http://schemas.openxmlformats.org/markup-compatibility/2006" xmlns:a14="http://schemas.microsoft.com/office/drawing/2010/main">
+        <mc:Choice Requires="a14">
+          <p:sp>
+            <p:nvSpPr>
+              <p:cNvPr id="3" name="Espace réservé du contenu 2">
+                <a:extLst>
+                  <a:ext uri="{FF2B5EF4-FFF2-40B4-BE49-F238E27FC236}">
+                    <a16:creationId xmlns:a16="http://schemas.microsoft.com/office/drawing/2014/main" id="{557CA942-D8AE-26E1-13CE-00242D950130}"/>
+                  </a:ext>
+                </a:extLst>
+              </p:cNvPr>
+              <p:cNvSpPr>
+                <a:spLocks noGrp="1"/>
+              </p:cNvSpPr>
+              <p:nvPr>
+                <p:ph idx="1"/>
+              </p:nvPr>
+            </p:nvSpPr>
+            <p:spPr>
+              <a:xfrm>
+                <a:off x="117795" y="981887"/>
+                <a:ext cx="5978205" cy="5253339"/>
+              </a:xfrm>
+            </p:spPr>
+            <p:txBody>
+              <a:bodyPr>
+                <a:normAutofit lnSpcReduction="10000"/>
+              </a:bodyPr>
+              <a:lstStyle/>
+              <a:p>
+                <a:r>
+                  <a:rPr lang="fr-FR" dirty="0"/>
+                  <a:t>On cherche le courant mini tel que le bras monte, puis le courant max tel que le bras descende</a:t>
+                </a:r>
+              </a:p>
+              <a:p>
+                <a:pPr lvl="1"/>
+                <a:r>
+                  <a:rPr lang="fr-FR" dirty="0"/>
+                  <a:t>On isole le Bras</a:t>
+                </a:r>
+              </a:p>
+              <a:p>
+                <a:pPr lvl="1"/>
+                <a:r>
+                  <a:rPr lang="fr-FR" b="0" dirty="0"/>
+                  <a:t>BAME : </a:t>
+                </a:r>
+              </a:p>
+              <a:p>
+                <a:pPr lvl="2"/>
+                <a:r>
+                  <a:rPr lang="fr-FR" dirty="0"/>
+                  <a:t>Pesanteur</a:t>
+                </a:r>
+              </a:p>
+              <a:p>
+                <a:pPr lvl="2"/>
+                <a:r>
+                  <a:rPr lang="fr-FR" b="0" dirty="0"/>
+                  <a:t>Force motr</a:t>
+                </a:r>
+                <a:r>
+                  <a:rPr lang="fr-FR" dirty="0"/>
+                  <a:t>ice</a:t>
+                </a:r>
+              </a:p>
+              <a:p>
+                <a:pPr lvl="2"/>
+                <a:r>
+                  <a:rPr lang="fr-FR" b="0" dirty="0"/>
+                  <a:t>Force de frott</a:t>
+                </a:r>
+                <a:r>
+                  <a:rPr lang="fr-FR" dirty="0"/>
+                  <a:t>ement</a:t>
+                </a:r>
+              </a:p>
+              <a:p>
+                <a:pPr lvl="1"/>
+                <a:r>
+                  <a:rPr lang="fr-FR" b="0" dirty="0"/>
+                  <a:t>A</a:t>
+                </a:r>
+                <a:r>
+                  <a:rPr lang="fr-FR" dirty="0"/>
+                  <a:t>pplication du TRS sur </a:t>
+                </a:r>
+                <a14:m>
+                  <m:oMath xmlns:m="http://schemas.openxmlformats.org/officeDocument/2006/math">
+                    <m:acc>
+                      <m:accPr>
+                        <m:chr m:val="⃗"/>
+                        <m:ctrlPr>
+                          <a:rPr lang="fr-FR" i="1" smtClean="0">
+                            <a:latin typeface="Cambria Math" panose="02040503050406030204" pitchFamily="18" charset="0"/>
+                          </a:rPr>
+                        </m:ctrlPr>
+                      </m:accPr>
+                      <m:e>
+                        <m:r>
+                          <a:rPr lang="fr-FR" b="0" i="1" smtClean="0">
+                            <a:latin typeface="Cambria Math" panose="02040503050406030204" pitchFamily="18" charset="0"/>
+                          </a:rPr>
+                          <m:t>𝑧</m:t>
+                        </m:r>
+                      </m:e>
+                    </m:acc>
+                  </m:oMath>
+                </a14:m>
+                <a:endParaRPr lang="fr-FR" b="0" dirty="0"/>
+              </a:p>
+              <a:p>
+                <a:pPr lvl="2"/>
+                <a:r>
+                  <a:rPr lang="fr-FR" b="0" dirty="0"/>
+                  <a:t>Vers le </a:t>
+                </a:r>
+                <a:r>
+                  <a:rPr lang="fr-FR" dirty="0"/>
+                  <a:t>haut : </a:t>
+                </a:r>
+              </a:p>
+              <a:p>
+                <a:pPr lvl="3"/>
+                <a14:m>
+                  <m:oMath xmlns:m="http://schemas.openxmlformats.org/officeDocument/2006/math">
+                    <m:sSub>
+                      <m:sSubPr>
+                        <m:ctrlPr>
+                          <a:rPr lang="fr-FR" b="0" i="1" smtClean="0">
+                            <a:latin typeface="Cambria Math" panose="02040503050406030204" pitchFamily="18" charset="0"/>
+                          </a:rPr>
+                        </m:ctrlPr>
+                      </m:sSubPr>
+                      <m:e>
+                        <m:r>
+                          <a:rPr lang="fr-FR" b="0" i="1" smtClean="0">
+                            <a:latin typeface="Cambria Math" panose="02040503050406030204" pitchFamily="18" charset="0"/>
+                          </a:rPr>
+                          <m:t>𝐹</m:t>
+                        </m:r>
+                      </m:e>
+                      <m:sub>
+                        <m:r>
+                          <a:rPr lang="fr-FR" b="0" i="1" smtClean="0">
+                            <a:latin typeface="Cambria Math" panose="02040503050406030204" pitchFamily="18" charset="0"/>
+                          </a:rPr>
+                          <m:t>𝑚</m:t>
+                        </m:r>
+                        <m:r>
+                          <a:rPr lang="fr-FR" b="0" i="1" smtClean="0">
+                            <a:latin typeface="Cambria Math" panose="02040503050406030204" pitchFamily="18" charset="0"/>
+                          </a:rPr>
+                          <m:t>h</m:t>
+                        </m:r>
+                      </m:sub>
+                    </m:sSub>
+                    <m:r>
+                      <a:rPr lang="fr-FR" b="0" i="1" smtClean="0">
+                        <a:latin typeface="Cambria Math" panose="02040503050406030204" pitchFamily="18" charset="0"/>
+                      </a:rPr>
+                      <m:t>−</m:t>
+                    </m:r>
+                    <m:sSub>
+                      <m:sSubPr>
+                        <m:ctrlPr>
+                          <a:rPr lang="fr-FR" b="0" i="1" smtClean="0">
+                            <a:latin typeface="Cambria Math" panose="02040503050406030204" pitchFamily="18" charset="0"/>
+                          </a:rPr>
+                        </m:ctrlPr>
+                      </m:sSubPr>
+                      <m:e>
+                        <m:r>
+                          <a:rPr lang="fr-FR" b="0" i="1" smtClean="0">
+                            <a:latin typeface="Cambria Math" panose="02040503050406030204" pitchFamily="18" charset="0"/>
+                          </a:rPr>
+                          <m:t>𝐹</m:t>
+                        </m:r>
+                      </m:e>
+                      <m:sub>
+                        <m:r>
+                          <a:rPr lang="fr-FR" b="0" i="1" smtClean="0">
+                            <a:latin typeface="Cambria Math" panose="02040503050406030204" pitchFamily="18" charset="0"/>
+                          </a:rPr>
+                          <m:t>𝑟</m:t>
+                        </m:r>
+                      </m:sub>
+                    </m:sSub>
+                    <m:r>
+                      <a:rPr lang="fr-FR" b="0" i="1" smtClean="0">
+                        <a:latin typeface="Cambria Math" panose="02040503050406030204" pitchFamily="18" charset="0"/>
+                      </a:rPr>
+                      <m:t>−</m:t>
+                    </m:r>
+                    <m:r>
+                      <a:rPr lang="fr-FR" b="0" i="1" smtClean="0">
+                        <a:latin typeface="Cambria Math" panose="02040503050406030204" pitchFamily="18" charset="0"/>
+                      </a:rPr>
+                      <m:t>𝑀𝑔</m:t>
+                    </m:r>
+                    <m:r>
+                      <a:rPr lang="fr-FR" b="0" i="1" smtClean="0">
+                        <a:latin typeface="Cambria Math" panose="02040503050406030204" pitchFamily="18" charset="0"/>
+                      </a:rPr>
+                      <m:t>=</m:t>
+                    </m:r>
+                    <m:r>
+                      <a:rPr lang="fr-FR" b="0" i="1" smtClean="0">
+                        <a:latin typeface="Cambria Math" panose="02040503050406030204" pitchFamily="18" charset="0"/>
+                      </a:rPr>
+                      <m:t>0</m:t>
+                    </m:r>
+                  </m:oMath>
+                </a14:m>
+                <a:endParaRPr lang="fr-FR" dirty="0"/>
+              </a:p>
+              <a:p>
+                <a:pPr lvl="2"/>
+                <a:r>
+                  <a:rPr lang="fr-FR" b="0" dirty="0"/>
+                  <a:t>Vers le </a:t>
+                </a:r>
+                <a:r>
+                  <a:rPr lang="fr-FR" dirty="0"/>
+                  <a:t>bas (couple positif mais pas suffisant pour vaincre le poids): </a:t>
+                </a:r>
+                <a14:m>
+                  <m:oMath xmlns:m="http://schemas.openxmlformats.org/officeDocument/2006/math">
+                    <m:sSub>
+                      <m:sSubPr>
+                        <m:ctrlPr>
+                          <a:rPr lang="fr-FR" b="0" i="1" smtClean="0">
+                            <a:latin typeface="Cambria Math" panose="02040503050406030204" pitchFamily="18" charset="0"/>
+                          </a:rPr>
+                        </m:ctrlPr>
+                      </m:sSubPr>
+                      <m:e>
+                        <m:r>
+                          <a:rPr lang="fr-FR" b="0" i="1" smtClean="0">
+                            <a:latin typeface="Cambria Math" panose="02040503050406030204" pitchFamily="18" charset="0"/>
+                          </a:rPr>
+                          <m:t>𝐹</m:t>
+                        </m:r>
+                      </m:e>
+                      <m:sub>
+                        <m:r>
+                          <a:rPr lang="fr-FR" b="0" i="1" smtClean="0">
+                            <a:latin typeface="Cambria Math" panose="02040503050406030204" pitchFamily="18" charset="0"/>
+                          </a:rPr>
+                          <m:t>𝑚𝑏</m:t>
+                        </m:r>
+                      </m:sub>
+                    </m:sSub>
+                    <m:r>
+                      <a:rPr lang="fr-FR" b="0" i="1" smtClean="0">
+                        <a:latin typeface="Cambria Math" panose="02040503050406030204" pitchFamily="18" charset="0"/>
+                      </a:rPr>
+                      <m:t>+</m:t>
+                    </m:r>
+                    <m:sSub>
+                      <m:sSubPr>
+                        <m:ctrlPr>
+                          <a:rPr lang="fr-FR" b="0" i="1" smtClean="0">
+                            <a:latin typeface="Cambria Math" panose="02040503050406030204" pitchFamily="18" charset="0"/>
+                          </a:rPr>
+                        </m:ctrlPr>
+                      </m:sSubPr>
+                      <m:e>
+                        <m:r>
+                          <a:rPr lang="fr-FR" b="0" i="1" smtClean="0">
+                            <a:latin typeface="Cambria Math" panose="02040503050406030204" pitchFamily="18" charset="0"/>
+                          </a:rPr>
+                          <m:t>𝐹</m:t>
+                        </m:r>
+                      </m:e>
+                      <m:sub>
+                        <m:r>
+                          <a:rPr lang="fr-FR" b="0" i="1" smtClean="0">
+                            <a:latin typeface="Cambria Math" panose="02040503050406030204" pitchFamily="18" charset="0"/>
+                          </a:rPr>
+                          <m:t>𝑟</m:t>
+                        </m:r>
+                      </m:sub>
+                    </m:sSub>
+                    <m:r>
+                      <a:rPr lang="fr-FR" b="0" i="1" smtClean="0">
+                        <a:latin typeface="Cambria Math" panose="02040503050406030204" pitchFamily="18" charset="0"/>
+                      </a:rPr>
+                      <m:t>−</m:t>
+                    </m:r>
+                    <m:r>
+                      <a:rPr lang="fr-FR" b="0" i="1" smtClean="0">
+                        <a:latin typeface="Cambria Math" panose="02040503050406030204" pitchFamily="18" charset="0"/>
+                      </a:rPr>
+                      <m:t>𝑀𝑔</m:t>
+                    </m:r>
+                    <m:r>
+                      <a:rPr lang="fr-FR" b="0" i="1" smtClean="0">
+                        <a:latin typeface="Cambria Math" panose="02040503050406030204" pitchFamily="18" charset="0"/>
+                      </a:rPr>
+                      <m:t>=</m:t>
+                    </m:r>
+                    <m:r>
+                      <a:rPr lang="fr-FR" b="0" i="1" smtClean="0">
+                        <a:latin typeface="Cambria Math" panose="02040503050406030204" pitchFamily="18" charset="0"/>
+                      </a:rPr>
+                      <m:t>0</m:t>
+                    </m:r>
+                  </m:oMath>
+                </a14:m>
+                <a:endParaRPr lang="fr-FR" dirty="0"/>
+              </a:p>
+              <a:p>
+                <a:pPr lvl="3"/>
+                <a14:m>
+                  <m:oMath xmlns:m="http://schemas.openxmlformats.org/officeDocument/2006/math">
+                    <m:sSub>
+                      <m:sSubPr>
+                        <m:ctrlPr>
+                          <a:rPr lang="fr-FR" b="0" i="1" smtClean="0">
+                            <a:latin typeface="Cambria Math" panose="02040503050406030204" pitchFamily="18" charset="0"/>
+                          </a:rPr>
+                        </m:ctrlPr>
+                      </m:sSubPr>
+                      <m:e>
+                        <m:r>
+                          <a:rPr lang="fr-FR" b="0" i="1" smtClean="0">
+                            <a:latin typeface="Cambria Math" panose="02040503050406030204" pitchFamily="18" charset="0"/>
+                          </a:rPr>
+                          <m:t>𝐹</m:t>
+                        </m:r>
+                      </m:e>
+                      <m:sub>
+                        <m:r>
+                          <a:rPr lang="fr-FR" b="0" i="1" smtClean="0">
+                            <a:latin typeface="Cambria Math" panose="02040503050406030204" pitchFamily="18" charset="0"/>
+                          </a:rPr>
+                          <m:t>𝑚</m:t>
+                        </m:r>
+                        <m:r>
+                          <a:rPr lang="fr-FR" b="0" i="1" smtClean="0">
+                            <a:latin typeface="Cambria Math" panose="02040503050406030204" pitchFamily="18" charset="0"/>
+                          </a:rPr>
+                          <m:t>h</m:t>
+                        </m:r>
+                      </m:sub>
+                    </m:sSub>
+                    <m:r>
+                      <a:rPr lang="fr-FR" b="0" i="1" smtClean="0">
+                        <a:latin typeface="Cambria Math" panose="02040503050406030204" pitchFamily="18" charset="0"/>
+                      </a:rPr>
+                      <m:t>+</m:t>
+                    </m:r>
+                    <m:sSub>
+                      <m:sSubPr>
+                        <m:ctrlPr>
+                          <a:rPr lang="fr-FR" b="0" i="1" smtClean="0">
+                            <a:latin typeface="Cambria Math" panose="02040503050406030204" pitchFamily="18" charset="0"/>
+                          </a:rPr>
+                        </m:ctrlPr>
+                      </m:sSubPr>
+                      <m:e>
+                        <m:r>
+                          <a:rPr lang="fr-FR" b="0" i="1" smtClean="0">
+                            <a:latin typeface="Cambria Math" panose="02040503050406030204" pitchFamily="18" charset="0"/>
+                          </a:rPr>
+                          <m:t>𝐹</m:t>
+                        </m:r>
+                      </m:e>
+                      <m:sub>
+                        <m:r>
+                          <a:rPr lang="fr-FR" b="0" i="1" smtClean="0">
+                            <a:latin typeface="Cambria Math" panose="02040503050406030204" pitchFamily="18" charset="0"/>
+                          </a:rPr>
+                          <m:t>𝑚𝑏</m:t>
+                        </m:r>
+                      </m:sub>
+                    </m:sSub>
+                    <m:r>
+                      <a:rPr lang="fr-FR" b="0" i="1" smtClean="0">
+                        <a:latin typeface="Cambria Math" panose="02040503050406030204" pitchFamily="18" charset="0"/>
+                      </a:rPr>
+                      <m:t>=</m:t>
+                    </m:r>
+                    <m:r>
+                      <a:rPr lang="fr-FR" b="0" i="1" smtClean="0">
+                        <a:latin typeface="Cambria Math" panose="02040503050406030204" pitchFamily="18" charset="0"/>
+                      </a:rPr>
+                      <m:t>2</m:t>
+                    </m:r>
+                    <m:r>
+                      <a:rPr lang="fr-FR" b="0" i="1" smtClean="0">
+                        <a:latin typeface="Cambria Math" panose="02040503050406030204" pitchFamily="18" charset="0"/>
+                      </a:rPr>
+                      <m:t>𝑀𝑔</m:t>
+                    </m:r>
+                    <m:r>
+                      <a:rPr lang="fr-FR" b="0" i="1" smtClean="0">
+                        <a:latin typeface="Cambria Math" panose="02040503050406030204" pitchFamily="18" charset="0"/>
+                      </a:rPr>
+                      <m:t>⇒</m:t>
+                    </m:r>
+                    <m:r>
+                      <a:rPr lang="fr-FR" b="0" i="1" smtClean="0">
+                        <a:latin typeface="Cambria Math" panose="02040503050406030204" pitchFamily="18" charset="0"/>
+                      </a:rPr>
+                      <m:t>𝑀</m:t>
+                    </m:r>
+                    <m:r>
+                      <a:rPr lang="fr-FR" b="0" i="1" smtClean="0">
+                        <a:latin typeface="Cambria Math" panose="02040503050406030204" pitchFamily="18" charset="0"/>
+                      </a:rPr>
+                      <m:t>=</m:t>
+                    </m:r>
+                    <m:f>
+                      <m:fPr>
+                        <m:ctrlPr>
+                          <a:rPr lang="fr-FR" b="0" i="1" smtClean="0">
+                            <a:latin typeface="Cambria Math" panose="02040503050406030204" pitchFamily="18" charset="0"/>
+                          </a:rPr>
+                        </m:ctrlPr>
+                      </m:fPr>
+                      <m:num>
+                        <m:sSub>
+                          <m:sSubPr>
+                            <m:ctrlPr>
+                              <a:rPr lang="fr-FR" i="1">
+                                <a:latin typeface="Cambria Math" panose="02040503050406030204" pitchFamily="18" charset="0"/>
+                              </a:rPr>
+                            </m:ctrlPr>
+                          </m:sSubPr>
+                          <m:e>
+                            <m:r>
+                              <a:rPr lang="fr-FR" i="1">
+                                <a:latin typeface="Cambria Math" panose="02040503050406030204" pitchFamily="18" charset="0"/>
+                              </a:rPr>
+                              <m:t>𝐹</m:t>
+                            </m:r>
+                          </m:e>
+                          <m:sub>
+                            <m:r>
+                              <a:rPr lang="fr-FR" i="1">
+                                <a:latin typeface="Cambria Math" panose="02040503050406030204" pitchFamily="18" charset="0"/>
+                              </a:rPr>
+                              <m:t>𝑚</m:t>
+                            </m:r>
+                            <m:r>
+                              <a:rPr lang="fr-FR" i="1">
+                                <a:latin typeface="Cambria Math" panose="02040503050406030204" pitchFamily="18" charset="0"/>
+                              </a:rPr>
+                              <m:t>h</m:t>
+                            </m:r>
+                          </m:sub>
+                        </m:sSub>
+                        <m:r>
+                          <a:rPr lang="fr-FR" i="1">
+                            <a:latin typeface="Cambria Math" panose="02040503050406030204" pitchFamily="18" charset="0"/>
+                          </a:rPr>
+                          <m:t>+</m:t>
+                        </m:r>
+                        <m:sSub>
+                          <m:sSubPr>
+                            <m:ctrlPr>
+                              <a:rPr lang="fr-FR" i="1">
+                                <a:latin typeface="Cambria Math" panose="02040503050406030204" pitchFamily="18" charset="0"/>
+                              </a:rPr>
+                            </m:ctrlPr>
+                          </m:sSubPr>
+                          <m:e>
+                            <m:r>
+                              <a:rPr lang="fr-FR" i="1">
+                                <a:latin typeface="Cambria Math" panose="02040503050406030204" pitchFamily="18" charset="0"/>
+                              </a:rPr>
+                              <m:t>𝐹</m:t>
+                            </m:r>
+                          </m:e>
+                          <m:sub>
+                            <m:r>
+                              <a:rPr lang="fr-FR" i="1">
+                                <a:latin typeface="Cambria Math" panose="02040503050406030204" pitchFamily="18" charset="0"/>
+                              </a:rPr>
+                              <m:t>𝑚𝑏</m:t>
+                            </m:r>
+                          </m:sub>
+                        </m:sSub>
+                      </m:num>
+                      <m:den>
+                        <m:r>
+                          <a:rPr lang="fr-FR" b="0" i="1" smtClean="0">
+                            <a:latin typeface="Cambria Math" panose="02040503050406030204" pitchFamily="18" charset="0"/>
+                          </a:rPr>
+                          <m:t>2</m:t>
+                        </m:r>
+                        <m:r>
+                          <a:rPr lang="fr-FR" b="0" i="1" smtClean="0">
+                            <a:latin typeface="Cambria Math" panose="02040503050406030204" pitchFamily="18" charset="0"/>
+                          </a:rPr>
+                          <m:t>𝑔</m:t>
+                        </m:r>
+                      </m:den>
+                    </m:f>
+                  </m:oMath>
+                </a14:m>
+                <a:endParaRPr lang="fr-FR" b="0" dirty="0"/>
+              </a:p>
+              <a:p>
+                <a:pPr lvl="3"/>
+                <a14:m>
+                  <m:oMath xmlns:m="http://schemas.openxmlformats.org/officeDocument/2006/math">
+                    <m:sSub>
+                      <m:sSubPr>
+                        <m:ctrlPr>
+                          <a:rPr lang="fr-FR" b="0" i="1" smtClean="0">
+                            <a:latin typeface="Cambria Math" panose="02040503050406030204" pitchFamily="18" charset="0"/>
+                          </a:rPr>
+                        </m:ctrlPr>
+                      </m:sSubPr>
+                      <m:e>
+                        <m:r>
+                          <a:rPr lang="fr-FR" b="0" i="1" smtClean="0">
+                            <a:latin typeface="Cambria Math" panose="02040503050406030204" pitchFamily="18" charset="0"/>
+                          </a:rPr>
+                          <m:t>𝐹</m:t>
+                        </m:r>
+                      </m:e>
+                      <m:sub>
+                        <m:r>
+                          <a:rPr lang="fr-FR" b="0" i="1" smtClean="0">
+                            <a:latin typeface="Cambria Math" panose="02040503050406030204" pitchFamily="18" charset="0"/>
+                          </a:rPr>
+                          <m:t>𝑚</m:t>
+                        </m:r>
+                        <m:r>
+                          <a:rPr lang="fr-FR" b="0" i="1" smtClean="0">
+                            <a:latin typeface="Cambria Math" panose="02040503050406030204" pitchFamily="18" charset="0"/>
+                          </a:rPr>
+                          <m:t>h</m:t>
+                        </m:r>
+                      </m:sub>
+                    </m:sSub>
+                    <m:r>
+                      <a:rPr lang="fr-FR" b="0" i="1" smtClean="0">
+                        <a:latin typeface="Cambria Math" panose="02040503050406030204" pitchFamily="18" charset="0"/>
+                      </a:rPr>
+                      <m:t>−</m:t>
+                    </m:r>
+                    <m:sSub>
+                      <m:sSubPr>
+                        <m:ctrlPr>
+                          <a:rPr lang="fr-FR" b="0" i="1" smtClean="0">
+                            <a:latin typeface="Cambria Math" panose="02040503050406030204" pitchFamily="18" charset="0"/>
+                          </a:rPr>
+                        </m:ctrlPr>
+                      </m:sSubPr>
+                      <m:e>
+                        <m:r>
+                          <a:rPr lang="fr-FR" b="0" i="1" smtClean="0">
+                            <a:latin typeface="Cambria Math" panose="02040503050406030204" pitchFamily="18" charset="0"/>
+                          </a:rPr>
+                          <m:t>𝐹</m:t>
+                        </m:r>
+                      </m:e>
+                      <m:sub>
+                        <m:r>
+                          <a:rPr lang="fr-FR" b="0" i="1" smtClean="0">
+                            <a:latin typeface="Cambria Math" panose="02040503050406030204" pitchFamily="18" charset="0"/>
+                          </a:rPr>
+                          <m:t>𝑚𝑏</m:t>
+                        </m:r>
+                      </m:sub>
+                    </m:sSub>
+                    <m:r>
+                      <a:rPr lang="fr-FR" b="0" i="1" smtClean="0">
+                        <a:latin typeface="Cambria Math" panose="02040503050406030204" pitchFamily="18" charset="0"/>
+                      </a:rPr>
+                      <m:t>−</m:t>
+                    </m:r>
+                    <m:r>
+                      <a:rPr lang="fr-FR" b="0" i="1" smtClean="0">
+                        <a:latin typeface="Cambria Math" panose="02040503050406030204" pitchFamily="18" charset="0"/>
+                      </a:rPr>
+                      <m:t>2</m:t>
+                    </m:r>
+                    <m:sSub>
+                      <m:sSubPr>
+                        <m:ctrlPr>
+                          <a:rPr lang="fr-FR" b="0" i="1" smtClean="0">
+                            <a:latin typeface="Cambria Math" panose="02040503050406030204" pitchFamily="18" charset="0"/>
+                          </a:rPr>
+                        </m:ctrlPr>
+                      </m:sSubPr>
+                      <m:e>
+                        <m:r>
+                          <a:rPr lang="fr-FR" b="0" i="1" smtClean="0">
+                            <a:latin typeface="Cambria Math" panose="02040503050406030204" pitchFamily="18" charset="0"/>
+                          </a:rPr>
+                          <m:t>𝐹</m:t>
+                        </m:r>
+                      </m:e>
+                      <m:sub>
+                        <m:r>
+                          <a:rPr lang="fr-FR" b="0" i="1" smtClean="0">
+                            <a:latin typeface="Cambria Math" panose="02040503050406030204" pitchFamily="18" charset="0"/>
+                          </a:rPr>
+                          <m:t>𝑟</m:t>
+                        </m:r>
+                      </m:sub>
+                    </m:sSub>
+                    <m:r>
+                      <a:rPr lang="fr-FR" b="0" i="1" smtClean="0">
+                        <a:latin typeface="Cambria Math" panose="02040503050406030204" pitchFamily="18" charset="0"/>
+                      </a:rPr>
+                      <m:t>=</m:t>
+                    </m:r>
+                    <m:r>
+                      <a:rPr lang="fr-FR" b="0" i="1" smtClean="0">
+                        <a:latin typeface="Cambria Math" panose="02040503050406030204" pitchFamily="18" charset="0"/>
+                      </a:rPr>
+                      <m:t>0</m:t>
+                    </m:r>
+                    <m:r>
+                      <a:rPr lang="fr-FR" b="0" i="1" smtClean="0">
+                        <a:latin typeface="Cambria Math" panose="02040503050406030204" pitchFamily="18" charset="0"/>
+                      </a:rPr>
+                      <m:t>⇒</m:t>
+                    </m:r>
+                    <m:sSub>
+                      <m:sSubPr>
+                        <m:ctrlPr>
+                          <a:rPr lang="fr-FR" i="1">
+                            <a:latin typeface="Cambria Math" panose="02040503050406030204" pitchFamily="18" charset="0"/>
+                          </a:rPr>
+                        </m:ctrlPr>
+                      </m:sSubPr>
+                      <m:e>
+                        <m:r>
+                          <a:rPr lang="fr-FR" i="1">
+                            <a:latin typeface="Cambria Math" panose="02040503050406030204" pitchFamily="18" charset="0"/>
+                          </a:rPr>
+                          <m:t>𝐹</m:t>
+                        </m:r>
+                      </m:e>
+                      <m:sub>
+                        <m:r>
+                          <a:rPr lang="fr-FR" i="1">
+                            <a:latin typeface="Cambria Math" panose="02040503050406030204" pitchFamily="18" charset="0"/>
+                          </a:rPr>
+                          <m:t>𝑟</m:t>
+                        </m:r>
+                      </m:sub>
+                    </m:sSub>
+                    <m:r>
+                      <a:rPr lang="fr-FR" b="0" i="1" smtClean="0">
+                        <a:latin typeface="Cambria Math" panose="02040503050406030204" pitchFamily="18" charset="0"/>
+                      </a:rPr>
+                      <m:t>=</m:t>
+                    </m:r>
+                    <m:f>
+                      <m:fPr>
+                        <m:ctrlPr>
+                          <a:rPr lang="fr-FR" b="0" i="1" smtClean="0">
+                            <a:latin typeface="Cambria Math" panose="02040503050406030204" pitchFamily="18" charset="0"/>
+                          </a:rPr>
+                        </m:ctrlPr>
+                      </m:fPr>
+                      <m:num>
+                        <m:sSub>
+                          <m:sSubPr>
+                            <m:ctrlPr>
+                              <a:rPr lang="fr-FR" i="1">
+                                <a:latin typeface="Cambria Math" panose="02040503050406030204" pitchFamily="18" charset="0"/>
+                              </a:rPr>
+                            </m:ctrlPr>
+                          </m:sSubPr>
+                          <m:e>
+                            <m:r>
+                              <a:rPr lang="fr-FR" i="1">
+                                <a:latin typeface="Cambria Math" panose="02040503050406030204" pitchFamily="18" charset="0"/>
+                              </a:rPr>
+                              <m:t>𝐹</m:t>
+                            </m:r>
+                          </m:e>
+                          <m:sub>
+                            <m:r>
+                              <a:rPr lang="fr-FR" i="1">
+                                <a:latin typeface="Cambria Math" panose="02040503050406030204" pitchFamily="18" charset="0"/>
+                              </a:rPr>
+                              <m:t>𝑚</m:t>
+                            </m:r>
+                            <m:r>
+                              <a:rPr lang="fr-FR" i="1">
+                                <a:latin typeface="Cambria Math" panose="02040503050406030204" pitchFamily="18" charset="0"/>
+                              </a:rPr>
+                              <m:t>h</m:t>
+                            </m:r>
+                          </m:sub>
+                        </m:sSub>
+                        <m:r>
+                          <a:rPr lang="fr-FR" i="1">
+                            <a:latin typeface="Cambria Math" panose="02040503050406030204" pitchFamily="18" charset="0"/>
+                          </a:rPr>
+                          <m:t>−</m:t>
+                        </m:r>
+                        <m:sSub>
+                          <m:sSubPr>
+                            <m:ctrlPr>
+                              <a:rPr lang="fr-FR" i="1">
+                                <a:latin typeface="Cambria Math" panose="02040503050406030204" pitchFamily="18" charset="0"/>
+                              </a:rPr>
+                            </m:ctrlPr>
+                          </m:sSubPr>
+                          <m:e>
+                            <m:r>
+                              <a:rPr lang="fr-FR" i="1">
+                                <a:latin typeface="Cambria Math" panose="02040503050406030204" pitchFamily="18" charset="0"/>
+                              </a:rPr>
+                              <m:t>𝐹</m:t>
+                            </m:r>
+                          </m:e>
+                          <m:sub>
+                            <m:r>
+                              <a:rPr lang="fr-FR" i="1">
+                                <a:latin typeface="Cambria Math" panose="02040503050406030204" pitchFamily="18" charset="0"/>
+                              </a:rPr>
+                              <m:t>𝑚𝑏</m:t>
+                            </m:r>
+                          </m:sub>
+                        </m:sSub>
+                      </m:num>
+                      <m:den>
+                        <m:r>
+                          <a:rPr lang="fr-FR" b="0" i="1" smtClean="0">
+                            <a:latin typeface="Cambria Math" panose="02040503050406030204" pitchFamily="18" charset="0"/>
+                          </a:rPr>
+                          <m:t>2</m:t>
+                        </m:r>
+                      </m:den>
+                    </m:f>
+                  </m:oMath>
+                </a14:m>
+                <a:endParaRPr lang="fr-FR" dirty="0"/>
+              </a:p>
+            </p:txBody>
+          </p:sp>
+        </mc:Choice>
+        <mc:Fallback xmlns="">
+          <p:sp>
+            <p:nvSpPr>
+              <p:cNvPr id="3" name="Espace réservé du contenu 2">
+                <a:extLst>
+                  <a:ext uri="{FF2B5EF4-FFF2-40B4-BE49-F238E27FC236}">
+                    <a16:creationId xmlns:a16="http://schemas.microsoft.com/office/drawing/2014/main" id="{557CA942-D8AE-26E1-13CE-00242D950130}"/>
+                  </a:ext>
+                </a:extLst>
+              </p:cNvPr>
+              <p:cNvSpPr>
+                <a:spLocks noGrp="1" noRot="1" noChangeAspect="1" noMove="1" noResize="1" noEditPoints="1" noAdjustHandles="1" noChangeArrowheads="1" noChangeShapeType="1" noTextEdit="1"/>
+              </p:cNvSpPr>
+              <p:nvPr>
+                <p:ph idx="1"/>
+              </p:nvPr>
+            </p:nvSpPr>
+            <p:spPr>
+              <a:xfrm>
+                <a:off x="117795" y="981887"/>
+                <a:ext cx="5978205" cy="5253339"/>
+              </a:xfrm>
+              <a:blipFill>
+                <a:blip r:embed="rId2"/>
+                <a:stretch>
+                  <a:fillRect l="-2650" t="-2552" r="-2243"/>
+                </a:stretch>
+              </a:blipFill>
+            </p:spPr>
+            <p:txBody>
+              <a:bodyPr/>
+              <a:lstStyle/>
+              <a:p>
+                <a:r>
+                  <a:rPr lang="fr-FR">
+                    <a:noFill/>
+                  </a:rPr>
+                  <a:t> </a:t>
+                </a:r>
+              </a:p>
+            </p:txBody>
+          </p:sp>
+        </mc:Fallback>
+      </mc:AlternateContent>
+      <mc:AlternateContent xmlns:mc="http://schemas.openxmlformats.org/markup-compatibility/2006" xmlns:a14="http://schemas.microsoft.com/office/drawing/2010/main">
+        <mc:Choice Requires="a14">
+          <p:sp>
+            <p:nvSpPr>
+              <p:cNvPr id="4" name="Espace réservé du contenu 2">
+                <a:extLst>
+                  <a:ext uri="{FF2B5EF4-FFF2-40B4-BE49-F238E27FC236}">
+                    <a16:creationId xmlns:a16="http://schemas.microsoft.com/office/drawing/2014/main" id="{B16EF985-D429-6792-BACB-7B40507E47C4}"/>
+                  </a:ext>
+                </a:extLst>
+              </p:cNvPr>
+              <p:cNvSpPr txBox="1">
+                <a:spLocks/>
+              </p:cNvSpPr>
+              <p:nvPr/>
+            </p:nvSpPr>
+            <p:spPr>
+              <a:xfrm>
+                <a:off x="6096000" y="981886"/>
+                <a:ext cx="5978205" cy="5253339"/>
+              </a:xfrm>
+              <a:prstGeom prst="rect">
+                <a:avLst/>
+              </a:prstGeom>
+            </p:spPr>
+            <p:txBody>
+              <a:bodyPr vert="horz" lIns="0" tIns="45720" rIns="0" bIns="45720" rtlCol="0">
+                <a:normAutofit/>
+              </a:bodyPr>
+              <a:lstStyle>
+                <a:lvl1pPr marL="271463" indent="-269875" algn="l" defTabSz="914400" rtl="0" eaLnBrk="1" latinLnBrk="0" hangingPunct="1">
+                  <a:lnSpc>
+                    <a:spcPct val="90000"/>
+                  </a:lnSpc>
+                  <a:spcBef>
+                    <a:spcPts val="1200"/>
+                  </a:spcBef>
+                  <a:spcAft>
+                    <a:spcPts val="200"/>
+                  </a:spcAft>
+                  <a:buClr>
+                    <a:schemeClr val="tx2"/>
+                  </a:buClr>
+                  <a:buSzPct val="80000"/>
+                  <a:buFont typeface="Wingdings" panose="05000000000000000000" pitchFamily="2" charset="2"/>
+                  <a:buChar char="q"/>
+                  <a:defRPr lang="fr-FR" sz="2800" kern="1200">
+                    <a:solidFill>
+                      <a:schemeClr val="tx1">
+                        <a:lumMod val="75000"/>
+                        <a:lumOff val="25000"/>
+                      </a:schemeClr>
+                    </a:solidFill>
+                    <a:latin typeface="+mn-lt"/>
+                    <a:ea typeface="+mn-ea"/>
+                    <a:cs typeface="+mn-cs"/>
+                  </a:defRPr>
+                </a:lvl1pPr>
+                <a:lvl2pPr marL="449263" indent="-249238" algn="l" defTabSz="914400" rtl="0" eaLnBrk="1" latinLnBrk="0" hangingPunct="1">
+                  <a:lnSpc>
+                    <a:spcPct val="90000"/>
+                  </a:lnSpc>
+                  <a:spcBef>
+                    <a:spcPts val="200"/>
+                  </a:spcBef>
+                  <a:spcAft>
+                    <a:spcPts val="400"/>
+                  </a:spcAft>
+                  <a:buClr>
+                    <a:schemeClr val="accent1"/>
+                  </a:buClr>
+                  <a:buSzPct val="80000"/>
+                  <a:buFont typeface="Wingdings" panose="05000000000000000000" pitchFamily="2" charset="2"/>
+                  <a:buChar char="q"/>
+                  <a:defRPr lang="fr-FR" sz="2400" kern="1200">
+                    <a:solidFill>
+                      <a:schemeClr val="tx1">
+                        <a:lumMod val="75000"/>
+                        <a:lumOff val="25000"/>
+                      </a:schemeClr>
+                    </a:solidFill>
+                    <a:latin typeface="+mn-lt"/>
+                    <a:ea typeface="+mn-ea"/>
+                    <a:cs typeface="+mn-cs"/>
+                  </a:defRPr>
+                </a:lvl2pPr>
+                <a:lvl3pPr marL="627063" indent="-242888" algn="l" defTabSz="914400" rtl="0" eaLnBrk="1" latinLnBrk="0" hangingPunct="1">
+                  <a:lnSpc>
+                    <a:spcPct val="90000"/>
+                  </a:lnSpc>
+                  <a:spcBef>
+                    <a:spcPts val="200"/>
+                  </a:spcBef>
+                  <a:spcAft>
+                    <a:spcPts val="400"/>
+                  </a:spcAft>
+                  <a:buClr>
+                    <a:schemeClr val="accent2"/>
+                  </a:buClr>
+                  <a:buSzPct val="80000"/>
+                  <a:buFont typeface="Wingdings" panose="05000000000000000000" pitchFamily="2" charset="2"/>
+                  <a:buChar char="q"/>
+                  <a:defRPr lang="fr-FR" sz="1800" kern="1200">
+                    <a:solidFill>
+                      <a:schemeClr val="tx1">
+                        <a:lumMod val="75000"/>
+                        <a:lumOff val="25000"/>
+                      </a:schemeClr>
+                    </a:solidFill>
+                    <a:latin typeface="+mn-lt"/>
+                    <a:ea typeface="+mn-ea"/>
+                    <a:cs typeface="+mn-cs"/>
+                  </a:defRPr>
+                </a:lvl3pPr>
+                <a:lvl4pPr marL="804863" indent="-238125" algn="l" defTabSz="914400" rtl="0" eaLnBrk="1" latinLnBrk="0" hangingPunct="1">
+                  <a:lnSpc>
+                    <a:spcPct val="90000"/>
+                  </a:lnSpc>
+                  <a:spcBef>
+                    <a:spcPts val="200"/>
+                  </a:spcBef>
+                  <a:spcAft>
+                    <a:spcPts val="400"/>
+                  </a:spcAft>
+                  <a:buClr>
+                    <a:schemeClr val="accent3"/>
+                  </a:buClr>
+                  <a:buSzPct val="80000"/>
+                  <a:buFont typeface="Wingdings" panose="05000000000000000000" pitchFamily="2" charset="2"/>
+                  <a:buChar char="q"/>
+                  <a:defRPr lang="fr-FR" sz="1800" kern="1200">
+                    <a:solidFill>
+                      <a:schemeClr val="tx1">
+                        <a:lumMod val="75000"/>
+                        <a:lumOff val="25000"/>
+                      </a:schemeClr>
+                    </a:solidFill>
+                    <a:latin typeface="+mn-lt"/>
+                    <a:ea typeface="+mn-ea"/>
+                    <a:cs typeface="+mn-cs"/>
+                  </a:defRPr>
+                </a:lvl4pPr>
+                <a:lvl5pPr marL="982663" indent="-233363" algn="l" defTabSz="914400" rtl="0" eaLnBrk="1" latinLnBrk="0" hangingPunct="1">
+                  <a:lnSpc>
+                    <a:spcPct val="90000"/>
+                  </a:lnSpc>
+                  <a:spcBef>
+                    <a:spcPts val="200"/>
+                  </a:spcBef>
+                  <a:spcAft>
+                    <a:spcPts val="400"/>
+                  </a:spcAft>
+                  <a:buClr>
+                    <a:schemeClr val="accent4"/>
+                  </a:buClr>
+                  <a:buSzPct val="80000"/>
+                  <a:buFont typeface="Wingdings" panose="05000000000000000000" pitchFamily="2" charset="2"/>
+                  <a:buChar char="q"/>
+                  <a:defRPr lang="en-US" sz="1800" kern="1200">
+                    <a:solidFill>
+                      <a:schemeClr val="tx1">
+                        <a:lumMod val="75000"/>
+                        <a:lumOff val="25000"/>
+                      </a:schemeClr>
+                    </a:solidFill>
+                    <a:latin typeface="+mn-lt"/>
+                    <a:ea typeface="+mn-ea"/>
+                    <a:cs typeface="+mn-cs"/>
+                  </a:defRPr>
+                </a:lvl5pPr>
+                <a:lvl6pPr marL="1100000" indent="-228600" algn="l" defTabSz="914400" rtl="0" eaLnBrk="1" latinLnBrk="0" hangingPunct="1">
+                  <a:lnSpc>
+                    <a:spcPct val="90000"/>
+                  </a:lnSpc>
+                  <a:spcBef>
+                    <a:spcPts val="200"/>
+                  </a:spcBef>
+                  <a:spcAft>
+                    <a:spcPts val="400"/>
+                  </a:spcAft>
+                  <a:buClr>
+                    <a:schemeClr val="accent1"/>
+                  </a:buClr>
+                  <a:buFont typeface="Calibri" pitchFamily="34" charset="0"/>
+                  <a:buChar char="◦"/>
+                  <a:defRPr sz="1400" kern="1200">
+                    <a:solidFill>
+                      <a:schemeClr val="tx1">
+                        <a:lumMod val="75000"/>
+                        <a:lumOff val="25000"/>
+                      </a:schemeClr>
+                    </a:solidFill>
+                    <a:latin typeface="+mn-lt"/>
+                    <a:ea typeface="+mn-ea"/>
+                    <a:cs typeface="+mn-cs"/>
+                  </a:defRPr>
+                </a:lvl6pPr>
+                <a:lvl7pPr marL="1300000" indent="-228600" algn="l" defTabSz="914400" rtl="0" eaLnBrk="1" latinLnBrk="0" hangingPunct="1">
+                  <a:lnSpc>
+                    <a:spcPct val="90000"/>
+                  </a:lnSpc>
+                  <a:spcBef>
+                    <a:spcPts val="200"/>
+                  </a:spcBef>
+                  <a:spcAft>
+                    <a:spcPts val="400"/>
+                  </a:spcAft>
+                  <a:buClr>
+                    <a:schemeClr val="accent1"/>
+                  </a:buClr>
+                  <a:buFont typeface="Calibri" pitchFamily="34" charset="0"/>
+                  <a:buChar char="◦"/>
+                  <a:defRPr sz="1400" kern="1200">
+                    <a:solidFill>
+                      <a:schemeClr val="tx1">
+                        <a:lumMod val="75000"/>
+                        <a:lumOff val="25000"/>
+                      </a:schemeClr>
+                    </a:solidFill>
+                    <a:latin typeface="+mn-lt"/>
+                    <a:ea typeface="+mn-ea"/>
+                    <a:cs typeface="+mn-cs"/>
+                  </a:defRPr>
+                </a:lvl7pPr>
+                <a:lvl8pPr marL="1500000" indent="-228600" algn="l" defTabSz="914400" rtl="0" eaLnBrk="1" latinLnBrk="0" hangingPunct="1">
+                  <a:lnSpc>
+                    <a:spcPct val="90000"/>
+                  </a:lnSpc>
+                  <a:spcBef>
+                    <a:spcPts val="200"/>
+                  </a:spcBef>
+                  <a:spcAft>
+                    <a:spcPts val="400"/>
+                  </a:spcAft>
+                  <a:buClr>
+                    <a:schemeClr val="accent1"/>
+                  </a:buClr>
+                  <a:buFont typeface="Calibri" pitchFamily="34" charset="0"/>
+                  <a:buChar char="◦"/>
+                  <a:defRPr sz="1400" kern="1200">
+                    <a:solidFill>
+                      <a:schemeClr val="tx1">
+                        <a:lumMod val="75000"/>
+                        <a:lumOff val="25000"/>
+                      </a:schemeClr>
+                    </a:solidFill>
+                    <a:latin typeface="+mn-lt"/>
+                    <a:ea typeface="+mn-ea"/>
+                    <a:cs typeface="+mn-cs"/>
+                  </a:defRPr>
+                </a:lvl8pPr>
+                <a:lvl9pPr marL="1700000" indent="-228600" algn="l" defTabSz="914400" rtl="0" eaLnBrk="1" latinLnBrk="0" hangingPunct="1">
+                  <a:lnSpc>
+                    <a:spcPct val="90000"/>
+                  </a:lnSpc>
+                  <a:spcBef>
+                    <a:spcPts val="200"/>
+                  </a:spcBef>
+                  <a:spcAft>
+                    <a:spcPts val="400"/>
+                  </a:spcAft>
+                  <a:buClr>
+                    <a:schemeClr val="accent1"/>
+                  </a:buClr>
+                  <a:buFont typeface="Calibri" pitchFamily="34" charset="0"/>
+                  <a:buChar char="◦"/>
+                  <a:defRPr sz="1400" kern="1200">
+                    <a:solidFill>
+                      <a:schemeClr val="tx1">
+                        <a:lumMod val="75000"/>
+                        <a:lumOff val="25000"/>
+                      </a:schemeClr>
+                    </a:solidFill>
+                    <a:latin typeface="+mn-lt"/>
+                    <a:ea typeface="+mn-ea"/>
+                    <a:cs typeface="+mn-cs"/>
+                  </a:defRPr>
+                </a:lvl9pPr>
+              </a:lstStyle>
+              <a:p>
+                <a:r>
+                  <a:rPr lang="fr-FR" dirty="0"/>
+                  <a:t>Mesure de courant</a:t>
+                </a:r>
+              </a:p>
+              <a:p>
+                <a:pPr lvl="1"/>
+                <a14:m>
+                  <m:oMath xmlns:m="http://schemas.openxmlformats.org/officeDocument/2006/math">
+                    <m:sSub>
+                      <m:sSubPr>
+                        <m:ctrlPr>
+                          <a:rPr lang="fr-FR" i="1">
+                            <a:latin typeface="Cambria Math" panose="02040503050406030204" pitchFamily="18" charset="0"/>
+                          </a:rPr>
+                        </m:ctrlPr>
+                      </m:sSubPr>
+                      <m:e>
+                        <m:r>
+                          <a:rPr lang="fr-FR" i="1">
+                            <a:latin typeface="Cambria Math" panose="02040503050406030204" pitchFamily="18" charset="0"/>
+                          </a:rPr>
+                          <m:t>𝑖</m:t>
+                        </m:r>
+                      </m:e>
+                      <m:sub>
+                        <m:r>
+                          <a:rPr lang="fr-FR" b="0" i="1" smtClean="0">
+                            <a:latin typeface="Cambria Math" panose="02040503050406030204" pitchFamily="18" charset="0"/>
+                          </a:rPr>
+                          <m:t>𝑏</m:t>
+                        </m:r>
+                      </m:sub>
+                    </m:sSub>
+                    <m:r>
+                      <a:rPr lang="fr-FR" i="1">
+                        <a:latin typeface="Cambria Math" panose="02040503050406030204" pitchFamily="18" charset="0"/>
+                      </a:rPr>
+                      <m:t>=</m:t>
+                    </m:r>
+                    <m:r>
+                      <a:rPr lang="fr-FR" i="1">
+                        <a:latin typeface="Cambria Math" panose="02040503050406030204" pitchFamily="18" charset="0"/>
+                      </a:rPr>
+                      <m:t>1</m:t>
+                    </m:r>
+                    <m:r>
+                      <a:rPr lang="fr-FR" i="1">
+                        <a:latin typeface="Cambria Math" panose="02040503050406030204" pitchFamily="18" charset="0"/>
+                      </a:rPr>
+                      <m:t>,</m:t>
+                    </m:r>
+                    <m:r>
+                      <a:rPr lang="fr-FR" i="1">
+                        <a:latin typeface="Cambria Math" panose="02040503050406030204" pitchFamily="18" charset="0"/>
+                      </a:rPr>
+                      <m:t>1</m:t>
+                    </m:r>
+                    <m:r>
+                      <a:rPr lang="fr-FR" i="1">
+                        <a:latin typeface="Cambria Math" panose="02040503050406030204" pitchFamily="18" charset="0"/>
+                      </a:rPr>
+                      <m:t> </m:t>
+                    </m:r>
+                    <m:r>
+                      <m:rPr>
+                        <m:sty m:val="p"/>
+                      </m:rPr>
+                      <a:rPr lang="fr-FR">
+                        <a:latin typeface="Cambria Math" panose="02040503050406030204" pitchFamily="18" charset="0"/>
+                      </a:rPr>
+                      <m:t>A</m:t>
+                    </m:r>
+                  </m:oMath>
+                </a14:m>
+                <a:endParaRPr lang="fr-FR" dirty="0"/>
+              </a:p>
+              <a:p>
+                <a:pPr lvl="2"/>
+                <a14:m>
+                  <m:oMath xmlns:m="http://schemas.openxmlformats.org/officeDocument/2006/math">
+                    <m:sSub>
+                      <m:sSubPr>
+                        <m:ctrlPr>
+                          <a:rPr lang="fr-FR" b="0" i="1" smtClean="0">
+                            <a:latin typeface="Cambria Math" panose="02040503050406030204" pitchFamily="18" charset="0"/>
+                          </a:rPr>
+                        </m:ctrlPr>
+                      </m:sSubPr>
+                      <m:e>
+                        <m:r>
+                          <a:rPr lang="fr-FR" b="0" i="1" smtClean="0">
+                            <a:latin typeface="Cambria Math" panose="02040503050406030204" pitchFamily="18" charset="0"/>
+                          </a:rPr>
+                          <m:t>𝐶</m:t>
+                        </m:r>
+                      </m:e>
+                      <m:sub>
+                        <m:r>
+                          <a:rPr lang="fr-FR" b="0" i="1" smtClean="0">
+                            <a:latin typeface="Cambria Math" panose="02040503050406030204" pitchFamily="18" charset="0"/>
+                          </a:rPr>
+                          <m:t>𝑚𝑏</m:t>
+                        </m:r>
+                      </m:sub>
+                    </m:sSub>
+                    <m:r>
+                      <a:rPr lang="fr-FR" b="0" i="1" smtClean="0">
+                        <a:latin typeface="Cambria Math" panose="02040503050406030204" pitchFamily="18" charset="0"/>
+                      </a:rPr>
+                      <m:t>=</m:t>
+                    </m:r>
+                    <m:r>
+                      <a:rPr lang="fr-FR" b="0" i="1" smtClean="0">
+                        <a:latin typeface="Cambria Math" panose="02040503050406030204" pitchFamily="18" charset="0"/>
+                      </a:rPr>
+                      <m:t>0</m:t>
+                    </m:r>
+                    <m:r>
+                      <a:rPr lang="fr-FR" b="0" i="1" smtClean="0">
+                        <a:latin typeface="Cambria Math" panose="02040503050406030204" pitchFamily="18" charset="0"/>
+                      </a:rPr>
+                      <m:t>,</m:t>
+                    </m:r>
+                    <m:r>
+                      <a:rPr lang="fr-FR" b="0" i="1" smtClean="0">
+                        <a:latin typeface="Cambria Math" panose="02040503050406030204" pitchFamily="18" charset="0"/>
+                      </a:rPr>
+                      <m:t>0331</m:t>
+                    </m:r>
+                    <m:r>
+                      <a:rPr lang="fr-FR" b="0" i="1" smtClean="0">
+                        <a:latin typeface="Cambria Math" panose="02040503050406030204" pitchFamily="18" charset="0"/>
+                      </a:rPr>
+                      <m:t> </m:t>
+                    </m:r>
+                    <m:r>
+                      <m:rPr>
+                        <m:sty m:val="p"/>
+                      </m:rPr>
+                      <a:rPr lang="fr-FR" b="0" i="0" smtClean="0">
+                        <a:latin typeface="Cambria Math" panose="02040503050406030204" pitchFamily="18" charset="0"/>
+                      </a:rPr>
+                      <m:t>Nm</m:t>
+                    </m:r>
+                  </m:oMath>
+                </a14:m>
+                <a:endParaRPr lang="fr-FR" b="0" dirty="0"/>
+              </a:p>
+              <a:p>
+                <a:pPr lvl="2"/>
+                <a14:m>
+                  <m:oMath xmlns:m="http://schemas.openxmlformats.org/officeDocument/2006/math">
+                    <m:sSub>
+                      <m:sSubPr>
+                        <m:ctrlPr>
+                          <a:rPr lang="fr-FR" b="0" i="1" smtClean="0">
+                            <a:latin typeface="Cambria Math" panose="02040503050406030204" pitchFamily="18" charset="0"/>
+                          </a:rPr>
+                        </m:ctrlPr>
+                      </m:sSubPr>
+                      <m:e>
+                        <m:r>
+                          <a:rPr lang="fr-FR" b="0" i="1" smtClean="0">
+                            <a:latin typeface="Cambria Math" panose="02040503050406030204" pitchFamily="18" charset="0"/>
+                          </a:rPr>
+                          <m:t>𝐹</m:t>
+                        </m:r>
+                      </m:e>
+                      <m:sub>
+                        <m:r>
+                          <a:rPr lang="fr-FR" b="0" i="1" smtClean="0">
+                            <a:latin typeface="Cambria Math" panose="02040503050406030204" pitchFamily="18" charset="0"/>
+                          </a:rPr>
+                          <m:t>𝑚𝑏</m:t>
+                        </m:r>
+                      </m:sub>
+                    </m:sSub>
+                    <m:r>
+                      <a:rPr lang="fr-FR" i="1">
+                        <a:latin typeface="Cambria Math" panose="02040503050406030204" pitchFamily="18" charset="0"/>
+                      </a:rPr>
+                      <m:t>=</m:t>
+                    </m:r>
+                    <m:r>
+                      <a:rPr lang="fr-FR" i="1">
+                        <a:latin typeface="Cambria Math" panose="02040503050406030204" pitchFamily="18" charset="0"/>
+                      </a:rPr>
+                      <m:t>31</m:t>
+                    </m:r>
+                    <m:r>
+                      <a:rPr lang="fr-FR" i="1">
+                        <a:latin typeface="Cambria Math" panose="02040503050406030204" pitchFamily="18" charset="0"/>
+                      </a:rPr>
+                      <m:t>,</m:t>
+                    </m:r>
+                    <m:r>
+                      <a:rPr lang="fr-FR" i="1">
+                        <a:latin typeface="Cambria Math" panose="02040503050406030204" pitchFamily="18" charset="0"/>
+                      </a:rPr>
+                      <m:t>79</m:t>
+                    </m:r>
+                    <m:r>
+                      <a:rPr lang="fr-FR" i="1">
+                        <a:latin typeface="Cambria Math" panose="02040503050406030204" pitchFamily="18" charset="0"/>
+                      </a:rPr>
+                      <m:t> </m:t>
+                    </m:r>
+                    <m:r>
+                      <m:rPr>
+                        <m:sty m:val="p"/>
+                      </m:rPr>
+                      <a:rPr lang="fr-FR">
+                        <a:latin typeface="Cambria Math" panose="02040503050406030204" pitchFamily="18" charset="0"/>
+                      </a:rPr>
+                      <m:t>N</m:t>
+                    </m:r>
+                  </m:oMath>
+                </a14:m>
+                <a:endParaRPr lang="fr-FR" dirty="0"/>
+              </a:p>
+              <a:p>
+                <a:pPr lvl="1"/>
+                <a14:m>
+                  <m:oMath xmlns:m="http://schemas.openxmlformats.org/officeDocument/2006/math">
+                    <m:sSub>
+                      <m:sSubPr>
+                        <m:ctrlPr>
+                          <a:rPr lang="fr-FR" b="0" i="1" smtClean="0">
+                            <a:latin typeface="Cambria Math" panose="02040503050406030204" pitchFamily="18" charset="0"/>
+                          </a:rPr>
+                        </m:ctrlPr>
+                      </m:sSubPr>
+                      <m:e>
+                        <m:r>
+                          <a:rPr lang="fr-FR" b="0" i="1" smtClean="0">
+                            <a:latin typeface="Cambria Math" panose="02040503050406030204" pitchFamily="18" charset="0"/>
+                          </a:rPr>
+                          <m:t>𝑖</m:t>
+                        </m:r>
+                      </m:e>
+                      <m:sub>
+                        <m:r>
+                          <a:rPr lang="fr-FR" b="0" i="1" smtClean="0">
+                            <a:latin typeface="Cambria Math" panose="02040503050406030204" pitchFamily="18" charset="0"/>
+                          </a:rPr>
+                          <m:t>h</m:t>
+                        </m:r>
+                      </m:sub>
+                    </m:sSub>
+                    <m:r>
+                      <a:rPr lang="fr-FR" b="0" i="1" smtClean="0">
+                        <a:latin typeface="Cambria Math" panose="02040503050406030204" pitchFamily="18" charset="0"/>
+                      </a:rPr>
+                      <m:t>=</m:t>
+                    </m:r>
+                    <m:r>
+                      <a:rPr lang="fr-FR" b="0" i="1" smtClean="0">
+                        <a:latin typeface="Cambria Math" panose="02040503050406030204" pitchFamily="18" charset="0"/>
+                      </a:rPr>
+                      <m:t>2</m:t>
+                    </m:r>
+                    <m:r>
+                      <a:rPr lang="fr-FR" b="0" i="1" smtClean="0">
+                        <a:latin typeface="Cambria Math" panose="02040503050406030204" pitchFamily="18" charset="0"/>
+                      </a:rPr>
+                      <m:t>,</m:t>
+                    </m:r>
+                    <m:r>
+                      <a:rPr lang="fr-FR" b="0" i="1" smtClean="0">
+                        <a:latin typeface="Cambria Math" panose="02040503050406030204" pitchFamily="18" charset="0"/>
+                      </a:rPr>
+                      <m:t>7</m:t>
+                    </m:r>
+                    <m:r>
+                      <a:rPr lang="fr-FR" b="0" i="1" smtClean="0">
+                        <a:latin typeface="Cambria Math" panose="02040503050406030204" pitchFamily="18" charset="0"/>
+                      </a:rPr>
+                      <m:t> </m:t>
+                    </m:r>
+                    <m:r>
+                      <m:rPr>
+                        <m:sty m:val="p"/>
+                      </m:rPr>
+                      <a:rPr lang="fr-FR" b="0" i="0" smtClean="0">
+                        <a:latin typeface="Cambria Math" panose="02040503050406030204" pitchFamily="18" charset="0"/>
+                      </a:rPr>
+                      <m:t>A</m:t>
+                    </m:r>
+                  </m:oMath>
+                </a14:m>
+                <a:endParaRPr lang="fr-FR" b="0" dirty="0"/>
+              </a:p>
+              <a:p>
+                <a:pPr lvl="2"/>
+                <a14:m>
+                  <m:oMath xmlns:m="http://schemas.openxmlformats.org/officeDocument/2006/math">
+                    <m:sSub>
+                      <m:sSubPr>
+                        <m:ctrlPr>
+                          <a:rPr lang="fr-FR" b="0" i="1" smtClean="0">
+                            <a:latin typeface="Cambria Math" panose="02040503050406030204" pitchFamily="18" charset="0"/>
+                          </a:rPr>
+                        </m:ctrlPr>
+                      </m:sSubPr>
+                      <m:e>
+                        <m:r>
+                          <a:rPr lang="fr-FR" b="0" i="1" smtClean="0">
+                            <a:latin typeface="Cambria Math" panose="02040503050406030204" pitchFamily="18" charset="0"/>
+                          </a:rPr>
+                          <m:t>𝐶</m:t>
+                        </m:r>
+                      </m:e>
+                      <m:sub>
+                        <m:r>
+                          <a:rPr lang="fr-FR" b="0" i="1" smtClean="0">
+                            <a:latin typeface="Cambria Math" panose="02040503050406030204" pitchFamily="18" charset="0"/>
+                          </a:rPr>
+                          <m:t>𝑚</m:t>
+                        </m:r>
+                        <m:r>
+                          <a:rPr lang="fr-FR" b="0" i="1" smtClean="0">
+                            <a:latin typeface="Cambria Math" panose="02040503050406030204" pitchFamily="18" charset="0"/>
+                          </a:rPr>
+                          <m:t>h</m:t>
+                        </m:r>
+                      </m:sub>
+                    </m:sSub>
+                    <m:r>
+                      <a:rPr lang="fr-FR" b="0" i="1" smtClean="0">
+                        <a:latin typeface="Cambria Math" panose="02040503050406030204" pitchFamily="18" charset="0"/>
+                      </a:rPr>
+                      <m:t>=</m:t>
+                    </m:r>
+                    <m:r>
+                      <a:rPr lang="fr-FR" b="0" i="1" smtClean="0">
+                        <a:latin typeface="Cambria Math" panose="02040503050406030204" pitchFamily="18" charset="0"/>
+                      </a:rPr>
+                      <m:t>0</m:t>
+                    </m:r>
+                    <m:r>
+                      <a:rPr lang="fr-FR" b="0" i="1" smtClean="0">
+                        <a:latin typeface="Cambria Math" panose="02040503050406030204" pitchFamily="18" charset="0"/>
+                      </a:rPr>
+                      <m:t>,</m:t>
+                    </m:r>
+                    <m:r>
+                      <a:rPr lang="fr-FR" b="0" i="1" smtClean="0">
+                        <a:latin typeface="Cambria Math" panose="02040503050406030204" pitchFamily="18" charset="0"/>
+                      </a:rPr>
+                      <m:t>0813</m:t>
+                    </m:r>
+                    <m:r>
+                      <a:rPr lang="fr-FR" b="0" i="1" smtClean="0">
+                        <a:latin typeface="Cambria Math" panose="02040503050406030204" pitchFamily="18" charset="0"/>
+                      </a:rPr>
+                      <m:t> </m:t>
+                    </m:r>
+                    <m:r>
+                      <m:rPr>
+                        <m:sty m:val="p"/>
+                      </m:rPr>
+                      <a:rPr lang="fr-FR" b="0" i="0" smtClean="0">
+                        <a:latin typeface="Cambria Math" panose="02040503050406030204" pitchFamily="18" charset="0"/>
+                      </a:rPr>
+                      <m:t>Nm</m:t>
+                    </m:r>
+                  </m:oMath>
+                </a14:m>
+                <a:endParaRPr lang="fr-FR" dirty="0"/>
+              </a:p>
+              <a:p>
+                <a:pPr lvl="2"/>
+                <a14:m>
+                  <m:oMath xmlns:m="http://schemas.openxmlformats.org/officeDocument/2006/math">
+                    <m:sSub>
+                      <m:sSubPr>
+                        <m:ctrlPr>
+                          <a:rPr lang="fr-FR" b="0" i="1" smtClean="0">
+                            <a:latin typeface="Cambria Math" panose="02040503050406030204" pitchFamily="18" charset="0"/>
+                          </a:rPr>
+                        </m:ctrlPr>
+                      </m:sSubPr>
+                      <m:e>
+                        <m:r>
+                          <a:rPr lang="fr-FR" b="0" i="1" smtClean="0">
+                            <a:latin typeface="Cambria Math" panose="02040503050406030204" pitchFamily="18" charset="0"/>
+                          </a:rPr>
+                          <m:t>𝐹</m:t>
+                        </m:r>
+                      </m:e>
+                      <m:sub>
+                        <m:r>
+                          <a:rPr lang="fr-FR" b="0" i="1" smtClean="0">
+                            <a:latin typeface="Cambria Math" panose="02040503050406030204" pitchFamily="18" charset="0"/>
+                          </a:rPr>
+                          <m:t>𝑚</m:t>
+                        </m:r>
+                        <m:r>
+                          <a:rPr lang="fr-FR" b="0" i="1" smtClean="0">
+                            <a:latin typeface="Cambria Math" panose="02040503050406030204" pitchFamily="18" charset="0"/>
+                          </a:rPr>
+                          <m:t>h</m:t>
+                        </m:r>
+                      </m:sub>
+                    </m:sSub>
+                    <m:r>
+                      <a:rPr lang="fr-FR" i="1">
+                        <a:latin typeface="Cambria Math" panose="02040503050406030204" pitchFamily="18" charset="0"/>
+                      </a:rPr>
+                      <m:t>=</m:t>
+                    </m:r>
+                    <m:r>
+                      <a:rPr lang="fr-FR" i="1">
+                        <a:latin typeface="Cambria Math" panose="02040503050406030204" pitchFamily="18" charset="0"/>
+                      </a:rPr>
+                      <m:t>78</m:t>
+                    </m:r>
+                    <m:r>
+                      <a:rPr lang="fr-FR" i="1">
+                        <a:latin typeface="Cambria Math" panose="02040503050406030204" pitchFamily="18" charset="0"/>
+                      </a:rPr>
+                      <m:t> </m:t>
+                    </m:r>
+                    <m:r>
+                      <m:rPr>
+                        <m:sty m:val="p"/>
+                      </m:rPr>
+                      <a:rPr lang="fr-FR">
+                        <a:latin typeface="Cambria Math" panose="02040503050406030204" pitchFamily="18" charset="0"/>
+                      </a:rPr>
+                      <m:t>N</m:t>
+                    </m:r>
+                  </m:oMath>
+                </a14:m>
+                <a:endParaRPr lang="fr-FR" dirty="0"/>
+              </a:p>
+              <a:p>
+                <a:pPr lvl="2"/>
+                <a:endParaRPr lang="fr-FR" dirty="0"/>
+              </a:p>
+              <a:p>
+                <a:pPr lvl="2"/>
+                <a:endParaRPr lang="fr-FR" dirty="0"/>
+              </a:p>
+              <a:p>
+                <a:pPr lvl="1"/>
+                <a:r>
+                  <a:rPr lang="fr-FR" dirty="0"/>
+                  <a:t>Analyse des mesures</a:t>
+                </a:r>
+              </a:p>
+              <a:p>
+                <a:pPr lvl="2"/>
+                <a14:m>
+                  <m:oMath xmlns:m="http://schemas.openxmlformats.org/officeDocument/2006/math">
+                    <m:r>
+                      <a:rPr lang="fr-FR" b="0" i="1" smtClean="0">
+                        <a:latin typeface="Cambria Math" panose="02040503050406030204" pitchFamily="18" charset="0"/>
+                      </a:rPr>
+                      <m:t>𝑀</m:t>
+                    </m:r>
+                    <m:r>
+                      <a:rPr lang="fr-FR" b="0" i="1" smtClean="0">
+                        <a:latin typeface="Cambria Math" panose="02040503050406030204" pitchFamily="18" charset="0"/>
+                      </a:rPr>
+                      <m:t>=</m:t>
+                    </m:r>
+                    <m:r>
+                      <a:rPr lang="fr-FR" b="0" i="1" smtClean="0">
+                        <a:latin typeface="Cambria Math" panose="02040503050406030204" pitchFamily="18" charset="0"/>
+                      </a:rPr>
+                      <m:t>5</m:t>
+                    </m:r>
+                    <m:r>
+                      <a:rPr lang="fr-FR" b="0" i="1" smtClean="0">
+                        <a:latin typeface="Cambria Math" panose="02040503050406030204" pitchFamily="18" charset="0"/>
+                      </a:rPr>
+                      <m:t>,</m:t>
+                    </m:r>
+                    <m:r>
+                      <a:rPr lang="fr-FR" b="0" i="1" smtClean="0">
+                        <a:latin typeface="Cambria Math" panose="02040503050406030204" pitchFamily="18" charset="0"/>
+                      </a:rPr>
+                      <m:t>59</m:t>
+                    </m:r>
+                    <m:r>
+                      <a:rPr lang="fr-FR" b="0" i="1" smtClean="0">
+                        <a:latin typeface="Cambria Math" panose="02040503050406030204" pitchFamily="18" charset="0"/>
+                      </a:rPr>
+                      <m:t> </m:t>
+                    </m:r>
+                    <m:r>
+                      <m:rPr>
+                        <m:sty m:val="p"/>
+                      </m:rPr>
+                      <a:rPr lang="fr-FR" b="0" i="0" smtClean="0">
+                        <a:latin typeface="Cambria Math" panose="02040503050406030204" pitchFamily="18" charset="0"/>
+                      </a:rPr>
+                      <m:t>kg</m:t>
+                    </m:r>
+                  </m:oMath>
+                </a14:m>
+                <a:endParaRPr lang="fr-FR" b="0" dirty="0"/>
+              </a:p>
+              <a:p>
+                <a:pPr lvl="2"/>
+                <a14:m>
+                  <m:oMath xmlns:m="http://schemas.openxmlformats.org/officeDocument/2006/math">
+                    <m:sSub>
+                      <m:sSubPr>
+                        <m:ctrlPr>
+                          <a:rPr lang="fr-FR" b="0" i="1" smtClean="0">
+                            <a:latin typeface="Cambria Math" panose="02040503050406030204" pitchFamily="18" charset="0"/>
+                          </a:rPr>
+                        </m:ctrlPr>
+                      </m:sSubPr>
+                      <m:e>
+                        <m:r>
+                          <a:rPr lang="fr-FR" b="0" i="1" smtClean="0">
+                            <a:latin typeface="Cambria Math" panose="02040503050406030204" pitchFamily="18" charset="0"/>
+                          </a:rPr>
+                          <m:t>𝐹</m:t>
+                        </m:r>
+                      </m:e>
+                      <m:sub>
+                        <m:r>
+                          <a:rPr lang="fr-FR" b="0" i="1" smtClean="0">
+                            <a:latin typeface="Cambria Math" panose="02040503050406030204" pitchFamily="18" charset="0"/>
+                          </a:rPr>
+                          <m:t>𝑟</m:t>
+                        </m:r>
+                      </m:sub>
+                    </m:sSub>
+                    <m:r>
+                      <a:rPr lang="fr-FR" b="0" i="1" smtClean="0">
+                        <a:latin typeface="Cambria Math" panose="02040503050406030204" pitchFamily="18" charset="0"/>
+                      </a:rPr>
+                      <m:t>=</m:t>
+                    </m:r>
+                    <m:r>
+                      <a:rPr lang="fr-FR" b="0" i="1" smtClean="0">
+                        <a:latin typeface="Cambria Math" panose="02040503050406030204" pitchFamily="18" charset="0"/>
+                      </a:rPr>
+                      <m:t>20</m:t>
+                    </m:r>
+                    <m:r>
+                      <a:rPr lang="fr-FR" b="0" i="1" smtClean="0">
+                        <a:latin typeface="Cambria Math" panose="02040503050406030204" pitchFamily="18" charset="0"/>
+                      </a:rPr>
+                      <m:t> à </m:t>
+                    </m:r>
+                    <m:r>
+                      <a:rPr lang="fr-FR" b="0" i="1" smtClean="0">
+                        <a:latin typeface="Cambria Math" panose="02040503050406030204" pitchFamily="18" charset="0"/>
+                      </a:rPr>
+                      <m:t>23</m:t>
+                    </m:r>
+                    <m:r>
+                      <a:rPr lang="fr-FR" b="0" i="1" smtClean="0">
+                        <a:latin typeface="Cambria Math" panose="02040503050406030204" pitchFamily="18" charset="0"/>
+                      </a:rPr>
+                      <m:t> </m:t>
+                    </m:r>
+                    <m:r>
+                      <m:rPr>
+                        <m:sty m:val="p"/>
+                      </m:rPr>
+                      <a:rPr lang="fr-FR" b="0" i="0" smtClean="0">
+                        <a:latin typeface="Cambria Math" panose="02040503050406030204" pitchFamily="18" charset="0"/>
+                      </a:rPr>
+                      <m:t>N</m:t>
+                    </m:r>
+                  </m:oMath>
+                </a14:m>
+                <a:r>
+                  <a:rPr lang="fr-FR" dirty="0"/>
+                  <a:t> et </a:t>
+                </a:r>
+                <a14:m>
+                  <m:oMath xmlns:m="http://schemas.openxmlformats.org/officeDocument/2006/math">
+                    <m:sSub>
+                      <m:sSubPr>
+                        <m:ctrlPr>
+                          <a:rPr lang="fr-FR" b="0" i="1" smtClean="0">
+                            <a:latin typeface="Cambria Math" panose="02040503050406030204" pitchFamily="18" charset="0"/>
+                          </a:rPr>
+                        </m:ctrlPr>
+                      </m:sSubPr>
+                      <m:e>
+                        <m:r>
+                          <a:rPr lang="fr-FR" b="0" i="1" smtClean="0">
+                            <a:latin typeface="Cambria Math" panose="02040503050406030204" pitchFamily="18" charset="0"/>
+                          </a:rPr>
+                          <m:t>𝐶</m:t>
+                        </m:r>
+                      </m:e>
+                      <m:sub>
+                        <m:r>
+                          <a:rPr lang="fr-FR" b="0" i="1" smtClean="0">
+                            <a:latin typeface="Cambria Math" panose="02040503050406030204" pitchFamily="18" charset="0"/>
+                          </a:rPr>
+                          <m:t>𝑟𝑚</m:t>
+                        </m:r>
+                      </m:sub>
+                    </m:sSub>
+                    <m:r>
+                      <a:rPr lang="fr-FR" b="0" i="1" smtClean="0">
+                        <a:latin typeface="Cambria Math" panose="02040503050406030204" pitchFamily="18" charset="0"/>
+                      </a:rPr>
+                      <m:t>=</m:t>
+                    </m:r>
+                    <m:r>
+                      <a:rPr lang="fr-FR" b="0" i="0" smtClean="0">
+                        <a:latin typeface="Cambria Math" panose="02040503050406030204" pitchFamily="18" charset="0"/>
+                      </a:rPr>
+                      <m:t>0</m:t>
+                    </m:r>
+                    <m:r>
+                      <a:rPr lang="fr-FR" b="0" i="0" smtClean="0">
+                        <a:latin typeface="Cambria Math" panose="02040503050406030204" pitchFamily="18" charset="0"/>
+                      </a:rPr>
+                      <m:t>,</m:t>
+                    </m:r>
+                    <m:r>
+                      <a:rPr lang="fr-FR" b="0" i="0" smtClean="0">
+                        <a:latin typeface="Cambria Math" panose="02040503050406030204" pitchFamily="18" charset="0"/>
+                      </a:rPr>
+                      <m:t>024</m:t>
+                    </m:r>
+                    <m:r>
+                      <a:rPr lang="fr-FR" b="0" i="0" smtClean="0">
+                        <a:latin typeface="Cambria Math" panose="02040503050406030204" pitchFamily="18" charset="0"/>
+                      </a:rPr>
+                      <m:t> </m:t>
+                    </m:r>
+                    <m:r>
+                      <m:rPr>
+                        <m:sty m:val="p"/>
+                      </m:rPr>
+                      <a:rPr lang="fr-FR" b="0" i="0" smtClean="0">
+                        <a:latin typeface="Cambria Math" panose="02040503050406030204" pitchFamily="18" charset="0"/>
+                      </a:rPr>
+                      <m:t>Nm</m:t>
+                    </m:r>
+                  </m:oMath>
+                </a14:m>
+                <a:endParaRPr lang="ar-AE" dirty="0"/>
+              </a:p>
+            </p:txBody>
+          </p:sp>
+        </mc:Choice>
+        <mc:Fallback xmlns="">
+          <p:sp>
+            <p:nvSpPr>
+              <p:cNvPr id="4" name="Espace réservé du contenu 2">
+                <a:extLst>
+                  <a:ext uri="{FF2B5EF4-FFF2-40B4-BE49-F238E27FC236}">
+                    <a16:creationId xmlns:a16="http://schemas.microsoft.com/office/drawing/2014/main" id="{B16EF985-D429-6792-BACB-7B40507E47C4}"/>
+                  </a:ext>
+                </a:extLst>
+              </p:cNvPr>
+              <p:cNvSpPr txBox="1">
+                <a:spLocks noRot="1" noChangeAspect="1" noMove="1" noResize="1" noEditPoints="1" noAdjustHandles="1" noChangeArrowheads="1" noChangeShapeType="1" noTextEdit="1"/>
+              </p:cNvSpPr>
+              <p:nvPr/>
+            </p:nvSpPr>
+            <p:spPr>
+              <a:xfrm>
+                <a:off x="6096000" y="981886"/>
+                <a:ext cx="5978205" cy="5253339"/>
+              </a:xfrm>
+              <a:prstGeom prst="rect">
+                <a:avLst/>
+              </a:prstGeom>
+              <a:blipFill>
+                <a:blip r:embed="rId3"/>
+                <a:stretch>
+                  <a:fillRect l="-2650" t="-1856"/>
+                </a:stretch>
+              </a:blipFill>
+            </p:spPr>
+            <p:txBody>
+              <a:bodyPr/>
+              <a:lstStyle/>
+              <a:p>
+                <a:r>
+                  <a:rPr lang="fr-FR">
+                    <a:noFill/>
+                  </a:rPr>
+                  <a:t> </a:t>
+                </a:r>
+              </a:p>
+            </p:txBody>
+          </p:sp>
+        </mc:Fallback>
+      </mc:AlternateContent>
+    </p:spTree>
+    <p:extLst>
+      <p:ext uri="{BB962C8B-B14F-4D97-AF65-F5344CB8AC3E}">
+        <p14:creationId xmlns:p14="http://schemas.microsoft.com/office/powerpoint/2010/main" val="2896348919"/>
+      </p:ext>
+    </p:extLst>
+  </p:cSld>
+  <p:clrMapOvr>
+    <a:masterClrMapping/>
+  </p:clrMapOvr>
+</p:sld>
+</file>
+
+<file path=ppt/slides/slide11.xml><?xml version="1.0" encoding="utf-8"?>
+<p:sld xmlns:a="http://schemas.openxmlformats.org/drawingml/2006/main" xmlns:r="http://schemas.openxmlformats.org/officeDocument/2006/relationships" xmlns:p="http://schemas.openxmlformats.org/presentationml/2006/main">
+  <p:cSld>
+    <p:spTree>
+      <p:nvGrpSpPr>
+        <p:cNvPr id="1" name=""/>
+        <p:cNvGrpSpPr/>
+        <p:nvPr/>
+      </p:nvGrpSpPr>
+      <p:grpSpPr>
+        <a:xfrm>
+          <a:off x="0" y="0"/>
+          <a:ext cx="0" cy="0"/>
+          <a:chOff x="0" y="0"/>
+          <a:chExt cx="0" cy="0"/>
+        </a:xfrm>
+      </p:grpSpPr>
+      <p:sp>
+        <p:nvSpPr>
+          <p:cNvPr id="4" name="Titre 3">
+            <a:extLst>
+              <a:ext uri="{FF2B5EF4-FFF2-40B4-BE49-F238E27FC236}">
+                <a16:creationId xmlns:a16="http://schemas.microsoft.com/office/drawing/2014/main" id="{B794E1E6-E0CB-0314-482E-A48AE59E0887}"/>
+              </a:ext>
+            </a:extLst>
+          </p:cNvPr>
+          <p:cNvSpPr>
+            <a:spLocks noGrp="1"/>
+          </p:cNvSpPr>
+          <p:nvPr>
+            <p:ph type="title"/>
+          </p:nvPr>
+        </p:nvSpPr>
+        <p:spPr/>
+        <p:txBody>
+          <a:bodyPr>
+            <a:normAutofit fontScale="90000"/>
+          </a:bodyPr>
+          <a:lstStyle/>
+          <a:p>
+            <a:r>
+              <a:rPr lang="fr-FR" dirty="0"/>
+              <a:t>09</a:t>
+            </a:r>
+            <a:br>
+              <a:rPr lang="fr-FR" dirty="0"/>
+            </a:br>
+            <a:r>
+              <a:rPr lang="fr-FR" dirty="0"/>
+              <a:t>Dimensionnement d’un actionneur en dynamique</a:t>
+            </a:r>
+          </a:p>
+        </p:txBody>
+      </p:sp>
+      <p:sp>
+        <p:nvSpPr>
+          <p:cNvPr id="5" name="Espace réservé du texte 4">
+            <a:extLst>
+              <a:ext uri="{FF2B5EF4-FFF2-40B4-BE49-F238E27FC236}">
+                <a16:creationId xmlns:a16="http://schemas.microsoft.com/office/drawing/2014/main" id="{31164354-1A91-E980-2D9B-9062246D64F4}"/>
+              </a:ext>
+            </a:extLst>
+          </p:cNvPr>
+          <p:cNvSpPr>
+            <a:spLocks noGrp="1"/>
+          </p:cNvSpPr>
+          <p:nvPr>
+            <p:ph type="body" idx="1"/>
+          </p:nvPr>
+        </p:nvSpPr>
+        <p:spPr/>
+        <p:txBody>
+          <a:bodyPr/>
+          <a:lstStyle/>
+          <a:p>
+            <a:endParaRPr lang="fr-FR"/>
+          </a:p>
+        </p:txBody>
+      </p:sp>
+    </p:spTree>
+    <p:extLst>
+      <p:ext uri="{BB962C8B-B14F-4D97-AF65-F5344CB8AC3E}">
+        <p14:creationId xmlns:p14="http://schemas.microsoft.com/office/powerpoint/2010/main" val="2985822988"/>
+      </p:ext>
+    </p:extLst>
+  </p:cSld>
+  <p:clrMapOvr>
+    <a:masterClrMapping/>
+  </p:clrMapOvr>
+</p:sld>
+</file>
+
+<file path=ppt/slides/slide12.xml><?xml version="1.0" encoding="utf-8"?>
 <p:sld xmlns:a="http://schemas.openxmlformats.org/drawingml/2006/main" xmlns:r="http://schemas.openxmlformats.org/officeDocument/2006/relationships" xmlns:p="http://schemas.openxmlformats.org/presentationml/2006/main">
   <p:cSld>
     <p:spTree>
@@ -5829,7 +7776,7 @@
 </p:sld>
 </file>
 
-<file path=ppt/slides/slide11.xml><?xml version="1.0" encoding="utf-8"?>
+<file path=ppt/slides/slide13.xml><?xml version="1.0" encoding="utf-8"?>
 <p:sld xmlns:a="http://schemas.openxmlformats.org/drawingml/2006/main" xmlns:r="http://schemas.openxmlformats.org/officeDocument/2006/relationships" xmlns:p="http://schemas.openxmlformats.org/presentationml/2006/main">
   <p:cSld>
     <p:spTree>
@@ -8221,7 +10168,7 @@
 </p:sld>
 </file>
 
-<file path=ppt/slides/slide12.xml><?xml version="1.0" encoding="utf-8"?>
+<file path=ppt/slides/slide14.xml><?xml version="1.0" encoding="utf-8"?>
 <p:sld xmlns:a="http://schemas.openxmlformats.org/drawingml/2006/main" xmlns:r="http://schemas.openxmlformats.org/officeDocument/2006/relationships" xmlns:p="http://schemas.openxmlformats.org/presentationml/2006/main">
   <p:cSld>
     <p:spTree>
@@ -8720,7 +10667,7 @@
 </p:sld>
 </file>
 
-<file path=ppt/slides/slide13.xml><?xml version="1.0" encoding="utf-8"?>
+<file path=ppt/slides/slide15.xml><?xml version="1.0" encoding="utf-8"?>
 <p:sld xmlns:a="http://schemas.openxmlformats.org/drawingml/2006/main" xmlns:r="http://schemas.openxmlformats.org/officeDocument/2006/relationships" xmlns:p="http://schemas.openxmlformats.org/presentationml/2006/main">
   <p:cSld>
     <p:spTree>
@@ -9784,7 +11731,7 @@
 </p:sld>
 </file>
 
-<file path=ppt/slides/slide14.xml><?xml version="1.0" encoding="utf-8"?>
+<file path=ppt/slides/slide16.xml><?xml version="1.0" encoding="utf-8"?>
 <p:sld xmlns:a="http://schemas.openxmlformats.org/drawingml/2006/main" xmlns:r="http://schemas.openxmlformats.org/officeDocument/2006/relationships" xmlns:p="http://schemas.openxmlformats.org/presentationml/2006/main">
   <p:cSld>
     <p:spTree>
@@ -10191,7 +12138,7 @@
 </p:sld>
 </file>
 
-<file path=ppt/slides/slide15.xml><?xml version="1.0" encoding="utf-8"?>
+<file path=ppt/slides/slide17.xml><?xml version="1.0" encoding="utf-8"?>
 <p:sld xmlns:a="http://schemas.openxmlformats.org/drawingml/2006/main" xmlns:r="http://schemas.openxmlformats.org/officeDocument/2006/relationships" xmlns:p="http://schemas.openxmlformats.org/presentationml/2006/main">
   <p:cSld>
     <p:spTree>
@@ -10537,7 +12484,7 @@
 </p:sld>
 </file>
 
-<file path=ppt/slides/slide16.xml><?xml version="1.0" encoding="utf-8"?>
+<file path=ppt/slides/slide18.xml><?xml version="1.0" encoding="utf-8"?>
 <p:sld xmlns:a="http://schemas.openxmlformats.org/drawingml/2006/main" xmlns:r="http://schemas.openxmlformats.org/officeDocument/2006/relationships" xmlns:p="http://schemas.openxmlformats.org/presentationml/2006/main">
   <p:cSld>
     <p:spTree>
@@ -10579,8 +12526,8 @@
           </a:p>
         </p:txBody>
       </p:sp>
-      <mc:AlternateContent xmlns:mc="http://schemas.openxmlformats.org/markup-compatibility/2006">
-        <mc:Choice xmlns:a14="http://schemas.microsoft.com/office/drawing/2010/main" Requires="a14">
+      <mc:AlternateContent xmlns:mc="http://schemas.openxmlformats.org/markup-compatibility/2006" xmlns:a14="http://schemas.microsoft.com/office/drawing/2010/main">
+        <mc:Choice Requires="a14">
           <p:sp>
             <p:nvSpPr>
               <p:cNvPr id="4" name="Rectangle : coins arrondis 3">
@@ -10711,7 +12658,7 @@
             </p:txBody>
           </p:sp>
         </mc:Choice>
-        <mc:Fallback>
+        <mc:Fallback xmlns="">
           <p:sp>
             <p:nvSpPr>
               <p:cNvPr id="4" name="Rectangle : coins arrondis 3">
@@ -10877,8 +12824,8 @@
           </a:p>
         </p:txBody>
       </p:sp>
-      <mc:AlternateContent xmlns:mc="http://schemas.openxmlformats.org/markup-compatibility/2006">
-        <mc:Choice xmlns:a14="http://schemas.microsoft.com/office/drawing/2010/main" Requires="a14">
+      <mc:AlternateContent xmlns:mc="http://schemas.openxmlformats.org/markup-compatibility/2006" xmlns:a14="http://schemas.microsoft.com/office/drawing/2010/main">
+        <mc:Choice Requires="a14">
           <p:sp>
             <p:nvSpPr>
               <p:cNvPr id="8" name="Rectangle : coins arrondis 7">
@@ -11009,7 +12956,7 @@
             </p:txBody>
           </p:sp>
         </mc:Choice>
-        <mc:Fallback>
+        <mc:Fallback xmlns="">
           <p:sp>
             <p:nvSpPr>
               <p:cNvPr id="8" name="Rectangle : coins arrondis 7">
@@ -11118,8 +13065,8 @@
           </a:p>
         </p:txBody>
       </p:sp>
-      <mc:AlternateContent xmlns:mc="http://schemas.openxmlformats.org/markup-compatibility/2006">
-        <mc:Choice xmlns:a14="http://schemas.microsoft.com/office/drawing/2010/main" Requires="a14">
+      <mc:AlternateContent xmlns:mc="http://schemas.openxmlformats.org/markup-compatibility/2006" xmlns:a14="http://schemas.microsoft.com/office/drawing/2010/main">
+        <mc:Choice Requires="a14">
           <p:sp>
             <p:nvSpPr>
               <p:cNvPr id="10" name="Rectangle : coins arrondis 9">
@@ -11241,7 +13188,7 @@
             </p:txBody>
           </p:sp>
         </mc:Choice>
-        <mc:Fallback>
+        <mc:Fallback xmlns="">
           <p:sp>
             <p:nvSpPr>
               <p:cNvPr id="10" name="Rectangle : coins arrondis 9">
@@ -11293,8 +13240,8 @@
           </p:sp>
         </mc:Fallback>
       </mc:AlternateContent>
-      <mc:AlternateContent xmlns:mc="http://schemas.openxmlformats.org/markup-compatibility/2006">
-        <mc:Choice xmlns:a14="http://schemas.microsoft.com/office/drawing/2010/main" Requires="a14">
+      <mc:AlternateContent xmlns:mc="http://schemas.openxmlformats.org/markup-compatibility/2006" xmlns:a14="http://schemas.microsoft.com/office/drawing/2010/main">
+        <mc:Choice Requires="a14">
           <p:sp>
             <p:nvSpPr>
               <p:cNvPr id="11" name="Rectangle : coins arrondis 10">
@@ -11398,7 +13345,7 @@
             </p:txBody>
           </p:sp>
         </mc:Choice>
-        <mc:Fallback>
+        <mc:Fallback xmlns="">
           <p:sp>
             <p:nvSpPr>
               <p:cNvPr id="11" name="Rectangle : coins arrondis 10">
@@ -11507,8 +13454,8 @@
           </a:p>
         </p:txBody>
       </p:sp>
-      <mc:AlternateContent xmlns:mc="http://schemas.openxmlformats.org/markup-compatibility/2006">
-        <mc:Choice xmlns:a14="http://schemas.microsoft.com/office/drawing/2010/main" Requires="a14">
+      <mc:AlternateContent xmlns:mc="http://schemas.openxmlformats.org/markup-compatibility/2006" xmlns:a14="http://schemas.microsoft.com/office/drawing/2010/main">
+        <mc:Choice Requires="a14">
           <p:sp>
             <p:nvSpPr>
               <p:cNvPr id="13" name="Rectangle : coins arrondis 12">
@@ -11646,7 +13593,7 @@
             </p:txBody>
           </p:sp>
         </mc:Choice>
-        <mc:Fallback>
+        <mc:Fallback xmlns="">
           <p:sp>
             <p:nvSpPr>
               <p:cNvPr id="13" name="Rectangle : coins arrondis 12">
@@ -11698,8 +13645,8 @@
           </p:sp>
         </mc:Fallback>
       </mc:AlternateContent>
-      <mc:AlternateContent xmlns:mc="http://schemas.openxmlformats.org/markup-compatibility/2006">
-        <mc:Choice xmlns:a14="http://schemas.microsoft.com/office/drawing/2010/main" Requires="a14">
+      <mc:AlternateContent xmlns:mc="http://schemas.openxmlformats.org/markup-compatibility/2006" xmlns:a14="http://schemas.microsoft.com/office/drawing/2010/main">
+        <mc:Choice Requires="a14">
           <p:sp>
             <p:nvSpPr>
               <p:cNvPr id="14" name="Rectangle : coins arrondis 13">
@@ -11803,7 +13750,7 @@
             </p:txBody>
           </p:sp>
         </mc:Choice>
-        <mc:Fallback>
+        <mc:Fallback xmlns="">
           <p:sp>
             <p:nvSpPr>
               <p:cNvPr id="14" name="Rectangle : coins arrondis 13">
@@ -12799,8 +14746,8 @@
           </a:fontRef>
         </p:style>
       </p:cxnSp>
-      <mc:AlternateContent xmlns:mc="http://schemas.openxmlformats.org/markup-compatibility/2006">
-        <mc:Choice xmlns:a14="http://schemas.microsoft.com/office/drawing/2010/main" Requires="a14">
+      <mc:AlternateContent xmlns:mc="http://schemas.openxmlformats.org/markup-compatibility/2006" xmlns:a14="http://schemas.microsoft.com/office/drawing/2010/main">
+        <mc:Choice Requires="a14">
           <p:sp>
             <p:nvSpPr>
               <p:cNvPr id="81" name="ZoneTexte 80">
@@ -12910,7 +14857,7 @@
             </p:txBody>
           </p:sp>
         </mc:Choice>
-        <mc:Fallback>
+        <mc:Fallback xmlns="">
           <p:sp>
             <p:nvSpPr>
               <p:cNvPr id="81" name="ZoneTexte 80">
@@ -12955,8 +14902,8 @@
           </p:sp>
         </mc:Fallback>
       </mc:AlternateContent>
-      <mc:AlternateContent xmlns:mc="http://schemas.openxmlformats.org/markup-compatibility/2006">
-        <mc:Choice xmlns:a14="http://schemas.microsoft.com/office/drawing/2010/main" Requires="a14">
+      <mc:AlternateContent xmlns:mc="http://schemas.openxmlformats.org/markup-compatibility/2006" xmlns:a14="http://schemas.microsoft.com/office/drawing/2010/main">
+        <mc:Choice Requires="a14">
           <p:sp>
             <p:nvSpPr>
               <p:cNvPr id="82" name="ZoneTexte 81">
@@ -13066,7 +15013,7 @@
             </p:txBody>
           </p:sp>
         </mc:Choice>
-        <mc:Fallback>
+        <mc:Fallback xmlns="">
           <p:sp>
             <p:nvSpPr>
               <p:cNvPr id="82" name="ZoneTexte 81">
@@ -13111,8 +15058,8 @@
           </p:sp>
         </mc:Fallback>
       </mc:AlternateContent>
-      <mc:AlternateContent xmlns:mc="http://schemas.openxmlformats.org/markup-compatibility/2006">
-        <mc:Choice xmlns:a14="http://schemas.microsoft.com/office/drawing/2010/main" Requires="a14">
+      <mc:AlternateContent xmlns:mc="http://schemas.openxmlformats.org/markup-compatibility/2006" xmlns:a14="http://schemas.microsoft.com/office/drawing/2010/main">
+        <mc:Choice Requires="a14">
           <p:sp>
             <p:nvSpPr>
               <p:cNvPr id="83" name="ZoneTexte 82">
@@ -13170,7 +15117,7 @@
             </p:txBody>
           </p:sp>
         </mc:Choice>
-        <mc:Fallback>
+        <mc:Fallback xmlns="">
           <p:sp>
             <p:nvSpPr>
               <p:cNvPr id="83" name="ZoneTexte 82">
@@ -13215,8 +15162,8 @@
           </p:sp>
         </mc:Fallback>
       </mc:AlternateContent>
-      <mc:AlternateContent xmlns:mc="http://schemas.openxmlformats.org/markup-compatibility/2006">
-        <mc:Choice xmlns:a14="http://schemas.microsoft.com/office/drawing/2010/main" Requires="a14">
+      <mc:AlternateContent xmlns:mc="http://schemas.openxmlformats.org/markup-compatibility/2006" xmlns:a14="http://schemas.microsoft.com/office/drawing/2010/main">
+        <mc:Choice Requires="a14">
           <p:sp>
             <p:nvSpPr>
               <p:cNvPr id="84" name="ZoneTexte 83">
@@ -13326,7 +15273,7 @@
             </p:txBody>
           </p:sp>
         </mc:Choice>
-        <mc:Fallback>
+        <mc:Fallback xmlns="">
           <p:sp>
             <p:nvSpPr>
               <p:cNvPr id="84" name="ZoneTexte 83">
@@ -13371,8 +15318,8 @@
           </p:sp>
         </mc:Fallback>
       </mc:AlternateContent>
-      <mc:AlternateContent xmlns:mc="http://schemas.openxmlformats.org/markup-compatibility/2006">
-        <mc:Choice xmlns:a14="http://schemas.microsoft.com/office/drawing/2010/main" Requires="a14">
+      <mc:AlternateContent xmlns:mc="http://schemas.openxmlformats.org/markup-compatibility/2006" xmlns:a14="http://schemas.microsoft.com/office/drawing/2010/main">
+        <mc:Choice Requires="a14">
           <p:sp>
             <p:nvSpPr>
               <p:cNvPr id="85" name="ZoneTexte 84">
@@ -13482,7 +15429,7 @@
             </p:txBody>
           </p:sp>
         </mc:Choice>
-        <mc:Fallback>
+        <mc:Fallback xmlns="">
           <p:sp>
             <p:nvSpPr>
               <p:cNvPr id="85" name="ZoneTexte 84">
@@ -13527,8 +15474,8 @@
           </p:sp>
         </mc:Fallback>
       </mc:AlternateContent>
-      <mc:AlternateContent xmlns:mc="http://schemas.openxmlformats.org/markup-compatibility/2006">
-        <mc:Choice xmlns:a14="http://schemas.microsoft.com/office/drawing/2010/main" Requires="a14">
+      <mc:AlternateContent xmlns:mc="http://schemas.openxmlformats.org/markup-compatibility/2006" xmlns:a14="http://schemas.microsoft.com/office/drawing/2010/main">
+        <mc:Choice Requires="a14">
           <p:sp>
             <p:nvSpPr>
               <p:cNvPr id="86" name="ZoneTexte 85">
@@ -13710,7 +15657,7 @@
             </p:txBody>
           </p:sp>
         </mc:Choice>
-        <mc:Fallback>
+        <mc:Fallback xmlns="">
           <p:sp>
             <p:nvSpPr>
               <p:cNvPr id="86" name="ZoneTexte 85">
@@ -13755,8 +15702,8 @@
           </p:sp>
         </mc:Fallback>
       </mc:AlternateContent>
-      <mc:AlternateContent xmlns:mc="http://schemas.openxmlformats.org/markup-compatibility/2006">
-        <mc:Choice xmlns:a14="http://schemas.microsoft.com/office/drawing/2010/main" Requires="a14">
+      <mc:AlternateContent xmlns:mc="http://schemas.openxmlformats.org/markup-compatibility/2006" xmlns:a14="http://schemas.microsoft.com/office/drawing/2010/main">
+        <mc:Choice Requires="a14">
           <p:sp>
             <p:nvSpPr>
               <p:cNvPr id="87" name="ZoneTexte 86">
@@ -13814,7 +15761,7 @@
             </p:txBody>
           </p:sp>
         </mc:Choice>
-        <mc:Fallback>
+        <mc:Fallback xmlns="">
           <p:sp>
             <p:nvSpPr>
               <p:cNvPr id="87" name="ZoneTexte 86">
@@ -13859,8 +15806,8 @@
           </p:sp>
         </mc:Fallback>
       </mc:AlternateContent>
-      <mc:AlternateContent xmlns:mc="http://schemas.openxmlformats.org/markup-compatibility/2006">
-        <mc:Choice xmlns:a14="http://schemas.microsoft.com/office/drawing/2010/main" Requires="a14">
+      <mc:AlternateContent xmlns:mc="http://schemas.openxmlformats.org/markup-compatibility/2006" xmlns:a14="http://schemas.microsoft.com/office/drawing/2010/main">
+        <mc:Choice Requires="a14">
           <p:sp>
             <p:nvSpPr>
               <p:cNvPr id="88" name="ZoneTexte 87">
@@ -13918,7 +15865,7 @@
             </p:txBody>
           </p:sp>
         </mc:Choice>
-        <mc:Fallback>
+        <mc:Fallback xmlns="">
           <p:sp>
             <p:nvSpPr>
               <p:cNvPr id="88" name="ZoneTexte 87">
@@ -13963,8 +15910,8 @@
           </p:sp>
         </mc:Fallback>
       </mc:AlternateContent>
-      <mc:AlternateContent xmlns:mc="http://schemas.openxmlformats.org/markup-compatibility/2006">
-        <mc:Choice xmlns:a14="http://schemas.microsoft.com/office/drawing/2010/main" Requires="a14">
+      <mc:AlternateContent xmlns:mc="http://schemas.openxmlformats.org/markup-compatibility/2006" xmlns:a14="http://schemas.microsoft.com/office/drawing/2010/main">
+        <mc:Choice Requires="a14">
           <p:sp>
             <p:nvSpPr>
               <p:cNvPr id="89" name="ZoneTexte 88">
@@ -14022,7 +15969,7 @@
             </p:txBody>
           </p:sp>
         </mc:Choice>
-        <mc:Fallback>
+        <mc:Fallback xmlns="">
           <p:sp>
             <p:nvSpPr>
               <p:cNvPr id="89" name="ZoneTexte 88">
@@ -14067,8 +16014,8 @@
           </p:sp>
         </mc:Fallback>
       </mc:AlternateContent>
-      <mc:AlternateContent xmlns:mc="http://schemas.openxmlformats.org/markup-compatibility/2006">
-        <mc:Choice xmlns:a14="http://schemas.microsoft.com/office/drawing/2010/main" Requires="a14">
+      <mc:AlternateContent xmlns:mc="http://schemas.openxmlformats.org/markup-compatibility/2006" xmlns:a14="http://schemas.microsoft.com/office/drawing/2010/main">
+        <mc:Choice Requires="a14">
           <p:sp>
             <p:nvSpPr>
               <p:cNvPr id="90" name="ZoneTexte 89">
@@ -14126,7 +16073,7 @@
             </p:txBody>
           </p:sp>
         </mc:Choice>
-        <mc:Fallback>
+        <mc:Fallback xmlns="">
           <p:sp>
             <p:nvSpPr>
               <p:cNvPr id="90" name="ZoneTexte 89">
@@ -14171,8 +16118,8 @@
           </p:sp>
         </mc:Fallback>
       </mc:AlternateContent>
-      <mc:AlternateContent xmlns:mc="http://schemas.openxmlformats.org/markup-compatibility/2006">
-        <mc:Choice xmlns:a14="http://schemas.microsoft.com/office/drawing/2010/main" Requires="a14">
+      <mc:AlternateContent xmlns:mc="http://schemas.openxmlformats.org/markup-compatibility/2006" xmlns:a14="http://schemas.microsoft.com/office/drawing/2010/main">
+        <mc:Choice Requires="a14">
           <p:sp>
             <p:nvSpPr>
               <p:cNvPr id="91" name="ZoneTexte 90">
@@ -14230,7 +16177,7 @@
             </p:txBody>
           </p:sp>
         </mc:Choice>
-        <mc:Fallback>
+        <mc:Fallback xmlns="">
           <p:sp>
             <p:nvSpPr>
               <p:cNvPr id="91" name="ZoneTexte 90">
@@ -14275,8 +16222,8 @@
           </p:sp>
         </mc:Fallback>
       </mc:AlternateContent>
-      <mc:AlternateContent xmlns:mc="http://schemas.openxmlformats.org/markup-compatibility/2006">
-        <mc:Choice xmlns:a14="http://schemas.microsoft.com/office/drawing/2010/main" Requires="a14">
+      <mc:AlternateContent xmlns:mc="http://schemas.openxmlformats.org/markup-compatibility/2006" xmlns:a14="http://schemas.microsoft.com/office/drawing/2010/main">
+        <mc:Choice Requires="a14">
           <p:sp>
             <p:nvSpPr>
               <p:cNvPr id="92" name="ZoneTexte 91">
@@ -14334,7 +16281,7 @@
             </p:txBody>
           </p:sp>
         </mc:Choice>
-        <mc:Fallback>
+        <mc:Fallback xmlns="">
           <p:sp>
             <p:nvSpPr>
               <p:cNvPr id="92" name="ZoneTexte 91">
@@ -14379,8 +16326,8 @@
           </p:sp>
         </mc:Fallback>
       </mc:AlternateContent>
-      <mc:AlternateContent xmlns:mc="http://schemas.openxmlformats.org/markup-compatibility/2006">
-        <mc:Choice xmlns:a14="http://schemas.microsoft.com/office/drawing/2010/main" Requires="a14">
+      <mc:AlternateContent xmlns:mc="http://schemas.openxmlformats.org/markup-compatibility/2006" xmlns:a14="http://schemas.microsoft.com/office/drawing/2010/main">
+        <mc:Choice Requires="a14">
           <p:sp>
             <p:nvSpPr>
               <p:cNvPr id="93" name="ZoneTexte 92">
@@ -14438,7 +16385,7 @@
             </p:txBody>
           </p:sp>
         </mc:Choice>
-        <mc:Fallback>
+        <mc:Fallback xmlns="">
           <p:sp>
             <p:nvSpPr>
               <p:cNvPr id="93" name="ZoneTexte 92">
@@ -14483,8 +16430,8 @@
           </p:sp>
         </mc:Fallback>
       </mc:AlternateContent>
-      <mc:AlternateContent xmlns:mc="http://schemas.openxmlformats.org/markup-compatibility/2006">
-        <mc:Choice xmlns:a14="http://schemas.microsoft.com/office/drawing/2010/main" Requires="a14">
+      <mc:AlternateContent xmlns:mc="http://schemas.openxmlformats.org/markup-compatibility/2006" xmlns:a14="http://schemas.microsoft.com/office/drawing/2010/main">
+        <mc:Choice Requires="a14">
           <p:sp>
             <p:nvSpPr>
               <p:cNvPr id="94" name="ZoneTexte 93">
@@ -14542,7 +16489,7 @@
             </p:txBody>
           </p:sp>
         </mc:Choice>
-        <mc:Fallback>
+        <mc:Fallback xmlns="">
           <p:sp>
             <p:nvSpPr>
               <p:cNvPr id="94" name="ZoneTexte 93">
@@ -19653,21 +21600,22 @@
         <p:spPr/>
         <p:txBody>
           <a:bodyPr>
-            <a:normAutofit fontScale="90000"/>
+            <a:normAutofit/>
           </a:bodyPr>
           <a:lstStyle/>
           <a:p>
             <a:r>
               <a:rPr lang="fr-FR" dirty="0"/>
-              <a:t>07</a:t>
+              <a:t>04 </a:t>
+            </a:r>
+            <a:r>
+              <a:rPr lang="fr-FR"/>
+              <a:t>Résolution cinématique</a:t>
             </a:r>
             <a:br>
-              <a:rPr lang="fr-FR" dirty="0"/>
+              <a:rPr lang="fr-FR"/>
             </a:br>
-            <a:r>
-              <a:rPr lang="fr-FR" dirty="0"/>
-              <a:t>Modélisation composants ou phénomènes</a:t>
-            </a:r>
+            <a:endParaRPr lang="fr-FR" dirty="0"/>
           </a:p>
         </p:txBody>
       </p:sp>
@@ -19710,6 +21658,184 @@
 </file>
 
 <file path=ppt/slides/slide7.xml><?xml version="1.0" encoding="utf-8"?>
+<p:sld xmlns:a="http://schemas.openxmlformats.org/drawingml/2006/main" xmlns:r="http://schemas.openxmlformats.org/officeDocument/2006/relationships" xmlns:p="http://schemas.openxmlformats.org/presentationml/2006/main">
+  <p:cSld>
+    <p:spTree>
+      <p:nvGrpSpPr>
+        <p:cNvPr id="1" name=""/>
+        <p:cNvGrpSpPr/>
+        <p:nvPr/>
+      </p:nvGrpSpPr>
+      <p:grpSpPr>
+        <a:xfrm>
+          <a:off x="0" y="0"/>
+          <a:ext cx="0" cy="0"/>
+          <a:chOff x="0" y="0"/>
+          <a:chExt cx="0" cy="0"/>
+        </a:xfrm>
+      </p:grpSpPr>
+      <p:sp>
+        <p:nvSpPr>
+          <p:cNvPr id="2" name="Titre 1">
+            <a:extLst>
+              <a:ext uri="{FF2B5EF4-FFF2-40B4-BE49-F238E27FC236}">
+                <a16:creationId xmlns:a16="http://schemas.microsoft.com/office/drawing/2014/main" id="{1FE461D7-4D60-F5CA-061F-9CD814D27573}"/>
+              </a:ext>
+            </a:extLst>
+          </p:cNvPr>
+          <p:cNvSpPr>
+            <a:spLocks noGrp="1"/>
+          </p:cNvSpPr>
+          <p:nvPr>
+            <p:ph type="title"/>
+          </p:nvPr>
+        </p:nvSpPr>
+        <p:spPr/>
+        <p:txBody>
+          <a:bodyPr/>
+          <a:lstStyle/>
+          <a:p>
+            <a:endParaRPr lang="fr-FR"/>
+          </a:p>
+        </p:txBody>
+      </p:sp>
+      <p:sp>
+        <p:nvSpPr>
+          <p:cNvPr id="3" name="Espace réservé du contenu 2">
+            <a:extLst>
+              <a:ext uri="{FF2B5EF4-FFF2-40B4-BE49-F238E27FC236}">
+                <a16:creationId xmlns:a16="http://schemas.microsoft.com/office/drawing/2014/main" id="{820AF941-BE5D-C520-EE45-EA9BDBAD3B21}"/>
+              </a:ext>
+            </a:extLst>
+          </p:cNvPr>
+          <p:cNvSpPr>
+            <a:spLocks noGrp="1"/>
+          </p:cNvSpPr>
+          <p:nvPr>
+            <p:ph idx="1"/>
+          </p:nvPr>
+        </p:nvSpPr>
+        <p:spPr/>
+        <p:txBody>
+          <a:bodyPr/>
+          <a:lstStyle/>
+          <a:p>
+            <a:endParaRPr lang="fr-FR"/>
+          </a:p>
+        </p:txBody>
+      </p:sp>
+    </p:spTree>
+    <p:extLst>
+      <p:ext uri="{BB962C8B-B14F-4D97-AF65-F5344CB8AC3E}">
+        <p14:creationId xmlns:p14="http://schemas.microsoft.com/office/powerpoint/2010/main" val="1484772777"/>
+      </p:ext>
+    </p:extLst>
+  </p:cSld>
+  <p:clrMapOvr>
+    <a:masterClrMapping/>
+  </p:clrMapOvr>
+</p:sld>
+</file>
+
+<file path=ppt/slides/slide8.xml><?xml version="1.0" encoding="utf-8"?>
+<p:sld xmlns:a="http://schemas.openxmlformats.org/drawingml/2006/main" xmlns:r="http://schemas.openxmlformats.org/officeDocument/2006/relationships" xmlns:p="http://schemas.openxmlformats.org/presentationml/2006/main">
+  <p:cSld>
+    <p:spTree>
+      <p:nvGrpSpPr>
+        <p:cNvPr id="1" name="">
+          <a:extLst>
+            <a:ext uri="{FF2B5EF4-FFF2-40B4-BE49-F238E27FC236}">
+              <a16:creationId xmlns:a16="http://schemas.microsoft.com/office/drawing/2014/main" id="{C40DD68A-E16C-6412-0693-26A3D0F08689}"/>
+            </a:ext>
+          </a:extLst>
+        </p:cNvPr>
+        <p:cNvGrpSpPr/>
+        <p:nvPr/>
+      </p:nvGrpSpPr>
+      <p:grpSpPr>
+        <a:xfrm>
+          <a:off x="0" y="0"/>
+          <a:ext cx="0" cy="0"/>
+          <a:chOff x="0" y="0"/>
+          <a:chExt cx="0" cy="0"/>
+        </a:xfrm>
+      </p:grpSpPr>
+      <p:sp>
+        <p:nvSpPr>
+          <p:cNvPr id="4" name="Titre 3">
+            <a:extLst>
+              <a:ext uri="{FF2B5EF4-FFF2-40B4-BE49-F238E27FC236}">
+                <a16:creationId xmlns:a16="http://schemas.microsoft.com/office/drawing/2014/main" id="{98820592-B42F-86C6-2B84-6D0830A7F392}"/>
+              </a:ext>
+            </a:extLst>
+          </p:cNvPr>
+          <p:cNvSpPr>
+            <a:spLocks noGrp="1"/>
+          </p:cNvSpPr>
+          <p:nvPr>
+            <p:ph type="title"/>
+          </p:nvPr>
+        </p:nvSpPr>
+        <p:spPr/>
+        <p:txBody>
+          <a:bodyPr>
+            <a:normAutofit fontScale="90000"/>
+          </a:bodyPr>
+          <a:lstStyle/>
+          <a:p>
+            <a:r>
+              <a:rPr lang="fr-FR" dirty="0"/>
+              <a:t>07</a:t>
+            </a:r>
+            <a:br>
+              <a:rPr lang="fr-FR" dirty="0"/>
+            </a:br>
+            <a:r>
+              <a:rPr lang="fr-FR" dirty="0"/>
+              <a:t>Modélisation composants ou phénomènes</a:t>
+            </a:r>
+          </a:p>
+        </p:txBody>
+      </p:sp>
+      <p:sp>
+        <p:nvSpPr>
+          <p:cNvPr id="5" name="Espace réservé du texte 4">
+            <a:extLst>
+              <a:ext uri="{FF2B5EF4-FFF2-40B4-BE49-F238E27FC236}">
+                <a16:creationId xmlns:a16="http://schemas.microsoft.com/office/drawing/2014/main" id="{98F96706-D0AC-35B1-9E61-ADB22B4A76AA}"/>
+              </a:ext>
+            </a:extLst>
+          </p:cNvPr>
+          <p:cNvSpPr>
+            <a:spLocks noGrp="1"/>
+          </p:cNvSpPr>
+          <p:nvPr>
+            <p:ph type="body" idx="1"/>
+          </p:nvPr>
+        </p:nvSpPr>
+        <p:spPr/>
+        <p:txBody>
+          <a:bodyPr/>
+          <a:lstStyle/>
+          <a:p>
+            <a:endParaRPr lang="fr-FR"/>
+          </a:p>
+        </p:txBody>
+      </p:sp>
+    </p:spTree>
+    <p:extLst>
+      <p:ext uri="{BB962C8B-B14F-4D97-AF65-F5344CB8AC3E}">
+        <p14:creationId xmlns:p14="http://schemas.microsoft.com/office/powerpoint/2010/main" val="3211213506"/>
+      </p:ext>
+    </p:extLst>
+  </p:cSld>
+  <p:clrMapOvr>
+    <a:masterClrMapping/>
+  </p:clrMapOvr>
+</p:sld>
+</file>
+
+<file path=ppt/slides/slide9.xml><?xml version="1.0" encoding="utf-8"?>
 <p:sld xmlns:a="http://schemas.openxmlformats.org/drawingml/2006/main" xmlns:r="http://schemas.openxmlformats.org/officeDocument/2006/relationships" xmlns:p="http://schemas.openxmlformats.org/presentationml/2006/main">
   <p:cSld>
     <p:spTree>
@@ -21971,1647 +24097,6 @@
 </p:sld>
 </file>
 
-<file path=ppt/slides/slide8.xml><?xml version="1.0" encoding="utf-8"?>
-<p:sld xmlns:a="http://schemas.openxmlformats.org/drawingml/2006/main" xmlns:r="http://schemas.openxmlformats.org/officeDocument/2006/relationships" xmlns:p="http://schemas.openxmlformats.org/presentationml/2006/main">
-  <p:cSld>
-    <p:spTree>
-      <p:nvGrpSpPr>
-        <p:cNvPr id="1" name=""/>
-        <p:cNvGrpSpPr/>
-        <p:nvPr/>
-      </p:nvGrpSpPr>
-      <p:grpSpPr>
-        <a:xfrm>
-          <a:off x="0" y="0"/>
-          <a:ext cx="0" cy="0"/>
-          <a:chOff x="0" y="0"/>
-          <a:chExt cx="0" cy="0"/>
-        </a:xfrm>
-      </p:grpSpPr>
-      <p:sp>
-        <p:nvSpPr>
-          <p:cNvPr id="2" name="Titre 1">
-            <a:extLst>
-              <a:ext uri="{FF2B5EF4-FFF2-40B4-BE49-F238E27FC236}">
-                <a16:creationId xmlns:a16="http://schemas.microsoft.com/office/drawing/2014/main" id="{C394E5B6-AD63-4F7B-E838-2B5F5160D0D9}"/>
-              </a:ext>
-            </a:extLst>
-          </p:cNvPr>
-          <p:cNvSpPr>
-            <a:spLocks noGrp="1"/>
-          </p:cNvSpPr>
-          <p:nvPr>
-            <p:ph type="title"/>
-          </p:nvPr>
-        </p:nvSpPr>
-        <p:spPr/>
-        <p:txBody>
-          <a:bodyPr/>
-          <a:lstStyle/>
-          <a:p>
-            <a:r>
-              <a:rPr lang="fr-FR" dirty="0"/>
-              <a:t>Identification de la masse et du Frottement sec</a:t>
-            </a:r>
-          </a:p>
-        </p:txBody>
-      </p:sp>
-      <mc:AlternateContent xmlns:mc="http://schemas.openxmlformats.org/markup-compatibility/2006" xmlns:a14="http://schemas.microsoft.com/office/drawing/2010/main">
-        <mc:Choice Requires="a14">
-          <p:sp>
-            <p:nvSpPr>
-              <p:cNvPr id="3" name="Espace réservé du contenu 2">
-                <a:extLst>
-                  <a:ext uri="{FF2B5EF4-FFF2-40B4-BE49-F238E27FC236}">
-                    <a16:creationId xmlns:a16="http://schemas.microsoft.com/office/drawing/2014/main" id="{557CA942-D8AE-26E1-13CE-00242D950130}"/>
-                  </a:ext>
-                </a:extLst>
-              </p:cNvPr>
-              <p:cNvSpPr>
-                <a:spLocks noGrp="1"/>
-              </p:cNvSpPr>
-              <p:nvPr>
-                <p:ph idx="1"/>
-              </p:nvPr>
-            </p:nvSpPr>
-            <p:spPr>
-              <a:xfrm>
-                <a:off x="117795" y="981887"/>
-                <a:ext cx="5978205" cy="5253339"/>
-              </a:xfrm>
-            </p:spPr>
-            <p:txBody>
-              <a:bodyPr>
-                <a:normAutofit lnSpcReduction="10000"/>
-              </a:bodyPr>
-              <a:lstStyle/>
-              <a:p>
-                <a:r>
-                  <a:rPr lang="fr-FR" dirty="0"/>
-                  <a:t>On cherche le courant mini tel que le bras monte, puis le courant max tel que le bras descende</a:t>
-                </a:r>
-              </a:p>
-              <a:p>
-                <a:pPr lvl="1"/>
-                <a:r>
-                  <a:rPr lang="fr-FR" dirty="0"/>
-                  <a:t>On isole le Bras</a:t>
-                </a:r>
-              </a:p>
-              <a:p>
-                <a:pPr lvl="1"/>
-                <a:r>
-                  <a:rPr lang="fr-FR" b="0" dirty="0"/>
-                  <a:t>BAME : </a:t>
-                </a:r>
-              </a:p>
-              <a:p>
-                <a:pPr lvl="2"/>
-                <a:r>
-                  <a:rPr lang="fr-FR" dirty="0"/>
-                  <a:t>Pesanteur</a:t>
-                </a:r>
-              </a:p>
-              <a:p>
-                <a:pPr lvl="2"/>
-                <a:r>
-                  <a:rPr lang="fr-FR" b="0" dirty="0"/>
-                  <a:t>Force motr</a:t>
-                </a:r>
-                <a:r>
-                  <a:rPr lang="fr-FR" dirty="0"/>
-                  <a:t>ice</a:t>
-                </a:r>
-              </a:p>
-              <a:p>
-                <a:pPr lvl="2"/>
-                <a:r>
-                  <a:rPr lang="fr-FR" b="0" dirty="0"/>
-                  <a:t>Force de frott</a:t>
-                </a:r>
-                <a:r>
-                  <a:rPr lang="fr-FR" dirty="0"/>
-                  <a:t>ement</a:t>
-                </a:r>
-              </a:p>
-              <a:p>
-                <a:pPr lvl="1"/>
-                <a:r>
-                  <a:rPr lang="fr-FR" b="0" dirty="0"/>
-                  <a:t>A</a:t>
-                </a:r>
-                <a:r>
-                  <a:rPr lang="fr-FR" dirty="0"/>
-                  <a:t>pplication du TRS sur </a:t>
-                </a:r>
-                <a14:m>
-                  <m:oMath xmlns:m="http://schemas.openxmlformats.org/officeDocument/2006/math">
-                    <m:acc>
-                      <m:accPr>
-                        <m:chr m:val="⃗"/>
-                        <m:ctrlPr>
-                          <a:rPr lang="fr-FR" i="1" smtClean="0">
-                            <a:latin typeface="Cambria Math" panose="02040503050406030204" pitchFamily="18" charset="0"/>
-                          </a:rPr>
-                        </m:ctrlPr>
-                      </m:accPr>
-                      <m:e>
-                        <m:r>
-                          <a:rPr lang="fr-FR" b="0" i="1" smtClean="0">
-                            <a:latin typeface="Cambria Math" panose="02040503050406030204" pitchFamily="18" charset="0"/>
-                          </a:rPr>
-                          <m:t>𝑧</m:t>
-                        </m:r>
-                      </m:e>
-                    </m:acc>
-                  </m:oMath>
-                </a14:m>
-                <a:endParaRPr lang="fr-FR" b="0" dirty="0"/>
-              </a:p>
-              <a:p>
-                <a:pPr lvl="2"/>
-                <a:r>
-                  <a:rPr lang="fr-FR" b="0" dirty="0"/>
-                  <a:t>Vers le </a:t>
-                </a:r>
-                <a:r>
-                  <a:rPr lang="fr-FR" dirty="0"/>
-                  <a:t>haut : </a:t>
-                </a:r>
-              </a:p>
-              <a:p>
-                <a:pPr lvl="3"/>
-                <a14:m>
-                  <m:oMath xmlns:m="http://schemas.openxmlformats.org/officeDocument/2006/math">
-                    <m:sSub>
-                      <m:sSubPr>
-                        <m:ctrlPr>
-                          <a:rPr lang="fr-FR" b="0" i="1" smtClean="0">
-                            <a:latin typeface="Cambria Math" panose="02040503050406030204" pitchFamily="18" charset="0"/>
-                          </a:rPr>
-                        </m:ctrlPr>
-                      </m:sSubPr>
-                      <m:e>
-                        <m:r>
-                          <a:rPr lang="fr-FR" b="0" i="1" smtClean="0">
-                            <a:latin typeface="Cambria Math" panose="02040503050406030204" pitchFamily="18" charset="0"/>
-                          </a:rPr>
-                          <m:t>𝐹</m:t>
-                        </m:r>
-                      </m:e>
-                      <m:sub>
-                        <m:r>
-                          <a:rPr lang="fr-FR" b="0" i="1" smtClean="0">
-                            <a:latin typeface="Cambria Math" panose="02040503050406030204" pitchFamily="18" charset="0"/>
-                          </a:rPr>
-                          <m:t>𝑚h</m:t>
-                        </m:r>
-                      </m:sub>
-                    </m:sSub>
-                    <m:r>
-                      <a:rPr lang="fr-FR" b="0" i="1" smtClean="0">
-                        <a:latin typeface="Cambria Math" panose="02040503050406030204" pitchFamily="18" charset="0"/>
-                      </a:rPr>
-                      <m:t>−</m:t>
-                    </m:r>
-                    <m:sSub>
-                      <m:sSubPr>
-                        <m:ctrlPr>
-                          <a:rPr lang="fr-FR" b="0" i="1" smtClean="0">
-                            <a:latin typeface="Cambria Math" panose="02040503050406030204" pitchFamily="18" charset="0"/>
-                          </a:rPr>
-                        </m:ctrlPr>
-                      </m:sSubPr>
-                      <m:e>
-                        <m:r>
-                          <a:rPr lang="fr-FR" b="0" i="1" smtClean="0">
-                            <a:latin typeface="Cambria Math" panose="02040503050406030204" pitchFamily="18" charset="0"/>
-                          </a:rPr>
-                          <m:t>𝐹</m:t>
-                        </m:r>
-                      </m:e>
-                      <m:sub>
-                        <m:r>
-                          <a:rPr lang="fr-FR" b="0" i="1" smtClean="0">
-                            <a:latin typeface="Cambria Math" panose="02040503050406030204" pitchFamily="18" charset="0"/>
-                          </a:rPr>
-                          <m:t>𝑟</m:t>
-                        </m:r>
-                      </m:sub>
-                    </m:sSub>
-                    <m:r>
-                      <a:rPr lang="fr-FR" b="0" i="1" smtClean="0">
-                        <a:latin typeface="Cambria Math" panose="02040503050406030204" pitchFamily="18" charset="0"/>
-                      </a:rPr>
-                      <m:t>−</m:t>
-                    </m:r>
-                    <m:r>
-                      <a:rPr lang="fr-FR" b="0" i="1" smtClean="0">
-                        <a:latin typeface="Cambria Math" panose="02040503050406030204" pitchFamily="18" charset="0"/>
-                      </a:rPr>
-                      <m:t>𝑀𝑔</m:t>
-                    </m:r>
-                    <m:r>
-                      <a:rPr lang="fr-FR" b="0" i="1" smtClean="0">
-                        <a:latin typeface="Cambria Math" panose="02040503050406030204" pitchFamily="18" charset="0"/>
-                      </a:rPr>
-                      <m:t>=0</m:t>
-                    </m:r>
-                  </m:oMath>
-                </a14:m>
-                <a:endParaRPr lang="fr-FR" dirty="0"/>
-              </a:p>
-              <a:p>
-                <a:pPr lvl="2"/>
-                <a:r>
-                  <a:rPr lang="fr-FR" b="0" dirty="0"/>
-                  <a:t>Vers le </a:t>
-                </a:r>
-                <a:r>
-                  <a:rPr lang="fr-FR" dirty="0"/>
-                  <a:t>bas (couple positif mais pas suffisant pour vaincre le poids): </a:t>
-                </a:r>
-                <a14:m>
-                  <m:oMath xmlns:m="http://schemas.openxmlformats.org/officeDocument/2006/math">
-                    <m:sSub>
-                      <m:sSubPr>
-                        <m:ctrlPr>
-                          <a:rPr lang="fr-FR" b="0" i="1" smtClean="0">
-                            <a:latin typeface="Cambria Math" panose="02040503050406030204" pitchFamily="18" charset="0"/>
-                          </a:rPr>
-                        </m:ctrlPr>
-                      </m:sSubPr>
-                      <m:e>
-                        <m:r>
-                          <a:rPr lang="fr-FR" b="0" i="1" smtClean="0">
-                            <a:latin typeface="Cambria Math" panose="02040503050406030204" pitchFamily="18" charset="0"/>
-                          </a:rPr>
-                          <m:t>𝐹</m:t>
-                        </m:r>
-                      </m:e>
-                      <m:sub>
-                        <m:r>
-                          <a:rPr lang="fr-FR" b="0" i="1" smtClean="0">
-                            <a:latin typeface="Cambria Math" panose="02040503050406030204" pitchFamily="18" charset="0"/>
-                          </a:rPr>
-                          <m:t>𝑚𝑏</m:t>
-                        </m:r>
-                      </m:sub>
-                    </m:sSub>
-                    <m:r>
-                      <a:rPr lang="fr-FR" b="0" i="1" smtClean="0">
-                        <a:latin typeface="Cambria Math" panose="02040503050406030204" pitchFamily="18" charset="0"/>
-                      </a:rPr>
-                      <m:t>+</m:t>
-                    </m:r>
-                    <m:sSub>
-                      <m:sSubPr>
-                        <m:ctrlPr>
-                          <a:rPr lang="fr-FR" b="0" i="1" smtClean="0">
-                            <a:latin typeface="Cambria Math" panose="02040503050406030204" pitchFamily="18" charset="0"/>
-                          </a:rPr>
-                        </m:ctrlPr>
-                      </m:sSubPr>
-                      <m:e>
-                        <m:r>
-                          <a:rPr lang="fr-FR" b="0" i="1" smtClean="0">
-                            <a:latin typeface="Cambria Math" panose="02040503050406030204" pitchFamily="18" charset="0"/>
-                          </a:rPr>
-                          <m:t>𝐹</m:t>
-                        </m:r>
-                      </m:e>
-                      <m:sub>
-                        <m:r>
-                          <a:rPr lang="fr-FR" b="0" i="1" smtClean="0">
-                            <a:latin typeface="Cambria Math" panose="02040503050406030204" pitchFamily="18" charset="0"/>
-                          </a:rPr>
-                          <m:t>𝑟</m:t>
-                        </m:r>
-                      </m:sub>
-                    </m:sSub>
-                    <m:r>
-                      <a:rPr lang="fr-FR" b="0" i="1" smtClean="0">
-                        <a:latin typeface="Cambria Math" panose="02040503050406030204" pitchFamily="18" charset="0"/>
-                      </a:rPr>
-                      <m:t>−</m:t>
-                    </m:r>
-                    <m:r>
-                      <a:rPr lang="fr-FR" b="0" i="1" smtClean="0">
-                        <a:latin typeface="Cambria Math" panose="02040503050406030204" pitchFamily="18" charset="0"/>
-                      </a:rPr>
-                      <m:t>𝑀𝑔</m:t>
-                    </m:r>
-                    <m:r>
-                      <a:rPr lang="fr-FR" b="0" i="1" smtClean="0">
-                        <a:latin typeface="Cambria Math" panose="02040503050406030204" pitchFamily="18" charset="0"/>
-                      </a:rPr>
-                      <m:t>=0</m:t>
-                    </m:r>
-                  </m:oMath>
-                </a14:m>
-                <a:endParaRPr lang="fr-FR" dirty="0"/>
-              </a:p>
-              <a:p>
-                <a:pPr lvl="3"/>
-                <a14:m>
-                  <m:oMath xmlns:m="http://schemas.openxmlformats.org/officeDocument/2006/math">
-                    <m:sSub>
-                      <m:sSubPr>
-                        <m:ctrlPr>
-                          <a:rPr lang="fr-FR" b="0" i="1" smtClean="0">
-                            <a:latin typeface="Cambria Math" panose="02040503050406030204" pitchFamily="18" charset="0"/>
-                          </a:rPr>
-                        </m:ctrlPr>
-                      </m:sSubPr>
-                      <m:e>
-                        <m:r>
-                          <a:rPr lang="fr-FR" b="0" i="1" smtClean="0">
-                            <a:latin typeface="Cambria Math" panose="02040503050406030204" pitchFamily="18" charset="0"/>
-                          </a:rPr>
-                          <m:t>𝐹</m:t>
-                        </m:r>
-                      </m:e>
-                      <m:sub>
-                        <m:r>
-                          <a:rPr lang="fr-FR" b="0" i="1" smtClean="0">
-                            <a:latin typeface="Cambria Math" panose="02040503050406030204" pitchFamily="18" charset="0"/>
-                          </a:rPr>
-                          <m:t>𝑚h</m:t>
-                        </m:r>
-                      </m:sub>
-                    </m:sSub>
-                    <m:r>
-                      <a:rPr lang="fr-FR" b="0" i="1" smtClean="0">
-                        <a:latin typeface="Cambria Math" panose="02040503050406030204" pitchFamily="18" charset="0"/>
-                      </a:rPr>
-                      <m:t>+</m:t>
-                    </m:r>
-                    <m:sSub>
-                      <m:sSubPr>
-                        <m:ctrlPr>
-                          <a:rPr lang="fr-FR" b="0" i="1" smtClean="0">
-                            <a:latin typeface="Cambria Math" panose="02040503050406030204" pitchFamily="18" charset="0"/>
-                          </a:rPr>
-                        </m:ctrlPr>
-                      </m:sSubPr>
-                      <m:e>
-                        <m:r>
-                          <a:rPr lang="fr-FR" b="0" i="1" smtClean="0">
-                            <a:latin typeface="Cambria Math" panose="02040503050406030204" pitchFamily="18" charset="0"/>
-                          </a:rPr>
-                          <m:t>𝐹</m:t>
-                        </m:r>
-                      </m:e>
-                      <m:sub>
-                        <m:r>
-                          <a:rPr lang="fr-FR" b="0" i="1" smtClean="0">
-                            <a:latin typeface="Cambria Math" panose="02040503050406030204" pitchFamily="18" charset="0"/>
-                          </a:rPr>
-                          <m:t>𝑚𝑏</m:t>
-                        </m:r>
-                      </m:sub>
-                    </m:sSub>
-                    <m:r>
-                      <a:rPr lang="fr-FR" b="0" i="1" smtClean="0">
-                        <a:latin typeface="Cambria Math" panose="02040503050406030204" pitchFamily="18" charset="0"/>
-                      </a:rPr>
-                      <m:t>=2</m:t>
-                    </m:r>
-                    <m:r>
-                      <a:rPr lang="fr-FR" b="0" i="1" smtClean="0">
-                        <a:latin typeface="Cambria Math" panose="02040503050406030204" pitchFamily="18" charset="0"/>
-                      </a:rPr>
-                      <m:t>𝑀𝑔</m:t>
-                    </m:r>
-                    <m:r>
-                      <a:rPr lang="fr-FR" b="0" i="1" smtClean="0">
-                        <a:latin typeface="Cambria Math" panose="02040503050406030204" pitchFamily="18" charset="0"/>
-                      </a:rPr>
-                      <m:t>⇒</m:t>
-                    </m:r>
-                    <m:r>
-                      <a:rPr lang="fr-FR" b="0" i="1" smtClean="0">
-                        <a:latin typeface="Cambria Math" panose="02040503050406030204" pitchFamily="18" charset="0"/>
-                      </a:rPr>
-                      <m:t>𝑀</m:t>
-                    </m:r>
-                    <m:r>
-                      <a:rPr lang="fr-FR" b="0" i="1" smtClean="0">
-                        <a:latin typeface="Cambria Math" panose="02040503050406030204" pitchFamily="18" charset="0"/>
-                      </a:rPr>
-                      <m:t>=</m:t>
-                    </m:r>
-                    <m:f>
-                      <m:fPr>
-                        <m:ctrlPr>
-                          <a:rPr lang="fr-FR" b="0" i="1" smtClean="0">
-                            <a:latin typeface="Cambria Math" panose="02040503050406030204" pitchFamily="18" charset="0"/>
-                          </a:rPr>
-                        </m:ctrlPr>
-                      </m:fPr>
-                      <m:num>
-                        <m:sSub>
-                          <m:sSubPr>
-                            <m:ctrlPr>
-                              <a:rPr lang="fr-FR" i="1">
-                                <a:latin typeface="Cambria Math" panose="02040503050406030204" pitchFamily="18" charset="0"/>
-                              </a:rPr>
-                            </m:ctrlPr>
-                          </m:sSubPr>
-                          <m:e>
-                            <m:r>
-                              <a:rPr lang="fr-FR" i="1">
-                                <a:latin typeface="Cambria Math" panose="02040503050406030204" pitchFamily="18" charset="0"/>
-                              </a:rPr>
-                              <m:t>𝐹</m:t>
-                            </m:r>
-                          </m:e>
-                          <m:sub>
-                            <m:r>
-                              <a:rPr lang="fr-FR" i="1">
-                                <a:latin typeface="Cambria Math" panose="02040503050406030204" pitchFamily="18" charset="0"/>
-                              </a:rPr>
-                              <m:t>𝑚h</m:t>
-                            </m:r>
-                          </m:sub>
-                        </m:sSub>
-                        <m:r>
-                          <a:rPr lang="fr-FR" i="1">
-                            <a:latin typeface="Cambria Math" panose="02040503050406030204" pitchFamily="18" charset="0"/>
-                          </a:rPr>
-                          <m:t>+</m:t>
-                        </m:r>
-                        <m:sSub>
-                          <m:sSubPr>
-                            <m:ctrlPr>
-                              <a:rPr lang="fr-FR" i="1">
-                                <a:latin typeface="Cambria Math" panose="02040503050406030204" pitchFamily="18" charset="0"/>
-                              </a:rPr>
-                            </m:ctrlPr>
-                          </m:sSubPr>
-                          <m:e>
-                            <m:r>
-                              <a:rPr lang="fr-FR" i="1">
-                                <a:latin typeface="Cambria Math" panose="02040503050406030204" pitchFamily="18" charset="0"/>
-                              </a:rPr>
-                              <m:t>𝐹</m:t>
-                            </m:r>
-                          </m:e>
-                          <m:sub>
-                            <m:r>
-                              <a:rPr lang="fr-FR" i="1">
-                                <a:latin typeface="Cambria Math" panose="02040503050406030204" pitchFamily="18" charset="0"/>
-                              </a:rPr>
-                              <m:t>𝑚𝑏</m:t>
-                            </m:r>
-                          </m:sub>
-                        </m:sSub>
-                      </m:num>
-                      <m:den>
-                        <m:r>
-                          <a:rPr lang="fr-FR" b="0" i="1" smtClean="0">
-                            <a:latin typeface="Cambria Math" panose="02040503050406030204" pitchFamily="18" charset="0"/>
-                          </a:rPr>
-                          <m:t>2</m:t>
-                        </m:r>
-                        <m:r>
-                          <a:rPr lang="fr-FR" b="0" i="1" smtClean="0">
-                            <a:latin typeface="Cambria Math" panose="02040503050406030204" pitchFamily="18" charset="0"/>
-                          </a:rPr>
-                          <m:t>𝑔</m:t>
-                        </m:r>
-                      </m:den>
-                    </m:f>
-                  </m:oMath>
-                </a14:m>
-                <a:endParaRPr lang="fr-FR" b="0" dirty="0"/>
-              </a:p>
-              <a:p>
-                <a:pPr lvl="3"/>
-                <a14:m>
-                  <m:oMath xmlns:m="http://schemas.openxmlformats.org/officeDocument/2006/math">
-                    <m:sSub>
-                      <m:sSubPr>
-                        <m:ctrlPr>
-                          <a:rPr lang="fr-FR" b="0" i="1" smtClean="0">
-                            <a:latin typeface="Cambria Math" panose="02040503050406030204" pitchFamily="18" charset="0"/>
-                          </a:rPr>
-                        </m:ctrlPr>
-                      </m:sSubPr>
-                      <m:e>
-                        <m:r>
-                          <a:rPr lang="fr-FR" b="0" i="1" smtClean="0">
-                            <a:latin typeface="Cambria Math" panose="02040503050406030204" pitchFamily="18" charset="0"/>
-                          </a:rPr>
-                          <m:t>𝐹</m:t>
-                        </m:r>
-                      </m:e>
-                      <m:sub>
-                        <m:r>
-                          <a:rPr lang="fr-FR" b="0" i="1" smtClean="0">
-                            <a:latin typeface="Cambria Math" panose="02040503050406030204" pitchFamily="18" charset="0"/>
-                          </a:rPr>
-                          <m:t>𝑚h</m:t>
-                        </m:r>
-                      </m:sub>
-                    </m:sSub>
-                    <m:r>
-                      <a:rPr lang="fr-FR" b="0" i="1" smtClean="0">
-                        <a:latin typeface="Cambria Math" panose="02040503050406030204" pitchFamily="18" charset="0"/>
-                      </a:rPr>
-                      <m:t>−</m:t>
-                    </m:r>
-                    <m:sSub>
-                      <m:sSubPr>
-                        <m:ctrlPr>
-                          <a:rPr lang="fr-FR" b="0" i="1" smtClean="0">
-                            <a:latin typeface="Cambria Math" panose="02040503050406030204" pitchFamily="18" charset="0"/>
-                          </a:rPr>
-                        </m:ctrlPr>
-                      </m:sSubPr>
-                      <m:e>
-                        <m:r>
-                          <a:rPr lang="fr-FR" b="0" i="1" smtClean="0">
-                            <a:latin typeface="Cambria Math" panose="02040503050406030204" pitchFamily="18" charset="0"/>
-                          </a:rPr>
-                          <m:t>𝐹</m:t>
-                        </m:r>
-                      </m:e>
-                      <m:sub>
-                        <m:r>
-                          <a:rPr lang="fr-FR" b="0" i="1" smtClean="0">
-                            <a:latin typeface="Cambria Math" panose="02040503050406030204" pitchFamily="18" charset="0"/>
-                          </a:rPr>
-                          <m:t>𝑚𝑏</m:t>
-                        </m:r>
-                      </m:sub>
-                    </m:sSub>
-                    <m:r>
-                      <a:rPr lang="fr-FR" b="0" i="1" smtClean="0">
-                        <a:latin typeface="Cambria Math" panose="02040503050406030204" pitchFamily="18" charset="0"/>
-                      </a:rPr>
-                      <m:t>−2</m:t>
-                    </m:r>
-                    <m:sSub>
-                      <m:sSubPr>
-                        <m:ctrlPr>
-                          <a:rPr lang="fr-FR" b="0" i="1" smtClean="0">
-                            <a:latin typeface="Cambria Math" panose="02040503050406030204" pitchFamily="18" charset="0"/>
-                          </a:rPr>
-                        </m:ctrlPr>
-                      </m:sSubPr>
-                      <m:e>
-                        <m:r>
-                          <a:rPr lang="fr-FR" b="0" i="1" smtClean="0">
-                            <a:latin typeface="Cambria Math" panose="02040503050406030204" pitchFamily="18" charset="0"/>
-                          </a:rPr>
-                          <m:t>𝐹</m:t>
-                        </m:r>
-                      </m:e>
-                      <m:sub>
-                        <m:r>
-                          <a:rPr lang="fr-FR" b="0" i="1" smtClean="0">
-                            <a:latin typeface="Cambria Math" panose="02040503050406030204" pitchFamily="18" charset="0"/>
-                          </a:rPr>
-                          <m:t>𝑟</m:t>
-                        </m:r>
-                      </m:sub>
-                    </m:sSub>
-                    <m:r>
-                      <a:rPr lang="fr-FR" b="0" i="1" smtClean="0">
-                        <a:latin typeface="Cambria Math" panose="02040503050406030204" pitchFamily="18" charset="0"/>
-                      </a:rPr>
-                      <m:t>=0⇒</m:t>
-                    </m:r>
-                    <m:sSub>
-                      <m:sSubPr>
-                        <m:ctrlPr>
-                          <a:rPr lang="fr-FR" i="1">
-                            <a:latin typeface="Cambria Math" panose="02040503050406030204" pitchFamily="18" charset="0"/>
-                          </a:rPr>
-                        </m:ctrlPr>
-                      </m:sSubPr>
-                      <m:e>
-                        <m:r>
-                          <a:rPr lang="fr-FR" i="1">
-                            <a:latin typeface="Cambria Math" panose="02040503050406030204" pitchFamily="18" charset="0"/>
-                          </a:rPr>
-                          <m:t>𝐹</m:t>
-                        </m:r>
-                      </m:e>
-                      <m:sub>
-                        <m:r>
-                          <a:rPr lang="fr-FR" i="1">
-                            <a:latin typeface="Cambria Math" panose="02040503050406030204" pitchFamily="18" charset="0"/>
-                          </a:rPr>
-                          <m:t>𝑟</m:t>
-                        </m:r>
-                      </m:sub>
-                    </m:sSub>
-                    <m:r>
-                      <a:rPr lang="fr-FR" b="0" i="1" smtClean="0">
-                        <a:latin typeface="Cambria Math" panose="02040503050406030204" pitchFamily="18" charset="0"/>
-                      </a:rPr>
-                      <m:t>=</m:t>
-                    </m:r>
-                    <m:f>
-                      <m:fPr>
-                        <m:ctrlPr>
-                          <a:rPr lang="fr-FR" b="0" i="1" smtClean="0">
-                            <a:latin typeface="Cambria Math" panose="02040503050406030204" pitchFamily="18" charset="0"/>
-                          </a:rPr>
-                        </m:ctrlPr>
-                      </m:fPr>
-                      <m:num>
-                        <m:sSub>
-                          <m:sSubPr>
-                            <m:ctrlPr>
-                              <a:rPr lang="fr-FR" i="1">
-                                <a:latin typeface="Cambria Math" panose="02040503050406030204" pitchFamily="18" charset="0"/>
-                              </a:rPr>
-                            </m:ctrlPr>
-                          </m:sSubPr>
-                          <m:e>
-                            <m:r>
-                              <a:rPr lang="fr-FR" i="1">
-                                <a:latin typeface="Cambria Math" panose="02040503050406030204" pitchFamily="18" charset="0"/>
-                              </a:rPr>
-                              <m:t>𝐹</m:t>
-                            </m:r>
-                          </m:e>
-                          <m:sub>
-                            <m:r>
-                              <a:rPr lang="fr-FR" i="1">
-                                <a:latin typeface="Cambria Math" panose="02040503050406030204" pitchFamily="18" charset="0"/>
-                              </a:rPr>
-                              <m:t>𝑚h</m:t>
-                            </m:r>
-                          </m:sub>
-                        </m:sSub>
-                        <m:r>
-                          <a:rPr lang="fr-FR" i="1">
-                            <a:latin typeface="Cambria Math" panose="02040503050406030204" pitchFamily="18" charset="0"/>
-                          </a:rPr>
-                          <m:t>−</m:t>
-                        </m:r>
-                        <m:sSub>
-                          <m:sSubPr>
-                            <m:ctrlPr>
-                              <a:rPr lang="fr-FR" i="1">
-                                <a:latin typeface="Cambria Math" panose="02040503050406030204" pitchFamily="18" charset="0"/>
-                              </a:rPr>
-                            </m:ctrlPr>
-                          </m:sSubPr>
-                          <m:e>
-                            <m:r>
-                              <a:rPr lang="fr-FR" i="1">
-                                <a:latin typeface="Cambria Math" panose="02040503050406030204" pitchFamily="18" charset="0"/>
-                              </a:rPr>
-                              <m:t>𝐹</m:t>
-                            </m:r>
-                          </m:e>
-                          <m:sub>
-                            <m:r>
-                              <a:rPr lang="fr-FR" i="1">
-                                <a:latin typeface="Cambria Math" panose="02040503050406030204" pitchFamily="18" charset="0"/>
-                              </a:rPr>
-                              <m:t>𝑚𝑏</m:t>
-                            </m:r>
-                          </m:sub>
-                        </m:sSub>
-                      </m:num>
-                      <m:den>
-                        <m:r>
-                          <a:rPr lang="fr-FR" b="0" i="1" smtClean="0">
-                            <a:latin typeface="Cambria Math" panose="02040503050406030204" pitchFamily="18" charset="0"/>
-                          </a:rPr>
-                          <m:t>2</m:t>
-                        </m:r>
-                      </m:den>
-                    </m:f>
-                  </m:oMath>
-                </a14:m>
-                <a:endParaRPr lang="fr-FR" dirty="0"/>
-              </a:p>
-            </p:txBody>
-          </p:sp>
-        </mc:Choice>
-        <mc:Fallback xmlns="">
-          <p:sp>
-            <p:nvSpPr>
-              <p:cNvPr id="3" name="Espace réservé du contenu 2">
-                <a:extLst>
-                  <a:ext uri="{FF2B5EF4-FFF2-40B4-BE49-F238E27FC236}">
-                    <a16:creationId xmlns:a16="http://schemas.microsoft.com/office/drawing/2014/main" id="{557CA942-D8AE-26E1-13CE-00242D950130}"/>
-                  </a:ext>
-                </a:extLst>
-              </p:cNvPr>
-              <p:cNvSpPr>
-                <a:spLocks noGrp="1" noRot="1" noChangeAspect="1" noMove="1" noResize="1" noEditPoints="1" noAdjustHandles="1" noChangeArrowheads="1" noChangeShapeType="1" noTextEdit="1"/>
-              </p:cNvSpPr>
-              <p:nvPr>
-                <p:ph idx="1"/>
-              </p:nvPr>
-            </p:nvSpPr>
-            <p:spPr>
-              <a:xfrm>
-                <a:off x="117795" y="981887"/>
-                <a:ext cx="5978205" cy="5253339"/>
-              </a:xfrm>
-              <a:blipFill>
-                <a:blip r:embed="rId2"/>
-                <a:stretch>
-                  <a:fillRect l="-2650" t="-2552" r="-2243"/>
-                </a:stretch>
-              </a:blipFill>
-            </p:spPr>
-            <p:txBody>
-              <a:bodyPr/>
-              <a:lstStyle/>
-              <a:p>
-                <a:r>
-                  <a:rPr lang="fr-FR">
-                    <a:noFill/>
-                  </a:rPr>
-                  <a:t> </a:t>
-                </a:r>
-              </a:p>
-            </p:txBody>
-          </p:sp>
-        </mc:Fallback>
-      </mc:AlternateContent>
-      <mc:AlternateContent xmlns:mc="http://schemas.openxmlformats.org/markup-compatibility/2006" xmlns:a14="http://schemas.microsoft.com/office/drawing/2010/main">
-        <mc:Choice Requires="a14">
-          <p:sp>
-            <p:nvSpPr>
-              <p:cNvPr id="4" name="Espace réservé du contenu 2">
-                <a:extLst>
-                  <a:ext uri="{FF2B5EF4-FFF2-40B4-BE49-F238E27FC236}">
-                    <a16:creationId xmlns:a16="http://schemas.microsoft.com/office/drawing/2014/main" id="{B16EF985-D429-6792-BACB-7B40507E47C4}"/>
-                  </a:ext>
-                </a:extLst>
-              </p:cNvPr>
-              <p:cNvSpPr txBox="1">
-                <a:spLocks/>
-              </p:cNvSpPr>
-              <p:nvPr/>
-            </p:nvSpPr>
-            <p:spPr>
-              <a:xfrm>
-                <a:off x="6096000" y="981886"/>
-                <a:ext cx="5978205" cy="5253339"/>
-              </a:xfrm>
-              <a:prstGeom prst="rect">
-                <a:avLst/>
-              </a:prstGeom>
-            </p:spPr>
-            <p:txBody>
-              <a:bodyPr vert="horz" lIns="0" tIns="45720" rIns="0" bIns="45720" rtlCol="0">
-                <a:normAutofit/>
-              </a:bodyPr>
-              <a:lstStyle>
-                <a:lvl1pPr marL="271463" indent="-269875" algn="l" defTabSz="914400" rtl="0" eaLnBrk="1" latinLnBrk="0" hangingPunct="1">
-                  <a:lnSpc>
-                    <a:spcPct val="90000"/>
-                  </a:lnSpc>
-                  <a:spcBef>
-                    <a:spcPts val="1200"/>
-                  </a:spcBef>
-                  <a:spcAft>
-                    <a:spcPts val="200"/>
-                  </a:spcAft>
-                  <a:buClr>
-                    <a:schemeClr val="tx2"/>
-                  </a:buClr>
-                  <a:buSzPct val="80000"/>
-                  <a:buFont typeface="Wingdings" panose="05000000000000000000" pitchFamily="2" charset="2"/>
-                  <a:buChar char="q"/>
-                  <a:defRPr lang="fr-FR" sz="2800" kern="1200">
-                    <a:solidFill>
-                      <a:schemeClr val="tx1">
-                        <a:lumMod val="75000"/>
-                        <a:lumOff val="25000"/>
-                      </a:schemeClr>
-                    </a:solidFill>
-                    <a:latin typeface="+mn-lt"/>
-                    <a:ea typeface="+mn-ea"/>
-                    <a:cs typeface="+mn-cs"/>
-                  </a:defRPr>
-                </a:lvl1pPr>
-                <a:lvl2pPr marL="449263" indent="-249238" algn="l" defTabSz="914400" rtl="0" eaLnBrk="1" latinLnBrk="0" hangingPunct="1">
-                  <a:lnSpc>
-                    <a:spcPct val="90000"/>
-                  </a:lnSpc>
-                  <a:spcBef>
-                    <a:spcPts val="200"/>
-                  </a:spcBef>
-                  <a:spcAft>
-                    <a:spcPts val="400"/>
-                  </a:spcAft>
-                  <a:buClr>
-                    <a:schemeClr val="accent1"/>
-                  </a:buClr>
-                  <a:buSzPct val="80000"/>
-                  <a:buFont typeface="Wingdings" panose="05000000000000000000" pitchFamily="2" charset="2"/>
-                  <a:buChar char="q"/>
-                  <a:defRPr lang="fr-FR" sz="2400" kern="1200">
-                    <a:solidFill>
-                      <a:schemeClr val="tx1">
-                        <a:lumMod val="75000"/>
-                        <a:lumOff val="25000"/>
-                      </a:schemeClr>
-                    </a:solidFill>
-                    <a:latin typeface="+mn-lt"/>
-                    <a:ea typeface="+mn-ea"/>
-                    <a:cs typeface="+mn-cs"/>
-                  </a:defRPr>
-                </a:lvl2pPr>
-                <a:lvl3pPr marL="627063" indent="-242888" algn="l" defTabSz="914400" rtl="0" eaLnBrk="1" latinLnBrk="0" hangingPunct="1">
-                  <a:lnSpc>
-                    <a:spcPct val="90000"/>
-                  </a:lnSpc>
-                  <a:spcBef>
-                    <a:spcPts val="200"/>
-                  </a:spcBef>
-                  <a:spcAft>
-                    <a:spcPts val="400"/>
-                  </a:spcAft>
-                  <a:buClr>
-                    <a:schemeClr val="accent2"/>
-                  </a:buClr>
-                  <a:buSzPct val="80000"/>
-                  <a:buFont typeface="Wingdings" panose="05000000000000000000" pitchFamily="2" charset="2"/>
-                  <a:buChar char="q"/>
-                  <a:defRPr lang="fr-FR" sz="1800" kern="1200">
-                    <a:solidFill>
-                      <a:schemeClr val="tx1">
-                        <a:lumMod val="75000"/>
-                        <a:lumOff val="25000"/>
-                      </a:schemeClr>
-                    </a:solidFill>
-                    <a:latin typeface="+mn-lt"/>
-                    <a:ea typeface="+mn-ea"/>
-                    <a:cs typeface="+mn-cs"/>
-                  </a:defRPr>
-                </a:lvl3pPr>
-                <a:lvl4pPr marL="804863" indent="-238125" algn="l" defTabSz="914400" rtl="0" eaLnBrk="1" latinLnBrk="0" hangingPunct="1">
-                  <a:lnSpc>
-                    <a:spcPct val="90000"/>
-                  </a:lnSpc>
-                  <a:spcBef>
-                    <a:spcPts val="200"/>
-                  </a:spcBef>
-                  <a:spcAft>
-                    <a:spcPts val="400"/>
-                  </a:spcAft>
-                  <a:buClr>
-                    <a:schemeClr val="accent3"/>
-                  </a:buClr>
-                  <a:buSzPct val="80000"/>
-                  <a:buFont typeface="Wingdings" panose="05000000000000000000" pitchFamily="2" charset="2"/>
-                  <a:buChar char="q"/>
-                  <a:defRPr lang="fr-FR" sz="1800" kern="1200">
-                    <a:solidFill>
-                      <a:schemeClr val="tx1">
-                        <a:lumMod val="75000"/>
-                        <a:lumOff val="25000"/>
-                      </a:schemeClr>
-                    </a:solidFill>
-                    <a:latin typeface="+mn-lt"/>
-                    <a:ea typeface="+mn-ea"/>
-                    <a:cs typeface="+mn-cs"/>
-                  </a:defRPr>
-                </a:lvl4pPr>
-                <a:lvl5pPr marL="982663" indent="-233363" algn="l" defTabSz="914400" rtl="0" eaLnBrk="1" latinLnBrk="0" hangingPunct="1">
-                  <a:lnSpc>
-                    <a:spcPct val="90000"/>
-                  </a:lnSpc>
-                  <a:spcBef>
-                    <a:spcPts val="200"/>
-                  </a:spcBef>
-                  <a:spcAft>
-                    <a:spcPts val="400"/>
-                  </a:spcAft>
-                  <a:buClr>
-                    <a:schemeClr val="accent4"/>
-                  </a:buClr>
-                  <a:buSzPct val="80000"/>
-                  <a:buFont typeface="Wingdings" panose="05000000000000000000" pitchFamily="2" charset="2"/>
-                  <a:buChar char="q"/>
-                  <a:defRPr lang="en-US" sz="1800" kern="1200">
-                    <a:solidFill>
-                      <a:schemeClr val="tx1">
-                        <a:lumMod val="75000"/>
-                        <a:lumOff val="25000"/>
-                      </a:schemeClr>
-                    </a:solidFill>
-                    <a:latin typeface="+mn-lt"/>
-                    <a:ea typeface="+mn-ea"/>
-                    <a:cs typeface="+mn-cs"/>
-                  </a:defRPr>
-                </a:lvl5pPr>
-                <a:lvl6pPr marL="1100000" indent="-228600" algn="l" defTabSz="914400" rtl="0" eaLnBrk="1" latinLnBrk="0" hangingPunct="1">
-                  <a:lnSpc>
-                    <a:spcPct val="90000"/>
-                  </a:lnSpc>
-                  <a:spcBef>
-                    <a:spcPts val="200"/>
-                  </a:spcBef>
-                  <a:spcAft>
-                    <a:spcPts val="400"/>
-                  </a:spcAft>
-                  <a:buClr>
-                    <a:schemeClr val="accent1"/>
-                  </a:buClr>
-                  <a:buFont typeface="Calibri" pitchFamily="34" charset="0"/>
-                  <a:buChar char="◦"/>
-                  <a:defRPr sz="1400" kern="1200">
-                    <a:solidFill>
-                      <a:schemeClr val="tx1">
-                        <a:lumMod val="75000"/>
-                        <a:lumOff val="25000"/>
-                      </a:schemeClr>
-                    </a:solidFill>
-                    <a:latin typeface="+mn-lt"/>
-                    <a:ea typeface="+mn-ea"/>
-                    <a:cs typeface="+mn-cs"/>
-                  </a:defRPr>
-                </a:lvl6pPr>
-                <a:lvl7pPr marL="1300000" indent="-228600" algn="l" defTabSz="914400" rtl="0" eaLnBrk="1" latinLnBrk="0" hangingPunct="1">
-                  <a:lnSpc>
-                    <a:spcPct val="90000"/>
-                  </a:lnSpc>
-                  <a:spcBef>
-                    <a:spcPts val="200"/>
-                  </a:spcBef>
-                  <a:spcAft>
-                    <a:spcPts val="400"/>
-                  </a:spcAft>
-                  <a:buClr>
-                    <a:schemeClr val="accent1"/>
-                  </a:buClr>
-                  <a:buFont typeface="Calibri" pitchFamily="34" charset="0"/>
-                  <a:buChar char="◦"/>
-                  <a:defRPr sz="1400" kern="1200">
-                    <a:solidFill>
-                      <a:schemeClr val="tx1">
-                        <a:lumMod val="75000"/>
-                        <a:lumOff val="25000"/>
-                      </a:schemeClr>
-                    </a:solidFill>
-                    <a:latin typeface="+mn-lt"/>
-                    <a:ea typeface="+mn-ea"/>
-                    <a:cs typeface="+mn-cs"/>
-                  </a:defRPr>
-                </a:lvl7pPr>
-                <a:lvl8pPr marL="1500000" indent="-228600" algn="l" defTabSz="914400" rtl="0" eaLnBrk="1" latinLnBrk="0" hangingPunct="1">
-                  <a:lnSpc>
-                    <a:spcPct val="90000"/>
-                  </a:lnSpc>
-                  <a:spcBef>
-                    <a:spcPts val="200"/>
-                  </a:spcBef>
-                  <a:spcAft>
-                    <a:spcPts val="400"/>
-                  </a:spcAft>
-                  <a:buClr>
-                    <a:schemeClr val="accent1"/>
-                  </a:buClr>
-                  <a:buFont typeface="Calibri" pitchFamily="34" charset="0"/>
-                  <a:buChar char="◦"/>
-                  <a:defRPr sz="1400" kern="1200">
-                    <a:solidFill>
-                      <a:schemeClr val="tx1">
-                        <a:lumMod val="75000"/>
-                        <a:lumOff val="25000"/>
-                      </a:schemeClr>
-                    </a:solidFill>
-                    <a:latin typeface="+mn-lt"/>
-                    <a:ea typeface="+mn-ea"/>
-                    <a:cs typeface="+mn-cs"/>
-                  </a:defRPr>
-                </a:lvl8pPr>
-                <a:lvl9pPr marL="1700000" indent="-228600" algn="l" defTabSz="914400" rtl="0" eaLnBrk="1" latinLnBrk="0" hangingPunct="1">
-                  <a:lnSpc>
-                    <a:spcPct val="90000"/>
-                  </a:lnSpc>
-                  <a:spcBef>
-                    <a:spcPts val="200"/>
-                  </a:spcBef>
-                  <a:spcAft>
-                    <a:spcPts val="400"/>
-                  </a:spcAft>
-                  <a:buClr>
-                    <a:schemeClr val="accent1"/>
-                  </a:buClr>
-                  <a:buFont typeface="Calibri" pitchFamily="34" charset="0"/>
-                  <a:buChar char="◦"/>
-                  <a:defRPr sz="1400" kern="1200">
-                    <a:solidFill>
-                      <a:schemeClr val="tx1">
-                        <a:lumMod val="75000"/>
-                        <a:lumOff val="25000"/>
-                      </a:schemeClr>
-                    </a:solidFill>
-                    <a:latin typeface="+mn-lt"/>
-                    <a:ea typeface="+mn-ea"/>
-                    <a:cs typeface="+mn-cs"/>
-                  </a:defRPr>
-                </a:lvl9pPr>
-              </a:lstStyle>
-              <a:p>
-                <a:r>
-                  <a:rPr lang="fr-FR" dirty="0"/>
-                  <a:t>Mesure de courant</a:t>
-                </a:r>
-              </a:p>
-              <a:p>
-                <a:pPr lvl="1"/>
-                <a14:m>
-                  <m:oMath xmlns:m="http://schemas.openxmlformats.org/officeDocument/2006/math">
-                    <m:sSub>
-                      <m:sSubPr>
-                        <m:ctrlPr>
-                          <a:rPr lang="fr-FR" i="1">
-                            <a:latin typeface="Cambria Math" panose="02040503050406030204" pitchFamily="18" charset="0"/>
-                          </a:rPr>
-                        </m:ctrlPr>
-                      </m:sSubPr>
-                      <m:e>
-                        <m:r>
-                          <a:rPr lang="fr-FR" i="1">
-                            <a:latin typeface="Cambria Math" panose="02040503050406030204" pitchFamily="18" charset="0"/>
-                          </a:rPr>
-                          <m:t>𝑖</m:t>
-                        </m:r>
-                      </m:e>
-                      <m:sub>
-                        <m:r>
-                          <a:rPr lang="fr-FR" b="0" i="1" smtClean="0">
-                            <a:latin typeface="Cambria Math" panose="02040503050406030204" pitchFamily="18" charset="0"/>
-                          </a:rPr>
-                          <m:t>𝑏</m:t>
-                        </m:r>
-                      </m:sub>
-                    </m:sSub>
-                    <m:r>
-                      <a:rPr lang="fr-FR" i="1">
-                        <a:latin typeface="Cambria Math" panose="02040503050406030204" pitchFamily="18" charset="0"/>
-                      </a:rPr>
-                      <m:t>=1,1 </m:t>
-                    </m:r>
-                    <m:r>
-                      <m:rPr>
-                        <m:sty m:val="p"/>
-                      </m:rPr>
-                      <a:rPr lang="fr-FR">
-                        <a:latin typeface="Cambria Math" panose="02040503050406030204" pitchFamily="18" charset="0"/>
-                      </a:rPr>
-                      <m:t>A</m:t>
-                    </m:r>
-                  </m:oMath>
-                </a14:m>
-                <a:endParaRPr lang="fr-FR" dirty="0"/>
-              </a:p>
-              <a:p>
-                <a:pPr lvl="2"/>
-                <a14:m>
-                  <m:oMath xmlns:m="http://schemas.openxmlformats.org/officeDocument/2006/math">
-                    <m:sSub>
-                      <m:sSubPr>
-                        <m:ctrlPr>
-                          <a:rPr lang="fr-FR" b="0" i="1" smtClean="0">
-                            <a:latin typeface="Cambria Math" panose="02040503050406030204" pitchFamily="18" charset="0"/>
-                          </a:rPr>
-                        </m:ctrlPr>
-                      </m:sSubPr>
-                      <m:e>
-                        <m:r>
-                          <a:rPr lang="fr-FR" b="0" i="1" smtClean="0">
-                            <a:latin typeface="Cambria Math" panose="02040503050406030204" pitchFamily="18" charset="0"/>
-                          </a:rPr>
-                          <m:t>𝐶</m:t>
-                        </m:r>
-                      </m:e>
-                      <m:sub>
-                        <m:r>
-                          <a:rPr lang="fr-FR" b="0" i="1" smtClean="0">
-                            <a:latin typeface="Cambria Math" panose="02040503050406030204" pitchFamily="18" charset="0"/>
-                          </a:rPr>
-                          <m:t>𝑚𝑏</m:t>
-                        </m:r>
-                      </m:sub>
-                    </m:sSub>
-                    <m:r>
-                      <a:rPr lang="fr-FR" b="0" i="1" smtClean="0">
-                        <a:latin typeface="Cambria Math" panose="02040503050406030204" pitchFamily="18" charset="0"/>
-                      </a:rPr>
-                      <m:t>=0,0331 </m:t>
-                    </m:r>
-                    <m:r>
-                      <m:rPr>
-                        <m:sty m:val="p"/>
-                      </m:rPr>
-                      <a:rPr lang="fr-FR" b="0" i="0" smtClean="0">
-                        <a:latin typeface="Cambria Math" panose="02040503050406030204" pitchFamily="18" charset="0"/>
-                      </a:rPr>
-                      <m:t>Nm</m:t>
-                    </m:r>
-                  </m:oMath>
-                </a14:m>
-                <a:endParaRPr lang="fr-FR" b="0" dirty="0"/>
-              </a:p>
-              <a:p>
-                <a:pPr lvl="2"/>
-                <a14:m>
-                  <m:oMath xmlns:m="http://schemas.openxmlformats.org/officeDocument/2006/math">
-                    <m:sSub>
-                      <m:sSubPr>
-                        <m:ctrlPr>
-                          <a:rPr lang="fr-FR" b="0" i="1" smtClean="0">
-                            <a:latin typeface="Cambria Math" panose="02040503050406030204" pitchFamily="18" charset="0"/>
-                          </a:rPr>
-                        </m:ctrlPr>
-                      </m:sSubPr>
-                      <m:e>
-                        <m:r>
-                          <a:rPr lang="fr-FR" b="0" i="1" smtClean="0">
-                            <a:latin typeface="Cambria Math" panose="02040503050406030204" pitchFamily="18" charset="0"/>
-                          </a:rPr>
-                          <m:t>𝐹</m:t>
-                        </m:r>
-                      </m:e>
-                      <m:sub>
-                        <m:r>
-                          <a:rPr lang="fr-FR" b="0" i="1" smtClean="0">
-                            <a:latin typeface="Cambria Math" panose="02040503050406030204" pitchFamily="18" charset="0"/>
-                          </a:rPr>
-                          <m:t>𝑚𝑏</m:t>
-                        </m:r>
-                      </m:sub>
-                    </m:sSub>
-                    <m:r>
-                      <a:rPr lang="fr-FR" i="1">
-                        <a:latin typeface="Cambria Math" panose="02040503050406030204" pitchFamily="18" charset="0"/>
-                      </a:rPr>
-                      <m:t>=31,79 </m:t>
-                    </m:r>
-                    <m:r>
-                      <m:rPr>
-                        <m:sty m:val="p"/>
-                      </m:rPr>
-                      <a:rPr lang="fr-FR">
-                        <a:latin typeface="Cambria Math" panose="02040503050406030204" pitchFamily="18" charset="0"/>
-                      </a:rPr>
-                      <m:t>N</m:t>
-                    </m:r>
-                  </m:oMath>
-                </a14:m>
-                <a:endParaRPr lang="fr-FR" dirty="0"/>
-              </a:p>
-              <a:p>
-                <a:pPr lvl="1"/>
-                <a14:m>
-                  <m:oMath xmlns:m="http://schemas.openxmlformats.org/officeDocument/2006/math">
-                    <m:sSub>
-                      <m:sSubPr>
-                        <m:ctrlPr>
-                          <a:rPr lang="fr-FR" b="0" i="1" smtClean="0">
-                            <a:latin typeface="Cambria Math" panose="02040503050406030204" pitchFamily="18" charset="0"/>
-                          </a:rPr>
-                        </m:ctrlPr>
-                      </m:sSubPr>
-                      <m:e>
-                        <m:r>
-                          <a:rPr lang="fr-FR" b="0" i="1" smtClean="0">
-                            <a:latin typeface="Cambria Math" panose="02040503050406030204" pitchFamily="18" charset="0"/>
-                          </a:rPr>
-                          <m:t>𝑖</m:t>
-                        </m:r>
-                      </m:e>
-                      <m:sub>
-                        <m:r>
-                          <a:rPr lang="fr-FR" b="0" i="1" smtClean="0">
-                            <a:latin typeface="Cambria Math" panose="02040503050406030204" pitchFamily="18" charset="0"/>
-                          </a:rPr>
-                          <m:t>h</m:t>
-                        </m:r>
-                      </m:sub>
-                    </m:sSub>
-                    <m:r>
-                      <a:rPr lang="fr-FR" b="0" i="1" smtClean="0">
-                        <a:latin typeface="Cambria Math" panose="02040503050406030204" pitchFamily="18" charset="0"/>
-                      </a:rPr>
-                      <m:t>=2,7 </m:t>
-                    </m:r>
-                    <m:r>
-                      <m:rPr>
-                        <m:sty m:val="p"/>
-                      </m:rPr>
-                      <a:rPr lang="fr-FR" b="0" i="0" smtClean="0">
-                        <a:latin typeface="Cambria Math" panose="02040503050406030204" pitchFamily="18" charset="0"/>
-                      </a:rPr>
-                      <m:t>A</m:t>
-                    </m:r>
-                  </m:oMath>
-                </a14:m>
-                <a:endParaRPr lang="fr-FR" b="0" dirty="0"/>
-              </a:p>
-              <a:p>
-                <a:pPr lvl="2"/>
-                <a14:m>
-                  <m:oMath xmlns:m="http://schemas.openxmlformats.org/officeDocument/2006/math">
-                    <m:sSub>
-                      <m:sSubPr>
-                        <m:ctrlPr>
-                          <a:rPr lang="fr-FR" b="0" i="1" smtClean="0">
-                            <a:latin typeface="Cambria Math" panose="02040503050406030204" pitchFamily="18" charset="0"/>
-                          </a:rPr>
-                        </m:ctrlPr>
-                      </m:sSubPr>
-                      <m:e>
-                        <m:r>
-                          <a:rPr lang="fr-FR" b="0" i="1" smtClean="0">
-                            <a:latin typeface="Cambria Math" panose="02040503050406030204" pitchFamily="18" charset="0"/>
-                          </a:rPr>
-                          <m:t>𝐶</m:t>
-                        </m:r>
-                      </m:e>
-                      <m:sub>
-                        <m:r>
-                          <a:rPr lang="fr-FR" b="0" i="1" smtClean="0">
-                            <a:latin typeface="Cambria Math" panose="02040503050406030204" pitchFamily="18" charset="0"/>
-                          </a:rPr>
-                          <m:t>𝑚h</m:t>
-                        </m:r>
-                      </m:sub>
-                    </m:sSub>
-                    <m:r>
-                      <a:rPr lang="fr-FR" b="0" i="1" smtClean="0">
-                        <a:latin typeface="Cambria Math" panose="02040503050406030204" pitchFamily="18" charset="0"/>
-                      </a:rPr>
-                      <m:t>=0,0813 </m:t>
-                    </m:r>
-                    <m:r>
-                      <m:rPr>
-                        <m:sty m:val="p"/>
-                      </m:rPr>
-                      <a:rPr lang="fr-FR" b="0" i="0" smtClean="0">
-                        <a:latin typeface="Cambria Math" panose="02040503050406030204" pitchFamily="18" charset="0"/>
-                      </a:rPr>
-                      <m:t>Nm</m:t>
-                    </m:r>
-                  </m:oMath>
-                </a14:m>
-                <a:endParaRPr lang="fr-FR" dirty="0"/>
-              </a:p>
-              <a:p>
-                <a:pPr lvl="2"/>
-                <a14:m>
-                  <m:oMath xmlns:m="http://schemas.openxmlformats.org/officeDocument/2006/math">
-                    <m:sSub>
-                      <m:sSubPr>
-                        <m:ctrlPr>
-                          <a:rPr lang="fr-FR" b="0" i="1" smtClean="0">
-                            <a:latin typeface="Cambria Math" panose="02040503050406030204" pitchFamily="18" charset="0"/>
-                          </a:rPr>
-                        </m:ctrlPr>
-                      </m:sSubPr>
-                      <m:e>
-                        <m:r>
-                          <a:rPr lang="fr-FR" b="0" i="1" smtClean="0">
-                            <a:latin typeface="Cambria Math" panose="02040503050406030204" pitchFamily="18" charset="0"/>
-                          </a:rPr>
-                          <m:t>𝐹</m:t>
-                        </m:r>
-                      </m:e>
-                      <m:sub>
-                        <m:r>
-                          <a:rPr lang="fr-FR" b="0" i="1" smtClean="0">
-                            <a:latin typeface="Cambria Math" panose="02040503050406030204" pitchFamily="18" charset="0"/>
-                          </a:rPr>
-                          <m:t>𝑚h</m:t>
-                        </m:r>
-                      </m:sub>
-                    </m:sSub>
-                    <m:r>
-                      <a:rPr lang="fr-FR" i="1">
-                        <a:latin typeface="Cambria Math" panose="02040503050406030204" pitchFamily="18" charset="0"/>
-                      </a:rPr>
-                      <m:t>=78 </m:t>
-                    </m:r>
-                    <m:r>
-                      <m:rPr>
-                        <m:sty m:val="p"/>
-                      </m:rPr>
-                      <a:rPr lang="fr-FR">
-                        <a:latin typeface="Cambria Math" panose="02040503050406030204" pitchFamily="18" charset="0"/>
-                      </a:rPr>
-                      <m:t>N</m:t>
-                    </m:r>
-                  </m:oMath>
-                </a14:m>
-                <a:endParaRPr lang="fr-FR" dirty="0"/>
-              </a:p>
-              <a:p>
-                <a:pPr lvl="2"/>
-                <a:endParaRPr lang="fr-FR" dirty="0"/>
-              </a:p>
-              <a:p>
-                <a:pPr lvl="2"/>
-                <a:endParaRPr lang="fr-FR" dirty="0"/>
-              </a:p>
-              <a:p>
-                <a:pPr lvl="1"/>
-                <a:r>
-                  <a:rPr lang="fr-FR" dirty="0"/>
-                  <a:t>Analyse des mesures</a:t>
-                </a:r>
-              </a:p>
-              <a:p>
-                <a:pPr lvl="2"/>
-                <a14:m>
-                  <m:oMath xmlns:m="http://schemas.openxmlformats.org/officeDocument/2006/math">
-                    <m:r>
-                      <a:rPr lang="fr-FR" b="0" i="1" smtClean="0">
-                        <a:latin typeface="Cambria Math" panose="02040503050406030204" pitchFamily="18" charset="0"/>
-                      </a:rPr>
-                      <m:t>𝑀</m:t>
-                    </m:r>
-                    <m:r>
-                      <a:rPr lang="fr-FR" b="0" i="1" smtClean="0">
-                        <a:latin typeface="Cambria Math" panose="02040503050406030204" pitchFamily="18" charset="0"/>
-                      </a:rPr>
-                      <m:t>=5,59 </m:t>
-                    </m:r>
-                    <m:r>
-                      <m:rPr>
-                        <m:sty m:val="p"/>
-                      </m:rPr>
-                      <a:rPr lang="fr-FR" b="0" i="0" smtClean="0">
-                        <a:latin typeface="Cambria Math" panose="02040503050406030204" pitchFamily="18" charset="0"/>
-                      </a:rPr>
-                      <m:t>kg</m:t>
-                    </m:r>
-                  </m:oMath>
-                </a14:m>
-                <a:endParaRPr lang="fr-FR" b="0" dirty="0"/>
-              </a:p>
-              <a:p>
-                <a:pPr lvl="2"/>
-                <a14:m>
-                  <m:oMath xmlns:m="http://schemas.openxmlformats.org/officeDocument/2006/math">
-                    <m:sSub>
-                      <m:sSubPr>
-                        <m:ctrlPr>
-                          <a:rPr lang="fr-FR" b="0" i="1" smtClean="0">
-                            <a:latin typeface="Cambria Math" panose="02040503050406030204" pitchFamily="18" charset="0"/>
-                          </a:rPr>
-                        </m:ctrlPr>
-                      </m:sSubPr>
-                      <m:e>
-                        <m:r>
-                          <a:rPr lang="fr-FR" b="0" i="1" smtClean="0">
-                            <a:latin typeface="Cambria Math" panose="02040503050406030204" pitchFamily="18" charset="0"/>
-                          </a:rPr>
-                          <m:t>𝐹</m:t>
-                        </m:r>
-                      </m:e>
-                      <m:sub>
-                        <m:r>
-                          <a:rPr lang="fr-FR" b="0" i="1" smtClean="0">
-                            <a:latin typeface="Cambria Math" panose="02040503050406030204" pitchFamily="18" charset="0"/>
-                          </a:rPr>
-                          <m:t>𝑟</m:t>
-                        </m:r>
-                      </m:sub>
-                    </m:sSub>
-                    <m:r>
-                      <a:rPr lang="fr-FR" b="0" i="1" smtClean="0">
-                        <a:latin typeface="Cambria Math" panose="02040503050406030204" pitchFamily="18" charset="0"/>
-                      </a:rPr>
-                      <m:t>=20 à 23 </m:t>
-                    </m:r>
-                    <m:r>
-                      <m:rPr>
-                        <m:sty m:val="p"/>
-                      </m:rPr>
-                      <a:rPr lang="fr-FR" b="0" i="0" smtClean="0">
-                        <a:latin typeface="Cambria Math" panose="02040503050406030204" pitchFamily="18" charset="0"/>
-                      </a:rPr>
-                      <m:t>N</m:t>
-                    </m:r>
-                  </m:oMath>
-                </a14:m>
-                <a:r>
-                  <a:rPr lang="fr-FR" dirty="0"/>
-                  <a:t> et </a:t>
-                </a:r>
-                <a14:m>
-                  <m:oMath xmlns:m="http://schemas.openxmlformats.org/officeDocument/2006/math">
-                    <m:sSub>
-                      <m:sSubPr>
-                        <m:ctrlPr>
-                          <a:rPr lang="fr-FR" b="0" i="1" smtClean="0">
-                            <a:latin typeface="Cambria Math" panose="02040503050406030204" pitchFamily="18" charset="0"/>
-                          </a:rPr>
-                        </m:ctrlPr>
-                      </m:sSubPr>
-                      <m:e>
-                        <m:r>
-                          <a:rPr lang="fr-FR" b="0" i="1" smtClean="0">
-                            <a:latin typeface="Cambria Math" panose="02040503050406030204" pitchFamily="18" charset="0"/>
-                          </a:rPr>
-                          <m:t>𝐶</m:t>
-                        </m:r>
-                      </m:e>
-                      <m:sub>
-                        <m:r>
-                          <a:rPr lang="fr-FR" b="0" i="1" smtClean="0">
-                            <a:latin typeface="Cambria Math" panose="02040503050406030204" pitchFamily="18" charset="0"/>
-                          </a:rPr>
-                          <m:t>𝑟𝑚</m:t>
-                        </m:r>
-                      </m:sub>
-                    </m:sSub>
-                    <m:r>
-                      <a:rPr lang="fr-FR" b="0" i="1" smtClean="0">
-                        <a:latin typeface="Cambria Math" panose="02040503050406030204" pitchFamily="18" charset="0"/>
-                      </a:rPr>
-                      <m:t>=</m:t>
-                    </m:r>
-                    <m:r>
-                      <a:rPr lang="fr-FR" b="0" i="0" smtClean="0">
-                        <a:latin typeface="Cambria Math" panose="02040503050406030204" pitchFamily="18" charset="0"/>
-                      </a:rPr>
-                      <m:t>0,024 </m:t>
-                    </m:r>
-                    <m:r>
-                      <m:rPr>
-                        <m:sty m:val="p"/>
-                      </m:rPr>
-                      <a:rPr lang="fr-FR" b="0" i="0" smtClean="0">
-                        <a:latin typeface="Cambria Math" panose="02040503050406030204" pitchFamily="18" charset="0"/>
-                      </a:rPr>
-                      <m:t>Nm</m:t>
-                    </m:r>
-                  </m:oMath>
-                </a14:m>
-                <a:endParaRPr lang="ar-AE" dirty="0"/>
-              </a:p>
-            </p:txBody>
-          </p:sp>
-        </mc:Choice>
-        <mc:Fallback xmlns="">
-          <p:sp>
-            <p:nvSpPr>
-              <p:cNvPr id="4" name="Espace réservé du contenu 2">
-                <a:extLst>
-                  <a:ext uri="{FF2B5EF4-FFF2-40B4-BE49-F238E27FC236}">
-                    <a16:creationId xmlns:a16="http://schemas.microsoft.com/office/drawing/2014/main" id="{B16EF985-D429-6792-BACB-7B40507E47C4}"/>
-                  </a:ext>
-                </a:extLst>
-              </p:cNvPr>
-              <p:cNvSpPr txBox="1">
-                <a:spLocks noRot="1" noChangeAspect="1" noMove="1" noResize="1" noEditPoints="1" noAdjustHandles="1" noChangeArrowheads="1" noChangeShapeType="1" noTextEdit="1"/>
-              </p:cNvSpPr>
-              <p:nvPr/>
-            </p:nvSpPr>
-            <p:spPr>
-              <a:xfrm>
-                <a:off x="6096000" y="981886"/>
-                <a:ext cx="5978205" cy="5253339"/>
-              </a:xfrm>
-              <a:prstGeom prst="rect">
-                <a:avLst/>
-              </a:prstGeom>
-              <a:blipFill>
-                <a:blip r:embed="rId3"/>
-                <a:stretch>
-                  <a:fillRect l="-2650" t="-1856"/>
-                </a:stretch>
-              </a:blipFill>
-            </p:spPr>
-            <p:txBody>
-              <a:bodyPr/>
-              <a:lstStyle/>
-              <a:p>
-                <a:r>
-                  <a:rPr lang="fr-FR">
-                    <a:noFill/>
-                  </a:rPr>
-                  <a:t> </a:t>
-                </a:r>
-              </a:p>
-            </p:txBody>
-          </p:sp>
-        </mc:Fallback>
-      </mc:AlternateContent>
-    </p:spTree>
-    <p:extLst>
-      <p:ext uri="{BB962C8B-B14F-4D97-AF65-F5344CB8AC3E}">
-        <p14:creationId xmlns:p14="http://schemas.microsoft.com/office/powerpoint/2010/main" val="2896348919"/>
-      </p:ext>
-    </p:extLst>
-  </p:cSld>
-  <p:clrMapOvr>
-    <a:masterClrMapping/>
-  </p:clrMapOvr>
-</p:sld>
-</file>
-
-<file path=ppt/slides/slide9.xml><?xml version="1.0" encoding="utf-8"?>
-<p:sld xmlns:a="http://schemas.openxmlformats.org/drawingml/2006/main" xmlns:r="http://schemas.openxmlformats.org/officeDocument/2006/relationships" xmlns:p="http://schemas.openxmlformats.org/presentationml/2006/main">
-  <p:cSld>
-    <p:spTree>
-      <p:nvGrpSpPr>
-        <p:cNvPr id="1" name=""/>
-        <p:cNvGrpSpPr/>
-        <p:nvPr/>
-      </p:nvGrpSpPr>
-      <p:grpSpPr>
-        <a:xfrm>
-          <a:off x="0" y="0"/>
-          <a:ext cx="0" cy="0"/>
-          <a:chOff x="0" y="0"/>
-          <a:chExt cx="0" cy="0"/>
-        </a:xfrm>
-      </p:grpSpPr>
-      <p:sp>
-        <p:nvSpPr>
-          <p:cNvPr id="4" name="Titre 3">
-            <a:extLst>
-              <a:ext uri="{FF2B5EF4-FFF2-40B4-BE49-F238E27FC236}">
-                <a16:creationId xmlns:a16="http://schemas.microsoft.com/office/drawing/2014/main" id="{B794E1E6-E0CB-0314-482E-A48AE59E0887}"/>
-              </a:ext>
-            </a:extLst>
-          </p:cNvPr>
-          <p:cNvSpPr>
-            <a:spLocks noGrp="1"/>
-          </p:cNvSpPr>
-          <p:nvPr>
-            <p:ph type="title"/>
-          </p:nvPr>
-        </p:nvSpPr>
-        <p:spPr/>
-        <p:txBody>
-          <a:bodyPr>
-            <a:normAutofit fontScale="90000"/>
-          </a:bodyPr>
-          <a:lstStyle/>
-          <a:p>
-            <a:r>
-              <a:rPr lang="fr-FR" dirty="0"/>
-              <a:t>09</a:t>
-            </a:r>
-            <a:br>
-              <a:rPr lang="fr-FR" dirty="0"/>
-            </a:br>
-            <a:r>
-              <a:rPr lang="fr-FR" dirty="0"/>
-              <a:t>Dimensionnement d’un actionneur en dynamique</a:t>
-            </a:r>
-          </a:p>
-        </p:txBody>
-      </p:sp>
-      <p:sp>
-        <p:nvSpPr>
-          <p:cNvPr id="5" name="Espace réservé du texte 4">
-            <a:extLst>
-              <a:ext uri="{FF2B5EF4-FFF2-40B4-BE49-F238E27FC236}">
-                <a16:creationId xmlns:a16="http://schemas.microsoft.com/office/drawing/2014/main" id="{31164354-1A91-E980-2D9B-9062246D64F4}"/>
-              </a:ext>
-            </a:extLst>
-          </p:cNvPr>
-          <p:cNvSpPr>
-            <a:spLocks noGrp="1"/>
-          </p:cNvSpPr>
-          <p:nvPr>
-            <p:ph type="body" idx="1"/>
-          </p:nvPr>
-        </p:nvSpPr>
-        <p:spPr/>
-        <p:txBody>
-          <a:bodyPr/>
-          <a:lstStyle/>
-          <a:p>
-            <a:endParaRPr lang="fr-FR"/>
-          </a:p>
-        </p:txBody>
-      </p:sp>
-    </p:spTree>
-    <p:extLst>
-      <p:ext uri="{BB962C8B-B14F-4D97-AF65-F5344CB8AC3E}">
-        <p14:creationId xmlns:p14="http://schemas.microsoft.com/office/powerpoint/2010/main" val="2985822988"/>
-      </p:ext>
-    </p:extLst>
-  </p:cSld>
-  <p:clrMapOvr>
-    <a:masterClrMapping/>
-  </p:clrMapOvr>
-</p:sld>
-</file>
-
 <file path=ppt/theme/theme1.xml><?xml version="1.0" encoding="utf-8"?>
 <a:theme xmlns:a="http://schemas.openxmlformats.org/drawingml/2006/main" name="Rétrospective">
   <a:themeElements>

--- a/04_Comax/04_Comax_Corrige.pptx
+++ b/04_Comax/04_Comax_Corrige.pptx
@@ -12,17 +12,18 @@
     <p:sldId id="279" r:id="rId6"/>
     <p:sldId id="269" r:id="rId7"/>
     <p:sldId id="282" r:id="rId8"/>
-    <p:sldId id="281" r:id="rId9"/>
-    <p:sldId id="268" r:id="rId10"/>
-    <p:sldId id="270" r:id="rId11"/>
-    <p:sldId id="272" r:id="rId12"/>
-    <p:sldId id="271" r:id="rId13"/>
-    <p:sldId id="278" r:id="rId14"/>
-    <p:sldId id="274" r:id="rId15"/>
-    <p:sldId id="275" r:id="rId16"/>
-    <p:sldId id="276" r:id="rId17"/>
-    <p:sldId id="277" r:id="rId18"/>
-    <p:sldId id="280" r:id="rId19"/>
+    <p:sldId id="283" r:id="rId9"/>
+    <p:sldId id="281" r:id="rId10"/>
+    <p:sldId id="268" r:id="rId11"/>
+    <p:sldId id="270" r:id="rId12"/>
+    <p:sldId id="272" r:id="rId13"/>
+    <p:sldId id="271" r:id="rId14"/>
+    <p:sldId id="278" r:id="rId15"/>
+    <p:sldId id="274" r:id="rId16"/>
+    <p:sldId id="275" r:id="rId17"/>
+    <p:sldId id="276" r:id="rId18"/>
+    <p:sldId id="277" r:id="rId19"/>
+    <p:sldId id="280" r:id="rId20"/>
   </p:sldIdLst>
   <p:sldSz cx="12192000" cy="6858000"/>
   <p:notesSz cx="6858000" cy="9144000"/>
@@ -383,7 +384,7 @@
           <a:p>
             <a:fld id="{D7F135F6-2A09-4FDD-9ECA-096E230CA0FA}" type="datetimeFigureOut">
               <a:rPr lang="fr-FR" smtClean="0"/>
-              <a:t>10/10/2025</a:t>
+              <a:t>20/10/2025</a:t>
             </a:fld>
             <a:endParaRPr lang="fr-FR"/>
           </a:p>
@@ -588,7 +589,7 @@
           <a:p>
             <a:fld id="{D7F135F6-2A09-4FDD-9ECA-096E230CA0FA}" type="datetimeFigureOut">
               <a:rPr lang="fr-FR" smtClean="0"/>
-              <a:t>10/10/2025</a:t>
+              <a:t>20/10/2025</a:t>
             </a:fld>
             <a:endParaRPr lang="fr-FR"/>
           </a:p>
@@ -844,7 +845,7 @@
           <a:p>
             <a:fld id="{D7F135F6-2A09-4FDD-9ECA-096E230CA0FA}" type="datetimeFigureOut">
               <a:rPr lang="fr-FR" smtClean="0"/>
-              <a:t>10/10/2025</a:t>
+              <a:t>20/10/2025</a:t>
             </a:fld>
             <a:endParaRPr lang="fr-FR"/>
           </a:p>
@@ -1050,7 +1051,7 @@
           <a:p>
             <a:fld id="{D7F135F6-2A09-4FDD-9ECA-096E230CA0FA}" type="datetimeFigureOut">
               <a:rPr lang="fr-FR" smtClean="0"/>
-              <a:t>10/10/2025</a:t>
+              <a:t>20/10/2025</a:t>
             </a:fld>
             <a:endParaRPr lang="fr-FR"/>
           </a:p>
@@ -1412,7 +1413,7 @@
           <a:p>
             <a:fld id="{D7F135F6-2A09-4FDD-9ECA-096E230CA0FA}" type="datetimeFigureOut">
               <a:rPr lang="fr-FR" smtClean="0"/>
-              <a:t>10/10/2025</a:t>
+              <a:t>20/10/2025</a:t>
             </a:fld>
             <a:endParaRPr lang="fr-FR"/>
           </a:p>
@@ -1687,7 +1688,7 @@
           <a:p>
             <a:fld id="{D7F135F6-2A09-4FDD-9ECA-096E230CA0FA}" type="datetimeFigureOut">
               <a:rPr lang="fr-FR" smtClean="0"/>
-              <a:t>10/10/2025</a:t>
+              <a:t>20/10/2025</a:t>
             </a:fld>
             <a:endParaRPr lang="fr-FR"/>
           </a:p>
@@ -2066,7 +2067,7 @@
           <a:p>
             <a:fld id="{D7F135F6-2A09-4FDD-9ECA-096E230CA0FA}" type="datetimeFigureOut">
               <a:rPr lang="fr-FR" smtClean="0"/>
-              <a:t>10/10/2025</a:t>
+              <a:t>20/10/2025</a:t>
             </a:fld>
             <a:endParaRPr lang="fr-FR"/>
           </a:p>
@@ -2184,7 +2185,7 @@
           <a:p>
             <a:fld id="{D7F135F6-2A09-4FDD-9ECA-096E230CA0FA}" type="datetimeFigureOut">
               <a:rPr lang="fr-FR" smtClean="0"/>
-              <a:t>10/10/2025</a:t>
+              <a:t>20/10/2025</a:t>
             </a:fld>
             <a:endParaRPr lang="fr-FR"/>
           </a:p>
@@ -2358,7 +2359,7 @@
           <a:p>
             <a:fld id="{D7F135F6-2A09-4FDD-9ECA-096E230CA0FA}" type="datetimeFigureOut">
               <a:rPr lang="fr-FR" smtClean="0"/>
-              <a:t>10/10/2025</a:t>
+              <a:t>20/10/2025</a:t>
             </a:fld>
             <a:endParaRPr lang="fr-FR"/>
           </a:p>
@@ -2715,7 +2716,7 @@
           <a:p>
             <a:fld id="{D7F135F6-2A09-4FDD-9ECA-096E230CA0FA}" type="datetimeFigureOut">
               <a:rPr lang="fr-FR" smtClean="0"/>
-              <a:t>10/10/2025</a:t>
+              <a:t>20/10/2025</a:t>
             </a:fld>
             <a:endParaRPr lang="fr-FR"/>
           </a:p>
@@ -3100,7 +3101,7 @@
           <a:p>
             <a:fld id="{D7F135F6-2A09-4FDD-9ECA-096E230CA0FA}" type="datetimeFigureOut">
               <a:rPr lang="fr-FR" smtClean="0"/>
-              <a:t>10/10/2025</a:t>
+              <a:t>20/10/2025</a:t>
             </a:fld>
             <a:endParaRPr lang="fr-FR"/>
           </a:p>
@@ -3404,7 +3405,7 @@
           <a:p>
             <a:fld id="{D7F135F6-2A09-4FDD-9ECA-096E230CA0FA}" type="datetimeFigureOut">
               <a:rPr lang="fr-FR" smtClean="0"/>
-              <a:t>10/10/2025</a:t>
+              <a:t>20/10/2025</a:t>
             </a:fld>
             <a:endParaRPr lang="fr-FR" dirty="0"/>
           </a:p>
@@ -4043,6 +4044,2240 @@
           <p:cNvPr id="2" name="Titre 1">
             <a:extLst>
               <a:ext uri="{FF2B5EF4-FFF2-40B4-BE49-F238E27FC236}">
+                <a16:creationId xmlns:a16="http://schemas.microsoft.com/office/drawing/2014/main" id="{0E2762F0-6713-D740-7B66-903DCE9D555C}"/>
+              </a:ext>
+            </a:extLst>
+          </p:cNvPr>
+          <p:cNvSpPr>
+            <a:spLocks noGrp="1"/>
+          </p:cNvSpPr>
+          <p:nvPr>
+            <p:ph type="title"/>
+          </p:nvPr>
+        </p:nvSpPr>
+        <p:spPr/>
+        <p:txBody>
+          <a:bodyPr/>
+          <a:lstStyle/>
+          <a:p>
+            <a:r>
+              <a:rPr lang="fr-FR" dirty="0"/>
+              <a:t>Identification de la masse de l’axe</a:t>
+            </a:r>
+          </a:p>
+        </p:txBody>
+      </p:sp>
+      <mc:AlternateContent xmlns:mc="http://schemas.openxmlformats.org/markup-compatibility/2006" xmlns:a14="http://schemas.microsoft.com/office/drawing/2010/main">
+        <mc:Choice Requires="a14">
+          <p:sp>
+            <p:nvSpPr>
+              <p:cNvPr id="3" name="Espace réservé du contenu 2">
+                <a:extLst>
+                  <a:ext uri="{FF2B5EF4-FFF2-40B4-BE49-F238E27FC236}">
+                    <a16:creationId xmlns:a16="http://schemas.microsoft.com/office/drawing/2014/main" id="{01216E43-4963-B0A0-8737-FF44BF7186A5}"/>
+                  </a:ext>
+                </a:extLst>
+              </p:cNvPr>
+              <p:cNvSpPr>
+                <a:spLocks noGrp="1"/>
+              </p:cNvSpPr>
+              <p:nvPr>
+                <p:ph idx="1"/>
+              </p:nvPr>
+            </p:nvSpPr>
+            <p:spPr>
+              <a:xfrm>
+                <a:off x="117795" y="981886"/>
+                <a:ext cx="5869119" cy="5264909"/>
+              </a:xfrm>
+            </p:spPr>
+            <p:txBody>
+              <a:bodyPr>
+                <a:normAutofit fontScale="70000" lnSpcReduction="20000"/>
+              </a:bodyPr>
+              <a:lstStyle/>
+              <a:p>
+                <a:r>
+                  <a:rPr lang="fr-FR" dirty="0"/>
+                  <a:t>On isole : </a:t>
+                </a:r>
+              </a:p>
+              <a:p>
+                <a:pPr lvl="1"/>
+                <a:r>
+                  <a:rPr lang="fr-FR" dirty="0"/>
+                  <a:t>Le rotor du moteur</a:t>
+                </a:r>
+              </a:p>
+              <a:p>
+                <a:pPr lvl="1"/>
+                <a:r>
+                  <a:rPr lang="fr-FR" dirty="0"/>
+                  <a:t>Les pignons du réducteur</a:t>
+                </a:r>
+              </a:p>
+              <a:p>
+                <a:pPr lvl="1"/>
+                <a:r>
+                  <a:rPr lang="fr-FR" dirty="0"/>
+                  <a:t>La poulie</a:t>
+                </a:r>
+              </a:p>
+              <a:p>
+                <a:pPr lvl="1"/>
+                <a:r>
+                  <a:rPr lang="fr-FR" dirty="0"/>
+                  <a:t>La courroie</a:t>
+                </a:r>
+              </a:p>
+              <a:p>
+                <a:pPr lvl="1"/>
+                <a:r>
+                  <a:rPr lang="fr-FR" dirty="0"/>
+                  <a:t>L’axe</a:t>
+                </a:r>
+              </a:p>
+              <a:p>
+                <a:r>
+                  <a:rPr lang="fr-FR" dirty="0"/>
+                  <a:t>Hypothèses : </a:t>
+                </a:r>
+              </a:p>
+              <a:p>
+                <a:pPr lvl="1"/>
+                <a:r>
+                  <a:rPr lang="fr-FR" dirty="0"/>
+                  <a:t>Courroie qui roule sans glisser sur la poulie</a:t>
+                </a:r>
+              </a:p>
+              <a:p>
+                <a:pPr lvl="1"/>
+                <a:r>
+                  <a:rPr lang="fr-FR" dirty="0"/>
+                  <a:t>Courroie inextensible</a:t>
+                </a:r>
+              </a:p>
+              <a:p>
+                <a:pPr lvl="1"/>
+                <a:endParaRPr lang="fr-FR" dirty="0"/>
+              </a:p>
+              <a:p>
+                <a:r>
+                  <a:rPr lang="fr-FR" dirty="0"/>
+                  <a:t>Bilan des puissances :</a:t>
+                </a:r>
+              </a:p>
+              <a:p>
+                <a:pPr lvl="1"/>
+                <a:r>
+                  <a:rPr lang="fr-FR" dirty="0"/>
+                  <a:t>Toutes les puissances dissipées dans les liaisons intérieures ou extérieures à l’isolement sont ramenées à l’arbre moteur (rotor, noté </a:t>
+                </a:r>
+                <a14:m>
+                  <m:oMath xmlns:m="http://schemas.openxmlformats.org/officeDocument/2006/math">
+                    <m:r>
+                      <a:rPr lang="fr-FR" b="0" i="1" smtClean="0">
+                        <a:latin typeface="Cambria Math" panose="02040503050406030204" pitchFamily="18" charset="0"/>
+                      </a:rPr>
+                      <m:t>𝑟</m:t>
+                    </m:r>
+                    <m:r>
+                      <a:rPr lang="fr-FR" b="0" i="1" smtClean="0">
+                        <a:latin typeface="Cambria Math" panose="02040503050406030204" pitchFamily="18" charset="0"/>
+                      </a:rPr>
+                      <m:t>)</m:t>
+                    </m:r>
+                  </m:oMath>
+                </a14:m>
+                <a:r>
+                  <a:rPr lang="fr-FR" dirty="0"/>
+                  <a:t> On les note : </a:t>
+                </a:r>
+                <a14:m>
+                  <m:oMath xmlns:m="http://schemas.openxmlformats.org/officeDocument/2006/math">
+                    <m:r>
+                      <a:rPr lang="fr-FR" i="1" smtClean="0">
+                        <a:latin typeface="Cambria Math" panose="02040503050406030204" pitchFamily="18" charset="0"/>
+                        <a:ea typeface="Cambria Math" panose="02040503050406030204" pitchFamily="18" charset="0"/>
+                      </a:rPr>
+                      <m:t>𝒫</m:t>
+                    </m:r>
+                    <m:d>
+                      <m:dPr>
+                        <m:ctrlPr>
+                          <a:rPr lang="fr-FR" b="0" i="1" smtClean="0">
+                            <a:latin typeface="Cambria Math" panose="02040503050406030204" pitchFamily="18" charset="0"/>
+                            <a:ea typeface="Cambria Math" panose="02040503050406030204" pitchFamily="18" charset="0"/>
+                          </a:rPr>
+                        </m:ctrlPr>
+                      </m:dPr>
+                      <m:e>
+                        <m:r>
+                          <a:rPr lang="fr-FR" b="0" i="1" smtClean="0">
+                            <a:latin typeface="Cambria Math" panose="02040503050406030204" pitchFamily="18" charset="0"/>
+                            <a:ea typeface="Cambria Math" panose="02040503050406030204" pitchFamily="18" charset="0"/>
+                          </a:rPr>
+                          <m:t>𝐹𝑟𝑜𝑡𝑡</m:t>
+                        </m:r>
+                        <m:r>
+                          <a:rPr lang="fr-FR" b="0" i="1" smtClean="0">
+                            <a:latin typeface="Cambria Math" panose="02040503050406030204" pitchFamily="18" charset="0"/>
+                            <a:ea typeface="Cambria Math" panose="02040503050406030204" pitchFamily="18" charset="0"/>
+                          </a:rPr>
+                          <m:t>→</m:t>
+                        </m:r>
+                        <m:r>
+                          <a:rPr lang="fr-FR" b="0" i="1" smtClean="0">
+                            <a:latin typeface="Cambria Math" panose="02040503050406030204" pitchFamily="18" charset="0"/>
+                            <a:ea typeface="Cambria Math" panose="02040503050406030204" pitchFamily="18" charset="0"/>
+                          </a:rPr>
+                          <m:t>𝑟</m:t>
+                        </m:r>
+                        <m:r>
+                          <m:rPr>
+                            <m:lit/>
+                          </m:rPr>
+                          <a:rPr lang="fr-FR" b="0" i="1" smtClean="0">
+                            <a:latin typeface="Cambria Math" panose="02040503050406030204" pitchFamily="18" charset="0"/>
+                            <a:ea typeface="Cambria Math" panose="02040503050406030204" pitchFamily="18" charset="0"/>
+                          </a:rPr>
+                          <m:t>/</m:t>
+                        </m:r>
+                        <m:r>
+                          <a:rPr lang="fr-FR" b="0" i="1" smtClean="0">
+                            <a:latin typeface="Cambria Math" panose="02040503050406030204" pitchFamily="18" charset="0"/>
+                            <a:ea typeface="Cambria Math" panose="02040503050406030204" pitchFamily="18" charset="0"/>
+                          </a:rPr>
+                          <m:t>0</m:t>
+                        </m:r>
+                      </m:e>
+                    </m:d>
+                    <m:r>
+                      <a:rPr lang="fr-FR" b="0" i="1" smtClean="0">
+                        <a:latin typeface="Cambria Math" panose="02040503050406030204" pitchFamily="18" charset="0"/>
+                        <a:ea typeface="Cambria Math" panose="02040503050406030204" pitchFamily="18" charset="0"/>
+                      </a:rPr>
+                      <m:t>=−</m:t>
+                    </m:r>
+                    <m:sSub>
+                      <m:sSubPr>
+                        <m:ctrlPr>
+                          <a:rPr lang="fr-FR" b="0" i="1" smtClean="0">
+                            <a:latin typeface="Cambria Math" panose="02040503050406030204" pitchFamily="18" charset="0"/>
+                            <a:ea typeface="Cambria Math" panose="02040503050406030204" pitchFamily="18" charset="0"/>
+                          </a:rPr>
+                        </m:ctrlPr>
+                      </m:sSubPr>
+                      <m:e>
+                        <m:r>
+                          <a:rPr lang="fr-FR" b="0" i="1" smtClean="0">
+                            <a:latin typeface="Cambria Math" panose="02040503050406030204" pitchFamily="18" charset="0"/>
+                            <a:ea typeface="Cambria Math" panose="02040503050406030204" pitchFamily="18" charset="0"/>
+                          </a:rPr>
+                          <m:t>𝐶</m:t>
+                        </m:r>
+                      </m:e>
+                      <m:sub>
+                        <m:r>
+                          <a:rPr lang="fr-FR" b="0" i="1" smtClean="0">
+                            <a:latin typeface="Cambria Math" panose="02040503050406030204" pitchFamily="18" charset="0"/>
+                            <a:ea typeface="Cambria Math" panose="02040503050406030204" pitchFamily="18" charset="0"/>
+                          </a:rPr>
+                          <m:t>𝑟</m:t>
+                        </m:r>
+                      </m:sub>
+                    </m:sSub>
+                    <m:sSub>
+                      <m:sSubPr>
+                        <m:ctrlPr>
+                          <a:rPr lang="fr-FR" b="0" i="1" smtClean="0">
+                            <a:latin typeface="Cambria Math" panose="02040503050406030204" pitchFamily="18" charset="0"/>
+                            <a:ea typeface="Cambria Math" panose="02040503050406030204" pitchFamily="18" charset="0"/>
+                          </a:rPr>
+                        </m:ctrlPr>
+                      </m:sSubPr>
+                      <m:e>
+                        <m:r>
+                          <a:rPr lang="fr-FR" b="0" i="1" smtClean="0">
+                            <a:latin typeface="Cambria Math" panose="02040503050406030204" pitchFamily="18" charset="0"/>
+                            <a:ea typeface="Cambria Math" panose="02040503050406030204" pitchFamily="18" charset="0"/>
+                          </a:rPr>
+                          <m:t>𝜔</m:t>
+                        </m:r>
+                      </m:e>
+                      <m:sub>
+                        <m:r>
+                          <a:rPr lang="fr-FR" b="0" i="1" smtClean="0">
+                            <a:latin typeface="Cambria Math" panose="02040503050406030204" pitchFamily="18" charset="0"/>
+                            <a:ea typeface="Cambria Math" panose="02040503050406030204" pitchFamily="18" charset="0"/>
+                          </a:rPr>
+                          <m:t>𝑚</m:t>
+                        </m:r>
+                      </m:sub>
+                    </m:sSub>
+                  </m:oMath>
+                </a14:m>
+                <a:endParaRPr lang="fr-FR" dirty="0"/>
+              </a:p>
+              <a:p>
+                <a:pPr lvl="1"/>
+                <a:r>
+                  <a:rPr lang="fr-FR" dirty="0"/>
+                  <a:t>Bilan des puissances intérieures :</a:t>
+                </a:r>
+              </a:p>
+              <a:p>
+                <a:pPr lvl="2"/>
+                <a14:m>
+                  <m:oMath xmlns:m="http://schemas.openxmlformats.org/officeDocument/2006/math">
+                    <m:r>
+                      <a:rPr lang="fr-FR" i="1" smtClean="0">
+                        <a:latin typeface="Cambria Math" panose="02040503050406030204" pitchFamily="18" charset="0"/>
+                        <a:ea typeface="Cambria Math" panose="02040503050406030204" pitchFamily="18" charset="0"/>
+                      </a:rPr>
+                      <m:t>𝒫</m:t>
+                    </m:r>
+                    <m:d>
+                      <m:dPr>
+                        <m:ctrlPr>
+                          <a:rPr lang="fr-FR" b="0" i="1" smtClean="0">
+                            <a:latin typeface="Cambria Math" panose="02040503050406030204" pitchFamily="18" charset="0"/>
+                            <a:ea typeface="Cambria Math" panose="02040503050406030204" pitchFamily="18" charset="0"/>
+                          </a:rPr>
+                        </m:ctrlPr>
+                      </m:dPr>
+                      <m:e>
+                        <m:r>
+                          <a:rPr lang="fr-FR" b="0" i="1" smtClean="0">
+                            <a:latin typeface="Cambria Math" panose="02040503050406030204" pitchFamily="18" charset="0"/>
+                            <a:ea typeface="Cambria Math" panose="02040503050406030204" pitchFamily="18" charset="0"/>
+                          </a:rPr>
+                          <m:t>𝑝𝑜𝑢𝑙𝑖𝑒</m:t>
+                        </m:r>
+                        <m:r>
+                          <a:rPr lang="fr-FR" b="0" i="1" smtClean="0">
+                            <a:latin typeface="Cambria Math" panose="02040503050406030204" pitchFamily="18" charset="0"/>
+                            <a:ea typeface="Cambria Math" panose="02040503050406030204" pitchFamily="18" charset="0"/>
+                          </a:rPr>
+                          <m:t>↔</m:t>
+                        </m:r>
+                        <m:r>
+                          <a:rPr lang="fr-FR" b="0" i="1" smtClean="0">
+                            <a:latin typeface="Cambria Math" panose="02040503050406030204" pitchFamily="18" charset="0"/>
+                            <a:ea typeface="Cambria Math" panose="02040503050406030204" pitchFamily="18" charset="0"/>
+                          </a:rPr>
+                          <m:t>𝑐𝑜𝑢𝑟𝑟𝑜𝑖𝑒</m:t>
+                        </m:r>
+                      </m:e>
+                    </m:d>
+                    <m:r>
+                      <a:rPr lang="fr-FR" b="0" i="1" smtClean="0">
+                        <a:latin typeface="Cambria Math" panose="02040503050406030204" pitchFamily="18" charset="0"/>
+                        <a:ea typeface="Cambria Math" panose="02040503050406030204" pitchFamily="18" charset="0"/>
+                      </a:rPr>
+                      <m:t>=0</m:t>
+                    </m:r>
+                  </m:oMath>
+                </a14:m>
+                <a:r>
+                  <a:rPr lang="fr-FR" dirty="0"/>
+                  <a:t> (Roulement sans glissement)</a:t>
+                </a:r>
+              </a:p>
+              <a:p>
+                <a:pPr lvl="1"/>
+                <a:r>
+                  <a:rPr lang="fr-FR" dirty="0"/>
+                  <a:t>Bilan des puissances extérieures :</a:t>
+                </a:r>
+              </a:p>
+              <a:p>
+                <a:pPr lvl="2"/>
+                <a:r>
+                  <a:rPr lang="fr-FR" dirty="0">
+                    <a:ea typeface="Cambria Math" panose="02040503050406030204" pitchFamily="18" charset="0"/>
+                  </a:rPr>
+                  <a:t>Puissance </a:t>
+                </a:r>
+                <a:r>
+                  <a:rPr lang="fr-FR" dirty="0" err="1">
+                    <a:ea typeface="Cambria Math" panose="02040503050406030204" pitchFamily="18" charset="0"/>
+                  </a:rPr>
+                  <a:t>motr</a:t>
+                </a:r>
+                <a:r>
+                  <a:rPr lang="fr-FR" dirty="0">
+                    <a:ea typeface="Cambria Math" panose="02040503050406030204" pitchFamily="18" charset="0"/>
+                  </a:rPr>
+                  <a:t>ice </a:t>
+                </a:r>
+                <a14:m>
+                  <m:oMath xmlns:m="http://schemas.openxmlformats.org/officeDocument/2006/math">
+                    <m:r>
+                      <a:rPr lang="fr-FR" i="1" smtClean="0">
+                        <a:latin typeface="Cambria Math" panose="02040503050406030204" pitchFamily="18" charset="0"/>
+                        <a:ea typeface="Cambria Math" panose="02040503050406030204" pitchFamily="18" charset="0"/>
+                      </a:rPr>
+                      <m:t>𝒫</m:t>
+                    </m:r>
+                    <m:d>
+                      <m:dPr>
+                        <m:ctrlPr>
+                          <a:rPr lang="fr-FR" b="0" i="1" smtClean="0">
+                            <a:latin typeface="Cambria Math" panose="02040503050406030204" pitchFamily="18" charset="0"/>
+                            <a:ea typeface="Cambria Math" panose="02040503050406030204" pitchFamily="18" charset="0"/>
+                          </a:rPr>
+                        </m:ctrlPr>
+                      </m:dPr>
+                      <m:e>
+                        <m:r>
+                          <a:rPr lang="fr-FR" b="0" i="1" smtClean="0">
+                            <a:latin typeface="Cambria Math" panose="02040503050406030204" pitchFamily="18" charset="0"/>
+                            <a:ea typeface="Cambria Math" panose="02040503050406030204" pitchFamily="18" charset="0"/>
+                          </a:rPr>
+                          <m:t>𝑟𝑜𝑡𝑜𝑟</m:t>
+                        </m:r>
+                        <m:r>
+                          <a:rPr lang="fr-FR" b="0" i="1" smtClean="0">
+                            <a:latin typeface="Cambria Math" panose="02040503050406030204" pitchFamily="18" charset="0"/>
+                            <a:ea typeface="Cambria Math" panose="02040503050406030204" pitchFamily="18" charset="0"/>
+                          </a:rPr>
+                          <m:t>→</m:t>
+                        </m:r>
+                        <m:r>
+                          <a:rPr lang="fr-FR" b="0" i="1" smtClean="0">
+                            <a:latin typeface="Cambria Math" panose="02040503050406030204" pitchFamily="18" charset="0"/>
+                            <a:ea typeface="Cambria Math" panose="02040503050406030204" pitchFamily="18" charset="0"/>
+                          </a:rPr>
+                          <m:t>𝑠𝑡𝑎𝑡𝑜𝑟</m:t>
+                        </m:r>
+                        <m:r>
+                          <m:rPr>
+                            <m:lit/>
+                          </m:rPr>
+                          <a:rPr lang="fr-FR" b="0" i="1" smtClean="0">
+                            <a:latin typeface="Cambria Math" panose="02040503050406030204" pitchFamily="18" charset="0"/>
+                            <a:ea typeface="Cambria Math" panose="02040503050406030204" pitchFamily="18" charset="0"/>
+                          </a:rPr>
+                          <m:t>/</m:t>
+                        </m:r>
+                        <m:r>
+                          <a:rPr lang="fr-FR" b="0" i="1" smtClean="0">
+                            <a:latin typeface="Cambria Math" panose="02040503050406030204" pitchFamily="18" charset="0"/>
+                            <a:ea typeface="Cambria Math" panose="02040503050406030204" pitchFamily="18" charset="0"/>
+                          </a:rPr>
+                          <m:t>0 </m:t>
+                        </m:r>
+                      </m:e>
+                    </m:d>
+                    <m:r>
+                      <a:rPr lang="fr-FR" b="0" i="1" smtClean="0">
+                        <a:latin typeface="Cambria Math" panose="02040503050406030204" pitchFamily="18" charset="0"/>
+                        <a:ea typeface="Cambria Math" panose="02040503050406030204" pitchFamily="18" charset="0"/>
+                      </a:rPr>
+                      <m:t>=</m:t>
+                    </m:r>
+                    <m:sSub>
+                      <m:sSubPr>
+                        <m:ctrlPr>
+                          <a:rPr lang="fr-FR" b="0" i="1" smtClean="0">
+                            <a:latin typeface="Cambria Math" panose="02040503050406030204" pitchFamily="18" charset="0"/>
+                            <a:ea typeface="Cambria Math" panose="02040503050406030204" pitchFamily="18" charset="0"/>
+                          </a:rPr>
+                        </m:ctrlPr>
+                      </m:sSubPr>
+                      <m:e>
+                        <m:r>
+                          <a:rPr lang="fr-FR" b="0" i="1" smtClean="0">
+                            <a:latin typeface="Cambria Math" panose="02040503050406030204" pitchFamily="18" charset="0"/>
+                            <a:ea typeface="Cambria Math" panose="02040503050406030204" pitchFamily="18" charset="0"/>
+                          </a:rPr>
+                          <m:t>𝐶</m:t>
+                        </m:r>
+                      </m:e>
+                      <m:sub>
+                        <m:r>
+                          <a:rPr lang="fr-FR" b="0" i="1" smtClean="0">
+                            <a:latin typeface="Cambria Math" panose="02040503050406030204" pitchFamily="18" charset="0"/>
+                            <a:ea typeface="Cambria Math" panose="02040503050406030204" pitchFamily="18" charset="0"/>
+                          </a:rPr>
+                          <m:t>𝑚</m:t>
+                        </m:r>
+                      </m:sub>
+                    </m:sSub>
+                    <m:sSub>
+                      <m:sSubPr>
+                        <m:ctrlPr>
+                          <a:rPr lang="fr-FR" b="0" i="1" smtClean="0">
+                            <a:latin typeface="Cambria Math" panose="02040503050406030204" pitchFamily="18" charset="0"/>
+                            <a:ea typeface="Cambria Math" panose="02040503050406030204" pitchFamily="18" charset="0"/>
+                          </a:rPr>
+                        </m:ctrlPr>
+                      </m:sSubPr>
+                      <m:e>
+                        <m:r>
+                          <a:rPr lang="fr-FR" b="0" i="1" smtClean="0">
+                            <a:latin typeface="Cambria Math" panose="02040503050406030204" pitchFamily="18" charset="0"/>
+                            <a:ea typeface="Cambria Math" panose="02040503050406030204" pitchFamily="18" charset="0"/>
+                          </a:rPr>
+                          <m:t>𝜔</m:t>
+                        </m:r>
+                      </m:e>
+                      <m:sub>
+                        <m:r>
+                          <a:rPr lang="fr-FR" b="0" i="1" smtClean="0">
+                            <a:latin typeface="Cambria Math" panose="02040503050406030204" pitchFamily="18" charset="0"/>
+                            <a:ea typeface="Cambria Math" panose="02040503050406030204" pitchFamily="18" charset="0"/>
+                          </a:rPr>
+                          <m:t>𝑚</m:t>
+                        </m:r>
+                        <m:r>
+                          <m:rPr>
+                            <m:lit/>
+                          </m:rPr>
+                          <a:rPr lang="fr-FR" b="0" i="1" smtClean="0">
+                            <a:latin typeface="Cambria Math" panose="02040503050406030204" pitchFamily="18" charset="0"/>
+                            <a:ea typeface="Cambria Math" panose="02040503050406030204" pitchFamily="18" charset="0"/>
+                          </a:rPr>
+                          <m:t>/</m:t>
+                        </m:r>
+                        <m:r>
+                          <a:rPr lang="fr-FR" b="0" i="1" smtClean="0">
+                            <a:latin typeface="Cambria Math" panose="02040503050406030204" pitchFamily="18" charset="0"/>
+                            <a:ea typeface="Cambria Math" panose="02040503050406030204" pitchFamily="18" charset="0"/>
+                          </a:rPr>
+                          <m:t>0</m:t>
+                        </m:r>
+                      </m:sub>
+                    </m:sSub>
+                  </m:oMath>
+                </a14:m>
+                <a:endParaRPr lang="fr-FR" b="0" dirty="0">
+                  <a:ea typeface="Cambria Math" panose="02040503050406030204" pitchFamily="18" charset="0"/>
+                </a:endParaRPr>
+              </a:p>
+              <a:p>
+                <a:pPr lvl="2"/>
+                <a:r>
+                  <a:rPr lang="fr-FR" dirty="0"/>
+                  <a:t>Puissance de la pesanteur : </a:t>
+                </a:r>
+                <a14:m>
+                  <m:oMath xmlns:m="http://schemas.openxmlformats.org/officeDocument/2006/math">
+                    <m:r>
+                      <a:rPr lang="fr-FR" i="1" smtClean="0">
+                        <a:latin typeface="Cambria Math" panose="02040503050406030204" pitchFamily="18" charset="0"/>
+                        <a:ea typeface="Cambria Math" panose="02040503050406030204" pitchFamily="18" charset="0"/>
+                      </a:rPr>
+                      <m:t>𝒫</m:t>
+                    </m:r>
+                    <m:d>
+                      <m:dPr>
+                        <m:ctrlPr>
+                          <a:rPr lang="fr-FR" b="0" i="1" smtClean="0">
+                            <a:latin typeface="Cambria Math" panose="02040503050406030204" pitchFamily="18" charset="0"/>
+                            <a:ea typeface="Cambria Math" panose="02040503050406030204" pitchFamily="18" charset="0"/>
+                          </a:rPr>
+                        </m:ctrlPr>
+                      </m:dPr>
+                      <m:e>
+                        <m:r>
+                          <a:rPr lang="fr-FR" b="0" i="1" smtClean="0">
+                            <a:latin typeface="Cambria Math" panose="02040503050406030204" pitchFamily="18" charset="0"/>
+                            <a:ea typeface="Cambria Math" panose="02040503050406030204" pitchFamily="18" charset="0"/>
+                          </a:rPr>
+                          <m:t>𝑝𝑒𝑠</m:t>
+                        </m:r>
+                        <m:r>
+                          <a:rPr lang="fr-FR" b="0" i="1" smtClean="0">
+                            <a:latin typeface="Cambria Math" panose="02040503050406030204" pitchFamily="18" charset="0"/>
+                            <a:ea typeface="Cambria Math" panose="02040503050406030204" pitchFamily="18" charset="0"/>
+                          </a:rPr>
+                          <m:t>→</m:t>
+                        </m:r>
+                        <m:r>
+                          <a:rPr lang="fr-FR" b="0" i="1" smtClean="0">
+                            <a:latin typeface="Cambria Math" panose="02040503050406030204" pitchFamily="18" charset="0"/>
+                            <a:ea typeface="Cambria Math" panose="02040503050406030204" pitchFamily="18" charset="0"/>
+                          </a:rPr>
+                          <m:t>𝑎𝑥𝑒</m:t>
+                        </m:r>
+                        <m:r>
+                          <m:rPr>
+                            <m:lit/>
+                          </m:rPr>
+                          <a:rPr lang="fr-FR" b="0" i="1" smtClean="0">
+                            <a:latin typeface="Cambria Math" panose="02040503050406030204" pitchFamily="18" charset="0"/>
+                            <a:ea typeface="Cambria Math" panose="02040503050406030204" pitchFamily="18" charset="0"/>
+                          </a:rPr>
+                          <m:t>/</m:t>
+                        </m:r>
+                        <m:r>
+                          <a:rPr lang="fr-FR" b="0" i="1" smtClean="0">
+                            <a:latin typeface="Cambria Math" panose="02040503050406030204" pitchFamily="18" charset="0"/>
+                            <a:ea typeface="Cambria Math" panose="02040503050406030204" pitchFamily="18" charset="0"/>
+                          </a:rPr>
+                          <m:t>0 </m:t>
+                        </m:r>
+                      </m:e>
+                    </m:d>
+                    <m:r>
+                      <a:rPr lang="fr-FR" i="1">
+                        <a:latin typeface="Cambria Math" panose="02040503050406030204" pitchFamily="18" charset="0"/>
+                        <a:ea typeface="Cambria Math" panose="02040503050406030204" pitchFamily="18" charset="0"/>
+                      </a:rPr>
+                      <m:t>=±</m:t>
+                    </m:r>
+                    <m:d>
+                      <m:dPr>
+                        <m:ctrlPr>
+                          <a:rPr lang="fr-FR" i="1">
+                            <a:latin typeface="Cambria Math" panose="02040503050406030204" pitchFamily="18" charset="0"/>
+                            <a:ea typeface="Cambria Math" panose="02040503050406030204" pitchFamily="18" charset="0"/>
+                          </a:rPr>
+                        </m:ctrlPr>
+                      </m:dPr>
+                      <m:e>
+                        <m:r>
+                          <a:rPr lang="fr-FR" i="1">
+                            <a:latin typeface="Cambria Math" panose="02040503050406030204" pitchFamily="18" charset="0"/>
+                            <a:ea typeface="Cambria Math" panose="02040503050406030204" pitchFamily="18" charset="0"/>
+                          </a:rPr>
+                          <m:t>𝑀</m:t>
+                        </m:r>
+                        <m:r>
+                          <a:rPr lang="fr-FR" i="1">
+                            <a:latin typeface="Cambria Math" panose="02040503050406030204" pitchFamily="18" charset="0"/>
+                            <a:ea typeface="Cambria Math" panose="02040503050406030204" pitchFamily="18" charset="0"/>
+                          </a:rPr>
+                          <m:t>+</m:t>
+                        </m:r>
+                        <m:r>
+                          <a:rPr lang="fr-FR" i="1">
+                            <a:latin typeface="Cambria Math" panose="02040503050406030204" pitchFamily="18" charset="0"/>
+                            <a:ea typeface="Cambria Math" panose="02040503050406030204" pitchFamily="18" charset="0"/>
+                          </a:rPr>
+                          <m:t>𝑛𝑚</m:t>
+                        </m:r>
+                      </m:e>
+                    </m:d>
+                    <m:r>
+                      <a:rPr lang="fr-FR" i="1">
+                        <a:latin typeface="Cambria Math" panose="02040503050406030204" pitchFamily="18" charset="0"/>
+                        <a:ea typeface="Cambria Math" panose="02040503050406030204" pitchFamily="18" charset="0"/>
+                      </a:rPr>
+                      <m:t>𝑔</m:t>
+                    </m:r>
+                    <m:sSub>
+                      <m:sSubPr>
+                        <m:ctrlPr>
+                          <a:rPr lang="fr-FR" i="1">
+                            <a:latin typeface="Cambria Math" panose="02040503050406030204" pitchFamily="18" charset="0"/>
+                            <a:ea typeface="Cambria Math" panose="02040503050406030204" pitchFamily="18" charset="0"/>
+                          </a:rPr>
+                        </m:ctrlPr>
+                      </m:sSubPr>
+                      <m:e>
+                        <m:r>
+                          <a:rPr lang="fr-FR" i="1">
+                            <a:latin typeface="Cambria Math" panose="02040503050406030204" pitchFamily="18" charset="0"/>
+                            <a:ea typeface="Cambria Math" panose="02040503050406030204" pitchFamily="18" charset="0"/>
+                          </a:rPr>
+                          <m:t>𝑉</m:t>
+                        </m:r>
+                      </m:e>
+                      <m:sub>
+                        <m:r>
+                          <a:rPr lang="fr-FR" i="1">
+                            <a:latin typeface="Cambria Math" panose="02040503050406030204" pitchFamily="18" charset="0"/>
+                            <a:ea typeface="Cambria Math" panose="02040503050406030204" pitchFamily="18" charset="0"/>
+                          </a:rPr>
+                          <m:t>𝑎𝑥𝑒</m:t>
+                        </m:r>
+                        <m:r>
+                          <m:rPr>
+                            <m:lit/>
+                          </m:rPr>
+                          <a:rPr lang="fr-FR" i="1">
+                            <a:latin typeface="Cambria Math" panose="02040503050406030204" pitchFamily="18" charset="0"/>
+                            <a:ea typeface="Cambria Math" panose="02040503050406030204" pitchFamily="18" charset="0"/>
+                          </a:rPr>
+                          <m:t>/</m:t>
+                        </m:r>
+                        <m:r>
+                          <a:rPr lang="fr-FR" i="1">
+                            <a:latin typeface="Cambria Math" panose="02040503050406030204" pitchFamily="18" charset="0"/>
+                            <a:ea typeface="Cambria Math" panose="02040503050406030204" pitchFamily="18" charset="0"/>
+                          </a:rPr>
+                          <m:t>0</m:t>
+                        </m:r>
+                      </m:sub>
+                    </m:sSub>
+                  </m:oMath>
+                </a14:m>
+                <a:r>
+                  <a:rPr lang="fr-FR" dirty="0">
+                    <a:ea typeface="Cambria Math" panose="02040503050406030204" pitchFamily="18" charset="0"/>
+                  </a:rPr>
+                  <a:t> </a:t>
+                </a:r>
+                <a14:m>
+                  <m:oMath xmlns:m="http://schemas.openxmlformats.org/officeDocument/2006/math">
+                    <m:r>
+                      <a:rPr lang="fr-FR" i="1">
+                        <a:latin typeface="Cambria Math" panose="02040503050406030204" pitchFamily="18" charset="0"/>
+                        <a:ea typeface="Cambria Math" panose="02040503050406030204" pitchFamily="18" charset="0"/>
+                      </a:rPr>
+                      <m:t>=±</m:t>
+                    </m:r>
+                    <m:d>
+                      <m:dPr>
+                        <m:ctrlPr>
+                          <a:rPr lang="fr-FR" i="1">
+                            <a:latin typeface="Cambria Math" panose="02040503050406030204" pitchFamily="18" charset="0"/>
+                            <a:ea typeface="Cambria Math" panose="02040503050406030204" pitchFamily="18" charset="0"/>
+                          </a:rPr>
+                        </m:ctrlPr>
+                      </m:dPr>
+                      <m:e>
+                        <m:r>
+                          <a:rPr lang="fr-FR" i="1">
+                            <a:latin typeface="Cambria Math" panose="02040503050406030204" pitchFamily="18" charset="0"/>
+                            <a:ea typeface="Cambria Math" panose="02040503050406030204" pitchFamily="18" charset="0"/>
+                          </a:rPr>
+                          <m:t>𝑀</m:t>
+                        </m:r>
+                        <m:r>
+                          <a:rPr lang="fr-FR" i="1">
+                            <a:latin typeface="Cambria Math" panose="02040503050406030204" pitchFamily="18" charset="0"/>
+                            <a:ea typeface="Cambria Math" panose="02040503050406030204" pitchFamily="18" charset="0"/>
+                          </a:rPr>
+                          <m:t>+</m:t>
+                        </m:r>
+                        <m:r>
+                          <a:rPr lang="fr-FR" i="1">
+                            <a:latin typeface="Cambria Math" panose="02040503050406030204" pitchFamily="18" charset="0"/>
+                            <a:ea typeface="Cambria Math" panose="02040503050406030204" pitchFamily="18" charset="0"/>
+                          </a:rPr>
+                          <m:t>𝑛𝑚</m:t>
+                        </m:r>
+                      </m:e>
+                    </m:d>
+                    <m:r>
+                      <a:rPr lang="fr-FR" i="1">
+                        <a:latin typeface="Cambria Math" panose="02040503050406030204" pitchFamily="18" charset="0"/>
+                        <a:ea typeface="Cambria Math" panose="02040503050406030204" pitchFamily="18" charset="0"/>
+                      </a:rPr>
+                      <m:t>𝑔</m:t>
+                    </m:r>
+                    <m:r>
+                      <a:rPr lang="fr-FR" i="1" smtClean="0">
+                        <a:latin typeface="Cambria Math" panose="02040503050406030204" pitchFamily="18" charset="0"/>
+                        <a:ea typeface="Cambria Math" panose="02040503050406030204" pitchFamily="18" charset="0"/>
+                      </a:rPr>
+                      <m:t>𝐾</m:t>
+                    </m:r>
+                    <m:sSub>
+                      <m:sSubPr>
+                        <m:ctrlPr>
+                          <a:rPr lang="fr-FR" i="1">
+                            <a:latin typeface="Cambria Math" panose="02040503050406030204" pitchFamily="18" charset="0"/>
+                            <a:ea typeface="Cambria Math" panose="02040503050406030204" pitchFamily="18" charset="0"/>
+                          </a:rPr>
+                        </m:ctrlPr>
+                      </m:sSubPr>
+                      <m:e>
+                        <m:r>
+                          <a:rPr lang="fr-FR" i="1">
+                            <a:latin typeface="Cambria Math" panose="02040503050406030204" pitchFamily="18" charset="0"/>
+                            <a:ea typeface="Cambria Math" panose="02040503050406030204" pitchFamily="18" charset="0"/>
+                          </a:rPr>
+                          <m:t>𝜔</m:t>
+                        </m:r>
+                      </m:e>
+                      <m:sub>
+                        <m:r>
+                          <a:rPr lang="fr-FR" i="1">
+                            <a:latin typeface="Cambria Math" panose="02040503050406030204" pitchFamily="18" charset="0"/>
+                            <a:ea typeface="Cambria Math" panose="02040503050406030204" pitchFamily="18" charset="0"/>
+                          </a:rPr>
+                          <m:t>𝑚</m:t>
+                        </m:r>
+                        <m:r>
+                          <m:rPr>
+                            <m:lit/>
+                          </m:rPr>
+                          <a:rPr lang="fr-FR" i="1">
+                            <a:latin typeface="Cambria Math" panose="02040503050406030204" pitchFamily="18" charset="0"/>
+                            <a:ea typeface="Cambria Math" panose="02040503050406030204" pitchFamily="18" charset="0"/>
+                          </a:rPr>
+                          <m:t>/</m:t>
+                        </m:r>
+                        <m:r>
+                          <a:rPr lang="fr-FR" i="1">
+                            <a:latin typeface="Cambria Math" panose="02040503050406030204" pitchFamily="18" charset="0"/>
+                            <a:ea typeface="Cambria Math" panose="02040503050406030204" pitchFamily="18" charset="0"/>
+                          </a:rPr>
+                          <m:t>0</m:t>
+                        </m:r>
+                      </m:sub>
+                    </m:sSub>
+                  </m:oMath>
+                </a14:m>
+                <a:endParaRPr lang="fr-FR" dirty="0"/>
+              </a:p>
+            </p:txBody>
+          </p:sp>
+        </mc:Choice>
+        <mc:Fallback xmlns="">
+          <p:sp>
+            <p:nvSpPr>
+              <p:cNvPr id="3" name="Espace réservé du contenu 2">
+                <a:extLst>
+                  <a:ext uri="{FF2B5EF4-FFF2-40B4-BE49-F238E27FC236}">
+                    <a16:creationId xmlns:a16="http://schemas.microsoft.com/office/drawing/2014/main" id="{01216E43-4963-B0A0-8737-FF44BF7186A5}"/>
+                  </a:ext>
+                </a:extLst>
+              </p:cNvPr>
+              <p:cNvSpPr>
+                <a:spLocks noGrp="1" noRot="1" noChangeAspect="1" noMove="1" noResize="1" noEditPoints="1" noAdjustHandles="1" noChangeArrowheads="1" noChangeShapeType="1" noTextEdit="1"/>
+              </p:cNvSpPr>
+              <p:nvPr>
+                <p:ph idx="1"/>
+              </p:nvPr>
+            </p:nvSpPr>
+            <p:spPr>
+              <a:xfrm>
+                <a:off x="117795" y="981886"/>
+                <a:ext cx="5869119" cy="5264909"/>
+              </a:xfrm>
+              <a:blipFill>
+                <a:blip r:embed="rId2"/>
+                <a:stretch>
+                  <a:fillRect l="-1973" t="-2083" r="-208"/>
+                </a:stretch>
+              </a:blipFill>
+            </p:spPr>
+            <p:txBody>
+              <a:bodyPr/>
+              <a:lstStyle/>
+              <a:p>
+                <a:r>
+                  <a:rPr lang="fr-FR">
+                    <a:noFill/>
+                  </a:rPr>
+                  <a:t> </a:t>
+                </a:r>
+              </a:p>
+            </p:txBody>
+          </p:sp>
+        </mc:Fallback>
+      </mc:AlternateContent>
+      <mc:AlternateContent xmlns:mc="http://schemas.openxmlformats.org/markup-compatibility/2006" xmlns:a14="http://schemas.microsoft.com/office/drawing/2010/main">
+        <mc:Choice Requires="a14">
+          <p:sp>
+            <p:nvSpPr>
+              <p:cNvPr id="4" name="Espace réservé du contenu 2">
+                <a:extLst>
+                  <a:ext uri="{FF2B5EF4-FFF2-40B4-BE49-F238E27FC236}">
+                    <a16:creationId xmlns:a16="http://schemas.microsoft.com/office/drawing/2014/main" id="{E7F53A8B-C997-DCCC-B9F3-26A7F8E42C86}"/>
+                  </a:ext>
+                </a:extLst>
+              </p:cNvPr>
+              <p:cNvSpPr txBox="1">
+                <a:spLocks/>
+              </p:cNvSpPr>
+              <p:nvPr/>
+            </p:nvSpPr>
+            <p:spPr>
+              <a:xfrm>
+                <a:off x="6096000" y="981886"/>
+                <a:ext cx="5978205" cy="5264909"/>
+              </a:xfrm>
+              <a:prstGeom prst="rect">
+                <a:avLst/>
+              </a:prstGeom>
+            </p:spPr>
+            <p:txBody>
+              <a:bodyPr vert="horz" lIns="0" tIns="45720" rIns="0" bIns="45720" rtlCol="0">
+                <a:normAutofit fontScale="92500" lnSpcReduction="20000"/>
+              </a:bodyPr>
+              <a:lstStyle>
+                <a:lvl1pPr marL="271463" indent="-269875" algn="l" defTabSz="914400" rtl="0" eaLnBrk="1" latinLnBrk="0" hangingPunct="1">
+                  <a:lnSpc>
+                    <a:spcPct val="90000"/>
+                  </a:lnSpc>
+                  <a:spcBef>
+                    <a:spcPts val="1200"/>
+                  </a:spcBef>
+                  <a:spcAft>
+                    <a:spcPts val="200"/>
+                  </a:spcAft>
+                  <a:buClr>
+                    <a:schemeClr val="tx2"/>
+                  </a:buClr>
+                  <a:buSzPct val="80000"/>
+                  <a:buFont typeface="Wingdings" panose="05000000000000000000" pitchFamily="2" charset="2"/>
+                  <a:buChar char="q"/>
+                  <a:defRPr lang="fr-FR" sz="2800" kern="1200">
+                    <a:solidFill>
+                      <a:schemeClr val="tx1">
+                        <a:lumMod val="75000"/>
+                        <a:lumOff val="25000"/>
+                      </a:schemeClr>
+                    </a:solidFill>
+                    <a:latin typeface="+mn-lt"/>
+                    <a:ea typeface="+mn-ea"/>
+                    <a:cs typeface="+mn-cs"/>
+                  </a:defRPr>
+                </a:lvl1pPr>
+                <a:lvl2pPr marL="449263" indent="-249238" algn="l" defTabSz="914400" rtl="0" eaLnBrk="1" latinLnBrk="0" hangingPunct="1">
+                  <a:lnSpc>
+                    <a:spcPct val="90000"/>
+                  </a:lnSpc>
+                  <a:spcBef>
+                    <a:spcPts val="200"/>
+                  </a:spcBef>
+                  <a:spcAft>
+                    <a:spcPts val="400"/>
+                  </a:spcAft>
+                  <a:buClr>
+                    <a:schemeClr val="accent1"/>
+                  </a:buClr>
+                  <a:buSzPct val="80000"/>
+                  <a:buFont typeface="Wingdings" panose="05000000000000000000" pitchFamily="2" charset="2"/>
+                  <a:buChar char="q"/>
+                  <a:defRPr lang="fr-FR" sz="2400" kern="1200">
+                    <a:solidFill>
+                      <a:schemeClr val="tx1">
+                        <a:lumMod val="75000"/>
+                        <a:lumOff val="25000"/>
+                      </a:schemeClr>
+                    </a:solidFill>
+                    <a:latin typeface="+mn-lt"/>
+                    <a:ea typeface="+mn-ea"/>
+                    <a:cs typeface="+mn-cs"/>
+                  </a:defRPr>
+                </a:lvl2pPr>
+                <a:lvl3pPr marL="627063" indent="-242888" algn="l" defTabSz="914400" rtl="0" eaLnBrk="1" latinLnBrk="0" hangingPunct="1">
+                  <a:lnSpc>
+                    <a:spcPct val="90000"/>
+                  </a:lnSpc>
+                  <a:spcBef>
+                    <a:spcPts val="200"/>
+                  </a:spcBef>
+                  <a:spcAft>
+                    <a:spcPts val="400"/>
+                  </a:spcAft>
+                  <a:buClr>
+                    <a:schemeClr val="accent2"/>
+                  </a:buClr>
+                  <a:buSzPct val="80000"/>
+                  <a:buFont typeface="Wingdings" panose="05000000000000000000" pitchFamily="2" charset="2"/>
+                  <a:buChar char="q"/>
+                  <a:defRPr lang="fr-FR" sz="1800" kern="1200">
+                    <a:solidFill>
+                      <a:schemeClr val="tx1">
+                        <a:lumMod val="75000"/>
+                        <a:lumOff val="25000"/>
+                      </a:schemeClr>
+                    </a:solidFill>
+                    <a:latin typeface="+mn-lt"/>
+                    <a:ea typeface="+mn-ea"/>
+                    <a:cs typeface="+mn-cs"/>
+                  </a:defRPr>
+                </a:lvl3pPr>
+                <a:lvl4pPr marL="804863" indent="-238125" algn="l" defTabSz="914400" rtl="0" eaLnBrk="1" latinLnBrk="0" hangingPunct="1">
+                  <a:lnSpc>
+                    <a:spcPct val="90000"/>
+                  </a:lnSpc>
+                  <a:spcBef>
+                    <a:spcPts val="200"/>
+                  </a:spcBef>
+                  <a:spcAft>
+                    <a:spcPts val="400"/>
+                  </a:spcAft>
+                  <a:buClr>
+                    <a:schemeClr val="accent3"/>
+                  </a:buClr>
+                  <a:buSzPct val="80000"/>
+                  <a:buFont typeface="Wingdings" panose="05000000000000000000" pitchFamily="2" charset="2"/>
+                  <a:buChar char="q"/>
+                  <a:defRPr lang="fr-FR" sz="1800" kern="1200">
+                    <a:solidFill>
+                      <a:schemeClr val="tx1">
+                        <a:lumMod val="75000"/>
+                        <a:lumOff val="25000"/>
+                      </a:schemeClr>
+                    </a:solidFill>
+                    <a:latin typeface="+mn-lt"/>
+                    <a:ea typeface="+mn-ea"/>
+                    <a:cs typeface="+mn-cs"/>
+                  </a:defRPr>
+                </a:lvl4pPr>
+                <a:lvl5pPr marL="982663" indent="-233363" algn="l" defTabSz="914400" rtl="0" eaLnBrk="1" latinLnBrk="0" hangingPunct="1">
+                  <a:lnSpc>
+                    <a:spcPct val="90000"/>
+                  </a:lnSpc>
+                  <a:spcBef>
+                    <a:spcPts val="200"/>
+                  </a:spcBef>
+                  <a:spcAft>
+                    <a:spcPts val="400"/>
+                  </a:spcAft>
+                  <a:buClr>
+                    <a:schemeClr val="accent4"/>
+                  </a:buClr>
+                  <a:buSzPct val="80000"/>
+                  <a:buFont typeface="Wingdings" panose="05000000000000000000" pitchFamily="2" charset="2"/>
+                  <a:buChar char="q"/>
+                  <a:defRPr lang="en-US" sz="1800" kern="1200">
+                    <a:solidFill>
+                      <a:schemeClr val="tx1">
+                        <a:lumMod val="75000"/>
+                        <a:lumOff val="25000"/>
+                      </a:schemeClr>
+                    </a:solidFill>
+                    <a:latin typeface="+mn-lt"/>
+                    <a:ea typeface="+mn-ea"/>
+                    <a:cs typeface="+mn-cs"/>
+                  </a:defRPr>
+                </a:lvl5pPr>
+                <a:lvl6pPr marL="1100000" indent="-228600" algn="l" defTabSz="914400" rtl="0" eaLnBrk="1" latinLnBrk="0" hangingPunct="1">
+                  <a:lnSpc>
+                    <a:spcPct val="90000"/>
+                  </a:lnSpc>
+                  <a:spcBef>
+                    <a:spcPts val="200"/>
+                  </a:spcBef>
+                  <a:spcAft>
+                    <a:spcPts val="400"/>
+                  </a:spcAft>
+                  <a:buClr>
+                    <a:schemeClr val="accent1"/>
+                  </a:buClr>
+                  <a:buFont typeface="Calibri" pitchFamily="34" charset="0"/>
+                  <a:buChar char="◦"/>
+                  <a:defRPr sz="1400" kern="1200">
+                    <a:solidFill>
+                      <a:schemeClr val="tx1">
+                        <a:lumMod val="75000"/>
+                        <a:lumOff val="25000"/>
+                      </a:schemeClr>
+                    </a:solidFill>
+                    <a:latin typeface="+mn-lt"/>
+                    <a:ea typeface="+mn-ea"/>
+                    <a:cs typeface="+mn-cs"/>
+                  </a:defRPr>
+                </a:lvl6pPr>
+                <a:lvl7pPr marL="1300000" indent="-228600" algn="l" defTabSz="914400" rtl="0" eaLnBrk="1" latinLnBrk="0" hangingPunct="1">
+                  <a:lnSpc>
+                    <a:spcPct val="90000"/>
+                  </a:lnSpc>
+                  <a:spcBef>
+                    <a:spcPts val="200"/>
+                  </a:spcBef>
+                  <a:spcAft>
+                    <a:spcPts val="400"/>
+                  </a:spcAft>
+                  <a:buClr>
+                    <a:schemeClr val="accent1"/>
+                  </a:buClr>
+                  <a:buFont typeface="Calibri" pitchFamily="34" charset="0"/>
+                  <a:buChar char="◦"/>
+                  <a:defRPr sz="1400" kern="1200">
+                    <a:solidFill>
+                      <a:schemeClr val="tx1">
+                        <a:lumMod val="75000"/>
+                        <a:lumOff val="25000"/>
+                      </a:schemeClr>
+                    </a:solidFill>
+                    <a:latin typeface="+mn-lt"/>
+                    <a:ea typeface="+mn-ea"/>
+                    <a:cs typeface="+mn-cs"/>
+                  </a:defRPr>
+                </a:lvl7pPr>
+                <a:lvl8pPr marL="1500000" indent="-228600" algn="l" defTabSz="914400" rtl="0" eaLnBrk="1" latinLnBrk="0" hangingPunct="1">
+                  <a:lnSpc>
+                    <a:spcPct val="90000"/>
+                  </a:lnSpc>
+                  <a:spcBef>
+                    <a:spcPts val="200"/>
+                  </a:spcBef>
+                  <a:spcAft>
+                    <a:spcPts val="400"/>
+                  </a:spcAft>
+                  <a:buClr>
+                    <a:schemeClr val="accent1"/>
+                  </a:buClr>
+                  <a:buFont typeface="Calibri" pitchFamily="34" charset="0"/>
+                  <a:buChar char="◦"/>
+                  <a:defRPr sz="1400" kern="1200">
+                    <a:solidFill>
+                      <a:schemeClr val="tx1">
+                        <a:lumMod val="75000"/>
+                        <a:lumOff val="25000"/>
+                      </a:schemeClr>
+                    </a:solidFill>
+                    <a:latin typeface="+mn-lt"/>
+                    <a:ea typeface="+mn-ea"/>
+                    <a:cs typeface="+mn-cs"/>
+                  </a:defRPr>
+                </a:lvl8pPr>
+                <a:lvl9pPr marL="1700000" indent="-228600" algn="l" defTabSz="914400" rtl="0" eaLnBrk="1" latinLnBrk="0" hangingPunct="1">
+                  <a:lnSpc>
+                    <a:spcPct val="90000"/>
+                  </a:lnSpc>
+                  <a:spcBef>
+                    <a:spcPts val="200"/>
+                  </a:spcBef>
+                  <a:spcAft>
+                    <a:spcPts val="400"/>
+                  </a:spcAft>
+                  <a:buClr>
+                    <a:schemeClr val="accent1"/>
+                  </a:buClr>
+                  <a:buFont typeface="Calibri" pitchFamily="34" charset="0"/>
+                  <a:buChar char="◦"/>
+                  <a:defRPr sz="1400" kern="1200">
+                    <a:solidFill>
+                      <a:schemeClr val="tx1">
+                        <a:lumMod val="75000"/>
+                        <a:lumOff val="25000"/>
+                      </a:schemeClr>
+                    </a:solidFill>
+                    <a:latin typeface="+mn-lt"/>
+                    <a:ea typeface="+mn-ea"/>
+                    <a:cs typeface="+mn-cs"/>
+                  </a:defRPr>
+                </a:lvl9pPr>
+              </a:lstStyle>
+              <a:p>
+                <a:r>
+                  <a:rPr lang="fr-FR" dirty="0"/>
+                  <a:t>Calcul de l’énergie cinétique</a:t>
+                </a:r>
+              </a:p>
+              <a:p>
+                <a14:m>
+                  <m:oMath xmlns:m="http://schemas.openxmlformats.org/officeDocument/2006/math">
+                    <m:sSub>
+                      <m:sSubPr>
+                        <m:ctrlPr>
+                          <a:rPr lang="fr-FR" b="0" i="1" smtClean="0">
+                            <a:latin typeface="Cambria Math" panose="02040503050406030204" pitchFamily="18" charset="0"/>
+                            <a:ea typeface="Cambria Math" panose="02040503050406030204" pitchFamily="18" charset="0"/>
+                          </a:rPr>
+                        </m:ctrlPr>
+                      </m:sSubPr>
+                      <m:e>
+                        <m:r>
+                          <a:rPr lang="fr-FR" i="1" smtClean="0">
+                            <a:latin typeface="Cambria Math" panose="02040503050406030204" pitchFamily="18" charset="0"/>
+                            <a:ea typeface="Cambria Math" panose="02040503050406030204" pitchFamily="18" charset="0"/>
+                          </a:rPr>
+                          <m:t>ℰ</m:t>
+                        </m:r>
+                      </m:e>
+                      <m:sub>
+                        <m:r>
+                          <a:rPr lang="fr-FR" b="0" i="1" smtClean="0">
+                            <a:latin typeface="Cambria Math" panose="02040503050406030204" pitchFamily="18" charset="0"/>
+                            <a:ea typeface="Cambria Math" panose="02040503050406030204" pitchFamily="18" charset="0"/>
+                          </a:rPr>
+                          <m:t>𝑐</m:t>
+                        </m:r>
+                      </m:sub>
+                    </m:sSub>
+                    <m:d>
+                      <m:dPr>
+                        <m:ctrlPr>
+                          <a:rPr lang="fr-FR" b="0" i="1" smtClean="0">
+                            <a:latin typeface="Cambria Math" panose="02040503050406030204" pitchFamily="18" charset="0"/>
+                            <a:ea typeface="Cambria Math" panose="02040503050406030204" pitchFamily="18" charset="0"/>
+                          </a:rPr>
+                        </m:ctrlPr>
+                      </m:dPr>
+                      <m:e>
+                        <m:r>
+                          <m:rPr>
+                            <m:sty m:val="p"/>
+                          </m:rPr>
+                          <a:rPr lang="fr-FR" b="0" i="0" smtClean="0">
+                            <a:latin typeface="Cambria Math" panose="02040503050406030204" pitchFamily="18" charset="0"/>
+                            <a:ea typeface="Cambria Math" panose="02040503050406030204" pitchFamily="18" charset="0"/>
+                          </a:rPr>
+                          <m:t>Σ</m:t>
+                        </m:r>
+                        <m:r>
+                          <m:rPr>
+                            <m:lit/>
+                          </m:rPr>
+                          <a:rPr lang="fr-FR" b="0" i="1" smtClean="0">
+                            <a:latin typeface="Cambria Math" panose="02040503050406030204" pitchFamily="18" charset="0"/>
+                            <a:ea typeface="Cambria Math" panose="02040503050406030204" pitchFamily="18" charset="0"/>
+                          </a:rPr>
+                          <m:t>/</m:t>
+                        </m:r>
+                        <m:r>
+                          <a:rPr lang="fr-FR" b="0" i="1" smtClean="0">
+                            <a:latin typeface="Cambria Math" panose="02040503050406030204" pitchFamily="18" charset="0"/>
+                            <a:ea typeface="Cambria Math" panose="02040503050406030204" pitchFamily="18" charset="0"/>
+                          </a:rPr>
+                          <m:t>0</m:t>
+                        </m:r>
+                      </m:e>
+                    </m:d>
+                    <m:r>
+                      <a:rPr lang="fr-FR" b="0" i="1" smtClean="0">
+                        <a:latin typeface="Cambria Math" panose="02040503050406030204" pitchFamily="18" charset="0"/>
+                        <a:ea typeface="Cambria Math" panose="02040503050406030204" pitchFamily="18" charset="0"/>
+                      </a:rPr>
+                      <m:t>=</m:t>
+                    </m:r>
+                    <m:f>
+                      <m:fPr>
+                        <m:ctrlPr>
+                          <a:rPr lang="fr-FR" i="1">
+                            <a:latin typeface="Cambria Math" panose="02040503050406030204" pitchFamily="18" charset="0"/>
+                            <a:ea typeface="Cambria Math" panose="02040503050406030204" pitchFamily="18" charset="0"/>
+                          </a:rPr>
+                        </m:ctrlPr>
+                      </m:fPr>
+                      <m:num>
+                        <m:r>
+                          <a:rPr lang="fr-FR" i="1">
+                            <a:latin typeface="Cambria Math" panose="02040503050406030204" pitchFamily="18" charset="0"/>
+                            <a:ea typeface="Cambria Math" panose="02040503050406030204" pitchFamily="18" charset="0"/>
+                          </a:rPr>
+                          <m:t>1</m:t>
+                        </m:r>
+                      </m:num>
+                      <m:den>
+                        <m:r>
+                          <a:rPr lang="fr-FR" i="1">
+                            <a:latin typeface="Cambria Math" panose="02040503050406030204" pitchFamily="18" charset="0"/>
+                            <a:ea typeface="Cambria Math" panose="02040503050406030204" pitchFamily="18" charset="0"/>
+                          </a:rPr>
+                          <m:t>2</m:t>
+                        </m:r>
+                      </m:den>
+                    </m:f>
+                    <m:sSub>
+                      <m:sSubPr>
+                        <m:ctrlPr>
+                          <a:rPr lang="fr-FR" i="1">
+                            <a:latin typeface="Cambria Math" panose="02040503050406030204" pitchFamily="18" charset="0"/>
+                            <a:ea typeface="Cambria Math" panose="02040503050406030204" pitchFamily="18" charset="0"/>
+                          </a:rPr>
+                        </m:ctrlPr>
+                      </m:sSubPr>
+                      <m:e>
+                        <m:r>
+                          <a:rPr lang="fr-FR" i="1">
+                            <a:latin typeface="Cambria Math" panose="02040503050406030204" pitchFamily="18" charset="0"/>
+                            <a:ea typeface="Cambria Math" panose="02040503050406030204" pitchFamily="18" charset="0"/>
+                          </a:rPr>
+                          <m:t>𝐽</m:t>
+                        </m:r>
+                      </m:e>
+                      <m:sub>
+                        <m:r>
+                          <a:rPr lang="fr-FR" i="1">
+                            <a:latin typeface="Cambria Math" panose="02040503050406030204" pitchFamily="18" charset="0"/>
+                            <a:ea typeface="Cambria Math" panose="02040503050406030204" pitchFamily="18" charset="0"/>
+                          </a:rPr>
+                          <m:t>𝑚</m:t>
+                        </m:r>
+                      </m:sub>
+                    </m:sSub>
+                    <m:sSubSup>
+                      <m:sSubSupPr>
+                        <m:ctrlPr>
+                          <a:rPr lang="fr-FR" i="1">
+                            <a:latin typeface="Cambria Math" panose="02040503050406030204" pitchFamily="18" charset="0"/>
+                            <a:ea typeface="Cambria Math" panose="02040503050406030204" pitchFamily="18" charset="0"/>
+                          </a:rPr>
+                        </m:ctrlPr>
+                      </m:sSubSupPr>
+                      <m:e>
+                        <m:r>
+                          <a:rPr lang="fr-FR" i="1">
+                            <a:latin typeface="Cambria Math" panose="02040503050406030204" pitchFamily="18" charset="0"/>
+                            <a:ea typeface="Cambria Math" panose="02040503050406030204" pitchFamily="18" charset="0"/>
+                          </a:rPr>
+                          <m:t>𝜔</m:t>
+                        </m:r>
+                      </m:e>
+                      <m:sub>
+                        <m:r>
+                          <a:rPr lang="fr-FR" i="1">
+                            <a:latin typeface="Cambria Math" panose="02040503050406030204" pitchFamily="18" charset="0"/>
+                            <a:ea typeface="Cambria Math" panose="02040503050406030204" pitchFamily="18" charset="0"/>
+                          </a:rPr>
+                          <m:t>𝑚</m:t>
+                        </m:r>
+                      </m:sub>
+                      <m:sup>
+                        <m:r>
+                          <a:rPr lang="fr-FR" i="1">
+                            <a:latin typeface="Cambria Math" panose="02040503050406030204" pitchFamily="18" charset="0"/>
+                            <a:ea typeface="Cambria Math" panose="02040503050406030204" pitchFamily="18" charset="0"/>
+                          </a:rPr>
+                          <m:t>2</m:t>
+                        </m:r>
+                      </m:sup>
+                    </m:sSubSup>
+                  </m:oMath>
+                </a14:m>
+                <a:r>
+                  <a:rPr lang="fr-FR" dirty="0"/>
+                  <a:t> +</a:t>
+                </a:r>
+                <a:r>
+                  <a:rPr lang="fr-FR" dirty="0">
+                    <a:ea typeface="Cambria Math" panose="02040503050406030204" pitchFamily="18" charset="0"/>
+                  </a:rPr>
+                  <a:t> </a:t>
+                </a:r>
+                <a14:m>
+                  <m:oMath xmlns:m="http://schemas.openxmlformats.org/officeDocument/2006/math">
+                    <m:f>
+                      <m:fPr>
+                        <m:ctrlPr>
+                          <a:rPr lang="fr-FR" i="1">
+                            <a:latin typeface="Cambria Math" panose="02040503050406030204" pitchFamily="18" charset="0"/>
+                            <a:ea typeface="Cambria Math" panose="02040503050406030204" pitchFamily="18" charset="0"/>
+                          </a:rPr>
+                        </m:ctrlPr>
+                      </m:fPr>
+                      <m:num>
+                        <m:r>
+                          <a:rPr lang="fr-FR" i="1">
+                            <a:latin typeface="Cambria Math" panose="02040503050406030204" pitchFamily="18" charset="0"/>
+                            <a:ea typeface="Cambria Math" panose="02040503050406030204" pitchFamily="18" charset="0"/>
+                          </a:rPr>
+                          <m:t>1</m:t>
+                        </m:r>
+                      </m:num>
+                      <m:den>
+                        <m:r>
+                          <a:rPr lang="fr-FR" i="1">
+                            <a:latin typeface="Cambria Math" panose="02040503050406030204" pitchFamily="18" charset="0"/>
+                            <a:ea typeface="Cambria Math" panose="02040503050406030204" pitchFamily="18" charset="0"/>
+                          </a:rPr>
+                          <m:t>2</m:t>
+                        </m:r>
+                      </m:den>
+                    </m:f>
+                    <m:sSub>
+                      <m:sSubPr>
+                        <m:ctrlPr>
+                          <a:rPr lang="fr-FR" i="1">
+                            <a:latin typeface="Cambria Math" panose="02040503050406030204" pitchFamily="18" charset="0"/>
+                            <a:ea typeface="Cambria Math" panose="02040503050406030204" pitchFamily="18" charset="0"/>
+                          </a:rPr>
+                        </m:ctrlPr>
+                      </m:sSubPr>
+                      <m:e>
+                        <m:r>
+                          <a:rPr lang="fr-FR" i="1">
+                            <a:latin typeface="Cambria Math" panose="02040503050406030204" pitchFamily="18" charset="0"/>
+                            <a:ea typeface="Cambria Math" panose="02040503050406030204" pitchFamily="18" charset="0"/>
+                          </a:rPr>
+                          <m:t>𝐽</m:t>
+                        </m:r>
+                      </m:e>
+                      <m:sub>
+                        <m:r>
+                          <a:rPr lang="fr-FR" b="0" i="1" smtClean="0">
+                            <a:latin typeface="Cambria Math" panose="02040503050406030204" pitchFamily="18" charset="0"/>
+                            <a:ea typeface="Cambria Math" panose="02040503050406030204" pitchFamily="18" charset="0"/>
+                          </a:rPr>
+                          <m:t>𝑟</m:t>
+                        </m:r>
+                      </m:sub>
+                    </m:sSub>
+                    <m:sSubSup>
+                      <m:sSubSupPr>
+                        <m:ctrlPr>
+                          <a:rPr lang="fr-FR" i="1">
+                            <a:latin typeface="Cambria Math" panose="02040503050406030204" pitchFamily="18" charset="0"/>
+                            <a:ea typeface="Cambria Math" panose="02040503050406030204" pitchFamily="18" charset="0"/>
+                          </a:rPr>
+                        </m:ctrlPr>
+                      </m:sSubSupPr>
+                      <m:e>
+                        <m:r>
+                          <a:rPr lang="fr-FR" i="1">
+                            <a:latin typeface="Cambria Math" panose="02040503050406030204" pitchFamily="18" charset="0"/>
+                            <a:ea typeface="Cambria Math" panose="02040503050406030204" pitchFamily="18" charset="0"/>
+                          </a:rPr>
+                          <m:t>𝜔</m:t>
+                        </m:r>
+                      </m:e>
+                      <m:sub>
+                        <m:r>
+                          <a:rPr lang="fr-FR" b="0" i="1" smtClean="0">
+                            <a:latin typeface="Cambria Math" panose="02040503050406030204" pitchFamily="18" charset="0"/>
+                            <a:ea typeface="Cambria Math" panose="02040503050406030204" pitchFamily="18" charset="0"/>
+                          </a:rPr>
+                          <m:t>𝑟</m:t>
+                        </m:r>
+                      </m:sub>
+                      <m:sup>
+                        <m:r>
+                          <a:rPr lang="fr-FR" i="1">
+                            <a:latin typeface="Cambria Math" panose="02040503050406030204" pitchFamily="18" charset="0"/>
+                            <a:ea typeface="Cambria Math" panose="02040503050406030204" pitchFamily="18" charset="0"/>
+                          </a:rPr>
+                          <m:t>2</m:t>
+                        </m:r>
+                      </m:sup>
+                    </m:sSubSup>
+                  </m:oMath>
+                </a14:m>
+                <a:r>
+                  <a:rPr lang="fr-FR" dirty="0"/>
+                  <a:t> +</a:t>
+                </a:r>
+                <a:r>
+                  <a:rPr lang="fr-FR" dirty="0">
+                    <a:ea typeface="Cambria Math" panose="02040503050406030204" pitchFamily="18" charset="0"/>
+                  </a:rPr>
+                  <a:t> </a:t>
+                </a:r>
+                <a14:m>
+                  <m:oMath xmlns:m="http://schemas.openxmlformats.org/officeDocument/2006/math">
+                    <m:f>
+                      <m:fPr>
+                        <m:ctrlPr>
+                          <a:rPr lang="fr-FR" i="1">
+                            <a:latin typeface="Cambria Math" panose="02040503050406030204" pitchFamily="18" charset="0"/>
+                            <a:ea typeface="Cambria Math" panose="02040503050406030204" pitchFamily="18" charset="0"/>
+                          </a:rPr>
+                        </m:ctrlPr>
+                      </m:fPr>
+                      <m:num>
+                        <m:r>
+                          <a:rPr lang="fr-FR" i="1">
+                            <a:latin typeface="Cambria Math" panose="02040503050406030204" pitchFamily="18" charset="0"/>
+                            <a:ea typeface="Cambria Math" panose="02040503050406030204" pitchFamily="18" charset="0"/>
+                          </a:rPr>
+                          <m:t>1</m:t>
+                        </m:r>
+                      </m:num>
+                      <m:den>
+                        <m:r>
+                          <a:rPr lang="fr-FR" i="1">
+                            <a:latin typeface="Cambria Math" panose="02040503050406030204" pitchFamily="18" charset="0"/>
+                            <a:ea typeface="Cambria Math" panose="02040503050406030204" pitchFamily="18" charset="0"/>
+                          </a:rPr>
+                          <m:t>2</m:t>
+                        </m:r>
+                      </m:den>
+                    </m:f>
+                    <m:sSub>
+                      <m:sSubPr>
+                        <m:ctrlPr>
+                          <a:rPr lang="fr-FR" i="1">
+                            <a:latin typeface="Cambria Math" panose="02040503050406030204" pitchFamily="18" charset="0"/>
+                            <a:ea typeface="Cambria Math" panose="02040503050406030204" pitchFamily="18" charset="0"/>
+                          </a:rPr>
+                        </m:ctrlPr>
+                      </m:sSubPr>
+                      <m:e>
+                        <m:r>
+                          <a:rPr lang="fr-FR" i="1">
+                            <a:latin typeface="Cambria Math" panose="02040503050406030204" pitchFamily="18" charset="0"/>
+                            <a:ea typeface="Cambria Math" panose="02040503050406030204" pitchFamily="18" charset="0"/>
+                          </a:rPr>
+                          <m:t>𝐽</m:t>
+                        </m:r>
+                      </m:e>
+                      <m:sub>
+                        <m:r>
+                          <a:rPr lang="fr-FR" b="0" i="1" smtClean="0">
+                            <a:latin typeface="Cambria Math" panose="02040503050406030204" pitchFamily="18" charset="0"/>
+                            <a:ea typeface="Cambria Math" panose="02040503050406030204" pitchFamily="18" charset="0"/>
+                          </a:rPr>
+                          <m:t>𝑝</m:t>
+                        </m:r>
+                      </m:sub>
+                    </m:sSub>
+                    <m:sSubSup>
+                      <m:sSubSupPr>
+                        <m:ctrlPr>
+                          <a:rPr lang="fr-FR" i="1">
+                            <a:latin typeface="Cambria Math" panose="02040503050406030204" pitchFamily="18" charset="0"/>
+                            <a:ea typeface="Cambria Math" panose="02040503050406030204" pitchFamily="18" charset="0"/>
+                          </a:rPr>
+                        </m:ctrlPr>
+                      </m:sSubSupPr>
+                      <m:e>
+                        <m:r>
+                          <a:rPr lang="fr-FR" i="1">
+                            <a:latin typeface="Cambria Math" panose="02040503050406030204" pitchFamily="18" charset="0"/>
+                            <a:ea typeface="Cambria Math" panose="02040503050406030204" pitchFamily="18" charset="0"/>
+                          </a:rPr>
+                          <m:t>𝜔</m:t>
+                        </m:r>
+                      </m:e>
+                      <m:sub>
+                        <m:r>
+                          <a:rPr lang="fr-FR" b="0" i="1" smtClean="0">
+                            <a:latin typeface="Cambria Math" panose="02040503050406030204" pitchFamily="18" charset="0"/>
+                            <a:ea typeface="Cambria Math" panose="02040503050406030204" pitchFamily="18" charset="0"/>
+                          </a:rPr>
+                          <m:t>𝑝</m:t>
+                        </m:r>
+                      </m:sub>
+                      <m:sup>
+                        <m:r>
+                          <a:rPr lang="fr-FR" i="1">
+                            <a:latin typeface="Cambria Math" panose="02040503050406030204" pitchFamily="18" charset="0"/>
+                            <a:ea typeface="Cambria Math" panose="02040503050406030204" pitchFamily="18" charset="0"/>
+                          </a:rPr>
+                          <m:t>2</m:t>
+                        </m:r>
+                      </m:sup>
+                    </m:sSubSup>
+                    <m:r>
+                      <a:rPr lang="fr-FR" b="0" i="1" smtClean="0">
+                        <a:latin typeface="Cambria Math" panose="02040503050406030204" pitchFamily="18" charset="0"/>
+                        <a:ea typeface="Cambria Math" panose="02040503050406030204" pitchFamily="18" charset="0"/>
+                      </a:rPr>
+                      <m:t>+</m:t>
+                    </m:r>
+                    <m:f>
+                      <m:fPr>
+                        <m:ctrlPr>
+                          <a:rPr lang="fr-FR" b="0" i="1" smtClean="0">
+                            <a:latin typeface="Cambria Math" panose="02040503050406030204" pitchFamily="18" charset="0"/>
+                            <a:ea typeface="Cambria Math" panose="02040503050406030204" pitchFamily="18" charset="0"/>
+                          </a:rPr>
+                        </m:ctrlPr>
+                      </m:fPr>
+                      <m:num>
+                        <m:r>
+                          <a:rPr lang="fr-FR" b="0" i="1" smtClean="0">
+                            <a:latin typeface="Cambria Math" panose="02040503050406030204" pitchFamily="18" charset="0"/>
+                            <a:ea typeface="Cambria Math" panose="02040503050406030204" pitchFamily="18" charset="0"/>
+                          </a:rPr>
+                          <m:t>1</m:t>
+                        </m:r>
+                      </m:num>
+                      <m:den>
+                        <m:r>
+                          <a:rPr lang="fr-FR" b="0" i="1" smtClean="0">
+                            <a:latin typeface="Cambria Math" panose="02040503050406030204" pitchFamily="18" charset="0"/>
+                            <a:ea typeface="Cambria Math" panose="02040503050406030204" pitchFamily="18" charset="0"/>
+                          </a:rPr>
+                          <m:t>2</m:t>
+                        </m:r>
+                      </m:den>
+                    </m:f>
+                    <m:d>
+                      <m:dPr>
+                        <m:ctrlPr>
+                          <a:rPr lang="fr-FR" b="0" i="1" smtClean="0">
+                            <a:latin typeface="Cambria Math" panose="02040503050406030204" pitchFamily="18" charset="0"/>
+                            <a:ea typeface="Cambria Math" panose="02040503050406030204" pitchFamily="18" charset="0"/>
+                          </a:rPr>
+                        </m:ctrlPr>
+                      </m:dPr>
+                      <m:e>
+                        <m:r>
+                          <a:rPr lang="fr-FR" b="0" i="1" smtClean="0">
+                            <a:latin typeface="Cambria Math" panose="02040503050406030204" pitchFamily="18" charset="0"/>
+                            <a:ea typeface="Cambria Math" panose="02040503050406030204" pitchFamily="18" charset="0"/>
+                          </a:rPr>
+                          <m:t>𝑀</m:t>
+                        </m:r>
+                        <m:r>
+                          <a:rPr lang="fr-FR" b="0" i="1" smtClean="0">
+                            <a:latin typeface="Cambria Math" panose="02040503050406030204" pitchFamily="18" charset="0"/>
+                            <a:ea typeface="Cambria Math" panose="02040503050406030204" pitchFamily="18" charset="0"/>
+                          </a:rPr>
+                          <m:t>+</m:t>
+                        </m:r>
+                        <m:r>
+                          <a:rPr lang="fr-FR" b="0" i="1" smtClean="0">
+                            <a:latin typeface="Cambria Math" panose="02040503050406030204" pitchFamily="18" charset="0"/>
+                            <a:ea typeface="Cambria Math" panose="02040503050406030204" pitchFamily="18" charset="0"/>
+                          </a:rPr>
+                          <m:t>𝑛</m:t>
+                        </m:r>
+                        <m:r>
+                          <a:rPr lang="fr-FR" b="0" i="1" smtClean="0">
+                            <a:latin typeface="Cambria Math" panose="02040503050406030204" pitchFamily="18" charset="0"/>
+                            <a:ea typeface="Cambria Math" panose="02040503050406030204" pitchFamily="18" charset="0"/>
+                          </a:rPr>
+                          <m:t>⋅</m:t>
+                        </m:r>
+                        <m:r>
+                          <a:rPr lang="fr-FR" b="0" i="1" smtClean="0">
+                            <a:latin typeface="Cambria Math" panose="02040503050406030204" pitchFamily="18" charset="0"/>
+                            <a:ea typeface="Cambria Math" panose="02040503050406030204" pitchFamily="18" charset="0"/>
+                          </a:rPr>
+                          <m:t>𝑚</m:t>
+                        </m:r>
+                      </m:e>
+                    </m:d>
+                    <m:sSup>
+                      <m:sSupPr>
+                        <m:ctrlPr>
+                          <a:rPr lang="fr-FR" b="0" i="1" smtClean="0">
+                            <a:latin typeface="Cambria Math" panose="02040503050406030204" pitchFamily="18" charset="0"/>
+                            <a:ea typeface="Cambria Math" panose="02040503050406030204" pitchFamily="18" charset="0"/>
+                          </a:rPr>
+                        </m:ctrlPr>
+                      </m:sSupPr>
+                      <m:e>
+                        <m:r>
+                          <a:rPr lang="fr-FR" b="0" i="1" smtClean="0">
+                            <a:latin typeface="Cambria Math" panose="02040503050406030204" pitchFamily="18" charset="0"/>
+                            <a:ea typeface="Cambria Math" panose="02040503050406030204" pitchFamily="18" charset="0"/>
+                          </a:rPr>
+                          <m:t>𝑉</m:t>
+                        </m:r>
+                      </m:e>
+                      <m:sup>
+                        <m:r>
+                          <a:rPr lang="fr-FR" b="0" i="1" smtClean="0">
+                            <a:latin typeface="Cambria Math" panose="02040503050406030204" pitchFamily="18" charset="0"/>
+                            <a:ea typeface="Cambria Math" panose="02040503050406030204" pitchFamily="18" charset="0"/>
+                          </a:rPr>
+                          <m:t>2</m:t>
+                        </m:r>
+                      </m:sup>
+                    </m:sSup>
+                    <m:r>
+                      <a:rPr lang="fr-FR" b="0" i="1" smtClean="0">
+                        <a:latin typeface="Cambria Math" panose="02040503050406030204" pitchFamily="18" charset="0"/>
+                        <a:ea typeface="Cambria Math" panose="02040503050406030204" pitchFamily="18" charset="0"/>
+                      </a:rPr>
+                      <m:t>=</m:t>
+                    </m:r>
+                    <m:f>
+                      <m:fPr>
+                        <m:ctrlPr>
+                          <a:rPr lang="fr-FR" b="0" i="1" smtClean="0">
+                            <a:latin typeface="Cambria Math" panose="02040503050406030204" pitchFamily="18" charset="0"/>
+                            <a:ea typeface="Cambria Math" panose="02040503050406030204" pitchFamily="18" charset="0"/>
+                          </a:rPr>
+                        </m:ctrlPr>
+                      </m:fPr>
+                      <m:num>
+                        <m:r>
+                          <a:rPr lang="fr-FR" b="0" i="1" smtClean="0">
+                            <a:latin typeface="Cambria Math" panose="02040503050406030204" pitchFamily="18" charset="0"/>
+                            <a:ea typeface="Cambria Math" panose="02040503050406030204" pitchFamily="18" charset="0"/>
+                          </a:rPr>
+                          <m:t>1</m:t>
+                        </m:r>
+                      </m:num>
+                      <m:den>
+                        <m:r>
+                          <a:rPr lang="fr-FR" b="0" i="1" smtClean="0">
+                            <a:latin typeface="Cambria Math" panose="02040503050406030204" pitchFamily="18" charset="0"/>
+                            <a:ea typeface="Cambria Math" panose="02040503050406030204" pitchFamily="18" charset="0"/>
+                          </a:rPr>
+                          <m:t>2</m:t>
+                        </m:r>
+                      </m:den>
+                    </m:f>
+                    <m:sSub>
+                      <m:sSubPr>
+                        <m:ctrlPr>
+                          <a:rPr lang="fr-FR" b="0" i="1" smtClean="0">
+                            <a:latin typeface="Cambria Math" panose="02040503050406030204" pitchFamily="18" charset="0"/>
+                            <a:ea typeface="Cambria Math" panose="02040503050406030204" pitchFamily="18" charset="0"/>
+                          </a:rPr>
+                        </m:ctrlPr>
+                      </m:sSubPr>
+                      <m:e>
+                        <m:r>
+                          <a:rPr lang="fr-FR" b="0" i="1" smtClean="0">
+                            <a:latin typeface="Cambria Math" panose="02040503050406030204" pitchFamily="18" charset="0"/>
+                            <a:ea typeface="Cambria Math" panose="02040503050406030204" pitchFamily="18" charset="0"/>
+                          </a:rPr>
+                          <m:t>𝐽</m:t>
+                        </m:r>
+                      </m:e>
+                      <m:sub>
+                        <m:r>
+                          <a:rPr lang="fr-FR" b="0" i="1" smtClean="0">
+                            <a:latin typeface="Cambria Math" panose="02040503050406030204" pitchFamily="18" charset="0"/>
+                            <a:ea typeface="Cambria Math" panose="02040503050406030204" pitchFamily="18" charset="0"/>
+                          </a:rPr>
+                          <m:t>𝑒𝑞</m:t>
+                        </m:r>
+                      </m:sub>
+                    </m:sSub>
+                    <m:sSubSup>
+                      <m:sSubSupPr>
+                        <m:ctrlPr>
+                          <a:rPr lang="fr-FR" b="0" i="1" smtClean="0">
+                            <a:latin typeface="Cambria Math" panose="02040503050406030204" pitchFamily="18" charset="0"/>
+                            <a:ea typeface="Cambria Math" panose="02040503050406030204" pitchFamily="18" charset="0"/>
+                          </a:rPr>
+                        </m:ctrlPr>
+                      </m:sSubSupPr>
+                      <m:e>
+                        <m:r>
+                          <a:rPr lang="fr-FR" b="0" i="1" smtClean="0">
+                            <a:latin typeface="Cambria Math" panose="02040503050406030204" pitchFamily="18" charset="0"/>
+                            <a:ea typeface="Cambria Math" panose="02040503050406030204" pitchFamily="18" charset="0"/>
+                          </a:rPr>
+                          <m:t>𝜔</m:t>
+                        </m:r>
+                      </m:e>
+                      <m:sub>
+                        <m:r>
+                          <a:rPr lang="fr-FR" b="0" i="1" smtClean="0">
+                            <a:latin typeface="Cambria Math" panose="02040503050406030204" pitchFamily="18" charset="0"/>
+                            <a:ea typeface="Cambria Math" panose="02040503050406030204" pitchFamily="18" charset="0"/>
+                          </a:rPr>
+                          <m:t>𝑚</m:t>
+                        </m:r>
+                      </m:sub>
+                      <m:sup>
+                        <m:r>
+                          <a:rPr lang="fr-FR" b="0" i="1" smtClean="0">
+                            <a:latin typeface="Cambria Math" panose="02040503050406030204" pitchFamily="18" charset="0"/>
+                            <a:ea typeface="Cambria Math" panose="02040503050406030204" pitchFamily="18" charset="0"/>
+                          </a:rPr>
+                          <m:t>2</m:t>
+                        </m:r>
+                      </m:sup>
+                    </m:sSubSup>
+                  </m:oMath>
+                </a14:m>
+                <a:endParaRPr lang="fr-FR" dirty="0"/>
+              </a:p>
+              <a:p>
+                <a:endParaRPr lang="fr-FR" dirty="0"/>
+              </a:p>
+              <a:p>
+                <a14:m>
+                  <m:oMath xmlns:m="http://schemas.openxmlformats.org/officeDocument/2006/math">
+                    <m:sSub>
+                      <m:sSubPr>
+                        <m:ctrlPr>
+                          <a:rPr lang="fr-FR" b="0" i="1" smtClean="0">
+                            <a:latin typeface="Cambria Math" panose="02040503050406030204" pitchFamily="18" charset="0"/>
+                            <a:ea typeface="Cambria Math" panose="02040503050406030204" pitchFamily="18" charset="0"/>
+                          </a:rPr>
+                        </m:ctrlPr>
+                      </m:sSubPr>
+                      <m:e>
+                        <m:r>
+                          <a:rPr lang="fr-FR" b="0" i="1" smtClean="0">
+                            <a:latin typeface="Cambria Math" panose="02040503050406030204" pitchFamily="18" charset="0"/>
+                            <a:ea typeface="Cambria Math" panose="02040503050406030204" pitchFamily="18" charset="0"/>
+                          </a:rPr>
+                          <m:t>𝐶</m:t>
+                        </m:r>
+                      </m:e>
+                      <m:sub>
+                        <m:r>
+                          <a:rPr lang="fr-FR" b="0" i="1" smtClean="0">
+                            <a:latin typeface="Cambria Math" panose="02040503050406030204" pitchFamily="18" charset="0"/>
+                            <a:ea typeface="Cambria Math" panose="02040503050406030204" pitchFamily="18" charset="0"/>
+                          </a:rPr>
+                          <m:t>𝑚</m:t>
+                        </m:r>
+                      </m:sub>
+                    </m:sSub>
+                    <m:r>
+                      <a:rPr lang="fr-FR" i="1">
+                        <a:latin typeface="Cambria Math" panose="02040503050406030204" pitchFamily="18" charset="0"/>
+                        <a:ea typeface="Cambria Math" panose="02040503050406030204" pitchFamily="18" charset="0"/>
+                      </a:rPr>
+                      <m:t>−</m:t>
+                    </m:r>
+                    <m:sSub>
+                      <m:sSubPr>
+                        <m:ctrlPr>
+                          <a:rPr lang="fr-FR" i="1">
+                            <a:latin typeface="Cambria Math" panose="02040503050406030204" pitchFamily="18" charset="0"/>
+                            <a:ea typeface="Cambria Math" panose="02040503050406030204" pitchFamily="18" charset="0"/>
+                          </a:rPr>
+                        </m:ctrlPr>
+                      </m:sSubPr>
+                      <m:e>
+                        <m:r>
+                          <a:rPr lang="fr-FR" i="1">
+                            <a:latin typeface="Cambria Math" panose="02040503050406030204" pitchFamily="18" charset="0"/>
+                            <a:ea typeface="Cambria Math" panose="02040503050406030204" pitchFamily="18" charset="0"/>
+                          </a:rPr>
+                          <m:t>𝐶</m:t>
+                        </m:r>
+                      </m:e>
+                      <m:sub>
+                        <m:r>
+                          <a:rPr lang="fr-FR" i="1">
+                            <a:latin typeface="Cambria Math" panose="02040503050406030204" pitchFamily="18" charset="0"/>
+                            <a:ea typeface="Cambria Math" panose="02040503050406030204" pitchFamily="18" charset="0"/>
+                          </a:rPr>
+                          <m:t>𝑟</m:t>
+                        </m:r>
+                      </m:sub>
+                    </m:sSub>
+                    <m:r>
+                      <a:rPr lang="fr-FR" b="0" i="1" smtClean="0">
+                        <a:latin typeface="Cambria Math" panose="02040503050406030204" pitchFamily="18" charset="0"/>
+                        <a:ea typeface="Cambria Math" panose="02040503050406030204" pitchFamily="18" charset="0"/>
+                      </a:rPr>
+                      <m:t>−</m:t>
+                    </m:r>
+                    <m:d>
+                      <m:dPr>
+                        <m:ctrlPr>
+                          <a:rPr lang="fr-FR" i="1">
+                            <a:latin typeface="Cambria Math" panose="02040503050406030204" pitchFamily="18" charset="0"/>
+                            <a:ea typeface="Cambria Math" panose="02040503050406030204" pitchFamily="18" charset="0"/>
+                          </a:rPr>
+                        </m:ctrlPr>
+                      </m:dPr>
+                      <m:e>
+                        <m:r>
+                          <a:rPr lang="fr-FR" i="1">
+                            <a:latin typeface="Cambria Math" panose="02040503050406030204" pitchFamily="18" charset="0"/>
+                            <a:ea typeface="Cambria Math" panose="02040503050406030204" pitchFamily="18" charset="0"/>
+                          </a:rPr>
+                          <m:t>𝑀</m:t>
+                        </m:r>
+                        <m:r>
+                          <a:rPr lang="fr-FR" i="1">
+                            <a:latin typeface="Cambria Math" panose="02040503050406030204" pitchFamily="18" charset="0"/>
+                            <a:ea typeface="Cambria Math" panose="02040503050406030204" pitchFamily="18" charset="0"/>
+                          </a:rPr>
+                          <m:t>+</m:t>
+                        </m:r>
+                        <m:r>
+                          <a:rPr lang="fr-FR" i="1">
+                            <a:latin typeface="Cambria Math" panose="02040503050406030204" pitchFamily="18" charset="0"/>
+                            <a:ea typeface="Cambria Math" panose="02040503050406030204" pitchFamily="18" charset="0"/>
+                          </a:rPr>
+                          <m:t>𝑛𝑚</m:t>
+                        </m:r>
+                      </m:e>
+                    </m:d>
+                    <m:r>
+                      <a:rPr lang="fr-FR" i="1">
+                        <a:latin typeface="Cambria Math" panose="02040503050406030204" pitchFamily="18" charset="0"/>
+                        <a:ea typeface="Cambria Math" panose="02040503050406030204" pitchFamily="18" charset="0"/>
+                      </a:rPr>
+                      <m:t>𝑔𝐾</m:t>
+                    </m:r>
+                    <m:r>
+                      <a:rPr lang="fr-FR" b="0" i="1" smtClean="0">
+                        <a:latin typeface="Cambria Math" panose="02040503050406030204" pitchFamily="18" charset="0"/>
+                        <a:ea typeface="Cambria Math" panose="02040503050406030204" pitchFamily="18" charset="0"/>
+                      </a:rPr>
+                      <m:t>=</m:t>
+                    </m:r>
+                    <m:sSub>
+                      <m:sSubPr>
+                        <m:ctrlPr>
+                          <a:rPr lang="fr-FR" b="0" i="1" smtClean="0">
+                            <a:latin typeface="Cambria Math" panose="02040503050406030204" pitchFamily="18" charset="0"/>
+                            <a:ea typeface="Cambria Math" panose="02040503050406030204" pitchFamily="18" charset="0"/>
+                          </a:rPr>
+                        </m:ctrlPr>
+                      </m:sSubPr>
+                      <m:e>
+                        <m:r>
+                          <m:rPr>
+                            <m:sty m:val="p"/>
+                          </m:rPr>
+                          <a:rPr lang="fr-FR" b="0" i="0" smtClean="0">
+                            <a:latin typeface="Cambria Math" panose="02040503050406030204" pitchFamily="18" charset="0"/>
+                            <a:ea typeface="Cambria Math" panose="02040503050406030204" pitchFamily="18" charset="0"/>
+                          </a:rPr>
+                          <m:t>J</m:t>
+                        </m:r>
+                      </m:e>
+                      <m:sub>
+                        <m:r>
+                          <m:rPr>
+                            <m:sty m:val="p"/>
+                          </m:rPr>
+                          <a:rPr lang="fr-FR" b="0" i="0" smtClean="0">
+                            <a:latin typeface="Cambria Math" panose="02040503050406030204" pitchFamily="18" charset="0"/>
+                            <a:ea typeface="Cambria Math" panose="02040503050406030204" pitchFamily="18" charset="0"/>
+                          </a:rPr>
+                          <m:t>eq</m:t>
+                        </m:r>
+                      </m:sub>
+                    </m:sSub>
+                    <m:r>
+                      <a:rPr lang="fr-FR" b="0" i="0" smtClean="0">
+                        <a:latin typeface="Cambria Math" panose="02040503050406030204" pitchFamily="18" charset="0"/>
+                        <a:ea typeface="Cambria Math" panose="02040503050406030204" pitchFamily="18" charset="0"/>
+                      </a:rPr>
+                      <m:t> </m:t>
+                    </m:r>
+                    <m:sSub>
+                      <m:sSubPr>
+                        <m:ctrlPr>
+                          <a:rPr lang="fr-FR" b="0" i="1" smtClean="0">
+                            <a:latin typeface="Cambria Math" panose="02040503050406030204" pitchFamily="18" charset="0"/>
+                            <a:ea typeface="Cambria Math" panose="02040503050406030204" pitchFamily="18" charset="0"/>
+                          </a:rPr>
+                        </m:ctrlPr>
+                      </m:sSubPr>
+                      <m:e>
+                        <m:acc>
+                          <m:accPr>
+                            <m:chr m:val="̇"/>
+                            <m:ctrlPr>
+                              <a:rPr lang="fr-FR" b="0" i="1" smtClean="0">
+                                <a:latin typeface="Cambria Math" panose="02040503050406030204" pitchFamily="18" charset="0"/>
+                                <a:ea typeface="Cambria Math" panose="02040503050406030204" pitchFamily="18" charset="0"/>
+                              </a:rPr>
+                            </m:ctrlPr>
+                          </m:accPr>
+                          <m:e>
+                            <m:r>
+                              <a:rPr lang="fr-FR" b="0" i="1" smtClean="0">
+                                <a:latin typeface="Cambria Math" panose="02040503050406030204" pitchFamily="18" charset="0"/>
+                                <a:ea typeface="Cambria Math" panose="02040503050406030204" pitchFamily="18" charset="0"/>
+                              </a:rPr>
+                              <m:t>𝜔</m:t>
+                            </m:r>
+                          </m:e>
+                        </m:acc>
+                      </m:e>
+                      <m:sub>
+                        <m:r>
+                          <a:rPr lang="fr-FR" b="0" i="1" smtClean="0">
+                            <a:latin typeface="Cambria Math" panose="02040503050406030204" pitchFamily="18" charset="0"/>
+                            <a:ea typeface="Cambria Math" panose="02040503050406030204" pitchFamily="18" charset="0"/>
+                          </a:rPr>
+                          <m:t>𝑚</m:t>
+                        </m:r>
+                      </m:sub>
+                    </m:sSub>
+                  </m:oMath>
+                </a14:m>
+                <a:endParaRPr lang="fr-FR" dirty="0"/>
+              </a:p>
+              <a:p>
+                <a:endParaRPr lang="fr-FR" dirty="0"/>
+              </a:p>
+              <a:p>
+                <a:r>
+                  <a:rPr lang="fr-FR" dirty="0"/>
+                  <a:t>Application du TEC en régime permanent, en montée </a:t>
+                </a:r>
+              </a:p>
+              <a:p>
+                <a:pPr marL="1588" indent="0">
+                  <a:buNone/>
+                </a:pPr>
+                <a14:m>
+                  <m:oMathPara xmlns:m="http://schemas.openxmlformats.org/officeDocument/2006/math">
+                    <m:oMathParaPr>
+                      <m:jc m:val="centerGroup"/>
+                    </m:oMathParaPr>
+                    <m:oMath xmlns:m="http://schemas.openxmlformats.org/officeDocument/2006/math">
+                      <m:sSub>
+                        <m:sSubPr>
+                          <m:ctrlPr>
+                            <a:rPr lang="fr-FR" b="0" i="1" smtClean="0">
+                              <a:latin typeface="Cambria Math" panose="02040503050406030204" pitchFamily="18" charset="0"/>
+                              <a:ea typeface="Cambria Math" panose="02040503050406030204" pitchFamily="18" charset="0"/>
+                            </a:rPr>
+                          </m:ctrlPr>
+                        </m:sSubPr>
+                        <m:e>
+                          <m:r>
+                            <a:rPr lang="fr-FR" b="0" i="1" smtClean="0">
+                              <a:latin typeface="Cambria Math" panose="02040503050406030204" pitchFamily="18" charset="0"/>
+                              <a:ea typeface="Cambria Math" panose="02040503050406030204" pitchFamily="18" charset="0"/>
+                            </a:rPr>
+                            <m:t>𝐶</m:t>
+                          </m:r>
+                        </m:e>
+                        <m:sub>
+                          <m:r>
+                            <a:rPr lang="fr-FR" b="0" i="1" smtClean="0">
+                              <a:latin typeface="Cambria Math" panose="02040503050406030204" pitchFamily="18" charset="0"/>
+                              <a:ea typeface="Cambria Math" panose="02040503050406030204" pitchFamily="18" charset="0"/>
+                            </a:rPr>
+                            <m:t>𝑚</m:t>
+                          </m:r>
+                        </m:sub>
+                      </m:sSub>
+                      <m:r>
+                        <a:rPr lang="fr-FR" i="1">
+                          <a:latin typeface="Cambria Math" panose="02040503050406030204" pitchFamily="18" charset="0"/>
+                          <a:ea typeface="Cambria Math" panose="02040503050406030204" pitchFamily="18" charset="0"/>
+                        </a:rPr>
+                        <m:t>−</m:t>
+                      </m:r>
+                      <m:sSub>
+                        <m:sSubPr>
+                          <m:ctrlPr>
+                            <a:rPr lang="fr-FR" i="1">
+                              <a:latin typeface="Cambria Math" panose="02040503050406030204" pitchFamily="18" charset="0"/>
+                              <a:ea typeface="Cambria Math" panose="02040503050406030204" pitchFamily="18" charset="0"/>
+                            </a:rPr>
+                          </m:ctrlPr>
+                        </m:sSubPr>
+                        <m:e>
+                          <m:r>
+                            <a:rPr lang="fr-FR" i="1">
+                              <a:latin typeface="Cambria Math" panose="02040503050406030204" pitchFamily="18" charset="0"/>
+                              <a:ea typeface="Cambria Math" panose="02040503050406030204" pitchFamily="18" charset="0"/>
+                            </a:rPr>
+                            <m:t>𝐶</m:t>
+                          </m:r>
+                        </m:e>
+                        <m:sub>
+                          <m:r>
+                            <a:rPr lang="fr-FR" i="1">
+                              <a:latin typeface="Cambria Math" panose="02040503050406030204" pitchFamily="18" charset="0"/>
+                              <a:ea typeface="Cambria Math" panose="02040503050406030204" pitchFamily="18" charset="0"/>
+                            </a:rPr>
+                            <m:t>𝑟</m:t>
+                          </m:r>
+                        </m:sub>
+                      </m:sSub>
+                      <m:r>
+                        <a:rPr lang="fr-FR" b="0" i="1" smtClean="0">
+                          <a:latin typeface="Cambria Math" panose="02040503050406030204" pitchFamily="18" charset="0"/>
+                          <a:ea typeface="Cambria Math" panose="02040503050406030204" pitchFamily="18" charset="0"/>
+                        </a:rPr>
+                        <m:t>−</m:t>
+                      </m:r>
+                      <m:d>
+                        <m:dPr>
+                          <m:ctrlPr>
+                            <a:rPr lang="fr-FR" i="1">
+                              <a:latin typeface="Cambria Math" panose="02040503050406030204" pitchFamily="18" charset="0"/>
+                              <a:ea typeface="Cambria Math" panose="02040503050406030204" pitchFamily="18" charset="0"/>
+                            </a:rPr>
+                          </m:ctrlPr>
+                        </m:dPr>
+                        <m:e>
+                          <m:r>
+                            <a:rPr lang="fr-FR" i="1">
+                              <a:latin typeface="Cambria Math" panose="02040503050406030204" pitchFamily="18" charset="0"/>
+                              <a:ea typeface="Cambria Math" panose="02040503050406030204" pitchFamily="18" charset="0"/>
+                            </a:rPr>
+                            <m:t>𝑀</m:t>
+                          </m:r>
+                          <m:r>
+                            <a:rPr lang="fr-FR" i="1">
+                              <a:latin typeface="Cambria Math" panose="02040503050406030204" pitchFamily="18" charset="0"/>
+                              <a:ea typeface="Cambria Math" panose="02040503050406030204" pitchFamily="18" charset="0"/>
+                            </a:rPr>
+                            <m:t>+</m:t>
+                          </m:r>
+                          <m:r>
+                            <a:rPr lang="fr-FR" i="1">
+                              <a:latin typeface="Cambria Math" panose="02040503050406030204" pitchFamily="18" charset="0"/>
+                              <a:ea typeface="Cambria Math" panose="02040503050406030204" pitchFamily="18" charset="0"/>
+                            </a:rPr>
+                            <m:t>𝑛𝑚</m:t>
+                          </m:r>
+                        </m:e>
+                      </m:d>
+                      <m:r>
+                        <a:rPr lang="fr-FR" i="1">
+                          <a:latin typeface="Cambria Math" panose="02040503050406030204" pitchFamily="18" charset="0"/>
+                          <a:ea typeface="Cambria Math" panose="02040503050406030204" pitchFamily="18" charset="0"/>
+                        </a:rPr>
+                        <m:t>𝑔𝐾</m:t>
+                      </m:r>
+                      <m:r>
+                        <a:rPr lang="fr-FR" b="0" i="1" smtClean="0">
+                          <a:latin typeface="Cambria Math" panose="02040503050406030204" pitchFamily="18" charset="0"/>
+                          <a:ea typeface="Cambria Math" panose="02040503050406030204" pitchFamily="18" charset="0"/>
+                        </a:rPr>
+                        <m:t>=0</m:t>
+                      </m:r>
+                    </m:oMath>
+                  </m:oMathPara>
+                </a14:m>
+                <a:endParaRPr lang="fr-FR" dirty="0"/>
+              </a:p>
+              <a:p>
+                <a:r>
+                  <a:rPr lang="fr-FR" dirty="0"/>
+                  <a:t>Hors frottement, couple nécessaire pour équilibrer une masse</a:t>
+                </a:r>
+              </a:p>
+              <a:p>
+                <a:pPr lvl="1"/>
+                <a14:m>
+                  <m:oMath xmlns:m="http://schemas.openxmlformats.org/officeDocument/2006/math">
+                    <m:sSub>
+                      <m:sSubPr>
+                        <m:ctrlPr>
+                          <a:rPr lang="fr-FR" b="0" i="1" smtClean="0">
+                            <a:latin typeface="Cambria Math" panose="02040503050406030204" pitchFamily="18" charset="0"/>
+                            <a:ea typeface="Cambria Math" panose="02040503050406030204" pitchFamily="18" charset="0"/>
+                          </a:rPr>
+                        </m:ctrlPr>
+                      </m:sSubPr>
+                      <m:e>
+                        <m:r>
+                          <a:rPr lang="fr-FR" b="0" i="1" smtClean="0">
+                            <a:latin typeface="Cambria Math" panose="02040503050406030204" pitchFamily="18" charset="0"/>
+                            <a:ea typeface="Cambria Math" panose="02040503050406030204" pitchFamily="18" charset="0"/>
+                          </a:rPr>
+                          <m:t>𝐶</m:t>
+                        </m:r>
+                      </m:e>
+                      <m:sub>
+                        <m:r>
+                          <a:rPr lang="fr-FR" b="0" i="1" smtClean="0">
+                            <a:latin typeface="Cambria Math" panose="02040503050406030204" pitchFamily="18" charset="0"/>
+                            <a:ea typeface="Cambria Math" panose="02040503050406030204" pitchFamily="18" charset="0"/>
+                          </a:rPr>
+                          <m:t>𝑚</m:t>
+                        </m:r>
+                        <m:r>
+                          <a:rPr lang="fr-FR" b="0" i="1" smtClean="0">
+                            <a:latin typeface="Cambria Math" panose="02040503050406030204" pitchFamily="18" charset="0"/>
+                            <a:ea typeface="Cambria Math" panose="02040503050406030204" pitchFamily="18" charset="0"/>
+                          </a:rPr>
+                          <m:t>,</m:t>
+                        </m:r>
+                        <m:r>
+                          <a:rPr lang="fr-FR" b="0" i="1" smtClean="0">
+                            <a:latin typeface="Cambria Math" panose="02040503050406030204" pitchFamily="18" charset="0"/>
+                            <a:ea typeface="Cambria Math" panose="02040503050406030204" pitchFamily="18" charset="0"/>
+                          </a:rPr>
+                          <m:t>𝑛𝑚</m:t>
+                        </m:r>
+                      </m:sub>
+                    </m:sSub>
+                    <m:r>
+                      <a:rPr lang="fr-FR" b="0" i="1" smtClean="0">
+                        <a:latin typeface="Cambria Math" panose="02040503050406030204" pitchFamily="18" charset="0"/>
+                        <a:ea typeface="Cambria Math" panose="02040503050406030204" pitchFamily="18" charset="0"/>
+                      </a:rPr>
+                      <m:t>=</m:t>
+                    </m:r>
+                    <m:r>
+                      <a:rPr lang="fr-FR" i="1">
+                        <a:latin typeface="Cambria Math" panose="02040503050406030204" pitchFamily="18" charset="0"/>
+                        <a:ea typeface="Cambria Math" panose="02040503050406030204" pitchFamily="18" charset="0"/>
+                      </a:rPr>
+                      <m:t>𝑛𝑚𝑔𝐾</m:t>
+                    </m:r>
+                  </m:oMath>
+                </a14:m>
+                <a:endParaRPr lang="fr-FR" dirty="0"/>
+              </a:p>
+              <a:p>
+                <a:pPr lvl="1"/>
+                <a:endParaRPr lang="fr-FR" dirty="0"/>
+              </a:p>
+              <a:p>
+                <a:pPr marL="1588" indent="0">
+                  <a:buNone/>
+                </a:pPr>
+                <a:endParaRPr lang="fr-FR" b="0" i="1" dirty="0">
+                  <a:latin typeface="Cambria Math" panose="02040503050406030204" pitchFamily="18" charset="0"/>
+                  <a:ea typeface="Cambria Math" panose="02040503050406030204" pitchFamily="18" charset="0"/>
+                </a:endParaRPr>
+              </a:p>
+              <a:p>
+                <a:pPr marL="1588" indent="0">
+                  <a:buNone/>
+                </a:pPr>
+                <a:endParaRPr lang="fr-FR" dirty="0"/>
+              </a:p>
+            </p:txBody>
+          </p:sp>
+        </mc:Choice>
+        <mc:Fallback xmlns="">
+          <p:sp>
+            <p:nvSpPr>
+              <p:cNvPr id="4" name="Espace réservé du contenu 2">
+                <a:extLst>
+                  <a:ext uri="{FF2B5EF4-FFF2-40B4-BE49-F238E27FC236}">
+                    <a16:creationId xmlns:a16="http://schemas.microsoft.com/office/drawing/2014/main" id="{E7F53A8B-C997-DCCC-B9F3-26A7F8E42C86}"/>
+                  </a:ext>
+                </a:extLst>
+              </p:cNvPr>
+              <p:cNvSpPr txBox="1">
+                <a:spLocks noRot="1" noChangeAspect="1" noMove="1" noResize="1" noEditPoints="1" noAdjustHandles="1" noChangeArrowheads="1" noChangeShapeType="1" noTextEdit="1"/>
+              </p:cNvSpPr>
+              <p:nvPr/>
+            </p:nvSpPr>
+            <p:spPr>
+              <a:xfrm>
+                <a:off x="6096000" y="981886"/>
+                <a:ext cx="5978205" cy="5264909"/>
+              </a:xfrm>
+              <a:prstGeom prst="rect">
+                <a:avLst/>
+              </a:prstGeom>
+              <a:blipFill>
+                <a:blip r:embed="rId3"/>
+                <a:stretch>
+                  <a:fillRect l="-2446" t="-2894" r="-2446"/>
+                </a:stretch>
+              </a:blipFill>
+            </p:spPr>
+            <p:txBody>
+              <a:bodyPr/>
+              <a:lstStyle/>
+              <a:p>
+                <a:r>
+                  <a:rPr lang="fr-FR">
+                    <a:noFill/>
+                  </a:rPr>
+                  <a:t> </a:t>
+                </a:r>
+              </a:p>
+            </p:txBody>
+          </p:sp>
+        </mc:Fallback>
+      </mc:AlternateContent>
+    </p:spTree>
+    <p:extLst>
+      <p:ext uri="{BB962C8B-B14F-4D97-AF65-F5344CB8AC3E}">
+        <p14:creationId xmlns:p14="http://schemas.microsoft.com/office/powerpoint/2010/main" val="3484094850"/>
+      </p:ext>
+    </p:extLst>
+  </p:cSld>
+  <p:clrMapOvr>
+    <a:masterClrMapping/>
+  </p:clrMapOvr>
+</p:sld>
+</file>
+
+<file path=ppt/slides/slide11.xml><?xml version="1.0" encoding="utf-8"?>
+<p:sld xmlns:a="http://schemas.openxmlformats.org/drawingml/2006/main" xmlns:r="http://schemas.openxmlformats.org/officeDocument/2006/relationships" xmlns:p="http://schemas.openxmlformats.org/presentationml/2006/main">
+  <p:cSld>
+    <p:spTree>
+      <p:nvGrpSpPr>
+        <p:cNvPr id="1" name=""/>
+        <p:cNvGrpSpPr/>
+        <p:nvPr/>
+      </p:nvGrpSpPr>
+      <p:grpSpPr>
+        <a:xfrm>
+          <a:off x="0" y="0"/>
+          <a:ext cx="0" cy="0"/>
+          <a:chOff x="0" y="0"/>
+          <a:chExt cx="0" cy="0"/>
+        </a:xfrm>
+      </p:grpSpPr>
+      <p:sp>
+        <p:nvSpPr>
+          <p:cNvPr id="2" name="Titre 1">
+            <a:extLst>
+              <a:ext uri="{FF2B5EF4-FFF2-40B4-BE49-F238E27FC236}">
                 <a16:creationId xmlns:a16="http://schemas.microsoft.com/office/drawing/2014/main" id="{C394E5B6-AD63-4F7B-E838-2B5F5160D0D9}"/>
               </a:ext>
             </a:extLst>
@@ -4214,13 +6449,7 @@
                           <a:rPr lang="fr-FR" b="0" i="1" smtClean="0">
                             <a:latin typeface="Cambria Math" panose="02040503050406030204" pitchFamily="18" charset="0"/>
                           </a:rPr>
-                          <m:t>𝑚</m:t>
-                        </m:r>
-                        <m:r>
-                          <a:rPr lang="fr-FR" b="0" i="1" smtClean="0">
-                            <a:latin typeface="Cambria Math" panose="02040503050406030204" pitchFamily="18" charset="0"/>
-                          </a:rPr>
-                          <m:t>h</m:t>
+                          <m:t>𝑚h</m:t>
                         </m:r>
                       </m:sub>
                     </m:sSub>
@@ -4271,13 +6500,7 @@
                       <a:rPr lang="fr-FR" b="0" i="1" smtClean="0">
                         <a:latin typeface="Cambria Math" panose="02040503050406030204" pitchFamily="18" charset="0"/>
                       </a:rPr>
-                      <m:t>=</m:t>
-                    </m:r>
-                    <m:r>
-                      <a:rPr lang="fr-FR" b="0" i="1" smtClean="0">
-                        <a:latin typeface="Cambria Math" panose="02040503050406030204" pitchFamily="18" charset="0"/>
-                      </a:rPr>
-                      <m:t>0</m:t>
+                      <m:t>=0</m:t>
                     </m:r>
                   </m:oMath>
                 </a14:m>
@@ -4367,13 +6590,7 @@
                       <a:rPr lang="fr-FR" b="0" i="1" smtClean="0">
                         <a:latin typeface="Cambria Math" panose="02040503050406030204" pitchFamily="18" charset="0"/>
                       </a:rPr>
-                      <m:t>=</m:t>
-                    </m:r>
-                    <m:r>
-                      <a:rPr lang="fr-FR" b="0" i="1" smtClean="0">
-                        <a:latin typeface="Cambria Math" panose="02040503050406030204" pitchFamily="18" charset="0"/>
-                      </a:rPr>
-                      <m:t>0</m:t>
+                      <m:t>=0</m:t>
                     </m:r>
                   </m:oMath>
                 </a14:m>
@@ -4404,13 +6621,7 @@
                           <a:rPr lang="fr-FR" b="0" i="1" smtClean="0">
                             <a:latin typeface="Cambria Math" panose="02040503050406030204" pitchFamily="18" charset="0"/>
                           </a:rPr>
-                          <m:t>𝑚</m:t>
-                        </m:r>
-                        <m:r>
-                          <a:rPr lang="fr-FR" b="0" i="1" smtClean="0">
-                            <a:latin typeface="Cambria Math" panose="02040503050406030204" pitchFamily="18" charset="0"/>
-                          </a:rPr>
-                          <m:t>h</m:t>
+                          <m:t>𝑚h</m:t>
                         </m:r>
                       </m:sub>
                     </m:sSub>
@@ -4449,13 +6660,7 @@
                       <a:rPr lang="fr-FR" b="0" i="1" smtClean="0">
                         <a:latin typeface="Cambria Math" panose="02040503050406030204" pitchFamily="18" charset="0"/>
                       </a:rPr>
-                      <m:t>=</m:t>
-                    </m:r>
-                    <m:r>
-                      <a:rPr lang="fr-FR" b="0" i="1" smtClean="0">
-                        <a:latin typeface="Cambria Math" panose="02040503050406030204" pitchFamily="18" charset="0"/>
-                      </a:rPr>
-                      <m:t>2</m:t>
+                      <m:t>=2</m:t>
                     </m:r>
                     <m:r>
                       <a:rPr lang="fr-FR" b="0" i="1" smtClean="0">
@@ -4511,13 +6716,7 @@
                               <a:rPr lang="fr-FR" i="1">
                                 <a:latin typeface="Cambria Math" panose="02040503050406030204" pitchFamily="18" charset="0"/>
                               </a:rPr>
-                              <m:t>𝑚</m:t>
-                            </m:r>
-                            <m:r>
-                              <a:rPr lang="fr-FR" i="1">
-                                <a:latin typeface="Cambria Math" panose="02040503050406030204" pitchFamily="18" charset="0"/>
-                              </a:rPr>
-                              <m:t>h</m:t>
+                              <m:t>𝑚h</m:t>
                             </m:r>
                           </m:sub>
                         </m:sSub>
@@ -4597,13 +6796,7 @@
                           <a:rPr lang="fr-FR" b="0" i="1" smtClean="0">
                             <a:latin typeface="Cambria Math" panose="02040503050406030204" pitchFamily="18" charset="0"/>
                           </a:rPr>
-                          <m:t>𝑚</m:t>
-                        </m:r>
-                        <m:r>
-                          <a:rPr lang="fr-FR" b="0" i="1" smtClean="0">
-                            <a:latin typeface="Cambria Math" panose="02040503050406030204" pitchFamily="18" charset="0"/>
-                          </a:rPr>
-                          <m:t>h</m:t>
+                          <m:t>𝑚h</m:t>
                         </m:r>
                       </m:sub>
                     </m:sSub>
@@ -4642,13 +6835,7 @@
                       <a:rPr lang="fr-FR" b="0" i="1" smtClean="0">
                         <a:latin typeface="Cambria Math" panose="02040503050406030204" pitchFamily="18" charset="0"/>
                       </a:rPr>
-                      <m:t>−</m:t>
-                    </m:r>
-                    <m:r>
-                      <a:rPr lang="fr-FR" b="0" i="1" smtClean="0">
-                        <a:latin typeface="Cambria Math" panose="02040503050406030204" pitchFamily="18" charset="0"/>
-                      </a:rPr>
-                      <m:t>2</m:t>
+                      <m:t>−2</m:t>
                     </m:r>
                     <m:sSub>
                       <m:sSubPr>
@@ -4679,19 +6866,7 @@
                       <a:rPr lang="fr-FR" b="0" i="1" smtClean="0">
                         <a:latin typeface="Cambria Math" panose="02040503050406030204" pitchFamily="18" charset="0"/>
                       </a:rPr>
-                      <m:t>=</m:t>
-                    </m:r>
-                    <m:r>
-                      <a:rPr lang="fr-FR" b="0" i="1" smtClean="0">
-                        <a:latin typeface="Cambria Math" panose="02040503050406030204" pitchFamily="18" charset="0"/>
-                      </a:rPr>
-                      <m:t>0</m:t>
-                    </m:r>
-                    <m:r>
-                      <a:rPr lang="fr-FR" b="0" i="1" smtClean="0">
-                        <a:latin typeface="Cambria Math" panose="02040503050406030204" pitchFamily="18" charset="0"/>
-                      </a:rPr>
-                      <m:t>⇒</m:t>
+                      <m:t>=0⇒</m:t>
                     </m:r>
                     <m:sSub>
                       <m:sSubPr>
@@ -4754,13 +6929,7 @@
                               <a:rPr lang="fr-FR" i="1">
                                 <a:latin typeface="Cambria Math" panose="02040503050406030204" pitchFamily="18" charset="0"/>
                               </a:rPr>
-                              <m:t>𝑚</m:t>
-                            </m:r>
-                            <m:r>
-                              <a:rPr lang="fr-FR" i="1">
-                                <a:latin typeface="Cambria Math" panose="02040503050406030204" pitchFamily="18" charset="0"/>
-                              </a:rPr>
-                              <m:t>h</m:t>
+                              <m:t>𝑚h</m:t>
                             </m:r>
                           </m:sub>
                         </m:sSub>
@@ -5174,31 +7343,7 @@
                       <a:rPr lang="fr-FR" i="1">
                         <a:latin typeface="Cambria Math" panose="02040503050406030204" pitchFamily="18" charset="0"/>
                       </a:rPr>
-                      <m:t>=</m:t>
-                    </m:r>
-                    <m:r>
-                      <a:rPr lang="fr-FR" i="1">
-                        <a:latin typeface="Cambria Math" panose="02040503050406030204" pitchFamily="18" charset="0"/>
-                      </a:rPr>
-                      <m:t>1</m:t>
-                    </m:r>
-                    <m:r>
-                      <a:rPr lang="fr-FR" i="1">
-                        <a:latin typeface="Cambria Math" panose="02040503050406030204" pitchFamily="18" charset="0"/>
-                      </a:rPr>
-                      <m:t>,</m:t>
-                    </m:r>
-                    <m:r>
-                      <a:rPr lang="fr-FR" i="1">
-                        <a:latin typeface="Cambria Math" panose="02040503050406030204" pitchFamily="18" charset="0"/>
-                      </a:rPr>
-                      <m:t>1</m:t>
-                    </m:r>
-                    <m:r>
-                      <a:rPr lang="fr-FR" i="1">
-                        <a:latin typeface="Cambria Math" panose="02040503050406030204" pitchFamily="18" charset="0"/>
-                      </a:rPr>
-                      <m:t> </m:t>
+                      <m:t>=1,1 </m:t>
                     </m:r>
                     <m:r>
                       <m:rPr>
@@ -5246,31 +7391,7 @@
                       <a:rPr lang="fr-FR" b="0" i="1" smtClean="0">
                         <a:latin typeface="Cambria Math" panose="02040503050406030204" pitchFamily="18" charset="0"/>
                       </a:rPr>
-                      <m:t>=</m:t>
-                    </m:r>
-                    <m:r>
-                      <a:rPr lang="fr-FR" b="0" i="1" smtClean="0">
-                        <a:latin typeface="Cambria Math" panose="02040503050406030204" pitchFamily="18" charset="0"/>
-                      </a:rPr>
-                      <m:t>0</m:t>
-                    </m:r>
-                    <m:r>
-                      <a:rPr lang="fr-FR" b="0" i="1" smtClean="0">
-                        <a:latin typeface="Cambria Math" panose="02040503050406030204" pitchFamily="18" charset="0"/>
-                      </a:rPr>
-                      <m:t>,</m:t>
-                    </m:r>
-                    <m:r>
-                      <a:rPr lang="fr-FR" b="0" i="1" smtClean="0">
-                        <a:latin typeface="Cambria Math" panose="02040503050406030204" pitchFamily="18" charset="0"/>
-                      </a:rPr>
-                      <m:t>0331</m:t>
-                    </m:r>
-                    <m:r>
-                      <a:rPr lang="fr-FR" b="0" i="1" smtClean="0">
-                        <a:latin typeface="Cambria Math" panose="02040503050406030204" pitchFamily="18" charset="0"/>
-                      </a:rPr>
-                      <m:t> </m:t>
+                      <m:t>=0,0331 </m:t>
                     </m:r>
                     <m:r>
                       <m:rPr>
@@ -5318,31 +7439,7 @@
                       <a:rPr lang="fr-FR" i="1">
                         <a:latin typeface="Cambria Math" panose="02040503050406030204" pitchFamily="18" charset="0"/>
                       </a:rPr>
-                      <m:t>=</m:t>
-                    </m:r>
-                    <m:r>
-                      <a:rPr lang="fr-FR" i="1">
-                        <a:latin typeface="Cambria Math" panose="02040503050406030204" pitchFamily="18" charset="0"/>
-                      </a:rPr>
-                      <m:t>31</m:t>
-                    </m:r>
-                    <m:r>
-                      <a:rPr lang="fr-FR" i="1">
-                        <a:latin typeface="Cambria Math" panose="02040503050406030204" pitchFamily="18" charset="0"/>
-                      </a:rPr>
-                      <m:t>,</m:t>
-                    </m:r>
-                    <m:r>
-                      <a:rPr lang="fr-FR" i="1">
-                        <a:latin typeface="Cambria Math" panose="02040503050406030204" pitchFamily="18" charset="0"/>
-                      </a:rPr>
-                      <m:t>79</m:t>
-                    </m:r>
-                    <m:r>
-                      <a:rPr lang="fr-FR" i="1">
-                        <a:latin typeface="Cambria Math" panose="02040503050406030204" pitchFamily="18" charset="0"/>
-                      </a:rPr>
-                      <m:t> </m:t>
+                      <m:t>=31,79 </m:t>
                     </m:r>
                     <m:r>
                       <m:rPr>
@@ -5390,31 +7487,7 @@
                       <a:rPr lang="fr-FR" b="0" i="1" smtClean="0">
                         <a:latin typeface="Cambria Math" panose="02040503050406030204" pitchFamily="18" charset="0"/>
                       </a:rPr>
-                      <m:t>=</m:t>
-                    </m:r>
-                    <m:r>
-                      <a:rPr lang="fr-FR" b="0" i="1" smtClean="0">
-                        <a:latin typeface="Cambria Math" panose="02040503050406030204" pitchFamily="18" charset="0"/>
-                      </a:rPr>
-                      <m:t>2</m:t>
-                    </m:r>
-                    <m:r>
-                      <a:rPr lang="fr-FR" b="0" i="1" smtClean="0">
-                        <a:latin typeface="Cambria Math" panose="02040503050406030204" pitchFamily="18" charset="0"/>
-                      </a:rPr>
-                      <m:t>,</m:t>
-                    </m:r>
-                    <m:r>
-                      <a:rPr lang="fr-FR" b="0" i="1" smtClean="0">
-                        <a:latin typeface="Cambria Math" panose="02040503050406030204" pitchFamily="18" charset="0"/>
-                      </a:rPr>
-                      <m:t>7</m:t>
-                    </m:r>
-                    <m:r>
-                      <a:rPr lang="fr-FR" b="0" i="1" smtClean="0">
-                        <a:latin typeface="Cambria Math" panose="02040503050406030204" pitchFamily="18" charset="0"/>
-                      </a:rPr>
-                      <m:t> </m:t>
+                      <m:t>=2,7 </m:t>
                     </m:r>
                     <m:r>
                       <m:rPr>
@@ -5454,13 +7527,7 @@
                           <a:rPr lang="fr-FR" b="0" i="1" smtClean="0">
                             <a:latin typeface="Cambria Math" panose="02040503050406030204" pitchFamily="18" charset="0"/>
                           </a:rPr>
-                          <m:t>𝑚</m:t>
-                        </m:r>
-                        <m:r>
-                          <a:rPr lang="fr-FR" b="0" i="1" smtClean="0">
-                            <a:latin typeface="Cambria Math" panose="02040503050406030204" pitchFamily="18" charset="0"/>
-                          </a:rPr>
-                          <m:t>h</m:t>
+                          <m:t>𝑚h</m:t>
                         </m:r>
                       </m:sub>
                     </m:sSub>
@@ -5468,31 +7535,7 @@
                       <a:rPr lang="fr-FR" b="0" i="1" smtClean="0">
                         <a:latin typeface="Cambria Math" panose="02040503050406030204" pitchFamily="18" charset="0"/>
                       </a:rPr>
-                      <m:t>=</m:t>
-                    </m:r>
-                    <m:r>
-                      <a:rPr lang="fr-FR" b="0" i="1" smtClean="0">
-                        <a:latin typeface="Cambria Math" panose="02040503050406030204" pitchFamily="18" charset="0"/>
-                      </a:rPr>
-                      <m:t>0</m:t>
-                    </m:r>
-                    <m:r>
-                      <a:rPr lang="fr-FR" b="0" i="1" smtClean="0">
-                        <a:latin typeface="Cambria Math" panose="02040503050406030204" pitchFamily="18" charset="0"/>
-                      </a:rPr>
-                      <m:t>,</m:t>
-                    </m:r>
-                    <m:r>
-                      <a:rPr lang="fr-FR" b="0" i="1" smtClean="0">
-                        <a:latin typeface="Cambria Math" panose="02040503050406030204" pitchFamily="18" charset="0"/>
-                      </a:rPr>
-                      <m:t>0813</m:t>
-                    </m:r>
-                    <m:r>
-                      <a:rPr lang="fr-FR" b="0" i="1" smtClean="0">
-                        <a:latin typeface="Cambria Math" panose="02040503050406030204" pitchFamily="18" charset="0"/>
-                      </a:rPr>
-                      <m:t> </m:t>
+                      <m:t>=0,0813 </m:t>
                     </m:r>
                     <m:r>
                       <m:rPr>
@@ -5532,13 +7575,7 @@
                           <a:rPr lang="fr-FR" b="0" i="1" smtClean="0">
                             <a:latin typeface="Cambria Math" panose="02040503050406030204" pitchFamily="18" charset="0"/>
                           </a:rPr>
-                          <m:t>𝑚</m:t>
-                        </m:r>
-                        <m:r>
-                          <a:rPr lang="fr-FR" b="0" i="1" smtClean="0">
-                            <a:latin typeface="Cambria Math" panose="02040503050406030204" pitchFamily="18" charset="0"/>
-                          </a:rPr>
-                          <m:t>h</m:t>
+                          <m:t>𝑚h</m:t>
                         </m:r>
                       </m:sub>
                     </m:sSub>
@@ -5546,19 +7583,7 @@
                       <a:rPr lang="fr-FR" i="1">
                         <a:latin typeface="Cambria Math" panose="02040503050406030204" pitchFamily="18" charset="0"/>
                       </a:rPr>
-                      <m:t>=</m:t>
-                    </m:r>
-                    <m:r>
-                      <a:rPr lang="fr-FR" i="1">
-                        <a:latin typeface="Cambria Math" panose="02040503050406030204" pitchFamily="18" charset="0"/>
-                      </a:rPr>
-                      <m:t>78</m:t>
-                    </m:r>
-                    <m:r>
-                      <a:rPr lang="fr-FR" i="1">
-                        <a:latin typeface="Cambria Math" panose="02040503050406030204" pitchFamily="18" charset="0"/>
-                      </a:rPr>
-                      <m:t> </m:t>
+                      <m:t>=78 </m:t>
                     </m:r>
                     <m:r>
                       <m:rPr>
@@ -5602,31 +7627,7 @@
                       <a:rPr lang="fr-FR" b="0" i="1" smtClean="0">
                         <a:latin typeface="Cambria Math" panose="02040503050406030204" pitchFamily="18" charset="0"/>
                       </a:rPr>
-                      <m:t>=</m:t>
-                    </m:r>
-                    <m:r>
-                      <a:rPr lang="fr-FR" b="0" i="1" smtClean="0">
-                        <a:latin typeface="Cambria Math" panose="02040503050406030204" pitchFamily="18" charset="0"/>
-                      </a:rPr>
-                      <m:t>5</m:t>
-                    </m:r>
-                    <m:r>
-                      <a:rPr lang="fr-FR" b="0" i="1" smtClean="0">
-                        <a:latin typeface="Cambria Math" panose="02040503050406030204" pitchFamily="18" charset="0"/>
-                      </a:rPr>
-                      <m:t>,</m:t>
-                    </m:r>
-                    <m:r>
-                      <a:rPr lang="fr-FR" b="0" i="1" smtClean="0">
-                        <a:latin typeface="Cambria Math" panose="02040503050406030204" pitchFamily="18" charset="0"/>
-                      </a:rPr>
-                      <m:t>59</m:t>
-                    </m:r>
-                    <m:r>
-                      <a:rPr lang="fr-FR" b="0" i="1" smtClean="0">
-                        <a:latin typeface="Cambria Math" panose="02040503050406030204" pitchFamily="18" charset="0"/>
-                      </a:rPr>
-                      <m:t> </m:t>
+                      <m:t>=5,59 </m:t>
                     </m:r>
                     <m:r>
                       <m:rPr>
@@ -5674,31 +7675,7 @@
                       <a:rPr lang="fr-FR" b="0" i="1" smtClean="0">
                         <a:latin typeface="Cambria Math" panose="02040503050406030204" pitchFamily="18" charset="0"/>
                       </a:rPr>
-                      <m:t>=</m:t>
-                    </m:r>
-                    <m:r>
-                      <a:rPr lang="fr-FR" b="0" i="1" smtClean="0">
-                        <a:latin typeface="Cambria Math" panose="02040503050406030204" pitchFamily="18" charset="0"/>
-                      </a:rPr>
-                      <m:t>20</m:t>
-                    </m:r>
-                    <m:r>
-                      <a:rPr lang="fr-FR" b="0" i="1" smtClean="0">
-                        <a:latin typeface="Cambria Math" panose="02040503050406030204" pitchFamily="18" charset="0"/>
-                      </a:rPr>
-                      <m:t> à </m:t>
-                    </m:r>
-                    <m:r>
-                      <a:rPr lang="fr-FR" b="0" i="1" smtClean="0">
-                        <a:latin typeface="Cambria Math" panose="02040503050406030204" pitchFamily="18" charset="0"/>
-                      </a:rPr>
-                      <m:t>23</m:t>
-                    </m:r>
-                    <m:r>
-                      <a:rPr lang="fr-FR" b="0" i="1" smtClean="0">
-                        <a:latin typeface="Cambria Math" panose="02040503050406030204" pitchFamily="18" charset="0"/>
-                      </a:rPr>
-                      <m:t> </m:t>
+                      <m:t>=20 à 23 </m:t>
                     </m:r>
                     <m:r>
                       <m:rPr>
@@ -5752,25 +7729,7 @@
                       <a:rPr lang="fr-FR" b="0" i="0" smtClean="0">
                         <a:latin typeface="Cambria Math" panose="02040503050406030204" pitchFamily="18" charset="0"/>
                       </a:rPr>
-                      <m:t>0</m:t>
-                    </m:r>
-                    <m:r>
-                      <a:rPr lang="fr-FR" b="0" i="0" smtClean="0">
-                        <a:latin typeface="Cambria Math" panose="02040503050406030204" pitchFamily="18" charset="0"/>
-                      </a:rPr>
-                      <m:t>,</m:t>
-                    </m:r>
-                    <m:r>
-                      <a:rPr lang="fr-FR" b="0" i="0" smtClean="0">
-                        <a:latin typeface="Cambria Math" panose="02040503050406030204" pitchFamily="18" charset="0"/>
-                      </a:rPr>
-                      <m:t>024</m:t>
-                    </m:r>
-                    <m:r>
-                      <a:rPr lang="fr-FR" b="0" i="0" smtClean="0">
-                        <a:latin typeface="Cambria Math" panose="02040503050406030204" pitchFamily="18" charset="0"/>
-                      </a:rPr>
-                      <m:t> </m:t>
+                      <m:t>0,024 </m:t>
                     </m:r>
                     <m:r>
                       <m:rPr>
@@ -5846,7 +7805,7 @@
 </p:sld>
 </file>
 
-<file path=ppt/slides/slide11.xml><?xml version="1.0" encoding="utf-8"?>
+<file path=ppt/slides/slide12.xml><?xml version="1.0" encoding="utf-8"?>
 <p:sld xmlns:a="http://schemas.openxmlformats.org/drawingml/2006/main" xmlns:r="http://schemas.openxmlformats.org/officeDocument/2006/relationships" xmlns:p="http://schemas.openxmlformats.org/presentationml/2006/main">
   <p:cSld>
     <p:spTree>
@@ -5938,7 +7897,7 @@
 </p:sld>
 </file>
 
-<file path=ppt/slides/slide12.xml><?xml version="1.0" encoding="utf-8"?>
+<file path=ppt/slides/slide13.xml><?xml version="1.0" encoding="utf-8"?>
 <p:sld xmlns:a="http://schemas.openxmlformats.org/drawingml/2006/main" xmlns:r="http://schemas.openxmlformats.org/officeDocument/2006/relationships" xmlns:p="http://schemas.openxmlformats.org/presentationml/2006/main">
   <p:cSld>
     <p:spTree>
@@ -7776,7 +9735,7 @@
 </p:sld>
 </file>
 
-<file path=ppt/slides/slide13.xml><?xml version="1.0" encoding="utf-8"?>
+<file path=ppt/slides/slide14.xml><?xml version="1.0" encoding="utf-8"?>
 <p:sld xmlns:a="http://schemas.openxmlformats.org/drawingml/2006/main" xmlns:r="http://schemas.openxmlformats.org/officeDocument/2006/relationships" xmlns:p="http://schemas.openxmlformats.org/presentationml/2006/main">
   <p:cSld>
     <p:spTree>
@@ -10168,7 +12127,7 @@
 </p:sld>
 </file>
 
-<file path=ppt/slides/slide14.xml><?xml version="1.0" encoding="utf-8"?>
+<file path=ppt/slides/slide15.xml><?xml version="1.0" encoding="utf-8"?>
 <p:sld xmlns:a="http://schemas.openxmlformats.org/drawingml/2006/main" xmlns:r="http://schemas.openxmlformats.org/officeDocument/2006/relationships" xmlns:p="http://schemas.openxmlformats.org/presentationml/2006/main">
   <p:cSld>
     <p:spTree>
@@ -10667,7 +12626,7 @@
 </p:sld>
 </file>
 
-<file path=ppt/slides/slide15.xml><?xml version="1.0" encoding="utf-8"?>
+<file path=ppt/slides/slide16.xml><?xml version="1.0" encoding="utf-8"?>
 <p:sld xmlns:a="http://schemas.openxmlformats.org/drawingml/2006/main" xmlns:r="http://schemas.openxmlformats.org/officeDocument/2006/relationships" xmlns:p="http://schemas.openxmlformats.org/presentationml/2006/main">
   <p:cSld>
     <p:spTree>
@@ -11731,7 +13690,7 @@
 </p:sld>
 </file>
 
-<file path=ppt/slides/slide16.xml><?xml version="1.0" encoding="utf-8"?>
+<file path=ppt/slides/slide17.xml><?xml version="1.0" encoding="utf-8"?>
 <p:sld xmlns:a="http://schemas.openxmlformats.org/drawingml/2006/main" xmlns:r="http://schemas.openxmlformats.org/officeDocument/2006/relationships" xmlns:p="http://schemas.openxmlformats.org/presentationml/2006/main">
   <p:cSld>
     <p:spTree>
@@ -12138,7 +14097,7 @@
 </p:sld>
 </file>
 
-<file path=ppt/slides/slide17.xml><?xml version="1.0" encoding="utf-8"?>
+<file path=ppt/slides/slide18.xml><?xml version="1.0" encoding="utf-8"?>
 <p:sld xmlns:a="http://schemas.openxmlformats.org/drawingml/2006/main" xmlns:r="http://schemas.openxmlformats.org/officeDocument/2006/relationships" xmlns:p="http://schemas.openxmlformats.org/presentationml/2006/main">
   <p:cSld>
     <p:spTree>
@@ -12484,7 +14443,7 @@
 </p:sld>
 </file>
 
-<file path=ppt/slides/slide18.xml><?xml version="1.0" encoding="utf-8"?>
+<file path=ppt/slides/slide19.xml><?xml version="1.0" encoding="utf-8"?>
 <p:sld xmlns:a="http://schemas.openxmlformats.org/drawingml/2006/main" xmlns:r="http://schemas.openxmlformats.org/officeDocument/2006/relationships" xmlns:p="http://schemas.openxmlformats.org/presentationml/2006/main">
   <p:cSld>
     <p:spTree>
@@ -21695,35 +23654,190 @@
           <a:bodyPr/>
           <a:lstStyle/>
           <a:p>
-            <a:endParaRPr lang="fr-FR"/>
+            <a:r>
+              <a:rPr lang="fr-FR" dirty="0"/>
+              <a:t>Loi entrée sortie géométrique</a:t>
+            </a:r>
           </a:p>
         </p:txBody>
       </p:sp>
-      <p:sp>
-        <p:nvSpPr>
-          <p:cNvPr id="3" name="Espace réservé du contenu 2">
-            <a:extLst>
-              <a:ext uri="{FF2B5EF4-FFF2-40B4-BE49-F238E27FC236}">
-                <a16:creationId xmlns:a16="http://schemas.microsoft.com/office/drawing/2014/main" id="{820AF941-BE5D-C520-EE45-EA9BDBAD3B21}"/>
-              </a:ext>
-            </a:extLst>
-          </p:cNvPr>
-          <p:cNvSpPr>
-            <a:spLocks noGrp="1"/>
-          </p:cNvSpPr>
-          <p:nvPr>
-            <p:ph idx="1"/>
-          </p:nvPr>
-        </p:nvSpPr>
-        <p:spPr/>
-        <p:txBody>
-          <a:bodyPr/>
-          <a:lstStyle/>
-          <a:p>
-            <a:endParaRPr lang="fr-FR"/>
-          </a:p>
-        </p:txBody>
-      </p:sp>
+      <mc:AlternateContent xmlns:mc="http://schemas.openxmlformats.org/markup-compatibility/2006">
+        <mc:Choice xmlns:a14="http://schemas.microsoft.com/office/drawing/2010/main" Requires="a14">
+          <p:sp>
+            <p:nvSpPr>
+              <p:cNvPr id="3" name="Espace réservé du contenu 2">
+                <a:extLst>
+                  <a:ext uri="{FF2B5EF4-FFF2-40B4-BE49-F238E27FC236}">
+                    <a16:creationId xmlns:a16="http://schemas.microsoft.com/office/drawing/2014/main" id="{820AF941-BE5D-C520-EE45-EA9BDBAD3B21}"/>
+                  </a:ext>
+                </a:extLst>
+              </p:cNvPr>
+              <p:cNvSpPr>
+                <a:spLocks noGrp="1"/>
+              </p:cNvSpPr>
+              <p:nvPr>
+                <p:ph idx="1"/>
+              </p:nvPr>
+            </p:nvSpPr>
+            <p:spPr/>
+            <p:txBody>
+              <a:bodyPr/>
+              <a:lstStyle/>
+              <a:p>
+                <a:r>
+                  <a:rPr lang="fr-FR" dirty="0"/>
+                  <a:t> Rapport de réduction du réducteur : 15,88</a:t>
+                </a:r>
+              </a:p>
+              <a:p>
+                <a:r>
+                  <a:rPr lang="fr-FR" dirty="0"/>
+                  <a:t> Transmetteur : 108,2 mm/tr soit 17,22 mm/rad</a:t>
+                </a:r>
+              </a:p>
+              <a:p>
+                <a:r>
+                  <a:rPr lang="fr-FR" dirty="0"/>
+                  <a:t>On a donc </a:t>
+                </a:r>
+                <a14:m>
+                  <m:oMath xmlns:m="http://schemas.openxmlformats.org/officeDocument/2006/math">
+                    <m:r>
+                      <a:rPr lang="fr-FR" b="0" i="1" smtClean="0">
+                        <a:latin typeface="Cambria Math" panose="02040503050406030204" pitchFamily="18" charset="0"/>
+                      </a:rPr>
+                      <m:t>𝑋</m:t>
+                    </m:r>
+                    <m:r>
+                      <a:rPr lang="fr-FR" b="0" i="1" smtClean="0">
+                        <a:latin typeface="Cambria Math" panose="02040503050406030204" pitchFamily="18" charset="0"/>
+                      </a:rPr>
+                      <m:t>=</m:t>
+                    </m:r>
+                    <m:sSub>
+                      <m:sSubPr>
+                        <m:ctrlPr>
+                          <a:rPr lang="fr-FR" b="0" i="1" smtClean="0">
+                            <a:latin typeface="Cambria Math" panose="02040503050406030204" pitchFamily="18" charset="0"/>
+                          </a:rPr>
+                        </m:ctrlPr>
+                      </m:sSubPr>
+                      <m:e>
+                        <m:r>
+                          <a:rPr lang="fr-FR" b="0" i="1" smtClean="0">
+                            <a:latin typeface="Cambria Math" panose="02040503050406030204" pitchFamily="18" charset="0"/>
+                          </a:rPr>
+                          <m:t>𝜃</m:t>
+                        </m:r>
+                      </m:e>
+                      <m:sub>
+                        <m:r>
+                          <a:rPr lang="fr-FR" b="0" i="1" smtClean="0">
+                            <a:latin typeface="Cambria Math" panose="02040503050406030204" pitchFamily="18" charset="0"/>
+                          </a:rPr>
+                          <m:t>𝑚</m:t>
+                        </m:r>
+                      </m:sub>
+                    </m:sSub>
+                    <m:r>
+                      <a:rPr lang="fr-FR" b="0" i="1" smtClean="0">
+                        <a:latin typeface="Cambria Math" panose="02040503050406030204" pitchFamily="18" charset="0"/>
+                      </a:rPr>
+                      <m:t>×</m:t>
+                    </m:r>
+                    <m:f>
+                      <m:fPr>
+                        <m:ctrlPr>
+                          <a:rPr lang="fr-FR" b="0" i="1" smtClean="0">
+                            <a:latin typeface="Cambria Math" panose="02040503050406030204" pitchFamily="18" charset="0"/>
+                          </a:rPr>
+                        </m:ctrlPr>
+                      </m:fPr>
+                      <m:num>
+                        <m:r>
+                          <a:rPr lang="fr-FR" b="0" i="1" smtClean="0">
+                            <a:latin typeface="Cambria Math" panose="02040503050406030204" pitchFamily="18" charset="0"/>
+                          </a:rPr>
+                          <m:t>1</m:t>
+                        </m:r>
+                      </m:num>
+                      <m:den>
+                        <m:r>
+                          <a:rPr lang="fr-FR" b="0" i="1" smtClean="0">
+                            <a:latin typeface="Cambria Math" panose="02040503050406030204" pitchFamily="18" charset="0"/>
+                          </a:rPr>
+                          <m:t>15,88</m:t>
+                        </m:r>
+                      </m:den>
+                    </m:f>
+                    <m:r>
+                      <a:rPr lang="fr-FR" b="0" i="1" smtClean="0">
+                        <a:latin typeface="Cambria Math" panose="02040503050406030204" pitchFamily="18" charset="0"/>
+                      </a:rPr>
+                      <m:t>×17,2 </m:t>
+                    </m:r>
+                  </m:oMath>
+                </a14:m>
+                <a:endParaRPr lang="fr-FR" dirty="0"/>
+              </a:p>
+              <a:p>
+                <a:endParaRPr lang="fr-FR" dirty="0"/>
+              </a:p>
+              <a:p>
+                <a:endParaRPr lang="fr-FR" dirty="0"/>
+              </a:p>
+              <a:p>
+                <a:pPr marL="1588" indent="0">
+                  <a:buNone/>
+                </a:pPr>
+                <a:endParaRPr lang="fr-FR" dirty="0"/>
+              </a:p>
+              <a:p>
+                <a:endParaRPr lang="fr-FR" dirty="0"/>
+              </a:p>
+            </p:txBody>
+          </p:sp>
+        </mc:Choice>
+        <mc:Fallback>
+          <p:sp>
+            <p:nvSpPr>
+              <p:cNvPr id="3" name="Espace réservé du contenu 2">
+                <a:extLst>
+                  <a:ext uri="{FF2B5EF4-FFF2-40B4-BE49-F238E27FC236}">
+                    <a16:creationId xmlns:a16="http://schemas.microsoft.com/office/drawing/2014/main" id="{820AF941-BE5D-C520-EE45-EA9BDBAD3B21}"/>
+                  </a:ext>
+                </a:extLst>
+              </p:cNvPr>
+              <p:cNvSpPr>
+                <a:spLocks noGrp="1" noRot="1" noChangeAspect="1" noMove="1" noResize="1" noEditPoints="1" noAdjustHandles="1" noChangeArrowheads="1" noChangeShapeType="1" noTextEdit="1"/>
+              </p:cNvSpPr>
+              <p:nvPr>
+                <p:ph idx="1"/>
+              </p:nvPr>
+            </p:nvSpPr>
+            <p:spPr>
+              <a:blipFill>
+                <a:blip r:embed="rId2"/>
+                <a:stretch>
+                  <a:fillRect l="-1325" t="-1856"/>
+                </a:stretch>
+              </a:blipFill>
+            </p:spPr>
+            <p:txBody>
+              <a:bodyPr/>
+              <a:lstStyle/>
+              <a:p>
+                <a:r>
+                  <a:rPr lang="fr-FR">
+                    <a:noFill/>
+                  </a:rPr>
+                  <a:t> </a:t>
+                </a:r>
+              </a:p>
+            </p:txBody>
+          </p:sp>
+        </mc:Fallback>
+      </mc:AlternateContent>
     </p:spTree>
     <p:extLst>
       <p:ext uri="{BB962C8B-B14F-4D97-AF65-F5344CB8AC3E}">
@@ -21738,6 +23852,567 @@
 </file>
 
 <file path=ppt/slides/slide8.xml><?xml version="1.0" encoding="utf-8"?>
+<p:sld xmlns:a="http://schemas.openxmlformats.org/drawingml/2006/main" xmlns:r="http://schemas.openxmlformats.org/officeDocument/2006/relationships" xmlns:p="http://schemas.openxmlformats.org/presentationml/2006/main">
+  <p:cSld>
+    <p:spTree>
+      <p:nvGrpSpPr>
+        <p:cNvPr id="1" name="">
+          <a:extLst>
+            <a:ext uri="{FF2B5EF4-FFF2-40B4-BE49-F238E27FC236}">
+              <a16:creationId xmlns:a16="http://schemas.microsoft.com/office/drawing/2014/main" id="{7495F8D0-37ED-5538-AD49-135051531F6B}"/>
+            </a:ext>
+          </a:extLst>
+        </p:cNvPr>
+        <p:cNvGrpSpPr/>
+        <p:nvPr/>
+      </p:nvGrpSpPr>
+      <p:grpSpPr>
+        <a:xfrm>
+          <a:off x="0" y="0"/>
+          <a:ext cx="0" cy="0"/>
+          <a:chOff x="0" y="0"/>
+          <a:chExt cx="0" cy="0"/>
+        </a:xfrm>
+      </p:grpSpPr>
+      <p:sp>
+        <p:nvSpPr>
+          <p:cNvPr id="2" name="Titre 1">
+            <a:extLst>
+              <a:ext uri="{FF2B5EF4-FFF2-40B4-BE49-F238E27FC236}">
+                <a16:creationId xmlns:a16="http://schemas.microsoft.com/office/drawing/2014/main" id="{0526232B-877C-6F62-135A-9F5B3A4D1056}"/>
+              </a:ext>
+            </a:extLst>
+          </p:cNvPr>
+          <p:cNvSpPr>
+            <a:spLocks noGrp="1"/>
+          </p:cNvSpPr>
+          <p:nvPr>
+            <p:ph type="title"/>
+          </p:nvPr>
+        </p:nvSpPr>
+        <p:spPr/>
+        <p:txBody>
+          <a:bodyPr/>
+          <a:lstStyle/>
+          <a:p>
+            <a:r>
+              <a:rPr lang="fr-FR" dirty="0"/>
+              <a:t>Loi entrée sortie en effort</a:t>
+            </a:r>
+          </a:p>
+        </p:txBody>
+      </p:sp>
+      <mc:AlternateContent xmlns:mc="http://schemas.openxmlformats.org/markup-compatibility/2006">
+        <mc:Choice xmlns:a14="http://schemas.microsoft.com/office/drawing/2010/main" Requires="a14">
+          <p:sp>
+            <p:nvSpPr>
+              <p:cNvPr id="3" name="Espace réservé du contenu 2">
+                <a:extLst>
+                  <a:ext uri="{FF2B5EF4-FFF2-40B4-BE49-F238E27FC236}">
+                    <a16:creationId xmlns:a16="http://schemas.microsoft.com/office/drawing/2014/main" id="{1D19B2D4-77DE-6731-B46A-F7DF203E51CF}"/>
+                  </a:ext>
+                </a:extLst>
+              </p:cNvPr>
+              <p:cNvSpPr>
+                <a:spLocks noGrp="1"/>
+              </p:cNvSpPr>
+              <p:nvPr>
+                <p:ph idx="1"/>
+              </p:nvPr>
+            </p:nvSpPr>
+            <p:spPr/>
+            <p:txBody>
+              <a:bodyPr/>
+              <a:lstStyle/>
+              <a:p>
+                <a:r>
+                  <a:rPr lang="fr-FR" dirty="0"/>
+                  <a:t> Rapport de réduction du réducteur : 15,88</a:t>
+                </a:r>
+              </a:p>
+              <a:p>
+                <a:r>
+                  <a:rPr lang="fr-FR" dirty="0"/>
+                  <a:t> Transmetteur : 108,2 mm/tr soit 17,22 mm/rad</a:t>
+                </a:r>
+              </a:p>
+              <a:p>
+                <a:r>
+                  <a:rPr lang="fr-FR" dirty="0"/>
+                  <a:t>On a donc </a:t>
+                </a:r>
+                <a14:m>
+                  <m:oMath xmlns:m="http://schemas.openxmlformats.org/officeDocument/2006/math">
+                    <m:r>
+                      <a:rPr lang="fr-FR" b="0" i="1" smtClean="0">
+                        <a:latin typeface="Cambria Math" panose="02040503050406030204" pitchFamily="18" charset="0"/>
+                      </a:rPr>
+                      <m:t>𝑋</m:t>
+                    </m:r>
+                    <m:r>
+                      <a:rPr lang="fr-FR" b="0" i="1" smtClean="0">
+                        <a:latin typeface="Cambria Math" panose="02040503050406030204" pitchFamily="18" charset="0"/>
+                      </a:rPr>
+                      <m:t>=</m:t>
+                    </m:r>
+                    <m:sSub>
+                      <m:sSubPr>
+                        <m:ctrlPr>
+                          <a:rPr lang="fr-FR" b="0" i="1" smtClean="0">
+                            <a:latin typeface="Cambria Math" panose="02040503050406030204" pitchFamily="18" charset="0"/>
+                          </a:rPr>
+                        </m:ctrlPr>
+                      </m:sSubPr>
+                      <m:e>
+                        <m:r>
+                          <a:rPr lang="fr-FR" b="0" i="1" smtClean="0">
+                            <a:latin typeface="Cambria Math" panose="02040503050406030204" pitchFamily="18" charset="0"/>
+                          </a:rPr>
+                          <m:t>𝜃</m:t>
+                        </m:r>
+                      </m:e>
+                      <m:sub>
+                        <m:r>
+                          <a:rPr lang="fr-FR" b="0" i="1" smtClean="0">
+                            <a:latin typeface="Cambria Math" panose="02040503050406030204" pitchFamily="18" charset="0"/>
+                          </a:rPr>
+                          <m:t>𝑚</m:t>
+                        </m:r>
+                      </m:sub>
+                    </m:sSub>
+                    <m:r>
+                      <a:rPr lang="fr-FR" b="0" i="1" smtClean="0">
+                        <a:latin typeface="Cambria Math" panose="02040503050406030204" pitchFamily="18" charset="0"/>
+                      </a:rPr>
+                      <m:t>×</m:t>
+                    </m:r>
+                    <m:f>
+                      <m:fPr>
+                        <m:ctrlPr>
+                          <a:rPr lang="fr-FR" b="0" i="1" smtClean="0">
+                            <a:latin typeface="Cambria Math" panose="02040503050406030204" pitchFamily="18" charset="0"/>
+                          </a:rPr>
+                        </m:ctrlPr>
+                      </m:fPr>
+                      <m:num>
+                        <m:r>
+                          <a:rPr lang="fr-FR" b="0" i="1" smtClean="0">
+                            <a:latin typeface="Cambria Math" panose="02040503050406030204" pitchFamily="18" charset="0"/>
+                          </a:rPr>
+                          <m:t>1</m:t>
+                        </m:r>
+                      </m:num>
+                      <m:den>
+                        <m:r>
+                          <a:rPr lang="fr-FR" b="0" i="1" smtClean="0">
+                            <a:latin typeface="Cambria Math" panose="02040503050406030204" pitchFamily="18" charset="0"/>
+                          </a:rPr>
+                          <m:t>15,88</m:t>
+                        </m:r>
+                      </m:den>
+                    </m:f>
+                    <m:r>
+                      <a:rPr lang="fr-FR" b="0" i="1" smtClean="0">
+                        <a:latin typeface="Cambria Math" panose="02040503050406030204" pitchFamily="18" charset="0"/>
+                      </a:rPr>
+                      <m:t>×17,2 </m:t>
+                    </m:r>
+                  </m:oMath>
+                </a14:m>
+                <a:endParaRPr lang="fr-FR" dirty="0"/>
+              </a:p>
+              <a:p>
+                <a:endParaRPr lang="fr-FR" dirty="0"/>
+              </a:p>
+              <a:p>
+                <a:r>
+                  <a:rPr lang="fr-FR" dirty="0"/>
+                  <a:t>Sous l’hypothèse que le rendement est unitaire : </a:t>
+                </a:r>
+              </a:p>
+              <a:p>
+                <a14:m>
+                  <m:oMath xmlns:m="http://schemas.openxmlformats.org/officeDocument/2006/math">
+                    <m:sSub>
+                      <m:sSubPr>
+                        <m:ctrlPr>
+                          <a:rPr lang="fr-FR" b="0" i="1" smtClean="0">
+                            <a:latin typeface="Cambria Math" panose="02040503050406030204" pitchFamily="18" charset="0"/>
+                          </a:rPr>
+                        </m:ctrlPr>
+                      </m:sSubPr>
+                      <m:e>
+                        <m:r>
+                          <a:rPr lang="fr-FR" b="0" i="1" smtClean="0">
+                            <a:latin typeface="Cambria Math" panose="02040503050406030204" pitchFamily="18" charset="0"/>
+                          </a:rPr>
+                          <m:t>𝐶</m:t>
+                        </m:r>
+                      </m:e>
+                      <m:sub>
+                        <m:r>
+                          <a:rPr lang="fr-FR" b="0" i="1" smtClean="0">
+                            <a:latin typeface="Cambria Math" panose="02040503050406030204" pitchFamily="18" charset="0"/>
+                          </a:rPr>
+                          <m:t>𝑚</m:t>
+                        </m:r>
+                      </m:sub>
+                    </m:sSub>
+                    <m:sSub>
+                      <m:sSubPr>
+                        <m:ctrlPr>
+                          <a:rPr lang="fr-FR" b="0" i="1" smtClean="0">
+                            <a:latin typeface="Cambria Math" panose="02040503050406030204" pitchFamily="18" charset="0"/>
+                          </a:rPr>
+                        </m:ctrlPr>
+                      </m:sSubPr>
+                      <m:e>
+                        <m:r>
+                          <a:rPr lang="fr-FR" b="0" i="1" smtClean="0">
+                            <a:latin typeface="Cambria Math" panose="02040503050406030204" pitchFamily="18" charset="0"/>
+                          </a:rPr>
+                          <m:t>𝜔</m:t>
+                        </m:r>
+                      </m:e>
+                      <m:sub>
+                        <m:r>
+                          <a:rPr lang="fr-FR" b="0" i="1" smtClean="0">
+                            <a:latin typeface="Cambria Math" panose="02040503050406030204" pitchFamily="18" charset="0"/>
+                          </a:rPr>
+                          <m:t>𝑚</m:t>
+                        </m:r>
+                      </m:sub>
+                    </m:sSub>
+                    <m:r>
+                      <a:rPr lang="fr-FR" b="0" i="1" smtClean="0">
+                        <a:latin typeface="Cambria Math" panose="02040503050406030204" pitchFamily="18" charset="0"/>
+                      </a:rPr>
+                      <m:t>=</m:t>
+                    </m:r>
+                    <m:sSub>
+                      <m:sSubPr>
+                        <m:ctrlPr>
+                          <a:rPr lang="fr-FR" b="0" i="1" smtClean="0">
+                            <a:latin typeface="Cambria Math" panose="02040503050406030204" pitchFamily="18" charset="0"/>
+                          </a:rPr>
+                        </m:ctrlPr>
+                      </m:sSubPr>
+                      <m:e>
+                        <m:r>
+                          <a:rPr lang="fr-FR" b="0" i="1" smtClean="0">
+                            <a:latin typeface="Cambria Math" panose="02040503050406030204" pitchFamily="18" charset="0"/>
+                          </a:rPr>
+                          <m:t>𝐹</m:t>
+                        </m:r>
+                      </m:e>
+                      <m:sub>
+                        <m:r>
+                          <a:rPr lang="fr-FR" b="0" i="1" smtClean="0">
+                            <a:latin typeface="Cambria Math" panose="02040503050406030204" pitchFamily="18" charset="0"/>
+                          </a:rPr>
+                          <m:t>𝑚</m:t>
+                        </m:r>
+                      </m:sub>
+                    </m:sSub>
+                    <m:acc>
+                      <m:accPr>
+                        <m:chr m:val="̇"/>
+                        <m:ctrlPr>
+                          <a:rPr lang="fr-FR" b="0" i="1" smtClean="0">
+                            <a:latin typeface="Cambria Math" panose="02040503050406030204" pitchFamily="18" charset="0"/>
+                          </a:rPr>
+                        </m:ctrlPr>
+                      </m:accPr>
+                      <m:e>
+                        <m:r>
+                          <a:rPr lang="fr-FR" i="1">
+                            <a:latin typeface="Cambria Math" panose="02040503050406030204" pitchFamily="18" charset="0"/>
+                          </a:rPr>
+                          <m:t>𝑋</m:t>
+                        </m:r>
+                      </m:e>
+                    </m:acc>
+                    <m:r>
+                      <a:rPr lang="fr-FR" b="0" i="1" smtClean="0">
+                        <a:latin typeface="Cambria Math" panose="02040503050406030204" pitchFamily="18" charset="0"/>
+                      </a:rPr>
+                      <m:t>⇒</m:t>
+                    </m:r>
+                    <m:sSub>
+                      <m:sSubPr>
+                        <m:ctrlPr>
+                          <a:rPr lang="fr-FR" i="1">
+                            <a:latin typeface="Cambria Math" panose="02040503050406030204" pitchFamily="18" charset="0"/>
+                          </a:rPr>
+                        </m:ctrlPr>
+                      </m:sSubPr>
+                      <m:e>
+                        <m:r>
+                          <a:rPr lang="fr-FR" i="1">
+                            <a:latin typeface="Cambria Math" panose="02040503050406030204" pitchFamily="18" charset="0"/>
+                          </a:rPr>
+                          <m:t>𝐹</m:t>
+                        </m:r>
+                      </m:e>
+                      <m:sub>
+                        <m:r>
+                          <a:rPr lang="fr-FR" i="1">
+                            <a:latin typeface="Cambria Math" panose="02040503050406030204" pitchFamily="18" charset="0"/>
+                          </a:rPr>
+                          <m:t>𝑚</m:t>
+                        </m:r>
+                      </m:sub>
+                    </m:sSub>
+                    <m:r>
+                      <a:rPr lang="fr-FR" b="0" i="1" smtClean="0">
+                        <a:latin typeface="Cambria Math" panose="02040503050406030204" pitchFamily="18" charset="0"/>
+                      </a:rPr>
+                      <m:t>=</m:t>
+                    </m:r>
+                    <m:f>
+                      <m:fPr>
+                        <m:ctrlPr>
+                          <a:rPr lang="fr-FR" b="0" i="1" smtClean="0">
+                            <a:latin typeface="Cambria Math" panose="02040503050406030204" pitchFamily="18" charset="0"/>
+                          </a:rPr>
+                        </m:ctrlPr>
+                      </m:fPr>
+                      <m:num>
+                        <m:sSub>
+                          <m:sSubPr>
+                            <m:ctrlPr>
+                              <a:rPr lang="fr-FR" i="1">
+                                <a:latin typeface="Cambria Math" panose="02040503050406030204" pitchFamily="18" charset="0"/>
+                              </a:rPr>
+                            </m:ctrlPr>
+                          </m:sSubPr>
+                          <m:e>
+                            <m:r>
+                              <a:rPr lang="fr-FR" i="1">
+                                <a:latin typeface="Cambria Math" panose="02040503050406030204" pitchFamily="18" charset="0"/>
+                              </a:rPr>
+                              <m:t>𝐶</m:t>
+                            </m:r>
+                          </m:e>
+                          <m:sub>
+                            <m:r>
+                              <a:rPr lang="fr-FR" i="1">
+                                <a:latin typeface="Cambria Math" panose="02040503050406030204" pitchFamily="18" charset="0"/>
+                              </a:rPr>
+                              <m:t>𝑚</m:t>
+                            </m:r>
+                          </m:sub>
+                        </m:sSub>
+                        <m:sSub>
+                          <m:sSubPr>
+                            <m:ctrlPr>
+                              <a:rPr lang="fr-FR" i="1">
+                                <a:latin typeface="Cambria Math" panose="02040503050406030204" pitchFamily="18" charset="0"/>
+                              </a:rPr>
+                            </m:ctrlPr>
+                          </m:sSubPr>
+                          <m:e>
+                            <m:r>
+                              <a:rPr lang="fr-FR" i="1">
+                                <a:latin typeface="Cambria Math" panose="02040503050406030204" pitchFamily="18" charset="0"/>
+                              </a:rPr>
+                              <m:t>𝜔</m:t>
+                            </m:r>
+                          </m:e>
+                          <m:sub>
+                            <m:r>
+                              <a:rPr lang="fr-FR" i="1">
+                                <a:latin typeface="Cambria Math" panose="02040503050406030204" pitchFamily="18" charset="0"/>
+                              </a:rPr>
+                              <m:t>𝑚</m:t>
+                            </m:r>
+                          </m:sub>
+                        </m:sSub>
+                      </m:num>
+                      <m:den>
+                        <m:acc>
+                          <m:accPr>
+                            <m:chr m:val="̇"/>
+                            <m:ctrlPr>
+                              <a:rPr lang="fr-FR" i="1">
+                                <a:latin typeface="Cambria Math" panose="02040503050406030204" pitchFamily="18" charset="0"/>
+                              </a:rPr>
+                            </m:ctrlPr>
+                          </m:accPr>
+                          <m:e>
+                            <m:r>
+                              <a:rPr lang="fr-FR" i="1">
+                                <a:latin typeface="Cambria Math" panose="02040503050406030204" pitchFamily="18" charset="0"/>
+                              </a:rPr>
+                              <m:t>𝑋</m:t>
+                            </m:r>
+                          </m:e>
+                        </m:acc>
+                      </m:den>
+                    </m:f>
+                    <m:r>
+                      <a:rPr lang="fr-FR" b="0" i="0" smtClean="0">
+                        <a:latin typeface="Cambria Math" panose="02040503050406030204" pitchFamily="18" charset="0"/>
+                      </a:rPr>
+                      <m:t>=</m:t>
+                    </m:r>
+                    <m:sSub>
+                      <m:sSubPr>
+                        <m:ctrlPr>
+                          <a:rPr lang="fr-FR" b="0" i="0" smtClean="0">
+                            <a:latin typeface="Cambria Math" panose="02040503050406030204" pitchFamily="18" charset="0"/>
+                          </a:rPr>
+                        </m:ctrlPr>
+                      </m:sSubPr>
+                      <m:e>
+                        <m:r>
+                          <m:rPr>
+                            <m:sty m:val="p"/>
+                          </m:rPr>
+                          <a:rPr lang="fr-FR" b="0" i="0" smtClean="0">
+                            <a:latin typeface="Cambria Math" panose="02040503050406030204" pitchFamily="18" charset="0"/>
+                          </a:rPr>
+                          <m:t>C</m:t>
+                        </m:r>
+                      </m:e>
+                      <m:sub>
+                        <m:r>
+                          <m:rPr>
+                            <m:sty m:val="p"/>
+                          </m:rPr>
+                          <a:rPr lang="fr-FR" b="0" i="0" smtClean="0">
+                            <a:latin typeface="Cambria Math" panose="02040503050406030204" pitchFamily="18" charset="0"/>
+                          </a:rPr>
+                          <m:t>m</m:t>
+                        </m:r>
+                      </m:sub>
+                    </m:sSub>
+                    <m:r>
+                      <a:rPr lang="fr-FR" b="0" i="1" smtClean="0">
+                        <a:latin typeface="Cambria Math" panose="02040503050406030204" pitchFamily="18" charset="0"/>
+                      </a:rPr>
+                      <m:t>×</m:t>
+                    </m:r>
+                    <m:f>
+                      <m:fPr>
+                        <m:ctrlPr>
+                          <a:rPr lang="fr-FR" b="0" i="1" smtClean="0">
+                            <a:latin typeface="Cambria Math" panose="02040503050406030204" pitchFamily="18" charset="0"/>
+                          </a:rPr>
+                        </m:ctrlPr>
+                      </m:fPr>
+                      <m:num>
+                        <m:r>
+                          <a:rPr lang="fr-FR" b="0" i="1" smtClean="0">
+                            <a:latin typeface="Cambria Math" panose="02040503050406030204" pitchFamily="18" charset="0"/>
+                          </a:rPr>
+                          <m:t>15,88</m:t>
+                        </m:r>
+                      </m:num>
+                      <m:den>
+                        <m:r>
+                          <a:rPr lang="fr-FR" b="0" i="1" smtClean="0">
+                            <a:latin typeface="Cambria Math" panose="02040503050406030204" pitchFamily="18" charset="0"/>
+                          </a:rPr>
+                          <m:t>17,2×</m:t>
+                        </m:r>
+                        <m:sSup>
+                          <m:sSupPr>
+                            <m:ctrlPr>
+                              <a:rPr lang="fr-FR" b="0" i="1" smtClean="0">
+                                <a:latin typeface="Cambria Math" panose="02040503050406030204" pitchFamily="18" charset="0"/>
+                              </a:rPr>
+                            </m:ctrlPr>
+                          </m:sSupPr>
+                          <m:e>
+                            <m:r>
+                              <a:rPr lang="fr-FR" b="0" i="1" smtClean="0">
+                                <a:latin typeface="Cambria Math" panose="02040503050406030204" pitchFamily="18" charset="0"/>
+                              </a:rPr>
+                              <m:t>10</m:t>
+                            </m:r>
+                          </m:e>
+                          <m:sup>
+                            <m:r>
+                              <a:rPr lang="fr-FR" b="0" i="1" smtClean="0">
+                                <a:latin typeface="Cambria Math" panose="02040503050406030204" pitchFamily="18" charset="0"/>
+                              </a:rPr>
+                              <m:t>−3</m:t>
+                            </m:r>
+                          </m:sup>
+                        </m:sSup>
+                      </m:den>
+                    </m:f>
+                  </m:oMath>
+                </a14:m>
+                <a:endParaRPr lang="fr-FR" dirty="0"/>
+              </a:p>
+              <a:p>
+                <a:pPr marL="1588" indent="0">
+                  <a:buNone/>
+                </a:pPr>
+                <a:endParaRPr lang="fr-FR" dirty="0"/>
+              </a:p>
+              <a:p>
+                <a:endParaRPr lang="fr-FR" dirty="0"/>
+              </a:p>
+            </p:txBody>
+          </p:sp>
+        </mc:Choice>
+        <mc:Fallback>
+          <p:sp>
+            <p:nvSpPr>
+              <p:cNvPr id="3" name="Espace réservé du contenu 2">
+                <a:extLst>
+                  <a:ext uri="{FF2B5EF4-FFF2-40B4-BE49-F238E27FC236}">
+                    <a16:creationId xmlns:a16="http://schemas.microsoft.com/office/drawing/2014/main" id="{1D19B2D4-77DE-6731-B46A-F7DF203E51CF}"/>
+                  </a:ext>
+                </a:extLst>
+              </p:cNvPr>
+              <p:cNvSpPr>
+                <a:spLocks noGrp="1" noRot="1" noChangeAspect="1" noMove="1" noResize="1" noEditPoints="1" noAdjustHandles="1" noChangeArrowheads="1" noChangeShapeType="1" noTextEdit="1"/>
+              </p:cNvSpPr>
+              <p:nvPr>
+                <p:ph idx="1"/>
+              </p:nvPr>
+            </p:nvSpPr>
+            <p:spPr>
+              <a:blipFill>
+                <a:blip r:embed="rId2"/>
+                <a:stretch>
+                  <a:fillRect l="-1325" t="-1856"/>
+                </a:stretch>
+              </a:blipFill>
+            </p:spPr>
+            <p:txBody>
+              <a:bodyPr/>
+              <a:lstStyle/>
+              <a:p>
+                <a:r>
+                  <a:rPr lang="fr-FR">
+                    <a:noFill/>
+                  </a:rPr>
+                  <a:t> </a:t>
+                </a:r>
+              </a:p>
+            </p:txBody>
+          </p:sp>
+        </mc:Fallback>
+      </mc:AlternateContent>
+    </p:spTree>
+    <p:extLst>
+      <p:ext uri="{BB962C8B-B14F-4D97-AF65-F5344CB8AC3E}">
+        <p14:creationId xmlns:p14="http://schemas.microsoft.com/office/powerpoint/2010/main" val="311243995"/>
+      </p:ext>
+    </p:extLst>
+  </p:cSld>
+  <p:clrMapOvr>
+    <a:masterClrMapping/>
+  </p:clrMapOvr>
+</p:sld>
+</file>
+
+<file path=ppt/slides/slide9.xml><?xml version="1.0" encoding="utf-8"?>
 <p:sld xmlns:a="http://schemas.openxmlformats.org/drawingml/2006/main" xmlns:r="http://schemas.openxmlformats.org/officeDocument/2006/relationships" xmlns:p="http://schemas.openxmlformats.org/presentationml/2006/main">
   <p:cSld>
     <p:spTree>
@@ -21826,2268 +24501,6 @@
     <p:extLst>
       <p:ext uri="{BB962C8B-B14F-4D97-AF65-F5344CB8AC3E}">
         <p14:creationId xmlns:p14="http://schemas.microsoft.com/office/powerpoint/2010/main" val="3211213506"/>
-      </p:ext>
-    </p:extLst>
-  </p:cSld>
-  <p:clrMapOvr>
-    <a:masterClrMapping/>
-  </p:clrMapOvr>
-</p:sld>
-</file>
-
-<file path=ppt/slides/slide9.xml><?xml version="1.0" encoding="utf-8"?>
-<p:sld xmlns:a="http://schemas.openxmlformats.org/drawingml/2006/main" xmlns:r="http://schemas.openxmlformats.org/officeDocument/2006/relationships" xmlns:p="http://schemas.openxmlformats.org/presentationml/2006/main">
-  <p:cSld>
-    <p:spTree>
-      <p:nvGrpSpPr>
-        <p:cNvPr id="1" name=""/>
-        <p:cNvGrpSpPr/>
-        <p:nvPr/>
-      </p:nvGrpSpPr>
-      <p:grpSpPr>
-        <a:xfrm>
-          <a:off x="0" y="0"/>
-          <a:ext cx="0" cy="0"/>
-          <a:chOff x="0" y="0"/>
-          <a:chExt cx="0" cy="0"/>
-        </a:xfrm>
-      </p:grpSpPr>
-      <p:sp>
-        <p:nvSpPr>
-          <p:cNvPr id="2" name="Titre 1">
-            <a:extLst>
-              <a:ext uri="{FF2B5EF4-FFF2-40B4-BE49-F238E27FC236}">
-                <a16:creationId xmlns:a16="http://schemas.microsoft.com/office/drawing/2014/main" id="{0E2762F0-6713-D740-7B66-903DCE9D555C}"/>
-              </a:ext>
-            </a:extLst>
-          </p:cNvPr>
-          <p:cNvSpPr>
-            <a:spLocks noGrp="1"/>
-          </p:cNvSpPr>
-          <p:nvPr>
-            <p:ph type="title"/>
-          </p:nvPr>
-        </p:nvSpPr>
-        <p:spPr/>
-        <p:txBody>
-          <a:bodyPr/>
-          <a:lstStyle/>
-          <a:p>
-            <a:r>
-              <a:rPr lang="fr-FR" dirty="0"/>
-              <a:t>Identification de la masse de l’axe</a:t>
-            </a:r>
-          </a:p>
-        </p:txBody>
-      </p:sp>
-      <mc:AlternateContent xmlns:mc="http://schemas.openxmlformats.org/markup-compatibility/2006" xmlns:a14="http://schemas.microsoft.com/office/drawing/2010/main">
-        <mc:Choice Requires="a14">
-          <p:sp>
-            <p:nvSpPr>
-              <p:cNvPr id="3" name="Espace réservé du contenu 2">
-                <a:extLst>
-                  <a:ext uri="{FF2B5EF4-FFF2-40B4-BE49-F238E27FC236}">
-                    <a16:creationId xmlns:a16="http://schemas.microsoft.com/office/drawing/2014/main" id="{01216E43-4963-B0A0-8737-FF44BF7186A5}"/>
-                  </a:ext>
-                </a:extLst>
-              </p:cNvPr>
-              <p:cNvSpPr>
-                <a:spLocks noGrp="1"/>
-              </p:cNvSpPr>
-              <p:nvPr>
-                <p:ph idx="1"/>
-              </p:nvPr>
-            </p:nvSpPr>
-            <p:spPr>
-              <a:xfrm>
-                <a:off x="117795" y="981886"/>
-                <a:ext cx="5869119" cy="5264909"/>
-              </a:xfrm>
-            </p:spPr>
-            <p:txBody>
-              <a:bodyPr>
-                <a:normAutofit fontScale="70000" lnSpcReduction="20000"/>
-              </a:bodyPr>
-              <a:lstStyle/>
-              <a:p>
-                <a:r>
-                  <a:rPr lang="fr-FR" dirty="0"/>
-                  <a:t>On isole : </a:t>
-                </a:r>
-              </a:p>
-              <a:p>
-                <a:pPr lvl="1"/>
-                <a:r>
-                  <a:rPr lang="fr-FR" dirty="0"/>
-                  <a:t>Le rotor du moteur</a:t>
-                </a:r>
-              </a:p>
-              <a:p>
-                <a:pPr lvl="1"/>
-                <a:r>
-                  <a:rPr lang="fr-FR" dirty="0"/>
-                  <a:t>Les pignons du réducteur</a:t>
-                </a:r>
-              </a:p>
-              <a:p>
-                <a:pPr lvl="1"/>
-                <a:r>
-                  <a:rPr lang="fr-FR" dirty="0"/>
-                  <a:t>La poulie</a:t>
-                </a:r>
-              </a:p>
-              <a:p>
-                <a:pPr lvl="1"/>
-                <a:r>
-                  <a:rPr lang="fr-FR" dirty="0"/>
-                  <a:t>La courroie</a:t>
-                </a:r>
-              </a:p>
-              <a:p>
-                <a:pPr lvl="1"/>
-                <a:r>
-                  <a:rPr lang="fr-FR" dirty="0"/>
-                  <a:t>L’axe</a:t>
-                </a:r>
-              </a:p>
-              <a:p>
-                <a:r>
-                  <a:rPr lang="fr-FR" dirty="0"/>
-                  <a:t>Hypothèses : </a:t>
-                </a:r>
-              </a:p>
-              <a:p>
-                <a:pPr lvl="1"/>
-                <a:r>
-                  <a:rPr lang="fr-FR" dirty="0"/>
-                  <a:t>Courroie qui roule sans glisser sur la poulie</a:t>
-                </a:r>
-              </a:p>
-              <a:p>
-                <a:pPr lvl="1"/>
-                <a:r>
-                  <a:rPr lang="fr-FR" dirty="0"/>
-                  <a:t>Courroie inextensible</a:t>
-                </a:r>
-              </a:p>
-              <a:p>
-                <a:pPr lvl="1"/>
-                <a:endParaRPr lang="fr-FR" dirty="0"/>
-              </a:p>
-              <a:p>
-                <a:r>
-                  <a:rPr lang="fr-FR" dirty="0"/>
-                  <a:t>Bilan des puissances :</a:t>
-                </a:r>
-              </a:p>
-              <a:p>
-                <a:pPr lvl="1"/>
-                <a:r>
-                  <a:rPr lang="fr-FR" dirty="0"/>
-                  <a:t>Toutes les puissances dissipées dans les liaisons intérieures ou extérieures à l’isolement sont ramenées à l’arbre moteur (rotor, noté </a:t>
-                </a:r>
-                <a14:m>
-                  <m:oMath xmlns:m="http://schemas.openxmlformats.org/officeDocument/2006/math">
-                    <m:r>
-                      <a:rPr lang="fr-FR" b="0" i="1" smtClean="0">
-                        <a:latin typeface="Cambria Math" panose="02040503050406030204" pitchFamily="18" charset="0"/>
-                      </a:rPr>
-                      <m:t>𝑟</m:t>
-                    </m:r>
-                    <m:r>
-                      <a:rPr lang="fr-FR" b="0" i="1" smtClean="0">
-                        <a:latin typeface="Cambria Math" panose="02040503050406030204" pitchFamily="18" charset="0"/>
-                      </a:rPr>
-                      <m:t>)</m:t>
-                    </m:r>
-                  </m:oMath>
-                </a14:m>
-                <a:r>
-                  <a:rPr lang="fr-FR" dirty="0"/>
-                  <a:t> On les note : </a:t>
-                </a:r>
-                <a14:m>
-                  <m:oMath xmlns:m="http://schemas.openxmlformats.org/officeDocument/2006/math">
-                    <m:r>
-                      <a:rPr lang="fr-FR" i="1" smtClean="0">
-                        <a:latin typeface="Cambria Math" panose="02040503050406030204" pitchFamily="18" charset="0"/>
-                        <a:ea typeface="Cambria Math" panose="02040503050406030204" pitchFamily="18" charset="0"/>
-                      </a:rPr>
-                      <m:t>𝒫</m:t>
-                    </m:r>
-                    <m:d>
-                      <m:dPr>
-                        <m:ctrlPr>
-                          <a:rPr lang="fr-FR" b="0" i="1" smtClean="0">
-                            <a:latin typeface="Cambria Math" panose="02040503050406030204" pitchFamily="18" charset="0"/>
-                            <a:ea typeface="Cambria Math" panose="02040503050406030204" pitchFamily="18" charset="0"/>
-                          </a:rPr>
-                        </m:ctrlPr>
-                      </m:dPr>
-                      <m:e>
-                        <m:r>
-                          <a:rPr lang="fr-FR" b="0" i="1" smtClean="0">
-                            <a:latin typeface="Cambria Math" panose="02040503050406030204" pitchFamily="18" charset="0"/>
-                            <a:ea typeface="Cambria Math" panose="02040503050406030204" pitchFamily="18" charset="0"/>
-                          </a:rPr>
-                          <m:t>𝐹𝑟𝑜𝑡𝑡</m:t>
-                        </m:r>
-                        <m:r>
-                          <a:rPr lang="fr-FR" b="0" i="1" smtClean="0">
-                            <a:latin typeface="Cambria Math" panose="02040503050406030204" pitchFamily="18" charset="0"/>
-                            <a:ea typeface="Cambria Math" panose="02040503050406030204" pitchFamily="18" charset="0"/>
-                          </a:rPr>
-                          <m:t>→</m:t>
-                        </m:r>
-                        <m:r>
-                          <a:rPr lang="fr-FR" b="0" i="1" smtClean="0">
-                            <a:latin typeface="Cambria Math" panose="02040503050406030204" pitchFamily="18" charset="0"/>
-                            <a:ea typeface="Cambria Math" panose="02040503050406030204" pitchFamily="18" charset="0"/>
-                          </a:rPr>
-                          <m:t>𝑟</m:t>
-                        </m:r>
-                        <m:r>
-                          <m:rPr>
-                            <m:lit/>
-                          </m:rPr>
-                          <a:rPr lang="fr-FR" b="0" i="1" smtClean="0">
-                            <a:latin typeface="Cambria Math" panose="02040503050406030204" pitchFamily="18" charset="0"/>
-                            <a:ea typeface="Cambria Math" panose="02040503050406030204" pitchFamily="18" charset="0"/>
-                          </a:rPr>
-                          <m:t>/</m:t>
-                        </m:r>
-                        <m:r>
-                          <a:rPr lang="fr-FR" b="0" i="1" smtClean="0">
-                            <a:latin typeface="Cambria Math" panose="02040503050406030204" pitchFamily="18" charset="0"/>
-                            <a:ea typeface="Cambria Math" panose="02040503050406030204" pitchFamily="18" charset="0"/>
-                          </a:rPr>
-                          <m:t>0</m:t>
-                        </m:r>
-                      </m:e>
-                    </m:d>
-                    <m:r>
-                      <a:rPr lang="fr-FR" b="0" i="1" smtClean="0">
-                        <a:latin typeface="Cambria Math" panose="02040503050406030204" pitchFamily="18" charset="0"/>
-                        <a:ea typeface="Cambria Math" panose="02040503050406030204" pitchFamily="18" charset="0"/>
-                      </a:rPr>
-                      <m:t>=−</m:t>
-                    </m:r>
-                    <m:sSub>
-                      <m:sSubPr>
-                        <m:ctrlPr>
-                          <a:rPr lang="fr-FR" b="0" i="1" smtClean="0">
-                            <a:latin typeface="Cambria Math" panose="02040503050406030204" pitchFamily="18" charset="0"/>
-                            <a:ea typeface="Cambria Math" panose="02040503050406030204" pitchFamily="18" charset="0"/>
-                          </a:rPr>
-                        </m:ctrlPr>
-                      </m:sSubPr>
-                      <m:e>
-                        <m:r>
-                          <a:rPr lang="fr-FR" b="0" i="1" smtClean="0">
-                            <a:latin typeface="Cambria Math" panose="02040503050406030204" pitchFamily="18" charset="0"/>
-                            <a:ea typeface="Cambria Math" panose="02040503050406030204" pitchFamily="18" charset="0"/>
-                          </a:rPr>
-                          <m:t>𝐶</m:t>
-                        </m:r>
-                      </m:e>
-                      <m:sub>
-                        <m:r>
-                          <a:rPr lang="fr-FR" b="0" i="1" smtClean="0">
-                            <a:latin typeface="Cambria Math" panose="02040503050406030204" pitchFamily="18" charset="0"/>
-                            <a:ea typeface="Cambria Math" panose="02040503050406030204" pitchFamily="18" charset="0"/>
-                          </a:rPr>
-                          <m:t>𝑟</m:t>
-                        </m:r>
-                      </m:sub>
-                    </m:sSub>
-                    <m:sSub>
-                      <m:sSubPr>
-                        <m:ctrlPr>
-                          <a:rPr lang="fr-FR" b="0" i="1" smtClean="0">
-                            <a:latin typeface="Cambria Math" panose="02040503050406030204" pitchFamily="18" charset="0"/>
-                            <a:ea typeface="Cambria Math" panose="02040503050406030204" pitchFamily="18" charset="0"/>
-                          </a:rPr>
-                        </m:ctrlPr>
-                      </m:sSubPr>
-                      <m:e>
-                        <m:r>
-                          <a:rPr lang="fr-FR" b="0" i="1" smtClean="0">
-                            <a:latin typeface="Cambria Math" panose="02040503050406030204" pitchFamily="18" charset="0"/>
-                            <a:ea typeface="Cambria Math" panose="02040503050406030204" pitchFamily="18" charset="0"/>
-                          </a:rPr>
-                          <m:t>𝜔</m:t>
-                        </m:r>
-                      </m:e>
-                      <m:sub>
-                        <m:r>
-                          <a:rPr lang="fr-FR" b="0" i="1" smtClean="0">
-                            <a:latin typeface="Cambria Math" panose="02040503050406030204" pitchFamily="18" charset="0"/>
-                            <a:ea typeface="Cambria Math" panose="02040503050406030204" pitchFamily="18" charset="0"/>
-                          </a:rPr>
-                          <m:t>𝑚</m:t>
-                        </m:r>
-                      </m:sub>
-                    </m:sSub>
-                  </m:oMath>
-                </a14:m>
-                <a:endParaRPr lang="fr-FR" dirty="0"/>
-              </a:p>
-              <a:p>
-                <a:pPr lvl="1"/>
-                <a:r>
-                  <a:rPr lang="fr-FR" dirty="0"/>
-                  <a:t>Bilan des puissances intérieures :</a:t>
-                </a:r>
-              </a:p>
-              <a:p>
-                <a:pPr lvl="2"/>
-                <a14:m>
-                  <m:oMath xmlns:m="http://schemas.openxmlformats.org/officeDocument/2006/math">
-                    <m:r>
-                      <a:rPr lang="fr-FR" i="1" smtClean="0">
-                        <a:latin typeface="Cambria Math" panose="02040503050406030204" pitchFamily="18" charset="0"/>
-                        <a:ea typeface="Cambria Math" panose="02040503050406030204" pitchFamily="18" charset="0"/>
-                      </a:rPr>
-                      <m:t>𝒫</m:t>
-                    </m:r>
-                    <m:d>
-                      <m:dPr>
-                        <m:ctrlPr>
-                          <a:rPr lang="fr-FR" b="0" i="1" smtClean="0">
-                            <a:latin typeface="Cambria Math" panose="02040503050406030204" pitchFamily="18" charset="0"/>
-                            <a:ea typeface="Cambria Math" panose="02040503050406030204" pitchFamily="18" charset="0"/>
-                          </a:rPr>
-                        </m:ctrlPr>
-                      </m:dPr>
-                      <m:e>
-                        <m:r>
-                          <a:rPr lang="fr-FR" b="0" i="1" smtClean="0">
-                            <a:latin typeface="Cambria Math" panose="02040503050406030204" pitchFamily="18" charset="0"/>
-                            <a:ea typeface="Cambria Math" panose="02040503050406030204" pitchFamily="18" charset="0"/>
-                          </a:rPr>
-                          <m:t>𝑝𝑜𝑢𝑙𝑖𝑒</m:t>
-                        </m:r>
-                        <m:r>
-                          <a:rPr lang="fr-FR" b="0" i="1" smtClean="0">
-                            <a:latin typeface="Cambria Math" panose="02040503050406030204" pitchFamily="18" charset="0"/>
-                            <a:ea typeface="Cambria Math" panose="02040503050406030204" pitchFamily="18" charset="0"/>
-                          </a:rPr>
-                          <m:t>↔</m:t>
-                        </m:r>
-                        <m:r>
-                          <a:rPr lang="fr-FR" b="0" i="1" smtClean="0">
-                            <a:latin typeface="Cambria Math" panose="02040503050406030204" pitchFamily="18" charset="0"/>
-                            <a:ea typeface="Cambria Math" panose="02040503050406030204" pitchFamily="18" charset="0"/>
-                          </a:rPr>
-                          <m:t>𝑐𝑜𝑢𝑟𝑟𝑜𝑖𝑒</m:t>
-                        </m:r>
-                      </m:e>
-                    </m:d>
-                    <m:r>
-                      <a:rPr lang="fr-FR" b="0" i="1" smtClean="0">
-                        <a:latin typeface="Cambria Math" panose="02040503050406030204" pitchFamily="18" charset="0"/>
-                        <a:ea typeface="Cambria Math" panose="02040503050406030204" pitchFamily="18" charset="0"/>
-                      </a:rPr>
-                      <m:t>=</m:t>
-                    </m:r>
-                    <m:r>
-                      <a:rPr lang="fr-FR" b="0" i="1" smtClean="0">
-                        <a:latin typeface="Cambria Math" panose="02040503050406030204" pitchFamily="18" charset="0"/>
-                        <a:ea typeface="Cambria Math" panose="02040503050406030204" pitchFamily="18" charset="0"/>
-                      </a:rPr>
-                      <m:t>0</m:t>
-                    </m:r>
-                  </m:oMath>
-                </a14:m>
-                <a:r>
-                  <a:rPr lang="fr-FR" dirty="0"/>
-                  <a:t> (Roulement sans glissement)</a:t>
-                </a:r>
-              </a:p>
-              <a:p>
-                <a:pPr lvl="1"/>
-                <a:r>
-                  <a:rPr lang="fr-FR" dirty="0"/>
-                  <a:t>Bilan des puissances extérieures :</a:t>
-                </a:r>
-              </a:p>
-              <a:p>
-                <a:pPr lvl="2"/>
-                <a:r>
-                  <a:rPr lang="fr-FR" dirty="0">
-                    <a:ea typeface="Cambria Math" panose="02040503050406030204" pitchFamily="18" charset="0"/>
-                  </a:rPr>
-                  <a:t>Puissance </a:t>
-                </a:r>
-                <a:r>
-                  <a:rPr lang="fr-FR" dirty="0" err="1">
-                    <a:ea typeface="Cambria Math" panose="02040503050406030204" pitchFamily="18" charset="0"/>
-                  </a:rPr>
-                  <a:t>motr</a:t>
-                </a:r>
-                <a:r>
-                  <a:rPr lang="fr-FR" dirty="0">
-                    <a:ea typeface="Cambria Math" panose="02040503050406030204" pitchFamily="18" charset="0"/>
-                  </a:rPr>
-                  <a:t>ice </a:t>
-                </a:r>
-                <a14:m>
-                  <m:oMath xmlns:m="http://schemas.openxmlformats.org/officeDocument/2006/math">
-                    <m:r>
-                      <a:rPr lang="fr-FR" i="1" smtClean="0">
-                        <a:latin typeface="Cambria Math" panose="02040503050406030204" pitchFamily="18" charset="0"/>
-                        <a:ea typeface="Cambria Math" panose="02040503050406030204" pitchFamily="18" charset="0"/>
-                      </a:rPr>
-                      <m:t>𝒫</m:t>
-                    </m:r>
-                    <m:d>
-                      <m:dPr>
-                        <m:ctrlPr>
-                          <a:rPr lang="fr-FR" b="0" i="1" smtClean="0">
-                            <a:latin typeface="Cambria Math" panose="02040503050406030204" pitchFamily="18" charset="0"/>
-                            <a:ea typeface="Cambria Math" panose="02040503050406030204" pitchFamily="18" charset="0"/>
-                          </a:rPr>
-                        </m:ctrlPr>
-                      </m:dPr>
-                      <m:e>
-                        <m:r>
-                          <a:rPr lang="fr-FR" b="0" i="1" smtClean="0">
-                            <a:latin typeface="Cambria Math" panose="02040503050406030204" pitchFamily="18" charset="0"/>
-                            <a:ea typeface="Cambria Math" panose="02040503050406030204" pitchFamily="18" charset="0"/>
-                          </a:rPr>
-                          <m:t>𝑟𝑜𝑡𝑜𝑟</m:t>
-                        </m:r>
-                        <m:r>
-                          <a:rPr lang="fr-FR" b="0" i="1" smtClean="0">
-                            <a:latin typeface="Cambria Math" panose="02040503050406030204" pitchFamily="18" charset="0"/>
-                            <a:ea typeface="Cambria Math" panose="02040503050406030204" pitchFamily="18" charset="0"/>
-                          </a:rPr>
-                          <m:t>→</m:t>
-                        </m:r>
-                        <m:r>
-                          <a:rPr lang="fr-FR" b="0" i="1" smtClean="0">
-                            <a:latin typeface="Cambria Math" panose="02040503050406030204" pitchFamily="18" charset="0"/>
-                            <a:ea typeface="Cambria Math" panose="02040503050406030204" pitchFamily="18" charset="0"/>
-                          </a:rPr>
-                          <m:t>𝑠𝑡𝑎𝑡𝑜𝑟</m:t>
-                        </m:r>
-                        <m:r>
-                          <m:rPr>
-                            <m:lit/>
-                          </m:rPr>
-                          <a:rPr lang="fr-FR" b="0" i="1" smtClean="0">
-                            <a:latin typeface="Cambria Math" panose="02040503050406030204" pitchFamily="18" charset="0"/>
-                            <a:ea typeface="Cambria Math" panose="02040503050406030204" pitchFamily="18" charset="0"/>
-                          </a:rPr>
-                          <m:t>/</m:t>
-                        </m:r>
-                        <m:r>
-                          <a:rPr lang="fr-FR" b="0" i="1" smtClean="0">
-                            <a:latin typeface="Cambria Math" panose="02040503050406030204" pitchFamily="18" charset="0"/>
-                            <a:ea typeface="Cambria Math" panose="02040503050406030204" pitchFamily="18" charset="0"/>
-                          </a:rPr>
-                          <m:t>0</m:t>
-                        </m:r>
-                        <m:r>
-                          <a:rPr lang="fr-FR" b="0" i="1" smtClean="0">
-                            <a:latin typeface="Cambria Math" panose="02040503050406030204" pitchFamily="18" charset="0"/>
-                            <a:ea typeface="Cambria Math" panose="02040503050406030204" pitchFamily="18" charset="0"/>
-                          </a:rPr>
-                          <m:t> </m:t>
-                        </m:r>
-                      </m:e>
-                    </m:d>
-                    <m:r>
-                      <a:rPr lang="fr-FR" b="0" i="1" smtClean="0">
-                        <a:latin typeface="Cambria Math" panose="02040503050406030204" pitchFamily="18" charset="0"/>
-                        <a:ea typeface="Cambria Math" panose="02040503050406030204" pitchFamily="18" charset="0"/>
-                      </a:rPr>
-                      <m:t>=</m:t>
-                    </m:r>
-                    <m:sSub>
-                      <m:sSubPr>
-                        <m:ctrlPr>
-                          <a:rPr lang="fr-FR" b="0" i="1" smtClean="0">
-                            <a:latin typeface="Cambria Math" panose="02040503050406030204" pitchFamily="18" charset="0"/>
-                            <a:ea typeface="Cambria Math" panose="02040503050406030204" pitchFamily="18" charset="0"/>
-                          </a:rPr>
-                        </m:ctrlPr>
-                      </m:sSubPr>
-                      <m:e>
-                        <m:r>
-                          <a:rPr lang="fr-FR" b="0" i="1" smtClean="0">
-                            <a:latin typeface="Cambria Math" panose="02040503050406030204" pitchFamily="18" charset="0"/>
-                            <a:ea typeface="Cambria Math" panose="02040503050406030204" pitchFamily="18" charset="0"/>
-                          </a:rPr>
-                          <m:t>𝐶</m:t>
-                        </m:r>
-                      </m:e>
-                      <m:sub>
-                        <m:r>
-                          <a:rPr lang="fr-FR" b="0" i="1" smtClean="0">
-                            <a:latin typeface="Cambria Math" panose="02040503050406030204" pitchFamily="18" charset="0"/>
-                            <a:ea typeface="Cambria Math" panose="02040503050406030204" pitchFamily="18" charset="0"/>
-                          </a:rPr>
-                          <m:t>𝑚</m:t>
-                        </m:r>
-                      </m:sub>
-                    </m:sSub>
-                    <m:sSub>
-                      <m:sSubPr>
-                        <m:ctrlPr>
-                          <a:rPr lang="fr-FR" b="0" i="1" smtClean="0">
-                            <a:latin typeface="Cambria Math" panose="02040503050406030204" pitchFamily="18" charset="0"/>
-                            <a:ea typeface="Cambria Math" panose="02040503050406030204" pitchFamily="18" charset="0"/>
-                          </a:rPr>
-                        </m:ctrlPr>
-                      </m:sSubPr>
-                      <m:e>
-                        <m:r>
-                          <a:rPr lang="fr-FR" b="0" i="1" smtClean="0">
-                            <a:latin typeface="Cambria Math" panose="02040503050406030204" pitchFamily="18" charset="0"/>
-                            <a:ea typeface="Cambria Math" panose="02040503050406030204" pitchFamily="18" charset="0"/>
-                          </a:rPr>
-                          <m:t>𝜔</m:t>
-                        </m:r>
-                      </m:e>
-                      <m:sub>
-                        <m:r>
-                          <a:rPr lang="fr-FR" b="0" i="1" smtClean="0">
-                            <a:latin typeface="Cambria Math" panose="02040503050406030204" pitchFamily="18" charset="0"/>
-                            <a:ea typeface="Cambria Math" panose="02040503050406030204" pitchFamily="18" charset="0"/>
-                          </a:rPr>
-                          <m:t>𝑚</m:t>
-                        </m:r>
-                        <m:r>
-                          <m:rPr>
-                            <m:lit/>
-                          </m:rPr>
-                          <a:rPr lang="fr-FR" b="0" i="1" smtClean="0">
-                            <a:latin typeface="Cambria Math" panose="02040503050406030204" pitchFamily="18" charset="0"/>
-                            <a:ea typeface="Cambria Math" panose="02040503050406030204" pitchFamily="18" charset="0"/>
-                          </a:rPr>
-                          <m:t>/</m:t>
-                        </m:r>
-                        <m:r>
-                          <a:rPr lang="fr-FR" b="0" i="1" smtClean="0">
-                            <a:latin typeface="Cambria Math" panose="02040503050406030204" pitchFamily="18" charset="0"/>
-                            <a:ea typeface="Cambria Math" panose="02040503050406030204" pitchFamily="18" charset="0"/>
-                          </a:rPr>
-                          <m:t>0</m:t>
-                        </m:r>
-                      </m:sub>
-                    </m:sSub>
-                  </m:oMath>
-                </a14:m>
-                <a:endParaRPr lang="fr-FR" b="0" dirty="0">
-                  <a:ea typeface="Cambria Math" panose="02040503050406030204" pitchFamily="18" charset="0"/>
-                </a:endParaRPr>
-              </a:p>
-              <a:p>
-                <a:pPr lvl="2"/>
-                <a:r>
-                  <a:rPr lang="fr-FR" dirty="0"/>
-                  <a:t>Puissance de la pesanteur : </a:t>
-                </a:r>
-                <a14:m>
-                  <m:oMath xmlns:m="http://schemas.openxmlformats.org/officeDocument/2006/math">
-                    <m:r>
-                      <a:rPr lang="fr-FR" i="1" smtClean="0">
-                        <a:latin typeface="Cambria Math" panose="02040503050406030204" pitchFamily="18" charset="0"/>
-                        <a:ea typeface="Cambria Math" panose="02040503050406030204" pitchFamily="18" charset="0"/>
-                      </a:rPr>
-                      <m:t>𝒫</m:t>
-                    </m:r>
-                    <m:d>
-                      <m:dPr>
-                        <m:ctrlPr>
-                          <a:rPr lang="fr-FR" b="0" i="1" smtClean="0">
-                            <a:latin typeface="Cambria Math" panose="02040503050406030204" pitchFamily="18" charset="0"/>
-                            <a:ea typeface="Cambria Math" panose="02040503050406030204" pitchFamily="18" charset="0"/>
-                          </a:rPr>
-                        </m:ctrlPr>
-                      </m:dPr>
-                      <m:e>
-                        <m:r>
-                          <a:rPr lang="fr-FR" b="0" i="1" smtClean="0">
-                            <a:latin typeface="Cambria Math" panose="02040503050406030204" pitchFamily="18" charset="0"/>
-                            <a:ea typeface="Cambria Math" panose="02040503050406030204" pitchFamily="18" charset="0"/>
-                          </a:rPr>
-                          <m:t>𝑝𝑒𝑠</m:t>
-                        </m:r>
-                        <m:r>
-                          <a:rPr lang="fr-FR" b="0" i="1" smtClean="0">
-                            <a:latin typeface="Cambria Math" panose="02040503050406030204" pitchFamily="18" charset="0"/>
-                            <a:ea typeface="Cambria Math" panose="02040503050406030204" pitchFamily="18" charset="0"/>
-                          </a:rPr>
-                          <m:t>→</m:t>
-                        </m:r>
-                        <m:r>
-                          <a:rPr lang="fr-FR" b="0" i="1" smtClean="0">
-                            <a:latin typeface="Cambria Math" panose="02040503050406030204" pitchFamily="18" charset="0"/>
-                            <a:ea typeface="Cambria Math" panose="02040503050406030204" pitchFamily="18" charset="0"/>
-                          </a:rPr>
-                          <m:t>𝑎𝑥𝑒</m:t>
-                        </m:r>
-                        <m:r>
-                          <m:rPr>
-                            <m:lit/>
-                          </m:rPr>
-                          <a:rPr lang="fr-FR" b="0" i="1" smtClean="0">
-                            <a:latin typeface="Cambria Math" panose="02040503050406030204" pitchFamily="18" charset="0"/>
-                            <a:ea typeface="Cambria Math" panose="02040503050406030204" pitchFamily="18" charset="0"/>
-                          </a:rPr>
-                          <m:t>/</m:t>
-                        </m:r>
-                        <m:r>
-                          <a:rPr lang="fr-FR" b="0" i="1" smtClean="0">
-                            <a:latin typeface="Cambria Math" panose="02040503050406030204" pitchFamily="18" charset="0"/>
-                            <a:ea typeface="Cambria Math" panose="02040503050406030204" pitchFamily="18" charset="0"/>
-                          </a:rPr>
-                          <m:t>0</m:t>
-                        </m:r>
-                        <m:r>
-                          <a:rPr lang="fr-FR" b="0" i="1" smtClean="0">
-                            <a:latin typeface="Cambria Math" panose="02040503050406030204" pitchFamily="18" charset="0"/>
-                            <a:ea typeface="Cambria Math" panose="02040503050406030204" pitchFamily="18" charset="0"/>
-                          </a:rPr>
-                          <m:t> </m:t>
-                        </m:r>
-                      </m:e>
-                    </m:d>
-                    <m:r>
-                      <a:rPr lang="fr-FR" i="1">
-                        <a:latin typeface="Cambria Math" panose="02040503050406030204" pitchFamily="18" charset="0"/>
-                        <a:ea typeface="Cambria Math" panose="02040503050406030204" pitchFamily="18" charset="0"/>
-                      </a:rPr>
-                      <m:t>=±</m:t>
-                    </m:r>
-                    <m:d>
-                      <m:dPr>
-                        <m:ctrlPr>
-                          <a:rPr lang="fr-FR" i="1">
-                            <a:latin typeface="Cambria Math" panose="02040503050406030204" pitchFamily="18" charset="0"/>
-                            <a:ea typeface="Cambria Math" panose="02040503050406030204" pitchFamily="18" charset="0"/>
-                          </a:rPr>
-                        </m:ctrlPr>
-                      </m:dPr>
-                      <m:e>
-                        <m:r>
-                          <a:rPr lang="fr-FR" i="1">
-                            <a:latin typeface="Cambria Math" panose="02040503050406030204" pitchFamily="18" charset="0"/>
-                            <a:ea typeface="Cambria Math" panose="02040503050406030204" pitchFamily="18" charset="0"/>
-                          </a:rPr>
-                          <m:t>𝑀</m:t>
-                        </m:r>
-                        <m:r>
-                          <a:rPr lang="fr-FR" i="1">
-                            <a:latin typeface="Cambria Math" panose="02040503050406030204" pitchFamily="18" charset="0"/>
-                            <a:ea typeface="Cambria Math" panose="02040503050406030204" pitchFamily="18" charset="0"/>
-                          </a:rPr>
-                          <m:t>+</m:t>
-                        </m:r>
-                        <m:r>
-                          <a:rPr lang="fr-FR" i="1">
-                            <a:latin typeface="Cambria Math" panose="02040503050406030204" pitchFamily="18" charset="0"/>
-                            <a:ea typeface="Cambria Math" panose="02040503050406030204" pitchFamily="18" charset="0"/>
-                          </a:rPr>
-                          <m:t>𝑛𝑚</m:t>
-                        </m:r>
-                      </m:e>
-                    </m:d>
-                    <m:r>
-                      <a:rPr lang="fr-FR" i="1">
-                        <a:latin typeface="Cambria Math" panose="02040503050406030204" pitchFamily="18" charset="0"/>
-                        <a:ea typeface="Cambria Math" panose="02040503050406030204" pitchFamily="18" charset="0"/>
-                      </a:rPr>
-                      <m:t>𝑔</m:t>
-                    </m:r>
-                    <m:sSub>
-                      <m:sSubPr>
-                        <m:ctrlPr>
-                          <a:rPr lang="fr-FR" i="1">
-                            <a:latin typeface="Cambria Math" panose="02040503050406030204" pitchFamily="18" charset="0"/>
-                            <a:ea typeface="Cambria Math" panose="02040503050406030204" pitchFamily="18" charset="0"/>
-                          </a:rPr>
-                        </m:ctrlPr>
-                      </m:sSubPr>
-                      <m:e>
-                        <m:r>
-                          <a:rPr lang="fr-FR" i="1">
-                            <a:latin typeface="Cambria Math" panose="02040503050406030204" pitchFamily="18" charset="0"/>
-                            <a:ea typeface="Cambria Math" panose="02040503050406030204" pitchFamily="18" charset="0"/>
-                          </a:rPr>
-                          <m:t>𝑉</m:t>
-                        </m:r>
-                      </m:e>
-                      <m:sub>
-                        <m:r>
-                          <a:rPr lang="fr-FR" i="1">
-                            <a:latin typeface="Cambria Math" panose="02040503050406030204" pitchFamily="18" charset="0"/>
-                            <a:ea typeface="Cambria Math" panose="02040503050406030204" pitchFamily="18" charset="0"/>
-                          </a:rPr>
-                          <m:t>𝑎𝑥𝑒</m:t>
-                        </m:r>
-                        <m:r>
-                          <m:rPr>
-                            <m:lit/>
-                          </m:rPr>
-                          <a:rPr lang="fr-FR" i="1">
-                            <a:latin typeface="Cambria Math" panose="02040503050406030204" pitchFamily="18" charset="0"/>
-                            <a:ea typeface="Cambria Math" panose="02040503050406030204" pitchFamily="18" charset="0"/>
-                          </a:rPr>
-                          <m:t>/</m:t>
-                        </m:r>
-                        <m:r>
-                          <a:rPr lang="fr-FR" i="1">
-                            <a:latin typeface="Cambria Math" panose="02040503050406030204" pitchFamily="18" charset="0"/>
-                            <a:ea typeface="Cambria Math" panose="02040503050406030204" pitchFamily="18" charset="0"/>
-                          </a:rPr>
-                          <m:t>0</m:t>
-                        </m:r>
-                      </m:sub>
-                    </m:sSub>
-                  </m:oMath>
-                </a14:m>
-                <a:r>
-                  <a:rPr lang="fr-FR" dirty="0">
-                    <a:ea typeface="Cambria Math" panose="02040503050406030204" pitchFamily="18" charset="0"/>
-                  </a:rPr>
-                  <a:t> </a:t>
-                </a:r>
-                <a14:m>
-                  <m:oMath xmlns:m="http://schemas.openxmlformats.org/officeDocument/2006/math">
-                    <m:r>
-                      <a:rPr lang="fr-FR" i="1">
-                        <a:latin typeface="Cambria Math" panose="02040503050406030204" pitchFamily="18" charset="0"/>
-                        <a:ea typeface="Cambria Math" panose="02040503050406030204" pitchFamily="18" charset="0"/>
-                      </a:rPr>
-                      <m:t>=±</m:t>
-                    </m:r>
-                    <m:d>
-                      <m:dPr>
-                        <m:ctrlPr>
-                          <a:rPr lang="fr-FR" i="1">
-                            <a:latin typeface="Cambria Math" panose="02040503050406030204" pitchFamily="18" charset="0"/>
-                            <a:ea typeface="Cambria Math" panose="02040503050406030204" pitchFamily="18" charset="0"/>
-                          </a:rPr>
-                        </m:ctrlPr>
-                      </m:dPr>
-                      <m:e>
-                        <m:r>
-                          <a:rPr lang="fr-FR" i="1">
-                            <a:latin typeface="Cambria Math" panose="02040503050406030204" pitchFamily="18" charset="0"/>
-                            <a:ea typeface="Cambria Math" panose="02040503050406030204" pitchFamily="18" charset="0"/>
-                          </a:rPr>
-                          <m:t>𝑀</m:t>
-                        </m:r>
-                        <m:r>
-                          <a:rPr lang="fr-FR" i="1">
-                            <a:latin typeface="Cambria Math" panose="02040503050406030204" pitchFamily="18" charset="0"/>
-                            <a:ea typeface="Cambria Math" panose="02040503050406030204" pitchFamily="18" charset="0"/>
-                          </a:rPr>
-                          <m:t>+</m:t>
-                        </m:r>
-                        <m:r>
-                          <a:rPr lang="fr-FR" i="1">
-                            <a:latin typeface="Cambria Math" panose="02040503050406030204" pitchFamily="18" charset="0"/>
-                            <a:ea typeface="Cambria Math" panose="02040503050406030204" pitchFamily="18" charset="0"/>
-                          </a:rPr>
-                          <m:t>𝑛𝑚</m:t>
-                        </m:r>
-                      </m:e>
-                    </m:d>
-                    <m:r>
-                      <a:rPr lang="fr-FR" i="1">
-                        <a:latin typeface="Cambria Math" panose="02040503050406030204" pitchFamily="18" charset="0"/>
-                        <a:ea typeface="Cambria Math" panose="02040503050406030204" pitchFamily="18" charset="0"/>
-                      </a:rPr>
-                      <m:t>𝑔</m:t>
-                    </m:r>
-                    <m:r>
-                      <a:rPr lang="fr-FR" i="1" smtClean="0">
-                        <a:latin typeface="Cambria Math" panose="02040503050406030204" pitchFamily="18" charset="0"/>
-                        <a:ea typeface="Cambria Math" panose="02040503050406030204" pitchFamily="18" charset="0"/>
-                      </a:rPr>
-                      <m:t>𝐾</m:t>
-                    </m:r>
-                    <m:sSub>
-                      <m:sSubPr>
-                        <m:ctrlPr>
-                          <a:rPr lang="fr-FR" i="1">
-                            <a:latin typeface="Cambria Math" panose="02040503050406030204" pitchFamily="18" charset="0"/>
-                            <a:ea typeface="Cambria Math" panose="02040503050406030204" pitchFamily="18" charset="0"/>
-                          </a:rPr>
-                        </m:ctrlPr>
-                      </m:sSubPr>
-                      <m:e>
-                        <m:r>
-                          <a:rPr lang="fr-FR" i="1">
-                            <a:latin typeface="Cambria Math" panose="02040503050406030204" pitchFamily="18" charset="0"/>
-                            <a:ea typeface="Cambria Math" panose="02040503050406030204" pitchFamily="18" charset="0"/>
-                          </a:rPr>
-                          <m:t>𝜔</m:t>
-                        </m:r>
-                      </m:e>
-                      <m:sub>
-                        <m:r>
-                          <a:rPr lang="fr-FR" i="1">
-                            <a:latin typeface="Cambria Math" panose="02040503050406030204" pitchFamily="18" charset="0"/>
-                            <a:ea typeface="Cambria Math" panose="02040503050406030204" pitchFamily="18" charset="0"/>
-                          </a:rPr>
-                          <m:t>𝑚</m:t>
-                        </m:r>
-                        <m:r>
-                          <m:rPr>
-                            <m:lit/>
-                          </m:rPr>
-                          <a:rPr lang="fr-FR" i="1">
-                            <a:latin typeface="Cambria Math" panose="02040503050406030204" pitchFamily="18" charset="0"/>
-                            <a:ea typeface="Cambria Math" panose="02040503050406030204" pitchFamily="18" charset="0"/>
-                          </a:rPr>
-                          <m:t>/</m:t>
-                        </m:r>
-                        <m:r>
-                          <a:rPr lang="fr-FR" i="1">
-                            <a:latin typeface="Cambria Math" panose="02040503050406030204" pitchFamily="18" charset="0"/>
-                            <a:ea typeface="Cambria Math" panose="02040503050406030204" pitchFamily="18" charset="0"/>
-                          </a:rPr>
-                          <m:t>0</m:t>
-                        </m:r>
-                      </m:sub>
-                    </m:sSub>
-                  </m:oMath>
-                </a14:m>
-                <a:endParaRPr lang="fr-FR" dirty="0"/>
-              </a:p>
-            </p:txBody>
-          </p:sp>
-        </mc:Choice>
-        <mc:Fallback xmlns="">
-          <p:sp>
-            <p:nvSpPr>
-              <p:cNvPr id="3" name="Espace réservé du contenu 2">
-                <a:extLst>
-                  <a:ext uri="{FF2B5EF4-FFF2-40B4-BE49-F238E27FC236}">
-                    <a16:creationId xmlns:a16="http://schemas.microsoft.com/office/drawing/2014/main" id="{01216E43-4963-B0A0-8737-FF44BF7186A5}"/>
-                  </a:ext>
-                </a:extLst>
-              </p:cNvPr>
-              <p:cNvSpPr>
-                <a:spLocks noGrp="1" noRot="1" noChangeAspect="1" noMove="1" noResize="1" noEditPoints="1" noAdjustHandles="1" noChangeArrowheads="1" noChangeShapeType="1" noTextEdit="1"/>
-              </p:cNvSpPr>
-              <p:nvPr>
-                <p:ph idx="1"/>
-              </p:nvPr>
-            </p:nvSpPr>
-            <p:spPr>
-              <a:xfrm>
-                <a:off x="117795" y="981886"/>
-                <a:ext cx="5869119" cy="5264909"/>
-              </a:xfrm>
-              <a:blipFill>
-                <a:blip r:embed="rId2"/>
-                <a:stretch>
-                  <a:fillRect l="-1973" t="-2083" r="-208"/>
-                </a:stretch>
-              </a:blipFill>
-            </p:spPr>
-            <p:txBody>
-              <a:bodyPr/>
-              <a:lstStyle/>
-              <a:p>
-                <a:r>
-                  <a:rPr lang="fr-FR">
-                    <a:noFill/>
-                  </a:rPr>
-                  <a:t> </a:t>
-                </a:r>
-              </a:p>
-            </p:txBody>
-          </p:sp>
-        </mc:Fallback>
-      </mc:AlternateContent>
-      <mc:AlternateContent xmlns:mc="http://schemas.openxmlformats.org/markup-compatibility/2006" xmlns:a14="http://schemas.microsoft.com/office/drawing/2010/main">
-        <mc:Choice Requires="a14">
-          <p:sp>
-            <p:nvSpPr>
-              <p:cNvPr id="4" name="Espace réservé du contenu 2">
-                <a:extLst>
-                  <a:ext uri="{FF2B5EF4-FFF2-40B4-BE49-F238E27FC236}">
-                    <a16:creationId xmlns:a16="http://schemas.microsoft.com/office/drawing/2014/main" id="{E7F53A8B-C997-DCCC-B9F3-26A7F8E42C86}"/>
-                  </a:ext>
-                </a:extLst>
-              </p:cNvPr>
-              <p:cNvSpPr txBox="1">
-                <a:spLocks/>
-              </p:cNvSpPr>
-              <p:nvPr/>
-            </p:nvSpPr>
-            <p:spPr>
-              <a:xfrm>
-                <a:off x="6096000" y="981886"/>
-                <a:ext cx="5978205" cy="5264909"/>
-              </a:xfrm>
-              <a:prstGeom prst="rect">
-                <a:avLst/>
-              </a:prstGeom>
-            </p:spPr>
-            <p:txBody>
-              <a:bodyPr vert="horz" lIns="0" tIns="45720" rIns="0" bIns="45720" rtlCol="0">
-                <a:normAutofit fontScale="92500" lnSpcReduction="20000"/>
-              </a:bodyPr>
-              <a:lstStyle>
-                <a:lvl1pPr marL="271463" indent="-269875" algn="l" defTabSz="914400" rtl="0" eaLnBrk="1" latinLnBrk="0" hangingPunct="1">
-                  <a:lnSpc>
-                    <a:spcPct val="90000"/>
-                  </a:lnSpc>
-                  <a:spcBef>
-                    <a:spcPts val="1200"/>
-                  </a:spcBef>
-                  <a:spcAft>
-                    <a:spcPts val="200"/>
-                  </a:spcAft>
-                  <a:buClr>
-                    <a:schemeClr val="tx2"/>
-                  </a:buClr>
-                  <a:buSzPct val="80000"/>
-                  <a:buFont typeface="Wingdings" panose="05000000000000000000" pitchFamily="2" charset="2"/>
-                  <a:buChar char="q"/>
-                  <a:defRPr lang="fr-FR" sz="2800" kern="1200">
-                    <a:solidFill>
-                      <a:schemeClr val="tx1">
-                        <a:lumMod val="75000"/>
-                        <a:lumOff val="25000"/>
-                      </a:schemeClr>
-                    </a:solidFill>
-                    <a:latin typeface="+mn-lt"/>
-                    <a:ea typeface="+mn-ea"/>
-                    <a:cs typeface="+mn-cs"/>
-                  </a:defRPr>
-                </a:lvl1pPr>
-                <a:lvl2pPr marL="449263" indent="-249238" algn="l" defTabSz="914400" rtl="0" eaLnBrk="1" latinLnBrk="0" hangingPunct="1">
-                  <a:lnSpc>
-                    <a:spcPct val="90000"/>
-                  </a:lnSpc>
-                  <a:spcBef>
-                    <a:spcPts val="200"/>
-                  </a:spcBef>
-                  <a:spcAft>
-                    <a:spcPts val="400"/>
-                  </a:spcAft>
-                  <a:buClr>
-                    <a:schemeClr val="accent1"/>
-                  </a:buClr>
-                  <a:buSzPct val="80000"/>
-                  <a:buFont typeface="Wingdings" panose="05000000000000000000" pitchFamily="2" charset="2"/>
-                  <a:buChar char="q"/>
-                  <a:defRPr lang="fr-FR" sz="2400" kern="1200">
-                    <a:solidFill>
-                      <a:schemeClr val="tx1">
-                        <a:lumMod val="75000"/>
-                        <a:lumOff val="25000"/>
-                      </a:schemeClr>
-                    </a:solidFill>
-                    <a:latin typeface="+mn-lt"/>
-                    <a:ea typeface="+mn-ea"/>
-                    <a:cs typeface="+mn-cs"/>
-                  </a:defRPr>
-                </a:lvl2pPr>
-                <a:lvl3pPr marL="627063" indent="-242888" algn="l" defTabSz="914400" rtl="0" eaLnBrk="1" latinLnBrk="0" hangingPunct="1">
-                  <a:lnSpc>
-                    <a:spcPct val="90000"/>
-                  </a:lnSpc>
-                  <a:spcBef>
-                    <a:spcPts val="200"/>
-                  </a:spcBef>
-                  <a:spcAft>
-                    <a:spcPts val="400"/>
-                  </a:spcAft>
-                  <a:buClr>
-                    <a:schemeClr val="accent2"/>
-                  </a:buClr>
-                  <a:buSzPct val="80000"/>
-                  <a:buFont typeface="Wingdings" panose="05000000000000000000" pitchFamily="2" charset="2"/>
-                  <a:buChar char="q"/>
-                  <a:defRPr lang="fr-FR" sz="1800" kern="1200">
-                    <a:solidFill>
-                      <a:schemeClr val="tx1">
-                        <a:lumMod val="75000"/>
-                        <a:lumOff val="25000"/>
-                      </a:schemeClr>
-                    </a:solidFill>
-                    <a:latin typeface="+mn-lt"/>
-                    <a:ea typeface="+mn-ea"/>
-                    <a:cs typeface="+mn-cs"/>
-                  </a:defRPr>
-                </a:lvl3pPr>
-                <a:lvl4pPr marL="804863" indent="-238125" algn="l" defTabSz="914400" rtl="0" eaLnBrk="1" latinLnBrk="0" hangingPunct="1">
-                  <a:lnSpc>
-                    <a:spcPct val="90000"/>
-                  </a:lnSpc>
-                  <a:spcBef>
-                    <a:spcPts val="200"/>
-                  </a:spcBef>
-                  <a:spcAft>
-                    <a:spcPts val="400"/>
-                  </a:spcAft>
-                  <a:buClr>
-                    <a:schemeClr val="accent3"/>
-                  </a:buClr>
-                  <a:buSzPct val="80000"/>
-                  <a:buFont typeface="Wingdings" panose="05000000000000000000" pitchFamily="2" charset="2"/>
-                  <a:buChar char="q"/>
-                  <a:defRPr lang="fr-FR" sz="1800" kern="1200">
-                    <a:solidFill>
-                      <a:schemeClr val="tx1">
-                        <a:lumMod val="75000"/>
-                        <a:lumOff val="25000"/>
-                      </a:schemeClr>
-                    </a:solidFill>
-                    <a:latin typeface="+mn-lt"/>
-                    <a:ea typeface="+mn-ea"/>
-                    <a:cs typeface="+mn-cs"/>
-                  </a:defRPr>
-                </a:lvl4pPr>
-                <a:lvl5pPr marL="982663" indent="-233363" algn="l" defTabSz="914400" rtl="0" eaLnBrk="1" latinLnBrk="0" hangingPunct="1">
-                  <a:lnSpc>
-                    <a:spcPct val="90000"/>
-                  </a:lnSpc>
-                  <a:spcBef>
-                    <a:spcPts val="200"/>
-                  </a:spcBef>
-                  <a:spcAft>
-                    <a:spcPts val="400"/>
-                  </a:spcAft>
-                  <a:buClr>
-                    <a:schemeClr val="accent4"/>
-                  </a:buClr>
-                  <a:buSzPct val="80000"/>
-                  <a:buFont typeface="Wingdings" panose="05000000000000000000" pitchFamily="2" charset="2"/>
-                  <a:buChar char="q"/>
-                  <a:defRPr lang="en-US" sz="1800" kern="1200">
-                    <a:solidFill>
-                      <a:schemeClr val="tx1">
-                        <a:lumMod val="75000"/>
-                        <a:lumOff val="25000"/>
-                      </a:schemeClr>
-                    </a:solidFill>
-                    <a:latin typeface="+mn-lt"/>
-                    <a:ea typeface="+mn-ea"/>
-                    <a:cs typeface="+mn-cs"/>
-                  </a:defRPr>
-                </a:lvl5pPr>
-                <a:lvl6pPr marL="1100000" indent="-228600" algn="l" defTabSz="914400" rtl="0" eaLnBrk="1" latinLnBrk="0" hangingPunct="1">
-                  <a:lnSpc>
-                    <a:spcPct val="90000"/>
-                  </a:lnSpc>
-                  <a:spcBef>
-                    <a:spcPts val="200"/>
-                  </a:spcBef>
-                  <a:spcAft>
-                    <a:spcPts val="400"/>
-                  </a:spcAft>
-                  <a:buClr>
-                    <a:schemeClr val="accent1"/>
-                  </a:buClr>
-                  <a:buFont typeface="Calibri" pitchFamily="34" charset="0"/>
-                  <a:buChar char="◦"/>
-                  <a:defRPr sz="1400" kern="1200">
-                    <a:solidFill>
-                      <a:schemeClr val="tx1">
-                        <a:lumMod val="75000"/>
-                        <a:lumOff val="25000"/>
-                      </a:schemeClr>
-                    </a:solidFill>
-                    <a:latin typeface="+mn-lt"/>
-                    <a:ea typeface="+mn-ea"/>
-                    <a:cs typeface="+mn-cs"/>
-                  </a:defRPr>
-                </a:lvl6pPr>
-                <a:lvl7pPr marL="1300000" indent="-228600" algn="l" defTabSz="914400" rtl="0" eaLnBrk="1" latinLnBrk="0" hangingPunct="1">
-                  <a:lnSpc>
-                    <a:spcPct val="90000"/>
-                  </a:lnSpc>
-                  <a:spcBef>
-                    <a:spcPts val="200"/>
-                  </a:spcBef>
-                  <a:spcAft>
-                    <a:spcPts val="400"/>
-                  </a:spcAft>
-                  <a:buClr>
-                    <a:schemeClr val="accent1"/>
-                  </a:buClr>
-                  <a:buFont typeface="Calibri" pitchFamily="34" charset="0"/>
-                  <a:buChar char="◦"/>
-                  <a:defRPr sz="1400" kern="1200">
-                    <a:solidFill>
-                      <a:schemeClr val="tx1">
-                        <a:lumMod val="75000"/>
-                        <a:lumOff val="25000"/>
-                      </a:schemeClr>
-                    </a:solidFill>
-                    <a:latin typeface="+mn-lt"/>
-                    <a:ea typeface="+mn-ea"/>
-                    <a:cs typeface="+mn-cs"/>
-                  </a:defRPr>
-                </a:lvl7pPr>
-                <a:lvl8pPr marL="1500000" indent="-228600" algn="l" defTabSz="914400" rtl="0" eaLnBrk="1" latinLnBrk="0" hangingPunct="1">
-                  <a:lnSpc>
-                    <a:spcPct val="90000"/>
-                  </a:lnSpc>
-                  <a:spcBef>
-                    <a:spcPts val="200"/>
-                  </a:spcBef>
-                  <a:spcAft>
-                    <a:spcPts val="400"/>
-                  </a:spcAft>
-                  <a:buClr>
-                    <a:schemeClr val="accent1"/>
-                  </a:buClr>
-                  <a:buFont typeface="Calibri" pitchFamily="34" charset="0"/>
-                  <a:buChar char="◦"/>
-                  <a:defRPr sz="1400" kern="1200">
-                    <a:solidFill>
-                      <a:schemeClr val="tx1">
-                        <a:lumMod val="75000"/>
-                        <a:lumOff val="25000"/>
-                      </a:schemeClr>
-                    </a:solidFill>
-                    <a:latin typeface="+mn-lt"/>
-                    <a:ea typeface="+mn-ea"/>
-                    <a:cs typeface="+mn-cs"/>
-                  </a:defRPr>
-                </a:lvl8pPr>
-                <a:lvl9pPr marL="1700000" indent="-228600" algn="l" defTabSz="914400" rtl="0" eaLnBrk="1" latinLnBrk="0" hangingPunct="1">
-                  <a:lnSpc>
-                    <a:spcPct val="90000"/>
-                  </a:lnSpc>
-                  <a:spcBef>
-                    <a:spcPts val="200"/>
-                  </a:spcBef>
-                  <a:spcAft>
-                    <a:spcPts val="400"/>
-                  </a:spcAft>
-                  <a:buClr>
-                    <a:schemeClr val="accent1"/>
-                  </a:buClr>
-                  <a:buFont typeface="Calibri" pitchFamily="34" charset="0"/>
-                  <a:buChar char="◦"/>
-                  <a:defRPr sz="1400" kern="1200">
-                    <a:solidFill>
-                      <a:schemeClr val="tx1">
-                        <a:lumMod val="75000"/>
-                        <a:lumOff val="25000"/>
-                      </a:schemeClr>
-                    </a:solidFill>
-                    <a:latin typeface="+mn-lt"/>
-                    <a:ea typeface="+mn-ea"/>
-                    <a:cs typeface="+mn-cs"/>
-                  </a:defRPr>
-                </a:lvl9pPr>
-              </a:lstStyle>
-              <a:p>
-                <a:r>
-                  <a:rPr lang="fr-FR" dirty="0"/>
-                  <a:t>Calcul de l’énergie cinétique</a:t>
-                </a:r>
-              </a:p>
-              <a:p>
-                <a14:m>
-                  <m:oMath xmlns:m="http://schemas.openxmlformats.org/officeDocument/2006/math">
-                    <m:sSub>
-                      <m:sSubPr>
-                        <m:ctrlPr>
-                          <a:rPr lang="fr-FR" b="0" i="1" smtClean="0">
-                            <a:latin typeface="Cambria Math" panose="02040503050406030204" pitchFamily="18" charset="0"/>
-                            <a:ea typeface="Cambria Math" panose="02040503050406030204" pitchFamily="18" charset="0"/>
-                          </a:rPr>
-                        </m:ctrlPr>
-                      </m:sSubPr>
-                      <m:e>
-                        <m:r>
-                          <a:rPr lang="fr-FR" i="1" smtClean="0">
-                            <a:latin typeface="Cambria Math" panose="02040503050406030204" pitchFamily="18" charset="0"/>
-                            <a:ea typeface="Cambria Math" panose="02040503050406030204" pitchFamily="18" charset="0"/>
-                          </a:rPr>
-                          <m:t>ℰ</m:t>
-                        </m:r>
-                      </m:e>
-                      <m:sub>
-                        <m:r>
-                          <a:rPr lang="fr-FR" b="0" i="1" smtClean="0">
-                            <a:latin typeface="Cambria Math" panose="02040503050406030204" pitchFamily="18" charset="0"/>
-                            <a:ea typeface="Cambria Math" panose="02040503050406030204" pitchFamily="18" charset="0"/>
-                          </a:rPr>
-                          <m:t>𝑐</m:t>
-                        </m:r>
-                      </m:sub>
-                    </m:sSub>
-                    <m:d>
-                      <m:dPr>
-                        <m:ctrlPr>
-                          <a:rPr lang="fr-FR" b="0" i="1" smtClean="0">
-                            <a:latin typeface="Cambria Math" panose="02040503050406030204" pitchFamily="18" charset="0"/>
-                            <a:ea typeface="Cambria Math" panose="02040503050406030204" pitchFamily="18" charset="0"/>
-                          </a:rPr>
-                        </m:ctrlPr>
-                      </m:dPr>
-                      <m:e>
-                        <m:r>
-                          <m:rPr>
-                            <m:sty m:val="p"/>
-                          </m:rPr>
-                          <a:rPr lang="fr-FR" b="0" i="0" smtClean="0">
-                            <a:latin typeface="Cambria Math" panose="02040503050406030204" pitchFamily="18" charset="0"/>
-                            <a:ea typeface="Cambria Math" panose="02040503050406030204" pitchFamily="18" charset="0"/>
-                          </a:rPr>
-                          <m:t>Σ</m:t>
-                        </m:r>
-                        <m:r>
-                          <m:rPr>
-                            <m:lit/>
-                          </m:rPr>
-                          <a:rPr lang="fr-FR" b="0" i="1" smtClean="0">
-                            <a:latin typeface="Cambria Math" panose="02040503050406030204" pitchFamily="18" charset="0"/>
-                            <a:ea typeface="Cambria Math" panose="02040503050406030204" pitchFamily="18" charset="0"/>
-                          </a:rPr>
-                          <m:t>/</m:t>
-                        </m:r>
-                        <m:r>
-                          <a:rPr lang="fr-FR" b="0" i="1" smtClean="0">
-                            <a:latin typeface="Cambria Math" panose="02040503050406030204" pitchFamily="18" charset="0"/>
-                            <a:ea typeface="Cambria Math" panose="02040503050406030204" pitchFamily="18" charset="0"/>
-                          </a:rPr>
-                          <m:t>0</m:t>
-                        </m:r>
-                      </m:e>
-                    </m:d>
-                    <m:r>
-                      <a:rPr lang="fr-FR" b="0" i="1" smtClean="0">
-                        <a:latin typeface="Cambria Math" panose="02040503050406030204" pitchFamily="18" charset="0"/>
-                        <a:ea typeface="Cambria Math" panose="02040503050406030204" pitchFamily="18" charset="0"/>
-                      </a:rPr>
-                      <m:t>=</m:t>
-                    </m:r>
-                    <m:f>
-                      <m:fPr>
-                        <m:ctrlPr>
-                          <a:rPr lang="fr-FR" i="1">
-                            <a:latin typeface="Cambria Math" panose="02040503050406030204" pitchFamily="18" charset="0"/>
-                            <a:ea typeface="Cambria Math" panose="02040503050406030204" pitchFamily="18" charset="0"/>
-                          </a:rPr>
-                        </m:ctrlPr>
-                      </m:fPr>
-                      <m:num>
-                        <m:r>
-                          <a:rPr lang="fr-FR" i="1">
-                            <a:latin typeface="Cambria Math" panose="02040503050406030204" pitchFamily="18" charset="0"/>
-                            <a:ea typeface="Cambria Math" panose="02040503050406030204" pitchFamily="18" charset="0"/>
-                          </a:rPr>
-                          <m:t>1</m:t>
-                        </m:r>
-                      </m:num>
-                      <m:den>
-                        <m:r>
-                          <a:rPr lang="fr-FR" i="1">
-                            <a:latin typeface="Cambria Math" panose="02040503050406030204" pitchFamily="18" charset="0"/>
-                            <a:ea typeface="Cambria Math" panose="02040503050406030204" pitchFamily="18" charset="0"/>
-                          </a:rPr>
-                          <m:t>2</m:t>
-                        </m:r>
-                      </m:den>
-                    </m:f>
-                    <m:sSub>
-                      <m:sSubPr>
-                        <m:ctrlPr>
-                          <a:rPr lang="fr-FR" i="1">
-                            <a:latin typeface="Cambria Math" panose="02040503050406030204" pitchFamily="18" charset="0"/>
-                            <a:ea typeface="Cambria Math" panose="02040503050406030204" pitchFamily="18" charset="0"/>
-                          </a:rPr>
-                        </m:ctrlPr>
-                      </m:sSubPr>
-                      <m:e>
-                        <m:r>
-                          <a:rPr lang="fr-FR" i="1">
-                            <a:latin typeface="Cambria Math" panose="02040503050406030204" pitchFamily="18" charset="0"/>
-                            <a:ea typeface="Cambria Math" panose="02040503050406030204" pitchFamily="18" charset="0"/>
-                          </a:rPr>
-                          <m:t>𝐽</m:t>
-                        </m:r>
-                      </m:e>
-                      <m:sub>
-                        <m:r>
-                          <a:rPr lang="fr-FR" i="1">
-                            <a:latin typeface="Cambria Math" panose="02040503050406030204" pitchFamily="18" charset="0"/>
-                            <a:ea typeface="Cambria Math" panose="02040503050406030204" pitchFamily="18" charset="0"/>
-                          </a:rPr>
-                          <m:t>𝑚</m:t>
-                        </m:r>
-                      </m:sub>
-                    </m:sSub>
-                    <m:sSubSup>
-                      <m:sSubSupPr>
-                        <m:ctrlPr>
-                          <a:rPr lang="fr-FR" i="1">
-                            <a:latin typeface="Cambria Math" panose="02040503050406030204" pitchFamily="18" charset="0"/>
-                            <a:ea typeface="Cambria Math" panose="02040503050406030204" pitchFamily="18" charset="0"/>
-                          </a:rPr>
-                        </m:ctrlPr>
-                      </m:sSubSupPr>
-                      <m:e>
-                        <m:r>
-                          <a:rPr lang="fr-FR" i="1">
-                            <a:latin typeface="Cambria Math" panose="02040503050406030204" pitchFamily="18" charset="0"/>
-                            <a:ea typeface="Cambria Math" panose="02040503050406030204" pitchFamily="18" charset="0"/>
-                          </a:rPr>
-                          <m:t>𝜔</m:t>
-                        </m:r>
-                      </m:e>
-                      <m:sub>
-                        <m:r>
-                          <a:rPr lang="fr-FR" i="1">
-                            <a:latin typeface="Cambria Math" panose="02040503050406030204" pitchFamily="18" charset="0"/>
-                            <a:ea typeface="Cambria Math" panose="02040503050406030204" pitchFamily="18" charset="0"/>
-                          </a:rPr>
-                          <m:t>𝑚</m:t>
-                        </m:r>
-                      </m:sub>
-                      <m:sup>
-                        <m:r>
-                          <a:rPr lang="fr-FR" i="1">
-                            <a:latin typeface="Cambria Math" panose="02040503050406030204" pitchFamily="18" charset="0"/>
-                            <a:ea typeface="Cambria Math" panose="02040503050406030204" pitchFamily="18" charset="0"/>
-                          </a:rPr>
-                          <m:t>2</m:t>
-                        </m:r>
-                      </m:sup>
-                    </m:sSubSup>
-                  </m:oMath>
-                </a14:m>
-                <a:r>
-                  <a:rPr lang="fr-FR" dirty="0"/>
-                  <a:t> +</a:t>
-                </a:r>
-                <a:r>
-                  <a:rPr lang="fr-FR" dirty="0">
-                    <a:ea typeface="Cambria Math" panose="02040503050406030204" pitchFamily="18" charset="0"/>
-                  </a:rPr>
-                  <a:t> </a:t>
-                </a:r>
-                <a14:m>
-                  <m:oMath xmlns:m="http://schemas.openxmlformats.org/officeDocument/2006/math">
-                    <m:f>
-                      <m:fPr>
-                        <m:ctrlPr>
-                          <a:rPr lang="fr-FR" i="1">
-                            <a:latin typeface="Cambria Math" panose="02040503050406030204" pitchFamily="18" charset="0"/>
-                            <a:ea typeface="Cambria Math" panose="02040503050406030204" pitchFamily="18" charset="0"/>
-                          </a:rPr>
-                        </m:ctrlPr>
-                      </m:fPr>
-                      <m:num>
-                        <m:r>
-                          <a:rPr lang="fr-FR" i="1">
-                            <a:latin typeface="Cambria Math" panose="02040503050406030204" pitchFamily="18" charset="0"/>
-                            <a:ea typeface="Cambria Math" panose="02040503050406030204" pitchFamily="18" charset="0"/>
-                          </a:rPr>
-                          <m:t>1</m:t>
-                        </m:r>
-                      </m:num>
-                      <m:den>
-                        <m:r>
-                          <a:rPr lang="fr-FR" i="1">
-                            <a:latin typeface="Cambria Math" panose="02040503050406030204" pitchFamily="18" charset="0"/>
-                            <a:ea typeface="Cambria Math" panose="02040503050406030204" pitchFamily="18" charset="0"/>
-                          </a:rPr>
-                          <m:t>2</m:t>
-                        </m:r>
-                      </m:den>
-                    </m:f>
-                    <m:sSub>
-                      <m:sSubPr>
-                        <m:ctrlPr>
-                          <a:rPr lang="fr-FR" i="1">
-                            <a:latin typeface="Cambria Math" panose="02040503050406030204" pitchFamily="18" charset="0"/>
-                            <a:ea typeface="Cambria Math" panose="02040503050406030204" pitchFamily="18" charset="0"/>
-                          </a:rPr>
-                        </m:ctrlPr>
-                      </m:sSubPr>
-                      <m:e>
-                        <m:r>
-                          <a:rPr lang="fr-FR" i="1">
-                            <a:latin typeface="Cambria Math" panose="02040503050406030204" pitchFamily="18" charset="0"/>
-                            <a:ea typeface="Cambria Math" panose="02040503050406030204" pitchFamily="18" charset="0"/>
-                          </a:rPr>
-                          <m:t>𝐽</m:t>
-                        </m:r>
-                      </m:e>
-                      <m:sub>
-                        <m:r>
-                          <a:rPr lang="fr-FR" b="0" i="1" smtClean="0">
-                            <a:latin typeface="Cambria Math" panose="02040503050406030204" pitchFamily="18" charset="0"/>
-                            <a:ea typeface="Cambria Math" panose="02040503050406030204" pitchFamily="18" charset="0"/>
-                          </a:rPr>
-                          <m:t>𝑟</m:t>
-                        </m:r>
-                      </m:sub>
-                    </m:sSub>
-                    <m:sSubSup>
-                      <m:sSubSupPr>
-                        <m:ctrlPr>
-                          <a:rPr lang="fr-FR" i="1">
-                            <a:latin typeface="Cambria Math" panose="02040503050406030204" pitchFamily="18" charset="0"/>
-                            <a:ea typeface="Cambria Math" panose="02040503050406030204" pitchFamily="18" charset="0"/>
-                          </a:rPr>
-                        </m:ctrlPr>
-                      </m:sSubSupPr>
-                      <m:e>
-                        <m:r>
-                          <a:rPr lang="fr-FR" i="1">
-                            <a:latin typeface="Cambria Math" panose="02040503050406030204" pitchFamily="18" charset="0"/>
-                            <a:ea typeface="Cambria Math" panose="02040503050406030204" pitchFamily="18" charset="0"/>
-                          </a:rPr>
-                          <m:t>𝜔</m:t>
-                        </m:r>
-                      </m:e>
-                      <m:sub>
-                        <m:r>
-                          <a:rPr lang="fr-FR" b="0" i="1" smtClean="0">
-                            <a:latin typeface="Cambria Math" panose="02040503050406030204" pitchFamily="18" charset="0"/>
-                            <a:ea typeface="Cambria Math" panose="02040503050406030204" pitchFamily="18" charset="0"/>
-                          </a:rPr>
-                          <m:t>𝑟</m:t>
-                        </m:r>
-                      </m:sub>
-                      <m:sup>
-                        <m:r>
-                          <a:rPr lang="fr-FR" i="1">
-                            <a:latin typeface="Cambria Math" panose="02040503050406030204" pitchFamily="18" charset="0"/>
-                            <a:ea typeface="Cambria Math" panose="02040503050406030204" pitchFamily="18" charset="0"/>
-                          </a:rPr>
-                          <m:t>2</m:t>
-                        </m:r>
-                      </m:sup>
-                    </m:sSubSup>
-                  </m:oMath>
-                </a14:m>
-                <a:r>
-                  <a:rPr lang="fr-FR" dirty="0"/>
-                  <a:t> +</a:t>
-                </a:r>
-                <a:r>
-                  <a:rPr lang="fr-FR" dirty="0">
-                    <a:ea typeface="Cambria Math" panose="02040503050406030204" pitchFamily="18" charset="0"/>
-                  </a:rPr>
-                  <a:t> </a:t>
-                </a:r>
-                <a14:m>
-                  <m:oMath xmlns:m="http://schemas.openxmlformats.org/officeDocument/2006/math">
-                    <m:f>
-                      <m:fPr>
-                        <m:ctrlPr>
-                          <a:rPr lang="fr-FR" i="1">
-                            <a:latin typeface="Cambria Math" panose="02040503050406030204" pitchFamily="18" charset="0"/>
-                            <a:ea typeface="Cambria Math" panose="02040503050406030204" pitchFamily="18" charset="0"/>
-                          </a:rPr>
-                        </m:ctrlPr>
-                      </m:fPr>
-                      <m:num>
-                        <m:r>
-                          <a:rPr lang="fr-FR" i="1">
-                            <a:latin typeface="Cambria Math" panose="02040503050406030204" pitchFamily="18" charset="0"/>
-                            <a:ea typeface="Cambria Math" panose="02040503050406030204" pitchFamily="18" charset="0"/>
-                          </a:rPr>
-                          <m:t>1</m:t>
-                        </m:r>
-                      </m:num>
-                      <m:den>
-                        <m:r>
-                          <a:rPr lang="fr-FR" i="1">
-                            <a:latin typeface="Cambria Math" panose="02040503050406030204" pitchFamily="18" charset="0"/>
-                            <a:ea typeface="Cambria Math" panose="02040503050406030204" pitchFamily="18" charset="0"/>
-                          </a:rPr>
-                          <m:t>2</m:t>
-                        </m:r>
-                      </m:den>
-                    </m:f>
-                    <m:sSub>
-                      <m:sSubPr>
-                        <m:ctrlPr>
-                          <a:rPr lang="fr-FR" i="1">
-                            <a:latin typeface="Cambria Math" panose="02040503050406030204" pitchFamily="18" charset="0"/>
-                            <a:ea typeface="Cambria Math" panose="02040503050406030204" pitchFamily="18" charset="0"/>
-                          </a:rPr>
-                        </m:ctrlPr>
-                      </m:sSubPr>
-                      <m:e>
-                        <m:r>
-                          <a:rPr lang="fr-FR" i="1">
-                            <a:latin typeface="Cambria Math" panose="02040503050406030204" pitchFamily="18" charset="0"/>
-                            <a:ea typeface="Cambria Math" panose="02040503050406030204" pitchFamily="18" charset="0"/>
-                          </a:rPr>
-                          <m:t>𝐽</m:t>
-                        </m:r>
-                      </m:e>
-                      <m:sub>
-                        <m:r>
-                          <a:rPr lang="fr-FR" b="0" i="1" smtClean="0">
-                            <a:latin typeface="Cambria Math" panose="02040503050406030204" pitchFamily="18" charset="0"/>
-                            <a:ea typeface="Cambria Math" panose="02040503050406030204" pitchFamily="18" charset="0"/>
-                          </a:rPr>
-                          <m:t>𝑝</m:t>
-                        </m:r>
-                      </m:sub>
-                    </m:sSub>
-                    <m:sSubSup>
-                      <m:sSubSupPr>
-                        <m:ctrlPr>
-                          <a:rPr lang="fr-FR" i="1">
-                            <a:latin typeface="Cambria Math" panose="02040503050406030204" pitchFamily="18" charset="0"/>
-                            <a:ea typeface="Cambria Math" panose="02040503050406030204" pitchFamily="18" charset="0"/>
-                          </a:rPr>
-                        </m:ctrlPr>
-                      </m:sSubSupPr>
-                      <m:e>
-                        <m:r>
-                          <a:rPr lang="fr-FR" i="1">
-                            <a:latin typeface="Cambria Math" panose="02040503050406030204" pitchFamily="18" charset="0"/>
-                            <a:ea typeface="Cambria Math" panose="02040503050406030204" pitchFamily="18" charset="0"/>
-                          </a:rPr>
-                          <m:t>𝜔</m:t>
-                        </m:r>
-                      </m:e>
-                      <m:sub>
-                        <m:r>
-                          <a:rPr lang="fr-FR" b="0" i="1" smtClean="0">
-                            <a:latin typeface="Cambria Math" panose="02040503050406030204" pitchFamily="18" charset="0"/>
-                            <a:ea typeface="Cambria Math" panose="02040503050406030204" pitchFamily="18" charset="0"/>
-                          </a:rPr>
-                          <m:t>𝑝</m:t>
-                        </m:r>
-                      </m:sub>
-                      <m:sup>
-                        <m:r>
-                          <a:rPr lang="fr-FR" i="1">
-                            <a:latin typeface="Cambria Math" panose="02040503050406030204" pitchFamily="18" charset="0"/>
-                            <a:ea typeface="Cambria Math" panose="02040503050406030204" pitchFamily="18" charset="0"/>
-                          </a:rPr>
-                          <m:t>2</m:t>
-                        </m:r>
-                      </m:sup>
-                    </m:sSubSup>
-                    <m:r>
-                      <a:rPr lang="fr-FR" b="0" i="1" smtClean="0">
-                        <a:latin typeface="Cambria Math" panose="02040503050406030204" pitchFamily="18" charset="0"/>
-                        <a:ea typeface="Cambria Math" panose="02040503050406030204" pitchFamily="18" charset="0"/>
-                      </a:rPr>
-                      <m:t>+</m:t>
-                    </m:r>
-                    <m:f>
-                      <m:fPr>
-                        <m:ctrlPr>
-                          <a:rPr lang="fr-FR" b="0" i="1" smtClean="0">
-                            <a:latin typeface="Cambria Math" panose="02040503050406030204" pitchFamily="18" charset="0"/>
-                            <a:ea typeface="Cambria Math" panose="02040503050406030204" pitchFamily="18" charset="0"/>
-                          </a:rPr>
-                        </m:ctrlPr>
-                      </m:fPr>
-                      <m:num>
-                        <m:r>
-                          <a:rPr lang="fr-FR" b="0" i="1" smtClean="0">
-                            <a:latin typeface="Cambria Math" panose="02040503050406030204" pitchFamily="18" charset="0"/>
-                            <a:ea typeface="Cambria Math" panose="02040503050406030204" pitchFamily="18" charset="0"/>
-                          </a:rPr>
-                          <m:t>1</m:t>
-                        </m:r>
-                      </m:num>
-                      <m:den>
-                        <m:r>
-                          <a:rPr lang="fr-FR" b="0" i="1" smtClean="0">
-                            <a:latin typeface="Cambria Math" panose="02040503050406030204" pitchFamily="18" charset="0"/>
-                            <a:ea typeface="Cambria Math" panose="02040503050406030204" pitchFamily="18" charset="0"/>
-                          </a:rPr>
-                          <m:t>2</m:t>
-                        </m:r>
-                      </m:den>
-                    </m:f>
-                    <m:d>
-                      <m:dPr>
-                        <m:ctrlPr>
-                          <a:rPr lang="fr-FR" b="0" i="1" smtClean="0">
-                            <a:latin typeface="Cambria Math" panose="02040503050406030204" pitchFamily="18" charset="0"/>
-                            <a:ea typeface="Cambria Math" panose="02040503050406030204" pitchFamily="18" charset="0"/>
-                          </a:rPr>
-                        </m:ctrlPr>
-                      </m:dPr>
-                      <m:e>
-                        <m:r>
-                          <a:rPr lang="fr-FR" b="0" i="1" smtClean="0">
-                            <a:latin typeface="Cambria Math" panose="02040503050406030204" pitchFamily="18" charset="0"/>
-                            <a:ea typeface="Cambria Math" panose="02040503050406030204" pitchFamily="18" charset="0"/>
-                          </a:rPr>
-                          <m:t>𝑀</m:t>
-                        </m:r>
-                        <m:r>
-                          <a:rPr lang="fr-FR" b="0" i="1" smtClean="0">
-                            <a:latin typeface="Cambria Math" panose="02040503050406030204" pitchFamily="18" charset="0"/>
-                            <a:ea typeface="Cambria Math" panose="02040503050406030204" pitchFamily="18" charset="0"/>
-                          </a:rPr>
-                          <m:t>+</m:t>
-                        </m:r>
-                        <m:r>
-                          <a:rPr lang="fr-FR" b="0" i="1" smtClean="0">
-                            <a:latin typeface="Cambria Math" panose="02040503050406030204" pitchFamily="18" charset="0"/>
-                            <a:ea typeface="Cambria Math" panose="02040503050406030204" pitchFamily="18" charset="0"/>
-                          </a:rPr>
-                          <m:t>𝑛</m:t>
-                        </m:r>
-                        <m:r>
-                          <a:rPr lang="fr-FR" b="0" i="1" smtClean="0">
-                            <a:latin typeface="Cambria Math" panose="02040503050406030204" pitchFamily="18" charset="0"/>
-                            <a:ea typeface="Cambria Math" panose="02040503050406030204" pitchFamily="18" charset="0"/>
-                          </a:rPr>
-                          <m:t>⋅</m:t>
-                        </m:r>
-                        <m:r>
-                          <a:rPr lang="fr-FR" b="0" i="1" smtClean="0">
-                            <a:latin typeface="Cambria Math" panose="02040503050406030204" pitchFamily="18" charset="0"/>
-                            <a:ea typeface="Cambria Math" panose="02040503050406030204" pitchFamily="18" charset="0"/>
-                          </a:rPr>
-                          <m:t>𝑚</m:t>
-                        </m:r>
-                      </m:e>
-                    </m:d>
-                    <m:sSup>
-                      <m:sSupPr>
-                        <m:ctrlPr>
-                          <a:rPr lang="fr-FR" b="0" i="1" smtClean="0">
-                            <a:latin typeface="Cambria Math" panose="02040503050406030204" pitchFamily="18" charset="0"/>
-                            <a:ea typeface="Cambria Math" panose="02040503050406030204" pitchFamily="18" charset="0"/>
-                          </a:rPr>
-                        </m:ctrlPr>
-                      </m:sSupPr>
-                      <m:e>
-                        <m:r>
-                          <a:rPr lang="fr-FR" b="0" i="1" smtClean="0">
-                            <a:latin typeface="Cambria Math" panose="02040503050406030204" pitchFamily="18" charset="0"/>
-                            <a:ea typeface="Cambria Math" panose="02040503050406030204" pitchFamily="18" charset="0"/>
-                          </a:rPr>
-                          <m:t>𝑉</m:t>
-                        </m:r>
-                      </m:e>
-                      <m:sup>
-                        <m:r>
-                          <a:rPr lang="fr-FR" b="0" i="1" smtClean="0">
-                            <a:latin typeface="Cambria Math" panose="02040503050406030204" pitchFamily="18" charset="0"/>
-                            <a:ea typeface="Cambria Math" panose="02040503050406030204" pitchFamily="18" charset="0"/>
-                          </a:rPr>
-                          <m:t>2</m:t>
-                        </m:r>
-                      </m:sup>
-                    </m:sSup>
-                    <m:r>
-                      <a:rPr lang="fr-FR" b="0" i="1" smtClean="0">
-                        <a:latin typeface="Cambria Math" panose="02040503050406030204" pitchFamily="18" charset="0"/>
-                        <a:ea typeface="Cambria Math" panose="02040503050406030204" pitchFamily="18" charset="0"/>
-                      </a:rPr>
-                      <m:t>=</m:t>
-                    </m:r>
-                    <m:f>
-                      <m:fPr>
-                        <m:ctrlPr>
-                          <a:rPr lang="fr-FR" b="0" i="1" smtClean="0">
-                            <a:latin typeface="Cambria Math" panose="02040503050406030204" pitchFamily="18" charset="0"/>
-                            <a:ea typeface="Cambria Math" panose="02040503050406030204" pitchFamily="18" charset="0"/>
-                          </a:rPr>
-                        </m:ctrlPr>
-                      </m:fPr>
-                      <m:num>
-                        <m:r>
-                          <a:rPr lang="fr-FR" b="0" i="1" smtClean="0">
-                            <a:latin typeface="Cambria Math" panose="02040503050406030204" pitchFamily="18" charset="0"/>
-                            <a:ea typeface="Cambria Math" panose="02040503050406030204" pitchFamily="18" charset="0"/>
-                          </a:rPr>
-                          <m:t>1</m:t>
-                        </m:r>
-                      </m:num>
-                      <m:den>
-                        <m:r>
-                          <a:rPr lang="fr-FR" b="0" i="1" smtClean="0">
-                            <a:latin typeface="Cambria Math" panose="02040503050406030204" pitchFamily="18" charset="0"/>
-                            <a:ea typeface="Cambria Math" panose="02040503050406030204" pitchFamily="18" charset="0"/>
-                          </a:rPr>
-                          <m:t>2</m:t>
-                        </m:r>
-                      </m:den>
-                    </m:f>
-                    <m:sSub>
-                      <m:sSubPr>
-                        <m:ctrlPr>
-                          <a:rPr lang="fr-FR" b="0" i="1" smtClean="0">
-                            <a:latin typeface="Cambria Math" panose="02040503050406030204" pitchFamily="18" charset="0"/>
-                            <a:ea typeface="Cambria Math" panose="02040503050406030204" pitchFamily="18" charset="0"/>
-                          </a:rPr>
-                        </m:ctrlPr>
-                      </m:sSubPr>
-                      <m:e>
-                        <m:r>
-                          <a:rPr lang="fr-FR" b="0" i="1" smtClean="0">
-                            <a:latin typeface="Cambria Math" panose="02040503050406030204" pitchFamily="18" charset="0"/>
-                            <a:ea typeface="Cambria Math" panose="02040503050406030204" pitchFamily="18" charset="0"/>
-                          </a:rPr>
-                          <m:t>𝐽</m:t>
-                        </m:r>
-                      </m:e>
-                      <m:sub>
-                        <m:r>
-                          <a:rPr lang="fr-FR" b="0" i="1" smtClean="0">
-                            <a:latin typeface="Cambria Math" panose="02040503050406030204" pitchFamily="18" charset="0"/>
-                            <a:ea typeface="Cambria Math" panose="02040503050406030204" pitchFamily="18" charset="0"/>
-                          </a:rPr>
-                          <m:t>𝑒𝑞</m:t>
-                        </m:r>
-                      </m:sub>
-                    </m:sSub>
-                    <m:sSubSup>
-                      <m:sSubSupPr>
-                        <m:ctrlPr>
-                          <a:rPr lang="fr-FR" b="0" i="1" smtClean="0">
-                            <a:latin typeface="Cambria Math" panose="02040503050406030204" pitchFamily="18" charset="0"/>
-                            <a:ea typeface="Cambria Math" panose="02040503050406030204" pitchFamily="18" charset="0"/>
-                          </a:rPr>
-                        </m:ctrlPr>
-                      </m:sSubSupPr>
-                      <m:e>
-                        <m:r>
-                          <a:rPr lang="fr-FR" b="0" i="1" smtClean="0">
-                            <a:latin typeface="Cambria Math" panose="02040503050406030204" pitchFamily="18" charset="0"/>
-                            <a:ea typeface="Cambria Math" panose="02040503050406030204" pitchFamily="18" charset="0"/>
-                          </a:rPr>
-                          <m:t>𝜔</m:t>
-                        </m:r>
-                      </m:e>
-                      <m:sub>
-                        <m:r>
-                          <a:rPr lang="fr-FR" b="0" i="1" smtClean="0">
-                            <a:latin typeface="Cambria Math" panose="02040503050406030204" pitchFamily="18" charset="0"/>
-                            <a:ea typeface="Cambria Math" panose="02040503050406030204" pitchFamily="18" charset="0"/>
-                          </a:rPr>
-                          <m:t>𝑚</m:t>
-                        </m:r>
-                      </m:sub>
-                      <m:sup>
-                        <m:r>
-                          <a:rPr lang="fr-FR" b="0" i="1" smtClean="0">
-                            <a:latin typeface="Cambria Math" panose="02040503050406030204" pitchFamily="18" charset="0"/>
-                            <a:ea typeface="Cambria Math" panose="02040503050406030204" pitchFamily="18" charset="0"/>
-                          </a:rPr>
-                          <m:t>2</m:t>
-                        </m:r>
-                      </m:sup>
-                    </m:sSubSup>
-                  </m:oMath>
-                </a14:m>
-                <a:endParaRPr lang="fr-FR" dirty="0"/>
-              </a:p>
-              <a:p>
-                <a:endParaRPr lang="fr-FR" dirty="0"/>
-              </a:p>
-              <a:p>
-                <a14:m>
-                  <m:oMath xmlns:m="http://schemas.openxmlformats.org/officeDocument/2006/math">
-                    <m:sSub>
-                      <m:sSubPr>
-                        <m:ctrlPr>
-                          <a:rPr lang="fr-FR" b="0" i="1" smtClean="0">
-                            <a:latin typeface="Cambria Math" panose="02040503050406030204" pitchFamily="18" charset="0"/>
-                            <a:ea typeface="Cambria Math" panose="02040503050406030204" pitchFamily="18" charset="0"/>
-                          </a:rPr>
-                        </m:ctrlPr>
-                      </m:sSubPr>
-                      <m:e>
-                        <m:r>
-                          <a:rPr lang="fr-FR" b="0" i="1" smtClean="0">
-                            <a:latin typeface="Cambria Math" panose="02040503050406030204" pitchFamily="18" charset="0"/>
-                            <a:ea typeface="Cambria Math" panose="02040503050406030204" pitchFamily="18" charset="0"/>
-                          </a:rPr>
-                          <m:t>𝐶</m:t>
-                        </m:r>
-                      </m:e>
-                      <m:sub>
-                        <m:r>
-                          <a:rPr lang="fr-FR" b="0" i="1" smtClean="0">
-                            <a:latin typeface="Cambria Math" panose="02040503050406030204" pitchFamily="18" charset="0"/>
-                            <a:ea typeface="Cambria Math" panose="02040503050406030204" pitchFamily="18" charset="0"/>
-                          </a:rPr>
-                          <m:t>𝑚</m:t>
-                        </m:r>
-                      </m:sub>
-                    </m:sSub>
-                    <m:r>
-                      <a:rPr lang="fr-FR" i="1">
-                        <a:latin typeface="Cambria Math" panose="02040503050406030204" pitchFamily="18" charset="0"/>
-                        <a:ea typeface="Cambria Math" panose="02040503050406030204" pitchFamily="18" charset="0"/>
-                      </a:rPr>
-                      <m:t>−</m:t>
-                    </m:r>
-                    <m:sSub>
-                      <m:sSubPr>
-                        <m:ctrlPr>
-                          <a:rPr lang="fr-FR" i="1">
-                            <a:latin typeface="Cambria Math" panose="02040503050406030204" pitchFamily="18" charset="0"/>
-                            <a:ea typeface="Cambria Math" panose="02040503050406030204" pitchFamily="18" charset="0"/>
-                          </a:rPr>
-                        </m:ctrlPr>
-                      </m:sSubPr>
-                      <m:e>
-                        <m:r>
-                          <a:rPr lang="fr-FR" i="1">
-                            <a:latin typeface="Cambria Math" panose="02040503050406030204" pitchFamily="18" charset="0"/>
-                            <a:ea typeface="Cambria Math" panose="02040503050406030204" pitchFamily="18" charset="0"/>
-                          </a:rPr>
-                          <m:t>𝐶</m:t>
-                        </m:r>
-                      </m:e>
-                      <m:sub>
-                        <m:r>
-                          <a:rPr lang="fr-FR" i="1">
-                            <a:latin typeface="Cambria Math" panose="02040503050406030204" pitchFamily="18" charset="0"/>
-                            <a:ea typeface="Cambria Math" panose="02040503050406030204" pitchFamily="18" charset="0"/>
-                          </a:rPr>
-                          <m:t>𝑟</m:t>
-                        </m:r>
-                      </m:sub>
-                    </m:sSub>
-                    <m:r>
-                      <a:rPr lang="fr-FR" b="0" i="1" smtClean="0">
-                        <a:latin typeface="Cambria Math" panose="02040503050406030204" pitchFamily="18" charset="0"/>
-                        <a:ea typeface="Cambria Math" panose="02040503050406030204" pitchFamily="18" charset="0"/>
-                      </a:rPr>
-                      <m:t>−</m:t>
-                    </m:r>
-                    <m:d>
-                      <m:dPr>
-                        <m:ctrlPr>
-                          <a:rPr lang="fr-FR" i="1">
-                            <a:latin typeface="Cambria Math" panose="02040503050406030204" pitchFamily="18" charset="0"/>
-                            <a:ea typeface="Cambria Math" panose="02040503050406030204" pitchFamily="18" charset="0"/>
-                          </a:rPr>
-                        </m:ctrlPr>
-                      </m:dPr>
-                      <m:e>
-                        <m:r>
-                          <a:rPr lang="fr-FR" i="1">
-                            <a:latin typeface="Cambria Math" panose="02040503050406030204" pitchFamily="18" charset="0"/>
-                            <a:ea typeface="Cambria Math" panose="02040503050406030204" pitchFamily="18" charset="0"/>
-                          </a:rPr>
-                          <m:t>𝑀</m:t>
-                        </m:r>
-                        <m:r>
-                          <a:rPr lang="fr-FR" i="1">
-                            <a:latin typeface="Cambria Math" panose="02040503050406030204" pitchFamily="18" charset="0"/>
-                            <a:ea typeface="Cambria Math" panose="02040503050406030204" pitchFamily="18" charset="0"/>
-                          </a:rPr>
-                          <m:t>+</m:t>
-                        </m:r>
-                        <m:r>
-                          <a:rPr lang="fr-FR" i="1">
-                            <a:latin typeface="Cambria Math" panose="02040503050406030204" pitchFamily="18" charset="0"/>
-                            <a:ea typeface="Cambria Math" panose="02040503050406030204" pitchFamily="18" charset="0"/>
-                          </a:rPr>
-                          <m:t>𝑛𝑚</m:t>
-                        </m:r>
-                      </m:e>
-                    </m:d>
-                    <m:r>
-                      <a:rPr lang="fr-FR" i="1">
-                        <a:latin typeface="Cambria Math" panose="02040503050406030204" pitchFamily="18" charset="0"/>
-                        <a:ea typeface="Cambria Math" panose="02040503050406030204" pitchFamily="18" charset="0"/>
-                      </a:rPr>
-                      <m:t>𝑔𝐾</m:t>
-                    </m:r>
-                    <m:r>
-                      <a:rPr lang="fr-FR" b="0" i="1" smtClean="0">
-                        <a:latin typeface="Cambria Math" panose="02040503050406030204" pitchFamily="18" charset="0"/>
-                        <a:ea typeface="Cambria Math" panose="02040503050406030204" pitchFamily="18" charset="0"/>
-                      </a:rPr>
-                      <m:t>=</m:t>
-                    </m:r>
-                    <m:sSub>
-                      <m:sSubPr>
-                        <m:ctrlPr>
-                          <a:rPr lang="fr-FR" b="0" i="1" smtClean="0">
-                            <a:latin typeface="Cambria Math" panose="02040503050406030204" pitchFamily="18" charset="0"/>
-                            <a:ea typeface="Cambria Math" panose="02040503050406030204" pitchFamily="18" charset="0"/>
-                          </a:rPr>
-                        </m:ctrlPr>
-                      </m:sSubPr>
-                      <m:e>
-                        <m:r>
-                          <m:rPr>
-                            <m:sty m:val="p"/>
-                          </m:rPr>
-                          <a:rPr lang="fr-FR" b="0" i="0" smtClean="0">
-                            <a:latin typeface="Cambria Math" panose="02040503050406030204" pitchFamily="18" charset="0"/>
-                            <a:ea typeface="Cambria Math" panose="02040503050406030204" pitchFamily="18" charset="0"/>
-                          </a:rPr>
-                          <m:t>J</m:t>
-                        </m:r>
-                      </m:e>
-                      <m:sub>
-                        <m:r>
-                          <m:rPr>
-                            <m:sty m:val="p"/>
-                          </m:rPr>
-                          <a:rPr lang="fr-FR" b="0" i="0" smtClean="0">
-                            <a:latin typeface="Cambria Math" panose="02040503050406030204" pitchFamily="18" charset="0"/>
-                            <a:ea typeface="Cambria Math" panose="02040503050406030204" pitchFamily="18" charset="0"/>
-                          </a:rPr>
-                          <m:t>eq</m:t>
-                        </m:r>
-                      </m:sub>
-                    </m:sSub>
-                    <m:r>
-                      <a:rPr lang="fr-FR" b="0" i="0" smtClean="0">
-                        <a:latin typeface="Cambria Math" panose="02040503050406030204" pitchFamily="18" charset="0"/>
-                        <a:ea typeface="Cambria Math" panose="02040503050406030204" pitchFamily="18" charset="0"/>
-                      </a:rPr>
-                      <m:t> </m:t>
-                    </m:r>
-                    <m:sSub>
-                      <m:sSubPr>
-                        <m:ctrlPr>
-                          <a:rPr lang="fr-FR" b="0" i="1" smtClean="0">
-                            <a:latin typeface="Cambria Math" panose="02040503050406030204" pitchFamily="18" charset="0"/>
-                            <a:ea typeface="Cambria Math" panose="02040503050406030204" pitchFamily="18" charset="0"/>
-                          </a:rPr>
-                        </m:ctrlPr>
-                      </m:sSubPr>
-                      <m:e>
-                        <m:acc>
-                          <m:accPr>
-                            <m:chr m:val="̇"/>
-                            <m:ctrlPr>
-                              <a:rPr lang="fr-FR" b="0" i="1" smtClean="0">
-                                <a:latin typeface="Cambria Math" panose="02040503050406030204" pitchFamily="18" charset="0"/>
-                                <a:ea typeface="Cambria Math" panose="02040503050406030204" pitchFamily="18" charset="0"/>
-                              </a:rPr>
-                            </m:ctrlPr>
-                          </m:accPr>
-                          <m:e>
-                            <m:r>
-                              <a:rPr lang="fr-FR" b="0" i="1" smtClean="0">
-                                <a:latin typeface="Cambria Math" panose="02040503050406030204" pitchFamily="18" charset="0"/>
-                                <a:ea typeface="Cambria Math" panose="02040503050406030204" pitchFamily="18" charset="0"/>
-                              </a:rPr>
-                              <m:t>𝜔</m:t>
-                            </m:r>
-                          </m:e>
-                        </m:acc>
-                      </m:e>
-                      <m:sub>
-                        <m:r>
-                          <a:rPr lang="fr-FR" b="0" i="1" smtClean="0">
-                            <a:latin typeface="Cambria Math" panose="02040503050406030204" pitchFamily="18" charset="0"/>
-                            <a:ea typeface="Cambria Math" panose="02040503050406030204" pitchFamily="18" charset="0"/>
-                          </a:rPr>
-                          <m:t>𝑚</m:t>
-                        </m:r>
-                      </m:sub>
-                    </m:sSub>
-                  </m:oMath>
-                </a14:m>
-                <a:endParaRPr lang="fr-FR" dirty="0"/>
-              </a:p>
-              <a:p>
-                <a:endParaRPr lang="fr-FR" dirty="0"/>
-              </a:p>
-              <a:p>
-                <a:r>
-                  <a:rPr lang="fr-FR" dirty="0"/>
-                  <a:t>Application du TEC en régime permanent, en montée </a:t>
-                </a:r>
-              </a:p>
-              <a:p>
-                <a:pPr marL="1588" indent="0">
-                  <a:buNone/>
-                </a:pPr>
-                <a14:m>
-                  <m:oMathPara xmlns:m="http://schemas.openxmlformats.org/officeDocument/2006/math">
-                    <m:oMathParaPr>
-                      <m:jc m:val="centerGroup"/>
-                    </m:oMathParaPr>
-                    <m:oMath xmlns:m="http://schemas.openxmlformats.org/officeDocument/2006/math">
-                      <m:sSub>
-                        <m:sSubPr>
-                          <m:ctrlPr>
-                            <a:rPr lang="fr-FR" b="0" i="1" smtClean="0">
-                              <a:latin typeface="Cambria Math" panose="02040503050406030204" pitchFamily="18" charset="0"/>
-                              <a:ea typeface="Cambria Math" panose="02040503050406030204" pitchFamily="18" charset="0"/>
-                            </a:rPr>
-                          </m:ctrlPr>
-                        </m:sSubPr>
-                        <m:e>
-                          <m:r>
-                            <a:rPr lang="fr-FR" b="0" i="1" smtClean="0">
-                              <a:latin typeface="Cambria Math" panose="02040503050406030204" pitchFamily="18" charset="0"/>
-                              <a:ea typeface="Cambria Math" panose="02040503050406030204" pitchFamily="18" charset="0"/>
-                            </a:rPr>
-                            <m:t>𝐶</m:t>
-                          </m:r>
-                        </m:e>
-                        <m:sub>
-                          <m:r>
-                            <a:rPr lang="fr-FR" b="0" i="1" smtClean="0">
-                              <a:latin typeface="Cambria Math" panose="02040503050406030204" pitchFamily="18" charset="0"/>
-                              <a:ea typeface="Cambria Math" panose="02040503050406030204" pitchFamily="18" charset="0"/>
-                            </a:rPr>
-                            <m:t>𝑚</m:t>
-                          </m:r>
-                        </m:sub>
-                      </m:sSub>
-                      <m:r>
-                        <a:rPr lang="fr-FR" i="1">
-                          <a:latin typeface="Cambria Math" panose="02040503050406030204" pitchFamily="18" charset="0"/>
-                          <a:ea typeface="Cambria Math" panose="02040503050406030204" pitchFamily="18" charset="0"/>
-                        </a:rPr>
-                        <m:t>−</m:t>
-                      </m:r>
-                      <m:sSub>
-                        <m:sSubPr>
-                          <m:ctrlPr>
-                            <a:rPr lang="fr-FR" i="1">
-                              <a:latin typeface="Cambria Math" panose="02040503050406030204" pitchFamily="18" charset="0"/>
-                              <a:ea typeface="Cambria Math" panose="02040503050406030204" pitchFamily="18" charset="0"/>
-                            </a:rPr>
-                          </m:ctrlPr>
-                        </m:sSubPr>
-                        <m:e>
-                          <m:r>
-                            <a:rPr lang="fr-FR" i="1">
-                              <a:latin typeface="Cambria Math" panose="02040503050406030204" pitchFamily="18" charset="0"/>
-                              <a:ea typeface="Cambria Math" panose="02040503050406030204" pitchFamily="18" charset="0"/>
-                            </a:rPr>
-                            <m:t>𝐶</m:t>
-                          </m:r>
-                        </m:e>
-                        <m:sub>
-                          <m:r>
-                            <a:rPr lang="fr-FR" i="1">
-                              <a:latin typeface="Cambria Math" panose="02040503050406030204" pitchFamily="18" charset="0"/>
-                              <a:ea typeface="Cambria Math" panose="02040503050406030204" pitchFamily="18" charset="0"/>
-                            </a:rPr>
-                            <m:t>𝑟</m:t>
-                          </m:r>
-                        </m:sub>
-                      </m:sSub>
-                      <m:r>
-                        <a:rPr lang="fr-FR" b="0" i="1" smtClean="0">
-                          <a:latin typeface="Cambria Math" panose="02040503050406030204" pitchFamily="18" charset="0"/>
-                          <a:ea typeface="Cambria Math" panose="02040503050406030204" pitchFamily="18" charset="0"/>
-                        </a:rPr>
-                        <m:t>−</m:t>
-                      </m:r>
-                      <m:d>
-                        <m:dPr>
-                          <m:ctrlPr>
-                            <a:rPr lang="fr-FR" i="1">
-                              <a:latin typeface="Cambria Math" panose="02040503050406030204" pitchFamily="18" charset="0"/>
-                              <a:ea typeface="Cambria Math" panose="02040503050406030204" pitchFamily="18" charset="0"/>
-                            </a:rPr>
-                          </m:ctrlPr>
-                        </m:dPr>
-                        <m:e>
-                          <m:r>
-                            <a:rPr lang="fr-FR" i="1">
-                              <a:latin typeface="Cambria Math" panose="02040503050406030204" pitchFamily="18" charset="0"/>
-                              <a:ea typeface="Cambria Math" panose="02040503050406030204" pitchFamily="18" charset="0"/>
-                            </a:rPr>
-                            <m:t>𝑀</m:t>
-                          </m:r>
-                          <m:r>
-                            <a:rPr lang="fr-FR" i="1">
-                              <a:latin typeface="Cambria Math" panose="02040503050406030204" pitchFamily="18" charset="0"/>
-                              <a:ea typeface="Cambria Math" panose="02040503050406030204" pitchFamily="18" charset="0"/>
-                            </a:rPr>
-                            <m:t>+</m:t>
-                          </m:r>
-                          <m:r>
-                            <a:rPr lang="fr-FR" i="1">
-                              <a:latin typeface="Cambria Math" panose="02040503050406030204" pitchFamily="18" charset="0"/>
-                              <a:ea typeface="Cambria Math" panose="02040503050406030204" pitchFamily="18" charset="0"/>
-                            </a:rPr>
-                            <m:t>𝑛𝑚</m:t>
-                          </m:r>
-                        </m:e>
-                      </m:d>
-                      <m:r>
-                        <a:rPr lang="fr-FR" i="1">
-                          <a:latin typeface="Cambria Math" panose="02040503050406030204" pitchFamily="18" charset="0"/>
-                          <a:ea typeface="Cambria Math" panose="02040503050406030204" pitchFamily="18" charset="0"/>
-                        </a:rPr>
-                        <m:t>𝑔𝐾</m:t>
-                      </m:r>
-                      <m:r>
-                        <a:rPr lang="fr-FR" b="0" i="1" smtClean="0">
-                          <a:latin typeface="Cambria Math" panose="02040503050406030204" pitchFamily="18" charset="0"/>
-                          <a:ea typeface="Cambria Math" panose="02040503050406030204" pitchFamily="18" charset="0"/>
-                        </a:rPr>
-                        <m:t>=</m:t>
-                      </m:r>
-                      <m:r>
-                        <a:rPr lang="fr-FR" b="0" i="1" smtClean="0">
-                          <a:latin typeface="Cambria Math" panose="02040503050406030204" pitchFamily="18" charset="0"/>
-                          <a:ea typeface="Cambria Math" panose="02040503050406030204" pitchFamily="18" charset="0"/>
-                        </a:rPr>
-                        <m:t>0</m:t>
-                      </m:r>
-                    </m:oMath>
-                  </m:oMathPara>
-                </a14:m>
-                <a:endParaRPr lang="fr-FR" dirty="0"/>
-              </a:p>
-              <a:p>
-                <a:r>
-                  <a:rPr lang="fr-FR" dirty="0"/>
-                  <a:t>Hors frottement, couple nécessaire pour équilibrer une masse</a:t>
-                </a:r>
-              </a:p>
-              <a:p>
-                <a:pPr lvl="1"/>
-                <a14:m>
-                  <m:oMath xmlns:m="http://schemas.openxmlformats.org/officeDocument/2006/math">
-                    <m:sSub>
-                      <m:sSubPr>
-                        <m:ctrlPr>
-                          <a:rPr lang="fr-FR" b="0" i="1" smtClean="0">
-                            <a:latin typeface="Cambria Math" panose="02040503050406030204" pitchFamily="18" charset="0"/>
-                            <a:ea typeface="Cambria Math" panose="02040503050406030204" pitchFamily="18" charset="0"/>
-                          </a:rPr>
-                        </m:ctrlPr>
-                      </m:sSubPr>
-                      <m:e>
-                        <m:r>
-                          <a:rPr lang="fr-FR" b="0" i="1" smtClean="0">
-                            <a:latin typeface="Cambria Math" panose="02040503050406030204" pitchFamily="18" charset="0"/>
-                            <a:ea typeface="Cambria Math" panose="02040503050406030204" pitchFamily="18" charset="0"/>
-                          </a:rPr>
-                          <m:t>𝐶</m:t>
-                        </m:r>
-                      </m:e>
-                      <m:sub>
-                        <m:r>
-                          <a:rPr lang="fr-FR" b="0" i="1" smtClean="0">
-                            <a:latin typeface="Cambria Math" panose="02040503050406030204" pitchFamily="18" charset="0"/>
-                            <a:ea typeface="Cambria Math" panose="02040503050406030204" pitchFamily="18" charset="0"/>
-                          </a:rPr>
-                          <m:t>𝑚</m:t>
-                        </m:r>
-                        <m:r>
-                          <a:rPr lang="fr-FR" b="0" i="1" smtClean="0">
-                            <a:latin typeface="Cambria Math" panose="02040503050406030204" pitchFamily="18" charset="0"/>
-                            <a:ea typeface="Cambria Math" panose="02040503050406030204" pitchFamily="18" charset="0"/>
-                          </a:rPr>
-                          <m:t>,</m:t>
-                        </m:r>
-                        <m:r>
-                          <a:rPr lang="fr-FR" b="0" i="1" smtClean="0">
-                            <a:latin typeface="Cambria Math" panose="02040503050406030204" pitchFamily="18" charset="0"/>
-                            <a:ea typeface="Cambria Math" panose="02040503050406030204" pitchFamily="18" charset="0"/>
-                          </a:rPr>
-                          <m:t>𝑛𝑚</m:t>
-                        </m:r>
-                      </m:sub>
-                    </m:sSub>
-                    <m:r>
-                      <a:rPr lang="fr-FR" b="0" i="1" smtClean="0">
-                        <a:latin typeface="Cambria Math" panose="02040503050406030204" pitchFamily="18" charset="0"/>
-                        <a:ea typeface="Cambria Math" panose="02040503050406030204" pitchFamily="18" charset="0"/>
-                      </a:rPr>
-                      <m:t>=</m:t>
-                    </m:r>
-                    <m:r>
-                      <a:rPr lang="fr-FR" i="1">
-                        <a:latin typeface="Cambria Math" panose="02040503050406030204" pitchFamily="18" charset="0"/>
-                        <a:ea typeface="Cambria Math" panose="02040503050406030204" pitchFamily="18" charset="0"/>
-                      </a:rPr>
-                      <m:t>𝑛𝑚𝑔𝐾</m:t>
-                    </m:r>
-                  </m:oMath>
-                </a14:m>
-                <a:endParaRPr lang="fr-FR" dirty="0"/>
-              </a:p>
-              <a:p>
-                <a:pPr lvl="1"/>
-                <a:endParaRPr lang="fr-FR" dirty="0"/>
-              </a:p>
-              <a:p>
-                <a:pPr marL="1588" indent="0">
-                  <a:buNone/>
-                </a:pPr>
-                <a:endParaRPr lang="fr-FR" b="0" i="1" dirty="0">
-                  <a:latin typeface="Cambria Math" panose="02040503050406030204" pitchFamily="18" charset="0"/>
-                  <a:ea typeface="Cambria Math" panose="02040503050406030204" pitchFamily="18" charset="0"/>
-                </a:endParaRPr>
-              </a:p>
-              <a:p>
-                <a:pPr marL="1588" indent="0">
-                  <a:buNone/>
-                </a:pPr>
-                <a:endParaRPr lang="fr-FR" dirty="0"/>
-              </a:p>
-            </p:txBody>
-          </p:sp>
-        </mc:Choice>
-        <mc:Fallback xmlns="">
-          <p:sp>
-            <p:nvSpPr>
-              <p:cNvPr id="4" name="Espace réservé du contenu 2">
-                <a:extLst>
-                  <a:ext uri="{FF2B5EF4-FFF2-40B4-BE49-F238E27FC236}">
-                    <a16:creationId xmlns:a16="http://schemas.microsoft.com/office/drawing/2014/main" id="{E7F53A8B-C997-DCCC-B9F3-26A7F8E42C86}"/>
-                  </a:ext>
-                </a:extLst>
-              </p:cNvPr>
-              <p:cNvSpPr txBox="1">
-                <a:spLocks noRot="1" noChangeAspect="1" noMove="1" noResize="1" noEditPoints="1" noAdjustHandles="1" noChangeArrowheads="1" noChangeShapeType="1" noTextEdit="1"/>
-              </p:cNvSpPr>
-              <p:nvPr/>
-            </p:nvSpPr>
-            <p:spPr>
-              <a:xfrm>
-                <a:off x="6096000" y="981886"/>
-                <a:ext cx="5978205" cy="5264909"/>
-              </a:xfrm>
-              <a:prstGeom prst="rect">
-                <a:avLst/>
-              </a:prstGeom>
-              <a:blipFill>
-                <a:blip r:embed="rId3"/>
-                <a:stretch>
-                  <a:fillRect l="-2446" t="-2894" r="-2446"/>
-                </a:stretch>
-              </a:blipFill>
-            </p:spPr>
-            <p:txBody>
-              <a:bodyPr/>
-              <a:lstStyle/>
-              <a:p>
-                <a:r>
-                  <a:rPr lang="fr-FR">
-                    <a:noFill/>
-                  </a:rPr>
-                  <a:t> </a:t>
-                </a:r>
-              </a:p>
-            </p:txBody>
-          </p:sp>
-        </mc:Fallback>
-      </mc:AlternateContent>
-    </p:spTree>
-    <p:extLst>
-      <p:ext uri="{BB962C8B-B14F-4D97-AF65-F5344CB8AC3E}">
-        <p14:creationId xmlns:p14="http://schemas.microsoft.com/office/powerpoint/2010/main" val="3484094850"/>
       </p:ext>
     </p:extLst>
   </p:cSld>

--- a/04_Comax/04_Comax_Corrige.pptx
+++ b/04_Comax/04_Comax_Corrige.pptx
@@ -384,7 +384,7 @@
           <a:p>
             <a:fld id="{D7F135F6-2A09-4FDD-9ECA-096E230CA0FA}" type="datetimeFigureOut">
               <a:rPr lang="fr-FR" smtClean="0"/>
-              <a:t>20/10/2025</a:t>
+              <a:t>12/01/2026</a:t>
             </a:fld>
             <a:endParaRPr lang="fr-FR"/>
           </a:p>
@@ -589,7 +589,7 @@
           <a:p>
             <a:fld id="{D7F135F6-2A09-4FDD-9ECA-096E230CA0FA}" type="datetimeFigureOut">
               <a:rPr lang="fr-FR" smtClean="0"/>
-              <a:t>20/10/2025</a:t>
+              <a:t>12/01/2026</a:t>
             </a:fld>
             <a:endParaRPr lang="fr-FR"/>
           </a:p>
@@ -845,7 +845,7 @@
           <a:p>
             <a:fld id="{D7F135F6-2A09-4FDD-9ECA-096E230CA0FA}" type="datetimeFigureOut">
               <a:rPr lang="fr-FR" smtClean="0"/>
-              <a:t>20/10/2025</a:t>
+              <a:t>12/01/2026</a:t>
             </a:fld>
             <a:endParaRPr lang="fr-FR"/>
           </a:p>
@@ -1051,7 +1051,7 @@
           <a:p>
             <a:fld id="{D7F135F6-2A09-4FDD-9ECA-096E230CA0FA}" type="datetimeFigureOut">
               <a:rPr lang="fr-FR" smtClean="0"/>
-              <a:t>20/10/2025</a:t>
+              <a:t>12/01/2026</a:t>
             </a:fld>
             <a:endParaRPr lang="fr-FR"/>
           </a:p>
@@ -1413,7 +1413,7 @@
           <a:p>
             <a:fld id="{D7F135F6-2A09-4FDD-9ECA-096E230CA0FA}" type="datetimeFigureOut">
               <a:rPr lang="fr-FR" smtClean="0"/>
-              <a:t>20/10/2025</a:t>
+              <a:t>12/01/2026</a:t>
             </a:fld>
             <a:endParaRPr lang="fr-FR"/>
           </a:p>
@@ -1688,7 +1688,7 @@
           <a:p>
             <a:fld id="{D7F135F6-2A09-4FDD-9ECA-096E230CA0FA}" type="datetimeFigureOut">
               <a:rPr lang="fr-FR" smtClean="0"/>
-              <a:t>20/10/2025</a:t>
+              <a:t>12/01/2026</a:t>
             </a:fld>
             <a:endParaRPr lang="fr-FR"/>
           </a:p>
@@ -2067,7 +2067,7 @@
           <a:p>
             <a:fld id="{D7F135F6-2A09-4FDD-9ECA-096E230CA0FA}" type="datetimeFigureOut">
               <a:rPr lang="fr-FR" smtClean="0"/>
-              <a:t>20/10/2025</a:t>
+              <a:t>12/01/2026</a:t>
             </a:fld>
             <a:endParaRPr lang="fr-FR"/>
           </a:p>
@@ -2185,7 +2185,7 @@
           <a:p>
             <a:fld id="{D7F135F6-2A09-4FDD-9ECA-096E230CA0FA}" type="datetimeFigureOut">
               <a:rPr lang="fr-FR" smtClean="0"/>
-              <a:t>20/10/2025</a:t>
+              <a:t>12/01/2026</a:t>
             </a:fld>
             <a:endParaRPr lang="fr-FR"/>
           </a:p>
@@ -2359,7 +2359,7 @@
           <a:p>
             <a:fld id="{D7F135F6-2A09-4FDD-9ECA-096E230CA0FA}" type="datetimeFigureOut">
               <a:rPr lang="fr-FR" smtClean="0"/>
-              <a:t>20/10/2025</a:t>
+              <a:t>12/01/2026</a:t>
             </a:fld>
             <a:endParaRPr lang="fr-FR"/>
           </a:p>
@@ -2716,7 +2716,7 @@
           <a:p>
             <a:fld id="{D7F135F6-2A09-4FDD-9ECA-096E230CA0FA}" type="datetimeFigureOut">
               <a:rPr lang="fr-FR" smtClean="0"/>
-              <a:t>20/10/2025</a:t>
+              <a:t>12/01/2026</a:t>
             </a:fld>
             <a:endParaRPr lang="fr-FR"/>
           </a:p>
@@ -3101,7 +3101,7 @@
           <a:p>
             <a:fld id="{D7F135F6-2A09-4FDD-9ECA-096E230CA0FA}" type="datetimeFigureOut">
               <a:rPr lang="fr-FR" smtClean="0"/>
-              <a:t>20/10/2025</a:t>
+              <a:t>12/01/2026</a:t>
             </a:fld>
             <a:endParaRPr lang="fr-FR"/>
           </a:p>
@@ -3405,7 +3405,7 @@
           <a:p>
             <a:fld id="{D7F135F6-2A09-4FDD-9ECA-096E230CA0FA}" type="datetimeFigureOut">
               <a:rPr lang="fr-FR" smtClean="0"/>
-              <a:t>20/10/2025</a:t>
+              <a:t>12/01/2026</a:t>
             </a:fld>
             <a:endParaRPr lang="fr-FR" dirty="0"/>
           </a:p>
@@ -4375,7 +4375,14 @@
                         <a:latin typeface="Cambria Math" panose="02040503050406030204" pitchFamily="18" charset="0"/>
                         <a:ea typeface="Cambria Math" panose="02040503050406030204" pitchFamily="18" charset="0"/>
                       </a:rPr>
-                      <m:t>=0</m:t>
+                      <m:t>=</m:t>
+                    </m:r>
+                    <m:r>
+                      <a:rPr lang="fr-FR" b="0" i="1" smtClean="0">
+                        <a:latin typeface="Cambria Math" panose="02040503050406030204" pitchFamily="18" charset="0"/>
+                        <a:ea typeface="Cambria Math" panose="02040503050406030204" pitchFamily="18" charset="0"/>
+                      </a:rPr>
+                      <m:t>0</m:t>
                     </m:r>
                   </m:oMath>
                 </a14:m>
@@ -4466,7 +4473,14 @@
                             <a:latin typeface="Cambria Math" panose="02040503050406030204" pitchFamily="18" charset="0"/>
                             <a:ea typeface="Cambria Math" panose="02040503050406030204" pitchFamily="18" charset="0"/>
                           </a:rPr>
-                          <m:t>0 </m:t>
+                          <m:t>0</m:t>
+                        </m:r>
+                        <m:r>
+                          <a:rPr lang="fr-FR" b="0" i="1" smtClean="0">
+                            <a:latin typeface="Cambria Math" panose="02040503050406030204" pitchFamily="18" charset="0"/>
+                            <a:ea typeface="Cambria Math" panose="02040503050406030204" pitchFamily="18" charset="0"/>
+                          </a:rPr>
+                          <m:t> </m:t>
                         </m:r>
                       </m:e>
                     </m:d>
@@ -4617,7 +4631,14 @@
                             <a:latin typeface="Cambria Math" panose="02040503050406030204" pitchFamily="18" charset="0"/>
                             <a:ea typeface="Cambria Math" panose="02040503050406030204" pitchFamily="18" charset="0"/>
                           </a:rPr>
-                          <m:t>0 </m:t>
+                          <m:t>0</m:t>
+                        </m:r>
+                        <m:r>
+                          <a:rPr lang="fr-FR" b="0" i="1" smtClean="0">
+                            <a:latin typeface="Cambria Math" panose="02040503050406030204" pitchFamily="18" charset="0"/>
+                            <a:ea typeface="Cambria Math" panose="02040503050406030204" pitchFamily="18" charset="0"/>
+                          </a:rPr>
+                          <m:t> </m:t>
                         </m:r>
                       </m:e>
                     </m:d>
@@ -6099,7 +6120,14 @@
                           <a:latin typeface="Cambria Math" panose="02040503050406030204" pitchFamily="18" charset="0"/>
                           <a:ea typeface="Cambria Math" panose="02040503050406030204" pitchFamily="18" charset="0"/>
                         </a:rPr>
-                        <m:t>=0</m:t>
+                        <m:t>=</m:t>
+                      </m:r>
+                      <m:r>
+                        <a:rPr lang="fr-FR" b="0" i="1" smtClean="0">
+                          <a:latin typeface="Cambria Math" panose="02040503050406030204" pitchFamily="18" charset="0"/>
+                          <a:ea typeface="Cambria Math" panose="02040503050406030204" pitchFamily="18" charset="0"/>
+                        </a:rPr>
+                        <m:t>0</m:t>
                       </m:r>
                     </m:oMath>
                   </m:oMathPara>
@@ -20233,20 +20261,18 @@
           </p:cNvPr>
           <p:cNvCxnSpPr>
             <a:cxnSpLocks/>
-            <a:stCxn id="10" idx="3"/>
-            <a:endCxn id="45" idx="3"/>
+            <a:stCxn id="8" idx="3"/>
+            <a:endCxn id="45" idx="0"/>
           </p:cNvCxnSpPr>
           <p:nvPr/>
         </p:nvCxnSpPr>
         <p:spPr>
-          <a:xfrm flipH="1">
-            <a:off x="6795600" y="1813957"/>
-            <a:ext cx="33719" cy="1346496"/>
+          <a:xfrm>
+            <a:off x="4669319" y="1818298"/>
+            <a:ext cx="131551" cy="1176476"/>
           </a:xfrm>
-          <a:prstGeom prst="bentConnector3">
-            <a:avLst>
-              <a:gd name="adj1" fmla="val -1067152"/>
-            </a:avLst>
+          <a:prstGeom prst="bentConnector2">
+            <a:avLst/>
           </a:prstGeom>
           <a:ln w="25400">
             <a:solidFill>
@@ -20285,7 +20311,7 @@
         </p:nvSpPr>
         <p:spPr>
           <a:xfrm>
-            <a:off x="5389319" y="2994774"/>
+            <a:off x="4097729" y="2994774"/>
             <a:ext cx="1406281" cy="331358"/>
           </a:xfrm>
           <a:prstGeom prst="roundRect">
@@ -20352,7 +20378,7 @@
         <p:spPr>
           <a:xfrm rot="10800000" flipV="1">
             <a:off x="3938895" y="3160453"/>
-            <a:ext cx="1450425" cy="377472"/>
+            <a:ext cx="158835" cy="377472"/>
           </a:xfrm>
           <a:prstGeom prst="bentConnector2">
             <a:avLst/>
@@ -21054,8 +21080,8 @@
           </p:sp>
         </mc:Fallback>
       </mc:AlternateContent>
-      <mc:AlternateContent xmlns:mc="http://schemas.openxmlformats.org/markup-compatibility/2006" xmlns:a14="http://schemas.microsoft.com/office/drawing/2010/main">
-        <mc:Choice Requires="a14">
+      <mc:AlternateContent xmlns:mc="http://schemas.openxmlformats.org/markup-compatibility/2006">
+        <mc:Choice xmlns:a14="http://schemas.microsoft.com/office/drawing/2010/main" Requires="a14">
           <p:sp>
             <p:nvSpPr>
               <p:cNvPr id="65" name="ZoneTexte 64">
@@ -21071,7 +21097,7 @@
             <p:spPr>
               <a:xfrm>
                 <a:off x="2282648" y="3831108"/>
-                <a:ext cx="1161960" cy="461665"/>
+                <a:ext cx="1161960" cy="646331"/>
               </a:xfrm>
               <a:prstGeom prst="rect">
                 <a:avLst/>
@@ -21092,23 +21118,20 @@
                     </a:solidFill>
                     <a:latin typeface="Arial Nova" panose="020B0504020202020204" pitchFamily="34" charset="0"/>
                   </a:rPr>
-                  <a:t> xx V </a:t>
+                  <a:t> 24 V </a:t>
                 </a:r>
-                <a14:m>
-                  <m:oMath xmlns:m="http://schemas.openxmlformats.org/officeDocument/2006/math">
-                    <m:r>
-                      <a:rPr lang="fr-FR" sz="1200" b="1" i="0" smtClean="0">
-                        <a:solidFill>
-                          <a:srgbClr val="FFB25A"/>
-                        </a:solidFill>
-                        <a:latin typeface="Cambria Math" panose="02040503050406030204" pitchFamily="18" charset="0"/>
-                        <a:ea typeface="Cambria Math" panose="02040503050406030204" pitchFamily="18" charset="0"/>
-                        <a:cs typeface="Calibri" panose="020F0502020204030204" pitchFamily="34" charset="0"/>
-                      </a:rPr>
-                      <m:t>=</m:t>
-                    </m:r>
-                  </m:oMath>
-                </a14:m>
+              </a:p>
+              <a:p>
+                <a:pPr algn="ctr"/>
+                <a:r>
+                  <a:rPr lang="fr-FR" sz="1200" b="1" dirty="0">
+                    <a:solidFill>
+                      <a:srgbClr val="FFB25A"/>
+                    </a:solidFill>
+                    <a:latin typeface="Arial Nova" panose="020B0504020202020204" pitchFamily="34" charset="0"/>
+                  </a:rPr>
+                  <a:t>Continu</a:t>
+                </a:r>
                 <a:endParaRPr lang="fr-FR" sz="1200" b="1" dirty="0">
                   <a:solidFill>
                     <a:srgbClr val="FFB25A"/>
@@ -21169,7 +21192,7 @@
             </p:txBody>
           </p:sp>
         </mc:Choice>
-        <mc:Fallback xmlns="">
+        <mc:Fallback>
           <p:sp>
             <p:nvSpPr>
               <p:cNvPr id="65" name="ZoneTexte 64">
@@ -21187,7 +21210,7 @@
             <p:spPr>
               <a:xfrm>
                 <a:off x="2282648" y="3831108"/>
-                <a:ext cx="1161960" cy="461665"/>
+                <a:ext cx="1161960" cy="646331"/>
               </a:xfrm>
               <a:prstGeom prst="rect">
                 <a:avLst/>
@@ -21509,8 +21532,8 @@
           </p:spPr>
         </p:pic>
       </p:grpSp>
-      <mc:AlternateContent xmlns:mc="http://schemas.openxmlformats.org/markup-compatibility/2006" xmlns:a14="http://schemas.microsoft.com/office/drawing/2010/main">
-        <mc:Choice Requires="a14">
+      <mc:AlternateContent xmlns:mc="http://schemas.openxmlformats.org/markup-compatibility/2006">
+        <mc:Choice xmlns:a14="http://schemas.microsoft.com/office/drawing/2010/main" Requires="a14">
           <p:sp>
             <p:nvSpPr>
               <p:cNvPr id="2" name="ZoneTexte 1">
@@ -21526,7 +21549,7 @@
             <p:spPr>
               <a:xfrm>
                 <a:off x="4452429" y="3859412"/>
-                <a:ext cx="1161960" cy="461665"/>
+                <a:ext cx="1161960" cy="646331"/>
               </a:xfrm>
               <a:prstGeom prst="rect">
                 <a:avLst/>
@@ -21547,29 +21570,8 @@
                     </a:solidFill>
                     <a:latin typeface="Arial Nova" panose="020B0504020202020204" pitchFamily="34" charset="0"/>
                   </a:rPr>
-                  <a:t> xx V </a:t>
+                  <a:t> 24 V modulée</a:t>
                 </a:r>
-                <a14:m>
-                  <m:oMath xmlns:m="http://schemas.openxmlformats.org/officeDocument/2006/math">
-                    <m:r>
-                      <a:rPr lang="fr-FR" sz="1200" b="1" i="0" smtClean="0">
-                        <a:solidFill>
-                          <a:srgbClr val="FFB25A"/>
-                        </a:solidFill>
-                        <a:latin typeface="Cambria Math" panose="02040503050406030204" pitchFamily="18" charset="0"/>
-                        <a:ea typeface="Cambria Math" panose="02040503050406030204" pitchFamily="18" charset="0"/>
-                        <a:cs typeface="Calibri" panose="020F0502020204030204" pitchFamily="34" charset="0"/>
-                      </a:rPr>
-                      <m:t>=</m:t>
-                    </m:r>
-                  </m:oMath>
-                </a14:m>
-                <a:endParaRPr lang="fr-FR" sz="1200" b="1" dirty="0">
-                  <a:solidFill>
-                    <a:srgbClr val="FFB25A"/>
-                  </a:solidFill>
-                  <a:latin typeface="Arial Nova" panose="020B0504020202020204" pitchFamily="34" charset="0"/>
-                </a:endParaRPr>
               </a:p>
               <a:p>
                 <a:pPr algn="ctr"/>
@@ -21622,7 +21624,7 @@
             </p:txBody>
           </p:sp>
         </mc:Choice>
-        <mc:Fallback xmlns="">
+        <mc:Fallback>
           <p:sp>
             <p:nvSpPr>
               <p:cNvPr id="2" name="ZoneTexte 1">
@@ -21640,13 +21642,13 @@
             <p:spPr>
               <a:xfrm>
                 <a:off x="4452429" y="3859412"/>
-                <a:ext cx="1161960" cy="461665"/>
+                <a:ext cx="1161960" cy="646331"/>
               </a:xfrm>
               <a:prstGeom prst="rect">
                 <a:avLst/>
               </a:prstGeom>
               <a:blipFill>
-                <a:blip r:embed="rId9"/>
+                <a:blip r:embed="rId13"/>
                 <a:stretch>
                   <a:fillRect/>
                 </a:stretch>
@@ -21754,7 +21756,7 @@
             <p:nvPr/>
           </p:nvPicPr>
           <p:blipFill>
-            <a:blip r:embed="rId13"/>
+            <a:blip r:embed="rId14"/>
             <a:stretch>
               <a:fillRect/>
             </a:stretch>
@@ -21960,7 +21962,7 @@
             <p:nvPr/>
           </p:nvPicPr>
           <p:blipFill>
-            <a:blip r:embed="rId13"/>
+            <a:blip r:embed="rId14"/>
             <a:stretch>
               <a:fillRect/>
             </a:stretch>
@@ -22063,7 +22065,7 @@
             <p:nvPr/>
           </p:nvPicPr>
           <p:blipFill>
-            <a:blip r:embed="rId14"/>
+            <a:blip r:embed="rId15"/>
             <a:stretch>
               <a:fillRect/>
             </a:stretch>
@@ -22166,7 +22168,7 @@
             <p:nvPr/>
           </p:nvPicPr>
           <p:blipFill>
-            <a:blip r:embed="rId14"/>
+            <a:blip r:embed="rId15"/>
             <a:stretch>
               <a:fillRect/>
             </a:stretch>
@@ -22269,7 +22271,7 @@
             <p:nvPr/>
           </p:nvPicPr>
           <p:blipFill>
-            <a:blip r:embed="rId15"/>
+            <a:blip r:embed="rId16"/>
             <a:stretch>
               <a:fillRect/>
             </a:stretch>
@@ -22372,7 +22374,7 @@
             <p:nvPr/>
           </p:nvPicPr>
           <p:blipFill>
-            <a:blip r:embed="rId16"/>
+            <a:blip r:embed="rId17"/>
             <a:stretch>
               <a:fillRect/>
             </a:stretch>
@@ -22475,7 +22477,7 @@
             <p:nvPr/>
           </p:nvPicPr>
           <p:blipFill>
-            <a:blip r:embed="rId17"/>
+            <a:blip r:embed="rId18"/>
             <a:stretch>
               <a:fillRect/>
             </a:stretch>
@@ -22805,7 +22807,7 @@
                 <a:avLst/>
               </a:prstGeom>
               <a:blipFill>
-                <a:blip r:embed="rId18"/>
+                <a:blip r:embed="rId19"/>
                 <a:stretch>
                   <a:fillRect/>
                 </a:stretch>
@@ -22967,7 +22969,7 @@
                 <a:avLst/>
               </a:prstGeom>
               <a:blipFill>
-                <a:blip r:embed="rId19"/>
+                <a:blip r:embed="rId20"/>
                 <a:stretch>
                   <a:fillRect/>
                 </a:stretch>
@@ -23211,7 +23213,7 @@
             <p:nvPr/>
           </p:nvPicPr>
           <p:blipFill>
-            <a:blip r:embed="rId20"/>
+            <a:blip r:embed="rId21"/>
             <a:stretch>
               <a:fillRect/>
             </a:stretch>
@@ -23395,7 +23397,7 @@
                 <a:avLst/>
               </a:prstGeom>
               <a:blipFill>
-                <a:blip r:embed="rId21"/>
+                <a:blip r:embed="rId22"/>
                 <a:stretch>
                   <a:fillRect/>
                 </a:stretch>
@@ -23661,8 +23663,8 @@
           </a:p>
         </p:txBody>
       </p:sp>
-      <mc:AlternateContent xmlns:mc="http://schemas.openxmlformats.org/markup-compatibility/2006">
-        <mc:Choice xmlns:a14="http://schemas.microsoft.com/office/drawing/2010/main" Requires="a14">
+      <mc:AlternateContent xmlns:mc="http://schemas.openxmlformats.org/markup-compatibility/2006" xmlns:a14="http://schemas.microsoft.com/office/drawing/2010/main">
+        <mc:Choice Requires="a14">
           <p:sp>
             <p:nvSpPr>
               <p:cNvPr id="3" name="Espace réservé du contenu 2">
@@ -23798,7 +23800,7 @@
             </p:txBody>
           </p:sp>
         </mc:Choice>
-        <mc:Fallback>
+        <mc:Fallback xmlns="">
           <p:sp>
             <p:nvSpPr>
               <p:cNvPr id="3" name="Espace réservé du contenu 2">
@@ -23902,8 +23904,8 @@
           </a:p>
         </p:txBody>
       </p:sp>
-      <mc:AlternateContent xmlns:mc="http://schemas.openxmlformats.org/markup-compatibility/2006">
-        <mc:Choice xmlns:a14="http://schemas.microsoft.com/office/drawing/2010/main" Requires="a14">
+      <mc:AlternateContent xmlns:mc="http://schemas.openxmlformats.org/markup-compatibility/2006" xmlns:a14="http://schemas.microsoft.com/office/drawing/2010/main">
+        <mc:Choice Requires="a14">
           <p:sp>
             <p:nvSpPr>
               <p:cNvPr id="3" name="Espace réservé du contenu 2">
@@ -24259,7 +24261,7 @@
                     <m:sSub>
                       <m:sSubPr>
                         <m:ctrlPr>
-                          <a:rPr lang="fr-FR" b="0" i="0" smtClean="0">
+                          <a:rPr lang="fr-FR" b="0" i="1" smtClean="0">
                             <a:latin typeface="Cambria Math" panose="02040503050406030204" pitchFamily="18" charset="0"/>
                           </a:rPr>
                         </m:ctrlPr>
@@ -24359,7 +24361,7 @@
             </p:txBody>
           </p:sp>
         </mc:Choice>
-        <mc:Fallback>
+        <mc:Fallback xmlns="">
           <p:sp>
             <p:nvSpPr>
               <p:cNvPr id="3" name="Espace réservé du contenu 2">
